--- a/slides/T320_Classificação (Parte I).pptx
+++ b/slides/T320_Classificação (Parte I).pptx
@@ -5,10 +5,10 @@
     <p:sldMasterId id="2147483648" r:id="rId1"/>
   </p:sldMasterIdLst>
   <p:notesMasterIdLst>
-    <p:notesMasterId r:id="rId24"/>
+    <p:notesMasterId r:id="rId22"/>
   </p:notesMasterIdLst>
   <p:handoutMasterIdLst>
-    <p:handoutMasterId r:id="rId25"/>
+    <p:handoutMasterId r:id="rId23"/>
   </p:handoutMasterIdLst>
   <p:sldIdLst>
     <p:sldId id="256" r:id="rId2"/>
@@ -27,12 +27,10 @@
     <p:sldId id="335" r:id="rId15"/>
     <p:sldId id="336" r:id="rId16"/>
     <p:sldId id="337" r:id="rId17"/>
-    <p:sldId id="326" r:id="rId18"/>
-    <p:sldId id="327" r:id="rId19"/>
-    <p:sldId id="324" r:id="rId20"/>
-    <p:sldId id="306" r:id="rId21"/>
-    <p:sldId id="339" r:id="rId22"/>
-    <p:sldId id="341" r:id="rId23"/>
+    <p:sldId id="324" r:id="rId18"/>
+    <p:sldId id="306" r:id="rId19"/>
+    <p:sldId id="339" r:id="rId20"/>
+    <p:sldId id="341" r:id="rId21"/>
   </p:sldIdLst>
   <p:sldSz cx="12192000" cy="6858000"/>
   <p:notesSz cx="7315200" cy="9601200"/>
@@ -1403,6 +1401,262 @@
           <a:bodyPr/>
           <a:lstStyle/>
           <a:p>
+            <a:pPr marL="0" marR="0" lvl="0" indent="0" algn="l" defTabSz="914400" rtl="0" eaLnBrk="1" fontAlgn="auto" latinLnBrk="0" hangingPunct="1">
+              <a:lnSpc>
+                <a:spcPct val="100000"/>
+              </a:lnSpc>
+              <a:spcBef>
+                <a:spcPts val="0"/>
+              </a:spcBef>
+              <a:spcAft>
+                <a:spcPts val="0"/>
+              </a:spcAft>
+              <a:buClrTx/>
+              <a:buSzTx/>
+              <a:buFontTx/>
+              <a:buNone/>
+              <a:tabLst/>
+              <a:defRPr/>
+            </a:pPr>
+            <a:r>
+              <a:rPr lang="pt-BR" sz="1200" b="1" dirty="0" smtClean="0"/>
+              <a:t>Exemplo</a:t>
+            </a:r>
+            <a:r>
+              <a:rPr lang="pt-BR" sz="1200" dirty="0" smtClean="0"/>
+              <a:t>: </a:t>
+            </a:r>
+          </a:p>
+          <a:p>
+            <a:pPr marL="0" marR="0" lvl="0" indent="0" algn="l" defTabSz="914400" rtl="0" eaLnBrk="1" fontAlgn="auto" latinLnBrk="0" hangingPunct="1">
+              <a:lnSpc>
+                <a:spcPct val="100000"/>
+              </a:lnSpc>
+              <a:spcBef>
+                <a:spcPts val="0"/>
+              </a:spcBef>
+              <a:spcAft>
+                <a:spcPts val="0"/>
+              </a:spcAft>
+              <a:buClrTx/>
+              <a:buSzTx/>
+              <a:buFontTx/>
+              <a:buNone/>
+              <a:tabLst/>
+              <a:defRPr/>
+            </a:pPr>
+            <a:endParaRPr lang="pt-BR" sz="1200" dirty="0" smtClean="0"/>
+          </a:p>
+          <a:p>
+            <a:pPr marL="0" marR="0" lvl="0" indent="0" algn="l" defTabSz="914400" rtl="0" eaLnBrk="1" fontAlgn="auto" latinLnBrk="0" hangingPunct="1">
+              <a:lnSpc>
+                <a:spcPct val="100000"/>
+              </a:lnSpc>
+              <a:spcBef>
+                <a:spcPts val="0"/>
+              </a:spcBef>
+              <a:spcAft>
+                <a:spcPts val="0"/>
+              </a:spcAft>
+              <a:buClrTx/>
+              <a:buSzTx/>
+              <a:buFontTx/>
+              <a:buNone/>
+              <a:tabLst/>
+              <a:defRPr/>
+            </a:pPr>
+            <a:r>
+              <a:rPr lang="pt-BR" sz="1200" dirty="0" smtClean="0"/>
+              <a:t>Binder: https://</a:t>
+            </a:r>
+            <a:r>
+              <a:rPr lang="pt-BR" sz="1200" b="0" i="0" dirty="0" smtClean="0"/>
+              <a:t>mybinder.org/v2/gh/zz4fap/t320_aprendizado_de_maquina/main?filepath=notebooks%2Fclassificação%2F</a:t>
+            </a:r>
+            <a:r>
+              <a:rPr lang="pt-BR" sz="1200" b="0" i="0" kern="1200" dirty="0" smtClean="0">
+                <a:solidFill>
+                  <a:schemeClr val="tx1"/>
+                </a:solidFill>
+                <a:effectLst/>
+                <a:latin typeface="+mn-lt"/>
+                <a:ea typeface="+mn-ea"/>
+                <a:cs typeface="+mn-cs"/>
+              </a:rPr>
+              <a:t>encontrando_pesos_da_função_discriminante.ipynb</a:t>
+            </a:r>
+            <a:endParaRPr lang="pt-BR" sz="1200" b="0" i="0" dirty="0" smtClean="0"/>
+          </a:p>
+          <a:p>
+            <a:pPr marL="0" lvl="0" indent="0" algn="l" rtl="0">
+              <a:spcBef>
+                <a:spcPts val="0"/>
+              </a:spcBef>
+              <a:spcAft>
+                <a:spcPts val="0"/>
+              </a:spcAft>
+              <a:buNone/>
+            </a:pPr>
+            <a:endParaRPr lang="pt-BR" sz="1200" dirty="0" smtClean="0">
+              <a:solidFill>
+                <a:srgbClr val="222222"/>
+              </a:solidFill>
+              <a:highlight>
+                <a:srgbClr val="FFFFFF"/>
+              </a:highlight>
+              <a:latin typeface="Arial"/>
+              <a:ea typeface="Arial"/>
+              <a:cs typeface="Arial"/>
+              <a:sym typeface="Arial"/>
+            </a:endParaRPr>
+          </a:p>
+          <a:p>
+            <a:pPr marL="0" lvl="0" indent="0" algn="l" rtl="0">
+              <a:spcBef>
+                <a:spcPts val="0"/>
+              </a:spcBef>
+              <a:spcAft>
+                <a:spcPts val="0"/>
+              </a:spcAft>
+              <a:buNone/>
+            </a:pPr>
+            <a:r>
+              <a:rPr lang="pt-BR" sz="1200" dirty="0" smtClean="0">
+                <a:solidFill>
+                  <a:srgbClr val="222222"/>
+                </a:solidFill>
+                <a:highlight>
+                  <a:srgbClr val="FFFFFF"/>
+                </a:highlight>
+                <a:latin typeface="Arial"/>
+                <a:ea typeface="Arial"/>
+                <a:cs typeface="Arial"/>
+                <a:sym typeface="Arial"/>
+              </a:rPr>
+              <a:t>Colab: </a:t>
+            </a:r>
+            <a:r>
+              <a:rPr lang="pt-BR" sz="1200" dirty="0" smtClean="0"/>
+              <a:t>https://colab.research.google.com/github/zz4fap/t320_aprendizado_de_maquina/blob/main/notebooks/</a:t>
+            </a:r>
+            <a:r>
+              <a:rPr lang="pt-BR" sz="1200" b="0" i="0" dirty="0" smtClean="0"/>
+              <a:t>classificação</a:t>
+            </a:r>
+            <a:r>
+              <a:rPr lang="pt-BR" sz="1200" dirty="0" smtClean="0"/>
+              <a:t>/</a:t>
+            </a:r>
+            <a:r>
+              <a:rPr lang="pt-BR" sz="1200" b="0" i="0" kern="1200" dirty="0" smtClean="0">
+                <a:solidFill>
+                  <a:schemeClr val="tx1"/>
+                </a:solidFill>
+                <a:effectLst/>
+                <a:latin typeface="+mn-lt"/>
+                <a:ea typeface="+mn-ea"/>
+                <a:cs typeface="+mn-cs"/>
+              </a:rPr>
+              <a:t>encontrando_pesos_da_função_discriminante.ipynb</a:t>
+            </a:r>
+            <a:endParaRPr lang="pt-BR" sz="1200" dirty="0" smtClean="0">
+              <a:solidFill>
+                <a:srgbClr val="222222"/>
+              </a:solidFill>
+              <a:highlight>
+                <a:srgbClr val="FFFFFF"/>
+              </a:highlight>
+              <a:latin typeface="Arial"/>
+              <a:ea typeface="Arial"/>
+              <a:cs typeface="Arial"/>
+              <a:sym typeface="Arial"/>
+            </a:endParaRPr>
+          </a:p>
+          <a:p>
+            <a:endParaRPr lang="pt-BR" dirty="0"/>
+          </a:p>
+        </p:txBody>
+      </p:sp>
+      <p:sp>
+        <p:nvSpPr>
+          <p:cNvPr id="4" name="Slide Number Placeholder 3"/>
+          <p:cNvSpPr>
+            <a:spLocks noGrp="1"/>
+          </p:cNvSpPr>
+          <p:nvPr>
+            <p:ph type="sldNum" sz="quarter" idx="10"/>
+          </p:nvPr>
+        </p:nvSpPr>
+        <p:spPr/>
+        <p:txBody>
+          <a:bodyPr/>
+          <a:lstStyle/>
+          <a:p>
+            <a:fld id="{6FC8D850-966F-45A6-8DE7-15B891E7D40D}" type="slidenum">
+              <a:rPr lang="pt-BR" smtClean="0"/>
+              <a:t>16</a:t>
+            </a:fld>
+            <a:endParaRPr lang="pt-BR"/>
+          </a:p>
+        </p:txBody>
+      </p:sp>
+    </p:spTree>
+    <p:extLst>
+      <p:ext uri="{BB962C8B-B14F-4D97-AF65-F5344CB8AC3E}">
+        <p14:creationId xmlns:p14="http://schemas.microsoft.com/office/powerpoint/2010/main" val="2185196274"/>
+      </p:ext>
+    </p:extLst>
+  </p:cSld>
+  <p:clrMapOvr>
+    <a:masterClrMapping/>
+  </p:clrMapOvr>
+</p:notes>
+</file>
+
+<file path=ppt/notesSlides/notesSlide9.xml><?xml version="1.0" encoding="utf-8"?>
+<p:notes xmlns:a="http://schemas.openxmlformats.org/drawingml/2006/main" xmlns:r="http://schemas.openxmlformats.org/officeDocument/2006/relationships" xmlns:p="http://schemas.openxmlformats.org/presentationml/2006/main">
+  <p:cSld>
+    <p:spTree>
+      <p:nvGrpSpPr>
+        <p:cNvPr id="1" name=""/>
+        <p:cNvGrpSpPr/>
+        <p:nvPr/>
+      </p:nvGrpSpPr>
+      <p:grpSpPr>
+        <a:xfrm>
+          <a:off x="0" y="0"/>
+          <a:ext cx="0" cy="0"/>
+          <a:chOff x="0" y="0"/>
+          <a:chExt cx="0" cy="0"/>
+        </a:xfrm>
+      </p:grpSpPr>
+      <p:sp>
+        <p:nvSpPr>
+          <p:cNvPr id="2" name="Slide Image Placeholder 1"/>
+          <p:cNvSpPr>
+            <a:spLocks noGrp="1" noRot="1" noChangeAspect="1"/>
+          </p:cNvSpPr>
+          <p:nvPr>
+            <p:ph type="sldImg"/>
+          </p:nvPr>
+        </p:nvSpPr>
+        <p:spPr/>
+      </p:sp>
+      <p:sp>
+        <p:nvSpPr>
+          <p:cNvPr id="3" name="Notes Placeholder 2"/>
+          <p:cNvSpPr>
+            <a:spLocks noGrp="1"/>
+          </p:cNvSpPr>
+          <p:nvPr>
+            <p:ph type="body" idx="1"/>
+          </p:nvPr>
+        </p:nvSpPr>
+        <p:spPr/>
+        <p:txBody>
+          <a:bodyPr/>
+          <a:lstStyle/>
+          <a:p>
             <a:r>
               <a:rPr lang="pt-BR" sz="1200" b="1" dirty="0" smtClean="0"/>
               <a:t>Laboratório #1</a:t>
@@ -1434,7 +1688,7 @@
           <a:p>
             <a:fld id="{6FC8D850-966F-45A6-8DE7-15B891E7D40D}" type="slidenum">
               <a:rPr lang="pt-BR" smtClean="0"/>
-              <a:t>19</a:t>
+              <a:t>17</a:t>
             </a:fld>
             <a:endParaRPr lang="pt-BR"/>
           </a:p>
@@ -1475,7 +1729,7 @@
           <p:cNvPr id="2" name="Título 1">
             <a:extLst>
               <a:ext uri="{FF2B5EF4-FFF2-40B4-BE49-F238E27FC236}">
-                <a16:creationId xmlns="" xmlns:a16="http://schemas.microsoft.com/office/drawing/2014/main" id="{1DB9B4FF-B06E-403C-A326-BDC64D8FF94E}"/>
+                <a16:creationId xmlns:a16="http://schemas.microsoft.com/office/drawing/2014/main" xmlns="" id="{1DB9B4FF-B06E-403C-A326-BDC64D8FF94E}"/>
               </a:ext>
             </a:extLst>
           </p:cNvPr>
@@ -1512,7 +1766,7 @@
           <p:cNvPr id="3" name="Subtítulo 2">
             <a:extLst>
               <a:ext uri="{FF2B5EF4-FFF2-40B4-BE49-F238E27FC236}">
-                <a16:creationId xmlns="" xmlns:a16="http://schemas.microsoft.com/office/drawing/2014/main" id="{247BDFCE-746E-45BF-A319-4733D58D1632}"/>
+                <a16:creationId xmlns:a16="http://schemas.microsoft.com/office/drawing/2014/main" xmlns="" id="{247BDFCE-746E-45BF-A319-4733D58D1632}"/>
               </a:ext>
             </a:extLst>
           </p:cNvPr>
@@ -1582,7 +1836,7 @@
           <p:cNvPr id="4" name="Espaço Reservado para Data 3">
             <a:extLst>
               <a:ext uri="{FF2B5EF4-FFF2-40B4-BE49-F238E27FC236}">
-                <a16:creationId xmlns="" xmlns:a16="http://schemas.microsoft.com/office/drawing/2014/main" id="{9EDE2778-5372-4104-B96D-968184DA8288}"/>
+                <a16:creationId xmlns:a16="http://schemas.microsoft.com/office/drawing/2014/main" xmlns="" id="{9EDE2778-5372-4104-B96D-968184DA8288}"/>
               </a:ext>
             </a:extLst>
           </p:cNvPr>
@@ -1611,7 +1865,7 @@
           <p:cNvPr id="5" name="Espaço Reservado para Rodapé 4">
             <a:extLst>
               <a:ext uri="{FF2B5EF4-FFF2-40B4-BE49-F238E27FC236}">
-                <a16:creationId xmlns="" xmlns:a16="http://schemas.microsoft.com/office/drawing/2014/main" id="{C1DD0F41-C861-4051-988D-3024A37A4B93}"/>
+                <a16:creationId xmlns:a16="http://schemas.microsoft.com/office/drawing/2014/main" xmlns="" id="{C1DD0F41-C861-4051-988D-3024A37A4B93}"/>
               </a:ext>
             </a:extLst>
           </p:cNvPr>
@@ -1636,7 +1890,7 @@
           <p:cNvPr id="6" name="Espaço Reservado para Número de Slide 5">
             <a:extLst>
               <a:ext uri="{FF2B5EF4-FFF2-40B4-BE49-F238E27FC236}">
-                <a16:creationId xmlns="" xmlns:a16="http://schemas.microsoft.com/office/drawing/2014/main" id="{07E5967E-D980-431A-A5DB-3F0C5030A81E}"/>
+                <a16:creationId xmlns:a16="http://schemas.microsoft.com/office/drawing/2014/main" xmlns="" id="{07E5967E-D980-431A-A5DB-3F0C5030A81E}"/>
               </a:ext>
             </a:extLst>
           </p:cNvPr>
@@ -1695,7 +1949,7 @@
           <p:cNvPr id="2" name="Título 1">
             <a:extLst>
               <a:ext uri="{FF2B5EF4-FFF2-40B4-BE49-F238E27FC236}">
-                <a16:creationId xmlns="" xmlns:a16="http://schemas.microsoft.com/office/drawing/2014/main" id="{9036C49F-3E68-4175-81BA-3C3FEE44308A}"/>
+                <a16:creationId xmlns:a16="http://schemas.microsoft.com/office/drawing/2014/main" xmlns="" id="{9036C49F-3E68-4175-81BA-3C3FEE44308A}"/>
               </a:ext>
             </a:extLst>
           </p:cNvPr>
@@ -1723,7 +1977,7 @@
           <p:cNvPr id="3" name="Espaço Reservado para Texto Vertical 2">
             <a:extLst>
               <a:ext uri="{FF2B5EF4-FFF2-40B4-BE49-F238E27FC236}">
-                <a16:creationId xmlns="" xmlns:a16="http://schemas.microsoft.com/office/drawing/2014/main" id="{426FA736-3DD3-4D4E-B57B-BBE1D8F7D424}"/>
+                <a16:creationId xmlns:a16="http://schemas.microsoft.com/office/drawing/2014/main" xmlns="" id="{426FA736-3DD3-4D4E-B57B-BBE1D8F7D424}"/>
               </a:ext>
             </a:extLst>
           </p:cNvPr>
@@ -1780,7 +2034,7 @@
           <p:cNvPr id="4" name="Espaço Reservado para Data 3">
             <a:extLst>
               <a:ext uri="{FF2B5EF4-FFF2-40B4-BE49-F238E27FC236}">
-                <a16:creationId xmlns="" xmlns:a16="http://schemas.microsoft.com/office/drawing/2014/main" id="{99E8855C-D8FD-48F6-B14E-861E0DE4D915}"/>
+                <a16:creationId xmlns:a16="http://schemas.microsoft.com/office/drawing/2014/main" xmlns="" id="{99E8855C-D8FD-48F6-B14E-861E0DE4D915}"/>
               </a:ext>
             </a:extLst>
           </p:cNvPr>
@@ -1809,7 +2063,7 @@
           <p:cNvPr id="5" name="Espaço Reservado para Rodapé 4">
             <a:extLst>
               <a:ext uri="{FF2B5EF4-FFF2-40B4-BE49-F238E27FC236}">
-                <a16:creationId xmlns="" xmlns:a16="http://schemas.microsoft.com/office/drawing/2014/main" id="{97C0BB88-2F21-42A5-ACFF-83DA47F2D340}"/>
+                <a16:creationId xmlns:a16="http://schemas.microsoft.com/office/drawing/2014/main" xmlns="" id="{97C0BB88-2F21-42A5-ACFF-83DA47F2D340}"/>
               </a:ext>
             </a:extLst>
           </p:cNvPr>
@@ -1834,7 +2088,7 @@
           <p:cNvPr id="6" name="Espaço Reservado para Número de Slide 5">
             <a:extLst>
               <a:ext uri="{FF2B5EF4-FFF2-40B4-BE49-F238E27FC236}">
-                <a16:creationId xmlns="" xmlns:a16="http://schemas.microsoft.com/office/drawing/2014/main" id="{6CB462B3-1F22-4C05-B4B8-7A279FB7D5E9}"/>
+                <a16:creationId xmlns:a16="http://schemas.microsoft.com/office/drawing/2014/main" xmlns="" id="{6CB462B3-1F22-4C05-B4B8-7A279FB7D5E9}"/>
               </a:ext>
             </a:extLst>
           </p:cNvPr>
@@ -1893,7 +2147,7 @@
           <p:cNvPr id="2" name="Título Vertical 1">
             <a:extLst>
               <a:ext uri="{FF2B5EF4-FFF2-40B4-BE49-F238E27FC236}">
-                <a16:creationId xmlns="" xmlns:a16="http://schemas.microsoft.com/office/drawing/2014/main" id="{EAEAB728-701C-4207-A9D5-23FF45C60502}"/>
+                <a16:creationId xmlns:a16="http://schemas.microsoft.com/office/drawing/2014/main" xmlns="" id="{EAEAB728-701C-4207-A9D5-23FF45C60502}"/>
               </a:ext>
             </a:extLst>
           </p:cNvPr>
@@ -1926,7 +2180,7 @@
           <p:cNvPr id="3" name="Espaço Reservado para Texto Vertical 2">
             <a:extLst>
               <a:ext uri="{FF2B5EF4-FFF2-40B4-BE49-F238E27FC236}">
-                <a16:creationId xmlns="" xmlns:a16="http://schemas.microsoft.com/office/drawing/2014/main" id="{BA8C8CCF-7823-480A-9A19-0F664DD17E3B}"/>
+                <a16:creationId xmlns:a16="http://schemas.microsoft.com/office/drawing/2014/main" xmlns="" id="{BA8C8CCF-7823-480A-9A19-0F664DD17E3B}"/>
               </a:ext>
             </a:extLst>
           </p:cNvPr>
@@ -1988,7 +2242,7 @@
           <p:cNvPr id="4" name="Espaço Reservado para Data 3">
             <a:extLst>
               <a:ext uri="{FF2B5EF4-FFF2-40B4-BE49-F238E27FC236}">
-                <a16:creationId xmlns="" xmlns:a16="http://schemas.microsoft.com/office/drawing/2014/main" id="{721D5734-7B1F-425D-942F-6EB73344027C}"/>
+                <a16:creationId xmlns:a16="http://schemas.microsoft.com/office/drawing/2014/main" xmlns="" id="{721D5734-7B1F-425D-942F-6EB73344027C}"/>
               </a:ext>
             </a:extLst>
           </p:cNvPr>
@@ -2017,7 +2271,7 @@
           <p:cNvPr id="5" name="Espaço Reservado para Rodapé 4">
             <a:extLst>
               <a:ext uri="{FF2B5EF4-FFF2-40B4-BE49-F238E27FC236}">
-                <a16:creationId xmlns="" xmlns:a16="http://schemas.microsoft.com/office/drawing/2014/main" id="{1E1AAEAC-F08D-45FE-89EC-B1B349A868C9}"/>
+                <a16:creationId xmlns:a16="http://schemas.microsoft.com/office/drawing/2014/main" xmlns="" id="{1E1AAEAC-F08D-45FE-89EC-B1B349A868C9}"/>
               </a:ext>
             </a:extLst>
           </p:cNvPr>
@@ -2042,7 +2296,7 @@
           <p:cNvPr id="6" name="Espaço Reservado para Número de Slide 5">
             <a:extLst>
               <a:ext uri="{FF2B5EF4-FFF2-40B4-BE49-F238E27FC236}">
-                <a16:creationId xmlns="" xmlns:a16="http://schemas.microsoft.com/office/drawing/2014/main" id="{BAA44493-9911-47B2-87A6-C2141A972BC8}"/>
+                <a16:creationId xmlns:a16="http://schemas.microsoft.com/office/drawing/2014/main" xmlns="" id="{BAA44493-9911-47B2-87A6-C2141A972BC8}"/>
               </a:ext>
             </a:extLst>
           </p:cNvPr>
@@ -2101,7 +2355,7 @@
           <p:cNvPr id="2" name="Título 1">
             <a:extLst>
               <a:ext uri="{FF2B5EF4-FFF2-40B4-BE49-F238E27FC236}">
-                <a16:creationId xmlns="" xmlns:a16="http://schemas.microsoft.com/office/drawing/2014/main" id="{71BD44A5-8F21-4626-A01D-48A1C874B1D5}"/>
+                <a16:creationId xmlns:a16="http://schemas.microsoft.com/office/drawing/2014/main" xmlns="" id="{71BD44A5-8F21-4626-A01D-48A1C874B1D5}"/>
               </a:ext>
             </a:extLst>
           </p:cNvPr>
@@ -2129,7 +2383,7 @@
           <p:cNvPr id="3" name="Espaço Reservado para Conteúdo 2">
             <a:extLst>
               <a:ext uri="{FF2B5EF4-FFF2-40B4-BE49-F238E27FC236}">
-                <a16:creationId xmlns="" xmlns:a16="http://schemas.microsoft.com/office/drawing/2014/main" id="{B79E8085-65A9-48AA-951D-71D978BFF4ED}"/>
+                <a16:creationId xmlns:a16="http://schemas.microsoft.com/office/drawing/2014/main" xmlns="" id="{B79E8085-65A9-48AA-951D-71D978BFF4ED}"/>
               </a:ext>
             </a:extLst>
           </p:cNvPr>
@@ -2186,7 +2440,7 @@
           <p:cNvPr id="4" name="Espaço Reservado para Data 3">
             <a:extLst>
               <a:ext uri="{FF2B5EF4-FFF2-40B4-BE49-F238E27FC236}">
-                <a16:creationId xmlns="" xmlns:a16="http://schemas.microsoft.com/office/drawing/2014/main" id="{F05BE1AF-51EA-425D-B188-DE7BD675009F}"/>
+                <a16:creationId xmlns:a16="http://schemas.microsoft.com/office/drawing/2014/main" xmlns="" id="{F05BE1AF-51EA-425D-B188-DE7BD675009F}"/>
               </a:ext>
             </a:extLst>
           </p:cNvPr>
@@ -2215,7 +2469,7 @@
           <p:cNvPr id="5" name="Espaço Reservado para Rodapé 4">
             <a:extLst>
               <a:ext uri="{FF2B5EF4-FFF2-40B4-BE49-F238E27FC236}">
-                <a16:creationId xmlns="" xmlns:a16="http://schemas.microsoft.com/office/drawing/2014/main" id="{121BE632-29CF-4CB9-B365-C9EF38F89BE6}"/>
+                <a16:creationId xmlns:a16="http://schemas.microsoft.com/office/drawing/2014/main" xmlns="" id="{121BE632-29CF-4CB9-B365-C9EF38F89BE6}"/>
               </a:ext>
             </a:extLst>
           </p:cNvPr>
@@ -2240,7 +2494,7 @@
           <p:cNvPr id="6" name="Espaço Reservado para Número de Slide 5">
             <a:extLst>
               <a:ext uri="{FF2B5EF4-FFF2-40B4-BE49-F238E27FC236}">
-                <a16:creationId xmlns="" xmlns:a16="http://schemas.microsoft.com/office/drawing/2014/main" id="{60CF3DD1-9AEC-4A57-B461-4E4DD86FAC18}"/>
+                <a16:creationId xmlns:a16="http://schemas.microsoft.com/office/drawing/2014/main" xmlns="" id="{60CF3DD1-9AEC-4A57-B461-4E4DD86FAC18}"/>
               </a:ext>
             </a:extLst>
           </p:cNvPr>
@@ -2299,7 +2553,7 @@
           <p:cNvPr id="2" name="Título 1">
             <a:extLst>
               <a:ext uri="{FF2B5EF4-FFF2-40B4-BE49-F238E27FC236}">
-                <a16:creationId xmlns="" xmlns:a16="http://schemas.microsoft.com/office/drawing/2014/main" id="{34AB2FF0-A4D7-4E28-991D-FF26140D5988}"/>
+                <a16:creationId xmlns:a16="http://schemas.microsoft.com/office/drawing/2014/main" xmlns="" id="{34AB2FF0-A4D7-4E28-991D-FF26140D5988}"/>
               </a:ext>
             </a:extLst>
           </p:cNvPr>
@@ -2336,7 +2590,7 @@
           <p:cNvPr id="3" name="Espaço Reservado para Texto 2">
             <a:extLst>
               <a:ext uri="{FF2B5EF4-FFF2-40B4-BE49-F238E27FC236}">
-                <a16:creationId xmlns="" xmlns:a16="http://schemas.microsoft.com/office/drawing/2014/main" id="{E2AC45B0-4145-40DB-8E61-105461170604}"/>
+                <a16:creationId xmlns:a16="http://schemas.microsoft.com/office/drawing/2014/main" xmlns="" id="{E2AC45B0-4145-40DB-8E61-105461170604}"/>
               </a:ext>
             </a:extLst>
           </p:cNvPr>
@@ -2461,7 +2715,7 @@
           <p:cNvPr id="4" name="Espaço Reservado para Data 3">
             <a:extLst>
               <a:ext uri="{FF2B5EF4-FFF2-40B4-BE49-F238E27FC236}">
-                <a16:creationId xmlns="" xmlns:a16="http://schemas.microsoft.com/office/drawing/2014/main" id="{50F1D3FB-740A-4EBA-A309-2CE71D12ECFB}"/>
+                <a16:creationId xmlns:a16="http://schemas.microsoft.com/office/drawing/2014/main" xmlns="" id="{50F1D3FB-740A-4EBA-A309-2CE71D12ECFB}"/>
               </a:ext>
             </a:extLst>
           </p:cNvPr>
@@ -2490,7 +2744,7 @@
           <p:cNvPr id="5" name="Espaço Reservado para Rodapé 4">
             <a:extLst>
               <a:ext uri="{FF2B5EF4-FFF2-40B4-BE49-F238E27FC236}">
-                <a16:creationId xmlns="" xmlns:a16="http://schemas.microsoft.com/office/drawing/2014/main" id="{BDCAB18F-8715-4465-A940-F9C193A2ACE9}"/>
+                <a16:creationId xmlns:a16="http://schemas.microsoft.com/office/drawing/2014/main" xmlns="" id="{BDCAB18F-8715-4465-A940-F9C193A2ACE9}"/>
               </a:ext>
             </a:extLst>
           </p:cNvPr>
@@ -2515,7 +2769,7 @@
           <p:cNvPr id="6" name="Espaço Reservado para Número de Slide 5">
             <a:extLst>
               <a:ext uri="{FF2B5EF4-FFF2-40B4-BE49-F238E27FC236}">
-                <a16:creationId xmlns="" xmlns:a16="http://schemas.microsoft.com/office/drawing/2014/main" id="{353466C6-8248-429F-8056-FF040BF509EB}"/>
+                <a16:creationId xmlns:a16="http://schemas.microsoft.com/office/drawing/2014/main" xmlns="" id="{353466C6-8248-429F-8056-FF040BF509EB}"/>
               </a:ext>
             </a:extLst>
           </p:cNvPr>
@@ -2574,7 +2828,7 @@
           <p:cNvPr id="2" name="Título 1">
             <a:extLst>
               <a:ext uri="{FF2B5EF4-FFF2-40B4-BE49-F238E27FC236}">
-                <a16:creationId xmlns="" xmlns:a16="http://schemas.microsoft.com/office/drawing/2014/main" id="{BC7BB9F0-F14B-4A91-B2B7-35BC47FE4DE7}"/>
+                <a16:creationId xmlns:a16="http://schemas.microsoft.com/office/drawing/2014/main" xmlns="" id="{BC7BB9F0-F14B-4A91-B2B7-35BC47FE4DE7}"/>
               </a:ext>
             </a:extLst>
           </p:cNvPr>
@@ -2602,7 +2856,7 @@
           <p:cNvPr id="3" name="Espaço Reservado para Conteúdo 2">
             <a:extLst>
               <a:ext uri="{FF2B5EF4-FFF2-40B4-BE49-F238E27FC236}">
-                <a16:creationId xmlns="" xmlns:a16="http://schemas.microsoft.com/office/drawing/2014/main" id="{EC1FC1C4-73DA-47A6-8496-B0B457F7D39A}"/>
+                <a16:creationId xmlns:a16="http://schemas.microsoft.com/office/drawing/2014/main" xmlns="" id="{EC1FC1C4-73DA-47A6-8496-B0B457F7D39A}"/>
               </a:ext>
             </a:extLst>
           </p:cNvPr>
@@ -2664,7 +2918,7 @@
           <p:cNvPr id="4" name="Espaço Reservado para Conteúdo 3">
             <a:extLst>
               <a:ext uri="{FF2B5EF4-FFF2-40B4-BE49-F238E27FC236}">
-                <a16:creationId xmlns="" xmlns:a16="http://schemas.microsoft.com/office/drawing/2014/main" id="{E92F06A8-A449-4D92-9912-76873E529B38}"/>
+                <a16:creationId xmlns:a16="http://schemas.microsoft.com/office/drawing/2014/main" xmlns="" id="{E92F06A8-A449-4D92-9912-76873E529B38}"/>
               </a:ext>
             </a:extLst>
           </p:cNvPr>
@@ -2726,7 +2980,7 @@
           <p:cNvPr id="5" name="Espaço Reservado para Data 4">
             <a:extLst>
               <a:ext uri="{FF2B5EF4-FFF2-40B4-BE49-F238E27FC236}">
-                <a16:creationId xmlns="" xmlns:a16="http://schemas.microsoft.com/office/drawing/2014/main" id="{938070A4-BC2F-4D55-BD8D-DEAF11BB9EE9}"/>
+                <a16:creationId xmlns:a16="http://schemas.microsoft.com/office/drawing/2014/main" xmlns="" id="{938070A4-BC2F-4D55-BD8D-DEAF11BB9EE9}"/>
               </a:ext>
             </a:extLst>
           </p:cNvPr>
@@ -2755,7 +3009,7 @@
           <p:cNvPr id="6" name="Espaço Reservado para Rodapé 5">
             <a:extLst>
               <a:ext uri="{FF2B5EF4-FFF2-40B4-BE49-F238E27FC236}">
-                <a16:creationId xmlns="" xmlns:a16="http://schemas.microsoft.com/office/drawing/2014/main" id="{45CC2DB8-844A-465F-BA9A-7734C80C7F43}"/>
+                <a16:creationId xmlns:a16="http://schemas.microsoft.com/office/drawing/2014/main" xmlns="" id="{45CC2DB8-844A-465F-BA9A-7734C80C7F43}"/>
               </a:ext>
             </a:extLst>
           </p:cNvPr>
@@ -2780,7 +3034,7 @@
           <p:cNvPr id="7" name="Espaço Reservado para Número de Slide 6">
             <a:extLst>
               <a:ext uri="{FF2B5EF4-FFF2-40B4-BE49-F238E27FC236}">
-                <a16:creationId xmlns="" xmlns:a16="http://schemas.microsoft.com/office/drawing/2014/main" id="{4CC606A8-097B-4040-94E0-CD8C88280D8F}"/>
+                <a16:creationId xmlns:a16="http://schemas.microsoft.com/office/drawing/2014/main" xmlns="" id="{4CC606A8-097B-4040-94E0-CD8C88280D8F}"/>
               </a:ext>
             </a:extLst>
           </p:cNvPr>
@@ -2839,7 +3093,7 @@
           <p:cNvPr id="2" name="Título 1">
             <a:extLst>
               <a:ext uri="{FF2B5EF4-FFF2-40B4-BE49-F238E27FC236}">
-                <a16:creationId xmlns="" xmlns:a16="http://schemas.microsoft.com/office/drawing/2014/main" id="{76D66686-0143-4CB6-8C09-BA326F1E7ACA}"/>
+                <a16:creationId xmlns:a16="http://schemas.microsoft.com/office/drawing/2014/main" xmlns="" id="{76D66686-0143-4CB6-8C09-BA326F1E7ACA}"/>
               </a:ext>
             </a:extLst>
           </p:cNvPr>
@@ -2872,7 +3126,7 @@
           <p:cNvPr id="3" name="Espaço Reservado para Texto 2">
             <a:extLst>
               <a:ext uri="{FF2B5EF4-FFF2-40B4-BE49-F238E27FC236}">
-                <a16:creationId xmlns="" xmlns:a16="http://schemas.microsoft.com/office/drawing/2014/main" id="{0227AB85-F59E-4BCE-B846-4FA0992C2F23}"/>
+                <a16:creationId xmlns:a16="http://schemas.microsoft.com/office/drawing/2014/main" xmlns="" id="{0227AB85-F59E-4BCE-B846-4FA0992C2F23}"/>
               </a:ext>
             </a:extLst>
           </p:cNvPr>
@@ -2943,7 +3197,7 @@
           <p:cNvPr id="4" name="Espaço Reservado para Conteúdo 3">
             <a:extLst>
               <a:ext uri="{FF2B5EF4-FFF2-40B4-BE49-F238E27FC236}">
-                <a16:creationId xmlns="" xmlns:a16="http://schemas.microsoft.com/office/drawing/2014/main" id="{3373456C-7319-4D0A-827D-D29F6B083F5D}"/>
+                <a16:creationId xmlns:a16="http://schemas.microsoft.com/office/drawing/2014/main" xmlns="" id="{3373456C-7319-4D0A-827D-D29F6B083F5D}"/>
               </a:ext>
             </a:extLst>
           </p:cNvPr>
@@ -3005,7 +3259,7 @@
           <p:cNvPr id="5" name="Espaço Reservado para Texto 4">
             <a:extLst>
               <a:ext uri="{FF2B5EF4-FFF2-40B4-BE49-F238E27FC236}">
-                <a16:creationId xmlns="" xmlns:a16="http://schemas.microsoft.com/office/drawing/2014/main" id="{4CD109D0-2E83-4262-8029-A871CEC47406}"/>
+                <a16:creationId xmlns:a16="http://schemas.microsoft.com/office/drawing/2014/main" xmlns="" id="{4CD109D0-2E83-4262-8029-A871CEC47406}"/>
               </a:ext>
             </a:extLst>
           </p:cNvPr>
@@ -3076,7 +3330,7 @@
           <p:cNvPr id="6" name="Espaço Reservado para Conteúdo 5">
             <a:extLst>
               <a:ext uri="{FF2B5EF4-FFF2-40B4-BE49-F238E27FC236}">
-                <a16:creationId xmlns="" xmlns:a16="http://schemas.microsoft.com/office/drawing/2014/main" id="{AD706E3A-CFBB-4A6C-A65F-D0360A9E74FE}"/>
+                <a16:creationId xmlns:a16="http://schemas.microsoft.com/office/drawing/2014/main" xmlns="" id="{AD706E3A-CFBB-4A6C-A65F-D0360A9E74FE}"/>
               </a:ext>
             </a:extLst>
           </p:cNvPr>
@@ -3138,7 +3392,7 @@
           <p:cNvPr id="7" name="Espaço Reservado para Data 6">
             <a:extLst>
               <a:ext uri="{FF2B5EF4-FFF2-40B4-BE49-F238E27FC236}">
-                <a16:creationId xmlns="" xmlns:a16="http://schemas.microsoft.com/office/drawing/2014/main" id="{4172C0E5-5AF0-4805-BB51-443733CD2BD5}"/>
+                <a16:creationId xmlns:a16="http://schemas.microsoft.com/office/drawing/2014/main" xmlns="" id="{4172C0E5-5AF0-4805-BB51-443733CD2BD5}"/>
               </a:ext>
             </a:extLst>
           </p:cNvPr>
@@ -3167,7 +3421,7 @@
           <p:cNvPr id="8" name="Espaço Reservado para Rodapé 7">
             <a:extLst>
               <a:ext uri="{FF2B5EF4-FFF2-40B4-BE49-F238E27FC236}">
-                <a16:creationId xmlns="" xmlns:a16="http://schemas.microsoft.com/office/drawing/2014/main" id="{0E801648-156F-497E-99CF-797DF48051E1}"/>
+                <a16:creationId xmlns:a16="http://schemas.microsoft.com/office/drawing/2014/main" xmlns="" id="{0E801648-156F-497E-99CF-797DF48051E1}"/>
               </a:ext>
             </a:extLst>
           </p:cNvPr>
@@ -3192,7 +3446,7 @@
           <p:cNvPr id="9" name="Espaço Reservado para Número de Slide 8">
             <a:extLst>
               <a:ext uri="{FF2B5EF4-FFF2-40B4-BE49-F238E27FC236}">
-                <a16:creationId xmlns="" xmlns:a16="http://schemas.microsoft.com/office/drawing/2014/main" id="{EEE23D32-80E7-4796-A137-66BF842E4B53}"/>
+                <a16:creationId xmlns:a16="http://schemas.microsoft.com/office/drawing/2014/main" xmlns="" id="{EEE23D32-80E7-4796-A137-66BF842E4B53}"/>
               </a:ext>
             </a:extLst>
           </p:cNvPr>
@@ -3251,7 +3505,7 @@
           <p:cNvPr id="2" name="Título 1">
             <a:extLst>
               <a:ext uri="{FF2B5EF4-FFF2-40B4-BE49-F238E27FC236}">
-                <a16:creationId xmlns="" xmlns:a16="http://schemas.microsoft.com/office/drawing/2014/main" id="{2BCE2379-C78F-47E1-8CFC-B846E7AF148D}"/>
+                <a16:creationId xmlns:a16="http://schemas.microsoft.com/office/drawing/2014/main" xmlns="" id="{2BCE2379-C78F-47E1-8CFC-B846E7AF148D}"/>
               </a:ext>
             </a:extLst>
           </p:cNvPr>
@@ -3279,7 +3533,7 @@
           <p:cNvPr id="3" name="Espaço Reservado para Data 2">
             <a:extLst>
               <a:ext uri="{FF2B5EF4-FFF2-40B4-BE49-F238E27FC236}">
-                <a16:creationId xmlns="" xmlns:a16="http://schemas.microsoft.com/office/drawing/2014/main" id="{342600A9-7F92-4E22-9D94-E4717252A817}"/>
+                <a16:creationId xmlns:a16="http://schemas.microsoft.com/office/drawing/2014/main" xmlns="" id="{342600A9-7F92-4E22-9D94-E4717252A817}"/>
               </a:ext>
             </a:extLst>
           </p:cNvPr>
@@ -3308,7 +3562,7 @@
           <p:cNvPr id="4" name="Espaço Reservado para Rodapé 3">
             <a:extLst>
               <a:ext uri="{FF2B5EF4-FFF2-40B4-BE49-F238E27FC236}">
-                <a16:creationId xmlns="" xmlns:a16="http://schemas.microsoft.com/office/drawing/2014/main" id="{192E6BED-F546-40CC-A2DF-99CBA853654E}"/>
+                <a16:creationId xmlns:a16="http://schemas.microsoft.com/office/drawing/2014/main" xmlns="" id="{192E6BED-F546-40CC-A2DF-99CBA853654E}"/>
               </a:ext>
             </a:extLst>
           </p:cNvPr>
@@ -3333,7 +3587,7 @@
           <p:cNvPr id="5" name="Espaço Reservado para Número de Slide 4">
             <a:extLst>
               <a:ext uri="{FF2B5EF4-FFF2-40B4-BE49-F238E27FC236}">
-                <a16:creationId xmlns="" xmlns:a16="http://schemas.microsoft.com/office/drawing/2014/main" id="{6091CC40-A8C4-4063-80EB-CC5099621678}"/>
+                <a16:creationId xmlns:a16="http://schemas.microsoft.com/office/drawing/2014/main" xmlns="" id="{6091CC40-A8C4-4063-80EB-CC5099621678}"/>
               </a:ext>
             </a:extLst>
           </p:cNvPr>
@@ -3392,7 +3646,7 @@
           <p:cNvPr id="2" name="Espaço Reservado para Data 1">
             <a:extLst>
               <a:ext uri="{FF2B5EF4-FFF2-40B4-BE49-F238E27FC236}">
-                <a16:creationId xmlns="" xmlns:a16="http://schemas.microsoft.com/office/drawing/2014/main" id="{DD19515C-212C-4EAE-84A3-8FF4BC844F1B}"/>
+                <a16:creationId xmlns:a16="http://schemas.microsoft.com/office/drawing/2014/main" xmlns="" id="{DD19515C-212C-4EAE-84A3-8FF4BC844F1B}"/>
               </a:ext>
             </a:extLst>
           </p:cNvPr>
@@ -3421,7 +3675,7 @@
           <p:cNvPr id="3" name="Espaço Reservado para Rodapé 2">
             <a:extLst>
               <a:ext uri="{FF2B5EF4-FFF2-40B4-BE49-F238E27FC236}">
-                <a16:creationId xmlns="" xmlns:a16="http://schemas.microsoft.com/office/drawing/2014/main" id="{94D3D120-B3E8-4C96-861D-7A4F12F49B3A}"/>
+                <a16:creationId xmlns:a16="http://schemas.microsoft.com/office/drawing/2014/main" xmlns="" id="{94D3D120-B3E8-4C96-861D-7A4F12F49B3A}"/>
               </a:ext>
             </a:extLst>
           </p:cNvPr>
@@ -3446,7 +3700,7 @@
           <p:cNvPr id="4" name="Espaço Reservado para Número de Slide 3">
             <a:extLst>
               <a:ext uri="{FF2B5EF4-FFF2-40B4-BE49-F238E27FC236}">
-                <a16:creationId xmlns="" xmlns:a16="http://schemas.microsoft.com/office/drawing/2014/main" id="{42E49B68-FA1B-468B-9F17-D5C09243D454}"/>
+                <a16:creationId xmlns:a16="http://schemas.microsoft.com/office/drawing/2014/main" xmlns="" id="{42E49B68-FA1B-468B-9F17-D5C09243D454}"/>
               </a:ext>
             </a:extLst>
           </p:cNvPr>
@@ -3505,7 +3759,7 @@
           <p:cNvPr id="2" name="Título 1">
             <a:extLst>
               <a:ext uri="{FF2B5EF4-FFF2-40B4-BE49-F238E27FC236}">
-                <a16:creationId xmlns="" xmlns:a16="http://schemas.microsoft.com/office/drawing/2014/main" id="{1C17BCBE-A897-4319-85EC-D87909C24980}"/>
+                <a16:creationId xmlns:a16="http://schemas.microsoft.com/office/drawing/2014/main" xmlns="" id="{1C17BCBE-A897-4319-85EC-D87909C24980}"/>
               </a:ext>
             </a:extLst>
           </p:cNvPr>
@@ -3542,7 +3796,7 @@
           <p:cNvPr id="3" name="Espaço Reservado para Conteúdo 2">
             <a:extLst>
               <a:ext uri="{FF2B5EF4-FFF2-40B4-BE49-F238E27FC236}">
-                <a16:creationId xmlns="" xmlns:a16="http://schemas.microsoft.com/office/drawing/2014/main" id="{4226F885-0204-4913-868B-4B8B82576F17}"/>
+                <a16:creationId xmlns:a16="http://schemas.microsoft.com/office/drawing/2014/main" xmlns="" id="{4226F885-0204-4913-868B-4B8B82576F17}"/>
               </a:ext>
             </a:extLst>
           </p:cNvPr>
@@ -3632,7 +3886,7 @@
           <p:cNvPr id="4" name="Espaço Reservado para Texto 3">
             <a:extLst>
               <a:ext uri="{FF2B5EF4-FFF2-40B4-BE49-F238E27FC236}">
-                <a16:creationId xmlns="" xmlns:a16="http://schemas.microsoft.com/office/drawing/2014/main" id="{00F9F784-A858-441B-8AB5-697098141751}"/>
+                <a16:creationId xmlns:a16="http://schemas.microsoft.com/office/drawing/2014/main" xmlns="" id="{00F9F784-A858-441B-8AB5-697098141751}"/>
               </a:ext>
             </a:extLst>
           </p:cNvPr>
@@ -3703,7 +3957,7 @@
           <p:cNvPr id="5" name="Espaço Reservado para Data 4">
             <a:extLst>
               <a:ext uri="{FF2B5EF4-FFF2-40B4-BE49-F238E27FC236}">
-                <a16:creationId xmlns="" xmlns:a16="http://schemas.microsoft.com/office/drawing/2014/main" id="{A4DC363A-5000-472E-8B17-02E7DCB8840A}"/>
+                <a16:creationId xmlns:a16="http://schemas.microsoft.com/office/drawing/2014/main" xmlns="" id="{A4DC363A-5000-472E-8B17-02E7DCB8840A}"/>
               </a:ext>
             </a:extLst>
           </p:cNvPr>
@@ -3732,7 +3986,7 @@
           <p:cNvPr id="6" name="Espaço Reservado para Rodapé 5">
             <a:extLst>
               <a:ext uri="{FF2B5EF4-FFF2-40B4-BE49-F238E27FC236}">
-                <a16:creationId xmlns="" xmlns:a16="http://schemas.microsoft.com/office/drawing/2014/main" id="{5548425D-2C21-4C56-BAD4-662978775C28}"/>
+                <a16:creationId xmlns:a16="http://schemas.microsoft.com/office/drawing/2014/main" xmlns="" id="{5548425D-2C21-4C56-BAD4-662978775C28}"/>
               </a:ext>
             </a:extLst>
           </p:cNvPr>
@@ -3757,7 +4011,7 @@
           <p:cNvPr id="7" name="Espaço Reservado para Número de Slide 6">
             <a:extLst>
               <a:ext uri="{FF2B5EF4-FFF2-40B4-BE49-F238E27FC236}">
-                <a16:creationId xmlns="" xmlns:a16="http://schemas.microsoft.com/office/drawing/2014/main" id="{C63E9726-E64C-42B2-AE8A-8C235A956B48}"/>
+                <a16:creationId xmlns:a16="http://schemas.microsoft.com/office/drawing/2014/main" xmlns="" id="{C63E9726-E64C-42B2-AE8A-8C235A956B48}"/>
               </a:ext>
             </a:extLst>
           </p:cNvPr>
@@ -3816,7 +4070,7 @@
           <p:cNvPr id="2" name="Título 1">
             <a:extLst>
               <a:ext uri="{FF2B5EF4-FFF2-40B4-BE49-F238E27FC236}">
-                <a16:creationId xmlns="" xmlns:a16="http://schemas.microsoft.com/office/drawing/2014/main" id="{11086A78-3E74-450C-96A6-CA8AC37AF772}"/>
+                <a16:creationId xmlns:a16="http://schemas.microsoft.com/office/drawing/2014/main" xmlns="" id="{11086A78-3E74-450C-96A6-CA8AC37AF772}"/>
               </a:ext>
             </a:extLst>
           </p:cNvPr>
@@ -3853,7 +4107,7 @@
           <p:cNvPr id="3" name="Espaço Reservado para Imagem 2">
             <a:extLst>
               <a:ext uri="{FF2B5EF4-FFF2-40B4-BE49-F238E27FC236}">
-                <a16:creationId xmlns="" xmlns:a16="http://schemas.microsoft.com/office/drawing/2014/main" id="{5F5B7312-975A-4DBC-9B2F-3652ADA006FD}"/>
+                <a16:creationId xmlns:a16="http://schemas.microsoft.com/office/drawing/2014/main" xmlns="" id="{5F5B7312-975A-4DBC-9B2F-3652ADA006FD}"/>
               </a:ext>
             </a:extLst>
           </p:cNvPr>
@@ -3920,7 +4174,7 @@
           <p:cNvPr id="4" name="Espaço Reservado para Texto 3">
             <a:extLst>
               <a:ext uri="{FF2B5EF4-FFF2-40B4-BE49-F238E27FC236}">
-                <a16:creationId xmlns="" xmlns:a16="http://schemas.microsoft.com/office/drawing/2014/main" id="{AAF805F5-1DFF-41C6-944C-7D79FE0D0963}"/>
+                <a16:creationId xmlns:a16="http://schemas.microsoft.com/office/drawing/2014/main" xmlns="" id="{AAF805F5-1DFF-41C6-944C-7D79FE0D0963}"/>
               </a:ext>
             </a:extLst>
           </p:cNvPr>
@@ -3991,7 +4245,7 @@
           <p:cNvPr id="5" name="Espaço Reservado para Data 4">
             <a:extLst>
               <a:ext uri="{FF2B5EF4-FFF2-40B4-BE49-F238E27FC236}">
-                <a16:creationId xmlns="" xmlns:a16="http://schemas.microsoft.com/office/drawing/2014/main" id="{02113D81-8665-4516-BD81-C6A1F254EECD}"/>
+                <a16:creationId xmlns:a16="http://schemas.microsoft.com/office/drawing/2014/main" xmlns="" id="{02113D81-8665-4516-BD81-C6A1F254EECD}"/>
               </a:ext>
             </a:extLst>
           </p:cNvPr>
@@ -4020,7 +4274,7 @@
           <p:cNvPr id="6" name="Espaço Reservado para Rodapé 5">
             <a:extLst>
               <a:ext uri="{FF2B5EF4-FFF2-40B4-BE49-F238E27FC236}">
-                <a16:creationId xmlns="" xmlns:a16="http://schemas.microsoft.com/office/drawing/2014/main" id="{2B00C88B-FF32-40AA-A187-727D96FD7862}"/>
+                <a16:creationId xmlns:a16="http://schemas.microsoft.com/office/drawing/2014/main" xmlns="" id="{2B00C88B-FF32-40AA-A187-727D96FD7862}"/>
               </a:ext>
             </a:extLst>
           </p:cNvPr>
@@ -4045,7 +4299,7 @@
           <p:cNvPr id="7" name="Espaço Reservado para Número de Slide 6">
             <a:extLst>
               <a:ext uri="{FF2B5EF4-FFF2-40B4-BE49-F238E27FC236}">
-                <a16:creationId xmlns="" xmlns:a16="http://schemas.microsoft.com/office/drawing/2014/main" id="{A04D1A2D-69F7-4B8F-A730-BC26DC340BA6}"/>
+                <a16:creationId xmlns:a16="http://schemas.microsoft.com/office/drawing/2014/main" xmlns="" id="{A04D1A2D-69F7-4B8F-A730-BC26DC340BA6}"/>
               </a:ext>
             </a:extLst>
           </p:cNvPr>
@@ -4109,7 +4363,7 @@
           <p:cNvPr id="2" name="Espaço Reservado para Título 1">
             <a:extLst>
               <a:ext uri="{FF2B5EF4-FFF2-40B4-BE49-F238E27FC236}">
-                <a16:creationId xmlns="" xmlns:a16="http://schemas.microsoft.com/office/drawing/2014/main" id="{E69A0273-1966-4A1B-9370-4C1CE5036371}"/>
+                <a16:creationId xmlns:a16="http://schemas.microsoft.com/office/drawing/2014/main" xmlns="" id="{E69A0273-1966-4A1B-9370-4C1CE5036371}"/>
               </a:ext>
             </a:extLst>
           </p:cNvPr>
@@ -4147,7 +4401,7 @@
           <p:cNvPr id="3" name="Espaço Reservado para Texto 2">
             <a:extLst>
               <a:ext uri="{FF2B5EF4-FFF2-40B4-BE49-F238E27FC236}">
-                <a16:creationId xmlns="" xmlns:a16="http://schemas.microsoft.com/office/drawing/2014/main" id="{3B9CF87A-0448-49A7-AB25-EBC1D56A40EF}"/>
+                <a16:creationId xmlns:a16="http://schemas.microsoft.com/office/drawing/2014/main" xmlns="" id="{3B9CF87A-0448-49A7-AB25-EBC1D56A40EF}"/>
               </a:ext>
             </a:extLst>
           </p:cNvPr>
@@ -4214,7 +4468,7 @@
           <p:cNvPr id="4" name="Espaço Reservado para Data 3">
             <a:extLst>
               <a:ext uri="{FF2B5EF4-FFF2-40B4-BE49-F238E27FC236}">
-                <a16:creationId xmlns="" xmlns:a16="http://schemas.microsoft.com/office/drawing/2014/main" id="{2EF7B1F2-BB5A-44D0-816D-16AD2C71430E}"/>
+                <a16:creationId xmlns:a16="http://schemas.microsoft.com/office/drawing/2014/main" xmlns="" id="{2EF7B1F2-BB5A-44D0-816D-16AD2C71430E}"/>
               </a:ext>
             </a:extLst>
           </p:cNvPr>
@@ -4261,7 +4515,7 @@
           <p:cNvPr id="5" name="Espaço Reservado para Rodapé 4">
             <a:extLst>
               <a:ext uri="{FF2B5EF4-FFF2-40B4-BE49-F238E27FC236}">
-                <a16:creationId xmlns="" xmlns:a16="http://schemas.microsoft.com/office/drawing/2014/main" id="{C703F94C-2CC8-4DAA-BC35-14FC3E841DCD}"/>
+                <a16:creationId xmlns:a16="http://schemas.microsoft.com/office/drawing/2014/main" xmlns="" id="{C703F94C-2CC8-4DAA-BC35-14FC3E841DCD}"/>
               </a:ext>
             </a:extLst>
           </p:cNvPr>
@@ -4304,7 +4558,7 @@
           <p:cNvPr id="6" name="Espaço Reservado para Número de Slide 5">
             <a:extLst>
               <a:ext uri="{FF2B5EF4-FFF2-40B4-BE49-F238E27FC236}">
-                <a16:creationId xmlns="" xmlns:a16="http://schemas.microsoft.com/office/drawing/2014/main" id="{64051336-7048-457A-8B61-D94291D71648}"/>
+                <a16:creationId xmlns:a16="http://schemas.microsoft.com/office/drawing/2014/main" xmlns="" id="{64051336-7048-457A-8B61-D94291D71648}"/>
               </a:ext>
             </a:extLst>
           </p:cNvPr>
@@ -4672,7 +4926,7 @@
           <p:cNvPr id="2" name="Título 1">
             <a:extLst>
               <a:ext uri="{FF2B5EF4-FFF2-40B4-BE49-F238E27FC236}">
-                <a16:creationId xmlns="" xmlns:a16="http://schemas.microsoft.com/office/drawing/2014/main" id="{32666AC8-2E17-4DB4-B0F5-60C640CCFD2E}"/>
+                <a16:creationId xmlns:a16="http://schemas.microsoft.com/office/drawing/2014/main" xmlns="" id="{32666AC8-2E17-4DB4-B0F5-60C640CCFD2E}"/>
               </a:ext>
             </a:extLst>
           </p:cNvPr>
@@ -4719,7 +4973,7 @@
           <p:cNvPr id="4" name="CaixaDeTexto 3">
             <a:extLst>
               <a:ext uri="{FF2B5EF4-FFF2-40B4-BE49-F238E27FC236}">
-                <a16:creationId xmlns="" xmlns:a16="http://schemas.microsoft.com/office/drawing/2014/main" id="{430EB894-B7D4-434C-9D1A-A14094D9BEEC}"/>
+                <a16:creationId xmlns:a16="http://schemas.microsoft.com/office/drawing/2014/main" xmlns="" id="{430EB894-B7D4-434C-9D1A-A14094D9BEEC}"/>
               </a:ext>
             </a:extLst>
           </p:cNvPr>
@@ -4760,7 +5014,7 @@
           <p:cNvPr id="1026" name="Picture 2" descr="Logo">
             <a:extLst>
               <a:ext uri="{FF2B5EF4-FFF2-40B4-BE49-F238E27FC236}">
-                <a16:creationId xmlns="" xmlns:a16="http://schemas.microsoft.com/office/drawing/2014/main" id="{3F2642E0-4F6A-4196-8F58-E77D36E9A33F}"/>
+                <a16:creationId xmlns:a16="http://schemas.microsoft.com/office/drawing/2014/main" xmlns="" id="{3F2642E0-4F6A-4196-8F58-E77D36E9A33F}"/>
               </a:ext>
             </a:extLst>
           </p:cNvPr>
@@ -4805,7 +5059,7 @@
           <p:cNvPr id="5122" name="Picture 2" descr="Image result for machine learning">
             <a:extLst>
               <a:ext uri="{FF2B5EF4-FFF2-40B4-BE49-F238E27FC236}">
-                <a16:creationId xmlns="" xmlns:a16="http://schemas.microsoft.com/office/drawing/2014/main" id="{810CE0A2-4102-44A6-A370-175E7896CDCB}"/>
+                <a16:creationId xmlns:a16="http://schemas.microsoft.com/office/drawing/2014/main" xmlns="" id="{810CE0A2-4102-44A6-A370-175E7896CDCB}"/>
               </a:ext>
             </a:extLst>
           </p:cNvPr>
@@ -7405,8 +7659,8 @@
           </a:p>
         </p:txBody>
       </p:sp>
-      <mc:AlternateContent xmlns:mc="http://schemas.openxmlformats.org/markup-compatibility/2006">
-        <mc:Choice xmlns:a14="http://schemas.microsoft.com/office/drawing/2010/main" Requires="a14">
+      <mc:AlternateContent xmlns:mc="http://schemas.openxmlformats.org/markup-compatibility/2006" xmlns:a14="http://schemas.microsoft.com/office/drawing/2010/main">
+        <mc:Choice Requires="a14">
           <p:sp>
             <p:nvSpPr>
               <p:cNvPr id="3" name="Content Placeholder 2"/>
@@ -7814,7 +8068,7 @@
             </p:txBody>
           </p:sp>
         </mc:Choice>
-        <mc:Fallback>
+        <mc:Fallback xmlns="">
           <p:sp>
             <p:nvSpPr>
               <p:cNvPr id="3" name="Content Placeholder 2"/>
@@ -7988,8 +8242,8 @@
         </p:nvSpPr>
         <p:spPr>
           <a:xfrm>
-            <a:off x="838200" y="93653"/>
-            <a:ext cx="10515600" cy="1325563"/>
+            <a:off x="838200" y="93654"/>
+            <a:ext cx="10515600" cy="960232"/>
           </a:xfrm>
         </p:spPr>
         <p:txBody>
@@ -8018,8 +8272,8 @@
             </p:nvSpPr>
             <p:spPr>
               <a:xfrm>
-                <a:off x="838199" y="1528763"/>
-                <a:ext cx="8647384" cy="5329237"/>
+                <a:off x="838198" y="1419215"/>
+                <a:ext cx="8647386" cy="5438785"/>
               </a:xfrm>
             </p:spPr>
             <p:txBody>
@@ -8427,13 +8681,8 @@
                 </a14:m>
                 <a:r>
                   <a:rPr lang="pt-BR" dirty="0" smtClean="0"/>
-                  <a:t>, dá o deslocamento com relação à </a:t>
+                  <a:t>, dá o deslocamento com relação à origem.</a:t>
                 </a:r>
-                <a:r>
-                  <a:rPr lang="pt-BR" dirty="0" smtClean="0"/>
-                  <a:t>origem.</a:t>
-                </a:r>
-                <a:endParaRPr lang="pt-BR" dirty="0" smtClean="0"/>
               </a:p>
               <a:p>
                 <a:pPr lvl="1">
@@ -8878,7 +9127,7 @@
                 </a14:m>
                 <a:r>
                   <a:rPr lang="pt-BR" dirty="0" smtClean="0"/>
-                  <a:t>.</a:t>
+                  <a:t> (eq. de um círculo).</a:t>
                 </a:r>
                 <a:endParaRPr lang="pt-BR" dirty="0"/>
               </a:p>
@@ -8898,13 +9147,13 @@
             </p:nvSpPr>
             <p:spPr>
               <a:xfrm>
-                <a:off x="838199" y="1528763"/>
-                <a:ext cx="8647384" cy="5329237"/>
+                <a:off x="838198" y="1419215"/>
+                <a:ext cx="8647386" cy="5438785"/>
               </a:xfrm>
               <a:blipFill rotWithShape="0">
                 <a:blip r:embed="rId3"/>
                 <a:stretch>
-                  <a:fillRect l="-846" t="-2403" r="-1480"/>
+                  <a:fillRect l="-846" t="-2354" r="-1480" b="-1233"/>
                 </a:stretch>
               </a:blipFill>
             </p:spPr>
@@ -12144,7 +12393,7 @@
                 <a:ext cx="11353800" cy="892166"/>
               </a:xfrm>
               <a:blipFill rotWithShape="0">
-                <a:blip r:embed="rId2"/>
+                <a:blip r:embed="rId3"/>
                 <a:stretch>
                   <a:fillRect l="-2202" t="-10274" b="-21918"/>
                 </a:stretch>
@@ -13320,7 +13569,7 @@
                 <a:ext cx="10970053" cy="2481955"/>
               </a:xfrm>
               <a:blipFill rotWithShape="0">
-                <a:blip r:embed="rId3"/>
+                <a:blip r:embed="rId4"/>
                 <a:stretch>
                   <a:fillRect l="-944" t="-5392"/>
                 </a:stretch>
@@ -14162,7 +14411,7 @@
                   <a:avLst/>
                 </a:prstGeom>
                 <a:blipFill rotWithShape="0">
-                  <a:blip r:embed="rId4"/>
+                  <a:blip r:embed="rId5"/>
                   <a:stretch>
                     <a:fillRect b="-1538"/>
                   </a:stretch>
@@ -14262,7 +14511,7 @@
                   <a:avLst/>
                 </a:prstGeom>
                 <a:blipFill rotWithShape="0">
-                  <a:blip r:embed="rId5"/>
+                  <a:blip r:embed="rId6"/>
                   <a:stretch>
                     <a:fillRect t="-7576" r="-10345" b="-25758"/>
                   </a:stretch>
@@ -14365,7 +14614,7 @@
                   <a:avLst/>
                 </a:prstGeom>
                 <a:blipFill rotWithShape="0">
-                  <a:blip r:embed="rId6"/>
+                  <a:blip r:embed="rId7"/>
                   <a:stretch>
                     <a:fillRect/>
                   </a:stretch>
@@ -14478,7 +14727,7 @@
                   <a:avLst/>
                 </a:prstGeom>
                 <a:blipFill rotWithShape="0">
-                  <a:blip r:embed="rId7"/>
+                  <a:blip r:embed="rId8"/>
                   <a:stretch>
                     <a:fillRect b="-6557"/>
                   </a:stretch>
@@ -14591,7 +14840,7 @@
                   <a:avLst/>
                 </a:prstGeom>
                 <a:blipFill rotWithShape="0">
-                  <a:blip r:embed="rId8"/>
+                  <a:blip r:embed="rId9"/>
                   <a:stretch>
                     <a:fillRect b="-6557"/>
                   </a:stretch>
@@ -14812,7 +15061,7 @@
                   <a:avLst/>
                 </a:prstGeom>
                 <a:blipFill rotWithShape="0">
-                  <a:blip r:embed="rId9"/>
+                  <a:blip r:embed="rId10"/>
                   <a:stretch>
                     <a:fillRect/>
                   </a:stretch>
@@ -16157,7 +16406,7 @@
                   <a:avLst/>
                 </a:prstGeom>
                 <a:blipFill rotWithShape="0">
-                  <a:blip r:embed="rId10"/>
+                  <a:blip r:embed="rId11"/>
                   <a:stretch>
                     <a:fillRect b="-6557"/>
                   </a:stretch>
@@ -16248,6 +16497,49 @@
           </p:txBody>
         </p:sp>
       </p:grpSp>
+      <p:sp>
+        <p:nvSpPr>
+          <p:cNvPr id="8" name="Rectangle 7"/>
+          <p:cNvSpPr/>
+          <p:nvPr/>
+        </p:nvSpPr>
+        <p:spPr>
+          <a:xfrm>
+            <a:off x="7416584" y="6452761"/>
+            <a:ext cx="4746651" cy="315565"/>
+          </a:xfrm>
+          <a:prstGeom prst="rect">
+            <a:avLst/>
+          </a:prstGeom>
+        </p:spPr>
+        <p:txBody>
+          <a:bodyPr wrap="square">
+            <a:spAutoFit/>
+          </a:bodyPr>
+          <a:lstStyle/>
+          <a:p>
+            <a:pPr lvl="0"/>
+            <a:r>
+              <a:rPr lang="pt-BR" sz="1400" dirty="0" smtClean="0">
+                <a:hlinkClick r:id="rId12"/>
+              </a:rPr>
+              <a:t>Exemplo: encontrando_pesos_da_função_discriminante.ipynb</a:t>
+            </a:r>
+            <a:endParaRPr lang="pt-BR" sz="1400" dirty="0">
+              <a:solidFill>
+                <a:srgbClr val="222222"/>
+              </a:solidFill>
+              <a:highlight>
+                <a:srgbClr val="FFFFFF"/>
+              </a:highlight>
+              <a:latin typeface="Arial"/>
+              <a:ea typeface="Arial"/>
+              <a:cs typeface="Arial"/>
+              <a:sym typeface="Arial"/>
+            </a:endParaRPr>
+          </a:p>
+        </p:txBody>
+      </p:sp>
     </p:spTree>
     <p:extLst>
       <p:ext uri="{BB962C8B-B14F-4D97-AF65-F5344CB8AC3E}">
@@ -16293,7 +16585,11 @@
           <a:bodyPr/>
           <a:lstStyle/>
           <a:p>
-            <a:endParaRPr lang="pt-BR"/>
+            <a:r>
+              <a:rPr lang="pt-BR" dirty="0" smtClean="0"/>
+              <a:t>Tarefas</a:t>
+            </a:r>
+            <a:endParaRPr lang="pt-BR" dirty="0"/>
           </a:p>
         </p:txBody>
       </p:sp>
@@ -16312,14 +16608,119 @@
           <a:bodyPr/>
           <a:lstStyle/>
           <a:p>
-            <a:endParaRPr lang="pt-BR"/>
+            <a:r>
+              <a:rPr lang="pt-BR" b="1" dirty="0" smtClean="0"/>
+              <a:t>Quiz</a:t>
+            </a:r>
+            <a:r>
+              <a:rPr lang="pt-BR" dirty="0" smtClean="0"/>
+              <a:t>: “</a:t>
+            </a:r>
+            <a:r>
+              <a:rPr lang="pt-BR" i="1" dirty="0" smtClean="0"/>
+              <a:t>T320 </a:t>
+            </a:r>
+            <a:r>
+              <a:rPr lang="pt-BR" i="1" dirty="0"/>
+              <a:t>- Quiz </a:t>
+            </a:r>
+            <a:r>
+              <a:rPr lang="pt-BR" i="1" dirty="0" smtClean="0"/>
+              <a:t>– xxxx </a:t>
+            </a:r>
+            <a:r>
+              <a:rPr lang="pt-BR" dirty="0" smtClean="0"/>
+              <a:t>” que se encontra no MS Teams.</a:t>
+            </a:r>
+          </a:p>
+          <a:p>
+            <a:r>
+              <a:rPr lang="pt-BR" b="1" dirty="0" smtClean="0"/>
+              <a:t>Exercício Prático</a:t>
+            </a:r>
+            <a:r>
+              <a:rPr lang="pt-BR" dirty="0" smtClean="0"/>
+              <a:t>: </a:t>
+            </a:r>
+            <a:r>
+              <a:rPr lang="pt-BR" b="1" dirty="0" smtClean="0">
+                <a:hlinkClick r:id="rId3"/>
+              </a:rPr>
+              <a:t>Laboratório #1</a:t>
+            </a:r>
+            <a:r>
+              <a:rPr lang="pt-BR" dirty="0" smtClean="0"/>
+              <a:t>.</a:t>
+            </a:r>
+          </a:p>
+          <a:p>
+            <a:pPr lvl="1"/>
+            <a:r>
+              <a:rPr lang="pt-BR" dirty="0"/>
+              <a:t>Pode ser baixado do MS Teams ou do GitHub.</a:t>
+            </a:r>
+          </a:p>
+          <a:p>
+            <a:pPr lvl="1"/>
+            <a:r>
+              <a:rPr lang="pt-BR" dirty="0"/>
+              <a:t>Pode ser respondido através do link acima (na nuvem) ou localmente.</a:t>
+            </a:r>
+          </a:p>
+          <a:p>
+            <a:pPr lvl="1"/>
+            <a:r>
+              <a:rPr lang="pt-BR" dirty="0">
+                <a:hlinkClick r:id="rId4"/>
+              </a:rPr>
+              <a:t>Instruções para resolução e entrega dos laboratórios</a:t>
+            </a:r>
+            <a:r>
+              <a:rPr lang="pt-BR" dirty="0"/>
+              <a:t>.</a:t>
+            </a:r>
+          </a:p>
+          <a:p>
+            <a:pPr lvl="1"/>
+            <a:r>
+              <a:rPr lang="pt-BR" b="1" dirty="0" smtClean="0">
+                <a:solidFill>
+                  <a:srgbClr val="FF0000"/>
+                </a:solidFill>
+              </a:rPr>
+              <a:t>Atividades podem </a:t>
+            </a:r>
+            <a:r>
+              <a:rPr lang="pt-BR" b="1" dirty="0">
+                <a:solidFill>
+                  <a:srgbClr val="FF0000"/>
+                </a:solidFill>
+              </a:rPr>
+              <a:t>ser </a:t>
+            </a:r>
+            <a:r>
+              <a:rPr lang="pt-BR" b="1" dirty="0" smtClean="0">
+                <a:solidFill>
+                  <a:srgbClr val="FF0000"/>
+                </a:solidFill>
+              </a:rPr>
+              <a:t>feitas </a:t>
+            </a:r>
+            <a:r>
+              <a:rPr lang="pt-BR" b="1" dirty="0">
+                <a:solidFill>
+                  <a:srgbClr val="FF0000"/>
+                </a:solidFill>
+              </a:rPr>
+              <a:t>em grupo, mas as entregas devem ser individuais.</a:t>
+            </a:r>
           </a:p>
         </p:txBody>
       </p:sp>
     </p:spTree>
     <p:extLst>
       <p:ext uri="{BB962C8B-B14F-4D97-AF65-F5344CB8AC3E}">
-        <p14:creationId xmlns:p14="http://schemas.microsoft.com/office/powerpoint/2010/main" val="729607169"/>
+        <p14:creationId xmlns:p14="http://schemas.microsoft.com/office/powerpoint/2010/main" val="2037160769"/>
       </p:ext>
     </p:extLst>
   </p:cSld>
@@ -16348,434 +16749,10 @@
       </p:grpSpPr>
       <p:sp>
         <p:nvSpPr>
-          <p:cNvPr id="2" name="Title 1"/>
-          <p:cNvSpPr>
-            <a:spLocks noGrp="1"/>
-          </p:cNvSpPr>
-          <p:nvPr>
-            <p:ph type="title"/>
-          </p:nvPr>
-        </p:nvSpPr>
-        <p:spPr/>
-        <p:txBody>
-          <a:bodyPr/>
-          <a:lstStyle/>
-          <a:p>
-            <a:endParaRPr lang="pt-BR"/>
-          </a:p>
-        </p:txBody>
-      </p:sp>
-      <p:sp>
-        <p:nvSpPr>
-          <p:cNvPr id="3" name="Content Placeholder 2"/>
-          <p:cNvSpPr>
-            <a:spLocks noGrp="1"/>
-          </p:cNvSpPr>
-          <p:nvPr>
-            <p:ph idx="1"/>
-          </p:nvPr>
-        </p:nvSpPr>
-        <p:spPr/>
-        <p:txBody>
-          <a:bodyPr/>
-          <a:lstStyle/>
-          <a:p>
-            <a:endParaRPr lang="pt-BR"/>
-          </a:p>
-        </p:txBody>
-      </p:sp>
-    </p:spTree>
-    <p:extLst>
-      <p:ext uri="{BB962C8B-B14F-4D97-AF65-F5344CB8AC3E}">
-        <p14:creationId xmlns:p14="http://schemas.microsoft.com/office/powerpoint/2010/main" val="1031219259"/>
-      </p:ext>
-    </p:extLst>
-  </p:cSld>
-  <p:clrMapOvr>
-    <a:masterClrMapping/>
-  </p:clrMapOvr>
-</p:sld>
-</file>
-
-<file path=ppt/slides/slide19.xml><?xml version="1.0" encoding="utf-8"?>
-<p:sld xmlns:a="http://schemas.openxmlformats.org/drawingml/2006/main" xmlns:r="http://schemas.openxmlformats.org/officeDocument/2006/relationships" xmlns:p="http://schemas.openxmlformats.org/presentationml/2006/main">
-  <p:cSld>
-    <p:spTree>
-      <p:nvGrpSpPr>
-        <p:cNvPr id="1" name=""/>
-        <p:cNvGrpSpPr/>
-        <p:nvPr/>
-      </p:nvGrpSpPr>
-      <p:grpSpPr>
-        <a:xfrm>
-          <a:off x="0" y="0"/>
-          <a:ext cx="0" cy="0"/>
-          <a:chOff x="0" y="0"/>
-          <a:chExt cx="0" cy="0"/>
-        </a:xfrm>
-      </p:grpSpPr>
-      <p:sp>
-        <p:nvSpPr>
-          <p:cNvPr id="2" name="Title 1"/>
-          <p:cNvSpPr>
-            <a:spLocks noGrp="1"/>
-          </p:cNvSpPr>
-          <p:nvPr>
-            <p:ph type="title"/>
-          </p:nvPr>
-        </p:nvSpPr>
-        <p:spPr/>
-        <p:txBody>
-          <a:bodyPr/>
-          <a:lstStyle/>
-          <a:p>
-            <a:r>
-              <a:rPr lang="pt-BR" dirty="0" smtClean="0"/>
-              <a:t>Tarefas</a:t>
-            </a:r>
-            <a:endParaRPr lang="pt-BR" dirty="0"/>
-          </a:p>
-        </p:txBody>
-      </p:sp>
-      <p:sp>
-        <p:nvSpPr>
-          <p:cNvPr id="3" name="Content Placeholder 2"/>
-          <p:cNvSpPr>
-            <a:spLocks noGrp="1"/>
-          </p:cNvSpPr>
-          <p:nvPr>
-            <p:ph idx="1"/>
-          </p:nvPr>
-        </p:nvSpPr>
-        <p:spPr/>
-        <p:txBody>
-          <a:bodyPr/>
-          <a:lstStyle/>
-          <a:p>
-            <a:r>
-              <a:rPr lang="pt-BR" b="1" dirty="0" smtClean="0"/>
-              <a:t>Quiz</a:t>
-            </a:r>
-            <a:r>
-              <a:rPr lang="pt-BR" dirty="0" smtClean="0"/>
-              <a:t>: “</a:t>
-            </a:r>
-            <a:r>
-              <a:rPr lang="pt-BR" i="1" dirty="0" smtClean="0"/>
-              <a:t>T320 </a:t>
-            </a:r>
-            <a:r>
-              <a:rPr lang="pt-BR" i="1" dirty="0"/>
-              <a:t>- Quiz </a:t>
-            </a:r>
-            <a:r>
-              <a:rPr lang="pt-BR" i="1" dirty="0" smtClean="0"/>
-              <a:t>– xxxx </a:t>
-            </a:r>
-            <a:r>
-              <a:rPr lang="pt-BR" dirty="0" smtClean="0"/>
-              <a:t>” que se encontra no MS Teams.</a:t>
-            </a:r>
-          </a:p>
-          <a:p>
-            <a:r>
-              <a:rPr lang="pt-BR" b="1" dirty="0" smtClean="0"/>
-              <a:t>Exercício Prático</a:t>
-            </a:r>
-            <a:r>
-              <a:rPr lang="pt-BR" dirty="0" smtClean="0"/>
-              <a:t>: </a:t>
-            </a:r>
-            <a:r>
-              <a:rPr lang="pt-BR" b="1" dirty="0" smtClean="0">
-                <a:hlinkClick r:id="rId3"/>
-              </a:rPr>
-              <a:t>Laboratório #1</a:t>
-            </a:r>
-            <a:r>
-              <a:rPr lang="pt-BR" dirty="0" smtClean="0"/>
-              <a:t>.</a:t>
-            </a:r>
-          </a:p>
-          <a:p>
-            <a:pPr lvl="1"/>
-            <a:r>
-              <a:rPr lang="pt-BR" dirty="0"/>
-              <a:t>Pode ser baixado do MS Teams ou do GitHub.</a:t>
-            </a:r>
-          </a:p>
-          <a:p>
-            <a:pPr lvl="1"/>
-            <a:r>
-              <a:rPr lang="pt-BR" dirty="0"/>
-              <a:t>Pode ser respondido através do link acima (na nuvem) ou localmente.</a:t>
-            </a:r>
-          </a:p>
-          <a:p>
-            <a:pPr lvl="1"/>
-            <a:r>
-              <a:rPr lang="pt-BR" dirty="0">
-                <a:hlinkClick r:id="rId4"/>
-              </a:rPr>
-              <a:t>Instruções para resolução e entrega dos laboratórios</a:t>
-            </a:r>
-            <a:r>
-              <a:rPr lang="pt-BR" dirty="0"/>
-              <a:t>.</a:t>
-            </a:r>
-          </a:p>
-          <a:p>
-            <a:pPr lvl="1"/>
-            <a:r>
-              <a:rPr lang="pt-BR" b="1" dirty="0" smtClean="0">
-                <a:solidFill>
-                  <a:srgbClr val="FF0000"/>
-                </a:solidFill>
-              </a:rPr>
-              <a:t>Atividades podem </a:t>
-            </a:r>
-            <a:r>
-              <a:rPr lang="pt-BR" b="1" dirty="0">
-                <a:solidFill>
-                  <a:srgbClr val="FF0000"/>
-                </a:solidFill>
-              </a:rPr>
-              <a:t>ser </a:t>
-            </a:r>
-            <a:r>
-              <a:rPr lang="pt-BR" b="1" dirty="0" smtClean="0">
-                <a:solidFill>
-                  <a:srgbClr val="FF0000"/>
-                </a:solidFill>
-              </a:rPr>
-              <a:t>feitas </a:t>
-            </a:r>
-            <a:r>
-              <a:rPr lang="pt-BR" b="1" dirty="0">
-                <a:solidFill>
-                  <a:srgbClr val="FF0000"/>
-                </a:solidFill>
-              </a:rPr>
-              <a:t>em grupo, mas as entregas devem ser individuais.</a:t>
-            </a:r>
-          </a:p>
-        </p:txBody>
-      </p:sp>
-    </p:spTree>
-    <p:extLst>
-      <p:ext uri="{BB962C8B-B14F-4D97-AF65-F5344CB8AC3E}">
-        <p14:creationId xmlns:p14="http://schemas.microsoft.com/office/powerpoint/2010/main" val="2037160769"/>
-      </p:ext>
-    </p:extLst>
-  </p:cSld>
-  <p:clrMapOvr>
-    <a:masterClrMapping/>
-  </p:clrMapOvr>
-</p:sld>
-</file>
-
-<file path=ppt/slides/slide2.xml><?xml version="1.0" encoding="utf-8"?>
-<p:sld xmlns:a="http://schemas.openxmlformats.org/drawingml/2006/main" xmlns:r="http://schemas.openxmlformats.org/officeDocument/2006/relationships" xmlns:p="http://schemas.openxmlformats.org/presentationml/2006/main">
-  <p:cSld>
-    <p:spTree>
-      <p:nvGrpSpPr>
-        <p:cNvPr id="1" name=""/>
-        <p:cNvGrpSpPr/>
-        <p:nvPr/>
-      </p:nvGrpSpPr>
-      <p:grpSpPr>
-        <a:xfrm>
-          <a:off x="0" y="0"/>
-          <a:ext cx="0" cy="0"/>
-          <a:chOff x="0" y="0"/>
-          <a:chExt cx="0" cy="0"/>
-        </a:xfrm>
-      </p:grpSpPr>
-      <p:sp>
-        <p:nvSpPr>
-          <p:cNvPr id="2" name="Title 1"/>
-          <p:cNvSpPr>
-            <a:spLocks noGrp="1"/>
-          </p:cNvSpPr>
-          <p:nvPr>
-            <p:ph type="title"/>
-          </p:nvPr>
-        </p:nvSpPr>
-        <p:spPr/>
-        <p:txBody>
-          <a:bodyPr/>
-          <a:lstStyle/>
-          <a:p>
-            <a:r>
-              <a:rPr lang="pt-BR" dirty="0" smtClean="0"/>
-              <a:t>A disciplina</a:t>
-            </a:r>
-            <a:endParaRPr lang="pt-BR" dirty="0"/>
-          </a:p>
-        </p:txBody>
-      </p:sp>
-      <p:sp>
-        <p:nvSpPr>
-          <p:cNvPr id="3" name="Content Placeholder 2"/>
-          <p:cNvSpPr>
-            <a:spLocks noGrp="1"/>
-          </p:cNvSpPr>
-          <p:nvPr>
-            <p:ph idx="1"/>
-          </p:nvPr>
-        </p:nvSpPr>
-        <p:spPr>
-          <a:xfrm>
-            <a:off x="838200" y="1825624"/>
-            <a:ext cx="10995212" cy="4646893"/>
-          </a:xfrm>
-        </p:spPr>
-        <p:txBody>
-          <a:bodyPr>
-            <a:normAutofit/>
-          </a:bodyPr>
-          <a:lstStyle/>
-          <a:p>
-            <a:r>
-              <a:rPr lang="pt-BR" dirty="0" smtClean="0"/>
-              <a:t>Continuação de </a:t>
-            </a:r>
-            <a:r>
-              <a:rPr lang="pt-BR" b="1" i="1" dirty="0" smtClean="0"/>
-              <a:t>T319 </a:t>
-            </a:r>
-            <a:r>
-              <a:rPr lang="pt-BR" b="1" i="1" dirty="0"/>
-              <a:t>- Introdução ao Aprendizado de Máquina </a:t>
-            </a:r>
-            <a:r>
-              <a:rPr lang="pt-BR" b="1" i="1" dirty="0" smtClean="0"/>
-              <a:t>I</a:t>
-            </a:r>
-            <a:r>
-              <a:rPr lang="pt-BR" dirty="0" smtClean="0"/>
-              <a:t>.</a:t>
-            </a:r>
-          </a:p>
-          <a:p>
-            <a:r>
-              <a:rPr lang="pt-BR" dirty="0" smtClean="0"/>
-              <a:t>Curso introdutório onde veremos os conceitos básicos de funcionamento dos seguintes algoritmos de </a:t>
-            </a:r>
-            <a:r>
-              <a:rPr lang="pt-BR" b="1" i="1" dirty="0" smtClean="0"/>
-              <a:t>machine </a:t>
-            </a:r>
-            <a:r>
-              <a:rPr lang="pt-BR" b="1" i="1" dirty="0"/>
-              <a:t>learning</a:t>
-            </a:r>
-            <a:r>
-              <a:rPr lang="pt-BR" dirty="0"/>
-              <a:t> </a:t>
-            </a:r>
-            <a:r>
-              <a:rPr lang="pt-BR" dirty="0" smtClean="0"/>
-              <a:t>(ML):</a:t>
-            </a:r>
-          </a:p>
-          <a:p>
-            <a:pPr lvl="1">
-              <a:buFont typeface="Wingdings" panose="05000000000000000000" pitchFamily="2" charset="2"/>
-              <a:buChar char="§"/>
-            </a:pPr>
-            <a:r>
-              <a:rPr lang="pt-BR" dirty="0" smtClean="0"/>
-              <a:t>Classificadores</a:t>
-            </a:r>
-          </a:p>
-          <a:p>
-            <a:pPr lvl="2">
-              <a:buFont typeface="Courier New" panose="02070309020205020404" pitchFamily="49" charset="0"/>
-              <a:buChar char="o"/>
-            </a:pPr>
-            <a:r>
-              <a:rPr lang="pt-BR" dirty="0" smtClean="0"/>
-              <a:t>Regressão Logística</a:t>
-            </a:r>
-          </a:p>
-          <a:p>
-            <a:pPr lvl="2">
-              <a:buFont typeface="Courier New" panose="02070309020205020404" pitchFamily="49" charset="0"/>
-              <a:buChar char="o"/>
-            </a:pPr>
-            <a:r>
-              <a:rPr lang="pt-BR" dirty="0" smtClean="0"/>
-              <a:t>Regressão Softmax</a:t>
-            </a:r>
-          </a:p>
-          <a:p>
-            <a:pPr lvl="1">
-              <a:buFont typeface="Wingdings" panose="05000000000000000000" pitchFamily="2" charset="2"/>
-              <a:buChar char="§"/>
-            </a:pPr>
-            <a:r>
-              <a:rPr lang="pt-BR" dirty="0" smtClean="0"/>
-              <a:t>Redes Neurais</a:t>
-            </a:r>
-          </a:p>
-          <a:p>
-            <a:pPr lvl="1">
-              <a:buFont typeface="Wingdings" panose="05000000000000000000" pitchFamily="2" charset="2"/>
-              <a:buChar char="§"/>
-            </a:pPr>
-            <a:r>
-              <a:rPr lang="pt-BR" dirty="0" smtClean="0"/>
-              <a:t>Clustering</a:t>
-            </a:r>
-          </a:p>
-          <a:p>
-            <a:r>
-              <a:rPr lang="pt-BR" dirty="0" smtClean="0"/>
-              <a:t>O curso será o mais prático possível, com vários exercícios envolvendo o uso dos algoritmos discutidos.</a:t>
-            </a:r>
-          </a:p>
-          <a:p>
-            <a:endParaRPr lang="pt-BR" dirty="0"/>
-          </a:p>
-        </p:txBody>
-      </p:sp>
-    </p:spTree>
-    <p:extLst>
-      <p:ext uri="{BB962C8B-B14F-4D97-AF65-F5344CB8AC3E}">
-        <p14:creationId xmlns:p14="http://schemas.microsoft.com/office/powerpoint/2010/main" val="193916927"/>
-      </p:ext>
-    </p:extLst>
-  </p:cSld>
-  <p:clrMapOvr>
-    <a:masterClrMapping/>
-  </p:clrMapOvr>
-</p:sld>
-</file>
-
-<file path=ppt/slides/slide20.xml><?xml version="1.0" encoding="utf-8"?>
-<p:sld xmlns:a="http://schemas.openxmlformats.org/drawingml/2006/main" xmlns:r="http://schemas.openxmlformats.org/officeDocument/2006/relationships" xmlns:p="http://schemas.openxmlformats.org/presentationml/2006/main">
-  <p:cSld>
-    <p:spTree>
-      <p:nvGrpSpPr>
-        <p:cNvPr id="1" name=""/>
-        <p:cNvGrpSpPr/>
-        <p:nvPr/>
-      </p:nvGrpSpPr>
-      <p:grpSpPr>
-        <a:xfrm>
-          <a:off x="0" y="0"/>
-          <a:ext cx="0" cy="0"/>
-          <a:chOff x="0" y="0"/>
-          <a:chExt cx="0" cy="0"/>
-        </a:xfrm>
-      </p:grpSpPr>
-      <p:sp>
-        <p:nvSpPr>
           <p:cNvPr id="4" name="Título 1">
             <a:extLst>
               <a:ext uri="{FF2B5EF4-FFF2-40B4-BE49-F238E27FC236}">
-                <a16:creationId xmlns="" xmlns:a16="http://schemas.microsoft.com/office/drawing/2014/main" id="{32666AC8-2E17-4DB4-B0F5-60C640CCFD2E}"/>
+                <a16:creationId xmlns:a16="http://schemas.microsoft.com/office/drawing/2014/main" xmlns="" id="{32666AC8-2E17-4DB4-B0F5-60C640CCFD2E}"/>
               </a:ext>
             </a:extLst>
           </p:cNvPr>
@@ -16839,7 +16816,7 @@
 </p:sld>
 </file>
 
-<file path=ppt/slides/slide21.xml><?xml version="1.0" encoding="utf-8"?>
+<file path=ppt/slides/slide19.xml><?xml version="1.0" encoding="utf-8"?>
 <p:sld xmlns:a="http://schemas.openxmlformats.org/drawingml/2006/main" xmlns:r="http://schemas.openxmlformats.org/officeDocument/2006/relationships" xmlns:p="http://schemas.openxmlformats.org/presentationml/2006/main">
   <p:cSld>
     <p:spTree>
@@ -21238,7 +21215,186 @@
 </p:sld>
 </file>
 
-<file path=ppt/slides/slide22.xml><?xml version="1.0" encoding="utf-8"?>
+<file path=ppt/slides/slide2.xml><?xml version="1.0" encoding="utf-8"?>
+<p:sld xmlns:a="http://schemas.openxmlformats.org/drawingml/2006/main" xmlns:r="http://schemas.openxmlformats.org/officeDocument/2006/relationships" xmlns:p="http://schemas.openxmlformats.org/presentationml/2006/main">
+  <p:cSld>
+    <p:spTree>
+      <p:nvGrpSpPr>
+        <p:cNvPr id="1" name=""/>
+        <p:cNvGrpSpPr/>
+        <p:nvPr/>
+      </p:nvGrpSpPr>
+      <p:grpSpPr>
+        <a:xfrm>
+          <a:off x="0" y="0"/>
+          <a:ext cx="0" cy="0"/>
+          <a:chOff x="0" y="0"/>
+          <a:chExt cx="0" cy="0"/>
+        </a:xfrm>
+      </p:grpSpPr>
+      <p:sp>
+        <p:nvSpPr>
+          <p:cNvPr id="2" name="Title 1"/>
+          <p:cNvSpPr>
+            <a:spLocks noGrp="1"/>
+          </p:cNvSpPr>
+          <p:nvPr>
+            <p:ph type="title"/>
+          </p:nvPr>
+        </p:nvSpPr>
+        <p:spPr/>
+        <p:txBody>
+          <a:bodyPr/>
+          <a:lstStyle/>
+          <a:p>
+            <a:r>
+              <a:rPr lang="pt-BR" dirty="0" smtClean="0"/>
+              <a:t>A disciplina</a:t>
+            </a:r>
+            <a:endParaRPr lang="pt-BR" dirty="0"/>
+          </a:p>
+        </p:txBody>
+      </p:sp>
+      <p:sp>
+        <p:nvSpPr>
+          <p:cNvPr id="3" name="Content Placeholder 2"/>
+          <p:cNvSpPr>
+            <a:spLocks noGrp="1"/>
+          </p:cNvSpPr>
+          <p:nvPr>
+            <p:ph idx="1"/>
+          </p:nvPr>
+        </p:nvSpPr>
+        <p:spPr>
+          <a:xfrm>
+            <a:off x="838200" y="1825624"/>
+            <a:ext cx="10995212" cy="4646893"/>
+          </a:xfrm>
+        </p:spPr>
+        <p:txBody>
+          <a:bodyPr>
+            <a:normAutofit/>
+          </a:bodyPr>
+          <a:lstStyle/>
+          <a:p>
+            <a:r>
+              <a:rPr lang="pt-BR" dirty="0" smtClean="0"/>
+              <a:t>Continuação de </a:t>
+            </a:r>
+            <a:r>
+              <a:rPr lang="pt-BR" b="1" i="1" dirty="0" smtClean="0"/>
+              <a:t>T319 </a:t>
+            </a:r>
+            <a:r>
+              <a:rPr lang="pt-BR" b="1" i="1" dirty="0"/>
+              <a:t>- Introdução ao Aprendizado de Máquina </a:t>
+            </a:r>
+            <a:r>
+              <a:rPr lang="pt-BR" b="1" i="1" dirty="0" smtClean="0"/>
+              <a:t>I</a:t>
+            </a:r>
+            <a:r>
+              <a:rPr lang="pt-BR" dirty="0" smtClean="0"/>
+              <a:t>.</a:t>
+            </a:r>
+          </a:p>
+          <a:p>
+            <a:r>
+              <a:rPr lang="pt-BR" dirty="0" smtClean="0"/>
+              <a:t>Curso introdutório onde veremos os conceitos básicos de funcionamento dos seguintes algoritmos de </a:t>
+            </a:r>
+            <a:r>
+              <a:rPr lang="pt-BR" b="1" i="1" dirty="0" smtClean="0"/>
+              <a:t>machine </a:t>
+            </a:r>
+            <a:r>
+              <a:rPr lang="pt-BR" b="1" i="1" dirty="0"/>
+              <a:t>learning</a:t>
+            </a:r>
+            <a:r>
+              <a:rPr lang="pt-BR" dirty="0"/>
+              <a:t> </a:t>
+            </a:r>
+            <a:r>
+              <a:rPr lang="pt-BR" dirty="0" smtClean="0"/>
+              <a:t>(ML):</a:t>
+            </a:r>
+          </a:p>
+          <a:p>
+            <a:pPr lvl="1">
+              <a:buFont typeface="Wingdings" panose="05000000000000000000" pitchFamily="2" charset="2"/>
+              <a:buChar char="§"/>
+            </a:pPr>
+            <a:r>
+              <a:rPr lang="pt-BR" dirty="0" smtClean="0"/>
+              <a:t>Classificadores</a:t>
+            </a:r>
+          </a:p>
+          <a:p>
+            <a:pPr lvl="2">
+              <a:buFont typeface="Courier New" panose="02070309020205020404" pitchFamily="49" charset="0"/>
+              <a:buChar char="o"/>
+            </a:pPr>
+            <a:r>
+              <a:rPr lang="pt-BR" dirty="0" smtClean="0"/>
+              <a:t>Regressão Logística</a:t>
+            </a:r>
+          </a:p>
+          <a:p>
+            <a:pPr lvl="2">
+              <a:buFont typeface="Courier New" panose="02070309020205020404" pitchFamily="49" charset="0"/>
+              <a:buChar char="o"/>
+            </a:pPr>
+            <a:r>
+              <a:rPr lang="pt-BR" dirty="0" smtClean="0"/>
+              <a:t>Regressão Softmax</a:t>
+            </a:r>
+          </a:p>
+          <a:p>
+            <a:pPr lvl="1">
+              <a:buFont typeface="Wingdings" panose="05000000000000000000" pitchFamily="2" charset="2"/>
+              <a:buChar char="§"/>
+            </a:pPr>
+            <a:r>
+              <a:rPr lang="pt-BR" dirty="0" smtClean="0"/>
+              <a:t>Redes Neurais</a:t>
+            </a:r>
+          </a:p>
+          <a:p>
+            <a:pPr lvl="1">
+              <a:buFont typeface="Wingdings" panose="05000000000000000000" pitchFamily="2" charset="2"/>
+              <a:buChar char="§"/>
+            </a:pPr>
+            <a:r>
+              <a:rPr lang="pt-BR" dirty="0" smtClean="0"/>
+              <a:t>Clustering</a:t>
+            </a:r>
+          </a:p>
+          <a:p>
+            <a:r>
+              <a:rPr lang="pt-BR" dirty="0" smtClean="0"/>
+              <a:t>O curso será o mais prático possível, com vários exercícios envolvendo o uso dos algoritmos discutidos.</a:t>
+            </a:r>
+          </a:p>
+          <a:p>
+            <a:endParaRPr lang="pt-BR" dirty="0"/>
+          </a:p>
+        </p:txBody>
+      </p:sp>
+    </p:spTree>
+    <p:extLst>
+      <p:ext uri="{BB962C8B-B14F-4D97-AF65-F5344CB8AC3E}">
+        <p14:creationId xmlns:p14="http://schemas.microsoft.com/office/powerpoint/2010/main" val="193916927"/>
+      </p:ext>
+    </p:extLst>
+  </p:cSld>
+  <p:clrMapOvr>
+    <a:masterClrMapping/>
+  </p:clrMapOvr>
+</p:sld>
+</file>
+
+<file path=ppt/slides/slide20.xml><?xml version="1.0" encoding="utf-8"?>
 <p:sld xmlns:a="http://schemas.openxmlformats.org/drawingml/2006/main" xmlns:r="http://schemas.openxmlformats.org/officeDocument/2006/relationships" xmlns:p="http://schemas.openxmlformats.org/presentationml/2006/main">
   <p:cSld>
     <p:spTree>
@@ -22096,8 +22252,8 @@
             </a:p>
           </p:txBody>
         </p:sp>
-        <mc:AlternateContent xmlns:mc="http://schemas.openxmlformats.org/markup-compatibility/2006">
-          <mc:Choice xmlns:a14="http://schemas.microsoft.com/office/drawing/2010/main" Requires="a14">
+        <mc:AlternateContent xmlns:mc="http://schemas.openxmlformats.org/markup-compatibility/2006" xmlns:a14="http://schemas.microsoft.com/office/drawing/2010/main">
+          <mc:Choice Requires="a14">
             <p:sp>
               <p:nvSpPr>
                 <p:cNvPr id="22" name="Rectangle 21"/>
@@ -22159,7 +22315,7 @@
               </p:txBody>
             </p:sp>
           </mc:Choice>
-          <mc:Fallback>
+          <mc:Fallback xmlns="">
             <p:sp>
               <p:nvSpPr>
                 <p:cNvPr id="22" name="Rectangle 21"/>
@@ -22198,8 +22354,8 @@
             </p:sp>
           </mc:Fallback>
         </mc:AlternateContent>
-        <mc:AlternateContent xmlns:mc="http://schemas.openxmlformats.org/markup-compatibility/2006">
-          <mc:Choice xmlns:a14="http://schemas.microsoft.com/office/drawing/2010/main" Requires="a14">
+        <mc:AlternateContent xmlns:mc="http://schemas.openxmlformats.org/markup-compatibility/2006" xmlns:a14="http://schemas.microsoft.com/office/drawing/2010/main">
+          <mc:Choice Requires="a14">
             <p:sp>
               <p:nvSpPr>
                 <p:cNvPr id="23" name="Rectangle 22"/>
@@ -22261,7 +22417,7 @@
               </p:txBody>
             </p:sp>
           </mc:Choice>
-          <mc:Fallback>
+          <mc:Fallback xmlns="">
             <p:sp>
               <p:nvSpPr>
                 <p:cNvPr id="23" name="Rectangle 22"/>
@@ -22300,8 +22456,8 @@
             </p:sp>
           </mc:Fallback>
         </mc:AlternateContent>
-        <mc:AlternateContent xmlns:mc="http://schemas.openxmlformats.org/markup-compatibility/2006">
-          <mc:Choice xmlns:a14="http://schemas.microsoft.com/office/drawing/2010/main" Requires="a14">
+        <mc:AlternateContent xmlns:mc="http://schemas.openxmlformats.org/markup-compatibility/2006" xmlns:a14="http://schemas.microsoft.com/office/drawing/2010/main">
+          <mc:Choice Requires="a14">
             <p:sp>
               <p:nvSpPr>
                 <p:cNvPr id="24" name="TextBox 23"/>
@@ -22364,7 +22520,7 @@
               </p:txBody>
             </p:sp>
           </mc:Choice>
-          <mc:Fallback>
+          <mc:Fallback xmlns="">
             <p:sp>
               <p:nvSpPr>
                 <p:cNvPr id="24" name="TextBox 23"/>
@@ -22403,8 +22559,8 @@
             </p:sp>
           </mc:Fallback>
         </mc:AlternateContent>
-        <mc:AlternateContent xmlns:mc="http://schemas.openxmlformats.org/markup-compatibility/2006">
-          <mc:Choice xmlns:a14="http://schemas.microsoft.com/office/drawing/2010/main" Requires="a14">
+        <mc:AlternateContent xmlns:mc="http://schemas.openxmlformats.org/markup-compatibility/2006" xmlns:a14="http://schemas.microsoft.com/office/drawing/2010/main">
+          <mc:Choice Requires="a14">
             <p:sp>
               <p:nvSpPr>
                 <p:cNvPr id="25" name="TextBox 24"/>
@@ -22467,7 +22623,7 @@
               </p:txBody>
             </p:sp>
           </mc:Choice>
-          <mc:Fallback>
+          <mc:Fallback xmlns="">
             <p:sp>
               <p:nvSpPr>
                 <p:cNvPr id="25" name="TextBox 24"/>
@@ -22506,8 +22662,8 @@
             </p:sp>
           </mc:Fallback>
         </mc:AlternateContent>
-        <mc:AlternateContent xmlns:mc="http://schemas.openxmlformats.org/markup-compatibility/2006">
-          <mc:Choice xmlns:a14="http://schemas.microsoft.com/office/drawing/2010/main" Requires="a14">
+        <mc:AlternateContent xmlns:mc="http://schemas.openxmlformats.org/markup-compatibility/2006" xmlns:a14="http://schemas.microsoft.com/office/drawing/2010/main">
+          <mc:Choice Requires="a14">
             <p:sp>
               <p:nvSpPr>
                 <p:cNvPr id="26" name="Rectangle 25"/>
@@ -22580,7 +22736,7 @@
               </p:txBody>
             </p:sp>
           </mc:Choice>
-          <mc:Fallback>
+          <mc:Fallback xmlns="">
             <p:sp>
               <p:nvSpPr>
                 <p:cNvPr id="26" name="Rectangle 25"/>
@@ -22619,8 +22775,8 @@
             </p:sp>
           </mc:Fallback>
         </mc:AlternateContent>
-        <mc:AlternateContent xmlns:mc="http://schemas.openxmlformats.org/markup-compatibility/2006">
-          <mc:Choice xmlns:a14="http://schemas.microsoft.com/office/drawing/2010/main" Requires="a14">
+        <mc:AlternateContent xmlns:mc="http://schemas.openxmlformats.org/markup-compatibility/2006" xmlns:a14="http://schemas.microsoft.com/office/drawing/2010/main">
+          <mc:Choice Requires="a14">
             <p:sp>
               <p:nvSpPr>
                 <p:cNvPr id="27" name="Rectangle 26"/>
@@ -22693,7 +22849,7 @@
               </p:txBody>
             </p:sp>
           </mc:Choice>
-          <mc:Fallback>
+          <mc:Fallback xmlns="">
             <p:sp>
               <p:nvSpPr>
                 <p:cNvPr id="27" name="Rectangle 26"/>
@@ -22732,8 +22888,8 @@
             </p:sp>
           </mc:Fallback>
         </mc:AlternateContent>
-        <mc:AlternateContent xmlns:mc="http://schemas.openxmlformats.org/markup-compatibility/2006">
-          <mc:Choice xmlns:a14="http://schemas.microsoft.com/office/drawing/2010/main" Requires="a14">
+        <mc:AlternateContent xmlns:mc="http://schemas.openxmlformats.org/markup-compatibility/2006" xmlns:a14="http://schemas.microsoft.com/office/drawing/2010/main">
+          <mc:Choice Requires="a14">
             <p:sp>
               <p:nvSpPr>
                 <p:cNvPr id="28" name="Rectangle 27"/>
@@ -22817,7 +22973,7 @@
               </p:txBody>
             </p:sp>
           </mc:Choice>
-          <mc:Fallback>
+          <mc:Fallback xmlns="">
             <p:sp>
               <p:nvSpPr>
                 <p:cNvPr id="28" name="Rectangle 27"/>
@@ -22932,7 +23088,7 @@
           <p:cNvPr id="2" name="Título 1">
             <a:extLst>
               <a:ext uri="{FF2B5EF4-FFF2-40B4-BE49-F238E27FC236}">
-                <a16:creationId xmlns="" xmlns:a16="http://schemas.microsoft.com/office/drawing/2014/main" id="{C4F48192-B348-4C3E-8621-D3755D2230F8}"/>
+                <a16:creationId xmlns:a16="http://schemas.microsoft.com/office/drawing/2014/main" xmlns="" id="{C4F48192-B348-4C3E-8621-D3755D2230F8}"/>
               </a:ext>
             </a:extLst>
           </p:cNvPr>
@@ -22969,7 +23125,7 @@
           <p:cNvPr id="3" name="Espaço Reservado para Conteúdo 2">
             <a:extLst>
               <a:ext uri="{FF2B5EF4-FFF2-40B4-BE49-F238E27FC236}">
-                <a16:creationId xmlns="" xmlns:a16="http://schemas.microsoft.com/office/drawing/2014/main" id="{E3DECB90-AFD9-4AC6-A356-C93A7442A6E6}"/>
+                <a16:creationId xmlns:a16="http://schemas.microsoft.com/office/drawing/2014/main" xmlns="" id="{E3DECB90-AFD9-4AC6-A356-C93A7442A6E6}"/>
               </a:ext>
             </a:extLst>
           </p:cNvPr>
@@ -23123,7 +23279,7 @@
           <p:cNvPr id="3074" name="Picture 2" descr="Image result for machine learning">
             <a:extLst>
               <a:ext uri="{FF2B5EF4-FFF2-40B4-BE49-F238E27FC236}">
-                <a16:creationId xmlns="" xmlns:a16="http://schemas.microsoft.com/office/drawing/2014/main" id="{78A93243-9634-4B0E-B1B2-37A218EAEADD}"/>
+                <a16:creationId xmlns:a16="http://schemas.microsoft.com/office/drawing/2014/main" xmlns="" id="{78A93243-9634-4B0E-B1B2-37A218EAEADD}"/>
               </a:ext>
             </a:extLst>
           </p:cNvPr>
@@ -23486,7 +23642,7 @@
           <p:cNvPr id="2" name="Título 1">
             <a:extLst>
               <a:ext uri="{FF2B5EF4-FFF2-40B4-BE49-F238E27FC236}">
-                <a16:creationId xmlns="" xmlns:a16="http://schemas.microsoft.com/office/drawing/2014/main" id="{A2A4684C-1159-4F88-A2B1-6BABEDE38C4D}"/>
+                <a16:creationId xmlns:a16="http://schemas.microsoft.com/office/drawing/2014/main" xmlns="" id="{A2A4684C-1159-4F88-A2B1-6BABEDE38C4D}"/>
               </a:ext>
             </a:extLst>
           </p:cNvPr>
@@ -23514,7 +23670,7 @@
           <p:cNvPr id="3" name="Espaço Reservado para Conteúdo 2">
             <a:extLst>
               <a:ext uri="{FF2B5EF4-FFF2-40B4-BE49-F238E27FC236}">
-                <a16:creationId xmlns="" xmlns:a16="http://schemas.microsoft.com/office/drawing/2014/main" id="{EC432B31-D382-41FF-BB6B-2ABDD322424B}"/>
+                <a16:creationId xmlns:a16="http://schemas.microsoft.com/office/drawing/2014/main" xmlns="" id="{EC432B31-D382-41FF-BB6B-2ABDD322424B}"/>
               </a:ext>
             </a:extLst>
           </p:cNvPr>
@@ -24103,7 +24259,7 @@
           <p:cNvPr id="6" name="Picture 5" descr="Image result for supervised learning">
             <a:extLst>
               <a:ext uri="{FF2B5EF4-FFF2-40B4-BE49-F238E27FC236}">
-                <a16:creationId xmlns="" xmlns:a16="http://schemas.microsoft.com/office/drawing/2014/main" id="{2520F4EA-1E3E-4F3B-97C0-DF47861DCD42}"/>
+                <a16:creationId xmlns:a16="http://schemas.microsoft.com/office/drawing/2014/main" xmlns="" id="{2520F4EA-1E3E-4F3B-97C0-DF47861DCD42}"/>
               </a:ext>
             </a:extLst>
           </p:cNvPr>

--- a/slides/T320_Classificação (Parte I).pptx
+++ b/slides/T320_Classificação (Parte I).pptx
@@ -1729,7 +1729,7 @@
           <p:cNvPr id="2" name="Título 1">
             <a:extLst>
               <a:ext uri="{FF2B5EF4-FFF2-40B4-BE49-F238E27FC236}">
-                <a16:creationId xmlns:a16="http://schemas.microsoft.com/office/drawing/2014/main" xmlns="" id="{1DB9B4FF-B06E-403C-A326-BDC64D8FF94E}"/>
+                <a16:creationId xmlns="" xmlns:a16="http://schemas.microsoft.com/office/drawing/2014/main" id="{1DB9B4FF-B06E-403C-A326-BDC64D8FF94E}"/>
               </a:ext>
             </a:extLst>
           </p:cNvPr>
@@ -1766,7 +1766,7 @@
           <p:cNvPr id="3" name="Subtítulo 2">
             <a:extLst>
               <a:ext uri="{FF2B5EF4-FFF2-40B4-BE49-F238E27FC236}">
-                <a16:creationId xmlns:a16="http://schemas.microsoft.com/office/drawing/2014/main" xmlns="" id="{247BDFCE-746E-45BF-A319-4733D58D1632}"/>
+                <a16:creationId xmlns="" xmlns:a16="http://schemas.microsoft.com/office/drawing/2014/main" id="{247BDFCE-746E-45BF-A319-4733D58D1632}"/>
               </a:ext>
             </a:extLst>
           </p:cNvPr>
@@ -1836,7 +1836,7 @@
           <p:cNvPr id="4" name="Espaço Reservado para Data 3">
             <a:extLst>
               <a:ext uri="{FF2B5EF4-FFF2-40B4-BE49-F238E27FC236}">
-                <a16:creationId xmlns:a16="http://schemas.microsoft.com/office/drawing/2014/main" xmlns="" id="{9EDE2778-5372-4104-B96D-968184DA8288}"/>
+                <a16:creationId xmlns="" xmlns:a16="http://schemas.microsoft.com/office/drawing/2014/main" id="{9EDE2778-5372-4104-B96D-968184DA8288}"/>
               </a:ext>
             </a:extLst>
           </p:cNvPr>
@@ -1865,7 +1865,7 @@
           <p:cNvPr id="5" name="Espaço Reservado para Rodapé 4">
             <a:extLst>
               <a:ext uri="{FF2B5EF4-FFF2-40B4-BE49-F238E27FC236}">
-                <a16:creationId xmlns:a16="http://schemas.microsoft.com/office/drawing/2014/main" xmlns="" id="{C1DD0F41-C861-4051-988D-3024A37A4B93}"/>
+                <a16:creationId xmlns="" xmlns:a16="http://schemas.microsoft.com/office/drawing/2014/main" id="{C1DD0F41-C861-4051-988D-3024A37A4B93}"/>
               </a:ext>
             </a:extLst>
           </p:cNvPr>
@@ -1890,7 +1890,7 @@
           <p:cNvPr id="6" name="Espaço Reservado para Número de Slide 5">
             <a:extLst>
               <a:ext uri="{FF2B5EF4-FFF2-40B4-BE49-F238E27FC236}">
-                <a16:creationId xmlns:a16="http://schemas.microsoft.com/office/drawing/2014/main" xmlns="" id="{07E5967E-D980-431A-A5DB-3F0C5030A81E}"/>
+                <a16:creationId xmlns="" xmlns:a16="http://schemas.microsoft.com/office/drawing/2014/main" id="{07E5967E-D980-431A-A5DB-3F0C5030A81E}"/>
               </a:ext>
             </a:extLst>
           </p:cNvPr>
@@ -1949,7 +1949,7 @@
           <p:cNvPr id="2" name="Título 1">
             <a:extLst>
               <a:ext uri="{FF2B5EF4-FFF2-40B4-BE49-F238E27FC236}">
-                <a16:creationId xmlns:a16="http://schemas.microsoft.com/office/drawing/2014/main" xmlns="" id="{9036C49F-3E68-4175-81BA-3C3FEE44308A}"/>
+                <a16:creationId xmlns="" xmlns:a16="http://schemas.microsoft.com/office/drawing/2014/main" id="{9036C49F-3E68-4175-81BA-3C3FEE44308A}"/>
               </a:ext>
             </a:extLst>
           </p:cNvPr>
@@ -1977,7 +1977,7 @@
           <p:cNvPr id="3" name="Espaço Reservado para Texto Vertical 2">
             <a:extLst>
               <a:ext uri="{FF2B5EF4-FFF2-40B4-BE49-F238E27FC236}">
-                <a16:creationId xmlns:a16="http://schemas.microsoft.com/office/drawing/2014/main" xmlns="" id="{426FA736-3DD3-4D4E-B57B-BBE1D8F7D424}"/>
+                <a16:creationId xmlns="" xmlns:a16="http://schemas.microsoft.com/office/drawing/2014/main" id="{426FA736-3DD3-4D4E-B57B-BBE1D8F7D424}"/>
               </a:ext>
             </a:extLst>
           </p:cNvPr>
@@ -2034,7 +2034,7 @@
           <p:cNvPr id="4" name="Espaço Reservado para Data 3">
             <a:extLst>
               <a:ext uri="{FF2B5EF4-FFF2-40B4-BE49-F238E27FC236}">
-                <a16:creationId xmlns:a16="http://schemas.microsoft.com/office/drawing/2014/main" xmlns="" id="{99E8855C-D8FD-48F6-B14E-861E0DE4D915}"/>
+                <a16:creationId xmlns="" xmlns:a16="http://schemas.microsoft.com/office/drawing/2014/main" id="{99E8855C-D8FD-48F6-B14E-861E0DE4D915}"/>
               </a:ext>
             </a:extLst>
           </p:cNvPr>
@@ -2063,7 +2063,7 @@
           <p:cNvPr id="5" name="Espaço Reservado para Rodapé 4">
             <a:extLst>
               <a:ext uri="{FF2B5EF4-FFF2-40B4-BE49-F238E27FC236}">
-                <a16:creationId xmlns:a16="http://schemas.microsoft.com/office/drawing/2014/main" xmlns="" id="{97C0BB88-2F21-42A5-ACFF-83DA47F2D340}"/>
+                <a16:creationId xmlns="" xmlns:a16="http://schemas.microsoft.com/office/drawing/2014/main" id="{97C0BB88-2F21-42A5-ACFF-83DA47F2D340}"/>
               </a:ext>
             </a:extLst>
           </p:cNvPr>
@@ -2088,7 +2088,7 @@
           <p:cNvPr id="6" name="Espaço Reservado para Número de Slide 5">
             <a:extLst>
               <a:ext uri="{FF2B5EF4-FFF2-40B4-BE49-F238E27FC236}">
-                <a16:creationId xmlns:a16="http://schemas.microsoft.com/office/drawing/2014/main" xmlns="" id="{6CB462B3-1F22-4C05-B4B8-7A279FB7D5E9}"/>
+                <a16:creationId xmlns="" xmlns:a16="http://schemas.microsoft.com/office/drawing/2014/main" id="{6CB462B3-1F22-4C05-B4B8-7A279FB7D5E9}"/>
               </a:ext>
             </a:extLst>
           </p:cNvPr>
@@ -2147,7 +2147,7 @@
           <p:cNvPr id="2" name="Título Vertical 1">
             <a:extLst>
               <a:ext uri="{FF2B5EF4-FFF2-40B4-BE49-F238E27FC236}">
-                <a16:creationId xmlns:a16="http://schemas.microsoft.com/office/drawing/2014/main" xmlns="" id="{EAEAB728-701C-4207-A9D5-23FF45C60502}"/>
+                <a16:creationId xmlns="" xmlns:a16="http://schemas.microsoft.com/office/drawing/2014/main" id="{EAEAB728-701C-4207-A9D5-23FF45C60502}"/>
               </a:ext>
             </a:extLst>
           </p:cNvPr>
@@ -2180,7 +2180,7 @@
           <p:cNvPr id="3" name="Espaço Reservado para Texto Vertical 2">
             <a:extLst>
               <a:ext uri="{FF2B5EF4-FFF2-40B4-BE49-F238E27FC236}">
-                <a16:creationId xmlns:a16="http://schemas.microsoft.com/office/drawing/2014/main" xmlns="" id="{BA8C8CCF-7823-480A-9A19-0F664DD17E3B}"/>
+                <a16:creationId xmlns="" xmlns:a16="http://schemas.microsoft.com/office/drawing/2014/main" id="{BA8C8CCF-7823-480A-9A19-0F664DD17E3B}"/>
               </a:ext>
             </a:extLst>
           </p:cNvPr>
@@ -2242,7 +2242,7 @@
           <p:cNvPr id="4" name="Espaço Reservado para Data 3">
             <a:extLst>
               <a:ext uri="{FF2B5EF4-FFF2-40B4-BE49-F238E27FC236}">
-                <a16:creationId xmlns:a16="http://schemas.microsoft.com/office/drawing/2014/main" xmlns="" id="{721D5734-7B1F-425D-942F-6EB73344027C}"/>
+                <a16:creationId xmlns="" xmlns:a16="http://schemas.microsoft.com/office/drawing/2014/main" id="{721D5734-7B1F-425D-942F-6EB73344027C}"/>
               </a:ext>
             </a:extLst>
           </p:cNvPr>
@@ -2271,7 +2271,7 @@
           <p:cNvPr id="5" name="Espaço Reservado para Rodapé 4">
             <a:extLst>
               <a:ext uri="{FF2B5EF4-FFF2-40B4-BE49-F238E27FC236}">
-                <a16:creationId xmlns:a16="http://schemas.microsoft.com/office/drawing/2014/main" xmlns="" id="{1E1AAEAC-F08D-45FE-89EC-B1B349A868C9}"/>
+                <a16:creationId xmlns="" xmlns:a16="http://schemas.microsoft.com/office/drawing/2014/main" id="{1E1AAEAC-F08D-45FE-89EC-B1B349A868C9}"/>
               </a:ext>
             </a:extLst>
           </p:cNvPr>
@@ -2296,7 +2296,7 @@
           <p:cNvPr id="6" name="Espaço Reservado para Número de Slide 5">
             <a:extLst>
               <a:ext uri="{FF2B5EF4-FFF2-40B4-BE49-F238E27FC236}">
-                <a16:creationId xmlns:a16="http://schemas.microsoft.com/office/drawing/2014/main" xmlns="" id="{BAA44493-9911-47B2-87A6-C2141A972BC8}"/>
+                <a16:creationId xmlns="" xmlns:a16="http://schemas.microsoft.com/office/drawing/2014/main" id="{BAA44493-9911-47B2-87A6-C2141A972BC8}"/>
               </a:ext>
             </a:extLst>
           </p:cNvPr>
@@ -2355,7 +2355,7 @@
           <p:cNvPr id="2" name="Título 1">
             <a:extLst>
               <a:ext uri="{FF2B5EF4-FFF2-40B4-BE49-F238E27FC236}">
-                <a16:creationId xmlns:a16="http://schemas.microsoft.com/office/drawing/2014/main" xmlns="" id="{71BD44A5-8F21-4626-A01D-48A1C874B1D5}"/>
+                <a16:creationId xmlns="" xmlns:a16="http://schemas.microsoft.com/office/drawing/2014/main" id="{71BD44A5-8F21-4626-A01D-48A1C874B1D5}"/>
               </a:ext>
             </a:extLst>
           </p:cNvPr>
@@ -2383,7 +2383,7 @@
           <p:cNvPr id="3" name="Espaço Reservado para Conteúdo 2">
             <a:extLst>
               <a:ext uri="{FF2B5EF4-FFF2-40B4-BE49-F238E27FC236}">
-                <a16:creationId xmlns:a16="http://schemas.microsoft.com/office/drawing/2014/main" xmlns="" id="{B79E8085-65A9-48AA-951D-71D978BFF4ED}"/>
+                <a16:creationId xmlns="" xmlns:a16="http://schemas.microsoft.com/office/drawing/2014/main" id="{B79E8085-65A9-48AA-951D-71D978BFF4ED}"/>
               </a:ext>
             </a:extLst>
           </p:cNvPr>
@@ -2440,7 +2440,7 @@
           <p:cNvPr id="4" name="Espaço Reservado para Data 3">
             <a:extLst>
               <a:ext uri="{FF2B5EF4-FFF2-40B4-BE49-F238E27FC236}">
-                <a16:creationId xmlns:a16="http://schemas.microsoft.com/office/drawing/2014/main" xmlns="" id="{F05BE1AF-51EA-425D-B188-DE7BD675009F}"/>
+                <a16:creationId xmlns="" xmlns:a16="http://schemas.microsoft.com/office/drawing/2014/main" id="{F05BE1AF-51EA-425D-B188-DE7BD675009F}"/>
               </a:ext>
             </a:extLst>
           </p:cNvPr>
@@ -2469,7 +2469,7 @@
           <p:cNvPr id="5" name="Espaço Reservado para Rodapé 4">
             <a:extLst>
               <a:ext uri="{FF2B5EF4-FFF2-40B4-BE49-F238E27FC236}">
-                <a16:creationId xmlns:a16="http://schemas.microsoft.com/office/drawing/2014/main" xmlns="" id="{121BE632-29CF-4CB9-B365-C9EF38F89BE6}"/>
+                <a16:creationId xmlns="" xmlns:a16="http://schemas.microsoft.com/office/drawing/2014/main" id="{121BE632-29CF-4CB9-B365-C9EF38F89BE6}"/>
               </a:ext>
             </a:extLst>
           </p:cNvPr>
@@ -2494,7 +2494,7 @@
           <p:cNvPr id="6" name="Espaço Reservado para Número de Slide 5">
             <a:extLst>
               <a:ext uri="{FF2B5EF4-FFF2-40B4-BE49-F238E27FC236}">
-                <a16:creationId xmlns:a16="http://schemas.microsoft.com/office/drawing/2014/main" xmlns="" id="{60CF3DD1-9AEC-4A57-B461-4E4DD86FAC18}"/>
+                <a16:creationId xmlns="" xmlns:a16="http://schemas.microsoft.com/office/drawing/2014/main" id="{60CF3DD1-9AEC-4A57-B461-4E4DD86FAC18}"/>
               </a:ext>
             </a:extLst>
           </p:cNvPr>
@@ -2553,7 +2553,7 @@
           <p:cNvPr id="2" name="Título 1">
             <a:extLst>
               <a:ext uri="{FF2B5EF4-FFF2-40B4-BE49-F238E27FC236}">
-                <a16:creationId xmlns:a16="http://schemas.microsoft.com/office/drawing/2014/main" xmlns="" id="{34AB2FF0-A4D7-4E28-991D-FF26140D5988}"/>
+                <a16:creationId xmlns="" xmlns:a16="http://schemas.microsoft.com/office/drawing/2014/main" id="{34AB2FF0-A4D7-4E28-991D-FF26140D5988}"/>
               </a:ext>
             </a:extLst>
           </p:cNvPr>
@@ -2590,7 +2590,7 @@
           <p:cNvPr id="3" name="Espaço Reservado para Texto 2">
             <a:extLst>
               <a:ext uri="{FF2B5EF4-FFF2-40B4-BE49-F238E27FC236}">
-                <a16:creationId xmlns:a16="http://schemas.microsoft.com/office/drawing/2014/main" xmlns="" id="{E2AC45B0-4145-40DB-8E61-105461170604}"/>
+                <a16:creationId xmlns="" xmlns:a16="http://schemas.microsoft.com/office/drawing/2014/main" id="{E2AC45B0-4145-40DB-8E61-105461170604}"/>
               </a:ext>
             </a:extLst>
           </p:cNvPr>
@@ -2715,7 +2715,7 @@
           <p:cNvPr id="4" name="Espaço Reservado para Data 3">
             <a:extLst>
               <a:ext uri="{FF2B5EF4-FFF2-40B4-BE49-F238E27FC236}">
-                <a16:creationId xmlns:a16="http://schemas.microsoft.com/office/drawing/2014/main" xmlns="" id="{50F1D3FB-740A-4EBA-A309-2CE71D12ECFB}"/>
+                <a16:creationId xmlns="" xmlns:a16="http://schemas.microsoft.com/office/drawing/2014/main" id="{50F1D3FB-740A-4EBA-A309-2CE71D12ECFB}"/>
               </a:ext>
             </a:extLst>
           </p:cNvPr>
@@ -2744,7 +2744,7 @@
           <p:cNvPr id="5" name="Espaço Reservado para Rodapé 4">
             <a:extLst>
               <a:ext uri="{FF2B5EF4-FFF2-40B4-BE49-F238E27FC236}">
-                <a16:creationId xmlns:a16="http://schemas.microsoft.com/office/drawing/2014/main" xmlns="" id="{BDCAB18F-8715-4465-A940-F9C193A2ACE9}"/>
+                <a16:creationId xmlns="" xmlns:a16="http://schemas.microsoft.com/office/drawing/2014/main" id="{BDCAB18F-8715-4465-A940-F9C193A2ACE9}"/>
               </a:ext>
             </a:extLst>
           </p:cNvPr>
@@ -2769,7 +2769,7 @@
           <p:cNvPr id="6" name="Espaço Reservado para Número de Slide 5">
             <a:extLst>
               <a:ext uri="{FF2B5EF4-FFF2-40B4-BE49-F238E27FC236}">
-                <a16:creationId xmlns:a16="http://schemas.microsoft.com/office/drawing/2014/main" xmlns="" id="{353466C6-8248-429F-8056-FF040BF509EB}"/>
+                <a16:creationId xmlns="" xmlns:a16="http://schemas.microsoft.com/office/drawing/2014/main" id="{353466C6-8248-429F-8056-FF040BF509EB}"/>
               </a:ext>
             </a:extLst>
           </p:cNvPr>
@@ -2828,7 +2828,7 @@
           <p:cNvPr id="2" name="Título 1">
             <a:extLst>
               <a:ext uri="{FF2B5EF4-FFF2-40B4-BE49-F238E27FC236}">
-                <a16:creationId xmlns:a16="http://schemas.microsoft.com/office/drawing/2014/main" xmlns="" id="{BC7BB9F0-F14B-4A91-B2B7-35BC47FE4DE7}"/>
+                <a16:creationId xmlns="" xmlns:a16="http://schemas.microsoft.com/office/drawing/2014/main" id="{BC7BB9F0-F14B-4A91-B2B7-35BC47FE4DE7}"/>
               </a:ext>
             </a:extLst>
           </p:cNvPr>
@@ -2856,7 +2856,7 @@
           <p:cNvPr id="3" name="Espaço Reservado para Conteúdo 2">
             <a:extLst>
               <a:ext uri="{FF2B5EF4-FFF2-40B4-BE49-F238E27FC236}">
-                <a16:creationId xmlns:a16="http://schemas.microsoft.com/office/drawing/2014/main" xmlns="" id="{EC1FC1C4-73DA-47A6-8496-B0B457F7D39A}"/>
+                <a16:creationId xmlns="" xmlns:a16="http://schemas.microsoft.com/office/drawing/2014/main" id="{EC1FC1C4-73DA-47A6-8496-B0B457F7D39A}"/>
               </a:ext>
             </a:extLst>
           </p:cNvPr>
@@ -2918,7 +2918,7 @@
           <p:cNvPr id="4" name="Espaço Reservado para Conteúdo 3">
             <a:extLst>
               <a:ext uri="{FF2B5EF4-FFF2-40B4-BE49-F238E27FC236}">
-                <a16:creationId xmlns:a16="http://schemas.microsoft.com/office/drawing/2014/main" xmlns="" id="{E92F06A8-A449-4D92-9912-76873E529B38}"/>
+                <a16:creationId xmlns="" xmlns:a16="http://schemas.microsoft.com/office/drawing/2014/main" id="{E92F06A8-A449-4D92-9912-76873E529B38}"/>
               </a:ext>
             </a:extLst>
           </p:cNvPr>
@@ -2980,7 +2980,7 @@
           <p:cNvPr id="5" name="Espaço Reservado para Data 4">
             <a:extLst>
               <a:ext uri="{FF2B5EF4-FFF2-40B4-BE49-F238E27FC236}">
-                <a16:creationId xmlns:a16="http://schemas.microsoft.com/office/drawing/2014/main" xmlns="" id="{938070A4-BC2F-4D55-BD8D-DEAF11BB9EE9}"/>
+                <a16:creationId xmlns="" xmlns:a16="http://schemas.microsoft.com/office/drawing/2014/main" id="{938070A4-BC2F-4D55-BD8D-DEAF11BB9EE9}"/>
               </a:ext>
             </a:extLst>
           </p:cNvPr>
@@ -3009,7 +3009,7 @@
           <p:cNvPr id="6" name="Espaço Reservado para Rodapé 5">
             <a:extLst>
               <a:ext uri="{FF2B5EF4-FFF2-40B4-BE49-F238E27FC236}">
-                <a16:creationId xmlns:a16="http://schemas.microsoft.com/office/drawing/2014/main" xmlns="" id="{45CC2DB8-844A-465F-BA9A-7734C80C7F43}"/>
+                <a16:creationId xmlns="" xmlns:a16="http://schemas.microsoft.com/office/drawing/2014/main" id="{45CC2DB8-844A-465F-BA9A-7734C80C7F43}"/>
               </a:ext>
             </a:extLst>
           </p:cNvPr>
@@ -3034,7 +3034,7 @@
           <p:cNvPr id="7" name="Espaço Reservado para Número de Slide 6">
             <a:extLst>
               <a:ext uri="{FF2B5EF4-FFF2-40B4-BE49-F238E27FC236}">
-                <a16:creationId xmlns:a16="http://schemas.microsoft.com/office/drawing/2014/main" xmlns="" id="{4CC606A8-097B-4040-94E0-CD8C88280D8F}"/>
+                <a16:creationId xmlns="" xmlns:a16="http://schemas.microsoft.com/office/drawing/2014/main" id="{4CC606A8-097B-4040-94E0-CD8C88280D8F}"/>
               </a:ext>
             </a:extLst>
           </p:cNvPr>
@@ -3093,7 +3093,7 @@
           <p:cNvPr id="2" name="Título 1">
             <a:extLst>
               <a:ext uri="{FF2B5EF4-FFF2-40B4-BE49-F238E27FC236}">
-                <a16:creationId xmlns:a16="http://schemas.microsoft.com/office/drawing/2014/main" xmlns="" id="{76D66686-0143-4CB6-8C09-BA326F1E7ACA}"/>
+                <a16:creationId xmlns="" xmlns:a16="http://schemas.microsoft.com/office/drawing/2014/main" id="{76D66686-0143-4CB6-8C09-BA326F1E7ACA}"/>
               </a:ext>
             </a:extLst>
           </p:cNvPr>
@@ -3126,7 +3126,7 @@
           <p:cNvPr id="3" name="Espaço Reservado para Texto 2">
             <a:extLst>
               <a:ext uri="{FF2B5EF4-FFF2-40B4-BE49-F238E27FC236}">
-                <a16:creationId xmlns:a16="http://schemas.microsoft.com/office/drawing/2014/main" xmlns="" id="{0227AB85-F59E-4BCE-B846-4FA0992C2F23}"/>
+                <a16:creationId xmlns="" xmlns:a16="http://schemas.microsoft.com/office/drawing/2014/main" id="{0227AB85-F59E-4BCE-B846-4FA0992C2F23}"/>
               </a:ext>
             </a:extLst>
           </p:cNvPr>
@@ -3197,7 +3197,7 @@
           <p:cNvPr id="4" name="Espaço Reservado para Conteúdo 3">
             <a:extLst>
               <a:ext uri="{FF2B5EF4-FFF2-40B4-BE49-F238E27FC236}">
-                <a16:creationId xmlns:a16="http://schemas.microsoft.com/office/drawing/2014/main" xmlns="" id="{3373456C-7319-4D0A-827D-D29F6B083F5D}"/>
+                <a16:creationId xmlns="" xmlns:a16="http://schemas.microsoft.com/office/drawing/2014/main" id="{3373456C-7319-4D0A-827D-D29F6B083F5D}"/>
               </a:ext>
             </a:extLst>
           </p:cNvPr>
@@ -3259,7 +3259,7 @@
           <p:cNvPr id="5" name="Espaço Reservado para Texto 4">
             <a:extLst>
               <a:ext uri="{FF2B5EF4-FFF2-40B4-BE49-F238E27FC236}">
-                <a16:creationId xmlns:a16="http://schemas.microsoft.com/office/drawing/2014/main" xmlns="" id="{4CD109D0-2E83-4262-8029-A871CEC47406}"/>
+                <a16:creationId xmlns="" xmlns:a16="http://schemas.microsoft.com/office/drawing/2014/main" id="{4CD109D0-2E83-4262-8029-A871CEC47406}"/>
               </a:ext>
             </a:extLst>
           </p:cNvPr>
@@ -3330,7 +3330,7 @@
           <p:cNvPr id="6" name="Espaço Reservado para Conteúdo 5">
             <a:extLst>
               <a:ext uri="{FF2B5EF4-FFF2-40B4-BE49-F238E27FC236}">
-                <a16:creationId xmlns:a16="http://schemas.microsoft.com/office/drawing/2014/main" xmlns="" id="{AD706E3A-CFBB-4A6C-A65F-D0360A9E74FE}"/>
+                <a16:creationId xmlns="" xmlns:a16="http://schemas.microsoft.com/office/drawing/2014/main" id="{AD706E3A-CFBB-4A6C-A65F-D0360A9E74FE}"/>
               </a:ext>
             </a:extLst>
           </p:cNvPr>
@@ -3392,7 +3392,7 @@
           <p:cNvPr id="7" name="Espaço Reservado para Data 6">
             <a:extLst>
               <a:ext uri="{FF2B5EF4-FFF2-40B4-BE49-F238E27FC236}">
-                <a16:creationId xmlns:a16="http://schemas.microsoft.com/office/drawing/2014/main" xmlns="" id="{4172C0E5-5AF0-4805-BB51-443733CD2BD5}"/>
+                <a16:creationId xmlns="" xmlns:a16="http://schemas.microsoft.com/office/drawing/2014/main" id="{4172C0E5-5AF0-4805-BB51-443733CD2BD5}"/>
               </a:ext>
             </a:extLst>
           </p:cNvPr>
@@ -3421,7 +3421,7 @@
           <p:cNvPr id="8" name="Espaço Reservado para Rodapé 7">
             <a:extLst>
               <a:ext uri="{FF2B5EF4-FFF2-40B4-BE49-F238E27FC236}">
-                <a16:creationId xmlns:a16="http://schemas.microsoft.com/office/drawing/2014/main" xmlns="" id="{0E801648-156F-497E-99CF-797DF48051E1}"/>
+                <a16:creationId xmlns="" xmlns:a16="http://schemas.microsoft.com/office/drawing/2014/main" id="{0E801648-156F-497E-99CF-797DF48051E1}"/>
               </a:ext>
             </a:extLst>
           </p:cNvPr>
@@ -3446,7 +3446,7 @@
           <p:cNvPr id="9" name="Espaço Reservado para Número de Slide 8">
             <a:extLst>
               <a:ext uri="{FF2B5EF4-FFF2-40B4-BE49-F238E27FC236}">
-                <a16:creationId xmlns:a16="http://schemas.microsoft.com/office/drawing/2014/main" xmlns="" id="{EEE23D32-80E7-4796-A137-66BF842E4B53}"/>
+                <a16:creationId xmlns="" xmlns:a16="http://schemas.microsoft.com/office/drawing/2014/main" id="{EEE23D32-80E7-4796-A137-66BF842E4B53}"/>
               </a:ext>
             </a:extLst>
           </p:cNvPr>
@@ -3505,7 +3505,7 @@
           <p:cNvPr id="2" name="Título 1">
             <a:extLst>
               <a:ext uri="{FF2B5EF4-FFF2-40B4-BE49-F238E27FC236}">
-                <a16:creationId xmlns:a16="http://schemas.microsoft.com/office/drawing/2014/main" xmlns="" id="{2BCE2379-C78F-47E1-8CFC-B846E7AF148D}"/>
+                <a16:creationId xmlns="" xmlns:a16="http://schemas.microsoft.com/office/drawing/2014/main" id="{2BCE2379-C78F-47E1-8CFC-B846E7AF148D}"/>
               </a:ext>
             </a:extLst>
           </p:cNvPr>
@@ -3533,7 +3533,7 @@
           <p:cNvPr id="3" name="Espaço Reservado para Data 2">
             <a:extLst>
               <a:ext uri="{FF2B5EF4-FFF2-40B4-BE49-F238E27FC236}">
-                <a16:creationId xmlns:a16="http://schemas.microsoft.com/office/drawing/2014/main" xmlns="" id="{342600A9-7F92-4E22-9D94-E4717252A817}"/>
+                <a16:creationId xmlns="" xmlns:a16="http://schemas.microsoft.com/office/drawing/2014/main" id="{342600A9-7F92-4E22-9D94-E4717252A817}"/>
               </a:ext>
             </a:extLst>
           </p:cNvPr>
@@ -3562,7 +3562,7 @@
           <p:cNvPr id="4" name="Espaço Reservado para Rodapé 3">
             <a:extLst>
               <a:ext uri="{FF2B5EF4-FFF2-40B4-BE49-F238E27FC236}">
-                <a16:creationId xmlns:a16="http://schemas.microsoft.com/office/drawing/2014/main" xmlns="" id="{192E6BED-F546-40CC-A2DF-99CBA853654E}"/>
+                <a16:creationId xmlns="" xmlns:a16="http://schemas.microsoft.com/office/drawing/2014/main" id="{192E6BED-F546-40CC-A2DF-99CBA853654E}"/>
               </a:ext>
             </a:extLst>
           </p:cNvPr>
@@ -3587,7 +3587,7 @@
           <p:cNvPr id="5" name="Espaço Reservado para Número de Slide 4">
             <a:extLst>
               <a:ext uri="{FF2B5EF4-FFF2-40B4-BE49-F238E27FC236}">
-                <a16:creationId xmlns:a16="http://schemas.microsoft.com/office/drawing/2014/main" xmlns="" id="{6091CC40-A8C4-4063-80EB-CC5099621678}"/>
+                <a16:creationId xmlns="" xmlns:a16="http://schemas.microsoft.com/office/drawing/2014/main" id="{6091CC40-A8C4-4063-80EB-CC5099621678}"/>
               </a:ext>
             </a:extLst>
           </p:cNvPr>
@@ -3646,7 +3646,7 @@
           <p:cNvPr id="2" name="Espaço Reservado para Data 1">
             <a:extLst>
               <a:ext uri="{FF2B5EF4-FFF2-40B4-BE49-F238E27FC236}">
-                <a16:creationId xmlns:a16="http://schemas.microsoft.com/office/drawing/2014/main" xmlns="" id="{DD19515C-212C-4EAE-84A3-8FF4BC844F1B}"/>
+                <a16:creationId xmlns="" xmlns:a16="http://schemas.microsoft.com/office/drawing/2014/main" id="{DD19515C-212C-4EAE-84A3-8FF4BC844F1B}"/>
               </a:ext>
             </a:extLst>
           </p:cNvPr>
@@ -3675,7 +3675,7 @@
           <p:cNvPr id="3" name="Espaço Reservado para Rodapé 2">
             <a:extLst>
               <a:ext uri="{FF2B5EF4-FFF2-40B4-BE49-F238E27FC236}">
-                <a16:creationId xmlns:a16="http://schemas.microsoft.com/office/drawing/2014/main" xmlns="" id="{94D3D120-B3E8-4C96-861D-7A4F12F49B3A}"/>
+                <a16:creationId xmlns="" xmlns:a16="http://schemas.microsoft.com/office/drawing/2014/main" id="{94D3D120-B3E8-4C96-861D-7A4F12F49B3A}"/>
               </a:ext>
             </a:extLst>
           </p:cNvPr>
@@ -3700,7 +3700,7 @@
           <p:cNvPr id="4" name="Espaço Reservado para Número de Slide 3">
             <a:extLst>
               <a:ext uri="{FF2B5EF4-FFF2-40B4-BE49-F238E27FC236}">
-                <a16:creationId xmlns:a16="http://schemas.microsoft.com/office/drawing/2014/main" xmlns="" id="{42E49B68-FA1B-468B-9F17-D5C09243D454}"/>
+                <a16:creationId xmlns="" xmlns:a16="http://schemas.microsoft.com/office/drawing/2014/main" id="{42E49B68-FA1B-468B-9F17-D5C09243D454}"/>
               </a:ext>
             </a:extLst>
           </p:cNvPr>
@@ -3759,7 +3759,7 @@
           <p:cNvPr id="2" name="Título 1">
             <a:extLst>
               <a:ext uri="{FF2B5EF4-FFF2-40B4-BE49-F238E27FC236}">
-                <a16:creationId xmlns:a16="http://schemas.microsoft.com/office/drawing/2014/main" xmlns="" id="{1C17BCBE-A897-4319-85EC-D87909C24980}"/>
+                <a16:creationId xmlns="" xmlns:a16="http://schemas.microsoft.com/office/drawing/2014/main" id="{1C17BCBE-A897-4319-85EC-D87909C24980}"/>
               </a:ext>
             </a:extLst>
           </p:cNvPr>
@@ -3796,7 +3796,7 @@
           <p:cNvPr id="3" name="Espaço Reservado para Conteúdo 2">
             <a:extLst>
               <a:ext uri="{FF2B5EF4-FFF2-40B4-BE49-F238E27FC236}">
-                <a16:creationId xmlns:a16="http://schemas.microsoft.com/office/drawing/2014/main" xmlns="" id="{4226F885-0204-4913-868B-4B8B82576F17}"/>
+                <a16:creationId xmlns="" xmlns:a16="http://schemas.microsoft.com/office/drawing/2014/main" id="{4226F885-0204-4913-868B-4B8B82576F17}"/>
               </a:ext>
             </a:extLst>
           </p:cNvPr>
@@ -3886,7 +3886,7 @@
           <p:cNvPr id="4" name="Espaço Reservado para Texto 3">
             <a:extLst>
               <a:ext uri="{FF2B5EF4-FFF2-40B4-BE49-F238E27FC236}">
-                <a16:creationId xmlns:a16="http://schemas.microsoft.com/office/drawing/2014/main" xmlns="" id="{00F9F784-A858-441B-8AB5-697098141751}"/>
+                <a16:creationId xmlns="" xmlns:a16="http://schemas.microsoft.com/office/drawing/2014/main" id="{00F9F784-A858-441B-8AB5-697098141751}"/>
               </a:ext>
             </a:extLst>
           </p:cNvPr>
@@ -3957,7 +3957,7 @@
           <p:cNvPr id="5" name="Espaço Reservado para Data 4">
             <a:extLst>
               <a:ext uri="{FF2B5EF4-FFF2-40B4-BE49-F238E27FC236}">
-                <a16:creationId xmlns:a16="http://schemas.microsoft.com/office/drawing/2014/main" xmlns="" id="{A4DC363A-5000-472E-8B17-02E7DCB8840A}"/>
+                <a16:creationId xmlns="" xmlns:a16="http://schemas.microsoft.com/office/drawing/2014/main" id="{A4DC363A-5000-472E-8B17-02E7DCB8840A}"/>
               </a:ext>
             </a:extLst>
           </p:cNvPr>
@@ -3986,7 +3986,7 @@
           <p:cNvPr id="6" name="Espaço Reservado para Rodapé 5">
             <a:extLst>
               <a:ext uri="{FF2B5EF4-FFF2-40B4-BE49-F238E27FC236}">
-                <a16:creationId xmlns:a16="http://schemas.microsoft.com/office/drawing/2014/main" xmlns="" id="{5548425D-2C21-4C56-BAD4-662978775C28}"/>
+                <a16:creationId xmlns="" xmlns:a16="http://schemas.microsoft.com/office/drawing/2014/main" id="{5548425D-2C21-4C56-BAD4-662978775C28}"/>
               </a:ext>
             </a:extLst>
           </p:cNvPr>
@@ -4011,7 +4011,7 @@
           <p:cNvPr id="7" name="Espaço Reservado para Número de Slide 6">
             <a:extLst>
               <a:ext uri="{FF2B5EF4-FFF2-40B4-BE49-F238E27FC236}">
-                <a16:creationId xmlns:a16="http://schemas.microsoft.com/office/drawing/2014/main" xmlns="" id="{C63E9726-E64C-42B2-AE8A-8C235A956B48}"/>
+                <a16:creationId xmlns="" xmlns:a16="http://schemas.microsoft.com/office/drawing/2014/main" id="{C63E9726-E64C-42B2-AE8A-8C235A956B48}"/>
               </a:ext>
             </a:extLst>
           </p:cNvPr>
@@ -4070,7 +4070,7 @@
           <p:cNvPr id="2" name="Título 1">
             <a:extLst>
               <a:ext uri="{FF2B5EF4-FFF2-40B4-BE49-F238E27FC236}">
-                <a16:creationId xmlns:a16="http://schemas.microsoft.com/office/drawing/2014/main" xmlns="" id="{11086A78-3E74-450C-96A6-CA8AC37AF772}"/>
+                <a16:creationId xmlns="" xmlns:a16="http://schemas.microsoft.com/office/drawing/2014/main" id="{11086A78-3E74-450C-96A6-CA8AC37AF772}"/>
               </a:ext>
             </a:extLst>
           </p:cNvPr>
@@ -4107,7 +4107,7 @@
           <p:cNvPr id="3" name="Espaço Reservado para Imagem 2">
             <a:extLst>
               <a:ext uri="{FF2B5EF4-FFF2-40B4-BE49-F238E27FC236}">
-                <a16:creationId xmlns:a16="http://schemas.microsoft.com/office/drawing/2014/main" xmlns="" id="{5F5B7312-975A-4DBC-9B2F-3652ADA006FD}"/>
+                <a16:creationId xmlns="" xmlns:a16="http://schemas.microsoft.com/office/drawing/2014/main" id="{5F5B7312-975A-4DBC-9B2F-3652ADA006FD}"/>
               </a:ext>
             </a:extLst>
           </p:cNvPr>
@@ -4174,7 +4174,7 @@
           <p:cNvPr id="4" name="Espaço Reservado para Texto 3">
             <a:extLst>
               <a:ext uri="{FF2B5EF4-FFF2-40B4-BE49-F238E27FC236}">
-                <a16:creationId xmlns:a16="http://schemas.microsoft.com/office/drawing/2014/main" xmlns="" id="{AAF805F5-1DFF-41C6-944C-7D79FE0D0963}"/>
+                <a16:creationId xmlns="" xmlns:a16="http://schemas.microsoft.com/office/drawing/2014/main" id="{AAF805F5-1DFF-41C6-944C-7D79FE0D0963}"/>
               </a:ext>
             </a:extLst>
           </p:cNvPr>
@@ -4245,7 +4245,7 @@
           <p:cNvPr id="5" name="Espaço Reservado para Data 4">
             <a:extLst>
               <a:ext uri="{FF2B5EF4-FFF2-40B4-BE49-F238E27FC236}">
-                <a16:creationId xmlns:a16="http://schemas.microsoft.com/office/drawing/2014/main" xmlns="" id="{02113D81-8665-4516-BD81-C6A1F254EECD}"/>
+                <a16:creationId xmlns="" xmlns:a16="http://schemas.microsoft.com/office/drawing/2014/main" id="{02113D81-8665-4516-BD81-C6A1F254EECD}"/>
               </a:ext>
             </a:extLst>
           </p:cNvPr>
@@ -4274,7 +4274,7 @@
           <p:cNvPr id="6" name="Espaço Reservado para Rodapé 5">
             <a:extLst>
               <a:ext uri="{FF2B5EF4-FFF2-40B4-BE49-F238E27FC236}">
-                <a16:creationId xmlns:a16="http://schemas.microsoft.com/office/drawing/2014/main" xmlns="" id="{2B00C88B-FF32-40AA-A187-727D96FD7862}"/>
+                <a16:creationId xmlns="" xmlns:a16="http://schemas.microsoft.com/office/drawing/2014/main" id="{2B00C88B-FF32-40AA-A187-727D96FD7862}"/>
               </a:ext>
             </a:extLst>
           </p:cNvPr>
@@ -4299,7 +4299,7 @@
           <p:cNvPr id="7" name="Espaço Reservado para Número de Slide 6">
             <a:extLst>
               <a:ext uri="{FF2B5EF4-FFF2-40B4-BE49-F238E27FC236}">
-                <a16:creationId xmlns:a16="http://schemas.microsoft.com/office/drawing/2014/main" xmlns="" id="{A04D1A2D-69F7-4B8F-A730-BC26DC340BA6}"/>
+                <a16:creationId xmlns="" xmlns:a16="http://schemas.microsoft.com/office/drawing/2014/main" id="{A04D1A2D-69F7-4B8F-A730-BC26DC340BA6}"/>
               </a:ext>
             </a:extLst>
           </p:cNvPr>
@@ -4363,7 +4363,7 @@
           <p:cNvPr id="2" name="Espaço Reservado para Título 1">
             <a:extLst>
               <a:ext uri="{FF2B5EF4-FFF2-40B4-BE49-F238E27FC236}">
-                <a16:creationId xmlns:a16="http://schemas.microsoft.com/office/drawing/2014/main" xmlns="" id="{E69A0273-1966-4A1B-9370-4C1CE5036371}"/>
+                <a16:creationId xmlns="" xmlns:a16="http://schemas.microsoft.com/office/drawing/2014/main" id="{E69A0273-1966-4A1B-9370-4C1CE5036371}"/>
               </a:ext>
             </a:extLst>
           </p:cNvPr>
@@ -4401,7 +4401,7 @@
           <p:cNvPr id="3" name="Espaço Reservado para Texto 2">
             <a:extLst>
               <a:ext uri="{FF2B5EF4-FFF2-40B4-BE49-F238E27FC236}">
-                <a16:creationId xmlns:a16="http://schemas.microsoft.com/office/drawing/2014/main" xmlns="" id="{3B9CF87A-0448-49A7-AB25-EBC1D56A40EF}"/>
+                <a16:creationId xmlns="" xmlns:a16="http://schemas.microsoft.com/office/drawing/2014/main" id="{3B9CF87A-0448-49A7-AB25-EBC1D56A40EF}"/>
               </a:ext>
             </a:extLst>
           </p:cNvPr>
@@ -4468,7 +4468,7 @@
           <p:cNvPr id="4" name="Espaço Reservado para Data 3">
             <a:extLst>
               <a:ext uri="{FF2B5EF4-FFF2-40B4-BE49-F238E27FC236}">
-                <a16:creationId xmlns:a16="http://schemas.microsoft.com/office/drawing/2014/main" xmlns="" id="{2EF7B1F2-BB5A-44D0-816D-16AD2C71430E}"/>
+                <a16:creationId xmlns="" xmlns:a16="http://schemas.microsoft.com/office/drawing/2014/main" id="{2EF7B1F2-BB5A-44D0-816D-16AD2C71430E}"/>
               </a:ext>
             </a:extLst>
           </p:cNvPr>
@@ -4515,7 +4515,7 @@
           <p:cNvPr id="5" name="Espaço Reservado para Rodapé 4">
             <a:extLst>
               <a:ext uri="{FF2B5EF4-FFF2-40B4-BE49-F238E27FC236}">
-                <a16:creationId xmlns:a16="http://schemas.microsoft.com/office/drawing/2014/main" xmlns="" id="{C703F94C-2CC8-4DAA-BC35-14FC3E841DCD}"/>
+                <a16:creationId xmlns="" xmlns:a16="http://schemas.microsoft.com/office/drawing/2014/main" id="{C703F94C-2CC8-4DAA-BC35-14FC3E841DCD}"/>
               </a:ext>
             </a:extLst>
           </p:cNvPr>
@@ -4558,7 +4558,7 @@
           <p:cNvPr id="6" name="Espaço Reservado para Número de Slide 5">
             <a:extLst>
               <a:ext uri="{FF2B5EF4-FFF2-40B4-BE49-F238E27FC236}">
-                <a16:creationId xmlns:a16="http://schemas.microsoft.com/office/drawing/2014/main" xmlns="" id="{64051336-7048-457A-8B61-D94291D71648}"/>
+                <a16:creationId xmlns="" xmlns:a16="http://schemas.microsoft.com/office/drawing/2014/main" id="{64051336-7048-457A-8B61-D94291D71648}"/>
               </a:ext>
             </a:extLst>
           </p:cNvPr>
@@ -4926,7 +4926,7 @@
           <p:cNvPr id="2" name="Título 1">
             <a:extLst>
               <a:ext uri="{FF2B5EF4-FFF2-40B4-BE49-F238E27FC236}">
-                <a16:creationId xmlns:a16="http://schemas.microsoft.com/office/drawing/2014/main" xmlns="" id="{32666AC8-2E17-4DB4-B0F5-60C640CCFD2E}"/>
+                <a16:creationId xmlns="" xmlns:a16="http://schemas.microsoft.com/office/drawing/2014/main" id="{32666AC8-2E17-4DB4-B0F5-60C640CCFD2E}"/>
               </a:ext>
             </a:extLst>
           </p:cNvPr>
@@ -4973,7 +4973,7 @@
           <p:cNvPr id="4" name="CaixaDeTexto 3">
             <a:extLst>
               <a:ext uri="{FF2B5EF4-FFF2-40B4-BE49-F238E27FC236}">
-                <a16:creationId xmlns:a16="http://schemas.microsoft.com/office/drawing/2014/main" xmlns="" id="{430EB894-B7D4-434C-9D1A-A14094D9BEEC}"/>
+                <a16:creationId xmlns="" xmlns:a16="http://schemas.microsoft.com/office/drawing/2014/main" id="{430EB894-B7D4-434C-9D1A-A14094D9BEEC}"/>
               </a:ext>
             </a:extLst>
           </p:cNvPr>
@@ -5014,7 +5014,7 @@
           <p:cNvPr id="1026" name="Picture 2" descr="Logo">
             <a:extLst>
               <a:ext uri="{FF2B5EF4-FFF2-40B4-BE49-F238E27FC236}">
-                <a16:creationId xmlns:a16="http://schemas.microsoft.com/office/drawing/2014/main" xmlns="" id="{3F2642E0-4F6A-4196-8F58-E77D36E9A33F}"/>
+                <a16:creationId xmlns="" xmlns:a16="http://schemas.microsoft.com/office/drawing/2014/main" id="{3F2642E0-4F6A-4196-8F58-E77D36E9A33F}"/>
               </a:ext>
             </a:extLst>
           </p:cNvPr>
@@ -5059,7 +5059,7 @@
           <p:cNvPr id="5122" name="Picture 2" descr="Image result for machine learning">
             <a:extLst>
               <a:ext uri="{FF2B5EF4-FFF2-40B4-BE49-F238E27FC236}">
-                <a16:creationId xmlns:a16="http://schemas.microsoft.com/office/drawing/2014/main" xmlns="" id="{810CE0A2-4102-44A6-A370-175E7896CDCB}"/>
+                <a16:creationId xmlns="" xmlns:a16="http://schemas.microsoft.com/office/drawing/2014/main" id="{810CE0A2-4102-44A6-A370-175E7896CDCB}"/>
               </a:ext>
             </a:extLst>
           </p:cNvPr>
@@ -8691,7 +8691,23 @@
                 </a:pPr>
                 <a:r>
                   <a:rPr lang="pt-BR" dirty="0" smtClean="0"/>
-                  <a:t>E os restante dos pesos determinam a orientação do </a:t>
+                  <a:t>E </a:t>
+                </a:r>
+                <a:r>
+                  <a:rPr lang="pt-BR" dirty="0" smtClean="0"/>
+                  <a:t>o </a:t>
+                </a:r>
+                <a:r>
+                  <a:rPr lang="pt-BR" dirty="0" smtClean="0"/>
+                  <a:t>restante dos pesos </a:t>
+                </a:r>
+                <a:r>
+                  <a:rPr lang="pt-BR" dirty="0" smtClean="0"/>
+                  <a:t>determinam </a:t>
+                </a:r>
+                <a:r>
+                  <a:rPr lang="pt-BR" dirty="0" smtClean="0"/>
+                  <a:t>a orientação do </a:t>
                 </a:r>
                 <a:r>
                   <a:rPr lang="pt-BR" b="1" i="1" dirty="0" smtClean="0"/>
@@ -16550,6 +16566,13 @@
   <p:clrMapOvr>
     <a:masterClrMapping/>
   </p:clrMapOvr>
+  <p:timing>
+    <p:tnLst>
+      <p:par>
+        <p:cTn id="1" dur="indefinite" restart="never" nodeType="tmRoot"/>
+      </p:par>
+    </p:tnLst>
+  </p:timing>
 </p:sld>
 </file>
 
@@ -16625,12 +16648,20 @@
               <a:t>- Quiz </a:t>
             </a:r>
             <a:r>
+              <a:rPr lang="pt-BR" i="1" dirty="0"/>
+              <a:t>-</a:t>
+            </a:r>
+            <a:r>
               <a:rPr lang="pt-BR" i="1" dirty="0" smtClean="0"/>
-              <a:t>– xxxx </a:t>
+              <a:t> Classificação (Parte I)</a:t>
             </a:r>
             <a:r>
               <a:rPr lang="pt-BR" dirty="0" smtClean="0"/>
-              <a:t>” que se encontra no MS Teams.</a:t>
+              <a:t>” </a:t>
+            </a:r>
+            <a:r>
+              <a:rPr lang="pt-BR" dirty="0" smtClean="0"/>
+              <a:t>que se encontra no MS Teams.</a:t>
             </a:r>
           </a:p>
           <a:p>
@@ -16727,6 +16758,13 @@
   <p:clrMapOvr>
     <a:masterClrMapping/>
   </p:clrMapOvr>
+  <p:timing>
+    <p:tnLst>
+      <p:par>
+        <p:cTn id="1" dur="indefinite" restart="never" nodeType="tmRoot"/>
+      </p:par>
+    </p:tnLst>
+  </p:timing>
 </p:sld>
 </file>
 
@@ -16752,7 +16790,7 @@
           <p:cNvPr id="4" name="Título 1">
             <a:extLst>
               <a:ext uri="{FF2B5EF4-FFF2-40B4-BE49-F238E27FC236}">
-                <a16:creationId xmlns:a16="http://schemas.microsoft.com/office/drawing/2014/main" xmlns="" id="{32666AC8-2E17-4DB4-B0F5-60C640CCFD2E}"/>
+                <a16:creationId xmlns="" xmlns:a16="http://schemas.microsoft.com/office/drawing/2014/main" id="{32666AC8-2E17-4DB4-B0F5-60C640CCFD2E}"/>
               </a:ext>
             </a:extLst>
           </p:cNvPr>
@@ -16813,6 +16851,13 @@
   <p:clrMapOvr>
     <a:masterClrMapping/>
   </p:clrMapOvr>
+  <p:timing>
+    <p:tnLst>
+      <p:par>
+        <p:cTn id="1" dur="indefinite" restart="never" nodeType="tmRoot"/>
+      </p:par>
+    </p:tnLst>
+  </p:timing>
 </p:sld>
 </file>
 
@@ -23088,7 +23133,7 @@
           <p:cNvPr id="2" name="Título 1">
             <a:extLst>
               <a:ext uri="{FF2B5EF4-FFF2-40B4-BE49-F238E27FC236}">
-                <a16:creationId xmlns:a16="http://schemas.microsoft.com/office/drawing/2014/main" xmlns="" id="{C4F48192-B348-4C3E-8621-D3755D2230F8}"/>
+                <a16:creationId xmlns="" xmlns:a16="http://schemas.microsoft.com/office/drawing/2014/main" id="{C4F48192-B348-4C3E-8621-D3755D2230F8}"/>
               </a:ext>
             </a:extLst>
           </p:cNvPr>
@@ -23125,7 +23170,7 @@
           <p:cNvPr id="3" name="Espaço Reservado para Conteúdo 2">
             <a:extLst>
               <a:ext uri="{FF2B5EF4-FFF2-40B4-BE49-F238E27FC236}">
-                <a16:creationId xmlns:a16="http://schemas.microsoft.com/office/drawing/2014/main" xmlns="" id="{E3DECB90-AFD9-4AC6-A356-C93A7442A6E6}"/>
+                <a16:creationId xmlns="" xmlns:a16="http://schemas.microsoft.com/office/drawing/2014/main" id="{E3DECB90-AFD9-4AC6-A356-C93A7442A6E6}"/>
               </a:ext>
             </a:extLst>
           </p:cNvPr>
@@ -23279,7 +23324,7 @@
           <p:cNvPr id="3074" name="Picture 2" descr="Image result for machine learning">
             <a:extLst>
               <a:ext uri="{FF2B5EF4-FFF2-40B4-BE49-F238E27FC236}">
-                <a16:creationId xmlns:a16="http://schemas.microsoft.com/office/drawing/2014/main" xmlns="" id="{78A93243-9634-4B0E-B1B2-37A218EAEADD}"/>
+                <a16:creationId xmlns="" xmlns:a16="http://schemas.microsoft.com/office/drawing/2014/main" id="{78A93243-9634-4B0E-B1B2-37A218EAEADD}"/>
               </a:ext>
             </a:extLst>
           </p:cNvPr>
@@ -23642,7 +23687,7 @@
           <p:cNvPr id="2" name="Título 1">
             <a:extLst>
               <a:ext uri="{FF2B5EF4-FFF2-40B4-BE49-F238E27FC236}">
-                <a16:creationId xmlns:a16="http://schemas.microsoft.com/office/drawing/2014/main" xmlns="" id="{A2A4684C-1159-4F88-A2B1-6BABEDE38C4D}"/>
+                <a16:creationId xmlns="" xmlns:a16="http://schemas.microsoft.com/office/drawing/2014/main" id="{A2A4684C-1159-4F88-A2B1-6BABEDE38C4D}"/>
               </a:ext>
             </a:extLst>
           </p:cNvPr>
@@ -23670,7 +23715,7 @@
           <p:cNvPr id="3" name="Espaço Reservado para Conteúdo 2">
             <a:extLst>
               <a:ext uri="{FF2B5EF4-FFF2-40B4-BE49-F238E27FC236}">
-                <a16:creationId xmlns:a16="http://schemas.microsoft.com/office/drawing/2014/main" xmlns="" id="{EC432B31-D382-41FF-BB6B-2ABDD322424B}"/>
+                <a16:creationId xmlns="" xmlns:a16="http://schemas.microsoft.com/office/drawing/2014/main" id="{EC432B31-D382-41FF-BB6B-2ABDD322424B}"/>
               </a:ext>
             </a:extLst>
           </p:cNvPr>
@@ -24259,7 +24304,7 @@
           <p:cNvPr id="6" name="Picture 5" descr="Image result for supervised learning">
             <a:extLst>
               <a:ext uri="{FF2B5EF4-FFF2-40B4-BE49-F238E27FC236}">
-                <a16:creationId xmlns:a16="http://schemas.microsoft.com/office/drawing/2014/main" xmlns="" id="{2520F4EA-1E3E-4F3B-97C0-DF47861DCD42}"/>
+                <a16:creationId xmlns="" xmlns:a16="http://schemas.microsoft.com/office/drawing/2014/main" id="{2520F4EA-1E3E-4F3B-97C0-DF47861DCD42}"/>
               </a:ext>
             </a:extLst>
           </p:cNvPr>

--- a/slides/T320_Classificação (Parte I).pptx
+++ b/slides/T320_Classificação (Parte I).pptx
@@ -294,7 +294,7 @@
           <a:p>
             <a:fld id="{144F1436-6906-4D93-B7A2-786C327BFA14}" type="datetimeFigureOut">
               <a:rPr lang="nl-BE" smtClean="0"/>
-              <a:t>26/07/2021</a:t>
+              <a:t>28/07/2021</a:t>
             </a:fld>
             <a:endParaRPr lang="nl-BE"/>
           </a:p>
@@ -459,7 +459,7 @@
           <a:p>
             <a:fld id="{AA8CD09E-2914-4F47-B6C1-51B2C31814C9}" type="datetimeFigureOut">
               <a:rPr lang="pt-BR" smtClean="0"/>
-              <a:t>26/07/2021</a:t>
+              <a:t>28/07/2021</a:t>
             </a:fld>
             <a:endParaRPr lang="pt-BR"/>
           </a:p>
@@ -1729,7 +1729,7 @@
           <p:cNvPr id="2" name="Título 1">
             <a:extLst>
               <a:ext uri="{FF2B5EF4-FFF2-40B4-BE49-F238E27FC236}">
-                <a16:creationId xmlns="" xmlns:a16="http://schemas.microsoft.com/office/drawing/2014/main" id="{1DB9B4FF-B06E-403C-A326-BDC64D8FF94E}"/>
+                <a16:creationId xmlns:a16="http://schemas.microsoft.com/office/drawing/2014/main" xmlns="" id="{1DB9B4FF-B06E-403C-A326-BDC64D8FF94E}"/>
               </a:ext>
             </a:extLst>
           </p:cNvPr>
@@ -1766,7 +1766,7 @@
           <p:cNvPr id="3" name="Subtítulo 2">
             <a:extLst>
               <a:ext uri="{FF2B5EF4-FFF2-40B4-BE49-F238E27FC236}">
-                <a16:creationId xmlns="" xmlns:a16="http://schemas.microsoft.com/office/drawing/2014/main" id="{247BDFCE-746E-45BF-A319-4733D58D1632}"/>
+                <a16:creationId xmlns:a16="http://schemas.microsoft.com/office/drawing/2014/main" xmlns="" id="{247BDFCE-746E-45BF-A319-4733D58D1632}"/>
               </a:ext>
             </a:extLst>
           </p:cNvPr>
@@ -1836,7 +1836,7 @@
           <p:cNvPr id="4" name="Espaço Reservado para Data 3">
             <a:extLst>
               <a:ext uri="{FF2B5EF4-FFF2-40B4-BE49-F238E27FC236}">
-                <a16:creationId xmlns="" xmlns:a16="http://schemas.microsoft.com/office/drawing/2014/main" id="{9EDE2778-5372-4104-B96D-968184DA8288}"/>
+                <a16:creationId xmlns:a16="http://schemas.microsoft.com/office/drawing/2014/main" xmlns="" id="{9EDE2778-5372-4104-B96D-968184DA8288}"/>
               </a:ext>
             </a:extLst>
           </p:cNvPr>
@@ -1854,7 +1854,7 @@
           <a:p>
             <a:fld id="{63289F7E-B80B-496E-81B4-D396C37C9454}" type="datetimeFigureOut">
               <a:rPr lang="pt-BR" smtClean="0"/>
-              <a:t>26/07/2021</a:t>
+              <a:t>28/07/2021</a:t>
             </a:fld>
             <a:endParaRPr lang="pt-BR"/>
           </a:p>
@@ -1865,7 +1865,7 @@
           <p:cNvPr id="5" name="Espaço Reservado para Rodapé 4">
             <a:extLst>
               <a:ext uri="{FF2B5EF4-FFF2-40B4-BE49-F238E27FC236}">
-                <a16:creationId xmlns="" xmlns:a16="http://schemas.microsoft.com/office/drawing/2014/main" id="{C1DD0F41-C861-4051-988D-3024A37A4B93}"/>
+                <a16:creationId xmlns:a16="http://schemas.microsoft.com/office/drawing/2014/main" xmlns="" id="{C1DD0F41-C861-4051-988D-3024A37A4B93}"/>
               </a:ext>
             </a:extLst>
           </p:cNvPr>
@@ -1890,7 +1890,7 @@
           <p:cNvPr id="6" name="Espaço Reservado para Número de Slide 5">
             <a:extLst>
               <a:ext uri="{FF2B5EF4-FFF2-40B4-BE49-F238E27FC236}">
-                <a16:creationId xmlns="" xmlns:a16="http://schemas.microsoft.com/office/drawing/2014/main" id="{07E5967E-D980-431A-A5DB-3F0C5030A81E}"/>
+                <a16:creationId xmlns:a16="http://schemas.microsoft.com/office/drawing/2014/main" xmlns="" id="{07E5967E-D980-431A-A5DB-3F0C5030A81E}"/>
               </a:ext>
             </a:extLst>
           </p:cNvPr>
@@ -1949,7 +1949,7 @@
           <p:cNvPr id="2" name="Título 1">
             <a:extLst>
               <a:ext uri="{FF2B5EF4-FFF2-40B4-BE49-F238E27FC236}">
-                <a16:creationId xmlns="" xmlns:a16="http://schemas.microsoft.com/office/drawing/2014/main" id="{9036C49F-3E68-4175-81BA-3C3FEE44308A}"/>
+                <a16:creationId xmlns:a16="http://schemas.microsoft.com/office/drawing/2014/main" xmlns="" id="{9036C49F-3E68-4175-81BA-3C3FEE44308A}"/>
               </a:ext>
             </a:extLst>
           </p:cNvPr>
@@ -1977,7 +1977,7 @@
           <p:cNvPr id="3" name="Espaço Reservado para Texto Vertical 2">
             <a:extLst>
               <a:ext uri="{FF2B5EF4-FFF2-40B4-BE49-F238E27FC236}">
-                <a16:creationId xmlns="" xmlns:a16="http://schemas.microsoft.com/office/drawing/2014/main" id="{426FA736-3DD3-4D4E-B57B-BBE1D8F7D424}"/>
+                <a16:creationId xmlns:a16="http://schemas.microsoft.com/office/drawing/2014/main" xmlns="" id="{426FA736-3DD3-4D4E-B57B-BBE1D8F7D424}"/>
               </a:ext>
             </a:extLst>
           </p:cNvPr>
@@ -2034,7 +2034,7 @@
           <p:cNvPr id="4" name="Espaço Reservado para Data 3">
             <a:extLst>
               <a:ext uri="{FF2B5EF4-FFF2-40B4-BE49-F238E27FC236}">
-                <a16:creationId xmlns="" xmlns:a16="http://schemas.microsoft.com/office/drawing/2014/main" id="{99E8855C-D8FD-48F6-B14E-861E0DE4D915}"/>
+                <a16:creationId xmlns:a16="http://schemas.microsoft.com/office/drawing/2014/main" xmlns="" id="{99E8855C-D8FD-48F6-B14E-861E0DE4D915}"/>
               </a:ext>
             </a:extLst>
           </p:cNvPr>
@@ -2052,7 +2052,7 @@
           <a:p>
             <a:fld id="{63289F7E-B80B-496E-81B4-D396C37C9454}" type="datetimeFigureOut">
               <a:rPr lang="pt-BR" smtClean="0"/>
-              <a:t>26/07/2021</a:t>
+              <a:t>28/07/2021</a:t>
             </a:fld>
             <a:endParaRPr lang="pt-BR"/>
           </a:p>
@@ -2063,7 +2063,7 @@
           <p:cNvPr id="5" name="Espaço Reservado para Rodapé 4">
             <a:extLst>
               <a:ext uri="{FF2B5EF4-FFF2-40B4-BE49-F238E27FC236}">
-                <a16:creationId xmlns="" xmlns:a16="http://schemas.microsoft.com/office/drawing/2014/main" id="{97C0BB88-2F21-42A5-ACFF-83DA47F2D340}"/>
+                <a16:creationId xmlns:a16="http://schemas.microsoft.com/office/drawing/2014/main" xmlns="" id="{97C0BB88-2F21-42A5-ACFF-83DA47F2D340}"/>
               </a:ext>
             </a:extLst>
           </p:cNvPr>
@@ -2088,7 +2088,7 @@
           <p:cNvPr id="6" name="Espaço Reservado para Número de Slide 5">
             <a:extLst>
               <a:ext uri="{FF2B5EF4-FFF2-40B4-BE49-F238E27FC236}">
-                <a16:creationId xmlns="" xmlns:a16="http://schemas.microsoft.com/office/drawing/2014/main" id="{6CB462B3-1F22-4C05-B4B8-7A279FB7D5E9}"/>
+                <a16:creationId xmlns:a16="http://schemas.microsoft.com/office/drawing/2014/main" xmlns="" id="{6CB462B3-1F22-4C05-B4B8-7A279FB7D5E9}"/>
               </a:ext>
             </a:extLst>
           </p:cNvPr>
@@ -2147,7 +2147,7 @@
           <p:cNvPr id="2" name="Título Vertical 1">
             <a:extLst>
               <a:ext uri="{FF2B5EF4-FFF2-40B4-BE49-F238E27FC236}">
-                <a16:creationId xmlns="" xmlns:a16="http://schemas.microsoft.com/office/drawing/2014/main" id="{EAEAB728-701C-4207-A9D5-23FF45C60502}"/>
+                <a16:creationId xmlns:a16="http://schemas.microsoft.com/office/drawing/2014/main" xmlns="" id="{EAEAB728-701C-4207-A9D5-23FF45C60502}"/>
               </a:ext>
             </a:extLst>
           </p:cNvPr>
@@ -2180,7 +2180,7 @@
           <p:cNvPr id="3" name="Espaço Reservado para Texto Vertical 2">
             <a:extLst>
               <a:ext uri="{FF2B5EF4-FFF2-40B4-BE49-F238E27FC236}">
-                <a16:creationId xmlns="" xmlns:a16="http://schemas.microsoft.com/office/drawing/2014/main" id="{BA8C8CCF-7823-480A-9A19-0F664DD17E3B}"/>
+                <a16:creationId xmlns:a16="http://schemas.microsoft.com/office/drawing/2014/main" xmlns="" id="{BA8C8CCF-7823-480A-9A19-0F664DD17E3B}"/>
               </a:ext>
             </a:extLst>
           </p:cNvPr>
@@ -2242,7 +2242,7 @@
           <p:cNvPr id="4" name="Espaço Reservado para Data 3">
             <a:extLst>
               <a:ext uri="{FF2B5EF4-FFF2-40B4-BE49-F238E27FC236}">
-                <a16:creationId xmlns="" xmlns:a16="http://schemas.microsoft.com/office/drawing/2014/main" id="{721D5734-7B1F-425D-942F-6EB73344027C}"/>
+                <a16:creationId xmlns:a16="http://schemas.microsoft.com/office/drawing/2014/main" xmlns="" id="{721D5734-7B1F-425D-942F-6EB73344027C}"/>
               </a:ext>
             </a:extLst>
           </p:cNvPr>
@@ -2260,7 +2260,7 @@
           <a:p>
             <a:fld id="{63289F7E-B80B-496E-81B4-D396C37C9454}" type="datetimeFigureOut">
               <a:rPr lang="pt-BR" smtClean="0"/>
-              <a:t>26/07/2021</a:t>
+              <a:t>28/07/2021</a:t>
             </a:fld>
             <a:endParaRPr lang="pt-BR"/>
           </a:p>
@@ -2271,7 +2271,7 @@
           <p:cNvPr id="5" name="Espaço Reservado para Rodapé 4">
             <a:extLst>
               <a:ext uri="{FF2B5EF4-FFF2-40B4-BE49-F238E27FC236}">
-                <a16:creationId xmlns="" xmlns:a16="http://schemas.microsoft.com/office/drawing/2014/main" id="{1E1AAEAC-F08D-45FE-89EC-B1B349A868C9}"/>
+                <a16:creationId xmlns:a16="http://schemas.microsoft.com/office/drawing/2014/main" xmlns="" id="{1E1AAEAC-F08D-45FE-89EC-B1B349A868C9}"/>
               </a:ext>
             </a:extLst>
           </p:cNvPr>
@@ -2296,7 +2296,7 @@
           <p:cNvPr id="6" name="Espaço Reservado para Número de Slide 5">
             <a:extLst>
               <a:ext uri="{FF2B5EF4-FFF2-40B4-BE49-F238E27FC236}">
-                <a16:creationId xmlns="" xmlns:a16="http://schemas.microsoft.com/office/drawing/2014/main" id="{BAA44493-9911-47B2-87A6-C2141A972BC8}"/>
+                <a16:creationId xmlns:a16="http://schemas.microsoft.com/office/drawing/2014/main" xmlns="" id="{BAA44493-9911-47B2-87A6-C2141A972BC8}"/>
               </a:ext>
             </a:extLst>
           </p:cNvPr>
@@ -2355,7 +2355,7 @@
           <p:cNvPr id="2" name="Título 1">
             <a:extLst>
               <a:ext uri="{FF2B5EF4-FFF2-40B4-BE49-F238E27FC236}">
-                <a16:creationId xmlns="" xmlns:a16="http://schemas.microsoft.com/office/drawing/2014/main" id="{71BD44A5-8F21-4626-A01D-48A1C874B1D5}"/>
+                <a16:creationId xmlns:a16="http://schemas.microsoft.com/office/drawing/2014/main" xmlns="" id="{71BD44A5-8F21-4626-A01D-48A1C874B1D5}"/>
               </a:ext>
             </a:extLst>
           </p:cNvPr>
@@ -2383,7 +2383,7 @@
           <p:cNvPr id="3" name="Espaço Reservado para Conteúdo 2">
             <a:extLst>
               <a:ext uri="{FF2B5EF4-FFF2-40B4-BE49-F238E27FC236}">
-                <a16:creationId xmlns="" xmlns:a16="http://schemas.microsoft.com/office/drawing/2014/main" id="{B79E8085-65A9-48AA-951D-71D978BFF4ED}"/>
+                <a16:creationId xmlns:a16="http://schemas.microsoft.com/office/drawing/2014/main" xmlns="" id="{B79E8085-65A9-48AA-951D-71D978BFF4ED}"/>
               </a:ext>
             </a:extLst>
           </p:cNvPr>
@@ -2440,7 +2440,7 @@
           <p:cNvPr id="4" name="Espaço Reservado para Data 3">
             <a:extLst>
               <a:ext uri="{FF2B5EF4-FFF2-40B4-BE49-F238E27FC236}">
-                <a16:creationId xmlns="" xmlns:a16="http://schemas.microsoft.com/office/drawing/2014/main" id="{F05BE1AF-51EA-425D-B188-DE7BD675009F}"/>
+                <a16:creationId xmlns:a16="http://schemas.microsoft.com/office/drawing/2014/main" xmlns="" id="{F05BE1AF-51EA-425D-B188-DE7BD675009F}"/>
               </a:ext>
             </a:extLst>
           </p:cNvPr>
@@ -2458,7 +2458,7 @@
           <a:p>
             <a:fld id="{63289F7E-B80B-496E-81B4-D396C37C9454}" type="datetimeFigureOut">
               <a:rPr lang="pt-BR" smtClean="0"/>
-              <a:t>26/07/2021</a:t>
+              <a:t>28/07/2021</a:t>
             </a:fld>
             <a:endParaRPr lang="pt-BR"/>
           </a:p>
@@ -2469,7 +2469,7 @@
           <p:cNvPr id="5" name="Espaço Reservado para Rodapé 4">
             <a:extLst>
               <a:ext uri="{FF2B5EF4-FFF2-40B4-BE49-F238E27FC236}">
-                <a16:creationId xmlns="" xmlns:a16="http://schemas.microsoft.com/office/drawing/2014/main" id="{121BE632-29CF-4CB9-B365-C9EF38F89BE6}"/>
+                <a16:creationId xmlns:a16="http://schemas.microsoft.com/office/drawing/2014/main" xmlns="" id="{121BE632-29CF-4CB9-B365-C9EF38F89BE6}"/>
               </a:ext>
             </a:extLst>
           </p:cNvPr>
@@ -2494,7 +2494,7 @@
           <p:cNvPr id="6" name="Espaço Reservado para Número de Slide 5">
             <a:extLst>
               <a:ext uri="{FF2B5EF4-FFF2-40B4-BE49-F238E27FC236}">
-                <a16:creationId xmlns="" xmlns:a16="http://schemas.microsoft.com/office/drawing/2014/main" id="{60CF3DD1-9AEC-4A57-B461-4E4DD86FAC18}"/>
+                <a16:creationId xmlns:a16="http://schemas.microsoft.com/office/drawing/2014/main" xmlns="" id="{60CF3DD1-9AEC-4A57-B461-4E4DD86FAC18}"/>
               </a:ext>
             </a:extLst>
           </p:cNvPr>
@@ -2553,7 +2553,7 @@
           <p:cNvPr id="2" name="Título 1">
             <a:extLst>
               <a:ext uri="{FF2B5EF4-FFF2-40B4-BE49-F238E27FC236}">
-                <a16:creationId xmlns="" xmlns:a16="http://schemas.microsoft.com/office/drawing/2014/main" id="{34AB2FF0-A4D7-4E28-991D-FF26140D5988}"/>
+                <a16:creationId xmlns:a16="http://schemas.microsoft.com/office/drawing/2014/main" xmlns="" id="{34AB2FF0-A4D7-4E28-991D-FF26140D5988}"/>
               </a:ext>
             </a:extLst>
           </p:cNvPr>
@@ -2590,7 +2590,7 @@
           <p:cNvPr id="3" name="Espaço Reservado para Texto 2">
             <a:extLst>
               <a:ext uri="{FF2B5EF4-FFF2-40B4-BE49-F238E27FC236}">
-                <a16:creationId xmlns="" xmlns:a16="http://schemas.microsoft.com/office/drawing/2014/main" id="{E2AC45B0-4145-40DB-8E61-105461170604}"/>
+                <a16:creationId xmlns:a16="http://schemas.microsoft.com/office/drawing/2014/main" xmlns="" id="{E2AC45B0-4145-40DB-8E61-105461170604}"/>
               </a:ext>
             </a:extLst>
           </p:cNvPr>
@@ -2715,7 +2715,7 @@
           <p:cNvPr id="4" name="Espaço Reservado para Data 3">
             <a:extLst>
               <a:ext uri="{FF2B5EF4-FFF2-40B4-BE49-F238E27FC236}">
-                <a16:creationId xmlns="" xmlns:a16="http://schemas.microsoft.com/office/drawing/2014/main" id="{50F1D3FB-740A-4EBA-A309-2CE71D12ECFB}"/>
+                <a16:creationId xmlns:a16="http://schemas.microsoft.com/office/drawing/2014/main" xmlns="" id="{50F1D3FB-740A-4EBA-A309-2CE71D12ECFB}"/>
               </a:ext>
             </a:extLst>
           </p:cNvPr>
@@ -2733,7 +2733,7 @@
           <a:p>
             <a:fld id="{63289F7E-B80B-496E-81B4-D396C37C9454}" type="datetimeFigureOut">
               <a:rPr lang="pt-BR" smtClean="0"/>
-              <a:t>26/07/2021</a:t>
+              <a:t>28/07/2021</a:t>
             </a:fld>
             <a:endParaRPr lang="pt-BR"/>
           </a:p>
@@ -2744,7 +2744,7 @@
           <p:cNvPr id="5" name="Espaço Reservado para Rodapé 4">
             <a:extLst>
               <a:ext uri="{FF2B5EF4-FFF2-40B4-BE49-F238E27FC236}">
-                <a16:creationId xmlns="" xmlns:a16="http://schemas.microsoft.com/office/drawing/2014/main" id="{BDCAB18F-8715-4465-A940-F9C193A2ACE9}"/>
+                <a16:creationId xmlns:a16="http://schemas.microsoft.com/office/drawing/2014/main" xmlns="" id="{BDCAB18F-8715-4465-A940-F9C193A2ACE9}"/>
               </a:ext>
             </a:extLst>
           </p:cNvPr>
@@ -2769,7 +2769,7 @@
           <p:cNvPr id="6" name="Espaço Reservado para Número de Slide 5">
             <a:extLst>
               <a:ext uri="{FF2B5EF4-FFF2-40B4-BE49-F238E27FC236}">
-                <a16:creationId xmlns="" xmlns:a16="http://schemas.microsoft.com/office/drawing/2014/main" id="{353466C6-8248-429F-8056-FF040BF509EB}"/>
+                <a16:creationId xmlns:a16="http://schemas.microsoft.com/office/drawing/2014/main" xmlns="" id="{353466C6-8248-429F-8056-FF040BF509EB}"/>
               </a:ext>
             </a:extLst>
           </p:cNvPr>
@@ -2828,7 +2828,7 @@
           <p:cNvPr id="2" name="Título 1">
             <a:extLst>
               <a:ext uri="{FF2B5EF4-FFF2-40B4-BE49-F238E27FC236}">
-                <a16:creationId xmlns="" xmlns:a16="http://schemas.microsoft.com/office/drawing/2014/main" id="{BC7BB9F0-F14B-4A91-B2B7-35BC47FE4DE7}"/>
+                <a16:creationId xmlns:a16="http://schemas.microsoft.com/office/drawing/2014/main" xmlns="" id="{BC7BB9F0-F14B-4A91-B2B7-35BC47FE4DE7}"/>
               </a:ext>
             </a:extLst>
           </p:cNvPr>
@@ -2856,7 +2856,7 @@
           <p:cNvPr id="3" name="Espaço Reservado para Conteúdo 2">
             <a:extLst>
               <a:ext uri="{FF2B5EF4-FFF2-40B4-BE49-F238E27FC236}">
-                <a16:creationId xmlns="" xmlns:a16="http://schemas.microsoft.com/office/drawing/2014/main" id="{EC1FC1C4-73DA-47A6-8496-B0B457F7D39A}"/>
+                <a16:creationId xmlns:a16="http://schemas.microsoft.com/office/drawing/2014/main" xmlns="" id="{EC1FC1C4-73DA-47A6-8496-B0B457F7D39A}"/>
               </a:ext>
             </a:extLst>
           </p:cNvPr>
@@ -2918,7 +2918,7 @@
           <p:cNvPr id="4" name="Espaço Reservado para Conteúdo 3">
             <a:extLst>
               <a:ext uri="{FF2B5EF4-FFF2-40B4-BE49-F238E27FC236}">
-                <a16:creationId xmlns="" xmlns:a16="http://schemas.microsoft.com/office/drawing/2014/main" id="{E92F06A8-A449-4D92-9912-76873E529B38}"/>
+                <a16:creationId xmlns:a16="http://schemas.microsoft.com/office/drawing/2014/main" xmlns="" id="{E92F06A8-A449-4D92-9912-76873E529B38}"/>
               </a:ext>
             </a:extLst>
           </p:cNvPr>
@@ -2980,7 +2980,7 @@
           <p:cNvPr id="5" name="Espaço Reservado para Data 4">
             <a:extLst>
               <a:ext uri="{FF2B5EF4-FFF2-40B4-BE49-F238E27FC236}">
-                <a16:creationId xmlns="" xmlns:a16="http://schemas.microsoft.com/office/drawing/2014/main" id="{938070A4-BC2F-4D55-BD8D-DEAF11BB9EE9}"/>
+                <a16:creationId xmlns:a16="http://schemas.microsoft.com/office/drawing/2014/main" xmlns="" id="{938070A4-BC2F-4D55-BD8D-DEAF11BB9EE9}"/>
               </a:ext>
             </a:extLst>
           </p:cNvPr>
@@ -2998,7 +2998,7 @@
           <a:p>
             <a:fld id="{63289F7E-B80B-496E-81B4-D396C37C9454}" type="datetimeFigureOut">
               <a:rPr lang="pt-BR" smtClean="0"/>
-              <a:t>26/07/2021</a:t>
+              <a:t>28/07/2021</a:t>
             </a:fld>
             <a:endParaRPr lang="pt-BR"/>
           </a:p>
@@ -3009,7 +3009,7 @@
           <p:cNvPr id="6" name="Espaço Reservado para Rodapé 5">
             <a:extLst>
               <a:ext uri="{FF2B5EF4-FFF2-40B4-BE49-F238E27FC236}">
-                <a16:creationId xmlns="" xmlns:a16="http://schemas.microsoft.com/office/drawing/2014/main" id="{45CC2DB8-844A-465F-BA9A-7734C80C7F43}"/>
+                <a16:creationId xmlns:a16="http://schemas.microsoft.com/office/drawing/2014/main" xmlns="" id="{45CC2DB8-844A-465F-BA9A-7734C80C7F43}"/>
               </a:ext>
             </a:extLst>
           </p:cNvPr>
@@ -3034,7 +3034,7 @@
           <p:cNvPr id="7" name="Espaço Reservado para Número de Slide 6">
             <a:extLst>
               <a:ext uri="{FF2B5EF4-FFF2-40B4-BE49-F238E27FC236}">
-                <a16:creationId xmlns="" xmlns:a16="http://schemas.microsoft.com/office/drawing/2014/main" id="{4CC606A8-097B-4040-94E0-CD8C88280D8F}"/>
+                <a16:creationId xmlns:a16="http://schemas.microsoft.com/office/drawing/2014/main" xmlns="" id="{4CC606A8-097B-4040-94E0-CD8C88280D8F}"/>
               </a:ext>
             </a:extLst>
           </p:cNvPr>
@@ -3093,7 +3093,7 @@
           <p:cNvPr id="2" name="Título 1">
             <a:extLst>
               <a:ext uri="{FF2B5EF4-FFF2-40B4-BE49-F238E27FC236}">
-                <a16:creationId xmlns="" xmlns:a16="http://schemas.microsoft.com/office/drawing/2014/main" id="{76D66686-0143-4CB6-8C09-BA326F1E7ACA}"/>
+                <a16:creationId xmlns:a16="http://schemas.microsoft.com/office/drawing/2014/main" xmlns="" id="{76D66686-0143-4CB6-8C09-BA326F1E7ACA}"/>
               </a:ext>
             </a:extLst>
           </p:cNvPr>
@@ -3126,7 +3126,7 @@
           <p:cNvPr id="3" name="Espaço Reservado para Texto 2">
             <a:extLst>
               <a:ext uri="{FF2B5EF4-FFF2-40B4-BE49-F238E27FC236}">
-                <a16:creationId xmlns="" xmlns:a16="http://schemas.microsoft.com/office/drawing/2014/main" id="{0227AB85-F59E-4BCE-B846-4FA0992C2F23}"/>
+                <a16:creationId xmlns:a16="http://schemas.microsoft.com/office/drawing/2014/main" xmlns="" id="{0227AB85-F59E-4BCE-B846-4FA0992C2F23}"/>
               </a:ext>
             </a:extLst>
           </p:cNvPr>
@@ -3197,7 +3197,7 @@
           <p:cNvPr id="4" name="Espaço Reservado para Conteúdo 3">
             <a:extLst>
               <a:ext uri="{FF2B5EF4-FFF2-40B4-BE49-F238E27FC236}">
-                <a16:creationId xmlns="" xmlns:a16="http://schemas.microsoft.com/office/drawing/2014/main" id="{3373456C-7319-4D0A-827D-D29F6B083F5D}"/>
+                <a16:creationId xmlns:a16="http://schemas.microsoft.com/office/drawing/2014/main" xmlns="" id="{3373456C-7319-4D0A-827D-D29F6B083F5D}"/>
               </a:ext>
             </a:extLst>
           </p:cNvPr>
@@ -3259,7 +3259,7 @@
           <p:cNvPr id="5" name="Espaço Reservado para Texto 4">
             <a:extLst>
               <a:ext uri="{FF2B5EF4-FFF2-40B4-BE49-F238E27FC236}">
-                <a16:creationId xmlns="" xmlns:a16="http://schemas.microsoft.com/office/drawing/2014/main" id="{4CD109D0-2E83-4262-8029-A871CEC47406}"/>
+                <a16:creationId xmlns:a16="http://schemas.microsoft.com/office/drawing/2014/main" xmlns="" id="{4CD109D0-2E83-4262-8029-A871CEC47406}"/>
               </a:ext>
             </a:extLst>
           </p:cNvPr>
@@ -3330,7 +3330,7 @@
           <p:cNvPr id="6" name="Espaço Reservado para Conteúdo 5">
             <a:extLst>
               <a:ext uri="{FF2B5EF4-FFF2-40B4-BE49-F238E27FC236}">
-                <a16:creationId xmlns="" xmlns:a16="http://schemas.microsoft.com/office/drawing/2014/main" id="{AD706E3A-CFBB-4A6C-A65F-D0360A9E74FE}"/>
+                <a16:creationId xmlns:a16="http://schemas.microsoft.com/office/drawing/2014/main" xmlns="" id="{AD706E3A-CFBB-4A6C-A65F-D0360A9E74FE}"/>
               </a:ext>
             </a:extLst>
           </p:cNvPr>
@@ -3392,7 +3392,7 @@
           <p:cNvPr id="7" name="Espaço Reservado para Data 6">
             <a:extLst>
               <a:ext uri="{FF2B5EF4-FFF2-40B4-BE49-F238E27FC236}">
-                <a16:creationId xmlns="" xmlns:a16="http://schemas.microsoft.com/office/drawing/2014/main" id="{4172C0E5-5AF0-4805-BB51-443733CD2BD5}"/>
+                <a16:creationId xmlns:a16="http://schemas.microsoft.com/office/drawing/2014/main" xmlns="" id="{4172C0E5-5AF0-4805-BB51-443733CD2BD5}"/>
               </a:ext>
             </a:extLst>
           </p:cNvPr>
@@ -3410,7 +3410,7 @@
           <a:p>
             <a:fld id="{63289F7E-B80B-496E-81B4-D396C37C9454}" type="datetimeFigureOut">
               <a:rPr lang="pt-BR" smtClean="0"/>
-              <a:t>26/07/2021</a:t>
+              <a:t>28/07/2021</a:t>
             </a:fld>
             <a:endParaRPr lang="pt-BR"/>
           </a:p>
@@ -3421,7 +3421,7 @@
           <p:cNvPr id="8" name="Espaço Reservado para Rodapé 7">
             <a:extLst>
               <a:ext uri="{FF2B5EF4-FFF2-40B4-BE49-F238E27FC236}">
-                <a16:creationId xmlns="" xmlns:a16="http://schemas.microsoft.com/office/drawing/2014/main" id="{0E801648-156F-497E-99CF-797DF48051E1}"/>
+                <a16:creationId xmlns:a16="http://schemas.microsoft.com/office/drawing/2014/main" xmlns="" id="{0E801648-156F-497E-99CF-797DF48051E1}"/>
               </a:ext>
             </a:extLst>
           </p:cNvPr>
@@ -3446,7 +3446,7 @@
           <p:cNvPr id="9" name="Espaço Reservado para Número de Slide 8">
             <a:extLst>
               <a:ext uri="{FF2B5EF4-FFF2-40B4-BE49-F238E27FC236}">
-                <a16:creationId xmlns="" xmlns:a16="http://schemas.microsoft.com/office/drawing/2014/main" id="{EEE23D32-80E7-4796-A137-66BF842E4B53}"/>
+                <a16:creationId xmlns:a16="http://schemas.microsoft.com/office/drawing/2014/main" xmlns="" id="{EEE23D32-80E7-4796-A137-66BF842E4B53}"/>
               </a:ext>
             </a:extLst>
           </p:cNvPr>
@@ -3505,7 +3505,7 @@
           <p:cNvPr id="2" name="Título 1">
             <a:extLst>
               <a:ext uri="{FF2B5EF4-FFF2-40B4-BE49-F238E27FC236}">
-                <a16:creationId xmlns="" xmlns:a16="http://schemas.microsoft.com/office/drawing/2014/main" id="{2BCE2379-C78F-47E1-8CFC-B846E7AF148D}"/>
+                <a16:creationId xmlns:a16="http://schemas.microsoft.com/office/drawing/2014/main" xmlns="" id="{2BCE2379-C78F-47E1-8CFC-B846E7AF148D}"/>
               </a:ext>
             </a:extLst>
           </p:cNvPr>
@@ -3533,7 +3533,7 @@
           <p:cNvPr id="3" name="Espaço Reservado para Data 2">
             <a:extLst>
               <a:ext uri="{FF2B5EF4-FFF2-40B4-BE49-F238E27FC236}">
-                <a16:creationId xmlns="" xmlns:a16="http://schemas.microsoft.com/office/drawing/2014/main" id="{342600A9-7F92-4E22-9D94-E4717252A817}"/>
+                <a16:creationId xmlns:a16="http://schemas.microsoft.com/office/drawing/2014/main" xmlns="" id="{342600A9-7F92-4E22-9D94-E4717252A817}"/>
               </a:ext>
             </a:extLst>
           </p:cNvPr>
@@ -3551,7 +3551,7 @@
           <a:p>
             <a:fld id="{63289F7E-B80B-496E-81B4-D396C37C9454}" type="datetimeFigureOut">
               <a:rPr lang="pt-BR" smtClean="0"/>
-              <a:t>26/07/2021</a:t>
+              <a:t>28/07/2021</a:t>
             </a:fld>
             <a:endParaRPr lang="pt-BR"/>
           </a:p>
@@ -3562,7 +3562,7 @@
           <p:cNvPr id="4" name="Espaço Reservado para Rodapé 3">
             <a:extLst>
               <a:ext uri="{FF2B5EF4-FFF2-40B4-BE49-F238E27FC236}">
-                <a16:creationId xmlns="" xmlns:a16="http://schemas.microsoft.com/office/drawing/2014/main" id="{192E6BED-F546-40CC-A2DF-99CBA853654E}"/>
+                <a16:creationId xmlns:a16="http://schemas.microsoft.com/office/drawing/2014/main" xmlns="" id="{192E6BED-F546-40CC-A2DF-99CBA853654E}"/>
               </a:ext>
             </a:extLst>
           </p:cNvPr>
@@ -3587,7 +3587,7 @@
           <p:cNvPr id="5" name="Espaço Reservado para Número de Slide 4">
             <a:extLst>
               <a:ext uri="{FF2B5EF4-FFF2-40B4-BE49-F238E27FC236}">
-                <a16:creationId xmlns="" xmlns:a16="http://schemas.microsoft.com/office/drawing/2014/main" id="{6091CC40-A8C4-4063-80EB-CC5099621678}"/>
+                <a16:creationId xmlns:a16="http://schemas.microsoft.com/office/drawing/2014/main" xmlns="" id="{6091CC40-A8C4-4063-80EB-CC5099621678}"/>
               </a:ext>
             </a:extLst>
           </p:cNvPr>
@@ -3646,7 +3646,7 @@
           <p:cNvPr id="2" name="Espaço Reservado para Data 1">
             <a:extLst>
               <a:ext uri="{FF2B5EF4-FFF2-40B4-BE49-F238E27FC236}">
-                <a16:creationId xmlns="" xmlns:a16="http://schemas.microsoft.com/office/drawing/2014/main" id="{DD19515C-212C-4EAE-84A3-8FF4BC844F1B}"/>
+                <a16:creationId xmlns:a16="http://schemas.microsoft.com/office/drawing/2014/main" xmlns="" id="{DD19515C-212C-4EAE-84A3-8FF4BC844F1B}"/>
               </a:ext>
             </a:extLst>
           </p:cNvPr>
@@ -3664,7 +3664,7 @@
           <a:p>
             <a:fld id="{63289F7E-B80B-496E-81B4-D396C37C9454}" type="datetimeFigureOut">
               <a:rPr lang="pt-BR" smtClean="0"/>
-              <a:t>26/07/2021</a:t>
+              <a:t>28/07/2021</a:t>
             </a:fld>
             <a:endParaRPr lang="pt-BR"/>
           </a:p>
@@ -3675,7 +3675,7 @@
           <p:cNvPr id="3" name="Espaço Reservado para Rodapé 2">
             <a:extLst>
               <a:ext uri="{FF2B5EF4-FFF2-40B4-BE49-F238E27FC236}">
-                <a16:creationId xmlns="" xmlns:a16="http://schemas.microsoft.com/office/drawing/2014/main" id="{94D3D120-B3E8-4C96-861D-7A4F12F49B3A}"/>
+                <a16:creationId xmlns:a16="http://schemas.microsoft.com/office/drawing/2014/main" xmlns="" id="{94D3D120-B3E8-4C96-861D-7A4F12F49B3A}"/>
               </a:ext>
             </a:extLst>
           </p:cNvPr>
@@ -3700,7 +3700,7 @@
           <p:cNvPr id="4" name="Espaço Reservado para Número de Slide 3">
             <a:extLst>
               <a:ext uri="{FF2B5EF4-FFF2-40B4-BE49-F238E27FC236}">
-                <a16:creationId xmlns="" xmlns:a16="http://schemas.microsoft.com/office/drawing/2014/main" id="{42E49B68-FA1B-468B-9F17-D5C09243D454}"/>
+                <a16:creationId xmlns:a16="http://schemas.microsoft.com/office/drawing/2014/main" xmlns="" id="{42E49B68-FA1B-468B-9F17-D5C09243D454}"/>
               </a:ext>
             </a:extLst>
           </p:cNvPr>
@@ -3759,7 +3759,7 @@
           <p:cNvPr id="2" name="Título 1">
             <a:extLst>
               <a:ext uri="{FF2B5EF4-FFF2-40B4-BE49-F238E27FC236}">
-                <a16:creationId xmlns="" xmlns:a16="http://schemas.microsoft.com/office/drawing/2014/main" id="{1C17BCBE-A897-4319-85EC-D87909C24980}"/>
+                <a16:creationId xmlns:a16="http://schemas.microsoft.com/office/drawing/2014/main" xmlns="" id="{1C17BCBE-A897-4319-85EC-D87909C24980}"/>
               </a:ext>
             </a:extLst>
           </p:cNvPr>
@@ -3796,7 +3796,7 @@
           <p:cNvPr id="3" name="Espaço Reservado para Conteúdo 2">
             <a:extLst>
               <a:ext uri="{FF2B5EF4-FFF2-40B4-BE49-F238E27FC236}">
-                <a16:creationId xmlns="" xmlns:a16="http://schemas.microsoft.com/office/drawing/2014/main" id="{4226F885-0204-4913-868B-4B8B82576F17}"/>
+                <a16:creationId xmlns:a16="http://schemas.microsoft.com/office/drawing/2014/main" xmlns="" id="{4226F885-0204-4913-868B-4B8B82576F17}"/>
               </a:ext>
             </a:extLst>
           </p:cNvPr>
@@ -3886,7 +3886,7 @@
           <p:cNvPr id="4" name="Espaço Reservado para Texto 3">
             <a:extLst>
               <a:ext uri="{FF2B5EF4-FFF2-40B4-BE49-F238E27FC236}">
-                <a16:creationId xmlns="" xmlns:a16="http://schemas.microsoft.com/office/drawing/2014/main" id="{00F9F784-A858-441B-8AB5-697098141751}"/>
+                <a16:creationId xmlns:a16="http://schemas.microsoft.com/office/drawing/2014/main" xmlns="" id="{00F9F784-A858-441B-8AB5-697098141751}"/>
               </a:ext>
             </a:extLst>
           </p:cNvPr>
@@ -3957,7 +3957,7 @@
           <p:cNvPr id="5" name="Espaço Reservado para Data 4">
             <a:extLst>
               <a:ext uri="{FF2B5EF4-FFF2-40B4-BE49-F238E27FC236}">
-                <a16:creationId xmlns="" xmlns:a16="http://schemas.microsoft.com/office/drawing/2014/main" id="{A4DC363A-5000-472E-8B17-02E7DCB8840A}"/>
+                <a16:creationId xmlns:a16="http://schemas.microsoft.com/office/drawing/2014/main" xmlns="" id="{A4DC363A-5000-472E-8B17-02E7DCB8840A}"/>
               </a:ext>
             </a:extLst>
           </p:cNvPr>
@@ -3975,7 +3975,7 @@
           <a:p>
             <a:fld id="{63289F7E-B80B-496E-81B4-D396C37C9454}" type="datetimeFigureOut">
               <a:rPr lang="pt-BR" smtClean="0"/>
-              <a:t>26/07/2021</a:t>
+              <a:t>28/07/2021</a:t>
             </a:fld>
             <a:endParaRPr lang="pt-BR"/>
           </a:p>
@@ -3986,7 +3986,7 @@
           <p:cNvPr id="6" name="Espaço Reservado para Rodapé 5">
             <a:extLst>
               <a:ext uri="{FF2B5EF4-FFF2-40B4-BE49-F238E27FC236}">
-                <a16:creationId xmlns="" xmlns:a16="http://schemas.microsoft.com/office/drawing/2014/main" id="{5548425D-2C21-4C56-BAD4-662978775C28}"/>
+                <a16:creationId xmlns:a16="http://schemas.microsoft.com/office/drawing/2014/main" xmlns="" id="{5548425D-2C21-4C56-BAD4-662978775C28}"/>
               </a:ext>
             </a:extLst>
           </p:cNvPr>
@@ -4011,7 +4011,7 @@
           <p:cNvPr id="7" name="Espaço Reservado para Número de Slide 6">
             <a:extLst>
               <a:ext uri="{FF2B5EF4-FFF2-40B4-BE49-F238E27FC236}">
-                <a16:creationId xmlns="" xmlns:a16="http://schemas.microsoft.com/office/drawing/2014/main" id="{C63E9726-E64C-42B2-AE8A-8C235A956B48}"/>
+                <a16:creationId xmlns:a16="http://schemas.microsoft.com/office/drawing/2014/main" xmlns="" id="{C63E9726-E64C-42B2-AE8A-8C235A956B48}"/>
               </a:ext>
             </a:extLst>
           </p:cNvPr>
@@ -4070,7 +4070,7 @@
           <p:cNvPr id="2" name="Título 1">
             <a:extLst>
               <a:ext uri="{FF2B5EF4-FFF2-40B4-BE49-F238E27FC236}">
-                <a16:creationId xmlns="" xmlns:a16="http://schemas.microsoft.com/office/drawing/2014/main" id="{11086A78-3E74-450C-96A6-CA8AC37AF772}"/>
+                <a16:creationId xmlns:a16="http://schemas.microsoft.com/office/drawing/2014/main" xmlns="" id="{11086A78-3E74-450C-96A6-CA8AC37AF772}"/>
               </a:ext>
             </a:extLst>
           </p:cNvPr>
@@ -4107,7 +4107,7 @@
           <p:cNvPr id="3" name="Espaço Reservado para Imagem 2">
             <a:extLst>
               <a:ext uri="{FF2B5EF4-FFF2-40B4-BE49-F238E27FC236}">
-                <a16:creationId xmlns="" xmlns:a16="http://schemas.microsoft.com/office/drawing/2014/main" id="{5F5B7312-975A-4DBC-9B2F-3652ADA006FD}"/>
+                <a16:creationId xmlns:a16="http://schemas.microsoft.com/office/drawing/2014/main" xmlns="" id="{5F5B7312-975A-4DBC-9B2F-3652ADA006FD}"/>
               </a:ext>
             </a:extLst>
           </p:cNvPr>
@@ -4174,7 +4174,7 @@
           <p:cNvPr id="4" name="Espaço Reservado para Texto 3">
             <a:extLst>
               <a:ext uri="{FF2B5EF4-FFF2-40B4-BE49-F238E27FC236}">
-                <a16:creationId xmlns="" xmlns:a16="http://schemas.microsoft.com/office/drawing/2014/main" id="{AAF805F5-1DFF-41C6-944C-7D79FE0D0963}"/>
+                <a16:creationId xmlns:a16="http://schemas.microsoft.com/office/drawing/2014/main" xmlns="" id="{AAF805F5-1DFF-41C6-944C-7D79FE0D0963}"/>
               </a:ext>
             </a:extLst>
           </p:cNvPr>
@@ -4245,7 +4245,7 @@
           <p:cNvPr id="5" name="Espaço Reservado para Data 4">
             <a:extLst>
               <a:ext uri="{FF2B5EF4-FFF2-40B4-BE49-F238E27FC236}">
-                <a16:creationId xmlns="" xmlns:a16="http://schemas.microsoft.com/office/drawing/2014/main" id="{02113D81-8665-4516-BD81-C6A1F254EECD}"/>
+                <a16:creationId xmlns:a16="http://schemas.microsoft.com/office/drawing/2014/main" xmlns="" id="{02113D81-8665-4516-BD81-C6A1F254EECD}"/>
               </a:ext>
             </a:extLst>
           </p:cNvPr>
@@ -4263,7 +4263,7 @@
           <a:p>
             <a:fld id="{63289F7E-B80B-496E-81B4-D396C37C9454}" type="datetimeFigureOut">
               <a:rPr lang="pt-BR" smtClean="0"/>
-              <a:t>26/07/2021</a:t>
+              <a:t>28/07/2021</a:t>
             </a:fld>
             <a:endParaRPr lang="pt-BR"/>
           </a:p>
@@ -4274,7 +4274,7 @@
           <p:cNvPr id="6" name="Espaço Reservado para Rodapé 5">
             <a:extLst>
               <a:ext uri="{FF2B5EF4-FFF2-40B4-BE49-F238E27FC236}">
-                <a16:creationId xmlns="" xmlns:a16="http://schemas.microsoft.com/office/drawing/2014/main" id="{2B00C88B-FF32-40AA-A187-727D96FD7862}"/>
+                <a16:creationId xmlns:a16="http://schemas.microsoft.com/office/drawing/2014/main" xmlns="" id="{2B00C88B-FF32-40AA-A187-727D96FD7862}"/>
               </a:ext>
             </a:extLst>
           </p:cNvPr>
@@ -4299,7 +4299,7 @@
           <p:cNvPr id="7" name="Espaço Reservado para Número de Slide 6">
             <a:extLst>
               <a:ext uri="{FF2B5EF4-FFF2-40B4-BE49-F238E27FC236}">
-                <a16:creationId xmlns="" xmlns:a16="http://schemas.microsoft.com/office/drawing/2014/main" id="{A04D1A2D-69F7-4B8F-A730-BC26DC340BA6}"/>
+                <a16:creationId xmlns:a16="http://schemas.microsoft.com/office/drawing/2014/main" xmlns="" id="{A04D1A2D-69F7-4B8F-A730-BC26DC340BA6}"/>
               </a:ext>
             </a:extLst>
           </p:cNvPr>
@@ -4363,7 +4363,7 @@
           <p:cNvPr id="2" name="Espaço Reservado para Título 1">
             <a:extLst>
               <a:ext uri="{FF2B5EF4-FFF2-40B4-BE49-F238E27FC236}">
-                <a16:creationId xmlns="" xmlns:a16="http://schemas.microsoft.com/office/drawing/2014/main" id="{E69A0273-1966-4A1B-9370-4C1CE5036371}"/>
+                <a16:creationId xmlns:a16="http://schemas.microsoft.com/office/drawing/2014/main" xmlns="" id="{E69A0273-1966-4A1B-9370-4C1CE5036371}"/>
               </a:ext>
             </a:extLst>
           </p:cNvPr>
@@ -4401,7 +4401,7 @@
           <p:cNvPr id="3" name="Espaço Reservado para Texto 2">
             <a:extLst>
               <a:ext uri="{FF2B5EF4-FFF2-40B4-BE49-F238E27FC236}">
-                <a16:creationId xmlns="" xmlns:a16="http://schemas.microsoft.com/office/drawing/2014/main" id="{3B9CF87A-0448-49A7-AB25-EBC1D56A40EF}"/>
+                <a16:creationId xmlns:a16="http://schemas.microsoft.com/office/drawing/2014/main" xmlns="" id="{3B9CF87A-0448-49A7-AB25-EBC1D56A40EF}"/>
               </a:ext>
             </a:extLst>
           </p:cNvPr>
@@ -4468,7 +4468,7 @@
           <p:cNvPr id="4" name="Espaço Reservado para Data 3">
             <a:extLst>
               <a:ext uri="{FF2B5EF4-FFF2-40B4-BE49-F238E27FC236}">
-                <a16:creationId xmlns="" xmlns:a16="http://schemas.microsoft.com/office/drawing/2014/main" id="{2EF7B1F2-BB5A-44D0-816D-16AD2C71430E}"/>
+                <a16:creationId xmlns:a16="http://schemas.microsoft.com/office/drawing/2014/main" xmlns="" id="{2EF7B1F2-BB5A-44D0-816D-16AD2C71430E}"/>
               </a:ext>
             </a:extLst>
           </p:cNvPr>
@@ -4504,7 +4504,7 @@
           <a:p>
             <a:fld id="{63289F7E-B80B-496E-81B4-D396C37C9454}" type="datetimeFigureOut">
               <a:rPr lang="pt-BR" smtClean="0"/>
-              <a:t>26/07/2021</a:t>
+              <a:t>28/07/2021</a:t>
             </a:fld>
             <a:endParaRPr lang="pt-BR"/>
           </a:p>
@@ -4515,7 +4515,7 @@
           <p:cNvPr id="5" name="Espaço Reservado para Rodapé 4">
             <a:extLst>
               <a:ext uri="{FF2B5EF4-FFF2-40B4-BE49-F238E27FC236}">
-                <a16:creationId xmlns="" xmlns:a16="http://schemas.microsoft.com/office/drawing/2014/main" id="{C703F94C-2CC8-4DAA-BC35-14FC3E841DCD}"/>
+                <a16:creationId xmlns:a16="http://schemas.microsoft.com/office/drawing/2014/main" xmlns="" id="{C703F94C-2CC8-4DAA-BC35-14FC3E841DCD}"/>
               </a:ext>
             </a:extLst>
           </p:cNvPr>
@@ -4558,7 +4558,7 @@
           <p:cNvPr id="6" name="Espaço Reservado para Número de Slide 5">
             <a:extLst>
               <a:ext uri="{FF2B5EF4-FFF2-40B4-BE49-F238E27FC236}">
-                <a16:creationId xmlns="" xmlns:a16="http://schemas.microsoft.com/office/drawing/2014/main" id="{64051336-7048-457A-8B61-D94291D71648}"/>
+                <a16:creationId xmlns:a16="http://schemas.microsoft.com/office/drawing/2014/main" xmlns="" id="{64051336-7048-457A-8B61-D94291D71648}"/>
               </a:ext>
             </a:extLst>
           </p:cNvPr>
@@ -4926,7 +4926,7 @@
           <p:cNvPr id="2" name="Título 1">
             <a:extLst>
               <a:ext uri="{FF2B5EF4-FFF2-40B4-BE49-F238E27FC236}">
-                <a16:creationId xmlns="" xmlns:a16="http://schemas.microsoft.com/office/drawing/2014/main" id="{32666AC8-2E17-4DB4-B0F5-60C640CCFD2E}"/>
+                <a16:creationId xmlns:a16="http://schemas.microsoft.com/office/drawing/2014/main" xmlns="" id="{32666AC8-2E17-4DB4-B0F5-60C640CCFD2E}"/>
               </a:ext>
             </a:extLst>
           </p:cNvPr>
@@ -4973,7 +4973,7 @@
           <p:cNvPr id="4" name="CaixaDeTexto 3">
             <a:extLst>
               <a:ext uri="{FF2B5EF4-FFF2-40B4-BE49-F238E27FC236}">
-                <a16:creationId xmlns="" xmlns:a16="http://schemas.microsoft.com/office/drawing/2014/main" id="{430EB894-B7D4-434C-9D1A-A14094D9BEEC}"/>
+                <a16:creationId xmlns:a16="http://schemas.microsoft.com/office/drawing/2014/main" xmlns="" id="{430EB894-B7D4-434C-9D1A-A14094D9BEEC}"/>
               </a:ext>
             </a:extLst>
           </p:cNvPr>
@@ -5014,7 +5014,7 @@
           <p:cNvPr id="1026" name="Picture 2" descr="Logo">
             <a:extLst>
               <a:ext uri="{FF2B5EF4-FFF2-40B4-BE49-F238E27FC236}">
-                <a16:creationId xmlns="" xmlns:a16="http://schemas.microsoft.com/office/drawing/2014/main" id="{3F2642E0-4F6A-4196-8F58-E77D36E9A33F}"/>
+                <a16:creationId xmlns:a16="http://schemas.microsoft.com/office/drawing/2014/main" xmlns="" id="{3F2642E0-4F6A-4196-8F58-E77D36E9A33F}"/>
               </a:ext>
             </a:extLst>
           </p:cNvPr>
@@ -5059,7 +5059,7 @@
           <p:cNvPr id="5122" name="Picture 2" descr="Image result for machine learning">
             <a:extLst>
               <a:ext uri="{FF2B5EF4-FFF2-40B4-BE49-F238E27FC236}">
-                <a16:creationId xmlns="" xmlns:a16="http://schemas.microsoft.com/office/drawing/2014/main" id="{810CE0A2-4102-44A6-A370-175E7896CDCB}"/>
+                <a16:creationId xmlns:a16="http://schemas.microsoft.com/office/drawing/2014/main" xmlns="" id="{810CE0A2-4102-44A6-A370-175E7896CDCB}"/>
               </a:ext>
             </a:extLst>
           </p:cNvPr>
@@ -8137,7 +8137,7 @@
       </p:pic>
       <p:pic>
         <p:nvPicPr>
-          <p:cNvPr id="8" name="Picture 7"/>
+          <p:cNvPr id="9" name="Picture 8"/>
           <p:cNvPicPr>
             <a:picLocks noChangeAspect="1"/>
           </p:cNvPicPr>
@@ -8151,13 +8151,13 @@
               </a:ext>
             </a:extLst>
           </a:blip>
-          <a:srcRect l="6098" t="4113" r="7518" b="1380"/>
+          <a:srcRect l="6486" t="3773" r="7252"/>
           <a:stretch/>
         </p:blipFill>
         <p:spPr>
           <a:xfrm>
-            <a:off x="5211215" y="4836904"/>
-            <a:ext cx="2595215" cy="1987030"/>
+            <a:off x="9425163" y="4842399"/>
+            <a:ext cx="2590625" cy="1981535"/>
           </a:xfrm>
           <a:prstGeom prst="rect">
             <a:avLst/>
@@ -8166,7 +8166,7 @@
       </p:pic>
       <p:pic>
         <p:nvPicPr>
-          <p:cNvPr id="9" name="Picture 8"/>
+          <p:cNvPr id="4" name="Picture 3"/>
           <p:cNvPicPr>
             <a:picLocks noChangeAspect="1"/>
           </p:cNvPicPr>
@@ -8180,13 +8180,13 @@
               </a:ext>
             </a:extLst>
           </a:blip>
-          <a:srcRect l="6486" t="3773" r="7252"/>
+          <a:srcRect l="6657" t="3260" r="7500" b="1927"/>
           <a:stretch/>
         </p:blipFill>
         <p:spPr>
           <a:xfrm>
-            <a:off x="9425163" y="4842399"/>
-            <a:ext cx="2590625" cy="1981535"/>
+            <a:off x="5223462" y="4870970"/>
+            <a:ext cx="2570720" cy="1987030"/>
           </a:xfrm>
           <a:prstGeom prst="rect">
             <a:avLst/>
@@ -8691,23 +8691,7 @@
                 </a:pPr>
                 <a:r>
                   <a:rPr lang="pt-BR" dirty="0" smtClean="0"/>
-                  <a:t>E </a:t>
-                </a:r>
-                <a:r>
-                  <a:rPr lang="pt-BR" dirty="0" smtClean="0"/>
-                  <a:t>o </a:t>
-                </a:r>
-                <a:r>
-                  <a:rPr lang="pt-BR" dirty="0" smtClean="0"/>
-                  <a:t>restante dos pesos </a:t>
-                </a:r>
-                <a:r>
-                  <a:rPr lang="pt-BR" dirty="0" smtClean="0"/>
-                  <a:t>determinam </a:t>
-                </a:r>
-                <a:r>
-                  <a:rPr lang="pt-BR" dirty="0" smtClean="0"/>
-                  <a:t>a orientação do </a:t>
+                  <a:t>E o restante dos pesos determinam a orientação do </a:t>
                 </a:r>
                 <a:r>
                   <a:rPr lang="pt-BR" b="1" i="1" dirty="0" smtClean="0"/>
@@ -8999,11 +8983,19 @@
                 </a:r>
                 <a:r>
                   <a:rPr lang="pt-BR" b="1" i="1" dirty="0" smtClean="0"/>
-                  <a:t>funções discriminates não-lineares</a:t>
+                  <a:t>funções discriminates </a:t>
+                </a:r>
+                <a:r>
+                  <a:rPr lang="pt-BR" b="1" i="1" dirty="0" smtClean="0"/>
+                  <a:t>não-lineares em relação aos atributos</a:t>
                 </a:r>
                 <a:r>
                   <a:rPr lang="pt-BR" dirty="0" smtClean="0"/>
-                  <a:t>, e.g., </a:t>
+                  <a:t>, </a:t>
+                </a:r>
+                <a:r>
+                  <a:rPr lang="pt-BR" dirty="0" smtClean="0"/>
+                  <a:t>e.g., </a:t>
                 </a:r>
                 <a14:m>
                   <m:oMath xmlns:m="http://schemas.openxmlformats.org/officeDocument/2006/math">
@@ -16645,11 +16637,7 @@
             </a:r>
             <a:r>
               <a:rPr lang="pt-BR" i="1" dirty="0"/>
-              <a:t>- Quiz </a:t>
-            </a:r>
-            <a:r>
-              <a:rPr lang="pt-BR" i="1" dirty="0"/>
-              <a:t>-</a:t>
+              <a:t>- Quiz -</a:t>
             </a:r>
             <a:r>
               <a:rPr lang="pt-BR" i="1" dirty="0" smtClean="0"/>
@@ -16657,11 +16645,7 @@
             </a:r>
             <a:r>
               <a:rPr lang="pt-BR" dirty="0" smtClean="0"/>
-              <a:t>” </a:t>
-            </a:r>
-            <a:r>
-              <a:rPr lang="pt-BR" dirty="0" smtClean="0"/>
-              <a:t>que se encontra no MS Teams.</a:t>
+              <a:t>” que se encontra no MS Teams.</a:t>
             </a:r>
           </a:p>
           <a:p>
@@ -16790,7 +16774,7 @@
           <p:cNvPr id="4" name="Título 1">
             <a:extLst>
               <a:ext uri="{FF2B5EF4-FFF2-40B4-BE49-F238E27FC236}">
-                <a16:creationId xmlns="" xmlns:a16="http://schemas.microsoft.com/office/drawing/2014/main" id="{32666AC8-2E17-4DB4-B0F5-60C640CCFD2E}"/>
+                <a16:creationId xmlns:a16="http://schemas.microsoft.com/office/drawing/2014/main" xmlns="" id="{32666AC8-2E17-4DB4-B0F5-60C640CCFD2E}"/>
               </a:ext>
             </a:extLst>
           </p:cNvPr>
@@ -18163,8 +18147,8 @@
           </p:nvSpPr>
           <p:spPr>
             <a:xfrm>
-              <a:off x="5896938" y="1859869"/>
-              <a:ext cx="1869679" cy="307777"/>
+              <a:off x="5543230" y="1767152"/>
+              <a:ext cx="2173288" cy="523220"/>
             </a:xfrm>
             <a:prstGeom prst="rect">
               <a:avLst/>
@@ -18176,13 +18160,25 @@
             </a:bodyPr>
             <a:lstStyle/>
             <a:p>
+              <a:pPr algn="ctr"/>
               <a:r>
                 <a:rPr lang="pt-BR" sz="1400" dirty="0"/>
                 <a:t>c</a:t>
               </a:r>
               <a:r>
                 <a:rPr lang="pt-BR" sz="1400" dirty="0" smtClean="0"/>
-                <a:t>lassificação não-linear</a:t>
+                <a:t>lassificação </a:t>
+              </a:r>
+              <a:r>
+                <a:rPr lang="pt-BR" sz="1400" dirty="0" smtClean="0"/>
+                <a:t>não-linear</a:t>
+              </a:r>
+            </a:p>
+            <a:p>
+              <a:pPr algn="ctr"/>
+              <a:r>
+                <a:rPr lang="pt-BR" sz="1400" dirty="0" smtClean="0"/>
+                <a:t>(com relação aos atributos)</a:t>
               </a:r>
               <a:endParaRPr lang="pt-BR" sz="1400" dirty="0"/>
             </a:p>
@@ -23133,7 +23129,7 @@
           <p:cNvPr id="2" name="Título 1">
             <a:extLst>
               <a:ext uri="{FF2B5EF4-FFF2-40B4-BE49-F238E27FC236}">
-                <a16:creationId xmlns="" xmlns:a16="http://schemas.microsoft.com/office/drawing/2014/main" id="{C4F48192-B348-4C3E-8621-D3755D2230F8}"/>
+                <a16:creationId xmlns:a16="http://schemas.microsoft.com/office/drawing/2014/main" xmlns="" id="{C4F48192-B348-4C3E-8621-D3755D2230F8}"/>
               </a:ext>
             </a:extLst>
           </p:cNvPr>
@@ -23170,7 +23166,7 @@
           <p:cNvPr id="3" name="Espaço Reservado para Conteúdo 2">
             <a:extLst>
               <a:ext uri="{FF2B5EF4-FFF2-40B4-BE49-F238E27FC236}">
-                <a16:creationId xmlns="" xmlns:a16="http://schemas.microsoft.com/office/drawing/2014/main" id="{E3DECB90-AFD9-4AC6-A356-C93A7442A6E6}"/>
+                <a16:creationId xmlns:a16="http://schemas.microsoft.com/office/drawing/2014/main" xmlns="" id="{E3DECB90-AFD9-4AC6-A356-C93A7442A6E6}"/>
               </a:ext>
             </a:extLst>
           </p:cNvPr>
@@ -23324,7 +23320,7 @@
           <p:cNvPr id="3074" name="Picture 2" descr="Image result for machine learning">
             <a:extLst>
               <a:ext uri="{FF2B5EF4-FFF2-40B4-BE49-F238E27FC236}">
-                <a16:creationId xmlns="" xmlns:a16="http://schemas.microsoft.com/office/drawing/2014/main" id="{78A93243-9634-4B0E-B1B2-37A218EAEADD}"/>
+                <a16:creationId xmlns:a16="http://schemas.microsoft.com/office/drawing/2014/main" xmlns="" id="{78A93243-9634-4B0E-B1B2-37A218EAEADD}"/>
               </a:ext>
             </a:extLst>
           </p:cNvPr>
@@ -23687,7 +23683,7 @@
           <p:cNvPr id="2" name="Título 1">
             <a:extLst>
               <a:ext uri="{FF2B5EF4-FFF2-40B4-BE49-F238E27FC236}">
-                <a16:creationId xmlns="" xmlns:a16="http://schemas.microsoft.com/office/drawing/2014/main" id="{A2A4684C-1159-4F88-A2B1-6BABEDE38C4D}"/>
+                <a16:creationId xmlns:a16="http://schemas.microsoft.com/office/drawing/2014/main" xmlns="" id="{A2A4684C-1159-4F88-A2B1-6BABEDE38C4D}"/>
               </a:ext>
             </a:extLst>
           </p:cNvPr>
@@ -23715,7 +23711,7 @@
           <p:cNvPr id="3" name="Espaço Reservado para Conteúdo 2">
             <a:extLst>
               <a:ext uri="{FF2B5EF4-FFF2-40B4-BE49-F238E27FC236}">
-                <a16:creationId xmlns="" xmlns:a16="http://schemas.microsoft.com/office/drawing/2014/main" id="{EC432B31-D382-41FF-BB6B-2ABDD322424B}"/>
+                <a16:creationId xmlns:a16="http://schemas.microsoft.com/office/drawing/2014/main" xmlns="" id="{EC432B31-D382-41FF-BB6B-2ABDD322424B}"/>
               </a:ext>
             </a:extLst>
           </p:cNvPr>
@@ -24304,7 +24300,7 @@
           <p:cNvPr id="6" name="Picture 5" descr="Image result for supervised learning">
             <a:extLst>
               <a:ext uri="{FF2B5EF4-FFF2-40B4-BE49-F238E27FC236}">
-                <a16:creationId xmlns="" xmlns:a16="http://schemas.microsoft.com/office/drawing/2014/main" id="{2520F4EA-1E3E-4F3B-97C0-DF47861DCD42}"/>
+                <a16:creationId xmlns:a16="http://schemas.microsoft.com/office/drawing/2014/main" xmlns="" id="{2520F4EA-1E3E-4F3B-97C0-DF47861DCD42}"/>
               </a:ext>
             </a:extLst>
           </p:cNvPr>

--- a/slides/T320_Classificação (Parte I).pptx
+++ b/slides/T320_Classificação (Parte I).pptx
@@ -296,7 +296,7 @@
           <a:p>
             <a:fld id="{144F1436-6906-4D93-B7A2-786C327BFA14}" type="datetimeFigureOut">
               <a:rPr lang="nl-BE" smtClean="0"/>
-              <a:t>6/08/2021</a:t>
+              <a:t>7/08/2021</a:t>
             </a:fld>
             <a:endParaRPr lang="nl-BE"/>
           </a:p>
@@ -461,7 +461,7 @@
           <a:p>
             <a:fld id="{AA8CD09E-2914-4F47-B6C1-51B2C31814C9}" type="datetimeFigureOut">
               <a:rPr lang="pt-BR" smtClean="0"/>
-              <a:t>06/08/2021</a:t>
+              <a:t>07/08/2021</a:t>
             </a:fld>
             <a:endParaRPr lang="pt-BR"/>
           </a:p>
@@ -1731,7 +1731,7 @@
           <p:cNvPr id="2" name="Título 1">
             <a:extLst>
               <a:ext uri="{FF2B5EF4-FFF2-40B4-BE49-F238E27FC236}">
-                <a16:creationId xmlns="" xmlns:a16="http://schemas.microsoft.com/office/drawing/2014/main" id="{1DB9B4FF-B06E-403C-A326-BDC64D8FF94E}"/>
+                <a16:creationId xmlns:a16="http://schemas.microsoft.com/office/drawing/2014/main" xmlns="" id="{1DB9B4FF-B06E-403C-A326-BDC64D8FF94E}"/>
               </a:ext>
             </a:extLst>
           </p:cNvPr>
@@ -1768,7 +1768,7 @@
           <p:cNvPr id="3" name="Subtítulo 2">
             <a:extLst>
               <a:ext uri="{FF2B5EF4-FFF2-40B4-BE49-F238E27FC236}">
-                <a16:creationId xmlns="" xmlns:a16="http://schemas.microsoft.com/office/drawing/2014/main" id="{247BDFCE-746E-45BF-A319-4733D58D1632}"/>
+                <a16:creationId xmlns:a16="http://schemas.microsoft.com/office/drawing/2014/main" xmlns="" id="{247BDFCE-746E-45BF-A319-4733D58D1632}"/>
               </a:ext>
             </a:extLst>
           </p:cNvPr>
@@ -1838,7 +1838,7 @@
           <p:cNvPr id="4" name="Espaço Reservado para Data 3">
             <a:extLst>
               <a:ext uri="{FF2B5EF4-FFF2-40B4-BE49-F238E27FC236}">
-                <a16:creationId xmlns="" xmlns:a16="http://schemas.microsoft.com/office/drawing/2014/main" id="{9EDE2778-5372-4104-B96D-968184DA8288}"/>
+                <a16:creationId xmlns:a16="http://schemas.microsoft.com/office/drawing/2014/main" xmlns="" id="{9EDE2778-5372-4104-B96D-968184DA8288}"/>
               </a:ext>
             </a:extLst>
           </p:cNvPr>
@@ -1856,7 +1856,7 @@
           <a:p>
             <a:fld id="{63289F7E-B80B-496E-81B4-D396C37C9454}" type="datetimeFigureOut">
               <a:rPr lang="pt-BR" smtClean="0"/>
-              <a:t>06/08/2021</a:t>
+              <a:t>07/08/2021</a:t>
             </a:fld>
             <a:endParaRPr lang="pt-BR"/>
           </a:p>
@@ -1867,7 +1867,7 @@
           <p:cNvPr id="5" name="Espaço Reservado para Rodapé 4">
             <a:extLst>
               <a:ext uri="{FF2B5EF4-FFF2-40B4-BE49-F238E27FC236}">
-                <a16:creationId xmlns="" xmlns:a16="http://schemas.microsoft.com/office/drawing/2014/main" id="{C1DD0F41-C861-4051-988D-3024A37A4B93}"/>
+                <a16:creationId xmlns:a16="http://schemas.microsoft.com/office/drawing/2014/main" xmlns="" id="{C1DD0F41-C861-4051-988D-3024A37A4B93}"/>
               </a:ext>
             </a:extLst>
           </p:cNvPr>
@@ -1892,7 +1892,7 @@
           <p:cNvPr id="6" name="Espaço Reservado para Número de Slide 5">
             <a:extLst>
               <a:ext uri="{FF2B5EF4-FFF2-40B4-BE49-F238E27FC236}">
-                <a16:creationId xmlns="" xmlns:a16="http://schemas.microsoft.com/office/drawing/2014/main" id="{07E5967E-D980-431A-A5DB-3F0C5030A81E}"/>
+                <a16:creationId xmlns:a16="http://schemas.microsoft.com/office/drawing/2014/main" xmlns="" id="{07E5967E-D980-431A-A5DB-3F0C5030A81E}"/>
               </a:ext>
             </a:extLst>
           </p:cNvPr>
@@ -1951,7 +1951,7 @@
           <p:cNvPr id="2" name="Título 1">
             <a:extLst>
               <a:ext uri="{FF2B5EF4-FFF2-40B4-BE49-F238E27FC236}">
-                <a16:creationId xmlns="" xmlns:a16="http://schemas.microsoft.com/office/drawing/2014/main" id="{9036C49F-3E68-4175-81BA-3C3FEE44308A}"/>
+                <a16:creationId xmlns:a16="http://schemas.microsoft.com/office/drawing/2014/main" xmlns="" id="{9036C49F-3E68-4175-81BA-3C3FEE44308A}"/>
               </a:ext>
             </a:extLst>
           </p:cNvPr>
@@ -1979,7 +1979,7 @@
           <p:cNvPr id="3" name="Espaço Reservado para Texto Vertical 2">
             <a:extLst>
               <a:ext uri="{FF2B5EF4-FFF2-40B4-BE49-F238E27FC236}">
-                <a16:creationId xmlns="" xmlns:a16="http://schemas.microsoft.com/office/drawing/2014/main" id="{426FA736-3DD3-4D4E-B57B-BBE1D8F7D424}"/>
+                <a16:creationId xmlns:a16="http://schemas.microsoft.com/office/drawing/2014/main" xmlns="" id="{426FA736-3DD3-4D4E-B57B-BBE1D8F7D424}"/>
               </a:ext>
             </a:extLst>
           </p:cNvPr>
@@ -2036,7 +2036,7 @@
           <p:cNvPr id="4" name="Espaço Reservado para Data 3">
             <a:extLst>
               <a:ext uri="{FF2B5EF4-FFF2-40B4-BE49-F238E27FC236}">
-                <a16:creationId xmlns="" xmlns:a16="http://schemas.microsoft.com/office/drawing/2014/main" id="{99E8855C-D8FD-48F6-B14E-861E0DE4D915}"/>
+                <a16:creationId xmlns:a16="http://schemas.microsoft.com/office/drawing/2014/main" xmlns="" id="{99E8855C-D8FD-48F6-B14E-861E0DE4D915}"/>
               </a:ext>
             </a:extLst>
           </p:cNvPr>
@@ -2054,7 +2054,7 @@
           <a:p>
             <a:fld id="{63289F7E-B80B-496E-81B4-D396C37C9454}" type="datetimeFigureOut">
               <a:rPr lang="pt-BR" smtClean="0"/>
-              <a:t>06/08/2021</a:t>
+              <a:t>07/08/2021</a:t>
             </a:fld>
             <a:endParaRPr lang="pt-BR"/>
           </a:p>
@@ -2065,7 +2065,7 @@
           <p:cNvPr id="5" name="Espaço Reservado para Rodapé 4">
             <a:extLst>
               <a:ext uri="{FF2B5EF4-FFF2-40B4-BE49-F238E27FC236}">
-                <a16:creationId xmlns="" xmlns:a16="http://schemas.microsoft.com/office/drawing/2014/main" id="{97C0BB88-2F21-42A5-ACFF-83DA47F2D340}"/>
+                <a16:creationId xmlns:a16="http://schemas.microsoft.com/office/drawing/2014/main" xmlns="" id="{97C0BB88-2F21-42A5-ACFF-83DA47F2D340}"/>
               </a:ext>
             </a:extLst>
           </p:cNvPr>
@@ -2090,7 +2090,7 @@
           <p:cNvPr id="6" name="Espaço Reservado para Número de Slide 5">
             <a:extLst>
               <a:ext uri="{FF2B5EF4-FFF2-40B4-BE49-F238E27FC236}">
-                <a16:creationId xmlns="" xmlns:a16="http://schemas.microsoft.com/office/drawing/2014/main" id="{6CB462B3-1F22-4C05-B4B8-7A279FB7D5E9}"/>
+                <a16:creationId xmlns:a16="http://schemas.microsoft.com/office/drawing/2014/main" xmlns="" id="{6CB462B3-1F22-4C05-B4B8-7A279FB7D5E9}"/>
               </a:ext>
             </a:extLst>
           </p:cNvPr>
@@ -2149,7 +2149,7 @@
           <p:cNvPr id="2" name="Título Vertical 1">
             <a:extLst>
               <a:ext uri="{FF2B5EF4-FFF2-40B4-BE49-F238E27FC236}">
-                <a16:creationId xmlns="" xmlns:a16="http://schemas.microsoft.com/office/drawing/2014/main" id="{EAEAB728-701C-4207-A9D5-23FF45C60502}"/>
+                <a16:creationId xmlns:a16="http://schemas.microsoft.com/office/drawing/2014/main" xmlns="" id="{EAEAB728-701C-4207-A9D5-23FF45C60502}"/>
               </a:ext>
             </a:extLst>
           </p:cNvPr>
@@ -2182,7 +2182,7 @@
           <p:cNvPr id="3" name="Espaço Reservado para Texto Vertical 2">
             <a:extLst>
               <a:ext uri="{FF2B5EF4-FFF2-40B4-BE49-F238E27FC236}">
-                <a16:creationId xmlns="" xmlns:a16="http://schemas.microsoft.com/office/drawing/2014/main" id="{BA8C8CCF-7823-480A-9A19-0F664DD17E3B}"/>
+                <a16:creationId xmlns:a16="http://schemas.microsoft.com/office/drawing/2014/main" xmlns="" id="{BA8C8CCF-7823-480A-9A19-0F664DD17E3B}"/>
               </a:ext>
             </a:extLst>
           </p:cNvPr>
@@ -2244,7 +2244,7 @@
           <p:cNvPr id="4" name="Espaço Reservado para Data 3">
             <a:extLst>
               <a:ext uri="{FF2B5EF4-FFF2-40B4-BE49-F238E27FC236}">
-                <a16:creationId xmlns="" xmlns:a16="http://schemas.microsoft.com/office/drawing/2014/main" id="{721D5734-7B1F-425D-942F-6EB73344027C}"/>
+                <a16:creationId xmlns:a16="http://schemas.microsoft.com/office/drawing/2014/main" xmlns="" id="{721D5734-7B1F-425D-942F-6EB73344027C}"/>
               </a:ext>
             </a:extLst>
           </p:cNvPr>
@@ -2262,7 +2262,7 @@
           <a:p>
             <a:fld id="{63289F7E-B80B-496E-81B4-D396C37C9454}" type="datetimeFigureOut">
               <a:rPr lang="pt-BR" smtClean="0"/>
-              <a:t>06/08/2021</a:t>
+              <a:t>07/08/2021</a:t>
             </a:fld>
             <a:endParaRPr lang="pt-BR"/>
           </a:p>
@@ -2273,7 +2273,7 @@
           <p:cNvPr id="5" name="Espaço Reservado para Rodapé 4">
             <a:extLst>
               <a:ext uri="{FF2B5EF4-FFF2-40B4-BE49-F238E27FC236}">
-                <a16:creationId xmlns="" xmlns:a16="http://schemas.microsoft.com/office/drawing/2014/main" id="{1E1AAEAC-F08D-45FE-89EC-B1B349A868C9}"/>
+                <a16:creationId xmlns:a16="http://schemas.microsoft.com/office/drawing/2014/main" xmlns="" id="{1E1AAEAC-F08D-45FE-89EC-B1B349A868C9}"/>
               </a:ext>
             </a:extLst>
           </p:cNvPr>
@@ -2298,7 +2298,7 @@
           <p:cNvPr id="6" name="Espaço Reservado para Número de Slide 5">
             <a:extLst>
               <a:ext uri="{FF2B5EF4-FFF2-40B4-BE49-F238E27FC236}">
-                <a16:creationId xmlns="" xmlns:a16="http://schemas.microsoft.com/office/drawing/2014/main" id="{BAA44493-9911-47B2-87A6-C2141A972BC8}"/>
+                <a16:creationId xmlns:a16="http://schemas.microsoft.com/office/drawing/2014/main" xmlns="" id="{BAA44493-9911-47B2-87A6-C2141A972BC8}"/>
               </a:ext>
             </a:extLst>
           </p:cNvPr>
@@ -2357,7 +2357,7 @@
           <p:cNvPr id="2" name="Título 1">
             <a:extLst>
               <a:ext uri="{FF2B5EF4-FFF2-40B4-BE49-F238E27FC236}">
-                <a16:creationId xmlns="" xmlns:a16="http://schemas.microsoft.com/office/drawing/2014/main" id="{71BD44A5-8F21-4626-A01D-48A1C874B1D5}"/>
+                <a16:creationId xmlns:a16="http://schemas.microsoft.com/office/drawing/2014/main" xmlns="" id="{71BD44A5-8F21-4626-A01D-48A1C874B1D5}"/>
               </a:ext>
             </a:extLst>
           </p:cNvPr>
@@ -2385,7 +2385,7 @@
           <p:cNvPr id="3" name="Espaço Reservado para Conteúdo 2">
             <a:extLst>
               <a:ext uri="{FF2B5EF4-FFF2-40B4-BE49-F238E27FC236}">
-                <a16:creationId xmlns="" xmlns:a16="http://schemas.microsoft.com/office/drawing/2014/main" id="{B79E8085-65A9-48AA-951D-71D978BFF4ED}"/>
+                <a16:creationId xmlns:a16="http://schemas.microsoft.com/office/drawing/2014/main" xmlns="" id="{B79E8085-65A9-48AA-951D-71D978BFF4ED}"/>
               </a:ext>
             </a:extLst>
           </p:cNvPr>
@@ -2442,7 +2442,7 @@
           <p:cNvPr id="4" name="Espaço Reservado para Data 3">
             <a:extLst>
               <a:ext uri="{FF2B5EF4-FFF2-40B4-BE49-F238E27FC236}">
-                <a16:creationId xmlns="" xmlns:a16="http://schemas.microsoft.com/office/drawing/2014/main" id="{F05BE1AF-51EA-425D-B188-DE7BD675009F}"/>
+                <a16:creationId xmlns:a16="http://schemas.microsoft.com/office/drawing/2014/main" xmlns="" id="{F05BE1AF-51EA-425D-B188-DE7BD675009F}"/>
               </a:ext>
             </a:extLst>
           </p:cNvPr>
@@ -2460,7 +2460,7 @@
           <a:p>
             <a:fld id="{63289F7E-B80B-496E-81B4-D396C37C9454}" type="datetimeFigureOut">
               <a:rPr lang="pt-BR" smtClean="0"/>
-              <a:t>06/08/2021</a:t>
+              <a:t>07/08/2021</a:t>
             </a:fld>
             <a:endParaRPr lang="pt-BR"/>
           </a:p>
@@ -2471,7 +2471,7 @@
           <p:cNvPr id="5" name="Espaço Reservado para Rodapé 4">
             <a:extLst>
               <a:ext uri="{FF2B5EF4-FFF2-40B4-BE49-F238E27FC236}">
-                <a16:creationId xmlns="" xmlns:a16="http://schemas.microsoft.com/office/drawing/2014/main" id="{121BE632-29CF-4CB9-B365-C9EF38F89BE6}"/>
+                <a16:creationId xmlns:a16="http://schemas.microsoft.com/office/drawing/2014/main" xmlns="" id="{121BE632-29CF-4CB9-B365-C9EF38F89BE6}"/>
               </a:ext>
             </a:extLst>
           </p:cNvPr>
@@ -2496,7 +2496,7 @@
           <p:cNvPr id="6" name="Espaço Reservado para Número de Slide 5">
             <a:extLst>
               <a:ext uri="{FF2B5EF4-FFF2-40B4-BE49-F238E27FC236}">
-                <a16:creationId xmlns="" xmlns:a16="http://schemas.microsoft.com/office/drawing/2014/main" id="{60CF3DD1-9AEC-4A57-B461-4E4DD86FAC18}"/>
+                <a16:creationId xmlns:a16="http://schemas.microsoft.com/office/drawing/2014/main" xmlns="" id="{60CF3DD1-9AEC-4A57-B461-4E4DD86FAC18}"/>
               </a:ext>
             </a:extLst>
           </p:cNvPr>
@@ -2555,7 +2555,7 @@
           <p:cNvPr id="2" name="Título 1">
             <a:extLst>
               <a:ext uri="{FF2B5EF4-FFF2-40B4-BE49-F238E27FC236}">
-                <a16:creationId xmlns="" xmlns:a16="http://schemas.microsoft.com/office/drawing/2014/main" id="{34AB2FF0-A4D7-4E28-991D-FF26140D5988}"/>
+                <a16:creationId xmlns:a16="http://schemas.microsoft.com/office/drawing/2014/main" xmlns="" id="{34AB2FF0-A4D7-4E28-991D-FF26140D5988}"/>
               </a:ext>
             </a:extLst>
           </p:cNvPr>
@@ -2592,7 +2592,7 @@
           <p:cNvPr id="3" name="Espaço Reservado para Texto 2">
             <a:extLst>
               <a:ext uri="{FF2B5EF4-FFF2-40B4-BE49-F238E27FC236}">
-                <a16:creationId xmlns="" xmlns:a16="http://schemas.microsoft.com/office/drawing/2014/main" id="{E2AC45B0-4145-40DB-8E61-105461170604}"/>
+                <a16:creationId xmlns:a16="http://schemas.microsoft.com/office/drawing/2014/main" xmlns="" id="{E2AC45B0-4145-40DB-8E61-105461170604}"/>
               </a:ext>
             </a:extLst>
           </p:cNvPr>
@@ -2717,7 +2717,7 @@
           <p:cNvPr id="4" name="Espaço Reservado para Data 3">
             <a:extLst>
               <a:ext uri="{FF2B5EF4-FFF2-40B4-BE49-F238E27FC236}">
-                <a16:creationId xmlns="" xmlns:a16="http://schemas.microsoft.com/office/drawing/2014/main" id="{50F1D3FB-740A-4EBA-A309-2CE71D12ECFB}"/>
+                <a16:creationId xmlns:a16="http://schemas.microsoft.com/office/drawing/2014/main" xmlns="" id="{50F1D3FB-740A-4EBA-A309-2CE71D12ECFB}"/>
               </a:ext>
             </a:extLst>
           </p:cNvPr>
@@ -2735,7 +2735,7 @@
           <a:p>
             <a:fld id="{63289F7E-B80B-496E-81B4-D396C37C9454}" type="datetimeFigureOut">
               <a:rPr lang="pt-BR" smtClean="0"/>
-              <a:t>06/08/2021</a:t>
+              <a:t>07/08/2021</a:t>
             </a:fld>
             <a:endParaRPr lang="pt-BR"/>
           </a:p>
@@ -2746,7 +2746,7 @@
           <p:cNvPr id="5" name="Espaço Reservado para Rodapé 4">
             <a:extLst>
               <a:ext uri="{FF2B5EF4-FFF2-40B4-BE49-F238E27FC236}">
-                <a16:creationId xmlns="" xmlns:a16="http://schemas.microsoft.com/office/drawing/2014/main" id="{BDCAB18F-8715-4465-A940-F9C193A2ACE9}"/>
+                <a16:creationId xmlns:a16="http://schemas.microsoft.com/office/drawing/2014/main" xmlns="" id="{BDCAB18F-8715-4465-A940-F9C193A2ACE9}"/>
               </a:ext>
             </a:extLst>
           </p:cNvPr>
@@ -2771,7 +2771,7 @@
           <p:cNvPr id="6" name="Espaço Reservado para Número de Slide 5">
             <a:extLst>
               <a:ext uri="{FF2B5EF4-FFF2-40B4-BE49-F238E27FC236}">
-                <a16:creationId xmlns="" xmlns:a16="http://schemas.microsoft.com/office/drawing/2014/main" id="{353466C6-8248-429F-8056-FF040BF509EB}"/>
+                <a16:creationId xmlns:a16="http://schemas.microsoft.com/office/drawing/2014/main" xmlns="" id="{353466C6-8248-429F-8056-FF040BF509EB}"/>
               </a:ext>
             </a:extLst>
           </p:cNvPr>
@@ -2830,7 +2830,7 @@
           <p:cNvPr id="2" name="Título 1">
             <a:extLst>
               <a:ext uri="{FF2B5EF4-FFF2-40B4-BE49-F238E27FC236}">
-                <a16:creationId xmlns="" xmlns:a16="http://schemas.microsoft.com/office/drawing/2014/main" id="{BC7BB9F0-F14B-4A91-B2B7-35BC47FE4DE7}"/>
+                <a16:creationId xmlns:a16="http://schemas.microsoft.com/office/drawing/2014/main" xmlns="" id="{BC7BB9F0-F14B-4A91-B2B7-35BC47FE4DE7}"/>
               </a:ext>
             </a:extLst>
           </p:cNvPr>
@@ -2858,7 +2858,7 @@
           <p:cNvPr id="3" name="Espaço Reservado para Conteúdo 2">
             <a:extLst>
               <a:ext uri="{FF2B5EF4-FFF2-40B4-BE49-F238E27FC236}">
-                <a16:creationId xmlns="" xmlns:a16="http://schemas.microsoft.com/office/drawing/2014/main" id="{EC1FC1C4-73DA-47A6-8496-B0B457F7D39A}"/>
+                <a16:creationId xmlns:a16="http://schemas.microsoft.com/office/drawing/2014/main" xmlns="" id="{EC1FC1C4-73DA-47A6-8496-B0B457F7D39A}"/>
               </a:ext>
             </a:extLst>
           </p:cNvPr>
@@ -2920,7 +2920,7 @@
           <p:cNvPr id="4" name="Espaço Reservado para Conteúdo 3">
             <a:extLst>
               <a:ext uri="{FF2B5EF4-FFF2-40B4-BE49-F238E27FC236}">
-                <a16:creationId xmlns="" xmlns:a16="http://schemas.microsoft.com/office/drawing/2014/main" id="{E92F06A8-A449-4D92-9912-76873E529B38}"/>
+                <a16:creationId xmlns:a16="http://schemas.microsoft.com/office/drawing/2014/main" xmlns="" id="{E92F06A8-A449-4D92-9912-76873E529B38}"/>
               </a:ext>
             </a:extLst>
           </p:cNvPr>
@@ -2982,7 +2982,7 @@
           <p:cNvPr id="5" name="Espaço Reservado para Data 4">
             <a:extLst>
               <a:ext uri="{FF2B5EF4-FFF2-40B4-BE49-F238E27FC236}">
-                <a16:creationId xmlns="" xmlns:a16="http://schemas.microsoft.com/office/drawing/2014/main" id="{938070A4-BC2F-4D55-BD8D-DEAF11BB9EE9}"/>
+                <a16:creationId xmlns:a16="http://schemas.microsoft.com/office/drawing/2014/main" xmlns="" id="{938070A4-BC2F-4D55-BD8D-DEAF11BB9EE9}"/>
               </a:ext>
             </a:extLst>
           </p:cNvPr>
@@ -3000,7 +3000,7 @@
           <a:p>
             <a:fld id="{63289F7E-B80B-496E-81B4-D396C37C9454}" type="datetimeFigureOut">
               <a:rPr lang="pt-BR" smtClean="0"/>
-              <a:t>06/08/2021</a:t>
+              <a:t>07/08/2021</a:t>
             </a:fld>
             <a:endParaRPr lang="pt-BR"/>
           </a:p>
@@ -3011,7 +3011,7 @@
           <p:cNvPr id="6" name="Espaço Reservado para Rodapé 5">
             <a:extLst>
               <a:ext uri="{FF2B5EF4-FFF2-40B4-BE49-F238E27FC236}">
-                <a16:creationId xmlns="" xmlns:a16="http://schemas.microsoft.com/office/drawing/2014/main" id="{45CC2DB8-844A-465F-BA9A-7734C80C7F43}"/>
+                <a16:creationId xmlns:a16="http://schemas.microsoft.com/office/drawing/2014/main" xmlns="" id="{45CC2DB8-844A-465F-BA9A-7734C80C7F43}"/>
               </a:ext>
             </a:extLst>
           </p:cNvPr>
@@ -3036,7 +3036,7 @@
           <p:cNvPr id="7" name="Espaço Reservado para Número de Slide 6">
             <a:extLst>
               <a:ext uri="{FF2B5EF4-FFF2-40B4-BE49-F238E27FC236}">
-                <a16:creationId xmlns="" xmlns:a16="http://schemas.microsoft.com/office/drawing/2014/main" id="{4CC606A8-097B-4040-94E0-CD8C88280D8F}"/>
+                <a16:creationId xmlns:a16="http://schemas.microsoft.com/office/drawing/2014/main" xmlns="" id="{4CC606A8-097B-4040-94E0-CD8C88280D8F}"/>
               </a:ext>
             </a:extLst>
           </p:cNvPr>
@@ -3095,7 +3095,7 @@
           <p:cNvPr id="2" name="Título 1">
             <a:extLst>
               <a:ext uri="{FF2B5EF4-FFF2-40B4-BE49-F238E27FC236}">
-                <a16:creationId xmlns="" xmlns:a16="http://schemas.microsoft.com/office/drawing/2014/main" id="{76D66686-0143-4CB6-8C09-BA326F1E7ACA}"/>
+                <a16:creationId xmlns:a16="http://schemas.microsoft.com/office/drawing/2014/main" xmlns="" id="{76D66686-0143-4CB6-8C09-BA326F1E7ACA}"/>
               </a:ext>
             </a:extLst>
           </p:cNvPr>
@@ -3128,7 +3128,7 @@
           <p:cNvPr id="3" name="Espaço Reservado para Texto 2">
             <a:extLst>
               <a:ext uri="{FF2B5EF4-FFF2-40B4-BE49-F238E27FC236}">
-                <a16:creationId xmlns="" xmlns:a16="http://schemas.microsoft.com/office/drawing/2014/main" id="{0227AB85-F59E-4BCE-B846-4FA0992C2F23}"/>
+                <a16:creationId xmlns:a16="http://schemas.microsoft.com/office/drawing/2014/main" xmlns="" id="{0227AB85-F59E-4BCE-B846-4FA0992C2F23}"/>
               </a:ext>
             </a:extLst>
           </p:cNvPr>
@@ -3199,7 +3199,7 @@
           <p:cNvPr id="4" name="Espaço Reservado para Conteúdo 3">
             <a:extLst>
               <a:ext uri="{FF2B5EF4-FFF2-40B4-BE49-F238E27FC236}">
-                <a16:creationId xmlns="" xmlns:a16="http://schemas.microsoft.com/office/drawing/2014/main" id="{3373456C-7319-4D0A-827D-D29F6B083F5D}"/>
+                <a16:creationId xmlns:a16="http://schemas.microsoft.com/office/drawing/2014/main" xmlns="" id="{3373456C-7319-4D0A-827D-D29F6B083F5D}"/>
               </a:ext>
             </a:extLst>
           </p:cNvPr>
@@ -3261,7 +3261,7 @@
           <p:cNvPr id="5" name="Espaço Reservado para Texto 4">
             <a:extLst>
               <a:ext uri="{FF2B5EF4-FFF2-40B4-BE49-F238E27FC236}">
-                <a16:creationId xmlns="" xmlns:a16="http://schemas.microsoft.com/office/drawing/2014/main" id="{4CD109D0-2E83-4262-8029-A871CEC47406}"/>
+                <a16:creationId xmlns:a16="http://schemas.microsoft.com/office/drawing/2014/main" xmlns="" id="{4CD109D0-2E83-4262-8029-A871CEC47406}"/>
               </a:ext>
             </a:extLst>
           </p:cNvPr>
@@ -3332,7 +3332,7 @@
           <p:cNvPr id="6" name="Espaço Reservado para Conteúdo 5">
             <a:extLst>
               <a:ext uri="{FF2B5EF4-FFF2-40B4-BE49-F238E27FC236}">
-                <a16:creationId xmlns="" xmlns:a16="http://schemas.microsoft.com/office/drawing/2014/main" id="{AD706E3A-CFBB-4A6C-A65F-D0360A9E74FE}"/>
+                <a16:creationId xmlns:a16="http://schemas.microsoft.com/office/drawing/2014/main" xmlns="" id="{AD706E3A-CFBB-4A6C-A65F-D0360A9E74FE}"/>
               </a:ext>
             </a:extLst>
           </p:cNvPr>
@@ -3394,7 +3394,7 @@
           <p:cNvPr id="7" name="Espaço Reservado para Data 6">
             <a:extLst>
               <a:ext uri="{FF2B5EF4-FFF2-40B4-BE49-F238E27FC236}">
-                <a16:creationId xmlns="" xmlns:a16="http://schemas.microsoft.com/office/drawing/2014/main" id="{4172C0E5-5AF0-4805-BB51-443733CD2BD5}"/>
+                <a16:creationId xmlns:a16="http://schemas.microsoft.com/office/drawing/2014/main" xmlns="" id="{4172C0E5-5AF0-4805-BB51-443733CD2BD5}"/>
               </a:ext>
             </a:extLst>
           </p:cNvPr>
@@ -3412,7 +3412,7 @@
           <a:p>
             <a:fld id="{63289F7E-B80B-496E-81B4-D396C37C9454}" type="datetimeFigureOut">
               <a:rPr lang="pt-BR" smtClean="0"/>
-              <a:t>06/08/2021</a:t>
+              <a:t>07/08/2021</a:t>
             </a:fld>
             <a:endParaRPr lang="pt-BR"/>
           </a:p>
@@ -3423,7 +3423,7 @@
           <p:cNvPr id="8" name="Espaço Reservado para Rodapé 7">
             <a:extLst>
               <a:ext uri="{FF2B5EF4-FFF2-40B4-BE49-F238E27FC236}">
-                <a16:creationId xmlns="" xmlns:a16="http://schemas.microsoft.com/office/drawing/2014/main" id="{0E801648-156F-497E-99CF-797DF48051E1}"/>
+                <a16:creationId xmlns:a16="http://schemas.microsoft.com/office/drawing/2014/main" xmlns="" id="{0E801648-156F-497E-99CF-797DF48051E1}"/>
               </a:ext>
             </a:extLst>
           </p:cNvPr>
@@ -3448,7 +3448,7 @@
           <p:cNvPr id="9" name="Espaço Reservado para Número de Slide 8">
             <a:extLst>
               <a:ext uri="{FF2B5EF4-FFF2-40B4-BE49-F238E27FC236}">
-                <a16:creationId xmlns="" xmlns:a16="http://schemas.microsoft.com/office/drawing/2014/main" id="{EEE23D32-80E7-4796-A137-66BF842E4B53}"/>
+                <a16:creationId xmlns:a16="http://schemas.microsoft.com/office/drawing/2014/main" xmlns="" id="{EEE23D32-80E7-4796-A137-66BF842E4B53}"/>
               </a:ext>
             </a:extLst>
           </p:cNvPr>
@@ -3507,7 +3507,7 @@
           <p:cNvPr id="2" name="Título 1">
             <a:extLst>
               <a:ext uri="{FF2B5EF4-FFF2-40B4-BE49-F238E27FC236}">
-                <a16:creationId xmlns="" xmlns:a16="http://schemas.microsoft.com/office/drawing/2014/main" id="{2BCE2379-C78F-47E1-8CFC-B846E7AF148D}"/>
+                <a16:creationId xmlns:a16="http://schemas.microsoft.com/office/drawing/2014/main" xmlns="" id="{2BCE2379-C78F-47E1-8CFC-B846E7AF148D}"/>
               </a:ext>
             </a:extLst>
           </p:cNvPr>
@@ -3535,7 +3535,7 @@
           <p:cNvPr id="3" name="Espaço Reservado para Data 2">
             <a:extLst>
               <a:ext uri="{FF2B5EF4-FFF2-40B4-BE49-F238E27FC236}">
-                <a16:creationId xmlns="" xmlns:a16="http://schemas.microsoft.com/office/drawing/2014/main" id="{342600A9-7F92-4E22-9D94-E4717252A817}"/>
+                <a16:creationId xmlns:a16="http://schemas.microsoft.com/office/drawing/2014/main" xmlns="" id="{342600A9-7F92-4E22-9D94-E4717252A817}"/>
               </a:ext>
             </a:extLst>
           </p:cNvPr>
@@ -3553,7 +3553,7 @@
           <a:p>
             <a:fld id="{63289F7E-B80B-496E-81B4-D396C37C9454}" type="datetimeFigureOut">
               <a:rPr lang="pt-BR" smtClean="0"/>
-              <a:t>06/08/2021</a:t>
+              <a:t>07/08/2021</a:t>
             </a:fld>
             <a:endParaRPr lang="pt-BR"/>
           </a:p>
@@ -3564,7 +3564,7 @@
           <p:cNvPr id="4" name="Espaço Reservado para Rodapé 3">
             <a:extLst>
               <a:ext uri="{FF2B5EF4-FFF2-40B4-BE49-F238E27FC236}">
-                <a16:creationId xmlns="" xmlns:a16="http://schemas.microsoft.com/office/drawing/2014/main" id="{192E6BED-F546-40CC-A2DF-99CBA853654E}"/>
+                <a16:creationId xmlns:a16="http://schemas.microsoft.com/office/drawing/2014/main" xmlns="" id="{192E6BED-F546-40CC-A2DF-99CBA853654E}"/>
               </a:ext>
             </a:extLst>
           </p:cNvPr>
@@ -3589,7 +3589,7 @@
           <p:cNvPr id="5" name="Espaço Reservado para Número de Slide 4">
             <a:extLst>
               <a:ext uri="{FF2B5EF4-FFF2-40B4-BE49-F238E27FC236}">
-                <a16:creationId xmlns="" xmlns:a16="http://schemas.microsoft.com/office/drawing/2014/main" id="{6091CC40-A8C4-4063-80EB-CC5099621678}"/>
+                <a16:creationId xmlns:a16="http://schemas.microsoft.com/office/drawing/2014/main" xmlns="" id="{6091CC40-A8C4-4063-80EB-CC5099621678}"/>
               </a:ext>
             </a:extLst>
           </p:cNvPr>
@@ -3648,7 +3648,7 @@
           <p:cNvPr id="2" name="Espaço Reservado para Data 1">
             <a:extLst>
               <a:ext uri="{FF2B5EF4-FFF2-40B4-BE49-F238E27FC236}">
-                <a16:creationId xmlns="" xmlns:a16="http://schemas.microsoft.com/office/drawing/2014/main" id="{DD19515C-212C-4EAE-84A3-8FF4BC844F1B}"/>
+                <a16:creationId xmlns:a16="http://schemas.microsoft.com/office/drawing/2014/main" xmlns="" id="{DD19515C-212C-4EAE-84A3-8FF4BC844F1B}"/>
               </a:ext>
             </a:extLst>
           </p:cNvPr>
@@ -3666,7 +3666,7 @@
           <a:p>
             <a:fld id="{63289F7E-B80B-496E-81B4-D396C37C9454}" type="datetimeFigureOut">
               <a:rPr lang="pt-BR" smtClean="0"/>
-              <a:t>06/08/2021</a:t>
+              <a:t>07/08/2021</a:t>
             </a:fld>
             <a:endParaRPr lang="pt-BR"/>
           </a:p>
@@ -3677,7 +3677,7 @@
           <p:cNvPr id="3" name="Espaço Reservado para Rodapé 2">
             <a:extLst>
               <a:ext uri="{FF2B5EF4-FFF2-40B4-BE49-F238E27FC236}">
-                <a16:creationId xmlns="" xmlns:a16="http://schemas.microsoft.com/office/drawing/2014/main" id="{94D3D120-B3E8-4C96-861D-7A4F12F49B3A}"/>
+                <a16:creationId xmlns:a16="http://schemas.microsoft.com/office/drawing/2014/main" xmlns="" id="{94D3D120-B3E8-4C96-861D-7A4F12F49B3A}"/>
               </a:ext>
             </a:extLst>
           </p:cNvPr>
@@ -3702,7 +3702,7 @@
           <p:cNvPr id="4" name="Espaço Reservado para Número de Slide 3">
             <a:extLst>
               <a:ext uri="{FF2B5EF4-FFF2-40B4-BE49-F238E27FC236}">
-                <a16:creationId xmlns="" xmlns:a16="http://schemas.microsoft.com/office/drawing/2014/main" id="{42E49B68-FA1B-468B-9F17-D5C09243D454}"/>
+                <a16:creationId xmlns:a16="http://schemas.microsoft.com/office/drawing/2014/main" xmlns="" id="{42E49B68-FA1B-468B-9F17-D5C09243D454}"/>
               </a:ext>
             </a:extLst>
           </p:cNvPr>
@@ -3761,7 +3761,7 @@
           <p:cNvPr id="2" name="Título 1">
             <a:extLst>
               <a:ext uri="{FF2B5EF4-FFF2-40B4-BE49-F238E27FC236}">
-                <a16:creationId xmlns="" xmlns:a16="http://schemas.microsoft.com/office/drawing/2014/main" id="{1C17BCBE-A897-4319-85EC-D87909C24980}"/>
+                <a16:creationId xmlns:a16="http://schemas.microsoft.com/office/drawing/2014/main" xmlns="" id="{1C17BCBE-A897-4319-85EC-D87909C24980}"/>
               </a:ext>
             </a:extLst>
           </p:cNvPr>
@@ -3798,7 +3798,7 @@
           <p:cNvPr id="3" name="Espaço Reservado para Conteúdo 2">
             <a:extLst>
               <a:ext uri="{FF2B5EF4-FFF2-40B4-BE49-F238E27FC236}">
-                <a16:creationId xmlns="" xmlns:a16="http://schemas.microsoft.com/office/drawing/2014/main" id="{4226F885-0204-4913-868B-4B8B82576F17}"/>
+                <a16:creationId xmlns:a16="http://schemas.microsoft.com/office/drawing/2014/main" xmlns="" id="{4226F885-0204-4913-868B-4B8B82576F17}"/>
               </a:ext>
             </a:extLst>
           </p:cNvPr>
@@ -3888,7 +3888,7 @@
           <p:cNvPr id="4" name="Espaço Reservado para Texto 3">
             <a:extLst>
               <a:ext uri="{FF2B5EF4-FFF2-40B4-BE49-F238E27FC236}">
-                <a16:creationId xmlns="" xmlns:a16="http://schemas.microsoft.com/office/drawing/2014/main" id="{00F9F784-A858-441B-8AB5-697098141751}"/>
+                <a16:creationId xmlns:a16="http://schemas.microsoft.com/office/drawing/2014/main" xmlns="" id="{00F9F784-A858-441B-8AB5-697098141751}"/>
               </a:ext>
             </a:extLst>
           </p:cNvPr>
@@ -3959,7 +3959,7 @@
           <p:cNvPr id="5" name="Espaço Reservado para Data 4">
             <a:extLst>
               <a:ext uri="{FF2B5EF4-FFF2-40B4-BE49-F238E27FC236}">
-                <a16:creationId xmlns="" xmlns:a16="http://schemas.microsoft.com/office/drawing/2014/main" id="{A4DC363A-5000-472E-8B17-02E7DCB8840A}"/>
+                <a16:creationId xmlns:a16="http://schemas.microsoft.com/office/drawing/2014/main" xmlns="" id="{A4DC363A-5000-472E-8B17-02E7DCB8840A}"/>
               </a:ext>
             </a:extLst>
           </p:cNvPr>
@@ -3977,7 +3977,7 @@
           <a:p>
             <a:fld id="{63289F7E-B80B-496E-81B4-D396C37C9454}" type="datetimeFigureOut">
               <a:rPr lang="pt-BR" smtClean="0"/>
-              <a:t>06/08/2021</a:t>
+              <a:t>07/08/2021</a:t>
             </a:fld>
             <a:endParaRPr lang="pt-BR"/>
           </a:p>
@@ -3988,7 +3988,7 @@
           <p:cNvPr id="6" name="Espaço Reservado para Rodapé 5">
             <a:extLst>
               <a:ext uri="{FF2B5EF4-FFF2-40B4-BE49-F238E27FC236}">
-                <a16:creationId xmlns="" xmlns:a16="http://schemas.microsoft.com/office/drawing/2014/main" id="{5548425D-2C21-4C56-BAD4-662978775C28}"/>
+                <a16:creationId xmlns:a16="http://schemas.microsoft.com/office/drawing/2014/main" xmlns="" id="{5548425D-2C21-4C56-BAD4-662978775C28}"/>
               </a:ext>
             </a:extLst>
           </p:cNvPr>
@@ -4013,7 +4013,7 @@
           <p:cNvPr id="7" name="Espaço Reservado para Número de Slide 6">
             <a:extLst>
               <a:ext uri="{FF2B5EF4-FFF2-40B4-BE49-F238E27FC236}">
-                <a16:creationId xmlns="" xmlns:a16="http://schemas.microsoft.com/office/drawing/2014/main" id="{C63E9726-E64C-42B2-AE8A-8C235A956B48}"/>
+                <a16:creationId xmlns:a16="http://schemas.microsoft.com/office/drawing/2014/main" xmlns="" id="{C63E9726-E64C-42B2-AE8A-8C235A956B48}"/>
               </a:ext>
             </a:extLst>
           </p:cNvPr>
@@ -4072,7 +4072,7 @@
           <p:cNvPr id="2" name="Título 1">
             <a:extLst>
               <a:ext uri="{FF2B5EF4-FFF2-40B4-BE49-F238E27FC236}">
-                <a16:creationId xmlns="" xmlns:a16="http://schemas.microsoft.com/office/drawing/2014/main" id="{11086A78-3E74-450C-96A6-CA8AC37AF772}"/>
+                <a16:creationId xmlns:a16="http://schemas.microsoft.com/office/drawing/2014/main" xmlns="" id="{11086A78-3E74-450C-96A6-CA8AC37AF772}"/>
               </a:ext>
             </a:extLst>
           </p:cNvPr>
@@ -4109,7 +4109,7 @@
           <p:cNvPr id="3" name="Espaço Reservado para Imagem 2">
             <a:extLst>
               <a:ext uri="{FF2B5EF4-FFF2-40B4-BE49-F238E27FC236}">
-                <a16:creationId xmlns="" xmlns:a16="http://schemas.microsoft.com/office/drawing/2014/main" id="{5F5B7312-975A-4DBC-9B2F-3652ADA006FD}"/>
+                <a16:creationId xmlns:a16="http://schemas.microsoft.com/office/drawing/2014/main" xmlns="" id="{5F5B7312-975A-4DBC-9B2F-3652ADA006FD}"/>
               </a:ext>
             </a:extLst>
           </p:cNvPr>
@@ -4176,7 +4176,7 @@
           <p:cNvPr id="4" name="Espaço Reservado para Texto 3">
             <a:extLst>
               <a:ext uri="{FF2B5EF4-FFF2-40B4-BE49-F238E27FC236}">
-                <a16:creationId xmlns="" xmlns:a16="http://schemas.microsoft.com/office/drawing/2014/main" id="{AAF805F5-1DFF-41C6-944C-7D79FE0D0963}"/>
+                <a16:creationId xmlns:a16="http://schemas.microsoft.com/office/drawing/2014/main" xmlns="" id="{AAF805F5-1DFF-41C6-944C-7D79FE0D0963}"/>
               </a:ext>
             </a:extLst>
           </p:cNvPr>
@@ -4247,7 +4247,7 @@
           <p:cNvPr id="5" name="Espaço Reservado para Data 4">
             <a:extLst>
               <a:ext uri="{FF2B5EF4-FFF2-40B4-BE49-F238E27FC236}">
-                <a16:creationId xmlns="" xmlns:a16="http://schemas.microsoft.com/office/drawing/2014/main" id="{02113D81-8665-4516-BD81-C6A1F254EECD}"/>
+                <a16:creationId xmlns:a16="http://schemas.microsoft.com/office/drawing/2014/main" xmlns="" id="{02113D81-8665-4516-BD81-C6A1F254EECD}"/>
               </a:ext>
             </a:extLst>
           </p:cNvPr>
@@ -4265,7 +4265,7 @@
           <a:p>
             <a:fld id="{63289F7E-B80B-496E-81B4-D396C37C9454}" type="datetimeFigureOut">
               <a:rPr lang="pt-BR" smtClean="0"/>
-              <a:t>06/08/2021</a:t>
+              <a:t>07/08/2021</a:t>
             </a:fld>
             <a:endParaRPr lang="pt-BR"/>
           </a:p>
@@ -4276,7 +4276,7 @@
           <p:cNvPr id="6" name="Espaço Reservado para Rodapé 5">
             <a:extLst>
               <a:ext uri="{FF2B5EF4-FFF2-40B4-BE49-F238E27FC236}">
-                <a16:creationId xmlns="" xmlns:a16="http://schemas.microsoft.com/office/drawing/2014/main" id="{2B00C88B-FF32-40AA-A187-727D96FD7862}"/>
+                <a16:creationId xmlns:a16="http://schemas.microsoft.com/office/drawing/2014/main" xmlns="" id="{2B00C88B-FF32-40AA-A187-727D96FD7862}"/>
               </a:ext>
             </a:extLst>
           </p:cNvPr>
@@ -4301,7 +4301,7 @@
           <p:cNvPr id="7" name="Espaço Reservado para Número de Slide 6">
             <a:extLst>
               <a:ext uri="{FF2B5EF4-FFF2-40B4-BE49-F238E27FC236}">
-                <a16:creationId xmlns="" xmlns:a16="http://schemas.microsoft.com/office/drawing/2014/main" id="{A04D1A2D-69F7-4B8F-A730-BC26DC340BA6}"/>
+                <a16:creationId xmlns:a16="http://schemas.microsoft.com/office/drawing/2014/main" xmlns="" id="{A04D1A2D-69F7-4B8F-A730-BC26DC340BA6}"/>
               </a:ext>
             </a:extLst>
           </p:cNvPr>
@@ -4365,7 +4365,7 @@
           <p:cNvPr id="2" name="Espaço Reservado para Título 1">
             <a:extLst>
               <a:ext uri="{FF2B5EF4-FFF2-40B4-BE49-F238E27FC236}">
-                <a16:creationId xmlns="" xmlns:a16="http://schemas.microsoft.com/office/drawing/2014/main" id="{E69A0273-1966-4A1B-9370-4C1CE5036371}"/>
+                <a16:creationId xmlns:a16="http://schemas.microsoft.com/office/drawing/2014/main" xmlns="" id="{E69A0273-1966-4A1B-9370-4C1CE5036371}"/>
               </a:ext>
             </a:extLst>
           </p:cNvPr>
@@ -4403,7 +4403,7 @@
           <p:cNvPr id="3" name="Espaço Reservado para Texto 2">
             <a:extLst>
               <a:ext uri="{FF2B5EF4-FFF2-40B4-BE49-F238E27FC236}">
-                <a16:creationId xmlns="" xmlns:a16="http://schemas.microsoft.com/office/drawing/2014/main" id="{3B9CF87A-0448-49A7-AB25-EBC1D56A40EF}"/>
+                <a16:creationId xmlns:a16="http://schemas.microsoft.com/office/drawing/2014/main" xmlns="" id="{3B9CF87A-0448-49A7-AB25-EBC1D56A40EF}"/>
               </a:ext>
             </a:extLst>
           </p:cNvPr>
@@ -4470,7 +4470,7 @@
           <p:cNvPr id="4" name="Espaço Reservado para Data 3">
             <a:extLst>
               <a:ext uri="{FF2B5EF4-FFF2-40B4-BE49-F238E27FC236}">
-                <a16:creationId xmlns="" xmlns:a16="http://schemas.microsoft.com/office/drawing/2014/main" id="{2EF7B1F2-BB5A-44D0-816D-16AD2C71430E}"/>
+                <a16:creationId xmlns:a16="http://schemas.microsoft.com/office/drawing/2014/main" xmlns="" id="{2EF7B1F2-BB5A-44D0-816D-16AD2C71430E}"/>
               </a:ext>
             </a:extLst>
           </p:cNvPr>
@@ -4506,7 +4506,7 @@
           <a:p>
             <a:fld id="{63289F7E-B80B-496E-81B4-D396C37C9454}" type="datetimeFigureOut">
               <a:rPr lang="pt-BR" smtClean="0"/>
-              <a:t>06/08/2021</a:t>
+              <a:t>07/08/2021</a:t>
             </a:fld>
             <a:endParaRPr lang="pt-BR"/>
           </a:p>
@@ -4517,7 +4517,7 @@
           <p:cNvPr id="5" name="Espaço Reservado para Rodapé 4">
             <a:extLst>
               <a:ext uri="{FF2B5EF4-FFF2-40B4-BE49-F238E27FC236}">
-                <a16:creationId xmlns="" xmlns:a16="http://schemas.microsoft.com/office/drawing/2014/main" id="{C703F94C-2CC8-4DAA-BC35-14FC3E841DCD}"/>
+                <a16:creationId xmlns:a16="http://schemas.microsoft.com/office/drawing/2014/main" xmlns="" id="{C703F94C-2CC8-4DAA-BC35-14FC3E841DCD}"/>
               </a:ext>
             </a:extLst>
           </p:cNvPr>
@@ -4560,7 +4560,7 @@
           <p:cNvPr id="6" name="Espaço Reservado para Número de Slide 5">
             <a:extLst>
               <a:ext uri="{FF2B5EF4-FFF2-40B4-BE49-F238E27FC236}">
-                <a16:creationId xmlns="" xmlns:a16="http://schemas.microsoft.com/office/drawing/2014/main" id="{64051336-7048-457A-8B61-D94291D71648}"/>
+                <a16:creationId xmlns:a16="http://schemas.microsoft.com/office/drawing/2014/main" xmlns="" id="{64051336-7048-457A-8B61-D94291D71648}"/>
               </a:ext>
             </a:extLst>
           </p:cNvPr>
@@ -4928,7 +4928,7 @@
           <p:cNvPr id="2" name="Título 1">
             <a:extLst>
               <a:ext uri="{FF2B5EF4-FFF2-40B4-BE49-F238E27FC236}">
-                <a16:creationId xmlns="" xmlns:a16="http://schemas.microsoft.com/office/drawing/2014/main" id="{32666AC8-2E17-4DB4-B0F5-60C640CCFD2E}"/>
+                <a16:creationId xmlns:a16="http://schemas.microsoft.com/office/drawing/2014/main" xmlns="" id="{32666AC8-2E17-4DB4-B0F5-60C640CCFD2E}"/>
               </a:ext>
             </a:extLst>
           </p:cNvPr>
@@ -4975,7 +4975,7 @@
           <p:cNvPr id="4" name="CaixaDeTexto 3">
             <a:extLst>
               <a:ext uri="{FF2B5EF4-FFF2-40B4-BE49-F238E27FC236}">
-                <a16:creationId xmlns="" xmlns:a16="http://schemas.microsoft.com/office/drawing/2014/main" id="{430EB894-B7D4-434C-9D1A-A14094D9BEEC}"/>
+                <a16:creationId xmlns:a16="http://schemas.microsoft.com/office/drawing/2014/main" xmlns="" id="{430EB894-B7D4-434C-9D1A-A14094D9BEEC}"/>
               </a:ext>
             </a:extLst>
           </p:cNvPr>
@@ -5016,7 +5016,7 @@
           <p:cNvPr id="1026" name="Picture 2" descr="Logo">
             <a:extLst>
               <a:ext uri="{FF2B5EF4-FFF2-40B4-BE49-F238E27FC236}">
-                <a16:creationId xmlns="" xmlns:a16="http://schemas.microsoft.com/office/drawing/2014/main" id="{3F2642E0-4F6A-4196-8F58-E77D36E9A33F}"/>
+                <a16:creationId xmlns:a16="http://schemas.microsoft.com/office/drawing/2014/main" xmlns="" id="{3F2642E0-4F6A-4196-8F58-E77D36E9A33F}"/>
               </a:ext>
             </a:extLst>
           </p:cNvPr>
@@ -5061,7 +5061,7 @@
           <p:cNvPr id="5122" name="Picture 2" descr="Image result for machine learning">
             <a:extLst>
               <a:ext uri="{FF2B5EF4-FFF2-40B4-BE49-F238E27FC236}">
-                <a16:creationId xmlns="" xmlns:a16="http://schemas.microsoft.com/office/drawing/2014/main" id="{810CE0A2-4102-44A6-A370-175E7896CDCB}"/>
+                <a16:creationId xmlns:a16="http://schemas.microsoft.com/office/drawing/2014/main" xmlns="" id="{810CE0A2-4102-44A6-A370-175E7896CDCB}"/>
               </a:ext>
             </a:extLst>
           </p:cNvPr>
@@ -5153,8 +5153,8 @@
           </a:p>
         </p:txBody>
       </p:sp>
-      <mc:AlternateContent xmlns:mc="http://schemas.openxmlformats.org/markup-compatibility/2006">
-        <mc:Choice xmlns:a14="http://schemas.microsoft.com/office/drawing/2010/main" Requires="a14">
+      <mc:AlternateContent xmlns:mc="http://schemas.openxmlformats.org/markup-compatibility/2006" xmlns:a14="http://schemas.microsoft.com/office/drawing/2010/main">
+        <mc:Choice Requires="a14">
           <p:sp>
             <p:nvSpPr>
               <p:cNvPr id="3" name="Content Placeholder 2"/>
@@ -5423,7 +5423,7 @@
             </p:txBody>
           </p:sp>
         </mc:Choice>
-        <mc:Fallback>
+        <mc:Fallback xmlns="">
           <p:sp>
             <p:nvSpPr>
               <p:cNvPr id="3" name="Content Placeholder 2"/>
@@ -5520,8 +5520,8 @@
           </a:p>
         </p:txBody>
       </p:sp>
-      <mc:AlternateContent xmlns:mc="http://schemas.openxmlformats.org/markup-compatibility/2006">
-        <mc:Choice xmlns:a14="http://schemas.microsoft.com/office/drawing/2010/main" Requires="a14">
+      <mc:AlternateContent xmlns:mc="http://schemas.openxmlformats.org/markup-compatibility/2006" xmlns:a14="http://schemas.microsoft.com/office/drawing/2010/main">
+        <mc:Choice Requires="a14">
           <p:sp>
             <p:nvSpPr>
               <p:cNvPr id="3" name="Content Placeholder 2"/>
@@ -5696,11 +5696,7 @@
               <a:p>
                 <a:r>
                   <a:rPr lang="pt-BR" dirty="0" smtClean="0"/>
-                  <a:t>Portanto</a:t>
-                </a:r>
-                <a:r>
-                  <a:rPr lang="pt-BR" dirty="0" smtClean="0"/>
-                  <a:t>, neste caso, podemos utilizar </a:t>
+                  <a:t>Portanto, neste caso, podemos utilizar </a:t>
                 </a:r>
                 <a:r>
                   <a:rPr lang="pt-BR" b="1" i="1" dirty="0"/>
@@ -6249,7 +6245,6 @@
                   <a:rPr lang="pt-BR" dirty="0" smtClean="0"/>
                   <a:t>.</a:t>
                 </a:r>
-                <a:endParaRPr lang="pt-BR" dirty="0" smtClean="0"/>
               </a:p>
               <a:p>
                 <a:r>
@@ -6626,7 +6621,7 @@
             </p:txBody>
           </p:sp>
         </mc:Choice>
-        <mc:Fallback>
+        <mc:Fallback xmlns="">
           <p:sp>
             <p:nvSpPr>
               <p:cNvPr id="3" name="Content Placeholder 2"/>
@@ -6728,8 +6723,8 @@
           </a:p>
         </p:txBody>
       </p:sp>
-      <mc:AlternateContent xmlns:mc="http://schemas.openxmlformats.org/markup-compatibility/2006">
-        <mc:Choice xmlns:a14="http://schemas.microsoft.com/office/drawing/2010/main" Requires="a14">
+      <mc:AlternateContent xmlns:mc="http://schemas.openxmlformats.org/markup-compatibility/2006" xmlns:a14="http://schemas.microsoft.com/office/drawing/2010/main">
+        <mc:Choice Requires="a14">
           <p:sp>
             <p:nvSpPr>
               <p:cNvPr id="3" name="Content Placeholder 2"/>
@@ -6844,7 +6839,6 @@
                   <a:rPr lang="pt-BR" dirty="0" smtClean="0"/>
                   <a:t>. </a:t>
                 </a:r>
-                <a:endParaRPr lang="pt-BR" dirty="0" smtClean="0"/>
               </a:p>
               <a:p>
                 <a:r>
@@ -6861,11 +6855,7 @@
                 </a:r>
                 <a:r>
                   <a:rPr lang="pt-BR" dirty="0" smtClean="0"/>
-                  <a:t>utiliza uma </a:t>
-                </a:r>
-                <a:r>
-                  <a:rPr lang="pt-BR" dirty="0" smtClean="0"/>
-                  <a:t>representação </a:t>
+                  <a:t>utiliza uma representação </a:t>
                 </a:r>
                 <a:r>
                   <a:rPr lang="pt-BR" b="1" i="1" dirty="0" smtClean="0"/>
@@ -6894,7 +6884,6 @@
                   <a:rPr lang="pt-BR" dirty="0" smtClean="0"/>
                   <a:t>Ou seja, as saídas são vetores com o valor 1 no elemento representando a classe do exemplo de entrada e 0 nos outros elementos. </a:t>
                 </a:r>
-                <a:endParaRPr lang="pt-BR" dirty="0" smtClean="0"/>
               </a:p>
               <a:p>
                 <a:pPr lvl="1">
@@ -6931,19 +6920,7 @@
                 </a:r>
                 <a:r>
                   <a:rPr lang="pt-BR" dirty="0" smtClean="0"/>
-                  <a:t>, </a:t>
-                </a:r>
-                <a:r>
-                  <a:rPr lang="pt-BR" dirty="0" smtClean="0"/>
-                  <a:t>como veremos mais tarde, </a:t>
-                </a:r>
-                <a:r>
-                  <a:rPr lang="pt-BR" dirty="0" smtClean="0"/>
-                  <a:t>do </a:t>
-                </a:r>
-                <a:r>
-                  <a:rPr lang="pt-BR" dirty="0" smtClean="0"/>
-                  <a:t>exemplo de entrada pertencer </a:t>
+                  <a:t>, como veremos mais tarde, do exemplo de entrada pertencer </a:t>
                 </a:r>
                 <a:r>
                   <a:rPr lang="pt-BR" dirty="0"/>
@@ -7640,7 +7617,7 @@
             </p:txBody>
           </p:sp>
         </mc:Choice>
-        <mc:Fallback>
+        <mc:Fallback xmlns="">
           <p:sp>
             <p:nvSpPr>
               <p:cNvPr id="3" name="Content Placeholder 2"/>
@@ -7678,8 +7655,8 @@
           </p:sp>
         </mc:Fallback>
       </mc:AlternateContent>
-      <mc:AlternateContent xmlns:mc="http://schemas.openxmlformats.org/markup-compatibility/2006">
-        <mc:Choice xmlns:a14="http://schemas.microsoft.com/office/drawing/2010/main" Requires="a14">
+      <mc:AlternateContent xmlns:mc="http://schemas.openxmlformats.org/markup-compatibility/2006" xmlns:a14="http://schemas.microsoft.com/office/drawing/2010/main">
+        <mc:Choice Requires="a14">
           <p:sp>
             <p:nvSpPr>
               <p:cNvPr id="4" name="Rectangle 3"/>
@@ -7854,7 +7831,7 @@
             </p:txBody>
           </p:sp>
         </mc:Choice>
-        <mc:Fallback>
+        <mc:Fallback xmlns="">
           <p:sp>
             <p:nvSpPr>
               <p:cNvPr id="4" name="Rectangle 3"/>
@@ -7957,8 +7934,8 @@
           </a:p>
         </p:txBody>
       </p:sp>
-      <mc:AlternateContent xmlns:mc="http://schemas.openxmlformats.org/markup-compatibility/2006">
-        <mc:Choice xmlns:a14="http://schemas.microsoft.com/office/drawing/2010/main" Requires="a14">
+      <mc:AlternateContent xmlns:mc="http://schemas.openxmlformats.org/markup-compatibility/2006" xmlns:a14="http://schemas.microsoft.com/office/drawing/2010/main">
+        <mc:Choice Requires="a14">
           <p:sp>
             <p:nvSpPr>
               <p:cNvPr id="3" name="Content Placeholder 2"/>
@@ -7991,11 +7968,7 @@
                 </a:r>
                 <a:r>
                   <a:rPr lang="pt-BR" dirty="0" smtClean="0"/>
-                  <a:t> </a:t>
-                </a:r>
-                <a:r>
-                  <a:rPr lang="pt-BR" dirty="0" smtClean="0"/>
-                  <a:t>para aproximar um </a:t>
+                  <a:t> para aproximar um </a:t>
                 </a:r>
                 <a:r>
                   <a:rPr lang="pt-BR" b="1" i="1" dirty="0" smtClean="0"/>
@@ -8359,15 +8332,7 @@
               <a:p>
                 <a:r>
                   <a:rPr lang="pt-BR" dirty="0" smtClean="0"/>
-                  <a:t>As f</a:t>
-                </a:r>
-                <a:r>
-                  <a:rPr lang="pt-BR" dirty="0" smtClean="0"/>
-                  <a:t>iguras </a:t>
-                </a:r>
-                <a:r>
-                  <a:rPr lang="pt-BR" dirty="0" smtClean="0"/>
-                  <a:t>mostram </a:t>
+                  <a:t>As figuras mostram </a:t>
                 </a:r>
                 <a:r>
                   <a:rPr lang="pt-BR" b="1" i="1" dirty="0" smtClean="0"/>
@@ -8402,7 +8367,7 @@
             </p:txBody>
           </p:sp>
         </mc:Choice>
-        <mc:Fallback>
+        <mc:Fallback xmlns="">
           <p:sp>
             <p:nvSpPr>
               <p:cNvPr id="3" name="Content Placeholder 2"/>
@@ -8586,22 +8551,14 @@
           <a:p>
             <a:r>
               <a:rPr lang="pt-BR" dirty="0" smtClean="0"/>
-              <a:t>Funções </a:t>
-            </a:r>
-            <a:r>
-              <a:rPr lang="pt-BR" dirty="0" smtClean="0"/>
-              <a:t>discriminantes </a:t>
-            </a:r>
-            <a:r>
-              <a:rPr lang="pt-BR" dirty="0" smtClean="0"/>
-              <a:t>lineares</a:t>
+              <a:t>Funções discriminantes lineares</a:t>
             </a:r>
             <a:endParaRPr lang="pt-BR" dirty="0"/>
           </a:p>
         </p:txBody>
       </p:sp>
-      <mc:AlternateContent xmlns:mc="http://schemas.openxmlformats.org/markup-compatibility/2006">
-        <mc:Choice xmlns:a14="http://schemas.microsoft.com/office/drawing/2010/main" Requires="a14">
+      <mc:AlternateContent xmlns:mc="http://schemas.openxmlformats.org/markup-compatibility/2006" xmlns:a14="http://schemas.microsoft.com/office/drawing/2010/main">
+        <mc:Choice Requires="a14">
           <p:sp>
             <p:nvSpPr>
               <p:cNvPr id="3" name="Content Placeholder 2"/>
@@ -8931,11 +8888,7 @@
                 </a:r>
                 <a:r>
                   <a:rPr lang="pt-BR" dirty="0" smtClean="0"/>
-                  <a:t>ue nada mais é do </a:t>
-                </a:r>
-                <a:r>
-                  <a:rPr lang="pt-BR" dirty="0" smtClean="0"/>
-                  <a:t>que uma </a:t>
+                  <a:t>ue nada mais é do que uma </a:t>
                 </a:r>
                 <a:r>
                   <a:rPr lang="pt-BR" b="1" i="1" dirty="0" smtClean="0"/>
@@ -9063,11 +9016,7 @@
                 </a:r>
                 <a:r>
                   <a:rPr lang="pt-BR" b="1" i="1" dirty="0" smtClean="0"/>
-                  <a:t>função </a:t>
-                </a:r>
-                <a:r>
-                  <a:rPr lang="pt-BR" b="1" i="1" dirty="0" smtClean="0"/>
-                  <a:t>discriminante </a:t>
+                  <a:t>função discriminante </a:t>
                 </a:r>
                 <a:r>
                   <a:rPr lang="pt-BR" dirty="0" smtClean="0"/>
@@ -9492,7 +9441,7 @@
             </p:txBody>
           </p:sp>
         </mc:Choice>
-        <mc:Fallback>
+        <mc:Fallback xmlns="">
           <p:sp>
             <p:nvSpPr>
               <p:cNvPr id="3" name="Content Placeholder 2"/>
@@ -9596,8 +9545,8 @@
           <a:chExt cx="0" cy="0"/>
         </a:xfrm>
       </p:grpSpPr>
-      <mc:AlternateContent xmlns:mc="http://schemas.openxmlformats.org/markup-compatibility/2006">
-        <mc:Choice xmlns:a14="http://schemas.microsoft.com/office/drawing/2010/main" Requires="a14">
+      <mc:AlternateContent xmlns:mc="http://schemas.openxmlformats.org/markup-compatibility/2006" xmlns:a14="http://schemas.microsoft.com/office/drawing/2010/main">
+        <mc:Choice Requires="a14">
           <p:sp>
             <p:nvSpPr>
               <p:cNvPr id="2" name="Title 1"/>
@@ -9620,15 +9569,7 @@
               <a:p>
                 <a:r>
                   <a:rPr lang="pt-BR" dirty="0" smtClean="0"/>
-                  <a:t>Exemplo: </a:t>
-                </a:r>
-                <a:r>
-                  <a:rPr lang="pt-BR" dirty="0" smtClean="0"/>
-                  <a:t>Encontrando os pesos da </a:t>
-                </a:r>
-                <a:r>
-                  <a:rPr lang="pt-BR" dirty="0" smtClean="0"/>
-                  <a:t>função discriminante, </a:t>
+                  <a:t>Exemplo: Encontrando os pesos da função discriminante, </a:t>
                 </a:r>
                 <a14:m>
                   <m:oMath xmlns:m="http://schemas.openxmlformats.org/officeDocument/2006/math">
@@ -9663,7 +9604,7 @@
             </p:txBody>
           </p:sp>
         </mc:Choice>
-        <mc:Fallback>
+        <mc:Fallback xmlns="">
           <p:sp>
             <p:nvSpPr>
               <p:cNvPr id="2" name="Title 1"/>
@@ -9827,10 +9768,10 @@
                       </m:dPr>
                       <m:e>
                         <m:r>
-                          <a:rPr lang="pt-BR" i="1">
+                          <a:rPr lang="pt-BR" b="1" i="1">
                             <a:latin typeface="Cambria Math" panose="02040503050406030204" pitchFamily="18" charset="0"/>
                           </a:rPr>
-                          <m:t>𝑥</m:t>
+                          <m:t>𝒙</m:t>
                         </m:r>
                       </m:e>
                     </m:d>
@@ -12188,8 +12129,8 @@
           <a:chExt cx="0" cy="0"/>
         </a:xfrm>
       </p:grpSpPr>
-      <mc:AlternateContent xmlns:mc="http://schemas.openxmlformats.org/markup-compatibility/2006">
-        <mc:Choice xmlns:a14="http://schemas.microsoft.com/office/drawing/2010/main" Requires="a14">
+      <mc:AlternateContent xmlns:mc="http://schemas.openxmlformats.org/markup-compatibility/2006" xmlns:a14="http://schemas.microsoft.com/office/drawing/2010/main">
+        <mc:Choice Requires="a14">
           <p:sp>
             <p:nvSpPr>
               <p:cNvPr id="2" name="Title 1"/>
@@ -12212,15 +12153,7 @@
               <a:p>
                 <a:r>
                   <a:rPr lang="pt-BR" dirty="0" smtClean="0"/>
-                  <a:t>Exemplo: </a:t>
-                </a:r>
-                <a:r>
-                  <a:rPr lang="pt-BR" dirty="0" smtClean="0"/>
-                  <a:t>Encontrando os pesos da </a:t>
-                </a:r>
-                <a:r>
-                  <a:rPr lang="pt-BR" dirty="0" smtClean="0"/>
-                  <a:t>função discriminante, </a:t>
+                  <a:t>Exemplo: Encontrando os pesos da função discriminante, </a:t>
                 </a:r>
                 <a14:m>
                   <m:oMath xmlns:m="http://schemas.openxmlformats.org/officeDocument/2006/math">
@@ -12255,7 +12188,7 @@
             </p:txBody>
           </p:sp>
         </mc:Choice>
-        <mc:Fallback>
+        <mc:Fallback xmlns="">
           <p:sp>
             <p:nvSpPr>
               <p:cNvPr id="2" name="Title 1"/>
@@ -12321,7 +12254,6 @@
                   <a:rPr lang="pt-BR" dirty="0" smtClean="0"/>
                   <a:t>Visualmente, traçamos uma reta em uma posição que separe as classes da melhor forma possível.</a:t>
                 </a:r>
-                <a:endParaRPr lang="pt-BR" dirty="0" smtClean="0"/>
               </a:p>
               <a:p>
                 <a:r>
@@ -12363,10 +12295,10 @@
                         </m:dPr>
                         <m:e>
                           <m:r>
-                            <a:rPr lang="pt-BR" b="0" i="1" smtClean="0">
+                            <a:rPr lang="pt-BR" b="1" i="1" smtClean="0">
                               <a:latin typeface="Cambria Math" panose="02040503050406030204" pitchFamily="18" charset="0"/>
                             </a:rPr>
-                            <m:t>𝑥</m:t>
+                            <m:t>𝒙</m:t>
                           </m:r>
                         </m:e>
                       </m:d>
@@ -15302,8 +15234,8 @@
             </a:p>
           </p:txBody>
         </p:sp>
-        <mc:AlternateContent xmlns:mc="http://schemas.openxmlformats.org/markup-compatibility/2006">
-          <mc:Choice xmlns:a14="http://schemas.microsoft.com/office/drawing/2010/main" Requires="a14">
+        <mc:AlternateContent xmlns:mc="http://schemas.openxmlformats.org/markup-compatibility/2006" xmlns:a14="http://schemas.microsoft.com/office/drawing/2010/main">
+          <mc:Choice Requires="a14">
             <p:sp>
               <p:nvSpPr>
                 <p:cNvPr id="72" name="Rectangle 71"/>
@@ -15363,7 +15295,7 @@
               </p:txBody>
             </p:sp>
           </mc:Choice>
-          <mc:Fallback>
+          <mc:Fallback xmlns="">
             <p:sp>
               <p:nvSpPr>
                 <p:cNvPr id="72" name="Rectangle 71"/>
@@ -15509,8 +15441,8 @@
           <a:chExt cx="0" cy="0"/>
         </a:xfrm>
       </p:grpSpPr>
-      <mc:AlternateContent xmlns:mc="http://schemas.openxmlformats.org/markup-compatibility/2006">
-        <mc:Choice xmlns:a14="http://schemas.microsoft.com/office/drawing/2010/main" Requires="a14">
+      <mc:AlternateContent xmlns:mc="http://schemas.openxmlformats.org/markup-compatibility/2006" xmlns:a14="http://schemas.microsoft.com/office/drawing/2010/main">
+        <mc:Choice Requires="a14">
           <p:sp>
             <p:nvSpPr>
               <p:cNvPr id="2" name="Title 1"/>
@@ -15535,15 +15467,7 @@
               <a:p>
                 <a:r>
                   <a:rPr lang="pt-BR" dirty="0" smtClean="0"/>
-                  <a:t>Exemplo: </a:t>
-                </a:r>
-                <a:r>
-                  <a:rPr lang="pt-BR" dirty="0" smtClean="0"/>
-                  <a:t>Encontrando os pesos da </a:t>
-                </a:r>
-                <a:r>
-                  <a:rPr lang="pt-BR" dirty="0" smtClean="0"/>
-                  <a:t>função discriminante, </a:t>
+                  <a:t>Exemplo: Encontrando os pesos da função discriminante, </a:t>
                 </a:r>
                 <a14:m>
                   <m:oMath xmlns:m="http://schemas.openxmlformats.org/officeDocument/2006/math">
@@ -15578,7 +15502,7 @@
             </p:txBody>
           </p:sp>
         </mc:Choice>
-        <mc:Fallback>
+        <mc:Fallback xmlns="">
           <p:sp>
             <p:nvSpPr>
               <p:cNvPr id="2" name="Title 1"/>
@@ -16666,10 +16590,10 @@
                       </m:dPr>
                       <m:e>
                         <m:r>
-                          <a:rPr lang="pt-BR" i="1">
+                          <a:rPr lang="pt-BR" b="1" i="1">
                             <a:latin typeface="Cambria Math" panose="02040503050406030204" pitchFamily="18" charset="0"/>
                           </a:rPr>
-                          <m:t>𝑥</m:t>
+                          <m:t>𝒙</m:t>
                         </m:r>
                       </m:e>
                     </m:d>
@@ -17521,8 +17445,8 @@
             </a:p>
           </p:txBody>
         </p:sp>
-        <mc:AlternateContent xmlns:mc="http://schemas.openxmlformats.org/markup-compatibility/2006">
-          <mc:Choice xmlns:a14="http://schemas.microsoft.com/office/drawing/2010/main" Requires="a14">
+        <mc:AlternateContent xmlns:mc="http://schemas.openxmlformats.org/markup-compatibility/2006" xmlns:a14="http://schemas.microsoft.com/office/drawing/2010/main">
+          <mc:Choice Requires="a14">
             <p:sp>
               <p:nvSpPr>
                 <p:cNvPr id="207" name="Rectangle 206"/>
@@ -17626,7 +17550,7 @@
               </p:txBody>
             </p:sp>
           </mc:Choice>
-          <mc:Fallback>
+          <mc:Fallback xmlns="">
             <p:sp>
               <p:nvSpPr>
                 <p:cNvPr id="207" name="Rectangle 206"/>
@@ -17665,8 +17589,8 @@
             </p:sp>
           </mc:Fallback>
         </mc:AlternateContent>
-        <mc:AlternateContent xmlns:mc="http://schemas.openxmlformats.org/markup-compatibility/2006">
-          <mc:Choice xmlns:a14="http://schemas.microsoft.com/office/drawing/2010/main" Requires="a14">
+        <mc:AlternateContent xmlns:mc="http://schemas.openxmlformats.org/markup-compatibility/2006" xmlns:a14="http://schemas.microsoft.com/office/drawing/2010/main">
+          <mc:Choice Requires="a14">
             <p:sp>
               <p:nvSpPr>
                 <p:cNvPr id="208" name="Rectangle 207"/>
@@ -17688,6 +17612,7 @@
                 </a:bodyPr>
                 <a:lstStyle/>
                 <a:p>
+                  <a:pPr/>
                   <a14:m>
                     <m:oMathPara xmlns:m="http://schemas.openxmlformats.org/officeDocument/2006/math">
                       <m:oMathParaPr>
@@ -17769,7 +17694,7 @@
               </p:txBody>
             </p:sp>
           </mc:Choice>
-          <mc:Fallback>
+          <mc:Fallback xmlns="">
             <p:sp>
               <p:nvSpPr>
                 <p:cNvPr id="208" name="Rectangle 207"/>
@@ -17932,7 +17857,6 @@
             </a:bodyPr>
             <a:lstStyle/>
             <a:p>
-              <a:pPr/>
               <a:endParaRPr lang="pt-BR" dirty="0"/>
             </a:p>
           </p:txBody>
@@ -19438,8 +19362,8 @@
             </a:p>
           </p:txBody>
         </p:sp>
-        <mc:AlternateContent xmlns:mc="http://schemas.openxmlformats.org/markup-compatibility/2006">
-          <mc:Choice xmlns:a14="http://schemas.microsoft.com/office/drawing/2010/main" Requires="a14">
+        <mc:AlternateContent xmlns:mc="http://schemas.openxmlformats.org/markup-compatibility/2006" xmlns:a14="http://schemas.microsoft.com/office/drawing/2010/main">
+          <mc:Choice Requires="a14">
             <p:sp>
               <p:nvSpPr>
                 <p:cNvPr id="246" name="Rectangle 245"/>
@@ -19505,7 +19429,7 @@
               </p:txBody>
             </p:sp>
           </mc:Choice>
-          <mc:Fallback>
+          <mc:Fallback xmlns="">
             <p:sp>
               <p:nvSpPr>
                 <p:cNvPr id="246" name="Rectangle 245"/>
@@ -19840,7 +19764,7 @@
           <p:cNvPr id="4" name="Título 1">
             <a:extLst>
               <a:ext uri="{FF2B5EF4-FFF2-40B4-BE49-F238E27FC236}">
-                <a16:creationId xmlns="" xmlns:a16="http://schemas.microsoft.com/office/drawing/2014/main" id="{32666AC8-2E17-4DB4-B0F5-60C640CCFD2E}"/>
+                <a16:creationId xmlns:a16="http://schemas.microsoft.com/office/drawing/2014/main" xmlns="" id="{32666AC8-2E17-4DB4-B0F5-60C640CCFD2E}"/>
               </a:ext>
             </a:extLst>
           </p:cNvPr>
@@ -20075,16 +19999,11 @@
               <a:rPr lang="pt-BR" dirty="0" smtClean="0"/>
               <a:t>O curso terá sempre uma parte expositiva e outra prática para fixação dos conceitos introduzidos.</a:t>
             </a:r>
-            <a:endParaRPr lang="pt-BR" dirty="0" smtClean="0"/>
           </a:p>
           <a:p>
             <a:r>
               <a:rPr lang="pt-BR" dirty="0" smtClean="0"/>
-              <a:t>O curso será o mais prático possível, com vários exercícios envolvendo o uso dos algoritmos discutidos</a:t>
-            </a:r>
-            <a:r>
-              <a:rPr lang="pt-BR" dirty="0" smtClean="0"/>
-              <a:t>.</a:t>
+              <a:t>O curso será o mais prático possível, com vários exercícios envolvendo o uso dos algoritmos discutidos.</a:t>
             </a:r>
           </a:p>
         </p:txBody>
@@ -26884,8 +26803,8 @@
             </a:p>
           </p:txBody>
         </p:sp>
-        <mc:AlternateContent xmlns:mc="http://schemas.openxmlformats.org/markup-compatibility/2006">
-          <mc:Choice xmlns:a14="http://schemas.microsoft.com/office/drawing/2010/main" Requires="a14">
+        <mc:AlternateContent xmlns:mc="http://schemas.openxmlformats.org/markup-compatibility/2006" xmlns:a14="http://schemas.microsoft.com/office/drawing/2010/main">
+          <mc:Choice Requires="a14">
             <p:sp>
               <p:nvSpPr>
                 <p:cNvPr id="19" name="Rectangle 18"/>
@@ -26989,7 +26908,7 @@
               </p:txBody>
             </p:sp>
           </mc:Choice>
-          <mc:Fallback>
+          <mc:Fallback xmlns="">
             <p:sp>
               <p:nvSpPr>
                 <p:cNvPr id="19" name="Rectangle 18"/>
@@ -27028,8 +26947,8 @@
             </p:sp>
           </mc:Fallback>
         </mc:AlternateContent>
-        <mc:AlternateContent xmlns:mc="http://schemas.openxmlformats.org/markup-compatibility/2006">
-          <mc:Choice xmlns:a14="http://schemas.microsoft.com/office/drawing/2010/main" Requires="a14">
+        <mc:AlternateContent xmlns:mc="http://schemas.openxmlformats.org/markup-compatibility/2006" xmlns:a14="http://schemas.microsoft.com/office/drawing/2010/main">
+          <mc:Choice Requires="a14">
             <p:sp>
               <p:nvSpPr>
                 <p:cNvPr id="20" name="Rectangle 19"/>
@@ -27051,6 +26970,7 @@
                 </a:bodyPr>
                 <a:lstStyle/>
                 <a:p>
+                  <a:pPr/>
                   <a14:m>
                     <m:oMathPara xmlns:m="http://schemas.openxmlformats.org/officeDocument/2006/math">
                       <m:oMathParaPr>
@@ -27132,7 +27052,7 @@
               </p:txBody>
             </p:sp>
           </mc:Choice>
-          <mc:Fallback>
+          <mc:Fallback xmlns="">
             <p:sp>
               <p:nvSpPr>
                 <p:cNvPr id="20" name="Rectangle 19"/>
@@ -27295,7 +27215,6 @@
             </a:bodyPr>
             <a:lstStyle/>
             <a:p>
-              <a:pPr/>
               <a:endParaRPr lang="pt-BR" dirty="0"/>
             </a:p>
           </p:txBody>
@@ -28801,8 +28720,8 @@
             </a:p>
           </p:txBody>
         </p:sp>
-        <mc:AlternateContent xmlns:mc="http://schemas.openxmlformats.org/markup-compatibility/2006">
-          <mc:Choice xmlns:a14="http://schemas.microsoft.com/office/drawing/2010/main" Requires="a14">
+        <mc:AlternateContent xmlns:mc="http://schemas.openxmlformats.org/markup-compatibility/2006" xmlns:a14="http://schemas.microsoft.com/office/drawing/2010/main">
+          <mc:Choice Requires="a14">
             <p:sp>
               <p:nvSpPr>
                 <p:cNvPr id="58" name="Rectangle 57"/>
@@ -28868,7 +28787,7 @@
               </p:txBody>
             </p:sp>
           </mc:Choice>
-          <mc:Fallback>
+          <mc:Fallback xmlns="">
             <p:sp>
               <p:nvSpPr>
                 <p:cNvPr id="58" name="Rectangle 57"/>
@@ -29012,7 +28931,7 @@
           <p:cNvPr id="2" name="Título 1">
             <a:extLst>
               <a:ext uri="{FF2B5EF4-FFF2-40B4-BE49-F238E27FC236}">
-                <a16:creationId xmlns="" xmlns:a16="http://schemas.microsoft.com/office/drawing/2014/main" id="{C4F48192-B348-4C3E-8621-D3755D2230F8}"/>
+                <a16:creationId xmlns:a16="http://schemas.microsoft.com/office/drawing/2014/main" xmlns="" id="{C4F48192-B348-4C3E-8621-D3755D2230F8}"/>
               </a:ext>
             </a:extLst>
           </p:cNvPr>
@@ -29049,7 +28968,7 @@
           <p:cNvPr id="3" name="Espaço Reservado para Conteúdo 2">
             <a:extLst>
               <a:ext uri="{FF2B5EF4-FFF2-40B4-BE49-F238E27FC236}">
-                <a16:creationId xmlns="" xmlns:a16="http://schemas.microsoft.com/office/drawing/2014/main" id="{E3DECB90-AFD9-4AC6-A356-C93A7442A6E6}"/>
+                <a16:creationId xmlns:a16="http://schemas.microsoft.com/office/drawing/2014/main" xmlns="" id="{E3DECB90-AFD9-4AC6-A356-C93A7442A6E6}"/>
               </a:ext>
             </a:extLst>
           </p:cNvPr>
@@ -29203,7 +29122,7 @@
           <p:cNvPr id="3074" name="Picture 2" descr="Image result for machine learning">
             <a:extLst>
               <a:ext uri="{FF2B5EF4-FFF2-40B4-BE49-F238E27FC236}">
-                <a16:creationId xmlns="" xmlns:a16="http://schemas.microsoft.com/office/drawing/2014/main" id="{78A93243-9634-4B0E-B1B2-37A218EAEADD}"/>
+                <a16:creationId xmlns:a16="http://schemas.microsoft.com/office/drawing/2014/main" xmlns="" id="{78A93243-9634-4B0E-B1B2-37A218EAEADD}"/>
               </a:ext>
             </a:extLst>
           </p:cNvPr>
@@ -29581,7 +29500,7 @@
           <p:cNvPr id="2" name="Título 1">
             <a:extLst>
               <a:ext uri="{FF2B5EF4-FFF2-40B4-BE49-F238E27FC236}">
-                <a16:creationId xmlns="" xmlns:a16="http://schemas.microsoft.com/office/drawing/2014/main" id="{A2A4684C-1159-4F88-A2B1-6BABEDE38C4D}"/>
+                <a16:creationId xmlns:a16="http://schemas.microsoft.com/office/drawing/2014/main" xmlns="" id="{A2A4684C-1159-4F88-A2B1-6BABEDE38C4D}"/>
               </a:ext>
             </a:extLst>
           </p:cNvPr>
@@ -29609,7 +29528,7 @@
           <p:cNvPr id="3" name="Espaço Reservado para Conteúdo 2">
             <a:extLst>
               <a:ext uri="{FF2B5EF4-FFF2-40B4-BE49-F238E27FC236}">
-                <a16:creationId xmlns="" xmlns:a16="http://schemas.microsoft.com/office/drawing/2014/main" id="{EC432B31-D382-41FF-BB6B-2ABDD322424B}"/>
+                <a16:creationId xmlns:a16="http://schemas.microsoft.com/office/drawing/2014/main" xmlns="" id="{EC432B31-D382-41FF-BB6B-2ABDD322424B}"/>
               </a:ext>
             </a:extLst>
           </p:cNvPr>
@@ -29820,11 +29739,7 @@
             </a:r>
             <a:r>
               <a:rPr lang="pt-BR" dirty="0" smtClean="0"/>
-              <a:t>] Coleção de </a:t>
-            </a:r>
-            <a:r>
-              <a:rPr lang="pt-BR" dirty="0" smtClean="0"/>
-              <a:t>livros: </a:t>
+              <a:t>] Coleção de livros: </a:t>
             </a:r>
             <a:r>
               <a:rPr lang="pt-BR" dirty="0" smtClean="0">
@@ -30030,7 +29945,6 @@
               <a:rPr lang="en-US" dirty="0" smtClean="0"/>
               <a:t>.</a:t>
             </a:r>
-            <a:endParaRPr lang="en-US" dirty="0" smtClean="0"/>
           </a:p>
           <a:p>
             <a:r>
@@ -30166,8 +30080,8 @@
           </a:p>
         </p:txBody>
       </p:sp>
-      <mc:AlternateContent xmlns:mc="http://schemas.openxmlformats.org/markup-compatibility/2006">
-        <mc:Choice xmlns:a14="http://schemas.microsoft.com/office/drawing/2010/main" Requires="a14">
+      <mc:AlternateContent xmlns:mc="http://schemas.openxmlformats.org/markup-compatibility/2006" xmlns:a14="http://schemas.microsoft.com/office/drawing/2010/main">
+        <mc:Choice Requires="a14">
           <p:sp>
             <p:nvSpPr>
               <p:cNvPr id="3" name="Content Placeholder 2"/>
@@ -30240,11 +30154,7 @@
                 </a:r>
                 <a:r>
                   <a:rPr lang="pt-BR" dirty="0" smtClean="0"/>
-                  <a:t>ou seja, em classes</a:t>
-                </a:r>
-                <a:r>
-                  <a:rPr lang="pt-BR" dirty="0" smtClean="0"/>
-                  <a:t>. Por exemplo</a:t>
+                  <a:t>ou seja, em classes. Por exemplo</a:t>
                 </a:r>
               </a:p>
               <a:p>
@@ -30254,11 +30164,7 @@
                 </a:pPr>
                 <a:r>
                   <a:rPr lang="pt-BR" dirty="0" smtClean="0"/>
-                  <a:t>Classificação </a:t>
-                </a:r>
-                <a:r>
-                  <a:rPr lang="pt-BR" dirty="0" smtClean="0"/>
-                  <a:t>de emails entre SPAM e pessoal (HAM).</a:t>
+                  <a:t>Classificação de emails entre SPAM e pessoal (HAM).</a:t>
                 </a:r>
               </a:p>
               <a:p>
@@ -30285,7 +30191,7 @@
             </p:txBody>
           </p:sp>
         </mc:Choice>
-        <mc:Fallback>
+        <mc:Fallback xmlns="">
           <p:sp>
             <p:nvSpPr>
               <p:cNvPr id="3" name="Content Placeholder 2"/>
@@ -30328,7 +30234,7 @@
           <p:cNvPr id="6" name="Picture 5" descr="Image result for supervised learning">
             <a:extLst>
               <a:ext uri="{FF2B5EF4-FFF2-40B4-BE49-F238E27FC236}">
-                <a16:creationId xmlns="" xmlns:a16="http://schemas.microsoft.com/office/drawing/2014/main" id="{2520F4EA-1E3E-4F3B-97C0-DF47861DCD42}"/>
+                <a16:creationId xmlns:a16="http://schemas.microsoft.com/office/drawing/2014/main" xmlns="" id="{2520F4EA-1E3E-4F3B-97C0-DF47861DCD42}"/>
               </a:ext>
             </a:extLst>
           </p:cNvPr>
@@ -30717,8 +30623,8 @@
           </a:p>
         </p:txBody>
       </p:sp>
-      <mc:AlternateContent xmlns:mc="http://schemas.openxmlformats.org/markup-compatibility/2006">
-        <mc:Choice xmlns:a14="http://schemas.microsoft.com/office/drawing/2010/main" Requires="a14">
+      <mc:AlternateContent xmlns:mc="http://schemas.openxmlformats.org/markup-compatibility/2006" xmlns:a14="http://schemas.microsoft.com/office/drawing/2010/main">
+        <mc:Choice Requires="a14">
           <p:sp>
             <p:nvSpPr>
               <p:cNvPr id="3" name="Content Placeholder 2"/>
@@ -31605,7 +31511,7 @@
             </p:txBody>
           </p:sp>
         </mc:Choice>
-        <mc:Fallback>
+        <mc:Fallback xmlns="">
           <p:sp>
             <p:nvSpPr>
               <p:cNvPr id="3" name="Content Placeholder 2"/>

--- a/slides/T320_Classificação (Parte I).pptx
+++ b/slides/T320_Classificação (Parte I).pptx
@@ -296,7 +296,7 @@
           <a:p>
             <a:fld id="{144F1436-6906-4D93-B7A2-786C327BFA14}" type="datetimeFigureOut">
               <a:rPr lang="nl-BE" smtClean="0"/>
-              <a:t>7/08/2021</a:t>
+              <a:t>11/08/2021</a:t>
             </a:fld>
             <a:endParaRPr lang="nl-BE"/>
           </a:p>
@@ -461,7 +461,7 @@
           <a:p>
             <a:fld id="{AA8CD09E-2914-4F47-B6C1-51B2C31814C9}" type="datetimeFigureOut">
               <a:rPr lang="pt-BR" smtClean="0"/>
-              <a:t>07/08/2021</a:t>
+              <a:t>11/08/2021</a:t>
             </a:fld>
             <a:endParaRPr lang="pt-BR"/>
           </a:p>
@@ -1731,7 +1731,7 @@
           <p:cNvPr id="2" name="Título 1">
             <a:extLst>
               <a:ext uri="{FF2B5EF4-FFF2-40B4-BE49-F238E27FC236}">
-                <a16:creationId xmlns:a16="http://schemas.microsoft.com/office/drawing/2014/main" xmlns="" id="{1DB9B4FF-B06E-403C-A326-BDC64D8FF94E}"/>
+                <a16:creationId xmlns="" xmlns:a16="http://schemas.microsoft.com/office/drawing/2014/main" id="{1DB9B4FF-B06E-403C-A326-BDC64D8FF94E}"/>
               </a:ext>
             </a:extLst>
           </p:cNvPr>
@@ -1768,7 +1768,7 @@
           <p:cNvPr id="3" name="Subtítulo 2">
             <a:extLst>
               <a:ext uri="{FF2B5EF4-FFF2-40B4-BE49-F238E27FC236}">
-                <a16:creationId xmlns:a16="http://schemas.microsoft.com/office/drawing/2014/main" xmlns="" id="{247BDFCE-746E-45BF-A319-4733D58D1632}"/>
+                <a16:creationId xmlns="" xmlns:a16="http://schemas.microsoft.com/office/drawing/2014/main" id="{247BDFCE-746E-45BF-A319-4733D58D1632}"/>
               </a:ext>
             </a:extLst>
           </p:cNvPr>
@@ -1838,7 +1838,7 @@
           <p:cNvPr id="4" name="Espaço Reservado para Data 3">
             <a:extLst>
               <a:ext uri="{FF2B5EF4-FFF2-40B4-BE49-F238E27FC236}">
-                <a16:creationId xmlns:a16="http://schemas.microsoft.com/office/drawing/2014/main" xmlns="" id="{9EDE2778-5372-4104-B96D-968184DA8288}"/>
+                <a16:creationId xmlns="" xmlns:a16="http://schemas.microsoft.com/office/drawing/2014/main" id="{9EDE2778-5372-4104-B96D-968184DA8288}"/>
               </a:ext>
             </a:extLst>
           </p:cNvPr>
@@ -1856,7 +1856,7 @@
           <a:p>
             <a:fld id="{63289F7E-B80B-496E-81B4-D396C37C9454}" type="datetimeFigureOut">
               <a:rPr lang="pt-BR" smtClean="0"/>
-              <a:t>07/08/2021</a:t>
+              <a:t>11/08/2021</a:t>
             </a:fld>
             <a:endParaRPr lang="pt-BR"/>
           </a:p>
@@ -1867,7 +1867,7 @@
           <p:cNvPr id="5" name="Espaço Reservado para Rodapé 4">
             <a:extLst>
               <a:ext uri="{FF2B5EF4-FFF2-40B4-BE49-F238E27FC236}">
-                <a16:creationId xmlns:a16="http://schemas.microsoft.com/office/drawing/2014/main" xmlns="" id="{C1DD0F41-C861-4051-988D-3024A37A4B93}"/>
+                <a16:creationId xmlns="" xmlns:a16="http://schemas.microsoft.com/office/drawing/2014/main" id="{C1DD0F41-C861-4051-988D-3024A37A4B93}"/>
               </a:ext>
             </a:extLst>
           </p:cNvPr>
@@ -1892,7 +1892,7 @@
           <p:cNvPr id="6" name="Espaço Reservado para Número de Slide 5">
             <a:extLst>
               <a:ext uri="{FF2B5EF4-FFF2-40B4-BE49-F238E27FC236}">
-                <a16:creationId xmlns:a16="http://schemas.microsoft.com/office/drawing/2014/main" xmlns="" id="{07E5967E-D980-431A-A5DB-3F0C5030A81E}"/>
+                <a16:creationId xmlns="" xmlns:a16="http://schemas.microsoft.com/office/drawing/2014/main" id="{07E5967E-D980-431A-A5DB-3F0C5030A81E}"/>
               </a:ext>
             </a:extLst>
           </p:cNvPr>
@@ -1951,7 +1951,7 @@
           <p:cNvPr id="2" name="Título 1">
             <a:extLst>
               <a:ext uri="{FF2B5EF4-FFF2-40B4-BE49-F238E27FC236}">
-                <a16:creationId xmlns:a16="http://schemas.microsoft.com/office/drawing/2014/main" xmlns="" id="{9036C49F-3E68-4175-81BA-3C3FEE44308A}"/>
+                <a16:creationId xmlns="" xmlns:a16="http://schemas.microsoft.com/office/drawing/2014/main" id="{9036C49F-3E68-4175-81BA-3C3FEE44308A}"/>
               </a:ext>
             </a:extLst>
           </p:cNvPr>
@@ -1979,7 +1979,7 @@
           <p:cNvPr id="3" name="Espaço Reservado para Texto Vertical 2">
             <a:extLst>
               <a:ext uri="{FF2B5EF4-FFF2-40B4-BE49-F238E27FC236}">
-                <a16:creationId xmlns:a16="http://schemas.microsoft.com/office/drawing/2014/main" xmlns="" id="{426FA736-3DD3-4D4E-B57B-BBE1D8F7D424}"/>
+                <a16:creationId xmlns="" xmlns:a16="http://schemas.microsoft.com/office/drawing/2014/main" id="{426FA736-3DD3-4D4E-B57B-BBE1D8F7D424}"/>
               </a:ext>
             </a:extLst>
           </p:cNvPr>
@@ -2036,7 +2036,7 @@
           <p:cNvPr id="4" name="Espaço Reservado para Data 3">
             <a:extLst>
               <a:ext uri="{FF2B5EF4-FFF2-40B4-BE49-F238E27FC236}">
-                <a16:creationId xmlns:a16="http://schemas.microsoft.com/office/drawing/2014/main" xmlns="" id="{99E8855C-D8FD-48F6-B14E-861E0DE4D915}"/>
+                <a16:creationId xmlns="" xmlns:a16="http://schemas.microsoft.com/office/drawing/2014/main" id="{99E8855C-D8FD-48F6-B14E-861E0DE4D915}"/>
               </a:ext>
             </a:extLst>
           </p:cNvPr>
@@ -2054,7 +2054,7 @@
           <a:p>
             <a:fld id="{63289F7E-B80B-496E-81B4-D396C37C9454}" type="datetimeFigureOut">
               <a:rPr lang="pt-BR" smtClean="0"/>
-              <a:t>07/08/2021</a:t>
+              <a:t>11/08/2021</a:t>
             </a:fld>
             <a:endParaRPr lang="pt-BR"/>
           </a:p>
@@ -2065,7 +2065,7 @@
           <p:cNvPr id="5" name="Espaço Reservado para Rodapé 4">
             <a:extLst>
               <a:ext uri="{FF2B5EF4-FFF2-40B4-BE49-F238E27FC236}">
-                <a16:creationId xmlns:a16="http://schemas.microsoft.com/office/drawing/2014/main" xmlns="" id="{97C0BB88-2F21-42A5-ACFF-83DA47F2D340}"/>
+                <a16:creationId xmlns="" xmlns:a16="http://schemas.microsoft.com/office/drawing/2014/main" id="{97C0BB88-2F21-42A5-ACFF-83DA47F2D340}"/>
               </a:ext>
             </a:extLst>
           </p:cNvPr>
@@ -2090,7 +2090,7 @@
           <p:cNvPr id="6" name="Espaço Reservado para Número de Slide 5">
             <a:extLst>
               <a:ext uri="{FF2B5EF4-FFF2-40B4-BE49-F238E27FC236}">
-                <a16:creationId xmlns:a16="http://schemas.microsoft.com/office/drawing/2014/main" xmlns="" id="{6CB462B3-1F22-4C05-B4B8-7A279FB7D5E9}"/>
+                <a16:creationId xmlns="" xmlns:a16="http://schemas.microsoft.com/office/drawing/2014/main" id="{6CB462B3-1F22-4C05-B4B8-7A279FB7D5E9}"/>
               </a:ext>
             </a:extLst>
           </p:cNvPr>
@@ -2149,7 +2149,7 @@
           <p:cNvPr id="2" name="Título Vertical 1">
             <a:extLst>
               <a:ext uri="{FF2B5EF4-FFF2-40B4-BE49-F238E27FC236}">
-                <a16:creationId xmlns:a16="http://schemas.microsoft.com/office/drawing/2014/main" xmlns="" id="{EAEAB728-701C-4207-A9D5-23FF45C60502}"/>
+                <a16:creationId xmlns="" xmlns:a16="http://schemas.microsoft.com/office/drawing/2014/main" id="{EAEAB728-701C-4207-A9D5-23FF45C60502}"/>
               </a:ext>
             </a:extLst>
           </p:cNvPr>
@@ -2182,7 +2182,7 @@
           <p:cNvPr id="3" name="Espaço Reservado para Texto Vertical 2">
             <a:extLst>
               <a:ext uri="{FF2B5EF4-FFF2-40B4-BE49-F238E27FC236}">
-                <a16:creationId xmlns:a16="http://schemas.microsoft.com/office/drawing/2014/main" xmlns="" id="{BA8C8CCF-7823-480A-9A19-0F664DD17E3B}"/>
+                <a16:creationId xmlns="" xmlns:a16="http://schemas.microsoft.com/office/drawing/2014/main" id="{BA8C8CCF-7823-480A-9A19-0F664DD17E3B}"/>
               </a:ext>
             </a:extLst>
           </p:cNvPr>
@@ -2244,7 +2244,7 @@
           <p:cNvPr id="4" name="Espaço Reservado para Data 3">
             <a:extLst>
               <a:ext uri="{FF2B5EF4-FFF2-40B4-BE49-F238E27FC236}">
-                <a16:creationId xmlns:a16="http://schemas.microsoft.com/office/drawing/2014/main" xmlns="" id="{721D5734-7B1F-425D-942F-6EB73344027C}"/>
+                <a16:creationId xmlns="" xmlns:a16="http://schemas.microsoft.com/office/drawing/2014/main" id="{721D5734-7B1F-425D-942F-6EB73344027C}"/>
               </a:ext>
             </a:extLst>
           </p:cNvPr>
@@ -2262,7 +2262,7 @@
           <a:p>
             <a:fld id="{63289F7E-B80B-496E-81B4-D396C37C9454}" type="datetimeFigureOut">
               <a:rPr lang="pt-BR" smtClean="0"/>
-              <a:t>07/08/2021</a:t>
+              <a:t>11/08/2021</a:t>
             </a:fld>
             <a:endParaRPr lang="pt-BR"/>
           </a:p>
@@ -2273,7 +2273,7 @@
           <p:cNvPr id="5" name="Espaço Reservado para Rodapé 4">
             <a:extLst>
               <a:ext uri="{FF2B5EF4-FFF2-40B4-BE49-F238E27FC236}">
-                <a16:creationId xmlns:a16="http://schemas.microsoft.com/office/drawing/2014/main" xmlns="" id="{1E1AAEAC-F08D-45FE-89EC-B1B349A868C9}"/>
+                <a16:creationId xmlns="" xmlns:a16="http://schemas.microsoft.com/office/drawing/2014/main" id="{1E1AAEAC-F08D-45FE-89EC-B1B349A868C9}"/>
               </a:ext>
             </a:extLst>
           </p:cNvPr>
@@ -2298,7 +2298,7 @@
           <p:cNvPr id="6" name="Espaço Reservado para Número de Slide 5">
             <a:extLst>
               <a:ext uri="{FF2B5EF4-FFF2-40B4-BE49-F238E27FC236}">
-                <a16:creationId xmlns:a16="http://schemas.microsoft.com/office/drawing/2014/main" xmlns="" id="{BAA44493-9911-47B2-87A6-C2141A972BC8}"/>
+                <a16:creationId xmlns="" xmlns:a16="http://schemas.microsoft.com/office/drawing/2014/main" id="{BAA44493-9911-47B2-87A6-C2141A972BC8}"/>
               </a:ext>
             </a:extLst>
           </p:cNvPr>
@@ -2357,7 +2357,7 @@
           <p:cNvPr id="2" name="Título 1">
             <a:extLst>
               <a:ext uri="{FF2B5EF4-FFF2-40B4-BE49-F238E27FC236}">
-                <a16:creationId xmlns:a16="http://schemas.microsoft.com/office/drawing/2014/main" xmlns="" id="{71BD44A5-8F21-4626-A01D-48A1C874B1D5}"/>
+                <a16:creationId xmlns="" xmlns:a16="http://schemas.microsoft.com/office/drawing/2014/main" id="{71BD44A5-8F21-4626-A01D-48A1C874B1D5}"/>
               </a:ext>
             </a:extLst>
           </p:cNvPr>
@@ -2385,7 +2385,7 @@
           <p:cNvPr id="3" name="Espaço Reservado para Conteúdo 2">
             <a:extLst>
               <a:ext uri="{FF2B5EF4-FFF2-40B4-BE49-F238E27FC236}">
-                <a16:creationId xmlns:a16="http://schemas.microsoft.com/office/drawing/2014/main" xmlns="" id="{B79E8085-65A9-48AA-951D-71D978BFF4ED}"/>
+                <a16:creationId xmlns="" xmlns:a16="http://schemas.microsoft.com/office/drawing/2014/main" id="{B79E8085-65A9-48AA-951D-71D978BFF4ED}"/>
               </a:ext>
             </a:extLst>
           </p:cNvPr>
@@ -2442,7 +2442,7 @@
           <p:cNvPr id="4" name="Espaço Reservado para Data 3">
             <a:extLst>
               <a:ext uri="{FF2B5EF4-FFF2-40B4-BE49-F238E27FC236}">
-                <a16:creationId xmlns:a16="http://schemas.microsoft.com/office/drawing/2014/main" xmlns="" id="{F05BE1AF-51EA-425D-B188-DE7BD675009F}"/>
+                <a16:creationId xmlns="" xmlns:a16="http://schemas.microsoft.com/office/drawing/2014/main" id="{F05BE1AF-51EA-425D-B188-DE7BD675009F}"/>
               </a:ext>
             </a:extLst>
           </p:cNvPr>
@@ -2460,7 +2460,7 @@
           <a:p>
             <a:fld id="{63289F7E-B80B-496E-81B4-D396C37C9454}" type="datetimeFigureOut">
               <a:rPr lang="pt-BR" smtClean="0"/>
-              <a:t>07/08/2021</a:t>
+              <a:t>11/08/2021</a:t>
             </a:fld>
             <a:endParaRPr lang="pt-BR"/>
           </a:p>
@@ -2471,7 +2471,7 @@
           <p:cNvPr id="5" name="Espaço Reservado para Rodapé 4">
             <a:extLst>
               <a:ext uri="{FF2B5EF4-FFF2-40B4-BE49-F238E27FC236}">
-                <a16:creationId xmlns:a16="http://schemas.microsoft.com/office/drawing/2014/main" xmlns="" id="{121BE632-29CF-4CB9-B365-C9EF38F89BE6}"/>
+                <a16:creationId xmlns="" xmlns:a16="http://schemas.microsoft.com/office/drawing/2014/main" id="{121BE632-29CF-4CB9-B365-C9EF38F89BE6}"/>
               </a:ext>
             </a:extLst>
           </p:cNvPr>
@@ -2496,7 +2496,7 @@
           <p:cNvPr id="6" name="Espaço Reservado para Número de Slide 5">
             <a:extLst>
               <a:ext uri="{FF2B5EF4-FFF2-40B4-BE49-F238E27FC236}">
-                <a16:creationId xmlns:a16="http://schemas.microsoft.com/office/drawing/2014/main" xmlns="" id="{60CF3DD1-9AEC-4A57-B461-4E4DD86FAC18}"/>
+                <a16:creationId xmlns="" xmlns:a16="http://schemas.microsoft.com/office/drawing/2014/main" id="{60CF3DD1-9AEC-4A57-B461-4E4DD86FAC18}"/>
               </a:ext>
             </a:extLst>
           </p:cNvPr>
@@ -2555,7 +2555,7 @@
           <p:cNvPr id="2" name="Título 1">
             <a:extLst>
               <a:ext uri="{FF2B5EF4-FFF2-40B4-BE49-F238E27FC236}">
-                <a16:creationId xmlns:a16="http://schemas.microsoft.com/office/drawing/2014/main" xmlns="" id="{34AB2FF0-A4D7-4E28-991D-FF26140D5988}"/>
+                <a16:creationId xmlns="" xmlns:a16="http://schemas.microsoft.com/office/drawing/2014/main" id="{34AB2FF0-A4D7-4E28-991D-FF26140D5988}"/>
               </a:ext>
             </a:extLst>
           </p:cNvPr>
@@ -2592,7 +2592,7 @@
           <p:cNvPr id="3" name="Espaço Reservado para Texto 2">
             <a:extLst>
               <a:ext uri="{FF2B5EF4-FFF2-40B4-BE49-F238E27FC236}">
-                <a16:creationId xmlns:a16="http://schemas.microsoft.com/office/drawing/2014/main" xmlns="" id="{E2AC45B0-4145-40DB-8E61-105461170604}"/>
+                <a16:creationId xmlns="" xmlns:a16="http://schemas.microsoft.com/office/drawing/2014/main" id="{E2AC45B0-4145-40DB-8E61-105461170604}"/>
               </a:ext>
             </a:extLst>
           </p:cNvPr>
@@ -2717,7 +2717,7 @@
           <p:cNvPr id="4" name="Espaço Reservado para Data 3">
             <a:extLst>
               <a:ext uri="{FF2B5EF4-FFF2-40B4-BE49-F238E27FC236}">
-                <a16:creationId xmlns:a16="http://schemas.microsoft.com/office/drawing/2014/main" xmlns="" id="{50F1D3FB-740A-4EBA-A309-2CE71D12ECFB}"/>
+                <a16:creationId xmlns="" xmlns:a16="http://schemas.microsoft.com/office/drawing/2014/main" id="{50F1D3FB-740A-4EBA-A309-2CE71D12ECFB}"/>
               </a:ext>
             </a:extLst>
           </p:cNvPr>
@@ -2735,7 +2735,7 @@
           <a:p>
             <a:fld id="{63289F7E-B80B-496E-81B4-D396C37C9454}" type="datetimeFigureOut">
               <a:rPr lang="pt-BR" smtClean="0"/>
-              <a:t>07/08/2021</a:t>
+              <a:t>11/08/2021</a:t>
             </a:fld>
             <a:endParaRPr lang="pt-BR"/>
           </a:p>
@@ -2746,7 +2746,7 @@
           <p:cNvPr id="5" name="Espaço Reservado para Rodapé 4">
             <a:extLst>
               <a:ext uri="{FF2B5EF4-FFF2-40B4-BE49-F238E27FC236}">
-                <a16:creationId xmlns:a16="http://schemas.microsoft.com/office/drawing/2014/main" xmlns="" id="{BDCAB18F-8715-4465-A940-F9C193A2ACE9}"/>
+                <a16:creationId xmlns="" xmlns:a16="http://schemas.microsoft.com/office/drawing/2014/main" id="{BDCAB18F-8715-4465-A940-F9C193A2ACE9}"/>
               </a:ext>
             </a:extLst>
           </p:cNvPr>
@@ -2771,7 +2771,7 @@
           <p:cNvPr id="6" name="Espaço Reservado para Número de Slide 5">
             <a:extLst>
               <a:ext uri="{FF2B5EF4-FFF2-40B4-BE49-F238E27FC236}">
-                <a16:creationId xmlns:a16="http://schemas.microsoft.com/office/drawing/2014/main" xmlns="" id="{353466C6-8248-429F-8056-FF040BF509EB}"/>
+                <a16:creationId xmlns="" xmlns:a16="http://schemas.microsoft.com/office/drawing/2014/main" id="{353466C6-8248-429F-8056-FF040BF509EB}"/>
               </a:ext>
             </a:extLst>
           </p:cNvPr>
@@ -2830,7 +2830,7 @@
           <p:cNvPr id="2" name="Título 1">
             <a:extLst>
               <a:ext uri="{FF2B5EF4-FFF2-40B4-BE49-F238E27FC236}">
-                <a16:creationId xmlns:a16="http://schemas.microsoft.com/office/drawing/2014/main" xmlns="" id="{BC7BB9F0-F14B-4A91-B2B7-35BC47FE4DE7}"/>
+                <a16:creationId xmlns="" xmlns:a16="http://schemas.microsoft.com/office/drawing/2014/main" id="{BC7BB9F0-F14B-4A91-B2B7-35BC47FE4DE7}"/>
               </a:ext>
             </a:extLst>
           </p:cNvPr>
@@ -2858,7 +2858,7 @@
           <p:cNvPr id="3" name="Espaço Reservado para Conteúdo 2">
             <a:extLst>
               <a:ext uri="{FF2B5EF4-FFF2-40B4-BE49-F238E27FC236}">
-                <a16:creationId xmlns:a16="http://schemas.microsoft.com/office/drawing/2014/main" xmlns="" id="{EC1FC1C4-73DA-47A6-8496-B0B457F7D39A}"/>
+                <a16:creationId xmlns="" xmlns:a16="http://schemas.microsoft.com/office/drawing/2014/main" id="{EC1FC1C4-73DA-47A6-8496-B0B457F7D39A}"/>
               </a:ext>
             </a:extLst>
           </p:cNvPr>
@@ -2920,7 +2920,7 @@
           <p:cNvPr id="4" name="Espaço Reservado para Conteúdo 3">
             <a:extLst>
               <a:ext uri="{FF2B5EF4-FFF2-40B4-BE49-F238E27FC236}">
-                <a16:creationId xmlns:a16="http://schemas.microsoft.com/office/drawing/2014/main" xmlns="" id="{E92F06A8-A449-4D92-9912-76873E529B38}"/>
+                <a16:creationId xmlns="" xmlns:a16="http://schemas.microsoft.com/office/drawing/2014/main" id="{E92F06A8-A449-4D92-9912-76873E529B38}"/>
               </a:ext>
             </a:extLst>
           </p:cNvPr>
@@ -2982,7 +2982,7 @@
           <p:cNvPr id="5" name="Espaço Reservado para Data 4">
             <a:extLst>
               <a:ext uri="{FF2B5EF4-FFF2-40B4-BE49-F238E27FC236}">
-                <a16:creationId xmlns:a16="http://schemas.microsoft.com/office/drawing/2014/main" xmlns="" id="{938070A4-BC2F-4D55-BD8D-DEAF11BB9EE9}"/>
+                <a16:creationId xmlns="" xmlns:a16="http://schemas.microsoft.com/office/drawing/2014/main" id="{938070A4-BC2F-4D55-BD8D-DEAF11BB9EE9}"/>
               </a:ext>
             </a:extLst>
           </p:cNvPr>
@@ -3000,7 +3000,7 @@
           <a:p>
             <a:fld id="{63289F7E-B80B-496E-81B4-D396C37C9454}" type="datetimeFigureOut">
               <a:rPr lang="pt-BR" smtClean="0"/>
-              <a:t>07/08/2021</a:t>
+              <a:t>11/08/2021</a:t>
             </a:fld>
             <a:endParaRPr lang="pt-BR"/>
           </a:p>
@@ -3011,7 +3011,7 @@
           <p:cNvPr id="6" name="Espaço Reservado para Rodapé 5">
             <a:extLst>
               <a:ext uri="{FF2B5EF4-FFF2-40B4-BE49-F238E27FC236}">
-                <a16:creationId xmlns:a16="http://schemas.microsoft.com/office/drawing/2014/main" xmlns="" id="{45CC2DB8-844A-465F-BA9A-7734C80C7F43}"/>
+                <a16:creationId xmlns="" xmlns:a16="http://schemas.microsoft.com/office/drawing/2014/main" id="{45CC2DB8-844A-465F-BA9A-7734C80C7F43}"/>
               </a:ext>
             </a:extLst>
           </p:cNvPr>
@@ -3036,7 +3036,7 @@
           <p:cNvPr id="7" name="Espaço Reservado para Número de Slide 6">
             <a:extLst>
               <a:ext uri="{FF2B5EF4-FFF2-40B4-BE49-F238E27FC236}">
-                <a16:creationId xmlns:a16="http://schemas.microsoft.com/office/drawing/2014/main" xmlns="" id="{4CC606A8-097B-4040-94E0-CD8C88280D8F}"/>
+                <a16:creationId xmlns="" xmlns:a16="http://schemas.microsoft.com/office/drawing/2014/main" id="{4CC606A8-097B-4040-94E0-CD8C88280D8F}"/>
               </a:ext>
             </a:extLst>
           </p:cNvPr>
@@ -3095,7 +3095,7 @@
           <p:cNvPr id="2" name="Título 1">
             <a:extLst>
               <a:ext uri="{FF2B5EF4-FFF2-40B4-BE49-F238E27FC236}">
-                <a16:creationId xmlns:a16="http://schemas.microsoft.com/office/drawing/2014/main" xmlns="" id="{76D66686-0143-4CB6-8C09-BA326F1E7ACA}"/>
+                <a16:creationId xmlns="" xmlns:a16="http://schemas.microsoft.com/office/drawing/2014/main" id="{76D66686-0143-4CB6-8C09-BA326F1E7ACA}"/>
               </a:ext>
             </a:extLst>
           </p:cNvPr>
@@ -3128,7 +3128,7 @@
           <p:cNvPr id="3" name="Espaço Reservado para Texto 2">
             <a:extLst>
               <a:ext uri="{FF2B5EF4-FFF2-40B4-BE49-F238E27FC236}">
-                <a16:creationId xmlns:a16="http://schemas.microsoft.com/office/drawing/2014/main" xmlns="" id="{0227AB85-F59E-4BCE-B846-4FA0992C2F23}"/>
+                <a16:creationId xmlns="" xmlns:a16="http://schemas.microsoft.com/office/drawing/2014/main" id="{0227AB85-F59E-4BCE-B846-4FA0992C2F23}"/>
               </a:ext>
             </a:extLst>
           </p:cNvPr>
@@ -3199,7 +3199,7 @@
           <p:cNvPr id="4" name="Espaço Reservado para Conteúdo 3">
             <a:extLst>
               <a:ext uri="{FF2B5EF4-FFF2-40B4-BE49-F238E27FC236}">
-                <a16:creationId xmlns:a16="http://schemas.microsoft.com/office/drawing/2014/main" xmlns="" id="{3373456C-7319-4D0A-827D-D29F6B083F5D}"/>
+                <a16:creationId xmlns="" xmlns:a16="http://schemas.microsoft.com/office/drawing/2014/main" id="{3373456C-7319-4D0A-827D-D29F6B083F5D}"/>
               </a:ext>
             </a:extLst>
           </p:cNvPr>
@@ -3261,7 +3261,7 @@
           <p:cNvPr id="5" name="Espaço Reservado para Texto 4">
             <a:extLst>
               <a:ext uri="{FF2B5EF4-FFF2-40B4-BE49-F238E27FC236}">
-                <a16:creationId xmlns:a16="http://schemas.microsoft.com/office/drawing/2014/main" xmlns="" id="{4CD109D0-2E83-4262-8029-A871CEC47406}"/>
+                <a16:creationId xmlns="" xmlns:a16="http://schemas.microsoft.com/office/drawing/2014/main" id="{4CD109D0-2E83-4262-8029-A871CEC47406}"/>
               </a:ext>
             </a:extLst>
           </p:cNvPr>
@@ -3332,7 +3332,7 @@
           <p:cNvPr id="6" name="Espaço Reservado para Conteúdo 5">
             <a:extLst>
               <a:ext uri="{FF2B5EF4-FFF2-40B4-BE49-F238E27FC236}">
-                <a16:creationId xmlns:a16="http://schemas.microsoft.com/office/drawing/2014/main" xmlns="" id="{AD706E3A-CFBB-4A6C-A65F-D0360A9E74FE}"/>
+                <a16:creationId xmlns="" xmlns:a16="http://schemas.microsoft.com/office/drawing/2014/main" id="{AD706E3A-CFBB-4A6C-A65F-D0360A9E74FE}"/>
               </a:ext>
             </a:extLst>
           </p:cNvPr>
@@ -3394,7 +3394,7 @@
           <p:cNvPr id="7" name="Espaço Reservado para Data 6">
             <a:extLst>
               <a:ext uri="{FF2B5EF4-FFF2-40B4-BE49-F238E27FC236}">
-                <a16:creationId xmlns:a16="http://schemas.microsoft.com/office/drawing/2014/main" xmlns="" id="{4172C0E5-5AF0-4805-BB51-443733CD2BD5}"/>
+                <a16:creationId xmlns="" xmlns:a16="http://schemas.microsoft.com/office/drawing/2014/main" id="{4172C0E5-5AF0-4805-BB51-443733CD2BD5}"/>
               </a:ext>
             </a:extLst>
           </p:cNvPr>
@@ -3412,7 +3412,7 @@
           <a:p>
             <a:fld id="{63289F7E-B80B-496E-81B4-D396C37C9454}" type="datetimeFigureOut">
               <a:rPr lang="pt-BR" smtClean="0"/>
-              <a:t>07/08/2021</a:t>
+              <a:t>11/08/2021</a:t>
             </a:fld>
             <a:endParaRPr lang="pt-BR"/>
           </a:p>
@@ -3423,7 +3423,7 @@
           <p:cNvPr id="8" name="Espaço Reservado para Rodapé 7">
             <a:extLst>
               <a:ext uri="{FF2B5EF4-FFF2-40B4-BE49-F238E27FC236}">
-                <a16:creationId xmlns:a16="http://schemas.microsoft.com/office/drawing/2014/main" xmlns="" id="{0E801648-156F-497E-99CF-797DF48051E1}"/>
+                <a16:creationId xmlns="" xmlns:a16="http://schemas.microsoft.com/office/drawing/2014/main" id="{0E801648-156F-497E-99CF-797DF48051E1}"/>
               </a:ext>
             </a:extLst>
           </p:cNvPr>
@@ -3448,7 +3448,7 @@
           <p:cNvPr id="9" name="Espaço Reservado para Número de Slide 8">
             <a:extLst>
               <a:ext uri="{FF2B5EF4-FFF2-40B4-BE49-F238E27FC236}">
-                <a16:creationId xmlns:a16="http://schemas.microsoft.com/office/drawing/2014/main" xmlns="" id="{EEE23D32-80E7-4796-A137-66BF842E4B53}"/>
+                <a16:creationId xmlns="" xmlns:a16="http://schemas.microsoft.com/office/drawing/2014/main" id="{EEE23D32-80E7-4796-A137-66BF842E4B53}"/>
               </a:ext>
             </a:extLst>
           </p:cNvPr>
@@ -3507,7 +3507,7 @@
           <p:cNvPr id="2" name="Título 1">
             <a:extLst>
               <a:ext uri="{FF2B5EF4-FFF2-40B4-BE49-F238E27FC236}">
-                <a16:creationId xmlns:a16="http://schemas.microsoft.com/office/drawing/2014/main" xmlns="" id="{2BCE2379-C78F-47E1-8CFC-B846E7AF148D}"/>
+                <a16:creationId xmlns="" xmlns:a16="http://schemas.microsoft.com/office/drawing/2014/main" id="{2BCE2379-C78F-47E1-8CFC-B846E7AF148D}"/>
               </a:ext>
             </a:extLst>
           </p:cNvPr>
@@ -3535,7 +3535,7 @@
           <p:cNvPr id="3" name="Espaço Reservado para Data 2">
             <a:extLst>
               <a:ext uri="{FF2B5EF4-FFF2-40B4-BE49-F238E27FC236}">
-                <a16:creationId xmlns:a16="http://schemas.microsoft.com/office/drawing/2014/main" xmlns="" id="{342600A9-7F92-4E22-9D94-E4717252A817}"/>
+                <a16:creationId xmlns="" xmlns:a16="http://schemas.microsoft.com/office/drawing/2014/main" id="{342600A9-7F92-4E22-9D94-E4717252A817}"/>
               </a:ext>
             </a:extLst>
           </p:cNvPr>
@@ -3553,7 +3553,7 @@
           <a:p>
             <a:fld id="{63289F7E-B80B-496E-81B4-D396C37C9454}" type="datetimeFigureOut">
               <a:rPr lang="pt-BR" smtClean="0"/>
-              <a:t>07/08/2021</a:t>
+              <a:t>11/08/2021</a:t>
             </a:fld>
             <a:endParaRPr lang="pt-BR"/>
           </a:p>
@@ -3564,7 +3564,7 @@
           <p:cNvPr id="4" name="Espaço Reservado para Rodapé 3">
             <a:extLst>
               <a:ext uri="{FF2B5EF4-FFF2-40B4-BE49-F238E27FC236}">
-                <a16:creationId xmlns:a16="http://schemas.microsoft.com/office/drawing/2014/main" xmlns="" id="{192E6BED-F546-40CC-A2DF-99CBA853654E}"/>
+                <a16:creationId xmlns="" xmlns:a16="http://schemas.microsoft.com/office/drawing/2014/main" id="{192E6BED-F546-40CC-A2DF-99CBA853654E}"/>
               </a:ext>
             </a:extLst>
           </p:cNvPr>
@@ -3589,7 +3589,7 @@
           <p:cNvPr id="5" name="Espaço Reservado para Número de Slide 4">
             <a:extLst>
               <a:ext uri="{FF2B5EF4-FFF2-40B4-BE49-F238E27FC236}">
-                <a16:creationId xmlns:a16="http://schemas.microsoft.com/office/drawing/2014/main" xmlns="" id="{6091CC40-A8C4-4063-80EB-CC5099621678}"/>
+                <a16:creationId xmlns="" xmlns:a16="http://schemas.microsoft.com/office/drawing/2014/main" id="{6091CC40-A8C4-4063-80EB-CC5099621678}"/>
               </a:ext>
             </a:extLst>
           </p:cNvPr>
@@ -3648,7 +3648,7 @@
           <p:cNvPr id="2" name="Espaço Reservado para Data 1">
             <a:extLst>
               <a:ext uri="{FF2B5EF4-FFF2-40B4-BE49-F238E27FC236}">
-                <a16:creationId xmlns:a16="http://schemas.microsoft.com/office/drawing/2014/main" xmlns="" id="{DD19515C-212C-4EAE-84A3-8FF4BC844F1B}"/>
+                <a16:creationId xmlns="" xmlns:a16="http://schemas.microsoft.com/office/drawing/2014/main" id="{DD19515C-212C-4EAE-84A3-8FF4BC844F1B}"/>
               </a:ext>
             </a:extLst>
           </p:cNvPr>
@@ -3666,7 +3666,7 @@
           <a:p>
             <a:fld id="{63289F7E-B80B-496E-81B4-D396C37C9454}" type="datetimeFigureOut">
               <a:rPr lang="pt-BR" smtClean="0"/>
-              <a:t>07/08/2021</a:t>
+              <a:t>11/08/2021</a:t>
             </a:fld>
             <a:endParaRPr lang="pt-BR"/>
           </a:p>
@@ -3677,7 +3677,7 @@
           <p:cNvPr id="3" name="Espaço Reservado para Rodapé 2">
             <a:extLst>
               <a:ext uri="{FF2B5EF4-FFF2-40B4-BE49-F238E27FC236}">
-                <a16:creationId xmlns:a16="http://schemas.microsoft.com/office/drawing/2014/main" xmlns="" id="{94D3D120-B3E8-4C96-861D-7A4F12F49B3A}"/>
+                <a16:creationId xmlns="" xmlns:a16="http://schemas.microsoft.com/office/drawing/2014/main" id="{94D3D120-B3E8-4C96-861D-7A4F12F49B3A}"/>
               </a:ext>
             </a:extLst>
           </p:cNvPr>
@@ -3702,7 +3702,7 @@
           <p:cNvPr id="4" name="Espaço Reservado para Número de Slide 3">
             <a:extLst>
               <a:ext uri="{FF2B5EF4-FFF2-40B4-BE49-F238E27FC236}">
-                <a16:creationId xmlns:a16="http://schemas.microsoft.com/office/drawing/2014/main" xmlns="" id="{42E49B68-FA1B-468B-9F17-D5C09243D454}"/>
+                <a16:creationId xmlns="" xmlns:a16="http://schemas.microsoft.com/office/drawing/2014/main" id="{42E49B68-FA1B-468B-9F17-D5C09243D454}"/>
               </a:ext>
             </a:extLst>
           </p:cNvPr>
@@ -3761,7 +3761,7 @@
           <p:cNvPr id="2" name="Título 1">
             <a:extLst>
               <a:ext uri="{FF2B5EF4-FFF2-40B4-BE49-F238E27FC236}">
-                <a16:creationId xmlns:a16="http://schemas.microsoft.com/office/drawing/2014/main" xmlns="" id="{1C17BCBE-A897-4319-85EC-D87909C24980}"/>
+                <a16:creationId xmlns="" xmlns:a16="http://schemas.microsoft.com/office/drawing/2014/main" id="{1C17BCBE-A897-4319-85EC-D87909C24980}"/>
               </a:ext>
             </a:extLst>
           </p:cNvPr>
@@ -3798,7 +3798,7 @@
           <p:cNvPr id="3" name="Espaço Reservado para Conteúdo 2">
             <a:extLst>
               <a:ext uri="{FF2B5EF4-FFF2-40B4-BE49-F238E27FC236}">
-                <a16:creationId xmlns:a16="http://schemas.microsoft.com/office/drawing/2014/main" xmlns="" id="{4226F885-0204-4913-868B-4B8B82576F17}"/>
+                <a16:creationId xmlns="" xmlns:a16="http://schemas.microsoft.com/office/drawing/2014/main" id="{4226F885-0204-4913-868B-4B8B82576F17}"/>
               </a:ext>
             </a:extLst>
           </p:cNvPr>
@@ -3888,7 +3888,7 @@
           <p:cNvPr id="4" name="Espaço Reservado para Texto 3">
             <a:extLst>
               <a:ext uri="{FF2B5EF4-FFF2-40B4-BE49-F238E27FC236}">
-                <a16:creationId xmlns:a16="http://schemas.microsoft.com/office/drawing/2014/main" xmlns="" id="{00F9F784-A858-441B-8AB5-697098141751}"/>
+                <a16:creationId xmlns="" xmlns:a16="http://schemas.microsoft.com/office/drawing/2014/main" id="{00F9F784-A858-441B-8AB5-697098141751}"/>
               </a:ext>
             </a:extLst>
           </p:cNvPr>
@@ -3959,7 +3959,7 @@
           <p:cNvPr id="5" name="Espaço Reservado para Data 4">
             <a:extLst>
               <a:ext uri="{FF2B5EF4-FFF2-40B4-BE49-F238E27FC236}">
-                <a16:creationId xmlns:a16="http://schemas.microsoft.com/office/drawing/2014/main" xmlns="" id="{A4DC363A-5000-472E-8B17-02E7DCB8840A}"/>
+                <a16:creationId xmlns="" xmlns:a16="http://schemas.microsoft.com/office/drawing/2014/main" id="{A4DC363A-5000-472E-8B17-02E7DCB8840A}"/>
               </a:ext>
             </a:extLst>
           </p:cNvPr>
@@ -3977,7 +3977,7 @@
           <a:p>
             <a:fld id="{63289F7E-B80B-496E-81B4-D396C37C9454}" type="datetimeFigureOut">
               <a:rPr lang="pt-BR" smtClean="0"/>
-              <a:t>07/08/2021</a:t>
+              <a:t>11/08/2021</a:t>
             </a:fld>
             <a:endParaRPr lang="pt-BR"/>
           </a:p>
@@ -3988,7 +3988,7 @@
           <p:cNvPr id="6" name="Espaço Reservado para Rodapé 5">
             <a:extLst>
               <a:ext uri="{FF2B5EF4-FFF2-40B4-BE49-F238E27FC236}">
-                <a16:creationId xmlns:a16="http://schemas.microsoft.com/office/drawing/2014/main" xmlns="" id="{5548425D-2C21-4C56-BAD4-662978775C28}"/>
+                <a16:creationId xmlns="" xmlns:a16="http://schemas.microsoft.com/office/drawing/2014/main" id="{5548425D-2C21-4C56-BAD4-662978775C28}"/>
               </a:ext>
             </a:extLst>
           </p:cNvPr>
@@ -4013,7 +4013,7 @@
           <p:cNvPr id="7" name="Espaço Reservado para Número de Slide 6">
             <a:extLst>
               <a:ext uri="{FF2B5EF4-FFF2-40B4-BE49-F238E27FC236}">
-                <a16:creationId xmlns:a16="http://schemas.microsoft.com/office/drawing/2014/main" xmlns="" id="{C63E9726-E64C-42B2-AE8A-8C235A956B48}"/>
+                <a16:creationId xmlns="" xmlns:a16="http://schemas.microsoft.com/office/drawing/2014/main" id="{C63E9726-E64C-42B2-AE8A-8C235A956B48}"/>
               </a:ext>
             </a:extLst>
           </p:cNvPr>
@@ -4072,7 +4072,7 @@
           <p:cNvPr id="2" name="Título 1">
             <a:extLst>
               <a:ext uri="{FF2B5EF4-FFF2-40B4-BE49-F238E27FC236}">
-                <a16:creationId xmlns:a16="http://schemas.microsoft.com/office/drawing/2014/main" xmlns="" id="{11086A78-3E74-450C-96A6-CA8AC37AF772}"/>
+                <a16:creationId xmlns="" xmlns:a16="http://schemas.microsoft.com/office/drawing/2014/main" id="{11086A78-3E74-450C-96A6-CA8AC37AF772}"/>
               </a:ext>
             </a:extLst>
           </p:cNvPr>
@@ -4109,7 +4109,7 @@
           <p:cNvPr id="3" name="Espaço Reservado para Imagem 2">
             <a:extLst>
               <a:ext uri="{FF2B5EF4-FFF2-40B4-BE49-F238E27FC236}">
-                <a16:creationId xmlns:a16="http://schemas.microsoft.com/office/drawing/2014/main" xmlns="" id="{5F5B7312-975A-4DBC-9B2F-3652ADA006FD}"/>
+                <a16:creationId xmlns="" xmlns:a16="http://schemas.microsoft.com/office/drawing/2014/main" id="{5F5B7312-975A-4DBC-9B2F-3652ADA006FD}"/>
               </a:ext>
             </a:extLst>
           </p:cNvPr>
@@ -4176,7 +4176,7 @@
           <p:cNvPr id="4" name="Espaço Reservado para Texto 3">
             <a:extLst>
               <a:ext uri="{FF2B5EF4-FFF2-40B4-BE49-F238E27FC236}">
-                <a16:creationId xmlns:a16="http://schemas.microsoft.com/office/drawing/2014/main" xmlns="" id="{AAF805F5-1DFF-41C6-944C-7D79FE0D0963}"/>
+                <a16:creationId xmlns="" xmlns:a16="http://schemas.microsoft.com/office/drawing/2014/main" id="{AAF805F5-1DFF-41C6-944C-7D79FE0D0963}"/>
               </a:ext>
             </a:extLst>
           </p:cNvPr>
@@ -4247,7 +4247,7 @@
           <p:cNvPr id="5" name="Espaço Reservado para Data 4">
             <a:extLst>
               <a:ext uri="{FF2B5EF4-FFF2-40B4-BE49-F238E27FC236}">
-                <a16:creationId xmlns:a16="http://schemas.microsoft.com/office/drawing/2014/main" xmlns="" id="{02113D81-8665-4516-BD81-C6A1F254EECD}"/>
+                <a16:creationId xmlns="" xmlns:a16="http://schemas.microsoft.com/office/drawing/2014/main" id="{02113D81-8665-4516-BD81-C6A1F254EECD}"/>
               </a:ext>
             </a:extLst>
           </p:cNvPr>
@@ -4265,7 +4265,7 @@
           <a:p>
             <a:fld id="{63289F7E-B80B-496E-81B4-D396C37C9454}" type="datetimeFigureOut">
               <a:rPr lang="pt-BR" smtClean="0"/>
-              <a:t>07/08/2021</a:t>
+              <a:t>11/08/2021</a:t>
             </a:fld>
             <a:endParaRPr lang="pt-BR"/>
           </a:p>
@@ -4276,7 +4276,7 @@
           <p:cNvPr id="6" name="Espaço Reservado para Rodapé 5">
             <a:extLst>
               <a:ext uri="{FF2B5EF4-FFF2-40B4-BE49-F238E27FC236}">
-                <a16:creationId xmlns:a16="http://schemas.microsoft.com/office/drawing/2014/main" xmlns="" id="{2B00C88B-FF32-40AA-A187-727D96FD7862}"/>
+                <a16:creationId xmlns="" xmlns:a16="http://schemas.microsoft.com/office/drawing/2014/main" id="{2B00C88B-FF32-40AA-A187-727D96FD7862}"/>
               </a:ext>
             </a:extLst>
           </p:cNvPr>
@@ -4301,7 +4301,7 @@
           <p:cNvPr id="7" name="Espaço Reservado para Número de Slide 6">
             <a:extLst>
               <a:ext uri="{FF2B5EF4-FFF2-40B4-BE49-F238E27FC236}">
-                <a16:creationId xmlns:a16="http://schemas.microsoft.com/office/drawing/2014/main" xmlns="" id="{A04D1A2D-69F7-4B8F-A730-BC26DC340BA6}"/>
+                <a16:creationId xmlns="" xmlns:a16="http://schemas.microsoft.com/office/drawing/2014/main" id="{A04D1A2D-69F7-4B8F-A730-BC26DC340BA6}"/>
               </a:ext>
             </a:extLst>
           </p:cNvPr>
@@ -4365,7 +4365,7 @@
           <p:cNvPr id="2" name="Espaço Reservado para Título 1">
             <a:extLst>
               <a:ext uri="{FF2B5EF4-FFF2-40B4-BE49-F238E27FC236}">
-                <a16:creationId xmlns:a16="http://schemas.microsoft.com/office/drawing/2014/main" xmlns="" id="{E69A0273-1966-4A1B-9370-4C1CE5036371}"/>
+                <a16:creationId xmlns="" xmlns:a16="http://schemas.microsoft.com/office/drawing/2014/main" id="{E69A0273-1966-4A1B-9370-4C1CE5036371}"/>
               </a:ext>
             </a:extLst>
           </p:cNvPr>
@@ -4403,7 +4403,7 @@
           <p:cNvPr id="3" name="Espaço Reservado para Texto 2">
             <a:extLst>
               <a:ext uri="{FF2B5EF4-FFF2-40B4-BE49-F238E27FC236}">
-                <a16:creationId xmlns:a16="http://schemas.microsoft.com/office/drawing/2014/main" xmlns="" id="{3B9CF87A-0448-49A7-AB25-EBC1D56A40EF}"/>
+                <a16:creationId xmlns="" xmlns:a16="http://schemas.microsoft.com/office/drawing/2014/main" id="{3B9CF87A-0448-49A7-AB25-EBC1D56A40EF}"/>
               </a:ext>
             </a:extLst>
           </p:cNvPr>
@@ -4470,7 +4470,7 @@
           <p:cNvPr id="4" name="Espaço Reservado para Data 3">
             <a:extLst>
               <a:ext uri="{FF2B5EF4-FFF2-40B4-BE49-F238E27FC236}">
-                <a16:creationId xmlns:a16="http://schemas.microsoft.com/office/drawing/2014/main" xmlns="" id="{2EF7B1F2-BB5A-44D0-816D-16AD2C71430E}"/>
+                <a16:creationId xmlns="" xmlns:a16="http://schemas.microsoft.com/office/drawing/2014/main" id="{2EF7B1F2-BB5A-44D0-816D-16AD2C71430E}"/>
               </a:ext>
             </a:extLst>
           </p:cNvPr>
@@ -4506,7 +4506,7 @@
           <a:p>
             <a:fld id="{63289F7E-B80B-496E-81B4-D396C37C9454}" type="datetimeFigureOut">
               <a:rPr lang="pt-BR" smtClean="0"/>
-              <a:t>07/08/2021</a:t>
+              <a:t>11/08/2021</a:t>
             </a:fld>
             <a:endParaRPr lang="pt-BR"/>
           </a:p>
@@ -4517,7 +4517,7 @@
           <p:cNvPr id="5" name="Espaço Reservado para Rodapé 4">
             <a:extLst>
               <a:ext uri="{FF2B5EF4-FFF2-40B4-BE49-F238E27FC236}">
-                <a16:creationId xmlns:a16="http://schemas.microsoft.com/office/drawing/2014/main" xmlns="" id="{C703F94C-2CC8-4DAA-BC35-14FC3E841DCD}"/>
+                <a16:creationId xmlns="" xmlns:a16="http://schemas.microsoft.com/office/drawing/2014/main" id="{C703F94C-2CC8-4DAA-BC35-14FC3E841DCD}"/>
               </a:ext>
             </a:extLst>
           </p:cNvPr>
@@ -4560,7 +4560,7 @@
           <p:cNvPr id="6" name="Espaço Reservado para Número de Slide 5">
             <a:extLst>
               <a:ext uri="{FF2B5EF4-FFF2-40B4-BE49-F238E27FC236}">
-                <a16:creationId xmlns:a16="http://schemas.microsoft.com/office/drawing/2014/main" xmlns="" id="{64051336-7048-457A-8B61-D94291D71648}"/>
+                <a16:creationId xmlns="" xmlns:a16="http://schemas.microsoft.com/office/drawing/2014/main" id="{64051336-7048-457A-8B61-D94291D71648}"/>
               </a:ext>
             </a:extLst>
           </p:cNvPr>
@@ -4928,7 +4928,7 @@
           <p:cNvPr id="2" name="Título 1">
             <a:extLst>
               <a:ext uri="{FF2B5EF4-FFF2-40B4-BE49-F238E27FC236}">
-                <a16:creationId xmlns:a16="http://schemas.microsoft.com/office/drawing/2014/main" xmlns="" id="{32666AC8-2E17-4DB4-B0F5-60C640CCFD2E}"/>
+                <a16:creationId xmlns="" xmlns:a16="http://schemas.microsoft.com/office/drawing/2014/main" id="{32666AC8-2E17-4DB4-B0F5-60C640CCFD2E}"/>
               </a:ext>
             </a:extLst>
           </p:cNvPr>
@@ -4975,7 +4975,7 @@
           <p:cNvPr id="4" name="CaixaDeTexto 3">
             <a:extLst>
               <a:ext uri="{FF2B5EF4-FFF2-40B4-BE49-F238E27FC236}">
-                <a16:creationId xmlns:a16="http://schemas.microsoft.com/office/drawing/2014/main" xmlns="" id="{430EB894-B7D4-434C-9D1A-A14094D9BEEC}"/>
+                <a16:creationId xmlns="" xmlns:a16="http://schemas.microsoft.com/office/drawing/2014/main" id="{430EB894-B7D4-434C-9D1A-A14094D9BEEC}"/>
               </a:ext>
             </a:extLst>
           </p:cNvPr>
@@ -5016,7 +5016,7 @@
           <p:cNvPr id="1026" name="Picture 2" descr="Logo">
             <a:extLst>
               <a:ext uri="{FF2B5EF4-FFF2-40B4-BE49-F238E27FC236}">
-                <a16:creationId xmlns:a16="http://schemas.microsoft.com/office/drawing/2014/main" xmlns="" id="{3F2642E0-4F6A-4196-8F58-E77D36E9A33F}"/>
+                <a16:creationId xmlns="" xmlns:a16="http://schemas.microsoft.com/office/drawing/2014/main" id="{3F2642E0-4F6A-4196-8F58-E77D36E9A33F}"/>
               </a:ext>
             </a:extLst>
           </p:cNvPr>
@@ -5061,7 +5061,7 @@
           <p:cNvPr id="5122" name="Picture 2" descr="Image result for machine learning">
             <a:extLst>
               <a:ext uri="{FF2B5EF4-FFF2-40B4-BE49-F238E27FC236}">
-                <a16:creationId xmlns:a16="http://schemas.microsoft.com/office/drawing/2014/main" xmlns="" id="{810CE0A2-4102-44A6-A370-175E7896CDCB}"/>
+                <a16:creationId xmlns="" xmlns:a16="http://schemas.microsoft.com/office/drawing/2014/main" id="{810CE0A2-4102-44A6-A370-175E7896CDCB}"/>
               </a:ext>
             </a:extLst>
           </p:cNvPr>
@@ -7934,8 +7934,8 @@
           </a:p>
         </p:txBody>
       </p:sp>
-      <mc:AlternateContent xmlns:mc="http://schemas.openxmlformats.org/markup-compatibility/2006" xmlns:a14="http://schemas.microsoft.com/office/drawing/2010/main">
-        <mc:Choice Requires="a14">
+      <mc:AlternateContent xmlns:mc="http://schemas.openxmlformats.org/markup-compatibility/2006">
+        <mc:Choice xmlns:a14="http://schemas.microsoft.com/office/drawing/2010/main" Requires="a14">
           <p:sp>
             <p:nvSpPr>
               <p:cNvPr id="3" name="Content Placeholder 2"/>
@@ -8150,8 +8150,16 @@
               </a:p>
               <a:p>
                 <a:r>
+                  <a:rPr lang="pt-BR" dirty="0" smtClean="0"/>
+                  <a:t>Uma </a:t>
+                </a:r>
+                <a:r>
+                  <a:rPr lang="pt-BR" b="1" i="1" dirty="0"/>
+                  <a:t>f</a:t>
+                </a:r>
+                <a:r>
                   <a:rPr lang="pt-BR" b="1" i="1" dirty="0" smtClean="0"/>
-                  <a:t>Fronteiras </a:t>
+                  <a:t>ronteira </a:t>
                 </a:r>
                 <a:r>
                   <a:rPr lang="pt-BR" b="1" i="1" dirty="0"/>
@@ -8159,19 +8167,11 @@
                 </a:r>
                 <a:r>
                   <a:rPr lang="pt-BR" dirty="0" smtClean="0"/>
-                  <a:t>correspondem </a:t>
-                </a:r>
-                <a:r>
-                  <a:rPr lang="pt-BR" dirty="0"/>
-                  <a:t>a </a:t>
+                  <a:t>corresponde a uma </a:t>
                 </a:r>
                 <a:r>
                   <a:rPr lang="pt-BR" b="1" i="1" dirty="0" smtClean="0"/>
-                  <a:t>superfícies </a:t>
-                </a:r>
-                <a:r>
-                  <a:rPr lang="pt-BR" b="1" i="1" dirty="0"/>
-                  <a:t>de </a:t>
+                  <a:t>superfície de </a:t>
                 </a:r>
                 <a:r>
                   <a:rPr lang="pt-BR" b="1" i="1" dirty="0" smtClean="0"/>
@@ -8228,8 +8228,16 @@
                   <a:t>As </a:t>
                 </a:r>
                 <a:r>
+                  <a:rPr lang="pt-BR" b="1" i="1" dirty="0" smtClean="0"/>
+                  <a:t>superfícies </a:t>
+                </a:r>
+                <a:r>
                   <a:rPr lang="pt-BR" b="1" i="1" dirty="0"/>
-                  <a:t>fronteiras de decisão</a:t>
+                  <a:t>de </a:t>
+                </a:r>
+                <a:r>
+                  <a:rPr lang="pt-BR" b="1" i="1" dirty="0"/>
+                  <a:t>decisão</a:t>
                 </a:r>
                 <a:r>
                   <a:rPr lang="pt-BR" dirty="0"/>
@@ -8270,8 +8278,16 @@
                   <a:t>As </a:t>
                 </a:r>
                 <a:r>
+                  <a:rPr lang="pt-BR" b="1" i="1" dirty="0" smtClean="0"/>
+                  <a:t>superfícies </a:t>
+                </a:r>
+                <a:r>
                   <a:rPr lang="pt-BR" b="1" i="1" dirty="0"/>
-                  <a:t>fronteiras de decisão </a:t>
+                  <a:t>de </a:t>
+                </a:r>
+                <a:r>
+                  <a:rPr lang="pt-BR" b="1" i="1" dirty="0"/>
+                  <a:t>decisão </a:t>
                 </a:r>
                 <a:r>
                   <a:rPr lang="pt-BR" dirty="0"/>
@@ -8367,7 +8383,7 @@
             </p:txBody>
           </p:sp>
         </mc:Choice>
-        <mc:Fallback xmlns="">
+        <mc:Fallback>
           <p:sp>
             <p:nvSpPr>
               <p:cNvPr id="3" name="Content Placeholder 2"/>
@@ -9481,7 +9497,7 @@
       </mc:AlternateContent>
       <p:pic>
         <p:nvPicPr>
-          <p:cNvPr id="26" name="Picture 25"/>
+          <p:cNvPr id="4" name="Picture 3"/>
           <p:cNvPicPr>
             <a:picLocks noChangeAspect="1"/>
           </p:cNvPicPr>
@@ -9495,13 +9511,13 @@
               </a:ext>
             </a:extLst>
           </a:blip>
-          <a:srcRect l="6544" t="2535" r="7819" b="1054"/>
+          <a:srcRect l="6368" t="2623" r="7430" b="1353"/>
           <a:stretch/>
         </p:blipFill>
         <p:spPr>
           <a:xfrm>
-            <a:off x="9383151" y="2650331"/>
-            <a:ext cx="2785403" cy="3233058"/>
+            <a:off x="9350220" y="2475914"/>
+            <a:ext cx="2841780" cy="3263704"/>
           </a:xfrm>
           <a:prstGeom prst="rect">
             <a:avLst/>
@@ -9785,7 +9801,15 @@
               <a:p>
                 <a:r>
                   <a:rPr lang="pt-BR" dirty="0" smtClean="0"/>
-                  <a:t>Qual formato deve ter esta função discriminante?</a:t>
+                  <a:t>Qual formato deve ter esta </a:t>
+                </a:r>
+                <a:r>
+                  <a:rPr lang="pt-BR" b="1" i="1" dirty="0" smtClean="0"/>
+                  <a:t>função discriminante</a:t>
+                </a:r>
+                <a:r>
+                  <a:rPr lang="pt-BR" dirty="0" smtClean="0"/>
+                  <a:t>?</a:t>
                 </a:r>
               </a:p>
               <a:p>
@@ -12226,8 +12250,8 @@
           </p:sp>
         </mc:Fallback>
       </mc:AlternateContent>
-      <mc:AlternateContent xmlns:mc="http://schemas.openxmlformats.org/markup-compatibility/2006">
-        <mc:Choice xmlns:a14="http://schemas.microsoft.com/office/drawing/2010/main" Requires="a14">
+      <mc:AlternateContent xmlns:mc="http://schemas.openxmlformats.org/markup-compatibility/2006" xmlns:a14="http://schemas.microsoft.com/office/drawing/2010/main">
+        <mc:Choice Requires="a14">
           <p:sp>
             <p:nvSpPr>
               <p:cNvPr id="3" name="Content Placeholder 2"/>
@@ -12476,7 +12500,7 @@
             </p:txBody>
           </p:sp>
         </mc:Choice>
-        <mc:Fallback>
+        <mc:Fallback xmlns="">
           <p:sp>
             <p:nvSpPr>
               <p:cNvPr id="3" name="Content Placeholder 2"/>
@@ -15540,8 +15564,8 @@
           </p:sp>
         </mc:Fallback>
       </mc:AlternateContent>
-      <mc:AlternateContent xmlns:mc="http://schemas.openxmlformats.org/markup-compatibility/2006">
-        <mc:Choice xmlns:a14="http://schemas.microsoft.com/office/drawing/2010/main" Requires="a14">
+      <mc:AlternateContent xmlns:mc="http://schemas.openxmlformats.org/markup-compatibility/2006" xmlns:a14="http://schemas.microsoft.com/office/drawing/2010/main">
+        <mc:Choice Requires="a14">
           <p:sp>
             <p:nvSpPr>
               <p:cNvPr id="3" name="Content Placeholder 2"/>
@@ -16678,7 +16702,7 @@
             </p:txBody>
           </p:sp>
         </mc:Choice>
-        <mc:Fallback>
+        <mc:Fallback xmlns="">
           <p:sp>
             <p:nvSpPr>
               <p:cNvPr id="3" name="Content Placeholder 2"/>
@@ -19764,7 +19788,7 @@
           <p:cNvPr id="4" name="Título 1">
             <a:extLst>
               <a:ext uri="{FF2B5EF4-FFF2-40B4-BE49-F238E27FC236}">
-                <a16:creationId xmlns:a16="http://schemas.microsoft.com/office/drawing/2014/main" xmlns="" id="{32666AC8-2E17-4DB4-B0F5-60C640CCFD2E}"/>
+                <a16:creationId xmlns="" xmlns:a16="http://schemas.microsoft.com/office/drawing/2014/main" id="{32666AC8-2E17-4DB4-B0F5-60C640CCFD2E}"/>
               </a:ext>
             </a:extLst>
           </p:cNvPr>
@@ -25922,8 +25946,8 @@
             </p:sp>
           </mc:Fallback>
         </mc:AlternateContent>
-        <mc:AlternateContent xmlns:mc="http://schemas.openxmlformats.org/markup-compatibility/2006" xmlns:a14="http://schemas.microsoft.com/office/drawing/2010/main">
-          <mc:Choice Requires="a14">
+        <mc:AlternateContent xmlns:mc="http://schemas.openxmlformats.org/markup-compatibility/2006">
+          <mc:Choice xmlns:a14="http://schemas.microsoft.com/office/drawing/2010/main" Requires="a14">
             <p:sp>
               <p:nvSpPr>
                 <p:cNvPr id="28" name="Rectangle 27"/>
@@ -25947,12 +25971,16 @@
                 <a:p>
                   <a:pPr algn="ctr"/>
                   <a:r>
-                    <a:rPr lang="pt-BR" dirty="0"/>
-                    <a:t>f</a:t>
+                    <a:rPr lang="pt-BR" dirty="0" smtClean="0"/>
+                    <a:t>Superfície </a:t>
                   </a:r>
                   <a:r>
                     <a:rPr lang="pt-BR" b="0" dirty="0" smtClean="0"/>
-                    <a:t>ronteira de decisão, </a:t>
+                    <a:t>de </a:t>
+                  </a:r>
+                  <a:r>
+                    <a:rPr lang="pt-BR" b="0" dirty="0" smtClean="0"/>
+                    <a:t>decisão, </a:t>
                   </a:r>
                 </a:p>
                 <a:p>
@@ -26007,7 +26035,7 @@
               </p:txBody>
             </p:sp>
           </mc:Choice>
-          <mc:Fallback xmlns="">
+          <mc:Fallback>
             <p:sp>
               <p:nvSpPr>
                 <p:cNvPr id="28" name="Rectangle 27"/>
@@ -28931,7 +28959,7 @@
           <p:cNvPr id="2" name="Título 1">
             <a:extLst>
               <a:ext uri="{FF2B5EF4-FFF2-40B4-BE49-F238E27FC236}">
-                <a16:creationId xmlns:a16="http://schemas.microsoft.com/office/drawing/2014/main" xmlns="" id="{C4F48192-B348-4C3E-8621-D3755D2230F8}"/>
+                <a16:creationId xmlns="" xmlns:a16="http://schemas.microsoft.com/office/drawing/2014/main" id="{C4F48192-B348-4C3E-8621-D3755D2230F8}"/>
               </a:ext>
             </a:extLst>
           </p:cNvPr>
@@ -28968,7 +28996,7 @@
           <p:cNvPr id="3" name="Espaço Reservado para Conteúdo 2">
             <a:extLst>
               <a:ext uri="{FF2B5EF4-FFF2-40B4-BE49-F238E27FC236}">
-                <a16:creationId xmlns:a16="http://schemas.microsoft.com/office/drawing/2014/main" xmlns="" id="{E3DECB90-AFD9-4AC6-A356-C93A7442A6E6}"/>
+                <a16:creationId xmlns="" xmlns:a16="http://schemas.microsoft.com/office/drawing/2014/main" id="{E3DECB90-AFD9-4AC6-A356-C93A7442A6E6}"/>
               </a:ext>
             </a:extLst>
           </p:cNvPr>
@@ -29122,7 +29150,7 @@
           <p:cNvPr id="3074" name="Picture 2" descr="Image result for machine learning">
             <a:extLst>
               <a:ext uri="{FF2B5EF4-FFF2-40B4-BE49-F238E27FC236}">
-                <a16:creationId xmlns:a16="http://schemas.microsoft.com/office/drawing/2014/main" xmlns="" id="{78A93243-9634-4B0E-B1B2-37A218EAEADD}"/>
+                <a16:creationId xmlns="" xmlns:a16="http://schemas.microsoft.com/office/drawing/2014/main" id="{78A93243-9634-4B0E-B1B2-37A218EAEADD}"/>
               </a:ext>
             </a:extLst>
           </p:cNvPr>
@@ -29500,7 +29528,7 @@
           <p:cNvPr id="2" name="Título 1">
             <a:extLst>
               <a:ext uri="{FF2B5EF4-FFF2-40B4-BE49-F238E27FC236}">
-                <a16:creationId xmlns:a16="http://schemas.microsoft.com/office/drawing/2014/main" xmlns="" id="{A2A4684C-1159-4F88-A2B1-6BABEDE38C4D}"/>
+                <a16:creationId xmlns="" xmlns:a16="http://schemas.microsoft.com/office/drawing/2014/main" id="{A2A4684C-1159-4F88-A2B1-6BABEDE38C4D}"/>
               </a:ext>
             </a:extLst>
           </p:cNvPr>
@@ -29528,7 +29556,7 @@
           <p:cNvPr id="3" name="Espaço Reservado para Conteúdo 2">
             <a:extLst>
               <a:ext uri="{FF2B5EF4-FFF2-40B4-BE49-F238E27FC236}">
-                <a16:creationId xmlns:a16="http://schemas.microsoft.com/office/drawing/2014/main" xmlns="" id="{EC432B31-D382-41FF-BB6B-2ABDD322424B}"/>
+                <a16:creationId xmlns="" xmlns:a16="http://schemas.microsoft.com/office/drawing/2014/main" id="{EC432B31-D382-41FF-BB6B-2ABDD322424B}"/>
               </a:ext>
             </a:extLst>
           </p:cNvPr>
@@ -30234,7 +30262,7 @@
           <p:cNvPr id="6" name="Picture 5" descr="Image result for supervised learning">
             <a:extLst>
               <a:ext uri="{FF2B5EF4-FFF2-40B4-BE49-F238E27FC236}">
-                <a16:creationId xmlns:a16="http://schemas.microsoft.com/office/drawing/2014/main" xmlns="" id="{2520F4EA-1E3E-4F3B-97C0-DF47861DCD42}"/>
+                <a16:creationId xmlns="" xmlns:a16="http://schemas.microsoft.com/office/drawing/2014/main" id="{2520F4EA-1E3E-4F3B-97C0-DF47861DCD42}"/>
               </a:ext>
             </a:extLst>
           </p:cNvPr>

--- a/slides/T320_Classificação (Parte I).pptx
+++ b/slides/T320_Classificação (Parte I).pptx
@@ -296,7 +296,7 @@
           <a:p>
             <a:fld id="{144F1436-6906-4D93-B7A2-786C327BFA14}" type="datetimeFigureOut">
               <a:rPr lang="nl-BE" smtClean="0"/>
-              <a:t>11/08/2021</a:t>
+              <a:t>22/09/2021</a:t>
             </a:fld>
             <a:endParaRPr lang="nl-BE"/>
           </a:p>
@@ -461,7 +461,7 @@
           <a:p>
             <a:fld id="{AA8CD09E-2914-4F47-B6C1-51B2C31814C9}" type="datetimeFigureOut">
               <a:rPr lang="pt-BR" smtClean="0"/>
-              <a:t>11/08/2021</a:t>
+              <a:t>22/09/2021</a:t>
             </a:fld>
             <a:endParaRPr lang="pt-BR"/>
           </a:p>
@@ -1731,7 +1731,7 @@
           <p:cNvPr id="2" name="Título 1">
             <a:extLst>
               <a:ext uri="{FF2B5EF4-FFF2-40B4-BE49-F238E27FC236}">
-                <a16:creationId xmlns="" xmlns:a16="http://schemas.microsoft.com/office/drawing/2014/main" id="{1DB9B4FF-B06E-403C-A326-BDC64D8FF94E}"/>
+                <a16:creationId xmlns:a16="http://schemas.microsoft.com/office/drawing/2014/main" xmlns="" id="{1DB9B4FF-B06E-403C-A326-BDC64D8FF94E}"/>
               </a:ext>
             </a:extLst>
           </p:cNvPr>
@@ -1768,7 +1768,7 @@
           <p:cNvPr id="3" name="Subtítulo 2">
             <a:extLst>
               <a:ext uri="{FF2B5EF4-FFF2-40B4-BE49-F238E27FC236}">
-                <a16:creationId xmlns="" xmlns:a16="http://schemas.microsoft.com/office/drawing/2014/main" id="{247BDFCE-746E-45BF-A319-4733D58D1632}"/>
+                <a16:creationId xmlns:a16="http://schemas.microsoft.com/office/drawing/2014/main" xmlns="" id="{247BDFCE-746E-45BF-A319-4733D58D1632}"/>
               </a:ext>
             </a:extLst>
           </p:cNvPr>
@@ -1838,7 +1838,7 @@
           <p:cNvPr id="4" name="Espaço Reservado para Data 3">
             <a:extLst>
               <a:ext uri="{FF2B5EF4-FFF2-40B4-BE49-F238E27FC236}">
-                <a16:creationId xmlns="" xmlns:a16="http://schemas.microsoft.com/office/drawing/2014/main" id="{9EDE2778-5372-4104-B96D-968184DA8288}"/>
+                <a16:creationId xmlns:a16="http://schemas.microsoft.com/office/drawing/2014/main" xmlns="" id="{9EDE2778-5372-4104-B96D-968184DA8288}"/>
               </a:ext>
             </a:extLst>
           </p:cNvPr>
@@ -1856,7 +1856,7 @@
           <a:p>
             <a:fld id="{63289F7E-B80B-496E-81B4-D396C37C9454}" type="datetimeFigureOut">
               <a:rPr lang="pt-BR" smtClean="0"/>
-              <a:t>11/08/2021</a:t>
+              <a:t>22/09/2021</a:t>
             </a:fld>
             <a:endParaRPr lang="pt-BR"/>
           </a:p>
@@ -1867,7 +1867,7 @@
           <p:cNvPr id="5" name="Espaço Reservado para Rodapé 4">
             <a:extLst>
               <a:ext uri="{FF2B5EF4-FFF2-40B4-BE49-F238E27FC236}">
-                <a16:creationId xmlns="" xmlns:a16="http://schemas.microsoft.com/office/drawing/2014/main" id="{C1DD0F41-C861-4051-988D-3024A37A4B93}"/>
+                <a16:creationId xmlns:a16="http://schemas.microsoft.com/office/drawing/2014/main" xmlns="" id="{C1DD0F41-C861-4051-988D-3024A37A4B93}"/>
               </a:ext>
             </a:extLst>
           </p:cNvPr>
@@ -1892,7 +1892,7 @@
           <p:cNvPr id="6" name="Espaço Reservado para Número de Slide 5">
             <a:extLst>
               <a:ext uri="{FF2B5EF4-FFF2-40B4-BE49-F238E27FC236}">
-                <a16:creationId xmlns="" xmlns:a16="http://schemas.microsoft.com/office/drawing/2014/main" id="{07E5967E-D980-431A-A5DB-3F0C5030A81E}"/>
+                <a16:creationId xmlns:a16="http://schemas.microsoft.com/office/drawing/2014/main" xmlns="" id="{07E5967E-D980-431A-A5DB-3F0C5030A81E}"/>
               </a:ext>
             </a:extLst>
           </p:cNvPr>
@@ -1951,7 +1951,7 @@
           <p:cNvPr id="2" name="Título 1">
             <a:extLst>
               <a:ext uri="{FF2B5EF4-FFF2-40B4-BE49-F238E27FC236}">
-                <a16:creationId xmlns="" xmlns:a16="http://schemas.microsoft.com/office/drawing/2014/main" id="{9036C49F-3E68-4175-81BA-3C3FEE44308A}"/>
+                <a16:creationId xmlns:a16="http://schemas.microsoft.com/office/drawing/2014/main" xmlns="" id="{9036C49F-3E68-4175-81BA-3C3FEE44308A}"/>
               </a:ext>
             </a:extLst>
           </p:cNvPr>
@@ -1979,7 +1979,7 @@
           <p:cNvPr id="3" name="Espaço Reservado para Texto Vertical 2">
             <a:extLst>
               <a:ext uri="{FF2B5EF4-FFF2-40B4-BE49-F238E27FC236}">
-                <a16:creationId xmlns="" xmlns:a16="http://schemas.microsoft.com/office/drawing/2014/main" id="{426FA736-3DD3-4D4E-B57B-BBE1D8F7D424}"/>
+                <a16:creationId xmlns:a16="http://schemas.microsoft.com/office/drawing/2014/main" xmlns="" id="{426FA736-3DD3-4D4E-B57B-BBE1D8F7D424}"/>
               </a:ext>
             </a:extLst>
           </p:cNvPr>
@@ -2036,7 +2036,7 @@
           <p:cNvPr id="4" name="Espaço Reservado para Data 3">
             <a:extLst>
               <a:ext uri="{FF2B5EF4-FFF2-40B4-BE49-F238E27FC236}">
-                <a16:creationId xmlns="" xmlns:a16="http://schemas.microsoft.com/office/drawing/2014/main" id="{99E8855C-D8FD-48F6-B14E-861E0DE4D915}"/>
+                <a16:creationId xmlns:a16="http://schemas.microsoft.com/office/drawing/2014/main" xmlns="" id="{99E8855C-D8FD-48F6-B14E-861E0DE4D915}"/>
               </a:ext>
             </a:extLst>
           </p:cNvPr>
@@ -2054,7 +2054,7 @@
           <a:p>
             <a:fld id="{63289F7E-B80B-496E-81B4-D396C37C9454}" type="datetimeFigureOut">
               <a:rPr lang="pt-BR" smtClean="0"/>
-              <a:t>11/08/2021</a:t>
+              <a:t>22/09/2021</a:t>
             </a:fld>
             <a:endParaRPr lang="pt-BR"/>
           </a:p>
@@ -2065,7 +2065,7 @@
           <p:cNvPr id="5" name="Espaço Reservado para Rodapé 4">
             <a:extLst>
               <a:ext uri="{FF2B5EF4-FFF2-40B4-BE49-F238E27FC236}">
-                <a16:creationId xmlns="" xmlns:a16="http://schemas.microsoft.com/office/drawing/2014/main" id="{97C0BB88-2F21-42A5-ACFF-83DA47F2D340}"/>
+                <a16:creationId xmlns:a16="http://schemas.microsoft.com/office/drawing/2014/main" xmlns="" id="{97C0BB88-2F21-42A5-ACFF-83DA47F2D340}"/>
               </a:ext>
             </a:extLst>
           </p:cNvPr>
@@ -2090,7 +2090,7 @@
           <p:cNvPr id="6" name="Espaço Reservado para Número de Slide 5">
             <a:extLst>
               <a:ext uri="{FF2B5EF4-FFF2-40B4-BE49-F238E27FC236}">
-                <a16:creationId xmlns="" xmlns:a16="http://schemas.microsoft.com/office/drawing/2014/main" id="{6CB462B3-1F22-4C05-B4B8-7A279FB7D5E9}"/>
+                <a16:creationId xmlns:a16="http://schemas.microsoft.com/office/drawing/2014/main" xmlns="" id="{6CB462B3-1F22-4C05-B4B8-7A279FB7D5E9}"/>
               </a:ext>
             </a:extLst>
           </p:cNvPr>
@@ -2149,7 +2149,7 @@
           <p:cNvPr id="2" name="Título Vertical 1">
             <a:extLst>
               <a:ext uri="{FF2B5EF4-FFF2-40B4-BE49-F238E27FC236}">
-                <a16:creationId xmlns="" xmlns:a16="http://schemas.microsoft.com/office/drawing/2014/main" id="{EAEAB728-701C-4207-A9D5-23FF45C60502}"/>
+                <a16:creationId xmlns:a16="http://schemas.microsoft.com/office/drawing/2014/main" xmlns="" id="{EAEAB728-701C-4207-A9D5-23FF45C60502}"/>
               </a:ext>
             </a:extLst>
           </p:cNvPr>
@@ -2182,7 +2182,7 @@
           <p:cNvPr id="3" name="Espaço Reservado para Texto Vertical 2">
             <a:extLst>
               <a:ext uri="{FF2B5EF4-FFF2-40B4-BE49-F238E27FC236}">
-                <a16:creationId xmlns="" xmlns:a16="http://schemas.microsoft.com/office/drawing/2014/main" id="{BA8C8CCF-7823-480A-9A19-0F664DD17E3B}"/>
+                <a16:creationId xmlns:a16="http://schemas.microsoft.com/office/drawing/2014/main" xmlns="" id="{BA8C8CCF-7823-480A-9A19-0F664DD17E3B}"/>
               </a:ext>
             </a:extLst>
           </p:cNvPr>
@@ -2244,7 +2244,7 @@
           <p:cNvPr id="4" name="Espaço Reservado para Data 3">
             <a:extLst>
               <a:ext uri="{FF2B5EF4-FFF2-40B4-BE49-F238E27FC236}">
-                <a16:creationId xmlns="" xmlns:a16="http://schemas.microsoft.com/office/drawing/2014/main" id="{721D5734-7B1F-425D-942F-6EB73344027C}"/>
+                <a16:creationId xmlns:a16="http://schemas.microsoft.com/office/drawing/2014/main" xmlns="" id="{721D5734-7B1F-425D-942F-6EB73344027C}"/>
               </a:ext>
             </a:extLst>
           </p:cNvPr>
@@ -2262,7 +2262,7 @@
           <a:p>
             <a:fld id="{63289F7E-B80B-496E-81B4-D396C37C9454}" type="datetimeFigureOut">
               <a:rPr lang="pt-BR" smtClean="0"/>
-              <a:t>11/08/2021</a:t>
+              <a:t>22/09/2021</a:t>
             </a:fld>
             <a:endParaRPr lang="pt-BR"/>
           </a:p>
@@ -2273,7 +2273,7 @@
           <p:cNvPr id="5" name="Espaço Reservado para Rodapé 4">
             <a:extLst>
               <a:ext uri="{FF2B5EF4-FFF2-40B4-BE49-F238E27FC236}">
-                <a16:creationId xmlns="" xmlns:a16="http://schemas.microsoft.com/office/drawing/2014/main" id="{1E1AAEAC-F08D-45FE-89EC-B1B349A868C9}"/>
+                <a16:creationId xmlns:a16="http://schemas.microsoft.com/office/drawing/2014/main" xmlns="" id="{1E1AAEAC-F08D-45FE-89EC-B1B349A868C9}"/>
               </a:ext>
             </a:extLst>
           </p:cNvPr>
@@ -2298,7 +2298,7 @@
           <p:cNvPr id="6" name="Espaço Reservado para Número de Slide 5">
             <a:extLst>
               <a:ext uri="{FF2B5EF4-FFF2-40B4-BE49-F238E27FC236}">
-                <a16:creationId xmlns="" xmlns:a16="http://schemas.microsoft.com/office/drawing/2014/main" id="{BAA44493-9911-47B2-87A6-C2141A972BC8}"/>
+                <a16:creationId xmlns:a16="http://schemas.microsoft.com/office/drawing/2014/main" xmlns="" id="{BAA44493-9911-47B2-87A6-C2141A972BC8}"/>
               </a:ext>
             </a:extLst>
           </p:cNvPr>
@@ -2357,7 +2357,7 @@
           <p:cNvPr id="2" name="Título 1">
             <a:extLst>
               <a:ext uri="{FF2B5EF4-FFF2-40B4-BE49-F238E27FC236}">
-                <a16:creationId xmlns="" xmlns:a16="http://schemas.microsoft.com/office/drawing/2014/main" id="{71BD44A5-8F21-4626-A01D-48A1C874B1D5}"/>
+                <a16:creationId xmlns:a16="http://schemas.microsoft.com/office/drawing/2014/main" xmlns="" id="{71BD44A5-8F21-4626-A01D-48A1C874B1D5}"/>
               </a:ext>
             </a:extLst>
           </p:cNvPr>
@@ -2385,7 +2385,7 @@
           <p:cNvPr id="3" name="Espaço Reservado para Conteúdo 2">
             <a:extLst>
               <a:ext uri="{FF2B5EF4-FFF2-40B4-BE49-F238E27FC236}">
-                <a16:creationId xmlns="" xmlns:a16="http://schemas.microsoft.com/office/drawing/2014/main" id="{B79E8085-65A9-48AA-951D-71D978BFF4ED}"/>
+                <a16:creationId xmlns:a16="http://schemas.microsoft.com/office/drawing/2014/main" xmlns="" id="{B79E8085-65A9-48AA-951D-71D978BFF4ED}"/>
               </a:ext>
             </a:extLst>
           </p:cNvPr>
@@ -2442,7 +2442,7 @@
           <p:cNvPr id="4" name="Espaço Reservado para Data 3">
             <a:extLst>
               <a:ext uri="{FF2B5EF4-FFF2-40B4-BE49-F238E27FC236}">
-                <a16:creationId xmlns="" xmlns:a16="http://schemas.microsoft.com/office/drawing/2014/main" id="{F05BE1AF-51EA-425D-B188-DE7BD675009F}"/>
+                <a16:creationId xmlns:a16="http://schemas.microsoft.com/office/drawing/2014/main" xmlns="" id="{F05BE1AF-51EA-425D-B188-DE7BD675009F}"/>
               </a:ext>
             </a:extLst>
           </p:cNvPr>
@@ -2460,7 +2460,7 @@
           <a:p>
             <a:fld id="{63289F7E-B80B-496E-81B4-D396C37C9454}" type="datetimeFigureOut">
               <a:rPr lang="pt-BR" smtClean="0"/>
-              <a:t>11/08/2021</a:t>
+              <a:t>22/09/2021</a:t>
             </a:fld>
             <a:endParaRPr lang="pt-BR"/>
           </a:p>
@@ -2471,7 +2471,7 @@
           <p:cNvPr id="5" name="Espaço Reservado para Rodapé 4">
             <a:extLst>
               <a:ext uri="{FF2B5EF4-FFF2-40B4-BE49-F238E27FC236}">
-                <a16:creationId xmlns="" xmlns:a16="http://schemas.microsoft.com/office/drawing/2014/main" id="{121BE632-29CF-4CB9-B365-C9EF38F89BE6}"/>
+                <a16:creationId xmlns:a16="http://schemas.microsoft.com/office/drawing/2014/main" xmlns="" id="{121BE632-29CF-4CB9-B365-C9EF38F89BE6}"/>
               </a:ext>
             </a:extLst>
           </p:cNvPr>
@@ -2496,7 +2496,7 @@
           <p:cNvPr id="6" name="Espaço Reservado para Número de Slide 5">
             <a:extLst>
               <a:ext uri="{FF2B5EF4-FFF2-40B4-BE49-F238E27FC236}">
-                <a16:creationId xmlns="" xmlns:a16="http://schemas.microsoft.com/office/drawing/2014/main" id="{60CF3DD1-9AEC-4A57-B461-4E4DD86FAC18}"/>
+                <a16:creationId xmlns:a16="http://schemas.microsoft.com/office/drawing/2014/main" xmlns="" id="{60CF3DD1-9AEC-4A57-B461-4E4DD86FAC18}"/>
               </a:ext>
             </a:extLst>
           </p:cNvPr>
@@ -2555,7 +2555,7 @@
           <p:cNvPr id="2" name="Título 1">
             <a:extLst>
               <a:ext uri="{FF2B5EF4-FFF2-40B4-BE49-F238E27FC236}">
-                <a16:creationId xmlns="" xmlns:a16="http://schemas.microsoft.com/office/drawing/2014/main" id="{34AB2FF0-A4D7-4E28-991D-FF26140D5988}"/>
+                <a16:creationId xmlns:a16="http://schemas.microsoft.com/office/drawing/2014/main" xmlns="" id="{34AB2FF0-A4D7-4E28-991D-FF26140D5988}"/>
               </a:ext>
             </a:extLst>
           </p:cNvPr>
@@ -2592,7 +2592,7 @@
           <p:cNvPr id="3" name="Espaço Reservado para Texto 2">
             <a:extLst>
               <a:ext uri="{FF2B5EF4-FFF2-40B4-BE49-F238E27FC236}">
-                <a16:creationId xmlns="" xmlns:a16="http://schemas.microsoft.com/office/drawing/2014/main" id="{E2AC45B0-4145-40DB-8E61-105461170604}"/>
+                <a16:creationId xmlns:a16="http://schemas.microsoft.com/office/drawing/2014/main" xmlns="" id="{E2AC45B0-4145-40DB-8E61-105461170604}"/>
               </a:ext>
             </a:extLst>
           </p:cNvPr>
@@ -2717,7 +2717,7 @@
           <p:cNvPr id="4" name="Espaço Reservado para Data 3">
             <a:extLst>
               <a:ext uri="{FF2B5EF4-FFF2-40B4-BE49-F238E27FC236}">
-                <a16:creationId xmlns="" xmlns:a16="http://schemas.microsoft.com/office/drawing/2014/main" id="{50F1D3FB-740A-4EBA-A309-2CE71D12ECFB}"/>
+                <a16:creationId xmlns:a16="http://schemas.microsoft.com/office/drawing/2014/main" xmlns="" id="{50F1D3FB-740A-4EBA-A309-2CE71D12ECFB}"/>
               </a:ext>
             </a:extLst>
           </p:cNvPr>
@@ -2735,7 +2735,7 @@
           <a:p>
             <a:fld id="{63289F7E-B80B-496E-81B4-D396C37C9454}" type="datetimeFigureOut">
               <a:rPr lang="pt-BR" smtClean="0"/>
-              <a:t>11/08/2021</a:t>
+              <a:t>22/09/2021</a:t>
             </a:fld>
             <a:endParaRPr lang="pt-BR"/>
           </a:p>
@@ -2746,7 +2746,7 @@
           <p:cNvPr id="5" name="Espaço Reservado para Rodapé 4">
             <a:extLst>
               <a:ext uri="{FF2B5EF4-FFF2-40B4-BE49-F238E27FC236}">
-                <a16:creationId xmlns="" xmlns:a16="http://schemas.microsoft.com/office/drawing/2014/main" id="{BDCAB18F-8715-4465-A940-F9C193A2ACE9}"/>
+                <a16:creationId xmlns:a16="http://schemas.microsoft.com/office/drawing/2014/main" xmlns="" id="{BDCAB18F-8715-4465-A940-F9C193A2ACE9}"/>
               </a:ext>
             </a:extLst>
           </p:cNvPr>
@@ -2771,7 +2771,7 @@
           <p:cNvPr id="6" name="Espaço Reservado para Número de Slide 5">
             <a:extLst>
               <a:ext uri="{FF2B5EF4-FFF2-40B4-BE49-F238E27FC236}">
-                <a16:creationId xmlns="" xmlns:a16="http://schemas.microsoft.com/office/drawing/2014/main" id="{353466C6-8248-429F-8056-FF040BF509EB}"/>
+                <a16:creationId xmlns:a16="http://schemas.microsoft.com/office/drawing/2014/main" xmlns="" id="{353466C6-8248-429F-8056-FF040BF509EB}"/>
               </a:ext>
             </a:extLst>
           </p:cNvPr>
@@ -2830,7 +2830,7 @@
           <p:cNvPr id="2" name="Título 1">
             <a:extLst>
               <a:ext uri="{FF2B5EF4-FFF2-40B4-BE49-F238E27FC236}">
-                <a16:creationId xmlns="" xmlns:a16="http://schemas.microsoft.com/office/drawing/2014/main" id="{BC7BB9F0-F14B-4A91-B2B7-35BC47FE4DE7}"/>
+                <a16:creationId xmlns:a16="http://schemas.microsoft.com/office/drawing/2014/main" xmlns="" id="{BC7BB9F0-F14B-4A91-B2B7-35BC47FE4DE7}"/>
               </a:ext>
             </a:extLst>
           </p:cNvPr>
@@ -2858,7 +2858,7 @@
           <p:cNvPr id="3" name="Espaço Reservado para Conteúdo 2">
             <a:extLst>
               <a:ext uri="{FF2B5EF4-FFF2-40B4-BE49-F238E27FC236}">
-                <a16:creationId xmlns="" xmlns:a16="http://schemas.microsoft.com/office/drawing/2014/main" id="{EC1FC1C4-73DA-47A6-8496-B0B457F7D39A}"/>
+                <a16:creationId xmlns:a16="http://schemas.microsoft.com/office/drawing/2014/main" xmlns="" id="{EC1FC1C4-73DA-47A6-8496-B0B457F7D39A}"/>
               </a:ext>
             </a:extLst>
           </p:cNvPr>
@@ -2920,7 +2920,7 @@
           <p:cNvPr id="4" name="Espaço Reservado para Conteúdo 3">
             <a:extLst>
               <a:ext uri="{FF2B5EF4-FFF2-40B4-BE49-F238E27FC236}">
-                <a16:creationId xmlns="" xmlns:a16="http://schemas.microsoft.com/office/drawing/2014/main" id="{E92F06A8-A449-4D92-9912-76873E529B38}"/>
+                <a16:creationId xmlns:a16="http://schemas.microsoft.com/office/drawing/2014/main" xmlns="" id="{E92F06A8-A449-4D92-9912-76873E529B38}"/>
               </a:ext>
             </a:extLst>
           </p:cNvPr>
@@ -2982,7 +2982,7 @@
           <p:cNvPr id="5" name="Espaço Reservado para Data 4">
             <a:extLst>
               <a:ext uri="{FF2B5EF4-FFF2-40B4-BE49-F238E27FC236}">
-                <a16:creationId xmlns="" xmlns:a16="http://schemas.microsoft.com/office/drawing/2014/main" id="{938070A4-BC2F-4D55-BD8D-DEAF11BB9EE9}"/>
+                <a16:creationId xmlns:a16="http://schemas.microsoft.com/office/drawing/2014/main" xmlns="" id="{938070A4-BC2F-4D55-BD8D-DEAF11BB9EE9}"/>
               </a:ext>
             </a:extLst>
           </p:cNvPr>
@@ -3000,7 +3000,7 @@
           <a:p>
             <a:fld id="{63289F7E-B80B-496E-81B4-D396C37C9454}" type="datetimeFigureOut">
               <a:rPr lang="pt-BR" smtClean="0"/>
-              <a:t>11/08/2021</a:t>
+              <a:t>22/09/2021</a:t>
             </a:fld>
             <a:endParaRPr lang="pt-BR"/>
           </a:p>
@@ -3011,7 +3011,7 @@
           <p:cNvPr id="6" name="Espaço Reservado para Rodapé 5">
             <a:extLst>
               <a:ext uri="{FF2B5EF4-FFF2-40B4-BE49-F238E27FC236}">
-                <a16:creationId xmlns="" xmlns:a16="http://schemas.microsoft.com/office/drawing/2014/main" id="{45CC2DB8-844A-465F-BA9A-7734C80C7F43}"/>
+                <a16:creationId xmlns:a16="http://schemas.microsoft.com/office/drawing/2014/main" xmlns="" id="{45CC2DB8-844A-465F-BA9A-7734C80C7F43}"/>
               </a:ext>
             </a:extLst>
           </p:cNvPr>
@@ -3036,7 +3036,7 @@
           <p:cNvPr id="7" name="Espaço Reservado para Número de Slide 6">
             <a:extLst>
               <a:ext uri="{FF2B5EF4-FFF2-40B4-BE49-F238E27FC236}">
-                <a16:creationId xmlns="" xmlns:a16="http://schemas.microsoft.com/office/drawing/2014/main" id="{4CC606A8-097B-4040-94E0-CD8C88280D8F}"/>
+                <a16:creationId xmlns:a16="http://schemas.microsoft.com/office/drawing/2014/main" xmlns="" id="{4CC606A8-097B-4040-94E0-CD8C88280D8F}"/>
               </a:ext>
             </a:extLst>
           </p:cNvPr>
@@ -3095,7 +3095,7 @@
           <p:cNvPr id="2" name="Título 1">
             <a:extLst>
               <a:ext uri="{FF2B5EF4-FFF2-40B4-BE49-F238E27FC236}">
-                <a16:creationId xmlns="" xmlns:a16="http://schemas.microsoft.com/office/drawing/2014/main" id="{76D66686-0143-4CB6-8C09-BA326F1E7ACA}"/>
+                <a16:creationId xmlns:a16="http://schemas.microsoft.com/office/drawing/2014/main" xmlns="" id="{76D66686-0143-4CB6-8C09-BA326F1E7ACA}"/>
               </a:ext>
             </a:extLst>
           </p:cNvPr>
@@ -3128,7 +3128,7 @@
           <p:cNvPr id="3" name="Espaço Reservado para Texto 2">
             <a:extLst>
               <a:ext uri="{FF2B5EF4-FFF2-40B4-BE49-F238E27FC236}">
-                <a16:creationId xmlns="" xmlns:a16="http://schemas.microsoft.com/office/drawing/2014/main" id="{0227AB85-F59E-4BCE-B846-4FA0992C2F23}"/>
+                <a16:creationId xmlns:a16="http://schemas.microsoft.com/office/drawing/2014/main" xmlns="" id="{0227AB85-F59E-4BCE-B846-4FA0992C2F23}"/>
               </a:ext>
             </a:extLst>
           </p:cNvPr>
@@ -3199,7 +3199,7 @@
           <p:cNvPr id="4" name="Espaço Reservado para Conteúdo 3">
             <a:extLst>
               <a:ext uri="{FF2B5EF4-FFF2-40B4-BE49-F238E27FC236}">
-                <a16:creationId xmlns="" xmlns:a16="http://schemas.microsoft.com/office/drawing/2014/main" id="{3373456C-7319-4D0A-827D-D29F6B083F5D}"/>
+                <a16:creationId xmlns:a16="http://schemas.microsoft.com/office/drawing/2014/main" xmlns="" id="{3373456C-7319-4D0A-827D-D29F6B083F5D}"/>
               </a:ext>
             </a:extLst>
           </p:cNvPr>
@@ -3261,7 +3261,7 @@
           <p:cNvPr id="5" name="Espaço Reservado para Texto 4">
             <a:extLst>
               <a:ext uri="{FF2B5EF4-FFF2-40B4-BE49-F238E27FC236}">
-                <a16:creationId xmlns="" xmlns:a16="http://schemas.microsoft.com/office/drawing/2014/main" id="{4CD109D0-2E83-4262-8029-A871CEC47406}"/>
+                <a16:creationId xmlns:a16="http://schemas.microsoft.com/office/drawing/2014/main" xmlns="" id="{4CD109D0-2E83-4262-8029-A871CEC47406}"/>
               </a:ext>
             </a:extLst>
           </p:cNvPr>
@@ -3332,7 +3332,7 @@
           <p:cNvPr id="6" name="Espaço Reservado para Conteúdo 5">
             <a:extLst>
               <a:ext uri="{FF2B5EF4-FFF2-40B4-BE49-F238E27FC236}">
-                <a16:creationId xmlns="" xmlns:a16="http://schemas.microsoft.com/office/drawing/2014/main" id="{AD706E3A-CFBB-4A6C-A65F-D0360A9E74FE}"/>
+                <a16:creationId xmlns:a16="http://schemas.microsoft.com/office/drawing/2014/main" xmlns="" id="{AD706E3A-CFBB-4A6C-A65F-D0360A9E74FE}"/>
               </a:ext>
             </a:extLst>
           </p:cNvPr>
@@ -3394,7 +3394,7 @@
           <p:cNvPr id="7" name="Espaço Reservado para Data 6">
             <a:extLst>
               <a:ext uri="{FF2B5EF4-FFF2-40B4-BE49-F238E27FC236}">
-                <a16:creationId xmlns="" xmlns:a16="http://schemas.microsoft.com/office/drawing/2014/main" id="{4172C0E5-5AF0-4805-BB51-443733CD2BD5}"/>
+                <a16:creationId xmlns:a16="http://schemas.microsoft.com/office/drawing/2014/main" xmlns="" id="{4172C0E5-5AF0-4805-BB51-443733CD2BD5}"/>
               </a:ext>
             </a:extLst>
           </p:cNvPr>
@@ -3412,7 +3412,7 @@
           <a:p>
             <a:fld id="{63289F7E-B80B-496E-81B4-D396C37C9454}" type="datetimeFigureOut">
               <a:rPr lang="pt-BR" smtClean="0"/>
-              <a:t>11/08/2021</a:t>
+              <a:t>22/09/2021</a:t>
             </a:fld>
             <a:endParaRPr lang="pt-BR"/>
           </a:p>
@@ -3423,7 +3423,7 @@
           <p:cNvPr id="8" name="Espaço Reservado para Rodapé 7">
             <a:extLst>
               <a:ext uri="{FF2B5EF4-FFF2-40B4-BE49-F238E27FC236}">
-                <a16:creationId xmlns="" xmlns:a16="http://schemas.microsoft.com/office/drawing/2014/main" id="{0E801648-156F-497E-99CF-797DF48051E1}"/>
+                <a16:creationId xmlns:a16="http://schemas.microsoft.com/office/drawing/2014/main" xmlns="" id="{0E801648-156F-497E-99CF-797DF48051E1}"/>
               </a:ext>
             </a:extLst>
           </p:cNvPr>
@@ -3448,7 +3448,7 @@
           <p:cNvPr id="9" name="Espaço Reservado para Número de Slide 8">
             <a:extLst>
               <a:ext uri="{FF2B5EF4-FFF2-40B4-BE49-F238E27FC236}">
-                <a16:creationId xmlns="" xmlns:a16="http://schemas.microsoft.com/office/drawing/2014/main" id="{EEE23D32-80E7-4796-A137-66BF842E4B53}"/>
+                <a16:creationId xmlns:a16="http://schemas.microsoft.com/office/drawing/2014/main" xmlns="" id="{EEE23D32-80E7-4796-A137-66BF842E4B53}"/>
               </a:ext>
             </a:extLst>
           </p:cNvPr>
@@ -3507,7 +3507,7 @@
           <p:cNvPr id="2" name="Título 1">
             <a:extLst>
               <a:ext uri="{FF2B5EF4-FFF2-40B4-BE49-F238E27FC236}">
-                <a16:creationId xmlns="" xmlns:a16="http://schemas.microsoft.com/office/drawing/2014/main" id="{2BCE2379-C78F-47E1-8CFC-B846E7AF148D}"/>
+                <a16:creationId xmlns:a16="http://schemas.microsoft.com/office/drawing/2014/main" xmlns="" id="{2BCE2379-C78F-47E1-8CFC-B846E7AF148D}"/>
               </a:ext>
             </a:extLst>
           </p:cNvPr>
@@ -3535,7 +3535,7 @@
           <p:cNvPr id="3" name="Espaço Reservado para Data 2">
             <a:extLst>
               <a:ext uri="{FF2B5EF4-FFF2-40B4-BE49-F238E27FC236}">
-                <a16:creationId xmlns="" xmlns:a16="http://schemas.microsoft.com/office/drawing/2014/main" id="{342600A9-7F92-4E22-9D94-E4717252A817}"/>
+                <a16:creationId xmlns:a16="http://schemas.microsoft.com/office/drawing/2014/main" xmlns="" id="{342600A9-7F92-4E22-9D94-E4717252A817}"/>
               </a:ext>
             </a:extLst>
           </p:cNvPr>
@@ -3553,7 +3553,7 @@
           <a:p>
             <a:fld id="{63289F7E-B80B-496E-81B4-D396C37C9454}" type="datetimeFigureOut">
               <a:rPr lang="pt-BR" smtClean="0"/>
-              <a:t>11/08/2021</a:t>
+              <a:t>22/09/2021</a:t>
             </a:fld>
             <a:endParaRPr lang="pt-BR"/>
           </a:p>
@@ -3564,7 +3564,7 @@
           <p:cNvPr id="4" name="Espaço Reservado para Rodapé 3">
             <a:extLst>
               <a:ext uri="{FF2B5EF4-FFF2-40B4-BE49-F238E27FC236}">
-                <a16:creationId xmlns="" xmlns:a16="http://schemas.microsoft.com/office/drawing/2014/main" id="{192E6BED-F546-40CC-A2DF-99CBA853654E}"/>
+                <a16:creationId xmlns:a16="http://schemas.microsoft.com/office/drawing/2014/main" xmlns="" id="{192E6BED-F546-40CC-A2DF-99CBA853654E}"/>
               </a:ext>
             </a:extLst>
           </p:cNvPr>
@@ -3589,7 +3589,7 @@
           <p:cNvPr id="5" name="Espaço Reservado para Número de Slide 4">
             <a:extLst>
               <a:ext uri="{FF2B5EF4-FFF2-40B4-BE49-F238E27FC236}">
-                <a16:creationId xmlns="" xmlns:a16="http://schemas.microsoft.com/office/drawing/2014/main" id="{6091CC40-A8C4-4063-80EB-CC5099621678}"/>
+                <a16:creationId xmlns:a16="http://schemas.microsoft.com/office/drawing/2014/main" xmlns="" id="{6091CC40-A8C4-4063-80EB-CC5099621678}"/>
               </a:ext>
             </a:extLst>
           </p:cNvPr>
@@ -3648,7 +3648,7 @@
           <p:cNvPr id="2" name="Espaço Reservado para Data 1">
             <a:extLst>
               <a:ext uri="{FF2B5EF4-FFF2-40B4-BE49-F238E27FC236}">
-                <a16:creationId xmlns="" xmlns:a16="http://schemas.microsoft.com/office/drawing/2014/main" id="{DD19515C-212C-4EAE-84A3-8FF4BC844F1B}"/>
+                <a16:creationId xmlns:a16="http://schemas.microsoft.com/office/drawing/2014/main" xmlns="" id="{DD19515C-212C-4EAE-84A3-8FF4BC844F1B}"/>
               </a:ext>
             </a:extLst>
           </p:cNvPr>
@@ -3666,7 +3666,7 @@
           <a:p>
             <a:fld id="{63289F7E-B80B-496E-81B4-D396C37C9454}" type="datetimeFigureOut">
               <a:rPr lang="pt-BR" smtClean="0"/>
-              <a:t>11/08/2021</a:t>
+              <a:t>22/09/2021</a:t>
             </a:fld>
             <a:endParaRPr lang="pt-BR"/>
           </a:p>
@@ -3677,7 +3677,7 @@
           <p:cNvPr id="3" name="Espaço Reservado para Rodapé 2">
             <a:extLst>
               <a:ext uri="{FF2B5EF4-FFF2-40B4-BE49-F238E27FC236}">
-                <a16:creationId xmlns="" xmlns:a16="http://schemas.microsoft.com/office/drawing/2014/main" id="{94D3D120-B3E8-4C96-861D-7A4F12F49B3A}"/>
+                <a16:creationId xmlns:a16="http://schemas.microsoft.com/office/drawing/2014/main" xmlns="" id="{94D3D120-B3E8-4C96-861D-7A4F12F49B3A}"/>
               </a:ext>
             </a:extLst>
           </p:cNvPr>
@@ -3702,7 +3702,7 @@
           <p:cNvPr id="4" name="Espaço Reservado para Número de Slide 3">
             <a:extLst>
               <a:ext uri="{FF2B5EF4-FFF2-40B4-BE49-F238E27FC236}">
-                <a16:creationId xmlns="" xmlns:a16="http://schemas.microsoft.com/office/drawing/2014/main" id="{42E49B68-FA1B-468B-9F17-D5C09243D454}"/>
+                <a16:creationId xmlns:a16="http://schemas.microsoft.com/office/drawing/2014/main" xmlns="" id="{42E49B68-FA1B-468B-9F17-D5C09243D454}"/>
               </a:ext>
             </a:extLst>
           </p:cNvPr>
@@ -3761,7 +3761,7 @@
           <p:cNvPr id="2" name="Título 1">
             <a:extLst>
               <a:ext uri="{FF2B5EF4-FFF2-40B4-BE49-F238E27FC236}">
-                <a16:creationId xmlns="" xmlns:a16="http://schemas.microsoft.com/office/drawing/2014/main" id="{1C17BCBE-A897-4319-85EC-D87909C24980}"/>
+                <a16:creationId xmlns:a16="http://schemas.microsoft.com/office/drawing/2014/main" xmlns="" id="{1C17BCBE-A897-4319-85EC-D87909C24980}"/>
               </a:ext>
             </a:extLst>
           </p:cNvPr>
@@ -3798,7 +3798,7 @@
           <p:cNvPr id="3" name="Espaço Reservado para Conteúdo 2">
             <a:extLst>
               <a:ext uri="{FF2B5EF4-FFF2-40B4-BE49-F238E27FC236}">
-                <a16:creationId xmlns="" xmlns:a16="http://schemas.microsoft.com/office/drawing/2014/main" id="{4226F885-0204-4913-868B-4B8B82576F17}"/>
+                <a16:creationId xmlns:a16="http://schemas.microsoft.com/office/drawing/2014/main" xmlns="" id="{4226F885-0204-4913-868B-4B8B82576F17}"/>
               </a:ext>
             </a:extLst>
           </p:cNvPr>
@@ -3888,7 +3888,7 @@
           <p:cNvPr id="4" name="Espaço Reservado para Texto 3">
             <a:extLst>
               <a:ext uri="{FF2B5EF4-FFF2-40B4-BE49-F238E27FC236}">
-                <a16:creationId xmlns="" xmlns:a16="http://schemas.microsoft.com/office/drawing/2014/main" id="{00F9F784-A858-441B-8AB5-697098141751}"/>
+                <a16:creationId xmlns:a16="http://schemas.microsoft.com/office/drawing/2014/main" xmlns="" id="{00F9F784-A858-441B-8AB5-697098141751}"/>
               </a:ext>
             </a:extLst>
           </p:cNvPr>
@@ -3959,7 +3959,7 @@
           <p:cNvPr id="5" name="Espaço Reservado para Data 4">
             <a:extLst>
               <a:ext uri="{FF2B5EF4-FFF2-40B4-BE49-F238E27FC236}">
-                <a16:creationId xmlns="" xmlns:a16="http://schemas.microsoft.com/office/drawing/2014/main" id="{A4DC363A-5000-472E-8B17-02E7DCB8840A}"/>
+                <a16:creationId xmlns:a16="http://schemas.microsoft.com/office/drawing/2014/main" xmlns="" id="{A4DC363A-5000-472E-8B17-02E7DCB8840A}"/>
               </a:ext>
             </a:extLst>
           </p:cNvPr>
@@ -3977,7 +3977,7 @@
           <a:p>
             <a:fld id="{63289F7E-B80B-496E-81B4-D396C37C9454}" type="datetimeFigureOut">
               <a:rPr lang="pt-BR" smtClean="0"/>
-              <a:t>11/08/2021</a:t>
+              <a:t>22/09/2021</a:t>
             </a:fld>
             <a:endParaRPr lang="pt-BR"/>
           </a:p>
@@ -3988,7 +3988,7 @@
           <p:cNvPr id="6" name="Espaço Reservado para Rodapé 5">
             <a:extLst>
               <a:ext uri="{FF2B5EF4-FFF2-40B4-BE49-F238E27FC236}">
-                <a16:creationId xmlns="" xmlns:a16="http://schemas.microsoft.com/office/drawing/2014/main" id="{5548425D-2C21-4C56-BAD4-662978775C28}"/>
+                <a16:creationId xmlns:a16="http://schemas.microsoft.com/office/drawing/2014/main" xmlns="" id="{5548425D-2C21-4C56-BAD4-662978775C28}"/>
               </a:ext>
             </a:extLst>
           </p:cNvPr>
@@ -4013,7 +4013,7 @@
           <p:cNvPr id="7" name="Espaço Reservado para Número de Slide 6">
             <a:extLst>
               <a:ext uri="{FF2B5EF4-FFF2-40B4-BE49-F238E27FC236}">
-                <a16:creationId xmlns="" xmlns:a16="http://schemas.microsoft.com/office/drawing/2014/main" id="{C63E9726-E64C-42B2-AE8A-8C235A956B48}"/>
+                <a16:creationId xmlns:a16="http://schemas.microsoft.com/office/drawing/2014/main" xmlns="" id="{C63E9726-E64C-42B2-AE8A-8C235A956B48}"/>
               </a:ext>
             </a:extLst>
           </p:cNvPr>
@@ -4072,7 +4072,7 @@
           <p:cNvPr id="2" name="Título 1">
             <a:extLst>
               <a:ext uri="{FF2B5EF4-FFF2-40B4-BE49-F238E27FC236}">
-                <a16:creationId xmlns="" xmlns:a16="http://schemas.microsoft.com/office/drawing/2014/main" id="{11086A78-3E74-450C-96A6-CA8AC37AF772}"/>
+                <a16:creationId xmlns:a16="http://schemas.microsoft.com/office/drawing/2014/main" xmlns="" id="{11086A78-3E74-450C-96A6-CA8AC37AF772}"/>
               </a:ext>
             </a:extLst>
           </p:cNvPr>
@@ -4109,7 +4109,7 @@
           <p:cNvPr id="3" name="Espaço Reservado para Imagem 2">
             <a:extLst>
               <a:ext uri="{FF2B5EF4-FFF2-40B4-BE49-F238E27FC236}">
-                <a16:creationId xmlns="" xmlns:a16="http://schemas.microsoft.com/office/drawing/2014/main" id="{5F5B7312-975A-4DBC-9B2F-3652ADA006FD}"/>
+                <a16:creationId xmlns:a16="http://schemas.microsoft.com/office/drawing/2014/main" xmlns="" id="{5F5B7312-975A-4DBC-9B2F-3652ADA006FD}"/>
               </a:ext>
             </a:extLst>
           </p:cNvPr>
@@ -4176,7 +4176,7 @@
           <p:cNvPr id="4" name="Espaço Reservado para Texto 3">
             <a:extLst>
               <a:ext uri="{FF2B5EF4-FFF2-40B4-BE49-F238E27FC236}">
-                <a16:creationId xmlns="" xmlns:a16="http://schemas.microsoft.com/office/drawing/2014/main" id="{AAF805F5-1DFF-41C6-944C-7D79FE0D0963}"/>
+                <a16:creationId xmlns:a16="http://schemas.microsoft.com/office/drawing/2014/main" xmlns="" id="{AAF805F5-1DFF-41C6-944C-7D79FE0D0963}"/>
               </a:ext>
             </a:extLst>
           </p:cNvPr>
@@ -4247,7 +4247,7 @@
           <p:cNvPr id="5" name="Espaço Reservado para Data 4">
             <a:extLst>
               <a:ext uri="{FF2B5EF4-FFF2-40B4-BE49-F238E27FC236}">
-                <a16:creationId xmlns="" xmlns:a16="http://schemas.microsoft.com/office/drawing/2014/main" id="{02113D81-8665-4516-BD81-C6A1F254EECD}"/>
+                <a16:creationId xmlns:a16="http://schemas.microsoft.com/office/drawing/2014/main" xmlns="" id="{02113D81-8665-4516-BD81-C6A1F254EECD}"/>
               </a:ext>
             </a:extLst>
           </p:cNvPr>
@@ -4265,7 +4265,7 @@
           <a:p>
             <a:fld id="{63289F7E-B80B-496E-81B4-D396C37C9454}" type="datetimeFigureOut">
               <a:rPr lang="pt-BR" smtClean="0"/>
-              <a:t>11/08/2021</a:t>
+              <a:t>22/09/2021</a:t>
             </a:fld>
             <a:endParaRPr lang="pt-BR"/>
           </a:p>
@@ -4276,7 +4276,7 @@
           <p:cNvPr id="6" name="Espaço Reservado para Rodapé 5">
             <a:extLst>
               <a:ext uri="{FF2B5EF4-FFF2-40B4-BE49-F238E27FC236}">
-                <a16:creationId xmlns="" xmlns:a16="http://schemas.microsoft.com/office/drawing/2014/main" id="{2B00C88B-FF32-40AA-A187-727D96FD7862}"/>
+                <a16:creationId xmlns:a16="http://schemas.microsoft.com/office/drawing/2014/main" xmlns="" id="{2B00C88B-FF32-40AA-A187-727D96FD7862}"/>
               </a:ext>
             </a:extLst>
           </p:cNvPr>
@@ -4301,7 +4301,7 @@
           <p:cNvPr id="7" name="Espaço Reservado para Número de Slide 6">
             <a:extLst>
               <a:ext uri="{FF2B5EF4-FFF2-40B4-BE49-F238E27FC236}">
-                <a16:creationId xmlns="" xmlns:a16="http://schemas.microsoft.com/office/drawing/2014/main" id="{A04D1A2D-69F7-4B8F-A730-BC26DC340BA6}"/>
+                <a16:creationId xmlns:a16="http://schemas.microsoft.com/office/drawing/2014/main" xmlns="" id="{A04D1A2D-69F7-4B8F-A730-BC26DC340BA6}"/>
               </a:ext>
             </a:extLst>
           </p:cNvPr>
@@ -4365,7 +4365,7 @@
           <p:cNvPr id="2" name="Espaço Reservado para Título 1">
             <a:extLst>
               <a:ext uri="{FF2B5EF4-FFF2-40B4-BE49-F238E27FC236}">
-                <a16:creationId xmlns="" xmlns:a16="http://schemas.microsoft.com/office/drawing/2014/main" id="{E69A0273-1966-4A1B-9370-4C1CE5036371}"/>
+                <a16:creationId xmlns:a16="http://schemas.microsoft.com/office/drawing/2014/main" xmlns="" id="{E69A0273-1966-4A1B-9370-4C1CE5036371}"/>
               </a:ext>
             </a:extLst>
           </p:cNvPr>
@@ -4403,7 +4403,7 @@
           <p:cNvPr id="3" name="Espaço Reservado para Texto 2">
             <a:extLst>
               <a:ext uri="{FF2B5EF4-FFF2-40B4-BE49-F238E27FC236}">
-                <a16:creationId xmlns="" xmlns:a16="http://schemas.microsoft.com/office/drawing/2014/main" id="{3B9CF87A-0448-49A7-AB25-EBC1D56A40EF}"/>
+                <a16:creationId xmlns:a16="http://schemas.microsoft.com/office/drawing/2014/main" xmlns="" id="{3B9CF87A-0448-49A7-AB25-EBC1D56A40EF}"/>
               </a:ext>
             </a:extLst>
           </p:cNvPr>
@@ -4470,7 +4470,7 @@
           <p:cNvPr id="4" name="Espaço Reservado para Data 3">
             <a:extLst>
               <a:ext uri="{FF2B5EF4-FFF2-40B4-BE49-F238E27FC236}">
-                <a16:creationId xmlns="" xmlns:a16="http://schemas.microsoft.com/office/drawing/2014/main" id="{2EF7B1F2-BB5A-44D0-816D-16AD2C71430E}"/>
+                <a16:creationId xmlns:a16="http://schemas.microsoft.com/office/drawing/2014/main" xmlns="" id="{2EF7B1F2-BB5A-44D0-816D-16AD2C71430E}"/>
               </a:ext>
             </a:extLst>
           </p:cNvPr>
@@ -4506,7 +4506,7 @@
           <a:p>
             <a:fld id="{63289F7E-B80B-496E-81B4-D396C37C9454}" type="datetimeFigureOut">
               <a:rPr lang="pt-BR" smtClean="0"/>
-              <a:t>11/08/2021</a:t>
+              <a:t>22/09/2021</a:t>
             </a:fld>
             <a:endParaRPr lang="pt-BR"/>
           </a:p>
@@ -4517,7 +4517,7 @@
           <p:cNvPr id="5" name="Espaço Reservado para Rodapé 4">
             <a:extLst>
               <a:ext uri="{FF2B5EF4-FFF2-40B4-BE49-F238E27FC236}">
-                <a16:creationId xmlns="" xmlns:a16="http://schemas.microsoft.com/office/drawing/2014/main" id="{C703F94C-2CC8-4DAA-BC35-14FC3E841DCD}"/>
+                <a16:creationId xmlns:a16="http://schemas.microsoft.com/office/drawing/2014/main" xmlns="" id="{C703F94C-2CC8-4DAA-BC35-14FC3E841DCD}"/>
               </a:ext>
             </a:extLst>
           </p:cNvPr>
@@ -4560,7 +4560,7 @@
           <p:cNvPr id="6" name="Espaço Reservado para Número de Slide 5">
             <a:extLst>
               <a:ext uri="{FF2B5EF4-FFF2-40B4-BE49-F238E27FC236}">
-                <a16:creationId xmlns="" xmlns:a16="http://schemas.microsoft.com/office/drawing/2014/main" id="{64051336-7048-457A-8B61-D94291D71648}"/>
+                <a16:creationId xmlns:a16="http://schemas.microsoft.com/office/drawing/2014/main" xmlns="" id="{64051336-7048-457A-8B61-D94291D71648}"/>
               </a:ext>
             </a:extLst>
           </p:cNvPr>
@@ -4928,7 +4928,7 @@
           <p:cNvPr id="2" name="Título 1">
             <a:extLst>
               <a:ext uri="{FF2B5EF4-FFF2-40B4-BE49-F238E27FC236}">
-                <a16:creationId xmlns="" xmlns:a16="http://schemas.microsoft.com/office/drawing/2014/main" id="{32666AC8-2E17-4DB4-B0F5-60C640CCFD2E}"/>
+                <a16:creationId xmlns:a16="http://schemas.microsoft.com/office/drawing/2014/main" xmlns="" id="{32666AC8-2E17-4DB4-B0F5-60C640CCFD2E}"/>
               </a:ext>
             </a:extLst>
           </p:cNvPr>
@@ -4975,7 +4975,7 @@
           <p:cNvPr id="4" name="CaixaDeTexto 3">
             <a:extLst>
               <a:ext uri="{FF2B5EF4-FFF2-40B4-BE49-F238E27FC236}">
-                <a16:creationId xmlns="" xmlns:a16="http://schemas.microsoft.com/office/drawing/2014/main" id="{430EB894-B7D4-434C-9D1A-A14094D9BEEC}"/>
+                <a16:creationId xmlns:a16="http://schemas.microsoft.com/office/drawing/2014/main" xmlns="" id="{430EB894-B7D4-434C-9D1A-A14094D9BEEC}"/>
               </a:ext>
             </a:extLst>
           </p:cNvPr>
@@ -5016,7 +5016,7 @@
           <p:cNvPr id="1026" name="Picture 2" descr="Logo">
             <a:extLst>
               <a:ext uri="{FF2B5EF4-FFF2-40B4-BE49-F238E27FC236}">
-                <a16:creationId xmlns="" xmlns:a16="http://schemas.microsoft.com/office/drawing/2014/main" id="{3F2642E0-4F6A-4196-8F58-E77D36E9A33F}"/>
+                <a16:creationId xmlns:a16="http://schemas.microsoft.com/office/drawing/2014/main" xmlns="" id="{3F2642E0-4F6A-4196-8F58-E77D36E9A33F}"/>
               </a:ext>
             </a:extLst>
           </p:cNvPr>
@@ -5061,7 +5061,7 @@
           <p:cNvPr id="5122" name="Picture 2" descr="Image result for machine learning">
             <a:extLst>
               <a:ext uri="{FF2B5EF4-FFF2-40B4-BE49-F238E27FC236}">
-                <a16:creationId xmlns="" xmlns:a16="http://schemas.microsoft.com/office/drawing/2014/main" id="{810CE0A2-4102-44A6-A370-175E7896CDCB}"/>
+                <a16:creationId xmlns:a16="http://schemas.microsoft.com/office/drawing/2014/main" xmlns="" id="{810CE0A2-4102-44A6-A370-175E7896CDCB}"/>
               </a:ext>
             </a:extLst>
           </p:cNvPr>
@@ -6723,8 +6723,8 @@
           </a:p>
         </p:txBody>
       </p:sp>
-      <mc:AlternateContent xmlns:mc="http://schemas.openxmlformats.org/markup-compatibility/2006" xmlns:a14="http://schemas.microsoft.com/office/drawing/2010/main">
-        <mc:Choice Requires="a14">
+      <mc:AlternateContent xmlns:mc="http://schemas.openxmlformats.org/markup-compatibility/2006">
+        <mc:Choice xmlns:a14="http://schemas.microsoft.com/office/drawing/2010/main" Requires="a14">
           <p:sp>
             <p:nvSpPr>
               <p:cNvPr id="3" name="Content Placeholder 2"/>
@@ -6882,7 +6882,15 @@
                 <a:pPr lvl="1"/>
                 <a:r>
                   <a:rPr lang="pt-BR" dirty="0" smtClean="0"/>
-                  <a:t>Ou seja, as saídas são vetores com o valor 1 no elemento representando a classe do exemplo de entrada e 0 nos outros elementos. </a:t>
+                  <a:t>Ou seja, as saídas são vetores com o valor 1 no elemento representando a classe do exemplo de entrada e 0 nos </a:t>
+                </a:r>
+                <a:r>
+                  <a:rPr lang="pt-BR" dirty="0" smtClean="0"/>
+                  <a:t>demais elementos</a:t>
+                </a:r>
+                <a:r>
+                  <a:rPr lang="pt-BR" dirty="0" smtClean="0"/>
+                  <a:t>. </a:t>
                 </a:r>
               </a:p>
               <a:p>
@@ -7617,7 +7625,7 @@
             </p:txBody>
           </p:sp>
         </mc:Choice>
-        <mc:Fallback xmlns="">
+        <mc:Fallback>
           <p:sp>
             <p:nvSpPr>
               <p:cNvPr id="3" name="Content Placeholder 2"/>
@@ -7934,8 +7942,8 @@
           </a:p>
         </p:txBody>
       </p:sp>
-      <mc:AlternateContent xmlns:mc="http://schemas.openxmlformats.org/markup-compatibility/2006">
-        <mc:Choice xmlns:a14="http://schemas.microsoft.com/office/drawing/2010/main" Requires="a14">
+      <mc:AlternateContent xmlns:mc="http://schemas.openxmlformats.org/markup-compatibility/2006" xmlns:a14="http://schemas.microsoft.com/office/drawing/2010/main">
+        <mc:Choice Requires="a14">
           <p:sp>
             <p:nvSpPr>
               <p:cNvPr id="3" name="Content Placeholder 2"/>
@@ -8171,11 +8179,7 @@
                 </a:r>
                 <a:r>
                   <a:rPr lang="pt-BR" b="1" i="1" dirty="0" smtClean="0"/>
-                  <a:t>superfície de </a:t>
-                </a:r>
-                <a:r>
-                  <a:rPr lang="pt-BR" b="1" i="1" dirty="0" smtClean="0"/>
-                  <a:t>decisão</a:t>
+                  <a:t>superfície de decisão</a:t>
                 </a:r>
                 <a:r>
                   <a:rPr lang="pt-BR" dirty="0" smtClean="0"/>
@@ -8233,11 +8237,7 @@
                 </a:r>
                 <a:r>
                   <a:rPr lang="pt-BR" b="1" i="1" dirty="0"/>
-                  <a:t>de </a:t>
-                </a:r>
-                <a:r>
-                  <a:rPr lang="pt-BR" b="1" i="1" dirty="0"/>
-                  <a:t>decisão</a:t>
+                  <a:t>de decisão</a:t>
                 </a:r>
                 <a:r>
                   <a:rPr lang="pt-BR" dirty="0"/>
@@ -8283,11 +8283,7 @@
                 </a:r>
                 <a:r>
                   <a:rPr lang="pt-BR" b="1" i="1" dirty="0"/>
-                  <a:t>de </a:t>
-                </a:r>
-                <a:r>
-                  <a:rPr lang="pt-BR" b="1" i="1" dirty="0"/>
-                  <a:t>decisão </a:t>
+                  <a:t>de decisão </a:t>
                 </a:r>
                 <a:r>
                   <a:rPr lang="pt-BR" dirty="0"/>
@@ -8383,7 +8379,7 @@
             </p:txBody>
           </p:sp>
         </mc:Choice>
-        <mc:Fallback>
+        <mc:Fallback xmlns="">
           <p:sp>
             <p:nvSpPr>
               <p:cNvPr id="3" name="Content Placeholder 2"/>
@@ -9816,7 +9812,15 @@
                 <a:pPr lvl="1"/>
                 <a:r>
                   <a:rPr lang="pt-BR" dirty="0" smtClean="0"/>
-                  <a:t>O formato mais simples seria o de uma reta.</a:t>
+                  <a:t>O formato mais simples </a:t>
+                </a:r>
+                <a:r>
+                  <a:rPr lang="pt-BR" dirty="0" smtClean="0"/>
+                  <a:t>(navalha de Occam) seria </a:t>
+                </a:r>
+                <a:r>
+                  <a:rPr lang="pt-BR" dirty="0" smtClean="0"/>
+                  <a:t>o de uma reta.</a:t>
                 </a:r>
               </a:p>
             </p:txBody>
@@ -19788,7 +19792,7 @@
           <p:cNvPr id="4" name="Título 1">
             <a:extLst>
               <a:ext uri="{FF2B5EF4-FFF2-40B4-BE49-F238E27FC236}">
-                <a16:creationId xmlns="" xmlns:a16="http://schemas.microsoft.com/office/drawing/2014/main" id="{32666AC8-2E17-4DB4-B0F5-60C640CCFD2E}"/>
+                <a16:creationId xmlns:a16="http://schemas.microsoft.com/office/drawing/2014/main" xmlns="" id="{32666AC8-2E17-4DB4-B0F5-60C640CCFD2E}"/>
               </a:ext>
             </a:extLst>
           </p:cNvPr>
@@ -25946,8 +25950,8 @@
             </p:sp>
           </mc:Fallback>
         </mc:AlternateContent>
-        <mc:AlternateContent xmlns:mc="http://schemas.openxmlformats.org/markup-compatibility/2006">
-          <mc:Choice xmlns:a14="http://schemas.microsoft.com/office/drawing/2010/main" Requires="a14">
+        <mc:AlternateContent xmlns:mc="http://schemas.openxmlformats.org/markup-compatibility/2006" xmlns:a14="http://schemas.microsoft.com/office/drawing/2010/main">
+          <mc:Choice Requires="a14">
             <p:sp>
               <p:nvSpPr>
                 <p:cNvPr id="28" name="Rectangle 27"/>
@@ -25976,11 +25980,7 @@
                   </a:r>
                   <a:r>
                     <a:rPr lang="pt-BR" b="0" dirty="0" smtClean="0"/>
-                    <a:t>de </a:t>
-                  </a:r>
-                  <a:r>
-                    <a:rPr lang="pt-BR" b="0" dirty="0" smtClean="0"/>
-                    <a:t>decisão, </a:t>
+                    <a:t>de decisão, </a:t>
                   </a:r>
                 </a:p>
                 <a:p>
@@ -26035,7 +26035,7 @@
               </p:txBody>
             </p:sp>
           </mc:Choice>
-          <mc:Fallback>
+          <mc:Fallback xmlns="">
             <p:sp>
               <p:nvSpPr>
                 <p:cNvPr id="28" name="Rectangle 27"/>
@@ -28959,7 +28959,7 @@
           <p:cNvPr id="2" name="Título 1">
             <a:extLst>
               <a:ext uri="{FF2B5EF4-FFF2-40B4-BE49-F238E27FC236}">
-                <a16:creationId xmlns="" xmlns:a16="http://schemas.microsoft.com/office/drawing/2014/main" id="{C4F48192-B348-4C3E-8621-D3755D2230F8}"/>
+                <a16:creationId xmlns:a16="http://schemas.microsoft.com/office/drawing/2014/main" xmlns="" id="{C4F48192-B348-4C3E-8621-D3755D2230F8}"/>
               </a:ext>
             </a:extLst>
           </p:cNvPr>
@@ -28996,7 +28996,7 @@
           <p:cNvPr id="3" name="Espaço Reservado para Conteúdo 2">
             <a:extLst>
               <a:ext uri="{FF2B5EF4-FFF2-40B4-BE49-F238E27FC236}">
-                <a16:creationId xmlns="" xmlns:a16="http://schemas.microsoft.com/office/drawing/2014/main" id="{E3DECB90-AFD9-4AC6-A356-C93A7442A6E6}"/>
+                <a16:creationId xmlns:a16="http://schemas.microsoft.com/office/drawing/2014/main" xmlns="" id="{E3DECB90-AFD9-4AC6-A356-C93A7442A6E6}"/>
               </a:ext>
             </a:extLst>
           </p:cNvPr>
@@ -29150,7 +29150,7 @@
           <p:cNvPr id="3074" name="Picture 2" descr="Image result for machine learning">
             <a:extLst>
               <a:ext uri="{FF2B5EF4-FFF2-40B4-BE49-F238E27FC236}">
-                <a16:creationId xmlns="" xmlns:a16="http://schemas.microsoft.com/office/drawing/2014/main" id="{78A93243-9634-4B0E-B1B2-37A218EAEADD}"/>
+                <a16:creationId xmlns:a16="http://schemas.microsoft.com/office/drawing/2014/main" xmlns="" id="{78A93243-9634-4B0E-B1B2-37A218EAEADD}"/>
               </a:ext>
             </a:extLst>
           </p:cNvPr>
@@ -29528,7 +29528,7 @@
           <p:cNvPr id="2" name="Título 1">
             <a:extLst>
               <a:ext uri="{FF2B5EF4-FFF2-40B4-BE49-F238E27FC236}">
-                <a16:creationId xmlns="" xmlns:a16="http://schemas.microsoft.com/office/drawing/2014/main" id="{A2A4684C-1159-4F88-A2B1-6BABEDE38C4D}"/>
+                <a16:creationId xmlns:a16="http://schemas.microsoft.com/office/drawing/2014/main" xmlns="" id="{A2A4684C-1159-4F88-A2B1-6BABEDE38C4D}"/>
               </a:ext>
             </a:extLst>
           </p:cNvPr>
@@ -29556,7 +29556,7 @@
           <p:cNvPr id="3" name="Espaço Reservado para Conteúdo 2">
             <a:extLst>
               <a:ext uri="{FF2B5EF4-FFF2-40B4-BE49-F238E27FC236}">
-                <a16:creationId xmlns="" xmlns:a16="http://schemas.microsoft.com/office/drawing/2014/main" id="{EC432B31-D382-41FF-BB6B-2ABDD322424B}"/>
+                <a16:creationId xmlns:a16="http://schemas.microsoft.com/office/drawing/2014/main" xmlns="" id="{EC432B31-D382-41FF-BB6B-2ABDD322424B}"/>
               </a:ext>
             </a:extLst>
           </p:cNvPr>
@@ -30262,7 +30262,7 @@
           <p:cNvPr id="6" name="Picture 5" descr="Image result for supervised learning">
             <a:extLst>
               <a:ext uri="{FF2B5EF4-FFF2-40B4-BE49-F238E27FC236}">
-                <a16:creationId xmlns="" xmlns:a16="http://schemas.microsoft.com/office/drawing/2014/main" id="{2520F4EA-1E3E-4F3B-97C0-DF47861DCD42}"/>
+                <a16:creationId xmlns:a16="http://schemas.microsoft.com/office/drawing/2014/main" xmlns="" id="{2520F4EA-1E3E-4F3B-97C0-DF47861DCD42}"/>
               </a:ext>
             </a:extLst>
           </p:cNvPr>

--- a/slides/T320_Classificação (Parte I).pptx
+++ b/slides/T320_Classificação (Parte I).pptx
@@ -5,10 +5,10 @@
     <p:sldMasterId id="2147483648" r:id="rId1"/>
   </p:sldMasterIdLst>
   <p:notesMasterIdLst>
-    <p:notesMasterId r:id="rId24"/>
+    <p:notesMasterId r:id="rId25"/>
   </p:notesMasterIdLst>
   <p:handoutMasterIdLst>
-    <p:handoutMasterId r:id="rId25"/>
+    <p:handoutMasterId r:id="rId26"/>
   </p:handoutMasterIdLst>
   <p:sldIdLst>
     <p:sldId id="256" r:id="rId2"/>
@@ -23,16 +23,17 @@
     <p:sldId id="331" r:id="rId11"/>
     <p:sldId id="332" r:id="rId12"/>
     <p:sldId id="333" r:id="rId13"/>
-    <p:sldId id="340" r:id="rId14"/>
-    <p:sldId id="335" r:id="rId15"/>
-    <p:sldId id="336" r:id="rId16"/>
-    <p:sldId id="342" r:id="rId17"/>
-    <p:sldId id="337" r:id="rId18"/>
-    <p:sldId id="324" r:id="rId19"/>
-    <p:sldId id="306" r:id="rId20"/>
-    <p:sldId id="339" r:id="rId21"/>
-    <p:sldId id="341" r:id="rId22"/>
-    <p:sldId id="343" r:id="rId23"/>
+    <p:sldId id="344" r:id="rId14"/>
+    <p:sldId id="345" r:id="rId15"/>
+    <p:sldId id="335" r:id="rId16"/>
+    <p:sldId id="336" r:id="rId17"/>
+    <p:sldId id="342" r:id="rId18"/>
+    <p:sldId id="337" r:id="rId19"/>
+    <p:sldId id="324" r:id="rId20"/>
+    <p:sldId id="306" r:id="rId21"/>
+    <p:sldId id="339" r:id="rId22"/>
+    <p:sldId id="341" r:id="rId23"/>
+    <p:sldId id="343" r:id="rId24"/>
   </p:sldIdLst>
   <p:sldSz cx="12192000" cy="6858000"/>
   <p:notesSz cx="7315200" cy="9601200"/>
@@ -296,7 +297,7 @@
           <a:p>
             <a:fld id="{144F1436-6906-4D93-B7A2-786C327BFA14}" type="datetimeFigureOut">
               <a:rPr lang="nl-BE" smtClean="0"/>
-              <a:t>22/09/2021</a:t>
+              <a:t>11/02/2022</a:t>
             </a:fld>
             <a:endParaRPr lang="nl-BE"/>
           </a:p>
@@ -461,7 +462,7 @@
           <a:p>
             <a:fld id="{AA8CD09E-2914-4F47-B6C1-51B2C31814C9}" type="datetimeFigureOut">
               <a:rPr lang="pt-BR" smtClean="0"/>
-              <a:t>22/09/2021</a:t>
+              <a:t>11/02/2022</a:t>
             </a:fld>
             <a:endParaRPr lang="pt-BR"/>
           </a:p>
@@ -803,6 +804,463 @@
     <p:extLst>
       <p:ext uri="{BB962C8B-B14F-4D97-AF65-F5344CB8AC3E}">
         <p14:creationId xmlns:p14="http://schemas.microsoft.com/office/powerpoint/2010/main" val="1660747467"/>
+      </p:ext>
+    </p:extLst>
+  </p:cSld>
+  <p:clrMapOvr>
+    <a:masterClrMapping/>
+  </p:clrMapOvr>
+</p:notes>
+</file>
+
+<file path=ppt/notesSlides/notesSlide10.xml><?xml version="1.0" encoding="utf-8"?>
+<p:notes xmlns:a="http://schemas.openxmlformats.org/drawingml/2006/main" xmlns:r="http://schemas.openxmlformats.org/officeDocument/2006/relationships" xmlns:p="http://schemas.openxmlformats.org/presentationml/2006/main">
+  <p:cSld>
+    <p:spTree>
+      <p:nvGrpSpPr>
+        <p:cNvPr id="1" name=""/>
+        <p:cNvGrpSpPr/>
+        <p:nvPr/>
+      </p:nvGrpSpPr>
+      <p:grpSpPr>
+        <a:xfrm>
+          <a:off x="0" y="0"/>
+          <a:ext cx="0" cy="0"/>
+          <a:chOff x="0" y="0"/>
+          <a:chExt cx="0" cy="0"/>
+        </a:xfrm>
+      </p:grpSpPr>
+      <p:sp>
+        <p:nvSpPr>
+          <p:cNvPr id="2" name="Slide Image Placeholder 1"/>
+          <p:cNvSpPr>
+            <a:spLocks noGrp="1" noRot="1" noChangeAspect="1"/>
+          </p:cNvSpPr>
+          <p:nvPr>
+            <p:ph type="sldImg"/>
+          </p:nvPr>
+        </p:nvSpPr>
+        <p:spPr/>
+      </p:sp>
+      <p:sp>
+        <p:nvSpPr>
+          <p:cNvPr id="3" name="Notes Placeholder 2"/>
+          <p:cNvSpPr>
+            <a:spLocks noGrp="1"/>
+          </p:cNvSpPr>
+          <p:nvPr>
+            <p:ph type="body" idx="1"/>
+          </p:nvPr>
+        </p:nvSpPr>
+        <p:spPr/>
+        <p:txBody>
+          <a:bodyPr/>
+          <a:lstStyle/>
+          <a:p>
+            <a:pPr marL="0" marR="0" lvl="0" indent="0" algn="l" defTabSz="914400" rtl="0" eaLnBrk="1" fontAlgn="auto" latinLnBrk="0" hangingPunct="1">
+              <a:lnSpc>
+                <a:spcPct val="100000"/>
+              </a:lnSpc>
+              <a:spcBef>
+                <a:spcPts val="0"/>
+              </a:spcBef>
+              <a:spcAft>
+                <a:spcPts val="0"/>
+              </a:spcAft>
+              <a:buClrTx/>
+              <a:buSzTx/>
+              <a:buFontTx/>
+              <a:buNone/>
+              <a:tabLst/>
+              <a:defRPr/>
+            </a:pPr>
+            <a:r>
+              <a:rPr lang="pt-BR" dirty="0" smtClean="0"/>
+              <a:t>Para um problema de classificação de duas classes, pode-se visualizar a operação de um classificador linear como a divisão de um espaço de entrada de alta dimensão com um hiperplano: todos os pontos de um lado do hiperplano são classificados como "sim", enquanto os outros são classificados como "não".</a:t>
+            </a:r>
+          </a:p>
+          <a:p>
+            <a:endParaRPr lang="pt-BR" dirty="0"/>
+          </a:p>
+        </p:txBody>
+      </p:sp>
+      <p:sp>
+        <p:nvSpPr>
+          <p:cNvPr id="4" name="Slide Number Placeholder 3"/>
+          <p:cNvSpPr>
+            <a:spLocks noGrp="1"/>
+          </p:cNvSpPr>
+          <p:nvPr>
+            <p:ph type="sldNum" sz="quarter" idx="10"/>
+          </p:nvPr>
+        </p:nvSpPr>
+        <p:spPr/>
+        <p:txBody>
+          <a:bodyPr/>
+          <a:lstStyle/>
+          <a:p>
+            <a:fld id="{F430A2A4-8C14-4B1A-AD48-7B6401078BF7}" type="slidenum">
+              <a:rPr lang="pt-BR" smtClean="0"/>
+              <a:t>15</a:t>
+            </a:fld>
+            <a:endParaRPr lang="pt-BR"/>
+          </a:p>
+        </p:txBody>
+      </p:sp>
+    </p:spTree>
+    <p:extLst>
+      <p:ext uri="{BB962C8B-B14F-4D97-AF65-F5344CB8AC3E}">
+        <p14:creationId xmlns:p14="http://schemas.microsoft.com/office/powerpoint/2010/main" val="2272129351"/>
+      </p:ext>
+    </p:extLst>
+  </p:cSld>
+  <p:clrMapOvr>
+    <a:masterClrMapping/>
+  </p:clrMapOvr>
+</p:notes>
+</file>
+
+<file path=ppt/notesSlides/notesSlide11.xml><?xml version="1.0" encoding="utf-8"?>
+<p:notes xmlns:a="http://schemas.openxmlformats.org/drawingml/2006/main" xmlns:r="http://schemas.openxmlformats.org/officeDocument/2006/relationships" xmlns:p="http://schemas.openxmlformats.org/presentationml/2006/main">
+  <p:cSld>
+    <p:spTree>
+      <p:nvGrpSpPr>
+        <p:cNvPr id="1" name=""/>
+        <p:cNvGrpSpPr/>
+        <p:nvPr/>
+      </p:nvGrpSpPr>
+      <p:grpSpPr>
+        <a:xfrm>
+          <a:off x="0" y="0"/>
+          <a:ext cx="0" cy="0"/>
+          <a:chOff x="0" y="0"/>
+          <a:chExt cx="0" cy="0"/>
+        </a:xfrm>
+      </p:grpSpPr>
+      <p:sp>
+        <p:nvSpPr>
+          <p:cNvPr id="2" name="Slide Image Placeholder 1"/>
+          <p:cNvSpPr>
+            <a:spLocks noGrp="1" noRot="1" noChangeAspect="1"/>
+          </p:cNvSpPr>
+          <p:nvPr>
+            <p:ph type="sldImg"/>
+          </p:nvPr>
+        </p:nvSpPr>
+        <p:spPr/>
+      </p:sp>
+      <p:sp>
+        <p:nvSpPr>
+          <p:cNvPr id="3" name="Notes Placeholder 2"/>
+          <p:cNvSpPr>
+            <a:spLocks noGrp="1"/>
+          </p:cNvSpPr>
+          <p:nvPr>
+            <p:ph type="body" idx="1"/>
+          </p:nvPr>
+        </p:nvSpPr>
+        <p:spPr/>
+        <p:txBody>
+          <a:bodyPr/>
+          <a:lstStyle/>
+          <a:p>
+            <a:pPr marL="0" marR="0" lvl="0" indent="0" algn="l" defTabSz="914400" rtl="0" eaLnBrk="1" fontAlgn="auto" latinLnBrk="0" hangingPunct="1">
+              <a:lnSpc>
+                <a:spcPct val="100000"/>
+              </a:lnSpc>
+              <a:spcBef>
+                <a:spcPts val="0"/>
+              </a:spcBef>
+              <a:spcAft>
+                <a:spcPts val="0"/>
+              </a:spcAft>
+              <a:buClrTx/>
+              <a:buSzTx/>
+              <a:buFontTx/>
+              <a:buNone/>
+              <a:tabLst/>
+              <a:defRPr/>
+            </a:pPr>
+            <a:r>
+              <a:rPr lang="pt-BR" sz="1200" b="1" dirty="0" smtClean="0"/>
+              <a:t>Exemplo</a:t>
+            </a:r>
+            <a:r>
+              <a:rPr lang="pt-BR" sz="1200" dirty="0" smtClean="0"/>
+              <a:t>: </a:t>
+            </a:r>
+          </a:p>
+          <a:p>
+            <a:pPr marL="0" marR="0" lvl="0" indent="0" algn="l" defTabSz="914400" rtl="0" eaLnBrk="1" fontAlgn="auto" latinLnBrk="0" hangingPunct="1">
+              <a:lnSpc>
+                <a:spcPct val="100000"/>
+              </a:lnSpc>
+              <a:spcBef>
+                <a:spcPts val="0"/>
+              </a:spcBef>
+              <a:spcAft>
+                <a:spcPts val="0"/>
+              </a:spcAft>
+              <a:buClrTx/>
+              <a:buSzTx/>
+              <a:buFontTx/>
+              <a:buNone/>
+              <a:tabLst/>
+              <a:defRPr/>
+            </a:pPr>
+            <a:endParaRPr lang="pt-BR" sz="1200" dirty="0" smtClean="0"/>
+          </a:p>
+          <a:p>
+            <a:pPr marL="0" marR="0" lvl="0" indent="0" algn="l" defTabSz="914400" rtl="0" eaLnBrk="1" fontAlgn="auto" latinLnBrk="0" hangingPunct="1">
+              <a:lnSpc>
+                <a:spcPct val="100000"/>
+              </a:lnSpc>
+              <a:spcBef>
+                <a:spcPts val="0"/>
+              </a:spcBef>
+              <a:spcAft>
+                <a:spcPts val="0"/>
+              </a:spcAft>
+              <a:buClrTx/>
+              <a:buSzTx/>
+              <a:buFontTx/>
+              <a:buNone/>
+              <a:tabLst/>
+              <a:defRPr/>
+            </a:pPr>
+            <a:r>
+              <a:rPr lang="pt-BR" sz="1200" dirty="0" smtClean="0"/>
+              <a:t>Binder: https://</a:t>
+            </a:r>
+            <a:r>
+              <a:rPr lang="pt-BR" sz="1200" b="0" i="0" dirty="0" smtClean="0"/>
+              <a:t>mybinder.org/v2/gh/zz4fap/t320_aprendizado_de_maquina/main?filepath=notebooks%2Fclassificação%2F</a:t>
+            </a:r>
+            <a:r>
+              <a:rPr lang="pt-BR" sz="1200" b="0" i="0" kern="1200" dirty="0" smtClean="0">
+                <a:solidFill>
+                  <a:schemeClr val="tx1"/>
+                </a:solidFill>
+                <a:effectLst/>
+                <a:latin typeface="+mn-lt"/>
+                <a:ea typeface="+mn-ea"/>
+                <a:cs typeface="+mn-cs"/>
+              </a:rPr>
+              <a:t>encontrando_pesos_da_função_discriminante.ipynb</a:t>
+            </a:r>
+            <a:endParaRPr lang="pt-BR" sz="1200" b="0" i="0" dirty="0" smtClean="0"/>
+          </a:p>
+          <a:p>
+            <a:pPr marL="0" lvl="0" indent="0" algn="l" rtl="0">
+              <a:spcBef>
+                <a:spcPts val="0"/>
+              </a:spcBef>
+              <a:spcAft>
+                <a:spcPts val="0"/>
+              </a:spcAft>
+              <a:buNone/>
+            </a:pPr>
+            <a:endParaRPr lang="pt-BR" sz="1200" dirty="0" smtClean="0">
+              <a:solidFill>
+                <a:srgbClr val="222222"/>
+              </a:solidFill>
+              <a:highlight>
+                <a:srgbClr val="FFFFFF"/>
+              </a:highlight>
+              <a:latin typeface="Arial"/>
+              <a:ea typeface="Arial"/>
+              <a:cs typeface="Arial"/>
+              <a:sym typeface="Arial"/>
+            </a:endParaRPr>
+          </a:p>
+          <a:p>
+            <a:pPr marL="0" lvl="0" indent="0" algn="l" rtl="0">
+              <a:spcBef>
+                <a:spcPts val="0"/>
+              </a:spcBef>
+              <a:spcAft>
+                <a:spcPts val="0"/>
+              </a:spcAft>
+              <a:buNone/>
+            </a:pPr>
+            <a:r>
+              <a:rPr lang="pt-BR" sz="1200" dirty="0" smtClean="0">
+                <a:solidFill>
+                  <a:srgbClr val="222222"/>
+                </a:solidFill>
+                <a:highlight>
+                  <a:srgbClr val="FFFFFF"/>
+                </a:highlight>
+                <a:latin typeface="Arial"/>
+                <a:ea typeface="Arial"/>
+                <a:cs typeface="Arial"/>
+                <a:sym typeface="Arial"/>
+              </a:rPr>
+              <a:t>Colab: </a:t>
+            </a:r>
+            <a:r>
+              <a:rPr lang="pt-BR" sz="1200" dirty="0" smtClean="0"/>
+              <a:t>https://colab.research.google.com/github/zz4fap/t320_aprendizado_de_maquina/blob/main/notebooks/</a:t>
+            </a:r>
+            <a:r>
+              <a:rPr lang="pt-BR" sz="1200" b="0" i="0" dirty="0" smtClean="0"/>
+              <a:t>classificação</a:t>
+            </a:r>
+            <a:r>
+              <a:rPr lang="pt-BR" sz="1200" dirty="0" smtClean="0"/>
+              <a:t>/</a:t>
+            </a:r>
+            <a:r>
+              <a:rPr lang="pt-BR" sz="1200" b="0" i="0" kern="1200" dirty="0" smtClean="0">
+                <a:solidFill>
+                  <a:schemeClr val="tx1"/>
+                </a:solidFill>
+                <a:effectLst/>
+                <a:latin typeface="+mn-lt"/>
+                <a:ea typeface="+mn-ea"/>
+                <a:cs typeface="+mn-cs"/>
+              </a:rPr>
+              <a:t>encontrando_pesos_da_função_discriminante.ipynb</a:t>
+            </a:r>
+            <a:endParaRPr lang="pt-BR" sz="1200" dirty="0" smtClean="0">
+              <a:solidFill>
+                <a:srgbClr val="222222"/>
+              </a:solidFill>
+              <a:highlight>
+                <a:srgbClr val="FFFFFF"/>
+              </a:highlight>
+              <a:latin typeface="Arial"/>
+              <a:ea typeface="Arial"/>
+              <a:cs typeface="Arial"/>
+              <a:sym typeface="Arial"/>
+            </a:endParaRPr>
+          </a:p>
+          <a:p>
+            <a:endParaRPr lang="pt-BR" dirty="0"/>
+          </a:p>
+        </p:txBody>
+      </p:sp>
+      <p:sp>
+        <p:nvSpPr>
+          <p:cNvPr id="4" name="Slide Number Placeholder 3"/>
+          <p:cNvSpPr>
+            <a:spLocks noGrp="1"/>
+          </p:cNvSpPr>
+          <p:nvPr>
+            <p:ph type="sldNum" sz="quarter" idx="10"/>
+          </p:nvPr>
+        </p:nvSpPr>
+        <p:spPr/>
+        <p:txBody>
+          <a:bodyPr/>
+          <a:lstStyle/>
+          <a:p>
+            <a:fld id="{6FC8D850-966F-45A6-8DE7-15B891E7D40D}" type="slidenum">
+              <a:rPr lang="pt-BR" smtClean="0"/>
+              <a:t>18</a:t>
+            </a:fld>
+            <a:endParaRPr lang="pt-BR"/>
+          </a:p>
+        </p:txBody>
+      </p:sp>
+    </p:spTree>
+    <p:extLst>
+      <p:ext uri="{BB962C8B-B14F-4D97-AF65-F5344CB8AC3E}">
+        <p14:creationId xmlns:p14="http://schemas.microsoft.com/office/powerpoint/2010/main" val="2185196274"/>
+      </p:ext>
+    </p:extLst>
+  </p:cSld>
+  <p:clrMapOvr>
+    <a:masterClrMapping/>
+  </p:clrMapOvr>
+</p:notes>
+</file>
+
+<file path=ppt/notesSlides/notesSlide12.xml><?xml version="1.0" encoding="utf-8"?>
+<p:notes xmlns:a="http://schemas.openxmlformats.org/drawingml/2006/main" xmlns:r="http://schemas.openxmlformats.org/officeDocument/2006/relationships" xmlns:p="http://schemas.openxmlformats.org/presentationml/2006/main">
+  <p:cSld>
+    <p:spTree>
+      <p:nvGrpSpPr>
+        <p:cNvPr id="1" name=""/>
+        <p:cNvGrpSpPr/>
+        <p:nvPr/>
+      </p:nvGrpSpPr>
+      <p:grpSpPr>
+        <a:xfrm>
+          <a:off x="0" y="0"/>
+          <a:ext cx="0" cy="0"/>
+          <a:chOff x="0" y="0"/>
+          <a:chExt cx="0" cy="0"/>
+        </a:xfrm>
+      </p:grpSpPr>
+      <p:sp>
+        <p:nvSpPr>
+          <p:cNvPr id="2" name="Slide Image Placeholder 1"/>
+          <p:cNvSpPr>
+            <a:spLocks noGrp="1" noRot="1" noChangeAspect="1"/>
+          </p:cNvSpPr>
+          <p:nvPr>
+            <p:ph type="sldImg"/>
+          </p:nvPr>
+        </p:nvSpPr>
+        <p:spPr/>
+      </p:sp>
+      <p:sp>
+        <p:nvSpPr>
+          <p:cNvPr id="3" name="Notes Placeholder 2"/>
+          <p:cNvSpPr>
+            <a:spLocks noGrp="1"/>
+          </p:cNvSpPr>
+          <p:nvPr>
+            <p:ph type="body" idx="1"/>
+          </p:nvPr>
+        </p:nvSpPr>
+        <p:spPr/>
+        <p:txBody>
+          <a:bodyPr/>
+          <a:lstStyle/>
+          <a:p>
+            <a:r>
+              <a:rPr lang="pt-BR" sz="1200" b="1" dirty="0" smtClean="0"/>
+              <a:t>Laboratório #1</a:t>
+            </a:r>
+            <a:r>
+              <a:rPr lang="pt-BR" sz="1200" dirty="0" smtClean="0"/>
+              <a:t>: https://mybinder.org/v2/gh/zz4fap/t320_aprendizado_de_maquina/main?filepath=labs%2FLaboratorio1.ipynb</a:t>
+            </a:r>
+          </a:p>
+          <a:p>
+            <a:endParaRPr lang="pt-BR" sz="1200" dirty="0"/>
+          </a:p>
+        </p:txBody>
+      </p:sp>
+      <p:sp>
+        <p:nvSpPr>
+          <p:cNvPr id="4" name="Slide Number Placeholder 3"/>
+          <p:cNvSpPr>
+            <a:spLocks noGrp="1"/>
+          </p:cNvSpPr>
+          <p:nvPr>
+            <p:ph type="sldNum" sz="quarter" idx="10"/>
+          </p:nvPr>
+        </p:nvSpPr>
+        <p:spPr/>
+        <p:txBody>
+          <a:bodyPr/>
+          <a:lstStyle/>
+          <a:p>
+            <a:fld id="{6FC8D850-966F-45A6-8DE7-15B891E7D40D}" type="slidenum">
+              <a:rPr lang="pt-BR" smtClean="0"/>
+              <a:t>19</a:t>
+            </a:fld>
+            <a:endParaRPr lang="pt-BR"/>
+          </a:p>
+        </p:txBody>
+      </p:sp>
+    </p:spTree>
+    <p:extLst>
+      <p:ext uri="{BB962C8B-B14F-4D97-AF65-F5344CB8AC3E}">
+        <p14:creationId xmlns:p14="http://schemas.microsoft.com/office/powerpoint/2010/main" val="1758614388"/>
       </p:ext>
     </p:extLst>
   </p:cSld>
@@ -1204,15 +1662,7 @@
           <a:bodyPr/>
           <a:lstStyle/>
           <a:p>
-            <a:r>
-              <a:rPr lang="pt-BR" dirty="0" smtClean="0"/>
-              <a:t>As fronteiras de decisão são definidas por funções (lineares ou não) que separam</a:t>
-            </a:r>
-            <a:r>
-              <a:rPr lang="pt-BR" baseline="0" dirty="0" smtClean="0"/>
-              <a:t> ou discriminam as classes. Essas funções são normalmente chamadas de funções discriminantes, pois vão discriminar (ou separar) as classes.</a:t>
-            </a:r>
-            <a:endParaRPr lang="pt-BR" dirty="0" smtClean="0"/>
+            <a:endParaRPr lang="pt-BR" dirty="0"/>
           </a:p>
         </p:txBody>
       </p:sp>
@@ -1233,7 +1683,7 @@
           <a:p>
             <a:fld id="{6FC8D850-966F-45A6-8DE7-15B891E7D40D}" type="slidenum">
               <a:rPr lang="pt-BR" smtClean="0"/>
-              <a:t>13</a:t>
+              <a:t>9</a:t>
             </a:fld>
             <a:endParaRPr lang="pt-BR"/>
           </a:p>
@@ -1242,7 +1692,7 @@
     </p:spTree>
     <p:extLst>
       <p:ext uri="{BB962C8B-B14F-4D97-AF65-F5344CB8AC3E}">
-        <p14:creationId xmlns:p14="http://schemas.microsoft.com/office/powerpoint/2010/main" val="1009120767"/>
+        <p14:creationId xmlns:p14="http://schemas.microsoft.com/office/powerpoint/2010/main" val="1865048012"/>
       </p:ext>
     </p:extLst>
   </p:cSld>
@@ -1281,48 +1731,197 @@
         </p:nvSpPr>
         <p:spPr/>
       </p:sp>
-      <p:sp>
-        <p:nvSpPr>
-          <p:cNvPr id="3" name="Notes Placeholder 2"/>
-          <p:cNvSpPr>
-            <a:spLocks noGrp="1"/>
-          </p:cNvSpPr>
-          <p:nvPr>
-            <p:ph type="body" idx="1"/>
-          </p:nvPr>
-        </p:nvSpPr>
-        <p:spPr/>
-        <p:txBody>
-          <a:bodyPr/>
-          <a:lstStyle/>
-          <a:p>
-            <a:pPr marL="0" marR="0" lvl="0" indent="0" algn="l" defTabSz="914400" rtl="0" eaLnBrk="1" fontAlgn="auto" latinLnBrk="0" hangingPunct="1">
-              <a:lnSpc>
-                <a:spcPct val="100000"/>
-              </a:lnSpc>
-              <a:spcBef>
-                <a:spcPts val="0"/>
-              </a:spcBef>
-              <a:spcAft>
-                <a:spcPts val="0"/>
-              </a:spcAft>
-              <a:buClrTx/>
-              <a:buSzTx/>
-              <a:buFontTx/>
-              <a:buNone/>
-              <a:tabLst/>
-              <a:defRPr/>
-            </a:pPr>
-            <a:r>
-              <a:rPr lang="pt-BR" dirty="0" smtClean="0"/>
-              <a:t>Para um problema de classificação de duas classes, pode-se visualizar a operação de um classificador linear como a divisão de um espaço de entrada de alta dimensão com um hiperplano: todos os pontos de um lado do hiperplano são classificados como "sim", enquanto os outros são classificados como "não".</a:t>
-            </a:r>
-          </a:p>
-          <a:p>
-            <a:endParaRPr lang="pt-BR" dirty="0"/>
-          </a:p>
-        </p:txBody>
-      </p:sp>
+      <mc:AlternateContent xmlns:mc="http://schemas.openxmlformats.org/markup-compatibility/2006" xmlns:a14="http://schemas.microsoft.com/office/drawing/2010/main">
+        <mc:Choice Requires="a14">
+          <p:sp>
+            <p:nvSpPr>
+              <p:cNvPr id="3" name="Notes Placeholder 2"/>
+              <p:cNvSpPr>
+                <a:spLocks noGrp="1"/>
+              </p:cNvSpPr>
+              <p:nvPr>
+                <p:ph type="body" idx="1"/>
+              </p:nvPr>
+            </p:nvSpPr>
+            <p:spPr/>
+            <p:txBody>
+              <a:bodyPr/>
+              <a:lstStyle/>
+              <a:p>
+                <a:pPr marL="0" lvl="0" indent="0">
+                  <a:buFont typeface="Arial" panose="020B0604020202020204" pitchFamily="34" charset="0"/>
+                  <a:buNone/>
+                </a:pPr>
+                <a:r>
+                  <a:rPr lang="pt-BR" dirty="0" smtClean="0"/>
+                  <a:t>Como </a:t>
+                </a:r>
+                <a:r>
+                  <a:rPr lang="pt-BR" dirty="0"/>
+                  <a:t>veremos a seguir, </a:t>
+                </a:r>
+                <a14:m>
+                  <m:oMath xmlns:m="http://schemas.openxmlformats.org/officeDocument/2006/math">
+                    <m:r>
+                      <a:rPr lang="pt-BR" i="1">
+                        <a:latin typeface="Cambria Math" panose="02040503050406030204" pitchFamily="18" charset="0"/>
+                      </a:rPr>
+                      <m:t>𝑦</m:t>
+                    </m:r>
+                  </m:oMath>
+                </a14:m>
+                <a:r>
+                  <a:rPr lang="pt-BR" dirty="0"/>
+                  <a:t> pode ser um escalar </a:t>
+                </a:r>
+                <a14:m>
+                  <m:oMath xmlns:m="http://schemas.openxmlformats.org/officeDocument/2006/math">
+                    <m:sSup>
+                      <m:sSupPr>
+                        <m:ctrlPr>
+                          <a:rPr lang="pt-BR" i="1">
+                            <a:latin typeface="Cambria Math" panose="02040503050406030204" pitchFamily="18" charset="0"/>
+                            <a:ea typeface="Cambria Math" panose="02040503050406030204" pitchFamily="18" charset="0"/>
+                          </a:rPr>
+                        </m:ctrlPr>
+                      </m:sSupPr>
+                      <m:e>
+                        <m:r>
+                          <a:rPr lang="pt-BR" i="1">
+                            <a:latin typeface="Cambria Math" panose="02040503050406030204" pitchFamily="18" charset="0"/>
+                            <a:ea typeface="Cambria Math" panose="02040503050406030204" pitchFamily="18" charset="0"/>
+                          </a:rPr>
+                          <m:t>ℝ</m:t>
+                        </m:r>
+                      </m:e>
+                      <m:sup>
+                        <m:r>
+                          <a:rPr lang="pt-BR" i="1">
+                            <a:latin typeface="Cambria Math" panose="02040503050406030204" pitchFamily="18" charset="0"/>
+                            <a:ea typeface="Cambria Math" panose="02040503050406030204" pitchFamily="18" charset="0"/>
+                          </a:rPr>
+                          <m:t>1</m:t>
+                        </m:r>
+                      </m:sup>
+                    </m:sSup>
+                  </m:oMath>
+                </a14:m>
+                <a:r>
+                  <a:rPr lang="pt-BR" dirty="0"/>
+                  <a:t> ou um vetor </a:t>
+                </a:r>
+                <a14:m>
+                  <m:oMath xmlns:m="http://schemas.openxmlformats.org/officeDocument/2006/math">
+                    <m:sSup>
+                      <m:sSupPr>
+                        <m:ctrlPr>
+                          <a:rPr lang="pt-BR" i="1">
+                            <a:latin typeface="Cambria Math" panose="02040503050406030204" pitchFamily="18" charset="0"/>
+                            <a:ea typeface="Cambria Math" panose="02040503050406030204" pitchFamily="18" charset="0"/>
+                          </a:rPr>
+                        </m:ctrlPr>
+                      </m:sSupPr>
+                      <m:e>
+                        <m:r>
+                          <a:rPr lang="pt-BR" i="1">
+                            <a:latin typeface="Cambria Math" panose="02040503050406030204" pitchFamily="18" charset="0"/>
+                            <a:ea typeface="Cambria Math" panose="02040503050406030204" pitchFamily="18" charset="0"/>
+                          </a:rPr>
+                          <m:t>ℝ</m:t>
+                        </m:r>
+                      </m:e>
+                      <m:sup>
+                        <m:r>
+                          <a:rPr lang="pt-BR" i="1">
+                            <a:latin typeface="Cambria Math" panose="02040503050406030204" pitchFamily="18" charset="0"/>
+                            <a:ea typeface="Cambria Math" panose="02040503050406030204" pitchFamily="18" charset="0"/>
+                          </a:rPr>
+                          <m:t>𝑄</m:t>
+                        </m:r>
+                        <m:r>
+                          <a:rPr lang="pt-BR" i="1">
+                            <a:latin typeface="Cambria Math" panose="02040503050406030204" pitchFamily="18" charset="0"/>
+                            <a:ea typeface="Cambria Math" panose="02040503050406030204" pitchFamily="18" charset="0"/>
+                          </a:rPr>
+                          <m:t>×1</m:t>
+                        </m:r>
+                      </m:sup>
+                    </m:sSup>
+                  </m:oMath>
+                </a14:m>
+                <a:r>
+                  <a:rPr lang="pt-BR" dirty="0" smtClean="0"/>
+                  <a:t>.</a:t>
+                </a:r>
+              </a:p>
+            </p:txBody>
+          </p:sp>
+        </mc:Choice>
+        <mc:Fallback xmlns="">
+          <p:sp>
+            <p:nvSpPr>
+              <p:cNvPr id="3" name="Notes Placeholder 2"/>
+              <p:cNvSpPr>
+                <a:spLocks noGrp="1"/>
+              </p:cNvSpPr>
+              <p:nvPr>
+                <p:ph type="body" idx="1"/>
+              </p:nvPr>
+            </p:nvSpPr>
+            <p:spPr/>
+            <p:txBody>
+              <a:bodyPr/>
+              <a:lstStyle/>
+              <a:p>
+                <a:pPr marL="0" lvl="0" indent="0">
+                  <a:buFont typeface="Arial" panose="020B0604020202020204" pitchFamily="34" charset="0"/>
+                  <a:buNone/>
+                </a:pPr>
+                <a:r>
+                  <a:rPr lang="pt-BR" dirty="0" smtClean="0"/>
+                  <a:t>Como </a:t>
+                </a:r>
+                <a:r>
+                  <a:rPr lang="pt-BR" dirty="0"/>
+                  <a:t>veremos a seguir, </a:t>
+                </a:r>
+                <a:r>
+                  <a:rPr lang="pt-BR" i="0">
+                    <a:latin typeface="Cambria Math" panose="02040503050406030204" pitchFamily="18" charset="0"/>
+                  </a:rPr>
+                  <a:t>𝑦</a:t>
+                </a:r>
+                <a:r>
+                  <a:rPr lang="pt-BR" dirty="0"/>
+                  <a:t> pode ser um escalar </a:t>
+                </a:r>
+                <a:r>
+                  <a:rPr lang="pt-BR" i="0">
+                    <a:latin typeface="Cambria Math" panose="02040503050406030204" pitchFamily="18" charset="0"/>
+                    <a:ea typeface="Cambria Math" panose="02040503050406030204" pitchFamily="18" charset="0"/>
+                  </a:rPr>
+                  <a:t>ℝ^1</a:t>
+                </a:r>
+                <a:r>
+                  <a:rPr lang="pt-BR" dirty="0"/>
+                  <a:t> ou um vetor </a:t>
+                </a:r>
+                <a:r>
+                  <a:rPr lang="pt-BR" i="0">
+                    <a:latin typeface="Cambria Math" panose="02040503050406030204" pitchFamily="18" charset="0"/>
+                    <a:ea typeface="Cambria Math" panose="02040503050406030204" pitchFamily="18" charset="0"/>
+                  </a:rPr>
+                  <a:t>ℝ^(𝑄×1)</a:t>
+                </a:r>
+                <a:r>
+                  <a:rPr lang="pt-BR" dirty="0" smtClean="0"/>
+                  <a:t>.</a:t>
+                </a:r>
+              </a:p>
+            </p:txBody>
+          </p:sp>
+        </mc:Fallback>
+      </mc:AlternateContent>
       <p:sp>
         <p:nvSpPr>
           <p:cNvPr id="4" name="Slide Number Placeholder 3"/>
@@ -1338,9 +1937,9 @@
           <a:bodyPr/>
           <a:lstStyle/>
           <a:p>
-            <a:fld id="{F430A2A4-8C14-4B1A-AD48-7B6401078BF7}" type="slidenum">
+            <a:fld id="{6FC8D850-966F-45A6-8DE7-15B891E7D40D}" type="slidenum">
               <a:rPr lang="pt-BR" smtClean="0"/>
-              <a:t>14</a:t>
+              <a:t>10</a:t>
             </a:fld>
             <a:endParaRPr lang="pt-BR"/>
           </a:p>
@@ -1349,7 +1948,7 @@
     </p:spTree>
     <p:extLst>
       <p:ext uri="{BB962C8B-B14F-4D97-AF65-F5344CB8AC3E}">
-        <p14:creationId xmlns:p14="http://schemas.microsoft.com/office/powerpoint/2010/main" val="2272129351"/>
+        <p14:creationId xmlns:p14="http://schemas.microsoft.com/office/powerpoint/2010/main" val="2610010800"/>
       </p:ext>
     </p:extLst>
   </p:cSld>
@@ -1421,33 +2020,17 @@
               <a:defRPr/>
             </a:pPr>
             <a:r>
-              <a:rPr lang="pt-BR" sz="1200" b="1" dirty="0" smtClean="0"/>
-              <a:t>Exemplo</a:t>
+              <a:rPr lang="pt-BR" dirty="0" smtClean="0"/>
+              <a:t>As fronteiras de decisão são definidas por funções (lineares ou não) que separam</a:t>
             </a:r>
             <a:r>
-              <a:rPr lang="pt-BR" sz="1200" dirty="0" smtClean="0"/>
-              <a:t>: </a:t>
+              <a:rPr lang="pt-BR" baseline="0" dirty="0" smtClean="0"/>
+              <a:t> ou discriminam as classes. Essas funções são normalmente chamadas de funções discriminantes, pois vão discriminar (ou separar) as classes.</a:t>
             </a:r>
+            <a:endParaRPr lang="pt-BR" dirty="0" smtClean="0"/>
           </a:p>
           <a:p>
-            <a:pPr marL="0" marR="0" lvl="0" indent="0" algn="l" defTabSz="914400" rtl="0" eaLnBrk="1" fontAlgn="auto" latinLnBrk="0" hangingPunct="1">
-              <a:lnSpc>
-                <a:spcPct val="100000"/>
-              </a:lnSpc>
-              <a:spcBef>
-                <a:spcPts val="0"/>
-              </a:spcBef>
-              <a:spcAft>
-                <a:spcPts val="0"/>
-              </a:spcAft>
-              <a:buClrTx/>
-              <a:buSzTx/>
-              <a:buFontTx/>
-              <a:buNone/>
-              <a:tabLst/>
-              <a:defRPr/>
-            </a:pPr>
-            <a:endParaRPr lang="pt-BR" sz="1200" dirty="0" smtClean="0"/>
+            <a:endParaRPr lang="pt-BR" dirty="0" smtClean="0"/>
           </a:p>
           <a:p>
             <a:pPr marL="0" marR="0" lvl="0" indent="0" algn="l" defTabSz="914400" rtl="0" eaLnBrk="1" fontAlgn="auto" latinLnBrk="0" hangingPunct="1">
@@ -1468,111 +2051,17 @@
               <a:defRPr/>
             </a:pPr>
             <a:r>
-              <a:rPr lang="pt-BR" sz="1200" dirty="0" smtClean="0"/>
-              <a:t>Binder: https://</a:t>
+              <a:rPr lang="pt-BR" b="1" i="1" dirty="0" smtClean="0"/>
+              <a:t>fronteira de decisão</a:t>
             </a:r>
             <a:r>
-              <a:rPr lang="pt-BR" sz="1200" b="0" i="0" dirty="0" smtClean="0"/>
-              <a:t>mybinder.org/v2/gh/zz4fap/t320_aprendizado_de_maquina/main?filepath=notebooks%2Fclassificação%2F</a:t>
+              <a:rPr lang="pt-BR" b="0" i="0" dirty="0" smtClean="0"/>
+              <a:t>  é onde </a:t>
             </a:r>
             <a:r>
-              <a:rPr lang="pt-BR" sz="1200" b="0" i="0" kern="1200" dirty="0" smtClean="0">
-                <a:solidFill>
-                  <a:schemeClr val="tx1"/>
-                </a:solidFill>
-                <a:effectLst/>
-                <a:latin typeface="+mn-lt"/>
-                <a:ea typeface="+mn-ea"/>
-                <a:cs typeface="+mn-cs"/>
-              </a:rPr>
-              <a:t>encontrando_pesos_da_função_discriminante.ipynb</a:t>
+              <a:rPr lang="pt-BR" dirty="0" smtClean="0"/>
+              <a:t>onde ocorre uma indeterminação, ou seja, um empate entre diferentes classes possíveis.</a:t>
             </a:r>
-            <a:endParaRPr lang="pt-BR" sz="1200" b="0" i="0" dirty="0" smtClean="0"/>
-          </a:p>
-          <a:p>
-            <a:pPr marL="0" lvl="0" indent="0" algn="l" rtl="0">
-              <a:spcBef>
-                <a:spcPts val="0"/>
-              </a:spcBef>
-              <a:spcAft>
-                <a:spcPts val="0"/>
-              </a:spcAft>
-              <a:buNone/>
-            </a:pPr>
-            <a:endParaRPr lang="pt-BR" sz="1200" dirty="0" smtClean="0">
-              <a:solidFill>
-                <a:srgbClr val="222222"/>
-              </a:solidFill>
-              <a:highlight>
-                <a:srgbClr val="FFFFFF"/>
-              </a:highlight>
-              <a:latin typeface="Arial"/>
-              <a:ea typeface="Arial"/>
-              <a:cs typeface="Arial"/>
-              <a:sym typeface="Arial"/>
-            </a:endParaRPr>
-          </a:p>
-          <a:p>
-            <a:pPr marL="0" lvl="0" indent="0" algn="l" rtl="0">
-              <a:spcBef>
-                <a:spcPts val="0"/>
-              </a:spcBef>
-              <a:spcAft>
-                <a:spcPts val="0"/>
-              </a:spcAft>
-              <a:buNone/>
-            </a:pPr>
-            <a:r>
-              <a:rPr lang="pt-BR" sz="1200" dirty="0" smtClean="0">
-                <a:solidFill>
-                  <a:srgbClr val="222222"/>
-                </a:solidFill>
-                <a:highlight>
-                  <a:srgbClr val="FFFFFF"/>
-                </a:highlight>
-                <a:latin typeface="Arial"/>
-                <a:ea typeface="Arial"/>
-                <a:cs typeface="Arial"/>
-                <a:sym typeface="Arial"/>
-              </a:rPr>
-              <a:t>Colab: </a:t>
-            </a:r>
-            <a:r>
-              <a:rPr lang="pt-BR" sz="1200" dirty="0" smtClean="0"/>
-              <a:t>https://colab.research.google.com/github/zz4fap/t320_aprendizado_de_maquina/blob/main/notebooks/</a:t>
-            </a:r>
-            <a:r>
-              <a:rPr lang="pt-BR" sz="1200" b="0" i="0" dirty="0" smtClean="0"/>
-              <a:t>classificação</a:t>
-            </a:r>
-            <a:r>
-              <a:rPr lang="pt-BR" sz="1200" dirty="0" smtClean="0"/>
-              <a:t>/</a:t>
-            </a:r>
-            <a:r>
-              <a:rPr lang="pt-BR" sz="1200" b="0" i="0" kern="1200" dirty="0" smtClean="0">
-                <a:solidFill>
-                  <a:schemeClr val="tx1"/>
-                </a:solidFill>
-                <a:effectLst/>
-                <a:latin typeface="+mn-lt"/>
-                <a:ea typeface="+mn-ea"/>
-                <a:cs typeface="+mn-cs"/>
-              </a:rPr>
-              <a:t>encontrando_pesos_da_função_discriminante.ipynb</a:t>
-            </a:r>
-            <a:endParaRPr lang="pt-BR" sz="1200" dirty="0" smtClean="0">
-              <a:solidFill>
-                <a:srgbClr val="222222"/>
-              </a:solidFill>
-              <a:highlight>
-                <a:srgbClr val="FFFFFF"/>
-              </a:highlight>
-              <a:latin typeface="Arial"/>
-              <a:ea typeface="Arial"/>
-              <a:cs typeface="Arial"/>
-              <a:sym typeface="Arial"/>
-            </a:endParaRPr>
           </a:p>
           <a:p>
             <a:endParaRPr lang="pt-BR" dirty="0"/>
@@ -1596,7 +2085,7 @@
           <a:p>
             <a:fld id="{6FC8D850-966F-45A6-8DE7-15B891E7D40D}" type="slidenum">
               <a:rPr lang="pt-BR" smtClean="0"/>
-              <a:t>17</a:t>
+              <a:t>13</a:t>
             </a:fld>
             <a:endParaRPr lang="pt-BR"/>
           </a:p>
@@ -1605,7 +2094,7 @@
     </p:spTree>
     <p:extLst>
       <p:ext uri="{BB962C8B-B14F-4D97-AF65-F5344CB8AC3E}">
-        <p14:creationId xmlns:p14="http://schemas.microsoft.com/office/powerpoint/2010/main" val="2185196274"/>
+        <p14:creationId xmlns:p14="http://schemas.microsoft.com/office/powerpoint/2010/main" val="2490047734"/>
       </p:ext>
     </p:extLst>
   </p:cSld>
@@ -1659,17 +2148,35 @@
           <a:bodyPr/>
           <a:lstStyle/>
           <a:p>
+            <a:pPr marL="0" marR="0" lvl="0" indent="0" algn="l" defTabSz="914400" rtl="0" eaLnBrk="1" fontAlgn="auto" latinLnBrk="0" hangingPunct="1">
+              <a:lnSpc>
+                <a:spcPct val="100000"/>
+              </a:lnSpc>
+              <a:spcBef>
+                <a:spcPts val="0"/>
+              </a:spcBef>
+              <a:spcAft>
+                <a:spcPts val="0"/>
+              </a:spcAft>
+              <a:buClrTx/>
+              <a:buSzTx/>
+              <a:buFontTx/>
+              <a:buNone/>
+              <a:tabLst/>
+              <a:defRPr/>
+            </a:pPr>
             <a:r>
-              <a:rPr lang="pt-BR" sz="1200" b="1" dirty="0" smtClean="0"/>
-              <a:t>Laboratório #1</a:t>
+              <a:rPr lang="pt-BR" dirty="0" smtClean="0"/>
+              <a:t>As fronteiras de decisão são definidas por funções (lineares ou não) que separam</a:t>
             </a:r>
             <a:r>
-              <a:rPr lang="pt-BR" sz="1200" dirty="0" smtClean="0"/>
-              <a:t>: https://mybinder.org/v2/gh/zz4fap/t320_aprendizado_de_maquina/main?filepath=labs%2FLaboratorio1.ipynb</a:t>
+              <a:rPr lang="pt-BR" baseline="0" dirty="0" smtClean="0"/>
+              <a:t> ou discriminam as classes. Essas funções são normalmente chamadas de funções discriminantes, pois vão discriminar (ou separar) as classes.</a:t>
             </a:r>
+            <a:endParaRPr lang="pt-BR" dirty="0" smtClean="0"/>
           </a:p>
           <a:p>
-            <a:endParaRPr lang="pt-BR" sz="1200" dirty="0"/>
+            <a:endParaRPr lang="pt-BR" dirty="0"/>
           </a:p>
         </p:txBody>
       </p:sp>
@@ -1690,7 +2197,7 @@
           <a:p>
             <a:fld id="{6FC8D850-966F-45A6-8DE7-15B891E7D40D}" type="slidenum">
               <a:rPr lang="pt-BR" smtClean="0"/>
-              <a:t>18</a:t>
+              <a:t>14</a:t>
             </a:fld>
             <a:endParaRPr lang="pt-BR"/>
           </a:p>
@@ -1699,7 +2206,7 @@
     </p:spTree>
     <p:extLst>
       <p:ext uri="{BB962C8B-B14F-4D97-AF65-F5344CB8AC3E}">
-        <p14:creationId xmlns:p14="http://schemas.microsoft.com/office/powerpoint/2010/main" val="1758614388"/>
+        <p14:creationId xmlns:p14="http://schemas.microsoft.com/office/powerpoint/2010/main" val="1537098451"/>
       </p:ext>
     </p:extLst>
   </p:cSld>
@@ -1856,7 +2363,7 @@
           <a:p>
             <a:fld id="{63289F7E-B80B-496E-81B4-D396C37C9454}" type="datetimeFigureOut">
               <a:rPr lang="pt-BR" smtClean="0"/>
-              <a:t>22/09/2021</a:t>
+              <a:t>11/02/2022</a:t>
             </a:fld>
             <a:endParaRPr lang="pt-BR"/>
           </a:p>
@@ -2054,7 +2561,7 @@
           <a:p>
             <a:fld id="{63289F7E-B80B-496E-81B4-D396C37C9454}" type="datetimeFigureOut">
               <a:rPr lang="pt-BR" smtClean="0"/>
-              <a:t>22/09/2021</a:t>
+              <a:t>11/02/2022</a:t>
             </a:fld>
             <a:endParaRPr lang="pt-BR"/>
           </a:p>
@@ -2262,7 +2769,7 @@
           <a:p>
             <a:fld id="{63289F7E-B80B-496E-81B4-D396C37C9454}" type="datetimeFigureOut">
               <a:rPr lang="pt-BR" smtClean="0"/>
-              <a:t>22/09/2021</a:t>
+              <a:t>11/02/2022</a:t>
             </a:fld>
             <a:endParaRPr lang="pt-BR"/>
           </a:p>
@@ -2460,7 +2967,7 @@
           <a:p>
             <a:fld id="{63289F7E-B80B-496E-81B4-D396C37C9454}" type="datetimeFigureOut">
               <a:rPr lang="pt-BR" smtClean="0"/>
-              <a:t>22/09/2021</a:t>
+              <a:t>11/02/2022</a:t>
             </a:fld>
             <a:endParaRPr lang="pt-BR"/>
           </a:p>
@@ -2735,7 +3242,7 @@
           <a:p>
             <a:fld id="{63289F7E-B80B-496E-81B4-D396C37C9454}" type="datetimeFigureOut">
               <a:rPr lang="pt-BR" smtClean="0"/>
-              <a:t>22/09/2021</a:t>
+              <a:t>11/02/2022</a:t>
             </a:fld>
             <a:endParaRPr lang="pt-BR"/>
           </a:p>
@@ -3000,7 +3507,7 @@
           <a:p>
             <a:fld id="{63289F7E-B80B-496E-81B4-D396C37C9454}" type="datetimeFigureOut">
               <a:rPr lang="pt-BR" smtClean="0"/>
-              <a:t>22/09/2021</a:t>
+              <a:t>11/02/2022</a:t>
             </a:fld>
             <a:endParaRPr lang="pt-BR"/>
           </a:p>
@@ -3412,7 +3919,7 @@
           <a:p>
             <a:fld id="{63289F7E-B80B-496E-81B4-D396C37C9454}" type="datetimeFigureOut">
               <a:rPr lang="pt-BR" smtClean="0"/>
-              <a:t>22/09/2021</a:t>
+              <a:t>11/02/2022</a:t>
             </a:fld>
             <a:endParaRPr lang="pt-BR"/>
           </a:p>
@@ -3553,7 +4060,7 @@
           <a:p>
             <a:fld id="{63289F7E-B80B-496E-81B4-D396C37C9454}" type="datetimeFigureOut">
               <a:rPr lang="pt-BR" smtClean="0"/>
-              <a:t>22/09/2021</a:t>
+              <a:t>11/02/2022</a:t>
             </a:fld>
             <a:endParaRPr lang="pt-BR"/>
           </a:p>
@@ -3666,7 +4173,7 @@
           <a:p>
             <a:fld id="{63289F7E-B80B-496E-81B4-D396C37C9454}" type="datetimeFigureOut">
               <a:rPr lang="pt-BR" smtClean="0"/>
-              <a:t>22/09/2021</a:t>
+              <a:t>11/02/2022</a:t>
             </a:fld>
             <a:endParaRPr lang="pt-BR"/>
           </a:p>
@@ -3977,7 +4484,7 @@
           <a:p>
             <a:fld id="{63289F7E-B80B-496E-81B4-D396C37C9454}" type="datetimeFigureOut">
               <a:rPr lang="pt-BR" smtClean="0"/>
-              <a:t>22/09/2021</a:t>
+              <a:t>11/02/2022</a:t>
             </a:fld>
             <a:endParaRPr lang="pt-BR"/>
           </a:p>
@@ -4265,7 +4772,7 @@
           <a:p>
             <a:fld id="{63289F7E-B80B-496E-81B4-D396C37C9454}" type="datetimeFigureOut">
               <a:rPr lang="pt-BR" smtClean="0"/>
-              <a:t>22/09/2021</a:t>
+              <a:t>11/02/2022</a:t>
             </a:fld>
             <a:endParaRPr lang="pt-BR"/>
           </a:p>
@@ -4506,7 +5013,7 @@
           <a:p>
             <a:fld id="{63289F7E-B80B-496E-81B4-D396C37C9454}" type="datetimeFigureOut">
               <a:rPr lang="pt-BR" smtClean="0"/>
-              <a:t>22/09/2021</a:t>
+              <a:t>11/02/2022</a:t>
             </a:fld>
             <a:endParaRPr lang="pt-BR"/>
           </a:p>
@@ -5168,7 +5675,7 @@
             <p:spPr>
               <a:xfrm>
                 <a:off x="838199" y="1825624"/>
-                <a:ext cx="11084859" cy="4856530"/>
+                <a:ext cx="11139536" cy="5032376"/>
               </a:xfrm>
             </p:spPr>
             <p:txBody>
@@ -5178,38 +5685,20 @@
               <a:lstStyle/>
               <a:p>
                 <a:r>
-                  <a:rPr lang="pt-BR" dirty="0"/>
-                  <a:t>Como vocês devem ter percebido, </a:t>
-                </a:r>
-                <a:r>
-                  <a:rPr lang="pt-BR" b="1" i="1" dirty="0"/>
-                  <a:t>classificadores</a:t>
-                </a:r>
-                <a:r>
-                  <a:rPr lang="pt-BR" dirty="0"/>
-                  <a:t> são algoritmos com </a:t>
-                </a:r>
-                <a:r>
-                  <a:rPr lang="pt-BR" b="1" i="1" dirty="0"/>
-                  <a:t>treinamento supervisionado</a:t>
-                </a:r>
-                <a:r>
-                  <a:rPr lang="pt-BR" dirty="0" smtClean="0"/>
-                  <a:t>.</a:t>
-                </a:r>
-              </a:p>
-              <a:p>
-                <a:r>
                   <a:rPr lang="pt-BR" dirty="0" smtClean="0"/>
                   <a:t>A </a:t>
                 </a:r>
                 <a:r>
+                  <a:rPr lang="pt-BR" b="1" i="1" dirty="0"/>
+                  <a:t>saída desejada</a:t>
+                </a:r>
+                <a:r>
                   <a:rPr lang="pt-BR" dirty="0"/>
-                  <a:t>saída desejada para </a:t>
+                  <a:t> </a:t>
                 </a:r>
                 <a:r>
                   <a:rPr lang="pt-BR" dirty="0" smtClean="0"/>
-                  <a:t>um dado </a:t>
+                  <a:t>de um classificador para um </a:t>
                 </a:r>
                 <a:r>
                   <a:rPr lang="pt-BR" b="1" i="1" dirty="0" smtClean="0"/>
@@ -5231,35 +5720,221 @@
                       </a:rPr>
                       <m:t>𝒙</m:t>
                     </m:r>
+                    <m:r>
+                      <a:rPr lang="pt-BR" b="0" i="1" smtClean="0">
+                        <a:latin typeface="Cambria Math" panose="02040503050406030204" pitchFamily="18" charset="0"/>
+                      </a:rPr>
+                      <m:t>(</m:t>
+                    </m:r>
+                    <m:r>
+                      <a:rPr lang="pt-BR" b="0" i="1" smtClean="0">
+                        <a:latin typeface="Cambria Math" panose="02040503050406030204" pitchFamily="18" charset="0"/>
+                      </a:rPr>
+                      <m:t>𝑖</m:t>
+                    </m:r>
+                    <m:r>
+                      <a:rPr lang="pt-BR" b="0" i="1" smtClean="0">
+                        <a:latin typeface="Cambria Math" panose="02040503050406030204" pitchFamily="18" charset="0"/>
+                      </a:rPr>
+                      <m:t>)</m:t>
+                    </m:r>
                   </m:oMath>
                 </a14:m>
                 <a:r>
-                  <a:rPr lang="pt-BR" dirty="0" smtClean="0"/>
-                  <a:t>,</a:t>
-                </a:r>
-                <a:r>
                   <a:rPr lang="pt-BR" b="1" i="1" dirty="0" smtClean="0"/>
                   <a:t> </a:t>
                 </a:r>
                 <a:r>
                   <a:rPr lang="pt-BR" dirty="0" smtClean="0"/>
-                  <a:t>deve ser </a:t>
+                  <a:t>deve ser um valor que identifique a </a:t>
+                </a:r>
+                <a:r>
+                  <a:rPr lang="pt-BR" b="1" i="1" dirty="0" smtClean="0"/>
+                  <a:t>classe</a:t>
+                </a:r>
+                <a:r>
+                  <a:rPr lang="pt-BR" dirty="0" smtClean="0"/>
+                  <a:t> </a:t>
                 </a:r>
                 <a:r>
                   <a:rPr lang="pt-BR" dirty="0"/>
-                  <a:t>o </a:t>
+                  <a:t>à qual </a:t>
+                </a:r>
+                <a14:m>
+                  <m:oMath xmlns:m="http://schemas.openxmlformats.org/officeDocument/2006/math">
+                    <m:r>
+                      <a:rPr lang="pt-BR" b="1" i="1">
+                        <a:latin typeface="Cambria Math" panose="02040503050406030204" pitchFamily="18" charset="0"/>
+                      </a:rPr>
+                      <m:t>𝒙</m:t>
+                    </m:r>
+                    <m:d>
+                      <m:dPr>
+                        <m:ctrlPr>
+                          <a:rPr lang="pt-BR" b="1" i="1">
+                            <a:latin typeface="Cambria Math" panose="02040503050406030204" pitchFamily="18" charset="0"/>
+                          </a:rPr>
+                        </m:ctrlPr>
+                      </m:dPr>
+                      <m:e>
+                        <m:r>
+                          <a:rPr lang="pt-BR" i="1">
+                            <a:latin typeface="Cambria Math" panose="02040503050406030204" pitchFamily="18" charset="0"/>
+                          </a:rPr>
+                          <m:t>𝑖</m:t>
+                        </m:r>
+                      </m:e>
+                    </m:d>
+                  </m:oMath>
+                </a14:m>
+                <a:r>
+                  <a:rPr lang="pt-BR" dirty="0" smtClean="0"/>
+                  <a:t> pertence</a:t>
+                </a:r>
+                <a:r>
+                  <a:rPr lang="pt-BR" dirty="0"/>
+                  <a:t>. </a:t>
+                </a:r>
+                <a:endParaRPr lang="pt-BR" dirty="0" smtClean="0"/>
+              </a:p>
+              <a:p>
+                <a:r>
+                  <a:rPr lang="pt-BR" dirty="0" smtClean="0"/>
+                  <a:t>Sendo </a:t>
+                </a:r>
+                <a:r>
+                  <a:rPr lang="pt-BR" dirty="0"/>
+                  <a:t>assim, a saída </a:t>
+                </a:r>
+                <a14:m>
+                  <m:oMath xmlns:m="http://schemas.openxmlformats.org/officeDocument/2006/math">
+                    <m:acc>
+                      <m:accPr>
+                        <m:chr m:val="̂"/>
+                        <m:ctrlPr>
+                          <a:rPr lang="pt-BR" i="1" smtClean="0">
+                            <a:latin typeface="Cambria Math" panose="02040503050406030204" pitchFamily="18" charset="0"/>
+                          </a:rPr>
+                        </m:ctrlPr>
+                      </m:accPr>
+                      <m:e>
+                        <m:r>
+                          <a:rPr lang="pt-BR" b="0" i="1" smtClean="0">
+                            <a:latin typeface="Cambria Math" panose="02040503050406030204" pitchFamily="18" charset="0"/>
+                          </a:rPr>
+                          <m:t>𝑦</m:t>
+                        </m:r>
+                      </m:e>
+                    </m:acc>
+                    <m:r>
+                      <a:rPr lang="pt-BR" b="0" i="1" smtClean="0">
+                        <a:latin typeface="Cambria Math" panose="02040503050406030204" pitchFamily="18" charset="0"/>
+                      </a:rPr>
+                      <m:t>(</m:t>
+                    </m:r>
+                    <m:r>
+                      <a:rPr lang="pt-BR" b="0" i="1" smtClean="0">
+                        <a:latin typeface="Cambria Math" panose="02040503050406030204" pitchFamily="18" charset="0"/>
+                      </a:rPr>
+                      <m:t>𝑖</m:t>
+                    </m:r>
+                    <m:r>
+                      <a:rPr lang="pt-BR" b="0" i="1" smtClean="0">
+                        <a:latin typeface="Cambria Math" panose="02040503050406030204" pitchFamily="18" charset="0"/>
+                      </a:rPr>
+                      <m:t>)</m:t>
+                    </m:r>
+                  </m:oMath>
+                </a14:m>
+                <a:r>
+                  <a:rPr lang="pt-BR" dirty="0" smtClean="0"/>
+                  <a:t> </a:t>
+                </a:r>
+                <a:r>
+                  <a:rPr lang="pt-BR" dirty="0"/>
+                  <a:t>de um </a:t>
+                </a:r>
+                <a:r>
+                  <a:rPr lang="pt-BR" b="1" i="1" dirty="0"/>
+                  <a:t>classificador</a:t>
+                </a:r>
+                <a:r>
+                  <a:rPr lang="pt-BR" dirty="0"/>
+                  <a:t>, </a:t>
+                </a:r>
+                <a:r>
+                  <a:rPr lang="pt-BR" dirty="0" smtClean="0"/>
+                  <a:t>é </a:t>
+                </a:r>
+                <a:r>
+                  <a:rPr lang="pt-BR" dirty="0"/>
+                  <a:t>uma variável </a:t>
+                </a:r>
+                <a:r>
+                  <a:rPr lang="pt-BR" b="1" i="1" dirty="0"/>
+                  <a:t>categórica</a:t>
+                </a:r>
+                <a:r>
+                  <a:rPr lang="pt-BR" dirty="0"/>
+                  <a:t> (ou seja, </a:t>
+                </a:r>
+                <a:r>
+                  <a:rPr lang="pt-BR" b="1" i="1" dirty="0"/>
+                  <a:t>discreta</a:t>
+                </a:r>
+                <a:r>
+                  <a:rPr lang="pt-BR" dirty="0"/>
+                  <a:t>).</a:t>
+                </a:r>
+              </a:p>
+              <a:p>
+                <a:r>
+                  <a:rPr lang="pt-BR" dirty="0" smtClean="0"/>
+                  <a:t>Portanto, </a:t>
+                </a:r>
+                <a:r>
+                  <a:rPr lang="pt-BR" dirty="0"/>
+                  <a:t>para </a:t>
+                </a:r>
+                <a:r>
+                  <a:rPr lang="pt-BR" dirty="0" smtClean="0"/>
+                  <a:t>realizarmos </a:t>
+                </a:r>
+                <a:r>
+                  <a:rPr lang="pt-BR" dirty="0"/>
+                  <a:t>o treinamento do </a:t>
                 </a:r>
                 <a:r>
                   <a:rPr lang="pt-BR" b="1" i="1" dirty="0" smtClean="0"/>
-                  <a:t>rótulo</a:t>
+                  <a:t>modelo de classificação</a:t>
                 </a:r>
                 <a:r>
                   <a:rPr lang="pt-BR" dirty="0" smtClean="0"/>
-                  <a:t>,</a:t>
+                  <a:t>, devemos escolher </a:t>
+                </a:r>
+                <a:r>
+                  <a:rPr lang="pt-BR" dirty="0"/>
+                  <a:t>uma </a:t>
+                </a:r>
+                <a:r>
+                  <a:rPr lang="pt-BR" b="1" i="1" dirty="0"/>
+                  <a:t>representação numérica </a:t>
+                </a:r>
+                <a:r>
+                  <a:rPr lang="pt-BR" dirty="0"/>
+                  <a:t>para a </a:t>
+                </a:r>
+                <a:r>
+                  <a:rPr lang="pt-BR" b="1" i="1" dirty="0"/>
+                  <a:t>saída </a:t>
                 </a:r>
                 <a:r>
                   <a:rPr lang="pt-BR" b="1" i="1" dirty="0" smtClean="0"/>
-                  <a:t> </a:t>
+                  <a:t>desejada</a:t>
+                </a:r>
+                <a:r>
+                  <a:rPr lang="pt-BR" dirty="0" smtClean="0"/>
+                  <a:t>, </a:t>
                 </a:r>
                 <a14:m>
                   <m:oMath xmlns:m="http://schemas.openxmlformats.org/officeDocument/2006/math">
@@ -5273,150 +5948,45 @@
                 </a14:m>
                 <a:r>
                   <a:rPr lang="pt-BR" dirty="0" smtClean="0"/>
-                  <a:t>, </a:t>
-                </a:r>
-                <a:r>
-                  <a:rPr lang="pt-BR" dirty="0"/>
-                  <a:t>da classe à qual </a:t>
-                </a:r>
-                <a:r>
-                  <a:rPr lang="pt-BR" dirty="0" smtClean="0"/>
-                  <a:t>ele pertence</a:t>
-                </a:r>
-                <a:r>
-                  <a:rPr lang="pt-BR" dirty="0"/>
                   <a:t>. </a:t>
                 </a:r>
-                <a:endParaRPr lang="pt-BR" dirty="0" smtClean="0"/>
               </a:p>
               <a:p>
                 <a:r>
                   <a:rPr lang="pt-BR" dirty="0" smtClean="0"/>
-                  <a:t>Sendo </a:t>
+                  <a:t>Assim, como veremos a seguir, duas </a:t>
                 </a:r>
                 <a:r>
                   <a:rPr lang="pt-BR" dirty="0"/>
-                  <a:t>assim, a saída </a:t>
-                </a:r>
-                <a14:m>
-                  <m:oMath xmlns:m="http://schemas.openxmlformats.org/officeDocument/2006/math">
-                    <m:r>
-                      <a:rPr lang="pt-BR" i="1">
-                        <a:latin typeface="Cambria Math" panose="02040503050406030204" pitchFamily="18" charset="0"/>
-                      </a:rPr>
-                      <m:t>𝑦</m:t>
-                    </m:r>
-                  </m:oMath>
-                </a14:m>
+                  <a:t>opções podem ser </a:t>
+                </a:r>
+                <a:r>
+                  <a:rPr lang="pt-BR" dirty="0" smtClean="0"/>
+                  <a:t>adotadas, dependendo se a </a:t>
+                </a:r>
                 <a:r>
                   <a:rPr lang="pt-BR" dirty="0"/>
-                  <a:t> de um </a:t>
-                </a:r>
-                <a:r>
-                  <a:rPr lang="pt-BR" b="1" i="1" dirty="0"/>
-                  <a:t>classificador</a:t>
-                </a:r>
-                <a:r>
-                  <a:rPr lang="pt-BR" dirty="0"/>
-                  <a:t>, </a:t>
+                  <a:t>classificação </a:t>
                 </a:r>
                 <a:r>
                   <a:rPr lang="pt-BR" dirty="0" smtClean="0"/>
                   <a:t>é </a:t>
                 </a:r>
                 <a:r>
-                  <a:rPr lang="pt-BR" dirty="0"/>
-                  <a:t>uma variável </a:t>
-                </a:r>
-                <a:r>
-                  <a:rPr lang="pt-BR" b="1" i="1" dirty="0"/>
-                  <a:t>categórica</a:t>
-                </a:r>
-                <a:r>
-                  <a:rPr lang="pt-BR" dirty="0"/>
-                  <a:t> (ou seja, </a:t>
-                </a:r>
-                <a:r>
-                  <a:rPr lang="pt-BR" b="1" i="1" dirty="0"/>
-                  <a:t>discreta</a:t>
-                </a:r>
-                <a:r>
-                  <a:rPr lang="pt-BR" dirty="0"/>
-                  <a:t>).</a:t>
-                </a:r>
-              </a:p>
-              <a:p>
+                  <a:rPr lang="pt-BR" b="1" i="1" dirty="0" smtClean="0"/>
+                  <a:t>binária</a:t>
+                </a:r>
                 <a:r>
                   <a:rPr lang="pt-BR" dirty="0" smtClean="0"/>
-                  <a:t>Portanto, </a:t>
-                </a:r>
-                <a:r>
-                  <a:rPr lang="pt-BR" dirty="0"/>
-                  <a:t>para </a:t>
+                  <a:t> ou </a:t>
+                </a:r>
+                <a:r>
+                  <a:rPr lang="pt-BR" b="1" i="1" dirty="0" smtClean="0"/>
+                  <a:t>multi-classes</a:t>
                 </a:r>
                 <a:r>
                   <a:rPr lang="pt-BR" dirty="0" smtClean="0"/>
-                  <a:t>realizarmos </a:t>
-                </a:r>
-                <a:r>
-                  <a:rPr lang="pt-BR" dirty="0"/>
-                  <a:t>o treinamento do modelo, é </a:t>
-                </a:r>
-                <a:r>
-                  <a:rPr lang="pt-BR" dirty="0" smtClean="0"/>
-                  <a:t>necessário escolher </a:t>
-                </a:r>
-                <a:r>
-                  <a:rPr lang="pt-BR" dirty="0"/>
-                  <a:t>uma </a:t>
-                </a:r>
-                <a:r>
-                  <a:rPr lang="pt-BR" b="1" i="1" dirty="0"/>
-                  <a:t>representação numérica </a:t>
-                </a:r>
-                <a:r>
-                  <a:rPr lang="pt-BR" dirty="0"/>
-                  <a:t>para a saída </a:t>
-                </a:r>
-                <a:r>
-                  <a:rPr lang="pt-BR" dirty="0" smtClean="0"/>
-                  <a:t>desejada, ou seja, </a:t>
-                </a:r>
-                <a14:m>
-                  <m:oMath xmlns:m="http://schemas.openxmlformats.org/officeDocument/2006/math">
-                    <m:r>
-                      <a:rPr lang="pt-BR" i="1">
-                        <a:latin typeface="Cambria Math" panose="02040503050406030204" pitchFamily="18" charset="0"/>
-                      </a:rPr>
-                      <m:t>𝑦</m:t>
-                    </m:r>
-                  </m:oMath>
-                </a14:m>
-                <a:r>
-                  <a:rPr lang="pt-BR" dirty="0" smtClean="0"/>
-                  <a:t>. </a:t>
-                </a:r>
-              </a:p>
-              <a:p>
-                <a:r>
-                  <a:rPr lang="pt-BR" dirty="0" smtClean="0"/>
-                  <a:t>Assim, como veremos a seguir, duas </a:t>
-                </a:r>
-                <a:r>
-                  <a:rPr lang="pt-BR" dirty="0"/>
-                  <a:t>opções podem ser </a:t>
-                </a:r>
-                <a:r>
-                  <a:rPr lang="pt-BR" dirty="0" smtClean="0"/>
-                  <a:t>adotadas, dependendo </a:t>
-                </a:r>
-                <a:r>
-                  <a:rPr lang="pt-BR" dirty="0"/>
-                  <a:t>do tipo de classificação a ser </a:t>
-                </a:r>
-                <a:r>
-                  <a:rPr lang="pt-BR" dirty="0" smtClean="0"/>
-                  <a:t>feita.</a:t>
+                  <a:t>.</a:t>
                 </a:r>
                 <a:endParaRPr lang="pt-BR" dirty="0"/>
               </a:p>
@@ -5437,12 +6007,12 @@
             <p:spPr>
               <a:xfrm>
                 <a:off x="838199" y="1825624"/>
-                <a:ext cx="11084859" cy="4856530"/>
+                <a:ext cx="11139536" cy="5032376"/>
               </a:xfrm>
               <a:blipFill rotWithShape="0">
-                <a:blip r:embed="rId2"/>
+                <a:blip r:embed="rId3"/>
                 <a:stretch>
-                  <a:fillRect l="-935" t="-2008" r="-1154"/>
+                  <a:fillRect l="-930" t="-1937" r="-1641"/>
                 </a:stretch>
               </a:blipFill>
             </p:spPr>
@@ -5461,6 +6031,390 @@
           </p:sp>
         </mc:Fallback>
       </mc:AlternateContent>
+      <p:grpSp>
+        <p:nvGrpSpPr>
+          <p:cNvPr id="12" name="Group 11"/>
+          <p:cNvGrpSpPr/>
+          <p:nvPr/>
+        </p:nvGrpSpPr>
+        <p:grpSpPr>
+          <a:xfrm>
+            <a:off x="4463439" y="5613149"/>
+            <a:ext cx="3889055" cy="805758"/>
+            <a:chOff x="4415426" y="5866646"/>
+            <a:chExt cx="3889055" cy="805758"/>
+          </a:xfrm>
+        </p:grpSpPr>
+        <p:sp>
+          <p:nvSpPr>
+            <p:cNvPr id="4" name="Rectangle 3"/>
+            <p:cNvSpPr/>
+            <p:nvPr/>
+          </p:nvSpPr>
+          <p:spPr>
+            <a:xfrm>
+              <a:off x="5323439" y="5866646"/>
+              <a:ext cx="1548142" cy="805758"/>
+            </a:xfrm>
+            <a:prstGeom prst="rect">
+              <a:avLst/>
+            </a:prstGeom>
+            <a:noFill/>
+            <a:ln>
+              <a:solidFill>
+                <a:schemeClr val="tx1"/>
+              </a:solidFill>
+            </a:ln>
+          </p:spPr>
+          <p:style>
+            <a:lnRef idx="2">
+              <a:schemeClr val="accent1">
+                <a:shade val="50000"/>
+              </a:schemeClr>
+            </a:lnRef>
+            <a:fillRef idx="1">
+              <a:schemeClr val="accent1"/>
+            </a:fillRef>
+            <a:effectRef idx="0">
+              <a:schemeClr val="accent1"/>
+            </a:effectRef>
+            <a:fontRef idx="minor">
+              <a:schemeClr val="lt1"/>
+            </a:fontRef>
+          </p:style>
+          <p:txBody>
+            <a:bodyPr rtlCol="0" anchor="ctr"/>
+            <a:lstStyle/>
+            <a:p>
+              <a:pPr algn="ctr"/>
+              <a:r>
+                <a:rPr lang="pt-BR" b="1" dirty="0" smtClean="0">
+                  <a:solidFill>
+                    <a:schemeClr val="tx1"/>
+                  </a:solidFill>
+                </a:rPr>
+                <a:t>Classificador</a:t>
+              </a:r>
+              <a:endParaRPr lang="pt-BR" b="1" dirty="0">
+                <a:solidFill>
+                  <a:schemeClr val="tx1"/>
+                </a:solidFill>
+              </a:endParaRPr>
+            </a:p>
+          </p:txBody>
+        </p:sp>
+        <p:cxnSp>
+          <p:nvCxnSpPr>
+            <p:cNvPr id="6" name="Straight Arrow Connector 5"/>
+            <p:cNvCxnSpPr/>
+            <p:nvPr/>
+          </p:nvCxnSpPr>
+          <p:spPr>
+            <a:xfrm>
+              <a:off x="4963439" y="6269525"/>
+              <a:ext cx="360000" cy="0"/>
+            </a:xfrm>
+            <a:prstGeom prst="straightConnector1">
+              <a:avLst/>
+            </a:prstGeom>
+            <a:ln>
+              <a:tailEnd type="triangle"/>
+            </a:ln>
+          </p:spPr>
+          <p:style>
+            <a:lnRef idx="1">
+              <a:schemeClr val="accent1"/>
+            </a:lnRef>
+            <a:fillRef idx="0">
+              <a:schemeClr val="accent1"/>
+            </a:fillRef>
+            <a:effectRef idx="0">
+              <a:schemeClr val="accent1"/>
+            </a:effectRef>
+            <a:fontRef idx="minor">
+              <a:schemeClr val="tx1"/>
+            </a:fontRef>
+          </p:style>
+        </p:cxnSp>
+        <p:cxnSp>
+          <p:nvCxnSpPr>
+            <p:cNvPr id="9" name="Straight Arrow Connector 8"/>
+            <p:cNvCxnSpPr/>
+            <p:nvPr/>
+          </p:nvCxnSpPr>
+          <p:spPr>
+            <a:xfrm>
+              <a:off x="6871581" y="6269525"/>
+              <a:ext cx="360000" cy="0"/>
+            </a:xfrm>
+            <a:prstGeom prst="straightConnector1">
+              <a:avLst/>
+            </a:prstGeom>
+            <a:ln>
+              <a:tailEnd type="triangle"/>
+            </a:ln>
+          </p:spPr>
+          <p:style>
+            <a:lnRef idx="1">
+              <a:schemeClr val="accent1"/>
+            </a:lnRef>
+            <a:fillRef idx="0">
+              <a:schemeClr val="accent1"/>
+            </a:fillRef>
+            <a:effectRef idx="0">
+              <a:schemeClr val="accent1"/>
+            </a:effectRef>
+            <a:fontRef idx="minor">
+              <a:schemeClr val="tx1"/>
+            </a:fontRef>
+          </p:style>
+        </p:cxnSp>
+        <mc:AlternateContent xmlns:mc="http://schemas.openxmlformats.org/markup-compatibility/2006" xmlns:a14="http://schemas.microsoft.com/office/drawing/2010/main">
+          <mc:Choice Requires="a14">
+            <p:sp>
+              <p:nvSpPr>
+                <p:cNvPr id="10" name="Rectangle 9"/>
+                <p:cNvSpPr/>
+                <p:nvPr/>
+              </p:nvSpPr>
+              <p:spPr>
+                <a:xfrm>
+                  <a:off x="4415426" y="6066753"/>
+                  <a:ext cx="643253" cy="369332"/>
+                </a:xfrm>
+                <a:prstGeom prst="rect">
+                  <a:avLst/>
+                </a:prstGeom>
+              </p:spPr>
+              <p:txBody>
+                <a:bodyPr wrap="none">
+                  <a:spAutoFit/>
+                </a:bodyPr>
+                <a:lstStyle/>
+                <a:p>
+                  <a:pPr/>
+                  <a14:m>
+                    <m:oMathPara xmlns:m="http://schemas.openxmlformats.org/officeDocument/2006/math">
+                      <m:oMathParaPr>
+                        <m:jc m:val="centerGroup"/>
+                      </m:oMathParaPr>
+                      <m:oMath xmlns:m="http://schemas.openxmlformats.org/officeDocument/2006/math">
+                        <m:r>
+                          <a:rPr lang="pt-BR" b="1" i="1">
+                            <a:latin typeface="Cambria Math" panose="02040503050406030204" pitchFamily="18" charset="0"/>
+                          </a:rPr>
+                          <m:t>𝒙</m:t>
+                        </m:r>
+                        <m:d>
+                          <m:dPr>
+                            <m:ctrlPr>
+                              <a:rPr lang="pt-BR" i="1">
+                                <a:latin typeface="Cambria Math" panose="02040503050406030204" pitchFamily="18" charset="0"/>
+                              </a:rPr>
+                            </m:ctrlPr>
+                          </m:dPr>
+                          <m:e>
+                            <m:r>
+                              <a:rPr lang="pt-BR" i="1">
+                                <a:latin typeface="Cambria Math" panose="02040503050406030204" pitchFamily="18" charset="0"/>
+                              </a:rPr>
+                              <m:t>𝑖</m:t>
+                            </m:r>
+                          </m:e>
+                        </m:d>
+                      </m:oMath>
+                    </m:oMathPara>
+                  </a14:m>
+                  <a:endParaRPr lang="pt-BR" dirty="0"/>
+                </a:p>
+              </p:txBody>
+            </p:sp>
+          </mc:Choice>
+          <mc:Fallback xmlns="">
+            <p:sp>
+              <p:nvSpPr>
+                <p:cNvPr id="10" name="Rectangle 9"/>
+                <p:cNvSpPr>
+                  <a:spLocks noRot="1" noChangeAspect="1" noMove="1" noResize="1" noEditPoints="1" noAdjustHandles="1" noChangeArrowheads="1" noChangeShapeType="1" noTextEdit="1"/>
+                </p:cNvSpPr>
+                <p:nvPr/>
+              </p:nvSpPr>
+              <p:spPr>
+                <a:xfrm>
+                  <a:off x="4415426" y="6066753"/>
+                  <a:ext cx="643253" cy="369332"/>
+                </a:xfrm>
+                <a:prstGeom prst="rect">
+                  <a:avLst/>
+                </a:prstGeom>
+                <a:blipFill rotWithShape="0">
+                  <a:blip r:embed="rId4"/>
+                  <a:stretch>
+                    <a:fillRect/>
+                  </a:stretch>
+                </a:blipFill>
+              </p:spPr>
+              <p:txBody>
+                <a:bodyPr/>
+                <a:lstStyle/>
+                <a:p>
+                  <a:r>
+                    <a:rPr lang="pt-BR">
+                      <a:noFill/>
+                    </a:rPr>
+                    <a:t> </a:t>
+                  </a:r>
+                </a:p>
+              </p:txBody>
+            </p:sp>
+          </mc:Fallback>
+        </mc:AlternateContent>
+        <mc:AlternateContent xmlns:mc="http://schemas.openxmlformats.org/markup-compatibility/2006" xmlns:a14="http://schemas.microsoft.com/office/drawing/2010/main">
+          <mc:Choice Requires="a14">
+            <p:sp>
+              <p:nvSpPr>
+                <p:cNvPr id="11" name="Rectangle 10"/>
+                <p:cNvSpPr/>
+                <p:nvPr/>
+              </p:nvSpPr>
+              <p:spPr>
+                <a:xfrm>
+                  <a:off x="7136341" y="6066753"/>
+                  <a:ext cx="1168140" cy="375552"/>
+                </a:xfrm>
+                <a:prstGeom prst="rect">
+                  <a:avLst/>
+                </a:prstGeom>
+              </p:spPr>
+              <p:txBody>
+                <a:bodyPr wrap="none">
+                  <a:spAutoFit/>
+                </a:bodyPr>
+                <a:lstStyle/>
+                <a:p>
+                  <a:r>
+                    <a:rPr lang="pt-BR" dirty="0"/>
+                    <a:t> </a:t>
+                  </a:r>
+                  <a14:m>
+                    <m:oMath xmlns:m="http://schemas.openxmlformats.org/officeDocument/2006/math">
+                      <m:acc>
+                        <m:accPr>
+                          <m:chr m:val="̂"/>
+                          <m:ctrlPr>
+                            <a:rPr lang="pt-BR" i="1">
+                              <a:latin typeface="Cambria Math" panose="02040503050406030204" pitchFamily="18" charset="0"/>
+                            </a:rPr>
+                          </m:ctrlPr>
+                        </m:accPr>
+                        <m:e>
+                          <m:r>
+                            <a:rPr lang="pt-BR" i="1">
+                              <a:latin typeface="Cambria Math" panose="02040503050406030204" pitchFamily="18" charset="0"/>
+                            </a:rPr>
+                            <m:t>𝑦</m:t>
+                          </m:r>
+                        </m:e>
+                      </m:acc>
+                      <m:d>
+                        <m:dPr>
+                          <m:ctrlPr>
+                            <a:rPr lang="pt-BR" i="1">
+                              <a:latin typeface="Cambria Math" panose="02040503050406030204" pitchFamily="18" charset="0"/>
+                            </a:rPr>
+                          </m:ctrlPr>
+                        </m:dPr>
+                        <m:e>
+                          <m:r>
+                            <a:rPr lang="pt-BR" i="1">
+                              <a:latin typeface="Cambria Math" panose="02040503050406030204" pitchFamily="18" charset="0"/>
+                            </a:rPr>
+                            <m:t>𝑖</m:t>
+                          </m:r>
+                        </m:e>
+                      </m:d>
+                      <m:r>
+                        <a:rPr lang="pt-BR" i="1" smtClean="0">
+                          <a:latin typeface="Cambria Math" panose="02040503050406030204" pitchFamily="18" charset="0"/>
+                          <a:ea typeface="Cambria Math" panose="02040503050406030204" pitchFamily="18" charset="0"/>
+                        </a:rPr>
+                        <m:t>∈</m:t>
+                      </m:r>
+                      <m:sSup>
+                        <m:sSupPr>
+                          <m:ctrlPr>
+                            <a:rPr lang="pt-BR" i="1">
+                              <a:latin typeface="Cambria Math" panose="02040503050406030204" pitchFamily="18" charset="0"/>
+                              <a:ea typeface="Cambria Math" panose="02040503050406030204" pitchFamily="18" charset="0"/>
+                            </a:rPr>
+                          </m:ctrlPr>
+                        </m:sSupPr>
+                        <m:e>
+                          <m:r>
+                            <a:rPr lang="pt-BR" i="1">
+                              <a:latin typeface="Cambria Math" panose="02040503050406030204" pitchFamily="18" charset="0"/>
+                              <a:ea typeface="Cambria Math" panose="02040503050406030204" pitchFamily="18" charset="0"/>
+                            </a:rPr>
+                            <m:t>ℝ</m:t>
+                          </m:r>
+                        </m:e>
+                        <m:sup>
+                          <m:r>
+                            <a:rPr lang="pt-BR" b="0" i="1" smtClean="0">
+                              <a:latin typeface="Cambria Math" panose="02040503050406030204" pitchFamily="18" charset="0"/>
+                              <a:ea typeface="Cambria Math" panose="02040503050406030204" pitchFamily="18" charset="0"/>
+                            </a:rPr>
+                            <m:t>?</m:t>
+                          </m:r>
+                        </m:sup>
+                      </m:sSup>
+                    </m:oMath>
+                  </a14:m>
+                  <a:endParaRPr lang="pt-BR" dirty="0"/>
+                </a:p>
+              </p:txBody>
+            </p:sp>
+          </mc:Choice>
+          <mc:Fallback xmlns="">
+            <p:sp>
+              <p:nvSpPr>
+                <p:cNvPr id="11" name="Rectangle 10"/>
+                <p:cNvSpPr>
+                  <a:spLocks noRot="1" noChangeAspect="1" noMove="1" noResize="1" noEditPoints="1" noAdjustHandles="1" noChangeArrowheads="1" noChangeShapeType="1" noTextEdit="1"/>
+                </p:cNvSpPr>
+                <p:nvPr/>
+              </p:nvSpPr>
+              <p:spPr>
+                <a:xfrm>
+                  <a:off x="7136341" y="6066753"/>
+                  <a:ext cx="1168140" cy="375552"/>
+                </a:xfrm>
+                <a:prstGeom prst="rect">
+                  <a:avLst/>
+                </a:prstGeom>
+                <a:blipFill rotWithShape="0">
+                  <a:blip r:embed="rId5"/>
+                  <a:stretch>
+                    <a:fillRect t="-4918" b="-6557"/>
+                  </a:stretch>
+                </a:blipFill>
+              </p:spPr>
+              <p:txBody>
+                <a:bodyPr/>
+                <a:lstStyle/>
+                <a:p>
+                  <a:r>
+                    <a:rPr lang="pt-BR">
+                      <a:noFill/>
+                    </a:rPr>
+                    <a:t> </a:t>
+                  </a:r>
+                </a:p>
+              </p:txBody>
+            </p:sp>
+          </mc:Fallback>
+        </mc:AlternateContent>
+      </p:grpSp>
     </p:spTree>
     <p:extLst>
       <p:ext uri="{BB962C8B-B14F-4D97-AF65-F5344CB8AC3E}">
@@ -5520,8 +6474,8 @@
           </a:p>
         </p:txBody>
       </p:sp>
-      <mc:AlternateContent xmlns:mc="http://schemas.openxmlformats.org/markup-compatibility/2006" xmlns:a14="http://schemas.microsoft.com/office/drawing/2010/main">
-        <mc:Choice Requires="a14">
+      <mc:AlternateContent xmlns:mc="http://schemas.openxmlformats.org/markup-compatibility/2006">
+        <mc:Choice xmlns:a14="http://schemas.microsoft.com/office/drawing/2010/main" Requires="a14">
           <p:sp>
             <p:nvSpPr>
               <p:cNvPr id="3" name="Content Placeholder 2"/>
@@ -5657,7 +6611,15 @@
                 </a14:m>
                 <a:r>
                   <a:rPr lang="pt-BR" dirty="0" smtClean="0"/>
-                  <a:t> é chamada de classe negativa e </a:t>
+                  <a:t> é chamada de </a:t>
+                </a:r>
+                <a:r>
+                  <a:rPr lang="pt-BR" b="1" i="1" dirty="0" smtClean="0"/>
+                  <a:t>classe negativa </a:t>
+                </a:r>
+                <a:r>
+                  <a:rPr lang="pt-BR" dirty="0" smtClean="0"/>
+                  <a:t>e </a:t>
                 </a:r>
                 <a14:m>
                   <m:oMath xmlns:m="http://schemas.openxmlformats.org/officeDocument/2006/math">
@@ -5690,13 +6652,29 @@
                 </a14:m>
                 <a:r>
                   <a:rPr lang="pt-BR" dirty="0" smtClean="0"/>
-                  <a:t> a classe positiva. </a:t>
+                  <a:t> a </a:t>
+                </a:r>
+                <a:r>
+                  <a:rPr lang="pt-BR" b="1" i="1" dirty="0" smtClean="0"/>
+                  <a:t>classe positiva</a:t>
+                </a:r>
+                <a:r>
+                  <a:rPr lang="pt-BR" dirty="0" smtClean="0"/>
+                  <a:t>. </a:t>
                 </a:r>
               </a:p>
               <a:p>
                 <a:r>
                   <a:rPr lang="pt-BR" dirty="0" smtClean="0"/>
-                  <a:t>Portanto, neste caso, podemos utilizar </a:t>
+                  <a:t>Portanto, </a:t>
+                </a:r>
+                <a:r>
+                  <a:rPr lang="pt-BR" dirty="0" smtClean="0"/>
+                  <a:t>nesse </a:t>
+                </a:r>
+                <a:r>
+                  <a:rPr lang="pt-BR" dirty="0" smtClean="0"/>
+                  <a:t>caso, podemos utilizar </a:t>
                 </a:r>
                 <a:r>
                   <a:rPr lang="pt-BR" b="1" i="1" dirty="0"/>
@@ -5712,11 +6690,23 @@
                 </a:r>
                 <a:r>
                   <a:rPr lang="pt-BR" dirty="0"/>
-                  <a:t>indicar a classe correspondente ao </a:t>
+                  <a:t>indicar a </a:t>
+                </a:r>
+                <a:r>
+                  <a:rPr lang="pt-BR" b="1" i="1" dirty="0"/>
+                  <a:t>classe</a:t>
+                </a:r>
+                <a:r>
+                  <a:rPr lang="pt-BR" dirty="0"/>
+                  <a:t> correspondente ao </a:t>
+                </a:r>
+                <a:r>
+                  <a:rPr lang="pt-BR" b="1" i="1" dirty="0" smtClean="0"/>
+                  <a:t>exemplo de entrada</a:t>
                 </a:r>
                 <a:r>
                   <a:rPr lang="pt-BR" dirty="0" smtClean="0"/>
-                  <a:t>exemplo de entrada:</a:t>
+                  <a:t>:</a:t>
                 </a:r>
               </a:p>
               <a:p>
@@ -6621,7 +7611,7 @@
             </p:txBody>
           </p:sp>
         </mc:Choice>
-        <mc:Fallback xmlns="">
+        <mc:Fallback>
           <p:sp>
             <p:nvSpPr>
               <p:cNvPr id="3" name="Content Placeholder 2"/>
@@ -6789,7 +7779,15 @@
                 </a:pPr>
                 <a:r>
                   <a:rPr lang="pt-BR" dirty="0" smtClean="0"/>
-                  <a:t>Geralmente, neste caso, o classificador terá </a:t>
+                  <a:t>Geralmente, </a:t>
+                </a:r>
+                <a:r>
+                  <a:rPr lang="pt-BR" dirty="0" smtClean="0"/>
+                  <a:t>nesse </a:t>
+                </a:r>
+                <a:r>
+                  <a:rPr lang="pt-BR" dirty="0" smtClean="0"/>
+                  <a:t>caso, o classificador terá </a:t>
                 </a:r>
                 <a14:m>
                   <m:oMath xmlns:m="http://schemas.openxmlformats.org/officeDocument/2006/math">
@@ -6882,15 +7880,7 @@
                 <a:pPr lvl="1"/>
                 <a:r>
                   <a:rPr lang="pt-BR" dirty="0" smtClean="0"/>
-                  <a:t>Ou seja, as saídas são vetores com o valor 1 no elemento representando a classe do exemplo de entrada e 0 nos </a:t>
-                </a:r>
-                <a:r>
-                  <a:rPr lang="pt-BR" dirty="0" smtClean="0"/>
-                  <a:t>demais elementos</a:t>
-                </a:r>
-                <a:r>
-                  <a:rPr lang="pt-BR" dirty="0" smtClean="0"/>
-                  <a:t>. </a:t>
+                  <a:t>Ou seja, as saídas são vetores com o valor 1 no elemento representando a classe do exemplo de entrada e 0 nos demais elementos. </a:t>
                 </a:r>
               </a:p>
               <a:p>
@@ -6900,7 +7890,7 @@
                 </a:pPr>
                 <a:r>
                   <a:rPr lang="pt-BR" dirty="0" smtClean="0"/>
-                  <a:t>Neste </a:t>
+                  <a:t>Nesse </a:t>
                 </a:r>
                 <a:r>
                   <a:rPr lang="pt-BR" dirty="0"/>
@@ -6912,27 +7902,35 @@
                 </a:r>
                 <a:r>
                   <a:rPr lang="pt-BR" dirty="0"/>
-                  <a:t> produz múltiplas saídas, cada </a:t>
+                  <a:t> </a:t>
                 </a:r>
                 <a:r>
                   <a:rPr lang="pt-BR" dirty="0" smtClean="0"/>
-                  <a:t>uma representando </a:t>
+                  <a:t>possui </a:t>
+                </a:r>
+                <a:r>
+                  <a:rPr lang="pt-BR" b="1" i="1" dirty="0" smtClean="0"/>
+                  <a:t>múltiplas </a:t>
+                </a:r>
+                <a:r>
+                  <a:rPr lang="pt-BR" b="1" i="1" dirty="0"/>
+                  <a:t>saídas</a:t>
                 </a:r>
                 <a:r>
                   <a:rPr lang="pt-BR" dirty="0"/>
-                  <a:t>a </a:t>
-                </a:r>
-                <a:r>
-                  <a:rPr lang="pt-BR" b="1" i="1" dirty="0" smtClean="0"/>
-                  <a:t>probabilidade</a:t>
+                  <a:t>, cada </a:t>
                 </a:r>
                 <a:r>
                   <a:rPr lang="pt-BR" dirty="0" smtClean="0"/>
-                  <a:t>, como veremos mais tarde, do exemplo de entrada pertencer </a:t>
+                  <a:t>uma </a:t>
+                </a:r>
+                <a:r>
+                  <a:rPr lang="pt-BR" dirty="0" smtClean="0"/>
+                  <a:t>representando </a:t>
                 </a:r>
                 <a:r>
                   <a:rPr lang="pt-BR" dirty="0"/>
-                  <a:t>a uma classe específica. </a:t>
+                  <a:t>uma classe específica. </a:t>
                 </a:r>
                 <a:endParaRPr lang="pt-BR" dirty="0" smtClean="0"/>
               </a:p>
@@ -6991,16 +7989,33 @@
                 </a:r>
                 <a:r>
                   <a:rPr lang="pt-BR" dirty="0" smtClean="0"/>
-                  <a:t>. Como vocês as representariam com o </a:t>
-                </a:r>
-                <a:r>
-                  <a:rPr lang="pt-BR" b="1" i="1" dirty="0"/>
-                  <a:t>one-hot encoding</a:t>
+                  <a:t>. Como </a:t>
+                </a:r>
+                <a:r>
+                  <a:rPr lang="pt-BR" dirty="0" smtClean="0"/>
+                  <a:t>seria a representação </a:t>
+                </a:r>
+                <a:r>
+                  <a:rPr lang="pt-BR" dirty="0" smtClean="0"/>
+                  <a:t>com </a:t>
+                </a:r>
+                <a:r>
+                  <a:rPr lang="pt-BR" dirty="0" smtClean="0"/>
+                  <a:t>codificação </a:t>
+                </a:r>
+                <a:r>
+                  <a:rPr lang="pt-BR" b="1" i="1" dirty="0" smtClean="0"/>
+                  <a:t>one-hot</a:t>
                 </a:r>
                 <a:r>
                   <a:rPr lang="pt-BR" dirty="0" smtClean="0"/>
                   <a:t>?</a:t>
                 </a:r>
+              </a:p>
+              <a:p>
+                <a:pPr marL="457200" lvl="1" indent="0">
+                  <a:buNone/>
+                </a:pPr>
                 <a:endParaRPr lang="pt-BR" sz="1700" dirty="0" smtClean="0"/>
               </a:p>
               <a:p>
@@ -7925,12 +8940,7 @@
             <p:ph type="title"/>
           </p:nvPr>
         </p:nvSpPr>
-        <p:spPr>
-          <a:xfrm>
-            <a:off x="838200" y="165094"/>
-            <a:ext cx="10515600" cy="1031874"/>
-          </a:xfrm>
-        </p:spPr>
+        <p:spPr/>
         <p:txBody>
           <a:bodyPr/>
           <a:lstStyle/>
@@ -7942,8 +8952,8 @@
           </a:p>
         </p:txBody>
       </p:sp>
-      <mc:AlternateContent xmlns:mc="http://schemas.openxmlformats.org/markup-compatibility/2006" xmlns:a14="http://schemas.microsoft.com/office/drawing/2010/main">
-        <mc:Choice Requires="a14">
+      <mc:AlternateContent xmlns:mc="http://schemas.openxmlformats.org/markup-compatibility/2006">
+        <mc:Choice xmlns:a14="http://schemas.microsoft.com/office/drawing/2010/main" Requires="a14">
           <p:sp>
             <p:nvSpPr>
               <p:cNvPr id="3" name="Content Placeholder 2"/>
@@ -7956,13 +8966,13 @@
             </p:nvSpPr>
             <p:spPr>
               <a:xfrm>
-                <a:off x="838199" y="1301038"/>
-                <a:ext cx="11177589" cy="3914782"/>
+                <a:off x="838200" y="1825624"/>
+                <a:ext cx="8314853" cy="5032375"/>
               </a:xfrm>
             </p:spPr>
             <p:txBody>
               <a:bodyPr>
-                <a:normAutofit fontScale="77500" lnSpcReduction="20000"/>
+                <a:normAutofit fontScale="92500"/>
               </a:bodyPr>
               <a:lstStyle/>
               <a:p>
@@ -7971,43 +8981,48 @@
                   <a:t>Antes, usávamos </a:t>
                 </a:r>
                 <a:r>
-                  <a:rPr lang="pt-BR" b="1" i="1" dirty="0" smtClean="0"/>
+                  <a:rPr lang="pt-BR" b="1" i="1" dirty="0"/>
                   <a:t>funções hipótese</a:t>
                 </a:r>
                 <a:r>
-                  <a:rPr lang="pt-BR" dirty="0" smtClean="0"/>
+                  <a:rPr lang="pt-BR" dirty="0"/>
                   <a:t> para aproximar um </a:t>
                 </a:r>
                 <a:r>
-                  <a:rPr lang="pt-BR" b="1" i="1" dirty="0" smtClean="0"/>
+                  <a:rPr lang="pt-BR" b="1" i="1" dirty="0"/>
                   <a:t>modelo gerador</a:t>
                 </a:r>
                 <a:r>
-                  <a:rPr lang="pt-BR" dirty="0" smtClean="0"/>
+                  <a:rPr lang="pt-BR" dirty="0"/>
                   <a:t>, agora, as usaremos para separar classes.</a:t>
                 </a:r>
               </a:p>
               <a:p>
                 <a:r>
                   <a:rPr lang="pt-BR" dirty="0"/>
-                  <a:t>O espaço </a:t>
+                  <a:t>Para facilitar o entendimento, vamos imaginar o </a:t>
+                </a:r>
+                <a:r>
+                  <a:rPr lang="pt-BR" b="1" i="1" dirty="0"/>
+                  <a:t>espaço </a:t>
+                </a:r>
+                <a:r>
+                  <a:rPr lang="pt-BR" b="1" i="1" dirty="0" smtClean="0"/>
+                  <a:t>bi-dimensional</a:t>
+                </a:r>
+                <a:r>
+                  <a:rPr lang="pt-BR" dirty="0" smtClean="0"/>
+                  <a:t>,</a:t>
                 </a:r>
                 <a14:m>
                   <m:oMath xmlns:m="http://schemas.openxmlformats.org/officeDocument/2006/math">
                     <m:r>
-                      <a:rPr lang="pt-BR" i="1">
+                      <a:rPr lang="pt-BR" b="0" i="0" smtClean="0">
                         <a:latin typeface="Cambria Math" panose="02040503050406030204" pitchFamily="18" charset="0"/>
+                        <a:ea typeface="Cambria Math" panose="02040503050406030204" pitchFamily="18" charset="0"/>
                       </a:rPr>
-                      <m:t>𝐾</m:t>
+                      <m:t>   </m:t>
                     </m:r>
-                  </m:oMath>
-                </a14:m>
-                <a:r>
-                  <a:rPr lang="pt-BR" dirty="0"/>
-                  <a:t> dimensional (i.e., </a:t>
-                </a:r>
-                <a14:m>
-                  <m:oMath xmlns:m="http://schemas.openxmlformats.org/officeDocument/2006/math">
                     <m:sSup>
                       <m:sSupPr>
                         <m:ctrlPr>
@@ -8032,23 +9047,96 @@
                             <a:latin typeface="Cambria Math" panose="02040503050406030204" pitchFamily="18" charset="0"/>
                             <a:ea typeface="Cambria Math" panose="02040503050406030204" pitchFamily="18" charset="0"/>
                           </a:rPr>
-                          <m:t>𝐾</m:t>
+                          <m:t>2</m:t>
                         </m:r>
                       </m:sup>
                     </m:sSup>
                   </m:oMath>
                 </a14:m>
                 <a:r>
+                  <a:rPr lang="pt-BR" dirty="0" smtClean="0"/>
+                  <a:t>, criado pelos </a:t>
+                </a:r>
+                <a:r>
+                  <a:rPr lang="pt-BR" b="1" i="1" dirty="0" smtClean="0"/>
+                  <a:t>atributos </a:t>
+                </a:r>
+                <a14:m>
+                  <m:oMath xmlns:m="http://schemas.openxmlformats.org/officeDocument/2006/math">
+                    <m:sSub>
+                      <m:sSubPr>
+                        <m:ctrlPr>
+                          <a:rPr lang="pt-BR" i="1" smtClean="0">
+                            <a:latin typeface="Cambria Math" panose="02040503050406030204" pitchFamily="18" charset="0"/>
+                          </a:rPr>
+                        </m:ctrlPr>
+                      </m:sSubPr>
+                      <m:e>
+                        <m:r>
+                          <a:rPr lang="pt-BR" b="0" i="1" smtClean="0">
+                            <a:latin typeface="Cambria Math" panose="02040503050406030204" pitchFamily="18" charset="0"/>
+                          </a:rPr>
+                          <m:t>𝑥</m:t>
+                        </m:r>
+                      </m:e>
+                      <m:sub>
+                        <m:r>
+                          <a:rPr lang="pt-BR" b="0" i="1" smtClean="0">
+                            <a:latin typeface="Cambria Math" panose="02040503050406030204" pitchFamily="18" charset="0"/>
+                          </a:rPr>
+                          <m:t>1</m:t>
+                        </m:r>
+                      </m:sub>
+                    </m:sSub>
+                  </m:oMath>
+                </a14:m>
+                <a:r>
+                  <a:rPr lang="pt-BR" dirty="0" smtClean="0"/>
+                  <a:t>e</a:t>
+                </a:r>
+                <a:r>
+                  <a:rPr lang="pt-BR" b="1" i="1" dirty="0" smtClean="0"/>
+                  <a:t> </a:t>
+                </a:r>
+                <a14:m>
+                  <m:oMath xmlns:m="http://schemas.openxmlformats.org/officeDocument/2006/math">
+                    <m:sSub>
+                      <m:sSubPr>
+                        <m:ctrlPr>
+                          <a:rPr lang="pt-BR" i="1">
+                            <a:latin typeface="Cambria Math" panose="02040503050406030204" pitchFamily="18" charset="0"/>
+                          </a:rPr>
+                        </m:ctrlPr>
+                      </m:sSubPr>
+                      <m:e>
+                        <m:r>
+                          <a:rPr lang="pt-BR" i="1">
+                            <a:latin typeface="Cambria Math" panose="02040503050406030204" pitchFamily="18" charset="0"/>
+                          </a:rPr>
+                          <m:t>𝑥</m:t>
+                        </m:r>
+                      </m:e>
+                      <m:sub>
+                        <m:r>
+                          <a:rPr lang="pt-BR" b="0" i="1" smtClean="0">
+                            <a:latin typeface="Cambria Math" panose="02040503050406030204" pitchFamily="18" charset="0"/>
+                          </a:rPr>
+                          <m:t>2</m:t>
+                        </m:r>
+                      </m:sub>
+                    </m:sSub>
+                  </m:oMath>
+                </a14:m>
+                <a:r>
+                  <a:rPr lang="pt-BR" dirty="0" smtClean="0"/>
+                  <a:t>.</a:t>
+                </a:r>
+                <a:endParaRPr lang="pt-BR" dirty="0"/>
+              </a:p>
+              <a:p>
+                <a:r>
                   <a:rPr lang="pt-BR" dirty="0"/>
-                  <a:t>) criado pelos </a:t>
-                </a:r>
-                <a:r>
-                  <a:rPr lang="pt-BR" b="1" i="1" dirty="0"/>
-                  <a:t>atributos </a:t>
-                </a:r>
-                <a:r>
-                  <a:rPr lang="pt-BR" dirty="0" smtClean="0"/>
-                  <a:t>é </a:t>
+                  <a:t>Esse espaço pode ser </a:t>
                 </a:r>
                 <a:r>
                   <a:rPr lang="pt-BR" dirty="0"/>
@@ -8059,15 +9147,15 @@
                   <a:t>regiões de </a:t>
                 </a:r>
                 <a:r>
-                  <a:rPr lang="pt-BR" b="1" i="1" dirty="0" smtClean="0"/>
+                  <a:rPr lang="pt-BR" b="1" i="1" dirty="0"/>
                   <a:t>decisão</a:t>
                 </a:r>
                 <a:r>
-                  <a:rPr lang="pt-BR" dirty="0" smtClean="0"/>
+                  <a:rPr lang="pt-BR" dirty="0"/>
                   <a:t>,</a:t>
                 </a:r>
                 <a:r>
-                  <a:rPr lang="pt-BR" b="1" i="1" dirty="0" smtClean="0"/>
+                  <a:rPr lang="pt-BR" b="1" i="1" dirty="0"/>
                   <a:t> </a:t>
                 </a:r>
                 <a14:m>
@@ -8128,18 +9216,28 @@
                 </a14:m>
                 <a:r>
                   <a:rPr lang="pt-BR" dirty="0"/>
-                  <a:t>, as quais </a:t>
-                </a:r>
-                <a:r>
-                  <a:rPr lang="pt-BR" dirty="0" smtClean="0"/>
-                  <a:t>são separadas </a:t>
+                  <a:t>, </a:t>
                 </a:r>
                 <a:r>
                   <a:rPr lang="pt-BR" dirty="0"/>
-                  <a:t>pelas </a:t>
-                </a:r>
-                <a:r>
-                  <a:rPr lang="pt-BR" b="1" i="1" dirty="0" smtClean="0"/>
+                  <a:t>onde cada </a:t>
+                </a:r>
+                <a:r>
+                  <a:rPr lang="pt-BR" b="1" i="1" dirty="0"/>
+                  <a:t>região</a:t>
+                </a:r>
+                <a:r>
+                  <a:rPr lang="pt-BR" dirty="0"/>
+                  <a:t> corresponde a uma classe.</a:t>
+                </a:r>
+              </a:p>
+              <a:p>
+                <a:r>
+                  <a:rPr lang="pt-BR" dirty="0"/>
+                  <a:t>As regiões de decisão são separadas por </a:t>
+                </a:r>
+                <a:r>
+                  <a:rPr lang="pt-BR" b="1" i="1" dirty="0"/>
                   <a:t>fronteiras </a:t>
                 </a:r>
                 <a:r>
@@ -8147,42 +9245,53 @@
                   <a:t>de </a:t>
                 </a:r>
                 <a:r>
-                  <a:rPr lang="pt-BR" b="1" i="1" dirty="0" smtClean="0"/>
+                  <a:rPr lang="pt-BR" b="1" i="1" dirty="0"/>
                   <a:t>decisão</a:t>
                 </a:r>
                 <a:r>
-                  <a:rPr lang="pt-BR" dirty="0"/>
+                  <a:rPr lang="pt-BR" dirty="0" smtClean="0"/>
                   <a:t>.</a:t>
                 </a:r>
-                <a:endParaRPr lang="pt-BR" dirty="0" smtClean="0"/>
               </a:p>
               <a:p>
                 <a:r>
+                  <a:rPr lang="pt-BR" dirty="0"/>
+                  <a:t>Uma </a:t>
+                </a:r>
+                <a:r>
+                  <a:rPr lang="pt-BR" b="1" i="1" dirty="0"/>
+                  <a:t>fronteira de decisão </a:t>
+                </a:r>
+                <a:r>
+                  <a:rPr lang="pt-BR" dirty="0"/>
+                  <a:t>corresponde a uma </a:t>
+                </a:r>
+                <a:r>
+                  <a:rPr lang="pt-BR" b="1" i="1" dirty="0"/>
+                  <a:t>superfície </a:t>
+                </a:r>
+                <a:r>
                   <a:rPr lang="pt-BR" dirty="0" smtClean="0"/>
-                  <a:t>Uma </a:t>
+                  <a:t>(também chamada </a:t>
+                </a:r>
+                <a:r>
+                  <a:rPr lang="pt-BR" dirty="0"/>
+                  <a:t>de </a:t>
+                </a:r>
+                <a:r>
+                  <a:rPr lang="pt-BR" b="1" i="1" dirty="0" smtClean="0"/>
+                  <a:t>superfície </a:t>
                 </a:r>
                 <a:r>
                   <a:rPr lang="pt-BR" b="1" i="1" dirty="0"/>
-                  <a:t>f</a:t>
-                </a:r>
-                <a:r>
-                  <a:rPr lang="pt-BR" b="1" i="1" dirty="0" smtClean="0"/>
-                  <a:t>ronteira </a:t>
+                  <a:t>de separação</a:t>
+                </a:r>
+                <a:r>
+                  <a:rPr lang="pt-BR" dirty="0"/>
+                  <a:t>)</a:t>
                 </a:r>
                 <a:r>
                   <a:rPr lang="pt-BR" b="1" i="1" dirty="0"/>
-                  <a:t>de decisão </a:t>
-                </a:r>
-                <a:r>
-                  <a:rPr lang="pt-BR" dirty="0" smtClean="0"/>
-                  <a:t>corresponde a uma </a:t>
-                </a:r>
-                <a:r>
-                  <a:rPr lang="pt-BR" b="1" i="1" dirty="0" smtClean="0"/>
-                  <a:t>superfície de decisão</a:t>
-                </a:r>
-                <a:r>
-                  <a:rPr lang="pt-BR" dirty="0" smtClean="0"/>
                   <a:t> </a:t>
                 </a:r>
                 <a:r>
@@ -8191,195 +9300,17 @@
                 </a:r>
                 <a:r>
                   <a:rPr lang="pt-BR" b="1" i="1" dirty="0"/>
-                  <a:t>espaço </a:t>
-                </a:r>
-                <a:r>
-                  <a:rPr lang="pt-BR" b="1" i="1" dirty="0" smtClean="0"/>
-                  <a:t>de </a:t>
-                </a:r>
-                <a:r>
-                  <a:rPr lang="pt-BR" b="1" i="1" dirty="0"/>
-                  <a:t>atributos </a:t>
-                </a:r>
-                <a:r>
-                  <a:rPr lang="pt-BR" dirty="0"/>
-                  <a:t>onde ocorre uma indeterminação, </a:t>
+                  <a:t>espaço de atributos </a:t>
                 </a:r>
                 <a:r>
                   <a:rPr lang="pt-BR" dirty="0" smtClean="0"/>
-                  <a:t>ou</a:t>
-                </a:r>
-                <a:r>
-                  <a:rPr lang="pt-BR" dirty="0"/>
-                  <a:t> </a:t>
-                </a:r>
-                <a:r>
-                  <a:rPr lang="pt-BR" dirty="0" smtClean="0"/>
-                  <a:t>seja, </a:t>
-                </a:r>
-                <a:r>
-                  <a:rPr lang="pt-BR" dirty="0"/>
-                  <a:t>um empate entre diferentes classes possíveis</a:t>
-                </a:r>
-                <a:r>
-                  <a:rPr lang="pt-BR" dirty="0" smtClean="0"/>
-                  <a:t>.</a:t>
-                </a:r>
-              </a:p>
-              <a:p>
-                <a:r>
-                  <a:rPr lang="pt-BR" dirty="0"/>
-                  <a:t>As </a:t>
-                </a:r>
-                <a:r>
-                  <a:rPr lang="pt-BR" b="1" i="1" dirty="0" smtClean="0"/>
-                  <a:t>superfícies </a:t>
-                </a:r>
-                <a:r>
-                  <a:rPr lang="pt-BR" b="1" i="1" dirty="0"/>
-                  <a:t>de decisão</a:t>
-                </a:r>
-                <a:r>
-                  <a:rPr lang="pt-BR" dirty="0"/>
-                  <a:t> </a:t>
-                </a:r>
-                <a:r>
-                  <a:rPr lang="pt-BR" dirty="0" smtClean="0"/>
-                  <a:t>podem </a:t>
-                </a:r>
-                <a:r>
-                  <a:rPr lang="pt-BR" dirty="0"/>
-                  <a:t>ser </a:t>
-                </a:r>
-                <a:r>
-                  <a:rPr lang="pt-BR" b="1" i="1" dirty="0"/>
-                  <a:t>lineares</a:t>
-                </a:r>
-                <a:r>
-                  <a:rPr lang="pt-BR" dirty="0"/>
-                  <a:t> (e.g., retas e planos) ou </a:t>
-                </a:r>
-                <a:r>
-                  <a:rPr lang="pt-BR" b="1" i="1" dirty="0"/>
-                  <a:t>não-lineares</a:t>
-                </a:r>
-                <a:r>
-                  <a:rPr lang="pt-BR" dirty="0"/>
-                  <a:t> (e.g., </a:t>
-                </a:r>
-                <a:r>
-                  <a:rPr lang="pt-BR" dirty="0" smtClean="0"/>
-                  <a:t>círculos).</a:t>
-                </a:r>
-              </a:p>
-              <a:p>
-                <a:r>
-                  <a:rPr lang="pt-BR" dirty="0" smtClean="0"/>
-                  <a:t>As </a:t>
-                </a:r>
-                <a:r>
-                  <a:rPr lang="pt-BR" b="1" i="1" dirty="0" smtClean="0"/>
-                  <a:t>superfícies </a:t>
-                </a:r>
-                <a:r>
-                  <a:rPr lang="pt-BR" b="1" i="1" dirty="0"/>
-                  <a:t>de decisão </a:t>
-                </a:r>
-                <a:r>
-                  <a:rPr lang="pt-BR" dirty="0"/>
-                  <a:t>são definidas por </a:t>
-                </a:r>
-                <a:r>
-                  <a:rPr lang="pt-BR" b="1" i="1" dirty="0"/>
-                  <a:t>funções</a:t>
-                </a:r>
-                <a:r>
-                  <a:rPr lang="pt-BR" dirty="0"/>
-                  <a:t> (lineares ou não) que separam </a:t>
-                </a:r>
-                <a:r>
-                  <a:rPr lang="pt-BR" dirty="0" smtClean="0"/>
-                  <a:t>as </a:t>
-                </a:r>
-                <a:r>
-                  <a:rPr lang="pt-BR" dirty="0"/>
-                  <a:t>classes. </a:t>
-                </a:r>
-                <a:endParaRPr lang="pt-BR" dirty="0" smtClean="0"/>
-              </a:p>
-              <a:p>
-                <a:r>
-                  <a:rPr lang="pt-BR" dirty="0" smtClean="0"/>
-                  <a:t>Essas </a:t>
-                </a:r>
-                <a:r>
-                  <a:rPr lang="pt-BR" dirty="0"/>
-                  <a:t>funções são normalmente chamadas de </a:t>
-                </a:r>
-                <a:r>
-                  <a:rPr lang="pt-BR" b="1" i="1" dirty="0"/>
-                  <a:t>funções </a:t>
-                </a:r>
-                <a:r>
-                  <a:rPr lang="pt-BR" b="1" i="1" dirty="0" smtClean="0"/>
-                  <a:t>discriminantes</a:t>
-                </a:r>
-                <a:r>
-                  <a:rPr lang="pt-BR" dirty="0"/>
-                  <a:t>, pois </a:t>
-                </a:r>
-                <a:r>
-                  <a:rPr lang="pt-BR" dirty="0" smtClean="0"/>
-                  <a:t>separam </a:t>
-                </a:r>
-                <a:r>
-                  <a:rPr lang="pt-BR" dirty="0"/>
-                  <a:t>as classes</a:t>
-                </a:r>
-                <a:r>
-                  <a:rPr lang="pt-BR" dirty="0" smtClean="0"/>
-                  <a:t>.</a:t>
-                </a:r>
-              </a:p>
-              <a:p>
-                <a:r>
-                  <a:rPr lang="pt-BR" dirty="0" smtClean="0"/>
-                  <a:t>As figuras mostram </a:t>
-                </a:r>
-                <a:r>
-                  <a:rPr lang="pt-BR" b="1" i="1" dirty="0" smtClean="0"/>
-                  <a:t>regiões </a:t>
-                </a:r>
-                <a:r>
-                  <a:rPr lang="pt-BR" b="1" i="1" dirty="0"/>
-                  <a:t>de decisão </a:t>
-                </a:r>
-                <a:r>
-                  <a:rPr lang="pt-BR" dirty="0"/>
-                  <a:t>em problemas de classificação </a:t>
-                </a:r>
-                <a:r>
-                  <a:rPr lang="pt-BR" b="1" i="1" dirty="0"/>
-                  <a:t>binária</a:t>
-                </a:r>
-                <a:r>
-                  <a:rPr lang="pt-BR" dirty="0"/>
-                  <a:t> e </a:t>
-                </a:r>
-                <a:r>
-                  <a:rPr lang="pt-BR" b="1" i="1" dirty="0"/>
-                  <a:t>multi-classes</a:t>
-                </a:r>
-                <a:r>
-                  <a:rPr lang="pt-BR" dirty="0" smtClean="0"/>
-                  <a:t>.</a:t>
-                </a:r>
-                <a:endParaRPr lang="pt-BR" dirty="0"/>
+                  <a:t>que separe as classes de forma ótima.</a:t>
+                </a:r>
               </a:p>
             </p:txBody>
           </p:sp>
         </mc:Choice>
-        <mc:Fallback xmlns="">
+        <mc:Fallback>
           <p:sp>
             <p:nvSpPr>
               <p:cNvPr id="3" name="Content Placeholder 2"/>
@@ -8392,13 +9323,13 @@
             </p:nvSpPr>
             <p:spPr>
               <a:xfrm>
-                <a:off x="838199" y="1301038"/>
-                <a:ext cx="11177589" cy="3914782"/>
+                <a:off x="838200" y="1825624"/>
+                <a:ext cx="8314853" cy="5032375"/>
               </a:xfrm>
               <a:blipFill rotWithShape="0">
                 <a:blip r:embed="rId3"/>
                 <a:stretch>
-                  <a:fillRect l="-600" t="-3110" r="-491"/>
+                  <a:fillRect l="-1174" t="-1816" r="-1027" b="-121"/>
                 </a:stretch>
               </a:blipFill>
             </p:spPr>
@@ -8419,7 +9350,7 @@
       </mc:AlternateContent>
       <p:pic>
         <p:nvPicPr>
-          <p:cNvPr id="7" name="Picture 6"/>
+          <p:cNvPr id="4" name="Picture 3"/>
           <p:cNvPicPr>
             <a:picLocks noChangeAspect="1"/>
           </p:cNvPicPr>
@@ -8427,6 +9358,272 @@
         </p:nvPicPr>
         <p:blipFill rotWithShape="1">
           <a:blip r:embed="rId4">
+            <a:extLst>
+              <a:ext uri="{28A0092B-C50C-407E-A947-70E740481C1C}">
+                <a14:useLocalDpi xmlns:a14="http://schemas.microsoft.com/office/drawing/2010/main" val="0"/>
+              </a:ext>
+            </a:extLst>
+          </a:blip>
+          <a:srcRect l="6615" t="3775" r="7505" b="1098"/>
+          <a:stretch/>
+        </p:blipFill>
+        <p:spPr>
+          <a:xfrm>
+            <a:off x="9044834" y="2898421"/>
+            <a:ext cx="3041542" cy="2342987"/>
+          </a:xfrm>
+          <a:prstGeom prst="rect">
+            <a:avLst/>
+          </a:prstGeom>
+        </p:spPr>
+      </p:pic>
+      <p:sp>
+        <p:nvSpPr>
+          <p:cNvPr id="7" name="TextBox 6"/>
+          <p:cNvSpPr txBox="1"/>
+          <p:nvPr/>
+        </p:nvSpPr>
+        <p:spPr>
+          <a:xfrm>
+            <a:off x="9836590" y="5458329"/>
+            <a:ext cx="1874067" cy="307777"/>
+          </a:xfrm>
+          <a:prstGeom prst="rect">
+            <a:avLst/>
+          </a:prstGeom>
+          <a:noFill/>
+        </p:spPr>
+        <p:txBody>
+          <a:bodyPr wrap="square" rtlCol="0">
+            <a:spAutoFit/>
+          </a:bodyPr>
+          <a:lstStyle/>
+          <a:p>
+            <a:r>
+              <a:rPr lang="pt-BR" sz="1400" dirty="0" smtClean="0"/>
+              <a:t>Fronteira de decisão</a:t>
+            </a:r>
+            <a:endParaRPr lang="pt-BR" sz="1400" dirty="0"/>
+          </a:p>
+        </p:txBody>
+      </p:sp>
+      <p:cxnSp>
+        <p:nvCxnSpPr>
+          <p:cNvPr id="9" name="Curved Connector 8"/>
+          <p:cNvCxnSpPr>
+            <a:endCxn id="7" idx="0"/>
+          </p:cNvCxnSpPr>
+          <p:nvPr/>
+        </p:nvCxnSpPr>
+        <p:spPr>
+          <a:xfrm rot="5400000">
+            <a:off x="10757110" y="4817121"/>
+            <a:ext cx="657723" cy="624693"/>
+          </a:xfrm>
+          <a:prstGeom prst="curvedConnector3">
+            <a:avLst/>
+          </a:prstGeom>
+          <a:ln w="28575">
+            <a:tailEnd type="triangle"/>
+          </a:ln>
+        </p:spPr>
+        <p:style>
+          <a:lnRef idx="1">
+            <a:schemeClr val="accent1"/>
+          </a:lnRef>
+          <a:fillRef idx="0">
+            <a:schemeClr val="accent1"/>
+          </a:fillRef>
+          <a:effectRef idx="0">
+            <a:schemeClr val="accent1"/>
+          </a:effectRef>
+          <a:fontRef idx="minor">
+            <a:schemeClr val="tx1"/>
+          </a:fontRef>
+        </p:style>
+      </p:cxnSp>
+    </p:spTree>
+    <p:extLst>
+      <p:ext uri="{BB962C8B-B14F-4D97-AF65-F5344CB8AC3E}">
+        <p14:creationId xmlns:p14="http://schemas.microsoft.com/office/powerpoint/2010/main" val="1422614699"/>
+      </p:ext>
+    </p:extLst>
+  </p:cSld>
+  <p:clrMapOvr>
+    <a:masterClrMapping/>
+  </p:clrMapOvr>
+</p:sld>
+</file>
+
+<file path=ppt/slides/slide14.xml><?xml version="1.0" encoding="utf-8"?>
+<p:sld xmlns:a="http://schemas.openxmlformats.org/drawingml/2006/main" xmlns:r="http://schemas.openxmlformats.org/officeDocument/2006/relationships" xmlns:p="http://schemas.openxmlformats.org/presentationml/2006/main">
+  <p:cSld>
+    <p:spTree>
+      <p:nvGrpSpPr>
+        <p:cNvPr id="1" name=""/>
+        <p:cNvGrpSpPr/>
+        <p:nvPr/>
+      </p:nvGrpSpPr>
+      <p:grpSpPr>
+        <a:xfrm>
+          <a:off x="0" y="0"/>
+          <a:ext cx="0" cy="0"/>
+          <a:chOff x="0" y="0"/>
+          <a:chExt cx="0" cy="0"/>
+        </a:xfrm>
+      </p:grpSpPr>
+      <p:sp>
+        <p:nvSpPr>
+          <p:cNvPr id="2" name="Title 1"/>
+          <p:cNvSpPr>
+            <a:spLocks noGrp="1"/>
+          </p:cNvSpPr>
+          <p:nvPr>
+            <p:ph type="title"/>
+          </p:nvPr>
+        </p:nvSpPr>
+        <p:spPr/>
+        <p:txBody>
+          <a:bodyPr/>
+          <a:lstStyle/>
+          <a:p>
+            <a:r>
+              <a:rPr lang="pt-BR" dirty="0"/>
+              <a:t>Fronteiras de decisão de um classificador</a:t>
+            </a:r>
+          </a:p>
+        </p:txBody>
+      </p:sp>
+      <p:sp>
+        <p:nvSpPr>
+          <p:cNvPr id="3" name="Content Placeholder 2"/>
+          <p:cNvSpPr>
+            <a:spLocks noGrp="1"/>
+          </p:cNvSpPr>
+          <p:nvPr>
+            <p:ph idx="1"/>
+          </p:nvPr>
+        </p:nvSpPr>
+        <p:spPr>
+          <a:xfrm>
+            <a:off x="838200" y="1825625"/>
+            <a:ext cx="11177588" cy="3045345"/>
+          </a:xfrm>
+        </p:spPr>
+        <p:txBody>
+          <a:bodyPr>
+            <a:normAutofit fontScale="92500" lnSpcReduction="10000"/>
+          </a:bodyPr>
+          <a:lstStyle/>
+          <a:p>
+            <a:r>
+              <a:rPr lang="pt-BR" dirty="0" smtClean="0"/>
+              <a:t>As </a:t>
+            </a:r>
+            <a:r>
+              <a:rPr lang="pt-BR" b="1" i="1" dirty="0"/>
+              <a:t>superfícies de decisão</a:t>
+            </a:r>
+            <a:r>
+              <a:rPr lang="pt-BR" dirty="0"/>
+              <a:t> podem ser </a:t>
+            </a:r>
+            <a:r>
+              <a:rPr lang="pt-BR" b="1" i="1" dirty="0"/>
+              <a:t>lineares</a:t>
+            </a:r>
+            <a:r>
+              <a:rPr lang="pt-BR" dirty="0"/>
+              <a:t> (e.g., retas e planos) ou </a:t>
+            </a:r>
+            <a:r>
+              <a:rPr lang="pt-BR" b="1" i="1" dirty="0"/>
+              <a:t>não-lineares</a:t>
+            </a:r>
+            <a:r>
+              <a:rPr lang="pt-BR" dirty="0"/>
+              <a:t> (e.g., círculos).</a:t>
+            </a:r>
+          </a:p>
+          <a:p>
+            <a:r>
+              <a:rPr lang="pt-BR" dirty="0"/>
+              <a:t>As </a:t>
+            </a:r>
+            <a:r>
+              <a:rPr lang="pt-BR" b="1" i="1" dirty="0"/>
+              <a:t>superfícies de decisão </a:t>
+            </a:r>
+            <a:r>
+              <a:rPr lang="pt-BR" dirty="0"/>
+              <a:t>são definidas por </a:t>
+            </a:r>
+            <a:r>
+              <a:rPr lang="pt-BR" b="1" i="1" dirty="0"/>
+              <a:t>funções</a:t>
+            </a:r>
+            <a:r>
+              <a:rPr lang="pt-BR" dirty="0"/>
+              <a:t> (lineares ou não) que separam as classes. </a:t>
+            </a:r>
+          </a:p>
+          <a:p>
+            <a:r>
+              <a:rPr lang="pt-BR" dirty="0"/>
+              <a:t>Essas funções são normalmente chamadas de </a:t>
+            </a:r>
+            <a:r>
+              <a:rPr lang="pt-BR" b="1" i="1" dirty="0"/>
+              <a:t>funções discriminantes</a:t>
+            </a:r>
+            <a:r>
+              <a:rPr lang="pt-BR" dirty="0"/>
+              <a:t>, pois separam as classes.</a:t>
+            </a:r>
+          </a:p>
+          <a:p>
+            <a:r>
+              <a:rPr lang="pt-BR" dirty="0"/>
+              <a:t>As figuras mostram </a:t>
+            </a:r>
+            <a:r>
+              <a:rPr lang="pt-BR" b="1" i="1" dirty="0"/>
+              <a:t>regiões de decisão </a:t>
+            </a:r>
+            <a:r>
+              <a:rPr lang="pt-BR" dirty="0"/>
+              <a:t>em problemas de classificação </a:t>
+            </a:r>
+            <a:r>
+              <a:rPr lang="pt-BR" b="1" i="1" dirty="0"/>
+              <a:t>binária</a:t>
+            </a:r>
+            <a:r>
+              <a:rPr lang="pt-BR" dirty="0"/>
+              <a:t> e </a:t>
+            </a:r>
+            <a:r>
+              <a:rPr lang="pt-BR" b="1" i="1" dirty="0"/>
+              <a:t>multi-classes</a:t>
+            </a:r>
+            <a:r>
+              <a:rPr lang="pt-BR" dirty="0" smtClean="0"/>
+              <a:t>.</a:t>
+            </a:r>
+            <a:endParaRPr lang="pt-BR" dirty="0"/>
+          </a:p>
+        </p:txBody>
+      </p:sp>
+      <p:pic>
+        <p:nvPicPr>
+          <p:cNvPr id="4" name="Picture 3"/>
+          <p:cNvPicPr>
+            <a:picLocks noChangeAspect="1"/>
+          </p:cNvPicPr>
+          <p:nvPr/>
+        </p:nvPicPr>
+        <p:blipFill rotWithShape="1">
+          <a:blip r:embed="rId3">
             <a:extLst>
               <a:ext uri="{28A0092B-C50C-407E-A947-70E740481C1C}">
                 <a14:useLocalDpi xmlns:a14="http://schemas.microsoft.com/office/drawing/2010/main" val="0"/>
@@ -8448,14 +9645,14 @@
       </p:pic>
       <p:pic>
         <p:nvPicPr>
-          <p:cNvPr id="9" name="Picture 8"/>
+          <p:cNvPr id="5" name="Picture 4"/>
           <p:cNvPicPr>
             <a:picLocks noChangeAspect="1"/>
           </p:cNvPicPr>
           <p:nvPr/>
         </p:nvPicPr>
         <p:blipFill rotWithShape="1">
-          <a:blip r:embed="rId5">
+          <a:blip r:embed="rId4">
             <a:extLst>
               <a:ext uri="{28A0092B-C50C-407E-A947-70E740481C1C}">
                 <a14:useLocalDpi xmlns:a14="http://schemas.microsoft.com/office/drawing/2010/main" val="0"/>
@@ -8477,14 +9674,14 @@
       </p:pic>
       <p:pic>
         <p:nvPicPr>
-          <p:cNvPr id="4" name="Picture 3"/>
+          <p:cNvPr id="6" name="Picture 5"/>
           <p:cNvPicPr>
             <a:picLocks noChangeAspect="1"/>
           </p:cNvPicPr>
           <p:nvPr/>
         </p:nvPicPr>
         <p:blipFill rotWithShape="1">
-          <a:blip r:embed="rId6">
+          <a:blip r:embed="rId5">
             <a:extLst>
               <a:ext uri="{28A0092B-C50C-407E-A947-70E740481C1C}">
                 <a14:useLocalDpi xmlns:a14="http://schemas.microsoft.com/office/drawing/2010/main" val="0"/>
@@ -8507,24 +9704,17 @@
     </p:spTree>
     <p:extLst>
       <p:ext uri="{BB962C8B-B14F-4D97-AF65-F5344CB8AC3E}">
-        <p14:creationId xmlns:p14="http://schemas.microsoft.com/office/powerpoint/2010/main" val="2522703519"/>
+        <p14:creationId xmlns:p14="http://schemas.microsoft.com/office/powerpoint/2010/main" val="4190331675"/>
       </p:ext>
     </p:extLst>
   </p:cSld>
   <p:clrMapOvr>
     <a:masterClrMapping/>
   </p:clrMapOvr>
-  <p:timing>
-    <p:tnLst>
-      <p:par>
-        <p:cTn id="1" dur="indefinite" restart="never" nodeType="tmRoot"/>
-      </p:par>
-    </p:tnLst>
-  </p:timing>
 </p:sld>
 </file>
 
-<file path=ppt/slides/slide14.xml><?xml version="1.0" encoding="utf-8"?>
+<file path=ppt/slides/slide15.xml><?xml version="1.0" encoding="utf-8"?>
 <p:sld xmlns:a="http://schemas.openxmlformats.org/drawingml/2006/main" xmlns:r="http://schemas.openxmlformats.org/officeDocument/2006/relationships" xmlns:p="http://schemas.openxmlformats.org/presentationml/2006/main">
   <p:cSld>
     <p:spTree>
@@ -8569,8 +9759,8 @@
           </a:p>
         </p:txBody>
       </p:sp>
-      <mc:AlternateContent xmlns:mc="http://schemas.openxmlformats.org/markup-compatibility/2006" xmlns:a14="http://schemas.microsoft.com/office/drawing/2010/main">
-        <mc:Choice Requires="a14">
+      <mc:AlternateContent xmlns:mc="http://schemas.openxmlformats.org/markup-compatibility/2006">
+        <mc:Choice xmlns:a14="http://schemas.microsoft.com/office/drawing/2010/main" Requires="a14">
           <p:sp>
             <p:nvSpPr>
               <p:cNvPr id="3" name="Content Placeholder 2"/>
@@ -8584,7 +9774,7 @@
             <p:spPr>
               <a:xfrm>
                 <a:off x="838198" y="1377011"/>
-                <a:ext cx="8647386" cy="5438785"/>
+                <a:ext cx="8647386" cy="5480989"/>
               </a:xfrm>
             </p:spPr>
             <p:txBody>
@@ -8941,7 +10131,15 @@
                 </a14:m>
                 <a:r>
                   <a:rPr lang="pt-BR" dirty="0" smtClean="0"/>
-                  <a:t> também pode ser visto como um </a:t>
+                  <a:t> também pode ser </a:t>
+                </a:r>
+                <a:r>
+                  <a:rPr lang="pt-BR" dirty="0" smtClean="0"/>
+                  <a:t>vista </a:t>
+                </a:r>
+                <a:r>
+                  <a:rPr lang="pt-BR" dirty="0" smtClean="0"/>
+                  <a:t>como um </a:t>
                 </a:r>
                 <a:r>
                   <a:rPr lang="pt-BR" b="1" i="1" dirty="0" smtClean="0"/>
@@ -8957,8 +10155,21 @@
                 </a:r>
                 <a:r>
                   <a:rPr lang="pt-BR" dirty="0" smtClean="0"/>
-                  <a:t> pode ser 1 ponto em 1D, uma reta em 2D e um plano em 3D.</a:t>
-                </a:r>
+                  <a:t> pode ser 1 ponto em 1D, uma reta em </a:t>
+                </a:r>
+                <a:r>
+                  <a:rPr lang="pt-BR" dirty="0" smtClean="0"/>
+                  <a:t>2D, </a:t>
+                </a:r>
+                <a:r>
+                  <a:rPr lang="pt-BR" dirty="0" smtClean="0"/>
+                  <a:t>um plano em </a:t>
+                </a:r>
+                <a:r>
+                  <a:rPr lang="pt-BR" dirty="0" smtClean="0"/>
+                  <a:t>3D, etc.</a:t>
+                </a:r>
+                <a:endParaRPr lang="pt-BR" dirty="0" smtClean="0"/>
               </a:p>
               <a:p>
                 <a:pPr lvl="1">
@@ -8967,7 +10178,7 @@
                 </a:pPr>
                 <a:r>
                   <a:rPr lang="pt-BR" dirty="0" smtClean="0"/>
-                  <a:t>O bias, </a:t>
+                  <a:t>O coeficiente </a:t>
                 </a:r>
                 <a14:m>
                   <m:oMath xmlns:m="http://schemas.openxmlformats.org/officeDocument/2006/math">
@@ -9000,7 +10211,23 @@
                 </a14:m>
                 <a:r>
                   <a:rPr lang="pt-BR" dirty="0" smtClean="0"/>
-                  <a:t>, dá o deslocamento com relação à origem.</a:t>
+                  <a:t> </a:t>
+                </a:r>
+                <a:r>
+                  <a:rPr lang="pt-BR" dirty="0" smtClean="0"/>
+                  <a:t>(</a:t>
+                </a:r>
+                <a:r>
+                  <a:rPr lang="pt-BR" b="1" i="1" dirty="0" smtClean="0"/>
+                  <a:t>bias</a:t>
+                </a:r>
+                <a:r>
+                  <a:rPr lang="pt-BR" dirty="0" smtClean="0"/>
+                  <a:t>) </a:t>
+                </a:r>
+                <a:r>
+                  <a:rPr lang="pt-BR" dirty="0" smtClean="0"/>
+                  <a:t>dá o deslocamento com relação à origem.</a:t>
                 </a:r>
               </a:p>
               <a:p>
@@ -9010,7 +10237,15 @@
                 </a:pPr>
                 <a:r>
                   <a:rPr lang="pt-BR" dirty="0" smtClean="0"/>
-                  <a:t>E o restante dos pesos determinam a orientação do </a:t>
+                  <a:t>E o restante dos pesos </a:t>
+                </a:r>
+                <a:r>
+                  <a:rPr lang="pt-BR" dirty="0" smtClean="0"/>
+                  <a:t>determina </a:t>
+                </a:r>
+                <a:r>
+                  <a:rPr lang="pt-BR" dirty="0" smtClean="0"/>
+                  <a:t>a orientação do </a:t>
                 </a:r>
                 <a:r>
                   <a:rPr lang="pt-BR" b="1" i="1" dirty="0" smtClean="0"/>
@@ -9446,14 +10681,18 @@
                 </a14:m>
                 <a:r>
                   <a:rPr lang="pt-BR" dirty="0" smtClean="0"/>
-                  <a:t> (eq. de um círculo).</a:t>
+                  <a:t> (eq. de um </a:t>
+                </a:r>
+                <a:r>
+                  <a:rPr lang="pt-BR" dirty="0" smtClean="0"/>
+                  <a:t>círculo centrado na origem).</a:t>
                 </a:r>
                 <a:endParaRPr lang="pt-BR" dirty="0"/>
               </a:p>
             </p:txBody>
           </p:sp>
         </mc:Choice>
-        <mc:Fallback xmlns="">
+        <mc:Fallback>
           <p:sp>
             <p:nvSpPr>
               <p:cNvPr id="3" name="Content Placeholder 2"/>
@@ -9467,12 +10706,12 @@
             <p:spPr>
               <a:xfrm>
                 <a:off x="838198" y="1377011"/>
-                <a:ext cx="8647386" cy="5438785"/>
+                <a:ext cx="8647386" cy="5480989"/>
               </a:xfrm>
               <a:blipFill rotWithShape="0">
                 <a:blip r:embed="rId3"/>
                 <a:stretch>
-                  <a:fillRect l="-846" t="-2354" r="-1480" b="-1233"/>
+                  <a:fillRect l="-846" t="-2336" r="-1339" b="-445"/>
                 </a:stretch>
               </a:blipFill>
             </p:spPr>
@@ -9512,7 +10751,7 @@
         </p:blipFill>
         <p:spPr>
           <a:xfrm>
-            <a:off x="9350220" y="2475914"/>
+            <a:off x="9350220" y="1869331"/>
             <a:ext cx="2841780" cy="3263704"/>
           </a:xfrm>
           <a:prstGeom prst="rect">
@@ -9520,6 +10759,82 @@
           </a:prstGeom>
         </p:spPr>
       </p:pic>
+      <p:sp>
+        <p:nvSpPr>
+          <p:cNvPr id="5" name="Rectangle 4"/>
+          <p:cNvSpPr/>
+          <p:nvPr/>
+        </p:nvSpPr>
+        <p:spPr>
+          <a:xfrm>
+            <a:off x="7711540" y="5485591"/>
+            <a:ext cx="3385996" cy="307777"/>
+          </a:xfrm>
+          <a:prstGeom prst="rect">
+            <a:avLst/>
+          </a:prstGeom>
+        </p:spPr>
+        <p:txBody>
+          <a:bodyPr wrap="square">
+            <a:spAutoFit/>
+          </a:bodyPr>
+          <a:lstStyle/>
+          <a:p>
+            <a:pPr lvl="0" algn="ctr">
+              <a:defRPr/>
+            </a:pPr>
+            <a:r>
+              <a:rPr lang="pt-BR" sz="1400" dirty="0" smtClean="0"/>
+              <a:t>Indeterminação: empate </a:t>
+            </a:r>
+            <a:r>
+              <a:rPr lang="pt-BR" sz="1400" dirty="0"/>
+              <a:t>entre </a:t>
+            </a:r>
+            <a:r>
+              <a:rPr lang="pt-BR" sz="1400" dirty="0" smtClean="0"/>
+              <a:t>as classes.</a:t>
+            </a:r>
+            <a:endParaRPr lang="pt-BR" sz="1400" dirty="0"/>
+          </a:p>
+        </p:txBody>
+      </p:sp>
+      <p:cxnSp>
+        <p:nvCxnSpPr>
+          <p:cNvPr id="7" name="Straight Arrow Connector 6"/>
+          <p:cNvCxnSpPr/>
+          <p:nvPr/>
+        </p:nvCxnSpPr>
+        <p:spPr>
+          <a:xfrm>
+            <a:off x="7278983" y="5625355"/>
+            <a:ext cx="579422" cy="14124"/>
+          </a:xfrm>
+          <a:prstGeom prst="straightConnector1">
+            <a:avLst/>
+          </a:prstGeom>
+          <a:ln>
+            <a:solidFill>
+              <a:srgbClr val="FF0000"/>
+            </a:solidFill>
+            <a:tailEnd type="triangle"/>
+          </a:ln>
+        </p:spPr>
+        <p:style>
+          <a:lnRef idx="1">
+            <a:schemeClr val="accent1"/>
+          </a:lnRef>
+          <a:fillRef idx="0">
+            <a:schemeClr val="accent1"/>
+          </a:fillRef>
+          <a:effectRef idx="0">
+            <a:schemeClr val="accent1"/>
+          </a:effectRef>
+          <a:fontRef idx="minor">
+            <a:schemeClr val="tx1"/>
+          </a:fontRef>
+        </p:style>
+      </p:cxnSp>
     </p:spTree>
     <p:extLst>
       <p:ext uri="{BB962C8B-B14F-4D97-AF65-F5344CB8AC3E}">
@@ -9540,7 +10855,7 @@
 </p:sld>
 </file>
 
-<file path=ppt/slides/slide15.xml><?xml version="1.0" encoding="utf-8"?>
+<file path=ppt/slides/slide16.xml><?xml version="1.0" encoding="utf-8"?>
 <p:sld xmlns:a="http://schemas.openxmlformats.org/drawingml/2006/main" xmlns:r="http://schemas.openxmlformats.org/officeDocument/2006/relationships" xmlns:p="http://schemas.openxmlformats.org/presentationml/2006/main">
   <p:cSld>
     <p:spTree>
@@ -9791,8 +11106,13 @@
                 </a14:m>
                 <a:r>
                   <a:rPr lang="pt-BR" dirty="0" smtClean="0"/>
-                  <a:t>, que as separe.</a:t>
-                </a:r>
+                  <a:t>, que as </a:t>
+                </a:r>
+                <a:r>
+                  <a:rPr lang="pt-BR" dirty="0" smtClean="0"/>
+                  <a:t>separe.</a:t>
+                </a:r>
+                <a:endParaRPr lang="pt-BR" dirty="0" smtClean="0"/>
               </a:p>
               <a:p>
                 <a:r>
@@ -9812,15 +11132,15 @@
                 <a:pPr lvl="1"/>
                 <a:r>
                   <a:rPr lang="pt-BR" dirty="0" smtClean="0"/>
-                  <a:t>O formato mais simples </a:t>
+                  <a:t>O formato mais simples (navalha de Occam) </a:t>
                 </a:r>
                 <a:r>
                   <a:rPr lang="pt-BR" dirty="0" smtClean="0"/>
-                  <a:t>(navalha de Occam) seria </a:t>
+                  <a:t>é o </a:t>
                 </a:r>
                 <a:r>
                   <a:rPr lang="pt-BR" dirty="0" smtClean="0"/>
-                  <a:t>o de uma reta.</a:t>
+                  <a:t>de uma reta.</a:t>
                 </a:r>
               </a:p>
             </p:txBody>
@@ -12140,7 +13460,7 @@
 </p:sld>
 </file>
 
-<file path=ppt/slides/slide16.xml><?xml version="1.0" encoding="utf-8"?>
+<file path=ppt/slides/slide17.xml><?xml version="1.0" encoding="utf-8"?>
 <p:sld xmlns:a="http://schemas.openxmlformats.org/drawingml/2006/main" xmlns:r="http://schemas.openxmlformats.org/officeDocument/2006/relationships" xmlns:p="http://schemas.openxmlformats.org/presentationml/2006/main">
   <p:cSld>
     <p:spTree>
@@ -15452,7 +16772,7 @@
 </p:sld>
 </file>
 
-<file path=ppt/slides/slide17.xml><?xml version="1.0" encoding="utf-8"?>
+<file path=ppt/slides/slide18.xml><?xml version="1.0" encoding="utf-8"?>
 <p:sld xmlns:a="http://schemas.openxmlformats.org/drawingml/2006/main" xmlns:r="http://schemas.openxmlformats.org/officeDocument/2006/relationships" xmlns:p="http://schemas.openxmlformats.org/presentationml/2006/main">
   <p:cSld>
     <p:spTree>
@@ -19586,7 +20906,7 @@
 </p:sld>
 </file>
 
-<file path=ppt/slides/slide18.xml><?xml version="1.0" encoding="utf-8"?>
+<file path=ppt/slides/slide19.xml><?xml version="1.0" encoding="utf-8"?>
 <p:sld xmlns:a="http://schemas.openxmlformats.org/drawingml/2006/main" xmlns:r="http://schemas.openxmlformats.org/officeDocument/2006/relationships" xmlns:p="http://schemas.openxmlformats.org/presentationml/2006/main">
   <p:cSld>
     <p:spTree>
@@ -19770,7 +21090,237 @@
 </p:sld>
 </file>
 
-<file path=ppt/slides/slide19.xml><?xml version="1.0" encoding="utf-8"?>
+<file path=ppt/slides/slide2.xml><?xml version="1.0" encoding="utf-8"?>
+<p:sld xmlns:a="http://schemas.openxmlformats.org/drawingml/2006/main" xmlns:r="http://schemas.openxmlformats.org/officeDocument/2006/relationships" xmlns:p="http://schemas.openxmlformats.org/presentationml/2006/main">
+  <p:cSld>
+    <p:spTree>
+      <p:nvGrpSpPr>
+        <p:cNvPr id="1" name=""/>
+        <p:cNvGrpSpPr/>
+        <p:nvPr/>
+      </p:nvGrpSpPr>
+      <p:grpSpPr>
+        <a:xfrm>
+          <a:off x="0" y="0"/>
+          <a:ext cx="0" cy="0"/>
+          <a:chOff x="0" y="0"/>
+          <a:chExt cx="0" cy="0"/>
+        </a:xfrm>
+      </p:grpSpPr>
+      <p:sp>
+        <p:nvSpPr>
+          <p:cNvPr id="2" name="Title 1"/>
+          <p:cNvSpPr>
+            <a:spLocks noGrp="1"/>
+          </p:cNvSpPr>
+          <p:nvPr>
+            <p:ph type="title"/>
+          </p:nvPr>
+        </p:nvSpPr>
+        <p:spPr/>
+        <p:txBody>
+          <a:bodyPr/>
+          <a:lstStyle/>
+          <a:p>
+            <a:r>
+              <a:rPr lang="pt-BR" dirty="0" smtClean="0"/>
+              <a:t>A disciplina</a:t>
+            </a:r>
+            <a:endParaRPr lang="pt-BR" dirty="0"/>
+          </a:p>
+        </p:txBody>
+      </p:sp>
+      <p:sp>
+        <p:nvSpPr>
+          <p:cNvPr id="3" name="Content Placeholder 2"/>
+          <p:cNvSpPr>
+            <a:spLocks noGrp="1"/>
+          </p:cNvSpPr>
+          <p:nvPr>
+            <p:ph idx="1"/>
+          </p:nvPr>
+        </p:nvSpPr>
+        <p:spPr>
+          <a:xfrm>
+            <a:off x="838199" y="1825624"/>
+            <a:ext cx="11166695" cy="5032376"/>
+          </a:xfrm>
+        </p:spPr>
+        <p:txBody>
+          <a:bodyPr>
+            <a:normAutofit lnSpcReduction="10000"/>
+          </a:bodyPr>
+          <a:lstStyle/>
+          <a:p>
+            <a:r>
+              <a:rPr lang="pt-BR" dirty="0" smtClean="0"/>
+              <a:t>Continuação de </a:t>
+            </a:r>
+            <a:r>
+              <a:rPr lang="pt-BR" b="1" i="1" dirty="0" smtClean="0"/>
+              <a:t>T319 </a:t>
+            </a:r>
+            <a:r>
+              <a:rPr lang="pt-BR" b="1" i="1" dirty="0"/>
+              <a:t>- Introdução ao Aprendizado de Máquina </a:t>
+            </a:r>
+            <a:r>
+              <a:rPr lang="pt-BR" b="1" i="1" dirty="0" smtClean="0"/>
+              <a:t>I</a:t>
+            </a:r>
+            <a:r>
+              <a:rPr lang="pt-BR" dirty="0" smtClean="0"/>
+              <a:t>.</a:t>
+            </a:r>
+          </a:p>
+          <a:p>
+            <a:r>
+              <a:rPr lang="pt-BR" b="1" i="1" dirty="0" smtClean="0"/>
+              <a:t>Curso introdutório</a:t>
+            </a:r>
+            <a:r>
+              <a:rPr lang="pt-BR" dirty="0" smtClean="0"/>
+              <a:t> onde veremos os conceitos básicos de funcionamento dos seguintes algoritmos de </a:t>
+            </a:r>
+            <a:r>
+              <a:rPr lang="pt-BR" b="1" i="1" dirty="0" smtClean="0"/>
+              <a:t>machine </a:t>
+            </a:r>
+            <a:r>
+              <a:rPr lang="pt-BR" b="1" i="1" dirty="0"/>
+              <a:t>learning</a:t>
+            </a:r>
+            <a:r>
+              <a:rPr lang="pt-BR" dirty="0"/>
+              <a:t> </a:t>
+            </a:r>
+            <a:r>
+              <a:rPr lang="pt-BR" dirty="0" smtClean="0"/>
+              <a:t>(ML):</a:t>
+            </a:r>
+          </a:p>
+          <a:p>
+            <a:pPr lvl="1">
+              <a:buFont typeface="Wingdings" panose="05000000000000000000" pitchFamily="2" charset="2"/>
+              <a:buChar char="§"/>
+            </a:pPr>
+            <a:r>
+              <a:rPr lang="pt-BR" dirty="0" smtClean="0"/>
+              <a:t>Classificadores</a:t>
+            </a:r>
+          </a:p>
+          <a:p>
+            <a:pPr lvl="2">
+              <a:buFont typeface="Courier New" panose="02070309020205020404" pitchFamily="49" charset="0"/>
+              <a:buChar char="o"/>
+            </a:pPr>
+            <a:r>
+              <a:rPr lang="pt-BR" dirty="0" smtClean="0"/>
+              <a:t>Regressão Logística</a:t>
+            </a:r>
+          </a:p>
+          <a:p>
+            <a:pPr lvl="2">
+              <a:buFont typeface="Courier New" panose="02070309020205020404" pitchFamily="49" charset="0"/>
+              <a:buChar char="o"/>
+            </a:pPr>
+            <a:r>
+              <a:rPr lang="pt-BR" dirty="0" smtClean="0"/>
+              <a:t>Regressão Softmax</a:t>
+            </a:r>
+          </a:p>
+          <a:p>
+            <a:pPr lvl="2">
+              <a:buFont typeface="Courier New" panose="02070309020205020404" pitchFamily="49" charset="0"/>
+              <a:buChar char="o"/>
+            </a:pPr>
+            <a:r>
+              <a:rPr lang="pt-BR" dirty="0" smtClean="0"/>
+              <a:t>k-Vizinhos mais Próximos</a:t>
+            </a:r>
+          </a:p>
+          <a:p>
+            <a:pPr lvl="1">
+              <a:buFont typeface="Wingdings" panose="05000000000000000000" pitchFamily="2" charset="2"/>
+              <a:buChar char="§"/>
+            </a:pPr>
+            <a:r>
+              <a:rPr lang="pt-BR" dirty="0" smtClean="0"/>
+              <a:t>Redes Neurais</a:t>
+            </a:r>
+          </a:p>
+          <a:p>
+            <a:pPr lvl="1">
+              <a:buFont typeface="Wingdings" panose="05000000000000000000" pitchFamily="2" charset="2"/>
+              <a:buChar char="§"/>
+            </a:pPr>
+            <a:r>
+              <a:rPr lang="pt-BR" dirty="0" smtClean="0"/>
+              <a:t>Clustering</a:t>
+            </a:r>
+          </a:p>
+          <a:p>
+            <a:pPr lvl="2">
+              <a:buFont typeface="Courier New" panose="02070309020205020404" pitchFamily="49" charset="0"/>
+              <a:buChar char="o"/>
+            </a:pPr>
+            <a:r>
+              <a:rPr lang="pt-BR" dirty="0"/>
+              <a:t>k</a:t>
+            </a:r>
+            <a:r>
+              <a:rPr lang="pt-BR" dirty="0" smtClean="0"/>
+              <a:t>-Means</a:t>
+            </a:r>
+          </a:p>
+          <a:p>
+            <a:r>
+              <a:rPr lang="pt-BR" dirty="0" smtClean="0"/>
+              <a:t>O curso terá sempre uma parte </a:t>
+            </a:r>
+            <a:r>
+              <a:rPr lang="pt-BR" b="1" i="1" dirty="0" smtClean="0"/>
+              <a:t>expositiva</a:t>
+            </a:r>
+            <a:r>
+              <a:rPr lang="pt-BR" dirty="0" smtClean="0"/>
+              <a:t> e outra </a:t>
+            </a:r>
+            <a:r>
+              <a:rPr lang="pt-BR" b="1" i="1" dirty="0" smtClean="0"/>
+              <a:t>prática</a:t>
+            </a:r>
+            <a:r>
+              <a:rPr lang="pt-BR" dirty="0" smtClean="0"/>
+              <a:t> para fixação dos conceitos introduzidos.</a:t>
+            </a:r>
+          </a:p>
+          <a:p>
+            <a:pPr lvl="1">
+              <a:buFont typeface="Wingdings" panose="05000000000000000000" pitchFamily="2" charset="2"/>
+              <a:buChar char="§"/>
+            </a:pPr>
+            <a:r>
+              <a:rPr lang="pt-BR" dirty="0" smtClean="0"/>
+              <a:t> Quizzes e exercícios envolvendo o uso dos algoritmos discutidos.</a:t>
+            </a:r>
+          </a:p>
+        </p:txBody>
+      </p:sp>
+    </p:spTree>
+    <p:extLst>
+      <p:ext uri="{BB962C8B-B14F-4D97-AF65-F5344CB8AC3E}">
+        <p14:creationId xmlns:p14="http://schemas.microsoft.com/office/powerpoint/2010/main" val="193916927"/>
+      </p:ext>
+    </p:extLst>
+  </p:cSld>
+  <p:clrMapOvr>
+    <a:masterClrMapping/>
+  </p:clrMapOvr>
+</p:sld>
+</file>
+
+<file path=ppt/slides/slide20.xml><?xml version="1.0" encoding="utf-8"?>
 <p:sld xmlns:a="http://schemas.openxmlformats.org/drawingml/2006/main" xmlns:r="http://schemas.openxmlformats.org/officeDocument/2006/relationships" xmlns:p="http://schemas.openxmlformats.org/presentationml/2006/main">
   <p:cSld>
     <p:spTree>
@@ -19863,193 +21413,7 @@
 </p:sld>
 </file>
 
-<file path=ppt/slides/slide2.xml><?xml version="1.0" encoding="utf-8"?>
-<p:sld xmlns:a="http://schemas.openxmlformats.org/drawingml/2006/main" xmlns:r="http://schemas.openxmlformats.org/officeDocument/2006/relationships" xmlns:p="http://schemas.openxmlformats.org/presentationml/2006/main">
-  <p:cSld>
-    <p:spTree>
-      <p:nvGrpSpPr>
-        <p:cNvPr id="1" name=""/>
-        <p:cNvGrpSpPr/>
-        <p:nvPr/>
-      </p:nvGrpSpPr>
-      <p:grpSpPr>
-        <a:xfrm>
-          <a:off x="0" y="0"/>
-          <a:ext cx="0" cy="0"/>
-          <a:chOff x="0" y="0"/>
-          <a:chExt cx="0" cy="0"/>
-        </a:xfrm>
-      </p:grpSpPr>
-      <p:sp>
-        <p:nvSpPr>
-          <p:cNvPr id="2" name="Title 1"/>
-          <p:cNvSpPr>
-            <a:spLocks noGrp="1"/>
-          </p:cNvSpPr>
-          <p:nvPr>
-            <p:ph type="title"/>
-          </p:nvPr>
-        </p:nvSpPr>
-        <p:spPr/>
-        <p:txBody>
-          <a:bodyPr/>
-          <a:lstStyle/>
-          <a:p>
-            <a:r>
-              <a:rPr lang="pt-BR" dirty="0" smtClean="0"/>
-              <a:t>A disciplina</a:t>
-            </a:r>
-            <a:endParaRPr lang="pt-BR" dirty="0"/>
-          </a:p>
-        </p:txBody>
-      </p:sp>
-      <p:sp>
-        <p:nvSpPr>
-          <p:cNvPr id="3" name="Content Placeholder 2"/>
-          <p:cNvSpPr>
-            <a:spLocks noGrp="1"/>
-          </p:cNvSpPr>
-          <p:nvPr>
-            <p:ph idx="1"/>
-          </p:nvPr>
-        </p:nvSpPr>
-        <p:spPr>
-          <a:xfrm>
-            <a:off x="838200" y="1825624"/>
-            <a:ext cx="10995212" cy="4916139"/>
-          </a:xfrm>
-        </p:spPr>
-        <p:txBody>
-          <a:bodyPr>
-            <a:normAutofit lnSpcReduction="10000"/>
-          </a:bodyPr>
-          <a:lstStyle/>
-          <a:p>
-            <a:r>
-              <a:rPr lang="pt-BR" dirty="0" smtClean="0"/>
-              <a:t>Continuação de </a:t>
-            </a:r>
-            <a:r>
-              <a:rPr lang="pt-BR" b="1" i="1" dirty="0" smtClean="0"/>
-              <a:t>T319 </a:t>
-            </a:r>
-            <a:r>
-              <a:rPr lang="pt-BR" b="1" i="1" dirty="0"/>
-              <a:t>- Introdução ao Aprendizado de Máquina </a:t>
-            </a:r>
-            <a:r>
-              <a:rPr lang="pt-BR" b="1" i="1" dirty="0" smtClean="0"/>
-              <a:t>I</a:t>
-            </a:r>
-            <a:r>
-              <a:rPr lang="pt-BR" dirty="0" smtClean="0"/>
-              <a:t>.</a:t>
-            </a:r>
-          </a:p>
-          <a:p>
-            <a:r>
-              <a:rPr lang="pt-BR" dirty="0" smtClean="0"/>
-              <a:t>Curso introdutório onde veremos os conceitos básicos de funcionamento dos seguintes algoritmos de </a:t>
-            </a:r>
-            <a:r>
-              <a:rPr lang="pt-BR" b="1" i="1" dirty="0" smtClean="0"/>
-              <a:t>machine </a:t>
-            </a:r>
-            <a:r>
-              <a:rPr lang="pt-BR" b="1" i="1" dirty="0"/>
-              <a:t>learning</a:t>
-            </a:r>
-            <a:r>
-              <a:rPr lang="pt-BR" dirty="0"/>
-              <a:t> </a:t>
-            </a:r>
-            <a:r>
-              <a:rPr lang="pt-BR" dirty="0" smtClean="0"/>
-              <a:t>(ML):</a:t>
-            </a:r>
-          </a:p>
-          <a:p>
-            <a:pPr lvl="1">
-              <a:buFont typeface="Wingdings" panose="05000000000000000000" pitchFamily="2" charset="2"/>
-              <a:buChar char="§"/>
-            </a:pPr>
-            <a:r>
-              <a:rPr lang="pt-BR" dirty="0" smtClean="0"/>
-              <a:t>Classificadores</a:t>
-            </a:r>
-          </a:p>
-          <a:p>
-            <a:pPr lvl="2">
-              <a:buFont typeface="Courier New" panose="02070309020205020404" pitchFamily="49" charset="0"/>
-              <a:buChar char="o"/>
-            </a:pPr>
-            <a:r>
-              <a:rPr lang="pt-BR" dirty="0" smtClean="0"/>
-              <a:t>Regressão Logística</a:t>
-            </a:r>
-          </a:p>
-          <a:p>
-            <a:pPr lvl="2">
-              <a:buFont typeface="Courier New" panose="02070309020205020404" pitchFamily="49" charset="0"/>
-              <a:buChar char="o"/>
-            </a:pPr>
-            <a:r>
-              <a:rPr lang="pt-BR" dirty="0" smtClean="0"/>
-              <a:t>Regressão Softmax</a:t>
-            </a:r>
-          </a:p>
-          <a:p>
-            <a:pPr lvl="1">
-              <a:buFont typeface="Wingdings" panose="05000000000000000000" pitchFamily="2" charset="2"/>
-              <a:buChar char="§"/>
-            </a:pPr>
-            <a:r>
-              <a:rPr lang="pt-BR" dirty="0" smtClean="0"/>
-              <a:t>Redes Neurais</a:t>
-            </a:r>
-          </a:p>
-          <a:p>
-            <a:pPr lvl="1">
-              <a:buFont typeface="Wingdings" panose="05000000000000000000" pitchFamily="2" charset="2"/>
-              <a:buChar char="§"/>
-            </a:pPr>
-            <a:r>
-              <a:rPr lang="pt-BR" dirty="0" smtClean="0"/>
-              <a:t>Clustering</a:t>
-            </a:r>
-          </a:p>
-          <a:p>
-            <a:pPr>
-              <a:buFont typeface="Wingdings" panose="05000000000000000000" pitchFamily="2" charset="2"/>
-              <a:buChar char="§"/>
-            </a:pPr>
-            <a:r>
-              <a:rPr lang="pt-BR" dirty="0" smtClean="0"/>
-              <a:t>O curso terá sempre uma parte expositiva e outra prática para fixação dos conceitos introduzidos.</a:t>
-            </a:r>
-          </a:p>
-          <a:p>
-            <a:r>
-              <a:rPr lang="pt-BR" dirty="0" smtClean="0"/>
-              <a:t>O curso será o mais prático possível, com vários exercícios envolvendo o uso dos algoritmos discutidos.</a:t>
-            </a:r>
-          </a:p>
-        </p:txBody>
-      </p:sp>
-    </p:spTree>
-    <p:extLst>
-      <p:ext uri="{BB962C8B-B14F-4D97-AF65-F5344CB8AC3E}">
-        <p14:creationId xmlns:p14="http://schemas.microsoft.com/office/powerpoint/2010/main" val="193916927"/>
-      </p:ext>
-    </p:extLst>
-  </p:cSld>
-  <p:clrMapOvr>
-    <a:masterClrMapping/>
-  </p:clrMapOvr>
-</p:sld>
-</file>
-
-<file path=ppt/slides/slide20.xml><?xml version="1.0" encoding="utf-8"?>
+<file path=ppt/slides/slide21.xml><?xml version="1.0" encoding="utf-8"?>
 <p:sld xmlns:a="http://schemas.openxmlformats.org/drawingml/2006/main" xmlns:r="http://schemas.openxmlformats.org/officeDocument/2006/relationships" xmlns:p="http://schemas.openxmlformats.org/presentationml/2006/main">
   <p:cSld>
     <p:spTree>
@@ -24456,7 +25820,7 @@
 </p:sld>
 </file>
 
-<file path=ppt/slides/slide21.xml><?xml version="1.0" encoding="utf-8"?>
+<file path=ppt/slides/slide22.xml><?xml version="1.0" encoding="utf-8"?>
 <p:sld xmlns:a="http://schemas.openxmlformats.org/drawingml/2006/main" xmlns:r="http://schemas.openxmlformats.org/officeDocument/2006/relationships" xmlns:p="http://schemas.openxmlformats.org/presentationml/2006/main">
   <p:cSld>
     <p:spTree>
@@ -26128,7 +27492,7 @@
 </p:sld>
 </file>
 
-<file path=ppt/slides/slide22.xml><?xml version="1.0" encoding="utf-8"?>
+<file path=ppt/slides/slide23.xml><?xml version="1.0" encoding="utf-8"?>
 <p:sld xmlns:a="http://schemas.openxmlformats.org/drawingml/2006/main" xmlns:r="http://schemas.openxmlformats.org/officeDocument/2006/relationships" xmlns:p="http://schemas.openxmlformats.org/presentationml/2006/main">
   <p:cSld>
     <p:spTree>
@@ -29010,7 +30374,7 @@
         <p:spPr>
           <a:xfrm>
             <a:off x="838200" y="1825623"/>
-            <a:ext cx="8930268" cy="4867785"/>
+            <a:ext cx="8930268" cy="5032376"/>
           </a:xfrm>
         </p:spPr>
         <p:txBody>
@@ -29021,7 +30385,7 @@
           <a:p>
             <a:r>
               <a:rPr lang="pt-BR" dirty="0" smtClean="0"/>
-              <a:t>O objetivo principal do curso é apresentar à vocês </a:t>
+              <a:t>O objetivo principal do curso é apresentar</a:t>
             </a:r>
           </a:p>
           <a:p>
@@ -29049,11 +30413,11 @@
             </a:r>
             <a:r>
               <a:rPr lang="pt-BR" dirty="0"/>
-              <a:t>aprendizado de máquina</a:t>
+              <a:t>aprendizado de </a:t>
             </a:r>
             <a:r>
               <a:rPr lang="pt-BR" dirty="0" smtClean="0"/>
-              <a:t>.</a:t>
+              <a:t>máquina para solução de problemas.</a:t>
             </a:r>
             <a:endParaRPr lang="pt-BR" dirty="0"/>
           </a:p>
@@ -29287,7 +30651,7 @@
           <a:p>
             <a:r>
               <a:rPr lang="pt-BR" dirty="0" smtClean="0"/>
-              <a:t>Avaliação do curso</a:t>
+              <a:t>Critérios de Avaliação</a:t>
             </a:r>
             <a:endParaRPr lang="nl-BE" dirty="0"/>
           </a:p>
@@ -29305,27 +30669,19 @@
         </p:nvSpPr>
         <p:spPr>
           <a:xfrm>
-            <a:off x="838199" y="1514006"/>
-            <a:ext cx="10974049" cy="5096343"/>
+            <a:off x="838200" y="1514006"/>
+            <a:ext cx="8001000" cy="5343994"/>
           </a:xfrm>
         </p:spPr>
         <p:txBody>
-          <a:bodyPr/>
+          <a:bodyPr>
+            <a:normAutofit/>
+          </a:bodyPr>
           <a:lstStyle/>
           <a:p>
             <a:r>
               <a:rPr lang="pt-BR" dirty="0" smtClean="0"/>
-              <a:t>Avaliações</a:t>
-            </a:r>
-          </a:p>
-          <a:p>
-            <a:pPr lvl="1">
-              <a:buFont typeface="Wingdings" panose="05000000000000000000" pitchFamily="2" charset="2"/>
-              <a:buChar char="§"/>
-            </a:pPr>
-            <a:r>
-              <a:rPr lang="pt-BR" dirty="0" smtClean="0"/>
-              <a:t>Dois (2) trabalhos valendo 85% da nota.</a:t>
+              <a:t>2 trabalhos com peso de 85% cada.</a:t>
             </a:r>
           </a:p>
           <a:p>
@@ -29341,7 +30697,21 @@
           <a:p>
             <a:r>
               <a:rPr lang="pt-BR" dirty="0" smtClean="0"/>
-              <a:t>Atividades</a:t>
+              <a:t>2 conjuntos de exercícios (quizzes e laboratórios) com peso de 15% cada.</a:t>
+            </a:r>
+          </a:p>
+          <a:p>
+            <a:pPr lvl="1">
+              <a:buFont typeface="Wingdings" panose="05000000000000000000" pitchFamily="2" charset="2"/>
+              <a:buChar char="§"/>
+            </a:pPr>
+            <a:r>
+              <a:rPr lang="pt-BR" dirty="0"/>
+              <a:t>Podem sempre ser entregues até a próxima aula</a:t>
+            </a:r>
+            <a:r>
+              <a:rPr lang="pt-BR" dirty="0" smtClean="0"/>
+              <a:t>.</a:t>
             </a:r>
           </a:p>
           <a:p>
@@ -29351,15 +30721,35 @@
             </a:pPr>
             <a:r>
               <a:rPr lang="pt-BR" dirty="0" smtClean="0"/>
-              <a:t>Exercícios </a:t>
+              <a:t>Podem ser resolvidos em grupo, mas entregas devem ser individuais.</a:t>
+            </a:r>
+          </a:p>
+          <a:p>
+            <a:pPr lvl="1">
+              <a:buFont typeface="Wingdings" panose="05000000000000000000" pitchFamily="2" charset="2"/>
+              <a:buChar char="§"/>
+            </a:pPr>
+            <a:r>
+              <a:rPr lang="pt-BR" dirty="0"/>
+              <a:t>Exercícios serão atribuídos </a:t>
+            </a:r>
+            <a:r>
+              <a:rPr lang="pt-BR" dirty="0" smtClean="0"/>
+              <a:t>através </a:t>
             </a:r>
             <a:r>
               <a:rPr lang="pt-BR" dirty="0"/>
-              <a:t>e quizzes </a:t>
+              <a:t>de tarefas do MS Teams</a:t>
             </a:r>
             <a:r>
               <a:rPr lang="pt-BR" dirty="0" smtClean="0"/>
-              <a:t>valendo 15% da nota.</a:t>
+              <a:t>.</a:t>
+            </a:r>
+          </a:p>
+          <a:p>
+            <a:r>
+              <a:rPr lang="pt-BR" b="1" dirty="0" smtClean="0"/>
+              <a:t>Frequência</a:t>
             </a:r>
           </a:p>
           <a:p>
@@ -29369,8 +30759,9 @@
             </a:pPr>
             <a:r>
               <a:rPr lang="pt-BR" dirty="0" smtClean="0"/>
-              <a:t>Ao longo das aulas e para casa.</a:t>
+              <a:t>Gerada automaticamente pelo Teams.</a:t>
             </a:r>
+            <a:endParaRPr lang="pt-BR" dirty="0"/>
           </a:p>
           <a:p>
             <a:pPr lvl="1">
@@ -29378,15 +30769,20 @@
               <a:buChar char="§"/>
             </a:pPr>
             <a:r>
-              <a:rPr lang="pt-BR" dirty="0" smtClean="0">
-                <a:hlinkClick r:id="rId3"/>
-              </a:rPr>
-              <a:t>Entregues no MS Teams</a:t>
+              <a:rPr lang="pt-BR" dirty="0" smtClean="0"/>
+              <a:t>Por </a:t>
             </a:r>
             <a:r>
-              <a:rPr lang="pt-BR" dirty="0" smtClean="0"/>
-              <a:t>.</a:t>
+              <a:rPr lang="pt-BR" dirty="0"/>
+              <a:t>favor, acompanhem suas presenças no portal.</a:t>
             </a:r>
+          </a:p>
+          <a:p>
+            <a:pPr>
+              <a:buFont typeface="Wingdings" panose="05000000000000000000" pitchFamily="2" charset="2"/>
+              <a:buChar char="§"/>
+            </a:pPr>
+            <a:endParaRPr lang="pt-BR" dirty="0"/>
           </a:p>
         </p:txBody>
       </p:sp>
@@ -29399,14 +30795,14 @@
           <p:nvPr/>
         </p:nvPicPr>
         <p:blipFill>
-          <a:blip r:embed="rId4"/>
+          <a:blip r:embed="rId3"/>
           <a:stretch>
             <a:fillRect/>
           </a:stretch>
         </p:blipFill>
         <p:spPr>
           <a:xfrm>
-            <a:off x="9677400" y="0"/>
+            <a:off x="9505950" y="889403"/>
             <a:ext cx="2514600" cy="1819275"/>
           </a:xfrm>
           <a:prstGeom prst="rect">
@@ -29423,14 +30819,14 @@
           <p:nvPr/>
         </p:nvPicPr>
         <p:blipFill>
-          <a:blip r:embed="rId5"/>
+          <a:blip r:embed="rId4"/>
           <a:stretch>
             <a:fillRect/>
           </a:stretch>
         </p:blipFill>
         <p:spPr>
           <a:xfrm>
-            <a:off x="9144624" y="2428407"/>
+            <a:off x="9008822" y="3016815"/>
             <a:ext cx="2533650" cy="1809750"/>
           </a:xfrm>
           <a:prstGeom prst="rect">
@@ -29447,14 +30843,14 @@
           <p:nvPr/>
         </p:nvPicPr>
         <p:blipFill>
-          <a:blip r:embed="rId6"/>
+          <a:blip r:embed="rId5"/>
           <a:stretch>
             <a:fillRect/>
           </a:stretch>
         </p:blipFill>
         <p:spPr>
           <a:xfrm>
-            <a:off x="9144624" y="5010150"/>
+            <a:off x="8077200" y="5075330"/>
             <a:ext cx="2857500" cy="1600200"/>
           </a:xfrm>
           <a:prstGeom prst="rect">
@@ -29471,14 +30867,14 @@
           <p:nvPr/>
         </p:nvPicPr>
         <p:blipFill>
-          <a:blip r:embed="rId7"/>
+          <a:blip r:embed="rId6"/>
           <a:stretch>
             <a:fillRect/>
           </a:stretch>
         </p:blipFill>
         <p:spPr>
           <a:xfrm>
-            <a:off x="6325223" y="4375832"/>
+            <a:off x="6721975" y="76200"/>
             <a:ext cx="2619375" cy="1743075"/>
           </a:xfrm>
           <a:prstGeom prst="rect">
@@ -30016,7 +31412,7 @@
             </a:pPr>
             <a:r>
               <a:rPr lang="pt-BR" dirty="0" smtClean="0"/>
-              <a:t>Professor: Segundas-feiras das 18:30 às 19:30 e Quartas-feiras das 15:30 às 16:30 via MS Teams.</a:t>
+              <a:t>Professor: quintas-feiras das 18:30 às 19:30 e sextas-feiras das 15:30 às 16:30.</a:t>
             </a:r>
           </a:p>
           <a:p>
@@ -30026,11 +31422,19 @@
             </a:pPr>
             <a:r>
               <a:rPr lang="pt-BR" dirty="0" smtClean="0"/>
-              <a:t>Monitora (Bruna de Souza: </a:t>
+              <a:t>Monitor (</a:t>
             </a:r>
             <a:r>
-              <a:rPr lang="pt-BR" b="1" i="1" dirty="0"/>
-              <a:t>bruna.br@gea.inatel.br</a:t>
+              <a:rPr lang="pt-BR" dirty="0"/>
+              <a:t>Pedro Rezende</a:t>
+            </a:r>
+            <a:r>
+              <a:rPr lang="pt-BR" dirty="0" smtClean="0"/>
+              <a:t>: </a:t>
+            </a:r>
+            <a:r>
+              <a:rPr lang="pt-BR" b="1" i="1" dirty="0" smtClean="0"/>
+              <a:t>pedro_rafael@get.inatel.br</a:t>
             </a:r>
             <a:r>
               <a:rPr lang="pt-BR" dirty="0"/>
@@ -30038,7 +31442,17 @@
             </a:r>
             <a:r>
               <a:rPr lang="pt-BR" dirty="0" smtClean="0"/>
-              <a:t>Todas as Segundas-feiras das 17:30 às 18:30.</a:t>
+              <a:t>Todas as sextas-feiras das 17:30 às 18:30.</a:t>
+            </a:r>
+          </a:p>
+          <a:p>
+            <a:pPr lvl="1">
+              <a:buFont typeface="Wingdings" panose="05000000000000000000" pitchFamily="2" charset="2"/>
+              <a:buChar char="§"/>
+            </a:pPr>
+            <a:r>
+              <a:rPr lang="pt-BR" dirty="0" smtClean="0"/>
+              <a:t>Atendimento via MS Teams.</a:t>
             </a:r>
           </a:p>
         </p:txBody>
@@ -30123,18 +31537,18 @@
             <p:spPr>
               <a:xfrm>
                 <a:off x="803100" y="4642338"/>
-                <a:ext cx="11252912" cy="2215662"/>
+                <a:ext cx="11002619" cy="2215662"/>
               </a:xfrm>
             </p:spPr>
             <p:txBody>
               <a:bodyPr>
-                <a:normAutofit lnSpcReduction="10000"/>
+                <a:normAutofit fontScale="92500" lnSpcReduction="20000"/>
               </a:bodyPr>
               <a:lstStyle/>
               <a:p>
                 <a:r>
                   <a:rPr lang="pt-BR" dirty="0" smtClean="0"/>
-                  <a:t>Em alguns casos, precisamos encontrar funções, </a:t>
+                  <a:t>Em alguns casos, nós precisamos encontrar funções, </a:t>
                 </a:r>
                 <a14:m>
                   <m:oMath xmlns:m="http://schemas.openxmlformats.org/officeDocument/2006/math">
@@ -30192,7 +31606,15 @@
                 </a:pPr>
                 <a:r>
                   <a:rPr lang="pt-BR" dirty="0" smtClean="0"/>
-                  <a:t>Classificação de emails entre SPAM e pessoal (HAM).</a:t>
+                  <a:t>Classificação de emails entre SPAM e HAM</a:t>
+                </a:r>
+                <a:r>
+                  <a:rPr lang="pt-BR" dirty="0"/>
+                  <a:t> </a:t>
+                </a:r>
+                <a:r>
+                  <a:rPr lang="pt-BR" dirty="0" smtClean="0"/>
+                  <a:t>(legítimo).</a:t>
                 </a:r>
               </a:p>
               <a:p>
@@ -30202,7 +31624,21 @@
                 </a:pPr>
                 <a:r>
                   <a:rPr lang="pt-BR" dirty="0" smtClean="0"/>
-                  <a:t>Detecção de símbolos (classificação de símbolos).</a:t>
+                  <a:t>Classificação de objetos.</a:t>
+                </a:r>
+              </a:p>
+              <a:p>
+                <a:pPr lvl="1">
+                  <a:buFont typeface="Wingdings" panose="05000000000000000000" pitchFamily="2" charset="2"/>
+                  <a:buChar char="§"/>
+                </a:pPr>
+                <a:r>
+                  <a:rPr lang="pt-BR" dirty="0"/>
+                  <a:t>Detecção ou classificação </a:t>
+                </a:r>
+                <a:r>
+                  <a:rPr lang="pt-BR" dirty="0" smtClean="0"/>
+                  <a:t>de símbolos.</a:t>
                 </a:r>
               </a:p>
               <a:p>
@@ -30233,12 +31669,12 @@
             <p:spPr>
               <a:xfrm>
                 <a:off x="803100" y="4642338"/>
-                <a:ext cx="11252912" cy="2215662"/>
+                <a:ext cx="11002619" cy="2215662"/>
               </a:xfrm>
               <a:blipFill rotWithShape="0">
                 <a:blip r:embed="rId3"/>
                 <a:stretch>
-                  <a:fillRect l="-975" t="-6336" b="-5234"/>
+                  <a:fillRect l="-886" t="-7163" b="-1928"/>
                 </a:stretch>
               </a:blipFill>
             </p:spPr>
@@ -30286,8 +31722,8 @@
         </p:blipFill>
         <p:spPr bwMode="auto">
           <a:xfrm>
-            <a:off x="950741" y="1733171"/>
-            <a:ext cx="5810835" cy="1858882"/>
+            <a:off x="106775" y="1743705"/>
+            <a:ext cx="4096017" cy="1310313"/>
           </a:xfrm>
           <a:prstGeom prst="rect">
             <a:avLst/>
@@ -30319,12 +31755,53 @@
         </p:blipFill>
         <p:spPr>
           <a:xfrm>
-            <a:off x="7220632" y="1041010"/>
-            <a:ext cx="3809612" cy="3545056"/>
+            <a:off x="8039477" y="1006982"/>
+            <a:ext cx="3850845" cy="3583426"/>
           </a:xfrm>
           <a:prstGeom prst="rect">
             <a:avLst/>
           </a:prstGeom>
+        </p:spPr>
+      </p:pic>
+      <p:pic>
+        <p:nvPicPr>
+          <p:cNvPr id="1026" name="Picture 2" descr="Measure Classification Performance: New in Wolfram Language 11"/>
+          <p:cNvPicPr>
+            <a:picLocks noChangeAspect="1" noChangeArrowheads="1"/>
+          </p:cNvPicPr>
+          <p:nvPr/>
+        </p:nvPicPr>
+        <p:blipFill>
+          <a:blip r:embed="rId6">
+            <a:extLst>
+              <a:ext uri="{28A0092B-C50C-407E-A947-70E740481C1C}">
+                <a14:useLocalDpi xmlns:a14="http://schemas.microsoft.com/office/drawing/2010/main" val="0"/>
+              </a:ext>
+            </a:extLst>
+          </a:blip>
+          <a:srcRect/>
+          <a:stretch>
+            <a:fillRect/>
+          </a:stretch>
+        </p:blipFill>
+        <p:spPr bwMode="auto">
+          <a:xfrm>
+            <a:off x="4614319" y="1291880"/>
+            <a:ext cx="3013630" cy="3013630"/>
+          </a:xfrm>
+          <a:prstGeom prst="rect">
+            <a:avLst/>
+          </a:prstGeom>
+          <a:noFill/>
+          <a:extLst>
+            <a:ext uri="{909E8E84-426E-40DD-AFC4-6F175D3DCCD1}">
+              <a14:hiddenFill xmlns:a14="http://schemas.microsoft.com/office/drawing/2010/main">
+                <a:solidFill>
+                  <a:srgbClr val="FFFFFF"/>
+                </a:solidFill>
+              </a14:hiddenFill>
+            </a:ext>
+          </a:extLst>
         </p:spPr>
       </p:pic>
     </p:spTree>
@@ -30665,13 +32142,13 @@
             </p:nvSpPr>
             <p:spPr>
               <a:xfrm>
-                <a:off x="838200" y="1825624"/>
-                <a:ext cx="11102788" cy="5032375"/>
+                <a:off x="838199" y="1825624"/>
+                <a:ext cx="11085215" cy="5032375"/>
               </a:xfrm>
             </p:spPr>
             <p:txBody>
               <a:bodyPr>
-                <a:normAutofit fontScale="92500" lnSpcReduction="10000"/>
+                <a:normAutofit fontScale="92500" lnSpcReduction="20000"/>
               </a:bodyPr>
               <a:lstStyle/>
               <a:p>
@@ -30884,7 +32361,33 @@
               <a:p>
                 <a:r>
                   <a:rPr lang="pt-BR" dirty="0"/>
-                  <a:t>Semelhante ao problema da regressão linear, existe um conjunto de treinamento com </a:t>
+                  <a:t>Semelhante ao problema da </a:t>
+                </a:r>
+                <a:r>
+                  <a:rPr lang="pt-BR" b="1" i="1" dirty="0"/>
+                  <a:t>regressão linear</a:t>
+                </a:r>
+                <a:r>
+                  <a:rPr lang="pt-BR" dirty="0"/>
+                  <a:t>, existe um conjunto de treinamento </a:t>
+                </a:r>
+                <a:r>
+                  <a:rPr lang="pt-BR" dirty="0" smtClean="0"/>
+                  <a:t>com </a:t>
+                </a:r>
+                <a14:m>
+                  <m:oMath xmlns:m="http://schemas.openxmlformats.org/officeDocument/2006/math">
+                    <m:r>
+                      <a:rPr lang="pt-BR" i="1">
+                        <a:latin typeface="Cambria Math" panose="02040503050406030204" pitchFamily="18" charset="0"/>
+                      </a:rPr>
+                      <m:t>𝑁</m:t>
+                    </m:r>
+                  </m:oMath>
+                </a14:m>
+                <a:r>
+                  <a:rPr lang="pt-BR" dirty="0" smtClean="0"/>
+                  <a:t> </a:t>
                 </a:r>
                 <a:r>
                   <a:rPr lang="pt-BR" b="1" dirty="0"/>
@@ -31021,7 +32524,11 @@
                 </a:r>
                 <a:r>
                   <a:rPr lang="pt-BR" dirty="0"/>
-                  <a:t>, onde</a:t>
+                  <a:t>, </a:t>
+                </a:r>
+                <a:r>
+                  <a:rPr lang="pt-BR" dirty="0" smtClean="0"/>
+                  <a:t>onde</a:t>
                 </a:r>
               </a:p>
               <a:p>
@@ -31313,10 +32820,22 @@
                       </m:sub>
                     </m:sSub>
                     <m:r>
-                      <a:rPr lang="pt-BR" i="1">
+                      <a:rPr lang="pt-BR" b="0" i="1" smtClean="0">
                         <a:latin typeface="Cambria Math" panose="02040503050406030204" pitchFamily="18" charset="0"/>
                       </a:rPr>
-                      <m:t>, …,</m:t>
+                      <m:t>(</m:t>
+                    </m:r>
+                    <m:r>
+                      <a:rPr lang="pt-BR" b="0" i="1" smtClean="0">
+                        <a:latin typeface="Cambria Math" panose="02040503050406030204" pitchFamily="18" charset="0"/>
+                      </a:rPr>
+                      <m:t>𝑖</m:t>
+                    </m:r>
+                    <m:r>
+                      <a:rPr lang="pt-BR" b="0" i="1" smtClean="0">
+                        <a:latin typeface="Cambria Math" panose="02040503050406030204" pitchFamily="18" charset="0"/>
+                      </a:rPr>
+                      <m:t>), …,</m:t>
                     </m:r>
                     <m:sSub>
                       <m:sSubPr>
@@ -31343,6 +32862,24 @@
                         </m:r>
                       </m:sub>
                     </m:sSub>
+                    <m:r>
+                      <a:rPr lang="pt-BR" b="0" i="1" smtClean="0">
+                        <a:latin typeface="Cambria Math" panose="02040503050406030204" pitchFamily="18" charset="0"/>
+                      </a:rPr>
+                      <m:t>(</m:t>
+                    </m:r>
+                    <m:r>
+                      <a:rPr lang="pt-BR" b="0" i="1" smtClean="0">
+                        <a:latin typeface="Cambria Math" panose="02040503050406030204" pitchFamily="18" charset="0"/>
+                      </a:rPr>
+                      <m:t>𝑖</m:t>
+                    </m:r>
+                    <m:r>
+                      <a:rPr lang="pt-BR" b="0" i="1" smtClean="0">
+                        <a:latin typeface="Cambria Math" panose="02040503050406030204" pitchFamily="18" charset="0"/>
+                      </a:rPr>
+                      <m:t>)</m:t>
+                    </m:r>
                   </m:oMath>
                 </a14:m>
                 <a:endParaRPr lang="pt-BR" dirty="0"/>
@@ -31381,35 +32918,15 @@
                         </m:r>
                       </m:e>
                     </m:d>
-                    <m:r>
-                      <a:rPr lang="pt-BR" i="1">
-                        <a:latin typeface="Cambria Math" panose="02040503050406030204" pitchFamily="18" charset="0"/>
-                        <a:ea typeface="Cambria Math" panose="02040503050406030204" pitchFamily="18" charset="0"/>
-                      </a:rPr>
-                      <m:t>∈</m:t>
-                    </m:r>
                   </m:oMath>
                 </a14:m>
                 <a:r>
-                  <a:rPr lang="pt-BR" dirty="0">
-                    <a:ea typeface="Cambria Math" panose="02040503050406030204" pitchFamily="18" charset="0"/>
-                  </a:rPr>
-                  <a:t> </a:t>
-                </a:r>
-                <a14:m>
-                  <m:oMath xmlns:m="http://schemas.openxmlformats.org/officeDocument/2006/math">
-                    <m:r>
-                      <a:rPr lang="pt-BR" i="1">
-                        <a:latin typeface="Cambria Math" panose="02040503050406030204" pitchFamily="18" charset="0"/>
-                        <a:ea typeface="Cambria Math" panose="02040503050406030204" pitchFamily="18" charset="0"/>
-                      </a:rPr>
-                      <m:t>ℝ</m:t>
-                    </m:r>
-                  </m:oMath>
-                </a14:m>
+                  <a:rPr lang="pt-BR" dirty="0" smtClean="0"/>
+                  <a:t> representa </a:t>
+                </a:r>
                 <a:r>
                   <a:rPr lang="pt-BR" dirty="0"/>
-                  <a:t> representa o </a:t>
+                  <a:t>o </a:t>
                 </a:r>
                 <a:r>
                   <a:rPr lang="pt-BR" i="1" dirty="0"/>
@@ -31430,111 +32947,43 @@
                 <a:endParaRPr lang="pt-BR" dirty="0" smtClean="0"/>
               </a:p>
               <a:p>
-                <a:pPr lvl="1">
+                <a:pPr>
                   <a:buFont typeface="Wingdings" panose="05000000000000000000" pitchFamily="2" charset="2"/>
                   <a:buChar char="§"/>
                 </a:pPr>
                 <a:r>
                   <a:rPr lang="pt-BR" dirty="0" smtClean="0"/>
-                  <a:t>Como </a:t>
+                  <a:t>Portanto, como </a:t>
                 </a:r>
                 <a:r>
                   <a:rPr lang="pt-BR" dirty="0"/>
-                  <a:t>veremos a seguir, </a:t>
-                </a:r>
-                <a14:m>
-                  <m:oMath xmlns:m="http://schemas.openxmlformats.org/officeDocument/2006/math">
-                    <m:r>
-                      <a:rPr lang="pt-BR" i="1">
-                        <a:latin typeface="Cambria Math" panose="02040503050406030204" pitchFamily="18" charset="0"/>
-                      </a:rPr>
-                      <m:t>𝑦</m:t>
-                    </m:r>
-                  </m:oMath>
-                </a14:m>
+                  <a:t>vocês </a:t>
+                </a:r>
+                <a:r>
+                  <a:rPr lang="pt-BR" dirty="0" smtClean="0"/>
+                  <a:t>já devem </a:t>
+                </a:r>
                 <a:r>
                   <a:rPr lang="pt-BR" dirty="0"/>
-                  <a:t> pode ser um escalar </a:t>
-                </a:r>
-                <a14:m>
-                  <m:oMath xmlns:m="http://schemas.openxmlformats.org/officeDocument/2006/math">
-                    <m:sSup>
-                      <m:sSupPr>
-                        <m:ctrlPr>
-                          <a:rPr lang="pt-BR" i="1">
-                            <a:latin typeface="Cambria Math" panose="02040503050406030204" pitchFamily="18" charset="0"/>
-                            <a:ea typeface="Cambria Math" panose="02040503050406030204" pitchFamily="18" charset="0"/>
-                          </a:rPr>
-                        </m:ctrlPr>
-                      </m:sSupPr>
-                      <m:e>
-                        <m:r>
-                          <a:rPr lang="pt-BR" i="1">
-                            <a:latin typeface="Cambria Math" panose="02040503050406030204" pitchFamily="18" charset="0"/>
-                            <a:ea typeface="Cambria Math" panose="02040503050406030204" pitchFamily="18" charset="0"/>
-                          </a:rPr>
-                          <m:t>ℝ</m:t>
-                        </m:r>
-                      </m:e>
-                      <m:sup>
-                        <m:r>
-                          <a:rPr lang="pt-BR" i="1">
-                            <a:latin typeface="Cambria Math" panose="02040503050406030204" pitchFamily="18" charset="0"/>
-                            <a:ea typeface="Cambria Math" panose="02040503050406030204" pitchFamily="18" charset="0"/>
-                          </a:rPr>
-                          <m:t>1</m:t>
-                        </m:r>
-                      </m:sup>
-                    </m:sSup>
-                  </m:oMath>
-                </a14:m>
+                  <a:t>ter percebido, </a:t>
+                </a:r>
+                <a:r>
+                  <a:rPr lang="pt-BR" b="1" i="1" dirty="0"/>
+                  <a:t>classificadores</a:t>
+                </a:r>
                 <a:r>
                   <a:rPr lang="pt-BR" dirty="0"/>
-                  <a:t> ou um vetor </a:t>
-                </a:r>
-                <a14:m>
-                  <m:oMath xmlns:m="http://schemas.openxmlformats.org/officeDocument/2006/math">
-                    <m:sSup>
-                      <m:sSupPr>
-                        <m:ctrlPr>
-                          <a:rPr lang="pt-BR" i="1">
-                            <a:latin typeface="Cambria Math" panose="02040503050406030204" pitchFamily="18" charset="0"/>
-                            <a:ea typeface="Cambria Math" panose="02040503050406030204" pitchFamily="18" charset="0"/>
-                          </a:rPr>
-                        </m:ctrlPr>
-                      </m:sSupPr>
-                      <m:e>
-                        <m:r>
-                          <a:rPr lang="pt-BR" i="1">
-                            <a:latin typeface="Cambria Math" panose="02040503050406030204" pitchFamily="18" charset="0"/>
-                            <a:ea typeface="Cambria Math" panose="02040503050406030204" pitchFamily="18" charset="0"/>
-                          </a:rPr>
-                          <m:t>ℝ</m:t>
-                        </m:r>
-                      </m:e>
-                      <m:sup>
-                        <m:r>
-                          <a:rPr lang="pt-BR" i="1">
-                            <a:latin typeface="Cambria Math" panose="02040503050406030204" pitchFamily="18" charset="0"/>
-                            <a:ea typeface="Cambria Math" panose="02040503050406030204" pitchFamily="18" charset="0"/>
-                          </a:rPr>
-                          <m:t>𝑄</m:t>
-                        </m:r>
-                        <m:r>
-                          <a:rPr lang="pt-BR" i="1">
-                            <a:latin typeface="Cambria Math" panose="02040503050406030204" pitchFamily="18" charset="0"/>
-                            <a:ea typeface="Cambria Math" panose="02040503050406030204" pitchFamily="18" charset="0"/>
-                          </a:rPr>
-                          <m:t>×1</m:t>
-                        </m:r>
-                      </m:sup>
-                    </m:sSup>
-                  </m:oMath>
-                </a14:m>
-                <a:r>
-                  <a:rPr lang="pt-BR" dirty="0"/>
+                  <a:t> são algoritmos de </a:t>
+                </a:r>
+                <a:r>
+                  <a:rPr lang="pt-BR" b="1" i="1" dirty="0"/>
+                  <a:t>treinamento supervisionado</a:t>
+                </a:r>
+                <a:r>
+                  <a:rPr lang="pt-BR" dirty="0" smtClean="0"/>
                   <a:t>.</a:t>
                 </a:r>
+                <a:endParaRPr lang="pt-BR" dirty="0"/>
               </a:p>
             </p:txBody>
           </p:sp>
@@ -31552,13 +33001,13 @@
             </p:nvSpPr>
             <p:spPr>
               <a:xfrm>
-                <a:off x="838200" y="1825624"/>
-                <a:ext cx="11102788" cy="5032375"/>
+                <a:off x="838199" y="1825624"/>
+                <a:ext cx="11085215" cy="5032375"/>
               </a:xfrm>
               <a:blipFill rotWithShape="0">
-                <a:blip r:embed="rId2"/>
+                <a:blip r:embed="rId3"/>
                 <a:stretch>
-                  <a:fillRect l="-879" t="-2421" r="-824"/>
+                  <a:fillRect l="-825" t="-3027" r="-1649"/>
                 </a:stretch>
               </a:blipFill>
             </p:spPr>

--- a/slides/T320_Classificação (Parte I).pptx
+++ b/slides/T320_Classificação (Parte I).pptx
@@ -297,7 +297,7 @@
           <a:p>
             <a:fld id="{144F1436-6906-4D93-B7A2-786C327BFA14}" type="datetimeFigureOut">
               <a:rPr lang="nl-BE" smtClean="0"/>
-              <a:t>11/02/2022</a:t>
+              <a:t>12/02/2022</a:t>
             </a:fld>
             <a:endParaRPr lang="nl-BE"/>
           </a:p>
@@ -462,7 +462,7 @@
           <a:p>
             <a:fld id="{AA8CD09E-2914-4F47-B6C1-51B2C31814C9}" type="datetimeFigureOut">
               <a:rPr lang="pt-BR" smtClean="0"/>
-              <a:t>11/02/2022</a:t>
+              <a:t>12/02/2022</a:t>
             </a:fld>
             <a:endParaRPr lang="pt-BR"/>
           </a:p>
@@ -2238,7 +2238,7 @@
           <p:cNvPr id="2" name="Título 1">
             <a:extLst>
               <a:ext uri="{FF2B5EF4-FFF2-40B4-BE49-F238E27FC236}">
-                <a16:creationId xmlns:a16="http://schemas.microsoft.com/office/drawing/2014/main" xmlns="" id="{1DB9B4FF-B06E-403C-A326-BDC64D8FF94E}"/>
+                <a16:creationId xmlns="" xmlns:a16="http://schemas.microsoft.com/office/drawing/2014/main" id="{1DB9B4FF-B06E-403C-A326-BDC64D8FF94E}"/>
               </a:ext>
             </a:extLst>
           </p:cNvPr>
@@ -2275,7 +2275,7 @@
           <p:cNvPr id="3" name="Subtítulo 2">
             <a:extLst>
               <a:ext uri="{FF2B5EF4-FFF2-40B4-BE49-F238E27FC236}">
-                <a16:creationId xmlns:a16="http://schemas.microsoft.com/office/drawing/2014/main" xmlns="" id="{247BDFCE-746E-45BF-A319-4733D58D1632}"/>
+                <a16:creationId xmlns="" xmlns:a16="http://schemas.microsoft.com/office/drawing/2014/main" id="{247BDFCE-746E-45BF-A319-4733D58D1632}"/>
               </a:ext>
             </a:extLst>
           </p:cNvPr>
@@ -2345,7 +2345,7 @@
           <p:cNvPr id="4" name="Espaço Reservado para Data 3">
             <a:extLst>
               <a:ext uri="{FF2B5EF4-FFF2-40B4-BE49-F238E27FC236}">
-                <a16:creationId xmlns:a16="http://schemas.microsoft.com/office/drawing/2014/main" xmlns="" id="{9EDE2778-5372-4104-B96D-968184DA8288}"/>
+                <a16:creationId xmlns="" xmlns:a16="http://schemas.microsoft.com/office/drawing/2014/main" id="{9EDE2778-5372-4104-B96D-968184DA8288}"/>
               </a:ext>
             </a:extLst>
           </p:cNvPr>
@@ -2363,7 +2363,7 @@
           <a:p>
             <a:fld id="{63289F7E-B80B-496E-81B4-D396C37C9454}" type="datetimeFigureOut">
               <a:rPr lang="pt-BR" smtClean="0"/>
-              <a:t>11/02/2022</a:t>
+              <a:t>12/02/2022</a:t>
             </a:fld>
             <a:endParaRPr lang="pt-BR"/>
           </a:p>
@@ -2374,7 +2374,7 @@
           <p:cNvPr id="5" name="Espaço Reservado para Rodapé 4">
             <a:extLst>
               <a:ext uri="{FF2B5EF4-FFF2-40B4-BE49-F238E27FC236}">
-                <a16:creationId xmlns:a16="http://schemas.microsoft.com/office/drawing/2014/main" xmlns="" id="{C1DD0F41-C861-4051-988D-3024A37A4B93}"/>
+                <a16:creationId xmlns="" xmlns:a16="http://schemas.microsoft.com/office/drawing/2014/main" id="{C1DD0F41-C861-4051-988D-3024A37A4B93}"/>
               </a:ext>
             </a:extLst>
           </p:cNvPr>
@@ -2399,7 +2399,7 @@
           <p:cNvPr id="6" name="Espaço Reservado para Número de Slide 5">
             <a:extLst>
               <a:ext uri="{FF2B5EF4-FFF2-40B4-BE49-F238E27FC236}">
-                <a16:creationId xmlns:a16="http://schemas.microsoft.com/office/drawing/2014/main" xmlns="" id="{07E5967E-D980-431A-A5DB-3F0C5030A81E}"/>
+                <a16:creationId xmlns="" xmlns:a16="http://schemas.microsoft.com/office/drawing/2014/main" id="{07E5967E-D980-431A-A5DB-3F0C5030A81E}"/>
               </a:ext>
             </a:extLst>
           </p:cNvPr>
@@ -2458,7 +2458,7 @@
           <p:cNvPr id="2" name="Título 1">
             <a:extLst>
               <a:ext uri="{FF2B5EF4-FFF2-40B4-BE49-F238E27FC236}">
-                <a16:creationId xmlns:a16="http://schemas.microsoft.com/office/drawing/2014/main" xmlns="" id="{9036C49F-3E68-4175-81BA-3C3FEE44308A}"/>
+                <a16:creationId xmlns="" xmlns:a16="http://schemas.microsoft.com/office/drawing/2014/main" id="{9036C49F-3E68-4175-81BA-3C3FEE44308A}"/>
               </a:ext>
             </a:extLst>
           </p:cNvPr>
@@ -2486,7 +2486,7 @@
           <p:cNvPr id="3" name="Espaço Reservado para Texto Vertical 2">
             <a:extLst>
               <a:ext uri="{FF2B5EF4-FFF2-40B4-BE49-F238E27FC236}">
-                <a16:creationId xmlns:a16="http://schemas.microsoft.com/office/drawing/2014/main" xmlns="" id="{426FA736-3DD3-4D4E-B57B-BBE1D8F7D424}"/>
+                <a16:creationId xmlns="" xmlns:a16="http://schemas.microsoft.com/office/drawing/2014/main" id="{426FA736-3DD3-4D4E-B57B-BBE1D8F7D424}"/>
               </a:ext>
             </a:extLst>
           </p:cNvPr>
@@ -2543,7 +2543,7 @@
           <p:cNvPr id="4" name="Espaço Reservado para Data 3">
             <a:extLst>
               <a:ext uri="{FF2B5EF4-FFF2-40B4-BE49-F238E27FC236}">
-                <a16:creationId xmlns:a16="http://schemas.microsoft.com/office/drawing/2014/main" xmlns="" id="{99E8855C-D8FD-48F6-B14E-861E0DE4D915}"/>
+                <a16:creationId xmlns="" xmlns:a16="http://schemas.microsoft.com/office/drawing/2014/main" id="{99E8855C-D8FD-48F6-B14E-861E0DE4D915}"/>
               </a:ext>
             </a:extLst>
           </p:cNvPr>
@@ -2561,7 +2561,7 @@
           <a:p>
             <a:fld id="{63289F7E-B80B-496E-81B4-D396C37C9454}" type="datetimeFigureOut">
               <a:rPr lang="pt-BR" smtClean="0"/>
-              <a:t>11/02/2022</a:t>
+              <a:t>12/02/2022</a:t>
             </a:fld>
             <a:endParaRPr lang="pt-BR"/>
           </a:p>
@@ -2572,7 +2572,7 @@
           <p:cNvPr id="5" name="Espaço Reservado para Rodapé 4">
             <a:extLst>
               <a:ext uri="{FF2B5EF4-FFF2-40B4-BE49-F238E27FC236}">
-                <a16:creationId xmlns:a16="http://schemas.microsoft.com/office/drawing/2014/main" xmlns="" id="{97C0BB88-2F21-42A5-ACFF-83DA47F2D340}"/>
+                <a16:creationId xmlns="" xmlns:a16="http://schemas.microsoft.com/office/drawing/2014/main" id="{97C0BB88-2F21-42A5-ACFF-83DA47F2D340}"/>
               </a:ext>
             </a:extLst>
           </p:cNvPr>
@@ -2597,7 +2597,7 @@
           <p:cNvPr id="6" name="Espaço Reservado para Número de Slide 5">
             <a:extLst>
               <a:ext uri="{FF2B5EF4-FFF2-40B4-BE49-F238E27FC236}">
-                <a16:creationId xmlns:a16="http://schemas.microsoft.com/office/drawing/2014/main" xmlns="" id="{6CB462B3-1F22-4C05-B4B8-7A279FB7D5E9}"/>
+                <a16:creationId xmlns="" xmlns:a16="http://schemas.microsoft.com/office/drawing/2014/main" id="{6CB462B3-1F22-4C05-B4B8-7A279FB7D5E9}"/>
               </a:ext>
             </a:extLst>
           </p:cNvPr>
@@ -2656,7 +2656,7 @@
           <p:cNvPr id="2" name="Título Vertical 1">
             <a:extLst>
               <a:ext uri="{FF2B5EF4-FFF2-40B4-BE49-F238E27FC236}">
-                <a16:creationId xmlns:a16="http://schemas.microsoft.com/office/drawing/2014/main" xmlns="" id="{EAEAB728-701C-4207-A9D5-23FF45C60502}"/>
+                <a16:creationId xmlns="" xmlns:a16="http://schemas.microsoft.com/office/drawing/2014/main" id="{EAEAB728-701C-4207-A9D5-23FF45C60502}"/>
               </a:ext>
             </a:extLst>
           </p:cNvPr>
@@ -2689,7 +2689,7 @@
           <p:cNvPr id="3" name="Espaço Reservado para Texto Vertical 2">
             <a:extLst>
               <a:ext uri="{FF2B5EF4-FFF2-40B4-BE49-F238E27FC236}">
-                <a16:creationId xmlns:a16="http://schemas.microsoft.com/office/drawing/2014/main" xmlns="" id="{BA8C8CCF-7823-480A-9A19-0F664DD17E3B}"/>
+                <a16:creationId xmlns="" xmlns:a16="http://schemas.microsoft.com/office/drawing/2014/main" id="{BA8C8CCF-7823-480A-9A19-0F664DD17E3B}"/>
               </a:ext>
             </a:extLst>
           </p:cNvPr>
@@ -2751,7 +2751,7 @@
           <p:cNvPr id="4" name="Espaço Reservado para Data 3">
             <a:extLst>
               <a:ext uri="{FF2B5EF4-FFF2-40B4-BE49-F238E27FC236}">
-                <a16:creationId xmlns:a16="http://schemas.microsoft.com/office/drawing/2014/main" xmlns="" id="{721D5734-7B1F-425D-942F-6EB73344027C}"/>
+                <a16:creationId xmlns="" xmlns:a16="http://schemas.microsoft.com/office/drawing/2014/main" id="{721D5734-7B1F-425D-942F-6EB73344027C}"/>
               </a:ext>
             </a:extLst>
           </p:cNvPr>
@@ -2769,7 +2769,7 @@
           <a:p>
             <a:fld id="{63289F7E-B80B-496E-81B4-D396C37C9454}" type="datetimeFigureOut">
               <a:rPr lang="pt-BR" smtClean="0"/>
-              <a:t>11/02/2022</a:t>
+              <a:t>12/02/2022</a:t>
             </a:fld>
             <a:endParaRPr lang="pt-BR"/>
           </a:p>
@@ -2780,7 +2780,7 @@
           <p:cNvPr id="5" name="Espaço Reservado para Rodapé 4">
             <a:extLst>
               <a:ext uri="{FF2B5EF4-FFF2-40B4-BE49-F238E27FC236}">
-                <a16:creationId xmlns:a16="http://schemas.microsoft.com/office/drawing/2014/main" xmlns="" id="{1E1AAEAC-F08D-45FE-89EC-B1B349A868C9}"/>
+                <a16:creationId xmlns="" xmlns:a16="http://schemas.microsoft.com/office/drawing/2014/main" id="{1E1AAEAC-F08D-45FE-89EC-B1B349A868C9}"/>
               </a:ext>
             </a:extLst>
           </p:cNvPr>
@@ -2805,7 +2805,7 @@
           <p:cNvPr id="6" name="Espaço Reservado para Número de Slide 5">
             <a:extLst>
               <a:ext uri="{FF2B5EF4-FFF2-40B4-BE49-F238E27FC236}">
-                <a16:creationId xmlns:a16="http://schemas.microsoft.com/office/drawing/2014/main" xmlns="" id="{BAA44493-9911-47B2-87A6-C2141A972BC8}"/>
+                <a16:creationId xmlns="" xmlns:a16="http://schemas.microsoft.com/office/drawing/2014/main" id="{BAA44493-9911-47B2-87A6-C2141A972BC8}"/>
               </a:ext>
             </a:extLst>
           </p:cNvPr>
@@ -2864,7 +2864,7 @@
           <p:cNvPr id="2" name="Título 1">
             <a:extLst>
               <a:ext uri="{FF2B5EF4-FFF2-40B4-BE49-F238E27FC236}">
-                <a16:creationId xmlns:a16="http://schemas.microsoft.com/office/drawing/2014/main" xmlns="" id="{71BD44A5-8F21-4626-A01D-48A1C874B1D5}"/>
+                <a16:creationId xmlns="" xmlns:a16="http://schemas.microsoft.com/office/drawing/2014/main" id="{71BD44A5-8F21-4626-A01D-48A1C874B1D5}"/>
               </a:ext>
             </a:extLst>
           </p:cNvPr>
@@ -2892,7 +2892,7 @@
           <p:cNvPr id="3" name="Espaço Reservado para Conteúdo 2">
             <a:extLst>
               <a:ext uri="{FF2B5EF4-FFF2-40B4-BE49-F238E27FC236}">
-                <a16:creationId xmlns:a16="http://schemas.microsoft.com/office/drawing/2014/main" xmlns="" id="{B79E8085-65A9-48AA-951D-71D978BFF4ED}"/>
+                <a16:creationId xmlns="" xmlns:a16="http://schemas.microsoft.com/office/drawing/2014/main" id="{B79E8085-65A9-48AA-951D-71D978BFF4ED}"/>
               </a:ext>
             </a:extLst>
           </p:cNvPr>
@@ -2949,7 +2949,7 @@
           <p:cNvPr id="4" name="Espaço Reservado para Data 3">
             <a:extLst>
               <a:ext uri="{FF2B5EF4-FFF2-40B4-BE49-F238E27FC236}">
-                <a16:creationId xmlns:a16="http://schemas.microsoft.com/office/drawing/2014/main" xmlns="" id="{F05BE1AF-51EA-425D-B188-DE7BD675009F}"/>
+                <a16:creationId xmlns="" xmlns:a16="http://schemas.microsoft.com/office/drawing/2014/main" id="{F05BE1AF-51EA-425D-B188-DE7BD675009F}"/>
               </a:ext>
             </a:extLst>
           </p:cNvPr>
@@ -2967,7 +2967,7 @@
           <a:p>
             <a:fld id="{63289F7E-B80B-496E-81B4-D396C37C9454}" type="datetimeFigureOut">
               <a:rPr lang="pt-BR" smtClean="0"/>
-              <a:t>11/02/2022</a:t>
+              <a:t>12/02/2022</a:t>
             </a:fld>
             <a:endParaRPr lang="pt-BR"/>
           </a:p>
@@ -2978,7 +2978,7 @@
           <p:cNvPr id="5" name="Espaço Reservado para Rodapé 4">
             <a:extLst>
               <a:ext uri="{FF2B5EF4-FFF2-40B4-BE49-F238E27FC236}">
-                <a16:creationId xmlns:a16="http://schemas.microsoft.com/office/drawing/2014/main" xmlns="" id="{121BE632-29CF-4CB9-B365-C9EF38F89BE6}"/>
+                <a16:creationId xmlns="" xmlns:a16="http://schemas.microsoft.com/office/drawing/2014/main" id="{121BE632-29CF-4CB9-B365-C9EF38F89BE6}"/>
               </a:ext>
             </a:extLst>
           </p:cNvPr>
@@ -3003,7 +3003,7 @@
           <p:cNvPr id="6" name="Espaço Reservado para Número de Slide 5">
             <a:extLst>
               <a:ext uri="{FF2B5EF4-FFF2-40B4-BE49-F238E27FC236}">
-                <a16:creationId xmlns:a16="http://schemas.microsoft.com/office/drawing/2014/main" xmlns="" id="{60CF3DD1-9AEC-4A57-B461-4E4DD86FAC18}"/>
+                <a16:creationId xmlns="" xmlns:a16="http://schemas.microsoft.com/office/drawing/2014/main" id="{60CF3DD1-9AEC-4A57-B461-4E4DD86FAC18}"/>
               </a:ext>
             </a:extLst>
           </p:cNvPr>
@@ -3062,7 +3062,7 @@
           <p:cNvPr id="2" name="Título 1">
             <a:extLst>
               <a:ext uri="{FF2B5EF4-FFF2-40B4-BE49-F238E27FC236}">
-                <a16:creationId xmlns:a16="http://schemas.microsoft.com/office/drawing/2014/main" xmlns="" id="{34AB2FF0-A4D7-4E28-991D-FF26140D5988}"/>
+                <a16:creationId xmlns="" xmlns:a16="http://schemas.microsoft.com/office/drawing/2014/main" id="{34AB2FF0-A4D7-4E28-991D-FF26140D5988}"/>
               </a:ext>
             </a:extLst>
           </p:cNvPr>
@@ -3099,7 +3099,7 @@
           <p:cNvPr id="3" name="Espaço Reservado para Texto 2">
             <a:extLst>
               <a:ext uri="{FF2B5EF4-FFF2-40B4-BE49-F238E27FC236}">
-                <a16:creationId xmlns:a16="http://schemas.microsoft.com/office/drawing/2014/main" xmlns="" id="{E2AC45B0-4145-40DB-8E61-105461170604}"/>
+                <a16:creationId xmlns="" xmlns:a16="http://schemas.microsoft.com/office/drawing/2014/main" id="{E2AC45B0-4145-40DB-8E61-105461170604}"/>
               </a:ext>
             </a:extLst>
           </p:cNvPr>
@@ -3224,7 +3224,7 @@
           <p:cNvPr id="4" name="Espaço Reservado para Data 3">
             <a:extLst>
               <a:ext uri="{FF2B5EF4-FFF2-40B4-BE49-F238E27FC236}">
-                <a16:creationId xmlns:a16="http://schemas.microsoft.com/office/drawing/2014/main" xmlns="" id="{50F1D3FB-740A-4EBA-A309-2CE71D12ECFB}"/>
+                <a16:creationId xmlns="" xmlns:a16="http://schemas.microsoft.com/office/drawing/2014/main" id="{50F1D3FB-740A-4EBA-A309-2CE71D12ECFB}"/>
               </a:ext>
             </a:extLst>
           </p:cNvPr>
@@ -3242,7 +3242,7 @@
           <a:p>
             <a:fld id="{63289F7E-B80B-496E-81B4-D396C37C9454}" type="datetimeFigureOut">
               <a:rPr lang="pt-BR" smtClean="0"/>
-              <a:t>11/02/2022</a:t>
+              <a:t>12/02/2022</a:t>
             </a:fld>
             <a:endParaRPr lang="pt-BR"/>
           </a:p>
@@ -3253,7 +3253,7 @@
           <p:cNvPr id="5" name="Espaço Reservado para Rodapé 4">
             <a:extLst>
               <a:ext uri="{FF2B5EF4-FFF2-40B4-BE49-F238E27FC236}">
-                <a16:creationId xmlns:a16="http://schemas.microsoft.com/office/drawing/2014/main" xmlns="" id="{BDCAB18F-8715-4465-A940-F9C193A2ACE9}"/>
+                <a16:creationId xmlns="" xmlns:a16="http://schemas.microsoft.com/office/drawing/2014/main" id="{BDCAB18F-8715-4465-A940-F9C193A2ACE9}"/>
               </a:ext>
             </a:extLst>
           </p:cNvPr>
@@ -3278,7 +3278,7 @@
           <p:cNvPr id="6" name="Espaço Reservado para Número de Slide 5">
             <a:extLst>
               <a:ext uri="{FF2B5EF4-FFF2-40B4-BE49-F238E27FC236}">
-                <a16:creationId xmlns:a16="http://schemas.microsoft.com/office/drawing/2014/main" xmlns="" id="{353466C6-8248-429F-8056-FF040BF509EB}"/>
+                <a16:creationId xmlns="" xmlns:a16="http://schemas.microsoft.com/office/drawing/2014/main" id="{353466C6-8248-429F-8056-FF040BF509EB}"/>
               </a:ext>
             </a:extLst>
           </p:cNvPr>
@@ -3337,7 +3337,7 @@
           <p:cNvPr id="2" name="Título 1">
             <a:extLst>
               <a:ext uri="{FF2B5EF4-FFF2-40B4-BE49-F238E27FC236}">
-                <a16:creationId xmlns:a16="http://schemas.microsoft.com/office/drawing/2014/main" xmlns="" id="{BC7BB9F0-F14B-4A91-B2B7-35BC47FE4DE7}"/>
+                <a16:creationId xmlns="" xmlns:a16="http://schemas.microsoft.com/office/drawing/2014/main" id="{BC7BB9F0-F14B-4A91-B2B7-35BC47FE4DE7}"/>
               </a:ext>
             </a:extLst>
           </p:cNvPr>
@@ -3365,7 +3365,7 @@
           <p:cNvPr id="3" name="Espaço Reservado para Conteúdo 2">
             <a:extLst>
               <a:ext uri="{FF2B5EF4-FFF2-40B4-BE49-F238E27FC236}">
-                <a16:creationId xmlns:a16="http://schemas.microsoft.com/office/drawing/2014/main" xmlns="" id="{EC1FC1C4-73DA-47A6-8496-B0B457F7D39A}"/>
+                <a16:creationId xmlns="" xmlns:a16="http://schemas.microsoft.com/office/drawing/2014/main" id="{EC1FC1C4-73DA-47A6-8496-B0B457F7D39A}"/>
               </a:ext>
             </a:extLst>
           </p:cNvPr>
@@ -3427,7 +3427,7 @@
           <p:cNvPr id="4" name="Espaço Reservado para Conteúdo 3">
             <a:extLst>
               <a:ext uri="{FF2B5EF4-FFF2-40B4-BE49-F238E27FC236}">
-                <a16:creationId xmlns:a16="http://schemas.microsoft.com/office/drawing/2014/main" xmlns="" id="{E92F06A8-A449-4D92-9912-76873E529B38}"/>
+                <a16:creationId xmlns="" xmlns:a16="http://schemas.microsoft.com/office/drawing/2014/main" id="{E92F06A8-A449-4D92-9912-76873E529B38}"/>
               </a:ext>
             </a:extLst>
           </p:cNvPr>
@@ -3489,7 +3489,7 @@
           <p:cNvPr id="5" name="Espaço Reservado para Data 4">
             <a:extLst>
               <a:ext uri="{FF2B5EF4-FFF2-40B4-BE49-F238E27FC236}">
-                <a16:creationId xmlns:a16="http://schemas.microsoft.com/office/drawing/2014/main" xmlns="" id="{938070A4-BC2F-4D55-BD8D-DEAF11BB9EE9}"/>
+                <a16:creationId xmlns="" xmlns:a16="http://schemas.microsoft.com/office/drawing/2014/main" id="{938070A4-BC2F-4D55-BD8D-DEAF11BB9EE9}"/>
               </a:ext>
             </a:extLst>
           </p:cNvPr>
@@ -3507,7 +3507,7 @@
           <a:p>
             <a:fld id="{63289F7E-B80B-496E-81B4-D396C37C9454}" type="datetimeFigureOut">
               <a:rPr lang="pt-BR" smtClean="0"/>
-              <a:t>11/02/2022</a:t>
+              <a:t>12/02/2022</a:t>
             </a:fld>
             <a:endParaRPr lang="pt-BR"/>
           </a:p>
@@ -3518,7 +3518,7 @@
           <p:cNvPr id="6" name="Espaço Reservado para Rodapé 5">
             <a:extLst>
               <a:ext uri="{FF2B5EF4-FFF2-40B4-BE49-F238E27FC236}">
-                <a16:creationId xmlns:a16="http://schemas.microsoft.com/office/drawing/2014/main" xmlns="" id="{45CC2DB8-844A-465F-BA9A-7734C80C7F43}"/>
+                <a16:creationId xmlns="" xmlns:a16="http://schemas.microsoft.com/office/drawing/2014/main" id="{45CC2DB8-844A-465F-BA9A-7734C80C7F43}"/>
               </a:ext>
             </a:extLst>
           </p:cNvPr>
@@ -3543,7 +3543,7 @@
           <p:cNvPr id="7" name="Espaço Reservado para Número de Slide 6">
             <a:extLst>
               <a:ext uri="{FF2B5EF4-FFF2-40B4-BE49-F238E27FC236}">
-                <a16:creationId xmlns:a16="http://schemas.microsoft.com/office/drawing/2014/main" xmlns="" id="{4CC606A8-097B-4040-94E0-CD8C88280D8F}"/>
+                <a16:creationId xmlns="" xmlns:a16="http://schemas.microsoft.com/office/drawing/2014/main" id="{4CC606A8-097B-4040-94E0-CD8C88280D8F}"/>
               </a:ext>
             </a:extLst>
           </p:cNvPr>
@@ -3602,7 +3602,7 @@
           <p:cNvPr id="2" name="Título 1">
             <a:extLst>
               <a:ext uri="{FF2B5EF4-FFF2-40B4-BE49-F238E27FC236}">
-                <a16:creationId xmlns:a16="http://schemas.microsoft.com/office/drawing/2014/main" xmlns="" id="{76D66686-0143-4CB6-8C09-BA326F1E7ACA}"/>
+                <a16:creationId xmlns="" xmlns:a16="http://schemas.microsoft.com/office/drawing/2014/main" id="{76D66686-0143-4CB6-8C09-BA326F1E7ACA}"/>
               </a:ext>
             </a:extLst>
           </p:cNvPr>
@@ -3635,7 +3635,7 @@
           <p:cNvPr id="3" name="Espaço Reservado para Texto 2">
             <a:extLst>
               <a:ext uri="{FF2B5EF4-FFF2-40B4-BE49-F238E27FC236}">
-                <a16:creationId xmlns:a16="http://schemas.microsoft.com/office/drawing/2014/main" xmlns="" id="{0227AB85-F59E-4BCE-B846-4FA0992C2F23}"/>
+                <a16:creationId xmlns="" xmlns:a16="http://schemas.microsoft.com/office/drawing/2014/main" id="{0227AB85-F59E-4BCE-B846-4FA0992C2F23}"/>
               </a:ext>
             </a:extLst>
           </p:cNvPr>
@@ -3706,7 +3706,7 @@
           <p:cNvPr id="4" name="Espaço Reservado para Conteúdo 3">
             <a:extLst>
               <a:ext uri="{FF2B5EF4-FFF2-40B4-BE49-F238E27FC236}">
-                <a16:creationId xmlns:a16="http://schemas.microsoft.com/office/drawing/2014/main" xmlns="" id="{3373456C-7319-4D0A-827D-D29F6B083F5D}"/>
+                <a16:creationId xmlns="" xmlns:a16="http://schemas.microsoft.com/office/drawing/2014/main" id="{3373456C-7319-4D0A-827D-D29F6B083F5D}"/>
               </a:ext>
             </a:extLst>
           </p:cNvPr>
@@ -3768,7 +3768,7 @@
           <p:cNvPr id="5" name="Espaço Reservado para Texto 4">
             <a:extLst>
               <a:ext uri="{FF2B5EF4-FFF2-40B4-BE49-F238E27FC236}">
-                <a16:creationId xmlns:a16="http://schemas.microsoft.com/office/drawing/2014/main" xmlns="" id="{4CD109D0-2E83-4262-8029-A871CEC47406}"/>
+                <a16:creationId xmlns="" xmlns:a16="http://schemas.microsoft.com/office/drawing/2014/main" id="{4CD109D0-2E83-4262-8029-A871CEC47406}"/>
               </a:ext>
             </a:extLst>
           </p:cNvPr>
@@ -3839,7 +3839,7 @@
           <p:cNvPr id="6" name="Espaço Reservado para Conteúdo 5">
             <a:extLst>
               <a:ext uri="{FF2B5EF4-FFF2-40B4-BE49-F238E27FC236}">
-                <a16:creationId xmlns:a16="http://schemas.microsoft.com/office/drawing/2014/main" xmlns="" id="{AD706E3A-CFBB-4A6C-A65F-D0360A9E74FE}"/>
+                <a16:creationId xmlns="" xmlns:a16="http://schemas.microsoft.com/office/drawing/2014/main" id="{AD706E3A-CFBB-4A6C-A65F-D0360A9E74FE}"/>
               </a:ext>
             </a:extLst>
           </p:cNvPr>
@@ -3901,7 +3901,7 @@
           <p:cNvPr id="7" name="Espaço Reservado para Data 6">
             <a:extLst>
               <a:ext uri="{FF2B5EF4-FFF2-40B4-BE49-F238E27FC236}">
-                <a16:creationId xmlns:a16="http://schemas.microsoft.com/office/drawing/2014/main" xmlns="" id="{4172C0E5-5AF0-4805-BB51-443733CD2BD5}"/>
+                <a16:creationId xmlns="" xmlns:a16="http://schemas.microsoft.com/office/drawing/2014/main" id="{4172C0E5-5AF0-4805-BB51-443733CD2BD5}"/>
               </a:ext>
             </a:extLst>
           </p:cNvPr>
@@ -3919,7 +3919,7 @@
           <a:p>
             <a:fld id="{63289F7E-B80B-496E-81B4-D396C37C9454}" type="datetimeFigureOut">
               <a:rPr lang="pt-BR" smtClean="0"/>
-              <a:t>11/02/2022</a:t>
+              <a:t>12/02/2022</a:t>
             </a:fld>
             <a:endParaRPr lang="pt-BR"/>
           </a:p>
@@ -3930,7 +3930,7 @@
           <p:cNvPr id="8" name="Espaço Reservado para Rodapé 7">
             <a:extLst>
               <a:ext uri="{FF2B5EF4-FFF2-40B4-BE49-F238E27FC236}">
-                <a16:creationId xmlns:a16="http://schemas.microsoft.com/office/drawing/2014/main" xmlns="" id="{0E801648-156F-497E-99CF-797DF48051E1}"/>
+                <a16:creationId xmlns="" xmlns:a16="http://schemas.microsoft.com/office/drawing/2014/main" id="{0E801648-156F-497E-99CF-797DF48051E1}"/>
               </a:ext>
             </a:extLst>
           </p:cNvPr>
@@ -3955,7 +3955,7 @@
           <p:cNvPr id="9" name="Espaço Reservado para Número de Slide 8">
             <a:extLst>
               <a:ext uri="{FF2B5EF4-FFF2-40B4-BE49-F238E27FC236}">
-                <a16:creationId xmlns:a16="http://schemas.microsoft.com/office/drawing/2014/main" xmlns="" id="{EEE23D32-80E7-4796-A137-66BF842E4B53}"/>
+                <a16:creationId xmlns="" xmlns:a16="http://schemas.microsoft.com/office/drawing/2014/main" id="{EEE23D32-80E7-4796-A137-66BF842E4B53}"/>
               </a:ext>
             </a:extLst>
           </p:cNvPr>
@@ -4014,7 +4014,7 @@
           <p:cNvPr id="2" name="Título 1">
             <a:extLst>
               <a:ext uri="{FF2B5EF4-FFF2-40B4-BE49-F238E27FC236}">
-                <a16:creationId xmlns:a16="http://schemas.microsoft.com/office/drawing/2014/main" xmlns="" id="{2BCE2379-C78F-47E1-8CFC-B846E7AF148D}"/>
+                <a16:creationId xmlns="" xmlns:a16="http://schemas.microsoft.com/office/drawing/2014/main" id="{2BCE2379-C78F-47E1-8CFC-B846E7AF148D}"/>
               </a:ext>
             </a:extLst>
           </p:cNvPr>
@@ -4042,7 +4042,7 @@
           <p:cNvPr id="3" name="Espaço Reservado para Data 2">
             <a:extLst>
               <a:ext uri="{FF2B5EF4-FFF2-40B4-BE49-F238E27FC236}">
-                <a16:creationId xmlns:a16="http://schemas.microsoft.com/office/drawing/2014/main" xmlns="" id="{342600A9-7F92-4E22-9D94-E4717252A817}"/>
+                <a16:creationId xmlns="" xmlns:a16="http://schemas.microsoft.com/office/drawing/2014/main" id="{342600A9-7F92-4E22-9D94-E4717252A817}"/>
               </a:ext>
             </a:extLst>
           </p:cNvPr>
@@ -4060,7 +4060,7 @@
           <a:p>
             <a:fld id="{63289F7E-B80B-496E-81B4-D396C37C9454}" type="datetimeFigureOut">
               <a:rPr lang="pt-BR" smtClean="0"/>
-              <a:t>11/02/2022</a:t>
+              <a:t>12/02/2022</a:t>
             </a:fld>
             <a:endParaRPr lang="pt-BR"/>
           </a:p>
@@ -4071,7 +4071,7 @@
           <p:cNvPr id="4" name="Espaço Reservado para Rodapé 3">
             <a:extLst>
               <a:ext uri="{FF2B5EF4-FFF2-40B4-BE49-F238E27FC236}">
-                <a16:creationId xmlns:a16="http://schemas.microsoft.com/office/drawing/2014/main" xmlns="" id="{192E6BED-F546-40CC-A2DF-99CBA853654E}"/>
+                <a16:creationId xmlns="" xmlns:a16="http://schemas.microsoft.com/office/drawing/2014/main" id="{192E6BED-F546-40CC-A2DF-99CBA853654E}"/>
               </a:ext>
             </a:extLst>
           </p:cNvPr>
@@ -4096,7 +4096,7 @@
           <p:cNvPr id="5" name="Espaço Reservado para Número de Slide 4">
             <a:extLst>
               <a:ext uri="{FF2B5EF4-FFF2-40B4-BE49-F238E27FC236}">
-                <a16:creationId xmlns:a16="http://schemas.microsoft.com/office/drawing/2014/main" xmlns="" id="{6091CC40-A8C4-4063-80EB-CC5099621678}"/>
+                <a16:creationId xmlns="" xmlns:a16="http://schemas.microsoft.com/office/drawing/2014/main" id="{6091CC40-A8C4-4063-80EB-CC5099621678}"/>
               </a:ext>
             </a:extLst>
           </p:cNvPr>
@@ -4155,7 +4155,7 @@
           <p:cNvPr id="2" name="Espaço Reservado para Data 1">
             <a:extLst>
               <a:ext uri="{FF2B5EF4-FFF2-40B4-BE49-F238E27FC236}">
-                <a16:creationId xmlns:a16="http://schemas.microsoft.com/office/drawing/2014/main" xmlns="" id="{DD19515C-212C-4EAE-84A3-8FF4BC844F1B}"/>
+                <a16:creationId xmlns="" xmlns:a16="http://schemas.microsoft.com/office/drawing/2014/main" id="{DD19515C-212C-4EAE-84A3-8FF4BC844F1B}"/>
               </a:ext>
             </a:extLst>
           </p:cNvPr>
@@ -4173,7 +4173,7 @@
           <a:p>
             <a:fld id="{63289F7E-B80B-496E-81B4-D396C37C9454}" type="datetimeFigureOut">
               <a:rPr lang="pt-BR" smtClean="0"/>
-              <a:t>11/02/2022</a:t>
+              <a:t>12/02/2022</a:t>
             </a:fld>
             <a:endParaRPr lang="pt-BR"/>
           </a:p>
@@ -4184,7 +4184,7 @@
           <p:cNvPr id="3" name="Espaço Reservado para Rodapé 2">
             <a:extLst>
               <a:ext uri="{FF2B5EF4-FFF2-40B4-BE49-F238E27FC236}">
-                <a16:creationId xmlns:a16="http://schemas.microsoft.com/office/drawing/2014/main" xmlns="" id="{94D3D120-B3E8-4C96-861D-7A4F12F49B3A}"/>
+                <a16:creationId xmlns="" xmlns:a16="http://schemas.microsoft.com/office/drawing/2014/main" id="{94D3D120-B3E8-4C96-861D-7A4F12F49B3A}"/>
               </a:ext>
             </a:extLst>
           </p:cNvPr>
@@ -4209,7 +4209,7 @@
           <p:cNvPr id="4" name="Espaço Reservado para Número de Slide 3">
             <a:extLst>
               <a:ext uri="{FF2B5EF4-FFF2-40B4-BE49-F238E27FC236}">
-                <a16:creationId xmlns:a16="http://schemas.microsoft.com/office/drawing/2014/main" xmlns="" id="{42E49B68-FA1B-468B-9F17-D5C09243D454}"/>
+                <a16:creationId xmlns="" xmlns:a16="http://schemas.microsoft.com/office/drawing/2014/main" id="{42E49B68-FA1B-468B-9F17-D5C09243D454}"/>
               </a:ext>
             </a:extLst>
           </p:cNvPr>
@@ -4268,7 +4268,7 @@
           <p:cNvPr id="2" name="Título 1">
             <a:extLst>
               <a:ext uri="{FF2B5EF4-FFF2-40B4-BE49-F238E27FC236}">
-                <a16:creationId xmlns:a16="http://schemas.microsoft.com/office/drawing/2014/main" xmlns="" id="{1C17BCBE-A897-4319-85EC-D87909C24980}"/>
+                <a16:creationId xmlns="" xmlns:a16="http://schemas.microsoft.com/office/drawing/2014/main" id="{1C17BCBE-A897-4319-85EC-D87909C24980}"/>
               </a:ext>
             </a:extLst>
           </p:cNvPr>
@@ -4305,7 +4305,7 @@
           <p:cNvPr id="3" name="Espaço Reservado para Conteúdo 2">
             <a:extLst>
               <a:ext uri="{FF2B5EF4-FFF2-40B4-BE49-F238E27FC236}">
-                <a16:creationId xmlns:a16="http://schemas.microsoft.com/office/drawing/2014/main" xmlns="" id="{4226F885-0204-4913-868B-4B8B82576F17}"/>
+                <a16:creationId xmlns="" xmlns:a16="http://schemas.microsoft.com/office/drawing/2014/main" id="{4226F885-0204-4913-868B-4B8B82576F17}"/>
               </a:ext>
             </a:extLst>
           </p:cNvPr>
@@ -4395,7 +4395,7 @@
           <p:cNvPr id="4" name="Espaço Reservado para Texto 3">
             <a:extLst>
               <a:ext uri="{FF2B5EF4-FFF2-40B4-BE49-F238E27FC236}">
-                <a16:creationId xmlns:a16="http://schemas.microsoft.com/office/drawing/2014/main" xmlns="" id="{00F9F784-A858-441B-8AB5-697098141751}"/>
+                <a16:creationId xmlns="" xmlns:a16="http://schemas.microsoft.com/office/drawing/2014/main" id="{00F9F784-A858-441B-8AB5-697098141751}"/>
               </a:ext>
             </a:extLst>
           </p:cNvPr>
@@ -4466,7 +4466,7 @@
           <p:cNvPr id="5" name="Espaço Reservado para Data 4">
             <a:extLst>
               <a:ext uri="{FF2B5EF4-FFF2-40B4-BE49-F238E27FC236}">
-                <a16:creationId xmlns:a16="http://schemas.microsoft.com/office/drawing/2014/main" xmlns="" id="{A4DC363A-5000-472E-8B17-02E7DCB8840A}"/>
+                <a16:creationId xmlns="" xmlns:a16="http://schemas.microsoft.com/office/drawing/2014/main" id="{A4DC363A-5000-472E-8B17-02E7DCB8840A}"/>
               </a:ext>
             </a:extLst>
           </p:cNvPr>
@@ -4484,7 +4484,7 @@
           <a:p>
             <a:fld id="{63289F7E-B80B-496E-81B4-D396C37C9454}" type="datetimeFigureOut">
               <a:rPr lang="pt-BR" smtClean="0"/>
-              <a:t>11/02/2022</a:t>
+              <a:t>12/02/2022</a:t>
             </a:fld>
             <a:endParaRPr lang="pt-BR"/>
           </a:p>
@@ -4495,7 +4495,7 @@
           <p:cNvPr id="6" name="Espaço Reservado para Rodapé 5">
             <a:extLst>
               <a:ext uri="{FF2B5EF4-FFF2-40B4-BE49-F238E27FC236}">
-                <a16:creationId xmlns:a16="http://schemas.microsoft.com/office/drawing/2014/main" xmlns="" id="{5548425D-2C21-4C56-BAD4-662978775C28}"/>
+                <a16:creationId xmlns="" xmlns:a16="http://schemas.microsoft.com/office/drawing/2014/main" id="{5548425D-2C21-4C56-BAD4-662978775C28}"/>
               </a:ext>
             </a:extLst>
           </p:cNvPr>
@@ -4520,7 +4520,7 @@
           <p:cNvPr id="7" name="Espaço Reservado para Número de Slide 6">
             <a:extLst>
               <a:ext uri="{FF2B5EF4-FFF2-40B4-BE49-F238E27FC236}">
-                <a16:creationId xmlns:a16="http://schemas.microsoft.com/office/drawing/2014/main" xmlns="" id="{C63E9726-E64C-42B2-AE8A-8C235A956B48}"/>
+                <a16:creationId xmlns="" xmlns:a16="http://schemas.microsoft.com/office/drawing/2014/main" id="{C63E9726-E64C-42B2-AE8A-8C235A956B48}"/>
               </a:ext>
             </a:extLst>
           </p:cNvPr>
@@ -4579,7 +4579,7 @@
           <p:cNvPr id="2" name="Título 1">
             <a:extLst>
               <a:ext uri="{FF2B5EF4-FFF2-40B4-BE49-F238E27FC236}">
-                <a16:creationId xmlns:a16="http://schemas.microsoft.com/office/drawing/2014/main" xmlns="" id="{11086A78-3E74-450C-96A6-CA8AC37AF772}"/>
+                <a16:creationId xmlns="" xmlns:a16="http://schemas.microsoft.com/office/drawing/2014/main" id="{11086A78-3E74-450C-96A6-CA8AC37AF772}"/>
               </a:ext>
             </a:extLst>
           </p:cNvPr>
@@ -4616,7 +4616,7 @@
           <p:cNvPr id="3" name="Espaço Reservado para Imagem 2">
             <a:extLst>
               <a:ext uri="{FF2B5EF4-FFF2-40B4-BE49-F238E27FC236}">
-                <a16:creationId xmlns:a16="http://schemas.microsoft.com/office/drawing/2014/main" xmlns="" id="{5F5B7312-975A-4DBC-9B2F-3652ADA006FD}"/>
+                <a16:creationId xmlns="" xmlns:a16="http://schemas.microsoft.com/office/drawing/2014/main" id="{5F5B7312-975A-4DBC-9B2F-3652ADA006FD}"/>
               </a:ext>
             </a:extLst>
           </p:cNvPr>
@@ -4683,7 +4683,7 @@
           <p:cNvPr id="4" name="Espaço Reservado para Texto 3">
             <a:extLst>
               <a:ext uri="{FF2B5EF4-FFF2-40B4-BE49-F238E27FC236}">
-                <a16:creationId xmlns:a16="http://schemas.microsoft.com/office/drawing/2014/main" xmlns="" id="{AAF805F5-1DFF-41C6-944C-7D79FE0D0963}"/>
+                <a16:creationId xmlns="" xmlns:a16="http://schemas.microsoft.com/office/drawing/2014/main" id="{AAF805F5-1DFF-41C6-944C-7D79FE0D0963}"/>
               </a:ext>
             </a:extLst>
           </p:cNvPr>
@@ -4754,7 +4754,7 @@
           <p:cNvPr id="5" name="Espaço Reservado para Data 4">
             <a:extLst>
               <a:ext uri="{FF2B5EF4-FFF2-40B4-BE49-F238E27FC236}">
-                <a16:creationId xmlns:a16="http://schemas.microsoft.com/office/drawing/2014/main" xmlns="" id="{02113D81-8665-4516-BD81-C6A1F254EECD}"/>
+                <a16:creationId xmlns="" xmlns:a16="http://schemas.microsoft.com/office/drawing/2014/main" id="{02113D81-8665-4516-BD81-C6A1F254EECD}"/>
               </a:ext>
             </a:extLst>
           </p:cNvPr>
@@ -4772,7 +4772,7 @@
           <a:p>
             <a:fld id="{63289F7E-B80B-496E-81B4-D396C37C9454}" type="datetimeFigureOut">
               <a:rPr lang="pt-BR" smtClean="0"/>
-              <a:t>11/02/2022</a:t>
+              <a:t>12/02/2022</a:t>
             </a:fld>
             <a:endParaRPr lang="pt-BR"/>
           </a:p>
@@ -4783,7 +4783,7 @@
           <p:cNvPr id="6" name="Espaço Reservado para Rodapé 5">
             <a:extLst>
               <a:ext uri="{FF2B5EF4-FFF2-40B4-BE49-F238E27FC236}">
-                <a16:creationId xmlns:a16="http://schemas.microsoft.com/office/drawing/2014/main" xmlns="" id="{2B00C88B-FF32-40AA-A187-727D96FD7862}"/>
+                <a16:creationId xmlns="" xmlns:a16="http://schemas.microsoft.com/office/drawing/2014/main" id="{2B00C88B-FF32-40AA-A187-727D96FD7862}"/>
               </a:ext>
             </a:extLst>
           </p:cNvPr>
@@ -4808,7 +4808,7 @@
           <p:cNvPr id="7" name="Espaço Reservado para Número de Slide 6">
             <a:extLst>
               <a:ext uri="{FF2B5EF4-FFF2-40B4-BE49-F238E27FC236}">
-                <a16:creationId xmlns:a16="http://schemas.microsoft.com/office/drawing/2014/main" xmlns="" id="{A04D1A2D-69F7-4B8F-A730-BC26DC340BA6}"/>
+                <a16:creationId xmlns="" xmlns:a16="http://schemas.microsoft.com/office/drawing/2014/main" id="{A04D1A2D-69F7-4B8F-A730-BC26DC340BA6}"/>
               </a:ext>
             </a:extLst>
           </p:cNvPr>
@@ -4872,7 +4872,7 @@
           <p:cNvPr id="2" name="Espaço Reservado para Título 1">
             <a:extLst>
               <a:ext uri="{FF2B5EF4-FFF2-40B4-BE49-F238E27FC236}">
-                <a16:creationId xmlns:a16="http://schemas.microsoft.com/office/drawing/2014/main" xmlns="" id="{E69A0273-1966-4A1B-9370-4C1CE5036371}"/>
+                <a16:creationId xmlns="" xmlns:a16="http://schemas.microsoft.com/office/drawing/2014/main" id="{E69A0273-1966-4A1B-9370-4C1CE5036371}"/>
               </a:ext>
             </a:extLst>
           </p:cNvPr>
@@ -4910,7 +4910,7 @@
           <p:cNvPr id="3" name="Espaço Reservado para Texto 2">
             <a:extLst>
               <a:ext uri="{FF2B5EF4-FFF2-40B4-BE49-F238E27FC236}">
-                <a16:creationId xmlns:a16="http://schemas.microsoft.com/office/drawing/2014/main" xmlns="" id="{3B9CF87A-0448-49A7-AB25-EBC1D56A40EF}"/>
+                <a16:creationId xmlns="" xmlns:a16="http://schemas.microsoft.com/office/drawing/2014/main" id="{3B9CF87A-0448-49A7-AB25-EBC1D56A40EF}"/>
               </a:ext>
             </a:extLst>
           </p:cNvPr>
@@ -4977,7 +4977,7 @@
           <p:cNvPr id="4" name="Espaço Reservado para Data 3">
             <a:extLst>
               <a:ext uri="{FF2B5EF4-FFF2-40B4-BE49-F238E27FC236}">
-                <a16:creationId xmlns:a16="http://schemas.microsoft.com/office/drawing/2014/main" xmlns="" id="{2EF7B1F2-BB5A-44D0-816D-16AD2C71430E}"/>
+                <a16:creationId xmlns="" xmlns:a16="http://schemas.microsoft.com/office/drawing/2014/main" id="{2EF7B1F2-BB5A-44D0-816D-16AD2C71430E}"/>
               </a:ext>
             </a:extLst>
           </p:cNvPr>
@@ -5013,7 +5013,7 @@
           <a:p>
             <a:fld id="{63289F7E-B80B-496E-81B4-D396C37C9454}" type="datetimeFigureOut">
               <a:rPr lang="pt-BR" smtClean="0"/>
-              <a:t>11/02/2022</a:t>
+              <a:t>12/02/2022</a:t>
             </a:fld>
             <a:endParaRPr lang="pt-BR"/>
           </a:p>
@@ -5024,7 +5024,7 @@
           <p:cNvPr id="5" name="Espaço Reservado para Rodapé 4">
             <a:extLst>
               <a:ext uri="{FF2B5EF4-FFF2-40B4-BE49-F238E27FC236}">
-                <a16:creationId xmlns:a16="http://schemas.microsoft.com/office/drawing/2014/main" xmlns="" id="{C703F94C-2CC8-4DAA-BC35-14FC3E841DCD}"/>
+                <a16:creationId xmlns="" xmlns:a16="http://schemas.microsoft.com/office/drawing/2014/main" id="{C703F94C-2CC8-4DAA-BC35-14FC3E841DCD}"/>
               </a:ext>
             </a:extLst>
           </p:cNvPr>
@@ -5067,7 +5067,7 @@
           <p:cNvPr id="6" name="Espaço Reservado para Número de Slide 5">
             <a:extLst>
               <a:ext uri="{FF2B5EF4-FFF2-40B4-BE49-F238E27FC236}">
-                <a16:creationId xmlns:a16="http://schemas.microsoft.com/office/drawing/2014/main" xmlns="" id="{64051336-7048-457A-8B61-D94291D71648}"/>
+                <a16:creationId xmlns="" xmlns:a16="http://schemas.microsoft.com/office/drawing/2014/main" id="{64051336-7048-457A-8B61-D94291D71648}"/>
               </a:ext>
             </a:extLst>
           </p:cNvPr>
@@ -5435,7 +5435,7 @@
           <p:cNvPr id="2" name="Título 1">
             <a:extLst>
               <a:ext uri="{FF2B5EF4-FFF2-40B4-BE49-F238E27FC236}">
-                <a16:creationId xmlns:a16="http://schemas.microsoft.com/office/drawing/2014/main" xmlns="" id="{32666AC8-2E17-4DB4-B0F5-60C640CCFD2E}"/>
+                <a16:creationId xmlns="" xmlns:a16="http://schemas.microsoft.com/office/drawing/2014/main" id="{32666AC8-2E17-4DB4-B0F5-60C640CCFD2E}"/>
               </a:ext>
             </a:extLst>
           </p:cNvPr>
@@ -5482,7 +5482,7 @@
           <p:cNvPr id="4" name="CaixaDeTexto 3">
             <a:extLst>
               <a:ext uri="{FF2B5EF4-FFF2-40B4-BE49-F238E27FC236}">
-                <a16:creationId xmlns:a16="http://schemas.microsoft.com/office/drawing/2014/main" xmlns="" id="{430EB894-B7D4-434C-9D1A-A14094D9BEEC}"/>
+                <a16:creationId xmlns="" xmlns:a16="http://schemas.microsoft.com/office/drawing/2014/main" id="{430EB894-B7D4-434C-9D1A-A14094D9BEEC}"/>
               </a:ext>
             </a:extLst>
           </p:cNvPr>
@@ -5523,7 +5523,7 @@
           <p:cNvPr id="1026" name="Picture 2" descr="Logo">
             <a:extLst>
               <a:ext uri="{FF2B5EF4-FFF2-40B4-BE49-F238E27FC236}">
-                <a16:creationId xmlns:a16="http://schemas.microsoft.com/office/drawing/2014/main" xmlns="" id="{3F2642E0-4F6A-4196-8F58-E77D36E9A33F}"/>
+                <a16:creationId xmlns="" xmlns:a16="http://schemas.microsoft.com/office/drawing/2014/main" id="{3F2642E0-4F6A-4196-8F58-E77D36E9A33F}"/>
               </a:ext>
             </a:extLst>
           </p:cNvPr>
@@ -5568,7 +5568,7 @@
           <p:cNvPr id="5122" name="Picture 2" descr="Image result for machine learning">
             <a:extLst>
               <a:ext uri="{FF2B5EF4-FFF2-40B4-BE49-F238E27FC236}">
-                <a16:creationId xmlns:a16="http://schemas.microsoft.com/office/drawing/2014/main" xmlns="" id="{810CE0A2-4102-44A6-A370-175E7896CDCB}"/>
+                <a16:creationId xmlns="" xmlns:a16="http://schemas.microsoft.com/office/drawing/2014/main" id="{810CE0A2-4102-44A6-A370-175E7896CDCB}"/>
               </a:ext>
             </a:extLst>
           </p:cNvPr>
@@ -6474,8 +6474,8 @@
           </a:p>
         </p:txBody>
       </p:sp>
-      <mc:AlternateContent xmlns:mc="http://schemas.openxmlformats.org/markup-compatibility/2006">
-        <mc:Choice xmlns:a14="http://schemas.microsoft.com/office/drawing/2010/main" Requires="a14">
+      <mc:AlternateContent xmlns:mc="http://schemas.openxmlformats.org/markup-compatibility/2006" xmlns:a14="http://schemas.microsoft.com/office/drawing/2010/main">
+        <mc:Choice Requires="a14">
           <p:sp>
             <p:nvSpPr>
               <p:cNvPr id="3" name="Content Placeholder 2"/>
@@ -6666,15 +6666,7 @@
               <a:p>
                 <a:r>
                   <a:rPr lang="pt-BR" dirty="0" smtClean="0"/>
-                  <a:t>Portanto, </a:t>
-                </a:r>
-                <a:r>
-                  <a:rPr lang="pt-BR" dirty="0" smtClean="0"/>
-                  <a:t>nesse </a:t>
-                </a:r>
-                <a:r>
-                  <a:rPr lang="pt-BR" dirty="0" smtClean="0"/>
-                  <a:t>caso, podemos utilizar </a:t>
+                  <a:t>Portanto, nesse caso, podemos utilizar </a:t>
                 </a:r>
                 <a:r>
                   <a:rPr lang="pt-BR" b="1" i="1" dirty="0"/>
@@ -7611,7 +7603,7 @@
             </p:txBody>
           </p:sp>
         </mc:Choice>
-        <mc:Fallback>
+        <mc:Fallback xmlns="">
           <p:sp>
             <p:nvSpPr>
               <p:cNvPr id="3" name="Content Placeholder 2"/>
@@ -7713,8 +7705,8 @@
           </a:p>
         </p:txBody>
       </p:sp>
-      <mc:AlternateContent xmlns:mc="http://schemas.openxmlformats.org/markup-compatibility/2006">
-        <mc:Choice xmlns:a14="http://schemas.microsoft.com/office/drawing/2010/main" Requires="a14">
+      <mc:AlternateContent xmlns:mc="http://schemas.openxmlformats.org/markup-compatibility/2006" xmlns:a14="http://schemas.microsoft.com/office/drawing/2010/main">
+        <mc:Choice Requires="a14">
           <p:sp>
             <p:nvSpPr>
               <p:cNvPr id="3" name="Content Placeholder 2"/>
@@ -7779,15 +7771,7 @@
                 </a:pPr>
                 <a:r>
                   <a:rPr lang="pt-BR" dirty="0" smtClean="0"/>
-                  <a:t>Geralmente, </a:t>
-                </a:r>
-                <a:r>
-                  <a:rPr lang="pt-BR" dirty="0" smtClean="0"/>
-                  <a:t>nesse </a:t>
-                </a:r>
-                <a:r>
-                  <a:rPr lang="pt-BR" dirty="0" smtClean="0"/>
-                  <a:t>caso, o classificador terá </a:t>
+                  <a:t>Geralmente, nesse caso, o classificador terá </a:t>
                 </a:r>
                 <a14:m>
                   <m:oMath xmlns:m="http://schemas.openxmlformats.org/officeDocument/2006/math">
@@ -7922,11 +7906,7 @@
                 </a:r>
                 <a:r>
                   <a:rPr lang="pt-BR" dirty="0" smtClean="0"/>
-                  <a:t>uma </a:t>
-                </a:r>
-                <a:r>
-                  <a:rPr lang="pt-BR" dirty="0" smtClean="0"/>
-                  <a:t>representando </a:t>
+                  <a:t>uma representando </a:t>
                 </a:r>
                 <a:r>
                   <a:rPr lang="pt-BR" dirty="0"/>
@@ -7989,19 +7969,7 @@
                 </a:r>
                 <a:r>
                   <a:rPr lang="pt-BR" dirty="0" smtClean="0"/>
-                  <a:t>. Como </a:t>
-                </a:r>
-                <a:r>
-                  <a:rPr lang="pt-BR" dirty="0" smtClean="0"/>
-                  <a:t>seria a representação </a:t>
-                </a:r>
-                <a:r>
-                  <a:rPr lang="pt-BR" dirty="0" smtClean="0"/>
-                  <a:t>com </a:t>
-                </a:r>
-                <a:r>
-                  <a:rPr lang="pt-BR" dirty="0" smtClean="0"/>
-                  <a:t>codificação </a:t>
+                  <a:t>. Como seria a representação com codificação </a:t>
                 </a:r>
                 <a:r>
                   <a:rPr lang="pt-BR" b="1" i="1" dirty="0" smtClean="0"/>
@@ -8640,7 +8608,7 @@
             </p:txBody>
           </p:sp>
         </mc:Choice>
-        <mc:Fallback>
+        <mc:Fallback xmlns="">
           <p:sp>
             <p:nvSpPr>
               <p:cNvPr id="3" name="Content Placeholder 2"/>
@@ -8952,8 +8920,8 @@
           </a:p>
         </p:txBody>
       </p:sp>
-      <mc:AlternateContent xmlns:mc="http://schemas.openxmlformats.org/markup-compatibility/2006">
-        <mc:Choice xmlns:a14="http://schemas.microsoft.com/office/drawing/2010/main" Requires="a14">
+      <mc:AlternateContent xmlns:mc="http://schemas.openxmlformats.org/markup-compatibility/2006" xmlns:a14="http://schemas.microsoft.com/office/drawing/2010/main">
+        <mc:Choice Requires="a14">
           <p:sp>
             <p:nvSpPr>
               <p:cNvPr id="3" name="Content Placeholder 2"/>
@@ -9136,19 +9104,11 @@
               <a:p>
                 <a:r>
                   <a:rPr lang="pt-BR" dirty="0"/>
-                  <a:t>Esse espaço pode ser </a:t>
-                </a:r>
-                <a:r>
-                  <a:rPr lang="pt-BR" dirty="0"/>
-                  <a:t>dividido em </a:t>
+                  <a:t>Esse espaço pode ser dividido em </a:t>
                 </a:r>
                 <a:r>
                   <a:rPr lang="pt-BR" b="1" i="1" dirty="0"/>
-                  <a:t>regiões de </a:t>
-                </a:r>
-                <a:r>
-                  <a:rPr lang="pt-BR" b="1" i="1" dirty="0"/>
-                  <a:t>decisão</a:t>
+                  <a:t>regiões de decisão</a:t>
                 </a:r>
                 <a:r>
                   <a:rPr lang="pt-BR" dirty="0"/>
@@ -9216,11 +9176,7 @@
                 </a14:m>
                 <a:r>
                   <a:rPr lang="pt-BR" dirty="0"/>
-                  <a:t>, </a:t>
-                </a:r>
-                <a:r>
-                  <a:rPr lang="pt-BR" dirty="0"/>
-                  <a:t>onde cada </a:t>
+                  <a:t>, onde cada </a:t>
                 </a:r>
                 <a:r>
                   <a:rPr lang="pt-BR" b="1" i="1" dirty="0"/>
@@ -9238,15 +9194,7 @@
                 </a:r>
                 <a:r>
                   <a:rPr lang="pt-BR" b="1" i="1" dirty="0"/>
-                  <a:t>fronteiras </a:t>
-                </a:r>
-                <a:r>
-                  <a:rPr lang="pt-BR" b="1" i="1" dirty="0"/>
-                  <a:t>de </a:t>
-                </a:r>
-                <a:r>
-                  <a:rPr lang="pt-BR" b="1" i="1" dirty="0"/>
-                  <a:t>decisão</a:t>
+                  <a:t>fronteiras de decisão</a:t>
                 </a:r>
                 <a:r>
                   <a:rPr lang="pt-BR" dirty="0" smtClean="0"/>
@@ -9310,7 +9258,7 @@
             </p:txBody>
           </p:sp>
         </mc:Choice>
-        <mc:Fallback>
+        <mc:Fallback xmlns="">
           <p:sp>
             <p:nvSpPr>
               <p:cNvPr id="3" name="Content Placeholder 2"/>
@@ -9759,8 +9707,8 @@
           </a:p>
         </p:txBody>
       </p:sp>
-      <mc:AlternateContent xmlns:mc="http://schemas.openxmlformats.org/markup-compatibility/2006">
-        <mc:Choice xmlns:a14="http://schemas.microsoft.com/office/drawing/2010/main" Requires="a14">
+      <mc:AlternateContent xmlns:mc="http://schemas.openxmlformats.org/markup-compatibility/2006" xmlns:a14="http://schemas.microsoft.com/office/drawing/2010/main">
+        <mc:Choice Requires="a14">
           <p:sp>
             <p:nvSpPr>
               <p:cNvPr id="3" name="Content Placeholder 2"/>
@@ -10131,15 +10079,7 @@
                 </a14:m>
                 <a:r>
                   <a:rPr lang="pt-BR" dirty="0" smtClean="0"/>
-                  <a:t> também pode ser </a:t>
-                </a:r>
-                <a:r>
-                  <a:rPr lang="pt-BR" dirty="0" smtClean="0"/>
-                  <a:t>vista </a:t>
-                </a:r>
-                <a:r>
-                  <a:rPr lang="pt-BR" dirty="0" smtClean="0"/>
-                  <a:t>como um </a:t>
+                  <a:t> também pode ser vista como um </a:t>
                 </a:r>
                 <a:r>
                   <a:rPr lang="pt-BR" b="1" i="1" dirty="0" smtClean="0"/>
@@ -10155,21 +10095,8 @@
                 </a:r>
                 <a:r>
                   <a:rPr lang="pt-BR" dirty="0" smtClean="0"/>
-                  <a:t> pode ser 1 ponto em 1D, uma reta em </a:t>
+                  <a:t> pode ser 1 ponto em 1D, uma reta em 2D, um plano em 3D, etc.</a:t>
                 </a:r>
-                <a:r>
-                  <a:rPr lang="pt-BR" dirty="0" smtClean="0"/>
-                  <a:t>2D, </a:t>
-                </a:r>
-                <a:r>
-                  <a:rPr lang="pt-BR" dirty="0" smtClean="0"/>
-                  <a:t>um plano em </a:t>
-                </a:r>
-                <a:r>
-                  <a:rPr lang="pt-BR" dirty="0" smtClean="0"/>
-                  <a:t>3D, etc.</a:t>
-                </a:r>
-                <a:endParaRPr lang="pt-BR" dirty="0" smtClean="0"/>
               </a:p>
               <a:p>
                 <a:pPr lvl="1">
@@ -10211,11 +10138,7 @@
                 </a14:m>
                 <a:r>
                   <a:rPr lang="pt-BR" dirty="0" smtClean="0"/>
-                  <a:t> </a:t>
-                </a:r>
-                <a:r>
-                  <a:rPr lang="pt-BR" dirty="0" smtClean="0"/>
-                  <a:t>(</a:t>
+                  <a:t> (</a:t>
                 </a:r>
                 <a:r>
                   <a:rPr lang="pt-BR" b="1" i="1" dirty="0" smtClean="0"/>
@@ -10223,11 +10146,7 @@
                 </a:r>
                 <a:r>
                   <a:rPr lang="pt-BR" dirty="0" smtClean="0"/>
-                  <a:t>) </a:t>
-                </a:r>
-                <a:r>
-                  <a:rPr lang="pt-BR" dirty="0" smtClean="0"/>
-                  <a:t>dá o deslocamento com relação à origem.</a:t>
+                  <a:t>) dá o deslocamento com relação à origem.</a:t>
                 </a:r>
               </a:p>
               <a:p>
@@ -10237,15 +10156,7 @@
                 </a:pPr>
                 <a:r>
                   <a:rPr lang="pt-BR" dirty="0" smtClean="0"/>
-                  <a:t>E o restante dos pesos </a:t>
-                </a:r>
-                <a:r>
-                  <a:rPr lang="pt-BR" dirty="0" smtClean="0"/>
-                  <a:t>determina </a:t>
-                </a:r>
-                <a:r>
-                  <a:rPr lang="pt-BR" dirty="0" smtClean="0"/>
-                  <a:t>a orientação do </a:t>
+                  <a:t>E o restante dos pesos determina a orientação do </a:t>
                 </a:r>
                 <a:r>
                   <a:rPr lang="pt-BR" b="1" i="1" dirty="0" smtClean="0"/>
@@ -10681,18 +10592,14 @@
                 </a14:m>
                 <a:r>
                   <a:rPr lang="pt-BR" dirty="0" smtClean="0"/>
-                  <a:t> (eq. de um </a:t>
-                </a:r>
-                <a:r>
-                  <a:rPr lang="pt-BR" dirty="0" smtClean="0"/>
-                  <a:t>círculo centrado na origem).</a:t>
+                  <a:t> (eq. de um círculo centrado na origem).</a:t>
                 </a:r>
                 <a:endParaRPr lang="pt-BR" dirty="0"/>
               </a:p>
             </p:txBody>
           </p:sp>
         </mc:Choice>
-        <mc:Fallback>
+        <mc:Fallback xmlns="">
           <p:sp>
             <p:nvSpPr>
               <p:cNvPr id="3" name="Content Placeholder 2"/>
@@ -10969,8 +10876,8 @@
           </p:sp>
         </mc:Fallback>
       </mc:AlternateContent>
-      <mc:AlternateContent xmlns:mc="http://schemas.openxmlformats.org/markup-compatibility/2006">
-        <mc:Choice xmlns:a14="http://schemas.microsoft.com/office/drawing/2010/main" Requires="a14">
+      <mc:AlternateContent xmlns:mc="http://schemas.openxmlformats.org/markup-compatibility/2006" xmlns:a14="http://schemas.microsoft.com/office/drawing/2010/main">
+        <mc:Choice Requires="a14">
           <p:sp>
             <p:nvSpPr>
               <p:cNvPr id="3" name="Content Placeholder 2"/>
@@ -11106,13 +11013,8 @@
                 </a14:m>
                 <a:r>
                   <a:rPr lang="pt-BR" dirty="0" smtClean="0"/>
-                  <a:t>, que as </a:t>
+                  <a:t>, que as separe.</a:t>
                 </a:r>
-                <a:r>
-                  <a:rPr lang="pt-BR" dirty="0" smtClean="0"/>
-                  <a:t>separe.</a:t>
-                </a:r>
-                <a:endParaRPr lang="pt-BR" dirty="0" smtClean="0"/>
               </a:p>
               <a:p>
                 <a:r>
@@ -11132,21 +11034,13 @@
                 <a:pPr lvl="1"/>
                 <a:r>
                   <a:rPr lang="pt-BR" dirty="0" smtClean="0"/>
-                  <a:t>O formato mais simples (navalha de Occam) </a:t>
-                </a:r>
-                <a:r>
-                  <a:rPr lang="pt-BR" dirty="0" smtClean="0"/>
-                  <a:t>é o </a:t>
-                </a:r>
-                <a:r>
-                  <a:rPr lang="pt-BR" dirty="0" smtClean="0"/>
-                  <a:t>de uma reta.</a:t>
+                  <a:t>O formato mais simples (navalha de Occam) é o de uma reta.</a:t>
                 </a:r>
               </a:p>
             </p:txBody>
           </p:sp>
         </mc:Choice>
-        <mc:Fallback>
+        <mc:Fallback xmlns="">
           <p:sp>
             <p:nvSpPr>
               <p:cNvPr id="3" name="Content Placeholder 2"/>
@@ -21342,7 +21236,7 @@
           <p:cNvPr id="4" name="Título 1">
             <a:extLst>
               <a:ext uri="{FF2B5EF4-FFF2-40B4-BE49-F238E27FC236}">
-                <a16:creationId xmlns:a16="http://schemas.microsoft.com/office/drawing/2014/main" xmlns="" id="{32666AC8-2E17-4DB4-B0F5-60C640CCFD2E}"/>
+                <a16:creationId xmlns="" xmlns:a16="http://schemas.microsoft.com/office/drawing/2014/main" id="{32666AC8-2E17-4DB4-B0F5-60C640CCFD2E}"/>
               </a:ext>
             </a:extLst>
           </p:cNvPr>
@@ -30323,7 +30217,7 @@
           <p:cNvPr id="2" name="Título 1">
             <a:extLst>
               <a:ext uri="{FF2B5EF4-FFF2-40B4-BE49-F238E27FC236}">
-                <a16:creationId xmlns:a16="http://schemas.microsoft.com/office/drawing/2014/main" xmlns="" id="{C4F48192-B348-4C3E-8621-D3755D2230F8}"/>
+                <a16:creationId xmlns="" xmlns:a16="http://schemas.microsoft.com/office/drawing/2014/main" id="{C4F48192-B348-4C3E-8621-D3755D2230F8}"/>
               </a:ext>
             </a:extLst>
           </p:cNvPr>
@@ -30360,7 +30254,7 @@
           <p:cNvPr id="3" name="Espaço Reservado para Conteúdo 2">
             <a:extLst>
               <a:ext uri="{FF2B5EF4-FFF2-40B4-BE49-F238E27FC236}">
-                <a16:creationId xmlns:a16="http://schemas.microsoft.com/office/drawing/2014/main" xmlns="" id="{E3DECB90-AFD9-4AC6-A356-C93A7442A6E6}"/>
+                <a16:creationId xmlns="" xmlns:a16="http://schemas.microsoft.com/office/drawing/2014/main" id="{E3DECB90-AFD9-4AC6-A356-C93A7442A6E6}"/>
               </a:ext>
             </a:extLst>
           </p:cNvPr>
@@ -30514,7 +30408,7 @@
           <p:cNvPr id="3074" name="Picture 2" descr="Image result for machine learning">
             <a:extLst>
               <a:ext uri="{FF2B5EF4-FFF2-40B4-BE49-F238E27FC236}">
-                <a16:creationId xmlns:a16="http://schemas.microsoft.com/office/drawing/2014/main" xmlns="" id="{78A93243-9634-4B0E-B1B2-37A218EAEADD}"/>
+                <a16:creationId xmlns="" xmlns:a16="http://schemas.microsoft.com/office/drawing/2014/main" id="{78A93243-9634-4B0E-B1B2-37A218EAEADD}"/>
               </a:ext>
             </a:extLst>
           </p:cNvPr>
@@ -30924,7 +30818,7 @@
           <p:cNvPr id="2" name="Título 1">
             <a:extLst>
               <a:ext uri="{FF2B5EF4-FFF2-40B4-BE49-F238E27FC236}">
-                <a16:creationId xmlns:a16="http://schemas.microsoft.com/office/drawing/2014/main" xmlns="" id="{A2A4684C-1159-4F88-A2B1-6BABEDE38C4D}"/>
+                <a16:creationId xmlns="" xmlns:a16="http://schemas.microsoft.com/office/drawing/2014/main" id="{A2A4684C-1159-4F88-A2B1-6BABEDE38C4D}"/>
               </a:ext>
             </a:extLst>
           </p:cNvPr>
@@ -30952,7 +30846,7 @@
           <p:cNvPr id="3" name="Espaço Reservado para Conteúdo 2">
             <a:extLst>
               <a:ext uri="{FF2B5EF4-FFF2-40B4-BE49-F238E27FC236}">
-                <a16:creationId xmlns:a16="http://schemas.microsoft.com/office/drawing/2014/main" xmlns="" id="{EC432B31-D382-41FF-BB6B-2ABDD322424B}"/>
+                <a16:creationId xmlns="" xmlns:a16="http://schemas.microsoft.com/office/drawing/2014/main" id="{EC432B31-D382-41FF-BB6B-2ABDD322424B}"/>
               </a:ext>
             </a:extLst>
           </p:cNvPr>
@@ -31698,7 +31592,7 @@
           <p:cNvPr id="6" name="Picture 5" descr="Image result for supervised learning">
             <a:extLst>
               <a:ext uri="{FF2B5EF4-FFF2-40B4-BE49-F238E27FC236}">
-                <a16:creationId xmlns:a16="http://schemas.microsoft.com/office/drawing/2014/main" xmlns="" id="{2520F4EA-1E3E-4F3B-97C0-DF47861DCD42}"/>
+                <a16:creationId xmlns="" xmlns:a16="http://schemas.microsoft.com/office/drawing/2014/main" id="{2520F4EA-1E3E-4F3B-97C0-DF47861DCD42}"/>
               </a:ext>
             </a:extLst>
           </p:cNvPr>
@@ -32128,8 +32022,8 @@
           </a:p>
         </p:txBody>
       </p:sp>
-      <mc:AlternateContent xmlns:mc="http://schemas.openxmlformats.org/markup-compatibility/2006" xmlns:a14="http://schemas.microsoft.com/office/drawing/2010/main">
-        <mc:Choice Requires="a14">
+      <mc:AlternateContent xmlns:mc="http://schemas.openxmlformats.org/markup-compatibility/2006">
+        <mc:Choice xmlns:a14="http://schemas.microsoft.com/office/drawing/2010/main" Requires="a14">
           <p:sp>
             <p:nvSpPr>
               <p:cNvPr id="3" name="Content Placeholder 2"/>
@@ -32158,7 +32052,47 @@
                 </a:r>
                 <a:r>
                   <a:rPr lang="pt-BR" dirty="0"/>
-                  <a:t>: atribuir a cada </a:t>
+                  <a:t>: </a:t>
+                </a:r>
+                <a:r>
+                  <a:rPr lang="pt-BR" dirty="0" smtClean="0"/>
+                  <a:t>encontrar uma função </a:t>
+                </a:r>
+                <a14:m>
+                  <m:oMath xmlns:m="http://schemas.openxmlformats.org/officeDocument/2006/math">
+                    <m:r>
+                      <a:rPr lang="pt-BR" i="1">
+                        <a:latin typeface="Cambria Math" panose="02040503050406030204" pitchFamily="18" charset="0"/>
+                      </a:rPr>
+                      <m:t>𝑓</m:t>
+                    </m:r>
+                    <m:r>
+                      <a:rPr lang="pt-BR" i="1">
+                        <a:latin typeface="Cambria Math" panose="02040503050406030204" pitchFamily="18" charset="0"/>
+                      </a:rPr>
+                      <m:t>(</m:t>
+                    </m:r>
+                    <m:r>
+                      <a:rPr lang="pt-BR" b="1" i="1">
+                        <a:latin typeface="Cambria Math" panose="02040503050406030204" pitchFamily="18" charset="0"/>
+                      </a:rPr>
+                      <m:t>𝒙</m:t>
+                    </m:r>
+                    <m:r>
+                      <a:rPr lang="pt-BR" i="1">
+                        <a:latin typeface="Cambria Math" panose="02040503050406030204" pitchFamily="18" charset="0"/>
+                      </a:rPr>
+                      <m:t>)</m:t>
+                    </m:r>
+                  </m:oMath>
+                </a14:m>
+                <a:r>
+                  <a:rPr lang="pt-BR" dirty="0" smtClean="0"/>
+                  <a:t> que atribua </a:t>
+                </a:r>
+                <a:r>
+                  <a:rPr lang="pt-BR" dirty="0"/>
+                  <a:t>a cada </a:t>
                 </a:r>
                 <a:r>
                   <a:rPr lang="pt-BR" b="1" i="1" dirty="0"/>
@@ -32191,34 +32125,8 @@
                   <a:t> </a:t>
                 </a:r>
                 <a:r>
-                  <a:rPr lang="pt-BR" dirty="0"/>
-                  <a:t>o </a:t>
-                </a:r>
-                <a:r>
-                  <a:rPr lang="pt-BR" b="1" i="1" dirty="0"/>
-                  <a:t>rótulo</a:t>
-                </a:r>
-                <a:r>
-                  <a:rPr lang="pt-BR" dirty="0"/>
-                  <a:t> </a:t>
-                </a:r>
-                <a14:m>
-                  <m:oMath xmlns:m="http://schemas.openxmlformats.org/officeDocument/2006/math">
-                    <m:r>
-                      <a:rPr lang="pt-BR" b="0" i="1" smtClean="0">
-                        <a:latin typeface="Cambria Math" panose="02040503050406030204" pitchFamily="18" charset="0"/>
-                      </a:rPr>
-                      <m:t>𝑦</m:t>
-                    </m:r>
-                  </m:oMath>
-                </a14:m>
-                <a:r>
                   <a:rPr lang="pt-BR" dirty="0" smtClean="0"/>
-                  <a:t>, correspondente </a:t>
-                </a:r>
-                <a:r>
-                  <a:rPr lang="pt-BR" dirty="0"/>
-                  <a:t>a uma das </a:t>
+                  <a:t>uma das </a:t>
                 </a:r>
                 <a14:m>
                   <m:oMath xmlns:m="http://schemas.openxmlformats.org/officeDocument/2006/math">
@@ -32232,7 +32140,11 @@
                 </a14:m>
                 <a:r>
                   <a:rPr lang="pt-BR" dirty="0"/>
-                  <a:t> classes existentes, </a:t>
+                  <a:t> classes </a:t>
+                </a:r>
+                <a:r>
+                  <a:rPr lang="pt-BR" dirty="0" smtClean="0"/>
+                  <a:t>possíveis, </a:t>
                 </a:r>
                 <a14:m>
                   <m:oMath xmlns:m="http://schemas.openxmlformats.org/officeDocument/2006/math">
@@ -32288,9 +32200,14 @@
                   </m:oMath>
                 </a14:m>
                 <a:r>
-                  <a:rPr lang="pt-BR" dirty="0"/>
-                  <a:t>, à qual o exemplo pertence.</a:t>
+                  <a:rPr lang="pt-BR" dirty="0" smtClean="0"/>
+                  <a:t> </a:t>
                 </a:r>
+                <a:r>
+                  <a:rPr lang="pt-BR" smtClean="0"/>
+                  <a:t>e a qual o exemplo pertence.</a:t>
+                </a:r>
+                <a:endParaRPr lang="pt-BR" dirty="0"/>
               </a:p>
               <a:p>
                 <a:pPr lvl="1">
@@ -32988,7 +32905,7 @@
             </p:txBody>
           </p:sp>
         </mc:Choice>
-        <mc:Fallback xmlns="">
+        <mc:Fallback>
           <p:sp>
             <p:nvSpPr>
               <p:cNvPr id="3" name="Content Placeholder 2"/>

--- a/slides/T320_Classificação (Parte I).pptx
+++ b/slides/T320_Classificação (Parte I).pptx
@@ -5,35 +5,36 @@
     <p:sldMasterId id="2147483648" r:id="rId1"/>
   </p:sldMasterIdLst>
   <p:notesMasterIdLst>
-    <p:notesMasterId r:id="rId25"/>
+    <p:notesMasterId r:id="rId26"/>
   </p:notesMasterIdLst>
   <p:handoutMasterIdLst>
-    <p:handoutMasterId r:id="rId26"/>
+    <p:handoutMasterId r:id="rId27"/>
   </p:handoutMasterIdLst>
   <p:sldIdLst>
     <p:sldId id="256" r:id="rId2"/>
     <p:sldId id="314" r:id="rId3"/>
     <p:sldId id="257" r:id="rId4"/>
     <p:sldId id="282" r:id="rId5"/>
-    <p:sldId id="263" r:id="rId6"/>
-    <p:sldId id="298" r:id="rId7"/>
-    <p:sldId id="328" r:id="rId8"/>
-    <p:sldId id="329" r:id="rId9"/>
-    <p:sldId id="338" r:id="rId10"/>
-    <p:sldId id="331" r:id="rId11"/>
-    <p:sldId id="332" r:id="rId12"/>
-    <p:sldId id="333" r:id="rId13"/>
-    <p:sldId id="344" r:id="rId14"/>
-    <p:sldId id="345" r:id="rId15"/>
-    <p:sldId id="335" r:id="rId16"/>
-    <p:sldId id="336" r:id="rId17"/>
-    <p:sldId id="342" r:id="rId18"/>
-    <p:sldId id="337" r:id="rId19"/>
-    <p:sldId id="324" r:id="rId20"/>
-    <p:sldId id="306" r:id="rId21"/>
-    <p:sldId id="339" r:id="rId22"/>
-    <p:sldId id="341" r:id="rId23"/>
-    <p:sldId id="343" r:id="rId24"/>
+    <p:sldId id="346" r:id="rId6"/>
+    <p:sldId id="263" r:id="rId7"/>
+    <p:sldId id="298" r:id="rId8"/>
+    <p:sldId id="328" r:id="rId9"/>
+    <p:sldId id="329" r:id="rId10"/>
+    <p:sldId id="338" r:id="rId11"/>
+    <p:sldId id="331" r:id="rId12"/>
+    <p:sldId id="332" r:id="rId13"/>
+    <p:sldId id="333" r:id="rId14"/>
+    <p:sldId id="344" r:id="rId15"/>
+    <p:sldId id="345" r:id="rId16"/>
+    <p:sldId id="335" r:id="rId17"/>
+    <p:sldId id="336" r:id="rId18"/>
+    <p:sldId id="342" r:id="rId19"/>
+    <p:sldId id="337" r:id="rId20"/>
+    <p:sldId id="324" r:id="rId21"/>
+    <p:sldId id="306" r:id="rId22"/>
+    <p:sldId id="339" r:id="rId23"/>
+    <p:sldId id="341" r:id="rId24"/>
+    <p:sldId id="343" r:id="rId25"/>
   </p:sldIdLst>
   <p:sldSz cx="12192000" cy="6858000"/>
   <p:notesSz cx="7315200" cy="9601200"/>
@@ -297,7 +298,7 @@
           <a:p>
             <a:fld id="{144F1436-6906-4D93-B7A2-786C327BFA14}" type="datetimeFigureOut">
               <a:rPr lang="nl-BE" smtClean="0"/>
-              <a:t>12/02/2022</a:t>
+              <a:t>22/07/2022</a:t>
             </a:fld>
             <a:endParaRPr lang="nl-BE"/>
           </a:p>
@@ -363,7 +364,7 @@
           <a:p>
             <a:fld id="{F7E56D9B-79AD-444A-AFED-DEC23408F8B4}" type="slidenum">
               <a:rPr lang="nl-BE" smtClean="0"/>
-              <a:t>‹#›</a:t>
+              <a:t>‹nº›</a:t>
             </a:fld>
             <a:endParaRPr lang="nl-BE"/>
           </a:p>
@@ -462,7 +463,7 @@
           <a:p>
             <a:fld id="{AA8CD09E-2914-4F47-B6C1-51B2C31814C9}" type="datetimeFigureOut">
               <a:rPr lang="pt-BR" smtClean="0"/>
-              <a:t>12/02/2022</a:t>
+              <a:t>22/07/2022</a:t>
             </a:fld>
             <a:endParaRPr lang="pt-BR"/>
           </a:p>
@@ -620,7 +621,7 @@
           <a:p>
             <a:fld id="{6FC8D850-966F-45A6-8DE7-15B891E7D40D}" type="slidenum">
               <a:rPr lang="pt-BR" smtClean="0"/>
-              <a:t>‹#›</a:t>
+              <a:t>‹nº›</a:t>
             </a:fld>
             <a:endParaRPr lang="pt-BR"/>
           </a:p>
@@ -901,7 +902,7 @@
           <a:p>
             <a:fld id="{F430A2A4-8C14-4B1A-AD48-7B6401078BF7}" type="slidenum">
               <a:rPr lang="pt-BR" smtClean="0"/>
-              <a:t>15</a:t>
+              <a:t>16</a:t>
             </a:fld>
             <a:endParaRPr lang="pt-BR"/>
           </a:p>
@@ -1157,7 +1158,7 @@
           <a:p>
             <a:fld id="{6FC8D850-966F-45A6-8DE7-15B891E7D40D}" type="slidenum">
               <a:rPr lang="pt-BR" smtClean="0"/>
-              <a:t>18</a:t>
+              <a:t>19</a:t>
             </a:fld>
             <a:endParaRPr lang="pt-BR"/>
           </a:p>
@@ -1251,7 +1252,7 @@
           <a:p>
             <a:fld id="{6FC8D850-966F-45A6-8DE7-15B891E7D40D}" type="slidenum">
               <a:rPr lang="pt-BR" smtClean="0"/>
-              <a:t>19</a:t>
+              <a:t>20</a:t>
             </a:fld>
             <a:endParaRPr lang="pt-BR"/>
           </a:p>
@@ -1503,7 +1504,7 @@
           <a:p>
             <a:fld id="{6FC8D850-966F-45A6-8DE7-15B891E7D40D}" type="slidenum">
               <a:rPr lang="pt-BR" smtClean="0"/>
-              <a:t>5</a:t>
+              <a:t>6</a:t>
             </a:fld>
             <a:endParaRPr lang="pt-BR"/>
           </a:p>
@@ -1599,7 +1600,7 @@
           <a:p>
             <a:fld id="{F430A2A4-8C14-4B1A-AD48-7B6401078BF7}" type="slidenum">
               <a:rPr lang="pt-BR" smtClean="0"/>
-              <a:t>7</a:t>
+              <a:t>8</a:t>
             </a:fld>
             <a:endParaRPr lang="pt-BR"/>
           </a:p>
@@ -1683,7 +1684,7 @@
           <a:p>
             <a:fld id="{6FC8D850-966F-45A6-8DE7-15B891E7D40D}" type="slidenum">
               <a:rPr lang="pt-BR" smtClean="0"/>
-              <a:t>9</a:t>
+              <a:t>10</a:t>
             </a:fld>
             <a:endParaRPr lang="pt-BR"/>
           </a:p>
@@ -1939,7 +1940,7 @@
           <a:p>
             <a:fld id="{6FC8D850-966F-45A6-8DE7-15B891E7D40D}" type="slidenum">
               <a:rPr lang="pt-BR" smtClean="0"/>
-              <a:t>10</a:t>
+              <a:t>11</a:t>
             </a:fld>
             <a:endParaRPr lang="pt-BR"/>
           </a:p>
@@ -2085,7 +2086,7 @@
           <a:p>
             <a:fld id="{6FC8D850-966F-45A6-8DE7-15B891E7D40D}" type="slidenum">
               <a:rPr lang="pt-BR" smtClean="0"/>
-              <a:t>13</a:t>
+              <a:t>14</a:t>
             </a:fld>
             <a:endParaRPr lang="pt-BR"/>
           </a:p>
@@ -2197,7 +2198,7 @@
           <a:p>
             <a:fld id="{6FC8D850-966F-45A6-8DE7-15B891E7D40D}" type="slidenum">
               <a:rPr lang="pt-BR" smtClean="0"/>
-              <a:t>14</a:t>
+              <a:t>15</a:t>
             </a:fld>
             <a:endParaRPr lang="pt-BR"/>
           </a:p>
@@ -2238,7 +2239,7 @@
           <p:cNvPr id="2" name="Título 1">
             <a:extLst>
               <a:ext uri="{FF2B5EF4-FFF2-40B4-BE49-F238E27FC236}">
-                <a16:creationId xmlns="" xmlns:a16="http://schemas.microsoft.com/office/drawing/2014/main" id="{1DB9B4FF-B06E-403C-A326-BDC64D8FF94E}"/>
+                <a16:creationId xmlns:a16="http://schemas.microsoft.com/office/drawing/2014/main" xmlns="" id="{1DB9B4FF-B06E-403C-A326-BDC64D8FF94E}"/>
               </a:ext>
             </a:extLst>
           </p:cNvPr>
@@ -2275,7 +2276,7 @@
           <p:cNvPr id="3" name="Subtítulo 2">
             <a:extLst>
               <a:ext uri="{FF2B5EF4-FFF2-40B4-BE49-F238E27FC236}">
-                <a16:creationId xmlns="" xmlns:a16="http://schemas.microsoft.com/office/drawing/2014/main" id="{247BDFCE-746E-45BF-A319-4733D58D1632}"/>
+                <a16:creationId xmlns:a16="http://schemas.microsoft.com/office/drawing/2014/main" xmlns="" id="{247BDFCE-746E-45BF-A319-4733D58D1632}"/>
               </a:ext>
             </a:extLst>
           </p:cNvPr>
@@ -2345,7 +2346,7 @@
           <p:cNvPr id="4" name="Espaço Reservado para Data 3">
             <a:extLst>
               <a:ext uri="{FF2B5EF4-FFF2-40B4-BE49-F238E27FC236}">
-                <a16:creationId xmlns="" xmlns:a16="http://schemas.microsoft.com/office/drawing/2014/main" id="{9EDE2778-5372-4104-B96D-968184DA8288}"/>
+                <a16:creationId xmlns:a16="http://schemas.microsoft.com/office/drawing/2014/main" xmlns="" id="{9EDE2778-5372-4104-B96D-968184DA8288}"/>
               </a:ext>
             </a:extLst>
           </p:cNvPr>
@@ -2363,7 +2364,7 @@
           <a:p>
             <a:fld id="{63289F7E-B80B-496E-81B4-D396C37C9454}" type="datetimeFigureOut">
               <a:rPr lang="pt-BR" smtClean="0"/>
-              <a:t>12/02/2022</a:t>
+              <a:t>22/07/2022</a:t>
             </a:fld>
             <a:endParaRPr lang="pt-BR"/>
           </a:p>
@@ -2374,7 +2375,7 @@
           <p:cNvPr id="5" name="Espaço Reservado para Rodapé 4">
             <a:extLst>
               <a:ext uri="{FF2B5EF4-FFF2-40B4-BE49-F238E27FC236}">
-                <a16:creationId xmlns="" xmlns:a16="http://schemas.microsoft.com/office/drawing/2014/main" id="{C1DD0F41-C861-4051-988D-3024A37A4B93}"/>
+                <a16:creationId xmlns:a16="http://schemas.microsoft.com/office/drawing/2014/main" xmlns="" id="{C1DD0F41-C861-4051-988D-3024A37A4B93}"/>
               </a:ext>
             </a:extLst>
           </p:cNvPr>
@@ -2399,7 +2400,7 @@
           <p:cNvPr id="6" name="Espaço Reservado para Número de Slide 5">
             <a:extLst>
               <a:ext uri="{FF2B5EF4-FFF2-40B4-BE49-F238E27FC236}">
-                <a16:creationId xmlns="" xmlns:a16="http://schemas.microsoft.com/office/drawing/2014/main" id="{07E5967E-D980-431A-A5DB-3F0C5030A81E}"/>
+                <a16:creationId xmlns:a16="http://schemas.microsoft.com/office/drawing/2014/main" xmlns="" id="{07E5967E-D980-431A-A5DB-3F0C5030A81E}"/>
               </a:ext>
             </a:extLst>
           </p:cNvPr>
@@ -2417,7 +2418,7 @@
           <a:p>
             <a:fld id="{1A7E88B7-70CE-4035-AE73-13FA6FB985D4}" type="slidenum">
               <a:rPr lang="pt-BR" smtClean="0"/>
-              <a:t>‹#›</a:t>
+              <a:t>‹nº›</a:t>
             </a:fld>
             <a:endParaRPr lang="pt-BR"/>
           </a:p>
@@ -2458,7 +2459,7 @@
           <p:cNvPr id="2" name="Título 1">
             <a:extLst>
               <a:ext uri="{FF2B5EF4-FFF2-40B4-BE49-F238E27FC236}">
-                <a16:creationId xmlns="" xmlns:a16="http://schemas.microsoft.com/office/drawing/2014/main" id="{9036C49F-3E68-4175-81BA-3C3FEE44308A}"/>
+                <a16:creationId xmlns:a16="http://schemas.microsoft.com/office/drawing/2014/main" xmlns="" id="{9036C49F-3E68-4175-81BA-3C3FEE44308A}"/>
               </a:ext>
             </a:extLst>
           </p:cNvPr>
@@ -2486,7 +2487,7 @@
           <p:cNvPr id="3" name="Espaço Reservado para Texto Vertical 2">
             <a:extLst>
               <a:ext uri="{FF2B5EF4-FFF2-40B4-BE49-F238E27FC236}">
-                <a16:creationId xmlns="" xmlns:a16="http://schemas.microsoft.com/office/drawing/2014/main" id="{426FA736-3DD3-4D4E-B57B-BBE1D8F7D424}"/>
+                <a16:creationId xmlns:a16="http://schemas.microsoft.com/office/drawing/2014/main" xmlns="" id="{426FA736-3DD3-4D4E-B57B-BBE1D8F7D424}"/>
               </a:ext>
             </a:extLst>
           </p:cNvPr>
@@ -2543,7 +2544,7 @@
           <p:cNvPr id="4" name="Espaço Reservado para Data 3">
             <a:extLst>
               <a:ext uri="{FF2B5EF4-FFF2-40B4-BE49-F238E27FC236}">
-                <a16:creationId xmlns="" xmlns:a16="http://schemas.microsoft.com/office/drawing/2014/main" id="{99E8855C-D8FD-48F6-B14E-861E0DE4D915}"/>
+                <a16:creationId xmlns:a16="http://schemas.microsoft.com/office/drawing/2014/main" xmlns="" id="{99E8855C-D8FD-48F6-B14E-861E0DE4D915}"/>
               </a:ext>
             </a:extLst>
           </p:cNvPr>
@@ -2561,7 +2562,7 @@
           <a:p>
             <a:fld id="{63289F7E-B80B-496E-81B4-D396C37C9454}" type="datetimeFigureOut">
               <a:rPr lang="pt-BR" smtClean="0"/>
-              <a:t>12/02/2022</a:t>
+              <a:t>22/07/2022</a:t>
             </a:fld>
             <a:endParaRPr lang="pt-BR"/>
           </a:p>
@@ -2572,7 +2573,7 @@
           <p:cNvPr id="5" name="Espaço Reservado para Rodapé 4">
             <a:extLst>
               <a:ext uri="{FF2B5EF4-FFF2-40B4-BE49-F238E27FC236}">
-                <a16:creationId xmlns="" xmlns:a16="http://schemas.microsoft.com/office/drawing/2014/main" id="{97C0BB88-2F21-42A5-ACFF-83DA47F2D340}"/>
+                <a16:creationId xmlns:a16="http://schemas.microsoft.com/office/drawing/2014/main" xmlns="" id="{97C0BB88-2F21-42A5-ACFF-83DA47F2D340}"/>
               </a:ext>
             </a:extLst>
           </p:cNvPr>
@@ -2597,7 +2598,7 @@
           <p:cNvPr id="6" name="Espaço Reservado para Número de Slide 5">
             <a:extLst>
               <a:ext uri="{FF2B5EF4-FFF2-40B4-BE49-F238E27FC236}">
-                <a16:creationId xmlns="" xmlns:a16="http://schemas.microsoft.com/office/drawing/2014/main" id="{6CB462B3-1F22-4C05-B4B8-7A279FB7D5E9}"/>
+                <a16:creationId xmlns:a16="http://schemas.microsoft.com/office/drawing/2014/main" xmlns="" id="{6CB462B3-1F22-4C05-B4B8-7A279FB7D5E9}"/>
               </a:ext>
             </a:extLst>
           </p:cNvPr>
@@ -2615,7 +2616,7 @@
           <a:p>
             <a:fld id="{1A7E88B7-70CE-4035-AE73-13FA6FB985D4}" type="slidenum">
               <a:rPr lang="pt-BR" smtClean="0"/>
-              <a:t>‹#›</a:t>
+              <a:t>‹nº›</a:t>
             </a:fld>
             <a:endParaRPr lang="pt-BR"/>
           </a:p>
@@ -2656,7 +2657,7 @@
           <p:cNvPr id="2" name="Título Vertical 1">
             <a:extLst>
               <a:ext uri="{FF2B5EF4-FFF2-40B4-BE49-F238E27FC236}">
-                <a16:creationId xmlns="" xmlns:a16="http://schemas.microsoft.com/office/drawing/2014/main" id="{EAEAB728-701C-4207-A9D5-23FF45C60502}"/>
+                <a16:creationId xmlns:a16="http://schemas.microsoft.com/office/drawing/2014/main" xmlns="" id="{EAEAB728-701C-4207-A9D5-23FF45C60502}"/>
               </a:ext>
             </a:extLst>
           </p:cNvPr>
@@ -2689,7 +2690,7 @@
           <p:cNvPr id="3" name="Espaço Reservado para Texto Vertical 2">
             <a:extLst>
               <a:ext uri="{FF2B5EF4-FFF2-40B4-BE49-F238E27FC236}">
-                <a16:creationId xmlns="" xmlns:a16="http://schemas.microsoft.com/office/drawing/2014/main" id="{BA8C8CCF-7823-480A-9A19-0F664DD17E3B}"/>
+                <a16:creationId xmlns:a16="http://schemas.microsoft.com/office/drawing/2014/main" xmlns="" id="{BA8C8CCF-7823-480A-9A19-0F664DD17E3B}"/>
               </a:ext>
             </a:extLst>
           </p:cNvPr>
@@ -2751,7 +2752,7 @@
           <p:cNvPr id="4" name="Espaço Reservado para Data 3">
             <a:extLst>
               <a:ext uri="{FF2B5EF4-FFF2-40B4-BE49-F238E27FC236}">
-                <a16:creationId xmlns="" xmlns:a16="http://schemas.microsoft.com/office/drawing/2014/main" id="{721D5734-7B1F-425D-942F-6EB73344027C}"/>
+                <a16:creationId xmlns:a16="http://schemas.microsoft.com/office/drawing/2014/main" xmlns="" id="{721D5734-7B1F-425D-942F-6EB73344027C}"/>
               </a:ext>
             </a:extLst>
           </p:cNvPr>
@@ -2769,7 +2770,7 @@
           <a:p>
             <a:fld id="{63289F7E-B80B-496E-81B4-D396C37C9454}" type="datetimeFigureOut">
               <a:rPr lang="pt-BR" smtClean="0"/>
-              <a:t>12/02/2022</a:t>
+              <a:t>22/07/2022</a:t>
             </a:fld>
             <a:endParaRPr lang="pt-BR"/>
           </a:p>
@@ -2780,7 +2781,7 @@
           <p:cNvPr id="5" name="Espaço Reservado para Rodapé 4">
             <a:extLst>
               <a:ext uri="{FF2B5EF4-FFF2-40B4-BE49-F238E27FC236}">
-                <a16:creationId xmlns="" xmlns:a16="http://schemas.microsoft.com/office/drawing/2014/main" id="{1E1AAEAC-F08D-45FE-89EC-B1B349A868C9}"/>
+                <a16:creationId xmlns:a16="http://schemas.microsoft.com/office/drawing/2014/main" xmlns="" id="{1E1AAEAC-F08D-45FE-89EC-B1B349A868C9}"/>
               </a:ext>
             </a:extLst>
           </p:cNvPr>
@@ -2805,7 +2806,7 @@
           <p:cNvPr id="6" name="Espaço Reservado para Número de Slide 5">
             <a:extLst>
               <a:ext uri="{FF2B5EF4-FFF2-40B4-BE49-F238E27FC236}">
-                <a16:creationId xmlns="" xmlns:a16="http://schemas.microsoft.com/office/drawing/2014/main" id="{BAA44493-9911-47B2-87A6-C2141A972BC8}"/>
+                <a16:creationId xmlns:a16="http://schemas.microsoft.com/office/drawing/2014/main" xmlns="" id="{BAA44493-9911-47B2-87A6-C2141A972BC8}"/>
               </a:ext>
             </a:extLst>
           </p:cNvPr>
@@ -2823,7 +2824,7 @@
           <a:p>
             <a:fld id="{1A7E88B7-70CE-4035-AE73-13FA6FB985D4}" type="slidenum">
               <a:rPr lang="pt-BR" smtClean="0"/>
-              <a:t>‹#›</a:t>
+              <a:t>‹nº›</a:t>
             </a:fld>
             <a:endParaRPr lang="pt-BR"/>
           </a:p>
@@ -2864,7 +2865,7 @@
           <p:cNvPr id="2" name="Título 1">
             <a:extLst>
               <a:ext uri="{FF2B5EF4-FFF2-40B4-BE49-F238E27FC236}">
-                <a16:creationId xmlns="" xmlns:a16="http://schemas.microsoft.com/office/drawing/2014/main" id="{71BD44A5-8F21-4626-A01D-48A1C874B1D5}"/>
+                <a16:creationId xmlns:a16="http://schemas.microsoft.com/office/drawing/2014/main" xmlns="" id="{71BD44A5-8F21-4626-A01D-48A1C874B1D5}"/>
               </a:ext>
             </a:extLst>
           </p:cNvPr>
@@ -2892,7 +2893,7 @@
           <p:cNvPr id="3" name="Espaço Reservado para Conteúdo 2">
             <a:extLst>
               <a:ext uri="{FF2B5EF4-FFF2-40B4-BE49-F238E27FC236}">
-                <a16:creationId xmlns="" xmlns:a16="http://schemas.microsoft.com/office/drawing/2014/main" id="{B79E8085-65A9-48AA-951D-71D978BFF4ED}"/>
+                <a16:creationId xmlns:a16="http://schemas.microsoft.com/office/drawing/2014/main" xmlns="" id="{B79E8085-65A9-48AA-951D-71D978BFF4ED}"/>
               </a:ext>
             </a:extLst>
           </p:cNvPr>
@@ -2949,7 +2950,7 @@
           <p:cNvPr id="4" name="Espaço Reservado para Data 3">
             <a:extLst>
               <a:ext uri="{FF2B5EF4-FFF2-40B4-BE49-F238E27FC236}">
-                <a16:creationId xmlns="" xmlns:a16="http://schemas.microsoft.com/office/drawing/2014/main" id="{F05BE1AF-51EA-425D-B188-DE7BD675009F}"/>
+                <a16:creationId xmlns:a16="http://schemas.microsoft.com/office/drawing/2014/main" xmlns="" id="{F05BE1AF-51EA-425D-B188-DE7BD675009F}"/>
               </a:ext>
             </a:extLst>
           </p:cNvPr>
@@ -2967,7 +2968,7 @@
           <a:p>
             <a:fld id="{63289F7E-B80B-496E-81B4-D396C37C9454}" type="datetimeFigureOut">
               <a:rPr lang="pt-BR" smtClean="0"/>
-              <a:t>12/02/2022</a:t>
+              <a:t>22/07/2022</a:t>
             </a:fld>
             <a:endParaRPr lang="pt-BR"/>
           </a:p>
@@ -2978,7 +2979,7 @@
           <p:cNvPr id="5" name="Espaço Reservado para Rodapé 4">
             <a:extLst>
               <a:ext uri="{FF2B5EF4-FFF2-40B4-BE49-F238E27FC236}">
-                <a16:creationId xmlns="" xmlns:a16="http://schemas.microsoft.com/office/drawing/2014/main" id="{121BE632-29CF-4CB9-B365-C9EF38F89BE6}"/>
+                <a16:creationId xmlns:a16="http://schemas.microsoft.com/office/drawing/2014/main" xmlns="" id="{121BE632-29CF-4CB9-B365-C9EF38F89BE6}"/>
               </a:ext>
             </a:extLst>
           </p:cNvPr>
@@ -3003,7 +3004,7 @@
           <p:cNvPr id="6" name="Espaço Reservado para Número de Slide 5">
             <a:extLst>
               <a:ext uri="{FF2B5EF4-FFF2-40B4-BE49-F238E27FC236}">
-                <a16:creationId xmlns="" xmlns:a16="http://schemas.microsoft.com/office/drawing/2014/main" id="{60CF3DD1-9AEC-4A57-B461-4E4DD86FAC18}"/>
+                <a16:creationId xmlns:a16="http://schemas.microsoft.com/office/drawing/2014/main" xmlns="" id="{60CF3DD1-9AEC-4A57-B461-4E4DD86FAC18}"/>
               </a:ext>
             </a:extLst>
           </p:cNvPr>
@@ -3021,7 +3022,7 @@
           <a:p>
             <a:fld id="{1A7E88B7-70CE-4035-AE73-13FA6FB985D4}" type="slidenum">
               <a:rPr lang="pt-BR" smtClean="0"/>
-              <a:t>‹#›</a:t>
+              <a:t>‹nº›</a:t>
             </a:fld>
             <a:endParaRPr lang="pt-BR"/>
           </a:p>
@@ -3062,7 +3063,7 @@
           <p:cNvPr id="2" name="Título 1">
             <a:extLst>
               <a:ext uri="{FF2B5EF4-FFF2-40B4-BE49-F238E27FC236}">
-                <a16:creationId xmlns="" xmlns:a16="http://schemas.microsoft.com/office/drawing/2014/main" id="{34AB2FF0-A4D7-4E28-991D-FF26140D5988}"/>
+                <a16:creationId xmlns:a16="http://schemas.microsoft.com/office/drawing/2014/main" xmlns="" id="{34AB2FF0-A4D7-4E28-991D-FF26140D5988}"/>
               </a:ext>
             </a:extLst>
           </p:cNvPr>
@@ -3099,7 +3100,7 @@
           <p:cNvPr id="3" name="Espaço Reservado para Texto 2">
             <a:extLst>
               <a:ext uri="{FF2B5EF4-FFF2-40B4-BE49-F238E27FC236}">
-                <a16:creationId xmlns="" xmlns:a16="http://schemas.microsoft.com/office/drawing/2014/main" id="{E2AC45B0-4145-40DB-8E61-105461170604}"/>
+                <a16:creationId xmlns:a16="http://schemas.microsoft.com/office/drawing/2014/main" xmlns="" id="{E2AC45B0-4145-40DB-8E61-105461170604}"/>
               </a:ext>
             </a:extLst>
           </p:cNvPr>
@@ -3224,7 +3225,7 @@
           <p:cNvPr id="4" name="Espaço Reservado para Data 3">
             <a:extLst>
               <a:ext uri="{FF2B5EF4-FFF2-40B4-BE49-F238E27FC236}">
-                <a16:creationId xmlns="" xmlns:a16="http://schemas.microsoft.com/office/drawing/2014/main" id="{50F1D3FB-740A-4EBA-A309-2CE71D12ECFB}"/>
+                <a16:creationId xmlns:a16="http://schemas.microsoft.com/office/drawing/2014/main" xmlns="" id="{50F1D3FB-740A-4EBA-A309-2CE71D12ECFB}"/>
               </a:ext>
             </a:extLst>
           </p:cNvPr>
@@ -3242,7 +3243,7 @@
           <a:p>
             <a:fld id="{63289F7E-B80B-496E-81B4-D396C37C9454}" type="datetimeFigureOut">
               <a:rPr lang="pt-BR" smtClean="0"/>
-              <a:t>12/02/2022</a:t>
+              <a:t>22/07/2022</a:t>
             </a:fld>
             <a:endParaRPr lang="pt-BR"/>
           </a:p>
@@ -3253,7 +3254,7 @@
           <p:cNvPr id="5" name="Espaço Reservado para Rodapé 4">
             <a:extLst>
               <a:ext uri="{FF2B5EF4-FFF2-40B4-BE49-F238E27FC236}">
-                <a16:creationId xmlns="" xmlns:a16="http://schemas.microsoft.com/office/drawing/2014/main" id="{BDCAB18F-8715-4465-A940-F9C193A2ACE9}"/>
+                <a16:creationId xmlns:a16="http://schemas.microsoft.com/office/drawing/2014/main" xmlns="" id="{BDCAB18F-8715-4465-A940-F9C193A2ACE9}"/>
               </a:ext>
             </a:extLst>
           </p:cNvPr>
@@ -3278,7 +3279,7 @@
           <p:cNvPr id="6" name="Espaço Reservado para Número de Slide 5">
             <a:extLst>
               <a:ext uri="{FF2B5EF4-FFF2-40B4-BE49-F238E27FC236}">
-                <a16:creationId xmlns="" xmlns:a16="http://schemas.microsoft.com/office/drawing/2014/main" id="{353466C6-8248-429F-8056-FF040BF509EB}"/>
+                <a16:creationId xmlns:a16="http://schemas.microsoft.com/office/drawing/2014/main" xmlns="" id="{353466C6-8248-429F-8056-FF040BF509EB}"/>
               </a:ext>
             </a:extLst>
           </p:cNvPr>
@@ -3296,7 +3297,7 @@
           <a:p>
             <a:fld id="{1A7E88B7-70CE-4035-AE73-13FA6FB985D4}" type="slidenum">
               <a:rPr lang="pt-BR" smtClean="0"/>
-              <a:t>‹#›</a:t>
+              <a:t>‹nº›</a:t>
             </a:fld>
             <a:endParaRPr lang="pt-BR"/>
           </a:p>
@@ -3337,7 +3338,7 @@
           <p:cNvPr id="2" name="Título 1">
             <a:extLst>
               <a:ext uri="{FF2B5EF4-FFF2-40B4-BE49-F238E27FC236}">
-                <a16:creationId xmlns="" xmlns:a16="http://schemas.microsoft.com/office/drawing/2014/main" id="{BC7BB9F0-F14B-4A91-B2B7-35BC47FE4DE7}"/>
+                <a16:creationId xmlns:a16="http://schemas.microsoft.com/office/drawing/2014/main" xmlns="" id="{BC7BB9F0-F14B-4A91-B2B7-35BC47FE4DE7}"/>
               </a:ext>
             </a:extLst>
           </p:cNvPr>
@@ -3365,7 +3366,7 @@
           <p:cNvPr id="3" name="Espaço Reservado para Conteúdo 2">
             <a:extLst>
               <a:ext uri="{FF2B5EF4-FFF2-40B4-BE49-F238E27FC236}">
-                <a16:creationId xmlns="" xmlns:a16="http://schemas.microsoft.com/office/drawing/2014/main" id="{EC1FC1C4-73DA-47A6-8496-B0B457F7D39A}"/>
+                <a16:creationId xmlns:a16="http://schemas.microsoft.com/office/drawing/2014/main" xmlns="" id="{EC1FC1C4-73DA-47A6-8496-B0B457F7D39A}"/>
               </a:ext>
             </a:extLst>
           </p:cNvPr>
@@ -3427,7 +3428,7 @@
           <p:cNvPr id="4" name="Espaço Reservado para Conteúdo 3">
             <a:extLst>
               <a:ext uri="{FF2B5EF4-FFF2-40B4-BE49-F238E27FC236}">
-                <a16:creationId xmlns="" xmlns:a16="http://schemas.microsoft.com/office/drawing/2014/main" id="{E92F06A8-A449-4D92-9912-76873E529B38}"/>
+                <a16:creationId xmlns:a16="http://schemas.microsoft.com/office/drawing/2014/main" xmlns="" id="{E92F06A8-A449-4D92-9912-76873E529B38}"/>
               </a:ext>
             </a:extLst>
           </p:cNvPr>
@@ -3489,7 +3490,7 @@
           <p:cNvPr id="5" name="Espaço Reservado para Data 4">
             <a:extLst>
               <a:ext uri="{FF2B5EF4-FFF2-40B4-BE49-F238E27FC236}">
-                <a16:creationId xmlns="" xmlns:a16="http://schemas.microsoft.com/office/drawing/2014/main" id="{938070A4-BC2F-4D55-BD8D-DEAF11BB9EE9}"/>
+                <a16:creationId xmlns:a16="http://schemas.microsoft.com/office/drawing/2014/main" xmlns="" id="{938070A4-BC2F-4D55-BD8D-DEAF11BB9EE9}"/>
               </a:ext>
             </a:extLst>
           </p:cNvPr>
@@ -3507,7 +3508,7 @@
           <a:p>
             <a:fld id="{63289F7E-B80B-496E-81B4-D396C37C9454}" type="datetimeFigureOut">
               <a:rPr lang="pt-BR" smtClean="0"/>
-              <a:t>12/02/2022</a:t>
+              <a:t>22/07/2022</a:t>
             </a:fld>
             <a:endParaRPr lang="pt-BR"/>
           </a:p>
@@ -3518,7 +3519,7 @@
           <p:cNvPr id="6" name="Espaço Reservado para Rodapé 5">
             <a:extLst>
               <a:ext uri="{FF2B5EF4-FFF2-40B4-BE49-F238E27FC236}">
-                <a16:creationId xmlns="" xmlns:a16="http://schemas.microsoft.com/office/drawing/2014/main" id="{45CC2DB8-844A-465F-BA9A-7734C80C7F43}"/>
+                <a16:creationId xmlns:a16="http://schemas.microsoft.com/office/drawing/2014/main" xmlns="" id="{45CC2DB8-844A-465F-BA9A-7734C80C7F43}"/>
               </a:ext>
             </a:extLst>
           </p:cNvPr>
@@ -3543,7 +3544,7 @@
           <p:cNvPr id="7" name="Espaço Reservado para Número de Slide 6">
             <a:extLst>
               <a:ext uri="{FF2B5EF4-FFF2-40B4-BE49-F238E27FC236}">
-                <a16:creationId xmlns="" xmlns:a16="http://schemas.microsoft.com/office/drawing/2014/main" id="{4CC606A8-097B-4040-94E0-CD8C88280D8F}"/>
+                <a16:creationId xmlns:a16="http://schemas.microsoft.com/office/drawing/2014/main" xmlns="" id="{4CC606A8-097B-4040-94E0-CD8C88280D8F}"/>
               </a:ext>
             </a:extLst>
           </p:cNvPr>
@@ -3561,7 +3562,7 @@
           <a:p>
             <a:fld id="{1A7E88B7-70CE-4035-AE73-13FA6FB985D4}" type="slidenum">
               <a:rPr lang="pt-BR" smtClean="0"/>
-              <a:t>‹#›</a:t>
+              <a:t>‹nº›</a:t>
             </a:fld>
             <a:endParaRPr lang="pt-BR"/>
           </a:p>
@@ -3602,7 +3603,7 @@
           <p:cNvPr id="2" name="Título 1">
             <a:extLst>
               <a:ext uri="{FF2B5EF4-FFF2-40B4-BE49-F238E27FC236}">
-                <a16:creationId xmlns="" xmlns:a16="http://schemas.microsoft.com/office/drawing/2014/main" id="{76D66686-0143-4CB6-8C09-BA326F1E7ACA}"/>
+                <a16:creationId xmlns:a16="http://schemas.microsoft.com/office/drawing/2014/main" xmlns="" id="{76D66686-0143-4CB6-8C09-BA326F1E7ACA}"/>
               </a:ext>
             </a:extLst>
           </p:cNvPr>
@@ -3635,7 +3636,7 @@
           <p:cNvPr id="3" name="Espaço Reservado para Texto 2">
             <a:extLst>
               <a:ext uri="{FF2B5EF4-FFF2-40B4-BE49-F238E27FC236}">
-                <a16:creationId xmlns="" xmlns:a16="http://schemas.microsoft.com/office/drawing/2014/main" id="{0227AB85-F59E-4BCE-B846-4FA0992C2F23}"/>
+                <a16:creationId xmlns:a16="http://schemas.microsoft.com/office/drawing/2014/main" xmlns="" id="{0227AB85-F59E-4BCE-B846-4FA0992C2F23}"/>
               </a:ext>
             </a:extLst>
           </p:cNvPr>
@@ -3706,7 +3707,7 @@
           <p:cNvPr id="4" name="Espaço Reservado para Conteúdo 3">
             <a:extLst>
               <a:ext uri="{FF2B5EF4-FFF2-40B4-BE49-F238E27FC236}">
-                <a16:creationId xmlns="" xmlns:a16="http://schemas.microsoft.com/office/drawing/2014/main" id="{3373456C-7319-4D0A-827D-D29F6B083F5D}"/>
+                <a16:creationId xmlns:a16="http://schemas.microsoft.com/office/drawing/2014/main" xmlns="" id="{3373456C-7319-4D0A-827D-D29F6B083F5D}"/>
               </a:ext>
             </a:extLst>
           </p:cNvPr>
@@ -3768,7 +3769,7 @@
           <p:cNvPr id="5" name="Espaço Reservado para Texto 4">
             <a:extLst>
               <a:ext uri="{FF2B5EF4-FFF2-40B4-BE49-F238E27FC236}">
-                <a16:creationId xmlns="" xmlns:a16="http://schemas.microsoft.com/office/drawing/2014/main" id="{4CD109D0-2E83-4262-8029-A871CEC47406}"/>
+                <a16:creationId xmlns:a16="http://schemas.microsoft.com/office/drawing/2014/main" xmlns="" id="{4CD109D0-2E83-4262-8029-A871CEC47406}"/>
               </a:ext>
             </a:extLst>
           </p:cNvPr>
@@ -3839,7 +3840,7 @@
           <p:cNvPr id="6" name="Espaço Reservado para Conteúdo 5">
             <a:extLst>
               <a:ext uri="{FF2B5EF4-FFF2-40B4-BE49-F238E27FC236}">
-                <a16:creationId xmlns="" xmlns:a16="http://schemas.microsoft.com/office/drawing/2014/main" id="{AD706E3A-CFBB-4A6C-A65F-D0360A9E74FE}"/>
+                <a16:creationId xmlns:a16="http://schemas.microsoft.com/office/drawing/2014/main" xmlns="" id="{AD706E3A-CFBB-4A6C-A65F-D0360A9E74FE}"/>
               </a:ext>
             </a:extLst>
           </p:cNvPr>
@@ -3901,7 +3902,7 @@
           <p:cNvPr id="7" name="Espaço Reservado para Data 6">
             <a:extLst>
               <a:ext uri="{FF2B5EF4-FFF2-40B4-BE49-F238E27FC236}">
-                <a16:creationId xmlns="" xmlns:a16="http://schemas.microsoft.com/office/drawing/2014/main" id="{4172C0E5-5AF0-4805-BB51-443733CD2BD5}"/>
+                <a16:creationId xmlns:a16="http://schemas.microsoft.com/office/drawing/2014/main" xmlns="" id="{4172C0E5-5AF0-4805-BB51-443733CD2BD5}"/>
               </a:ext>
             </a:extLst>
           </p:cNvPr>
@@ -3919,7 +3920,7 @@
           <a:p>
             <a:fld id="{63289F7E-B80B-496E-81B4-D396C37C9454}" type="datetimeFigureOut">
               <a:rPr lang="pt-BR" smtClean="0"/>
-              <a:t>12/02/2022</a:t>
+              <a:t>22/07/2022</a:t>
             </a:fld>
             <a:endParaRPr lang="pt-BR"/>
           </a:p>
@@ -3930,7 +3931,7 @@
           <p:cNvPr id="8" name="Espaço Reservado para Rodapé 7">
             <a:extLst>
               <a:ext uri="{FF2B5EF4-FFF2-40B4-BE49-F238E27FC236}">
-                <a16:creationId xmlns="" xmlns:a16="http://schemas.microsoft.com/office/drawing/2014/main" id="{0E801648-156F-497E-99CF-797DF48051E1}"/>
+                <a16:creationId xmlns:a16="http://schemas.microsoft.com/office/drawing/2014/main" xmlns="" id="{0E801648-156F-497E-99CF-797DF48051E1}"/>
               </a:ext>
             </a:extLst>
           </p:cNvPr>
@@ -3955,7 +3956,7 @@
           <p:cNvPr id="9" name="Espaço Reservado para Número de Slide 8">
             <a:extLst>
               <a:ext uri="{FF2B5EF4-FFF2-40B4-BE49-F238E27FC236}">
-                <a16:creationId xmlns="" xmlns:a16="http://schemas.microsoft.com/office/drawing/2014/main" id="{EEE23D32-80E7-4796-A137-66BF842E4B53}"/>
+                <a16:creationId xmlns:a16="http://schemas.microsoft.com/office/drawing/2014/main" xmlns="" id="{EEE23D32-80E7-4796-A137-66BF842E4B53}"/>
               </a:ext>
             </a:extLst>
           </p:cNvPr>
@@ -3973,7 +3974,7 @@
           <a:p>
             <a:fld id="{1A7E88B7-70CE-4035-AE73-13FA6FB985D4}" type="slidenum">
               <a:rPr lang="pt-BR" smtClean="0"/>
-              <a:t>‹#›</a:t>
+              <a:t>‹nº›</a:t>
             </a:fld>
             <a:endParaRPr lang="pt-BR"/>
           </a:p>
@@ -4014,7 +4015,7 @@
           <p:cNvPr id="2" name="Título 1">
             <a:extLst>
               <a:ext uri="{FF2B5EF4-FFF2-40B4-BE49-F238E27FC236}">
-                <a16:creationId xmlns="" xmlns:a16="http://schemas.microsoft.com/office/drawing/2014/main" id="{2BCE2379-C78F-47E1-8CFC-B846E7AF148D}"/>
+                <a16:creationId xmlns:a16="http://schemas.microsoft.com/office/drawing/2014/main" xmlns="" id="{2BCE2379-C78F-47E1-8CFC-B846E7AF148D}"/>
               </a:ext>
             </a:extLst>
           </p:cNvPr>
@@ -4042,7 +4043,7 @@
           <p:cNvPr id="3" name="Espaço Reservado para Data 2">
             <a:extLst>
               <a:ext uri="{FF2B5EF4-FFF2-40B4-BE49-F238E27FC236}">
-                <a16:creationId xmlns="" xmlns:a16="http://schemas.microsoft.com/office/drawing/2014/main" id="{342600A9-7F92-4E22-9D94-E4717252A817}"/>
+                <a16:creationId xmlns:a16="http://schemas.microsoft.com/office/drawing/2014/main" xmlns="" id="{342600A9-7F92-4E22-9D94-E4717252A817}"/>
               </a:ext>
             </a:extLst>
           </p:cNvPr>
@@ -4060,7 +4061,7 @@
           <a:p>
             <a:fld id="{63289F7E-B80B-496E-81B4-D396C37C9454}" type="datetimeFigureOut">
               <a:rPr lang="pt-BR" smtClean="0"/>
-              <a:t>12/02/2022</a:t>
+              <a:t>22/07/2022</a:t>
             </a:fld>
             <a:endParaRPr lang="pt-BR"/>
           </a:p>
@@ -4071,7 +4072,7 @@
           <p:cNvPr id="4" name="Espaço Reservado para Rodapé 3">
             <a:extLst>
               <a:ext uri="{FF2B5EF4-FFF2-40B4-BE49-F238E27FC236}">
-                <a16:creationId xmlns="" xmlns:a16="http://schemas.microsoft.com/office/drawing/2014/main" id="{192E6BED-F546-40CC-A2DF-99CBA853654E}"/>
+                <a16:creationId xmlns:a16="http://schemas.microsoft.com/office/drawing/2014/main" xmlns="" id="{192E6BED-F546-40CC-A2DF-99CBA853654E}"/>
               </a:ext>
             </a:extLst>
           </p:cNvPr>
@@ -4096,7 +4097,7 @@
           <p:cNvPr id="5" name="Espaço Reservado para Número de Slide 4">
             <a:extLst>
               <a:ext uri="{FF2B5EF4-FFF2-40B4-BE49-F238E27FC236}">
-                <a16:creationId xmlns="" xmlns:a16="http://schemas.microsoft.com/office/drawing/2014/main" id="{6091CC40-A8C4-4063-80EB-CC5099621678}"/>
+                <a16:creationId xmlns:a16="http://schemas.microsoft.com/office/drawing/2014/main" xmlns="" id="{6091CC40-A8C4-4063-80EB-CC5099621678}"/>
               </a:ext>
             </a:extLst>
           </p:cNvPr>
@@ -4114,7 +4115,7 @@
           <a:p>
             <a:fld id="{1A7E88B7-70CE-4035-AE73-13FA6FB985D4}" type="slidenum">
               <a:rPr lang="pt-BR" smtClean="0"/>
-              <a:t>‹#›</a:t>
+              <a:t>‹nº›</a:t>
             </a:fld>
             <a:endParaRPr lang="pt-BR"/>
           </a:p>
@@ -4155,7 +4156,7 @@
           <p:cNvPr id="2" name="Espaço Reservado para Data 1">
             <a:extLst>
               <a:ext uri="{FF2B5EF4-FFF2-40B4-BE49-F238E27FC236}">
-                <a16:creationId xmlns="" xmlns:a16="http://schemas.microsoft.com/office/drawing/2014/main" id="{DD19515C-212C-4EAE-84A3-8FF4BC844F1B}"/>
+                <a16:creationId xmlns:a16="http://schemas.microsoft.com/office/drawing/2014/main" xmlns="" id="{DD19515C-212C-4EAE-84A3-8FF4BC844F1B}"/>
               </a:ext>
             </a:extLst>
           </p:cNvPr>
@@ -4173,7 +4174,7 @@
           <a:p>
             <a:fld id="{63289F7E-B80B-496E-81B4-D396C37C9454}" type="datetimeFigureOut">
               <a:rPr lang="pt-BR" smtClean="0"/>
-              <a:t>12/02/2022</a:t>
+              <a:t>22/07/2022</a:t>
             </a:fld>
             <a:endParaRPr lang="pt-BR"/>
           </a:p>
@@ -4184,7 +4185,7 @@
           <p:cNvPr id="3" name="Espaço Reservado para Rodapé 2">
             <a:extLst>
               <a:ext uri="{FF2B5EF4-FFF2-40B4-BE49-F238E27FC236}">
-                <a16:creationId xmlns="" xmlns:a16="http://schemas.microsoft.com/office/drawing/2014/main" id="{94D3D120-B3E8-4C96-861D-7A4F12F49B3A}"/>
+                <a16:creationId xmlns:a16="http://schemas.microsoft.com/office/drawing/2014/main" xmlns="" id="{94D3D120-B3E8-4C96-861D-7A4F12F49B3A}"/>
               </a:ext>
             </a:extLst>
           </p:cNvPr>
@@ -4209,7 +4210,7 @@
           <p:cNvPr id="4" name="Espaço Reservado para Número de Slide 3">
             <a:extLst>
               <a:ext uri="{FF2B5EF4-FFF2-40B4-BE49-F238E27FC236}">
-                <a16:creationId xmlns="" xmlns:a16="http://schemas.microsoft.com/office/drawing/2014/main" id="{42E49B68-FA1B-468B-9F17-D5C09243D454}"/>
+                <a16:creationId xmlns:a16="http://schemas.microsoft.com/office/drawing/2014/main" xmlns="" id="{42E49B68-FA1B-468B-9F17-D5C09243D454}"/>
               </a:ext>
             </a:extLst>
           </p:cNvPr>
@@ -4227,7 +4228,7 @@
           <a:p>
             <a:fld id="{1A7E88B7-70CE-4035-AE73-13FA6FB985D4}" type="slidenum">
               <a:rPr lang="pt-BR" smtClean="0"/>
-              <a:t>‹#›</a:t>
+              <a:t>‹nº›</a:t>
             </a:fld>
             <a:endParaRPr lang="pt-BR"/>
           </a:p>
@@ -4268,7 +4269,7 @@
           <p:cNvPr id="2" name="Título 1">
             <a:extLst>
               <a:ext uri="{FF2B5EF4-FFF2-40B4-BE49-F238E27FC236}">
-                <a16:creationId xmlns="" xmlns:a16="http://schemas.microsoft.com/office/drawing/2014/main" id="{1C17BCBE-A897-4319-85EC-D87909C24980}"/>
+                <a16:creationId xmlns:a16="http://schemas.microsoft.com/office/drawing/2014/main" xmlns="" id="{1C17BCBE-A897-4319-85EC-D87909C24980}"/>
               </a:ext>
             </a:extLst>
           </p:cNvPr>
@@ -4305,7 +4306,7 @@
           <p:cNvPr id="3" name="Espaço Reservado para Conteúdo 2">
             <a:extLst>
               <a:ext uri="{FF2B5EF4-FFF2-40B4-BE49-F238E27FC236}">
-                <a16:creationId xmlns="" xmlns:a16="http://schemas.microsoft.com/office/drawing/2014/main" id="{4226F885-0204-4913-868B-4B8B82576F17}"/>
+                <a16:creationId xmlns:a16="http://schemas.microsoft.com/office/drawing/2014/main" xmlns="" id="{4226F885-0204-4913-868B-4B8B82576F17}"/>
               </a:ext>
             </a:extLst>
           </p:cNvPr>
@@ -4395,7 +4396,7 @@
           <p:cNvPr id="4" name="Espaço Reservado para Texto 3">
             <a:extLst>
               <a:ext uri="{FF2B5EF4-FFF2-40B4-BE49-F238E27FC236}">
-                <a16:creationId xmlns="" xmlns:a16="http://schemas.microsoft.com/office/drawing/2014/main" id="{00F9F784-A858-441B-8AB5-697098141751}"/>
+                <a16:creationId xmlns:a16="http://schemas.microsoft.com/office/drawing/2014/main" xmlns="" id="{00F9F784-A858-441B-8AB5-697098141751}"/>
               </a:ext>
             </a:extLst>
           </p:cNvPr>
@@ -4466,7 +4467,7 @@
           <p:cNvPr id="5" name="Espaço Reservado para Data 4">
             <a:extLst>
               <a:ext uri="{FF2B5EF4-FFF2-40B4-BE49-F238E27FC236}">
-                <a16:creationId xmlns="" xmlns:a16="http://schemas.microsoft.com/office/drawing/2014/main" id="{A4DC363A-5000-472E-8B17-02E7DCB8840A}"/>
+                <a16:creationId xmlns:a16="http://schemas.microsoft.com/office/drawing/2014/main" xmlns="" id="{A4DC363A-5000-472E-8B17-02E7DCB8840A}"/>
               </a:ext>
             </a:extLst>
           </p:cNvPr>
@@ -4484,7 +4485,7 @@
           <a:p>
             <a:fld id="{63289F7E-B80B-496E-81B4-D396C37C9454}" type="datetimeFigureOut">
               <a:rPr lang="pt-BR" smtClean="0"/>
-              <a:t>12/02/2022</a:t>
+              <a:t>22/07/2022</a:t>
             </a:fld>
             <a:endParaRPr lang="pt-BR"/>
           </a:p>
@@ -4495,7 +4496,7 @@
           <p:cNvPr id="6" name="Espaço Reservado para Rodapé 5">
             <a:extLst>
               <a:ext uri="{FF2B5EF4-FFF2-40B4-BE49-F238E27FC236}">
-                <a16:creationId xmlns="" xmlns:a16="http://schemas.microsoft.com/office/drawing/2014/main" id="{5548425D-2C21-4C56-BAD4-662978775C28}"/>
+                <a16:creationId xmlns:a16="http://schemas.microsoft.com/office/drawing/2014/main" xmlns="" id="{5548425D-2C21-4C56-BAD4-662978775C28}"/>
               </a:ext>
             </a:extLst>
           </p:cNvPr>
@@ -4520,7 +4521,7 @@
           <p:cNvPr id="7" name="Espaço Reservado para Número de Slide 6">
             <a:extLst>
               <a:ext uri="{FF2B5EF4-FFF2-40B4-BE49-F238E27FC236}">
-                <a16:creationId xmlns="" xmlns:a16="http://schemas.microsoft.com/office/drawing/2014/main" id="{C63E9726-E64C-42B2-AE8A-8C235A956B48}"/>
+                <a16:creationId xmlns:a16="http://schemas.microsoft.com/office/drawing/2014/main" xmlns="" id="{C63E9726-E64C-42B2-AE8A-8C235A956B48}"/>
               </a:ext>
             </a:extLst>
           </p:cNvPr>
@@ -4538,7 +4539,7 @@
           <a:p>
             <a:fld id="{1A7E88B7-70CE-4035-AE73-13FA6FB985D4}" type="slidenum">
               <a:rPr lang="pt-BR" smtClean="0"/>
-              <a:t>‹#›</a:t>
+              <a:t>‹nº›</a:t>
             </a:fld>
             <a:endParaRPr lang="pt-BR"/>
           </a:p>
@@ -4579,7 +4580,7 @@
           <p:cNvPr id="2" name="Título 1">
             <a:extLst>
               <a:ext uri="{FF2B5EF4-FFF2-40B4-BE49-F238E27FC236}">
-                <a16:creationId xmlns="" xmlns:a16="http://schemas.microsoft.com/office/drawing/2014/main" id="{11086A78-3E74-450C-96A6-CA8AC37AF772}"/>
+                <a16:creationId xmlns:a16="http://schemas.microsoft.com/office/drawing/2014/main" xmlns="" id="{11086A78-3E74-450C-96A6-CA8AC37AF772}"/>
               </a:ext>
             </a:extLst>
           </p:cNvPr>
@@ -4616,7 +4617,7 @@
           <p:cNvPr id="3" name="Espaço Reservado para Imagem 2">
             <a:extLst>
               <a:ext uri="{FF2B5EF4-FFF2-40B4-BE49-F238E27FC236}">
-                <a16:creationId xmlns="" xmlns:a16="http://schemas.microsoft.com/office/drawing/2014/main" id="{5F5B7312-975A-4DBC-9B2F-3652ADA006FD}"/>
+                <a16:creationId xmlns:a16="http://schemas.microsoft.com/office/drawing/2014/main" xmlns="" id="{5F5B7312-975A-4DBC-9B2F-3652ADA006FD}"/>
               </a:ext>
             </a:extLst>
           </p:cNvPr>
@@ -4683,7 +4684,7 @@
           <p:cNvPr id="4" name="Espaço Reservado para Texto 3">
             <a:extLst>
               <a:ext uri="{FF2B5EF4-FFF2-40B4-BE49-F238E27FC236}">
-                <a16:creationId xmlns="" xmlns:a16="http://schemas.microsoft.com/office/drawing/2014/main" id="{AAF805F5-1DFF-41C6-944C-7D79FE0D0963}"/>
+                <a16:creationId xmlns:a16="http://schemas.microsoft.com/office/drawing/2014/main" xmlns="" id="{AAF805F5-1DFF-41C6-944C-7D79FE0D0963}"/>
               </a:ext>
             </a:extLst>
           </p:cNvPr>
@@ -4754,7 +4755,7 @@
           <p:cNvPr id="5" name="Espaço Reservado para Data 4">
             <a:extLst>
               <a:ext uri="{FF2B5EF4-FFF2-40B4-BE49-F238E27FC236}">
-                <a16:creationId xmlns="" xmlns:a16="http://schemas.microsoft.com/office/drawing/2014/main" id="{02113D81-8665-4516-BD81-C6A1F254EECD}"/>
+                <a16:creationId xmlns:a16="http://schemas.microsoft.com/office/drawing/2014/main" xmlns="" id="{02113D81-8665-4516-BD81-C6A1F254EECD}"/>
               </a:ext>
             </a:extLst>
           </p:cNvPr>
@@ -4772,7 +4773,7 @@
           <a:p>
             <a:fld id="{63289F7E-B80B-496E-81B4-D396C37C9454}" type="datetimeFigureOut">
               <a:rPr lang="pt-BR" smtClean="0"/>
-              <a:t>12/02/2022</a:t>
+              <a:t>22/07/2022</a:t>
             </a:fld>
             <a:endParaRPr lang="pt-BR"/>
           </a:p>
@@ -4783,7 +4784,7 @@
           <p:cNvPr id="6" name="Espaço Reservado para Rodapé 5">
             <a:extLst>
               <a:ext uri="{FF2B5EF4-FFF2-40B4-BE49-F238E27FC236}">
-                <a16:creationId xmlns="" xmlns:a16="http://schemas.microsoft.com/office/drawing/2014/main" id="{2B00C88B-FF32-40AA-A187-727D96FD7862}"/>
+                <a16:creationId xmlns:a16="http://schemas.microsoft.com/office/drawing/2014/main" xmlns="" id="{2B00C88B-FF32-40AA-A187-727D96FD7862}"/>
               </a:ext>
             </a:extLst>
           </p:cNvPr>
@@ -4808,7 +4809,7 @@
           <p:cNvPr id="7" name="Espaço Reservado para Número de Slide 6">
             <a:extLst>
               <a:ext uri="{FF2B5EF4-FFF2-40B4-BE49-F238E27FC236}">
-                <a16:creationId xmlns="" xmlns:a16="http://schemas.microsoft.com/office/drawing/2014/main" id="{A04D1A2D-69F7-4B8F-A730-BC26DC340BA6}"/>
+                <a16:creationId xmlns:a16="http://schemas.microsoft.com/office/drawing/2014/main" xmlns="" id="{A04D1A2D-69F7-4B8F-A730-BC26DC340BA6}"/>
               </a:ext>
             </a:extLst>
           </p:cNvPr>
@@ -4826,7 +4827,7 @@
           <a:p>
             <a:fld id="{1A7E88B7-70CE-4035-AE73-13FA6FB985D4}" type="slidenum">
               <a:rPr lang="pt-BR" smtClean="0"/>
-              <a:t>‹#›</a:t>
+              <a:t>‹nº›</a:t>
             </a:fld>
             <a:endParaRPr lang="pt-BR"/>
           </a:p>
@@ -4872,7 +4873,7 @@
           <p:cNvPr id="2" name="Espaço Reservado para Título 1">
             <a:extLst>
               <a:ext uri="{FF2B5EF4-FFF2-40B4-BE49-F238E27FC236}">
-                <a16:creationId xmlns="" xmlns:a16="http://schemas.microsoft.com/office/drawing/2014/main" id="{E69A0273-1966-4A1B-9370-4C1CE5036371}"/>
+                <a16:creationId xmlns:a16="http://schemas.microsoft.com/office/drawing/2014/main" xmlns="" id="{E69A0273-1966-4A1B-9370-4C1CE5036371}"/>
               </a:ext>
             </a:extLst>
           </p:cNvPr>
@@ -4910,7 +4911,7 @@
           <p:cNvPr id="3" name="Espaço Reservado para Texto 2">
             <a:extLst>
               <a:ext uri="{FF2B5EF4-FFF2-40B4-BE49-F238E27FC236}">
-                <a16:creationId xmlns="" xmlns:a16="http://schemas.microsoft.com/office/drawing/2014/main" id="{3B9CF87A-0448-49A7-AB25-EBC1D56A40EF}"/>
+                <a16:creationId xmlns:a16="http://schemas.microsoft.com/office/drawing/2014/main" xmlns="" id="{3B9CF87A-0448-49A7-AB25-EBC1D56A40EF}"/>
               </a:ext>
             </a:extLst>
           </p:cNvPr>
@@ -4977,7 +4978,7 @@
           <p:cNvPr id="4" name="Espaço Reservado para Data 3">
             <a:extLst>
               <a:ext uri="{FF2B5EF4-FFF2-40B4-BE49-F238E27FC236}">
-                <a16:creationId xmlns="" xmlns:a16="http://schemas.microsoft.com/office/drawing/2014/main" id="{2EF7B1F2-BB5A-44D0-816D-16AD2C71430E}"/>
+                <a16:creationId xmlns:a16="http://schemas.microsoft.com/office/drawing/2014/main" xmlns="" id="{2EF7B1F2-BB5A-44D0-816D-16AD2C71430E}"/>
               </a:ext>
             </a:extLst>
           </p:cNvPr>
@@ -5013,7 +5014,7 @@
           <a:p>
             <a:fld id="{63289F7E-B80B-496E-81B4-D396C37C9454}" type="datetimeFigureOut">
               <a:rPr lang="pt-BR" smtClean="0"/>
-              <a:t>12/02/2022</a:t>
+              <a:t>22/07/2022</a:t>
             </a:fld>
             <a:endParaRPr lang="pt-BR"/>
           </a:p>
@@ -5024,7 +5025,7 @@
           <p:cNvPr id="5" name="Espaço Reservado para Rodapé 4">
             <a:extLst>
               <a:ext uri="{FF2B5EF4-FFF2-40B4-BE49-F238E27FC236}">
-                <a16:creationId xmlns="" xmlns:a16="http://schemas.microsoft.com/office/drawing/2014/main" id="{C703F94C-2CC8-4DAA-BC35-14FC3E841DCD}"/>
+                <a16:creationId xmlns:a16="http://schemas.microsoft.com/office/drawing/2014/main" xmlns="" id="{C703F94C-2CC8-4DAA-BC35-14FC3E841DCD}"/>
               </a:ext>
             </a:extLst>
           </p:cNvPr>
@@ -5067,7 +5068,7 @@
           <p:cNvPr id="6" name="Espaço Reservado para Número de Slide 5">
             <a:extLst>
               <a:ext uri="{FF2B5EF4-FFF2-40B4-BE49-F238E27FC236}">
-                <a16:creationId xmlns="" xmlns:a16="http://schemas.microsoft.com/office/drawing/2014/main" id="{64051336-7048-457A-8B61-D94291D71648}"/>
+                <a16:creationId xmlns:a16="http://schemas.microsoft.com/office/drawing/2014/main" xmlns="" id="{64051336-7048-457A-8B61-D94291D71648}"/>
               </a:ext>
             </a:extLst>
           </p:cNvPr>
@@ -5103,7 +5104,7 @@
           <a:p>
             <a:fld id="{1A7E88B7-70CE-4035-AE73-13FA6FB985D4}" type="slidenum">
               <a:rPr lang="pt-BR" smtClean="0"/>
-              <a:t>‹#›</a:t>
+              <a:t>‹nº›</a:t>
             </a:fld>
             <a:endParaRPr lang="pt-BR"/>
           </a:p>
@@ -5435,7 +5436,7 @@
           <p:cNvPr id="2" name="Título 1">
             <a:extLst>
               <a:ext uri="{FF2B5EF4-FFF2-40B4-BE49-F238E27FC236}">
-                <a16:creationId xmlns="" xmlns:a16="http://schemas.microsoft.com/office/drawing/2014/main" id="{32666AC8-2E17-4DB4-B0F5-60C640CCFD2E}"/>
+                <a16:creationId xmlns:a16="http://schemas.microsoft.com/office/drawing/2014/main" xmlns="" id="{32666AC8-2E17-4DB4-B0F5-60C640CCFD2E}"/>
               </a:ext>
             </a:extLst>
           </p:cNvPr>
@@ -5482,7 +5483,7 @@
           <p:cNvPr id="4" name="CaixaDeTexto 3">
             <a:extLst>
               <a:ext uri="{FF2B5EF4-FFF2-40B4-BE49-F238E27FC236}">
-                <a16:creationId xmlns="" xmlns:a16="http://schemas.microsoft.com/office/drawing/2014/main" id="{430EB894-B7D4-434C-9D1A-A14094D9BEEC}"/>
+                <a16:creationId xmlns:a16="http://schemas.microsoft.com/office/drawing/2014/main" xmlns="" id="{430EB894-B7D4-434C-9D1A-A14094D9BEEC}"/>
               </a:ext>
             </a:extLst>
           </p:cNvPr>
@@ -5523,7 +5524,7 @@
           <p:cNvPr id="1026" name="Picture 2" descr="Logo">
             <a:extLst>
               <a:ext uri="{FF2B5EF4-FFF2-40B4-BE49-F238E27FC236}">
-                <a16:creationId xmlns="" xmlns:a16="http://schemas.microsoft.com/office/drawing/2014/main" id="{3F2642E0-4F6A-4196-8F58-E77D36E9A33F}"/>
+                <a16:creationId xmlns:a16="http://schemas.microsoft.com/office/drawing/2014/main" xmlns="" id="{3F2642E0-4F6A-4196-8F58-E77D36E9A33F}"/>
               </a:ext>
             </a:extLst>
           </p:cNvPr>
@@ -5568,7 +5569,7 @@
           <p:cNvPr id="5122" name="Picture 2" descr="Image result for machine learning">
             <a:extLst>
               <a:ext uri="{FF2B5EF4-FFF2-40B4-BE49-F238E27FC236}">
-                <a16:creationId xmlns="" xmlns:a16="http://schemas.microsoft.com/office/drawing/2014/main" id="{810CE0A2-4102-44A6-A370-175E7896CDCB}"/>
+                <a16:creationId xmlns:a16="http://schemas.microsoft.com/office/drawing/2014/main" xmlns="" id="{810CE0A2-4102-44A6-A370-175E7896CDCB}"/>
               </a:ext>
             </a:extLst>
           </p:cNvPr>
@@ -5622,6 +5623,979 @@
 </file>
 
 <file path=ppt/slides/slide10.xml><?xml version="1.0" encoding="utf-8"?>
+<p:sld xmlns:a="http://schemas.openxmlformats.org/drawingml/2006/main" xmlns:r="http://schemas.openxmlformats.org/officeDocument/2006/relationships" xmlns:p="http://schemas.openxmlformats.org/presentationml/2006/main">
+  <p:cSld>
+    <p:spTree>
+      <p:nvGrpSpPr>
+        <p:cNvPr id="1" name=""/>
+        <p:cNvGrpSpPr/>
+        <p:nvPr/>
+      </p:nvGrpSpPr>
+      <p:grpSpPr>
+        <a:xfrm>
+          <a:off x="0" y="0"/>
+          <a:ext cx="0" cy="0"/>
+          <a:chOff x="0" y="0"/>
+          <a:chExt cx="0" cy="0"/>
+        </a:xfrm>
+      </p:grpSpPr>
+      <p:sp>
+        <p:nvSpPr>
+          <p:cNvPr id="2" name="Title 1"/>
+          <p:cNvSpPr>
+            <a:spLocks noGrp="1"/>
+          </p:cNvSpPr>
+          <p:nvPr>
+            <p:ph type="title"/>
+          </p:nvPr>
+        </p:nvSpPr>
+        <p:spPr/>
+        <p:txBody>
+          <a:bodyPr/>
+          <a:lstStyle/>
+          <a:p>
+            <a:r>
+              <a:rPr lang="pt-BR" dirty="0"/>
+              <a:t>Definição do problema de classificação</a:t>
+            </a:r>
+          </a:p>
+        </p:txBody>
+      </p:sp>
+      <mc:AlternateContent xmlns:mc="http://schemas.openxmlformats.org/markup-compatibility/2006" xmlns:a14="http://schemas.microsoft.com/office/drawing/2010/main">
+        <mc:Choice Requires="a14">
+          <p:sp>
+            <p:nvSpPr>
+              <p:cNvPr id="3" name="Content Placeholder 2"/>
+              <p:cNvSpPr>
+                <a:spLocks noGrp="1"/>
+              </p:cNvSpPr>
+              <p:nvPr>
+                <p:ph idx="1"/>
+              </p:nvPr>
+            </p:nvSpPr>
+            <p:spPr>
+              <a:xfrm>
+                <a:off x="838199" y="1825624"/>
+                <a:ext cx="11085215" cy="5032375"/>
+              </a:xfrm>
+            </p:spPr>
+            <p:txBody>
+              <a:bodyPr>
+                <a:normAutofit fontScale="92500" lnSpcReduction="20000"/>
+              </a:bodyPr>
+              <a:lstStyle/>
+              <a:p>
+                <a:r>
+                  <a:rPr lang="pt-BR" b="1" dirty="0" smtClean="0"/>
+                  <a:t>Problema</a:t>
+                </a:r>
+                <a:r>
+                  <a:rPr lang="pt-BR" dirty="0"/>
+                  <a:t>: </a:t>
+                </a:r>
+                <a:r>
+                  <a:rPr lang="pt-BR" dirty="0" smtClean="0"/>
+                  <a:t>encontrar uma função </a:t>
+                </a:r>
+                <a14:m>
+                  <m:oMath xmlns:m="http://schemas.openxmlformats.org/officeDocument/2006/math">
+                    <m:r>
+                      <a:rPr lang="pt-BR" i="1">
+                        <a:latin typeface="Cambria Math" panose="02040503050406030204" pitchFamily="18" charset="0"/>
+                      </a:rPr>
+                      <m:t>𝑓</m:t>
+                    </m:r>
+                    <m:r>
+                      <a:rPr lang="pt-BR" i="1">
+                        <a:latin typeface="Cambria Math" panose="02040503050406030204" pitchFamily="18" charset="0"/>
+                      </a:rPr>
+                      <m:t>(</m:t>
+                    </m:r>
+                    <m:r>
+                      <a:rPr lang="pt-BR" b="1" i="1">
+                        <a:latin typeface="Cambria Math" panose="02040503050406030204" pitchFamily="18" charset="0"/>
+                      </a:rPr>
+                      <m:t>𝒙</m:t>
+                    </m:r>
+                    <m:r>
+                      <a:rPr lang="pt-BR" i="1">
+                        <a:latin typeface="Cambria Math" panose="02040503050406030204" pitchFamily="18" charset="0"/>
+                      </a:rPr>
+                      <m:t>)</m:t>
+                    </m:r>
+                  </m:oMath>
+                </a14:m>
+                <a:r>
+                  <a:rPr lang="pt-BR" dirty="0" smtClean="0"/>
+                  <a:t> que atribua </a:t>
+                </a:r>
+                <a:r>
+                  <a:rPr lang="pt-BR" dirty="0"/>
+                  <a:t>a cada </a:t>
+                </a:r>
+                <a:r>
+                  <a:rPr lang="pt-BR" b="1" i="1" dirty="0"/>
+                  <a:t>exemplo de </a:t>
+                </a:r>
+                <a:r>
+                  <a:rPr lang="pt-BR" b="1" i="1" dirty="0" smtClean="0"/>
+                  <a:t>entrada</a:t>
+                </a:r>
+                <a:r>
+                  <a:rPr lang="pt-BR" dirty="0" smtClean="0"/>
+                  <a:t>, </a:t>
+                </a:r>
+                <a14:m>
+                  <m:oMath xmlns:m="http://schemas.openxmlformats.org/officeDocument/2006/math">
+                    <m:r>
+                      <a:rPr lang="pt-BR" b="1" i="1" smtClean="0">
+                        <a:latin typeface="Cambria Math" panose="02040503050406030204" pitchFamily="18" charset="0"/>
+                      </a:rPr>
+                      <m:t>𝒙</m:t>
+                    </m:r>
+                  </m:oMath>
+                </a14:m>
+                <a:r>
+                  <a:rPr lang="pt-BR" dirty="0" smtClean="0"/>
+                  <a:t>,</a:t>
+                </a:r>
+                <a:r>
+                  <a:rPr lang="pt-BR" b="1" i="1" dirty="0" smtClean="0"/>
+                  <a:t> </a:t>
+                </a:r>
+                <a:r>
+                  <a:rPr lang="pt-BR" dirty="0" smtClean="0"/>
+                  <a:t>uma das </a:t>
+                </a:r>
+                <a14:m>
+                  <m:oMath xmlns:m="http://schemas.openxmlformats.org/officeDocument/2006/math">
+                    <m:r>
+                      <a:rPr lang="pt-BR" i="1">
+                        <a:latin typeface="Cambria Math" panose="02040503050406030204" pitchFamily="18" charset="0"/>
+                      </a:rPr>
+                      <m:t>𝑄</m:t>
+                    </m:r>
+                  </m:oMath>
+                </a14:m>
+                <a:r>
+                  <a:rPr lang="pt-BR" dirty="0"/>
+                  <a:t> classes </a:t>
+                </a:r>
+                <a:r>
+                  <a:rPr lang="pt-BR" dirty="0" smtClean="0"/>
+                  <a:t>possíveis, </a:t>
+                </a:r>
+                <a14:m>
+                  <m:oMath xmlns:m="http://schemas.openxmlformats.org/officeDocument/2006/math">
+                    <m:sSub>
+                      <m:sSubPr>
+                        <m:ctrlPr>
+                          <a:rPr lang="pt-BR" i="1">
+                            <a:latin typeface="Cambria Math" panose="02040503050406030204" pitchFamily="18" charset="0"/>
+                          </a:rPr>
+                        </m:ctrlPr>
+                      </m:sSubPr>
+                      <m:e>
+                        <m:r>
+                          <a:rPr lang="pt-BR" i="1">
+                            <a:latin typeface="Cambria Math" panose="02040503050406030204" pitchFamily="18" charset="0"/>
+                          </a:rPr>
+                          <m:t>𝐶</m:t>
+                        </m:r>
+                      </m:e>
+                      <m:sub>
+                        <m:r>
+                          <a:rPr lang="pt-BR" i="1">
+                            <a:latin typeface="Cambria Math" panose="02040503050406030204" pitchFamily="18" charset="0"/>
+                          </a:rPr>
+                          <m:t>𝑞</m:t>
+                        </m:r>
+                      </m:sub>
+                    </m:sSub>
+                    <m:r>
+                      <a:rPr lang="pt-BR" i="1">
+                        <a:latin typeface="Cambria Math" panose="02040503050406030204" pitchFamily="18" charset="0"/>
+                      </a:rPr>
+                      <m:t>,</m:t>
+                    </m:r>
+                    <m:r>
+                      <a:rPr lang="pt-BR" i="1">
+                        <a:latin typeface="Cambria Math" panose="02040503050406030204" pitchFamily="18" charset="0"/>
+                      </a:rPr>
+                      <m:t>𝑞</m:t>
+                    </m:r>
+                    <m:r>
+                      <a:rPr lang="pt-BR" i="1">
+                        <a:latin typeface="Cambria Math" panose="02040503050406030204" pitchFamily="18" charset="0"/>
+                      </a:rPr>
+                      <m:t>=1,…,</m:t>
+                    </m:r>
+                    <m:r>
+                      <a:rPr lang="pt-BR" i="1">
+                        <a:latin typeface="Cambria Math" panose="02040503050406030204" pitchFamily="18" charset="0"/>
+                      </a:rPr>
+                      <m:t>𝑄</m:t>
+                    </m:r>
+                  </m:oMath>
+                </a14:m>
+                <a:r>
+                  <a:rPr lang="pt-BR" dirty="0" smtClean="0"/>
+                  <a:t> </a:t>
+                </a:r>
+                <a:r>
+                  <a:rPr lang="pt-BR" smtClean="0"/>
+                  <a:t>e a qual o exemplo pertence.</a:t>
+                </a:r>
+                <a:endParaRPr lang="pt-BR" dirty="0"/>
+              </a:p>
+              <a:p>
+                <a:pPr lvl="1">
+                  <a:buFont typeface="Wingdings" panose="05000000000000000000" pitchFamily="2" charset="2"/>
+                  <a:buChar char="§"/>
+                </a:pPr>
+                <a:r>
+                  <a:rPr lang="pt-BR" dirty="0"/>
+                  <a:t>As classes podem ser </a:t>
+                </a:r>
+              </a:p>
+              <a:p>
+                <a:pPr lvl="2">
+                  <a:buFont typeface="Courier New" panose="02070309020205020404" pitchFamily="49" charset="0"/>
+                  <a:buChar char="o"/>
+                </a:pPr>
+                <a:r>
+                  <a:rPr lang="pt-BR" dirty="0"/>
+                  <a:t>Spam e not spam (ham).</a:t>
+                </a:r>
+              </a:p>
+              <a:p>
+                <a:pPr lvl="2">
+                  <a:buFont typeface="Courier New" panose="02070309020205020404" pitchFamily="49" charset="0"/>
+                  <a:buChar char="o"/>
+                </a:pPr>
+                <a:r>
+                  <a:rPr lang="pt-BR" dirty="0"/>
+                  <a:t>Dígitos de 0 a 9.</a:t>
+                </a:r>
+              </a:p>
+              <a:p>
+                <a:pPr lvl="2">
+                  <a:buFont typeface="Courier New" panose="02070309020205020404" pitchFamily="49" charset="0"/>
+                  <a:buChar char="o"/>
+                </a:pPr>
+                <a:r>
+                  <a:rPr lang="pt-BR" dirty="0"/>
+                  <a:t>Símbolos de uma </a:t>
+                </a:r>
+                <a:r>
+                  <a:rPr lang="pt-BR" dirty="0" smtClean="0"/>
+                  <a:t>modulação </a:t>
+                </a:r>
+                <a:r>
+                  <a:rPr lang="pt-BR" dirty="0"/>
+                  <a:t>específica.</a:t>
+                </a:r>
+              </a:p>
+              <a:p>
+                <a:pPr lvl="2">
+                  <a:buFont typeface="Courier New" panose="02070309020205020404" pitchFamily="49" charset="0"/>
+                  <a:buChar char="o"/>
+                </a:pPr>
+                <a:r>
+                  <a:rPr lang="pt-BR" dirty="0"/>
+                  <a:t>Objetos (carros, </a:t>
+                </a:r>
+                <a:r>
+                  <a:rPr lang="pt-BR" dirty="0" smtClean="0"/>
+                  <a:t>cães, gatos, </a:t>
+                </a:r>
+                <a:r>
+                  <a:rPr lang="pt-BR" dirty="0"/>
+                  <a:t>etc.)</a:t>
+                </a:r>
+              </a:p>
+              <a:p>
+                <a:r>
+                  <a:rPr lang="pt-BR" dirty="0"/>
+                  <a:t>Semelhante ao problema da </a:t>
+                </a:r>
+                <a:r>
+                  <a:rPr lang="pt-BR" b="1" i="1" dirty="0"/>
+                  <a:t>regressão linear</a:t>
+                </a:r>
+                <a:r>
+                  <a:rPr lang="pt-BR" dirty="0"/>
+                  <a:t>, existe um conjunto de treinamento </a:t>
+                </a:r>
+                <a:r>
+                  <a:rPr lang="pt-BR" dirty="0" smtClean="0"/>
+                  <a:t>com </a:t>
+                </a:r>
+                <a14:m>
+                  <m:oMath xmlns:m="http://schemas.openxmlformats.org/officeDocument/2006/math">
+                    <m:r>
+                      <a:rPr lang="pt-BR" i="1">
+                        <a:latin typeface="Cambria Math" panose="02040503050406030204" pitchFamily="18" charset="0"/>
+                      </a:rPr>
+                      <m:t>𝑁</m:t>
+                    </m:r>
+                  </m:oMath>
+                </a14:m>
+                <a:r>
+                  <a:rPr lang="pt-BR" dirty="0" smtClean="0"/>
+                  <a:t> </a:t>
+                </a:r>
+                <a:r>
+                  <a:rPr lang="pt-BR" b="1" dirty="0"/>
+                  <a:t>exemplos</a:t>
+                </a:r>
+                <a:r>
+                  <a:rPr lang="pt-BR" dirty="0"/>
+                  <a:t> e </a:t>
+                </a:r>
+                <a:r>
+                  <a:rPr lang="pt-BR" b="1" dirty="0"/>
+                  <a:t>rótulos</a:t>
+                </a:r>
+                <a:r>
+                  <a:rPr lang="pt-BR" dirty="0"/>
+                  <a:t> </a:t>
+                </a:r>
+                <a14:m>
+                  <m:oMath xmlns:m="http://schemas.openxmlformats.org/officeDocument/2006/math">
+                    <m:sSubSup>
+                      <m:sSubSupPr>
+                        <m:ctrlPr>
+                          <a:rPr lang="pt-BR" i="1">
+                            <a:latin typeface="Cambria Math" panose="02040503050406030204" pitchFamily="18" charset="0"/>
+                          </a:rPr>
+                        </m:ctrlPr>
+                      </m:sSubSupPr>
+                      <m:e>
+                        <m:d>
+                          <m:dPr>
+                            <m:begChr m:val="{"/>
+                            <m:endChr m:val="}"/>
+                            <m:ctrlPr>
+                              <a:rPr lang="pt-BR" i="1">
+                                <a:latin typeface="Cambria Math" panose="02040503050406030204" pitchFamily="18" charset="0"/>
+                              </a:rPr>
+                            </m:ctrlPr>
+                          </m:dPr>
+                          <m:e>
+                            <m:r>
+                              <a:rPr lang="pt-BR" b="1" i="1">
+                                <a:latin typeface="Cambria Math" panose="02040503050406030204" pitchFamily="18" charset="0"/>
+                              </a:rPr>
+                              <m:t>𝒙</m:t>
+                            </m:r>
+                            <m:d>
+                              <m:dPr>
+                                <m:ctrlPr>
+                                  <a:rPr lang="pt-BR" i="1">
+                                    <a:latin typeface="Cambria Math" panose="02040503050406030204" pitchFamily="18" charset="0"/>
+                                  </a:rPr>
+                                </m:ctrlPr>
+                              </m:dPr>
+                              <m:e>
+                                <m:r>
+                                  <a:rPr lang="pt-BR" i="1">
+                                    <a:latin typeface="Cambria Math" panose="02040503050406030204" pitchFamily="18" charset="0"/>
+                                  </a:rPr>
+                                  <m:t>𝑖</m:t>
+                                </m:r>
+                              </m:e>
+                            </m:d>
+                            <m:r>
+                              <a:rPr lang="pt-BR" i="1">
+                                <a:latin typeface="Cambria Math" panose="02040503050406030204" pitchFamily="18" charset="0"/>
+                              </a:rPr>
+                              <m:t>;</m:t>
+                            </m:r>
+                            <m:r>
+                              <a:rPr lang="pt-BR" i="1">
+                                <a:latin typeface="Cambria Math" panose="02040503050406030204" pitchFamily="18" charset="0"/>
+                              </a:rPr>
+                              <m:t>𝑦</m:t>
+                            </m:r>
+                            <m:r>
+                              <a:rPr lang="pt-BR" i="1">
+                                <a:latin typeface="Cambria Math" panose="02040503050406030204" pitchFamily="18" charset="0"/>
+                              </a:rPr>
+                              <m:t>(</m:t>
+                            </m:r>
+                            <m:r>
+                              <a:rPr lang="pt-BR" i="1">
+                                <a:latin typeface="Cambria Math" panose="02040503050406030204" pitchFamily="18" charset="0"/>
+                              </a:rPr>
+                              <m:t>𝑖</m:t>
+                            </m:r>
+                            <m:r>
+                              <a:rPr lang="pt-BR" i="1">
+                                <a:latin typeface="Cambria Math" panose="02040503050406030204" pitchFamily="18" charset="0"/>
+                              </a:rPr>
+                              <m:t>)</m:t>
+                            </m:r>
+                          </m:e>
+                        </m:d>
+                      </m:e>
+                      <m:sub>
+                        <m:r>
+                          <a:rPr lang="pt-BR" i="1">
+                            <a:latin typeface="Cambria Math" panose="02040503050406030204" pitchFamily="18" charset="0"/>
+                          </a:rPr>
+                          <m:t>𝑖</m:t>
+                        </m:r>
+                        <m:r>
+                          <a:rPr lang="pt-BR" i="1">
+                            <a:latin typeface="Cambria Math" panose="02040503050406030204" pitchFamily="18" charset="0"/>
+                          </a:rPr>
+                          <m:t>=0</m:t>
+                        </m:r>
+                      </m:sub>
+                      <m:sup>
+                        <m:r>
+                          <a:rPr lang="pt-BR" i="1">
+                            <a:latin typeface="Cambria Math" panose="02040503050406030204" pitchFamily="18" charset="0"/>
+                          </a:rPr>
+                          <m:t>𝑁</m:t>
+                        </m:r>
+                        <m:r>
+                          <a:rPr lang="pt-BR" i="1">
+                            <a:latin typeface="Cambria Math" panose="02040503050406030204" pitchFamily="18" charset="0"/>
+                          </a:rPr>
+                          <m:t>−1</m:t>
+                        </m:r>
+                      </m:sup>
+                    </m:sSubSup>
+                  </m:oMath>
+                </a14:m>
+                <a:r>
+                  <a:rPr lang="pt-BR" dirty="0"/>
+                  <a:t> que é utilizado para treinar um </a:t>
+                </a:r>
+                <a:r>
+                  <a:rPr lang="pt-BR" b="1" i="1" dirty="0"/>
+                  <a:t>classificador</a:t>
+                </a:r>
+                <a:r>
+                  <a:rPr lang="pt-BR" dirty="0"/>
+                  <a:t>, </a:t>
+                </a:r>
+                <a:r>
+                  <a:rPr lang="pt-BR" dirty="0" smtClean="0"/>
+                  <a:t>onde</a:t>
+                </a:r>
+              </a:p>
+              <a:p>
+                <a:pPr lvl="1">
+                  <a:buFont typeface="Wingdings" panose="05000000000000000000" pitchFamily="2" charset="2"/>
+                  <a:buChar char="§"/>
+                </a:pPr>
+                <a14:m>
+                  <m:oMath xmlns:m="http://schemas.openxmlformats.org/officeDocument/2006/math">
+                    <m:r>
+                      <a:rPr lang="pt-BR" b="1" i="1">
+                        <a:latin typeface="Cambria Math" panose="02040503050406030204" pitchFamily="18" charset="0"/>
+                      </a:rPr>
+                      <m:t>𝒙</m:t>
+                    </m:r>
+                    <m:d>
+                      <m:dPr>
+                        <m:ctrlPr>
+                          <a:rPr lang="pt-BR" i="1">
+                            <a:latin typeface="Cambria Math" panose="02040503050406030204" pitchFamily="18" charset="0"/>
+                          </a:rPr>
+                        </m:ctrlPr>
+                      </m:dPr>
+                      <m:e>
+                        <m:r>
+                          <a:rPr lang="pt-BR" i="1">
+                            <a:latin typeface="Cambria Math" panose="02040503050406030204" pitchFamily="18" charset="0"/>
+                          </a:rPr>
+                          <m:t>𝑖</m:t>
+                        </m:r>
+                      </m:e>
+                    </m:d>
+                    <m:r>
+                      <a:rPr lang="pt-BR" i="1">
+                        <a:latin typeface="Cambria Math" panose="02040503050406030204" pitchFamily="18" charset="0"/>
+                      </a:rPr>
+                      <m:t>= </m:t>
+                    </m:r>
+                    <m:sSup>
+                      <m:sSupPr>
+                        <m:ctrlPr>
+                          <a:rPr lang="pt-BR" i="1">
+                            <a:latin typeface="Cambria Math" panose="02040503050406030204" pitchFamily="18" charset="0"/>
+                          </a:rPr>
+                        </m:ctrlPr>
+                      </m:sSupPr>
+                      <m:e>
+                        <m:d>
+                          <m:dPr>
+                            <m:begChr m:val="["/>
+                            <m:endChr m:val="]"/>
+                            <m:ctrlPr>
+                              <a:rPr lang="pt-BR" i="1">
+                                <a:latin typeface="Cambria Math" panose="02040503050406030204" pitchFamily="18" charset="0"/>
+                              </a:rPr>
+                            </m:ctrlPr>
+                          </m:dPr>
+                          <m:e>
+                            <m:m>
+                              <m:mPr>
+                                <m:mcs>
+                                  <m:mc>
+                                    <m:mcPr>
+                                      <m:count m:val="3"/>
+                                      <m:mcJc m:val="center"/>
+                                    </m:mcPr>
+                                  </m:mc>
+                                </m:mcs>
+                                <m:ctrlPr>
+                                  <a:rPr lang="pt-BR" i="1">
+                                    <a:latin typeface="Cambria Math" panose="02040503050406030204" pitchFamily="18" charset="0"/>
+                                  </a:rPr>
+                                </m:ctrlPr>
+                              </m:mPr>
+                              <m:mr>
+                                <m:e>
+                                  <m:sSub>
+                                    <m:sSubPr>
+                                      <m:ctrlPr>
+                                        <a:rPr lang="pt-BR" i="1">
+                                          <a:latin typeface="Cambria Math" panose="02040503050406030204" pitchFamily="18" charset="0"/>
+                                        </a:rPr>
+                                      </m:ctrlPr>
+                                    </m:sSubPr>
+                                    <m:e>
+                                      <m:r>
+                                        <a:rPr lang="pt-BR" i="1">
+                                          <a:latin typeface="Cambria Math" panose="02040503050406030204" pitchFamily="18" charset="0"/>
+                                        </a:rPr>
+                                        <m:t>𝑥</m:t>
+                                      </m:r>
+                                    </m:e>
+                                    <m:sub>
+                                      <m:r>
+                                        <a:rPr lang="pt-BR" i="1">
+                                          <a:latin typeface="Cambria Math" panose="02040503050406030204" pitchFamily="18" charset="0"/>
+                                        </a:rPr>
+                                        <m:t>1</m:t>
+                                      </m:r>
+                                    </m:sub>
+                                  </m:sSub>
+                                  <m:r>
+                                    <m:rPr>
+                                      <m:brk m:alnAt="7"/>
+                                    </m:rPr>
+                                    <a:rPr lang="pt-BR" i="1">
+                                      <a:latin typeface="Cambria Math" panose="02040503050406030204" pitchFamily="18" charset="0"/>
+                                    </a:rPr>
+                                    <m:t>(</m:t>
+                                  </m:r>
+                                  <m:r>
+                                    <a:rPr lang="pt-BR" i="1">
+                                      <a:latin typeface="Cambria Math" panose="02040503050406030204" pitchFamily="18" charset="0"/>
+                                    </a:rPr>
+                                    <m:t>𝑖</m:t>
+                                  </m:r>
+                                  <m:r>
+                                    <a:rPr lang="pt-BR" i="1">
+                                      <a:latin typeface="Cambria Math" panose="02040503050406030204" pitchFamily="18" charset="0"/>
+                                    </a:rPr>
+                                    <m:t>)</m:t>
+                                  </m:r>
+                                </m:e>
+                                <m:e>
+                                  <m:r>
+                                    <a:rPr lang="pt-BR" i="1">
+                                      <a:latin typeface="Cambria Math" panose="02040503050406030204" pitchFamily="18" charset="0"/>
+                                    </a:rPr>
+                                    <m:t>⋯</m:t>
+                                  </m:r>
+                                </m:e>
+                                <m:e>
+                                  <m:sSub>
+                                    <m:sSubPr>
+                                      <m:ctrlPr>
+                                        <a:rPr lang="pt-BR" i="1">
+                                          <a:latin typeface="Cambria Math" panose="02040503050406030204" pitchFamily="18" charset="0"/>
+                                        </a:rPr>
+                                      </m:ctrlPr>
+                                    </m:sSubPr>
+                                    <m:e>
+                                      <m:r>
+                                        <a:rPr lang="pt-BR" i="1">
+                                          <a:latin typeface="Cambria Math" panose="02040503050406030204" pitchFamily="18" charset="0"/>
+                                        </a:rPr>
+                                        <m:t>𝑥</m:t>
+                                      </m:r>
+                                    </m:e>
+                                    <m:sub>
+                                      <m:r>
+                                        <a:rPr lang="pt-BR" i="1">
+                                          <a:latin typeface="Cambria Math" panose="02040503050406030204" pitchFamily="18" charset="0"/>
+                                        </a:rPr>
+                                        <m:t>𝐾</m:t>
+                                      </m:r>
+                                    </m:sub>
+                                  </m:sSub>
+                                  <m:r>
+                                    <m:rPr>
+                                      <m:brk m:alnAt="7"/>
+                                    </m:rPr>
+                                    <a:rPr lang="pt-BR" i="1">
+                                      <a:latin typeface="Cambria Math" panose="02040503050406030204" pitchFamily="18" charset="0"/>
+                                    </a:rPr>
+                                    <m:t>(</m:t>
+                                  </m:r>
+                                  <m:r>
+                                    <a:rPr lang="pt-BR" i="1">
+                                      <a:latin typeface="Cambria Math" panose="02040503050406030204" pitchFamily="18" charset="0"/>
+                                    </a:rPr>
+                                    <m:t>𝑖</m:t>
+                                  </m:r>
+                                  <m:r>
+                                    <a:rPr lang="pt-BR" i="1">
+                                      <a:latin typeface="Cambria Math" panose="02040503050406030204" pitchFamily="18" charset="0"/>
+                                    </a:rPr>
+                                    <m:t>)</m:t>
+                                  </m:r>
+                                </m:e>
+                              </m:mr>
+                            </m:m>
+                          </m:e>
+                        </m:d>
+                      </m:e>
+                      <m:sup>
+                        <m:r>
+                          <a:rPr lang="pt-BR" i="1">
+                            <a:latin typeface="Cambria Math" panose="02040503050406030204" pitchFamily="18" charset="0"/>
+                          </a:rPr>
+                          <m:t>𝑇</m:t>
+                        </m:r>
+                      </m:sup>
+                    </m:sSup>
+                    <m:r>
+                      <a:rPr lang="pt-BR" i="1">
+                        <a:latin typeface="Cambria Math" panose="02040503050406030204" pitchFamily="18" charset="0"/>
+                        <a:ea typeface="Cambria Math" panose="02040503050406030204" pitchFamily="18" charset="0"/>
+                      </a:rPr>
+                      <m:t>∈</m:t>
+                    </m:r>
+                    <m:sSup>
+                      <m:sSupPr>
+                        <m:ctrlPr>
+                          <a:rPr lang="pt-BR" i="1">
+                            <a:latin typeface="Cambria Math" panose="02040503050406030204" pitchFamily="18" charset="0"/>
+                            <a:ea typeface="Cambria Math" panose="02040503050406030204" pitchFamily="18" charset="0"/>
+                          </a:rPr>
+                        </m:ctrlPr>
+                      </m:sSupPr>
+                      <m:e>
+                        <m:r>
+                          <a:rPr lang="pt-BR" i="1">
+                            <a:latin typeface="Cambria Math" panose="02040503050406030204" pitchFamily="18" charset="0"/>
+                            <a:ea typeface="Cambria Math" panose="02040503050406030204" pitchFamily="18" charset="0"/>
+                          </a:rPr>
+                          <m:t>ℝ</m:t>
+                        </m:r>
+                      </m:e>
+                      <m:sup>
+                        <m:r>
+                          <a:rPr lang="pt-BR" i="1">
+                            <a:latin typeface="Cambria Math" panose="02040503050406030204" pitchFamily="18" charset="0"/>
+                            <a:ea typeface="Cambria Math" panose="02040503050406030204" pitchFamily="18" charset="0"/>
+                          </a:rPr>
+                          <m:t>𝐾</m:t>
+                        </m:r>
+                        <m:r>
+                          <a:rPr lang="pt-BR" i="1">
+                            <a:latin typeface="Cambria Math" panose="02040503050406030204" pitchFamily="18" charset="0"/>
+                            <a:ea typeface="Cambria Math" panose="02040503050406030204" pitchFamily="18" charset="0"/>
+                          </a:rPr>
+                          <m:t>×1</m:t>
+                        </m:r>
+                      </m:sup>
+                    </m:sSup>
+                  </m:oMath>
+                </a14:m>
+                <a:r>
+                  <a:rPr lang="pt-BR" dirty="0"/>
+                  <a:t> representa o </a:t>
+                </a:r>
+                <a:r>
+                  <a:rPr lang="pt-BR" i="1" dirty="0"/>
+                  <a:t>i</a:t>
+                </a:r>
+                <a:r>
+                  <a:rPr lang="pt-BR" dirty="0"/>
+                  <a:t>-ésimo vetor exemplo de entrada, o qual é caraterizado por </a:t>
+                </a:r>
+                <a14:m>
+                  <m:oMath xmlns:m="http://schemas.openxmlformats.org/officeDocument/2006/math">
+                    <m:r>
+                      <a:rPr lang="pt-BR" i="1">
+                        <a:latin typeface="Cambria Math" panose="02040503050406030204" pitchFamily="18" charset="0"/>
+                      </a:rPr>
+                      <m:t>𝐾</m:t>
+                    </m:r>
+                  </m:oMath>
+                </a14:m>
+                <a:r>
+                  <a:rPr lang="pt-BR" dirty="0"/>
+                  <a:t> atributos, </a:t>
+                </a:r>
+                <a14:m>
+                  <m:oMath xmlns:m="http://schemas.openxmlformats.org/officeDocument/2006/math">
+                    <m:sSub>
+                      <m:sSubPr>
+                        <m:ctrlPr>
+                          <a:rPr lang="pt-BR" i="1">
+                            <a:latin typeface="Cambria Math" panose="02040503050406030204" pitchFamily="18" charset="0"/>
+                          </a:rPr>
+                        </m:ctrlPr>
+                      </m:sSubPr>
+                      <m:e>
+                        <m:r>
+                          <a:rPr lang="pt-BR" i="1">
+                            <a:latin typeface="Cambria Math" panose="02040503050406030204" pitchFamily="18" charset="0"/>
+                          </a:rPr>
+                          <m:t>𝑥</m:t>
+                        </m:r>
+                      </m:e>
+                      <m:sub>
+                        <m:r>
+                          <a:rPr lang="pt-BR" i="1">
+                            <a:latin typeface="Cambria Math" panose="02040503050406030204" pitchFamily="18" charset="0"/>
+                          </a:rPr>
+                          <m:t>1</m:t>
+                        </m:r>
+                      </m:sub>
+                    </m:sSub>
+                    <m:r>
+                      <a:rPr lang="pt-BR" b="0" i="1" smtClean="0">
+                        <a:latin typeface="Cambria Math" panose="02040503050406030204" pitchFamily="18" charset="0"/>
+                      </a:rPr>
+                      <m:t>(</m:t>
+                    </m:r>
+                    <m:r>
+                      <a:rPr lang="pt-BR" b="0" i="1" smtClean="0">
+                        <a:latin typeface="Cambria Math" panose="02040503050406030204" pitchFamily="18" charset="0"/>
+                      </a:rPr>
+                      <m:t>𝑖</m:t>
+                    </m:r>
+                    <m:r>
+                      <a:rPr lang="pt-BR" b="0" i="1" smtClean="0">
+                        <a:latin typeface="Cambria Math" panose="02040503050406030204" pitchFamily="18" charset="0"/>
+                      </a:rPr>
+                      <m:t>), …,</m:t>
+                    </m:r>
+                    <m:sSub>
+                      <m:sSubPr>
+                        <m:ctrlPr>
+                          <a:rPr lang="pt-BR" i="1">
+                            <a:latin typeface="Cambria Math" panose="02040503050406030204" pitchFamily="18" charset="0"/>
+                          </a:rPr>
+                        </m:ctrlPr>
+                      </m:sSubPr>
+                      <m:e>
+                        <m:r>
+                          <a:rPr lang="pt-BR" i="1">
+                            <a:latin typeface="Cambria Math" panose="02040503050406030204" pitchFamily="18" charset="0"/>
+                          </a:rPr>
+                          <m:t>𝑥</m:t>
+                        </m:r>
+                      </m:e>
+                      <m:sub>
+                        <m:r>
+                          <a:rPr lang="pt-BR" i="1">
+                            <a:latin typeface="Cambria Math" panose="02040503050406030204" pitchFamily="18" charset="0"/>
+                          </a:rPr>
+                          <m:t>𝐾</m:t>
+                        </m:r>
+                      </m:sub>
+                    </m:sSub>
+                    <m:r>
+                      <a:rPr lang="pt-BR" b="0" i="1" smtClean="0">
+                        <a:latin typeface="Cambria Math" panose="02040503050406030204" pitchFamily="18" charset="0"/>
+                      </a:rPr>
+                      <m:t>(</m:t>
+                    </m:r>
+                    <m:r>
+                      <a:rPr lang="pt-BR" b="0" i="1" smtClean="0">
+                        <a:latin typeface="Cambria Math" panose="02040503050406030204" pitchFamily="18" charset="0"/>
+                      </a:rPr>
+                      <m:t>𝑖</m:t>
+                    </m:r>
+                    <m:r>
+                      <a:rPr lang="pt-BR" b="0" i="1" smtClean="0">
+                        <a:latin typeface="Cambria Math" panose="02040503050406030204" pitchFamily="18" charset="0"/>
+                      </a:rPr>
+                      <m:t>)</m:t>
+                    </m:r>
+                  </m:oMath>
+                </a14:m>
+                <a:endParaRPr lang="pt-BR" dirty="0"/>
+              </a:p>
+              <a:p>
+                <a:pPr lvl="1">
+                  <a:buFont typeface="Wingdings" panose="05000000000000000000" pitchFamily="2" charset="2"/>
+                  <a:buChar char="§"/>
+                </a:pPr>
+                <a:r>
+                  <a:rPr lang="pt-BR" dirty="0"/>
+                  <a:t>e </a:t>
+                </a:r>
+                <a14:m>
+                  <m:oMath xmlns:m="http://schemas.openxmlformats.org/officeDocument/2006/math">
+                    <m:r>
+                      <a:rPr lang="pt-BR" i="1">
+                        <a:latin typeface="Cambria Math" panose="02040503050406030204" pitchFamily="18" charset="0"/>
+                      </a:rPr>
+                      <m:t>𝑦</m:t>
+                    </m:r>
+                    <m:d>
+                      <m:dPr>
+                        <m:ctrlPr>
+                          <a:rPr lang="pt-BR" i="1">
+                            <a:latin typeface="Cambria Math" panose="02040503050406030204" pitchFamily="18" charset="0"/>
+                          </a:rPr>
+                        </m:ctrlPr>
+                      </m:dPr>
+                      <m:e>
+                        <m:r>
+                          <a:rPr lang="pt-BR" i="1">
+                            <a:latin typeface="Cambria Math" panose="02040503050406030204" pitchFamily="18" charset="0"/>
+                          </a:rPr>
+                          <m:t>𝑖</m:t>
+                        </m:r>
+                      </m:e>
+                    </m:d>
+                  </m:oMath>
+                </a14:m>
+                <a:r>
+                  <a:rPr lang="pt-BR" dirty="0" smtClean="0"/>
+                  <a:t> representa </a:t>
+                </a:r>
+                <a:r>
+                  <a:rPr lang="pt-BR" dirty="0"/>
+                  <a:t>o </a:t>
+                </a:r>
+                <a:r>
+                  <a:rPr lang="pt-BR" i="1" dirty="0"/>
+                  <a:t>i</a:t>
+                </a:r>
+                <a:r>
+                  <a:rPr lang="pt-BR" dirty="0"/>
+                  <a:t>-ésimo </a:t>
+                </a:r>
+                <a:r>
+                  <a:rPr lang="pt-BR" b="1" i="1" dirty="0"/>
+                  <a:t>rótulo</a:t>
+                </a:r>
+                <a:r>
+                  <a:rPr lang="pt-BR" dirty="0"/>
+                  <a:t>. </a:t>
+                </a:r>
+                <a:endParaRPr lang="pt-BR" dirty="0" smtClean="0"/>
+              </a:p>
+              <a:p>
+                <a:pPr>
+                  <a:buFont typeface="Wingdings" panose="05000000000000000000" pitchFamily="2" charset="2"/>
+                  <a:buChar char="§"/>
+                </a:pPr>
+                <a:r>
+                  <a:rPr lang="pt-BR" dirty="0" smtClean="0"/>
+                  <a:t>Portanto, como </a:t>
+                </a:r>
+                <a:r>
+                  <a:rPr lang="pt-BR" dirty="0"/>
+                  <a:t>vocês </a:t>
+                </a:r>
+                <a:r>
+                  <a:rPr lang="pt-BR" dirty="0" smtClean="0"/>
+                  <a:t>já devem </a:t>
+                </a:r>
+                <a:r>
+                  <a:rPr lang="pt-BR" dirty="0"/>
+                  <a:t>ter percebido, </a:t>
+                </a:r>
+                <a:r>
+                  <a:rPr lang="pt-BR" b="1" i="1" dirty="0"/>
+                  <a:t>classificadores</a:t>
+                </a:r>
+                <a:r>
+                  <a:rPr lang="pt-BR" dirty="0"/>
+                  <a:t> são algoritmos de </a:t>
+                </a:r>
+                <a:r>
+                  <a:rPr lang="pt-BR" b="1" i="1" dirty="0"/>
+                  <a:t>treinamento supervisionado</a:t>
+                </a:r>
+                <a:r>
+                  <a:rPr lang="pt-BR" dirty="0" smtClean="0"/>
+                  <a:t>.</a:t>
+                </a:r>
+                <a:endParaRPr lang="pt-BR" dirty="0"/>
+              </a:p>
+            </p:txBody>
+          </p:sp>
+        </mc:Choice>
+        <mc:Fallback xmlns="">
+          <p:sp>
+            <p:nvSpPr>
+              <p:cNvPr id="3" name="Content Placeholder 2"/>
+              <p:cNvSpPr>
+                <a:spLocks noGrp="1" noRot="1" noChangeAspect="1" noMove="1" noResize="1" noEditPoints="1" noAdjustHandles="1" noChangeArrowheads="1" noChangeShapeType="1" noTextEdit="1"/>
+              </p:cNvSpPr>
+              <p:nvPr>
+                <p:ph idx="1"/>
+              </p:nvPr>
+            </p:nvSpPr>
+            <p:spPr>
+              <a:xfrm>
+                <a:off x="838199" y="1825624"/>
+                <a:ext cx="11085215" cy="5032375"/>
+              </a:xfrm>
+              <a:blipFill rotWithShape="0">
+                <a:blip r:embed="rId3"/>
+                <a:stretch>
+                  <a:fillRect l="-825" t="-3027" r="-1649"/>
+                </a:stretch>
+              </a:blipFill>
+            </p:spPr>
+            <p:txBody>
+              <a:bodyPr/>
+              <a:lstStyle/>
+              <a:p>
+                <a:r>
+                  <a:rPr lang="pt-BR">
+                    <a:noFill/>
+                  </a:rPr>
+                  <a:t> </a:t>
+                </a:r>
+              </a:p>
+            </p:txBody>
+          </p:sp>
+        </mc:Fallback>
+      </mc:AlternateContent>
+    </p:spTree>
+    <p:extLst>
+      <p:ext uri="{BB962C8B-B14F-4D97-AF65-F5344CB8AC3E}">
+        <p14:creationId xmlns:p14="http://schemas.microsoft.com/office/powerpoint/2010/main" val="1710935916"/>
+      </p:ext>
+    </p:extLst>
+  </p:cSld>
+  <p:clrMapOvr>
+    <a:masterClrMapping/>
+  </p:clrMapOvr>
+</p:sld>
+</file>
+
+<file path=ppt/slides/slide11.xml><?xml version="1.0" encoding="utf-8"?>
 <p:sld xmlns:a="http://schemas.openxmlformats.org/drawingml/2006/main" xmlns:r="http://schemas.openxmlformats.org/officeDocument/2006/relationships" xmlns:p="http://schemas.openxmlformats.org/presentationml/2006/main">
   <p:cSld>
     <p:spTree>
@@ -6435,7 +7409,7 @@
 </p:sld>
 </file>
 
-<file path=ppt/slides/slide11.xml><?xml version="1.0" encoding="utf-8"?>
+<file path=ppt/slides/slide12.xml><?xml version="1.0" encoding="utf-8"?>
 <p:sld xmlns:a="http://schemas.openxmlformats.org/drawingml/2006/main" xmlns:r="http://schemas.openxmlformats.org/officeDocument/2006/relationships" xmlns:p="http://schemas.openxmlformats.org/presentationml/2006/main">
   <p:cSld>
     <p:spTree>
@@ -7661,7 +8635,7 @@
 </p:sld>
 </file>
 
-<file path=ppt/slides/slide12.xml><?xml version="1.0" encoding="utf-8"?>
+<file path=ppt/slides/slide13.xml><?xml version="1.0" encoding="utf-8"?>
 <p:sld xmlns:a="http://schemas.openxmlformats.org/drawingml/2006/main" xmlns:r="http://schemas.openxmlformats.org/officeDocument/2006/relationships" xmlns:p="http://schemas.openxmlformats.org/presentationml/2006/main">
   <p:cSld>
     <p:spTree>
@@ -8881,7 +9855,7 @@
 </p:sld>
 </file>
 
-<file path=ppt/slides/slide13.xml><?xml version="1.0" encoding="utf-8"?>
+<file path=ppt/slides/slide14.xml><?xml version="1.0" encoding="utf-8"?>
 <p:sld xmlns:a="http://schemas.openxmlformats.org/drawingml/2006/main" xmlns:r="http://schemas.openxmlformats.org/officeDocument/2006/relationships" xmlns:p="http://schemas.openxmlformats.org/presentationml/2006/main">
   <p:cSld>
     <p:spTree>
@@ -9403,7 +10377,7 @@
 </p:sld>
 </file>
 
-<file path=ppt/slides/slide14.xml><?xml version="1.0" encoding="utf-8"?>
+<file path=ppt/slides/slide15.xml><?xml version="1.0" encoding="utf-8"?>
 <p:sld xmlns:a="http://schemas.openxmlformats.org/drawingml/2006/main" xmlns:r="http://schemas.openxmlformats.org/officeDocument/2006/relationships" xmlns:p="http://schemas.openxmlformats.org/presentationml/2006/main">
   <p:cSld>
     <p:spTree>
@@ -9662,7 +10636,7 @@
 </p:sld>
 </file>
 
-<file path=ppt/slides/slide15.xml><?xml version="1.0" encoding="utf-8"?>
+<file path=ppt/slides/slide16.xml><?xml version="1.0" encoding="utf-8"?>
 <p:sld xmlns:a="http://schemas.openxmlformats.org/drawingml/2006/main" xmlns:r="http://schemas.openxmlformats.org/officeDocument/2006/relationships" xmlns:p="http://schemas.openxmlformats.org/presentationml/2006/main">
   <p:cSld>
     <p:spTree>
@@ -10762,7 +11736,7 @@
 </p:sld>
 </file>
 
-<file path=ppt/slides/slide16.xml><?xml version="1.0" encoding="utf-8"?>
+<file path=ppt/slides/slide17.xml><?xml version="1.0" encoding="utf-8"?>
 <p:sld xmlns:a="http://schemas.openxmlformats.org/drawingml/2006/main" xmlns:r="http://schemas.openxmlformats.org/officeDocument/2006/relationships" xmlns:p="http://schemas.openxmlformats.org/presentationml/2006/main">
   <p:cSld>
     <p:spTree>
@@ -13354,7 +14328,7 @@
 </p:sld>
 </file>
 
-<file path=ppt/slides/slide17.xml><?xml version="1.0" encoding="utf-8"?>
+<file path=ppt/slides/slide18.xml><?xml version="1.0" encoding="utf-8"?>
 <p:sld xmlns:a="http://schemas.openxmlformats.org/drawingml/2006/main" xmlns:r="http://schemas.openxmlformats.org/officeDocument/2006/relationships" xmlns:p="http://schemas.openxmlformats.org/presentationml/2006/main">
   <p:cSld>
     <p:spTree>
@@ -16666,7 +17640,7 @@
 </p:sld>
 </file>
 
-<file path=ppt/slides/slide18.xml><?xml version="1.0" encoding="utf-8"?>
+<file path=ppt/slides/slide19.xml><?xml version="1.0" encoding="utf-8"?>
 <p:sld xmlns:a="http://schemas.openxmlformats.org/drawingml/2006/main" xmlns:r="http://schemas.openxmlformats.org/officeDocument/2006/relationships" xmlns:p="http://schemas.openxmlformats.org/presentationml/2006/main">
   <p:cSld>
     <p:spTree>
@@ -20800,7 +21774,231 @@
 </p:sld>
 </file>
 
-<file path=ppt/slides/slide19.xml><?xml version="1.0" encoding="utf-8"?>
+<file path=ppt/slides/slide2.xml><?xml version="1.0" encoding="utf-8"?>
+<p:sld xmlns:a="http://schemas.openxmlformats.org/drawingml/2006/main" xmlns:r="http://schemas.openxmlformats.org/officeDocument/2006/relationships" xmlns:p="http://schemas.openxmlformats.org/presentationml/2006/main">
+  <p:cSld>
+    <p:spTree>
+      <p:nvGrpSpPr>
+        <p:cNvPr id="1" name=""/>
+        <p:cNvGrpSpPr/>
+        <p:nvPr/>
+      </p:nvGrpSpPr>
+      <p:grpSpPr>
+        <a:xfrm>
+          <a:off x="0" y="0"/>
+          <a:ext cx="0" cy="0"/>
+          <a:chOff x="0" y="0"/>
+          <a:chExt cx="0" cy="0"/>
+        </a:xfrm>
+      </p:grpSpPr>
+      <p:sp>
+        <p:nvSpPr>
+          <p:cNvPr id="2" name="Title 1"/>
+          <p:cNvSpPr>
+            <a:spLocks noGrp="1"/>
+          </p:cNvSpPr>
+          <p:nvPr>
+            <p:ph type="title"/>
+          </p:nvPr>
+        </p:nvSpPr>
+        <p:spPr/>
+        <p:txBody>
+          <a:bodyPr/>
+          <a:lstStyle/>
+          <a:p>
+            <a:r>
+              <a:rPr lang="pt-BR" dirty="0" smtClean="0"/>
+              <a:t>A disciplina</a:t>
+            </a:r>
+            <a:endParaRPr lang="pt-BR" dirty="0"/>
+          </a:p>
+        </p:txBody>
+      </p:sp>
+      <p:sp>
+        <p:nvSpPr>
+          <p:cNvPr id="3" name="Content Placeholder 2"/>
+          <p:cNvSpPr>
+            <a:spLocks noGrp="1"/>
+          </p:cNvSpPr>
+          <p:nvPr>
+            <p:ph idx="1"/>
+          </p:nvPr>
+        </p:nvSpPr>
+        <p:spPr>
+          <a:xfrm>
+            <a:off x="838199" y="1825624"/>
+            <a:ext cx="11166695" cy="5032376"/>
+          </a:xfrm>
+        </p:spPr>
+        <p:txBody>
+          <a:bodyPr>
+            <a:normAutofit/>
+          </a:bodyPr>
+          <a:lstStyle/>
+          <a:p>
+            <a:r>
+              <a:rPr lang="pt-BR" dirty="0" smtClean="0"/>
+              <a:t>Continuação de </a:t>
+            </a:r>
+            <a:r>
+              <a:rPr lang="pt-BR" b="1" i="1" dirty="0" smtClean="0"/>
+              <a:t>T319 </a:t>
+            </a:r>
+            <a:r>
+              <a:rPr lang="pt-BR" b="1" i="1" dirty="0"/>
+              <a:t>- Introdução ao Aprendizado de Máquina </a:t>
+            </a:r>
+            <a:r>
+              <a:rPr lang="pt-BR" b="1" i="1" dirty="0" smtClean="0"/>
+              <a:t>I</a:t>
+            </a:r>
+            <a:r>
+              <a:rPr lang="pt-BR" dirty="0" smtClean="0"/>
+              <a:t>.</a:t>
+            </a:r>
+          </a:p>
+          <a:p>
+            <a:r>
+              <a:rPr lang="pt-BR" b="1" i="1" dirty="0" smtClean="0"/>
+              <a:t>Curso introdutório</a:t>
+            </a:r>
+            <a:r>
+              <a:rPr lang="pt-BR" dirty="0" smtClean="0"/>
+              <a:t> onde veremos os conceitos básicos de funcionamento dos seguintes algoritmos de </a:t>
+            </a:r>
+            <a:r>
+              <a:rPr lang="pt-BR" b="1" i="1" dirty="0" smtClean="0"/>
+              <a:t>machine </a:t>
+            </a:r>
+            <a:r>
+              <a:rPr lang="pt-BR" b="1" i="1" dirty="0"/>
+              <a:t>learning</a:t>
+            </a:r>
+            <a:r>
+              <a:rPr lang="pt-BR" dirty="0"/>
+              <a:t> </a:t>
+            </a:r>
+            <a:r>
+              <a:rPr lang="pt-BR" dirty="0" smtClean="0"/>
+              <a:t>(ML):</a:t>
+            </a:r>
+          </a:p>
+          <a:p>
+            <a:pPr lvl="1">
+              <a:buFont typeface="Wingdings" panose="05000000000000000000" pitchFamily="2" charset="2"/>
+              <a:buChar char="§"/>
+            </a:pPr>
+            <a:r>
+              <a:rPr lang="pt-BR" dirty="0" smtClean="0"/>
+              <a:t>Classificadores</a:t>
+            </a:r>
+          </a:p>
+          <a:p>
+            <a:pPr lvl="2">
+              <a:buFont typeface="Courier New" panose="02070309020205020404" pitchFamily="49" charset="0"/>
+              <a:buChar char="o"/>
+            </a:pPr>
+            <a:r>
+              <a:rPr lang="pt-BR" dirty="0" smtClean="0"/>
+              <a:t>Regressão Logística</a:t>
+            </a:r>
+          </a:p>
+          <a:p>
+            <a:pPr lvl="2">
+              <a:buFont typeface="Courier New" panose="02070309020205020404" pitchFamily="49" charset="0"/>
+              <a:buChar char="o"/>
+            </a:pPr>
+            <a:r>
+              <a:rPr lang="pt-BR" dirty="0" smtClean="0"/>
+              <a:t>Regressão Softmax</a:t>
+            </a:r>
+          </a:p>
+          <a:p>
+            <a:pPr lvl="1">
+              <a:buFont typeface="Wingdings" panose="05000000000000000000" pitchFamily="2" charset="2"/>
+              <a:buChar char="§"/>
+            </a:pPr>
+            <a:r>
+              <a:rPr lang="pt-BR" dirty="0" smtClean="0"/>
+              <a:t>Redes </a:t>
+            </a:r>
+            <a:r>
+              <a:rPr lang="pt-BR" dirty="0" smtClean="0"/>
+              <a:t>Neurais</a:t>
+            </a:r>
+          </a:p>
+          <a:p>
+            <a:pPr lvl="1">
+              <a:buFont typeface="Wingdings" panose="05000000000000000000" pitchFamily="2" charset="2"/>
+              <a:buChar char="§"/>
+            </a:pPr>
+            <a:r>
+              <a:rPr lang="pt-BR" dirty="0" smtClean="0"/>
+              <a:t>Clustering</a:t>
+            </a:r>
+          </a:p>
+          <a:p>
+            <a:pPr lvl="2">
+              <a:buFont typeface="Courier New" panose="02070309020205020404" pitchFamily="49" charset="0"/>
+              <a:buChar char="o"/>
+            </a:pPr>
+            <a:r>
+              <a:rPr lang="pt-BR" dirty="0"/>
+              <a:t>k</a:t>
+            </a:r>
+            <a:r>
+              <a:rPr lang="pt-BR" dirty="0" smtClean="0"/>
+              <a:t>-Means</a:t>
+            </a:r>
+          </a:p>
+          <a:p>
+            <a:r>
+              <a:rPr lang="pt-BR" dirty="0" smtClean="0"/>
+              <a:t>O curso terá sempre uma parte </a:t>
+            </a:r>
+            <a:r>
+              <a:rPr lang="pt-BR" b="1" i="1" dirty="0" smtClean="0"/>
+              <a:t>expositiva</a:t>
+            </a:r>
+            <a:r>
+              <a:rPr lang="pt-BR" dirty="0" smtClean="0"/>
+              <a:t> e outra </a:t>
+            </a:r>
+            <a:r>
+              <a:rPr lang="pt-BR" b="1" i="1" dirty="0" smtClean="0"/>
+              <a:t>prática</a:t>
+            </a:r>
+            <a:r>
+              <a:rPr lang="pt-BR" dirty="0" smtClean="0"/>
+              <a:t> para fixação dos conceitos introduzidos.</a:t>
+            </a:r>
+          </a:p>
+          <a:p>
+            <a:pPr lvl="1">
+              <a:buFont typeface="Wingdings" panose="05000000000000000000" pitchFamily="2" charset="2"/>
+              <a:buChar char="§"/>
+            </a:pPr>
+            <a:r>
+              <a:rPr lang="pt-BR" dirty="0" smtClean="0"/>
+              <a:t> Quizzes e exercícios envolvendo o uso dos algoritmos discutidos.</a:t>
+            </a:r>
+          </a:p>
+        </p:txBody>
+      </p:sp>
+    </p:spTree>
+    <p:extLst>
+      <p:ext uri="{BB962C8B-B14F-4D97-AF65-F5344CB8AC3E}">
+        <p14:creationId xmlns:p14="http://schemas.microsoft.com/office/powerpoint/2010/main" val="193916927"/>
+      </p:ext>
+    </p:extLst>
+  </p:cSld>
+  <p:clrMapOvr>
+    <a:masterClrMapping/>
+  </p:clrMapOvr>
+</p:sld>
+</file>
+
+<file path=ppt/slides/slide20.xml><?xml version="1.0" encoding="utf-8"?>
 <p:sld xmlns:a="http://schemas.openxmlformats.org/drawingml/2006/main" xmlns:r="http://schemas.openxmlformats.org/officeDocument/2006/relationships" xmlns:p="http://schemas.openxmlformats.org/presentationml/2006/main">
   <p:cSld>
     <p:spTree>
@@ -20984,237 +22182,7 @@
 </p:sld>
 </file>
 
-<file path=ppt/slides/slide2.xml><?xml version="1.0" encoding="utf-8"?>
-<p:sld xmlns:a="http://schemas.openxmlformats.org/drawingml/2006/main" xmlns:r="http://schemas.openxmlformats.org/officeDocument/2006/relationships" xmlns:p="http://schemas.openxmlformats.org/presentationml/2006/main">
-  <p:cSld>
-    <p:spTree>
-      <p:nvGrpSpPr>
-        <p:cNvPr id="1" name=""/>
-        <p:cNvGrpSpPr/>
-        <p:nvPr/>
-      </p:nvGrpSpPr>
-      <p:grpSpPr>
-        <a:xfrm>
-          <a:off x="0" y="0"/>
-          <a:ext cx="0" cy="0"/>
-          <a:chOff x="0" y="0"/>
-          <a:chExt cx="0" cy="0"/>
-        </a:xfrm>
-      </p:grpSpPr>
-      <p:sp>
-        <p:nvSpPr>
-          <p:cNvPr id="2" name="Title 1"/>
-          <p:cNvSpPr>
-            <a:spLocks noGrp="1"/>
-          </p:cNvSpPr>
-          <p:nvPr>
-            <p:ph type="title"/>
-          </p:nvPr>
-        </p:nvSpPr>
-        <p:spPr/>
-        <p:txBody>
-          <a:bodyPr/>
-          <a:lstStyle/>
-          <a:p>
-            <a:r>
-              <a:rPr lang="pt-BR" dirty="0" smtClean="0"/>
-              <a:t>A disciplina</a:t>
-            </a:r>
-            <a:endParaRPr lang="pt-BR" dirty="0"/>
-          </a:p>
-        </p:txBody>
-      </p:sp>
-      <p:sp>
-        <p:nvSpPr>
-          <p:cNvPr id="3" name="Content Placeholder 2"/>
-          <p:cNvSpPr>
-            <a:spLocks noGrp="1"/>
-          </p:cNvSpPr>
-          <p:nvPr>
-            <p:ph idx="1"/>
-          </p:nvPr>
-        </p:nvSpPr>
-        <p:spPr>
-          <a:xfrm>
-            <a:off x="838199" y="1825624"/>
-            <a:ext cx="11166695" cy="5032376"/>
-          </a:xfrm>
-        </p:spPr>
-        <p:txBody>
-          <a:bodyPr>
-            <a:normAutofit lnSpcReduction="10000"/>
-          </a:bodyPr>
-          <a:lstStyle/>
-          <a:p>
-            <a:r>
-              <a:rPr lang="pt-BR" dirty="0" smtClean="0"/>
-              <a:t>Continuação de </a:t>
-            </a:r>
-            <a:r>
-              <a:rPr lang="pt-BR" b="1" i="1" dirty="0" smtClean="0"/>
-              <a:t>T319 </a:t>
-            </a:r>
-            <a:r>
-              <a:rPr lang="pt-BR" b="1" i="1" dirty="0"/>
-              <a:t>- Introdução ao Aprendizado de Máquina </a:t>
-            </a:r>
-            <a:r>
-              <a:rPr lang="pt-BR" b="1" i="1" dirty="0" smtClean="0"/>
-              <a:t>I</a:t>
-            </a:r>
-            <a:r>
-              <a:rPr lang="pt-BR" dirty="0" smtClean="0"/>
-              <a:t>.</a:t>
-            </a:r>
-          </a:p>
-          <a:p>
-            <a:r>
-              <a:rPr lang="pt-BR" b="1" i="1" dirty="0" smtClean="0"/>
-              <a:t>Curso introdutório</a:t>
-            </a:r>
-            <a:r>
-              <a:rPr lang="pt-BR" dirty="0" smtClean="0"/>
-              <a:t> onde veremos os conceitos básicos de funcionamento dos seguintes algoritmos de </a:t>
-            </a:r>
-            <a:r>
-              <a:rPr lang="pt-BR" b="1" i="1" dirty="0" smtClean="0"/>
-              <a:t>machine </a:t>
-            </a:r>
-            <a:r>
-              <a:rPr lang="pt-BR" b="1" i="1" dirty="0"/>
-              <a:t>learning</a:t>
-            </a:r>
-            <a:r>
-              <a:rPr lang="pt-BR" dirty="0"/>
-              <a:t> </a:t>
-            </a:r>
-            <a:r>
-              <a:rPr lang="pt-BR" dirty="0" smtClean="0"/>
-              <a:t>(ML):</a:t>
-            </a:r>
-          </a:p>
-          <a:p>
-            <a:pPr lvl="1">
-              <a:buFont typeface="Wingdings" panose="05000000000000000000" pitchFamily="2" charset="2"/>
-              <a:buChar char="§"/>
-            </a:pPr>
-            <a:r>
-              <a:rPr lang="pt-BR" dirty="0" smtClean="0"/>
-              <a:t>Classificadores</a:t>
-            </a:r>
-          </a:p>
-          <a:p>
-            <a:pPr lvl="2">
-              <a:buFont typeface="Courier New" panose="02070309020205020404" pitchFamily="49" charset="0"/>
-              <a:buChar char="o"/>
-            </a:pPr>
-            <a:r>
-              <a:rPr lang="pt-BR" dirty="0" smtClean="0"/>
-              <a:t>Regressão Logística</a:t>
-            </a:r>
-          </a:p>
-          <a:p>
-            <a:pPr lvl="2">
-              <a:buFont typeface="Courier New" panose="02070309020205020404" pitchFamily="49" charset="0"/>
-              <a:buChar char="o"/>
-            </a:pPr>
-            <a:r>
-              <a:rPr lang="pt-BR" dirty="0" smtClean="0"/>
-              <a:t>Regressão Softmax</a:t>
-            </a:r>
-          </a:p>
-          <a:p>
-            <a:pPr lvl="2">
-              <a:buFont typeface="Courier New" panose="02070309020205020404" pitchFamily="49" charset="0"/>
-              <a:buChar char="o"/>
-            </a:pPr>
-            <a:r>
-              <a:rPr lang="pt-BR" dirty="0" smtClean="0"/>
-              <a:t>k-Vizinhos mais Próximos</a:t>
-            </a:r>
-          </a:p>
-          <a:p>
-            <a:pPr lvl="1">
-              <a:buFont typeface="Wingdings" panose="05000000000000000000" pitchFamily="2" charset="2"/>
-              <a:buChar char="§"/>
-            </a:pPr>
-            <a:r>
-              <a:rPr lang="pt-BR" dirty="0" smtClean="0"/>
-              <a:t>Redes Neurais</a:t>
-            </a:r>
-          </a:p>
-          <a:p>
-            <a:pPr lvl="1">
-              <a:buFont typeface="Wingdings" panose="05000000000000000000" pitchFamily="2" charset="2"/>
-              <a:buChar char="§"/>
-            </a:pPr>
-            <a:r>
-              <a:rPr lang="pt-BR" dirty="0" smtClean="0"/>
-              <a:t>Clustering</a:t>
-            </a:r>
-          </a:p>
-          <a:p>
-            <a:pPr lvl="2">
-              <a:buFont typeface="Courier New" panose="02070309020205020404" pitchFamily="49" charset="0"/>
-              <a:buChar char="o"/>
-            </a:pPr>
-            <a:r>
-              <a:rPr lang="pt-BR" dirty="0"/>
-              <a:t>k</a:t>
-            </a:r>
-            <a:r>
-              <a:rPr lang="pt-BR" dirty="0" smtClean="0"/>
-              <a:t>-Means</a:t>
-            </a:r>
-          </a:p>
-          <a:p>
-            <a:r>
-              <a:rPr lang="pt-BR" dirty="0" smtClean="0"/>
-              <a:t>O curso terá sempre uma parte </a:t>
-            </a:r>
-            <a:r>
-              <a:rPr lang="pt-BR" b="1" i="1" dirty="0" smtClean="0"/>
-              <a:t>expositiva</a:t>
-            </a:r>
-            <a:r>
-              <a:rPr lang="pt-BR" dirty="0" smtClean="0"/>
-              <a:t> e outra </a:t>
-            </a:r>
-            <a:r>
-              <a:rPr lang="pt-BR" b="1" i="1" dirty="0" smtClean="0"/>
-              <a:t>prática</a:t>
-            </a:r>
-            <a:r>
-              <a:rPr lang="pt-BR" dirty="0" smtClean="0"/>
-              <a:t> para fixação dos conceitos introduzidos.</a:t>
-            </a:r>
-          </a:p>
-          <a:p>
-            <a:pPr lvl="1">
-              <a:buFont typeface="Wingdings" panose="05000000000000000000" pitchFamily="2" charset="2"/>
-              <a:buChar char="§"/>
-            </a:pPr>
-            <a:r>
-              <a:rPr lang="pt-BR" dirty="0" smtClean="0"/>
-              <a:t> Quizzes e exercícios envolvendo o uso dos algoritmos discutidos.</a:t>
-            </a:r>
-          </a:p>
-        </p:txBody>
-      </p:sp>
-    </p:spTree>
-    <p:extLst>
-      <p:ext uri="{BB962C8B-B14F-4D97-AF65-F5344CB8AC3E}">
-        <p14:creationId xmlns:p14="http://schemas.microsoft.com/office/powerpoint/2010/main" val="193916927"/>
-      </p:ext>
-    </p:extLst>
-  </p:cSld>
-  <p:clrMapOvr>
-    <a:masterClrMapping/>
-  </p:clrMapOvr>
-</p:sld>
-</file>
-
-<file path=ppt/slides/slide20.xml><?xml version="1.0" encoding="utf-8"?>
+<file path=ppt/slides/slide21.xml><?xml version="1.0" encoding="utf-8"?>
 <p:sld xmlns:a="http://schemas.openxmlformats.org/drawingml/2006/main" xmlns:r="http://schemas.openxmlformats.org/officeDocument/2006/relationships" xmlns:p="http://schemas.openxmlformats.org/presentationml/2006/main">
   <p:cSld>
     <p:spTree>
@@ -21236,7 +22204,7 @@
           <p:cNvPr id="4" name="Título 1">
             <a:extLst>
               <a:ext uri="{FF2B5EF4-FFF2-40B4-BE49-F238E27FC236}">
-                <a16:creationId xmlns="" xmlns:a16="http://schemas.microsoft.com/office/drawing/2014/main" id="{32666AC8-2E17-4DB4-B0F5-60C640CCFD2E}"/>
+                <a16:creationId xmlns:a16="http://schemas.microsoft.com/office/drawing/2014/main" xmlns="" id="{32666AC8-2E17-4DB4-B0F5-60C640CCFD2E}"/>
               </a:ext>
             </a:extLst>
           </p:cNvPr>
@@ -21307,7 +22275,7 @@
 </p:sld>
 </file>
 
-<file path=ppt/slides/slide21.xml><?xml version="1.0" encoding="utf-8"?>
+<file path=ppt/slides/slide22.xml><?xml version="1.0" encoding="utf-8"?>
 <p:sld xmlns:a="http://schemas.openxmlformats.org/drawingml/2006/main" xmlns:r="http://schemas.openxmlformats.org/officeDocument/2006/relationships" xmlns:p="http://schemas.openxmlformats.org/presentationml/2006/main">
   <p:cSld>
     <p:spTree>
@@ -25714,7 +26682,7 @@
 </p:sld>
 </file>
 
-<file path=ppt/slides/slide22.xml><?xml version="1.0" encoding="utf-8"?>
+<file path=ppt/slides/slide23.xml><?xml version="1.0" encoding="utf-8"?>
 <p:sld xmlns:a="http://schemas.openxmlformats.org/drawingml/2006/main" xmlns:r="http://schemas.openxmlformats.org/officeDocument/2006/relationships" xmlns:p="http://schemas.openxmlformats.org/presentationml/2006/main">
   <p:cSld>
     <p:spTree>
@@ -27386,7 +28354,7 @@
 </p:sld>
 </file>
 
-<file path=ppt/slides/slide23.xml><?xml version="1.0" encoding="utf-8"?>
+<file path=ppt/slides/slide24.xml><?xml version="1.0" encoding="utf-8"?>
 <p:sld xmlns:a="http://schemas.openxmlformats.org/drawingml/2006/main" xmlns:r="http://schemas.openxmlformats.org/officeDocument/2006/relationships" xmlns:p="http://schemas.openxmlformats.org/presentationml/2006/main">
   <p:cSld>
     <p:spTree>
@@ -30217,7 +31185,7 @@
           <p:cNvPr id="2" name="Título 1">
             <a:extLst>
               <a:ext uri="{FF2B5EF4-FFF2-40B4-BE49-F238E27FC236}">
-                <a16:creationId xmlns="" xmlns:a16="http://schemas.microsoft.com/office/drawing/2014/main" id="{C4F48192-B348-4C3E-8621-D3755D2230F8}"/>
+                <a16:creationId xmlns:a16="http://schemas.microsoft.com/office/drawing/2014/main" xmlns="" id="{C4F48192-B348-4C3E-8621-D3755D2230F8}"/>
               </a:ext>
             </a:extLst>
           </p:cNvPr>
@@ -30254,7 +31222,7 @@
           <p:cNvPr id="3" name="Espaço Reservado para Conteúdo 2">
             <a:extLst>
               <a:ext uri="{FF2B5EF4-FFF2-40B4-BE49-F238E27FC236}">
-                <a16:creationId xmlns="" xmlns:a16="http://schemas.microsoft.com/office/drawing/2014/main" id="{E3DECB90-AFD9-4AC6-A356-C93A7442A6E6}"/>
+                <a16:creationId xmlns:a16="http://schemas.microsoft.com/office/drawing/2014/main" xmlns="" id="{E3DECB90-AFD9-4AC6-A356-C93A7442A6E6}"/>
               </a:ext>
             </a:extLst>
           </p:cNvPr>
@@ -30408,7 +31376,7 @@
           <p:cNvPr id="3074" name="Picture 2" descr="Image result for machine learning">
             <a:extLst>
               <a:ext uri="{FF2B5EF4-FFF2-40B4-BE49-F238E27FC236}">
-                <a16:creationId xmlns="" xmlns:a16="http://schemas.microsoft.com/office/drawing/2014/main" id="{78A93243-9634-4B0E-B1B2-37A218EAEADD}"/>
+                <a16:creationId xmlns:a16="http://schemas.microsoft.com/office/drawing/2014/main" xmlns="" id="{78A93243-9634-4B0E-B1B2-37A218EAEADD}"/>
               </a:ext>
             </a:extLst>
           </p:cNvPr>
@@ -30585,8 +31553,31 @@
             </a:pPr>
             <a:r>
               <a:rPr lang="pt-BR" dirty="0" smtClean="0"/>
-              <a:t>Envolvendo questões teóricas e/ou práticas.</a:t>
+              <a:t>Envolvendo questões teóricas e/ou práticas</a:t>
             </a:r>
+            <a:r>
+              <a:rPr lang="pt-BR" dirty="0" smtClean="0"/>
+              <a:t>.</a:t>
+            </a:r>
+          </a:p>
+          <a:p>
+            <a:pPr lvl="1">
+              <a:buFont typeface="Wingdings" panose="05000000000000000000" pitchFamily="2" charset="2"/>
+              <a:buChar char="§"/>
+            </a:pPr>
+            <a:r>
+              <a:rPr lang="pt-BR" b="1" dirty="0" smtClean="0">
+                <a:solidFill>
+                  <a:srgbClr val="00B050"/>
+                </a:solidFill>
+              </a:rPr>
+              <a:t>Uma parte de cada trabalho será feita presencialmente</a:t>
+            </a:r>
+            <a:r>
+              <a:rPr lang="pt-BR" dirty="0" smtClean="0"/>
+              <a:t>.</a:t>
+            </a:r>
+            <a:endParaRPr lang="pt-BR" dirty="0" smtClean="0"/>
           </a:p>
           <a:p>
             <a:r>
@@ -30668,7 +31659,15 @@
             </a:r>
             <a:r>
               <a:rPr lang="pt-BR" dirty="0"/>
-              <a:t>favor, acompanhem suas presenças no portal.</a:t>
+              <a:t>favor, acompanhem </a:t>
+            </a:r>
+            <a:r>
+              <a:rPr lang="pt-BR" dirty="0" smtClean="0"/>
+              <a:t>a frequência no </a:t>
+            </a:r>
+            <a:r>
+              <a:rPr lang="pt-BR" dirty="0"/>
+              <a:t>portal.</a:t>
             </a:r>
           </a:p>
           <a:p>
@@ -30815,10 +31814,5014 @@
       </p:grpSpPr>
       <p:sp>
         <p:nvSpPr>
+          <p:cNvPr id="2" name="Título 1"/>
+          <p:cNvSpPr>
+            <a:spLocks noGrp="1"/>
+          </p:cNvSpPr>
+          <p:nvPr>
+            <p:ph type="title"/>
+          </p:nvPr>
+        </p:nvSpPr>
+        <p:spPr/>
+        <p:txBody>
+          <a:bodyPr/>
+          <a:lstStyle/>
+          <a:p>
+            <a:r>
+              <a:rPr lang="pt-BR" dirty="0" smtClean="0"/>
+              <a:t>Cronograma</a:t>
+            </a:r>
+            <a:endParaRPr lang="en-US" dirty="0"/>
+          </a:p>
+        </p:txBody>
+      </p:sp>
+      <p:graphicFrame>
+        <p:nvGraphicFramePr>
+          <p:cNvPr id="4" name="Tabela 3"/>
+          <p:cNvGraphicFramePr>
+            <a:graphicFrameLocks noGrp="1"/>
+          </p:cNvGraphicFramePr>
+          <p:nvPr>
+            <p:extLst>
+              <p:ext uri="{D42A27DB-BD31-4B8C-83A1-F6EECF244321}">
+                <p14:modId xmlns:p14="http://schemas.microsoft.com/office/powerpoint/2010/main" val="1749586210"/>
+              </p:ext>
+            </p:extLst>
+          </p:nvPr>
+        </p:nvGraphicFramePr>
+        <p:xfrm>
+          <a:off x="838200" y="1558925"/>
+          <a:ext cx="11049001" cy="4874395"/>
+        </p:xfrm>
+        <a:graphic>
+          <a:graphicData uri="http://schemas.openxmlformats.org/drawingml/2006/table">
+            <a:tbl>
+              <a:tblPr/>
+              <a:tblGrid>
+                <a:gridCol w="967543"/>
+                <a:gridCol w="1252623"/>
+                <a:gridCol w="1028015"/>
+                <a:gridCol w="1485744"/>
+                <a:gridCol w="6315076"/>
+              </a:tblGrid>
+              <a:tr h="123890">
+                <a:tc>
+                  <a:txBody>
+                    <a:bodyPr/>
+                    <a:lstStyle/>
+                    <a:p>
+                      <a:pPr algn="ctr" rtl="0" fontAlgn="b"/>
+                      <a:r>
+                        <a:rPr lang="en-US" sz="1400" b="1" dirty="0">
+                          <a:effectLst/>
+                        </a:rPr>
+                        <a:t>Aula</a:t>
+                      </a:r>
+                    </a:p>
+                  </a:txBody>
+                  <a:tcPr marL="10288" marR="10288" marT="6859" marB="6859" anchor="b">
+                    <a:lnL w="9525" cap="flat" cmpd="sng" algn="ctr">
+                      <a:solidFill>
+                        <a:srgbClr val="000000"/>
+                      </a:solidFill>
+                      <a:prstDash val="solid"/>
+                      <a:round/>
+                      <a:headEnd type="none" w="med" len="med"/>
+                      <a:tailEnd type="none" w="med" len="med"/>
+                    </a:lnL>
+                    <a:lnR w="9525" cap="flat" cmpd="sng" algn="ctr">
+                      <a:solidFill>
+                        <a:srgbClr val="CCCCCC"/>
+                      </a:solidFill>
+                      <a:prstDash val="solid"/>
+                      <a:round/>
+                      <a:headEnd type="none" w="med" len="med"/>
+                      <a:tailEnd type="none" w="med" len="med"/>
+                    </a:lnR>
+                    <a:lnT w="9525" cap="flat" cmpd="sng" algn="ctr">
+                      <a:solidFill>
+                        <a:srgbClr val="CCCCCC"/>
+                      </a:solidFill>
+                      <a:prstDash val="solid"/>
+                      <a:round/>
+                      <a:headEnd type="none" w="med" len="med"/>
+                      <a:tailEnd type="none" w="med" len="med"/>
+                    </a:lnT>
+                    <a:lnB w="9525" cap="flat" cmpd="sng" algn="ctr">
+                      <a:solidFill>
+                        <a:srgbClr val="CCCCCC"/>
+                      </a:solidFill>
+                      <a:prstDash val="solid"/>
+                      <a:round/>
+                      <a:headEnd type="none" w="med" len="med"/>
+                      <a:tailEnd type="none" w="med" len="med"/>
+                    </a:lnB>
+                  </a:tcPr>
+                </a:tc>
+                <a:tc>
+                  <a:txBody>
+                    <a:bodyPr/>
+                    <a:lstStyle/>
+                    <a:p>
+                      <a:pPr algn="ctr" rtl="0" fontAlgn="b"/>
+                      <a:r>
+                        <a:rPr lang="en-US" sz="1400" b="1" dirty="0" smtClean="0">
+                          <a:effectLst/>
+                        </a:rPr>
+                        <a:t>Data</a:t>
+                      </a:r>
+                      <a:endParaRPr lang="en-US" sz="1400" b="1" dirty="0">
+                        <a:effectLst/>
+                      </a:endParaRPr>
+                    </a:p>
+                  </a:txBody>
+                  <a:tcPr marL="10288" marR="10288" marT="6859" marB="6859" anchor="b">
+                    <a:lnL w="9525" cap="flat" cmpd="sng" algn="ctr">
+                      <a:solidFill>
+                        <a:srgbClr val="CCCCCC"/>
+                      </a:solidFill>
+                      <a:prstDash val="solid"/>
+                      <a:round/>
+                      <a:headEnd type="none" w="med" len="med"/>
+                      <a:tailEnd type="none" w="med" len="med"/>
+                    </a:lnL>
+                    <a:lnR w="9525" cap="flat" cmpd="sng" algn="ctr">
+                      <a:solidFill>
+                        <a:srgbClr val="CCCCCC"/>
+                      </a:solidFill>
+                      <a:prstDash val="solid"/>
+                      <a:round/>
+                      <a:headEnd type="none" w="med" len="med"/>
+                      <a:tailEnd type="none" w="med" len="med"/>
+                    </a:lnR>
+                    <a:lnT w="9525" cap="flat" cmpd="sng" algn="ctr">
+                      <a:solidFill>
+                        <a:srgbClr val="CCCCCC"/>
+                      </a:solidFill>
+                      <a:prstDash val="solid"/>
+                      <a:round/>
+                      <a:headEnd type="none" w="med" len="med"/>
+                      <a:tailEnd type="none" w="med" len="med"/>
+                    </a:lnT>
+                    <a:lnB w="9525" cap="flat" cmpd="sng" algn="ctr">
+                      <a:solidFill>
+                        <a:srgbClr val="CCCCCC"/>
+                      </a:solidFill>
+                      <a:prstDash val="solid"/>
+                      <a:round/>
+                      <a:headEnd type="none" w="med" len="med"/>
+                      <a:tailEnd type="none" w="med" len="med"/>
+                    </a:lnB>
+                  </a:tcPr>
+                </a:tc>
+                <a:tc>
+                  <a:txBody>
+                    <a:bodyPr/>
+                    <a:lstStyle/>
+                    <a:p>
+                      <a:pPr algn="ctr" rtl="0" fontAlgn="b"/>
+                      <a:r>
+                        <a:rPr lang="pt-BR" sz="1400" b="1" dirty="0" smtClean="0">
+                          <a:effectLst/>
+                        </a:rPr>
+                        <a:t>Dia</a:t>
+                      </a:r>
+                      <a:endParaRPr lang="en-US" sz="1400" b="1" dirty="0">
+                        <a:effectLst/>
+                      </a:endParaRPr>
+                    </a:p>
+                  </a:txBody>
+                  <a:tcPr marL="10288" marR="10288" marT="6859" marB="6859" anchor="ctr">
+                    <a:lnL w="9525" cap="flat" cmpd="sng" algn="ctr">
+                      <a:solidFill>
+                        <a:srgbClr val="CCCCCC"/>
+                      </a:solidFill>
+                      <a:prstDash val="solid"/>
+                      <a:round/>
+                      <a:headEnd type="none" w="med" len="med"/>
+                      <a:tailEnd type="none" w="med" len="med"/>
+                    </a:lnL>
+                    <a:lnR w="9525" cap="flat" cmpd="sng" algn="ctr">
+                      <a:solidFill>
+                        <a:srgbClr val="CCCCCC"/>
+                      </a:solidFill>
+                      <a:prstDash val="solid"/>
+                      <a:round/>
+                      <a:headEnd type="none" w="med" len="med"/>
+                      <a:tailEnd type="none" w="med" len="med"/>
+                    </a:lnR>
+                    <a:lnT w="9525" cap="flat" cmpd="sng" algn="ctr">
+                      <a:solidFill>
+                        <a:srgbClr val="CCCCCC"/>
+                      </a:solidFill>
+                      <a:prstDash val="solid"/>
+                      <a:round/>
+                      <a:headEnd type="none" w="med" len="med"/>
+                      <a:tailEnd type="none" w="med" len="med"/>
+                    </a:lnT>
+                    <a:lnB w="9525" cap="flat" cmpd="sng" algn="ctr">
+                      <a:solidFill>
+                        <a:srgbClr val="CCCCCC"/>
+                      </a:solidFill>
+                      <a:prstDash val="solid"/>
+                      <a:round/>
+                      <a:headEnd type="none" w="med" len="med"/>
+                      <a:tailEnd type="none" w="med" len="med"/>
+                    </a:lnB>
+                  </a:tcPr>
+                </a:tc>
+                <a:tc>
+                  <a:txBody>
+                    <a:bodyPr/>
+                    <a:lstStyle/>
+                    <a:p>
+                      <a:pPr algn="ctr" rtl="0" fontAlgn="b"/>
+                      <a:r>
+                        <a:rPr lang="pt-BR" sz="1400" b="1" dirty="0" smtClean="0">
+                          <a:effectLst/>
+                        </a:rPr>
+                        <a:t>Horário</a:t>
+                      </a:r>
+                      <a:endParaRPr lang="en-US" sz="1400" b="1" dirty="0">
+                        <a:effectLst/>
+                      </a:endParaRPr>
+                    </a:p>
+                  </a:txBody>
+                  <a:tcPr marL="10288" marR="10288" marT="6859" marB="6859" anchor="ctr">
+                    <a:lnL w="9525" cap="flat" cmpd="sng" algn="ctr">
+                      <a:solidFill>
+                        <a:srgbClr val="CCCCCC"/>
+                      </a:solidFill>
+                      <a:prstDash val="solid"/>
+                      <a:round/>
+                      <a:headEnd type="none" w="med" len="med"/>
+                      <a:tailEnd type="none" w="med" len="med"/>
+                    </a:lnL>
+                    <a:lnR w="9525" cap="flat" cmpd="sng" algn="ctr">
+                      <a:solidFill>
+                        <a:srgbClr val="CCCCCC"/>
+                      </a:solidFill>
+                      <a:prstDash val="solid"/>
+                      <a:round/>
+                      <a:headEnd type="none" w="med" len="med"/>
+                      <a:tailEnd type="none" w="med" len="med"/>
+                    </a:lnR>
+                    <a:lnT w="9525" cap="flat" cmpd="sng" algn="ctr">
+                      <a:solidFill>
+                        <a:srgbClr val="CCCCCC"/>
+                      </a:solidFill>
+                      <a:prstDash val="solid"/>
+                      <a:round/>
+                      <a:headEnd type="none" w="med" len="med"/>
+                      <a:tailEnd type="none" w="med" len="med"/>
+                    </a:lnT>
+                    <a:lnB w="9525" cap="flat" cmpd="sng" algn="ctr">
+                      <a:solidFill>
+                        <a:srgbClr val="CCCCCC"/>
+                      </a:solidFill>
+                      <a:prstDash val="solid"/>
+                      <a:round/>
+                      <a:headEnd type="none" w="med" len="med"/>
+                      <a:tailEnd type="none" w="med" len="med"/>
+                    </a:lnB>
+                  </a:tcPr>
+                </a:tc>
+                <a:tc>
+                  <a:txBody>
+                    <a:bodyPr/>
+                    <a:lstStyle/>
+                    <a:p>
+                      <a:pPr algn="ctr" rtl="0" fontAlgn="b"/>
+                      <a:r>
+                        <a:rPr lang="en-US" sz="1400" b="1" dirty="0" err="1" smtClean="0">
+                          <a:effectLst/>
+                        </a:rPr>
+                        <a:t>Atividade</a:t>
+                      </a:r>
+                      <a:endParaRPr lang="en-US" sz="1400" b="1" dirty="0">
+                        <a:effectLst/>
+                      </a:endParaRPr>
+                    </a:p>
+                  </a:txBody>
+                  <a:tcPr marL="10288" marR="10288" marT="6859" marB="6859" anchor="b">
+                    <a:lnL w="9525" cap="flat" cmpd="sng" algn="ctr">
+                      <a:solidFill>
+                        <a:srgbClr val="CCCCCC"/>
+                      </a:solidFill>
+                      <a:prstDash val="solid"/>
+                      <a:round/>
+                      <a:headEnd type="none" w="med" len="med"/>
+                      <a:tailEnd type="none" w="med" len="med"/>
+                    </a:lnL>
+                    <a:lnR w="9525" cap="flat" cmpd="sng" algn="ctr">
+                      <a:solidFill>
+                        <a:srgbClr val="000000"/>
+                      </a:solidFill>
+                      <a:prstDash val="solid"/>
+                      <a:round/>
+                      <a:headEnd type="none" w="med" len="med"/>
+                      <a:tailEnd type="none" w="med" len="med"/>
+                    </a:lnR>
+                    <a:lnT w="9525" cap="flat" cmpd="sng" algn="ctr">
+                      <a:solidFill>
+                        <a:srgbClr val="CCCCCC"/>
+                      </a:solidFill>
+                      <a:prstDash val="solid"/>
+                      <a:round/>
+                      <a:headEnd type="none" w="med" len="med"/>
+                      <a:tailEnd type="none" w="med" len="med"/>
+                    </a:lnT>
+                    <a:lnB w="9525" cap="flat" cmpd="sng" algn="ctr">
+                      <a:solidFill>
+                        <a:srgbClr val="CCCCCC"/>
+                      </a:solidFill>
+                      <a:prstDash val="solid"/>
+                      <a:round/>
+                      <a:headEnd type="none" w="med" len="med"/>
+                      <a:tailEnd type="none" w="med" len="med"/>
+                    </a:lnB>
+                  </a:tcPr>
+                </a:tc>
+              </a:tr>
+              <a:tr h="232673">
+                <a:tc>
+                  <a:txBody>
+                    <a:bodyPr/>
+                    <a:lstStyle/>
+                    <a:p>
+                      <a:pPr algn="ctr" rtl="0" fontAlgn="b"/>
+                      <a:r>
+                        <a:rPr lang="en-US" sz="1400" dirty="0">
+                          <a:effectLst/>
+                        </a:rPr>
+                        <a:t>1</a:t>
+                      </a:r>
+                    </a:p>
+                  </a:txBody>
+                  <a:tcPr marL="10288" marR="10288" marT="6859" marB="6859" anchor="b">
+                    <a:lnL w="9525" cap="flat" cmpd="sng" algn="ctr">
+                      <a:solidFill>
+                        <a:srgbClr val="000000"/>
+                      </a:solidFill>
+                      <a:prstDash val="solid"/>
+                      <a:round/>
+                      <a:headEnd type="none" w="med" len="med"/>
+                      <a:tailEnd type="none" w="med" len="med"/>
+                    </a:lnL>
+                    <a:lnR w="9525" cap="flat" cmpd="sng" algn="ctr">
+                      <a:solidFill>
+                        <a:srgbClr val="CCCCCC"/>
+                      </a:solidFill>
+                      <a:prstDash val="solid"/>
+                      <a:round/>
+                      <a:headEnd type="none" w="med" len="med"/>
+                      <a:tailEnd type="none" w="med" len="med"/>
+                    </a:lnR>
+                    <a:lnT w="9525" cap="flat" cmpd="sng" algn="ctr">
+                      <a:solidFill>
+                        <a:srgbClr val="CCCCCC"/>
+                      </a:solidFill>
+                      <a:prstDash val="solid"/>
+                      <a:round/>
+                      <a:headEnd type="none" w="med" len="med"/>
+                      <a:tailEnd type="none" w="med" len="med"/>
+                    </a:lnT>
+                    <a:lnB w="9525" cap="flat" cmpd="sng" algn="ctr">
+                      <a:solidFill>
+                        <a:srgbClr val="CCCCCC"/>
+                      </a:solidFill>
+                      <a:prstDash val="solid"/>
+                      <a:round/>
+                      <a:headEnd type="none" w="med" len="med"/>
+                      <a:tailEnd type="none" w="med" len="med"/>
+                    </a:lnB>
+                  </a:tcPr>
+                </a:tc>
+                <a:tc>
+                  <a:txBody>
+                    <a:bodyPr/>
+                    <a:lstStyle/>
+                    <a:p>
+                      <a:pPr algn="ctr" rtl="0" fontAlgn="b"/>
+                      <a:r>
+                        <a:rPr lang="en-US" sz="1400" dirty="0">
+                          <a:effectLst/>
+                        </a:rPr>
+                        <a:t>30/7/2022</a:t>
+                      </a:r>
+                    </a:p>
+                  </a:txBody>
+                  <a:tcPr marL="10288" marR="10288" marT="6859" marB="6859" anchor="b">
+                    <a:lnL w="9525" cap="flat" cmpd="sng" algn="ctr">
+                      <a:solidFill>
+                        <a:srgbClr val="CCCCCC"/>
+                      </a:solidFill>
+                      <a:prstDash val="solid"/>
+                      <a:round/>
+                      <a:headEnd type="none" w="med" len="med"/>
+                      <a:tailEnd type="none" w="med" len="med"/>
+                    </a:lnL>
+                    <a:lnR w="9525" cap="flat" cmpd="sng" algn="ctr">
+                      <a:solidFill>
+                        <a:srgbClr val="CCCCCC"/>
+                      </a:solidFill>
+                      <a:prstDash val="solid"/>
+                      <a:round/>
+                      <a:headEnd type="none" w="med" len="med"/>
+                      <a:tailEnd type="none" w="med" len="med"/>
+                    </a:lnR>
+                    <a:lnT w="9525" cap="flat" cmpd="sng" algn="ctr">
+                      <a:solidFill>
+                        <a:srgbClr val="CCCCCC"/>
+                      </a:solidFill>
+                      <a:prstDash val="solid"/>
+                      <a:round/>
+                      <a:headEnd type="none" w="med" len="med"/>
+                      <a:tailEnd type="none" w="med" len="med"/>
+                    </a:lnT>
+                    <a:lnB w="9525" cap="flat" cmpd="sng" algn="ctr">
+                      <a:solidFill>
+                        <a:srgbClr val="CCCCCC"/>
+                      </a:solidFill>
+                      <a:prstDash val="solid"/>
+                      <a:round/>
+                      <a:headEnd type="none" w="med" len="med"/>
+                      <a:tailEnd type="none" w="med" len="med"/>
+                    </a:lnB>
+                  </a:tcPr>
+                </a:tc>
+                <a:tc rowSpan="20">
+                  <a:txBody>
+                    <a:bodyPr/>
+                    <a:lstStyle/>
+                    <a:p>
+                      <a:pPr algn="ctr" rtl="0" fontAlgn="b"/>
+                      <a:r>
+                        <a:rPr lang="pt-BR" sz="1400" dirty="0" smtClean="0">
+                          <a:effectLst/>
+                        </a:rPr>
+                        <a:t>Sábado</a:t>
+                      </a:r>
+                      <a:endParaRPr lang="en-US" sz="1400" dirty="0">
+                        <a:effectLst/>
+                      </a:endParaRPr>
+                    </a:p>
+                  </a:txBody>
+                  <a:tcPr marL="10288" marR="10288" marT="6859" marB="6859" anchor="ctr">
+                    <a:lnL w="9525" cap="flat" cmpd="sng" algn="ctr">
+                      <a:solidFill>
+                        <a:srgbClr val="CCCCCC"/>
+                      </a:solidFill>
+                      <a:prstDash val="solid"/>
+                      <a:round/>
+                      <a:headEnd type="none" w="med" len="med"/>
+                      <a:tailEnd type="none" w="med" len="med"/>
+                    </a:lnL>
+                    <a:lnR w="9525" cap="flat" cmpd="sng" algn="ctr">
+                      <a:solidFill>
+                        <a:srgbClr val="CCCCCC"/>
+                      </a:solidFill>
+                      <a:prstDash val="solid"/>
+                      <a:round/>
+                      <a:headEnd type="none" w="med" len="med"/>
+                      <a:tailEnd type="none" w="med" len="med"/>
+                    </a:lnR>
+                    <a:lnT w="9525" cap="flat" cmpd="sng" algn="ctr">
+                      <a:solidFill>
+                        <a:srgbClr val="CCCCCC"/>
+                      </a:solidFill>
+                      <a:prstDash val="solid"/>
+                      <a:round/>
+                      <a:headEnd type="none" w="med" len="med"/>
+                      <a:tailEnd type="none" w="med" len="med"/>
+                    </a:lnT>
+                    <a:lnB w="9525" cap="flat" cmpd="sng" algn="ctr">
+                      <a:solidFill>
+                        <a:srgbClr val="000000"/>
+                      </a:solidFill>
+                      <a:prstDash val="solid"/>
+                      <a:round/>
+                      <a:headEnd type="none" w="med" len="med"/>
+                      <a:tailEnd type="none" w="med" len="med"/>
+                    </a:lnB>
+                  </a:tcPr>
+                </a:tc>
+                <a:tc rowSpan="20">
+                  <a:txBody>
+                    <a:bodyPr/>
+                    <a:lstStyle/>
+                    <a:p>
+                      <a:pPr algn="ctr" rtl="0" fontAlgn="b"/>
+                      <a:r>
+                        <a:rPr lang="pt-BR" sz="1400" dirty="0" smtClean="0">
+                          <a:effectLst/>
+                        </a:rPr>
+                        <a:t>08:00 às 09:40</a:t>
+                      </a:r>
+                    </a:p>
+                  </a:txBody>
+                  <a:tcPr marL="10288" marR="10288" marT="6859" marB="6859" anchor="ctr">
+                    <a:lnL w="9525" cap="flat" cmpd="sng" algn="ctr">
+                      <a:solidFill>
+                        <a:srgbClr val="CCCCCC"/>
+                      </a:solidFill>
+                      <a:prstDash val="solid"/>
+                      <a:round/>
+                      <a:headEnd type="none" w="med" len="med"/>
+                      <a:tailEnd type="none" w="med" len="med"/>
+                    </a:lnL>
+                    <a:lnR w="9525" cap="flat" cmpd="sng" algn="ctr">
+                      <a:solidFill>
+                        <a:srgbClr val="CCCCCC"/>
+                      </a:solidFill>
+                      <a:prstDash val="solid"/>
+                      <a:round/>
+                      <a:headEnd type="none" w="med" len="med"/>
+                      <a:tailEnd type="none" w="med" len="med"/>
+                    </a:lnR>
+                    <a:lnT w="9525" cap="flat" cmpd="sng" algn="ctr">
+                      <a:solidFill>
+                        <a:srgbClr val="CCCCCC"/>
+                      </a:solidFill>
+                      <a:prstDash val="solid"/>
+                      <a:round/>
+                      <a:headEnd type="none" w="med" len="med"/>
+                      <a:tailEnd type="none" w="med" len="med"/>
+                    </a:lnT>
+                    <a:lnB w="9525" cap="flat" cmpd="sng" algn="ctr">
+                      <a:solidFill>
+                        <a:srgbClr val="000000"/>
+                      </a:solidFill>
+                      <a:prstDash val="solid"/>
+                      <a:round/>
+                      <a:headEnd type="none" w="med" len="med"/>
+                      <a:tailEnd type="none" w="med" len="med"/>
+                    </a:lnB>
+                  </a:tcPr>
+                </a:tc>
+                <a:tc>
+                  <a:txBody>
+                    <a:bodyPr/>
+                    <a:lstStyle/>
+                    <a:p>
+                      <a:pPr algn="ctr"/>
+                      <a:r>
+                        <a:rPr lang="pt-BR" sz="1400" dirty="0" smtClean="0"/>
+                        <a:t>Introdução</a:t>
+                      </a:r>
+                      <a:r>
+                        <a:rPr lang="pt-BR" sz="1400" baseline="0" dirty="0" smtClean="0"/>
+                        <a:t> ao Aprendizado de Máquina</a:t>
+                      </a:r>
+                      <a:endParaRPr lang="en-US" sz="1400" dirty="0"/>
+                    </a:p>
+                  </a:txBody>
+                  <a:tcPr marL="10288" marR="10288" marT="6859" marB="6859" anchor="b">
+                    <a:lnL w="9525" cap="flat" cmpd="sng" algn="ctr">
+                      <a:solidFill>
+                        <a:srgbClr val="CCCCCC"/>
+                      </a:solidFill>
+                      <a:prstDash val="solid"/>
+                      <a:round/>
+                      <a:headEnd type="none" w="med" len="med"/>
+                      <a:tailEnd type="none" w="med" len="med"/>
+                    </a:lnL>
+                    <a:lnR w="9525" cap="flat" cmpd="sng" algn="ctr">
+                      <a:solidFill>
+                        <a:srgbClr val="000000"/>
+                      </a:solidFill>
+                      <a:prstDash val="solid"/>
+                      <a:round/>
+                      <a:headEnd type="none" w="med" len="med"/>
+                      <a:tailEnd type="none" w="med" len="med"/>
+                    </a:lnR>
+                    <a:lnT w="9525" cap="flat" cmpd="sng" algn="ctr">
+                      <a:solidFill>
+                        <a:srgbClr val="CCCCCC"/>
+                      </a:solidFill>
+                      <a:prstDash val="solid"/>
+                      <a:round/>
+                      <a:headEnd type="none" w="med" len="med"/>
+                      <a:tailEnd type="none" w="med" len="med"/>
+                    </a:lnT>
+                    <a:lnB w="9525" cap="flat" cmpd="sng" algn="ctr">
+                      <a:solidFill>
+                        <a:srgbClr val="CCCCCC"/>
+                      </a:solidFill>
+                      <a:prstDash val="solid"/>
+                      <a:round/>
+                      <a:headEnd type="none" w="med" len="med"/>
+                      <a:tailEnd type="none" w="med" len="med"/>
+                    </a:lnB>
+                  </a:tcPr>
+                </a:tc>
+              </a:tr>
+              <a:tr h="123890">
+                <a:tc>
+                  <a:txBody>
+                    <a:bodyPr/>
+                    <a:lstStyle/>
+                    <a:p>
+                      <a:pPr algn="ctr" rtl="0" fontAlgn="b"/>
+                      <a:r>
+                        <a:rPr lang="en-US" sz="1400">
+                          <a:effectLst/>
+                        </a:rPr>
+                        <a:t>2</a:t>
+                      </a:r>
+                    </a:p>
+                  </a:txBody>
+                  <a:tcPr marL="10288" marR="10288" marT="6859" marB="6859" anchor="b">
+                    <a:lnL w="9525" cap="flat" cmpd="sng" algn="ctr">
+                      <a:solidFill>
+                        <a:srgbClr val="000000"/>
+                      </a:solidFill>
+                      <a:prstDash val="solid"/>
+                      <a:round/>
+                      <a:headEnd type="none" w="med" len="med"/>
+                      <a:tailEnd type="none" w="med" len="med"/>
+                    </a:lnL>
+                    <a:lnR w="9525" cap="flat" cmpd="sng" algn="ctr">
+                      <a:solidFill>
+                        <a:srgbClr val="CCCCCC"/>
+                      </a:solidFill>
+                      <a:prstDash val="solid"/>
+                      <a:round/>
+                      <a:headEnd type="none" w="med" len="med"/>
+                      <a:tailEnd type="none" w="med" len="med"/>
+                    </a:lnR>
+                    <a:lnT w="9525" cap="flat" cmpd="sng" algn="ctr">
+                      <a:solidFill>
+                        <a:srgbClr val="CCCCCC"/>
+                      </a:solidFill>
+                      <a:prstDash val="solid"/>
+                      <a:round/>
+                      <a:headEnd type="none" w="med" len="med"/>
+                      <a:tailEnd type="none" w="med" len="med"/>
+                    </a:lnT>
+                    <a:lnB w="9525" cap="flat" cmpd="sng" algn="ctr">
+                      <a:solidFill>
+                        <a:srgbClr val="CCCCCC"/>
+                      </a:solidFill>
+                      <a:prstDash val="solid"/>
+                      <a:round/>
+                      <a:headEnd type="none" w="med" len="med"/>
+                      <a:tailEnd type="none" w="med" len="med"/>
+                    </a:lnB>
+                  </a:tcPr>
+                </a:tc>
+                <a:tc>
+                  <a:txBody>
+                    <a:bodyPr/>
+                    <a:lstStyle/>
+                    <a:p>
+                      <a:pPr algn="ctr" rtl="0" fontAlgn="b"/>
+                      <a:r>
+                        <a:rPr lang="en-US" sz="1400" dirty="0">
+                          <a:effectLst/>
+                        </a:rPr>
+                        <a:t>6/8/2022</a:t>
+                      </a:r>
+                    </a:p>
+                  </a:txBody>
+                  <a:tcPr marL="10288" marR="10288" marT="6859" marB="6859" anchor="b">
+                    <a:lnL w="9525" cap="flat" cmpd="sng" algn="ctr">
+                      <a:solidFill>
+                        <a:srgbClr val="CCCCCC"/>
+                      </a:solidFill>
+                      <a:prstDash val="solid"/>
+                      <a:round/>
+                      <a:headEnd type="none" w="med" len="med"/>
+                      <a:tailEnd type="none" w="med" len="med"/>
+                    </a:lnL>
+                    <a:lnR w="9525" cap="flat" cmpd="sng" algn="ctr">
+                      <a:solidFill>
+                        <a:srgbClr val="CCCCCC"/>
+                      </a:solidFill>
+                      <a:prstDash val="solid"/>
+                      <a:round/>
+                      <a:headEnd type="none" w="med" len="med"/>
+                      <a:tailEnd type="none" w="med" len="med"/>
+                    </a:lnR>
+                    <a:lnT w="9525" cap="flat" cmpd="sng" algn="ctr">
+                      <a:solidFill>
+                        <a:srgbClr val="CCCCCC"/>
+                      </a:solidFill>
+                      <a:prstDash val="solid"/>
+                      <a:round/>
+                      <a:headEnd type="none" w="med" len="med"/>
+                      <a:tailEnd type="none" w="med" len="med"/>
+                    </a:lnT>
+                    <a:lnB w="9525" cap="flat" cmpd="sng" algn="ctr">
+                      <a:solidFill>
+                        <a:srgbClr val="CCCCCC"/>
+                      </a:solidFill>
+                      <a:prstDash val="solid"/>
+                      <a:round/>
+                      <a:headEnd type="none" w="med" len="med"/>
+                      <a:tailEnd type="none" w="med" len="med"/>
+                    </a:lnB>
+                  </a:tcPr>
+                </a:tc>
+                <a:tc vMerge="1">
+                  <a:txBody>
+                    <a:bodyPr/>
+                    <a:lstStyle/>
+                    <a:p>
+                      <a:pPr algn="ctr" rtl="0" fontAlgn="b"/>
+                      <a:endParaRPr lang="en-US" sz="1400" dirty="0">
+                        <a:effectLst/>
+                      </a:endParaRPr>
+                    </a:p>
+                  </a:txBody>
+                  <a:tcPr marL="10288" marR="10288" marT="6859" marB="6859" anchor="b">
+                    <a:lnL w="9525" cap="flat" cmpd="sng" algn="ctr">
+                      <a:solidFill>
+                        <a:srgbClr val="CCCCCC"/>
+                      </a:solidFill>
+                      <a:prstDash val="solid"/>
+                      <a:round/>
+                      <a:headEnd type="none" w="med" len="med"/>
+                      <a:tailEnd type="none" w="med" len="med"/>
+                    </a:lnL>
+                    <a:lnR w="9525" cap="flat" cmpd="sng" algn="ctr">
+                      <a:solidFill>
+                        <a:srgbClr val="CCCCCC"/>
+                      </a:solidFill>
+                      <a:prstDash val="solid"/>
+                      <a:round/>
+                      <a:headEnd type="none" w="med" len="med"/>
+                      <a:tailEnd type="none" w="med" len="med"/>
+                    </a:lnR>
+                    <a:lnT w="9525" cap="flat" cmpd="sng" algn="ctr">
+                      <a:solidFill>
+                        <a:srgbClr val="CCCCCC"/>
+                      </a:solidFill>
+                      <a:prstDash val="solid"/>
+                      <a:round/>
+                      <a:headEnd type="none" w="med" len="med"/>
+                      <a:tailEnd type="none" w="med" len="med"/>
+                    </a:lnT>
+                    <a:lnB w="9525" cap="flat" cmpd="sng" algn="ctr">
+                      <a:solidFill>
+                        <a:srgbClr val="CCCCCC"/>
+                      </a:solidFill>
+                      <a:prstDash val="solid"/>
+                      <a:round/>
+                      <a:headEnd type="none" w="med" len="med"/>
+                      <a:tailEnd type="none" w="med" len="med"/>
+                    </a:lnB>
+                  </a:tcPr>
+                </a:tc>
+                <a:tc vMerge="1">
+                  <a:txBody>
+                    <a:bodyPr/>
+                    <a:lstStyle/>
+                    <a:p>
+                      <a:endParaRPr lang="en-US"/>
+                    </a:p>
+                  </a:txBody>
+                  <a:tcPr/>
+                </a:tc>
+                <a:tc>
+                  <a:txBody>
+                    <a:bodyPr/>
+                    <a:lstStyle/>
+                    <a:p>
+                      <a:pPr marL="0" marR="0" lvl="0" indent="0" algn="ctr" defTabSz="914400" rtl="0" eaLnBrk="1" fontAlgn="auto" latinLnBrk="0" hangingPunct="1">
+                        <a:lnSpc>
+                          <a:spcPct val="100000"/>
+                        </a:lnSpc>
+                        <a:spcBef>
+                          <a:spcPts val="0"/>
+                        </a:spcBef>
+                        <a:spcAft>
+                          <a:spcPts val="0"/>
+                        </a:spcAft>
+                        <a:buClrTx/>
+                        <a:buSzTx/>
+                        <a:buFontTx/>
+                        <a:buNone/>
+                        <a:tabLst/>
+                        <a:defRPr/>
+                      </a:pPr>
+                      <a:r>
+                        <a:rPr lang="pt-BR" sz="1400" dirty="0" smtClean="0"/>
+                        <a:t>Introdução</a:t>
+                      </a:r>
+                      <a:r>
+                        <a:rPr lang="pt-BR" sz="1400" baseline="0" dirty="0" smtClean="0"/>
+                        <a:t> ao Aprendizado de Máquina</a:t>
+                      </a:r>
+                      <a:endParaRPr lang="en-US" sz="1400" dirty="0" smtClean="0"/>
+                    </a:p>
+                  </a:txBody>
+                  <a:tcPr marL="10288" marR="10288" marT="6859" marB="6859" anchor="b">
+                    <a:lnL w="9525" cap="flat" cmpd="sng" algn="ctr">
+                      <a:solidFill>
+                        <a:srgbClr val="CCCCCC"/>
+                      </a:solidFill>
+                      <a:prstDash val="solid"/>
+                      <a:round/>
+                      <a:headEnd type="none" w="med" len="med"/>
+                      <a:tailEnd type="none" w="med" len="med"/>
+                    </a:lnL>
+                    <a:lnR w="9525" cap="flat" cmpd="sng" algn="ctr">
+                      <a:solidFill>
+                        <a:srgbClr val="000000"/>
+                      </a:solidFill>
+                      <a:prstDash val="solid"/>
+                      <a:round/>
+                      <a:headEnd type="none" w="med" len="med"/>
+                      <a:tailEnd type="none" w="med" len="med"/>
+                    </a:lnR>
+                    <a:lnT w="9525" cap="flat" cmpd="sng" algn="ctr">
+                      <a:solidFill>
+                        <a:srgbClr val="CCCCCC"/>
+                      </a:solidFill>
+                      <a:prstDash val="solid"/>
+                      <a:round/>
+                      <a:headEnd type="none" w="med" len="med"/>
+                      <a:tailEnd type="none" w="med" len="med"/>
+                    </a:lnT>
+                    <a:lnB w="9525" cap="flat" cmpd="sng" algn="ctr">
+                      <a:solidFill>
+                        <a:srgbClr val="CCCCCC"/>
+                      </a:solidFill>
+                      <a:prstDash val="solid"/>
+                      <a:round/>
+                      <a:headEnd type="none" w="med" len="med"/>
+                      <a:tailEnd type="none" w="med" len="med"/>
+                    </a:lnB>
+                  </a:tcPr>
+                </a:tc>
+              </a:tr>
+              <a:tr h="232673">
+                <a:tc>
+                  <a:txBody>
+                    <a:bodyPr/>
+                    <a:lstStyle/>
+                    <a:p>
+                      <a:pPr algn="ctr" rtl="0" fontAlgn="b"/>
+                      <a:r>
+                        <a:rPr lang="en-US" sz="1400" dirty="0">
+                          <a:effectLst/>
+                        </a:rPr>
+                        <a:t>3</a:t>
+                      </a:r>
+                    </a:p>
+                  </a:txBody>
+                  <a:tcPr marL="10288" marR="10288" marT="6859" marB="6859" anchor="b">
+                    <a:lnL w="9525" cap="flat" cmpd="sng" algn="ctr">
+                      <a:solidFill>
+                        <a:srgbClr val="000000"/>
+                      </a:solidFill>
+                      <a:prstDash val="solid"/>
+                      <a:round/>
+                      <a:headEnd type="none" w="med" len="med"/>
+                      <a:tailEnd type="none" w="med" len="med"/>
+                    </a:lnL>
+                    <a:lnR w="9525" cap="flat" cmpd="sng" algn="ctr">
+                      <a:solidFill>
+                        <a:srgbClr val="CCCCCC"/>
+                      </a:solidFill>
+                      <a:prstDash val="solid"/>
+                      <a:round/>
+                      <a:headEnd type="none" w="med" len="med"/>
+                      <a:tailEnd type="none" w="med" len="med"/>
+                    </a:lnR>
+                    <a:lnT w="9525" cap="flat" cmpd="sng" algn="ctr">
+                      <a:solidFill>
+                        <a:srgbClr val="CCCCCC"/>
+                      </a:solidFill>
+                      <a:prstDash val="solid"/>
+                      <a:round/>
+                      <a:headEnd type="none" w="med" len="med"/>
+                      <a:tailEnd type="none" w="med" len="med"/>
+                    </a:lnT>
+                    <a:lnB w="9525" cap="flat" cmpd="sng" algn="ctr">
+                      <a:solidFill>
+                        <a:srgbClr val="CCCCCC"/>
+                      </a:solidFill>
+                      <a:prstDash val="solid"/>
+                      <a:round/>
+                      <a:headEnd type="none" w="med" len="med"/>
+                      <a:tailEnd type="none" w="med" len="med"/>
+                    </a:lnB>
+                  </a:tcPr>
+                </a:tc>
+                <a:tc>
+                  <a:txBody>
+                    <a:bodyPr/>
+                    <a:lstStyle/>
+                    <a:p>
+                      <a:pPr algn="ctr" rtl="0" fontAlgn="b"/>
+                      <a:r>
+                        <a:rPr lang="en-US" sz="1400">
+                          <a:effectLst/>
+                        </a:rPr>
+                        <a:t>13/8/2022</a:t>
+                      </a:r>
+                    </a:p>
+                  </a:txBody>
+                  <a:tcPr marL="10288" marR="10288" marT="6859" marB="6859" anchor="b">
+                    <a:lnL w="9525" cap="flat" cmpd="sng" algn="ctr">
+                      <a:solidFill>
+                        <a:srgbClr val="CCCCCC"/>
+                      </a:solidFill>
+                      <a:prstDash val="solid"/>
+                      <a:round/>
+                      <a:headEnd type="none" w="med" len="med"/>
+                      <a:tailEnd type="none" w="med" len="med"/>
+                    </a:lnL>
+                    <a:lnR w="9525" cap="flat" cmpd="sng" algn="ctr">
+                      <a:solidFill>
+                        <a:srgbClr val="CCCCCC"/>
+                      </a:solidFill>
+                      <a:prstDash val="solid"/>
+                      <a:round/>
+                      <a:headEnd type="none" w="med" len="med"/>
+                      <a:tailEnd type="none" w="med" len="med"/>
+                    </a:lnR>
+                    <a:lnT w="9525" cap="flat" cmpd="sng" algn="ctr">
+                      <a:solidFill>
+                        <a:srgbClr val="CCCCCC"/>
+                      </a:solidFill>
+                      <a:prstDash val="solid"/>
+                      <a:round/>
+                      <a:headEnd type="none" w="med" len="med"/>
+                      <a:tailEnd type="none" w="med" len="med"/>
+                    </a:lnT>
+                    <a:lnB w="9525" cap="flat" cmpd="sng" algn="ctr">
+                      <a:solidFill>
+                        <a:srgbClr val="CCCCCC"/>
+                      </a:solidFill>
+                      <a:prstDash val="solid"/>
+                      <a:round/>
+                      <a:headEnd type="none" w="med" len="med"/>
+                      <a:tailEnd type="none" w="med" len="med"/>
+                    </a:lnB>
+                  </a:tcPr>
+                </a:tc>
+                <a:tc vMerge="1">
+                  <a:txBody>
+                    <a:bodyPr/>
+                    <a:lstStyle/>
+                    <a:p>
+                      <a:pPr algn="ctr" rtl="0" fontAlgn="b"/>
+                      <a:endParaRPr lang="en-US" sz="1400" dirty="0">
+                        <a:effectLst/>
+                      </a:endParaRPr>
+                    </a:p>
+                  </a:txBody>
+                  <a:tcPr marL="10288" marR="10288" marT="6859" marB="6859" anchor="b">
+                    <a:lnL w="9525" cap="flat" cmpd="sng" algn="ctr">
+                      <a:solidFill>
+                        <a:srgbClr val="CCCCCC"/>
+                      </a:solidFill>
+                      <a:prstDash val="solid"/>
+                      <a:round/>
+                      <a:headEnd type="none" w="med" len="med"/>
+                      <a:tailEnd type="none" w="med" len="med"/>
+                    </a:lnL>
+                    <a:lnR w="9525" cap="flat" cmpd="sng" algn="ctr">
+                      <a:solidFill>
+                        <a:srgbClr val="CCCCCC"/>
+                      </a:solidFill>
+                      <a:prstDash val="solid"/>
+                      <a:round/>
+                      <a:headEnd type="none" w="med" len="med"/>
+                      <a:tailEnd type="none" w="med" len="med"/>
+                    </a:lnR>
+                    <a:lnT w="9525" cap="flat" cmpd="sng" algn="ctr">
+                      <a:solidFill>
+                        <a:srgbClr val="CCCCCC"/>
+                      </a:solidFill>
+                      <a:prstDash val="solid"/>
+                      <a:round/>
+                      <a:headEnd type="none" w="med" len="med"/>
+                      <a:tailEnd type="none" w="med" len="med"/>
+                    </a:lnT>
+                    <a:lnB w="9525" cap="flat" cmpd="sng" algn="ctr">
+                      <a:solidFill>
+                        <a:srgbClr val="CCCCCC"/>
+                      </a:solidFill>
+                      <a:prstDash val="solid"/>
+                      <a:round/>
+                      <a:headEnd type="none" w="med" len="med"/>
+                      <a:tailEnd type="none" w="med" len="med"/>
+                    </a:lnB>
+                  </a:tcPr>
+                </a:tc>
+                <a:tc vMerge="1">
+                  <a:txBody>
+                    <a:bodyPr/>
+                    <a:lstStyle/>
+                    <a:p>
+                      <a:endParaRPr lang="en-US"/>
+                    </a:p>
+                  </a:txBody>
+                  <a:tcPr/>
+                </a:tc>
+                <a:tc>
+                  <a:txBody>
+                    <a:bodyPr/>
+                    <a:lstStyle/>
+                    <a:p>
+                      <a:pPr algn="ctr"/>
+                      <a:r>
+                        <a:rPr lang="pt-BR" sz="1400" dirty="0" smtClean="0"/>
+                        <a:t>Introdução</a:t>
+                      </a:r>
+                      <a:r>
+                        <a:rPr lang="pt-BR" sz="1400" baseline="0" dirty="0" smtClean="0"/>
+                        <a:t> ao Aprendizado de Máquina</a:t>
+                      </a:r>
+                      <a:endParaRPr lang="en-US" sz="1400" dirty="0"/>
+                    </a:p>
+                  </a:txBody>
+                  <a:tcPr marL="10288" marR="10288" marT="6859" marB="6859" anchor="b">
+                    <a:lnL w="9525" cap="flat" cmpd="sng" algn="ctr">
+                      <a:solidFill>
+                        <a:srgbClr val="CCCCCC"/>
+                      </a:solidFill>
+                      <a:prstDash val="solid"/>
+                      <a:round/>
+                      <a:headEnd type="none" w="med" len="med"/>
+                      <a:tailEnd type="none" w="med" len="med"/>
+                    </a:lnL>
+                    <a:lnR w="9525" cap="flat" cmpd="sng" algn="ctr">
+                      <a:solidFill>
+                        <a:srgbClr val="000000"/>
+                      </a:solidFill>
+                      <a:prstDash val="solid"/>
+                      <a:round/>
+                      <a:headEnd type="none" w="med" len="med"/>
+                      <a:tailEnd type="none" w="med" len="med"/>
+                    </a:lnR>
+                    <a:lnT w="9525" cap="flat" cmpd="sng" algn="ctr">
+                      <a:solidFill>
+                        <a:srgbClr val="CCCCCC"/>
+                      </a:solidFill>
+                      <a:prstDash val="solid"/>
+                      <a:round/>
+                      <a:headEnd type="none" w="med" len="med"/>
+                      <a:tailEnd type="none" w="med" len="med"/>
+                    </a:lnT>
+                    <a:lnB w="9525" cap="flat" cmpd="sng" algn="ctr">
+                      <a:solidFill>
+                        <a:srgbClr val="CCCCCC"/>
+                      </a:solidFill>
+                      <a:prstDash val="solid"/>
+                      <a:round/>
+                      <a:headEnd type="none" w="med" len="med"/>
+                      <a:tailEnd type="none" w="med" len="med"/>
+                    </a:lnB>
+                  </a:tcPr>
+                </a:tc>
+              </a:tr>
+              <a:tr h="232673">
+                <a:tc>
+                  <a:txBody>
+                    <a:bodyPr/>
+                    <a:lstStyle/>
+                    <a:p>
+                      <a:pPr algn="ctr" rtl="0" fontAlgn="b"/>
+                      <a:r>
+                        <a:rPr lang="en-US" sz="1400" dirty="0">
+                          <a:effectLst/>
+                        </a:rPr>
+                        <a:t>4</a:t>
+                      </a:r>
+                    </a:p>
+                  </a:txBody>
+                  <a:tcPr marL="10288" marR="10288" marT="6859" marB="6859" anchor="b">
+                    <a:lnL w="9525" cap="flat" cmpd="sng" algn="ctr">
+                      <a:solidFill>
+                        <a:srgbClr val="000000"/>
+                      </a:solidFill>
+                      <a:prstDash val="solid"/>
+                      <a:round/>
+                      <a:headEnd type="none" w="med" len="med"/>
+                      <a:tailEnd type="none" w="med" len="med"/>
+                    </a:lnL>
+                    <a:lnR w="9525" cap="flat" cmpd="sng" algn="ctr">
+                      <a:solidFill>
+                        <a:srgbClr val="CCCCCC"/>
+                      </a:solidFill>
+                      <a:prstDash val="solid"/>
+                      <a:round/>
+                      <a:headEnd type="none" w="med" len="med"/>
+                      <a:tailEnd type="none" w="med" len="med"/>
+                    </a:lnR>
+                    <a:lnT w="9525" cap="flat" cmpd="sng" algn="ctr">
+                      <a:solidFill>
+                        <a:srgbClr val="CCCCCC"/>
+                      </a:solidFill>
+                      <a:prstDash val="solid"/>
+                      <a:round/>
+                      <a:headEnd type="none" w="med" len="med"/>
+                      <a:tailEnd type="none" w="med" len="med"/>
+                    </a:lnT>
+                    <a:lnB w="9525" cap="flat" cmpd="sng" algn="ctr">
+                      <a:solidFill>
+                        <a:srgbClr val="CCCCCC"/>
+                      </a:solidFill>
+                      <a:prstDash val="solid"/>
+                      <a:round/>
+                      <a:headEnd type="none" w="med" len="med"/>
+                      <a:tailEnd type="none" w="med" len="med"/>
+                    </a:lnB>
+                  </a:tcPr>
+                </a:tc>
+                <a:tc>
+                  <a:txBody>
+                    <a:bodyPr/>
+                    <a:lstStyle/>
+                    <a:p>
+                      <a:pPr algn="ctr" rtl="0" fontAlgn="b"/>
+                      <a:r>
+                        <a:rPr lang="en-US" sz="1400" dirty="0">
+                          <a:effectLst/>
+                        </a:rPr>
+                        <a:t>20/8/2022</a:t>
+                      </a:r>
+                    </a:p>
+                  </a:txBody>
+                  <a:tcPr marL="10288" marR="10288" marT="6859" marB="6859" anchor="b">
+                    <a:lnL w="9525" cap="flat" cmpd="sng" algn="ctr">
+                      <a:solidFill>
+                        <a:srgbClr val="CCCCCC"/>
+                      </a:solidFill>
+                      <a:prstDash val="solid"/>
+                      <a:round/>
+                      <a:headEnd type="none" w="med" len="med"/>
+                      <a:tailEnd type="none" w="med" len="med"/>
+                    </a:lnL>
+                    <a:lnR w="9525" cap="flat" cmpd="sng" algn="ctr">
+                      <a:solidFill>
+                        <a:srgbClr val="CCCCCC"/>
+                      </a:solidFill>
+                      <a:prstDash val="solid"/>
+                      <a:round/>
+                      <a:headEnd type="none" w="med" len="med"/>
+                      <a:tailEnd type="none" w="med" len="med"/>
+                    </a:lnR>
+                    <a:lnT w="9525" cap="flat" cmpd="sng" algn="ctr">
+                      <a:solidFill>
+                        <a:srgbClr val="CCCCCC"/>
+                      </a:solidFill>
+                      <a:prstDash val="solid"/>
+                      <a:round/>
+                      <a:headEnd type="none" w="med" len="med"/>
+                      <a:tailEnd type="none" w="med" len="med"/>
+                    </a:lnT>
+                    <a:lnB w="9525" cap="flat" cmpd="sng" algn="ctr">
+                      <a:solidFill>
+                        <a:srgbClr val="CCCCCC"/>
+                      </a:solidFill>
+                      <a:prstDash val="solid"/>
+                      <a:round/>
+                      <a:headEnd type="none" w="med" len="med"/>
+                      <a:tailEnd type="none" w="med" len="med"/>
+                    </a:lnB>
+                  </a:tcPr>
+                </a:tc>
+                <a:tc vMerge="1">
+                  <a:txBody>
+                    <a:bodyPr/>
+                    <a:lstStyle/>
+                    <a:p>
+                      <a:pPr algn="ctr" rtl="0" fontAlgn="b"/>
+                      <a:endParaRPr lang="en-US" sz="1400" dirty="0">
+                        <a:effectLst/>
+                      </a:endParaRPr>
+                    </a:p>
+                  </a:txBody>
+                  <a:tcPr marL="10288" marR="10288" marT="6859" marB="6859" anchor="b">
+                    <a:lnL w="9525" cap="flat" cmpd="sng" algn="ctr">
+                      <a:solidFill>
+                        <a:srgbClr val="CCCCCC"/>
+                      </a:solidFill>
+                      <a:prstDash val="solid"/>
+                      <a:round/>
+                      <a:headEnd type="none" w="med" len="med"/>
+                      <a:tailEnd type="none" w="med" len="med"/>
+                    </a:lnL>
+                    <a:lnR w="9525" cap="flat" cmpd="sng" algn="ctr">
+                      <a:solidFill>
+                        <a:srgbClr val="CCCCCC"/>
+                      </a:solidFill>
+                      <a:prstDash val="solid"/>
+                      <a:round/>
+                      <a:headEnd type="none" w="med" len="med"/>
+                      <a:tailEnd type="none" w="med" len="med"/>
+                    </a:lnR>
+                    <a:lnT w="9525" cap="flat" cmpd="sng" algn="ctr">
+                      <a:solidFill>
+                        <a:srgbClr val="CCCCCC"/>
+                      </a:solidFill>
+                      <a:prstDash val="solid"/>
+                      <a:round/>
+                      <a:headEnd type="none" w="med" len="med"/>
+                      <a:tailEnd type="none" w="med" len="med"/>
+                    </a:lnT>
+                    <a:lnB w="9525" cap="flat" cmpd="sng" algn="ctr">
+                      <a:solidFill>
+                        <a:srgbClr val="CCCCCC"/>
+                      </a:solidFill>
+                      <a:prstDash val="solid"/>
+                      <a:round/>
+                      <a:headEnd type="none" w="med" len="med"/>
+                      <a:tailEnd type="none" w="med" len="med"/>
+                    </a:lnB>
+                  </a:tcPr>
+                </a:tc>
+                <a:tc vMerge="1">
+                  <a:txBody>
+                    <a:bodyPr/>
+                    <a:lstStyle/>
+                    <a:p>
+                      <a:endParaRPr lang="en-US"/>
+                    </a:p>
+                  </a:txBody>
+                  <a:tcPr/>
+                </a:tc>
+                <a:tc>
+                  <a:txBody>
+                    <a:bodyPr/>
+                    <a:lstStyle/>
+                    <a:p>
+                      <a:pPr algn="ctr"/>
+                      <a:r>
+                        <a:rPr lang="pt-BR" sz="1400" dirty="0" smtClean="0"/>
+                        <a:t>Introdução</a:t>
+                      </a:r>
+                      <a:r>
+                        <a:rPr lang="pt-BR" sz="1400" baseline="0" dirty="0" smtClean="0"/>
+                        <a:t> ao Aprendizado de Máquina</a:t>
+                      </a:r>
+                      <a:endParaRPr lang="en-US" sz="1400" dirty="0"/>
+                    </a:p>
+                  </a:txBody>
+                  <a:tcPr marL="10288" marR="10288" marT="6859" marB="6859" anchor="b">
+                    <a:lnL w="9525" cap="flat" cmpd="sng" algn="ctr">
+                      <a:solidFill>
+                        <a:srgbClr val="CCCCCC"/>
+                      </a:solidFill>
+                      <a:prstDash val="solid"/>
+                      <a:round/>
+                      <a:headEnd type="none" w="med" len="med"/>
+                      <a:tailEnd type="none" w="med" len="med"/>
+                    </a:lnL>
+                    <a:lnR w="9525" cap="flat" cmpd="sng" algn="ctr">
+                      <a:solidFill>
+                        <a:srgbClr val="000000"/>
+                      </a:solidFill>
+                      <a:prstDash val="solid"/>
+                      <a:round/>
+                      <a:headEnd type="none" w="med" len="med"/>
+                      <a:tailEnd type="none" w="med" len="med"/>
+                    </a:lnR>
+                    <a:lnT w="9525" cap="flat" cmpd="sng" algn="ctr">
+                      <a:solidFill>
+                        <a:srgbClr val="CCCCCC"/>
+                      </a:solidFill>
+                      <a:prstDash val="solid"/>
+                      <a:round/>
+                      <a:headEnd type="none" w="med" len="med"/>
+                      <a:tailEnd type="none" w="med" len="med"/>
+                    </a:lnT>
+                    <a:lnB w="9525" cap="flat" cmpd="sng" algn="ctr">
+                      <a:solidFill>
+                        <a:srgbClr val="CCCCCC"/>
+                      </a:solidFill>
+                      <a:prstDash val="solid"/>
+                      <a:round/>
+                      <a:headEnd type="none" w="med" len="med"/>
+                      <a:tailEnd type="none" w="med" len="med"/>
+                    </a:lnB>
+                  </a:tcPr>
+                </a:tc>
+              </a:tr>
+              <a:tr h="232125">
+                <a:tc>
+                  <a:txBody>
+                    <a:bodyPr/>
+                    <a:lstStyle/>
+                    <a:p>
+                      <a:pPr algn="ctr" rtl="0" fontAlgn="b"/>
+                      <a:r>
+                        <a:rPr lang="en-US" sz="1400" dirty="0">
+                          <a:effectLst/>
+                        </a:rPr>
+                        <a:t>5</a:t>
+                      </a:r>
+                    </a:p>
+                  </a:txBody>
+                  <a:tcPr marL="10288" marR="10288" marT="6859" marB="6859" anchor="b">
+                    <a:lnL w="9525" cap="flat" cmpd="sng" algn="ctr">
+                      <a:solidFill>
+                        <a:srgbClr val="000000"/>
+                      </a:solidFill>
+                      <a:prstDash val="solid"/>
+                      <a:round/>
+                      <a:headEnd type="none" w="med" len="med"/>
+                      <a:tailEnd type="none" w="med" len="med"/>
+                    </a:lnL>
+                    <a:lnR w="9525" cap="flat" cmpd="sng" algn="ctr">
+                      <a:solidFill>
+                        <a:srgbClr val="CCCCCC"/>
+                      </a:solidFill>
+                      <a:prstDash val="solid"/>
+                      <a:round/>
+                      <a:headEnd type="none" w="med" len="med"/>
+                      <a:tailEnd type="none" w="med" len="med"/>
+                    </a:lnR>
+                    <a:lnT w="9525" cap="flat" cmpd="sng" algn="ctr">
+                      <a:solidFill>
+                        <a:srgbClr val="CCCCCC"/>
+                      </a:solidFill>
+                      <a:prstDash val="solid"/>
+                      <a:round/>
+                      <a:headEnd type="none" w="med" len="med"/>
+                      <a:tailEnd type="none" w="med" len="med"/>
+                    </a:lnT>
+                    <a:lnB w="9525" cap="flat" cmpd="sng" algn="ctr">
+                      <a:solidFill>
+                        <a:srgbClr val="CCCCCC"/>
+                      </a:solidFill>
+                      <a:prstDash val="solid"/>
+                      <a:round/>
+                      <a:headEnd type="none" w="med" len="med"/>
+                      <a:tailEnd type="none" w="med" len="med"/>
+                    </a:lnB>
+                  </a:tcPr>
+                </a:tc>
+                <a:tc>
+                  <a:txBody>
+                    <a:bodyPr/>
+                    <a:lstStyle/>
+                    <a:p>
+                      <a:pPr algn="ctr" rtl="0" fontAlgn="b"/>
+                      <a:r>
+                        <a:rPr lang="en-US" sz="1400" dirty="0">
+                          <a:effectLst/>
+                        </a:rPr>
+                        <a:t>27/8/2022</a:t>
+                      </a:r>
+                    </a:p>
+                  </a:txBody>
+                  <a:tcPr marL="10288" marR="10288" marT="6859" marB="6859" anchor="b">
+                    <a:lnL w="9525" cap="flat" cmpd="sng" algn="ctr">
+                      <a:solidFill>
+                        <a:srgbClr val="CCCCCC"/>
+                      </a:solidFill>
+                      <a:prstDash val="solid"/>
+                      <a:round/>
+                      <a:headEnd type="none" w="med" len="med"/>
+                      <a:tailEnd type="none" w="med" len="med"/>
+                    </a:lnL>
+                    <a:lnR w="9525" cap="flat" cmpd="sng" algn="ctr">
+                      <a:solidFill>
+                        <a:srgbClr val="CCCCCC"/>
+                      </a:solidFill>
+                      <a:prstDash val="solid"/>
+                      <a:round/>
+                      <a:headEnd type="none" w="med" len="med"/>
+                      <a:tailEnd type="none" w="med" len="med"/>
+                    </a:lnR>
+                    <a:lnT w="9525" cap="flat" cmpd="sng" algn="ctr">
+                      <a:solidFill>
+                        <a:srgbClr val="CCCCCC"/>
+                      </a:solidFill>
+                      <a:prstDash val="solid"/>
+                      <a:round/>
+                      <a:headEnd type="none" w="med" len="med"/>
+                      <a:tailEnd type="none" w="med" len="med"/>
+                    </a:lnT>
+                    <a:lnB w="9525" cap="flat" cmpd="sng" algn="ctr">
+                      <a:solidFill>
+                        <a:srgbClr val="CCCCCC"/>
+                      </a:solidFill>
+                      <a:prstDash val="solid"/>
+                      <a:round/>
+                      <a:headEnd type="none" w="med" len="med"/>
+                      <a:tailEnd type="none" w="med" len="med"/>
+                    </a:lnB>
+                  </a:tcPr>
+                </a:tc>
+                <a:tc vMerge="1">
+                  <a:txBody>
+                    <a:bodyPr/>
+                    <a:lstStyle/>
+                    <a:p>
+                      <a:pPr algn="ctr" rtl="0" fontAlgn="b"/>
+                      <a:endParaRPr lang="en-US" sz="1400" dirty="0">
+                        <a:effectLst/>
+                      </a:endParaRPr>
+                    </a:p>
+                  </a:txBody>
+                  <a:tcPr marL="10288" marR="10288" marT="6859" marB="6859" anchor="b">
+                    <a:lnL w="9525" cap="flat" cmpd="sng" algn="ctr">
+                      <a:solidFill>
+                        <a:srgbClr val="CCCCCC"/>
+                      </a:solidFill>
+                      <a:prstDash val="solid"/>
+                      <a:round/>
+                      <a:headEnd type="none" w="med" len="med"/>
+                      <a:tailEnd type="none" w="med" len="med"/>
+                    </a:lnL>
+                    <a:lnR w="9525" cap="flat" cmpd="sng" algn="ctr">
+                      <a:solidFill>
+                        <a:srgbClr val="CCCCCC"/>
+                      </a:solidFill>
+                      <a:prstDash val="solid"/>
+                      <a:round/>
+                      <a:headEnd type="none" w="med" len="med"/>
+                      <a:tailEnd type="none" w="med" len="med"/>
+                    </a:lnR>
+                    <a:lnT w="9525" cap="flat" cmpd="sng" algn="ctr">
+                      <a:solidFill>
+                        <a:srgbClr val="CCCCCC"/>
+                      </a:solidFill>
+                      <a:prstDash val="solid"/>
+                      <a:round/>
+                      <a:headEnd type="none" w="med" len="med"/>
+                      <a:tailEnd type="none" w="med" len="med"/>
+                    </a:lnT>
+                    <a:lnB w="9525" cap="flat" cmpd="sng" algn="ctr">
+                      <a:solidFill>
+                        <a:srgbClr val="CCCCCC"/>
+                      </a:solidFill>
+                      <a:prstDash val="solid"/>
+                      <a:round/>
+                      <a:headEnd type="none" w="med" len="med"/>
+                      <a:tailEnd type="none" w="med" len="med"/>
+                    </a:lnB>
+                  </a:tcPr>
+                </a:tc>
+                <a:tc vMerge="1">
+                  <a:txBody>
+                    <a:bodyPr/>
+                    <a:lstStyle/>
+                    <a:p>
+                      <a:endParaRPr lang="en-US"/>
+                    </a:p>
+                  </a:txBody>
+                  <a:tcPr/>
+                </a:tc>
+                <a:tc>
+                  <a:txBody>
+                    <a:bodyPr/>
+                    <a:lstStyle/>
+                    <a:p>
+                      <a:pPr algn="ctr"/>
+                      <a:r>
+                        <a:rPr lang="pt-BR" sz="1400" dirty="0" smtClean="0"/>
+                        <a:t>Introdução</a:t>
+                      </a:r>
+                      <a:r>
+                        <a:rPr lang="pt-BR" sz="1400" baseline="0" dirty="0" smtClean="0"/>
+                        <a:t> ao Aprendizado de Máquina</a:t>
+                      </a:r>
+                      <a:endParaRPr lang="en-US" sz="1400" dirty="0"/>
+                    </a:p>
+                  </a:txBody>
+                  <a:tcPr marL="10288" marR="10288" marT="6859" marB="6859" anchor="b">
+                    <a:lnL w="9525" cap="flat" cmpd="sng" algn="ctr">
+                      <a:solidFill>
+                        <a:srgbClr val="CCCCCC"/>
+                      </a:solidFill>
+                      <a:prstDash val="solid"/>
+                      <a:round/>
+                      <a:headEnd type="none" w="med" len="med"/>
+                      <a:tailEnd type="none" w="med" len="med"/>
+                    </a:lnL>
+                    <a:lnR w="9525" cap="flat" cmpd="sng" algn="ctr">
+                      <a:solidFill>
+                        <a:srgbClr val="000000"/>
+                      </a:solidFill>
+                      <a:prstDash val="solid"/>
+                      <a:round/>
+                      <a:headEnd type="none" w="med" len="med"/>
+                      <a:tailEnd type="none" w="med" len="med"/>
+                    </a:lnR>
+                    <a:lnT w="9525" cap="flat" cmpd="sng" algn="ctr">
+                      <a:solidFill>
+                        <a:srgbClr val="CCCCCC"/>
+                      </a:solidFill>
+                      <a:prstDash val="solid"/>
+                      <a:round/>
+                      <a:headEnd type="none" w="med" len="med"/>
+                      <a:tailEnd type="none" w="med" len="med"/>
+                    </a:lnT>
+                    <a:lnB w="9525" cap="flat" cmpd="sng" algn="ctr">
+                      <a:solidFill>
+                        <a:srgbClr val="CCCCCC"/>
+                      </a:solidFill>
+                      <a:prstDash val="solid"/>
+                      <a:round/>
+                      <a:headEnd type="none" w="med" len="med"/>
+                      <a:tailEnd type="none" w="med" len="med"/>
+                    </a:lnB>
+                  </a:tcPr>
+                </a:tc>
+              </a:tr>
+              <a:tr h="232673">
+                <a:tc>
+                  <a:txBody>
+                    <a:bodyPr/>
+                    <a:lstStyle/>
+                    <a:p>
+                      <a:pPr algn="ctr" rtl="0" fontAlgn="b"/>
+                      <a:r>
+                        <a:rPr lang="en-US" sz="1400" dirty="0">
+                          <a:effectLst/>
+                        </a:rPr>
+                        <a:t>6</a:t>
+                      </a:r>
+                    </a:p>
+                  </a:txBody>
+                  <a:tcPr marL="10288" marR="10288" marT="6859" marB="6859" anchor="b">
+                    <a:lnL w="9525" cap="flat" cmpd="sng" algn="ctr">
+                      <a:solidFill>
+                        <a:srgbClr val="000000"/>
+                      </a:solidFill>
+                      <a:prstDash val="solid"/>
+                      <a:round/>
+                      <a:headEnd type="none" w="med" len="med"/>
+                      <a:tailEnd type="none" w="med" len="med"/>
+                    </a:lnL>
+                    <a:lnR w="9525" cap="flat" cmpd="sng" algn="ctr">
+                      <a:solidFill>
+                        <a:srgbClr val="CCCCCC"/>
+                      </a:solidFill>
+                      <a:prstDash val="solid"/>
+                      <a:round/>
+                      <a:headEnd type="none" w="med" len="med"/>
+                      <a:tailEnd type="none" w="med" len="med"/>
+                    </a:lnR>
+                    <a:lnT w="9525" cap="flat" cmpd="sng" algn="ctr">
+                      <a:solidFill>
+                        <a:srgbClr val="CCCCCC"/>
+                      </a:solidFill>
+                      <a:prstDash val="solid"/>
+                      <a:round/>
+                      <a:headEnd type="none" w="med" len="med"/>
+                      <a:tailEnd type="none" w="med" len="med"/>
+                    </a:lnT>
+                    <a:lnB w="9525" cap="flat" cmpd="sng" algn="ctr">
+                      <a:solidFill>
+                        <a:srgbClr val="CCCCCC"/>
+                      </a:solidFill>
+                      <a:prstDash val="solid"/>
+                      <a:round/>
+                      <a:headEnd type="none" w="med" len="med"/>
+                      <a:tailEnd type="none" w="med" len="med"/>
+                    </a:lnB>
+                  </a:tcPr>
+                </a:tc>
+                <a:tc>
+                  <a:txBody>
+                    <a:bodyPr/>
+                    <a:lstStyle/>
+                    <a:p>
+                      <a:pPr algn="ctr" rtl="0" fontAlgn="b"/>
+                      <a:r>
+                        <a:rPr lang="en-US" sz="1400">
+                          <a:effectLst/>
+                        </a:rPr>
+                        <a:t>3/9/2022</a:t>
+                      </a:r>
+                    </a:p>
+                  </a:txBody>
+                  <a:tcPr marL="10288" marR="10288" marT="6859" marB="6859" anchor="b">
+                    <a:lnL w="9525" cap="flat" cmpd="sng" algn="ctr">
+                      <a:solidFill>
+                        <a:srgbClr val="CCCCCC"/>
+                      </a:solidFill>
+                      <a:prstDash val="solid"/>
+                      <a:round/>
+                      <a:headEnd type="none" w="med" len="med"/>
+                      <a:tailEnd type="none" w="med" len="med"/>
+                    </a:lnL>
+                    <a:lnR w="9525" cap="flat" cmpd="sng" algn="ctr">
+                      <a:solidFill>
+                        <a:srgbClr val="CCCCCC"/>
+                      </a:solidFill>
+                      <a:prstDash val="solid"/>
+                      <a:round/>
+                      <a:headEnd type="none" w="med" len="med"/>
+                      <a:tailEnd type="none" w="med" len="med"/>
+                    </a:lnR>
+                    <a:lnT w="9525" cap="flat" cmpd="sng" algn="ctr">
+                      <a:solidFill>
+                        <a:srgbClr val="CCCCCC"/>
+                      </a:solidFill>
+                      <a:prstDash val="solid"/>
+                      <a:round/>
+                      <a:headEnd type="none" w="med" len="med"/>
+                      <a:tailEnd type="none" w="med" len="med"/>
+                    </a:lnT>
+                    <a:lnB w="9525" cap="flat" cmpd="sng" algn="ctr">
+                      <a:solidFill>
+                        <a:srgbClr val="CCCCCC"/>
+                      </a:solidFill>
+                      <a:prstDash val="solid"/>
+                      <a:round/>
+                      <a:headEnd type="none" w="med" len="med"/>
+                      <a:tailEnd type="none" w="med" len="med"/>
+                    </a:lnB>
+                  </a:tcPr>
+                </a:tc>
+                <a:tc vMerge="1">
+                  <a:txBody>
+                    <a:bodyPr/>
+                    <a:lstStyle/>
+                    <a:p>
+                      <a:pPr algn="ctr" rtl="0" fontAlgn="b"/>
+                      <a:endParaRPr lang="en-US" sz="1400">
+                        <a:effectLst/>
+                      </a:endParaRPr>
+                    </a:p>
+                  </a:txBody>
+                  <a:tcPr marL="10288" marR="10288" marT="6859" marB="6859" anchor="b">
+                    <a:lnL w="9525" cap="flat" cmpd="sng" algn="ctr">
+                      <a:solidFill>
+                        <a:srgbClr val="CCCCCC"/>
+                      </a:solidFill>
+                      <a:prstDash val="solid"/>
+                      <a:round/>
+                      <a:headEnd type="none" w="med" len="med"/>
+                      <a:tailEnd type="none" w="med" len="med"/>
+                    </a:lnL>
+                    <a:lnR w="9525" cap="flat" cmpd="sng" algn="ctr">
+                      <a:solidFill>
+                        <a:srgbClr val="CCCCCC"/>
+                      </a:solidFill>
+                      <a:prstDash val="solid"/>
+                      <a:round/>
+                      <a:headEnd type="none" w="med" len="med"/>
+                      <a:tailEnd type="none" w="med" len="med"/>
+                    </a:lnR>
+                    <a:lnT w="9525" cap="flat" cmpd="sng" algn="ctr">
+                      <a:solidFill>
+                        <a:srgbClr val="CCCCCC"/>
+                      </a:solidFill>
+                      <a:prstDash val="solid"/>
+                      <a:round/>
+                      <a:headEnd type="none" w="med" len="med"/>
+                      <a:tailEnd type="none" w="med" len="med"/>
+                    </a:lnT>
+                    <a:lnB w="9525" cap="flat" cmpd="sng" algn="ctr">
+                      <a:solidFill>
+                        <a:srgbClr val="CCCCCC"/>
+                      </a:solidFill>
+                      <a:prstDash val="solid"/>
+                      <a:round/>
+                      <a:headEnd type="none" w="med" len="med"/>
+                      <a:tailEnd type="none" w="med" len="med"/>
+                    </a:lnB>
+                  </a:tcPr>
+                </a:tc>
+                <a:tc vMerge="1">
+                  <a:txBody>
+                    <a:bodyPr/>
+                    <a:lstStyle/>
+                    <a:p>
+                      <a:endParaRPr lang="en-US"/>
+                    </a:p>
+                  </a:txBody>
+                  <a:tcPr/>
+                </a:tc>
+                <a:tc>
+                  <a:txBody>
+                    <a:bodyPr/>
+                    <a:lstStyle/>
+                    <a:p>
+                      <a:pPr algn="ctr"/>
+                      <a:r>
+                        <a:rPr lang="pt-BR" sz="1400" dirty="0" smtClean="0"/>
+                        <a:t>Introdução</a:t>
+                      </a:r>
+                      <a:r>
+                        <a:rPr lang="pt-BR" sz="1400" baseline="0" dirty="0" smtClean="0"/>
+                        <a:t> ao Aprendizado de Máquina</a:t>
+                      </a:r>
+                      <a:endParaRPr lang="en-US" sz="1400" dirty="0"/>
+                    </a:p>
+                  </a:txBody>
+                  <a:tcPr marL="10288" marR="10288" marT="6859" marB="6859" anchor="b">
+                    <a:lnL w="9525" cap="flat" cmpd="sng" algn="ctr">
+                      <a:solidFill>
+                        <a:srgbClr val="CCCCCC"/>
+                      </a:solidFill>
+                      <a:prstDash val="solid"/>
+                      <a:round/>
+                      <a:headEnd type="none" w="med" len="med"/>
+                      <a:tailEnd type="none" w="med" len="med"/>
+                    </a:lnL>
+                    <a:lnR w="9525" cap="flat" cmpd="sng" algn="ctr">
+                      <a:solidFill>
+                        <a:srgbClr val="000000"/>
+                      </a:solidFill>
+                      <a:prstDash val="solid"/>
+                      <a:round/>
+                      <a:headEnd type="none" w="med" len="med"/>
+                      <a:tailEnd type="none" w="med" len="med"/>
+                    </a:lnR>
+                    <a:lnT w="9525" cap="flat" cmpd="sng" algn="ctr">
+                      <a:solidFill>
+                        <a:srgbClr val="CCCCCC"/>
+                      </a:solidFill>
+                      <a:prstDash val="solid"/>
+                      <a:round/>
+                      <a:headEnd type="none" w="med" len="med"/>
+                      <a:tailEnd type="none" w="med" len="med"/>
+                    </a:lnT>
+                    <a:lnB w="9525" cap="flat" cmpd="sng" algn="ctr">
+                      <a:solidFill>
+                        <a:srgbClr val="CCCCCC"/>
+                      </a:solidFill>
+                      <a:prstDash val="solid"/>
+                      <a:round/>
+                      <a:headEnd type="none" w="med" len="med"/>
+                      <a:tailEnd type="none" w="med" len="med"/>
+                    </a:lnB>
+                  </a:tcPr>
+                </a:tc>
+              </a:tr>
+              <a:tr h="232673">
+                <a:tc>
+                  <a:txBody>
+                    <a:bodyPr/>
+                    <a:lstStyle/>
+                    <a:p>
+                      <a:pPr algn="ctr" rtl="0" fontAlgn="b"/>
+                      <a:r>
+                        <a:rPr lang="en-US" sz="1400" dirty="0">
+                          <a:effectLst/>
+                        </a:rPr>
+                        <a:t>7</a:t>
+                      </a:r>
+                    </a:p>
+                  </a:txBody>
+                  <a:tcPr marL="10288" marR="10288" marT="6859" marB="6859" anchor="b">
+                    <a:lnL w="9525" cap="flat" cmpd="sng" algn="ctr">
+                      <a:solidFill>
+                        <a:srgbClr val="000000"/>
+                      </a:solidFill>
+                      <a:prstDash val="solid"/>
+                      <a:round/>
+                      <a:headEnd type="none" w="med" len="med"/>
+                      <a:tailEnd type="none" w="med" len="med"/>
+                    </a:lnL>
+                    <a:lnR w="9525" cap="flat" cmpd="sng" algn="ctr">
+                      <a:solidFill>
+                        <a:srgbClr val="CCCCCC"/>
+                      </a:solidFill>
+                      <a:prstDash val="solid"/>
+                      <a:round/>
+                      <a:headEnd type="none" w="med" len="med"/>
+                      <a:tailEnd type="none" w="med" len="med"/>
+                    </a:lnR>
+                    <a:lnT w="9525" cap="flat" cmpd="sng" algn="ctr">
+                      <a:solidFill>
+                        <a:srgbClr val="CCCCCC"/>
+                      </a:solidFill>
+                      <a:prstDash val="solid"/>
+                      <a:round/>
+                      <a:headEnd type="none" w="med" len="med"/>
+                      <a:tailEnd type="none" w="med" len="med"/>
+                    </a:lnT>
+                    <a:lnB w="9525" cap="flat" cmpd="sng" algn="ctr">
+                      <a:solidFill>
+                        <a:srgbClr val="CCCCCC"/>
+                      </a:solidFill>
+                      <a:prstDash val="solid"/>
+                      <a:round/>
+                      <a:headEnd type="none" w="med" len="med"/>
+                      <a:tailEnd type="none" w="med" len="med"/>
+                    </a:lnB>
+                  </a:tcPr>
+                </a:tc>
+                <a:tc>
+                  <a:txBody>
+                    <a:bodyPr/>
+                    <a:lstStyle/>
+                    <a:p>
+                      <a:pPr algn="ctr" rtl="0" fontAlgn="b"/>
+                      <a:r>
+                        <a:rPr lang="en-US" sz="1400">
+                          <a:effectLst/>
+                        </a:rPr>
+                        <a:t>10/9/2022</a:t>
+                      </a:r>
+                    </a:p>
+                  </a:txBody>
+                  <a:tcPr marL="10288" marR="10288" marT="6859" marB="6859" anchor="b">
+                    <a:lnL w="9525" cap="flat" cmpd="sng" algn="ctr">
+                      <a:solidFill>
+                        <a:srgbClr val="CCCCCC"/>
+                      </a:solidFill>
+                      <a:prstDash val="solid"/>
+                      <a:round/>
+                      <a:headEnd type="none" w="med" len="med"/>
+                      <a:tailEnd type="none" w="med" len="med"/>
+                    </a:lnL>
+                    <a:lnR w="9525" cap="flat" cmpd="sng" algn="ctr">
+                      <a:solidFill>
+                        <a:srgbClr val="CCCCCC"/>
+                      </a:solidFill>
+                      <a:prstDash val="solid"/>
+                      <a:round/>
+                      <a:headEnd type="none" w="med" len="med"/>
+                      <a:tailEnd type="none" w="med" len="med"/>
+                    </a:lnR>
+                    <a:lnT w="9525" cap="flat" cmpd="sng" algn="ctr">
+                      <a:solidFill>
+                        <a:srgbClr val="CCCCCC"/>
+                      </a:solidFill>
+                      <a:prstDash val="solid"/>
+                      <a:round/>
+                      <a:headEnd type="none" w="med" len="med"/>
+                      <a:tailEnd type="none" w="med" len="med"/>
+                    </a:lnT>
+                    <a:lnB w="9525" cap="flat" cmpd="sng" algn="ctr">
+                      <a:solidFill>
+                        <a:srgbClr val="CCCCCC"/>
+                      </a:solidFill>
+                      <a:prstDash val="solid"/>
+                      <a:round/>
+                      <a:headEnd type="none" w="med" len="med"/>
+                      <a:tailEnd type="none" w="med" len="med"/>
+                    </a:lnB>
+                  </a:tcPr>
+                </a:tc>
+                <a:tc vMerge="1">
+                  <a:txBody>
+                    <a:bodyPr/>
+                    <a:lstStyle/>
+                    <a:p>
+                      <a:pPr algn="ctr" rtl="0" fontAlgn="b"/>
+                      <a:endParaRPr lang="en-US" sz="1400" dirty="0">
+                        <a:effectLst/>
+                      </a:endParaRPr>
+                    </a:p>
+                  </a:txBody>
+                  <a:tcPr marL="10288" marR="10288" marT="6859" marB="6859" anchor="b">
+                    <a:lnL w="9525" cap="flat" cmpd="sng" algn="ctr">
+                      <a:solidFill>
+                        <a:srgbClr val="CCCCCC"/>
+                      </a:solidFill>
+                      <a:prstDash val="solid"/>
+                      <a:round/>
+                      <a:headEnd type="none" w="med" len="med"/>
+                      <a:tailEnd type="none" w="med" len="med"/>
+                    </a:lnL>
+                    <a:lnR w="9525" cap="flat" cmpd="sng" algn="ctr">
+                      <a:solidFill>
+                        <a:srgbClr val="CCCCCC"/>
+                      </a:solidFill>
+                      <a:prstDash val="solid"/>
+                      <a:round/>
+                      <a:headEnd type="none" w="med" len="med"/>
+                      <a:tailEnd type="none" w="med" len="med"/>
+                    </a:lnR>
+                    <a:lnT w="9525" cap="flat" cmpd="sng" algn="ctr">
+                      <a:solidFill>
+                        <a:srgbClr val="CCCCCC"/>
+                      </a:solidFill>
+                      <a:prstDash val="solid"/>
+                      <a:round/>
+                      <a:headEnd type="none" w="med" len="med"/>
+                      <a:tailEnd type="none" w="med" len="med"/>
+                    </a:lnT>
+                    <a:lnB w="9525" cap="flat" cmpd="sng" algn="ctr">
+                      <a:solidFill>
+                        <a:srgbClr val="CCCCCC"/>
+                      </a:solidFill>
+                      <a:prstDash val="solid"/>
+                      <a:round/>
+                      <a:headEnd type="none" w="med" len="med"/>
+                      <a:tailEnd type="none" w="med" len="med"/>
+                    </a:lnB>
+                  </a:tcPr>
+                </a:tc>
+                <a:tc vMerge="1">
+                  <a:txBody>
+                    <a:bodyPr/>
+                    <a:lstStyle/>
+                    <a:p>
+                      <a:endParaRPr lang="en-US"/>
+                    </a:p>
+                  </a:txBody>
+                  <a:tcPr/>
+                </a:tc>
+                <a:tc>
+                  <a:txBody>
+                    <a:bodyPr/>
+                    <a:lstStyle/>
+                    <a:p>
+                      <a:pPr algn="ctr"/>
+                      <a:r>
+                        <a:rPr lang="pt-BR" sz="1400" dirty="0" smtClean="0"/>
+                        <a:t>Introdução</a:t>
+                      </a:r>
+                      <a:r>
+                        <a:rPr lang="pt-BR" sz="1400" baseline="0" dirty="0" smtClean="0"/>
+                        <a:t> ao Aprendizado de Máquina</a:t>
+                      </a:r>
+                      <a:endParaRPr lang="en-US" sz="1400" dirty="0"/>
+                    </a:p>
+                  </a:txBody>
+                  <a:tcPr marL="10288" marR="10288" marT="6859" marB="6859" anchor="b">
+                    <a:lnL w="9525" cap="flat" cmpd="sng" algn="ctr">
+                      <a:solidFill>
+                        <a:srgbClr val="CCCCCC"/>
+                      </a:solidFill>
+                      <a:prstDash val="solid"/>
+                      <a:round/>
+                      <a:headEnd type="none" w="med" len="med"/>
+                      <a:tailEnd type="none" w="med" len="med"/>
+                    </a:lnL>
+                    <a:lnR w="9525" cap="flat" cmpd="sng" algn="ctr">
+                      <a:solidFill>
+                        <a:srgbClr val="000000"/>
+                      </a:solidFill>
+                      <a:prstDash val="solid"/>
+                      <a:round/>
+                      <a:headEnd type="none" w="med" len="med"/>
+                      <a:tailEnd type="none" w="med" len="med"/>
+                    </a:lnR>
+                    <a:lnT w="9525" cap="flat" cmpd="sng" algn="ctr">
+                      <a:solidFill>
+                        <a:srgbClr val="CCCCCC"/>
+                      </a:solidFill>
+                      <a:prstDash val="solid"/>
+                      <a:round/>
+                      <a:headEnd type="none" w="med" len="med"/>
+                      <a:tailEnd type="none" w="med" len="med"/>
+                    </a:lnT>
+                    <a:lnB w="9525" cap="flat" cmpd="sng" algn="ctr">
+                      <a:solidFill>
+                        <a:srgbClr val="CCCCCC"/>
+                      </a:solidFill>
+                      <a:prstDash val="solid"/>
+                      <a:round/>
+                      <a:headEnd type="none" w="med" len="med"/>
+                      <a:tailEnd type="none" w="med" len="med"/>
+                    </a:lnB>
+                  </a:tcPr>
+                </a:tc>
+              </a:tr>
+              <a:tr h="232673">
+                <a:tc>
+                  <a:txBody>
+                    <a:bodyPr/>
+                    <a:lstStyle/>
+                    <a:p>
+                      <a:pPr algn="ctr" rtl="0" fontAlgn="b"/>
+                      <a:r>
+                        <a:rPr lang="en-US" sz="1400" b="1" dirty="0">
+                          <a:solidFill>
+                            <a:srgbClr val="00B050"/>
+                          </a:solidFill>
+                          <a:effectLst/>
+                        </a:rPr>
+                        <a:t>8</a:t>
+                      </a:r>
+                    </a:p>
+                  </a:txBody>
+                  <a:tcPr marL="10288" marR="10288" marT="6859" marB="6859" anchor="b">
+                    <a:lnL w="9525" cap="flat" cmpd="sng" algn="ctr">
+                      <a:solidFill>
+                        <a:srgbClr val="000000"/>
+                      </a:solidFill>
+                      <a:prstDash val="solid"/>
+                      <a:round/>
+                      <a:headEnd type="none" w="med" len="med"/>
+                      <a:tailEnd type="none" w="med" len="med"/>
+                    </a:lnL>
+                    <a:lnR w="9525" cap="flat" cmpd="sng" algn="ctr">
+                      <a:solidFill>
+                        <a:srgbClr val="CCCCCC"/>
+                      </a:solidFill>
+                      <a:prstDash val="solid"/>
+                      <a:round/>
+                      <a:headEnd type="none" w="med" len="med"/>
+                      <a:tailEnd type="none" w="med" len="med"/>
+                    </a:lnR>
+                    <a:lnT w="9525" cap="flat" cmpd="sng" algn="ctr">
+                      <a:solidFill>
+                        <a:srgbClr val="CCCCCC"/>
+                      </a:solidFill>
+                      <a:prstDash val="solid"/>
+                      <a:round/>
+                      <a:headEnd type="none" w="med" len="med"/>
+                      <a:tailEnd type="none" w="med" len="med"/>
+                    </a:lnT>
+                    <a:lnB w="9525" cap="flat" cmpd="sng" algn="ctr">
+                      <a:solidFill>
+                        <a:srgbClr val="CCCCCC"/>
+                      </a:solidFill>
+                      <a:prstDash val="solid"/>
+                      <a:round/>
+                      <a:headEnd type="none" w="med" len="med"/>
+                      <a:tailEnd type="none" w="med" len="med"/>
+                    </a:lnB>
+                  </a:tcPr>
+                </a:tc>
+                <a:tc>
+                  <a:txBody>
+                    <a:bodyPr/>
+                    <a:lstStyle/>
+                    <a:p>
+                      <a:pPr algn="ctr" rtl="0" fontAlgn="b"/>
+                      <a:r>
+                        <a:rPr lang="en-US" sz="1400" b="1" dirty="0">
+                          <a:solidFill>
+                            <a:srgbClr val="00B050"/>
+                          </a:solidFill>
+                          <a:effectLst/>
+                        </a:rPr>
+                        <a:t>17/9/2022</a:t>
+                      </a:r>
+                    </a:p>
+                  </a:txBody>
+                  <a:tcPr marL="10288" marR="10288" marT="6859" marB="6859" anchor="b">
+                    <a:lnL w="9525" cap="flat" cmpd="sng" algn="ctr">
+                      <a:solidFill>
+                        <a:srgbClr val="CCCCCC"/>
+                      </a:solidFill>
+                      <a:prstDash val="solid"/>
+                      <a:round/>
+                      <a:headEnd type="none" w="med" len="med"/>
+                      <a:tailEnd type="none" w="med" len="med"/>
+                    </a:lnL>
+                    <a:lnR w="9525" cap="flat" cmpd="sng" algn="ctr">
+                      <a:solidFill>
+                        <a:srgbClr val="CCCCCC"/>
+                      </a:solidFill>
+                      <a:prstDash val="solid"/>
+                      <a:round/>
+                      <a:headEnd type="none" w="med" len="med"/>
+                      <a:tailEnd type="none" w="med" len="med"/>
+                    </a:lnR>
+                    <a:lnT w="9525" cap="flat" cmpd="sng" algn="ctr">
+                      <a:solidFill>
+                        <a:srgbClr val="CCCCCC"/>
+                      </a:solidFill>
+                      <a:prstDash val="solid"/>
+                      <a:round/>
+                      <a:headEnd type="none" w="med" len="med"/>
+                      <a:tailEnd type="none" w="med" len="med"/>
+                    </a:lnT>
+                    <a:lnB w="9525" cap="flat" cmpd="sng" algn="ctr">
+                      <a:solidFill>
+                        <a:srgbClr val="CCCCCC"/>
+                      </a:solidFill>
+                      <a:prstDash val="solid"/>
+                      <a:round/>
+                      <a:headEnd type="none" w="med" len="med"/>
+                      <a:tailEnd type="none" w="med" len="med"/>
+                    </a:lnB>
+                  </a:tcPr>
+                </a:tc>
+                <a:tc vMerge="1">
+                  <a:txBody>
+                    <a:bodyPr/>
+                    <a:lstStyle/>
+                    <a:p>
+                      <a:pPr algn="ctr" rtl="0" fontAlgn="b"/>
+                      <a:endParaRPr lang="en-US" sz="1400" b="1" dirty="0">
+                        <a:solidFill>
+                          <a:srgbClr val="00B050"/>
+                        </a:solidFill>
+                        <a:effectLst/>
+                      </a:endParaRPr>
+                    </a:p>
+                  </a:txBody>
+                  <a:tcPr marL="10288" marR="10288" marT="6859" marB="6859" anchor="b">
+                    <a:lnL w="9525" cap="flat" cmpd="sng" algn="ctr">
+                      <a:solidFill>
+                        <a:srgbClr val="CCCCCC"/>
+                      </a:solidFill>
+                      <a:prstDash val="solid"/>
+                      <a:round/>
+                      <a:headEnd type="none" w="med" len="med"/>
+                      <a:tailEnd type="none" w="med" len="med"/>
+                    </a:lnL>
+                    <a:lnR w="9525" cap="flat" cmpd="sng" algn="ctr">
+                      <a:solidFill>
+                        <a:srgbClr val="CCCCCC"/>
+                      </a:solidFill>
+                      <a:prstDash val="solid"/>
+                      <a:round/>
+                      <a:headEnd type="none" w="med" len="med"/>
+                      <a:tailEnd type="none" w="med" len="med"/>
+                    </a:lnR>
+                    <a:lnT w="9525" cap="flat" cmpd="sng" algn="ctr">
+                      <a:solidFill>
+                        <a:srgbClr val="CCCCCC"/>
+                      </a:solidFill>
+                      <a:prstDash val="solid"/>
+                      <a:round/>
+                      <a:headEnd type="none" w="med" len="med"/>
+                      <a:tailEnd type="none" w="med" len="med"/>
+                    </a:lnT>
+                    <a:lnB w="9525" cap="flat" cmpd="sng" algn="ctr">
+                      <a:solidFill>
+                        <a:srgbClr val="CCCCCC"/>
+                      </a:solidFill>
+                      <a:prstDash val="solid"/>
+                      <a:round/>
+                      <a:headEnd type="none" w="med" len="med"/>
+                      <a:tailEnd type="none" w="med" len="med"/>
+                    </a:lnB>
+                  </a:tcPr>
+                </a:tc>
+                <a:tc vMerge="1">
+                  <a:txBody>
+                    <a:bodyPr/>
+                    <a:lstStyle/>
+                    <a:p>
+                      <a:endParaRPr lang="en-US"/>
+                    </a:p>
+                  </a:txBody>
+                  <a:tcPr/>
+                </a:tc>
+                <a:tc>
+                  <a:txBody>
+                    <a:bodyPr/>
+                    <a:lstStyle/>
+                    <a:p>
+                      <a:pPr algn="ctr" rtl="0" fontAlgn="b"/>
+                      <a:r>
+                        <a:rPr lang="en-US" sz="1400" b="1" dirty="0" err="1">
+                          <a:solidFill>
+                            <a:srgbClr val="00B050"/>
+                          </a:solidFill>
+                          <a:effectLst/>
+                        </a:rPr>
+                        <a:t>Avaliação</a:t>
+                      </a:r>
+                      <a:r>
+                        <a:rPr lang="en-US" sz="1400" b="1" dirty="0">
+                          <a:solidFill>
+                            <a:srgbClr val="00B050"/>
+                          </a:solidFill>
+                          <a:effectLst/>
+                        </a:rPr>
+                        <a:t> </a:t>
+                      </a:r>
+                      <a:r>
+                        <a:rPr lang="en-US" sz="1400" b="1" dirty="0" err="1">
+                          <a:solidFill>
+                            <a:srgbClr val="00B050"/>
+                          </a:solidFill>
+                          <a:effectLst/>
+                        </a:rPr>
+                        <a:t>Presencial</a:t>
+                      </a:r>
+                      <a:r>
+                        <a:rPr lang="en-US" sz="1400" b="1" dirty="0">
+                          <a:solidFill>
+                            <a:srgbClr val="00B050"/>
+                          </a:solidFill>
+                          <a:effectLst/>
+                        </a:rPr>
+                        <a:t> I</a:t>
+                      </a:r>
+                    </a:p>
+                  </a:txBody>
+                  <a:tcPr marL="10288" marR="10288" marT="6859" marB="6859" anchor="b">
+                    <a:lnL w="9525" cap="flat" cmpd="sng" algn="ctr">
+                      <a:solidFill>
+                        <a:srgbClr val="CCCCCC"/>
+                      </a:solidFill>
+                      <a:prstDash val="solid"/>
+                      <a:round/>
+                      <a:headEnd type="none" w="med" len="med"/>
+                      <a:tailEnd type="none" w="med" len="med"/>
+                    </a:lnL>
+                    <a:lnR w="9525" cap="flat" cmpd="sng" algn="ctr">
+                      <a:solidFill>
+                        <a:srgbClr val="000000"/>
+                      </a:solidFill>
+                      <a:prstDash val="solid"/>
+                      <a:round/>
+                      <a:headEnd type="none" w="med" len="med"/>
+                      <a:tailEnd type="none" w="med" len="med"/>
+                    </a:lnR>
+                    <a:lnT w="9525" cap="flat" cmpd="sng" algn="ctr">
+                      <a:solidFill>
+                        <a:srgbClr val="CCCCCC"/>
+                      </a:solidFill>
+                      <a:prstDash val="solid"/>
+                      <a:round/>
+                      <a:headEnd type="none" w="med" len="med"/>
+                      <a:tailEnd type="none" w="med" len="med"/>
+                    </a:lnT>
+                    <a:lnB w="9525" cap="flat" cmpd="sng" algn="ctr">
+                      <a:solidFill>
+                        <a:srgbClr val="CCCCCC"/>
+                      </a:solidFill>
+                      <a:prstDash val="solid"/>
+                      <a:round/>
+                      <a:headEnd type="none" w="med" len="med"/>
+                      <a:tailEnd type="none" w="med" len="med"/>
+                    </a:lnB>
+                  </a:tcPr>
+                </a:tc>
+              </a:tr>
+              <a:tr h="232673">
+                <a:tc>
+                  <a:txBody>
+                    <a:bodyPr/>
+                    <a:lstStyle/>
+                    <a:p>
+                      <a:pPr algn="ctr" rtl="0" fontAlgn="b"/>
+                      <a:r>
+                        <a:rPr lang="en-US" sz="1400" dirty="0">
+                          <a:effectLst/>
+                        </a:rPr>
+                        <a:t>9</a:t>
+                      </a:r>
+                    </a:p>
+                  </a:txBody>
+                  <a:tcPr marL="10288" marR="10288" marT="6859" marB="6859" anchor="b">
+                    <a:lnL w="9525" cap="flat" cmpd="sng" algn="ctr">
+                      <a:solidFill>
+                        <a:srgbClr val="000000"/>
+                      </a:solidFill>
+                      <a:prstDash val="solid"/>
+                      <a:round/>
+                      <a:headEnd type="none" w="med" len="med"/>
+                      <a:tailEnd type="none" w="med" len="med"/>
+                    </a:lnL>
+                    <a:lnR w="9525" cap="flat" cmpd="sng" algn="ctr">
+                      <a:solidFill>
+                        <a:srgbClr val="CCCCCC"/>
+                      </a:solidFill>
+                      <a:prstDash val="solid"/>
+                      <a:round/>
+                      <a:headEnd type="none" w="med" len="med"/>
+                      <a:tailEnd type="none" w="med" len="med"/>
+                    </a:lnR>
+                    <a:lnT w="9525" cap="flat" cmpd="sng" algn="ctr">
+                      <a:solidFill>
+                        <a:srgbClr val="CCCCCC"/>
+                      </a:solidFill>
+                      <a:prstDash val="solid"/>
+                      <a:round/>
+                      <a:headEnd type="none" w="med" len="med"/>
+                      <a:tailEnd type="none" w="med" len="med"/>
+                    </a:lnT>
+                    <a:lnB w="9525" cap="flat" cmpd="sng" algn="ctr">
+                      <a:solidFill>
+                        <a:srgbClr val="CCCCCC"/>
+                      </a:solidFill>
+                      <a:prstDash val="solid"/>
+                      <a:round/>
+                      <a:headEnd type="none" w="med" len="med"/>
+                      <a:tailEnd type="none" w="med" len="med"/>
+                    </a:lnB>
+                  </a:tcPr>
+                </a:tc>
+                <a:tc>
+                  <a:txBody>
+                    <a:bodyPr/>
+                    <a:lstStyle/>
+                    <a:p>
+                      <a:pPr algn="ctr" rtl="0" fontAlgn="b"/>
+                      <a:r>
+                        <a:rPr lang="en-US" sz="1400" dirty="0">
+                          <a:effectLst/>
+                        </a:rPr>
+                        <a:t>24/9/2022</a:t>
+                      </a:r>
+                    </a:p>
+                  </a:txBody>
+                  <a:tcPr marL="10288" marR="10288" marT="6859" marB="6859" anchor="b">
+                    <a:lnL w="9525" cap="flat" cmpd="sng" algn="ctr">
+                      <a:solidFill>
+                        <a:srgbClr val="CCCCCC"/>
+                      </a:solidFill>
+                      <a:prstDash val="solid"/>
+                      <a:round/>
+                      <a:headEnd type="none" w="med" len="med"/>
+                      <a:tailEnd type="none" w="med" len="med"/>
+                    </a:lnL>
+                    <a:lnR w="9525" cap="flat" cmpd="sng" algn="ctr">
+                      <a:solidFill>
+                        <a:srgbClr val="CCCCCC"/>
+                      </a:solidFill>
+                      <a:prstDash val="solid"/>
+                      <a:round/>
+                      <a:headEnd type="none" w="med" len="med"/>
+                      <a:tailEnd type="none" w="med" len="med"/>
+                    </a:lnR>
+                    <a:lnT w="9525" cap="flat" cmpd="sng" algn="ctr">
+                      <a:solidFill>
+                        <a:srgbClr val="CCCCCC"/>
+                      </a:solidFill>
+                      <a:prstDash val="solid"/>
+                      <a:round/>
+                      <a:headEnd type="none" w="med" len="med"/>
+                      <a:tailEnd type="none" w="med" len="med"/>
+                    </a:lnT>
+                    <a:lnB w="9525" cap="flat" cmpd="sng" algn="ctr">
+                      <a:solidFill>
+                        <a:srgbClr val="CCCCCC"/>
+                      </a:solidFill>
+                      <a:prstDash val="solid"/>
+                      <a:round/>
+                      <a:headEnd type="none" w="med" len="med"/>
+                      <a:tailEnd type="none" w="med" len="med"/>
+                    </a:lnB>
+                  </a:tcPr>
+                </a:tc>
+                <a:tc vMerge="1">
+                  <a:txBody>
+                    <a:bodyPr/>
+                    <a:lstStyle/>
+                    <a:p>
+                      <a:pPr algn="ctr" rtl="0" fontAlgn="b"/>
+                      <a:endParaRPr lang="en-US" sz="1400" dirty="0">
+                        <a:effectLst/>
+                      </a:endParaRPr>
+                    </a:p>
+                  </a:txBody>
+                  <a:tcPr marL="10288" marR="10288" marT="6859" marB="6859" anchor="b">
+                    <a:lnL w="9525" cap="flat" cmpd="sng" algn="ctr">
+                      <a:solidFill>
+                        <a:srgbClr val="CCCCCC"/>
+                      </a:solidFill>
+                      <a:prstDash val="solid"/>
+                      <a:round/>
+                      <a:headEnd type="none" w="med" len="med"/>
+                      <a:tailEnd type="none" w="med" len="med"/>
+                    </a:lnL>
+                    <a:lnR w="9525" cap="flat" cmpd="sng" algn="ctr">
+                      <a:solidFill>
+                        <a:srgbClr val="CCCCCC"/>
+                      </a:solidFill>
+                      <a:prstDash val="solid"/>
+                      <a:round/>
+                      <a:headEnd type="none" w="med" len="med"/>
+                      <a:tailEnd type="none" w="med" len="med"/>
+                    </a:lnR>
+                    <a:lnT w="9525" cap="flat" cmpd="sng" algn="ctr">
+                      <a:solidFill>
+                        <a:srgbClr val="CCCCCC"/>
+                      </a:solidFill>
+                      <a:prstDash val="solid"/>
+                      <a:round/>
+                      <a:headEnd type="none" w="med" len="med"/>
+                      <a:tailEnd type="none" w="med" len="med"/>
+                    </a:lnT>
+                    <a:lnB w="9525" cap="flat" cmpd="sng" algn="ctr">
+                      <a:solidFill>
+                        <a:srgbClr val="CCCCCC"/>
+                      </a:solidFill>
+                      <a:prstDash val="solid"/>
+                      <a:round/>
+                      <a:headEnd type="none" w="med" len="med"/>
+                      <a:tailEnd type="none" w="med" len="med"/>
+                    </a:lnB>
+                  </a:tcPr>
+                </a:tc>
+                <a:tc vMerge="1">
+                  <a:txBody>
+                    <a:bodyPr/>
+                    <a:lstStyle/>
+                    <a:p>
+                      <a:endParaRPr lang="en-US"/>
+                    </a:p>
+                  </a:txBody>
+                  <a:tcPr/>
+                </a:tc>
+                <a:tc>
+                  <a:txBody>
+                    <a:bodyPr/>
+                    <a:lstStyle/>
+                    <a:p>
+                      <a:pPr algn="ctr" rtl="0" fontAlgn="b"/>
+                      <a:r>
+                        <a:rPr lang="pt-BR" sz="1400" dirty="0" smtClean="0"/>
+                        <a:t>Introdução</a:t>
+                      </a:r>
+                      <a:r>
+                        <a:rPr lang="pt-BR" sz="1400" baseline="0" dirty="0" smtClean="0"/>
+                        <a:t> ao Aprendizado de Máquina</a:t>
+                      </a:r>
+                      <a:endParaRPr lang="en-US" sz="1400" dirty="0">
+                        <a:effectLst/>
+                      </a:endParaRPr>
+                    </a:p>
+                  </a:txBody>
+                  <a:tcPr marL="10288" marR="10288" marT="6859" marB="6859" anchor="b">
+                    <a:lnL w="9525" cap="flat" cmpd="sng" algn="ctr">
+                      <a:solidFill>
+                        <a:srgbClr val="CCCCCC"/>
+                      </a:solidFill>
+                      <a:prstDash val="solid"/>
+                      <a:round/>
+                      <a:headEnd type="none" w="med" len="med"/>
+                      <a:tailEnd type="none" w="med" len="med"/>
+                    </a:lnL>
+                    <a:lnR w="9525" cap="flat" cmpd="sng" algn="ctr">
+                      <a:solidFill>
+                        <a:srgbClr val="000000"/>
+                      </a:solidFill>
+                      <a:prstDash val="solid"/>
+                      <a:round/>
+                      <a:headEnd type="none" w="med" len="med"/>
+                      <a:tailEnd type="none" w="med" len="med"/>
+                    </a:lnR>
+                    <a:lnT w="9525" cap="flat" cmpd="sng" algn="ctr">
+                      <a:solidFill>
+                        <a:srgbClr val="CCCCCC"/>
+                      </a:solidFill>
+                      <a:prstDash val="solid"/>
+                      <a:round/>
+                      <a:headEnd type="none" w="med" len="med"/>
+                      <a:tailEnd type="none" w="med" len="med"/>
+                    </a:lnT>
+                    <a:lnB w="9525" cap="flat" cmpd="sng" algn="ctr">
+                      <a:solidFill>
+                        <a:srgbClr val="CCCCCC"/>
+                      </a:solidFill>
+                      <a:prstDash val="solid"/>
+                      <a:round/>
+                      <a:headEnd type="none" w="med" len="med"/>
+                      <a:tailEnd type="none" w="med" len="med"/>
+                    </a:lnB>
+                  </a:tcPr>
+                </a:tc>
+              </a:tr>
+              <a:tr h="232673">
+                <a:tc>
+                  <a:txBody>
+                    <a:bodyPr/>
+                    <a:lstStyle/>
+                    <a:p>
+                      <a:pPr algn="ctr" rtl="0" fontAlgn="b"/>
+                      <a:r>
+                        <a:rPr lang="en-US" sz="1400">
+                          <a:effectLst/>
+                        </a:rPr>
+                        <a:t>10</a:t>
+                      </a:r>
+                    </a:p>
+                  </a:txBody>
+                  <a:tcPr marL="10288" marR="10288" marT="6859" marB="6859" anchor="b">
+                    <a:lnL w="9525" cap="flat" cmpd="sng" algn="ctr">
+                      <a:solidFill>
+                        <a:srgbClr val="000000"/>
+                      </a:solidFill>
+                      <a:prstDash val="solid"/>
+                      <a:round/>
+                      <a:headEnd type="none" w="med" len="med"/>
+                      <a:tailEnd type="none" w="med" len="med"/>
+                    </a:lnL>
+                    <a:lnR w="9525" cap="flat" cmpd="sng" algn="ctr">
+                      <a:solidFill>
+                        <a:srgbClr val="CCCCCC"/>
+                      </a:solidFill>
+                      <a:prstDash val="solid"/>
+                      <a:round/>
+                      <a:headEnd type="none" w="med" len="med"/>
+                      <a:tailEnd type="none" w="med" len="med"/>
+                    </a:lnR>
+                    <a:lnT w="9525" cap="flat" cmpd="sng" algn="ctr">
+                      <a:solidFill>
+                        <a:srgbClr val="CCCCCC"/>
+                      </a:solidFill>
+                      <a:prstDash val="solid"/>
+                      <a:round/>
+                      <a:headEnd type="none" w="med" len="med"/>
+                      <a:tailEnd type="none" w="med" len="med"/>
+                    </a:lnT>
+                    <a:lnB w="9525" cap="flat" cmpd="sng" algn="ctr">
+                      <a:solidFill>
+                        <a:srgbClr val="CCCCCC"/>
+                      </a:solidFill>
+                      <a:prstDash val="solid"/>
+                      <a:round/>
+                      <a:headEnd type="none" w="med" len="med"/>
+                      <a:tailEnd type="none" w="med" len="med"/>
+                    </a:lnB>
+                  </a:tcPr>
+                </a:tc>
+                <a:tc>
+                  <a:txBody>
+                    <a:bodyPr/>
+                    <a:lstStyle/>
+                    <a:p>
+                      <a:pPr algn="ctr" rtl="0" fontAlgn="b"/>
+                      <a:r>
+                        <a:rPr lang="en-US" sz="1400" dirty="0">
+                          <a:effectLst/>
+                        </a:rPr>
+                        <a:t>1/10/2022</a:t>
+                      </a:r>
+                    </a:p>
+                  </a:txBody>
+                  <a:tcPr marL="10288" marR="10288" marT="6859" marB="6859" anchor="b">
+                    <a:lnL w="9525" cap="flat" cmpd="sng" algn="ctr">
+                      <a:solidFill>
+                        <a:srgbClr val="CCCCCC"/>
+                      </a:solidFill>
+                      <a:prstDash val="solid"/>
+                      <a:round/>
+                      <a:headEnd type="none" w="med" len="med"/>
+                      <a:tailEnd type="none" w="med" len="med"/>
+                    </a:lnL>
+                    <a:lnR w="9525" cap="flat" cmpd="sng" algn="ctr">
+                      <a:solidFill>
+                        <a:srgbClr val="CCCCCC"/>
+                      </a:solidFill>
+                      <a:prstDash val="solid"/>
+                      <a:round/>
+                      <a:headEnd type="none" w="med" len="med"/>
+                      <a:tailEnd type="none" w="med" len="med"/>
+                    </a:lnR>
+                    <a:lnT w="9525" cap="flat" cmpd="sng" algn="ctr">
+                      <a:solidFill>
+                        <a:srgbClr val="CCCCCC"/>
+                      </a:solidFill>
+                      <a:prstDash val="solid"/>
+                      <a:round/>
+                      <a:headEnd type="none" w="med" len="med"/>
+                      <a:tailEnd type="none" w="med" len="med"/>
+                    </a:lnT>
+                    <a:lnB w="9525" cap="flat" cmpd="sng" algn="ctr">
+                      <a:solidFill>
+                        <a:srgbClr val="CCCCCC"/>
+                      </a:solidFill>
+                      <a:prstDash val="solid"/>
+                      <a:round/>
+                      <a:headEnd type="none" w="med" len="med"/>
+                      <a:tailEnd type="none" w="med" len="med"/>
+                    </a:lnB>
+                  </a:tcPr>
+                </a:tc>
+                <a:tc vMerge="1">
+                  <a:txBody>
+                    <a:bodyPr/>
+                    <a:lstStyle/>
+                    <a:p>
+                      <a:pPr algn="ctr" rtl="0" fontAlgn="b"/>
+                      <a:endParaRPr lang="en-US" sz="1400" dirty="0">
+                        <a:effectLst/>
+                      </a:endParaRPr>
+                    </a:p>
+                  </a:txBody>
+                  <a:tcPr marL="10288" marR="10288" marT="6859" marB="6859" anchor="b">
+                    <a:lnL w="9525" cap="flat" cmpd="sng" algn="ctr">
+                      <a:solidFill>
+                        <a:srgbClr val="CCCCCC"/>
+                      </a:solidFill>
+                      <a:prstDash val="solid"/>
+                      <a:round/>
+                      <a:headEnd type="none" w="med" len="med"/>
+                      <a:tailEnd type="none" w="med" len="med"/>
+                    </a:lnL>
+                    <a:lnR w="9525" cap="flat" cmpd="sng" algn="ctr">
+                      <a:solidFill>
+                        <a:srgbClr val="CCCCCC"/>
+                      </a:solidFill>
+                      <a:prstDash val="solid"/>
+                      <a:round/>
+                      <a:headEnd type="none" w="med" len="med"/>
+                      <a:tailEnd type="none" w="med" len="med"/>
+                    </a:lnR>
+                    <a:lnT w="9525" cap="flat" cmpd="sng" algn="ctr">
+                      <a:solidFill>
+                        <a:srgbClr val="CCCCCC"/>
+                      </a:solidFill>
+                      <a:prstDash val="solid"/>
+                      <a:round/>
+                      <a:headEnd type="none" w="med" len="med"/>
+                      <a:tailEnd type="none" w="med" len="med"/>
+                    </a:lnT>
+                    <a:lnB w="9525" cap="flat" cmpd="sng" algn="ctr">
+                      <a:solidFill>
+                        <a:srgbClr val="CCCCCC"/>
+                      </a:solidFill>
+                      <a:prstDash val="solid"/>
+                      <a:round/>
+                      <a:headEnd type="none" w="med" len="med"/>
+                      <a:tailEnd type="none" w="med" len="med"/>
+                    </a:lnB>
+                  </a:tcPr>
+                </a:tc>
+                <a:tc vMerge="1">
+                  <a:txBody>
+                    <a:bodyPr/>
+                    <a:lstStyle/>
+                    <a:p>
+                      <a:endParaRPr lang="en-US"/>
+                    </a:p>
+                  </a:txBody>
+                  <a:tcPr/>
+                </a:tc>
+                <a:tc>
+                  <a:txBody>
+                    <a:bodyPr/>
+                    <a:lstStyle/>
+                    <a:p>
+                      <a:pPr algn="ctr" rtl="0" fontAlgn="b"/>
+                      <a:r>
+                        <a:rPr lang="pt-BR" sz="1400" dirty="0" smtClean="0"/>
+                        <a:t>Introdução</a:t>
+                      </a:r>
+                      <a:r>
+                        <a:rPr lang="pt-BR" sz="1400" baseline="0" dirty="0" smtClean="0"/>
+                        <a:t> ao Aprendizado de Máquina</a:t>
+                      </a:r>
+                      <a:endParaRPr lang="en-US" sz="1400" dirty="0">
+                        <a:effectLst/>
+                      </a:endParaRPr>
+                    </a:p>
+                  </a:txBody>
+                  <a:tcPr marL="10288" marR="10288" marT="6859" marB="6859" anchor="b">
+                    <a:lnL w="9525" cap="flat" cmpd="sng" algn="ctr">
+                      <a:solidFill>
+                        <a:srgbClr val="CCCCCC"/>
+                      </a:solidFill>
+                      <a:prstDash val="solid"/>
+                      <a:round/>
+                      <a:headEnd type="none" w="med" len="med"/>
+                      <a:tailEnd type="none" w="med" len="med"/>
+                    </a:lnL>
+                    <a:lnR w="9525" cap="flat" cmpd="sng" algn="ctr">
+                      <a:solidFill>
+                        <a:srgbClr val="000000"/>
+                      </a:solidFill>
+                      <a:prstDash val="solid"/>
+                      <a:round/>
+                      <a:headEnd type="none" w="med" len="med"/>
+                      <a:tailEnd type="none" w="med" len="med"/>
+                    </a:lnR>
+                    <a:lnT w="9525" cap="flat" cmpd="sng" algn="ctr">
+                      <a:solidFill>
+                        <a:srgbClr val="CCCCCC"/>
+                      </a:solidFill>
+                      <a:prstDash val="solid"/>
+                      <a:round/>
+                      <a:headEnd type="none" w="med" len="med"/>
+                      <a:tailEnd type="none" w="med" len="med"/>
+                    </a:lnT>
+                    <a:lnB w="9525" cap="flat" cmpd="sng" algn="ctr">
+                      <a:solidFill>
+                        <a:srgbClr val="CCCCCC"/>
+                      </a:solidFill>
+                      <a:prstDash val="solid"/>
+                      <a:round/>
+                      <a:headEnd type="none" w="med" len="med"/>
+                      <a:tailEnd type="none" w="med" len="med"/>
+                    </a:lnB>
+                  </a:tcPr>
+                </a:tc>
+              </a:tr>
+              <a:tr h="232673">
+                <a:tc>
+                  <a:txBody>
+                    <a:bodyPr/>
+                    <a:lstStyle/>
+                    <a:p>
+                      <a:pPr algn="ctr" rtl="0" fontAlgn="b"/>
+                      <a:r>
+                        <a:rPr lang="en-US" sz="1400">
+                          <a:effectLst/>
+                        </a:rPr>
+                        <a:t>11</a:t>
+                      </a:r>
+                    </a:p>
+                  </a:txBody>
+                  <a:tcPr marL="10288" marR="10288" marT="6859" marB="6859" anchor="b">
+                    <a:lnL w="9525" cap="flat" cmpd="sng" algn="ctr">
+                      <a:solidFill>
+                        <a:srgbClr val="000000"/>
+                      </a:solidFill>
+                      <a:prstDash val="solid"/>
+                      <a:round/>
+                      <a:headEnd type="none" w="med" len="med"/>
+                      <a:tailEnd type="none" w="med" len="med"/>
+                    </a:lnL>
+                    <a:lnR w="9525" cap="flat" cmpd="sng" algn="ctr">
+                      <a:solidFill>
+                        <a:srgbClr val="CCCCCC"/>
+                      </a:solidFill>
+                      <a:prstDash val="solid"/>
+                      <a:round/>
+                      <a:headEnd type="none" w="med" len="med"/>
+                      <a:tailEnd type="none" w="med" len="med"/>
+                    </a:lnR>
+                    <a:lnT w="9525" cap="flat" cmpd="sng" algn="ctr">
+                      <a:solidFill>
+                        <a:srgbClr val="CCCCCC"/>
+                      </a:solidFill>
+                      <a:prstDash val="solid"/>
+                      <a:round/>
+                      <a:headEnd type="none" w="med" len="med"/>
+                      <a:tailEnd type="none" w="med" len="med"/>
+                    </a:lnT>
+                    <a:lnB w="9525" cap="flat" cmpd="sng" algn="ctr">
+                      <a:solidFill>
+                        <a:srgbClr val="CCCCCC"/>
+                      </a:solidFill>
+                      <a:prstDash val="solid"/>
+                      <a:round/>
+                      <a:headEnd type="none" w="med" len="med"/>
+                      <a:tailEnd type="none" w="med" len="med"/>
+                    </a:lnB>
+                  </a:tcPr>
+                </a:tc>
+                <a:tc>
+                  <a:txBody>
+                    <a:bodyPr/>
+                    <a:lstStyle/>
+                    <a:p>
+                      <a:pPr algn="ctr" rtl="0" fontAlgn="b"/>
+                      <a:r>
+                        <a:rPr lang="en-US" sz="1400" dirty="0">
+                          <a:effectLst/>
+                        </a:rPr>
+                        <a:t>8/10/2022</a:t>
+                      </a:r>
+                    </a:p>
+                  </a:txBody>
+                  <a:tcPr marL="10288" marR="10288" marT="6859" marB="6859" anchor="b">
+                    <a:lnL w="9525" cap="flat" cmpd="sng" algn="ctr">
+                      <a:solidFill>
+                        <a:srgbClr val="CCCCCC"/>
+                      </a:solidFill>
+                      <a:prstDash val="solid"/>
+                      <a:round/>
+                      <a:headEnd type="none" w="med" len="med"/>
+                      <a:tailEnd type="none" w="med" len="med"/>
+                    </a:lnL>
+                    <a:lnR w="9525" cap="flat" cmpd="sng" algn="ctr">
+                      <a:solidFill>
+                        <a:srgbClr val="CCCCCC"/>
+                      </a:solidFill>
+                      <a:prstDash val="solid"/>
+                      <a:round/>
+                      <a:headEnd type="none" w="med" len="med"/>
+                      <a:tailEnd type="none" w="med" len="med"/>
+                    </a:lnR>
+                    <a:lnT w="9525" cap="flat" cmpd="sng" algn="ctr">
+                      <a:solidFill>
+                        <a:srgbClr val="CCCCCC"/>
+                      </a:solidFill>
+                      <a:prstDash val="solid"/>
+                      <a:round/>
+                      <a:headEnd type="none" w="med" len="med"/>
+                      <a:tailEnd type="none" w="med" len="med"/>
+                    </a:lnT>
+                    <a:lnB w="9525" cap="flat" cmpd="sng" algn="ctr">
+                      <a:solidFill>
+                        <a:srgbClr val="CCCCCC"/>
+                      </a:solidFill>
+                      <a:prstDash val="solid"/>
+                      <a:round/>
+                      <a:headEnd type="none" w="med" len="med"/>
+                      <a:tailEnd type="none" w="med" len="med"/>
+                    </a:lnB>
+                  </a:tcPr>
+                </a:tc>
+                <a:tc vMerge="1">
+                  <a:txBody>
+                    <a:bodyPr/>
+                    <a:lstStyle/>
+                    <a:p>
+                      <a:pPr algn="ctr" rtl="0" fontAlgn="b"/>
+                      <a:endParaRPr lang="en-US" sz="1400" dirty="0">
+                        <a:effectLst/>
+                      </a:endParaRPr>
+                    </a:p>
+                  </a:txBody>
+                  <a:tcPr marL="10288" marR="10288" marT="6859" marB="6859" anchor="b">
+                    <a:lnL w="9525" cap="flat" cmpd="sng" algn="ctr">
+                      <a:solidFill>
+                        <a:srgbClr val="CCCCCC"/>
+                      </a:solidFill>
+                      <a:prstDash val="solid"/>
+                      <a:round/>
+                      <a:headEnd type="none" w="med" len="med"/>
+                      <a:tailEnd type="none" w="med" len="med"/>
+                    </a:lnL>
+                    <a:lnR w="9525" cap="flat" cmpd="sng" algn="ctr">
+                      <a:solidFill>
+                        <a:srgbClr val="CCCCCC"/>
+                      </a:solidFill>
+                      <a:prstDash val="solid"/>
+                      <a:round/>
+                      <a:headEnd type="none" w="med" len="med"/>
+                      <a:tailEnd type="none" w="med" len="med"/>
+                    </a:lnR>
+                    <a:lnT w="9525" cap="flat" cmpd="sng" algn="ctr">
+                      <a:solidFill>
+                        <a:srgbClr val="CCCCCC"/>
+                      </a:solidFill>
+                      <a:prstDash val="solid"/>
+                      <a:round/>
+                      <a:headEnd type="none" w="med" len="med"/>
+                      <a:tailEnd type="none" w="med" len="med"/>
+                    </a:lnT>
+                    <a:lnB w="9525" cap="flat" cmpd="sng" algn="ctr">
+                      <a:solidFill>
+                        <a:srgbClr val="CCCCCC"/>
+                      </a:solidFill>
+                      <a:prstDash val="solid"/>
+                      <a:round/>
+                      <a:headEnd type="none" w="med" len="med"/>
+                      <a:tailEnd type="none" w="med" len="med"/>
+                    </a:lnB>
+                  </a:tcPr>
+                </a:tc>
+                <a:tc vMerge="1">
+                  <a:txBody>
+                    <a:bodyPr/>
+                    <a:lstStyle/>
+                    <a:p>
+                      <a:endParaRPr lang="en-US"/>
+                    </a:p>
+                  </a:txBody>
+                  <a:tcPr/>
+                </a:tc>
+                <a:tc>
+                  <a:txBody>
+                    <a:bodyPr/>
+                    <a:lstStyle/>
+                    <a:p>
+                      <a:pPr algn="ctr" rtl="0" fontAlgn="b"/>
+                      <a:r>
+                        <a:rPr lang="pt-BR" sz="1400" dirty="0" smtClean="0"/>
+                        <a:t>Introdução</a:t>
+                      </a:r>
+                      <a:r>
+                        <a:rPr lang="pt-BR" sz="1400" baseline="0" dirty="0" smtClean="0"/>
+                        <a:t> ao Aprendizado de Máquina</a:t>
+                      </a:r>
+                      <a:endParaRPr lang="en-US" sz="1400" dirty="0">
+                        <a:effectLst/>
+                      </a:endParaRPr>
+                    </a:p>
+                  </a:txBody>
+                  <a:tcPr marL="10288" marR="10288" marT="6859" marB="6859" anchor="b">
+                    <a:lnL w="9525" cap="flat" cmpd="sng" algn="ctr">
+                      <a:solidFill>
+                        <a:srgbClr val="CCCCCC"/>
+                      </a:solidFill>
+                      <a:prstDash val="solid"/>
+                      <a:round/>
+                      <a:headEnd type="none" w="med" len="med"/>
+                      <a:tailEnd type="none" w="med" len="med"/>
+                    </a:lnL>
+                    <a:lnR w="9525" cap="flat" cmpd="sng" algn="ctr">
+                      <a:solidFill>
+                        <a:srgbClr val="000000"/>
+                      </a:solidFill>
+                      <a:prstDash val="solid"/>
+                      <a:round/>
+                      <a:headEnd type="none" w="med" len="med"/>
+                      <a:tailEnd type="none" w="med" len="med"/>
+                    </a:lnR>
+                    <a:lnT w="9525" cap="flat" cmpd="sng" algn="ctr">
+                      <a:solidFill>
+                        <a:srgbClr val="CCCCCC"/>
+                      </a:solidFill>
+                      <a:prstDash val="solid"/>
+                      <a:round/>
+                      <a:headEnd type="none" w="med" len="med"/>
+                      <a:tailEnd type="none" w="med" len="med"/>
+                    </a:lnT>
+                    <a:lnB w="9525" cap="flat" cmpd="sng" algn="ctr">
+                      <a:solidFill>
+                        <a:srgbClr val="CCCCCC"/>
+                      </a:solidFill>
+                      <a:prstDash val="solid"/>
+                      <a:round/>
+                      <a:headEnd type="none" w="med" len="med"/>
+                      <a:tailEnd type="none" w="med" len="med"/>
+                    </a:lnB>
+                  </a:tcPr>
+                </a:tc>
+              </a:tr>
+              <a:tr h="232673">
+                <a:tc>
+                  <a:txBody>
+                    <a:bodyPr/>
+                    <a:lstStyle/>
+                    <a:p>
+                      <a:pPr algn="ctr" rtl="0" fontAlgn="b"/>
+                      <a:r>
+                        <a:rPr lang="en-US" sz="1400">
+                          <a:effectLst/>
+                        </a:rPr>
+                        <a:t>12</a:t>
+                      </a:r>
+                    </a:p>
+                  </a:txBody>
+                  <a:tcPr marL="10288" marR="10288" marT="6859" marB="6859" anchor="b">
+                    <a:lnL w="9525" cap="flat" cmpd="sng" algn="ctr">
+                      <a:solidFill>
+                        <a:srgbClr val="000000"/>
+                      </a:solidFill>
+                      <a:prstDash val="solid"/>
+                      <a:round/>
+                      <a:headEnd type="none" w="med" len="med"/>
+                      <a:tailEnd type="none" w="med" len="med"/>
+                    </a:lnL>
+                    <a:lnR w="9525" cap="flat" cmpd="sng" algn="ctr">
+                      <a:solidFill>
+                        <a:srgbClr val="CCCCCC"/>
+                      </a:solidFill>
+                      <a:prstDash val="solid"/>
+                      <a:round/>
+                      <a:headEnd type="none" w="med" len="med"/>
+                      <a:tailEnd type="none" w="med" len="med"/>
+                    </a:lnR>
+                    <a:lnT w="9525" cap="flat" cmpd="sng" algn="ctr">
+                      <a:solidFill>
+                        <a:srgbClr val="CCCCCC"/>
+                      </a:solidFill>
+                      <a:prstDash val="solid"/>
+                      <a:round/>
+                      <a:headEnd type="none" w="med" len="med"/>
+                      <a:tailEnd type="none" w="med" len="med"/>
+                    </a:lnT>
+                    <a:lnB w="9525" cap="flat" cmpd="sng" algn="ctr">
+                      <a:solidFill>
+                        <a:srgbClr val="CCCCCC"/>
+                      </a:solidFill>
+                      <a:prstDash val="solid"/>
+                      <a:round/>
+                      <a:headEnd type="none" w="med" len="med"/>
+                      <a:tailEnd type="none" w="med" len="med"/>
+                    </a:lnB>
+                  </a:tcPr>
+                </a:tc>
+                <a:tc>
+                  <a:txBody>
+                    <a:bodyPr/>
+                    <a:lstStyle/>
+                    <a:p>
+                      <a:pPr algn="ctr" rtl="0" fontAlgn="b"/>
+                      <a:r>
+                        <a:rPr lang="en-US" sz="1400" dirty="0">
+                          <a:effectLst/>
+                        </a:rPr>
+                        <a:t>15/10/2022</a:t>
+                      </a:r>
+                    </a:p>
+                  </a:txBody>
+                  <a:tcPr marL="10288" marR="10288" marT="6859" marB="6859" anchor="b">
+                    <a:lnL w="9525" cap="flat" cmpd="sng" algn="ctr">
+                      <a:solidFill>
+                        <a:srgbClr val="CCCCCC"/>
+                      </a:solidFill>
+                      <a:prstDash val="solid"/>
+                      <a:round/>
+                      <a:headEnd type="none" w="med" len="med"/>
+                      <a:tailEnd type="none" w="med" len="med"/>
+                    </a:lnL>
+                    <a:lnR w="9525" cap="flat" cmpd="sng" algn="ctr">
+                      <a:solidFill>
+                        <a:srgbClr val="CCCCCC"/>
+                      </a:solidFill>
+                      <a:prstDash val="solid"/>
+                      <a:round/>
+                      <a:headEnd type="none" w="med" len="med"/>
+                      <a:tailEnd type="none" w="med" len="med"/>
+                    </a:lnR>
+                    <a:lnT w="9525" cap="flat" cmpd="sng" algn="ctr">
+                      <a:solidFill>
+                        <a:srgbClr val="CCCCCC"/>
+                      </a:solidFill>
+                      <a:prstDash val="solid"/>
+                      <a:round/>
+                      <a:headEnd type="none" w="med" len="med"/>
+                      <a:tailEnd type="none" w="med" len="med"/>
+                    </a:lnT>
+                    <a:lnB w="9525" cap="flat" cmpd="sng" algn="ctr">
+                      <a:solidFill>
+                        <a:srgbClr val="CCCCCC"/>
+                      </a:solidFill>
+                      <a:prstDash val="solid"/>
+                      <a:round/>
+                      <a:headEnd type="none" w="med" len="med"/>
+                      <a:tailEnd type="none" w="med" len="med"/>
+                    </a:lnB>
+                  </a:tcPr>
+                </a:tc>
+                <a:tc vMerge="1">
+                  <a:txBody>
+                    <a:bodyPr/>
+                    <a:lstStyle/>
+                    <a:p>
+                      <a:pPr algn="ctr" rtl="0" fontAlgn="b"/>
+                      <a:endParaRPr lang="en-US" sz="1400" dirty="0">
+                        <a:effectLst/>
+                      </a:endParaRPr>
+                    </a:p>
+                  </a:txBody>
+                  <a:tcPr marL="10288" marR="10288" marT="6859" marB="6859" anchor="b">
+                    <a:lnL w="9525" cap="flat" cmpd="sng" algn="ctr">
+                      <a:solidFill>
+                        <a:srgbClr val="CCCCCC"/>
+                      </a:solidFill>
+                      <a:prstDash val="solid"/>
+                      <a:round/>
+                      <a:headEnd type="none" w="med" len="med"/>
+                      <a:tailEnd type="none" w="med" len="med"/>
+                    </a:lnL>
+                    <a:lnR w="9525" cap="flat" cmpd="sng" algn="ctr">
+                      <a:solidFill>
+                        <a:srgbClr val="CCCCCC"/>
+                      </a:solidFill>
+                      <a:prstDash val="solid"/>
+                      <a:round/>
+                      <a:headEnd type="none" w="med" len="med"/>
+                      <a:tailEnd type="none" w="med" len="med"/>
+                    </a:lnR>
+                    <a:lnT w="9525" cap="flat" cmpd="sng" algn="ctr">
+                      <a:solidFill>
+                        <a:srgbClr val="CCCCCC"/>
+                      </a:solidFill>
+                      <a:prstDash val="solid"/>
+                      <a:round/>
+                      <a:headEnd type="none" w="med" len="med"/>
+                      <a:tailEnd type="none" w="med" len="med"/>
+                    </a:lnT>
+                    <a:lnB w="9525" cap="flat" cmpd="sng" algn="ctr">
+                      <a:solidFill>
+                        <a:srgbClr val="CCCCCC"/>
+                      </a:solidFill>
+                      <a:prstDash val="solid"/>
+                      <a:round/>
+                      <a:headEnd type="none" w="med" len="med"/>
+                      <a:tailEnd type="none" w="med" len="med"/>
+                    </a:lnB>
+                  </a:tcPr>
+                </a:tc>
+                <a:tc vMerge="1">
+                  <a:txBody>
+                    <a:bodyPr/>
+                    <a:lstStyle/>
+                    <a:p>
+                      <a:endParaRPr lang="en-US"/>
+                    </a:p>
+                  </a:txBody>
+                  <a:tcPr/>
+                </a:tc>
+                <a:tc>
+                  <a:txBody>
+                    <a:bodyPr/>
+                    <a:lstStyle/>
+                    <a:p>
+                      <a:pPr algn="ctr" rtl="0" fontAlgn="b"/>
+                      <a:r>
+                        <a:rPr lang="pt-BR" sz="1400" dirty="0" smtClean="0"/>
+                        <a:t>Introdução</a:t>
+                      </a:r>
+                      <a:r>
+                        <a:rPr lang="pt-BR" sz="1400" baseline="0" dirty="0" smtClean="0"/>
+                        <a:t> ao Aprendizado de Máquina</a:t>
+                      </a:r>
+                      <a:endParaRPr lang="en-US" sz="1400" dirty="0">
+                        <a:effectLst/>
+                      </a:endParaRPr>
+                    </a:p>
+                  </a:txBody>
+                  <a:tcPr marL="10288" marR="10288" marT="6859" marB="6859" anchor="b">
+                    <a:lnL w="9525" cap="flat" cmpd="sng" algn="ctr">
+                      <a:solidFill>
+                        <a:srgbClr val="CCCCCC"/>
+                      </a:solidFill>
+                      <a:prstDash val="solid"/>
+                      <a:round/>
+                      <a:headEnd type="none" w="med" len="med"/>
+                      <a:tailEnd type="none" w="med" len="med"/>
+                    </a:lnL>
+                    <a:lnR w="9525" cap="flat" cmpd="sng" algn="ctr">
+                      <a:solidFill>
+                        <a:srgbClr val="000000"/>
+                      </a:solidFill>
+                      <a:prstDash val="solid"/>
+                      <a:round/>
+                      <a:headEnd type="none" w="med" len="med"/>
+                      <a:tailEnd type="none" w="med" len="med"/>
+                    </a:lnR>
+                    <a:lnT w="9525" cap="flat" cmpd="sng" algn="ctr">
+                      <a:solidFill>
+                        <a:srgbClr val="CCCCCC"/>
+                      </a:solidFill>
+                      <a:prstDash val="solid"/>
+                      <a:round/>
+                      <a:headEnd type="none" w="med" len="med"/>
+                      <a:tailEnd type="none" w="med" len="med"/>
+                    </a:lnT>
+                    <a:lnB w="9525" cap="flat" cmpd="sng" algn="ctr">
+                      <a:solidFill>
+                        <a:srgbClr val="CCCCCC"/>
+                      </a:solidFill>
+                      <a:prstDash val="solid"/>
+                      <a:round/>
+                      <a:headEnd type="none" w="med" len="med"/>
+                      <a:tailEnd type="none" w="med" len="med"/>
+                    </a:lnB>
+                  </a:tcPr>
+                </a:tc>
+              </a:tr>
+              <a:tr h="232673">
+                <a:tc>
+                  <a:txBody>
+                    <a:bodyPr/>
+                    <a:lstStyle/>
+                    <a:p>
+                      <a:pPr algn="ctr" rtl="0" fontAlgn="b"/>
+                      <a:r>
+                        <a:rPr lang="en-US" sz="1400">
+                          <a:effectLst/>
+                        </a:rPr>
+                        <a:t>13</a:t>
+                      </a:r>
+                    </a:p>
+                  </a:txBody>
+                  <a:tcPr marL="10288" marR="10288" marT="6859" marB="6859" anchor="b">
+                    <a:lnL w="9525" cap="flat" cmpd="sng" algn="ctr">
+                      <a:solidFill>
+                        <a:srgbClr val="000000"/>
+                      </a:solidFill>
+                      <a:prstDash val="solid"/>
+                      <a:round/>
+                      <a:headEnd type="none" w="med" len="med"/>
+                      <a:tailEnd type="none" w="med" len="med"/>
+                    </a:lnL>
+                    <a:lnR w="9525" cap="flat" cmpd="sng" algn="ctr">
+                      <a:solidFill>
+                        <a:srgbClr val="CCCCCC"/>
+                      </a:solidFill>
+                      <a:prstDash val="solid"/>
+                      <a:round/>
+                      <a:headEnd type="none" w="med" len="med"/>
+                      <a:tailEnd type="none" w="med" len="med"/>
+                    </a:lnR>
+                    <a:lnT w="9525" cap="flat" cmpd="sng" algn="ctr">
+                      <a:solidFill>
+                        <a:srgbClr val="CCCCCC"/>
+                      </a:solidFill>
+                      <a:prstDash val="solid"/>
+                      <a:round/>
+                      <a:headEnd type="none" w="med" len="med"/>
+                      <a:tailEnd type="none" w="med" len="med"/>
+                    </a:lnT>
+                    <a:lnB w="9525" cap="flat" cmpd="sng" algn="ctr">
+                      <a:solidFill>
+                        <a:srgbClr val="CCCCCC"/>
+                      </a:solidFill>
+                      <a:prstDash val="solid"/>
+                      <a:round/>
+                      <a:headEnd type="none" w="med" len="med"/>
+                      <a:tailEnd type="none" w="med" len="med"/>
+                    </a:lnB>
+                  </a:tcPr>
+                </a:tc>
+                <a:tc>
+                  <a:txBody>
+                    <a:bodyPr/>
+                    <a:lstStyle/>
+                    <a:p>
+                      <a:pPr algn="ctr" rtl="0" fontAlgn="b"/>
+                      <a:r>
+                        <a:rPr lang="en-US" sz="1400" dirty="0">
+                          <a:effectLst/>
+                        </a:rPr>
+                        <a:t>22/10/2022</a:t>
+                      </a:r>
+                    </a:p>
+                  </a:txBody>
+                  <a:tcPr marL="10288" marR="10288" marT="6859" marB="6859" anchor="b">
+                    <a:lnL w="9525" cap="flat" cmpd="sng" algn="ctr">
+                      <a:solidFill>
+                        <a:srgbClr val="CCCCCC"/>
+                      </a:solidFill>
+                      <a:prstDash val="solid"/>
+                      <a:round/>
+                      <a:headEnd type="none" w="med" len="med"/>
+                      <a:tailEnd type="none" w="med" len="med"/>
+                    </a:lnL>
+                    <a:lnR w="9525" cap="flat" cmpd="sng" algn="ctr">
+                      <a:solidFill>
+                        <a:srgbClr val="CCCCCC"/>
+                      </a:solidFill>
+                      <a:prstDash val="solid"/>
+                      <a:round/>
+                      <a:headEnd type="none" w="med" len="med"/>
+                      <a:tailEnd type="none" w="med" len="med"/>
+                    </a:lnR>
+                    <a:lnT w="9525" cap="flat" cmpd="sng" algn="ctr">
+                      <a:solidFill>
+                        <a:srgbClr val="CCCCCC"/>
+                      </a:solidFill>
+                      <a:prstDash val="solid"/>
+                      <a:round/>
+                      <a:headEnd type="none" w="med" len="med"/>
+                      <a:tailEnd type="none" w="med" len="med"/>
+                    </a:lnT>
+                    <a:lnB w="9525" cap="flat" cmpd="sng" algn="ctr">
+                      <a:solidFill>
+                        <a:srgbClr val="CCCCCC"/>
+                      </a:solidFill>
+                      <a:prstDash val="solid"/>
+                      <a:round/>
+                      <a:headEnd type="none" w="med" len="med"/>
+                      <a:tailEnd type="none" w="med" len="med"/>
+                    </a:lnB>
+                  </a:tcPr>
+                </a:tc>
+                <a:tc vMerge="1">
+                  <a:txBody>
+                    <a:bodyPr/>
+                    <a:lstStyle/>
+                    <a:p>
+                      <a:pPr algn="ctr" rtl="0" fontAlgn="b"/>
+                      <a:endParaRPr lang="en-US" sz="1400" dirty="0">
+                        <a:effectLst/>
+                      </a:endParaRPr>
+                    </a:p>
+                  </a:txBody>
+                  <a:tcPr marL="10288" marR="10288" marT="6859" marB="6859" anchor="b">
+                    <a:lnL w="9525" cap="flat" cmpd="sng" algn="ctr">
+                      <a:solidFill>
+                        <a:srgbClr val="CCCCCC"/>
+                      </a:solidFill>
+                      <a:prstDash val="solid"/>
+                      <a:round/>
+                      <a:headEnd type="none" w="med" len="med"/>
+                      <a:tailEnd type="none" w="med" len="med"/>
+                    </a:lnL>
+                    <a:lnR w="9525" cap="flat" cmpd="sng" algn="ctr">
+                      <a:solidFill>
+                        <a:srgbClr val="CCCCCC"/>
+                      </a:solidFill>
+                      <a:prstDash val="solid"/>
+                      <a:round/>
+                      <a:headEnd type="none" w="med" len="med"/>
+                      <a:tailEnd type="none" w="med" len="med"/>
+                    </a:lnR>
+                    <a:lnT w="9525" cap="flat" cmpd="sng" algn="ctr">
+                      <a:solidFill>
+                        <a:srgbClr val="CCCCCC"/>
+                      </a:solidFill>
+                      <a:prstDash val="solid"/>
+                      <a:round/>
+                      <a:headEnd type="none" w="med" len="med"/>
+                      <a:tailEnd type="none" w="med" len="med"/>
+                    </a:lnT>
+                    <a:lnB w="9525" cap="flat" cmpd="sng" algn="ctr">
+                      <a:solidFill>
+                        <a:srgbClr val="CCCCCC"/>
+                      </a:solidFill>
+                      <a:prstDash val="solid"/>
+                      <a:round/>
+                      <a:headEnd type="none" w="med" len="med"/>
+                      <a:tailEnd type="none" w="med" len="med"/>
+                    </a:lnB>
+                  </a:tcPr>
+                </a:tc>
+                <a:tc vMerge="1">
+                  <a:txBody>
+                    <a:bodyPr/>
+                    <a:lstStyle/>
+                    <a:p>
+                      <a:endParaRPr lang="en-US"/>
+                    </a:p>
+                  </a:txBody>
+                  <a:tcPr/>
+                </a:tc>
+                <a:tc>
+                  <a:txBody>
+                    <a:bodyPr/>
+                    <a:lstStyle/>
+                    <a:p>
+                      <a:pPr algn="ctr" rtl="0" fontAlgn="b"/>
+                      <a:r>
+                        <a:rPr lang="pt-BR" sz="1400" dirty="0" smtClean="0"/>
+                        <a:t>Introdução</a:t>
+                      </a:r>
+                      <a:r>
+                        <a:rPr lang="pt-BR" sz="1400" baseline="0" dirty="0" smtClean="0"/>
+                        <a:t> ao Aprendizado de Máquina</a:t>
+                      </a:r>
+                      <a:endParaRPr lang="en-US" sz="1400" dirty="0">
+                        <a:effectLst/>
+                      </a:endParaRPr>
+                    </a:p>
+                  </a:txBody>
+                  <a:tcPr marL="10288" marR="10288" marT="6859" marB="6859" anchor="b">
+                    <a:lnL w="9525" cap="flat" cmpd="sng" algn="ctr">
+                      <a:solidFill>
+                        <a:srgbClr val="CCCCCC"/>
+                      </a:solidFill>
+                      <a:prstDash val="solid"/>
+                      <a:round/>
+                      <a:headEnd type="none" w="med" len="med"/>
+                      <a:tailEnd type="none" w="med" len="med"/>
+                    </a:lnL>
+                    <a:lnR w="9525" cap="flat" cmpd="sng" algn="ctr">
+                      <a:solidFill>
+                        <a:srgbClr val="000000"/>
+                      </a:solidFill>
+                      <a:prstDash val="solid"/>
+                      <a:round/>
+                      <a:headEnd type="none" w="med" len="med"/>
+                      <a:tailEnd type="none" w="med" len="med"/>
+                    </a:lnR>
+                    <a:lnT w="9525" cap="flat" cmpd="sng" algn="ctr">
+                      <a:solidFill>
+                        <a:srgbClr val="CCCCCC"/>
+                      </a:solidFill>
+                      <a:prstDash val="solid"/>
+                      <a:round/>
+                      <a:headEnd type="none" w="med" len="med"/>
+                      <a:tailEnd type="none" w="med" len="med"/>
+                    </a:lnT>
+                    <a:lnB w="9525" cap="flat" cmpd="sng" algn="ctr">
+                      <a:solidFill>
+                        <a:srgbClr val="CCCCCC"/>
+                      </a:solidFill>
+                      <a:prstDash val="solid"/>
+                      <a:round/>
+                      <a:headEnd type="none" w="med" len="med"/>
+                      <a:tailEnd type="none" w="med" len="med"/>
+                    </a:lnB>
+                  </a:tcPr>
+                </a:tc>
+              </a:tr>
+              <a:tr h="232673">
+                <a:tc>
+                  <a:txBody>
+                    <a:bodyPr/>
+                    <a:lstStyle/>
+                    <a:p>
+                      <a:pPr algn="ctr" rtl="0" fontAlgn="b"/>
+                      <a:r>
+                        <a:rPr lang="en-US" sz="1400">
+                          <a:effectLst/>
+                        </a:rPr>
+                        <a:t>14</a:t>
+                      </a:r>
+                    </a:p>
+                  </a:txBody>
+                  <a:tcPr marL="10288" marR="10288" marT="6859" marB="6859" anchor="b">
+                    <a:lnL w="9525" cap="flat" cmpd="sng" algn="ctr">
+                      <a:solidFill>
+                        <a:srgbClr val="000000"/>
+                      </a:solidFill>
+                      <a:prstDash val="solid"/>
+                      <a:round/>
+                      <a:headEnd type="none" w="med" len="med"/>
+                      <a:tailEnd type="none" w="med" len="med"/>
+                    </a:lnL>
+                    <a:lnR w="9525" cap="flat" cmpd="sng" algn="ctr">
+                      <a:solidFill>
+                        <a:srgbClr val="CCCCCC"/>
+                      </a:solidFill>
+                      <a:prstDash val="solid"/>
+                      <a:round/>
+                      <a:headEnd type="none" w="med" len="med"/>
+                      <a:tailEnd type="none" w="med" len="med"/>
+                    </a:lnR>
+                    <a:lnT w="9525" cap="flat" cmpd="sng" algn="ctr">
+                      <a:solidFill>
+                        <a:srgbClr val="CCCCCC"/>
+                      </a:solidFill>
+                      <a:prstDash val="solid"/>
+                      <a:round/>
+                      <a:headEnd type="none" w="med" len="med"/>
+                      <a:tailEnd type="none" w="med" len="med"/>
+                    </a:lnT>
+                    <a:lnB w="9525" cap="flat" cmpd="sng" algn="ctr">
+                      <a:solidFill>
+                        <a:srgbClr val="CCCCCC"/>
+                      </a:solidFill>
+                      <a:prstDash val="solid"/>
+                      <a:round/>
+                      <a:headEnd type="none" w="med" len="med"/>
+                      <a:tailEnd type="none" w="med" len="med"/>
+                    </a:lnB>
+                  </a:tcPr>
+                </a:tc>
+                <a:tc>
+                  <a:txBody>
+                    <a:bodyPr/>
+                    <a:lstStyle/>
+                    <a:p>
+                      <a:pPr algn="ctr" rtl="0" fontAlgn="b"/>
+                      <a:r>
+                        <a:rPr lang="en-US" sz="1400" dirty="0">
+                          <a:effectLst/>
+                        </a:rPr>
+                        <a:t>29/10/2022</a:t>
+                      </a:r>
+                    </a:p>
+                  </a:txBody>
+                  <a:tcPr marL="10288" marR="10288" marT="6859" marB="6859" anchor="b">
+                    <a:lnL w="9525" cap="flat" cmpd="sng" algn="ctr">
+                      <a:solidFill>
+                        <a:srgbClr val="CCCCCC"/>
+                      </a:solidFill>
+                      <a:prstDash val="solid"/>
+                      <a:round/>
+                      <a:headEnd type="none" w="med" len="med"/>
+                      <a:tailEnd type="none" w="med" len="med"/>
+                    </a:lnL>
+                    <a:lnR w="9525" cap="flat" cmpd="sng" algn="ctr">
+                      <a:solidFill>
+                        <a:srgbClr val="CCCCCC"/>
+                      </a:solidFill>
+                      <a:prstDash val="solid"/>
+                      <a:round/>
+                      <a:headEnd type="none" w="med" len="med"/>
+                      <a:tailEnd type="none" w="med" len="med"/>
+                    </a:lnR>
+                    <a:lnT w="9525" cap="flat" cmpd="sng" algn="ctr">
+                      <a:solidFill>
+                        <a:srgbClr val="CCCCCC"/>
+                      </a:solidFill>
+                      <a:prstDash val="solid"/>
+                      <a:round/>
+                      <a:headEnd type="none" w="med" len="med"/>
+                      <a:tailEnd type="none" w="med" len="med"/>
+                    </a:lnT>
+                    <a:lnB w="9525" cap="flat" cmpd="sng" algn="ctr">
+                      <a:solidFill>
+                        <a:srgbClr val="CCCCCC"/>
+                      </a:solidFill>
+                      <a:prstDash val="solid"/>
+                      <a:round/>
+                      <a:headEnd type="none" w="med" len="med"/>
+                      <a:tailEnd type="none" w="med" len="med"/>
+                    </a:lnB>
+                  </a:tcPr>
+                </a:tc>
+                <a:tc vMerge="1">
+                  <a:txBody>
+                    <a:bodyPr/>
+                    <a:lstStyle/>
+                    <a:p>
+                      <a:pPr algn="ctr" rtl="0" fontAlgn="b"/>
+                      <a:endParaRPr lang="en-US" sz="1400" dirty="0">
+                        <a:effectLst/>
+                      </a:endParaRPr>
+                    </a:p>
+                  </a:txBody>
+                  <a:tcPr marL="10288" marR="10288" marT="6859" marB="6859" anchor="b">
+                    <a:lnL w="9525" cap="flat" cmpd="sng" algn="ctr">
+                      <a:solidFill>
+                        <a:srgbClr val="CCCCCC"/>
+                      </a:solidFill>
+                      <a:prstDash val="solid"/>
+                      <a:round/>
+                      <a:headEnd type="none" w="med" len="med"/>
+                      <a:tailEnd type="none" w="med" len="med"/>
+                    </a:lnL>
+                    <a:lnR w="9525" cap="flat" cmpd="sng" algn="ctr">
+                      <a:solidFill>
+                        <a:srgbClr val="CCCCCC"/>
+                      </a:solidFill>
+                      <a:prstDash val="solid"/>
+                      <a:round/>
+                      <a:headEnd type="none" w="med" len="med"/>
+                      <a:tailEnd type="none" w="med" len="med"/>
+                    </a:lnR>
+                    <a:lnT w="9525" cap="flat" cmpd="sng" algn="ctr">
+                      <a:solidFill>
+                        <a:srgbClr val="CCCCCC"/>
+                      </a:solidFill>
+                      <a:prstDash val="solid"/>
+                      <a:round/>
+                      <a:headEnd type="none" w="med" len="med"/>
+                      <a:tailEnd type="none" w="med" len="med"/>
+                    </a:lnT>
+                    <a:lnB w="9525" cap="flat" cmpd="sng" algn="ctr">
+                      <a:solidFill>
+                        <a:srgbClr val="CCCCCC"/>
+                      </a:solidFill>
+                      <a:prstDash val="solid"/>
+                      <a:round/>
+                      <a:headEnd type="none" w="med" len="med"/>
+                      <a:tailEnd type="none" w="med" len="med"/>
+                    </a:lnB>
+                  </a:tcPr>
+                </a:tc>
+                <a:tc vMerge="1">
+                  <a:txBody>
+                    <a:bodyPr/>
+                    <a:lstStyle/>
+                    <a:p>
+                      <a:endParaRPr lang="en-US"/>
+                    </a:p>
+                  </a:txBody>
+                  <a:tcPr/>
+                </a:tc>
+                <a:tc>
+                  <a:txBody>
+                    <a:bodyPr/>
+                    <a:lstStyle/>
+                    <a:p>
+                      <a:pPr algn="ctr" rtl="0" fontAlgn="b"/>
+                      <a:r>
+                        <a:rPr lang="pt-BR" sz="1400" dirty="0" smtClean="0"/>
+                        <a:t>Introdução</a:t>
+                      </a:r>
+                      <a:r>
+                        <a:rPr lang="pt-BR" sz="1400" baseline="0" dirty="0" smtClean="0"/>
+                        <a:t> ao Aprendizado de Máquina</a:t>
+                      </a:r>
+                      <a:endParaRPr lang="en-US" sz="1400" dirty="0">
+                        <a:effectLst/>
+                      </a:endParaRPr>
+                    </a:p>
+                  </a:txBody>
+                  <a:tcPr marL="10288" marR="10288" marT="6859" marB="6859" anchor="b">
+                    <a:lnL w="9525" cap="flat" cmpd="sng" algn="ctr">
+                      <a:solidFill>
+                        <a:srgbClr val="CCCCCC"/>
+                      </a:solidFill>
+                      <a:prstDash val="solid"/>
+                      <a:round/>
+                      <a:headEnd type="none" w="med" len="med"/>
+                      <a:tailEnd type="none" w="med" len="med"/>
+                    </a:lnL>
+                    <a:lnR w="9525" cap="flat" cmpd="sng" algn="ctr">
+                      <a:solidFill>
+                        <a:srgbClr val="000000"/>
+                      </a:solidFill>
+                      <a:prstDash val="solid"/>
+                      <a:round/>
+                      <a:headEnd type="none" w="med" len="med"/>
+                      <a:tailEnd type="none" w="med" len="med"/>
+                    </a:lnR>
+                    <a:lnT w="9525" cap="flat" cmpd="sng" algn="ctr">
+                      <a:solidFill>
+                        <a:srgbClr val="CCCCCC"/>
+                      </a:solidFill>
+                      <a:prstDash val="solid"/>
+                      <a:round/>
+                      <a:headEnd type="none" w="med" len="med"/>
+                      <a:tailEnd type="none" w="med" len="med"/>
+                    </a:lnT>
+                    <a:lnB w="9525" cap="flat" cmpd="sng" algn="ctr">
+                      <a:solidFill>
+                        <a:srgbClr val="CCCCCC"/>
+                      </a:solidFill>
+                      <a:prstDash val="solid"/>
+                      <a:round/>
+                      <a:headEnd type="none" w="med" len="med"/>
+                      <a:tailEnd type="none" w="med" len="med"/>
+                    </a:lnB>
+                  </a:tcPr>
+                </a:tc>
+              </a:tr>
+              <a:tr h="232673">
+                <a:tc>
+                  <a:txBody>
+                    <a:bodyPr/>
+                    <a:lstStyle/>
+                    <a:p>
+                      <a:pPr algn="ctr" rtl="0" fontAlgn="b"/>
+                      <a:r>
+                        <a:rPr lang="en-US" sz="1400">
+                          <a:effectLst/>
+                        </a:rPr>
+                        <a:t>15</a:t>
+                      </a:r>
+                    </a:p>
+                  </a:txBody>
+                  <a:tcPr marL="10288" marR="10288" marT="6859" marB="6859" anchor="b">
+                    <a:lnL w="9525" cap="flat" cmpd="sng" algn="ctr">
+                      <a:solidFill>
+                        <a:srgbClr val="000000"/>
+                      </a:solidFill>
+                      <a:prstDash val="solid"/>
+                      <a:round/>
+                      <a:headEnd type="none" w="med" len="med"/>
+                      <a:tailEnd type="none" w="med" len="med"/>
+                    </a:lnL>
+                    <a:lnR w="9525" cap="flat" cmpd="sng" algn="ctr">
+                      <a:solidFill>
+                        <a:srgbClr val="CCCCCC"/>
+                      </a:solidFill>
+                      <a:prstDash val="solid"/>
+                      <a:round/>
+                      <a:headEnd type="none" w="med" len="med"/>
+                      <a:tailEnd type="none" w="med" len="med"/>
+                    </a:lnR>
+                    <a:lnT w="9525" cap="flat" cmpd="sng" algn="ctr">
+                      <a:solidFill>
+                        <a:srgbClr val="CCCCCC"/>
+                      </a:solidFill>
+                      <a:prstDash val="solid"/>
+                      <a:round/>
+                      <a:headEnd type="none" w="med" len="med"/>
+                      <a:tailEnd type="none" w="med" len="med"/>
+                    </a:lnT>
+                    <a:lnB w="9525" cap="flat" cmpd="sng" algn="ctr">
+                      <a:solidFill>
+                        <a:srgbClr val="CCCCCC"/>
+                      </a:solidFill>
+                      <a:prstDash val="solid"/>
+                      <a:round/>
+                      <a:headEnd type="none" w="med" len="med"/>
+                      <a:tailEnd type="none" w="med" len="med"/>
+                    </a:lnB>
+                  </a:tcPr>
+                </a:tc>
+                <a:tc>
+                  <a:txBody>
+                    <a:bodyPr/>
+                    <a:lstStyle/>
+                    <a:p>
+                      <a:pPr algn="ctr" rtl="0" fontAlgn="b"/>
+                      <a:r>
+                        <a:rPr lang="en-US" sz="1400" dirty="0">
+                          <a:effectLst/>
+                        </a:rPr>
+                        <a:t>5/11/2022</a:t>
+                      </a:r>
+                    </a:p>
+                  </a:txBody>
+                  <a:tcPr marL="10288" marR="10288" marT="6859" marB="6859" anchor="b">
+                    <a:lnL w="9525" cap="flat" cmpd="sng" algn="ctr">
+                      <a:solidFill>
+                        <a:srgbClr val="CCCCCC"/>
+                      </a:solidFill>
+                      <a:prstDash val="solid"/>
+                      <a:round/>
+                      <a:headEnd type="none" w="med" len="med"/>
+                      <a:tailEnd type="none" w="med" len="med"/>
+                    </a:lnL>
+                    <a:lnR w="9525" cap="flat" cmpd="sng" algn="ctr">
+                      <a:solidFill>
+                        <a:srgbClr val="CCCCCC"/>
+                      </a:solidFill>
+                      <a:prstDash val="solid"/>
+                      <a:round/>
+                      <a:headEnd type="none" w="med" len="med"/>
+                      <a:tailEnd type="none" w="med" len="med"/>
+                    </a:lnR>
+                    <a:lnT w="9525" cap="flat" cmpd="sng" algn="ctr">
+                      <a:solidFill>
+                        <a:srgbClr val="CCCCCC"/>
+                      </a:solidFill>
+                      <a:prstDash val="solid"/>
+                      <a:round/>
+                      <a:headEnd type="none" w="med" len="med"/>
+                      <a:tailEnd type="none" w="med" len="med"/>
+                    </a:lnT>
+                    <a:lnB w="9525" cap="flat" cmpd="sng" algn="ctr">
+                      <a:solidFill>
+                        <a:srgbClr val="CCCCCC"/>
+                      </a:solidFill>
+                      <a:prstDash val="solid"/>
+                      <a:round/>
+                      <a:headEnd type="none" w="med" len="med"/>
+                      <a:tailEnd type="none" w="med" len="med"/>
+                    </a:lnB>
+                  </a:tcPr>
+                </a:tc>
+                <a:tc vMerge="1">
+                  <a:txBody>
+                    <a:bodyPr/>
+                    <a:lstStyle/>
+                    <a:p>
+                      <a:pPr algn="ctr" rtl="0" fontAlgn="b"/>
+                      <a:endParaRPr lang="en-US" sz="1400" dirty="0">
+                        <a:effectLst/>
+                      </a:endParaRPr>
+                    </a:p>
+                  </a:txBody>
+                  <a:tcPr marL="10288" marR="10288" marT="6859" marB="6859" anchor="b">
+                    <a:lnL w="9525" cap="flat" cmpd="sng" algn="ctr">
+                      <a:solidFill>
+                        <a:srgbClr val="CCCCCC"/>
+                      </a:solidFill>
+                      <a:prstDash val="solid"/>
+                      <a:round/>
+                      <a:headEnd type="none" w="med" len="med"/>
+                      <a:tailEnd type="none" w="med" len="med"/>
+                    </a:lnL>
+                    <a:lnR w="9525" cap="flat" cmpd="sng" algn="ctr">
+                      <a:solidFill>
+                        <a:srgbClr val="CCCCCC"/>
+                      </a:solidFill>
+                      <a:prstDash val="solid"/>
+                      <a:round/>
+                      <a:headEnd type="none" w="med" len="med"/>
+                      <a:tailEnd type="none" w="med" len="med"/>
+                    </a:lnR>
+                    <a:lnT w="9525" cap="flat" cmpd="sng" algn="ctr">
+                      <a:solidFill>
+                        <a:srgbClr val="CCCCCC"/>
+                      </a:solidFill>
+                      <a:prstDash val="solid"/>
+                      <a:round/>
+                      <a:headEnd type="none" w="med" len="med"/>
+                      <a:tailEnd type="none" w="med" len="med"/>
+                    </a:lnT>
+                    <a:lnB w="9525" cap="flat" cmpd="sng" algn="ctr">
+                      <a:solidFill>
+                        <a:srgbClr val="CCCCCC"/>
+                      </a:solidFill>
+                      <a:prstDash val="solid"/>
+                      <a:round/>
+                      <a:headEnd type="none" w="med" len="med"/>
+                      <a:tailEnd type="none" w="med" len="med"/>
+                    </a:lnB>
+                  </a:tcPr>
+                </a:tc>
+                <a:tc vMerge="1">
+                  <a:txBody>
+                    <a:bodyPr/>
+                    <a:lstStyle/>
+                    <a:p>
+                      <a:endParaRPr lang="en-US"/>
+                    </a:p>
+                  </a:txBody>
+                  <a:tcPr/>
+                </a:tc>
+                <a:tc>
+                  <a:txBody>
+                    <a:bodyPr/>
+                    <a:lstStyle/>
+                    <a:p>
+                      <a:pPr algn="ctr" rtl="0" fontAlgn="b"/>
+                      <a:r>
+                        <a:rPr lang="pt-BR" sz="1400" dirty="0" smtClean="0"/>
+                        <a:t>Introdução</a:t>
+                      </a:r>
+                      <a:r>
+                        <a:rPr lang="pt-BR" sz="1400" baseline="0" dirty="0" smtClean="0"/>
+                        <a:t> ao Aprendizado de Máquina</a:t>
+                      </a:r>
+                      <a:endParaRPr lang="en-US" sz="1400" dirty="0">
+                        <a:effectLst/>
+                      </a:endParaRPr>
+                    </a:p>
+                  </a:txBody>
+                  <a:tcPr marL="10288" marR="10288" marT="6859" marB="6859" anchor="b">
+                    <a:lnL w="9525" cap="flat" cmpd="sng" algn="ctr">
+                      <a:solidFill>
+                        <a:srgbClr val="CCCCCC"/>
+                      </a:solidFill>
+                      <a:prstDash val="solid"/>
+                      <a:round/>
+                      <a:headEnd type="none" w="med" len="med"/>
+                      <a:tailEnd type="none" w="med" len="med"/>
+                    </a:lnL>
+                    <a:lnR w="9525" cap="flat" cmpd="sng" algn="ctr">
+                      <a:solidFill>
+                        <a:srgbClr val="000000"/>
+                      </a:solidFill>
+                      <a:prstDash val="solid"/>
+                      <a:round/>
+                      <a:headEnd type="none" w="med" len="med"/>
+                      <a:tailEnd type="none" w="med" len="med"/>
+                    </a:lnR>
+                    <a:lnT w="9525" cap="flat" cmpd="sng" algn="ctr">
+                      <a:solidFill>
+                        <a:srgbClr val="CCCCCC"/>
+                      </a:solidFill>
+                      <a:prstDash val="solid"/>
+                      <a:round/>
+                      <a:headEnd type="none" w="med" len="med"/>
+                      <a:tailEnd type="none" w="med" len="med"/>
+                    </a:lnT>
+                    <a:lnB w="9525" cap="flat" cmpd="sng" algn="ctr">
+                      <a:solidFill>
+                        <a:srgbClr val="CCCCCC"/>
+                      </a:solidFill>
+                      <a:prstDash val="solid"/>
+                      <a:round/>
+                      <a:headEnd type="none" w="med" len="med"/>
+                      <a:tailEnd type="none" w="med" len="med"/>
+                    </a:lnB>
+                  </a:tcPr>
+                </a:tc>
+              </a:tr>
+              <a:tr h="232673">
+                <a:tc>
+                  <a:txBody>
+                    <a:bodyPr/>
+                    <a:lstStyle/>
+                    <a:p>
+                      <a:pPr algn="ctr" rtl="0" fontAlgn="b"/>
+                      <a:r>
+                        <a:rPr lang="en-US" sz="1400" b="1" dirty="0">
+                          <a:solidFill>
+                            <a:srgbClr val="00B050"/>
+                          </a:solidFill>
+                          <a:effectLst/>
+                        </a:rPr>
+                        <a:t>16</a:t>
+                      </a:r>
+                    </a:p>
+                  </a:txBody>
+                  <a:tcPr marL="10288" marR="10288" marT="6859" marB="6859" anchor="b">
+                    <a:lnL w="9525" cap="flat" cmpd="sng" algn="ctr">
+                      <a:solidFill>
+                        <a:srgbClr val="000000"/>
+                      </a:solidFill>
+                      <a:prstDash val="solid"/>
+                      <a:round/>
+                      <a:headEnd type="none" w="med" len="med"/>
+                      <a:tailEnd type="none" w="med" len="med"/>
+                    </a:lnL>
+                    <a:lnR w="9525" cap="flat" cmpd="sng" algn="ctr">
+                      <a:solidFill>
+                        <a:srgbClr val="CCCCCC"/>
+                      </a:solidFill>
+                      <a:prstDash val="solid"/>
+                      <a:round/>
+                      <a:headEnd type="none" w="med" len="med"/>
+                      <a:tailEnd type="none" w="med" len="med"/>
+                    </a:lnR>
+                    <a:lnT w="9525" cap="flat" cmpd="sng" algn="ctr">
+                      <a:solidFill>
+                        <a:srgbClr val="CCCCCC"/>
+                      </a:solidFill>
+                      <a:prstDash val="solid"/>
+                      <a:round/>
+                      <a:headEnd type="none" w="med" len="med"/>
+                      <a:tailEnd type="none" w="med" len="med"/>
+                    </a:lnT>
+                    <a:lnB w="9525" cap="flat" cmpd="sng" algn="ctr">
+                      <a:solidFill>
+                        <a:srgbClr val="CCCCCC"/>
+                      </a:solidFill>
+                      <a:prstDash val="solid"/>
+                      <a:round/>
+                      <a:headEnd type="none" w="med" len="med"/>
+                      <a:tailEnd type="none" w="med" len="med"/>
+                    </a:lnB>
+                  </a:tcPr>
+                </a:tc>
+                <a:tc>
+                  <a:txBody>
+                    <a:bodyPr/>
+                    <a:lstStyle/>
+                    <a:p>
+                      <a:pPr algn="ctr" rtl="0" fontAlgn="b"/>
+                      <a:r>
+                        <a:rPr lang="en-US" sz="1400" b="1" dirty="0">
+                          <a:solidFill>
+                            <a:srgbClr val="00B050"/>
+                          </a:solidFill>
+                          <a:effectLst/>
+                        </a:rPr>
+                        <a:t>12/11/2022</a:t>
+                      </a:r>
+                    </a:p>
+                  </a:txBody>
+                  <a:tcPr marL="10288" marR="10288" marT="6859" marB="6859" anchor="b">
+                    <a:lnL w="9525" cap="flat" cmpd="sng" algn="ctr">
+                      <a:solidFill>
+                        <a:srgbClr val="CCCCCC"/>
+                      </a:solidFill>
+                      <a:prstDash val="solid"/>
+                      <a:round/>
+                      <a:headEnd type="none" w="med" len="med"/>
+                      <a:tailEnd type="none" w="med" len="med"/>
+                    </a:lnL>
+                    <a:lnR w="9525" cap="flat" cmpd="sng" algn="ctr">
+                      <a:solidFill>
+                        <a:srgbClr val="CCCCCC"/>
+                      </a:solidFill>
+                      <a:prstDash val="solid"/>
+                      <a:round/>
+                      <a:headEnd type="none" w="med" len="med"/>
+                      <a:tailEnd type="none" w="med" len="med"/>
+                    </a:lnR>
+                    <a:lnT w="9525" cap="flat" cmpd="sng" algn="ctr">
+                      <a:solidFill>
+                        <a:srgbClr val="CCCCCC"/>
+                      </a:solidFill>
+                      <a:prstDash val="solid"/>
+                      <a:round/>
+                      <a:headEnd type="none" w="med" len="med"/>
+                      <a:tailEnd type="none" w="med" len="med"/>
+                    </a:lnT>
+                    <a:lnB w="9525" cap="flat" cmpd="sng" algn="ctr">
+                      <a:solidFill>
+                        <a:srgbClr val="CCCCCC"/>
+                      </a:solidFill>
+                      <a:prstDash val="solid"/>
+                      <a:round/>
+                      <a:headEnd type="none" w="med" len="med"/>
+                      <a:tailEnd type="none" w="med" len="med"/>
+                    </a:lnB>
+                  </a:tcPr>
+                </a:tc>
+                <a:tc vMerge="1">
+                  <a:txBody>
+                    <a:bodyPr/>
+                    <a:lstStyle/>
+                    <a:p>
+                      <a:pPr algn="ctr" rtl="0" fontAlgn="b"/>
+                      <a:endParaRPr lang="en-US" sz="1400" b="1" dirty="0">
+                        <a:solidFill>
+                          <a:srgbClr val="00B050"/>
+                        </a:solidFill>
+                        <a:effectLst/>
+                      </a:endParaRPr>
+                    </a:p>
+                  </a:txBody>
+                  <a:tcPr marL="10288" marR="10288" marT="6859" marB="6859" anchor="b">
+                    <a:lnL w="9525" cap="flat" cmpd="sng" algn="ctr">
+                      <a:solidFill>
+                        <a:srgbClr val="CCCCCC"/>
+                      </a:solidFill>
+                      <a:prstDash val="solid"/>
+                      <a:round/>
+                      <a:headEnd type="none" w="med" len="med"/>
+                      <a:tailEnd type="none" w="med" len="med"/>
+                    </a:lnL>
+                    <a:lnR w="9525" cap="flat" cmpd="sng" algn="ctr">
+                      <a:solidFill>
+                        <a:srgbClr val="CCCCCC"/>
+                      </a:solidFill>
+                      <a:prstDash val="solid"/>
+                      <a:round/>
+                      <a:headEnd type="none" w="med" len="med"/>
+                      <a:tailEnd type="none" w="med" len="med"/>
+                    </a:lnR>
+                    <a:lnT w="9525" cap="flat" cmpd="sng" algn="ctr">
+                      <a:solidFill>
+                        <a:srgbClr val="CCCCCC"/>
+                      </a:solidFill>
+                      <a:prstDash val="solid"/>
+                      <a:round/>
+                      <a:headEnd type="none" w="med" len="med"/>
+                      <a:tailEnd type="none" w="med" len="med"/>
+                    </a:lnT>
+                    <a:lnB w="9525" cap="flat" cmpd="sng" algn="ctr">
+                      <a:solidFill>
+                        <a:srgbClr val="CCCCCC"/>
+                      </a:solidFill>
+                      <a:prstDash val="solid"/>
+                      <a:round/>
+                      <a:headEnd type="none" w="med" len="med"/>
+                      <a:tailEnd type="none" w="med" len="med"/>
+                    </a:lnB>
+                  </a:tcPr>
+                </a:tc>
+                <a:tc vMerge="1">
+                  <a:txBody>
+                    <a:bodyPr/>
+                    <a:lstStyle/>
+                    <a:p>
+                      <a:endParaRPr lang="en-US"/>
+                    </a:p>
+                  </a:txBody>
+                  <a:tcPr/>
+                </a:tc>
+                <a:tc>
+                  <a:txBody>
+                    <a:bodyPr/>
+                    <a:lstStyle/>
+                    <a:p>
+                      <a:pPr algn="ctr" rtl="0" fontAlgn="b"/>
+                      <a:r>
+                        <a:rPr lang="en-US" sz="1400" b="1" dirty="0" err="1">
+                          <a:solidFill>
+                            <a:srgbClr val="00B050"/>
+                          </a:solidFill>
+                          <a:effectLst/>
+                        </a:rPr>
+                        <a:t>Avaliação</a:t>
+                      </a:r>
+                      <a:r>
+                        <a:rPr lang="en-US" sz="1400" b="1" dirty="0">
+                          <a:solidFill>
+                            <a:srgbClr val="00B050"/>
+                          </a:solidFill>
+                          <a:effectLst/>
+                        </a:rPr>
+                        <a:t> </a:t>
+                      </a:r>
+                      <a:r>
+                        <a:rPr lang="en-US" sz="1400" b="1" dirty="0" err="1">
+                          <a:solidFill>
+                            <a:srgbClr val="00B050"/>
+                          </a:solidFill>
+                          <a:effectLst/>
+                        </a:rPr>
+                        <a:t>Presencial</a:t>
+                      </a:r>
+                      <a:r>
+                        <a:rPr lang="en-US" sz="1400" b="1" dirty="0">
+                          <a:solidFill>
+                            <a:srgbClr val="00B050"/>
+                          </a:solidFill>
+                          <a:effectLst/>
+                        </a:rPr>
+                        <a:t> II</a:t>
+                      </a:r>
+                    </a:p>
+                  </a:txBody>
+                  <a:tcPr marL="10288" marR="10288" marT="6859" marB="6859" anchor="b">
+                    <a:lnL w="9525" cap="flat" cmpd="sng" algn="ctr">
+                      <a:solidFill>
+                        <a:srgbClr val="CCCCCC"/>
+                      </a:solidFill>
+                      <a:prstDash val="solid"/>
+                      <a:round/>
+                      <a:headEnd type="none" w="med" len="med"/>
+                      <a:tailEnd type="none" w="med" len="med"/>
+                    </a:lnL>
+                    <a:lnR w="9525" cap="flat" cmpd="sng" algn="ctr">
+                      <a:solidFill>
+                        <a:srgbClr val="000000"/>
+                      </a:solidFill>
+                      <a:prstDash val="solid"/>
+                      <a:round/>
+                      <a:headEnd type="none" w="med" len="med"/>
+                      <a:tailEnd type="none" w="med" len="med"/>
+                    </a:lnR>
+                    <a:lnT w="9525" cap="flat" cmpd="sng" algn="ctr">
+                      <a:solidFill>
+                        <a:srgbClr val="CCCCCC"/>
+                      </a:solidFill>
+                      <a:prstDash val="solid"/>
+                      <a:round/>
+                      <a:headEnd type="none" w="med" len="med"/>
+                      <a:tailEnd type="none" w="med" len="med"/>
+                    </a:lnT>
+                    <a:lnB w="9525" cap="flat" cmpd="sng" algn="ctr">
+                      <a:solidFill>
+                        <a:srgbClr val="CCCCCC"/>
+                      </a:solidFill>
+                      <a:prstDash val="solid"/>
+                      <a:round/>
+                      <a:headEnd type="none" w="med" len="med"/>
+                      <a:tailEnd type="none" w="med" len="med"/>
+                    </a:lnB>
+                  </a:tcPr>
+                </a:tc>
+              </a:tr>
+              <a:tr h="232673">
+                <a:tc>
+                  <a:txBody>
+                    <a:bodyPr/>
+                    <a:lstStyle/>
+                    <a:p>
+                      <a:pPr algn="ctr" rtl="0" fontAlgn="b"/>
+                      <a:r>
+                        <a:rPr lang="en-US" sz="1400">
+                          <a:effectLst/>
+                        </a:rPr>
+                        <a:t>17</a:t>
+                      </a:r>
+                    </a:p>
+                  </a:txBody>
+                  <a:tcPr marL="10288" marR="10288" marT="6859" marB="6859" anchor="b">
+                    <a:lnL w="9525" cap="flat" cmpd="sng" algn="ctr">
+                      <a:solidFill>
+                        <a:srgbClr val="000000"/>
+                      </a:solidFill>
+                      <a:prstDash val="solid"/>
+                      <a:round/>
+                      <a:headEnd type="none" w="med" len="med"/>
+                      <a:tailEnd type="none" w="med" len="med"/>
+                    </a:lnL>
+                    <a:lnR w="9525" cap="flat" cmpd="sng" algn="ctr">
+                      <a:solidFill>
+                        <a:srgbClr val="CCCCCC"/>
+                      </a:solidFill>
+                      <a:prstDash val="solid"/>
+                      <a:round/>
+                      <a:headEnd type="none" w="med" len="med"/>
+                      <a:tailEnd type="none" w="med" len="med"/>
+                    </a:lnR>
+                    <a:lnT w="9525" cap="flat" cmpd="sng" algn="ctr">
+                      <a:solidFill>
+                        <a:srgbClr val="CCCCCC"/>
+                      </a:solidFill>
+                      <a:prstDash val="solid"/>
+                      <a:round/>
+                      <a:headEnd type="none" w="med" len="med"/>
+                      <a:tailEnd type="none" w="med" len="med"/>
+                    </a:lnT>
+                    <a:lnB w="9525" cap="flat" cmpd="sng" algn="ctr">
+                      <a:solidFill>
+                        <a:srgbClr val="CCCCCC"/>
+                      </a:solidFill>
+                      <a:prstDash val="solid"/>
+                      <a:round/>
+                      <a:headEnd type="none" w="med" len="med"/>
+                      <a:tailEnd type="none" w="med" len="med"/>
+                    </a:lnB>
+                  </a:tcPr>
+                </a:tc>
+                <a:tc>
+                  <a:txBody>
+                    <a:bodyPr/>
+                    <a:lstStyle/>
+                    <a:p>
+                      <a:pPr algn="ctr" rtl="0" fontAlgn="b"/>
+                      <a:r>
+                        <a:rPr lang="en-US" sz="1400" dirty="0">
+                          <a:effectLst/>
+                        </a:rPr>
+                        <a:t>19/11/2022</a:t>
+                      </a:r>
+                    </a:p>
+                  </a:txBody>
+                  <a:tcPr marL="10288" marR="10288" marT="6859" marB="6859" anchor="b">
+                    <a:lnL w="9525" cap="flat" cmpd="sng" algn="ctr">
+                      <a:solidFill>
+                        <a:srgbClr val="CCCCCC"/>
+                      </a:solidFill>
+                      <a:prstDash val="solid"/>
+                      <a:round/>
+                      <a:headEnd type="none" w="med" len="med"/>
+                      <a:tailEnd type="none" w="med" len="med"/>
+                    </a:lnL>
+                    <a:lnR w="9525" cap="flat" cmpd="sng" algn="ctr">
+                      <a:solidFill>
+                        <a:srgbClr val="CCCCCC"/>
+                      </a:solidFill>
+                      <a:prstDash val="solid"/>
+                      <a:round/>
+                      <a:headEnd type="none" w="med" len="med"/>
+                      <a:tailEnd type="none" w="med" len="med"/>
+                    </a:lnR>
+                    <a:lnT w="9525" cap="flat" cmpd="sng" algn="ctr">
+                      <a:solidFill>
+                        <a:srgbClr val="CCCCCC"/>
+                      </a:solidFill>
+                      <a:prstDash val="solid"/>
+                      <a:round/>
+                      <a:headEnd type="none" w="med" len="med"/>
+                      <a:tailEnd type="none" w="med" len="med"/>
+                    </a:lnT>
+                    <a:lnB w="9525" cap="flat" cmpd="sng" algn="ctr">
+                      <a:solidFill>
+                        <a:srgbClr val="CCCCCC"/>
+                      </a:solidFill>
+                      <a:prstDash val="solid"/>
+                      <a:round/>
+                      <a:headEnd type="none" w="med" len="med"/>
+                      <a:tailEnd type="none" w="med" len="med"/>
+                    </a:lnB>
+                  </a:tcPr>
+                </a:tc>
+                <a:tc vMerge="1">
+                  <a:txBody>
+                    <a:bodyPr/>
+                    <a:lstStyle/>
+                    <a:p>
+                      <a:pPr algn="ctr" rtl="0" fontAlgn="b"/>
+                      <a:endParaRPr lang="en-US" sz="1400" dirty="0">
+                        <a:effectLst/>
+                      </a:endParaRPr>
+                    </a:p>
+                  </a:txBody>
+                  <a:tcPr marL="10288" marR="10288" marT="6859" marB="6859" anchor="b">
+                    <a:lnL w="9525" cap="flat" cmpd="sng" algn="ctr">
+                      <a:solidFill>
+                        <a:srgbClr val="CCCCCC"/>
+                      </a:solidFill>
+                      <a:prstDash val="solid"/>
+                      <a:round/>
+                      <a:headEnd type="none" w="med" len="med"/>
+                      <a:tailEnd type="none" w="med" len="med"/>
+                    </a:lnL>
+                    <a:lnR w="9525" cap="flat" cmpd="sng" algn="ctr">
+                      <a:solidFill>
+                        <a:srgbClr val="CCCCCC"/>
+                      </a:solidFill>
+                      <a:prstDash val="solid"/>
+                      <a:round/>
+                      <a:headEnd type="none" w="med" len="med"/>
+                      <a:tailEnd type="none" w="med" len="med"/>
+                    </a:lnR>
+                    <a:lnT w="9525" cap="flat" cmpd="sng" algn="ctr">
+                      <a:solidFill>
+                        <a:srgbClr val="CCCCCC"/>
+                      </a:solidFill>
+                      <a:prstDash val="solid"/>
+                      <a:round/>
+                      <a:headEnd type="none" w="med" len="med"/>
+                      <a:tailEnd type="none" w="med" len="med"/>
+                    </a:lnT>
+                    <a:lnB w="9525" cap="flat" cmpd="sng" algn="ctr">
+                      <a:solidFill>
+                        <a:srgbClr val="CCCCCC"/>
+                      </a:solidFill>
+                      <a:prstDash val="solid"/>
+                      <a:round/>
+                      <a:headEnd type="none" w="med" len="med"/>
+                      <a:tailEnd type="none" w="med" len="med"/>
+                    </a:lnB>
+                  </a:tcPr>
+                </a:tc>
+                <a:tc vMerge="1">
+                  <a:txBody>
+                    <a:bodyPr/>
+                    <a:lstStyle/>
+                    <a:p>
+                      <a:endParaRPr lang="en-US"/>
+                    </a:p>
+                  </a:txBody>
+                  <a:tcPr/>
+                </a:tc>
+                <a:tc>
+                  <a:txBody>
+                    <a:bodyPr/>
+                    <a:lstStyle/>
+                    <a:p>
+                      <a:pPr algn="ctr" rtl="0" fontAlgn="b"/>
+                      <a:r>
+                        <a:rPr lang="pt-BR" sz="1400" dirty="0" smtClean="0"/>
+                        <a:t>Introdução</a:t>
+                      </a:r>
+                      <a:r>
+                        <a:rPr lang="pt-BR" sz="1400" baseline="0" dirty="0" smtClean="0"/>
+                        <a:t> ao Aprendizado de Máquina</a:t>
+                      </a:r>
+                      <a:endParaRPr lang="pt-BR" sz="1400" dirty="0">
+                        <a:effectLst/>
+                      </a:endParaRPr>
+                    </a:p>
+                  </a:txBody>
+                  <a:tcPr marL="10288" marR="10288" marT="6859" marB="6859" anchor="b">
+                    <a:lnL w="9525" cap="flat" cmpd="sng" algn="ctr">
+                      <a:solidFill>
+                        <a:srgbClr val="CCCCCC"/>
+                      </a:solidFill>
+                      <a:prstDash val="solid"/>
+                      <a:round/>
+                      <a:headEnd type="none" w="med" len="med"/>
+                      <a:tailEnd type="none" w="med" len="med"/>
+                    </a:lnL>
+                    <a:lnR w="9525" cap="flat" cmpd="sng" algn="ctr">
+                      <a:solidFill>
+                        <a:srgbClr val="000000"/>
+                      </a:solidFill>
+                      <a:prstDash val="solid"/>
+                      <a:round/>
+                      <a:headEnd type="none" w="med" len="med"/>
+                      <a:tailEnd type="none" w="med" len="med"/>
+                    </a:lnR>
+                    <a:lnT w="9525" cap="flat" cmpd="sng" algn="ctr">
+                      <a:solidFill>
+                        <a:srgbClr val="CCCCCC"/>
+                      </a:solidFill>
+                      <a:prstDash val="solid"/>
+                      <a:round/>
+                      <a:headEnd type="none" w="med" len="med"/>
+                      <a:tailEnd type="none" w="med" len="med"/>
+                    </a:lnT>
+                    <a:lnB w="9525" cap="flat" cmpd="sng" algn="ctr">
+                      <a:solidFill>
+                        <a:srgbClr val="CCCCCC"/>
+                      </a:solidFill>
+                      <a:prstDash val="solid"/>
+                      <a:round/>
+                      <a:headEnd type="none" w="med" len="med"/>
+                      <a:tailEnd type="none" w="med" len="med"/>
+                    </a:lnB>
+                  </a:tcPr>
+                </a:tc>
+              </a:tr>
+              <a:tr h="232673">
+                <a:tc>
+                  <a:txBody>
+                    <a:bodyPr/>
+                    <a:lstStyle/>
+                    <a:p>
+                      <a:pPr algn="ctr" rtl="0" fontAlgn="b"/>
+                      <a:r>
+                        <a:rPr lang="en-US" sz="1400">
+                          <a:effectLst/>
+                        </a:rPr>
+                        <a:t>18</a:t>
+                      </a:r>
+                    </a:p>
+                  </a:txBody>
+                  <a:tcPr marL="10288" marR="10288" marT="6859" marB="6859" anchor="b">
+                    <a:lnL w="9525" cap="flat" cmpd="sng" algn="ctr">
+                      <a:solidFill>
+                        <a:srgbClr val="000000"/>
+                      </a:solidFill>
+                      <a:prstDash val="solid"/>
+                      <a:round/>
+                      <a:headEnd type="none" w="med" len="med"/>
+                      <a:tailEnd type="none" w="med" len="med"/>
+                    </a:lnL>
+                    <a:lnR w="9525" cap="flat" cmpd="sng" algn="ctr">
+                      <a:solidFill>
+                        <a:srgbClr val="CCCCCC"/>
+                      </a:solidFill>
+                      <a:prstDash val="solid"/>
+                      <a:round/>
+                      <a:headEnd type="none" w="med" len="med"/>
+                      <a:tailEnd type="none" w="med" len="med"/>
+                    </a:lnR>
+                    <a:lnT w="9525" cap="flat" cmpd="sng" algn="ctr">
+                      <a:solidFill>
+                        <a:srgbClr val="CCCCCC"/>
+                      </a:solidFill>
+                      <a:prstDash val="solid"/>
+                      <a:round/>
+                      <a:headEnd type="none" w="med" len="med"/>
+                      <a:tailEnd type="none" w="med" len="med"/>
+                    </a:lnT>
+                    <a:lnB w="9525" cap="flat" cmpd="sng" algn="ctr">
+                      <a:solidFill>
+                        <a:srgbClr val="CCCCCC"/>
+                      </a:solidFill>
+                      <a:prstDash val="solid"/>
+                      <a:round/>
+                      <a:headEnd type="none" w="med" len="med"/>
+                      <a:tailEnd type="none" w="med" len="med"/>
+                    </a:lnB>
+                  </a:tcPr>
+                </a:tc>
+                <a:tc>
+                  <a:txBody>
+                    <a:bodyPr/>
+                    <a:lstStyle/>
+                    <a:p>
+                      <a:pPr algn="ctr" rtl="0" fontAlgn="b"/>
+                      <a:r>
+                        <a:rPr lang="en-US" sz="1400" dirty="0">
+                          <a:effectLst/>
+                        </a:rPr>
+                        <a:t>26/11/2022</a:t>
+                      </a:r>
+                    </a:p>
+                  </a:txBody>
+                  <a:tcPr marL="10288" marR="10288" marT="6859" marB="6859" anchor="b">
+                    <a:lnL w="9525" cap="flat" cmpd="sng" algn="ctr">
+                      <a:solidFill>
+                        <a:srgbClr val="CCCCCC"/>
+                      </a:solidFill>
+                      <a:prstDash val="solid"/>
+                      <a:round/>
+                      <a:headEnd type="none" w="med" len="med"/>
+                      <a:tailEnd type="none" w="med" len="med"/>
+                    </a:lnL>
+                    <a:lnR w="9525" cap="flat" cmpd="sng" algn="ctr">
+                      <a:solidFill>
+                        <a:srgbClr val="CCCCCC"/>
+                      </a:solidFill>
+                      <a:prstDash val="solid"/>
+                      <a:round/>
+                      <a:headEnd type="none" w="med" len="med"/>
+                      <a:tailEnd type="none" w="med" len="med"/>
+                    </a:lnR>
+                    <a:lnT w="9525" cap="flat" cmpd="sng" algn="ctr">
+                      <a:solidFill>
+                        <a:srgbClr val="CCCCCC"/>
+                      </a:solidFill>
+                      <a:prstDash val="solid"/>
+                      <a:round/>
+                      <a:headEnd type="none" w="med" len="med"/>
+                      <a:tailEnd type="none" w="med" len="med"/>
+                    </a:lnT>
+                    <a:lnB w="9525" cap="flat" cmpd="sng" algn="ctr">
+                      <a:solidFill>
+                        <a:srgbClr val="CCCCCC"/>
+                      </a:solidFill>
+                      <a:prstDash val="solid"/>
+                      <a:round/>
+                      <a:headEnd type="none" w="med" len="med"/>
+                      <a:tailEnd type="none" w="med" len="med"/>
+                    </a:lnB>
+                  </a:tcPr>
+                </a:tc>
+                <a:tc vMerge="1">
+                  <a:txBody>
+                    <a:bodyPr/>
+                    <a:lstStyle/>
+                    <a:p>
+                      <a:pPr algn="ctr" rtl="0" fontAlgn="b"/>
+                      <a:endParaRPr lang="en-US" sz="1400" dirty="0">
+                        <a:effectLst/>
+                      </a:endParaRPr>
+                    </a:p>
+                  </a:txBody>
+                  <a:tcPr marL="10288" marR="10288" marT="6859" marB="6859" anchor="b">
+                    <a:lnL w="9525" cap="flat" cmpd="sng" algn="ctr">
+                      <a:solidFill>
+                        <a:srgbClr val="CCCCCC"/>
+                      </a:solidFill>
+                      <a:prstDash val="solid"/>
+                      <a:round/>
+                      <a:headEnd type="none" w="med" len="med"/>
+                      <a:tailEnd type="none" w="med" len="med"/>
+                    </a:lnL>
+                    <a:lnR w="9525" cap="flat" cmpd="sng" algn="ctr">
+                      <a:solidFill>
+                        <a:srgbClr val="CCCCCC"/>
+                      </a:solidFill>
+                      <a:prstDash val="solid"/>
+                      <a:round/>
+                      <a:headEnd type="none" w="med" len="med"/>
+                      <a:tailEnd type="none" w="med" len="med"/>
+                    </a:lnR>
+                    <a:lnT w="9525" cap="flat" cmpd="sng" algn="ctr">
+                      <a:solidFill>
+                        <a:srgbClr val="CCCCCC"/>
+                      </a:solidFill>
+                      <a:prstDash val="solid"/>
+                      <a:round/>
+                      <a:headEnd type="none" w="med" len="med"/>
+                      <a:tailEnd type="none" w="med" len="med"/>
+                    </a:lnT>
+                    <a:lnB w="9525" cap="flat" cmpd="sng" algn="ctr">
+                      <a:solidFill>
+                        <a:srgbClr val="CCCCCC"/>
+                      </a:solidFill>
+                      <a:prstDash val="solid"/>
+                      <a:round/>
+                      <a:headEnd type="none" w="med" len="med"/>
+                      <a:tailEnd type="none" w="med" len="med"/>
+                    </a:lnB>
+                  </a:tcPr>
+                </a:tc>
+                <a:tc vMerge="1">
+                  <a:txBody>
+                    <a:bodyPr/>
+                    <a:lstStyle/>
+                    <a:p>
+                      <a:endParaRPr lang="en-US"/>
+                    </a:p>
+                  </a:txBody>
+                  <a:tcPr/>
+                </a:tc>
+                <a:tc>
+                  <a:txBody>
+                    <a:bodyPr/>
+                    <a:lstStyle/>
+                    <a:p>
+                      <a:pPr algn="ctr" rtl="0" fontAlgn="b"/>
+                      <a:r>
+                        <a:rPr lang="pt-BR" sz="1400" dirty="0" smtClean="0"/>
+                        <a:t>Introdução</a:t>
+                      </a:r>
+                      <a:r>
+                        <a:rPr lang="pt-BR" sz="1400" baseline="0" dirty="0" smtClean="0"/>
+                        <a:t> ao Aprendizado de Máquina</a:t>
+                      </a:r>
+                      <a:endParaRPr lang="en-US" sz="1400" dirty="0">
+                        <a:effectLst/>
+                      </a:endParaRPr>
+                    </a:p>
+                  </a:txBody>
+                  <a:tcPr marL="10288" marR="10288" marT="6859" marB="6859" anchor="b">
+                    <a:lnL w="9525" cap="flat" cmpd="sng" algn="ctr">
+                      <a:solidFill>
+                        <a:srgbClr val="CCCCCC"/>
+                      </a:solidFill>
+                      <a:prstDash val="solid"/>
+                      <a:round/>
+                      <a:headEnd type="none" w="med" len="med"/>
+                      <a:tailEnd type="none" w="med" len="med"/>
+                    </a:lnL>
+                    <a:lnR w="9525" cap="flat" cmpd="sng" algn="ctr">
+                      <a:solidFill>
+                        <a:srgbClr val="000000"/>
+                      </a:solidFill>
+                      <a:prstDash val="solid"/>
+                      <a:round/>
+                      <a:headEnd type="none" w="med" len="med"/>
+                      <a:tailEnd type="none" w="med" len="med"/>
+                    </a:lnR>
+                    <a:lnT w="9525" cap="flat" cmpd="sng" algn="ctr">
+                      <a:solidFill>
+                        <a:srgbClr val="CCCCCC"/>
+                      </a:solidFill>
+                      <a:prstDash val="solid"/>
+                      <a:round/>
+                      <a:headEnd type="none" w="med" len="med"/>
+                      <a:tailEnd type="none" w="med" len="med"/>
+                    </a:lnT>
+                    <a:lnB w="9525" cap="flat" cmpd="sng" algn="ctr">
+                      <a:solidFill>
+                        <a:srgbClr val="CCCCCC"/>
+                      </a:solidFill>
+                      <a:prstDash val="solid"/>
+                      <a:round/>
+                      <a:headEnd type="none" w="med" len="med"/>
+                      <a:tailEnd type="none" w="med" len="med"/>
+                    </a:lnB>
+                  </a:tcPr>
+                </a:tc>
+              </a:tr>
+              <a:tr h="232673">
+                <a:tc>
+                  <a:txBody>
+                    <a:bodyPr/>
+                    <a:lstStyle/>
+                    <a:p>
+                      <a:pPr algn="ctr" rtl="0" fontAlgn="b"/>
+                      <a:r>
+                        <a:rPr lang="en-US" sz="1400">
+                          <a:effectLst/>
+                        </a:rPr>
+                        <a:t>19</a:t>
+                      </a:r>
+                    </a:p>
+                  </a:txBody>
+                  <a:tcPr marL="10288" marR="10288" marT="6859" marB="6859" anchor="b">
+                    <a:lnL w="9525" cap="flat" cmpd="sng" algn="ctr">
+                      <a:solidFill>
+                        <a:srgbClr val="000000"/>
+                      </a:solidFill>
+                      <a:prstDash val="solid"/>
+                      <a:round/>
+                      <a:headEnd type="none" w="med" len="med"/>
+                      <a:tailEnd type="none" w="med" len="med"/>
+                    </a:lnL>
+                    <a:lnR w="9525" cap="flat" cmpd="sng" algn="ctr">
+                      <a:solidFill>
+                        <a:srgbClr val="CCCCCC"/>
+                      </a:solidFill>
+                      <a:prstDash val="solid"/>
+                      <a:round/>
+                      <a:headEnd type="none" w="med" len="med"/>
+                      <a:tailEnd type="none" w="med" len="med"/>
+                    </a:lnR>
+                    <a:lnT w="9525" cap="flat" cmpd="sng" algn="ctr">
+                      <a:solidFill>
+                        <a:srgbClr val="CCCCCC"/>
+                      </a:solidFill>
+                      <a:prstDash val="solid"/>
+                      <a:round/>
+                      <a:headEnd type="none" w="med" len="med"/>
+                      <a:tailEnd type="none" w="med" len="med"/>
+                    </a:lnT>
+                    <a:lnB w="9525" cap="flat" cmpd="sng" algn="ctr">
+                      <a:solidFill>
+                        <a:srgbClr val="CCCCCC"/>
+                      </a:solidFill>
+                      <a:prstDash val="solid"/>
+                      <a:round/>
+                      <a:headEnd type="none" w="med" len="med"/>
+                      <a:tailEnd type="none" w="med" len="med"/>
+                    </a:lnB>
+                  </a:tcPr>
+                </a:tc>
+                <a:tc>
+                  <a:txBody>
+                    <a:bodyPr/>
+                    <a:lstStyle/>
+                    <a:p>
+                      <a:pPr algn="ctr" rtl="0" fontAlgn="b"/>
+                      <a:r>
+                        <a:rPr lang="en-US" sz="1400" dirty="0">
+                          <a:effectLst/>
+                        </a:rPr>
+                        <a:t>3/12/2022</a:t>
+                      </a:r>
+                    </a:p>
+                  </a:txBody>
+                  <a:tcPr marL="10288" marR="10288" marT="6859" marB="6859" anchor="b">
+                    <a:lnL w="9525" cap="flat" cmpd="sng" algn="ctr">
+                      <a:solidFill>
+                        <a:srgbClr val="CCCCCC"/>
+                      </a:solidFill>
+                      <a:prstDash val="solid"/>
+                      <a:round/>
+                      <a:headEnd type="none" w="med" len="med"/>
+                      <a:tailEnd type="none" w="med" len="med"/>
+                    </a:lnL>
+                    <a:lnR w="9525" cap="flat" cmpd="sng" algn="ctr">
+                      <a:solidFill>
+                        <a:srgbClr val="CCCCCC"/>
+                      </a:solidFill>
+                      <a:prstDash val="solid"/>
+                      <a:round/>
+                      <a:headEnd type="none" w="med" len="med"/>
+                      <a:tailEnd type="none" w="med" len="med"/>
+                    </a:lnR>
+                    <a:lnT w="9525" cap="flat" cmpd="sng" algn="ctr">
+                      <a:solidFill>
+                        <a:srgbClr val="CCCCCC"/>
+                      </a:solidFill>
+                      <a:prstDash val="solid"/>
+                      <a:round/>
+                      <a:headEnd type="none" w="med" len="med"/>
+                      <a:tailEnd type="none" w="med" len="med"/>
+                    </a:lnT>
+                    <a:lnB w="9525" cap="flat" cmpd="sng" algn="ctr">
+                      <a:solidFill>
+                        <a:srgbClr val="CCCCCC"/>
+                      </a:solidFill>
+                      <a:prstDash val="solid"/>
+                      <a:round/>
+                      <a:headEnd type="none" w="med" len="med"/>
+                      <a:tailEnd type="none" w="med" len="med"/>
+                    </a:lnB>
+                  </a:tcPr>
+                </a:tc>
+                <a:tc vMerge="1">
+                  <a:txBody>
+                    <a:bodyPr/>
+                    <a:lstStyle/>
+                    <a:p>
+                      <a:pPr algn="ctr" rtl="0" fontAlgn="b"/>
+                      <a:endParaRPr lang="en-US" sz="1400" dirty="0">
+                        <a:effectLst/>
+                      </a:endParaRPr>
+                    </a:p>
+                  </a:txBody>
+                  <a:tcPr marL="10288" marR="10288" marT="6859" marB="6859" anchor="b">
+                    <a:lnL w="9525" cap="flat" cmpd="sng" algn="ctr">
+                      <a:solidFill>
+                        <a:srgbClr val="CCCCCC"/>
+                      </a:solidFill>
+                      <a:prstDash val="solid"/>
+                      <a:round/>
+                      <a:headEnd type="none" w="med" len="med"/>
+                      <a:tailEnd type="none" w="med" len="med"/>
+                    </a:lnL>
+                    <a:lnR w="9525" cap="flat" cmpd="sng" algn="ctr">
+                      <a:solidFill>
+                        <a:srgbClr val="CCCCCC"/>
+                      </a:solidFill>
+                      <a:prstDash val="solid"/>
+                      <a:round/>
+                      <a:headEnd type="none" w="med" len="med"/>
+                      <a:tailEnd type="none" w="med" len="med"/>
+                    </a:lnR>
+                    <a:lnT w="9525" cap="flat" cmpd="sng" algn="ctr">
+                      <a:solidFill>
+                        <a:srgbClr val="CCCCCC"/>
+                      </a:solidFill>
+                      <a:prstDash val="solid"/>
+                      <a:round/>
+                      <a:headEnd type="none" w="med" len="med"/>
+                      <a:tailEnd type="none" w="med" len="med"/>
+                    </a:lnT>
+                    <a:lnB w="9525" cap="flat" cmpd="sng" algn="ctr">
+                      <a:solidFill>
+                        <a:srgbClr val="CCCCCC"/>
+                      </a:solidFill>
+                      <a:prstDash val="solid"/>
+                      <a:round/>
+                      <a:headEnd type="none" w="med" len="med"/>
+                      <a:tailEnd type="none" w="med" len="med"/>
+                    </a:lnB>
+                  </a:tcPr>
+                </a:tc>
+                <a:tc vMerge="1">
+                  <a:txBody>
+                    <a:bodyPr/>
+                    <a:lstStyle/>
+                    <a:p>
+                      <a:endParaRPr lang="en-US"/>
+                    </a:p>
+                  </a:txBody>
+                  <a:tcPr/>
+                </a:tc>
+                <a:tc>
+                  <a:txBody>
+                    <a:bodyPr/>
+                    <a:lstStyle/>
+                    <a:p>
+                      <a:pPr algn="ctr" rtl="0" fontAlgn="b"/>
+                      <a:r>
+                        <a:rPr lang="pt-BR" sz="1400" dirty="0" smtClean="0"/>
+                        <a:t>Introdução</a:t>
+                      </a:r>
+                      <a:r>
+                        <a:rPr lang="pt-BR" sz="1400" baseline="0" dirty="0" smtClean="0"/>
+                        <a:t> ao Aprendizado de Máquina</a:t>
+                      </a:r>
+                      <a:endParaRPr lang="en-US" sz="1400" dirty="0">
+                        <a:effectLst/>
+                      </a:endParaRPr>
+                    </a:p>
+                  </a:txBody>
+                  <a:tcPr marL="10288" marR="10288" marT="6859" marB="6859" anchor="b">
+                    <a:lnL w="9525" cap="flat" cmpd="sng" algn="ctr">
+                      <a:solidFill>
+                        <a:srgbClr val="CCCCCC"/>
+                      </a:solidFill>
+                      <a:prstDash val="solid"/>
+                      <a:round/>
+                      <a:headEnd type="none" w="med" len="med"/>
+                      <a:tailEnd type="none" w="med" len="med"/>
+                    </a:lnL>
+                    <a:lnR w="9525" cap="flat" cmpd="sng" algn="ctr">
+                      <a:solidFill>
+                        <a:srgbClr val="000000"/>
+                      </a:solidFill>
+                      <a:prstDash val="solid"/>
+                      <a:round/>
+                      <a:headEnd type="none" w="med" len="med"/>
+                      <a:tailEnd type="none" w="med" len="med"/>
+                    </a:lnR>
+                    <a:lnT w="9525" cap="flat" cmpd="sng" algn="ctr">
+                      <a:solidFill>
+                        <a:srgbClr val="CCCCCC"/>
+                      </a:solidFill>
+                      <a:prstDash val="solid"/>
+                      <a:round/>
+                      <a:headEnd type="none" w="med" len="med"/>
+                      <a:tailEnd type="none" w="med" len="med"/>
+                    </a:lnT>
+                    <a:lnB w="9525" cap="flat" cmpd="sng" algn="ctr">
+                      <a:solidFill>
+                        <a:srgbClr val="CCCCCC"/>
+                      </a:solidFill>
+                      <a:prstDash val="solid"/>
+                      <a:round/>
+                      <a:headEnd type="none" w="med" len="med"/>
+                      <a:tailEnd type="none" w="med" len="med"/>
+                    </a:lnB>
+                  </a:tcPr>
+                </a:tc>
+              </a:tr>
+              <a:tr h="232673">
+                <a:tc>
+                  <a:txBody>
+                    <a:bodyPr/>
+                    <a:lstStyle/>
+                    <a:p>
+                      <a:pPr algn="ctr" rtl="0" fontAlgn="b"/>
+                      <a:r>
+                        <a:rPr lang="en-US" sz="1400">
+                          <a:effectLst/>
+                        </a:rPr>
+                        <a:t>20</a:t>
+                      </a:r>
+                    </a:p>
+                  </a:txBody>
+                  <a:tcPr marL="10288" marR="10288" marT="6859" marB="6859" anchor="b">
+                    <a:lnL w="9525" cap="flat" cmpd="sng" algn="ctr">
+                      <a:solidFill>
+                        <a:srgbClr val="000000"/>
+                      </a:solidFill>
+                      <a:prstDash val="solid"/>
+                      <a:round/>
+                      <a:headEnd type="none" w="med" len="med"/>
+                      <a:tailEnd type="none" w="med" len="med"/>
+                    </a:lnL>
+                    <a:lnR w="9525" cap="flat" cmpd="sng" algn="ctr">
+                      <a:solidFill>
+                        <a:srgbClr val="CCCCCC"/>
+                      </a:solidFill>
+                      <a:prstDash val="solid"/>
+                      <a:round/>
+                      <a:headEnd type="none" w="med" len="med"/>
+                      <a:tailEnd type="none" w="med" len="med"/>
+                    </a:lnR>
+                    <a:lnT w="9525" cap="flat" cmpd="sng" algn="ctr">
+                      <a:solidFill>
+                        <a:srgbClr val="CCCCCC"/>
+                      </a:solidFill>
+                      <a:prstDash val="solid"/>
+                      <a:round/>
+                      <a:headEnd type="none" w="med" len="med"/>
+                      <a:tailEnd type="none" w="med" len="med"/>
+                    </a:lnT>
+                    <a:lnB w="9525" cap="flat" cmpd="sng" algn="ctr">
+                      <a:solidFill>
+                        <a:srgbClr val="000000"/>
+                      </a:solidFill>
+                      <a:prstDash val="solid"/>
+                      <a:round/>
+                      <a:headEnd type="none" w="med" len="med"/>
+                      <a:tailEnd type="none" w="med" len="med"/>
+                    </a:lnB>
+                  </a:tcPr>
+                </a:tc>
+                <a:tc>
+                  <a:txBody>
+                    <a:bodyPr/>
+                    <a:lstStyle/>
+                    <a:p>
+                      <a:pPr algn="ctr" rtl="0" fontAlgn="b"/>
+                      <a:r>
+                        <a:rPr lang="en-US" sz="1400" dirty="0">
+                          <a:effectLst/>
+                        </a:rPr>
+                        <a:t>10/12/2022</a:t>
+                      </a:r>
+                    </a:p>
+                  </a:txBody>
+                  <a:tcPr marL="10288" marR="10288" marT="6859" marB="6859" anchor="b">
+                    <a:lnL w="9525" cap="flat" cmpd="sng" algn="ctr">
+                      <a:solidFill>
+                        <a:srgbClr val="CCCCCC"/>
+                      </a:solidFill>
+                      <a:prstDash val="solid"/>
+                      <a:round/>
+                      <a:headEnd type="none" w="med" len="med"/>
+                      <a:tailEnd type="none" w="med" len="med"/>
+                    </a:lnL>
+                    <a:lnR w="9525" cap="flat" cmpd="sng" algn="ctr">
+                      <a:solidFill>
+                        <a:srgbClr val="CCCCCC"/>
+                      </a:solidFill>
+                      <a:prstDash val="solid"/>
+                      <a:round/>
+                      <a:headEnd type="none" w="med" len="med"/>
+                      <a:tailEnd type="none" w="med" len="med"/>
+                    </a:lnR>
+                    <a:lnT w="9525" cap="flat" cmpd="sng" algn="ctr">
+                      <a:solidFill>
+                        <a:srgbClr val="CCCCCC"/>
+                      </a:solidFill>
+                      <a:prstDash val="solid"/>
+                      <a:round/>
+                      <a:headEnd type="none" w="med" len="med"/>
+                      <a:tailEnd type="none" w="med" len="med"/>
+                    </a:lnT>
+                    <a:lnB w="9525" cap="flat" cmpd="sng" algn="ctr">
+                      <a:solidFill>
+                        <a:srgbClr val="000000"/>
+                      </a:solidFill>
+                      <a:prstDash val="solid"/>
+                      <a:round/>
+                      <a:headEnd type="none" w="med" len="med"/>
+                      <a:tailEnd type="none" w="med" len="med"/>
+                    </a:lnB>
+                  </a:tcPr>
+                </a:tc>
+                <a:tc vMerge="1">
+                  <a:txBody>
+                    <a:bodyPr/>
+                    <a:lstStyle/>
+                    <a:p>
+                      <a:pPr algn="ctr" rtl="0" fontAlgn="b"/>
+                      <a:endParaRPr lang="en-US" sz="1400" dirty="0">
+                        <a:effectLst/>
+                      </a:endParaRPr>
+                    </a:p>
+                  </a:txBody>
+                  <a:tcPr marL="10288" marR="10288" marT="6859" marB="6859" anchor="b">
+                    <a:lnL w="9525" cap="flat" cmpd="sng" algn="ctr">
+                      <a:solidFill>
+                        <a:srgbClr val="CCCCCC"/>
+                      </a:solidFill>
+                      <a:prstDash val="solid"/>
+                      <a:round/>
+                      <a:headEnd type="none" w="med" len="med"/>
+                      <a:tailEnd type="none" w="med" len="med"/>
+                    </a:lnL>
+                    <a:lnR w="9525" cap="flat" cmpd="sng" algn="ctr">
+                      <a:solidFill>
+                        <a:srgbClr val="CCCCCC"/>
+                      </a:solidFill>
+                      <a:prstDash val="solid"/>
+                      <a:round/>
+                      <a:headEnd type="none" w="med" len="med"/>
+                      <a:tailEnd type="none" w="med" len="med"/>
+                    </a:lnR>
+                    <a:lnT w="9525" cap="flat" cmpd="sng" algn="ctr">
+                      <a:solidFill>
+                        <a:srgbClr val="CCCCCC"/>
+                      </a:solidFill>
+                      <a:prstDash val="solid"/>
+                      <a:round/>
+                      <a:headEnd type="none" w="med" len="med"/>
+                      <a:tailEnd type="none" w="med" len="med"/>
+                    </a:lnT>
+                    <a:lnB w="9525" cap="flat" cmpd="sng" algn="ctr">
+                      <a:solidFill>
+                        <a:srgbClr val="000000"/>
+                      </a:solidFill>
+                      <a:prstDash val="solid"/>
+                      <a:round/>
+                      <a:headEnd type="none" w="med" len="med"/>
+                      <a:tailEnd type="none" w="med" len="med"/>
+                    </a:lnB>
+                  </a:tcPr>
+                </a:tc>
+                <a:tc vMerge="1">
+                  <a:txBody>
+                    <a:bodyPr/>
+                    <a:lstStyle/>
+                    <a:p>
+                      <a:endParaRPr lang="en-US"/>
+                    </a:p>
+                  </a:txBody>
+                  <a:tcPr/>
+                </a:tc>
+                <a:tc>
+                  <a:txBody>
+                    <a:bodyPr/>
+                    <a:lstStyle/>
+                    <a:p>
+                      <a:pPr algn="ctr" rtl="0" fontAlgn="b"/>
+                      <a:r>
+                        <a:rPr lang="pt-BR" sz="1400" dirty="0" smtClean="0"/>
+                        <a:t>Introdução</a:t>
+                      </a:r>
+                      <a:r>
+                        <a:rPr lang="pt-BR" sz="1400" baseline="0" dirty="0" smtClean="0"/>
+                        <a:t> ao Aprendizado de Máquina</a:t>
+                      </a:r>
+                      <a:endParaRPr lang="en-US" sz="1400" dirty="0">
+                        <a:effectLst/>
+                      </a:endParaRPr>
+                    </a:p>
+                  </a:txBody>
+                  <a:tcPr marL="10288" marR="10288" marT="6859" marB="6859" anchor="b">
+                    <a:lnL w="9525" cap="flat" cmpd="sng" algn="ctr">
+                      <a:solidFill>
+                        <a:srgbClr val="CCCCCC"/>
+                      </a:solidFill>
+                      <a:prstDash val="solid"/>
+                      <a:round/>
+                      <a:headEnd type="none" w="med" len="med"/>
+                      <a:tailEnd type="none" w="med" len="med"/>
+                    </a:lnL>
+                    <a:lnR w="9525" cap="flat" cmpd="sng" algn="ctr">
+                      <a:solidFill>
+                        <a:srgbClr val="000000"/>
+                      </a:solidFill>
+                      <a:prstDash val="solid"/>
+                      <a:round/>
+                      <a:headEnd type="none" w="med" len="med"/>
+                      <a:tailEnd type="none" w="med" len="med"/>
+                    </a:lnR>
+                    <a:lnT w="9525" cap="flat" cmpd="sng" algn="ctr">
+                      <a:solidFill>
+                        <a:srgbClr val="CCCCCC"/>
+                      </a:solidFill>
+                      <a:prstDash val="solid"/>
+                      <a:round/>
+                      <a:headEnd type="none" w="med" len="med"/>
+                      <a:tailEnd type="none" w="med" len="med"/>
+                    </a:lnT>
+                    <a:lnB w="9525" cap="flat" cmpd="sng" algn="ctr">
+                      <a:solidFill>
+                        <a:srgbClr val="000000"/>
+                      </a:solidFill>
+                      <a:prstDash val="solid"/>
+                      <a:round/>
+                      <a:headEnd type="none" w="med" len="med"/>
+                      <a:tailEnd type="none" w="med" len="med"/>
+                    </a:lnB>
+                  </a:tcPr>
+                </a:tc>
+              </a:tr>
+            </a:tbl>
+          </a:graphicData>
+        </a:graphic>
+      </p:graphicFrame>
+    </p:spTree>
+    <p:extLst>
+      <p:ext uri="{BB962C8B-B14F-4D97-AF65-F5344CB8AC3E}">
+        <p14:creationId xmlns:p14="http://schemas.microsoft.com/office/powerpoint/2010/main" val="64640076"/>
+      </p:ext>
+    </p:extLst>
+  </p:cSld>
+  <p:clrMapOvr>
+    <a:masterClrMapping/>
+  </p:clrMapOvr>
+</p:sld>
+</file>
+
+<file path=ppt/slides/slide6.xml><?xml version="1.0" encoding="utf-8"?>
+<p:sld xmlns:a="http://schemas.openxmlformats.org/drawingml/2006/main" xmlns:r="http://schemas.openxmlformats.org/officeDocument/2006/relationships" xmlns:p="http://schemas.openxmlformats.org/presentationml/2006/main">
+  <p:cSld>
+    <p:spTree>
+      <p:nvGrpSpPr>
+        <p:cNvPr id="1" name=""/>
+        <p:cNvGrpSpPr/>
+        <p:nvPr/>
+      </p:nvGrpSpPr>
+      <p:grpSpPr>
+        <a:xfrm>
+          <a:off x="0" y="0"/>
+          <a:ext cx="0" cy="0"/>
+          <a:chOff x="0" y="0"/>
+          <a:chExt cx="0" cy="0"/>
+        </a:xfrm>
+      </p:grpSpPr>
+      <p:sp>
+        <p:nvSpPr>
           <p:cNvPr id="2" name="Título 1">
             <a:extLst>
               <a:ext uri="{FF2B5EF4-FFF2-40B4-BE49-F238E27FC236}">
-                <a16:creationId xmlns="" xmlns:a16="http://schemas.microsoft.com/office/drawing/2014/main" id="{A2A4684C-1159-4F88-A2B1-6BABEDE38C4D}"/>
+                <a16:creationId xmlns:a16="http://schemas.microsoft.com/office/drawing/2014/main" xmlns="" id="{A2A4684C-1159-4F88-A2B1-6BABEDE38C4D}"/>
               </a:ext>
             </a:extLst>
           </p:cNvPr>
@@ -30846,7 +36849,7 @@
           <p:cNvPr id="3" name="Espaço Reservado para Conteúdo 2">
             <a:extLst>
               <a:ext uri="{FF2B5EF4-FFF2-40B4-BE49-F238E27FC236}">
-                <a16:creationId xmlns="" xmlns:a16="http://schemas.microsoft.com/office/drawing/2014/main" id="{EC432B31-D382-41FF-BB6B-2ABDD322424B}"/>
+                <a16:creationId xmlns:a16="http://schemas.microsoft.com/office/drawing/2014/main" xmlns="" id="{EC432B31-D382-41FF-BB6B-2ABDD322424B}"/>
               </a:ext>
             </a:extLst>
           </p:cNvPr>
@@ -31101,7 +37104,7 @@
 </p:sld>
 </file>
 
-<file path=ppt/slides/slide6.xml><?xml version="1.0" encoding="utf-8"?>
+<file path=ppt/slides/slide7.xml><?xml version="1.0" encoding="utf-8"?>
 <p:sld xmlns:a="http://schemas.openxmlformats.org/drawingml/2006/main" xmlns:r="http://schemas.openxmlformats.org/officeDocument/2006/relationships" xmlns:p="http://schemas.openxmlformats.org/presentationml/2006/main">
   <p:cSld>
     <p:spTree>
@@ -31306,7 +37309,43 @@
             </a:pPr>
             <a:r>
               <a:rPr lang="pt-BR" dirty="0" smtClean="0"/>
-              <a:t>Professor: quintas-feiras das 18:30 às 19:30 e sextas-feiras das 15:30 às 16:30.</a:t>
+              <a:t>Professor: </a:t>
+            </a:r>
+            <a:r>
+              <a:rPr lang="pt-BR" dirty="0" smtClean="0"/>
+              <a:t>terças</a:t>
+            </a:r>
+            <a:r>
+              <a:rPr lang="pt-BR" dirty="0" smtClean="0"/>
+              <a:t>-feiras </a:t>
+            </a:r>
+            <a:r>
+              <a:rPr lang="pt-BR" dirty="0" smtClean="0"/>
+              <a:t>das </a:t>
+            </a:r>
+            <a:r>
+              <a:rPr lang="pt-BR" dirty="0" smtClean="0"/>
+              <a:t>20</a:t>
+            </a:r>
+            <a:r>
+              <a:rPr lang="pt-BR" dirty="0" smtClean="0"/>
+              <a:t>:30 </a:t>
+            </a:r>
+            <a:r>
+              <a:rPr lang="pt-BR" dirty="0" smtClean="0"/>
+              <a:t>às </a:t>
+            </a:r>
+            <a:r>
+              <a:rPr lang="pt-BR" dirty="0" smtClean="0"/>
+              <a:t>21</a:t>
+            </a:r>
+            <a:r>
+              <a:rPr lang="pt-BR" dirty="0" smtClean="0"/>
+              <a:t>:30 </a:t>
+            </a:r>
+            <a:r>
+              <a:rPr lang="pt-BR" dirty="0" smtClean="0"/>
+              <a:t>e sextas-feiras das 15:30 às 16:30.</a:t>
             </a:r>
           </a:p>
           <a:p>
@@ -31316,19 +37355,27 @@
             </a:pPr>
             <a:r>
               <a:rPr lang="pt-BR" dirty="0" smtClean="0"/>
-              <a:t>Monitor (</a:t>
+              <a:t>Monitor </a:t>
+            </a:r>
+            <a:r>
+              <a:rPr lang="pt-BR" dirty="0" smtClean="0"/>
+              <a:t>(</a:t>
+            </a:r>
+            <a:r>
+              <a:rPr lang="pt-BR" dirty="0" err="1" smtClean="0"/>
+              <a:t>Maycol</a:t>
+            </a:r>
+            <a:r>
+              <a:rPr lang="pt-BR" dirty="0" smtClean="0"/>
+              <a:t> teles</a:t>
             </a:r>
             <a:r>
               <a:rPr lang="pt-BR" dirty="0"/>
-              <a:t>Pedro Rezende</a:t>
-            </a:r>
-            <a:r>
-              <a:rPr lang="pt-BR" dirty="0" smtClean="0"/>
               <a:t>: </a:t>
             </a:r>
             <a:r>
-              <a:rPr lang="pt-BR" b="1" i="1" dirty="0" smtClean="0"/>
-              <a:t>pedro_rafael@get.inatel.br</a:t>
+              <a:rPr lang="pt-BR" b="1" dirty="0"/>
+              <a:t>maycol.teles@ges.inatel.br</a:t>
             </a:r>
             <a:r>
               <a:rPr lang="pt-BR" dirty="0"/>
@@ -31336,7 +37383,19 @@
             </a:r>
             <a:r>
               <a:rPr lang="pt-BR" dirty="0" smtClean="0"/>
-              <a:t>Todas as sextas-feiras das 17:30 às 18:30.</a:t>
+              <a:t>quartas-feiras das 18:30 </a:t>
+            </a:r>
+            <a:r>
+              <a:rPr lang="pt-BR" dirty="0" smtClean="0"/>
+              <a:t>às </a:t>
+            </a:r>
+            <a:r>
+              <a:rPr lang="pt-BR" dirty="0" smtClean="0"/>
+              <a:t>19:30</a:t>
+            </a:r>
+            <a:r>
+              <a:rPr lang="pt-BR" dirty="0" smtClean="0"/>
+              <a:t>.</a:t>
             </a:r>
           </a:p>
           <a:p>
@@ -31346,7 +37405,15 @@
             </a:pPr>
             <a:r>
               <a:rPr lang="pt-BR" dirty="0" smtClean="0"/>
-              <a:t>Atendimento via MS Teams.</a:t>
+              <a:t>Atendimento </a:t>
+            </a:r>
+            <a:r>
+              <a:rPr lang="pt-BR" dirty="0" smtClean="0"/>
+              <a:t>remoto via </a:t>
+            </a:r>
+            <a:r>
+              <a:rPr lang="pt-BR" dirty="0" smtClean="0"/>
+              <a:t>MS Teams.</a:t>
             </a:r>
           </a:p>
         </p:txBody>
@@ -31371,7 +37438,7 @@
 </p:sld>
 </file>
 
-<file path=ppt/slides/slide7.xml><?xml version="1.0" encoding="utf-8"?>
+<file path=ppt/slides/slide8.xml><?xml version="1.0" encoding="utf-8"?>
 <p:sld xmlns:a="http://schemas.openxmlformats.org/drawingml/2006/main" xmlns:r="http://schemas.openxmlformats.org/officeDocument/2006/relationships" xmlns:p="http://schemas.openxmlformats.org/presentationml/2006/main">
   <p:cSld>
     <p:spTree>
@@ -31592,7 +37659,7 @@
           <p:cNvPr id="6" name="Picture 5" descr="Image result for supervised learning">
             <a:extLst>
               <a:ext uri="{FF2B5EF4-FFF2-40B4-BE49-F238E27FC236}">
-                <a16:creationId xmlns="" xmlns:a16="http://schemas.microsoft.com/office/drawing/2014/main" id="{2520F4EA-1E3E-4F3B-97C0-DF47861DCD42}"/>
+                <a16:creationId xmlns:a16="http://schemas.microsoft.com/office/drawing/2014/main" xmlns="" id="{2520F4EA-1E3E-4F3B-97C0-DF47861DCD42}"/>
               </a:ext>
             </a:extLst>
           </p:cNvPr>
@@ -31718,7 +37785,7 @@
 </p:sld>
 </file>
 
-<file path=ppt/slides/slide8.xml><?xml version="1.0" encoding="utf-8"?>
+<file path=ppt/slides/slide9.xml><?xml version="1.0" encoding="utf-8"?>
 <p:sld xmlns:a="http://schemas.openxmlformats.org/drawingml/2006/main" xmlns:r="http://schemas.openxmlformats.org/officeDocument/2006/relationships" xmlns:p="http://schemas.openxmlformats.org/presentationml/2006/main">
   <p:cSld>
     <p:spTree>
@@ -31980,979 +38047,6 @@
       </p:par>
     </p:tnLst>
   </p:timing>
-</p:sld>
-</file>
-
-<file path=ppt/slides/slide9.xml><?xml version="1.0" encoding="utf-8"?>
-<p:sld xmlns:a="http://schemas.openxmlformats.org/drawingml/2006/main" xmlns:r="http://schemas.openxmlformats.org/officeDocument/2006/relationships" xmlns:p="http://schemas.openxmlformats.org/presentationml/2006/main">
-  <p:cSld>
-    <p:spTree>
-      <p:nvGrpSpPr>
-        <p:cNvPr id="1" name=""/>
-        <p:cNvGrpSpPr/>
-        <p:nvPr/>
-      </p:nvGrpSpPr>
-      <p:grpSpPr>
-        <a:xfrm>
-          <a:off x="0" y="0"/>
-          <a:ext cx="0" cy="0"/>
-          <a:chOff x="0" y="0"/>
-          <a:chExt cx="0" cy="0"/>
-        </a:xfrm>
-      </p:grpSpPr>
-      <p:sp>
-        <p:nvSpPr>
-          <p:cNvPr id="2" name="Title 1"/>
-          <p:cNvSpPr>
-            <a:spLocks noGrp="1"/>
-          </p:cNvSpPr>
-          <p:nvPr>
-            <p:ph type="title"/>
-          </p:nvPr>
-        </p:nvSpPr>
-        <p:spPr/>
-        <p:txBody>
-          <a:bodyPr/>
-          <a:lstStyle/>
-          <a:p>
-            <a:r>
-              <a:rPr lang="pt-BR" dirty="0"/>
-              <a:t>Definição do problema de classificação</a:t>
-            </a:r>
-          </a:p>
-        </p:txBody>
-      </p:sp>
-      <mc:AlternateContent xmlns:mc="http://schemas.openxmlformats.org/markup-compatibility/2006">
-        <mc:Choice xmlns:a14="http://schemas.microsoft.com/office/drawing/2010/main" Requires="a14">
-          <p:sp>
-            <p:nvSpPr>
-              <p:cNvPr id="3" name="Content Placeholder 2"/>
-              <p:cNvSpPr>
-                <a:spLocks noGrp="1"/>
-              </p:cNvSpPr>
-              <p:nvPr>
-                <p:ph idx="1"/>
-              </p:nvPr>
-            </p:nvSpPr>
-            <p:spPr>
-              <a:xfrm>
-                <a:off x="838199" y="1825624"/>
-                <a:ext cx="11085215" cy="5032375"/>
-              </a:xfrm>
-            </p:spPr>
-            <p:txBody>
-              <a:bodyPr>
-                <a:normAutofit fontScale="92500" lnSpcReduction="20000"/>
-              </a:bodyPr>
-              <a:lstStyle/>
-              <a:p>
-                <a:r>
-                  <a:rPr lang="pt-BR" b="1" dirty="0" smtClean="0"/>
-                  <a:t>Problema</a:t>
-                </a:r>
-                <a:r>
-                  <a:rPr lang="pt-BR" dirty="0"/>
-                  <a:t>: </a:t>
-                </a:r>
-                <a:r>
-                  <a:rPr lang="pt-BR" dirty="0" smtClean="0"/>
-                  <a:t>encontrar uma função </a:t>
-                </a:r>
-                <a14:m>
-                  <m:oMath xmlns:m="http://schemas.openxmlformats.org/officeDocument/2006/math">
-                    <m:r>
-                      <a:rPr lang="pt-BR" i="1">
-                        <a:latin typeface="Cambria Math" panose="02040503050406030204" pitchFamily="18" charset="0"/>
-                      </a:rPr>
-                      <m:t>𝑓</m:t>
-                    </m:r>
-                    <m:r>
-                      <a:rPr lang="pt-BR" i="1">
-                        <a:latin typeface="Cambria Math" panose="02040503050406030204" pitchFamily="18" charset="0"/>
-                      </a:rPr>
-                      <m:t>(</m:t>
-                    </m:r>
-                    <m:r>
-                      <a:rPr lang="pt-BR" b="1" i="1">
-                        <a:latin typeface="Cambria Math" panose="02040503050406030204" pitchFamily="18" charset="0"/>
-                      </a:rPr>
-                      <m:t>𝒙</m:t>
-                    </m:r>
-                    <m:r>
-                      <a:rPr lang="pt-BR" i="1">
-                        <a:latin typeface="Cambria Math" panose="02040503050406030204" pitchFamily="18" charset="0"/>
-                      </a:rPr>
-                      <m:t>)</m:t>
-                    </m:r>
-                  </m:oMath>
-                </a14:m>
-                <a:r>
-                  <a:rPr lang="pt-BR" dirty="0" smtClean="0"/>
-                  <a:t> que atribua </a:t>
-                </a:r>
-                <a:r>
-                  <a:rPr lang="pt-BR" dirty="0"/>
-                  <a:t>a cada </a:t>
-                </a:r>
-                <a:r>
-                  <a:rPr lang="pt-BR" b="1" i="1" dirty="0"/>
-                  <a:t>exemplo de </a:t>
-                </a:r>
-                <a:r>
-                  <a:rPr lang="pt-BR" b="1" i="1" dirty="0" smtClean="0"/>
-                  <a:t>entrada</a:t>
-                </a:r>
-                <a:r>
-                  <a:rPr lang="pt-BR" dirty="0" smtClean="0"/>
-                  <a:t>, </a:t>
-                </a:r>
-                <a14:m>
-                  <m:oMath xmlns:m="http://schemas.openxmlformats.org/officeDocument/2006/math">
-                    <m:r>
-                      <a:rPr lang="pt-BR" b="1" i="1" smtClean="0">
-                        <a:latin typeface="Cambria Math" panose="02040503050406030204" pitchFamily="18" charset="0"/>
-                      </a:rPr>
-                      <m:t>𝒙</m:t>
-                    </m:r>
-                  </m:oMath>
-                </a14:m>
-                <a:r>
-                  <a:rPr lang="pt-BR" dirty="0" smtClean="0"/>
-                  <a:t>,</a:t>
-                </a:r>
-                <a:r>
-                  <a:rPr lang="pt-BR" b="1" i="1" dirty="0" smtClean="0"/>
-                  <a:t> </a:t>
-                </a:r>
-                <a:r>
-                  <a:rPr lang="pt-BR" dirty="0" smtClean="0"/>
-                  <a:t>uma das </a:t>
-                </a:r>
-                <a14:m>
-                  <m:oMath xmlns:m="http://schemas.openxmlformats.org/officeDocument/2006/math">
-                    <m:r>
-                      <a:rPr lang="pt-BR" i="1">
-                        <a:latin typeface="Cambria Math" panose="02040503050406030204" pitchFamily="18" charset="0"/>
-                      </a:rPr>
-                      <m:t>𝑄</m:t>
-                    </m:r>
-                  </m:oMath>
-                </a14:m>
-                <a:r>
-                  <a:rPr lang="pt-BR" dirty="0"/>
-                  <a:t> classes </a:t>
-                </a:r>
-                <a:r>
-                  <a:rPr lang="pt-BR" dirty="0" smtClean="0"/>
-                  <a:t>possíveis, </a:t>
-                </a:r>
-                <a14:m>
-                  <m:oMath xmlns:m="http://schemas.openxmlformats.org/officeDocument/2006/math">
-                    <m:sSub>
-                      <m:sSubPr>
-                        <m:ctrlPr>
-                          <a:rPr lang="pt-BR" i="1">
-                            <a:latin typeface="Cambria Math" panose="02040503050406030204" pitchFamily="18" charset="0"/>
-                          </a:rPr>
-                        </m:ctrlPr>
-                      </m:sSubPr>
-                      <m:e>
-                        <m:r>
-                          <a:rPr lang="pt-BR" i="1">
-                            <a:latin typeface="Cambria Math" panose="02040503050406030204" pitchFamily="18" charset="0"/>
-                          </a:rPr>
-                          <m:t>𝐶</m:t>
-                        </m:r>
-                      </m:e>
-                      <m:sub>
-                        <m:r>
-                          <a:rPr lang="pt-BR" i="1">
-                            <a:latin typeface="Cambria Math" panose="02040503050406030204" pitchFamily="18" charset="0"/>
-                          </a:rPr>
-                          <m:t>𝑞</m:t>
-                        </m:r>
-                      </m:sub>
-                    </m:sSub>
-                    <m:r>
-                      <a:rPr lang="pt-BR" i="1">
-                        <a:latin typeface="Cambria Math" panose="02040503050406030204" pitchFamily="18" charset="0"/>
-                      </a:rPr>
-                      <m:t>,</m:t>
-                    </m:r>
-                    <m:r>
-                      <a:rPr lang="pt-BR" i="1">
-                        <a:latin typeface="Cambria Math" panose="02040503050406030204" pitchFamily="18" charset="0"/>
-                      </a:rPr>
-                      <m:t>𝑞</m:t>
-                    </m:r>
-                    <m:r>
-                      <a:rPr lang="pt-BR" i="1">
-                        <a:latin typeface="Cambria Math" panose="02040503050406030204" pitchFamily="18" charset="0"/>
-                      </a:rPr>
-                      <m:t>=1,…,</m:t>
-                    </m:r>
-                    <m:r>
-                      <a:rPr lang="pt-BR" i="1">
-                        <a:latin typeface="Cambria Math" panose="02040503050406030204" pitchFamily="18" charset="0"/>
-                      </a:rPr>
-                      <m:t>𝑄</m:t>
-                    </m:r>
-                  </m:oMath>
-                </a14:m>
-                <a:r>
-                  <a:rPr lang="pt-BR" dirty="0" smtClean="0"/>
-                  <a:t> </a:t>
-                </a:r>
-                <a:r>
-                  <a:rPr lang="pt-BR" smtClean="0"/>
-                  <a:t>e a qual o exemplo pertence.</a:t>
-                </a:r>
-                <a:endParaRPr lang="pt-BR" dirty="0"/>
-              </a:p>
-              <a:p>
-                <a:pPr lvl="1">
-                  <a:buFont typeface="Wingdings" panose="05000000000000000000" pitchFamily="2" charset="2"/>
-                  <a:buChar char="§"/>
-                </a:pPr>
-                <a:r>
-                  <a:rPr lang="pt-BR" dirty="0"/>
-                  <a:t>As classes podem ser </a:t>
-                </a:r>
-              </a:p>
-              <a:p>
-                <a:pPr lvl="2">
-                  <a:buFont typeface="Courier New" panose="02070309020205020404" pitchFamily="49" charset="0"/>
-                  <a:buChar char="o"/>
-                </a:pPr>
-                <a:r>
-                  <a:rPr lang="pt-BR" dirty="0"/>
-                  <a:t>Spam e not spam (ham).</a:t>
-                </a:r>
-              </a:p>
-              <a:p>
-                <a:pPr lvl="2">
-                  <a:buFont typeface="Courier New" panose="02070309020205020404" pitchFamily="49" charset="0"/>
-                  <a:buChar char="o"/>
-                </a:pPr>
-                <a:r>
-                  <a:rPr lang="pt-BR" dirty="0"/>
-                  <a:t>Dígitos de 0 a 9.</a:t>
-                </a:r>
-              </a:p>
-              <a:p>
-                <a:pPr lvl="2">
-                  <a:buFont typeface="Courier New" panose="02070309020205020404" pitchFamily="49" charset="0"/>
-                  <a:buChar char="o"/>
-                </a:pPr>
-                <a:r>
-                  <a:rPr lang="pt-BR" dirty="0"/>
-                  <a:t>Símbolos de uma </a:t>
-                </a:r>
-                <a:r>
-                  <a:rPr lang="pt-BR" dirty="0" smtClean="0"/>
-                  <a:t>modulação </a:t>
-                </a:r>
-                <a:r>
-                  <a:rPr lang="pt-BR" dirty="0"/>
-                  <a:t>específica.</a:t>
-                </a:r>
-              </a:p>
-              <a:p>
-                <a:pPr lvl="2">
-                  <a:buFont typeface="Courier New" panose="02070309020205020404" pitchFamily="49" charset="0"/>
-                  <a:buChar char="o"/>
-                </a:pPr>
-                <a:r>
-                  <a:rPr lang="pt-BR" dirty="0"/>
-                  <a:t>Objetos (carros, </a:t>
-                </a:r>
-                <a:r>
-                  <a:rPr lang="pt-BR" dirty="0" smtClean="0"/>
-                  <a:t>cães, gatos, </a:t>
-                </a:r>
-                <a:r>
-                  <a:rPr lang="pt-BR" dirty="0"/>
-                  <a:t>etc.)</a:t>
-                </a:r>
-              </a:p>
-              <a:p>
-                <a:r>
-                  <a:rPr lang="pt-BR" dirty="0"/>
-                  <a:t>Semelhante ao problema da </a:t>
-                </a:r>
-                <a:r>
-                  <a:rPr lang="pt-BR" b="1" i="1" dirty="0"/>
-                  <a:t>regressão linear</a:t>
-                </a:r>
-                <a:r>
-                  <a:rPr lang="pt-BR" dirty="0"/>
-                  <a:t>, existe um conjunto de treinamento </a:t>
-                </a:r>
-                <a:r>
-                  <a:rPr lang="pt-BR" dirty="0" smtClean="0"/>
-                  <a:t>com </a:t>
-                </a:r>
-                <a14:m>
-                  <m:oMath xmlns:m="http://schemas.openxmlformats.org/officeDocument/2006/math">
-                    <m:r>
-                      <a:rPr lang="pt-BR" i="1">
-                        <a:latin typeface="Cambria Math" panose="02040503050406030204" pitchFamily="18" charset="0"/>
-                      </a:rPr>
-                      <m:t>𝑁</m:t>
-                    </m:r>
-                  </m:oMath>
-                </a14:m>
-                <a:r>
-                  <a:rPr lang="pt-BR" dirty="0" smtClean="0"/>
-                  <a:t> </a:t>
-                </a:r>
-                <a:r>
-                  <a:rPr lang="pt-BR" b="1" dirty="0"/>
-                  <a:t>exemplos</a:t>
-                </a:r>
-                <a:r>
-                  <a:rPr lang="pt-BR" dirty="0"/>
-                  <a:t> e </a:t>
-                </a:r>
-                <a:r>
-                  <a:rPr lang="pt-BR" b="1" dirty="0"/>
-                  <a:t>rótulos</a:t>
-                </a:r>
-                <a:r>
-                  <a:rPr lang="pt-BR" dirty="0"/>
-                  <a:t> </a:t>
-                </a:r>
-                <a14:m>
-                  <m:oMath xmlns:m="http://schemas.openxmlformats.org/officeDocument/2006/math">
-                    <m:sSubSup>
-                      <m:sSubSupPr>
-                        <m:ctrlPr>
-                          <a:rPr lang="pt-BR" i="1">
-                            <a:latin typeface="Cambria Math" panose="02040503050406030204" pitchFamily="18" charset="0"/>
-                          </a:rPr>
-                        </m:ctrlPr>
-                      </m:sSubSupPr>
-                      <m:e>
-                        <m:d>
-                          <m:dPr>
-                            <m:begChr m:val="{"/>
-                            <m:endChr m:val="}"/>
-                            <m:ctrlPr>
-                              <a:rPr lang="pt-BR" i="1">
-                                <a:latin typeface="Cambria Math" panose="02040503050406030204" pitchFamily="18" charset="0"/>
-                              </a:rPr>
-                            </m:ctrlPr>
-                          </m:dPr>
-                          <m:e>
-                            <m:r>
-                              <a:rPr lang="pt-BR" b="1" i="1">
-                                <a:latin typeface="Cambria Math" panose="02040503050406030204" pitchFamily="18" charset="0"/>
-                              </a:rPr>
-                              <m:t>𝒙</m:t>
-                            </m:r>
-                            <m:d>
-                              <m:dPr>
-                                <m:ctrlPr>
-                                  <a:rPr lang="pt-BR" i="1">
-                                    <a:latin typeface="Cambria Math" panose="02040503050406030204" pitchFamily="18" charset="0"/>
-                                  </a:rPr>
-                                </m:ctrlPr>
-                              </m:dPr>
-                              <m:e>
-                                <m:r>
-                                  <a:rPr lang="pt-BR" i="1">
-                                    <a:latin typeface="Cambria Math" panose="02040503050406030204" pitchFamily="18" charset="0"/>
-                                  </a:rPr>
-                                  <m:t>𝑖</m:t>
-                                </m:r>
-                              </m:e>
-                            </m:d>
-                            <m:r>
-                              <a:rPr lang="pt-BR" i="1">
-                                <a:latin typeface="Cambria Math" panose="02040503050406030204" pitchFamily="18" charset="0"/>
-                              </a:rPr>
-                              <m:t>;</m:t>
-                            </m:r>
-                            <m:r>
-                              <a:rPr lang="pt-BR" i="1">
-                                <a:latin typeface="Cambria Math" panose="02040503050406030204" pitchFamily="18" charset="0"/>
-                              </a:rPr>
-                              <m:t>𝑦</m:t>
-                            </m:r>
-                            <m:r>
-                              <a:rPr lang="pt-BR" i="1">
-                                <a:latin typeface="Cambria Math" panose="02040503050406030204" pitchFamily="18" charset="0"/>
-                              </a:rPr>
-                              <m:t>(</m:t>
-                            </m:r>
-                            <m:r>
-                              <a:rPr lang="pt-BR" i="1">
-                                <a:latin typeface="Cambria Math" panose="02040503050406030204" pitchFamily="18" charset="0"/>
-                              </a:rPr>
-                              <m:t>𝑖</m:t>
-                            </m:r>
-                            <m:r>
-                              <a:rPr lang="pt-BR" i="1">
-                                <a:latin typeface="Cambria Math" panose="02040503050406030204" pitchFamily="18" charset="0"/>
-                              </a:rPr>
-                              <m:t>)</m:t>
-                            </m:r>
-                          </m:e>
-                        </m:d>
-                      </m:e>
-                      <m:sub>
-                        <m:r>
-                          <a:rPr lang="pt-BR" i="1">
-                            <a:latin typeface="Cambria Math" panose="02040503050406030204" pitchFamily="18" charset="0"/>
-                          </a:rPr>
-                          <m:t>𝑖</m:t>
-                        </m:r>
-                        <m:r>
-                          <a:rPr lang="pt-BR" i="1">
-                            <a:latin typeface="Cambria Math" panose="02040503050406030204" pitchFamily="18" charset="0"/>
-                          </a:rPr>
-                          <m:t>=0</m:t>
-                        </m:r>
-                      </m:sub>
-                      <m:sup>
-                        <m:r>
-                          <a:rPr lang="pt-BR" i="1">
-                            <a:latin typeface="Cambria Math" panose="02040503050406030204" pitchFamily="18" charset="0"/>
-                          </a:rPr>
-                          <m:t>𝑁</m:t>
-                        </m:r>
-                        <m:r>
-                          <a:rPr lang="pt-BR" i="1">
-                            <a:latin typeface="Cambria Math" panose="02040503050406030204" pitchFamily="18" charset="0"/>
-                          </a:rPr>
-                          <m:t>−1</m:t>
-                        </m:r>
-                      </m:sup>
-                    </m:sSubSup>
-                  </m:oMath>
-                </a14:m>
-                <a:r>
-                  <a:rPr lang="pt-BR" dirty="0"/>
-                  <a:t> que é utilizado para treinar um </a:t>
-                </a:r>
-                <a:r>
-                  <a:rPr lang="pt-BR" b="1" i="1" dirty="0"/>
-                  <a:t>classificador</a:t>
-                </a:r>
-                <a:r>
-                  <a:rPr lang="pt-BR" dirty="0"/>
-                  <a:t>, </a:t>
-                </a:r>
-                <a:r>
-                  <a:rPr lang="pt-BR" dirty="0" smtClean="0"/>
-                  <a:t>onde</a:t>
-                </a:r>
-              </a:p>
-              <a:p>
-                <a:pPr lvl="1">
-                  <a:buFont typeface="Wingdings" panose="05000000000000000000" pitchFamily="2" charset="2"/>
-                  <a:buChar char="§"/>
-                </a:pPr>
-                <a14:m>
-                  <m:oMath xmlns:m="http://schemas.openxmlformats.org/officeDocument/2006/math">
-                    <m:r>
-                      <a:rPr lang="pt-BR" b="1" i="1">
-                        <a:latin typeface="Cambria Math" panose="02040503050406030204" pitchFamily="18" charset="0"/>
-                      </a:rPr>
-                      <m:t>𝒙</m:t>
-                    </m:r>
-                    <m:d>
-                      <m:dPr>
-                        <m:ctrlPr>
-                          <a:rPr lang="pt-BR" i="1">
-                            <a:latin typeface="Cambria Math" panose="02040503050406030204" pitchFamily="18" charset="0"/>
-                          </a:rPr>
-                        </m:ctrlPr>
-                      </m:dPr>
-                      <m:e>
-                        <m:r>
-                          <a:rPr lang="pt-BR" i="1">
-                            <a:latin typeface="Cambria Math" panose="02040503050406030204" pitchFamily="18" charset="0"/>
-                          </a:rPr>
-                          <m:t>𝑖</m:t>
-                        </m:r>
-                      </m:e>
-                    </m:d>
-                    <m:r>
-                      <a:rPr lang="pt-BR" i="1">
-                        <a:latin typeface="Cambria Math" panose="02040503050406030204" pitchFamily="18" charset="0"/>
-                      </a:rPr>
-                      <m:t>= </m:t>
-                    </m:r>
-                    <m:sSup>
-                      <m:sSupPr>
-                        <m:ctrlPr>
-                          <a:rPr lang="pt-BR" i="1">
-                            <a:latin typeface="Cambria Math" panose="02040503050406030204" pitchFamily="18" charset="0"/>
-                          </a:rPr>
-                        </m:ctrlPr>
-                      </m:sSupPr>
-                      <m:e>
-                        <m:d>
-                          <m:dPr>
-                            <m:begChr m:val="["/>
-                            <m:endChr m:val="]"/>
-                            <m:ctrlPr>
-                              <a:rPr lang="pt-BR" i="1">
-                                <a:latin typeface="Cambria Math" panose="02040503050406030204" pitchFamily="18" charset="0"/>
-                              </a:rPr>
-                            </m:ctrlPr>
-                          </m:dPr>
-                          <m:e>
-                            <m:m>
-                              <m:mPr>
-                                <m:mcs>
-                                  <m:mc>
-                                    <m:mcPr>
-                                      <m:count m:val="3"/>
-                                      <m:mcJc m:val="center"/>
-                                    </m:mcPr>
-                                  </m:mc>
-                                </m:mcs>
-                                <m:ctrlPr>
-                                  <a:rPr lang="pt-BR" i="1">
-                                    <a:latin typeface="Cambria Math" panose="02040503050406030204" pitchFamily="18" charset="0"/>
-                                  </a:rPr>
-                                </m:ctrlPr>
-                              </m:mPr>
-                              <m:mr>
-                                <m:e>
-                                  <m:sSub>
-                                    <m:sSubPr>
-                                      <m:ctrlPr>
-                                        <a:rPr lang="pt-BR" i="1">
-                                          <a:latin typeface="Cambria Math" panose="02040503050406030204" pitchFamily="18" charset="0"/>
-                                        </a:rPr>
-                                      </m:ctrlPr>
-                                    </m:sSubPr>
-                                    <m:e>
-                                      <m:r>
-                                        <a:rPr lang="pt-BR" i="1">
-                                          <a:latin typeface="Cambria Math" panose="02040503050406030204" pitchFamily="18" charset="0"/>
-                                        </a:rPr>
-                                        <m:t>𝑥</m:t>
-                                      </m:r>
-                                    </m:e>
-                                    <m:sub>
-                                      <m:r>
-                                        <a:rPr lang="pt-BR" i="1">
-                                          <a:latin typeface="Cambria Math" panose="02040503050406030204" pitchFamily="18" charset="0"/>
-                                        </a:rPr>
-                                        <m:t>1</m:t>
-                                      </m:r>
-                                    </m:sub>
-                                  </m:sSub>
-                                  <m:r>
-                                    <m:rPr>
-                                      <m:brk m:alnAt="7"/>
-                                    </m:rPr>
-                                    <a:rPr lang="pt-BR" i="1">
-                                      <a:latin typeface="Cambria Math" panose="02040503050406030204" pitchFamily="18" charset="0"/>
-                                    </a:rPr>
-                                    <m:t>(</m:t>
-                                  </m:r>
-                                  <m:r>
-                                    <a:rPr lang="pt-BR" i="1">
-                                      <a:latin typeface="Cambria Math" panose="02040503050406030204" pitchFamily="18" charset="0"/>
-                                    </a:rPr>
-                                    <m:t>𝑖</m:t>
-                                  </m:r>
-                                  <m:r>
-                                    <a:rPr lang="pt-BR" i="1">
-                                      <a:latin typeface="Cambria Math" panose="02040503050406030204" pitchFamily="18" charset="0"/>
-                                    </a:rPr>
-                                    <m:t>)</m:t>
-                                  </m:r>
-                                </m:e>
-                                <m:e>
-                                  <m:r>
-                                    <a:rPr lang="pt-BR" i="1">
-                                      <a:latin typeface="Cambria Math" panose="02040503050406030204" pitchFamily="18" charset="0"/>
-                                    </a:rPr>
-                                    <m:t>⋯</m:t>
-                                  </m:r>
-                                </m:e>
-                                <m:e>
-                                  <m:sSub>
-                                    <m:sSubPr>
-                                      <m:ctrlPr>
-                                        <a:rPr lang="pt-BR" i="1">
-                                          <a:latin typeface="Cambria Math" panose="02040503050406030204" pitchFamily="18" charset="0"/>
-                                        </a:rPr>
-                                      </m:ctrlPr>
-                                    </m:sSubPr>
-                                    <m:e>
-                                      <m:r>
-                                        <a:rPr lang="pt-BR" i="1">
-                                          <a:latin typeface="Cambria Math" panose="02040503050406030204" pitchFamily="18" charset="0"/>
-                                        </a:rPr>
-                                        <m:t>𝑥</m:t>
-                                      </m:r>
-                                    </m:e>
-                                    <m:sub>
-                                      <m:r>
-                                        <a:rPr lang="pt-BR" i="1">
-                                          <a:latin typeface="Cambria Math" panose="02040503050406030204" pitchFamily="18" charset="0"/>
-                                        </a:rPr>
-                                        <m:t>𝐾</m:t>
-                                      </m:r>
-                                    </m:sub>
-                                  </m:sSub>
-                                  <m:r>
-                                    <m:rPr>
-                                      <m:brk m:alnAt="7"/>
-                                    </m:rPr>
-                                    <a:rPr lang="pt-BR" i="1">
-                                      <a:latin typeface="Cambria Math" panose="02040503050406030204" pitchFamily="18" charset="0"/>
-                                    </a:rPr>
-                                    <m:t>(</m:t>
-                                  </m:r>
-                                  <m:r>
-                                    <a:rPr lang="pt-BR" i="1">
-                                      <a:latin typeface="Cambria Math" panose="02040503050406030204" pitchFamily="18" charset="0"/>
-                                    </a:rPr>
-                                    <m:t>𝑖</m:t>
-                                  </m:r>
-                                  <m:r>
-                                    <a:rPr lang="pt-BR" i="1">
-                                      <a:latin typeface="Cambria Math" panose="02040503050406030204" pitchFamily="18" charset="0"/>
-                                    </a:rPr>
-                                    <m:t>)</m:t>
-                                  </m:r>
-                                </m:e>
-                              </m:mr>
-                            </m:m>
-                          </m:e>
-                        </m:d>
-                      </m:e>
-                      <m:sup>
-                        <m:r>
-                          <a:rPr lang="pt-BR" i="1">
-                            <a:latin typeface="Cambria Math" panose="02040503050406030204" pitchFamily="18" charset="0"/>
-                          </a:rPr>
-                          <m:t>𝑇</m:t>
-                        </m:r>
-                      </m:sup>
-                    </m:sSup>
-                    <m:r>
-                      <a:rPr lang="pt-BR" i="1">
-                        <a:latin typeface="Cambria Math" panose="02040503050406030204" pitchFamily="18" charset="0"/>
-                        <a:ea typeface="Cambria Math" panose="02040503050406030204" pitchFamily="18" charset="0"/>
-                      </a:rPr>
-                      <m:t>∈</m:t>
-                    </m:r>
-                    <m:sSup>
-                      <m:sSupPr>
-                        <m:ctrlPr>
-                          <a:rPr lang="pt-BR" i="1">
-                            <a:latin typeface="Cambria Math" panose="02040503050406030204" pitchFamily="18" charset="0"/>
-                            <a:ea typeface="Cambria Math" panose="02040503050406030204" pitchFamily="18" charset="0"/>
-                          </a:rPr>
-                        </m:ctrlPr>
-                      </m:sSupPr>
-                      <m:e>
-                        <m:r>
-                          <a:rPr lang="pt-BR" i="1">
-                            <a:latin typeface="Cambria Math" panose="02040503050406030204" pitchFamily="18" charset="0"/>
-                            <a:ea typeface="Cambria Math" panose="02040503050406030204" pitchFamily="18" charset="0"/>
-                          </a:rPr>
-                          <m:t>ℝ</m:t>
-                        </m:r>
-                      </m:e>
-                      <m:sup>
-                        <m:r>
-                          <a:rPr lang="pt-BR" i="1">
-                            <a:latin typeface="Cambria Math" panose="02040503050406030204" pitchFamily="18" charset="0"/>
-                            <a:ea typeface="Cambria Math" panose="02040503050406030204" pitchFamily="18" charset="0"/>
-                          </a:rPr>
-                          <m:t>𝐾</m:t>
-                        </m:r>
-                        <m:r>
-                          <a:rPr lang="pt-BR" i="1">
-                            <a:latin typeface="Cambria Math" panose="02040503050406030204" pitchFamily="18" charset="0"/>
-                            <a:ea typeface="Cambria Math" panose="02040503050406030204" pitchFamily="18" charset="0"/>
-                          </a:rPr>
-                          <m:t>×1</m:t>
-                        </m:r>
-                      </m:sup>
-                    </m:sSup>
-                  </m:oMath>
-                </a14:m>
-                <a:r>
-                  <a:rPr lang="pt-BR" dirty="0"/>
-                  <a:t> representa o </a:t>
-                </a:r>
-                <a:r>
-                  <a:rPr lang="pt-BR" i="1" dirty="0"/>
-                  <a:t>i</a:t>
-                </a:r>
-                <a:r>
-                  <a:rPr lang="pt-BR" dirty="0"/>
-                  <a:t>-ésimo vetor exemplo de entrada, o qual é caraterizado por </a:t>
-                </a:r>
-                <a14:m>
-                  <m:oMath xmlns:m="http://schemas.openxmlformats.org/officeDocument/2006/math">
-                    <m:r>
-                      <a:rPr lang="pt-BR" i="1">
-                        <a:latin typeface="Cambria Math" panose="02040503050406030204" pitchFamily="18" charset="0"/>
-                      </a:rPr>
-                      <m:t>𝐾</m:t>
-                    </m:r>
-                  </m:oMath>
-                </a14:m>
-                <a:r>
-                  <a:rPr lang="pt-BR" dirty="0"/>
-                  <a:t> atributos, </a:t>
-                </a:r>
-                <a14:m>
-                  <m:oMath xmlns:m="http://schemas.openxmlformats.org/officeDocument/2006/math">
-                    <m:sSub>
-                      <m:sSubPr>
-                        <m:ctrlPr>
-                          <a:rPr lang="pt-BR" i="1">
-                            <a:latin typeface="Cambria Math" panose="02040503050406030204" pitchFamily="18" charset="0"/>
-                          </a:rPr>
-                        </m:ctrlPr>
-                      </m:sSubPr>
-                      <m:e>
-                        <m:r>
-                          <a:rPr lang="pt-BR" i="1">
-                            <a:latin typeface="Cambria Math" panose="02040503050406030204" pitchFamily="18" charset="0"/>
-                          </a:rPr>
-                          <m:t>𝑥</m:t>
-                        </m:r>
-                      </m:e>
-                      <m:sub>
-                        <m:r>
-                          <a:rPr lang="pt-BR" i="1">
-                            <a:latin typeface="Cambria Math" panose="02040503050406030204" pitchFamily="18" charset="0"/>
-                          </a:rPr>
-                          <m:t>1</m:t>
-                        </m:r>
-                      </m:sub>
-                    </m:sSub>
-                    <m:r>
-                      <a:rPr lang="pt-BR" b="0" i="1" smtClean="0">
-                        <a:latin typeface="Cambria Math" panose="02040503050406030204" pitchFamily="18" charset="0"/>
-                      </a:rPr>
-                      <m:t>(</m:t>
-                    </m:r>
-                    <m:r>
-                      <a:rPr lang="pt-BR" b="0" i="1" smtClean="0">
-                        <a:latin typeface="Cambria Math" panose="02040503050406030204" pitchFamily="18" charset="0"/>
-                      </a:rPr>
-                      <m:t>𝑖</m:t>
-                    </m:r>
-                    <m:r>
-                      <a:rPr lang="pt-BR" b="0" i="1" smtClean="0">
-                        <a:latin typeface="Cambria Math" panose="02040503050406030204" pitchFamily="18" charset="0"/>
-                      </a:rPr>
-                      <m:t>), …,</m:t>
-                    </m:r>
-                    <m:sSub>
-                      <m:sSubPr>
-                        <m:ctrlPr>
-                          <a:rPr lang="pt-BR" i="1">
-                            <a:latin typeface="Cambria Math" panose="02040503050406030204" pitchFamily="18" charset="0"/>
-                          </a:rPr>
-                        </m:ctrlPr>
-                      </m:sSubPr>
-                      <m:e>
-                        <m:r>
-                          <a:rPr lang="pt-BR" i="1">
-                            <a:latin typeface="Cambria Math" panose="02040503050406030204" pitchFamily="18" charset="0"/>
-                          </a:rPr>
-                          <m:t>𝑥</m:t>
-                        </m:r>
-                      </m:e>
-                      <m:sub>
-                        <m:r>
-                          <a:rPr lang="pt-BR" i="1">
-                            <a:latin typeface="Cambria Math" panose="02040503050406030204" pitchFamily="18" charset="0"/>
-                          </a:rPr>
-                          <m:t>𝐾</m:t>
-                        </m:r>
-                      </m:sub>
-                    </m:sSub>
-                    <m:r>
-                      <a:rPr lang="pt-BR" b="0" i="1" smtClean="0">
-                        <a:latin typeface="Cambria Math" panose="02040503050406030204" pitchFamily="18" charset="0"/>
-                      </a:rPr>
-                      <m:t>(</m:t>
-                    </m:r>
-                    <m:r>
-                      <a:rPr lang="pt-BR" b="0" i="1" smtClean="0">
-                        <a:latin typeface="Cambria Math" panose="02040503050406030204" pitchFamily="18" charset="0"/>
-                      </a:rPr>
-                      <m:t>𝑖</m:t>
-                    </m:r>
-                    <m:r>
-                      <a:rPr lang="pt-BR" b="0" i="1" smtClean="0">
-                        <a:latin typeface="Cambria Math" panose="02040503050406030204" pitchFamily="18" charset="0"/>
-                      </a:rPr>
-                      <m:t>)</m:t>
-                    </m:r>
-                  </m:oMath>
-                </a14:m>
-                <a:endParaRPr lang="pt-BR" dirty="0"/>
-              </a:p>
-              <a:p>
-                <a:pPr lvl="1">
-                  <a:buFont typeface="Wingdings" panose="05000000000000000000" pitchFamily="2" charset="2"/>
-                  <a:buChar char="§"/>
-                </a:pPr>
-                <a:r>
-                  <a:rPr lang="pt-BR" dirty="0"/>
-                  <a:t>e </a:t>
-                </a:r>
-                <a14:m>
-                  <m:oMath xmlns:m="http://schemas.openxmlformats.org/officeDocument/2006/math">
-                    <m:r>
-                      <a:rPr lang="pt-BR" i="1">
-                        <a:latin typeface="Cambria Math" panose="02040503050406030204" pitchFamily="18" charset="0"/>
-                      </a:rPr>
-                      <m:t>𝑦</m:t>
-                    </m:r>
-                    <m:d>
-                      <m:dPr>
-                        <m:ctrlPr>
-                          <a:rPr lang="pt-BR" i="1">
-                            <a:latin typeface="Cambria Math" panose="02040503050406030204" pitchFamily="18" charset="0"/>
-                          </a:rPr>
-                        </m:ctrlPr>
-                      </m:dPr>
-                      <m:e>
-                        <m:r>
-                          <a:rPr lang="pt-BR" i="1">
-                            <a:latin typeface="Cambria Math" panose="02040503050406030204" pitchFamily="18" charset="0"/>
-                          </a:rPr>
-                          <m:t>𝑖</m:t>
-                        </m:r>
-                      </m:e>
-                    </m:d>
-                  </m:oMath>
-                </a14:m>
-                <a:r>
-                  <a:rPr lang="pt-BR" dirty="0" smtClean="0"/>
-                  <a:t> representa </a:t>
-                </a:r>
-                <a:r>
-                  <a:rPr lang="pt-BR" dirty="0"/>
-                  <a:t>o </a:t>
-                </a:r>
-                <a:r>
-                  <a:rPr lang="pt-BR" i="1" dirty="0"/>
-                  <a:t>i</a:t>
-                </a:r>
-                <a:r>
-                  <a:rPr lang="pt-BR" dirty="0"/>
-                  <a:t>-ésimo </a:t>
-                </a:r>
-                <a:r>
-                  <a:rPr lang="pt-BR" b="1" i="1" dirty="0"/>
-                  <a:t>rótulo</a:t>
-                </a:r>
-                <a:r>
-                  <a:rPr lang="pt-BR" dirty="0"/>
-                  <a:t>. </a:t>
-                </a:r>
-                <a:endParaRPr lang="pt-BR" dirty="0" smtClean="0"/>
-              </a:p>
-              <a:p>
-                <a:pPr>
-                  <a:buFont typeface="Wingdings" panose="05000000000000000000" pitchFamily="2" charset="2"/>
-                  <a:buChar char="§"/>
-                </a:pPr>
-                <a:r>
-                  <a:rPr lang="pt-BR" dirty="0" smtClean="0"/>
-                  <a:t>Portanto, como </a:t>
-                </a:r>
-                <a:r>
-                  <a:rPr lang="pt-BR" dirty="0"/>
-                  <a:t>vocês </a:t>
-                </a:r>
-                <a:r>
-                  <a:rPr lang="pt-BR" dirty="0" smtClean="0"/>
-                  <a:t>já devem </a:t>
-                </a:r>
-                <a:r>
-                  <a:rPr lang="pt-BR" dirty="0"/>
-                  <a:t>ter percebido, </a:t>
-                </a:r>
-                <a:r>
-                  <a:rPr lang="pt-BR" b="1" i="1" dirty="0"/>
-                  <a:t>classificadores</a:t>
-                </a:r>
-                <a:r>
-                  <a:rPr lang="pt-BR" dirty="0"/>
-                  <a:t> são algoritmos de </a:t>
-                </a:r>
-                <a:r>
-                  <a:rPr lang="pt-BR" b="1" i="1" dirty="0"/>
-                  <a:t>treinamento supervisionado</a:t>
-                </a:r>
-                <a:r>
-                  <a:rPr lang="pt-BR" dirty="0" smtClean="0"/>
-                  <a:t>.</a:t>
-                </a:r>
-                <a:endParaRPr lang="pt-BR" dirty="0"/>
-              </a:p>
-            </p:txBody>
-          </p:sp>
-        </mc:Choice>
-        <mc:Fallback>
-          <p:sp>
-            <p:nvSpPr>
-              <p:cNvPr id="3" name="Content Placeholder 2"/>
-              <p:cNvSpPr>
-                <a:spLocks noGrp="1" noRot="1" noChangeAspect="1" noMove="1" noResize="1" noEditPoints="1" noAdjustHandles="1" noChangeArrowheads="1" noChangeShapeType="1" noTextEdit="1"/>
-              </p:cNvSpPr>
-              <p:nvPr>
-                <p:ph idx="1"/>
-              </p:nvPr>
-            </p:nvSpPr>
-            <p:spPr>
-              <a:xfrm>
-                <a:off x="838199" y="1825624"/>
-                <a:ext cx="11085215" cy="5032375"/>
-              </a:xfrm>
-              <a:blipFill rotWithShape="0">
-                <a:blip r:embed="rId3"/>
-                <a:stretch>
-                  <a:fillRect l="-825" t="-3027" r="-1649"/>
-                </a:stretch>
-              </a:blipFill>
-            </p:spPr>
-            <p:txBody>
-              <a:bodyPr/>
-              <a:lstStyle/>
-              <a:p>
-                <a:r>
-                  <a:rPr lang="pt-BR">
-                    <a:noFill/>
-                  </a:rPr>
-                  <a:t> </a:t>
-                </a:r>
-              </a:p>
-            </p:txBody>
-          </p:sp>
-        </mc:Fallback>
-      </mc:AlternateContent>
-    </p:spTree>
-    <p:extLst>
-      <p:ext uri="{BB962C8B-B14F-4D97-AF65-F5344CB8AC3E}">
-        <p14:creationId xmlns:p14="http://schemas.microsoft.com/office/powerpoint/2010/main" val="1710935916"/>
-      </p:ext>
-    </p:extLst>
-  </p:cSld>
-  <p:clrMapOvr>
-    <a:masterClrMapping/>
-  </p:clrMapOvr>
 </p:sld>
 </file>
 

--- a/slides/T320_Classificação (Parte I).pptx
+++ b/slides/T320_Classificação (Parte I).pptx
@@ -5,10 +5,10 @@
     <p:sldMasterId id="2147483648" r:id="rId1"/>
   </p:sldMasterIdLst>
   <p:notesMasterIdLst>
-    <p:notesMasterId r:id="rId26"/>
+    <p:notesMasterId r:id="rId27"/>
   </p:notesMasterIdLst>
   <p:handoutMasterIdLst>
-    <p:handoutMasterId r:id="rId27"/>
+    <p:handoutMasterId r:id="rId28"/>
   </p:handoutMasterIdLst>
   <p:sldIdLst>
     <p:sldId id="256" r:id="rId2"/>
@@ -18,23 +18,24 @@
     <p:sldId id="346" r:id="rId6"/>
     <p:sldId id="263" r:id="rId7"/>
     <p:sldId id="298" r:id="rId8"/>
-    <p:sldId id="328" r:id="rId9"/>
-    <p:sldId id="329" r:id="rId10"/>
-    <p:sldId id="338" r:id="rId11"/>
-    <p:sldId id="331" r:id="rId12"/>
-    <p:sldId id="332" r:id="rId13"/>
-    <p:sldId id="333" r:id="rId14"/>
-    <p:sldId id="344" r:id="rId15"/>
-    <p:sldId id="345" r:id="rId16"/>
-    <p:sldId id="335" r:id="rId17"/>
-    <p:sldId id="336" r:id="rId18"/>
-    <p:sldId id="342" r:id="rId19"/>
-    <p:sldId id="337" r:id="rId20"/>
-    <p:sldId id="324" r:id="rId21"/>
-    <p:sldId id="306" r:id="rId22"/>
-    <p:sldId id="339" r:id="rId23"/>
-    <p:sldId id="341" r:id="rId24"/>
-    <p:sldId id="343" r:id="rId25"/>
+    <p:sldId id="347" r:id="rId9"/>
+    <p:sldId id="348" r:id="rId10"/>
+    <p:sldId id="329" r:id="rId11"/>
+    <p:sldId id="338" r:id="rId12"/>
+    <p:sldId id="331" r:id="rId13"/>
+    <p:sldId id="332" r:id="rId14"/>
+    <p:sldId id="333" r:id="rId15"/>
+    <p:sldId id="344" r:id="rId16"/>
+    <p:sldId id="345" r:id="rId17"/>
+    <p:sldId id="335" r:id="rId18"/>
+    <p:sldId id="336" r:id="rId19"/>
+    <p:sldId id="342" r:id="rId20"/>
+    <p:sldId id="337" r:id="rId21"/>
+    <p:sldId id="324" r:id="rId22"/>
+    <p:sldId id="306" r:id="rId23"/>
+    <p:sldId id="339" r:id="rId24"/>
+    <p:sldId id="341" r:id="rId25"/>
+    <p:sldId id="343" r:id="rId26"/>
   </p:sldIdLst>
   <p:sldSz cx="12192000" cy="6858000"/>
   <p:notesSz cx="7315200" cy="9601200"/>
@@ -298,7 +299,7 @@
           <a:p>
             <a:fld id="{144F1436-6906-4D93-B7A2-786C327BFA14}" type="datetimeFigureOut">
               <a:rPr lang="nl-BE" smtClean="0"/>
-              <a:t>22/07/2022</a:t>
+              <a:t>29/07/2022</a:t>
             </a:fld>
             <a:endParaRPr lang="nl-BE"/>
           </a:p>
@@ -463,7 +464,7 @@
           <a:p>
             <a:fld id="{AA8CD09E-2914-4F47-B6C1-51B2C31814C9}" type="datetimeFigureOut">
               <a:rPr lang="pt-BR" smtClean="0"/>
-              <a:t>22/07/2022</a:t>
+              <a:t>29/07/2022</a:t>
             </a:fld>
             <a:endParaRPr lang="pt-BR"/>
           </a:p>
@@ -902,7 +903,7 @@
           <a:p>
             <a:fld id="{F430A2A4-8C14-4B1A-AD48-7B6401078BF7}" type="slidenum">
               <a:rPr lang="pt-BR" smtClean="0"/>
-              <a:t>16</a:t>
+              <a:t>17</a:t>
             </a:fld>
             <a:endParaRPr lang="pt-BR"/>
           </a:p>
@@ -1158,7 +1159,7 @@
           <a:p>
             <a:fld id="{6FC8D850-966F-45A6-8DE7-15B891E7D40D}" type="slidenum">
               <a:rPr lang="pt-BR" smtClean="0"/>
-              <a:t>19</a:t>
+              <a:t>20</a:t>
             </a:fld>
             <a:endParaRPr lang="pt-BR"/>
           </a:p>
@@ -1252,7 +1253,7 @@
           <a:p>
             <a:fld id="{6FC8D850-966F-45A6-8DE7-15B891E7D40D}" type="slidenum">
               <a:rPr lang="pt-BR" smtClean="0"/>
-              <a:t>20</a:t>
+              <a:t>21</a:t>
             </a:fld>
             <a:endParaRPr lang="pt-BR"/>
           </a:p>
@@ -1542,7 +1543,7 @@
       </p:grpSpPr>
       <p:sp>
         <p:nvSpPr>
-          <p:cNvPr id="2" name="Slide Image Placeholder 1"/>
+          <p:cNvPr id="2" name="Espaço Reservado para Imagem de Slide 1"/>
           <p:cNvSpPr>
             <a:spLocks noGrp="1" noRot="1" noChangeAspect="1"/>
           </p:cNvSpPr>
@@ -1554,7 +1555,7 @@
       </p:sp>
       <p:sp>
         <p:nvSpPr>
-          <p:cNvPr id="3" name="Notes Placeholder 2"/>
+          <p:cNvPr id="3" name="Espaço Reservado para Anotações 2"/>
           <p:cNvSpPr>
             <a:spLocks noGrp="1"/>
           </p:cNvSpPr>
@@ -1567,25 +1568,53 @@
           <a:bodyPr/>
           <a:lstStyle/>
           <a:p>
+            <a:pPr marL="0" marR="0" lvl="0" indent="0" algn="l" defTabSz="914400" rtl="0" eaLnBrk="1" fontAlgn="auto" latinLnBrk="0" hangingPunct="1">
+              <a:lnSpc>
+                <a:spcPct val="100000"/>
+              </a:lnSpc>
+              <a:spcBef>
+                <a:spcPts val="0"/>
+              </a:spcBef>
+              <a:spcAft>
+                <a:spcPts val="0"/>
+              </a:spcAft>
+              <a:buClrTx/>
+              <a:buSzTx/>
+              <a:buFontTx/>
+              <a:buNone/>
+              <a:tabLst/>
+              <a:defRPr/>
+            </a:pPr>
+            <a:r>
+              <a:rPr lang="pt-BR" dirty="0" err="1" smtClean="0"/>
+              <a:t>Motivacão</a:t>
+            </a:r>
             <a:r>
               <a:rPr lang="pt-BR" dirty="0" smtClean="0"/>
-              <a:t>Motivacão:</a:t>
+              <a:t>:</a:t>
             </a:r>
             <a:r>
               <a:rPr lang="pt-BR" baseline="0" dirty="0" smtClean="0"/>
-              <a:t> classificacão de e-mails, detecção de símbolos, classificação de modulações</a:t>
+              <a:t> </a:t>
             </a:r>
             <a:r>
-              <a:rPr lang="pt-BR" baseline="0" smtClean="0"/>
-              <a:t>, etc.</a:t>
+              <a:rPr lang="pt-BR" baseline="0" dirty="0" err="1" smtClean="0"/>
+              <a:t>classificacão</a:t>
             </a:r>
-            <a:endParaRPr lang="pt-BR" dirty="0"/>
+            <a:r>
+              <a:rPr lang="pt-BR" baseline="0" dirty="0" smtClean="0"/>
+              <a:t> de e-mails, detecção de símbolos, classificação de modulações, etc.</a:t>
+            </a:r>
+            <a:endParaRPr lang="pt-BR" dirty="0" smtClean="0"/>
+          </a:p>
+          <a:p>
+            <a:endParaRPr lang="en-US" dirty="0"/>
           </a:p>
         </p:txBody>
       </p:sp>
       <p:sp>
         <p:nvSpPr>
-          <p:cNvPr id="4" name="Slide Number Placeholder 3"/>
+          <p:cNvPr id="4" name="Espaço Reservado para Número de Slide 3"/>
           <p:cNvSpPr>
             <a:spLocks noGrp="1"/>
           </p:cNvSpPr>
@@ -1598,9 +1627,9 @@
           <a:bodyPr/>
           <a:lstStyle/>
           <a:p>
-            <a:fld id="{F430A2A4-8C14-4B1A-AD48-7B6401078BF7}" type="slidenum">
+            <a:fld id="{6FC8D850-966F-45A6-8DE7-15B891E7D40D}" type="slidenum">
               <a:rPr lang="pt-BR" smtClean="0"/>
-              <a:t>8</a:t>
+              <a:t>9</a:t>
             </a:fld>
             <a:endParaRPr lang="pt-BR"/>
           </a:p>
@@ -1609,7 +1638,7 @@
     </p:spTree>
     <p:extLst>
       <p:ext uri="{BB962C8B-B14F-4D97-AF65-F5344CB8AC3E}">
-        <p14:creationId xmlns:p14="http://schemas.microsoft.com/office/powerpoint/2010/main" val="1295603173"/>
+        <p14:creationId xmlns:p14="http://schemas.microsoft.com/office/powerpoint/2010/main" val="3422863581"/>
       </p:ext>
     </p:extLst>
   </p:cSld>
@@ -1684,7 +1713,7 @@
           <a:p>
             <a:fld id="{6FC8D850-966F-45A6-8DE7-15B891E7D40D}" type="slidenum">
               <a:rPr lang="pt-BR" smtClean="0"/>
-              <a:t>10</a:t>
+              <a:t>11</a:t>
             </a:fld>
             <a:endParaRPr lang="pt-BR"/>
           </a:p>
@@ -1940,7 +1969,7 @@
           <a:p>
             <a:fld id="{6FC8D850-966F-45A6-8DE7-15B891E7D40D}" type="slidenum">
               <a:rPr lang="pt-BR" smtClean="0"/>
-              <a:t>11</a:t>
+              <a:t>12</a:t>
             </a:fld>
             <a:endParaRPr lang="pt-BR"/>
           </a:p>
@@ -2086,7 +2115,7 @@
           <a:p>
             <a:fld id="{6FC8D850-966F-45A6-8DE7-15B891E7D40D}" type="slidenum">
               <a:rPr lang="pt-BR" smtClean="0"/>
-              <a:t>14</a:t>
+              <a:t>15</a:t>
             </a:fld>
             <a:endParaRPr lang="pt-BR"/>
           </a:p>
@@ -2172,7 +2201,15 @@
             </a:r>
             <a:r>
               <a:rPr lang="pt-BR" baseline="0" dirty="0" smtClean="0"/>
-              <a:t> ou discriminam as classes. Essas funções são normalmente chamadas de funções discriminantes, pois vão discriminar (ou separar) as classes.</a:t>
+              <a:t> ou discriminam as classes. Essas funções são normalmente chamadas de funções discriminantes, pois vão discriminar (ou </a:t>
+            </a:r>
+            <a:r>
+              <a:rPr lang="pt-BR" baseline="0" dirty="0" smtClean="0"/>
+              <a:t>seja, separar</a:t>
+            </a:r>
+            <a:r>
+              <a:rPr lang="pt-BR" baseline="0" dirty="0" smtClean="0"/>
+              <a:t>) as classes.</a:t>
             </a:r>
             <a:endParaRPr lang="pt-BR" dirty="0" smtClean="0"/>
           </a:p>
@@ -2198,7 +2235,7 @@
           <a:p>
             <a:fld id="{6FC8D850-966F-45A6-8DE7-15B891E7D40D}" type="slidenum">
               <a:rPr lang="pt-BR" smtClean="0"/>
-              <a:t>15</a:t>
+              <a:t>16</a:t>
             </a:fld>
             <a:endParaRPr lang="pt-BR"/>
           </a:p>
@@ -2239,7 +2276,7 @@
           <p:cNvPr id="2" name="Título 1">
             <a:extLst>
               <a:ext uri="{FF2B5EF4-FFF2-40B4-BE49-F238E27FC236}">
-                <a16:creationId xmlns:a16="http://schemas.microsoft.com/office/drawing/2014/main" xmlns="" id="{1DB9B4FF-B06E-403C-A326-BDC64D8FF94E}"/>
+                <a16:creationId xmlns="" xmlns:a16="http://schemas.microsoft.com/office/drawing/2014/main" id="{1DB9B4FF-B06E-403C-A326-BDC64D8FF94E}"/>
               </a:ext>
             </a:extLst>
           </p:cNvPr>
@@ -2276,7 +2313,7 @@
           <p:cNvPr id="3" name="Subtítulo 2">
             <a:extLst>
               <a:ext uri="{FF2B5EF4-FFF2-40B4-BE49-F238E27FC236}">
-                <a16:creationId xmlns:a16="http://schemas.microsoft.com/office/drawing/2014/main" xmlns="" id="{247BDFCE-746E-45BF-A319-4733D58D1632}"/>
+                <a16:creationId xmlns="" xmlns:a16="http://schemas.microsoft.com/office/drawing/2014/main" id="{247BDFCE-746E-45BF-A319-4733D58D1632}"/>
               </a:ext>
             </a:extLst>
           </p:cNvPr>
@@ -2346,7 +2383,7 @@
           <p:cNvPr id="4" name="Espaço Reservado para Data 3">
             <a:extLst>
               <a:ext uri="{FF2B5EF4-FFF2-40B4-BE49-F238E27FC236}">
-                <a16:creationId xmlns:a16="http://schemas.microsoft.com/office/drawing/2014/main" xmlns="" id="{9EDE2778-5372-4104-B96D-968184DA8288}"/>
+                <a16:creationId xmlns="" xmlns:a16="http://schemas.microsoft.com/office/drawing/2014/main" id="{9EDE2778-5372-4104-B96D-968184DA8288}"/>
               </a:ext>
             </a:extLst>
           </p:cNvPr>
@@ -2364,7 +2401,7 @@
           <a:p>
             <a:fld id="{63289F7E-B80B-496E-81B4-D396C37C9454}" type="datetimeFigureOut">
               <a:rPr lang="pt-BR" smtClean="0"/>
-              <a:t>22/07/2022</a:t>
+              <a:t>29/07/2022</a:t>
             </a:fld>
             <a:endParaRPr lang="pt-BR"/>
           </a:p>
@@ -2375,7 +2412,7 @@
           <p:cNvPr id="5" name="Espaço Reservado para Rodapé 4">
             <a:extLst>
               <a:ext uri="{FF2B5EF4-FFF2-40B4-BE49-F238E27FC236}">
-                <a16:creationId xmlns:a16="http://schemas.microsoft.com/office/drawing/2014/main" xmlns="" id="{C1DD0F41-C861-4051-988D-3024A37A4B93}"/>
+                <a16:creationId xmlns="" xmlns:a16="http://schemas.microsoft.com/office/drawing/2014/main" id="{C1DD0F41-C861-4051-988D-3024A37A4B93}"/>
               </a:ext>
             </a:extLst>
           </p:cNvPr>
@@ -2400,7 +2437,7 @@
           <p:cNvPr id="6" name="Espaço Reservado para Número de Slide 5">
             <a:extLst>
               <a:ext uri="{FF2B5EF4-FFF2-40B4-BE49-F238E27FC236}">
-                <a16:creationId xmlns:a16="http://schemas.microsoft.com/office/drawing/2014/main" xmlns="" id="{07E5967E-D980-431A-A5DB-3F0C5030A81E}"/>
+                <a16:creationId xmlns="" xmlns:a16="http://schemas.microsoft.com/office/drawing/2014/main" id="{07E5967E-D980-431A-A5DB-3F0C5030A81E}"/>
               </a:ext>
             </a:extLst>
           </p:cNvPr>
@@ -2459,7 +2496,7 @@
           <p:cNvPr id="2" name="Título 1">
             <a:extLst>
               <a:ext uri="{FF2B5EF4-FFF2-40B4-BE49-F238E27FC236}">
-                <a16:creationId xmlns:a16="http://schemas.microsoft.com/office/drawing/2014/main" xmlns="" id="{9036C49F-3E68-4175-81BA-3C3FEE44308A}"/>
+                <a16:creationId xmlns="" xmlns:a16="http://schemas.microsoft.com/office/drawing/2014/main" id="{9036C49F-3E68-4175-81BA-3C3FEE44308A}"/>
               </a:ext>
             </a:extLst>
           </p:cNvPr>
@@ -2487,7 +2524,7 @@
           <p:cNvPr id="3" name="Espaço Reservado para Texto Vertical 2">
             <a:extLst>
               <a:ext uri="{FF2B5EF4-FFF2-40B4-BE49-F238E27FC236}">
-                <a16:creationId xmlns:a16="http://schemas.microsoft.com/office/drawing/2014/main" xmlns="" id="{426FA736-3DD3-4D4E-B57B-BBE1D8F7D424}"/>
+                <a16:creationId xmlns="" xmlns:a16="http://schemas.microsoft.com/office/drawing/2014/main" id="{426FA736-3DD3-4D4E-B57B-BBE1D8F7D424}"/>
               </a:ext>
             </a:extLst>
           </p:cNvPr>
@@ -2544,7 +2581,7 @@
           <p:cNvPr id="4" name="Espaço Reservado para Data 3">
             <a:extLst>
               <a:ext uri="{FF2B5EF4-FFF2-40B4-BE49-F238E27FC236}">
-                <a16:creationId xmlns:a16="http://schemas.microsoft.com/office/drawing/2014/main" xmlns="" id="{99E8855C-D8FD-48F6-B14E-861E0DE4D915}"/>
+                <a16:creationId xmlns="" xmlns:a16="http://schemas.microsoft.com/office/drawing/2014/main" id="{99E8855C-D8FD-48F6-B14E-861E0DE4D915}"/>
               </a:ext>
             </a:extLst>
           </p:cNvPr>
@@ -2562,7 +2599,7 @@
           <a:p>
             <a:fld id="{63289F7E-B80B-496E-81B4-D396C37C9454}" type="datetimeFigureOut">
               <a:rPr lang="pt-BR" smtClean="0"/>
-              <a:t>22/07/2022</a:t>
+              <a:t>29/07/2022</a:t>
             </a:fld>
             <a:endParaRPr lang="pt-BR"/>
           </a:p>
@@ -2573,7 +2610,7 @@
           <p:cNvPr id="5" name="Espaço Reservado para Rodapé 4">
             <a:extLst>
               <a:ext uri="{FF2B5EF4-FFF2-40B4-BE49-F238E27FC236}">
-                <a16:creationId xmlns:a16="http://schemas.microsoft.com/office/drawing/2014/main" xmlns="" id="{97C0BB88-2F21-42A5-ACFF-83DA47F2D340}"/>
+                <a16:creationId xmlns="" xmlns:a16="http://schemas.microsoft.com/office/drawing/2014/main" id="{97C0BB88-2F21-42A5-ACFF-83DA47F2D340}"/>
               </a:ext>
             </a:extLst>
           </p:cNvPr>
@@ -2598,7 +2635,7 @@
           <p:cNvPr id="6" name="Espaço Reservado para Número de Slide 5">
             <a:extLst>
               <a:ext uri="{FF2B5EF4-FFF2-40B4-BE49-F238E27FC236}">
-                <a16:creationId xmlns:a16="http://schemas.microsoft.com/office/drawing/2014/main" xmlns="" id="{6CB462B3-1F22-4C05-B4B8-7A279FB7D5E9}"/>
+                <a16:creationId xmlns="" xmlns:a16="http://schemas.microsoft.com/office/drawing/2014/main" id="{6CB462B3-1F22-4C05-B4B8-7A279FB7D5E9}"/>
               </a:ext>
             </a:extLst>
           </p:cNvPr>
@@ -2657,7 +2694,7 @@
           <p:cNvPr id="2" name="Título Vertical 1">
             <a:extLst>
               <a:ext uri="{FF2B5EF4-FFF2-40B4-BE49-F238E27FC236}">
-                <a16:creationId xmlns:a16="http://schemas.microsoft.com/office/drawing/2014/main" xmlns="" id="{EAEAB728-701C-4207-A9D5-23FF45C60502}"/>
+                <a16:creationId xmlns="" xmlns:a16="http://schemas.microsoft.com/office/drawing/2014/main" id="{EAEAB728-701C-4207-A9D5-23FF45C60502}"/>
               </a:ext>
             </a:extLst>
           </p:cNvPr>
@@ -2690,7 +2727,7 @@
           <p:cNvPr id="3" name="Espaço Reservado para Texto Vertical 2">
             <a:extLst>
               <a:ext uri="{FF2B5EF4-FFF2-40B4-BE49-F238E27FC236}">
-                <a16:creationId xmlns:a16="http://schemas.microsoft.com/office/drawing/2014/main" xmlns="" id="{BA8C8CCF-7823-480A-9A19-0F664DD17E3B}"/>
+                <a16:creationId xmlns="" xmlns:a16="http://schemas.microsoft.com/office/drawing/2014/main" id="{BA8C8CCF-7823-480A-9A19-0F664DD17E3B}"/>
               </a:ext>
             </a:extLst>
           </p:cNvPr>
@@ -2752,7 +2789,7 @@
           <p:cNvPr id="4" name="Espaço Reservado para Data 3">
             <a:extLst>
               <a:ext uri="{FF2B5EF4-FFF2-40B4-BE49-F238E27FC236}">
-                <a16:creationId xmlns:a16="http://schemas.microsoft.com/office/drawing/2014/main" xmlns="" id="{721D5734-7B1F-425D-942F-6EB73344027C}"/>
+                <a16:creationId xmlns="" xmlns:a16="http://schemas.microsoft.com/office/drawing/2014/main" id="{721D5734-7B1F-425D-942F-6EB73344027C}"/>
               </a:ext>
             </a:extLst>
           </p:cNvPr>
@@ -2770,7 +2807,7 @@
           <a:p>
             <a:fld id="{63289F7E-B80B-496E-81B4-D396C37C9454}" type="datetimeFigureOut">
               <a:rPr lang="pt-BR" smtClean="0"/>
-              <a:t>22/07/2022</a:t>
+              <a:t>29/07/2022</a:t>
             </a:fld>
             <a:endParaRPr lang="pt-BR"/>
           </a:p>
@@ -2781,7 +2818,7 @@
           <p:cNvPr id="5" name="Espaço Reservado para Rodapé 4">
             <a:extLst>
               <a:ext uri="{FF2B5EF4-FFF2-40B4-BE49-F238E27FC236}">
-                <a16:creationId xmlns:a16="http://schemas.microsoft.com/office/drawing/2014/main" xmlns="" id="{1E1AAEAC-F08D-45FE-89EC-B1B349A868C9}"/>
+                <a16:creationId xmlns="" xmlns:a16="http://schemas.microsoft.com/office/drawing/2014/main" id="{1E1AAEAC-F08D-45FE-89EC-B1B349A868C9}"/>
               </a:ext>
             </a:extLst>
           </p:cNvPr>
@@ -2806,7 +2843,7 @@
           <p:cNvPr id="6" name="Espaço Reservado para Número de Slide 5">
             <a:extLst>
               <a:ext uri="{FF2B5EF4-FFF2-40B4-BE49-F238E27FC236}">
-                <a16:creationId xmlns:a16="http://schemas.microsoft.com/office/drawing/2014/main" xmlns="" id="{BAA44493-9911-47B2-87A6-C2141A972BC8}"/>
+                <a16:creationId xmlns="" xmlns:a16="http://schemas.microsoft.com/office/drawing/2014/main" id="{BAA44493-9911-47B2-87A6-C2141A972BC8}"/>
               </a:ext>
             </a:extLst>
           </p:cNvPr>
@@ -2865,7 +2902,7 @@
           <p:cNvPr id="2" name="Título 1">
             <a:extLst>
               <a:ext uri="{FF2B5EF4-FFF2-40B4-BE49-F238E27FC236}">
-                <a16:creationId xmlns:a16="http://schemas.microsoft.com/office/drawing/2014/main" xmlns="" id="{71BD44A5-8F21-4626-A01D-48A1C874B1D5}"/>
+                <a16:creationId xmlns="" xmlns:a16="http://schemas.microsoft.com/office/drawing/2014/main" id="{71BD44A5-8F21-4626-A01D-48A1C874B1D5}"/>
               </a:ext>
             </a:extLst>
           </p:cNvPr>
@@ -2893,7 +2930,7 @@
           <p:cNvPr id="3" name="Espaço Reservado para Conteúdo 2">
             <a:extLst>
               <a:ext uri="{FF2B5EF4-FFF2-40B4-BE49-F238E27FC236}">
-                <a16:creationId xmlns:a16="http://schemas.microsoft.com/office/drawing/2014/main" xmlns="" id="{B79E8085-65A9-48AA-951D-71D978BFF4ED}"/>
+                <a16:creationId xmlns="" xmlns:a16="http://schemas.microsoft.com/office/drawing/2014/main" id="{B79E8085-65A9-48AA-951D-71D978BFF4ED}"/>
               </a:ext>
             </a:extLst>
           </p:cNvPr>
@@ -2950,7 +2987,7 @@
           <p:cNvPr id="4" name="Espaço Reservado para Data 3">
             <a:extLst>
               <a:ext uri="{FF2B5EF4-FFF2-40B4-BE49-F238E27FC236}">
-                <a16:creationId xmlns:a16="http://schemas.microsoft.com/office/drawing/2014/main" xmlns="" id="{F05BE1AF-51EA-425D-B188-DE7BD675009F}"/>
+                <a16:creationId xmlns="" xmlns:a16="http://schemas.microsoft.com/office/drawing/2014/main" id="{F05BE1AF-51EA-425D-B188-DE7BD675009F}"/>
               </a:ext>
             </a:extLst>
           </p:cNvPr>
@@ -2968,7 +3005,7 @@
           <a:p>
             <a:fld id="{63289F7E-B80B-496E-81B4-D396C37C9454}" type="datetimeFigureOut">
               <a:rPr lang="pt-BR" smtClean="0"/>
-              <a:t>22/07/2022</a:t>
+              <a:t>29/07/2022</a:t>
             </a:fld>
             <a:endParaRPr lang="pt-BR"/>
           </a:p>
@@ -2979,7 +3016,7 @@
           <p:cNvPr id="5" name="Espaço Reservado para Rodapé 4">
             <a:extLst>
               <a:ext uri="{FF2B5EF4-FFF2-40B4-BE49-F238E27FC236}">
-                <a16:creationId xmlns:a16="http://schemas.microsoft.com/office/drawing/2014/main" xmlns="" id="{121BE632-29CF-4CB9-B365-C9EF38F89BE6}"/>
+                <a16:creationId xmlns="" xmlns:a16="http://schemas.microsoft.com/office/drawing/2014/main" id="{121BE632-29CF-4CB9-B365-C9EF38F89BE6}"/>
               </a:ext>
             </a:extLst>
           </p:cNvPr>
@@ -3004,7 +3041,7 @@
           <p:cNvPr id="6" name="Espaço Reservado para Número de Slide 5">
             <a:extLst>
               <a:ext uri="{FF2B5EF4-FFF2-40B4-BE49-F238E27FC236}">
-                <a16:creationId xmlns:a16="http://schemas.microsoft.com/office/drawing/2014/main" xmlns="" id="{60CF3DD1-9AEC-4A57-B461-4E4DD86FAC18}"/>
+                <a16:creationId xmlns="" xmlns:a16="http://schemas.microsoft.com/office/drawing/2014/main" id="{60CF3DD1-9AEC-4A57-B461-4E4DD86FAC18}"/>
               </a:ext>
             </a:extLst>
           </p:cNvPr>
@@ -3063,7 +3100,7 @@
           <p:cNvPr id="2" name="Título 1">
             <a:extLst>
               <a:ext uri="{FF2B5EF4-FFF2-40B4-BE49-F238E27FC236}">
-                <a16:creationId xmlns:a16="http://schemas.microsoft.com/office/drawing/2014/main" xmlns="" id="{34AB2FF0-A4D7-4E28-991D-FF26140D5988}"/>
+                <a16:creationId xmlns="" xmlns:a16="http://schemas.microsoft.com/office/drawing/2014/main" id="{34AB2FF0-A4D7-4E28-991D-FF26140D5988}"/>
               </a:ext>
             </a:extLst>
           </p:cNvPr>
@@ -3100,7 +3137,7 @@
           <p:cNvPr id="3" name="Espaço Reservado para Texto 2">
             <a:extLst>
               <a:ext uri="{FF2B5EF4-FFF2-40B4-BE49-F238E27FC236}">
-                <a16:creationId xmlns:a16="http://schemas.microsoft.com/office/drawing/2014/main" xmlns="" id="{E2AC45B0-4145-40DB-8E61-105461170604}"/>
+                <a16:creationId xmlns="" xmlns:a16="http://schemas.microsoft.com/office/drawing/2014/main" id="{E2AC45B0-4145-40DB-8E61-105461170604}"/>
               </a:ext>
             </a:extLst>
           </p:cNvPr>
@@ -3225,7 +3262,7 @@
           <p:cNvPr id="4" name="Espaço Reservado para Data 3">
             <a:extLst>
               <a:ext uri="{FF2B5EF4-FFF2-40B4-BE49-F238E27FC236}">
-                <a16:creationId xmlns:a16="http://schemas.microsoft.com/office/drawing/2014/main" xmlns="" id="{50F1D3FB-740A-4EBA-A309-2CE71D12ECFB}"/>
+                <a16:creationId xmlns="" xmlns:a16="http://schemas.microsoft.com/office/drawing/2014/main" id="{50F1D3FB-740A-4EBA-A309-2CE71D12ECFB}"/>
               </a:ext>
             </a:extLst>
           </p:cNvPr>
@@ -3243,7 +3280,7 @@
           <a:p>
             <a:fld id="{63289F7E-B80B-496E-81B4-D396C37C9454}" type="datetimeFigureOut">
               <a:rPr lang="pt-BR" smtClean="0"/>
-              <a:t>22/07/2022</a:t>
+              <a:t>29/07/2022</a:t>
             </a:fld>
             <a:endParaRPr lang="pt-BR"/>
           </a:p>
@@ -3254,7 +3291,7 @@
           <p:cNvPr id="5" name="Espaço Reservado para Rodapé 4">
             <a:extLst>
               <a:ext uri="{FF2B5EF4-FFF2-40B4-BE49-F238E27FC236}">
-                <a16:creationId xmlns:a16="http://schemas.microsoft.com/office/drawing/2014/main" xmlns="" id="{BDCAB18F-8715-4465-A940-F9C193A2ACE9}"/>
+                <a16:creationId xmlns="" xmlns:a16="http://schemas.microsoft.com/office/drawing/2014/main" id="{BDCAB18F-8715-4465-A940-F9C193A2ACE9}"/>
               </a:ext>
             </a:extLst>
           </p:cNvPr>
@@ -3279,7 +3316,7 @@
           <p:cNvPr id="6" name="Espaço Reservado para Número de Slide 5">
             <a:extLst>
               <a:ext uri="{FF2B5EF4-FFF2-40B4-BE49-F238E27FC236}">
-                <a16:creationId xmlns:a16="http://schemas.microsoft.com/office/drawing/2014/main" xmlns="" id="{353466C6-8248-429F-8056-FF040BF509EB}"/>
+                <a16:creationId xmlns="" xmlns:a16="http://schemas.microsoft.com/office/drawing/2014/main" id="{353466C6-8248-429F-8056-FF040BF509EB}"/>
               </a:ext>
             </a:extLst>
           </p:cNvPr>
@@ -3338,7 +3375,7 @@
           <p:cNvPr id="2" name="Título 1">
             <a:extLst>
               <a:ext uri="{FF2B5EF4-FFF2-40B4-BE49-F238E27FC236}">
-                <a16:creationId xmlns:a16="http://schemas.microsoft.com/office/drawing/2014/main" xmlns="" id="{BC7BB9F0-F14B-4A91-B2B7-35BC47FE4DE7}"/>
+                <a16:creationId xmlns="" xmlns:a16="http://schemas.microsoft.com/office/drawing/2014/main" id="{BC7BB9F0-F14B-4A91-B2B7-35BC47FE4DE7}"/>
               </a:ext>
             </a:extLst>
           </p:cNvPr>
@@ -3366,7 +3403,7 @@
           <p:cNvPr id="3" name="Espaço Reservado para Conteúdo 2">
             <a:extLst>
               <a:ext uri="{FF2B5EF4-FFF2-40B4-BE49-F238E27FC236}">
-                <a16:creationId xmlns:a16="http://schemas.microsoft.com/office/drawing/2014/main" xmlns="" id="{EC1FC1C4-73DA-47A6-8496-B0B457F7D39A}"/>
+                <a16:creationId xmlns="" xmlns:a16="http://schemas.microsoft.com/office/drawing/2014/main" id="{EC1FC1C4-73DA-47A6-8496-B0B457F7D39A}"/>
               </a:ext>
             </a:extLst>
           </p:cNvPr>
@@ -3428,7 +3465,7 @@
           <p:cNvPr id="4" name="Espaço Reservado para Conteúdo 3">
             <a:extLst>
               <a:ext uri="{FF2B5EF4-FFF2-40B4-BE49-F238E27FC236}">
-                <a16:creationId xmlns:a16="http://schemas.microsoft.com/office/drawing/2014/main" xmlns="" id="{E92F06A8-A449-4D92-9912-76873E529B38}"/>
+                <a16:creationId xmlns="" xmlns:a16="http://schemas.microsoft.com/office/drawing/2014/main" id="{E92F06A8-A449-4D92-9912-76873E529B38}"/>
               </a:ext>
             </a:extLst>
           </p:cNvPr>
@@ -3490,7 +3527,7 @@
           <p:cNvPr id="5" name="Espaço Reservado para Data 4">
             <a:extLst>
               <a:ext uri="{FF2B5EF4-FFF2-40B4-BE49-F238E27FC236}">
-                <a16:creationId xmlns:a16="http://schemas.microsoft.com/office/drawing/2014/main" xmlns="" id="{938070A4-BC2F-4D55-BD8D-DEAF11BB9EE9}"/>
+                <a16:creationId xmlns="" xmlns:a16="http://schemas.microsoft.com/office/drawing/2014/main" id="{938070A4-BC2F-4D55-BD8D-DEAF11BB9EE9}"/>
               </a:ext>
             </a:extLst>
           </p:cNvPr>
@@ -3508,7 +3545,7 @@
           <a:p>
             <a:fld id="{63289F7E-B80B-496E-81B4-D396C37C9454}" type="datetimeFigureOut">
               <a:rPr lang="pt-BR" smtClean="0"/>
-              <a:t>22/07/2022</a:t>
+              <a:t>29/07/2022</a:t>
             </a:fld>
             <a:endParaRPr lang="pt-BR"/>
           </a:p>
@@ -3519,7 +3556,7 @@
           <p:cNvPr id="6" name="Espaço Reservado para Rodapé 5">
             <a:extLst>
               <a:ext uri="{FF2B5EF4-FFF2-40B4-BE49-F238E27FC236}">
-                <a16:creationId xmlns:a16="http://schemas.microsoft.com/office/drawing/2014/main" xmlns="" id="{45CC2DB8-844A-465F-BA9A-7734C80C7F43}"/>
+                <a16:creationId xmlns="" xmlns:a16="http://schemas.microsoft.com/office/drawing/2014/main" id="{45CC2DB8-844A-465F-BA9A-7734C80C7F43}"/>
               </a:ext>
             </a:extLst>
           </p:cNvPr>
@@ -3544,7 +3581,7 @@
           <p:cNvPr id="7" name="Espaço Reservado para Número de Slide 6">
             <a:extLst>
               <a:ext uri="{FF2B5EF4-FFF2-40B4-BE49-F238E27FC236}">
-                <a16:creationId xmlns:a16="http://schemas.microsoft.com/office/drawing/2014/main" xmlns="" id="{4CC606A8-097B-4040-94E0-CD8C88280D8F}"/>
+                <a16:creationId xmlns="" xmlns:a16="http://schemas.microsoft.com/office/drawing/2014/main" id="{4CC606A8-097B-4040-94E0-CD8C88280D8F}"/>
               </a:ext>
             </a:extLst>
           </p:cNvPr>
@@ -3603,7 +3640,7 @@
           <p:cNvPr id="2" name="Título 1">
             <a:extLst>
               <a:ext uri="{FF2B5EF4-FFF2-40B4-BE49-F238E27FC236}">
-                <a16:creationId xmlns:a16="http://schemas.microsoft.com/office/drawing/2014/main" xmlns="" id="{76D66686-0143-4CB6-8C09-BA326F1E7ACA}"/>
+                <a16:creationId xmlns="" xmlns:a16="http://schemas.microsoft.com/office/drawing/2014/main" id="{76D66686-0143-4CB6-8C09-BA326F1E7ACA}"/>
               </a:ext>
             </a:extLst>
           </p:cNvPr>
@@ -3636,7 +3673,7 @@
           <p:cNvPr id="3" name="Espaço Reservado para Texto 2">
             <a:extLst>
               <a:ext uri="{FF2B5EF4-FFF2-40B4-BE49-F238E27FC236}">
-                <a16:creationId xmlns:a16="http://schemas.microsoft.com/office/drawing/2014/main" xmlns="" id="{0227AB85-F59E-4BCE-B846-4FA0992C2F23}"/>
+                <a16:creationId xmlns="" xmlns:a16="http://schemas.microsoft.com/office/drawing/2014/main" id="{0227AB85-F59E-4BCE-B846-4FA0992C2F23}"/>
               </a:ext>
             </a:extLst>
           </p:cNvPr>
@@ -3707,7 +3744,7 @@
           <p:cNvPr id="4" name="Espaço Reservado para Conteúdo 3">
             <a:extLst>
               <a:ext uri="{FF2B5EF4-FFF2-40B4-BE49-F238E27FC236}">
-                <a16:creationId xmlns:a16="http://schemas.microsoft.com/office/drawing/2014/main" xmlns="" id="{3373456C-7319-4D0A-827D-D29F6B083F5D}"/>
+                <a16:creationId xmlns="" xmlns:a16="http://schemas.microsoft.com/office/drawing/2014/main" id="{3373456C-7319-4D0A-827D-D29F6B083F5D}"/>
               </a:ext>
             </a:extLst>
           </p:cNvPr>
@@ -3769,7 +3806,7 @@
           <p:cNvPr id="5" name="Espaço Reservado para Texto 4">
             <a:extLst>
               <a:ext uri="{FF2B5EF4-FFF2-40B4-BE49-F238E27FC236}">
-                <a16:creationId xmlns:a16="http://schemas.microsoft.com/office/drawing/2014/main" xmlns="" id="{4CD109D0-2E83-4262-8029-A871CEC47406}"/>
+                <a16:creationId xmlns="" xmlns:a16="http://schemas.microsoft.com/office/drawing/2014/main" id="{4CD109D0-2E83-4262-8029-A871CEC47406}"/>
               </a:ext>
             </a:extLst>
           </p:cNvPr>
@@ -3840,7 +3877,7 @@
           <p:cNvPr id="6" name="Espaço Reservado para Conteúdo 5">
             <a:extLst>
               <a:ext uri="{FF2B5EF4-FFF2-40B4-BE49-F238E27FC236}">
-                <a16:creationId xmlns:a16="http://schemas.microsoft.com/office/drawing/2014/main" xmlns="" id="{AD706E3A-CFBB-4A6C-A65F-D0360A9E74FE}"/>
+                <a16:creationId xmlns="" xmlns:a16="http://schemas.microsoft.com/office/drawing/2014/main" id="{AD706E3A-CFBB-4A6C-A65F-D0360A9E74FE}"/>
               </a:ext>
             </a:extLst>
           </p:cNvPr>
@@ -3902,7 +3939,7 @@
           <p:cNvPr id="7" name="Espaço Reservado para Data 6">
             <a:extLst>
               <a:ext uri="{FF2B5EF4-FFF2-40B4-BE49-F238E27FC236}">
-                <a16:creationId xmlns:a16="http://schemas.microsoft.com/office/drawing/2014/main" xmlns="" id="{4172C0E5-5AF0-4805-BB51-443733CD2BD5}"/>
+                <a16:creationId xmlns="" xmlns:a16="http://schemas.microsoft.com/office/drawing/2014/main" id="{4172C0E5-5AF0-4805-BB51-443733CD2BD5}"/>
               </a:ext>
             </a:extLst>
           </p:cNvPr>
@@ -3920,7 +3957,7 @@
           <a:p>
             <a:fld id="{63289F7E-B80B-496E-81B4-D396C37C9454}" type="datetimeFigureOut">
               <a:rPr lang="pt-BR" smtClean="0"/>
-              <a:t>22/07/2022</a:t>
+              <a:t>29/07/2022</a:t>
             </a:fld>
             <a:endParaRPr lang="pt-BR"/>
           </a:p>
@@ -3931,7 +3968,7 @@
           <p:cNvPr id="8" name="Espaço Reservado para Rodapé 7">
             <a:extLst>
               <a:ext uri="{FF2B5EF4-FFF2-40B4-BE49-F238E27FC236}">
-                <a16:creationId xmlns:a16="http://schemas.microsoft.com/office/drawing/2014/main" xmlns="" id="{0E801648-156F-497E-99CF-797DF48051E1}"/>
+                <a16:creationId xmlns="" xmlns:a16="http://schemas.microsoft.com/office/drawing/2014/main" id="{0E801648-156F-497E-99CF-797DF48051E1}"/>
               </a:ext>
             </a:extLst>
           </p:cNvPr>
@@ -3956,7 +3993,7 @@
           <p:cNvPr id="9" name="Espaço Reservado para Número de Slide 8">
             <a:extLst>
               <a:ext uri="{FF2B5EF4-FFF2-40B4-BE49-F238E27FC236}">
-                <a16:creationId xmlns:a16="http://schemas.microsoft.com/office/drawing/2014/main" xmlns="" id="{EEE23D32-80E7-4796-A137-66BF842E4B53}"/>
+                <a16:creationId xmlns="" xmlns:a16="http://schemas.microsoft.com/office/drawing/2014/main" id="{EEE23D32-80E7-4796-A137-66BF842E4B53}"/>
               </a:ext>
             </a:extLst>
           </p:cNvPr>
@@ -4015,7 +4052,7 @@
           <p:cNvPr id="2" name="Título 1">
             <a:extLst>
               <a:ext uri="{FF2B5EF4-FFF2-40B4-BE49-F238E27FC236}">
-                <a16:creationId xmlns:a16="http://schemas.microsoft.com/office/drawing/2014/main" xmlns="" id="{2BCE2379-C78F-47E1-8CFC-B846E7AF148D}"/>
+                <a16:creationId xmlns="" xmlns:a16="http://schemas.microsoft.com/office/drawing/2014/main" id="{2BCE2379-C78F-47E1-8CFC-B846E7AF148D}"/>
               </a:ext>
             </a:extLst>
           </p:cNvPr>
@@ -4043,7 +4080,7 @@
           <p:cNvPr id="3" name="Espaço Reservado para Data 2">
             <a:extLst>
               <a:ext uri="{FF2B5EF4-FFF2-40B4-BE49-F238E27FC236}">
-                <a16:creationId xmlns:a16="http://schemas.microsoft.com/office/drawing/2014/main" xmlns="" id="{342600A9-7F92-4E22-9D94-E4717252A817}"/>
+                <a16:creationId xmlns="" xmlns:a16="http://schemas.microsoft.com/office/drawing/2014/main" id="{342600A9-7F92-4E22-9D94-E4717252A817}"/>
               </a:ext>
             </a:extLst>
           </p:cNvPr>
@@ -4061,7 +4098,7 @@
           <a:p>
             <a:fld id="{63289F7E-B80B-496E-81B4-D396C37C9454}" type="datetimeFigureOut">
               <a:rPr lang="pt-BR" smtClean="0"/>
-              <a:t>22/07/2022</a:t>
+              <a:t>29/07/2022</a:t>
             </a:fld>
             <a:endParaRPr lang="pt-BR"/>
           </a:p>
@@ -4072,7 +4109,7 @@
           <p:cNvPr id="4" name="Espaço Reservado para Rodapé 3">
             <a:extLst>
               <a:ext uri="{FF2B5EF4-FFF2-40B4-BE49-F238E27FC236}">
-                <a16:creationId xmlns:a16="http://schemas.microsoft.com/office/drawing/2014/main" xmlns="" id="{192E6BED-F546-40CC-A2DF-99CBA853654E}"/>
+                <a16:creationId xmlns="" xmlns:a16="http://schemas.microsoft.com/office/drawing/2014/main" id="{192E6BED-F546-40CC-A2DF-99CBA853654E}"/>
               </a:ext>
             </a:extLst>
           </p:cNvPr>
@@ -4097,7 +4134,7 @@
           <p:cNvPr id="5" name="Espaço Reservado para Número de Slide 4">
             <a:extLst>
               <a:ext uri="{FF2B5EF4-FFF2-40B4-BE49-F238E27FC236}">
-                <a16:creationId xmlns:a16="http://schemas.microsoft.com/office/drawing/2014/main" xmlns="" id="{6091CC40-A8C4-4063-80EB-CC5099621678}"/>
+                <a16:creationId xmlns="" xmlns:a16="http://schemas.microsoft.com/office/drawing/2014/main" id="{6091CC40-A8C4-4063-80EB-CC5099621678}"/>
               </a:ext>
             </a:extLst>
           </p:cNvPr>
@@ -4156,7 +4193,7 @@
           <p:cNvPr id="2" name="Espaço Reservado para Data 1">
             <a:extLst>
               <a:ext uri="{FF2B5EF4-FFF2-40B4-BE49-F238E27FC236}">
-                <a16:creationId xmlns:a16="http://schemas.microsoft.com/office/drawing/2014/main" xmlns="" id="{DD19515C-212C-4EAE-84A3-8FF4BC844F1B}"/>
+                <a16:creationId xmlns="" xmlns:a16="http://schemas.microsoft.com/office/drawing/2014/main" id="{DD19515C-212C-4EAE-84A3-8FF4BC844F1B}"/>
               </a:ext>
             </a:extLst>
           </p:cNvPr>
@@ -4174,7 +4211,7 @@
           <a:p>
             <a:fld id="{63289F7E-B80B-496E-81B4-D396C37C9454}" type="datetimeFigureOut">
               <a:rPr lang="pt-BR" smtClean="0"/>
-              <a:t>22/07/2022</a:t>
+              <a:t>29/07/2022</a:t>
             </a:fld>
             <a:endParaRPr lang="pt-BR"/>
           </a:p>
@@ -4185,7 +4222,7 @@
           <p:cNvPr id="3" name="Espaço Reservado para Rodapé 2">
             <a:extLst>
               <a:ext uri="{FF2B5EF4-FFF2-40B4-BE49-F238E27FC236}">
-                <a16:creationId xmlns:a16="http://schemas.microsoft.com/office/drawing/2014/main" xmlns="" id="{94D3D120-B3E8-4C96-861D-7A4F12F49B3A}"/>
+                <a16:creationId xmlns="" xmlns:a16="http://schemas.microsoft.com/office/drawing/2014/main" id="{94D3D120-B3E8-4C96-861D-7A4F12F49B3A}"/>
               </a:ext>
             </a:extLst>
           </p:cNvPr>
@@ -4210,7 +4247,7 @@
           <p:cNvPr id="4" name="Espaço Reservado para Número de Slide 3">
             <a:extLst>
               <a:ext uri="{FF2B5EF4-FFF2-40B4-BE49-F238E27FC236}">
-                <a16:creationId xmlns:a16="http://schemas.microsoft.com/office/drawing/2014/main" xmlns="" id="{42E49B68-FA1B-468B-9F17-D5C09243D454}"/>
+                <a16:creationId xmlns="" xmlns:a16="http://schemas.microsoft.com/office/drawing/2014/main" id="{42E49B68-FA1B-468B-9F17-D5C09243D454}"/>
               </a:ext>
             </a:extLst>
           </p:cNvPr>
@@ -4269,7 +4306,7 @@
           <p:cNvPr id="2" name="Título 1">
             <a:extLst>
               <a:ext uri="{FF2B5EF4-FFF2-40B4-BE49-F238E27FC236}">
-                <a16:creationId xmlns:a16="http://schemas.microsoft.com/office/drawing/2014/main" xmlns="" id="{1C17BCBE-A897-4319-85EC-D87909C24980}"/>
+                <a16:creationId xmlns="" xmlns:a16="http://schemas.microsoft.com/office/drawing/2014/main" id="{1C17BCBE-A897-4319-85EC-D87909C24980}"/>
               </a:ext>
             </a:extLst>
           </p:cNvPr>
@@ -4306,7 +4343,7 @@
           <p:cNvPr id="3" name="Espaço Reservado para Conteúdo 2">
             <a:extLst>
               <a:ext uri="{FF2B5EF4-FFF2-40B4-BE49-F238E27FC236}">
-                <a16:creationId xmlns:a16="http://schemas.microsoft.com/office/drawing/2014/main" xmlns="" id="{4226F885-0204-4913-868B-4B8B82576F17}"/>
+                <a16:creationId xmlns="" xmlns:a16="http://schemas.microsoft.com/office/drawing/2014/main" id="{4226F885-0204-4913-868B-4B8B82576F17}"/>
               </a:ext>
             </a:extLst>
           </p:cNvPr>
@@ -4396,7 +4433,7 @@
           <p:cNvPr id="4" name="Espaço Reservado para Texto 3">
             <a:extLst>
               <a:ext uri="{FF2B5EF4-FFF2-40B4-BE49-F238E27FC236}">
-                <a16:creationId xmlns:a16="http://schemas.microsoft.com/office/drawing/2014/main" xmlns="" id="{00F9F784-A858-441B-8AB5-697098141751}"/>
+                <a16:creationId xmlns="" xmlns:a16="http://schemas.microsoft.com/office/drawing/2014/main" id="{00F9F784-A858-441B-8AB5-697098141751}"/>
               </a:ext>
             </a:extLst>
           </p:cNvPr>
@@ -4467,7 +4504,7 @@
           <p:cNvPr id="5" name="Espaço Reservado para Data 4">
             <a:extLst>
               <a:ext uri="{FF2B5EF4-FFF2-40B4-BE49-F238E27FC236}">
-                <a16:creationId xmlns:a16="http://schemas.microsoft.com/office/drawing/2014/main" xmlns="" id="{A4DC363A-5000-472E-8B17-02E7DCB8840A}"/>
+                <a16:creationId xmlns="" xmlns:a16="http://schemas.microsoft.com/office/drawing/2014/main" id="{A4DC363A-5000-472E-8B17-02E7DCB8840A}"/>
               </a:ext>
             </a:extLst>
           </p:cNvPr>
@@ -4485,7 +4522,7 @@
           <a:p>
             <a:fld id="{63289F7E-B80B-496E-81B4-D396C37C9454}" type="datetimeFigureOut">
               <a:rPr lang="pt-BR" smtClean="0"/>
-              <a:t>22/07/2022</a:t>
+              <a:t>29/07/2022</a:t>
             </a:fld>
             <a:endParaRPr lang="pt-BR"/>
           </a:p>
@@ -4496,7 +4533,7 @@
           <p:cNvPr id="6" name="Espaço Reservado para Rodapé 5">
             <a:extLst>
               <a:ext uri="{FF2B5EF4-FFF2-40B4-BE49-F238E27FC236}">
-                <a16:creationId xmlns:a16="http://schemas.microsoft.com/office/drawing/2014/main" xmlns="" id="{5548425D-2C21-4C56-BAD4-662978775C28}"/>
+                <a16:creationId xmlns="" xmlns:a16="http://schemas.microsoft.com/office/drawing/2014/main" id="{5548425D-2C21-4C56-BAD4-662978775C28}"/>
               </a:ext>
             </a:extLst>
           </p:cNvPr>
@@ -4521,7 +4558,7 @@
           <p:cNvPr id="7" name="Espaço Reservado para Número de Slide 6">
             <a:extLst>
               <a:ext uri="{FF2B5EF4-FFF2-40B4-BE49-F238E27FC236}">
-                <a16:creationId xmlns:a16="http://schemas.microsoft.com/office/drawing/2014/main" xmlns="" id="{C63E9726-E64C-42B2-AE8A-8C235A956B48}"/>
+                <a16:creationId xmlns="" xmlns:a16="http://schemas.microsoft.com/office/drawing/2014/main" id="{C63E9726-E64C-42B2-AE8A-8C235A956B48}"/>
               </a:ext>
             </a:extLst>
           </p:cNvPr>
@@ -4580,7 +4617,7 @@
           <p:cNvPr id="2" name="Título 1">
             <a:extLst>
               <a:ext uri="{FF2B5EF4-FFF2-40B4-BE49-F238E27FC236}">
-                <a16:creationId xmlns:a16="http://schemas.microsoft.com/office/drawing/2014/main" xmlns="" id="{11086A78-3E74-450C-96A6-CA8AC37AF772}"/>
+                <a16:creationId xmlns="" xmlns:a16="http://schemas.microsoft.com/office/drawing/2014/main" id="{11086A78-3E74-450C-96A6-CA8AC37AF772}"/>
               </a:ext>
             </a:extLst>
           </p:cNvPr>
@@ -4617,7 +4654,7 @@
           <p:cNvPr id="3" name="Espaço Reservado para Imagem 2">
             <a:extLst>
               <a:ext uri="{FF2B5EF4-FFF2-40B4-BE49-F238E27FC236}">
-                <a16:creationId xmlns:a16="http://schemas.microsoft.com/office/drawing/2014/main" xmlns="" id="{5F5B7312-975A-4DBC-9B2F-3652ADA006FD}"/>
+                <a16:creationId xmlns="" xmlns:a16="http://schemas.microsoft.com/office/drawing/2014/main" id="{5F5B7312-975A-4DBC-9B2F-3652ADA006FD}"/>
               </a:ext>
             </a:extLst>
           </p:cNvPr>
@@ -4684,7 +4721,7 @@
           <p:cNvPr id="4" name="Espaço Reservado para Texto 3">
             <a:extLst>
               <a:ext uri="{FF2B5EF4-FFF2-40B4-BE49-F238E27FC236}">
-                <a16:creationId xmlns:a16="http://schemas.microsoft.com/office/drawing/2014/main" xmlns="" id="{AAF805F5-1DFF-41C6-944C-7D79FE0D0963}"/>
+                <a16:creationId xmlns="" xmlns:a16="http://schemas.microsoft.com/office/drawing/2014/main" id="{AAF805F5-1DFF-41C6-944C-7D79FE0D0963}"/>
               </a:ext>
             </a:extLst>
           </p:cNvPr>
@@ -4755,7 +4792,7 @@
           <p:cNvPr id="5" name="Espaço Reservado para Data 4">
             <a:extLst>
               <a:ext uri="{FF2B5EF4-FFF2-40B4-BE49-F238E27FC236}">
-                <a16:creationId xmlns:a16="http://schemas.microsoft.com/office/drawing/2014/main" xmlns="" id="{02113D81-8665-4516-BD81-C6A1F254EECD}"/>
+                <a16:creationId xmlns="" xmlns:a16="http://schemas.microsoft.com/office/drawing/2014/main" id="{02113D81-8665-4516-BD81-C6A1F254EECD}"/>
               </a:ext>
             </a:extLst>
           </p:cNvPr>
@@ -4773,7 +4810,7 @@
           <a:p>
             <a:fld id="{63289F7E-B80B-496E-81B4-D396C37C9454}" type="datetimeFigureOut">
               <a:rPr lang="pt-BR" smtClean="0"/>
-              <a:t>22/07/2022</a:t>
+              <a:t>29/07/2022</a:t>
             </a:fld>
             <a:endParaRPr lang="pt-BR"/>
           </a:p>
@@ -4784,7 +4821,7 @@
           <p:cNvPr id="6" name="Espaço Reservado para Rodapé 5">
             <a:extLst>
               <a:ext uri="{FF2B5EF4-FFF2-40B4-BE49-F238E27FC236}">
-                <a16:creationId xmlns:a16="http://schemas.microsoft.com/office/drawing/2014/main" xmlns="" id="{2B00C88B-FF32-40AA-A187-727D96FD7862}"/>
+                <a16:creationId xmlns="" xmlns:a16="http://schemas.microsoft.com/office/drawing/2014/main" id="{2B00C88B-FF32-40AA-A187-727D96FD7862}"/>
               </a:ext>
             </a:extLst>
           </p:cNvPr>
@@ -4809,7 +4846,7 @@
           <p:cNvPr id="7" name="Espaço Reservado para Número de Slide 6">
             <a:extLst>
               <a:ext uri="{FF2B5EF4-FFF2-40B4-BE49-F238E27FC236}">
-                <a16:creationId xmlns:a16="http://schemas.microsoft.com/office/drawing/2014/main" xmlns="" id="{A04D1A2D-69F7-4B8F-A730-BC26DC340BA6}"/>
+                <a16:creationId xmlns="" xmlns:a16="http://schemas.microsoft.com/office/drawing/2014/main" id="{A04D1A2D-69F7-4B8F-A730-BC26DC340BA6}"/>
               </a:ext>
             </a:extLst>
           </p:cNvPr>
@@ -4873,7 +4910,7 @@
           <p:cNvPr id="2" name="Espaço Reservado para Título 1">
             <a:extLst>
               <a:ext uri="{FF2B5EF4-FFF2-40B4-BE49-F238E27FC236}">
-                <a16:creationId xmlns:a16="http://schemas.microsoft.com/office/drawing/2014/main" xmlns="" id="{E69A0273-1966-4A1B-9370-4C1CE5036371}"/>
+                <a16:creationId xmlns="" xmlns:a16="http://schemas.microsoft.com/office/drawing/2014/main" id="{E69A0273-1966-4A1B-9370-4C1CE5036371}"/>
               </a:ext>
             </a:extLst>
           </p:cNvPr>
@@ -4911,7 +4948,7 @@
           <p:cNvPr id="3" name="Espaço Reservado para Texto 2">
             <a:extLst>
               <a:ext uri="{FF2B5EF4-FFF2-40B4-BE49-F238E27FC236}">
-                <a16:creationId xmlns:a16="http://schemas.microsoft.com/office/drawing/2014/main" xmlns="" id="{3B9CF87A-0448-49A7-AB25-EBC1D56A40EF}"/>
+                <a16:creationId xmlns="" xmlns:a16="http://schemas.microsoft.com/office/drawing/2014/main" id="{3B9CF87A-0448-49A7-AB25-EBC1D56A40EF}"/>
               </a:ext>
             </a:extLst>
           </p:cNvPr>
@@ -4978,7 +5015,7 @@
           <p:cNvPr id="4" name="Espaço Reservado para Data 3">
             <a:extLst>
               <a:ext uri="{FF2B5EF4-FFF2-40B4-BE49-F238E27FC236}">
-                <a16:creationId xmlns:a16="http://schemas.microsoft.com/office/drawing/2014/main" xmlns="" id="{2EF7B1F2-BB5A-44D0-816D-16AD2C71430E}"/>
+                <a16:creationId xmlns="" xmlns:a16="http://schemas.microsoft.com/office/drawing/2014/main" id="{2EF7B1F2-BB5A-44D0-816D-16AD2C71430E}"/>
               </a:ext>
             </a:extLst>
           </p:cNvPr>
@@ -5014,7 +5051,7 @@
           <a:p>
             <a:fld id="{63289F7E-B80B-496E-81B4-D396C37C9454}" type="datetimeFigureOut">
               <a:rPr lang="pt-BR" smtClean="0"/>
-              <a:t>22/07/2022</a:t>
+              <a:t>29/07/2022</a:t>
             </a:fld>
             <a:endParaRPr lang="pt-BR"/>
           </a:p>
@@ -5025,7 +5062,7 @@
           <p:cNvPr id="5" name="Espaço Reservado para Rodapé 4">
             <a:extLst>
               <a:ext uri="{FF2B5EF4-FFF2-40B4-BE49-F238E27FC236}">
-                <a16:creationId xmlns:a16="http://schemas.microsoft.com/office/drawing/2014/main" xmlns="" id="{C703F94C-2CC8-4DAA-BC35-14FC3E841DCD}"/>
+                <a16:creationId xmlns="" xmlns:a16="http://schemas.microsoft.com/office/drawing/2014/main" id="{C703F94C-2CC8-4DAA-BC35-14FC3E841DCD}"/>
               </a:ext>
             </a:extLst>
           </p:cNvPr>
@@ -5068,7 +5105,7 @@
           <p:cNvPr id="6" name="Espaço Reservado para Número de Slide 5">
             <a:extLst>
               <a:ext uri="{FF2B5EF4-FFF2-40B4-BE49-F238E27FC236}">
-                <a16:creationId xmlns:a16="http://schemas.microsoft.com/office/drawing/2014/main" xmlns="" id="{64051336-7048-457A-8B61-D94291D71648}"/>
+                <a16:creationId xmlns="" xmlns:a16="http://schemas.microsoft.com/office/drawing/2014/main" id="{64051336-7048-457A-8B61-D94291D71648}"/>
               </a:ext>
             </a:extLst>
           </p:cNvPr>
@@ -5436,7 +5473,7 @@
           <p:cNvPr id="2" name="Título 1">
             <a:extLst>
               <a:ext uri="{FF2B5EF4-FFF2-40B4-BE49-F238E27FC236}">
-                <a16:creationId xmlns:a16="http://schemas.microsoft.com/office/drawing/2014/main" xmlns="" id="{32666AC8-2E17-4DB4-B0F5-60C640CCFD2E}"/>
+                <a16:creationId xmlns="" xmlns:a16="http://schemas.microsoft.com/office/drawing/2014/main" id="{32666AC8-2E17-4DB4-B0F5-60C640CCFD2E}"/>
               </a:ext>
             </a:extLst>
           </p:cNvPr>
@@ -5483,7 +5520,7 @@
           <p:cNvPr id="4" name="CaixaDeTexto 3">
             <a:extLst>
               <a:ext uri="{FF2B5EF4-FFF2-40B4-BE49-F238E27FC236}">
-                <a16:creationId xmlns:a16="http://schemas.microsoft.com/office/drawing/2014/main" xmlns="" id="{430EB894-B7D4-434C-9D1A-A14094D9BEEC}"/>
+                <a16:creationId xmlns="" xmlns:a16="http://schemas.microsoft.com/office/drawing/2014/main" id="{430EB894-B7D4-434C-9D1A-A14094D9BEEC}"/>
               </a:ext>
             </a:extLst>
           </p:cNvPr>
@@ -5524,7 +5561,7 @@
           <p:cNvPr id="1026" name="Picture 2" descr="Logo">
             <a:extLst>
               <a:ext uri="{FF2B5EF4-FFF2-40B4-BE49-F238E27FC236}">
-                <a16:creationId xmlns:a16="http://schemas.microsoft.com/office/drawing/2014/main" xmlns="" id="{3F2642E0-4F6A-4196-8F58-E77D36E9A33F}"/>
+                <a16:creationId xmlns="" xmlns:a16="http://schemas.microsoft.com/office/drawing/2014/main" id="{3F2642E0-4F6A-4196-8F58-E77D36E9A33F}"/>
               </a:ext>
             </a:extLst>
           </p:cNvPr>
@@ -5569,7 +5606,7 @@
           <p:cNvPr id="5122" name="Picture 2" descr="Image result for machine learning">
             <a:extLst>
               <a:ext uri="{FF2B5EF4-FFF2-40B4-BE49-F238E27FC236}">
-                <a16:creationId xmlns:a16="http://schemas.microsoft.com/office/drawing/2014/main" xmlns="" id="{810CE0A2-4102-44A6-A370-175E7896CDCB}"/>
+                <a16:creationId xmlns="" xmlns:a16="http://schemas.microsoft.com/office/drawing/2014/main" id="{810CE0A2-4102-44A6-A370-175E7896CDCB}"/>
               </a:ext>
             </a:extLst>
           </p:cNvPr>
@@ -5641,6 +5678,279 @@
       </p:grpSpPr>
       <p:sp>
         <p:nvSpPr>
+          <p:cNvPr id="3" name="Content Placeholder 2"/>
+          <p:cNvSpPr>
+            <a:spLocks noGrp="1"/>
+          </p:cNvSpPr>
+          <p:nvPr>
+            <p:ph idx="1"/>
+          </p:nvPr>
+        </p:nvSpPr>
+        <p:spPr>
+          <a:xfrm>
+            <a:off x="838200" y="4922156"/>
+            <a:ext cx="10515600" cy="1707243"/>
+          </a:xfrm>
+        </p:spPr>
+        <p:txBody>
+          <a:bodyPr>
+            <a:normAutofit/>
+          </a:bodyPr>
+          <a:lstStyle/>
+          <a:p>
+            <a:r>
+              <a:rPr lang="pt-BR" dirty="0" smtClean="0"/>
+              <a:t>Reconhecimento de </a:t>
+            </a:r>
+            <a:r>
+              <a:rPr lang="pt-BR" dirty="0" smtClean="0"/>
+              <a:t>texto escrito </a:t>
+            </a:r>
+            <a:r>
+              <a:rPr lang="nl-BE" dirty="0" smtClean="0"/>
+              <a:t>à</a:t>
+            </a:r>
+            <a:r>
+              <a:rPr lang="pt-BR" dirty="0" smtClean="0"/>
+              <a:t> </a:t>
+            </a:r>
+            <a:r>
+              <a:rPr lang="pt-BR" dirty="0" smtClean="0"/>
+              <a:t>mão.</a:t>
+            </a:r>
+          </a:p>
+          <a:p>
+            <a:r>
+              <a:rPr lang="pt-BR" dirty="0" smtClean="0"/>
+              <a:t>Classifica</a:t>
+            </a:r>
+            <a:r>
+              <a:rPr lang="pt-BR" dirty="0"/>
+              <a:t>ç</a:t>
+            </a:r>
+            <a:r>
+              <a:rPr lang="pt-BR" dirty="0" smtClean="0"/>
+              <a:t>ão de texto.</a:t>
+            </a:r>
+          </a:p>
+          <a:p>
+            <a:r>
+              <a:rPr lang="pt-BR" dirty="0" smtClean="0"/>
+              <a:t>Classificação de sentimentos.</a:t>
+            </a:r>
+            <a:endParaRPr lang="pt-BR" dirty="0"/>
+          </a:p>
+        </p:txBody>
+      </p:sp>
+      <p:pic>
+        <p:nvPicPr>
+          <p:cNvPr id="1026" name="Picture 2" descr="Ana Barros (@anathinker) | Twitter"/>
+          <p:cNvPicPr>
+            <a:picLocks noChangeAspect="1" noChangeArrowheads="1"/>
+          </p:cNvPicPr>
+          <p:nvPr/>
+        </p:nvPicPr>
+        <p:blipFill>
+          <a:blip r:embed="rId2">
+            <a:extLst>
+              <a:ext uri="{28A0092B-C50C-407E-A947-70E740481C1C}">
+                <a14:useLocalDpi xmlns:a14="http://schemas.microsoft.com/office/drawing/2010/main" val="0"/>
+              </a:ext>
+            </a:extLst>
+          </a:blip>
+          <a:srcRect/>
+          <a:stretch>
+            <a:fillRect/>
+          </a:stretch>
+        </p:blipFill>
+        <p:spPr bwMode="auto">
+          <a:xfrm>
+            <a:off x="370030" y="1992086"/>
+            <a:ext cx="3577893" cy="2370967"/>
+          </a:xfrm>
+          <a:prstGeom prst="rect">
+            <a:avLst/>
+          </a:prstGeom>
+          <a:noFill/>
+          <a:extLst>
+            <a:ext uri="{909E8E84-426E-40DD-AFC4-6F175D3DCCD1}">
+              <a14:hiddenFill xmlns:a14="http://schemas.microsoft.com/office/drawing/2010/main">
+                <a:solidFill>
+                  <a:srgbClr val="FFFFFF"/>
+                </a:solidFill>
+              </a14:hiddenFill>
+            </a:ext>
+          </a:extLst>
+        </p:spPr>
+      </p:pic>
+      <p:pic>
+        <p:nvPicPr>
+          <p:cNvPr id="1030" name="Picture 6" descr="Analyzing Text Classification Techniques on Youtube Data"/>
+          <p:cNvPicPr>
+            <a:picLocks noChangeAspect="1" noChangeArrowheads="1"/>
+          </p:cNvPicPr>
+          <p:nvPr/>
+        </p:nvPicPr>
+        <p:blipFill rotWithShape="1">
+          <a:blip r:embed="rId3">
+            <a:extLst>
+              <a:ext uri="{28A0092B-C50C-407E-A947-70E740481C1C}">
+                <a14:useLocalDpi xmlns:a14="http://schemas.microsoft.com/office/drawing/2010/main" val="0"/>
+              </a:ext>
+            </a:extLst>
+          </a:blip>
+          <a:srcRect l="11107" t="4114" r="9213" b="4823"/>
+          <a:stretch/>
+        </p:blipFill>
+        <p:spPr bwMode="auto">
+          <a:xfrm>
+            <a:off x="4211992" y="1992086"/>
+            <a:ext cx="4139112" cy="2365206"/>
+          </a:xfrm>
+          <a:prstGeom prst="rect">
+            <a:avLst/>
+          </a:prstGeom>
+          <a:noFill/>
+          <a:extLst>
+            <a:ext uri="{909E8E84-426E-40DD-AFC4-6F175D3DCCD1}">
+              <a14:hiddenFill xmlns:a14="http://schemas.microsoft.com/office/drawing/2010/main">
+                <a:solidFill>
+                  <a:srgbClr val="FFFFFF"/>
+                </a:solidFill>
+              </a14:hiddenFill>
+            </a:ext>
+          </a:extLst>
+        </p:spPr>
+      </p:pic>
+      <p:pic>
+        <p:nvPicPr>
+          <p:cNvPr id="4" name="Picture 2" descr="Sentiment Fig 1"/>
+          <p:cNvPicPr>
+            <a:picLocks noChangeAspect="1" noChangeArrowheads="1"/>
+          </p:cNvPicPr>
+          <p:nvPr/>
+        </p:nvPicPr>
+        <p:blipFill>
+          <a:blip r:embed="rId4">
+            <a:extLst>
+              <a:ext uri="{28A0092B-C50C-407E-A947-70E740481C1C}">
+                <a14:useLocalDpi xmlns:a14="http://schemas.microsoft.com/office/drawing/2010/main" val="0"/>
+              </a:ext>
+            </a:extLst>
+          </a:blip>
+          <a:srcRect/>
+          <a:stretch>
+            <a:fillRect/>
+          </a:stretch>
+        </p:blipFill>
+        <p:spPr bwMode="auto">
+          <a:xfrm>
+            <a:off x="8615173" y="1992086"/>
+            <a:ext cx="3337341" cy="2365206"/>
+          </a:xfrm>
+          <a:prstGeom prst="rect">
+            <a:avLst/>
+          </a:prstGeom>
+          <a:noFill/>
+          <a:extLst>
+            <a:ext uri="{909E8E84-426E-40DD-AFC4-6F175D3DCCD1}">
+              <a14:hiddenFill xmlns:a14="http://schemas.microsoft.com/office/drawing/2010/main">
+                <a:solidFill>
+                  <a:srgbClr val="FFFFFF"/>
+                </a:solidFill>
+              </a14:hiddenFill>
+            </a:ext>
+          </a:extLst>
+        </p:spPr>
+      </p:pic>
+      <p:sp>
+        <p:nvSpPr>
+          <p:cNvPr id="8" name="Title 1"/>
+          <p:cNvSpPr txBox="1">
+            <a:spLocks/>
+          </p:cNvSpPr>
+          <p:nvPr/>
+        </p:nvSpPr>
+        <p:spPr>
+          <a:xfrm>
+            <a:off x="838200" y="101659"/>
+            <a:ext cx="10515600" cy="1325563"/>
+          </a:xfrm>
+          <a:prstGeom prst="rect">
+            <a:avLst/>
+          </a:prstGeom>
+        </p:spPr>
+        <p:txBody>
+          <a:bodyPr vert="horz" lIns="91440" tIns="45720" rIns="91440" bIns="45720" rtlCol="0" anchor="ctr">
+            <a:normAutofit/>
+          </a:bodyPr>
+          <a:lstStyle>
+            <a:lvl1pPr algn="l" defTabSz="914400" rtl="0" eaLnBrk="1" latinLnBrk="0" hangingPunct="1">
+              <a:lnSpc>
+                <a:spcPct val="90000"/>
+              </a:lnSpc>
+              <a:spcBef>
+                <a:spcPct val="0"/>
+              </a:spcBef>
+              <a:buNone/>
+              <a:defRPr sz="4400" kern="1200">
+                <a:solidFill>
+                  <a:schemeClr val="tx1"/>
+                </a:solidFill>
+                <a:latin typeface="+mj-lt"/>
+                <a:ea typeface="+mj-ea"/>
+                <a:cs typeface="+mj-cs"/>
+              </a:defRPr>
+            </a:lvl1pPr>
+          </a:lstStyle>
+          <a:p>
+            <a:r>
+              <a:rPr lang="pt-BR" smtClean="0"/>
+              <a:t>Motivação para tarefas de classificação</a:t>
+            </a:r>
+            <a:endParaRPr lang="pt-BR" dirty="0"/>
+          </a:p>
+        </p:txBody>
+      </p:sp>
+    </p:spTree>
+    <p:extLst>
+      <p:ext uri="{BB962C8B-B14F-4D97-AF65-F5344CB8AC3E}">
+        <p14:creationId xmlns:p14="http://schemas.microsoft.com/office/powerpoint/2010/main" val="2807082195"/>
+      </p:ext>
+    </p:extLst>
+  </p:cSld>
+  <p:clrMapOvr>
+    <a:masterClrMapping/>
+  </p:clrMapOvr>
+  <p:timing>
+    <p:tnLst>
+      <p:par>
+        <p:cTn id="1" dur="indefinite" restart="never" nodeType="tmRoot"/>
+      </p:par>
+    </p:tnLst>
+  </p:timing>
+</p:sld>
+</file>
+
+<file path=ppt/slides/slide11.xml><?xml version="1.0" encoding="utf-8"?>
+<p:sld xmlns:a="http://schemas.openxmlformats.org/drawingml/2006/main" xmlns:r="http://schemas.openxmlformats.org/officeDocument/2006/relationships" xmlns:p="http://schemas.openxmlformats.org/presentationml/2006/main">
+  <p:cSld>
+    <p:spTree>
+      <p:nvGrpSpPr>
+        <p:cNvPr id="1" name=""/>
+        <p:cNvGrpSpPr/>
+        <p:nvPr/>
+      </p:nvGrpSpPr>
+      <p:grpSpPr>
+        <a:xfrm>
+          <a:off x="0" y="0"/>
+          <a:ext cx="0" cy="0"/>
+          <a:chOff x="0" y="0"/>
+          <a:chExt cx="0" cy="0"/>
+        </a:xfrm>
+      </p:grpSpPr>
+      <p:sp>
+        <p:nvSpPr>
           <p:cNvPr id="2" name="Title 1"/>
           <p:cNvSpPr>
             <a:spLocks noGrp="1"/>
@@ -5661,8 +5971,8 @@
           </a:p>
         </p:txBody>
       </p:sp>
-      <mc:AlternateContent xmlns:mc="http://schemas.openxmlformats.org/markup-compatibility/2006" xmlns:a14="http://schemas.microsoft.com/office/drawing/2010/main">
-        <mc:Choice Requires="a14">
+      <mc:AlternateContent xmlns:mc="http://schemas.openxmlformats.org/markup-compatibility/2006">
+        <mc:Choice xmlns:a14="http://schemas.microsoft.com/office/drawing/2010/main" Requires="a14">
           <p:sp>
             <p:nvSpPr>
               <p:cNvPr id="3" name="Content Placeholder 2"/>
@@ -5840,11 +6150,7 @@
                 </a14:m>
                 <a:r>
                   <a:rPr lang="pt-BR" dirty="0" smtClean="0"/>
-                  <a:t> </a:t>
-                </a:r>
-                <a:r>
-                  <a:rPr lang="pt-BR" smtClean="0"/>
-                  <a:t>e a qual o exemplo pertence.</a:t>
+                  <a:t> e a qual o exemplo pertence.</a:t>
                 </a:r>
                 <a:endParaRPr lang="pt-BR" dirty="0"/>
               </a:p>
@@ -5854,9 +6160,22 @@
                   <a:buChar char="§"/>
                 </a:pPr>
                 <a:r>
+                  <a:rPr lang="pt-BR" dirty="0" smtClean="0"/>
+                  <a:t>Por exemplo, a</a:t>
+                </a:r>
+                <a:r>
+                  <a:rPr lang="pt-BR" dirty="0" smtClean="0"/>
+                  <a:t>s </a:t>
+                </a:r>
+                <a:r>
                   <a:rPr lang="pt-BR" dirty="0"/>
-                  <a:t>As classes podem ser </a:t>
+                  <a:t>classes podem </a:t>
                 </a:r>
+                <a:r>
+                  <a:rPr lang="pt-BR" dirty="0" smtClean="0"/>
+                  <a:t>ser</a:t>
+                </a:r>
+                <a:endParaRPr lang="pt-BR" dirty="0"/>
               </a:p>
               <a:p>
                 <a:pPr lvl="2">
@@ -5865,8 +6184,25 @@
                 </a:pPr>
                 <a:r>
                   <a:rPr lang="pt-BR" dirty="0"/>
-                  <a:t>Spam e not spam (ham).</a:t>
+                  <a:t>Spam e </a:t>
                 </a:r>
+                <a:r>
+                  <a:rPr lang="pt-BR" dirty="0" err="1" smtClean="0"/>
+                  <a:t>ham</a:t>
+                </a:r>
+                <a:r>
+                  <a:rPr lang="pt-BR" dirty="0"/>
+                  <a:t> </a:t>
+                </a:r>
+                <a:r>
+                  <a:rPr lang="pt-BR" dirty="0" smtClean="0"/>
+                  <a:t>(legítimo)</a:t>
+                </a:r>
+                <a:r>
+                  <a:rPr lang="pt-BR" dirty="0" smtClean="0"/>
+                  <a:t>.</a:t>
+                </a:r>
+                <a:endParaRPr lang="pt-BR" dirty="0"/>
               </a:p>
               <a:p>
                 <a:pPr lvl="2">
@@ -5907,7 +6243,11 @@
                 </a:r>
                 <a:r>
                   <a:rPr lang="pt-BR" dirty="0" smtClean="0"/>
-                  <a:t>cães, gatos, </a:t>
+                  <a:t>barcos, cães</a:t>
+                </a:r>
+                <a:r>
+                  <a:rPr lang="pt-BR" dirty="0" smtClean="0"/>
+                  <a:t>, gatos, </a:t>
                 </a:r>
                 <a:r>
                   <a:rPr lang="pt-BR" dirty="0"/>
@@ -5946,15 +6286,19 @@
                   <a:t> </a:t>
                 </a:r>
                 <a:r>
-                  <a:rPr lang="pt-BR" b="1" dirty="0"/>
-                  <a:t>exemplos</a:t>
+                  <a:rPr lang="pt-BR" dirty="0" smtClean="0"/>
+                  <a:t>pares de </a:t>
                 </a:r>
                 <a:r>
-                  <a:rPr lang="pt-BR" dirty="0"/>
-                  <a:t> e </a:t>
+                  <a:rPr lang="pt-BR" b="1" i="1" dirty="0" smtClean="0"/>
+                  <a:t>vetores de atributos </a:t>
                 </a:r>
                 <a:r>
-                  <a:rPr lang="pt-BR" b="1" dirty="0"/>
+                  <a:rPr lang="pt-BR" dirty="0" smtClean="0"/>
+                  <a:t>e </a:t>
+                </a:r>
+                <a:r>
+                  <a:rPr lang="pt-BR" b="1" i="1" dirty="0"/>
                   <a:t>rótulos</a:t>
                 </a:r>
                 <a:r>
@@ -6332,7 +6676,19 @@
                 </a:r>
                 <a:r>
                   <a:rPr lang="pt-BR" dirty="0"/>
-                  <a:t>-ésimo vetor exemplo de entrada, o qual é caraterizado por </a:t>
+                  <a:t>-ésimo vetor </a:t>
+                </a:r>
+                <a:r>
+                  <a:rPr lang="pt-BR" dirty="0" smtClean="0"/>
+                  <a:t>de atributos, </a:t>
+                </a:r>
+                <a:r>
+                  <a:rPr lang="pt-BR" dirty="0"/>
+                  <a:t>o qual é </a:t>
+                </a:r>
+                <a:r>
+                  <a:rPr lang="pt-BR" dirty="0" smtClean="0"/>
+                  <a:t>composto por </a:t>
                 </a:r>
                 <a14:m>
                   <m:oMath xmlns:m="http://schemas.openxmlformats.org/officeDocument/2006/math">
@@ -6544,7 +6900,7 @@
             </p:txBody>
           </p:sp>
         </mc:Choice>
-        <mc:Fallback xmlns="">
+        <mc:Fallback>
           <p:sp>
             <p:nvSpPr>
               <p:cNvPr id="3" name="Content Placeholder 2"/>
@@ -6572,7 +6928,7 @@
               <a:lstStyle/>
               <a:p>
                 <a:r>
-                  <a:rPr lang="pt-BR">
+                  <a:rPr lang="en-US">
                     <a:noFill/>
                   </a:rPr>
                   <a:t> </a:t>
@@ -6595,7 +6951,7 @@
 </p:sld>
 </file>
 
-<file path=ppt/slides/slide11.xml><?xml version="1.0" encoding="utf-8"?>
+<file path=ppt/slides/slide12.xml><?xml version="1.0" encoding="utf-8"?>
 <p:sld xmlns:a="http://schemas.openxmlformats.org/drawingml/2006/main" xmlns:r="http://schemas.openxmlformats.org/officeDocument/2006/relationships" xmlns:p="http://schemas.openxmlformats.org/presentationml/2006/main">
   <p:cSld>
     <p:spTree>
@@ -6634,8 +6990,8 @@
           </a:p>
         </p:txBody>
       </p:sp>
-      <mc:AlternateContent xmlns:mc="http://schemas.openxmlformats.org/markup-compatibility/2006" xmlns:a14="http://schemas.microsoft.com/office/drawing/2010/main">
-        <mc:Choice Requires="a14">
+      <mc:AlternateContent xmlns:mc="http://schemas.openxmlformats.org/markup-compatibility/2006">
+        <mc:Choice xmlns:a14="http://schemas.microsoft.com/office/drawing/2010/main" Requires="a14">
           <p:sp>
             <p:nvSpPr>
               <p:cNvPr id="3" name="Content Placeholder 2"/>
@@ -6676,7 +7032,7 @@
                 </a:r>
                 <a:r>
                   <a:rPr lang="pt-BR" b="1" i="1" dirty="0" smtClean="0"/>
-                  <a:t>exemplo de entrada</a:t>
+                  <a:t>vetor de atributos</a:t>
                 </a:r>
                 <a:r>
                   <a:rPr lang="pt-BR" dirty="0" smtClean="0"/>
@@ -6899,12 +7255,8 @@
                   <a:t>para a </a:t>
                 </a:r>
                 <a:r>
-                  <a:rPr lang="pt-BR" b="1" i="1" dirty="0"/>
-                  <a:t>saída </a:t>
-                </a:r>
-                <a:r>
                   <a:rPr lang="pt-BR" b="1" i="1" dirty="0" smtClean="0"/>
-                  <a:t>desejada</a:t>
+                  <a:t>saída</a:t>
                 </a:r>
                 <a:r>
                   <a:rPr lang="pt-BR" dirty="0" smtClean="0"/>
@@ -6913,7 +7265,7 @@
                 <a14:m>
                   <m:oMath xmlns:m="http://schemas.openxmlformats.org/officeDocument/2006/math">
                     <m:r>
-                      <a:rPr lang="pt-BR" i="1">
+                      <a:rPr lang="pt-BR" b="0" i="1" smtClean="0">
                         <a:latin typeface="Cambria Math" panose="02040503050406030204" pitchFamily="18" charset="0"/>
                       </a:rPr>
                       <m:t>𝑦</m:t>
@@ -6924,6 +7276,7 @@
                   <a:rPr lang="pt-BR" dirty="0" smtClean="0"/>
                   <a:t>. </a:t>
                 </a:r>
+                <a:endParaRPr lang="pt-BR" dirty="0" smtClean="0"/>
               </a:p>
               <a:p>
                 <a:r>
@@ -6967,7 +7320,7 @@
             </p:txBody>
           </p:sp>
         </mc:Choice>
-        <mc:Fallback xmlns="">
+        <mc:Fallback>
           <p:sp>
             <p:nvSpPr>
               <p:cNvPr id="3" name="Content Placeholder 2"/>
@@ -6986,7 +7339,7 @@
               <a:blipFill rotWithShape="0">
                 <a:blip r:embed="rId3"/>
                 <a:stretch>
-                  <a:fillRect l="-930" t="-1937" r="-1641"/>
+                  <a:fillRect l="-930" t="-1937"/>
                 </a:stretch>
               </a:blipFill>
             </p:spPr>
@@ -6995,7 +7348,7 @@
               <a:lstStyle/>
               <a:p>
                 <a:r>
-                  <a:rPr lang="pt-BR">
+                  <a:rPr lang="en-US">
                     <a:noFill/>
                   </a:rPr>
                   <a:t> </a:t>
@@ -7409,7 +7762,7 @@
 </p:sld>
 </file>
 
-<file path=ppt/slides/slide12.xml><?xml version="1.0" encoding="utf-8"?>
+<file path=ppt/slides/slide13.xml><?xml version="1.0" encoding="utf-8"?>
 <p:sld xmlns:a="http://schemas.openxmlformats.org/drawingml/2006/main" xmlns:r="http://schemas.openxmlformats.org/officeDocument/2006/relationships" xmlns:p="http://schemas.openxmlformats.org/presentationml/2006/main">
   <p:cSld>
     <p:spTree>
@@ -7448,8 +7801,8 @@
           </a:p>
         </p:txBody>
       </p:sp>
-      <mc:AlternateContent xmlns:mc="http://schemas.openxmlformats.org/markup-compatibility/2006" xmlns:a14="http://schemas.microsoft.com/office/drawing/2010/main">
-        <mc:Choice Requires="a14">
+      <mc:AlternateContent xmlns:mc="http://schemas.openxmlformats.org/markup-compatibility/2006">
+        <mc:Choice xmlns:a14="http://schemas.microsoft.com/office/drawing/2010/main" Requires="a14">
           <p:sp>
             <p:nvSpPr>
               <p:cNvPr id="3" name="Content Placeholder 2"/>
@@ -7668,7 +8021,11 @@
                 </a:r>
                 <a:r>
                   <a:rPr lang="pt-BR" b="1" i="1" dirty="0" smtClean="0"/>
-                  <a:t>exemplo de entrada</a:t>
+                  <a:t>vetor de atributos de </a:t>
+                </a:r>
+                <a:r>
+                  <a:rPr lang="pt-BR" b="1" i="1" dirty="0" smtClean="0"/>
+                  <a:t>entrada</a:t>
                 </a:r>
                 <a:r>
                   <a:rPr lang="pt-BR" dirty="0" smtClean="0"/>
@@ -8014,6 +8371,20 @@
                           </a:rPr>
                           <m:t>𝐾</m:t>
                         </m:r>
+                        <m:r>
+                          <a:rPr lang="pt-BR" i="1" smtClean="0">
+                            <a:latin typeface="Cambria Math" panose="02040503050406030204" pitchFamily="18" charset="0"/>
+                            <a:ea typeface="Cambria Math" panose="02040503050406030204" pitchFamily="18" charset="0"/>
+                          </a:rPr>
+                          <m:t>×</m:t>
+                        </m:r>
+                        <m:r>
+                          <a:rPr lang="pt-BR" b="0" i="1" smtClean="0">
+                            <a:latin typeface="Cambria Math" panose="02040503050406030204" pitchFamily="18" charset="0"/>
+                            <a:ea typeface="Cambria Math" panose="02040503050406030204" pitchFamily="18" charset="0"/>
+                          </a:rPr>
+                          <m:t>1</m:t>
+                        </m:r>
                       </m:sup>
                     </m:sSup>
                     <m:r>
@@ -8142,6 +8513,20 @@
                             <a:ea typeface="Cambria Math" panose="02040503050406030204" pitchFamily="18" charset="0"/>
                           </a:rPr>
                           <m:t>𝐾</m:t>
+                        </m:r>
+                        <m:r>
+                          <a:rPr lang="pt-BR" i="1" smtClean="0">
+                            <a:latin typeface="Cambria Math" panose="02040503050406030204" pitchFamily="18" charset="0"/>
+                            <a:ea typeface="Cambria Math" panose="02040503050406030204" pitchFamily="18" charset="0"/>
+                          </a:rPr>
+                          <m:t>×</m:t>
+                        </m:r>
+                        <m:r>
+                          <a:rPr lang="pt-BR" b="0" i="1" smtClean="0">
+                            <a:latin typeface="Cambria Math" panose="02040503050406030204" pitchFamily="18" charset="0"/>
+                            <a:ea typeface="Cambria Math" panose="02040503050406030204" pitchFamily="18" charset="0"/>
+                          </a:rPr>
+                          <m:t>1</m:t>
                         </m:r>
                       </m:sup>
                     </m:sSup>
@@ -8278,17 +8663,11 @@
                       </m:e>
                     </m:d>
                     <m:r>
-                      <a:rPr lang="pt-BR" b="1" i="1">
-                        <a:latin typeface="Cambria Math" panose="02040503050406030204" pitchFamily="18" charset="0"/>
-                      </a:rPr>
-                      <m:t> </m:t>
-                    </m:r>
-                    <m:r>
                       <a:rPr lang="pt-BR" i="1">
                         <a:latin typeface="Cambria Math" panose="02040503050406030204" pitchFamily="18" charset="0"/>
                         <a:ea typeface="Cambria Math" panose="02040503050406030204" pitchFamily="18" charset="0"/>
                       </a:rPr>
-                      <m:t>𝜖</m:t>
+                      <m:t>∈</m:t>
                     </m:r>
                     <m:sSub>
                       <m:sSubPr>
@@ -8577,7 +8956,7 @@
             </p:txBody>
           </p:sp>
         </mc:Choice>
-        <mc:Fallback xmlns="">
+        <mc:Fallback>
           <p:sp>
             <p:nvSpPr>
               <p:cNvPr id="3" name="Content Placeholder 2"/>
@@ -8605,7 +8984,7 @@
               <a:lstStyle/>
               <a:p>
                 <a:r>
-                  <a:rPr lang="pt-BR">
+                  <a:rPr lang="en-US">
                     <a:noFill/>
                   </a:rPr>
                   <a:t> </a:t>
@@ -8635,7 +9014,7 @@
 </p:sld>
 </file>
 
-<file path=ppt/slides/slide13.xml><?xml version="1.0" encoding="utf-8"?>
+<file path=ppt/slides/slide14.xml><?xml version="1.0" encoding="utf-8"?>
 <p:sld xmlns:a="http://schemas.openxmlformats.org/drawingml/2006/main" xmlns:r="http://schemas.openxmlformats.org/officeDocument/2006/relationships" xmlns:p="http://schemas.openxmlformats.org/presentationml/2006/main">
   <p:cSld>
     <p:spTree>
@@ -9620,8 +9999,8 @@
           </p:sp>
         </mc:Fallback>
       </mc:AlternateContent>
-      <mc:AlternateContent xmlns:mc="http://schemas.openxmlformats.org/markup-compatibility/2006" xmlns:a14="http://schemas.microsoft.com/office/drawing/2010/main">
-        <mc:Choice Requires="a14">
+      <mc:AlternateContent xmlns:mc="http://schemas.openxmlformats.org/markup-compatibility/2006">
+        <mc:Choice xmlns:a14="http://schemas.microsoft.com/office/drawing/2010/main" Requires="a14">
           <p:sp>
             <p:nvSpPr>
               <p:cNvPr id="4" name="Rectangle 3"/>
@@ -9748,6 +10127,20 @@
                           </a:rPr>
                           <m:t>𝐾</m:t>
                         </m:r>
+                        <m:r>
+                          <a:rPr lang="pt-BR" sz="2000" i="1" smtClean="0">
+                            <a:latin typeface="Cambria Math" panose="02040503050406030204" pitchFamily="18" charset="0"/>
+                            <a:ea typeface="Cambria Math" panose="02040503050406030204" pitchFamily="18" charset="0"/>
+                          </a:rPr>
+                          <m:t>×</m:t>
+                        </m:r>
+                        <m:r>
+                          <a:rPr lang="pt-BR" sz="2000" b="0" i="1" smtClean="0">
+                            <a:latin typeface="Cambria Math" panose="02040503050406030204" pitchFamily="18" charset="0"/>
+                            <a:ea typeface="Cambria Math" panose="02040503050406030204" pitchFamily="18" charset="0"/>
+                          </a:rPr>
+                          <m:t>1</m:t>
+                        </m:r>
                       </m:sup>
                     </m:sSup>
                     <m:r>
@@ -9783,6 +10176,20 @@
                           </a:rPr>
                           <m:t>𝑄</m:t>
                         </m:r>
+                        <m:r>
+                          <a:rPr lang="pt-BR" sz="2000" i="1" smtClean="0">
+                            <a:latin typeface="Cambria Math" panose="02040503050406030204" pitchFamily="18" charset="0"/>
+                            <a:ea typeface="Cambria Math" panose="02040503050406030204" pitchFamily="18" charset="0"/>
+                          </a:rPr>
+                          <m:t>×</m:t>
+                        </m:r>
+                        <m:r>
+                          <a:rPr lang="pt-BR" sz="2000" b="0" i="1" smtClean="0">
+                            <a:latin typeface="Cambria Math" panose="02040503050406030204" pitchFamily="18" charset="0"/>
+                            <a:ea typeface="Cambria Math" panose="02040503050406030204" pitchFamily="18" charset="0"/>
+                          </a:rPr>
+                          <m:t>1</m:t>
+                        </m:r>
                       </m:sup>
                     </m:sSup>
                   </m:oMath>
@@ -9796,7 +10203,7 @@
             </p:txBody>
           </p:sp>
         </mc:Choice>
-        <mc:Fallback xmlns="">
+        <mc:Fallback>
           <p:sp>
             <p:nvSpPr>
               <p:cNvPr id="4" name="Rectangle 3"/>
@@ -9825,7 +10232,7 @@
               <a:lstStyle/>
               <a:p>
                 <a:r>
-                  <a:rPr lang="pt-BR">
+                  <a:rPr lang="en-US">
                     <a:noFill/>
                   </a:rPr>
                   <a:t> </a:t>
@@ -9855,7 +10262,7 @@
 </p:sld>
 </file>
 
-<file path=ppt/slides/slide14.xml><?xml version="1.0" encoding="utf-8"?>
+<file path=ppt/slides/slide15.xml><?xml version="1.0" encoding="utf-8"?>
 <p:sld xmlns:a="http://schemas.openxmlformats.org/drawingml/2006/main" xmlns:r="http://schemas.openxmlformats.org/officeDocument/2006/relationships" xmlns:p="http://schemas.openxmlformats.org/presentationml/2006/main">
   <p:cSld>
     <p:spTree>
@@ -9894,8 +10301,8 @@
           </a:p>
         </p:txBody>
       </p:sp>
-      <mc:AlternateContent xmlns:mc="http://schemas.openxmlformats.org/markup-compatibility/2006" xmlns:a14="http://schemas.microsoft.com/office/drawing/2010/main">
-        <mc:Choice Requires="a14">
+      <mc:AlternateContent xmlns:mc="http://schemas.openxmlformats.org/markup-compatibility/2006">
+        <mc:Choice xmlns:a14="http://schemas.microsoft.com/office/drawing/2010/main" Requires="a14">
           <p:sp>
             <p:nvSpPr>
               <p:cNvPr id="3" name="Content Placeholder 2"/>
@@ -9908,8 +10315,8 @@
             </p:nvSpPr>
             <p:spPr>
               <a:xfrm>
-                <a:off x="838200" y="1825624"/>
-                <a:ext cx="8314853" cy="5032375"/>
+                <a:off x="838201" y="1825624"/>
+                <a:ext cx="8206634" cy="5032375"/>
               </a:xfrm>
             </p:spPr>
             <p:txBody>
@@ -10232,7 +10639,7 @@
             </p:txBody>
           </p:sp>
         </mc:Choice>
-        <mc:Fallback xmlns="">
+        <mc:Fallback>
           <p:sp>
             <p:nvSpPr>
               <p:cNvPr id="3" name="Content Placeholder 2"/>
@@ -10245,13 +10652,13 @@
             </p:nvSpPr>
             <p:spPr>
               <a:xfrm>
-                <a:off x="838200" y="1825624"/>
-                <a:ext cx="8314853" cy="5032375"/>
+                <a:off x="838201" y="1825624"/>
+                <a:ext cx="8206634" cy="5032375"/>
               </a:xfrm>
               <a:blipFill rotWithShape="0">
                 <a:blip r:embed="rId3"/>
                 <a:stretch>
-                  <a:fillRect l="-1174" t="-1816" r="-1027" b="-121"/>
+                  <a:fillRect l="-1189" t="-1816" r="-2080" b="-121"/>
                 </a:stretch>
               </a:blipFill>
             </p:spPr>
@@ -10260,7 +10667,7 @@
               <a:lstStyle/>
               <a:p>
                 <a:r>
-                  <a:rPr lang="pt-BR">
+                  <a:rPr lang="en-US">
                     <a:noFill/>
                   </a:rPr>
                   <a:t> </a:t>
@@ -10291,8 +10698,8 @@
         </p:blipFill>
         <p:spPr>
           <a:xfrm>
-            <a:off x="9044834" y="2898421"/>
-            <a:ext cx="3041542" cy="2342987"/>
+            <a:off x="8763754" y="2808639"/>
+            <a:ext cx="3322622" cy="2559511"/>
           </a:xfrm>
           <a:prstGeom prst="rect">
             <a:avLst/>
@@ -10307,7 +10714,7 @@
         </p:nvSpPr>
         <p:spPr>
           <a:xfrm>
-            <a:off x="9836590" y="5458329"/>
+            <a:off x="9836590" y="5585071"/>
             <a:ext cx="1874067" cy="307777"/>
           </a:xfrm>
           <a:prstGeom prst="rect">
@@ -10339,13 +10746,49 @@
         </p:nvCxnSpPr>
         <p:spPr>
           <a:xfrm rot="5400000">
-            <a:off x="10757110" y="4817121"/>
+            <a:off x="10757110" y="4943863"/>
             <a:ext cx="657723" cy="624693"/>
           </a:xfrm>
           <a:prstGeom prst="curvedConnector3">
             <a:avLst/>
           </a:prstGeom>
           <a:ln w="28575">
+            <a:tailEnd type="triangle"/>
+          </a:ln>
+        </p:spPr>
+        <p:style>
+          <a:lnRef idx="1">
+            <a:schemeClr val="accent1"/>
+          </a:lnRef>
+          <a:fillRef idx="0">
+            <a:schemeClr val="accent1"/>
+          </a:fillRef>
+          <a:effectRef idx="0">
+            <a:schemeClr val="accent1"/>
+          </a:effectRef>
+          <a:fontRef idx="minor">
+            <a:schemeClr val="tx1"/>
+          </a:fontRef>
+        </p:style>
+      </p:cxnSp>
+      <p:cxnSp>
+        <p:nvCxnSpPr>
+          <p:cNvPr id="6" name="Conector de seta reta 5"/>
+          <p:cNvCxnSpPr/>
+          <p:nvPr/>
+        </p:nvCxnSpPr>
+        <p:spPr>
+          <a:xfrm>
+            <a:off x="8028432" y="3191256"/>
+            <a:ext cx="822960" cy="347472"/>
+          </a:xfrm>
+          <a:prstGeom prst="straightConnector1">
+            <a:avLst/>
+          </a:prstGeom>
+          <a:ln>
+            <a:solidFill>
+              <a:srgbClr val="FF0000"/>
+            </a:solidFill>
             <a:tailEnd type="triangle"/>
           </a:ln>
         </p:spPr>
@@ -10377,7 +10820,7 @@
 </p:sld>
 </file>
 
-<file path=ppt/slides/slide15.xml><?xml version="1.0" encoding="utf-8"?>
+<file path=ppt/slides/slide16.xml><?xml version="1.0" encoding="utf-8"?>
 <p:sld xmlns:a="http://schemas.openxmlformats.org/drawingml/2006/main" xmlns:r="http://schemas.openxmlformats.org/officeDocument/2006/relationships" xmlns:p="http://schemas.openxmlformats.org/presentationml/2006/main">
   <p:cSld>
     <p:spTree>
@@ -10615,7 +11058,7 @@
         </p:blipFill>
         <p:spPr>
           <a:xfrm>
-            <a:off x="5223462" y="4870970"/>
+            <a:off x="5223462" y="4834394"/>
             <a:ext cx="2570720" cy="1987030"/>
           </a:xfrm>
           <a:prstGeom prst="rect">
@@ -10636,7 +11079,7 @@
 </p:sld>
 </file>
 
-<file path=ppt/slides/slide16.xml><?xml version="1.0" encoding="utf-8"?>
+<file path=ppt/slides/slide17.xml><?xml version="1.0" encoding="utf-8"?>
 <p:sld xmlns:a="http://schemas.openxmlformats.org/drawingml/2006/main" xmlns:r="http://schemas.openxmlformats.org/officeDocument/2006/relationships" xmlns:p="http://schemas.openxmlformats.org/presentationml/2006/main">
   <p:cSld>
     <p:spTree>
@@ -10681,8 +11124,8 @@
           </a:p>
         </p:txBody>
       </p:sp>
-      <mc:AlternateContent xmlns:mc="http://schemas.openxmlformats.org/markup-compatibility/2006" xmlns:a14="http://schemas.microsoft.com/office/drawing/2010/main">
-        <mc:Choice Requires="a14">
+      <mc:AlternateContent xmlns:mc="http://schemas.openxmlformats.org/markup-compatibility/2006">
+        <mc:Choice xmlns:a14="http://schemas.microsoft.com/office/drawing/2010/main" Requires="a14">
           <p:sp>
             <p:nvSpPr>
               <p:cNvPr id="3" name="Content Placeholder 2"/>
@@ -11020,7 +11463,15 @@
                 </a:r>
                 <a:r>
                   <a:rPr lang="pt-BR" dirty="0" smtClean="0"/>
-                  <a:t>, assim como nós vimos na regressão linear.</a:t>
+                  <a:t>, assim como nós </a:t>
+                </a:r>
+                <a:r>
+                  <a:rPr lang="pt-BR" dirty="0" smtClean="0"/>
+                  <a:t>vimos em regressão </a:t>
+                </a:r>
+                <a:r>
+                  <a:rPr lang="pt-BR" dirty="0" smtClean="0"/>
+                  <a:t>linear.</a:t>
                 </a:r>
               </a:p>
               <a:p>
@@ -11566,14 +12017,82 @@
                 </a14:m>
                 <a:r>
                   <a:rPr lang="pt-BR" dirty="0" smtClean="0"/>
-                  <a:t> (eq. de um círculo centrado na origem).</a:t>
+                  <a:t> (eq. de um círculo centrado na </a:t>
+                </a:r>
+                <a:r>
+                  <a:rPr lang="pt-BR" dirty="0" smtClean="0"/>
+                  <a:t>origem, onde   </a:t>
+                </a:r>
+                <a14:m>
+                  <m:oMath xmlns:m="http://schemas.openxmlformats.org/officeDocument/2006/math">
+                    <m:sSub>
+                      <m:sSubPr>
+                        <m:ctrlPr>
+                          <a:rPr lang="pt-BR" i="1">
+                            <a:latin typeface="Cambria Math" panose="02040503050406030204" pitchFamily="18" charset="0"/>
+                          </a:rPr>
+                        </m:ctrlPr>
+                      </m:sSubPr>
+                      <m:e>
+                        <m:r>
+                          <a:rPr lang="pt-BR" i="1">
+                            <a:latin typeface="Cambria Math" panose="02040503050406030204" pitchFamily="18" charset="0"/>
+                          </a:rPr>
+                          <m:t>𝑎</m:t>
+                        </m:r>
+                      </m:e>
+                      <m:sub>
+                        <m:r>
+                          <a:rPr lang="pt-BR" i="1">
+                            <a:latin typeface="Cambria Math" panose="02040503050406030204" pitchFamily="18" charset="0"/>
+                          </a:rPr>
+                          <m:t>0</m:t>
+                        </m:r>
+                      </m:sub>
+                    </m:sSub>
+                    <m:r>
+                      <a:rPr lang="pt-BR" b="0" i="1" smtClean="0">
+                        <a:latin typeface="Cambria Math" panose="02040503050406030204" pitchFamily="18" charset="0"/>
+                      </a:rPr>
+                      <m:t>=−</m:t>
+                    </m:r>
+                    <m:sSup>
+                      <m:sSupPr>
+                        <m:ctrlPr>
+                          <a:rPr lang="pt-BR" b="0" i="1" smtClean="0">
+                            <a:latin typeface="Cambria Math" panose="02040503050406030204" pitchFamily="18" charset="0"/>
+                          </a:rPr>
+                        </m:ctrlPr>
+                      </m:sSupPr>
+                      <m:e>
+                        <m:r>
+                          <a:rPr lang="pt-BR" b="0" i="1" smtClean="0">
+                            <a:latin typeface="Cambria Math" panose="02040503050406030204" pitchFamily="18" charset="0"/>
+                          </a:rPr>
+                          <m:t>𝑟</m:t>
+                        </m:r>
+                      </m:e>
+                      <m:sup>
+                        <m:r>
+                          <a:rPr lang="pt-BR" b="0" i="1" smtClean="0">
+                            <a:latin typeface="Cambria Math" panose="02040503050406030204" pitchFamily="18" charset="0"/>
+                          </a:rPr>
+                          <m:t>2</m:t>
+                        </m:r>
+                      </m:sup>
+                    </m:sSup>
+                  </m:oMath>
+                </a14:m>
+                <a:r>
+                  <a:rPr lang="pt-BR" dirty="0" smtClean="0"/>
+                  <a:t>).</a:t>
                 </a:r>
                 <a:endParaRPr lang="pt-BR" dirty="0"/>
               </a:p>
             </p:txBody>
           </p:sp>
         </mc:Choice>
-        <mc:Fallback xmlns="">
+        <mc:Fallback>
           <p:sp>
             <p:nvSpPr>
               <p:cNvPr id="3" name="Content Placeholder 2"/>
@@ -11601,7 +12120,7 @@
               <a:lstStyle/>
               <a:p>
                 <a:r>
-                  <a:rPr lang="pt-BR">
+                  <a:rPr lang="en-US">
                     <a:noFill/>
                   </a:rPr>
                   <a:t> </a:t>
@@ -11736,7 +12255,7 @@
 </p:sld>
 </file>
 
-<file path=ppt/slides/slide17.xml><?xml version="1.0" encoding="utf-8"?>
+<file path=ppt/slides/slide18.xml><?xml version="1.0" encoding="utf-8"?>
 <p:sld xmlns:a="http://schemas.openxmlformats.org/drawingml/2006/main" xmlns:r="http://schemas.openxmlformats.org/officeDocument/2006/relationships" xmlns:p="http://schemas.openxmlformats.org/presentationml/2006/main">
   <p:cSld>
     <p:spTree>
@@ -14328,7 +14847,7 @@
 </p:sld>
 </file>
 
-<file path=ppt/slides/slide18.xml><?xml version="1.0" encoding="utf-8"?>
+<file path=ppt/slides/slide19.xml><?xml version="1.0" encoding="utf-8"?>
 <p:sld xmlns:a="http://schemas.openxmlformats.org/drawingml/2006/main" xmlns:r="http://schemas.openxmlformats.org/officeDocument/2006/relationships" xmlns:p="http://schemas.openxmlformats.org/presentationml/2006/main">
   <p:cSld>
     <p:spTree>
@@ -15416,8 +15935,8 @@
             </a:p>
           </p:txBody>
         </p:sp>
-        <mc:AlternateContent xmlns:mc="http://schemas.openxmlformats.org/markup-compatibility/2006" xmlns:a14="http://schemas.microsoft.com/office/drawing/2010/main">
-          <mc:Choice Requires="a14">
+        <mc:AlternateContent xmlns:mc="http://schemas.openxmlformats.org/markup-compatibility/2006">
+          <mc:Choice xmlns:a14="http://schemas.microsoft.com/office/drawing/2010/main" Requires="a14">
             <p:sp>
               <p:nvSpPr>
                 <p:cNvPr id="22" name="Rectangle 21"/>
@@ -15427,7 +15946,7 @@
               <p:spPr>
                 <a:xfrm>
                   <a:off x="6850107" y="3195866"/>
-                  <a:ext cx="662657" cy="505993"/>
+                  <a:ext cx="490712" cy="400110"/>
                 </a:xfrm>
                 <a:prstGeom prst="rect">
                   <a:avLst/>
@@ -15467,7 +15986,7 @@
                               <a:rPr lang="pt-BR" sz="2000" b="0" i="1" smtClean="0">
                                 <a:latin typeface="Cambria Math" panose="02040503050406030204" pitchFamily="18" charset="0"/>
                               </a:rPr>
-                              <m:t>2</m:t>
+                              <m:t>?</m:t>
                             </m:r>
                           </m:sub>
                         </m:sSub>
@@ -15479,7 +15998,7 @@
               </p:txBody>
             </p:sp>
           </mc:Choice>
-          <mc:Fallback xmlns="">
+          <mc:Fallback>
             <p:sp>
               <p:nvSpPr>
                 <p:cNvPr id="22" name="Rectangle 21"/>
@@ -15491,7 +16010,7 @@
               <p:spPr>
                 <a:xfrm>
                   <a:off x="6850107" y="3195866"/>
-                  <a:ext cx="662657" cy="505993"/>
+                  <a:ext cx="490712" cy="400110"/>
                 </a:xfrm>
                 <a:prstGeom prst="rect">
                   <a:avLst/>
@@ -15499,7 +16018,7 @@
                 <a:blipFill rotWithShape="0">
                   <a:blip r:embed="rId4"/>
                   <a:stretch>
-                    <a:fillRect/>
+                    <a:fillRect b="-1538"/>
                   </a:stretch>
                 </a:blipFill>
               </p:spPr>
@@ -15508,7 +16027,7 @@
                 <a:lstStyle/>
                 <a:p>
                   <a:r>
-                    <a:rPr lang="pt-BR">
+                    <a:rPr lang="en-US">
                       <a:noFill/>
                     </a:rPr>
                     <a:t> </a:t>
@@ -15518,8 +16037,8 @@
             </p:sp>
           </mc:Fallback>
         </mc:AlternateContent>
-        <mc:AlternateContent xmlns:mc="http://schemas.openxmlformats.org/markup-compatibility/2006" xmlns:a14="http://schemas.microsoft.com/office/drawing/2010/main">
-          <mc:Choice Requires="a14">
+        <mc:AlternateContent xmlns:mc="http://schemas.openxmlformats.org/markup-compatibility/2006">
+          <mc:Choice xmlns:a14="http://schemas.microsoft.com/office/drawing/2010/main" Requires="a14">
             <p:sp>
               <p:nvSpPr>
                 <p:cNvPr id="23" name="Rectangle 22"/>
@@ -15529,7 +16048,7 @@
               <p:spPr>
                 <a:xfrm>
                   <a:off x="5720241" y="1527875"/>
-                  <a:ext cx="655076" cy="505993"/>
+                  <a:ext cx="490712" cy="400110"/>
                 </a:xfrm>
                 <a:prstGeom prst="rect">
                   <a:avLst/>
@@ -15569,7 +16088,7 @@
                               <a:rPr lang="pt-BR" sz="2000" b="0" i="1" smtClean="0">
                                 <a:latin typeface="Cambria Math" panose="02040503050406030204" pitchFamily="18" charset="0"/>
                               </a:rPr>
-                              <m:t>1</m:t>
+                              <m:t>?</m:t>
                             </m:r>
                           </m:sub>
                         </m:sSub>
@@ -15581,7 +16100,7 @@
               </p:txBody>
             </p:sp>
           </mc:Choice>
-          <mc:Fallback xmlns="">
+          <mc:Fallback>
             <p:sp>
               <p:nvSpPr>
                 <p:cNvPr id="23" name="Rectangle 22"/>
@@ -15593,7 +16112,7 @@
               <p:spPr>
                 <a:xfrm>
                   <a:off x="5720241" y="1527875"/>
-                  <a:ext cx="655076" cy="505993"/>
+                  <a:ext cx="490712" cy="400110"/>
                 </a:xfrm>
                 <a:prstGeom prst="rect">
                   <a:avLst/>
@@ -15601,7 +16120,7 @@
                 <a:blipFill rotWithShape="0">
                   <a:blip r:embed="rId5"/>
                   <a:stretch>
-                    <a:fillRect/>
+                    <a:fillRect b="-1515"/>
                   </a:stretch>
                 </a:blipFill>
               </p:spPr>
@@ -15610,7 +16129,7 @@
                 <a:lstStyle/>
                 <a:p>
                   <a:r>
-                    <a:rPr lang="pt-BR">
+                    <a:rPr lang="en-US">
                       <a:noFill/>
                     </a:rPr>
                     <a:t> </a:t>
@@ -17640,7 +18159,227 @@
 </p:sld>
 </file>
 
-<file path=ppt/slides/slide19.xml><?xml version="1.0" encoding="utf-8"?>
+<file path=ppt/slides/slide2.xml><?xml version="1.0" encoding="utf-8"?>
+<p:sld xmlns:a="http://schemas.openxmlformats.org/drawingml/2006/main" xmlns:r="http://schemas.openxmlformats.org/officeDocument/2006/relationships" xmlns:p="http://schemas.openxmlformats.org/presentationml/2006/main">
+  <p:cSld>
+    <p:spTree>
+      <p:nvGrpSpPr>
+        <p:cNvPr id="1" name=""/>
+        <p:cNvGrpSpPr/>
+        <p:nvPr/>
+      </p:nvGrpSpPr>
+      <p:grpSpPr>
+        <a:xfrm>
+          <a:off x="0" y="0"/>
+          <a:ext cx="0" cy="0"/>
+          <a:chOff x="0" y="0"/>
+          <a:chExt cx="0" cy="0"/>
+        </a:xfrm>
+      </p:grpSpPr>
+      <p:sp>
+        <p:nvSpPr>
+          <p:cNvPr id="2" name="Title 1"/>
+          <p:cNvSpPr>
+            <a:spLocks noGrp="1"/>
+          </p:cNvSpPr>
+          <p:nvPr>
+            <p:ph type="title"/>
+          </p:nvPr>
+        </p:nvSpPr>
+        <p:spPr/>
+        <p:txBody>
+          <a:bodyPr/>
+          <a:lstStyle/>
+          <a:p>
+            <a:r>
+              <a:rPr lang="pt-BR" dirty="0" smtClean="0"/>
+              <a:t>A disciplina</a:t>
+            </a:r>
+            <a:endParaRPr lang="pt-BR" dirty="0"/>
+          </a:p>
+        </p:txBody>
+      </p:sp>
+      <p:sp>
+        <p:nvSpPr>
+          <p:cNvPr id="3" name="Content Placeholder 2"/>
+          <p:cNvSpPr>
+            <a:spLocks noGrp="1"/>
+          </p:cNvSpPr>
+          <p:nvPr>
+            <p:ph idx="1"/>
+          </p:nvPr>
+        </p:nvSpPr>
+        <p:spPr>
+          <a:xfrm>
+            <a:off x="838199" y="1825624"/>
+            <a:ext cx="11166695" cy="5032376"/>
+          </a:xfrm>
+        </p:spPr>
+        <p:txBody>
+          <a:bodyPr>
+            <a:normAutofit/>
+          </a:bodyPr>
+          <a:lstStyle/>
+          <a:p>
+            <a:r>
+              <a:rPr lang="pt-BR" dirty="0" smtClean="0"/>
+              <a:t>Continuação de </a:t>
+            </a:r>
+            <a:r>
+              <a:rPr lang="pt-BR" b="1" i="1" dirty="0" smtClean="0"/>
+              <a:t>T319 </a:t>
+            </a:r>
+            <a:r>
+              <a:rPr lang="pt-BR" b="1" i="1" dirty="0"/>
+              <a:t>- Introdução ao Aprendizado de Máquina </a:t>
+            </a:r>
+            <a:r>
+              <a:rPr lang="pt-BR" b="1" i="1" dirty="0" smtClean="0"/>
+              <a:t>I</a:t>
+            </a:r>
+            <a:r>
+              <a:rPr lang="pt-BR" dirty="0" smtClean="0"/>
+              <a:t>.</a:t>
+            </a:r>
+          </a:p>
+          <a:p>
+            <a:r>
+              <a:rPr lang="pt-BR" b="1" i="1" dirty="0" smtClean="0"/>
+              <a:t>Curso introdutório</a:t>
+            </a:r>
+            <a:r>
+              <a:rPr lang="pt-BR" dirty="0" smtClean="0"/>
+              <a:t> onde veremos os conceitos básicos de funcionamento dos seguintes algoritmos de </a:t>
+            </a:r>
+            <a:r>
+              <a:rPr lang="pt-BR" b="1" i="1" dirty="0" smtClean="0"/>
+              <a:t>machine </a:t>
+            </a:r>
+            <a:r>
+              <a:rPr lang="pt-BR" b="1" i="1" dirty="0"/>
+              <a:t>learning</a:t>
+            </a:r>
+            <a:r>
+              <a:rPr lang="pt-BR" dirty="0"/>
+              <a:t> </a:t>
+            </a:r>
+            <a:r>
+              <a:rPr lang="pt-BR" dirty="0" smtClean="0"/>
+              <a:t>(ML):</a:t>
+            </a:r>
+          </a:p>
+          <a:p>
+            <a:pPr lvl="1">
+              <a:buFont typeface="Wingdings" panose="05000000000000000000" pitchFamily="2" charset="2"/>
+              <a:buChar char="§"/>
+            </a:pPr>
+            <a:r>
+              <a:rPr lang="pt-BR" dirty="0" smtClean="0"/>
+              <a:t>Classificadores</a:t>
+            </a:r>
+          </a:p>
+          <a:p>
+            <a:pPr lvl="2">
+              <a:buFont typeface="Courier New" panose="02070309020205020404" pitchFamily="49" charset="0"/>
+              <a:buChar char="o"/>
+            </a:pPr>
+            <a:r>
+              <a:rPr lang="pt-BR" dirty="0" smtClean="0"/>
+              <a:t>Regressão Logística</a:t>
+            </a:r>
+          </a:p>
+          <a:p>
+            <a:pPr lvl="2">
+              <a:buFont typeface="Courier New" panose="02070309020205020404" pitchFamily="49" charset="0"/>
+              <a:buChar char="o"/>
+            </a:pPr>
+            <a:r>
+              <a:rPr lang="pt-BR" dirty="0" smtClean="0"/>
+              <a:t>Regressão Softmax</a:t>
+            </a:r>
+          </a:p>
+          <a:p>
+            <a:pPr lvl="1">
+              <a:buFont typeface="Wingdings" panose="05000000000000000000" pitchFamily="2" charset="2"/>
+              <a:buChar char="§"/>
+            </a:pPr>
+            <a:r>
+              <a:rPr lang="pt-BR" dirty="0" smtClean="0"/>
+              <a:t>Redes Neurais</a:t>
+            </a:r>
+          </a:p>
+          <a:p>
+            <a:pPr lvl="1">
+              <a:buFont typeface="Wingdings" panose="05000000000000000000" pitchFamily="2" charset="2"/>
+              <a:buChar char="§"/>
+            </a:pPr>
+            <a:r>
+              <a:rPr lang="pt-BR" dirty="0" smtClean="0"/>
+              <a:t>Clustering</a:t>
+            </a:r>
+          </a:p>
+          <a:p>
+            <a:pPr lvl="2">
+              <a:buFont typeface="Courier New" panose="02070309020205020404" pitchFamily="49" charset="0"/>
+              <a:buChar char="o"/>
+            </a:pPr>
+            <a:r>
+              <a:rPr lang="pt-BR" dirty="0"/>
+              <a:t>k</a:t>
+            </a:r>
+            <a:r>
+              <a:rPr lang="pt-BR" dirty="0" smtClean="0"/>
+              <a:t>-Means</a:t>
+            </a:r>
+          </a:p>
+          <a:p>
+            <a:r>
+              <a:rPr lang="pt-BR" dirty="0" smtClean="0"/>
+              <a:t>O curso terá sempre uma parte </a:t>
+            </a:r>
+            <a:r>
+              <a:rPr lang="pt-BR" b="1" i="1" dirty="0" smtClean="0"/>
+              <a:t>expositiva</a:t>
+            </a:r>
+            <a:r>
+              <a:rPr lang="pt-BR" dirty="0" smtClean="0"/>
+              <a:t> e outra </a:t>
+            </a:r>
+            <a:r>
+              <a:rPr lang="pt-BR" b="1" i="1" dirty="0" smtClean="0"/>
+              <a:t>prática</a:t>
+            </a:r>
+            <a:r>
+              <a:rPr lang="pt-BR" dirty="0" smtClean="0"/>
+              <a:t> para fixação dos conceitos introduzidos.</a:t>
+            </a:r>
+          </a:p>
+          <a:p>
+            <a:pPr lvl="1">
+              <a:buFont typeface="Wingdings" panose="05000000000000000000" pitchFamily="2" charset="2"/>
+              <a:buChar char="§"/>
+            </a:pPr>
+            <a:r>
+              <a:rPr lang="pt-BR" dirty="0" smtClean="0"/>
+              <a:t> Quizzes e exercícios envolvendo o uso dos algoritmos discutidos.</a:t>
+            </a:r>
+          </a:p>
+        </p:txBody>
+      </p:sp>
+    </p:spTree>
+    <p:extLst>
+      <p:ext uri="{BB962C8B-B14F-4D97-AF65-F5344CB8AC3E}">
+        <p14:creationId xmlns:p14="http://schemas.microsoft.com/office/powerpoint/2010/main" val="193916927"/>
+      </p:ext>
+    </p:extLst>
+  </p:cSld>
+  <p:clrMapOvr>
+    <a:masterClrMapping/>
+  </p:clrMapOvr>
+</p:sld>
+</file>
+
+<file path=ppt/slides/slide20.xml><?xml version="1.0" encoding="utf-8"?>
 <p:sld xmlns:a="http://schemas.openxmlformats.org/drawingml/2006/main" xmlns:r="http://schemas.openxmlformats.org/officeDocument/2006/relationships" xmlns:p="http://schemas.openxmlformats.org/presentationml/2006/main">
   <p:cSld>
     <p:spTree>
@@ -21774,231 +22513,7 @@
 </p:sld>
 </file>
 
-<file path=ppt/slides/slide2.xml><?xml version="1.0" encoding="utf-8"?>
-<p:sld xmlns:a="http://schemas.openxmlformats.org/drawingml/2006/main" xmlns:r="http://schemas.openxmlformats.org/officeDocument/2006/relationships" xmlns:p="http://schemas.openxmlformats.org/presentationml/2006/main">
-  <p:cSld>
-    <p:spTree>
-      <p:nvGrpSpPr>
-        <p:cNvPr id="1" name=""/>
-        <p:cNvGrpSpPr/>
-        <p:nvPr/>
-      </p:nvGrpSpPr>
-      <p:grpSpPr>
-        <a:xfrm>
-          <a:off x="0" y="0"/>
-          <a:ext cx="0" cy="0"/>
-          <a:chOff x="0" y="0"/>
-          <a:chExt cx="0" cy="0"/>
-        </a:xfrm>
-      </p:grpSpPr>
-      <p:sp>
-        <p:nvSpPr>
-          <p:cNvPr id="2" name="Title 1"/>
-          <p:cNvSpPr>
-            <a:spLocks noGrp="1"/>
-          </p:cNvSpPr>
-          <p:nvPr>
-            <p:ph type="title"/>
-          </p:nvPr>
-        </p:nvSpPr>
-        <p:spPr/>
-        <p:txBody>
-          <a:bodyPr/>
-          <a:lstStyle/>
-          <a:p>
-            <a:r>
-              <a:rPr lang="pt-BR" dirty="0" smtClean="0"/>
-              <a:t>A disciplina</a:t>
-            </a:r>
-            <a:endParaRPr lang="pt-BR" dirty="0"/>
-          </a:p>
-        </p:txBody>
-      </p:sp>
-      <p:sp>
-        <p:nvSpPr>
-          <p:cNvPr id="3" name="Content Placeholder 2"/>
-          <p:cNvSpPr>
-            <a:spLocks noGrp="1"/>
-          </p:cNvSpPr>
-          <p:nvPr>
-            <p:ph idx="1"/>
-          </p:nvPr>
-        </p:nvSpPr>
-        <p:spPr>
-          <a:xfrm>
-            <a:off x="838199" y="1825624"/>
-            <a:ext cx="11166695" cy="5032376"/>
-          </a:xfrm>
-        </p:spPr>
-        <p:txBody>
-          <a:bodyPr>
-            <a:normAutofit/>
-          </a:bodyPr>
-          <a:lstStyle/>
-          <a:p>
-            <a:r>
-              <a:rPr lang="pt-BR" dirty="0" smtClean="0"/>
-              <a:t>Continuação de </a:t>
-            </a:r>
-            <a:r>
-              <a:rPr lang="pt-BR" b="1" i="1" dirty="0" smtClean="0"/>
-              <a:t>T319 </a:t>
-            </a:r>
-            <a:r>
-              <a:rPr lang="pt-BR" b="1" i="1" dirty="0"/>
-              <a:t>- Introdução ao Aprendizado de Máquina </a:t>
-            </a:r>
-            <a:r>
-              <a:rPr lang="pt-BR" b="1" i="1" dirty="0" smtClean="0"/>
-              <a:t>I</a:t>
-            </a:r>
-            <a:r>
-              <a:rPr lang="pt-BR" dirty="0" smtClean="0"/>
-              <a:t>.</a:t>
-            </a:r>
-          </a:p>
-          <a:p>
-            <a:r>
-              <a:rPr lang="pt-BR" b="1" i="1" dirty="0" smtClean="0"/>
-              <a:t>Curso introdutório</a:t>
-            </a:r>
-            <a:r>
-              <a:rPr lang="pt-BR" dirty="0" smtClean="0"/>
-              <a:t> onde veremos os conceitos básicos de funcionamento dos seguintes algoritmos de </a:t>
-            </a:r>
-            <a:r>
-              <a:rPr lang="pt-BR" b="1" i="1" dirty="0" smtClean="0"/>
-              <a:t>machine </a:t>
-            </a:r>
-            <a:r>
-              <a:rPr lang="pt-BR" b="1" i="1" dirty="0"/>
-              <a:t>learning</a:t>
-            </a:r>
-            <a:r>
-              <a:rPr lang="pt-BR" dirty="0"/>
-              <a:t> </a:t>
-            </a:r>
-            <a:r>
-              <a:rPr lang="pt-BR" dirty="0" smtClean="0"/>
-              <a:t>(ML):</a:t>
-            </a:r>
-          </a:p>
-          <a:p>
-            <a:pPr lvl="1">
-              <a:buFont typeface="Wingdings" panose="05000000000000000000" pitchFamily="2" charset="2"/>
-              <a:buChar char="§"/>
-            </a:pPr>
-            <a:r>
-              <a:rPr lang="pt-BR" dirty="0" smtClean="0"/>
-              <a:t>Classificadores</a:t>
-            </a:r>
-          </a:p>
-          <a:p>
-            <a:pPr lvl="2">
-              <a:buFont typeface="Courier New" panose="02070309020205020404" pitchFamily="49" charset="0"/>
-              <a:buChar char="o"/>
-            </a:pPr>
-            <a:r>
-              <a:rPr lang="pt-BR" dirty="0" smtClean="0"/>
-              <a:t>Regressão Logística</a:t>
-            </a:r>
-          </a:p>
-          <a:p>
-            <a:pPr lvl="2">
-              <a:buFont typeface="Courier New" panose="02070309020205020404" pitchFamily="49" charset="0"/>
-              <a:buChar char="o"/>
-            </a:pPr>
-            <a:r>
-              <a:rPr lang="pt-BR" dirty="0" smtClean="0"/>
-              <a:t>Regressão Softmax</a:t>
-            </a:r>
-          </a:p>
-          <a:p>
-            <a:pPr lvl="1">
-              <a:buFont typeface="Wingdings" panose="05000000000000000000" pitchFamily="2" charset="2"/>
-              <a:buChar char="§"/>
-            </a:pPr>
-            <a:r>
-              <a:rPr lang="pt-BR" dirty="0" smtClean="0"/>
-              <a:t>Redes </a:t>
-            </a:r>
-            <a:r>
-              <a:rPr lang="pt-BR" dirty="0" smtClean="0"/>
-              <a:t>Neurais</a:t>
-            </a:r>
-          </a:p>
-          <a:p>
-            <a:pPr lvl="1">
-              <a:buFont typeface="Wingdings" panose="05000000000000000000" pitchFamily="2" charset="2"/>
-              <a:buChar char="§"/>
-            </a:pPr>
-            <a:r>
-              <a:rPr lang="pt-BR" dirty="0" smtClean="0"/>
-              <a:t>Clustering</a:t>
-            </a:r>
-          </a:p>
-          <a:p>
-            <a:pPr lvl="2">
-              <a:buFont typeface="Courier New" panose="02070309020205020404" pitchFamily="49" charset="0"/>
-              <a:buChar char="o"/>
-            </a:pPr>
-            <a:r>
-              <a:rPr lang="pt-BR" dirty="0"/>
-              <a:t>k</a:t>
-            </a:r>
-            <a:r>
-              <a:rPr lang="pt-BR" dirty="0" smtClean="0"/>
-              <a:t>-Means</a:t>
-            </a:r>
-          </a:p>
-          <a:p>
-            <a:r>
-              <a:rPr lang="pt-BR" dirty="0" smtClean="0"/>
-              <a:t>O curso terá sempre uma parte </a:t>
-            </a:r>
-            <a:r>
-              <a:rPr lang="pt-BR" b="1" i="1" dirty="0" smtClean="0"/>
-              <a:t>expositiva</a:t>
-            </a:r>
-            <a:r>
-              <a:rPr lang="pt-BR" dirty="0" smtClean="0"/>
-              <a:t> e outra </a:t>
-            </a:r>
-            <a:r>
-              <a:rPr lang="pt-BR" b="1" i="1" dirty="0" smtClean="0"/>
-              <a:t>prática</a:t>
-            </a:r>
-            <a:r>
-              <a:rPr lang="pt-BR" dirty="0" smtClean="0"/>
-              <a:t> para fixação dos conceitos introduzidos.</a:t>
-            </a:r>
-          </a:p>
-          <a:p>
-            <a:pPr lvl="1">
-              <a:buFont typeface="Wingdings" panose="05000000000000000000" pitchFamily="2" charset="2"/>
-              <a:buChar char="§"/>
-            </a:pPr>
-            <a:r>
-              <a:rPr lang="pt-BR" dirty="0" smtClean="0"/>
-              <a:t> Quizzes e exercícios envolvendo o uso dos algoritmos discutidos.</a:t>
-            </a:r>
-          </a:p>
-        </p:txBody>
-      </p:sp>
-    </p:spTree>
-    <p:extLst>
-      <p:ext uri="{BB962C8B-B14F-4D97-AF65-F5344CB8AC3E}">
-        <p14:creationId xmlns:p14="http://schemas.microsoft.com/office/powerpoint/2010/main" val="193916927"/>
-      </p:ext>
-    </p:extLst>
-  </p:cSld>
-  <p:clrMapOvr>
-    <a:masterClrMapping/>
-  </p:clrMapOvr>
-</p:sld>
-</file>
-
-<file path=ppt/slides/slide20.xml><?xml version="1.0" encoding="utf-8"?>
+<file path=ppt/slides/slide21.xml><?xml version="1.0" encoding="utf-8"?>
 <p:sld xmlns:a="http://schemas.openxmlformats.org/drawingml/2006/main" xmlns:r="http://schemas.openxmlformats.org/officeDocument/2006/relationships" xmlns:p="http://schemas.openxmlformats.org/presentationml/2006/main">
   <p:cSld>
     <p:spTree>
@@ -22182,7 +22697,7 @@
 </p:sld>
 </file>
 
-<file path=ppt/slides/slide21.xml><?xml version="1.0" encoding="utf-8"?>
+<file path=ppt/slides/slide22.xml><?xml version="1.0" encoding="utf-8"?>
 <p:sld xmlns:a="http://schemas.openxmlformats.org/drawingml/2006/main" xmlns:r="http://schemas.openxmlformats.org/officeDocument/2006/relationships" xmlns:p="http://schemas.openxmlformats.org/presentationml/2006/main">
   <p:cSld>
     <p:spTree>
@@ -22204,7 +22719,7 @@
           <p:cNvPr id="4" name="Título 1">
             <a:extLst>
               <a:ext uri="{FF2B5EF4-FFF2-40B4-BE49-F238E27FC236}">
-                <a16:creationId xmlns:a16="http://schemas.microsoft.com/office/drawing/2014/main" xmlns="" id="{32666AC8-2E17-4DB4-B0F5-60C640CCFD2E}"/>
+                <a16:creationId xmlns="" xmlns:a16="http://schemas.microsoft.com/office/drawing/2014/main" id="{32666AC8-2E17-4DB4-B0F5-60C640CCFD2E}"/>
               </a:ext>
             </a:extLst>
           </p:cNvPr>
@@ -22275,7 +22790,7 @@
 </p:sld>
 </file>
 
-<file path=ppt/slides/slide22.xml><?xml version="1.0" encoding="utf-8"?>
+<file path=ppt/slides/slide23.xml><?xml version="1.0" encoding="utf-8"?>
 <p:sld xmlns:a="http://schemas.openxmlformats.org/drawingml/2006/main" xmlns:r="http://schemas.openxmlformats.org/officeDocument/2006/relationships" xmlns:p="http://schemas.openxmlformats.org/presentationml/2006/main">
   <p:cSld>
     <p:spTree>
@@ -26682,7 +27197,7 @@
 </p:sld>
 </file>
 
-<file path=ppt/slides/slide23.xml><?xml version="1.0" encoding="utf-8"?>
+<file path=ppt/slides/slide24.xml><?xml version="1.0" encoding="utf-8"?>
 <p:sld xmlns:a="http://schemas.openxmlformats.org/drawingml/2006/main" xmlns:r="http://schemas.openxmlformats.org/officeDocument/2006/relationships" xmlns:p="http://schemas.openxmlformats.org/presentationml/2006/main">
   <p:cSld>
     <p:spTree>
@@ -28354,7 +28869,7 @@
 </p:sld>
 </file>
 
-<file path=ppt/slides/slide24.xml><?xml version="1.0" encoding="utf-8"?>
+<file path=ppt/slides/slide25.xml><?xml version="1.0" encoding="utf-8"?>
 <p:sld xmlns:a="http://schemas.openxmlformats.org/drawingml/2006/main" xmlns:r="http://schemas.openxmlformats.org/officeDocument/2006/relationships" xmlns:p="http://schemas.openxmlformats.org/presentationml/2006/main">
   <p:cSld>
     <p:spTree>
@@ -31185,7 +31700,7 @@
           <p:cNvPr id="2" name="Título 1">
             <a:extLst>
               <a:ext uri="{FF2B5EF4-FFF2-40B4-BE49-F238E27FC236}">
-                <a16:creationId xmlns:a16="http://schemas.microsoft.com/office/drawing/2014/main" xmlns="" id="{C4F48192-B348-4C3E-8621-D3755D2230F8}"/>
+                <a16:creationId xmlns="" xmlns:a16="http://schemas.microsoft.com/office/drawing/2014/main" id="{C4F48192-B348-4C3E-8621-D3755D2230F8}"/>
               </a:ext>
             </a:extLst>
           </p:cNvPr>
@@ -31222,7 +31737,7 @@
           <p:cNvPr id="3" name="Espaço Reservado para Conteúdo 2">
             <a:extLst>
               <a:ext uri="{FF2B5EF4-FFF2-40B4-BE49-F238E27FC236}">
-                <a16:creationId xmlns:a16="http://schemas.microsoft.com/office/drawing/2014/main" xmlns="" id="{E3DECB90-AFD9-4AC6-A356-C93A7442A6E6}"/>
+                <a16:creationId xmlns="" xmlns:a16="http://schemas.microsoft.com/office/drawing/2014/main" id="{E3DECB90-AFD9-4AC6-A356-C93A7442A6E6}"/>
               </a:ext>
             </a:extLst>
           </p:cNvPr>
@@ -31365,7 +31880,7 @@
             </a:pPr>
             <a:r>
               <a:rPr lang="pt-BR" dirty="0" smtClean="0"/>
-              <a:t>Criar seus próprios projetos.</a:t>
+              <a:t>Criar projetos que envolvam ML.</a:t>
             </a:r>
             <a:endParaRPr lang="pt-BR" dirty="0"/>
           </a:p>
@@ -31376,7 +31891,7 @@
           <p:cNvPr id="3074" name="Picture 2" descr="Image result for machine learning">
             <a:extLst>
               <a:ext uri="{FF2B5EF4-FFF2-40B4-BE49-F238E27FC236}">
-                <a16:creationId xmlns:a16="http://schemas.microsoft.com/office/drawing/2014/main" xmlns="" id="{78A93243-9634-4B0E-B1B2-37A218EAEADD}"/>
+                <a16:creationId xmlns="" xmlns:a16="http://schemas.microsoft.com/office/drawing/2014/main" id="{78A93243-9634-4B0E-B1B2-37A218EAEADD}"/>
               </a:ext>
             </a:extLst>
           </p:cNvPr>
@@ -31553,11 +32068,7 @@
             </a:pPr>
             <a:r>
               <a:rPr lang="pt-BR" dirty="0" smtClean="0"/>
-              <a:t>Envolvendo questões teóricas e/ou práticas</a:t>
-            </a:r>
-            <a:r>
-              <a:rPr lang="pt-BR" dirty="0" smtClean="0"/>
-              <a:t>.</a:t>
+              <a:t>Envolvendo questões teóricas e/ou práticas.</a:t>
             </a:r>
           </a:p>
           <a:p>
@@ -31577,7 +32088,6 @@
               <a:rPr lang="pt-BR" dirty="0" smtClean="0"/>
               <a:t>.</a:t>
             </a:r>
-            <a:endParaRPr lang="pt-BR" dirty="0" smtClean="0"/>
           </a:p>
           <a:p>
             <a:r>
@@ -31844,7 +32354,7 @@
           <p:nvPr>
             <p:extLst>
               <p:ext uri="{D42A27DB-BD31-4B8C-83A1-F6EECF244321}">
-                <p14:modId xmlns:p14="http://schemas.microsoft.com/office/powerpoint/2010/main" val="1749586210"/>
+                <p14:modId xmlns:p14="http://schemas.microsoft.com/office/powerpoint/2010/main" val="117742175"/>
               </p:ext>
             </p:extLst>
           </p:nvPr>
@@ -33992,8 +34502,41 @@
                           </a:solidFill>
                           <a:effectLst/>
                         </a:rPr>
-                        <a:t> I</a:t>
+                        <a:t> </a:t>
                       </a:r>
+                      <a:r>
+                        <a:rPr lang="en-US" sz="1400" b="1" dirty="0" smtClean="0">
+                          <a:solidFill>
+                            <a:srgbClr val="00B050"/>
+                          </a:solidFill>
+                          <a:effectLst/>
+                        </a:rPr>
+                        <a:t>I (</a:t>
+                      </a:r>
+                      <a:r>
+                        <a:rPr lang="en-US" sz="1400" b="1" dirty="0" err="1" smtClean="0">
+                          <a:solidFill>
+                            <a:srgbClr val="00B050"/>
+                          </a:solidFill>
+                          <a:effectLst/>
+                        </a:rPr>
+                        <a:t>Projeto</a:t>
+                      </a:r>
+                      <a:r>
+                        <a:rPr lang="en-US" sz="1400" b="1" baseline="0" dirty="0" smtClean="0">
+                          <a:solidFill>
+                            <a:srgbClr val="00B050"/>
+                          </a:solidFill>
+                          <a:effectLst/>
+                        </a:rPr>
+                        <a:t> I – Parte I)</a:t>
+                      </a:r>
+                      <a:endParaRPr lang="en-US" sz="1400" b="1" dirty="0">
+                        <a:solidFill>
+                          <a:srgbClr val="00B050"/>
+                        </a:solidFill>
+                        <a:effectLst/>
+                      </a:endParaRPr>
                     </a:p>
                   </a:txBody>
                   <a:tcPr marL="10288" marR="10288" marT="6859" marB="6859" anchor="b">
@@ -35834,8 +36377,41 @@
                           </a:solidFill>
                           <a:effectLst/>
                         </a:rPr>
-                        <a:t> II</a:t>
+                        <a:t> </a:t>
                       </a:r>
+                      <a:r>
+                        <a:rPr lang="en-US" sz="1400" b="1" dirty="0" smtClean="0">
+                          <a:solidFill>
+                            <a:srgbClr val="00B050"/>
+                          </a:solidFill>
+                          <a:effectLst/>
+                        </a:rPr>
+                        <a:t>II (</a:t>
+                      </a:r>
+                      <a:r>
+                        <a:rPr lang="en-US" sz="1400" b="1" dirty="0" err="1" smtClean="0">
+                          <a:solidFill>
+                            <a:srgbClr val="00B050"/>
+                          </a:solidFill>
+                          <a:effectLst/>
+                        </a:rPr>
+                        <a:t>Projeto</a:t>
+                      </a:r>
+                      <a:r>
+                        <a:rPr lang="en-US" sz="1400" b="1" baseline="0" dirty="0" smtClean="0">
+                          <a:solidFill>
+                            <a:srgbClr val="00B050"/>
+                          </a:solidFill>
+                          <a:effectLst/>
+                        </a:rPr>
+                        <a:t> II – Parte I)</a:t>
+                      </a:r>
+                      <a:endParaRPr lang="en-US" sz="1400" b="1" dirty="0">
+                        <a:solidFill>
+                          <a:srgbClr val="00B050"/>
+                        </a:solidFill>
+                        <a:effectLst/>
+                      </a:endParaRPr>
                     </a:p>
                   </a:txBody>
                   <a:tcPr marL="10288" marR="10288" marT="6859" marB="6859" anchor="b">
@@ -36564,7 +37140,7 @@
                     <a:p>
                       <a:pPr algn="ctr" rtl="0" fontAlgn="b"/>
                       <a:r>
-                        <a:rPr lang="en-US" sz="1400">
+                        <a:rPr lang="en-US" sz="1400" dirty="0">
                           <a:effectLst/>
                         </a:rPr>
                         <a:t>20</a:t>
@@ -36821,7 +37397,7 @@
           <p:cNvPr id="2" name="Título 1">
             <a:extLst>
               <a:ext uri="{FF2B5EF4-FFF2-40B4-BE49-F238E27FC236}">
-                <a16:creationId xmlns:a16="http://schemas.microsoft.com/office/drawing/2014/main" xmlns="" id="{A2A4684C-1159-4F88-A2B1-6BABEDE38C4D}"/>
+                <a16:creationId xmlns="" xmlns:a16="http://schemas.microsoft.com/office/drawing/2014/main" id="{A2A4684C-1159-4F88-A2B1-6BABEDE38C4D}"/>
               </a:ext>
             </a:extLst>
           </p:cNvPr>
@@ -36849,7 +37425,7 @@
           <p:cNvPr id="3" name="Espaço Reservado para Conteúdo 2">
             <a:extLst>
               <a:ext uri="{FF2B5EF4-FFF2-40B4-BE49-F238E27FC236}">
-                <a16:creationId xmlns:a16="http://schemas.microsoft.com/office/drawing/2014/main" xmlns="" id="{EC432B31-D382-41FF-BB6B-2ABDD322424B}"/>
+                <a16:creationId xmlns="" xmlns:a16="http://schemas.microsoft.com/office/drawing/2014/main" id="{EC432B31-D382-41FF-BB6B-2ABDD322424B}"/>
               </a:ext>
             </a:extLst>
           </p:cNvPr>
@@ -36943,7 +37519,13 @@
             </a:r>
             <a:r>
               <a:rPr lang="pt-BR" dirty="0"/>
-              <a:t>,” on-line data base with several free and/or open-source books (https://github.com/josephmisiti/awesome-machine-learning</a:t>
+              <a:t>,” on-line data base with several free and/or open-source books (</a:t>
+            </a:r>
+            <a:r>
+              <a:rPr lang="pt-BR" dirty="0">
+                <a:hlinkClick r:id="rId3"/>
+              </a:rPr>
+              <a:t>https://github.com/josephmisiti/awesome-machine-learning</a:t>
             </a:r>
             <a:r>
               <a:rPr lang="pt-BR" dirty="0" smtClean="0"/>
@@ -37064,19 +37646,19 @@
             </a:r>
             <a:r>
               <a:rPr lang="pt-BR" dirty="0" smtClean="0">
-                <a:hlinkClick r:id="rId3"/>
+                <a:hlinkClick r:id="rId4"/>
               </a:rPr>
               <a:t>https</a:t>
             </a:r>
             <a:r>
               <a:rPr lang="pt-BR" dirty="0">
-                <a:hlinkClick r:id="rId3"/>
+                <a:hlinkClick r:id="rId4"/>
               </a:rPr>
               <a:t>://</a:t>
             </a:r>
             <a:r>
               <a:rPr lang="pt-BR" dirty="0" smtClean="0">
-                <a:hlinkClick r:id="rId3"/>
+                <a:hlinkClick r:id="rId4"/>
               </a:rPr>
               <a:t>drive.google.com/drive/folders/1IyIIMu1w6POBhrVnw11yqXXy6BjC439j?usp=sharing</a:t>
             </a:r>
@@ -37243,8 +37825,12 @@
               <a:t>datas</a:t>
             </a:r>
             <a:r>
+              <a:rPr lang="en-US" dirty="0"/>
+              <a:t> </a:t>
+            </a:r>
+            <a:r>
               <a:rPr lang="en-US" dirty="0" smtClean="0"/>
-              <a:t>/</a:t>
+              <a:t>e </a:t>
             </a:r>
             <a:r>
               <a:rPr lang="en-US" dirty="0" err="1" smtClean="0"/>
@@ -37313,7 +37899,7 @@
             </a:r>
             <a:r>
               <a:rPr lang="pt-BR" dirty="0" smtClean="0"/>
-              <a:t>terças</a:t>
+              <a:t>quintas</a:t>
             </a:r>
             <a:r>
               <a:rPr lang="pt-BR" dirty="0" smtClean="0"/>
@@ -37325,11 +37911,11 @@
             </a:r>
             <a:r>
               <a:rPr lang="pt-BR" dirty="0" smtClean="0"/>
-              <a:t>20</a:t>
+              <a:t>18</a:t>
             </a:r>
             <a:r>
               <a:rPr lang="pt-BR" dirty="0" smtClean="0"/>
-              <a:t>:30 </a:t>
+              <a:t>:00 </a:t>
             </a:r>
             <a:r>
               <a:rPr lang="pt-BR" dirty="0" smtClean="0"/>
@@ -37337,15 +37923,31 @@
             </a:r>
             <a:r>
               <a:rPr lang="pt-BR" dirty="0" smtClean="0"/>
-              <a:t>21</a:t>
+              <a:t>19</a:t>
             </a:r>
             <a:r>
               <a:rPr lang="pt-BR" dirty="0" smtClean="0"/>
-              <a:t>:30 </a:t>
+              <a:t>:00 </a:t>
             </a:r>
             <a:r>
               <a:rPr lang="pt-BR" dirty="0" smtClean="0"/>
-              <a:t>e sextas-feiras das 15:30 às 16:30.</a:t>
+              <a:t>e sextas-feiras das </a:t>
+            </a:r>
+            <a:r>
+              <a:rPr lang="pt-BR" dirty="0" smtClean="0"/>
+              <a:t>16:00 </a:t>
+            </a:r>
+            <a:r>
+              <a:rPr lang="pt-BR" dirty="0" smtClean="0"/>
+              <a:t>às </a:t>
+            </a:r>
+            <a:r>
+              <a:rPr lang="pt-BR" dirty="0" smtClean="0"/>
+              <a:t>17:00</a:t>
+            </a:r>
+            <a:r>
+              <a:rPr lang="pt-BR" dirty="0" smtClean="0"/>
+              <a:t>.</a:t>
             </a:r>
           </a:p>
           <a:p>
@@ -37355,11 +37957,7 @@
             </a:pPr>
             <a:r>
               <a:rPr lang="pt-BR" dirty="0" smtClean="0"/>
-              <a:t>Monitor </a:t>
-            </a:r>
-            <a:r>
-              <a:rPr lang="pt-BR" dirty="0" smtClean="0"/>
-              <a:t>(</a:t>
+              <a:t>Monitor (</a:t>
             </a:r>
             <a:r>
               <a:rPr lang="pt-BR" dirty="0" err="1" smtClean="0"/>
@@ -37383,19 +37981,7 @@
             </a:r>
             <a:r>
               <a:rPr lang="pt-BR" dirty="0" smtClean="0"/>
-              <a:t>quartas-feiras das 18:30 </a:t>
-            </a:r>
-            <a:r>
-              <a:rPr lang="pt-BR" dirty="0" smtClean="0"/>
-              <a:t>às </a:t>
-            </a:r>
-            <a:r>
-              <a:rPr lang="pt-BR" dirty="0" smtClean="0"/>
-              <a:t>19:30</a:t>
-            </a:r>
-            <a:r>
-              <a:rPr lang="pt-BR" dirty="0" smtClean="0"/>
-              <a:t>.</a:t>
+              <a:t>quartas-feiras das 18:30 às 19:30.</a:t>
             </a:r>
           </a:p>
           <a:p>
@@ -37405,15 +37991,7 @@
             </a:pPr>
             <a:r>
               <a:rPr lang="pt-BR" dirty="0" smtClean="0"/>
-              <a:t>Atendimento </a:t>
-            </a:r>
-            <a:r>
-              <a:rPr lang="pt-BR" dirty="0" smtClean="0"/>
-              <a:t>remoto via </a:t>
-            </a:r>
-            <a:r>
-              <a:rPr lang="pt-BR" dirty="0" smtClean="0"/>
-              <a:t>MS Teams.</a:t>
+              <a:t>Atendimento remoto via MS Teams.</a:t>
             </a:r>
           </a:p>
         </p:txBody>
@@ -37457,7 +38035,7 @@
       </p:grpSpPr>
       <p:sp>
         <p:nvSpPr>
-          <p:cNvPr id="2" name="Title 1"/>
+          <p:cNvPr id="2" name="Título 1"/>
           <p:cNvSpPr>
             <a:spLocks noGrp="1"/>
           </p:cNvSpPr>
@@ -37465,29 +38043,24 @@
             <p:ph type="title"/>
           </p:nvPr>
         </p:nvSpPr>
-        <p:spPr>
-          <a:xfrm>
-            <a:off x="838200" y="101659"/>
-            <a:ext cx="10515600" cy="1099663"/>
-          </a:xfrm>
-        </p:spPr>
+        <p:spPr/>
         <p:txBody>
           <a:bodyPr/>
           <a:lstStyle/>
           <a:p>
             <a:r>
               <a:rPr lang="pt-BR" dirty="0" smtClean="0"/>
-              <a:t>Motivação para tarefas de classificação</a:t>
+              <a:t>Classificação</a:t>
             </a:r>
-            <a:endParaRPr lang="pt-BR" dirty="0"/>
+            <a:endParaRPr lang="en-US" dirty="0"/>
           </a:p>
         </p:txBody>
       </p:sp>
-      <mc:AlternateContent xmlns:mc="http://schemas.openxmlformats.org/markup-compatibility/2006" xmlns:a14="http://schemas.microsoft.com/office/drawing/2010/main">
-        <mc:Choice Requires="a14">
+      <mc:AlternateContent xmlns:mc="http://schemas.openxmlformats.org/markup-compatibility/2006">
+        <mc:Choice xmlns:a14="http://schemas.microsoft.com/office/drawing/2010/main" Requires="a14">
           <p:sp>
             <p:nvSpPr>
-              <p:cNvPr id="3" name="Content Placeholder 2"/>
+              <p:cNvPr id="3" name="Espaço Reservado para Conteúdo 2"/>
               <p:cNvSpPr>
                 <a:spLocks noGrp="1"/>
               </p:cNvSpPr>
@@ -37495,69 +38068,14 @@
                 <p:ph idx="1"/>
               </p:nvPr>
             </p:nvSpPr>
-            <p:spPr>
-              <a:xfrm>
-                <a:off x="803100" y="4642338"/>
-                <a:ext cx="11002619" cy="2215662"/>
-              </a:xfrm>
-            </p:spPr>
+            <p:spPr/>
             <p:txBody>
-              <a:bodyPr>
-                <a:normAutofit fontScale="92500" lnSpcReduction="20000"/>
-              </a:bodyPr>
+              <a:bodyPr/>
               <a:lstStyle/>
               <a:p>
                 <a:r>
                   <a:rPr lang="pt-BR" dirty="0" smtClean="0"/>
-                  <a:t>Em alguns casos, nós precisamos encontrar funções, </a:t>
-                </a:r>
-                <a14:m>
-                  <m:oMath xmlns:m="http://schemas.openxmlformats.org/officeDocument/2006/math">
-                    <m:r>
-                      <a:rPr lang="pt-BR" b="0" i="1" smtClean="0">
-                        <a:latin typeface="Cambria Math" panose="02040503050406030204" pitchFamily="18" charset="0"/>
-                      </a:rPr>
-                      <m:t>𝑓</m:t>
-                    </m:r>
-                    <m:r>
-                      <a:rPr lang="pt-BR" b="0" i="1" smtClean="0">
-                        <a:latin typeface="Cambria Math" panose="02040503050406030204" pitchFamily="18" charset="0"/>
-                      </a:rPr>
-                      <m:t>(</m:t>
-                    </m:r>
-                    <m:r>
-                      <a:rPr lang="pt-BR" b="1" i="1" smtClean="0">
-                        <a:latin typeface="Cambria Math" panose="02040503050406030204" pitchFamily="18" charset="0"/>
-                      </a:rPr>
-                      <m:t>𝒙</m:t>
-                    </m:r>
-                    <m:r>
-                      <a:rPr lang="pt-BR" b="0" i="1" smtClean="0">
-                        <a:latin typeface="Cambria Math" panose="02040503050406030204" pitchFamily="18" charset="0"/>
-                      </a:rPr>
-                      <m:t>)</m:t>
-                    </m:r>
-                  </m:oMath>
-                </a14:m>
-                <a:r>
-                  <a:rPr lang="pt-BR" dirty="0" smtClean="0"/>
-                  <a:t>, que mapeiem os atributos de entrada </a:t>
-                </a:r>
-                <a:r>
-                  <a:rPr lang="pt-BR" dirty="0"/>
-                  <a:t>em determinados </a:t>
-                </a:r>
-                <a:r>
-                  <a:rPr lang="pt-BR" dirty="0" smtClean="0"/>
-                  <a:t>valores discretos</a:t>
-                </a:r>
-                <a:r>
-                  <a:rPr lang="pt-BR" dirty="0"/>
-                  <a:t>, </a:t>
-                </a:r>
-                <a:r>
-                  <a:rPr lang="pt-BR" dirty="0" smtClean="0"/>
-                  <a:t>ou seja, em classes. Por exemplo</a:t>
+                  <a:t>Tarefa (ou problema) de aprendizado supervisionado.</a:t>
                 </a:r>
               </a:p>
               <a:p>
@@ -37567,59 +38085,83 @@
                 </a:pPr>
                 <a:r>
                   <a:rPr lang="pt-BR" dirty="0" smtClean="0"/>
-                  <a:t>Classificação de emails entre SPAM e HAM</a:t>
+                  <a:t>As saídas esperadas são conhecidas.</a:t>
+                </a:r>
+              </a:p>
+              <a:p>
+                <a:r>
+                  <a:rPr lang="pt-BR" dirty="0" smtClean="0"/>
+                  <a:t>Envolve encontrar uma função, </a:t>
+                </a:r>
+                <a14:m>
+                  <m:oMath xmlns:m="http://schemas.openxmlformats.org/officeDocument/2006/math">
+                    <m:r>
+                      <a:rPr lang="pt-BR" i="1">
+                        <a:latin typeface="Cambria Math" panose="02040503050406030204" pitchFamily="18" charset="0"/>
+                      </a:rPr>
+                      <m:t>𝑓</m:t>
+                    </m:r>
+                    <m:r>
+                      <a:rPr lang="pt-BR" i="1">
+                        <a:latin typeface="Cambria Math" panose="02040503050406030204" pitchFamily="18" charset="0"/>
+                      </a:rPr>
+                      <m:t>(</m:t>
+                    </m:r>
+                    <m:r>
+                      <a:rPr lang="pt-BR" b="1" i="1">
+                        <a:latin typeface="Cambria Math" panose="02040503050406030204" pitchFamily="18" charset="0"/>
+                      </a:rPr>
+                      <m:t>𝒙</m:t>
+                    </m:r>
+                    <m:r>
+                      <a:rPr lang="pt-BR" i="1">
+                        <a:latin typeface="Cambria Math" panose="02040503050406030204" pitchFamily="18" charset="0"/>
+                      </a:rPr>
+                      <m:t>)</m:t>
+                    </m:r>
+                  </m:oMath>
+                </a14:m>
+                <a:r>
+                  <a:rPr lang="pt-BR" dirty="0"/>
+                  <a:t>, que </a:t>
+                </a:r>
+                <a:r>
+                  <a:rPr lang="pt-BR" dirty="0" smtClean="0"/>
+                  <a:t>mapeie </a:t>
                 </a:r>
                 <a:r>
                   <a:rPr lang="pt-BR" dirty="0"/>
-                  <a:t> </a:t>
+                  <a:t>os atributos de entrada </a:t>
                 </a:r>
                 <a:r>
-                  <a:rPr lang="pt-BR" dirty="0" smtClean="0"/>
-                  <a:t>(legítimo).</a:t>
+                  <a:rPr lang="pt-BR" dirty="0"/>
+                  <a:t>em </a:t>
                 </a:r>
-              </a:p>
-              <a:p>
-                <a:pPr lvl="1">
-                  <a:buFont typeface="Wingdings" panose="05000000000000000000" pitchFamily="2" charset="2"/>
-                  <a:buChar char="§"/>
-                </a:pPr>
                 <a:r>
-                  <a:rPr lang="pt-BR" dirty="0" smtClean="0"/>
-                  <a:t>Classificação de objetos.</a:t>
+                  <a:rPr lang="pt-BR" b="1" i="1" dirty="0" smtClean="0"/>
+                  <a:t>valores </a:t>
                 </a:r>
-              </a:p>
-              <a:p>
-                <a:pPr lvl="1">
-                  <a:buFont typeface="Wingdings" panose="05000000000000000000" pitchFamily="2" charset="2"/>
-                  <a:buChar char="§"/>
-                </a:pPr>
+                <a:r>
+                  <a:rPr lang="pt-BR" b="1" i="1" dirty="0"/>
+                  <a:t>discretos</a:t>
+                </a:r>
                 <a:r>
                   <a:rPr lang="pt-BR" dirty="0"/>
-                  <a:t>Detecção ou classificação </a:t>
+                  <a:t>, </a:t>
                 </a:r>
                 <a:r>
-                  <a:rPr lang="pt-BR" dirty="0" smtClean="0"/>
-                  <a:t>de símbolos.</a:t>
+                  <a:rPr lang="pt-BR" dirty="0"/>
+                  <a:t>ou seja, em classes.</a:t>
                 </a:r>
-              </a:p>
-              <a:p>
-                <a:pPr lvl="1">
-                  <a:buFont typeface="Wingdings" panose="05000000000000000000" pitchFamily="2" charset="2"/>
-                  <a:buChar char="§"/>
-                </a:pPr>
-                <a:r>
-                  <a:rPr lang="pt-BR" dirty="0" smtClean="0"/>
-                  <a:t>Classificação de modulações (QPSK, AM, FM, etc.)</a:t>
-                </a:r>
-                <a:endParaRPr lang="pt-BR" dirty="0"/>
+                <a:endParaRPr lang="en-US" dirty="0"/>
               </a:p>
             </p:txBody>
           </p:sp>
         </mc:Choice>
-        <mc:Fallback xmlns="">
+        <mc:Fallback>
           <p:sp>
             <p:nvSpPr>
-              <p:cNvPr id="3" name="Content Placeholder 2"/>
+              <p:cNvPr id="3" name="Espaço Reservado para Conteúdo 2"/>
               <p:cNvSpPr>
                 <a:spLocks noGrp="1" noRot="1" noChangeAspect="1" noMove="1" noResize="1" noEditPoints="1" noAdjustHandles="1" noChangeArrowheads="1" noChangeShapeType="1" noTextEdit="1"/>
               </p:cNvSpPr>
@@ -37628,14 +38170,10 @@
               </p:nvPr>
             </p:nvSpPr>
             <p:spPr>
-              <a:xfrm>
-                <a:off x="803100" y="4642338"/>
-                <a:ext cx="11002619" cy="2215662"/>
-              </a:xfrm>
               <a:blipFill rotWithShape="0">
-                <a:blip r:embed="rId3"/>
+                <a:blip r:embed="rId2"/>
                 <a:stretch>
-                  <a:fillRect l="-886" t="-7163" b="-1928"/>
+                  <a:fillRect l="-1043" t="-2241"/>
                 </a:stretch>
               </a:blipFill>
             </p:spPr>
@@ -37644,7 +38182,7 @@
               <a:lstStyle/>
               <a:p>
                 <a:r>
-                  <a:rPr lang="pt-BR">
+                  <a:rPr lang="en-US">
                     <a:noFill/>
                   </a:rPr>
                   <a:t> </a:t>
@@ -37656,35 +38194,27 @@
       </mc:AlternateContent>
       <p:pic>
         <p:nvPicPr>
-          <p:cNvPr id="6" name="Picture 5" descr="Image result for supervised learning">
-            <a:extLst>
-              <a:ext uri="{FF2B5EF4-FFF2-40B4-BE49-F238E27FC236}">
-                <a16:creationId xmlns:a16="http://schemas.microsoft.com/office/drawing/2014/main" xmlns="" id="{2520F4EA-1E3E-4F3B-97C0-DF47861DCD42}"/>
-              </a:ext>
-            </a:extLst>
-          </p:cNvPr>
+          <p:cNvPr id="1026" name="Picture 2" descr="https://miro.medium.com/max/1276/1*4sixxtuD8unWceZ-yp9TgQ.jpeg"/>
           <p:cNvPicPr>
             <a:picLocks noChangeAspect="1" noChangeArrowheads="1"/>
           </p:cNvPicPr>
           <p:nvPr/>
         </p:nvPicPr>
-        <p:blipFill>
-          <a:blip r:embed="rId4">
+        <p:blipFill rotWithShape="1">
+          <a:blip r:embed="rId3">
             <a:extLst>
               <a:ext uri="{28A0092B-C50C-407E-A947-70E740481C1C}">
                 <a14:useLocalDpi xmlns:a14="http://schemas.microsoft.com/office/drawing/2010/main" val="0"/>
               </a:ext>
             </a:extLst>
           </a:blip>
-          <a:srcRect/>
-          <a:stretch>
-            <a:fillRect/>
-          </a:stretch>
+          <a:srcRect l="11043" t="33761" r="47008" b="10621"/>
+          <a:stretch/>
         </p:blipFill>
         <p:spPr bwMode="auto">
           <a:xfrm>
-            <a:off x="106775" y="1743705"/>
-            <a:ext cx="4096017" cy="1310313"/>
+            <a:off x="7031891" y="3774326"/>
+            <a:ext cx="2549237" cy="2537574"/>
           </a:xfrm>
           <a:prstGeom prst="rect">
             <a:avLst/>
@@ -37703,52 +38233,27 @@
       </p:pic>
       <p:pic>
         <p:nvPicPr>
-          <p:cNvPr id="8" name="Picture 7"/>
-          <p:cNvPicPr>
-            <a:picLocks noChangeAspect="1"/>
-          </p:cNvPicPr>
-          <p:nvPr/>
-        </p:nvPicPr>
-        <p:blipFill rotWithShape="1">
-          <a:blip r:embed="rId5"/>
-          <a:srcRect l="6494" t="4277" r="8205" b="4390"/>
-          <a:stretch/>
-        </p:blipFill>
-        <p:spPr>
-          <a:xfrm>
-            <a:off x="8039477" y="1006982"/>
-            <a:ext cx="3850845" cy="3583426"/>
-          </a:xfrm>
-          <a:prstGeom prst="rect">
-            <a:avLst/>
-          </a:prstGeom>
-        </p:spPr>
-      </p:pic>
-      <p:pic>
-        <p:nvPicPr>
-          <p:cNvPr id="1026" name="Picture 2" descr="Measure Classification Performance: New in Wolfram Language 11"/>
+          <p:cNvPr id="5" name="Picture 2" descr="https://miro.medium.com/max/1276/1*4sixxtuD8unWceZ-yp9TgQ.jpeg"/>
           <p:cNvPicPr>
             <a:picLocks noChangeAspect="1" noChangeArrowheads="1"/>
           </p:cNvPicPr>
           <p:nvPr/>
         </p:nvPicPr>
-        <p:blipFill>
-          <a:blip r:embed="rId6">
+        <p:blipFill rotWithShape="1">
+          <a:blip r:embed="rId3">
             <a:extLst>
               <a:ext uri="{28A0092B-C50C-407E-A947-70E740481C1C}">
                 <a14:useLocalDpi xmlns:a14="http://schemas.microsoft.com/office/drawing/2010/main" val="0"/>
               </a:ext>
             </a:extLst>
           </a:blip>
-          <a:srcRect/>
-          <a:stretch>
-            <a:fillRect/>
-          </a:stretch>
+          <a:srcRect l="53147" t="33424" r="5087" b="12524"/>
+          <a:stretch/>
         </p:blipFill>
         <p:spPr bwMode="auto">
           <a:xfrm>
-            <a:off x="4614319" y="1291880"/>
-            <a:ext cx="3013630" cy="3013630"/>
+            <a:off x="1671781" y="3763638"/>
+            <a:ext cx="2538080" cy="2466109"/>
           </a:xfrm>
           <a:prstGeom prst="rect">
             <a:avLst/>
@@ -37765,23 +38270,250 @@
           </a:extLst>
         </p:spPr>
       </p:pic>
+      <mc:AlternateContent xmlns:mc="http://schemas.openxmlformats.org/markup-compatibility/2006">
+        <mc:Choice xmlns:a14="http://schemas.microsoft.com/office/drawing/2010/main" Requires="a14">
+          <p:sp>
+            <p:nvSpPr>
+              <p:cNvPr id="4" name="CaixaDeTexto 3"/>
+              <p:cNvSpPr txBox="1"/>
+              <p:nvPr/>
+            </p:nvSpPr>
+            <p:spPr>
+              <a:xfrm>
+                <a:off x="1671781" y="6229747"/>
+                <a:ext cx="2538080" cy="369332"/>
+              </a:xfrm>
+              <a:prstGeom prst="rect">
+                <a:avLst/>
+              </a:prstGeom>
+              <a:noFill/>
+            </p:spPr>
+            <p:txBody>
+              <a:bodyPr wrap="square" rtlCol="0">
+                <a:spAutoFit/>
+              </a:bodyPr>
+              <a:lstStyle/>
+              <a:p>
+                <a:pPr algn="ctr"/>
+                <a14:m>
+                  <m:oMath xmlns:m="http://schemas.openxmlformats.org/officeDocument/2006/math">
+                    <m:r>
+                      <a:rPr lang="pt-BR" i="1">
+                        <a:latin typeface="Cambria Math" panose="02040503050406030204" pitchFamily="18" charset="0"/>
+                      </a:rPr>
+                      <m:t>𝑓</m:t>
+                    </m:r>
+                    <m:r>
+                      <a:rPr lang="pt-BR" i="1">
+                        <a:latin typeface="Cambria Math" panose="02040503050406030204" pitchFamily="18" charset="0"/>
+                      </a:rPr>
+                      <m:t>(</m:t>
+                    </m:r>
+                    <m:r>
+                      <a:rPr lang="pt-BR" b="1" i="1">
+                        <a:latin typeface="Cambria Math" panose="02040503050406030204" pitchFamily="18" charset="0"/>
+                      </a:rPr>
+                      <m:t>𝒙</m:t>
+                    </m:r>
+                    <m:r>
+                      <a:rPr lang="pt-BR" i="1">
+                        <a:latin typeface="Cambria Math" panose="02040503050406030204" pitchFamily="18" charset="0"/>
+                      </a:rPr>
+                      <m:t>)</m:t>
+                    </m:r>
+                  </m:oMath>
+                </a14:m>
+                <a:r>
+                  <a:rPr lang="en-US" dirty="0" smtClean="0"/>
+                  <a:t> </a:t>
+                </a:r>
+                <a:r>
+                  <a:rPr lang="en-US" b="1" i="1" dirty="0" err="1" smtClean="0"/>
+                  <a:t>aproxima</a:t>
+                </a:r>
+                <a:r>
+                  <a:rPr lang="en-US" dirty="0" smtClean="0"/>
+                  <a:t> </a:t>
+                </a:r>
+                <a:r>
+                  <a:rPr lang="en-US" dirty="0" err="1" smtClean="0"/>
+                  <a:t>os</a:t>
+                </a:r>
+                <a:r>
+                  <a:rPr lang="en-US" dirty="0" smtClean="0"/>
+                  <a:t> dados.</a:t>
+                </a:r>
+                <a:endParaRPr lang="en-US" dirty="0"/>
+              </a:p>
+            </p:txBody>
+          </p:sp>
+        </mc:Choice>
+        <mc:Fallback>
+          <p:sp>
+            <p:nvSpPr>
+              <p:cNvPr id="4" name="CaixaDeTexto 3"/>
+              <p:cNvSpPr txBox="1">
+                <a:spLocks noRot="1" noChangeAspect="1" noMove="1" noResize="1" noEditPoints="1" noAdjustHandles="1" noChangeArrowheads="1" noChangeShapeType="1" noTextEdit="1"/>
+              </p:cNvSpPr>
+              <p:nvPr/>
+            </p:nvSpPr>
+            <p:spPr>
+              <a:xfrm>
+                <a:off x="1671781" y="6229747"/>
+                <a:ext cx="2538080" cy="369332"/>
+              </a:xfrm>
+              <a:prstGeom prst="rect">
+                <a:avLst/>
+              </a:prstGeom>
+              <a:blipFill rotWithShape="0">
+                <a:blip r:embed="rId4"/>
+                <a:stretch>
+                  <a:fillRect l="-719" t="-9836" r="-1918" b="-24590"/>
+                </a:stretch>
+              </a:blipFill>
+            </p:spPr>
+            <p:txBody>
+              <a:bodyPr/>
+              <a:lstStyle/>
+              <a:p>
+                <a:r>
+                  <a:rPr lang="en-US">
+                    <a:noFill/>
+                  </a:rPr>
+                  <a:t> </a:t>
+                </a:r>
+              </a:p>
+            </p:txBody>
+          </p:sp>
+        </mc:Fallback>
+      </mc:AlternateContent>
+      <mc:AlternateContent xmlns:mc="http://schemas.openxmlformats.org/markup-compatibility/2006">
+        <mc:Choice xmlns:a14="http://schemas.microsoft.com/office/drawing/2010/main" Requires="a14">
+          <p:sp>
+            <p:nvSpPr>
+              <p:cNvPr id="7" name="CaixaDeTexto 6"/>
+              <p:cNvSpPr txBox="1"/>
+              <p:nvPr/>
+            </p:nvSpPr>
+            <p:spPr>
+              <a:xfrm>
+                <a:off x="7031891" y="6311900"/>
+                <a:ext cx="2549237" cy="369332"/>
+              </a:xfrm>
+              <a:prstGeom prst="rect">
+                <a:avLst/>
+              </a:prstGeom>
+              <a:noFill/>
+            </p:spPr>
+            <p:txBody>
+              <a:bodyPr wrap="square" rtlCol="0">
+                <a:spAutoFit/>
+              </a:bodyPr>
+              <a:lstStyle/>
+              <a:p>
+                <a:pPr algn="ctr"/>
+                <a14:m>
+                  <m:oMath xmlns:m="http://schemas.openxmlformats.org/officeDocument/2006/math">
+                    <m:r>
+                      <a:rPr lang="pt-BR" i="1">
+                        <a:latin typeface="Cambria Math" panose="02040503050406030204" pitchFamily="18" charset="0"/>
+                      </a:rPr>
+                      <m:t>𝑓</m:t>
+                    </m:r>
+                    <m:r>
+                      <a:rPr lang="pt-BR" i="1">
+                        <a:latin typeface="Cambria Math" panose="02040503050406030204" pitchFamily="18" charset="0"/>
+                      </a:rPr>
+                      <m:t>(</m:t>
+                    </m:r>
+                    <m:r>
+                      <a:rPr lang="pt-BR" b="1" i="1">
+                        <a:latin typeface="Cambria Math" panose="02040503050406030204" pitchFamily="18" charset="0"/>
+                      </a:rPr>
+                      <m:t>𝒙</m:t>
+                    </m:r>
+                    <m:r>
+                      <a:rPr lang="pt-BR" i="1">
+                        <a:latin typeface="Cambria Math" panose="02040503050406030204" pitchFamily="18" charset="0"/>
+                      </a:rPr>
+                      <m:t>)</m:t>
+                    </m:r>
+                  </m:oMath>
+                </a14:m>
+                <a:r>
+                  <a:rPr lang="en-US" dirty="0" smtClean="0"/>
+                  <a:t> </a:t>
+                </a:r>
+                <a:r>
+                  <a:rPr lang="en-US" b="1" i="1" dirty="0" smtClean="0"/>
+                  <a:t>separa</a:t>
+                </a:r>
+                <a:r>
+                  <a:rPr lang="en-US" dirty="0" smtClean="0"/>
+                  <a:t> </a:t>
+                </a:r>
+                <a:r>
+                  <a:rPr lang="en-US" dirty="0" err="1" smtClean="0"/>
+                  <a:t>os</a:t>
+                </a:r>
+                <a:r>
+                  <a:rPr lang="en-US" dirty="0" smtClean="0"/>
+                  <a:t> dados.</a:t>
+                </a:r>
+                <a:endParaRPr lang="en-US" dirty="0"/>
+              </a:p>
+            </p:txBody>
+          </p:sp>
+        </mc:Choice>
+        <mc:Fallback>
+          <p:sp>
+            <p:nvSpPr>
+              <p:cNvPr id="7" name="CaixaDeTexto 6"/>
+              <p:cNvSpPr txBox="1">
+                <a:spLocks noRot="1" noChangeAspect="1" noMove="1" noResize="1" noEditPoints="1" noAdjustHandles="1" noChangeArrowheads="1" noChangeShapeType="1" noTextEdit="1"/>
+              </p:cNvSpPr>
+              <p:nvPr/>
+            </p:nvSpPr>
+            <p:spPr>
+              <a:xfrm>
+                <a:off x="7031891" y="6311900"/>
+                <a:ext cx="2549237" cy="369332"/>
+              </a:xfrm>
+              <a:prstGeom prst="rect">
+                <a:avLst/>
+              </a:prstGeom>
+              <a:blipFill rotWithShape="0">
+                <a:blip r:embed="rId5"/>
+                <a:stretch>
+                  <a:fillRect t="-8197" b="-24590"/>
+                </a:stretch>
+              </a:blipFill>
+            </p:spPr>
+            <p:txBody>
+              <a:bodyPr/>
+              <a:lstStyle/>
+              <a:p>
+                <a:r>
+                  <a:rPr lang="en-US">
+                    <a:noFill/>
+                  </a:rPr>
+                  <a:t> </a:t>
+                </a:r>
+              </a:p>
+            </p:txBody>
+          </p:sp>
+        </mc:Fallback>
+      </mc:AlternateContent>
     </p:spTree>
     <p:extLst>
       <p:ext uri="{BB962C8B-B14F-4D97-AF65-F5344CB8AC3E}">
-        <p14:creationId xmlns:p14="http://schemas.microsoft.com/office/powerpoint/2010/main" val="514696049"/>
+        <p14:creationId xmlns:p14="http://schemas.microsoft.com/office/powerpoint/2010/main" val="3270474910"/>
       </p:ext>
     </p:extLst>
   </p:cSld>
   <p:clrMapOvr>
     <a:masterClrMapping/>
   </p:clrMapOvr>
-  <p:timing>
-    <p:tnLst>
-      <p:par>
-        <p:cTn id="1" dur="indefinite" restart="never" nodeType="tmRoot"/>
-      </p:par>
-    </p:tnLst>
-  </p:timing>
 </p:sld>
 </file>
 
@@ -37804,7 +38536,30 @@
       </p:grpSpPr>
       <p:sp>
         <p:nvSpPr>
-          <p:cNvPr id="3" name="Content Placeholder 2"/>
+          <p:cNvPr id="2" name="Título 1"/>
+          <p:cNvSpPr>
+            <a:spLocks noGrp="1"/>
+          </p:cNvSpPr>
+          <p:nvPr>
+            <p:ph type="title"/>
+          </p:nvPr>
+        </p:nvSpPr>
+        <p:spPr/>
+        <p:txBody>
+          <a:bodyPr/>
+          <a:lstStyle/>
+          <a:p>
+            <a:r>
+              <a:rPr lang="pt-BR" dirty="0"/>
+              <a:t>Motivação para tarefas de classificação</a:t>
+            </a:r>
+            <a:endParaRPr lang="en-US" dirty="0"/>
+          </a:p>
+        </p:txBody>
+      </p:sp>
+      <p:sp>
+        <p:nvSpPr>
+          <p:cNvPr id="3" name="Espaço Reservado para Conteúdo 2"/>
           <p:cNvSpPr>
             <a:spLocks noGrp="1"/>
           </p:cNvSpPr>
@@ -37814,47 +38569,51 @@
         </p:nvSpPr>
         <p:spPr>
           <a:xfrm>
-            <a:off x="838200" y="5239510"/>
-            <a:ext cx="10515600" cy="1389889"/>
+            <a:off x="838200" y="4734961"/>
+            <a:ext cx="10515600" cy="2009871"/>
           </a:xfrm>
         </p:spPr>
         <p:txBody>
-          <a:bodyPr>
-            <a:normAutofit fontScale="92500" lnSpcReduction="10000"/>
-          </a:bodyPr>
+          <a:bodyPr/>
           <a:lstStyle/>
           <a:p>
             <a:r>
-              <a:rPr lang="pt-BR" dirty="0" smtClean="0"/>
-              <a:t>Reconhecimento de dígitos escritos </a:t>
+              <a:rPr lang="pt-BR" dirty="0"/>
+              <a:t>Classificação de </a:t>
             </a:r>
             <a:r>
-              <a:rPr lang="nl-BE" dirty="0" smtClean="0"/>
-              <a:t>à</a:t>
+              <a:rPr lang="pt-BR" dirty="0" err="1"/>
+              <a:t>emails</a:t>
             </a:r>
             <a:r>
-              <a:rPr lang="pt-BR" dirty="0" smtClean="0"/>
-              <a:t> mão.</a:t>
+              <a:rPr lang="pt-BR" dirty="0"/>
+              <a:t> entre SPAM e HAM (legítimo).</a:t>
             </a:r>
           </a:p>
           <a:p>
             <a:r>
-              <a:rPr lang="pt-BR" dirty="0" smtClean="0"/>
-              <a:t>Classifica</a:t>
-            </a:r>
-            <a:r>
               <a:rPr lang="pt-BR" dirty="0"/>
-              <a:t>ç</a:t>
-            </a:r>
-            <a:r>
-              <a:rPr lang="pt-BR" dirty="0" smtClean="0"/>
-              <a:t>ão de texto.</a:t>
+              <a:t>Classificação de objetos.</a:t>
             </a:r>
           </a:p>
           <a:p>
             <a:r>
+              <a:rPr lang="pt-BR" dirty="0"/>
+              <a:t>Detecção ou classificação de símbolos.</a:t>
+            </a:r>
+          </a:p>
+          <a:p>
+            <a:r>
+              <a:rPr lang="pt-BR" dirty="0"/>
+              <a:t>Classificação de modulações (QPSK, AM, FM, etc</a:t>
+            </a:r>
+            <a:r>
               <a:rPr lang="pt-BR" dirty="0" smtClean="0"/>
-              <a:t>Classificação de sentimentos.</a:t>
+              <a:t>.)</a:t>
+            </a:r>
+            <a:r>
+              <a:rPr lang="en-US" dirty="0" smtClean="0"/>
+              <a:t>.</a:t>
             </a:r>
             <a:endParaRPr lang="pt-BR" dirty="0"/>
           </a:p>
@@ -37862,14 +38621,20 @@
       </p:sp>
       <p:pic>
         <p:nvPicPr>
-          <p:cNvPr id="1026" name="Picture 2" descr="Ana Barros (@anathinker) | Twitter"/>
+          <p:cNvPr id="4" name="Picture 5" descr="Image result for supervised learning">
+            <a:extLst>
+              <a:ext uri="{FF2B5EF4-FFF2-40B4-BE49-F238E27FC236}">
+                <a16:creationId xmlns="" xmlns:a16="http://schemas.microsoft.com/office/drawing/2014/main" id="{2520F4EA-1E3E-4F3B-97C0-DF47861DCD42}"/>
+              </a:ext>
+            </a:extLst>
+          </p:cNvPr>
           <p:cNvPicPr>
             <a:picLocks noChangeAspect="1" noChangeArrowheads="1"/>
           </p:cNvPicPr>
           <p:nvPr/>
         </p:nvPicPr>
         <p:blipFill>
-          <a:blip r:embed="rId2">
+          <a:blip r:embed="rId3">
             <a:extLst>
               <a:ext uri="{28A0092B-C50C-407E-A947-70E740481C1C}">
                 <a14:useLocalDpi xmlns:a14="http://schemas.microsoft.com/office/drawing/2010/main" val="0"/>
@@ -37883,8 +38648,8 @@
         </p:blipFill>
         <p:spPr bwMode="auto">
           <a:xfrm>
-            <a:off x="370030" y="1992086"/>
-            <a:ext cx="3577893" cy="2370967"/>
+            <a:off x="333112" y="2332180"/>
+            <a:ext cx="4096017" cy="1310313"/>
           </a:xfrm>
           <a:prstGeom prst="rect">
             <a:avLst/>
@@ -37903,27 +38668,52 @@
       </p:pic>
       <p:pic>
         <p:nvPicPr>
-          <p:cNvPr id="1030" name="Picture 6" descr="Analyzing Text Classification Techniques on Youtube Data"/>
+          <p:cNvPr id="5" name="Picture 7"/>
+          <p:cNvPicPr>
+            <a:picLocks noChangeAspect="1"/>
+          </p:cNvPicPr>
+          <p:nvPr/>
+        </p:nvPicPr>
+        <p:blipFill rotWithShape="1">
+          <a:blip r:embed="rId4"/>
+          <a:srcRect l="6494" t="4277" r="8205" b="4390"/>
+          <a:stretch/>
+        </p:blipFill>
+        <p:spPr>
+          <a:xfrm>
+            <a:off x="8379518" y="1306960"/>
+            <a:ext cx="3611553" cy="3360751"/>
+          </a:xfrm>
+          <a:prstGeom prst="rect">
+            <a:avLst/>
+          </a:prstGeom>
+        </p:spPr>
+      </p:pic>
+      <p:pic>
+        <p:nvPicPr>
+          <p:cNvPr id="6" name="Picture 2" descr="Measure Classification Performance: New in Wolfram Language 11"/>
           <p:cNvPicPr>
             <a:picLocks noChangeAspect="1" noChangeArrowheads="1"/>
           </p:cNvPicPr>
           <p:nvPr/>
         </p:nvPicPr>
-        <p:blipFill rotWithShape="1">
-          <a:blip r:embed="rId3">
+        <p:blipFill>
+          <a:blip r:embed="rId5">
             <a:extLst>
               <a:ext uri="{28A0092B-C50C-407E-A947-70E740481C1C}">
                 <a14:useLocalDpi xmlns:a14="http://schemas.microsoft.com/office/drawing/2010/main" val="0"/>
               </a:ext>
             </a:extLst>
           </a:blip>
-          <a:srcRect l="11107" t="4114" r="9213" b="4823"/>
-          <a:stretch/>
+          <a:srcRect/>
+          <a:stretch>
+            <a:fillRect/>
+          </a:stretch>
         </p:blipFill>
         <p:spPr bwMode="auto">
           <a:xfrm>
-            <a:off x="4211992" y="1992086"/>
-            <a:ext cx="4139112" cy="2365206"/>
+            <a:off x="4788589" y="1690688"/>
+            <a:ext cx="2879696" cy="2879696"/>
           </a:xfrm>
           <a:prstGeom prst="rect">
             <a:avLst/>
@@ -37940,100 +38730,10 @@
           </a:extLst>
         </p:spPr>
       </p:pic>
-      <p:pic>
-        <p:nvPicPr>
-          <p:cNvPr id="4" name="Picture 2" descr="Sentiment Fig 1"/>
-          <p:cNvPicPr>
-            <a:picLocks noChangeAspect="1" noChangeArrowheads="1"/>
-          </p:cNvPicPr>
-          <p:nvPr/>
-        </p:nvPicPr>
-        <p:blipFill>
-          <a:blip r:embed="rId4">
-            <a:extLst>
-              <a:ext uri="{28A0092B-C50C-407E-A947-70E740481C1C}">
-                <a14:useLocalDpi xmlns:a14="http://schemas.microsoft.com/office/drawing/2010/main" val="0"/>
-              </a:ext>
-            </a:extLst>
-          </a:blip>
-          <a:srcRect/>
-          <a:stretch>
-            <a:fillRect/>
-          </a:stretch>
-        </p:blipFill>
-        <p:spPr bwMode="auto">
-          <a:xfrm>
-            <a:off x="8615173" y="1992086"/>
-            <a:ext cx="3337341" cy="2365206"/>
-          </a:xfrm>
-          <a:prstGeom prst="rect">
-            <a:avLst/>
-          </a:prstGeom>
-          <a:noFill/>
-          <a:extLst>
-            <a:ext uri="{909E8E84-426E-40DD-AFC4-6F175D3DCCD1}">
-              <a14:hiddenFill xmlns:a14="http://schemas.microsoft.com/office/drawing/2010/main">
-                <a:solidFill>
-                  <a:srgbClr val="FFFFFF"/>
-                </a:solidFill>
-              </a14:hiddenFill>
-            </a:ext>
-          </a:extLst>
-        </p:spPr>
-      </p:pic>
-      <p:sp>
-        <p:nvSpPr>
-          <p:cNvPr id="8" name="Title 1"/>
-          <p:cNvSpPr txBox="1">
-            <a:spLocks/>
-          </p:cNvSpPr>
-          <p:nvPr/>
-        </p:nvSpPr>
-        <p:spPr>
-          <a:xfrm>
-            <a:off x="838200" y="101659"/>
-            <a:ext cx="10515600" cy="1325563"/>
-          </a:xfrm>
-          <a:prstGeom prst="rect">
-            <a:avLst/>
-          </a:prstGeom>
-        </p:spPr>
-        <p:txBody>
-          <a:bodyPr vert="horz" lIns="91440" tIns="45720" rIns="91440" bIns="45720" rtlCol="0" anchor="ctr">
-            <a:normAutofit/>
-          </a:bodyPr>
-          <a:lstStyle>
-            <a:lvl1pPr algn="l" defTabSz="914400" rtl="0" eaLnBrk="1" latinLnBrk="0" hangingPunct="1">
-              <a:lnSpc>
-                <a:spcPct val="90000"/>
-              </a:lnSpc>
-              <a:spcBef>
-                <a:spcPct val="0"/>
-              </a:spcBef>
-              <a:buNone/>
-              <a:defRPr sz="4400" kern="1200">
-                <a:solidFill>
-                  <a:schemeClr val="tx1"/>
-                </a:solidFill>
-                <a:latin typeface="+mj-lt"/>
-                <a:ea typeface="+mj-ea"/>
-                <a:cs typeface="+mj-cs"/>
-              </a:defRPr>
-            </a:lvl1pPr>
-          </a:lstStyle>
-          <a:p>
-            <a:r>
-              <a:rPr lang="pt-BR" smtClean="0"/>
-              <a:t>Motivação para tarefas de classificação</a:t>
-            </a:r>
-            <a:endParaRPr lang="pt-BR" dirty="0"/>
-          </a:p>
-        </p:txBody>
-      </p:sp>
     </p:spTree>
     <p:extLst>
       <p:ext uri="{BB962C8B-B14F-4D97-AF65-F5344CB8AC3E}">
-        <p14:creationId xmlns:p14="http://schemas.microsoft.com/office/powerpoint/2010/main" val="2807082195"/>
+        <p14:creationId xmlns:p14="http://schemas.microsoft.com/office/powerpoint/2010/main" val="4165742255"/>
       </p:ext>
     </p:extLst>
   </p:cSld>

--- a/slides/T320_Classificação (Parte I).pptx
+++ b/slides/T320_Classificação (Parte I).pptx
@@ -299,7 +299,7 @@
           <a:p>
             <a:fld id="{144F1436-6906-4D93-B7A2-786C327BFA14}" type="datetimeFigureOut">
               <a:rPr lang="nl-BE" smtClean="0"/>
-              <a:t>29/07/2022</a:t>
+              <a:t>6/08/2022</a:t>
             </a:fld>
             <a:endParaRPr lang="nl-BE"/>
           </a:p>
@@ -464,7 +464,7 @@
           <a:p>
             <a:fld id="{AA8CD09E-2914-4F47-B6C1-51B2C31814C9}" type="datetimeFigureOut">
               <a:rPr lang="pt-BR" smtClean="0"/>
-              <a:t>29/07/2022</a:t>
+              <a:t>06/08/2022</a:t>
             </a:fld>
             <a:endParaRPr lang="pt-BR"/>
           </a:p>
@@ -2201,15 +2201,7 @@
             </a:r>
             <a:r>
               <a:rPr lang="pt-BR" baseline="0" dirty="0" smtClean="0"/>
-              <a:t> ou discriminam as classes. Essas funções são normalmente chamadas de funções discriminantes, pois vão discriminar (ou </a:t>
-            </a:r>
-            <a:r>
-              <a:rPr lang="pt-BR" baseline="0" dirty="0" smtClean="0"/>
-              <a:t>seja, separar</a:t>
-            </a:r>
-            <a:r>
-              <a:rPr lang="pt-BR" baseline="0" dirty="0" smtClean="0"/>
-              <a:t>) as classes.</a:t>
+              <a:t> ou discriminam as classes. Essas funções são normalmente chamadas de funções discriminantes, pois vão discriminar (ou seja, separar) as classes.</a:t>
             </a:r>
             <a:endParaRPr lang="pt-BR" dirty="0" smtClean="0"/>
           </a:p>
@@ -2276,7 +2268,7 @@
           <p:cNvPr id="2" name="Título 1">
             <a:extLst>
               <a:ext uri="{FF2B5EF4-FFF2-40B4-BE49-F238E27FC236}">
-                <a16:creationId xmlns="" xmlns:a16="http://schemas.microsoft.com/office/drawing/2014/main" id="{1DB9B4FF-B06E-403C-A326-BDC64D8FF94E}"/>
+                <a16:creationId xmlns:a16="http://schemas.microsoft.com/office/drawing/2014/main" xmlns="" id="{1DB9B4FF-B06E-403C-A326-BDC64D8FF94E}"/>
               </a:ext>
             </a:extLst>
           </p:cNvPr>
@@ -2313,7 +2305,7 @@
           <p:cNvPr id="3" name="Subtítulo 2">
             <a:extLst>
               <a:ext uri="{FF2B5EF4-FFF2-40B4-BE49-F238E27FC236}">
-                <a16:creationId xmlns="" xmlns:a16="http://schemas.microsoft.com/office/drawing/2014/main" id="{247BDFCE-746E-45BF-A319-4733D58D1632}"/>
+                <a16:creationId xmlns:a16="http://schemas.microsoft.com/office/drawing/2014/main" xmlns="" id="{247BDFCE-746E-45BF-A319-4733D58D1632}"/>
               </a:ext>
             </a:extLst>
           </p:cNvPr>
@@ -2383,7 +2375,7 @@
           <p:cNvPr id="4" name="Espaço Reservado para Data 3">
             <a:extLst>
               <a:ext uri="{FF2B5EF4-FFF2-40B4-BE49-F238E27FC236}">
-                <a16:creationId xmlns="" xmlns:a16="http://schemas.microsoft.com/office/drawing/2014/main" id="{9EDE2778-5372-4104-B96D-968184DA8288}"/>
+                <a16:creationId xmlns:a16="http://schemas.microsoft.com/office/drawing/2014/main" xmlns="" id="{9EDE2778-5372-4104-B96D-968184DA8288}"/>
               </a:ext>
             </a:extLst>
           </p:cNvPr>
@@ -2401,7 +2393,7 @@
           <a:p>
             <a:fld id="{63289F7E-B80B-496E-81B4-D396C37C9454}" type="datetimeFigureOut">
               <a:rPr lang="pt-BR" smtClean="0"/>
-              <a:t>29/07/2022</a:t>
+              <a:t>06/08/2022</a:t>
             </a:fld>
             <a:endParaRPr lang="pt-BR"/>
           </a:p>
@@ -2412,7 +2404,7 @@
           <p:cNvPr id="5" name="Espaço Reservado para Rodapé 4">
             <a:extLst>
               <a:ext uri="{FF2B5EF4-FFF2-40B4-BE49-F238E27FC236}">
-                <a16:creationId xmlns="" xmlns:a16="http://schemas.microsoft.com/office/drawing/2014/main" id="{C1DD0F41-C861-4051-988D-3024A37A4B93}"/>
+                <a16:creationId xmlns:a16="http://schemas.microsoft.com/office/drawing/2014/main" xmlns="" id="{C1DD0F41-C861-4051-988D-3024A37A4B93}"/>
               </a:ext>
             </a:extLst>
           </p:cNvPr>
@@ -2437,7 +2429,7 @@
           <p:cNvPr id="6" name="Espaço Reservado para Número de Slide 5">
             <a:extLst>
               <a:ext uri="{FF2B5EF4-FFF2-40B4-BE49-F238E27FC236}">
-                <a16:creationId xmlns="" xmlns:a16="http://schemas.microsoft.com/office/drawing/2014/main" id="{07E5967E-D980-431A-A5DB-3F0C5030A81E}"/>
+                <a16:creationId xmlns:a16="http://schemas.microsoft.com/office/drawing/2014/main" xmlns="" id="{07E5967E-D980-431A-A5DB-3F0C5030A81E}"/>
               </a:ext>
             </a:extLst>
           </p:cNvPr>
@@ -2496,7 +2488,7 @@
           <p:cNvPr id="2" name="Título 1">
             <a:extLst>
               <a:ext uri="{FF2B5EF4-FFF2-40B4-BE49-F238E27FC236}">
-                <a16:creationId xmlns="" xmlns:a16="http://schemas.microsoft.com/office/drawing/2014/main" id="{9036C49F-3E68-4175-81BA-3C3FEE44308A}"/>
+                <a16:creationId xmlns:a16="http://schemas.microsoft.com/office/drawing/2014/main" xmlns="" id="{9036C49F-3E68-4175-81BA-3C3FEE44308A}"/>
               </a:ext>
             </a:extLst>
           </p:cNvPr>
@@ -2524,7 +2516,7 @@
           <p:cNvPr id="3" name="Espaço Reservado para Texto Vertical 2">
             <a:extLst>
               <a:ext uri="{FF2B5EF4-FFF2-40B4-BE49-F238E27FC236}">
-                <a16:creationId xmlns="" xmlns:a16="http://schemas.microsoft.com/office/drawing/2014/main" id="{426FA736-3DD3-4D4E-B57B-BBE1D8F7D424}"/>
+                <a16:creationId xmlns:a16="http://schemas.microsoft.com/office/drawing/2014/main" xmlns="" id="{426FA736-3DD3-4D4E-B57B-BBE1D8F7D424}"/>
               </a:ext>
             </a:extLst>
           </p:cNvPr>
@@ -2581,7 +2573,7 @@
           <p:cNvPr id="4" name="Espaço Reservado para Data 3">
             <a:extLst>
               <a:ext uri="{FF2B5EF4-FFF2-40B4-BE49-F238E27FC236}">
-                <a16:creationId xmlns="" xmlns:a16="http://schemas.microsoft.com/office/drawing/2014/main" id="{99E8855C-D8FD-48F6-B14E-861E0DE4D915}"/>
+                <a16:creationId xmlns:a16="http://schemas.microsoft.com/office/drawing/2014/main" xmlns="" id="{99E8855C-D8FD-48F6-B14E-861E0DE4D915}"/>
               </a:ext>
             </a:extLst>
           </p:cNvPr>
@@ -2599,7 +2591,7 @@
           <a:p>
             <a:fld id="{63289F7E-B80B-496E-81B4-D396C37C9454}" type="datetimeFigureOut">
               <a:rPr lang="pt-BR" smtClean="0"/>
-              <a:t>29/07/2022</a:t>
+              <a:t>06/08/2022</a:t>
             </a:fld>
             <a:endParaRPr lang="pt-BR"/>
           </a:p>
@@ -2610,7 +2602,7 @@
           <p:cNvPr id="5" name="Espaço Reservado para Rodapé 4">
             <a:extLst>
               <a:ext uri="{FF2B5EF4-FFF2-40B4-BE49-F238E27FC236}">
-                <a16:creationId xmlns="" xmlns:a16="http://schemas.microsoft.com/office/drawing/2014/main" id="{97C0BB88-2F21-42A5-ACFF-83DA47F2D340}"/>
+                <a16:creationId xmlns:a16="http://schemas.microsoft.com/office/drawing/2014/main" xmlns="" id="{97C0BB88-2F21-42A5-ACFF-83DA47F2D340}"/>
               </a:ext>
             </a:extLst>
           </p:cNvPr>
@@ -2635,7 +2627,7 @@
           <p:cNvPr id="6" name="Espaço Reservado para Número de Slide 5">
             <a:extLst>
               <a:ext uri="{FF2B5EF4-FFF2-40B4-BE49-F238E27FC236}">
-                <a16:creationId xmlns="" xmlns:a16="http://schemas.microsoft.com/office/drawing/2014/main" id="{6CB462B3-1F22-4C05-B4B8-7A279FB7D5E9}"/>
+                <a16:creationId xmlns:a16="http://schemas.microsoft.com/office/drawing/2014/main" xmlns="" id="{6CB462B3-1F22-4C05-B4B8-7A279FB7D5E9}"/>
               </a:ext>
             </a:extLst>
           </p:cNvPr>
@@ -2694,7 +2686,7 @@
           <p:cNvPr id="2" name="Título Vertical 1">
             <a:extLst>
               <a:ext uri="{FF2B5EF4-FFF2-40B4-BE49-F238E27FC236}">
-                <a16:creationId xmlns="" xmlns:a16="http://schemas.microsoft.com/office/drawing/2014/main" id="{EAEAB728-701C-4207-A9D5-23FF45C60502}"/>
+                <a16:creationId xmlns:a16="http://schemas.microsoft.com/office/drawing/2014/main" xmlns="" id="{EAEAB728-701C-4207-A9D5-23FF45C60502}"/>
               </a:ext>
             </a:extLst>
           </p:cNvPr>
@@ -2727,7 +2719,7 @@
           <p:cNvPr id="3" name="Espaço Reservado para Texto Vertical 2">
             <a:extLst>
               <a:ext uri="{FF2B5EF4-FFF2-40B4-BE49-F238E27FC236}">
-                <a16:creationId xmlns="" xmlns:a16="http://schemas.microsoft.com/office/drawing/2014/main" id="{BA8C8CCF-7823-480A-9A19-0F664DD17E3B}"/>
+                <a16:creationId xmlns:a16="http://schemas.microsoft.com/office/drawing/2014/main" xmlns="" id="{BA8C8CCF-7823-480A-9A19-0F664DD17E3B}"/>
               </a:ext>
             </a:extLst>
           </p:cNvPr>
@@ -2789,7 +2781,7 @@
           <p:cNvPr id="4" name="Espaço Reservado para Data 3">
             <a:extLst>
               <a:ext uri="{FF2B5EF4-FFF2-40B4-BE49-F238E27FC236}">
-                <a16:creationId xmlns="" xmlns:a16="http://schemas.microsoft.com/office/drawing/2014/main" id="{721D5734-7B1F-425D-942F-6EB73344027C}"/>
+                <a16:creationId xmlns:a16="http://schemas.microsoft.com/office/drawing/2014/main" xmlns="" id="{721D5734-7B1F-425D-942F-6EB73344027C}"/>
               </a:ext>
             </a:extLst>
           </p:cNvPr>
@@ -2807,7 +2799,7 @@
           <a:p>
             <a:fld id="{63289F7E-B80B-496E-81B4-D396C37C9454}" type="datetimeFigureOut">
               <a:rPr lang="pt-BR" smtClean="0"/>
-              <a:t>29/07/2022</a:t>
+              <a:t>06/08/2022</a:t>
             </a:fld>
             <a:endParaRPr lang="pt-BR"/>
           </a:p>
@@ -2818,7 +2810,7 @@
           <p:cNvPr id="5" name="Espaço Reservado para Rodapé 4">
             <a:extLst>
               <a:ext uri="{FF2B5EF4-FFF2-40B4-BE49-F238E27FC236}">
-                <a16:creationId xmlns="" xmlns:a16="http://schemas.microsoft.com/office/drawing/2014/main" id="{1E1AAEAC-F08D-45FE-89EC-B1B349A868C9}"/>
+                <a16:creationId xmlns:a16="http://schemas.microsoft.com/office/drawing/2014/main" xmlns="" id="{1E1AAEAC-F08D-45FE-89EC-B1B349A868C9}"/>
               </a:ext>
             </a:extLst>
           </p:cNvPr>
@@ -2843,7 +2835,7 @@
           <p:cNvPr id="6" name="Espaço Reservado para Número de Slide 5">
             <a:extLst>
               <a:ext uri="{FF2B5EF4-FFF2-40B4-BE49-F238E27FC236}">
-                <a16:creationId xmlns="" xmlns:a16="http://schemas.microsoft.com/office/drawing/2014/main" id="{BAA44493-9911-47B2-87A6-C2141A972BC8}"/>
+                <a16:creationId xmlns:a16="http://schemas.microsoft.com/office/drawing/2014/main" xmlns="" id="{BAA44493-9911-47B2-87A6-C2141A972BC8}"/>
               </a:ext>
             </a:extLst>
           </p:cNvPr>
@@ -2902,7 +2894,7 @@
           <p:cNvPr id="2" name="Título 1">
             <a:extLst>
               <a:ext uri="{FF2B5EF4-FFF2-40B4-BE49-F238E27FC236}">
-                <a16:creationId xmlns="" xmlns:a16="http://schemas.microsoft.com/office/drawing/2014/main" id="{71BD44A5-8F21-4626-A01D-48A1C874B1D5}"/>
+                <a16:creationId xmlns:a16="http://schemas.microsoft.com/office/drawing/2014/main" xmlns="" id="{71BD44A5-8F21-4626-A01D-48A1C874B1D5}"/>
               </a:ext>
             </a:extLst>
           </p:cNvPr>
@@ -2930,7 +2922,7 @@
           <p:cNvPr id="3" name="Espaço Reservado para Conteúdo 2">
             <a:extLst>
               <a:ext uri="{FF2B5EF4-FFF2-40B4-BE49-F238E27FC236}">
-                <a16:creationId xmlns="" xmlns:a16="http://schemas.microsoft.com/office/drawing/2014/main" id="{B79E8085-65A9-48AA-951D-71D978BFF4ED}"/>
+                <a16:creationId xmlns:a16="http://schemas.microsoft.com/office/drawing/2014/main" xmlns="" id="{B79E8085-65A9-48AA-951D-71D978BFF4ED}"/>
               </a:ext>
             </a:extLst>
           </p:cNvPr>
@@ -2987,7 +2979,7 @@
           <p:cNvPr id="4" name="Espaço Reservado para Data 3">
             <a:extLst>
               <a:ext uri="{FF2B5EF4-FFF2-40B4-BE49-F238E27FC236}">
-                <a16:creationId xmlns="" xmlns:a16="http://schemas.microsoft.com/office/drawing/2014/main" id="{F05BE1AF-51EA-425D-B188-DE7BD675009F}"/>
+                <a16:creationId xmlns:a16="http://schemas.microsoft.com/office/drawing/2014/main" xmlns="" id="{F05BE1AF-51EA-425D-B188-DE7BD675009F}"/>
               </a:ext>
             </a:extLst>
           </p:cNvPr>
@@ -3005,7 +2997,7 @@
           <a:p>
             <a:fld id="{63289F7E-B80B-496E-81B4-D396C37C9454}" type="datetimeFigureOut">
               <a:rPr lang="pt-BR" smtClean="0"/>
-              <a:t>29/07/2022</a:t>
+              <a:t>06/08/2022</a:t>
             </a:fld>
             <a:endParaRPr lang="pt-BR"/>
           </a:p>
@@ -3016,7 +3008,7 @@
           <p:cNvPr id="5" name="Espaço Reservado para Rodapé 4">
             <a:extLst>
               <a:ext uri="{FF2B5EF4-FFF2-40B4-BE49-F238E27FC236}">
-                <a16:creationId xmlns="" xmlns:a16="http://schemas.microsoft.com/office/drawing/2014/main" id="{121BE632-29CF-4CB9-B365-C9EF38F89BE6}"/>
+                <a16:creationId xmlns:a16="http://schemas.microsoft.com/office/drawing/2014/main" xmlns="" id="{121BE632-29CF-4CB9-B365-C9EF38F89BE6}"/>
               </a:ext>
             </a:extLst>
           </p:cNvPr>
@@ -3041,7 +3033,7 @@
           <p:cNvPr id="6" name="Espaço Reservado para Número de Slide 5">
             <a:extLst>
               <a:ext uri="{FF2B5EF4-FFF2-40B4-BE49-F238E27FC236}">
-                <a16:creationId xmlns="" xmlns:a16="http://schemas.microsoft.com/office/drawing/2014/main" id="{60CF3DD1-9AEC-4A57-B461-4E4DD86FAC18}"/>
+                <a16:creationId xmlns:a16="http://schemas.microsoft.com/office/drawing/2014/main" xmlns="" id="{60CF3DD1-9AEC-4A57-B461-4E4DD86FAC18}"/>
               </a:ext>
             </a:extLst>
           </p:cNvPr>
@@ -3100,7 +3092,7 @@
           <p:cNvPr id="2" name="Título 1">
             <a:extLst>
               <a:ext uri="{FF2B5EF4-FFF2-40B4-BE49-F238E27FC236}">
-                <a16:creationId xmlns="" xmlns:a16="http://schemas.microsoft.com/office/drawing/2014/main" id="{34AB2FF0-A4D7-4E28-991D-FF26140D5988}"/>
+                <a16:creationId xmlns:a16="http://schemas.microsoft.com/office/drawing/2014/main" xmlns="" id="{34AB2FF0-A4D7-4E28-991D-FF26140D5988}"/>
               </a:ext>
             </a:extLst>
           </p:cNvPr>
@@ -3137,7 +3129,7 @@
           <p:cNvPr id="3" name="Espaço Reservado para Texto 2">
             <a:extLst>
               <a:ext uri="{FF2B5EF4-FFF2-40B4-BE49-F238E27FC236}">
-                <a16:creationId xmlns="" xmlns:a16="http://schemas.microsoft.com/office/drawing/2014/main" id="{E2AC45B0-4145-40DB-8E61-105461170604}"/>
+                <a16:creationId xmlns:a16="http://schemas.microsoft.com/office/drawing/2014/main" xmlns="" id="{E2AC45B0-4145-40DB-8E61-105461170604}"/>
               </a:ext>
             </a:extLst>
           </p:cNvPr>
@@ -3262,7 +3254,7 @@
           <p:cNvPr id="4" name="Espaço Reservado para Data 3">
             <a:extLst>
               <a:ext uri="{FF2B5EF4-FFF2-40B4-BE49-F238E27FC236}">
-                <a16:creationId xmlns="" xmlns:a16="http://schemas.microsoft.com/office/drawing/2014/main" id="{50F1D3FB-740A-4EBA-A309-2CE71D12ECFB}"/>
+                <a16:creationId xmlns:a16="http://schemas.microsoft.com/office/drawing/2014/main" xmlns="" id="{50F1D3FB-740A-4EBA-A309-2CE71D12ECFB}"/>
               </a:ext>
             </a:extLst>
           </p:cNvPr>
@@ -3280,7 +3272,7 @@
           <a:p>
             <a:fld id="{63289F7E-B80B-496E-81B4-D396C37C9454}" type="datetimeFigureOut">
               <a:rPr lang="pt-BR" smtClean="0"/>
-              <a:t>29/07/2022</a:t>
+              <a:t>06/08/2022</a:t>
             </a:fld>
             <a:endParaRPr lang="pt-BR"/>
           </a:p>
@@ -3291,7 +3283,7 @@
           <p:cNvPr id="5" name="Espaço Reservado para Rodapé 4">
             <a:extLst>
               <a:ext uri="{FF2B5EF4-FFF2-40B4-BE49-F238E27FC236}">
-                <a16:creationId xmlns="" xmlns:a16="http://schemas.microsoft.com/office/drawing/2014/main" id="{BDCAB18F-8715-4465-A940-F9C193A2ACE9}"/>
+                <a16:creationId xmlns:a16="http://schemas.microsoft.com/office/drawing/2014/main" xmlns="" id="{BDCAB18F-8715-4465-A940-F9C193A2ACE9}"/>
               </a:ext>
             </a:extLst>
           </p:cNvPr>
@@ -3316,7 +3308,7 @@
           <p:cNvPr id="6" name="Espaço Reservado para Número de Slide 5">
             <a:extLst>
               <a:ext uri="{FF2B5EF4-FFF2-40B4-BE49-F238E27FC236}">
-                <a16:creationId xmlns="" xmlns:a16="http://schemas.microsoft.com/office/drawing/2014/main" id="{353466C6-8248-429F-8056-FF040BF509EB}"/>
+                <a16:creationId xmlns:a16="http://schemas.microsoft.com/office/drawing/2014/main" xmlns="" id="{353466C6-8248-429F-8056-FF040BF509EB}"/>
               </a:ext>
             </a:extLst>
           </p:cNvPr>
@@ -3375,7 +3367,7 @@
           <p:cNvPr id="2" name="Título 1">
             <a:extLst>
               <a:ext uri="{FF2B5EF4-FFF2-40B4-BE49-F238E27FC236}">
-                <a16:creationId xmlns="" xmlns:a16="http://schemas.microsoft.com/office/drawing/2014/main" id="{BC7BB9F0-F14B-4A91-B2B7-35BC47FE4DE7}"/>
+                <a16:creationId xmlns:a16="http://schemas.microsoft.com/office/drawing/2014/main" xmlns="" id="{BC7BB9F0-F14B-4A91-B2B7-35BC47FE4DE7}"/>
               </a:ext>
             </a:extLst>
           </p:cNvPr>
@@ -3403,7 +3395,7 @@
           <p:cNvPr id="3" name="Espaço Reservado para Conteúdo 2">
             <a:extLst>
               <a:ext uri="{FF2B5EF4-FFF2-40B4-BE49-F238E27FC236}">
-                <a16:creationId xmlns="" xmlns:a16="http://schemas.microsoft.com/office/drawing/2014/main" id="{EC1FC1C4-73DA-47A6-8496-B0B457F7D39A}"/>
+                <a16:creationId xmlns:a16="http://schemas.microsoft.com/office/drawing/2014/main" xmlns="" id="{EC1FC1C4-73DA-47A6-8496-B0B457F7D39A}"/>
               </a:ext>
             </a:extLst>
           </p:cNvPr>
@@ -3465,7 +3457,7 @@
           <p:cNvPr id="4" name="Espaço Reservado para Conteúdo 3">
             <a:extLst>
               <a:ext uri="{FF2B5EF4-FFF2-40B4-BE49-F238E27FC236}">
-                <a16:creationId xmlns="" xmlns:a16="http://schemas.microsoft.com/office/drawing/2014/main" id="{E92F06A8-A449-4D92-9912-76873E529B38}"/>
+                <a16:creationId xmlns:a16="http://schemas.microsoft.com/office/drawing/2014/main" xmlns="" id="{E92F06A8-A449-4D92-9912-76873E529B38}"/>
               </a:ext>
             </a:extLst>
           </p:cNvPr>
@@ -3527,7 +3519,7 @@
           <p:cNvPr id="5" name="Espaço Reservado para Data 4">
             <a:extLst>
               <a:ext uri="{FF2B5EF4-FFF2-40B4-BE49-F238E27FC236}">
-                <a16:creationId xmlns="" xmlns:a16="http://schemas.microsoft.com/office/drawing/2014/main" id="{938070A4-BC2F-4D55-BD8D-DEAF11BB9EE9}"/>
+                <a16:creationId xmlns:a16="http://schemas.microsoft.com/office/drawing/2014/main" xmlns="" id="{938070A4-BC2F-4D55-BD8D-DEAF11BB9EE9}"/>
               </a:ext>
             </a:extLst>
           </p:cNvPr>
@@ -3545,7 +3537,7 @@
           <a:p>
             <a:fld id="{63289F7E-B80B-496E-81B4-D396C37C9454}" type="datetimeFigureOut">
               <a:rPr lang="pt-BR" smtClean="0"/>
-              <a:t>29/07/2022</a:t>
+              <a:t>06/08/2022</a:t>
             </a:fld>
             <a:endParaRPr lang="pt-BR"/>
           </a:p>
@@ -3556,7 +3548,7 @@
           <p:cNvPr id="6" name="Espaço Reservado para Rodapé 5">
             <a:extLst>
               <a:ext uri="{FF2B5EF4-FFF2-40B4-BE49-F238E27FC236}">
-                <a16:creationId xmlns="" xmlns:a16="http://schemas.microsoft.com/office/drawing/2014/main" id="{45CC2DB8-844A-465F-BA9A-7734C80C7F43}"/>
+                <a16:creationId xmlns:a16="http://schemas.microsoft.com/office/drawing/2014/main" xmlns="" id="{45CC2DB8-844A-465F-BA9A-7734C80C7F43}"/>
               </a:ext>
             </a:extLst>
           </p:cNvPr>
@@ -3581,7 +3573,7 @@
           <p:cNvPr id="7" name="Espaço Reservado para Número de Slide 6">
             <a:extLst>
               <a:ext uri="{FF2B5EF4-FFF2-40B4-BE49-F238E27FC236}">
-                <a16:creationId xmlns="" xmlns:a16="http://schemas.microsoft.com/office/drawing/2014/main" id="{4CC606A8-097B-4040-94E0-CD8C88280D8F}"/>
+                <a16:creationId xmlns:a16="http://schemas.microsoft.com/office/drawing/2014/main" xmlns="" id="{4CC606A8-097B-4040-94E0-CD8C88280D8F}"/>
               </a:ext>
             </a:extLst>
           </p:cNvPr>
@@ -3640,7 +3632,7 @@
           <p:cNvPr id="2" name="Título 1">
             <a:extLst>
               <a:ext uri="{FF2B5EF4-FFF2-40B4-BE49-F238E27FC236}">
-                <a16:creationId xmlns="" xmlns:a16="http://schemas.microsoft.com/office/drawing/2014/main" id="{76D66686-0143-4CB6-8C09-BA326F1E7ACA}"/>
+                <a16:creationId xmlns:a16="http://schemas.microsoft.com/office/drawing/2014/main" xmlns="" id="{76D66686-0143-4CB6-8C09-BA326F1E7ACA}"/>
               </a:ext>
             </a:extLst>
           </p:cNvPr>
@@ -3673,7 +3665,7 @@
           <p:cNvPr id="3" name="Espaço Reservado para Texto 2">
             <a:extLst>
               <a:ext uri="{FF2B5EF4-FFF2-40B4-BE49-F238E27FC236}">
-                <a16:creationId xmlns="" xmlns:a16="http://schemas.microsoft.com/office/drawing/2014/main" id="{0227AB85-F59E-4BCE-B846-4FA0992C2F23}"/>
+                <a16:creationId xmlns:a16="http://schemas.microsoft.com/office/drawing/2014/main" xmlns="" id="{0227AB85-F59E-4BCE-B846-4FA0992C2F23}"/>
               </a:ext>
             </a:extLst>
           </p:cNvPr>
@@ -3744,7 +3736,7 @@
           <p:cNvPr id="4" name="Espaço Reservado para Conteúdo 3">
             <a:extLst>
               <a:ext uri="{FF2B5EF4-FFF2-40B4-BE49-F238E27FC236}">
-                <a16:creationId xmlns="" xmlns:a16="http://schemas.microsoft.com/office/drawing/2014/main" id="{3373456C-7319-4D0A-827D-D29F6B083F5D}"/>
+                <a16:creationId xmlns:a16="http://schemas.microsoft.com/office/drawing/2014/main" xmlns="" id="{3373456C-7319-4D0A-827D-D29F6B083F5D}"/>
               </a:ext>
             </a:extLst>
           </p:cNvPr>
@@ -3806,7 +3798,7 @@
           <p:cNvPr id="5" name="Espaço Reservado para Texto 4">
             <a:extLst>
               <a:ext uri="{FF2B5EF4-FFF2-40B4-BE49-F238E27FC236}">
-                <a16:creationId xmlns="" xmlns:a16="http://schemas.microsoft.com/office/drawing/2014/main" id="{4CD109D0-2E83-4262-8029-A871CEC47406}"/>
+                <a16:creationId xmlns:a16="http://schemas.microsoft.com/office/drawing/2014/main" xmlns="" id="{4CD109D0-2E83-4262-8029-A871CEC47406}"/>
               </a:ext>
             </a:extLst>
           </p:cNvPr>
@@ -3877,7 +3869,7 @@
           <p:cNvPr id="6" name="Espaço Reservado para Conteúdo 5">
             <a:extLst>
               <a:ext uri="{FF2B5EF4-FFF2-40B4-BE49-F238E27FC236}">
-                <a16:creationId xmlns="" xmlns:a16="http://schemas.microsoft.com/office/drawing/2014/main" id="{AD706E3A-CFBB-4A6C-A65F-D0360A9E74FE}"/>
+                <a16:creationId xmlns:a16="http://schemas.microsoft.com/office/drawing/2014/main" xmlns="" id="{AD706E3A-CFBB-4A6C-A65F-D0360A9E74FE}"/>
               </a:ext>
             </a:extLst>
           </p:cNvPr>
@@ -3939,7 +3931,7 @@
           <p:cNvPr id="7" name="Espaço Reservado para Data 6">
             <a:extLst>
               <a:ext uri="{FF2B5EF4-FFF2-40B4-BE49-F238E27FC236}">
-                <a16:creationId xmlns="" xmlns:a16="http://schemas.microsoft.com/office/drawing/2014/main" id="{4172C0E5-5AF0-4805-BB51-443733CD2BD5}"/>
+                <a16:creationId xmlns:a16="http://schemas.microsoft.com/office/drawing/2014/main" xmlns="" id="{4172C0E5-5AF0-4805-BB51-443733CD2BD5}"/>
               </a:ext>
             </a:extLst>
           </p:cNvPr>
@@ -3957,7 +3949,7 @@
           <a:p>
             <a:fld id="{63289F7E-B80B-496E-81B4-D396C37C9454}" type="datetimeFigureOut">
               <a:rPr lang="pt-BR" smtClean="0"/>
-              <a:t>29/07/2022</a:t>
+              <a:t>06/08/2022</a:t>
             </a:fld>
             <a:endParaRPr lang="pt-BR"/>
           </a:p>
@@ -3968,7 +3960,7 @@
           <p:cNvPr id="8" name="Espaço Reservado para Rodapé 7">
             <a:extLst>
               <a:ext uri="{FF2B5EF4-FFF2-40B4-BE49-F238E27FC236}">
-                <a16:creationId xmlns="" xmlns:a16="http://schemas.microsoft.com/office/drawing/2014/main" id="{0E801648-156F-497E-99CF-797DF48051E1}"/>
+                <a16:creationId xmlns:a16="http://schemas.microsoft.com/office/drawing/2014/main" xmlns="" id="{0E801648-156F-497E-99CF-797DF48051E1}"/>
               </a:ext>
             </a:extLst>
           </p:cNvPr>
@@ -3993,7 +3985,7 @@
           <p:cNvPr id="9" name="Espaço Reservado para Número de Slide 8">
             <a:extLst>
               <a:ext uri="{FF2B5EF4-FFF2-40B4-BE49-F238E27FC236}">
-                <a16:creationId xmlns="" xmlns:a16="http://schemas.microsoft.com/office/drawing/2014/main" id="{EEE23D32-80E7-4796-A137-66BF842E4B53}"/>
+                <a16:creationId xmlns:a16="http://schemas.microsoft.com/office/drawing/2014/main" xmlns="" id="{EEE23D32-80E7-4796-A137-66BF842E4B53}"/>
               </a:ext>
             </a:extLst>
           </p:cNvPr>
@@ -4052,7 +4044,7 @@
           <p:cNvPr id="2" name="Título 1">
             <a:extLst>
               <a:ext uri="{FF2B5EF4-FFF2-40B4-BE49-F238E27FC236}">
-                <a16:creationId xmlns="" xmlns:a16="http://schemas.microsoft.com/office/drawing/2014/main" id="{2BCE2379-C78F-47E1-8CFC-B846E7AF148D}"/>
+                <a16:creationId xmlns:a16="http://schemas.microsoft.com/office/drawing/2014/main" xmlns="" id="{2BCE2379-C78F-47E1-8CFC-B846E7AF148D}"/>
               </a:ext>
             </a:extLst>
           </p:cNvPr>
@@ -4080,7 +4072,7 @@
           <p:cNvPr id="3" name="Espaço Reservado para Data 2">
             <a:extLst>
               <a:ext uri="{FF2B5EF4-FFF2-40B4-BE49-F238E27FC236}">
-                <a16:creationId xmlns="" xmlns:a16="http://schemas.microsoft.com/office/drawing/2014/main" id="{342600A9-7F92-4E22-9D94-E4717252A817}"/>
+                <a16:creationId xmlns:a16="http://schemas.microsoft.com/office/drawing/2014/main" xmlns="" id="{342600A9-7F92-4E22-9D94-E4717252A817}"/>
               </a:ext>
             </a:extLst>
           </p:cNvPr>
@@ -4098,7 +4090,7 @@
           <a:p>
             <a:fld id="{63289F7E-B80B-496E-81B4-D396C37C9454}" type="datetimeFigureOut">
               <a:rPr lang="pt-BR" smtClean="0"/>
-              <a:t>29/07/2022</a:t>
+              <a:t>06/08/2022</a:t>
             </a:fld>
             <a:endParaRPr lang="pt-BR"/>
           </a:p>
@@ -4109,7 +4101,7 @@
           <p:cNvPr id="4" name="Espaço Reservado para Rodapé 3">
             <a:extLst>
               <a:ext uri="{FF2B5EF4-FFF2-40B4-BE49-F238E27FC236}">
-                <a16:creationId xmlns="" xmlns:a16="http://schemas.microsoft.com/office/drawing/2014/main" id="{192E6BED-F546-40CC-A2DF-99CBA853654E}"/>
+                <a16:creationId xmlns:a16="http://schemas.microsoft.com/office/drawing/2014/main" xmlns="" id="{192E6BED-F546-40CC-A2DF-99CBA853654E}"/>
               </a:ext>
             </a:extLst>
           </p:cNvPr>
@@ -4134,7 +4126,7 @@
           <p:cNvPr id="5" name="Espaço Reservado para Número de Slide 4">
             <a:extLst>
               <a:ext uri="{FF2B5EF4-FFF2-40B4-BE49-F238E27FC236}">
-                <a16:creationId xmlns="" xmlns:a16="http://schemas.microsoft.com/office/drawing/2014/main" id="{6091CC40-A8C4-4063-80EB-CC5099621678}"/>
+                <a16:creationId xmlns:a16="http://schemas.microsoft.com/office/drawing/2014/main" xmlns="" id="{6091CC40-A8C4-4063-80EB-CC5099621678}"/>
               </a:ext>
             </a:extLst>
           </p:cNvPr>
@@ -4193,7 +4185,7 @@
           <p:cNvPr id="2" name="Espaço Reservado para Data 1">
             <a:extLst>
               <a:ext uri="{FF2B5EF4-FFF2-40B4-BE49-F238E27FC236}">
-                <a16:creationId xmlns="" xmlns:a16="http://schemas.microsoft.com/office/drawing/2014/main" id="{DD19515C-212C-4EAE-84A3-8FF4BC844F1B}"/>
+                <a16:creationId xmlns:a16="http://schemas.microsoft.com/office/drawing/2014/main" xmlns="" id="{DD19515C-212C-4EAE-84A3-8FF4BC844F1B}"/>
               </a:ext>
             </a:extLst>
           </p:cNvPr>
@@ -4211,7 +4203,7 @@
           <a:p>
             <a:fld id="{63289F7E-B80B-496E-81B4-D396C37C9454}" type="datetimeFigureOut">
               <a:rPr lang="pt-BR" smtClean="0"/>
-              <a:t>29/07/2022</a:t>
+              <a:t>06/08/2022</a:t>
             </a:fld>
             <a:endParaRPr lang="pt-BR"/>
           </a:p>
@@ -4222,7 +4214,7 @@
           <p:cNvPr id="3" name="Espaço Reservado para Rodapé 2">
             <a:extLst>
               <a:ext uri="{FF2B5EF4-FFF2-40B4-BE49-F238E27FC236}">
-                <a16:creationId xmlns="" xmlns:a16="http://schemas.microsoft.com/office/drawing/2014/main" id="{94D3D120-B3E8-4C96-861D-7A4F12F49B3A}"/>
+                <a16:creationId xmlns:a16="http://schemas.microsoft.com/office/drawing/2014/main" xmlns="" id="{94D3D120-B3E8-4C96-861D-7A4F12F49B3A}"/>
               </a:ext>
             </a:extLst>
           </p:cNvPr>
@@ -4247,7 +4239,7 @@
           <p:cNvPr id="4" name="Espaço Reservado para Número de Slide 3">
             <a:extLst>
               <a:ext uri="{FF2B5EF4-FFF2-40B4-BE49-F238E27FC236}">
-                <a16:creationId xmlns="" xmlns:a16="http://schemas.microsoft.com/office/drawing/2014/main" id="{42E49B68-FA1B-468B-9F17-D5C09243D454}"/>
+                <a16:creationId xmlns:a16="http://schemas.microsoft.com/office/drawing/2014/main" xmlns="" id="{42E49B68-FA1B-468B-9F17-D5C09243D454}"/>
               </a:ext>
             </a:extLst>
           </p:cNvPr>
@@ -4306,7 +4298,7 @@
           <p:cNvPr id="2" name="Título 1">
             <a:extLst>
               <a:ext uri="{FF2B5EF4-FFF2-40B4-BE49-F238E27FC236}">
-                <a16:creationId xmlns="" xmlns:a16="http://schemas.microsoft.com/office/drawing/2014/main" id="{1C17BCBE-A897-4319-85EC-D87909C24980}"/>
+                <a16:creationId xmlns:a16="http://schemas.microsoft.com/office/drawing/2014/main" xmlns="" id="{1C17BCBE-A897-4319-85EC-D87909C24980}"/>
               </a:ext>
             </a:extLst>
           </p:cNvPr>
@@ -4343,7 +4335,7 @@
           <p:cNvPr id="3" name="Espaço Reservado para Conteúdo 2">
             <a:extLst>
               <a:ext uri="{FF2B5EF4-FFF2-40B4-BE49-F238E27FC236}">
-                <a16:creationId xmlns="" xmlns:a16="http://schemas.microsoft.com/office/drawing/2014/main" id="{4226F885-0204-4913-868B-4B8B82576F17}"/>
+                <a16:creationId xmlns:a16="http://schemas.microsoft.com/office/drawing/2014/main" xmlns="" id="{4226F885-0204-4913-868B-4B8B82576F17}"/>
               </a:ext>
             </a:extLst>
           </p:cNvPr>
@@ -4433,7 +4425,7 @@
           <p:cNvPr id="4" name="Espaço Reservado para Texto 3">
             <a:extLst>
               <a:ext uri="{FF2B5EF4-FFF2-40B4-BE49-F238E27FC236}">
-                <a16:creationId xmlns="" xmlns:a16="http://schemas.microsoft.com/office/drawing/2014/main" id="{00F9F784-A858-441B-8AB5-697098141751}"/>
+                <a16:creationId xmlns:a16="http://schemas.microsoft.com/office/drawing/2014/main" xmlns="" id="{00F9F784-A858-441B-8AB5-697098141751}"/>
               </a:ext>
             </a:extLst>
           </p:cNvPr>
@@ -4504,7 +4496,7 @@
           <p:cNvPr id="5" name="Espaço Reservado para Data 4">
             <a:extLst>
               <a:ext uri="{FF2B5EF4-FFF2-40B4-BE49-F238E27FC236}">
-                <a16:creationId xmlns="" xmlns:a16="http://schemas.microsoft.com/office/drawing/2014/main" id="{A4DC363A-5000-472E-8B17-02E7DCB8840A}"/>
+                <a16:creationId xmlns:a16="http://schemas.microsoft.com/office/drawing/2014/main" xmlns="" id="{A4DC363A-5000-472E-8B17-02E7DCB8840A}"/>
               </a:ext>
             </a:extLst>
           </p:cNvPr>
@@ -4522,7 +4514,7 @@
           <a:p>
             <a:fld id="{63289F7E-B80B-496E-81B4-D396C37C9454}" type="datetimeFigureOut">
               <a:rPr lang="pt-BR" smtClean="0"/>
-              <a:t>29/07/2022</a:t>
+              <a:t>06/08/2022</a:t>
             </a:fld>
             <a:endParaRPr lang="pt-BR"/>
           </a:p>
@@ -4533,7 +4525,7 @@
           <p:cNvPr id="6" name="Espaço Reservado para Rodapé 5">
             <a:extLst>
               <a:ext uri="{FF2B5EF4-FFF2-40B4-BE49-F238E27FC236}">
-                <a16:creationId xmlns="" xmlns:a16="http://schemas.microsoft.com/office/drawing/2014/main" id="{5548425D-2C21-4C56-BAD4-662978775C28}"/>
+                <a16:creationId xmlns:a16="http://schemas.microsoft.com/office/drawing/2014/main" xmlns="" id="{5548425D-2C21-4C56-BAD4-662978775C28}"/>
               </a:ext>
             </a:extLst>
           </p:cNvPr>
@@ -4558,7 +4550,7 @@
           <p:cNvPr id="7" name="Espaço Reservado para Número de Slide 6">
             <a:extLst>
               <a:ext uri="{FF2B5EF4-FFF2-40B4-BE49-F238E27FC236}">
-                <a16:creationId xmlns="" xmlns:a16="http://schemas.microsoft.com/office/drawing/2014/main" id="{C63E9726-E64C-42B2-AE8A-8C235A956B48}"/>
+                <a16:creationId xmlns:a16="http://schemas.microsoft.com/office/drawing/2014/main" xmlns="" id="{C63E9726-E64C-42B2-AE8A-8C235A956B48}"/>
               </a:ext>
             </a:extLst>
           </p:cNvPr>
@@ -4617,7 +4609,7 @@
           <p:cNvPr id="2" name="Título 1">
             <a:extLst>
               <a:ext uri="{FF2B5EF4-FFF2-40B4-BE49-F238E27FC236}">
-                <a16:creationId xmlns="" xmlns:a16="http://schemas.microsoft.com/office/drawing/2014/main" id="{11086A78-3E74-450C-96A6-CA8AC37AF772}"/>
+                <a16:creationId xmlns:a16="http://schemas.microsoft.com/office/drawing/2014/main" xmlns="" id="{11086A78-3E74-450C-96A6-CA8AC37AF772}"/>
               </a:ext>
             </a:extLst>
           </p:cNvPr>
@@ -4654,7 +4646,7 @@
           <p:cNvPr id="3" name="Espaço Reservado para Imagem 2">
             <a:extLst>
               <a:ext uri="{FF2B5EF4-FFF2-40B4-BE49-F238E27FC236}">
-                <a16:creationId xmlns="" xmlns:a16="http://schemas.microsoft.com/office/drawing/2014/main" id="{5F5B7312-975A-4DBC-9B2F-3652ADA006FD}"/>
+                <a16:creationId xmlns:a16="http://schemas.microsoft.com/office/drawing/2014/main" xmlns="" id="{5F5B7312-975A-4DBC-9B2F-3652ADA006FD}"/>
               </a:ext>
             </a:extLst>
           </p:cNvPr>
@@ -4721,7 +4713,7 @@
           <p:cNvPr id="4" name="Espaço Reservado para Texto 3">
             <a:extLst>
               <a:ext uri="{FF2B5EF4-FFF2-40B4-BE49-F238E27FC236}">
-                <a16:creationId xmlns="" xmlns:a16="http://schemas.microsoft.com/office/drawing/2014/main" id="{AAF805F5-1DFF-41C6-944C-7D79FE0D0963}"/>
+                <a16:creationId xmlns:a16="http://schemas.microsoft.com/office/drawing/2014/main" xmlns="" id="{AAF805F5-1DFF-41C6-944C-7D79FE0D0963}"/>
               </a:ext>
             </a:extLst>
           </p:cNvPr>
@@ -4792,7 +4784,7 @@
           <p:cNvPr id="5" name="Espaço Reservado para Data 4">
             <a:extLst>
               <a:ext uri="{FF2B5EF4-FFF2-40B4-BE49-F238E27FC236}">
-                <a16:creationId xmlns="" xmlns:a16="http://schemas.microsoft.com/office/drawing/2014/main" id="{02113D81-8665-4516-BD81-C6A1F254EECD}"/>
+                <a16:creationId xmlns:a16="http://schemas.microsoft.com/office/drawing/2014/main" xmlns="" id="{02113D81-8665-4516-BD81-C6A1F254EECD}"/>
               </a:ext>
             </a:extLst>
           </p:cNvPr>
@@ -4810,7 +4802,7 @@
           <a:p>
             <a:fld id="{63289F7E-B80B-496E-81B4-D396C37C9454}" type="datetimeFigureOut">
               <a:rPr lang="pt-BR" smtClean="0"/>
-              <a:t>29/07/2022</a:t>
+              <a:t>06/08/2022</a:t>
             </a:fld>
             <a:endParaRPr lang="pt-BR"/>
           </a:p>
@@ -4821,7 +4813,7 @@
           <p:cNvPr id="6" name="Espaço Reservado para Rodapé 5">
             <a:extLst>
               <a:ext uri="{FF2B5EF4-FFF2-40B4-BE49-F238E27FC236}">
-                <a16:creationId xmlns="" xmlns:a16="http://schemas.microsoft.com/office/drawing/2014/main" id="{2B00C88B-FF32-40AA-A187-727D96FD7862}"/>
+                <a16:creationId xmlns:a16="http://schemas.microsoft.com/office/drawing/2014/main" xmlns="" id="{2B00C88B-FF32-40AA-A187-727D96FD7862}"/>
               </a:ext>
             </a:extLst>
           </p:cNvPr>
@@ -4846,7 +4838,7 @@
           <p:cNvPr id="7" name="Espaço Reservado para Número de Slide 6">
             <a:extLst>
               <a:ext uri="{FF2B5EF4-FFF2-40B4-BE49-F238E27FC236}">
-                <a16:creationId xmlns="" xmlns:a16="http://schemas.microsoft.com/office/drawing/2014/main" id="{A04D1A2D-69F7-4B8F-A730-BC26DC340BA6}"/>
+                <a16:creationId xmlns:a16="http://schemas.microsoft.com/office/drawing/2014/main" xmlns="" id="{A04D1A2D-69F7-4B8F-A730-BC26DC340BA6}"/>
               </a:ext>
             </a:extLst>
           </p:cNvPr>
@@ -4910,7 +4902,7 @@
           <p:cNvPr id="2" name="Espaço Reservado para Título 1">
             <a:extLst>
               <a:ext uri="{FF2B5EF4-FFF2-40B4-BE49-F238E27FC236}">
-                <a16:creationId xmlns="" xmlns:a16="http://schemas.microsoft.com/office/drawing/2014/main" id="{E69A0273-1966-4A1B-9370-4C1CE5036371}"/>
+                <a16:creationId xmlns:a16="http://schemas.microsoft.com/office/drawing/2014/main" xmlns="" id="{E69A0273-1966-4A1B-9370-4C1CE5036371}"/>
               </a:ext>
             </a:extLst>
           </p:cNvPr>
@@ -4948,7 +4940,7 @@
           <p:cNvPr id="3" name="Espaço Reservado para Texto 2">
             <a:extLst>
               <a:ext uri="{FF2B5EF4-FFF2-40B4-BE49-F238E27FC236}">
-                <a16:creationId xmlns="" xmlns:a16="http://schemas.microsoft.com/office/drawing/2014/main" id="{3B9CF87A-0448-49A7-AB25-EBC1D56A40EF}"/>
+                <a16:creationId xmlns:a16="http://schemas.microsoft.com/office/drawing/2014/main" xmlns="" id="{3B9CF87A-0448-49A7-AB25-EBC1D56A40EF}"/>
               </a:ext>
             </a:extLst>
           </p:cNvPr>
@@ -5015,7 +5007,7 @@
           <p:cNvPr id="4" name="Espaço Reservado para Data 3">
             <a:extLst>
               <a:ext uri="{FF2B5EF4-FFF2-40B4-BE49-F238E27FC236}">
-                <a16:creationId xmlns="" xmlns:a16="http://schemas.microsoft.com/office/drawing/2014/main" id="{2EF7B1F2-BB5A-44D0-816D-16AD2C71430E}"/>
+                <a16:creationId xmlns:a16="http://schemas.microsoft.com/office/drawing/2014/main" xmlns="" id="{2EF7B1F2-BB5A-44D0-816D-16AD2C71430E}"/>
               </a:ext>
             </a:extLst>
           </p:cNvPr>
@@ -5051,7 +5043,7 @@
           <a:p>
             <a:fld id="{63289F7E-B80B-496E-81B4-D396C37C9454}" type="datetimeFigureOut">
               <a:rPr lang="pt-BR" smtClean="0"/>
-              <a:t>29/07/2022</a:t>
+              <a:t>06/08/2022</a:t>
             </a:fld>
             <a:endParaRPr lang="pt-BR"/>
           </a:p>
@@ -5062,7 +5054,7 @@
           <p:cNvPr id="5" name="Espaço Reservado para Rodapé 4">
             <a:extLst>
               <a:ext uri="{FF2B5EF4-FFF2-40B4-BE49-F238E27FC236}">
-                <a16:creationId xmlns="" xmlns:a16="http://schemas.microsoft.com/office/drawing/2014/main" id="{C703F94C-2CC8-4DAA-BC35-14FC3E841DCD}"/>
+                <a16:creationId xmlns:a16="http://schemas.microsoft.com/office/drawing/2014/main" xmlns="" id="{C703F94C-2CC8-4DAA-BC35-14FC3E841DCD}"/>
               </a:ext>
             </a:extLst>
           </p:cNvPr>
@@ -5105,7 +5097,7 @@
           <p:cNvPr id="6" name="Espaço Reservado para Número de Slide 5">
             <a:extLst>
               <a:ext uri="{FF2B5EF4-FFF2-40B4-BE49-F238E27FC236}">
-                <a16:creationId xmlns="" xmlns:a16="http://schemas.microsoft.com/office/drawing/2014/main" id="{64051336-7048-457A-8B61-D94291D71648}"/>
+                <a16:creationId xmlns:a16="http://schemas.microsoft.com/office/drawing/2014/main" xmlns="" id="{64051336-7048-457A-8B61-D94291D71648}"/>
               </a:ext>
             </a:extLst>
           </p:cNvPr>
@@ -5473,7 +5465,7 @@
           <p:cNvPr id="2" name="Título 1">
             <a:extLst>
               <a:ext uri="{FF2B5EF4-FFF2-40B4-BE49-F238E27FC236}">
-                <a16:creationId xmlns="" xmlns:a16="http://schemas.microsoft.com/office/drawing/2014/main" id="{32666AC8-2E17-4DB4-B0F5-60C640CCFD2E}"/>
+                <a16:creationId xmlns:a16="http://schemas.microsoft.com/office/drawing/2014/main" xmlns="" id="{32666AC8-2E17-4DB4-B0F5-60C640CCFD2E}"/>
               </a:ext>
             </a:extLst>
           </p:cNvPr>
@@ -5520,7 +5512,7 @@
           <p:cNvPr id="4" name="CaixaDeTexto 3">
             <a:extLst>
               <a:ext uri="{FF2B5EF4-FFF2-40B4-BE49-F238E27FC236}">
-                <a16:creationId xmlns="" xmlns:a16="http://schemas.microsoft.com/office/drawing/2014/main" id="{430EB894-B7D4-434C-9D1A-A14094D9BEEC}"/>
+                <a16:creationId xmlns:a16="http://schemas.microsoft.com/office/drawing/2014/main" xmlns="" id="{430EB894-B7D4-434C-9D1A-A14094D9BEEC}"/>
               </a:ext>
             </a:extLst>
           </p:cNvPr>
@@ -5561,7 +5553,7 @@
           <p:cNvPr id="1026" name="Picture 2" descr="Logo">
             <a:extLst>
               <a:ext uri="{FF2B5EF4-FFF2-40B4-BE49-F238E27FC236}">
-                <a16:creationId xmlns="" xmlns:a16="http://schemas.microsoft.com/office/drawing/2014/main" id="{3F2642E0-4F6A-4196-8F58-E77D36E9A33F}"/>
+                <a16:creationId xmlns:a16="http://schemas.microsoft.com/office/drawing/2014/main" xmlns="" id="{3F2642E0-4F6A-4196-8F58-E77D36E9A33F}"/>
               </a:ext>
             </a:extLst>
           </p:cNvPr>
@@ -5606,7 +5598,7 @@
           <p:cNvPr id="5122" name="Picture 2" descr="Image result for machine learning">
             <a:extLst>
               <a:ext uri="{FF2B5EF4-FFF2-40B4-BE49-F238E27FC236}">
-                <a16:creationId xmlns="" xmlns:a16="http://schemas.microsoft.com/office/drawing/2014/main" id="{810CE0A2-4102-44A6-A370-175E7896CDCB}"/>
+                <a16:creationId xmlns:a16="http://schemas.microsoft.com/office/drawing/2014/main" xmlns="" id="{810CE0A2-4102-44A6-A370-175E7896CDCB}"/>
               </a:ext>
             </a:extLst>
           </p:cNvPr>
@@ -5700,11 +5692,7 @@
           <a:p>
             <a:r>
               <a:rPr lang="pt-BR" dirty="0" smtClean="0"/>
-              <a:t>Reconhecimento de </a:t>
-            </a:r>
-            <a:r>
-              <a:rPr lang="pt-BR" dirty="0" smtClean="0"/>
-              <a:t>texto escrito </a:t>
+              <a:t>Reconhecimento de texto escrito </a:t>
             </a:r>
             <a:r>
               <a:rPr lang="nl-BE" dirty="0" smtClean="0"/>
@@ -5712,11 +5700,7 @@
             </a:r>
             <a:r>
               <a:rPr lang="pt-BR" dirty="0" smtClean="0"/>
-              <a:t> </a:t>
-            </a:r>
-            <a:r>
-              <a:rPr lang="pt-BR" dirty="0" smtClean="0"/>
-              <a:t>mão.</a:t>
+              <a:t> mão.</a:t>
             </a:r>
           </a:p>
           <a:p>
@@ -5971,8 +5955,8 @@
           </a:p>
         </p:txBody>
       </p:sp>
-      <mc:AlternateContent xmlns:mc="http://schemas.openxmlformats.org/markup-compatibility/2006">
-        <mc:Choice xmlns:a14="http://schemas.microsoft.com/office/drawing/2010/main" Requires="a14">
+      <mc:AlternateContent xmlns:mc="http://schemas.openxmlformats.org/markup-compatibility/2006" xmlns:a14="http://schemas.microsoft.com/office/drawing/2010/main">
+        <mc:Choice Requires="a14">
           <p:sp>
             <p:nvSpPr>
               <p:cNvPr id="3" name="Content Placeholder 2"/>
@@ -6161,11 +6145,7 @@
                 </a:pPr>
                 <a:r>
                   <a:rPr lang="pt-BR" dirty="0" smtClean="0"/>
-                  <a:t>Por exemplo, a</a:t>
-                </a:r>
-                <a:r>
-                  <a:rPr lang="pt-BR" dirty="0" smtClean="0"/>
-                  <a:t>s </a:t>
+                  <a:t>Por exemplo, as </a:t>
                 </a:r>
                 <a:r>
                   <a:rPr lang="pt-BR" dirty="0"/>
@@ -6196,11 +6176,7 @@
                 </a:r>
                 <a:r>
                   <a:rPr lang="pt-BR" dirty="0" smtClean="0"/>
-                  <a:t>(legítimo)</a:t>
-                </a:r>
-                <a:r>
-                  <a:rPr lang="pt-BR" dirty="0" smtClean="0"/>
-                  <a:t>.</a:t>
+                  <a:t>(legítimo).</a:t>
                 </a:r>
                 <a:endParaRPr lang="pt-BR" dirty="0"/>
               </a:p>
@@ -6243,11 +6219,7 @@
                 </a:r>
                 <a:r>
                   <a:rPr lang="pt-BR" dirty="0" smtClean="0"/>
-                  <a:t>barcos, cães</a:t>
-                </a:r>
-                <a:r>
-                  <a:rPr lang="pt-BR" dirty="0" smtClean="0"/>
-                  <a:t>, gatos, </a:t>
+                  <a:t>barcos, cães, gatos, </a:t>
                 </a:r>
                 <a:r>
                   <a:rPr lang="pt-BR" dirty="0"/>
@@ -6283,11 +6255,7 @@
                 </a14:m>
                 <a:r>
                   <a:rPr lang="pt-BR" dirty="0" smtClean="0"/>
-                  <a:t> </a:t>
-                </a:r>
-                <a:r>
-                  <a:rPr lang="pt-BR" dirty="0" smtClean="0"/>
-                  <a:t>pares de </a:t>
+                  <a:t> pares de </a:t>
                 </a:r>
                 <a:r>
                   <a:rPr lang="pt-BR" b="1" i="1" dirty="0" smtClean="0"/>
@@ -6900,7 +6868,7 @@
             </p:txBody>
           </p:sp>
         </mc:Choice>
-        <mc:Fallback>
+        <mc:Fallback xmlns="">
           <p:sp>
             <p:nvSpPr>
               <p:cNvPr id="3" name="Content Placeholder 2"/>
@@ -6990,8 +6958,8 @@
           </a:p>
         </p:txBody>
       </p:sp>
-      <mc:AlternateContent xmlns:mc="http://schemas.openxmlformats.org/markup-compatibility/2006">
-        <mc:Choice xmlns:a14="http://schemas.microsoft.com/office/drawing/2010/main" Requires="a14">
+      <mc:AlternateContent xmlns:mc="http://schemas.openxmlformats.org/markup-compatibility/2006" xmlns:a14="http://schemas.microsoft.com/office/drawing/2010/main">
+        <mc:Choice Requires="a14">
           <p:sp>
             <p:nvSpPr>
               <p:cNvPr id="3" name="Content Placeholder 2"/>
@@ -7276,7 +7244,6 @@
                   <a:rPr lang="pt-BR" dirty="0" smtClean="0"/>
                   <a:t>. </a:t>
                 </a:r>
-                <a:endParaRPr lang="pt-BR" dirty="0" smtClean="0"/>
               </a:p>
               <a:p>
                 <a:r>
@@ -7320,7 +7287,7 @@
             </p:txBody>
           </p:sp>
         </mc:Choice>
-        <mc:Fallback>
+        <mc:Fallback xmlns="">
           <p:sp>
             <p:nvSpPr>
               <p:cNvPr id="3" name="Content Placeholder 2"/>
@@ -7801,8 +7768,8 @@
           </a:p>
         </p:txBody>
       </p:sp>
-      <mc:AlternateContent xmlns:mc="http://schemas.openxmlformats.org/markup-compatibility/2006">
-        <mc:Choice xmlns:a14="http://schemas.microsoft.com/office/drawing/2010/main" Requires="a14">
+      <mc:AlternateContent xmlns:mc="http://schemas.openxmlformats.org/markup-compatibility/2006" xmlns:a14="http://schemas.microsoft.com/office/drawing/2010/main">
+        <mc:Choice Requires="a14">
           <p:sp>
             <p:nvSpPr>
               <p:cNvPr id="3" name="Content Placeholder 2"/>
@@ -8021,11 +7988,7 @@
                 </a:r>
                 <a:r>
                   <a:rPr lang="pt-BR" b="1" i="1" dirty="0" smtClean="0"/>
-                  <a:t>vetor de atributos de </a:t>
-                </a:r>
-                <a:r>
-                  <a:rPr lang="pt-BR" b="1" i="1" dirty="0" smtClean="0"/>
-                  <a:t>entrada</a:t>
+                  <a:t>vetor de atributos de entrada</a:t>
                 </a:r>
                 <a:r>
                   <a:rPr lang="pt-BR" dirty="0" smtClean="0"/>
@@ -8956,7 +8919,7 @@
             </p:txBody>
           </p:sp>
         </mc:Choice>
-        <mc:Fallback>
+        <mc:Fallback xmlns="">
           <p:sp>
             <p:nvSpPr>
               <p:cNvPr id="3" name="Content Placeholder 2"/>
@@ -9999,8 +9962,8 @@
           </p:sp>
         </mc:Fallback>
       </mc:AlternateContent>
-      <mc:AlternateContent xmlns:mc="http://schemas.openxmlformats.org/markup-compatibility/2006">
-        <mc:Choice xmlns:a14="http://schemas.microsoft.com/office/drawing/2010/main" Requires="a14">
+      <mc:AlternateContent xmlns:mc="http://schemas.openxmlformats.org/markup-compatibility/2006" xmlns:a14="http://schemas.microsoft.com/office/drawing/2010/main">
+        <mc:Choice Requires="a14">
           <p:sp>
             <p:nvSpPr>
               <p:cNvPr id="4" name="Rectangle 3"/>
@@ -10203,7 +10166,7 @@
             </p:txBody>
           </p:sp>
         </mc:Choice>
-        <mc:Fallback>
+        <mc:Fallback xmlns="">
           <p:sp>
             <p:nvSpPr>
               <p:cNvPr id="4" name="Rectangle 3"/>
@@ -10301,8 +10264,8 @@
           </a:p>
         </p:txBody>
       </p:sp>
-      <mc:AlternateContent xmlns:mc="http://schemas.openxmlformats.org/markup-compatibility/2006">
-        <mc:Choice xmlns:a14="http://schemas.microsoft.com/office/drawing/2010/main" Requires="a14">
+      <mc:AlternateContent xmlns:mc="http://schemas.openxmlformats.org/markup-compatibility/2006" xmlns:a14="http://schemas.microsoft.com/office/drawing/2010/main">
+        <mc:Choice Requires="a14">
           <p:sp>
             <p:nvSpPr>
               <p:cNvPr id="3" name="Content Placeholder 2"/>
@@ -10639,7 +10602,7 @@
             </p:txBody>
           </p:sp>
         </mc:Choice>
-        <mc:Fallback>
+        <mc:Fallback xmlns="">
           <p:sp>
             <p:nvSpPr>
               <p:cNvPr id="3" name="Content Placeholder 2"/>
@@ -11124,8 +11087,8 @@
           </a:p>
         </p:txBody>
       </p:sp>
-      <mc:AlternateContent xmlns:mc="http://schemas.openxmlformats.org/markup-compatibility/2006">
-        <mc:Choice xmlns:a14="http://schemas.microsoft.com/office/drawing/2010/main" Requires="a14">
+      <mc:AlternateContent xmlns:mc="http://schemas.openxmlformats.org/markup-compatibility/2006" xmlns:a14="http://schemas.microsoft.com/office/drawing/2010/main">
+        <mc:Choice Requires="a14">
           <p:sp>
             <p:nvSpPr>
               <p:cNvPr id="3" name="Content Placeholder 2"/>
@@ -11463,15 +11426,7 @@
                 </a:r>
                 <a:r>
                   <a:rPr lang="pt-BR" dirty="0" smtClean="0"/>
-                  <a:t>, assim como nós </a:t>
-                </a:r>
-                <a:r>
-                  <a:rPr lang="pt-BR" dirty="0" smtClean="0"/>
-                  <a:t>vimos em regressão </a:t>
-                </a:r>
-                <a:r>
-                  <a:rPr lang="pt-BR" dirty="0" smtClean="0"/>
-                  <a:t>linear.</a:t>
+                  <a:t>, assim como nós vimos em regressão linear.</a:t>
                 </a:r>
               </a:p>
               <a:p>
@@ -12017,11 +11972,7 @@
                 </a14:m>
                 <a:r>
                   <a:rPr lang="pt-BR" dirty="0" smtClean="0"/>
-                  <a:t> (eq. de um círculo centrado na </a:t>
-                </a:r>
-                <a:r>
-                  <a:rPr lang="pt-BR" dirty="0" smtClean="0"/>
-                  <a:t>origem, onde   </a:t>
+                  <a:t> (eq. de um círculo centrado na origem, onde   </a:t>
                 </a:r>
                 <a14:m>
                   <m:oMath xmlns:m="http://schemas.openxmlformats.org/officeDocument/2006/math">
@@ -12092,7 +12043,7 @@
             </p:txBody>
           </p:sp>
         </mc:Choice>
-        <mc:Fallback>
+        <mc:Fallback xmlns="">
           <p:sp>
             <p:nvSpPr>
               <p:cNvPr id="3" name="Content Placeholder 2"/>
@@ -15935,8 +15886,8 @@
             </a:p>
           </p:txBody>
         </p:sp>
-        <mc:AlternateContent xmlns:mc="http://schemas.openxmlformats.org/markup-compatibility/2006">
-          <mc:Choice xmlns:a14="http://schemas.microsoft.com/office/drawing/2010/main" Requires="a14">
+        <mc:AlternateContent xmlns:mc="http://schemas.openxmlformats.org/markup-compatibility/2006" xmlns:a14="http://schemas.microsoft.com/office/drawing/2010/main">
+          <mc:Choice Requires="a14">
             <p:sp>
               <p:nvSpPr>
                 <p:cNvPr id="22" name="Rectangle 21"/>
@@ -15998,7 +15949,7 @@
               </p:txBody>
             </p:sp>
           </mc:Choice>
-          <mc:Fallback>
+          <mc:Fallback xmlns="">
             <p:sp>
               <p:nvSpPr>
                 <p:cNvPr id="22" name="Rectangle 21"/>
@@ -16037,8 +15988,8 @@
             </p:sp>
           </mc:Fallback>
         </mc:AlternateContent>
-        <mc:AlternateContent xmlns:mc="http://schemas.openxmlformats.org/markup-compatibility/2006">
-          <mc:Choice xmlns:a14="http://schemas.microsoft.com/office/drawing/2010/main" Requires="a14">
+        <mc:AlternateContent xmlns:mc="http://schemas.openxmlformats.org/markup-compatibility/2006" xmlns:a14="http://schemas.microsoft.com/office/drawing/2010/main">
+          <mc:Choice Requires="a14">
             <p:sp>
               <p:nvSpPr>
                 <p:cNvPr id="23" name="Rectangle 22"/>
@@ -16100,7 +16051,7 @@
               </p:txBody>
             </p:sp>
           </mc:Choice>
-          <mc:Fallback>
+          <mc:Fallback xmlns="">
             <p:sp>
               <p:nvSpPr>
                 <p:cNvPr id="23" name="Rectangle 22"/>
@@ -22617,14 +22568,26 @@
             <a:pPr lvl="1"/>
             <a:r>
               <a:rPr lang="pt-BR" dirty="0"/>
-              <a:t>Pode ser baixado do MS Teams ou do GitHub.</a:t>
+              <a:t>Pode ser acessado através do link acima (Google </a:t>
+            </a:r>
+            <a:r>
+              <a:rPr lang="pt-BR" dirty="0" err="1"/>
+              <a:t>Colab</a:t>
+            </a:r>
+            <a:r>
+              <a:rPr lang="pt-BR" dirty="0"/>
+              <a:t>) ou no GitHub.</a:t>
             </a:r>
           </a:p>
           <a:p>
             <a:pPr lvl="1"/>
             <a:r>
+              <a:rPr lang="pt-BR" smtClean="0"/>
+              <a:t>Se </a:t>
+            </a:r>
+            <a:r>
               <a:rPr lang="pt-BR" dirty="0"/>
-              <a:t>Pode ser respondido através do link acima (na nuvem) ou localmente.</a:t>
+              <a:t>atentem aos prazos de entrega.</a:t>
             </a:r>
           </a:p>
           <a:p>
@@ -22643,37 +22606,18 @@
           <a:p>
             <a:pPr lvl="1"/>
             <a:r>
-              <a:rPr lang="pt-BR" b="1" dirty="0" smtClean="0">
-                <a:solidFill>
-                  <a:srgbClr val="FF0000"/>
-                </a:solidFill>
-              </a:rPr>
-              <a:t>Atividades podem </a:t>
-            </a:r>
-            <a:r>
               <a:rPr lang="pt-BR" b="1" dirty="0">
                 <a:solidFill>
                   <a:srgbClr val="FF0000"/>
                 </a:solidFill>
               </a:rPr>
-              <a:t>ser </a:t>
+              <a:t>Laboratórios podem ser resolvidos em grupo, mas as entregas devem ser individuais.</a:t>
             </a:r>
-            <a:r>
-              <a:rPr lang="pt-BR" b="1" dirty="0" smtClean="0">
-                <a:solidFill>
-                  <a:srgbClr val="FF0000"/>
-                </a:solidFill>
-              </a:rPr>
-              <a:t>feitas </a:t>
-            </a:r>
-            <a:r>
-              <a:rPr lang="pt-BR" b="1" dirty="0">
-                <a:solidFill>
-                  <a:srgbClr val="FF0000"/>
-                </a:solidFill>
-              </a:rPr>
-              <a:t>em grupo, mas as entregas devem ser individuais.</a:t>
-            </a:r>
+            <a:endParaRPr lang="pt-BR" b="1" dirty="0">
+              <a:solidFill>
+                <a:srgbClr val="FF0000"/>
+              </a:solidFill>
+            </a:endParaRPr>
           </a:p>
         </p:txBody>
       </p:sp>
@@ -22719,7 +22663,7 @@
           <p:cNvPr id="4" name="Título 1">
             <a:extLst>
               <a:ext uri="{FF2B5EF4-FFF2-40B4-BE49-F238E27FC236}">
-                <a16:creationId xmlns="" xmlns:a16="http://schemas.microsoft.com/office/drawing/2014/main" id="{32666AC8-2E17-4DB4-B0F5-60C640CCFD2E}"/>
+                <a16:creationId xmlns:a16="http://schemas.microsoft.com/office/drawing/2014/main" xmlns="" id="{32666AC8-2E17-4DB4-B0F5-60C640CCFD2E}"/>
               </a:ext>
             </a:extLst>
           </p:cNvPr>
@@ -31700,7 +31644,7 @@
           <p:cNvPr id="2" name="Título 1">
             <a:extLst>
               <a:ext uri="{FF2B5EF4-FFF2-40B4-BE49-F238E27FC236}">
-                <a16:creationId xmlns="" xmlns:a16="http://schemas.microsoft.com/office/drawing/2014/main" id="{C4F48192-B348-4C3E-8621-D3755D2230F8}"/>
+                <a16:creationId xmlns:a16="http://schemas.microsoft.com/office/drawing/2014/main" xmlns="" id="{C4F48192-B348-4C3E-8621-D3755D2230F8}"/>
               </a:ext>
             </a:extLst>
           </p:cNvPr>
@@ -31737,7 +31681,7 @@
           <p:cNvPr id="3" name="Espaço Reservado para Conteúdo 2">
             <a:extLst>
               <a:ext uri="{FF2B5EF4-FFF2-40B4-BE49-F238E27FC236}">
-                <a16:creationId xmlns="" xmlns:a16="http://schemas.microsoft.com/office/drawing/2014/main" id="{E3DECB90-AFD9-4AC6-A356-C93A7442A6E6}"/>
+                <a16:creationId xmlns:a16="http://schemas.microsoft.com/office/drawing/2014/main" xmlns="" id="{E3DECB90-AFD9-4AC6-A356-C93A7442A6E6}"/>
               </a:ext>
             </a:extLst>
           </p:cNvPr>
@@ -31891,7 +31835,7 @@
           <p:cNvPr id="3074" name="Picture 2" descr="Image result for machine learning">
             <a:extLst>
               <a:ext uri="{FF2B5EF4-FFF2-40B4-BE49-F238E27FC236}">
-                <a16:creationId xmlns="" xmlns:a16="http://schemas.microsoft.com/office/drawing/2014/main" id="{78A93243-9634-4B0E-B1B2-37A218EAEADD}"/>
+                <a16:creationId xmlns:a16="http://schemas.microsoft.com/office/drawing/2014/main" xmlns="" id="{78A93243-9634-4B0E-B1B2-37A218EAEADD}"/>
               </a:ext>
             </a:extLst>
           </p:cNvPr>
@@ -37397,7 +37341,7 @@
           <p:cNvPr id="2" name="Título 1">
             <a:extLst>
               <a:ext uri="{FF2B5EF4-FFF2-40B4-BE49-F238E27FC236}">
-                <a16:creationId xmlns="" xmlns:a16="http://schemas.microsoft.com/office/drawing/2014/main" id="{A2A4684C-1159-4F88-A2B1-6BABEDE38C4D}"/>
+                <a16:creationId xmlns:a16="http://schemas.microsoft.com/office/drawing/2014/main" xmlns="" id="{A2A4684C-1159-4F88-A2B1-6BABEDE38C4D}"/>
               </a:ext>
             </a:extLst>
           </p:cNvPr>
@@ -37425,7 +37369,7 @@
           <p:cNvPr id="3" name="Espaço Reservado para Conteúdo 2">
             <a:extLst>
               <a:ext uri="{FF2B5EF4-FFF2-40B4-BE49-F238E27FC236}">
-                <a16:creationId xmlns="" xmlns:a16="http://schemas.microsoft.com/office/drawing/2014/main" id="{EC432B31-D382-41FF-BB6B-2ABDD322424B}"/>
+                <a16:creationId xmlns:a16="http://schemas.microsoft.com/office/drawing/2014/main" xmlns="" id="{EC432B31-D382-41FF-BB6B-2ABDD322424B}"/>
               </a:ext>
             </a:extLst>
           </p:cNvPr>
@@ -37895,59 +37839,7 @@
             </a:pPr>
             <a:r>
               <a:rPr lang="pt-BR" dirty="0" smtClean="0"/>
-              <a:t>Professor: </a:t>
-            </a:r>
-            <a:r>
-              <a:rPr lang="pt-BR" dirty="0" smtClean="0"/>
-              <a:t>quintas</a:t>
-            </a:r>
-            <a:r>
-              <a:rPr lang="pt-BR" dirty="0" smtClean="0"/>
-              <a:t>-feiras </a:t>
-            </a:r>
-            <a:r>
-              <a:rPr lang="pt-BR" dirty="0" smtClean="0"/>
-              <a:t>das </a:t>
-            </a:r>
-            <a:r>
-              <a:rPr lang="pt-BR" dirty="0" smtClean="0"/>
-              <a:t>18</a:t>
-            </a:r>
-            <a:r>
-              <a:rPr lang="pt-BR" dirty="0" smtClean="0"/>
-              <a:t>:00 </a:t>
-            </a:r>
-            <a:r>
-              <a:rPr lang="pt-BR" dirty="0" smtClean="0"/>
-              <a:t>às </a:t>
-            </a:r>
-            <a:r>
-              <a:rPr lang="pt-BR" dirty="0" smtClean="0"/>
-              <a:t>19</a:t>
-            </a:r>
-            <a:r>
-              <a:rPr lang="pt-BR" dirty="0" smtClean="0"/>
-              <a:t>:00 </a:t>
-            </a:r>
-            <a:r>
-              <a:rPr lang="pt-BR" dirty="0" smtClean="0"/>
-              <a:t>e sextas-feiras das </a:t>
-            </a:r>
-            <a:r>
-              <a:rPr lang="pt-BR" dirty="0" smtClean="0"/>
-              <a:t>16:00 </a:t>
-            </a:r>
-            <a:r>
-              <a:rPr lang="pt-BR" dirty="0" smtClean="0"/>
-              <a:t>às </a:t>
-            </a:r>
-            <a:r>
-              <a:rPr lang="pt-BR" dirty="0" smtClean="0"/>
-              <a:t>17:00</a:t>
-            </a:r>
-            <a:r>
-              <a:rPr lang="pt-BR" dirty="0" smtClean="0"/>
-              <a:t>.</a:t>
+              <a:t>Professor: quintas-feiras das 18:00 às 19:00 e sextas-feiras das 16:00 às 17:00.</a:t>
             </a:r>
           </a:p>
           <a:p>
@@ -38056,8 +37948,8 @@
           </a:p>
         </p:txBody>
       </p:sp>
-      <mc:AlternateContent xmlns:mc="http://schemas.openxmlformats.org/markup-compatibility/2006">
-        <mc:Choice xmlns:a14="http://schemas.microsoft.com/office/drawing/2010/main" Requires="a14">
+      <mc:AlternateContent xmlns:mc="http://schemas.openxmlformats.org/markup-compatibility/2006" xmlns:a14="http://schemas.microsoft.com/office/drawing/2010/main">
+        <mc:Choice Requires="a14">
           <p:sp>
             <p:nvSpPr>
               <p:cNvPr id="3" name="Espaço Reservado para Conteúdo 2"/>
@@ -38131,11 +38023,7 @@
                 </a:r>
                 <a:r>
                   <a:rPr lang="pt-BR" dirty="0"/>
-                  <a:t>os atributos de entrada </a:t>
-                </a:r>
-                <a:r>
-                  <a:rPr lang="pt-BR" dirty="0"/>
-                  <a:t>em </a:t>
+                  <a:t>os atributos de entrada em </a:t>
                 </a:r>
                 <a:r>
                   <a:rPr lang="pt-BR" b="1" i="1" dirty="0" smtClean="0"/>
@@ -38147,18 +38035,14 @@
                 </a:r>
                 <a:r>
                   <a:rPr lang="pt-BR" dirty="0"/>
-                  <a:t>, </a:t>
-                </a:r>
-                <a:r>
-                  <a:rPr lang="pt-BR" dirty="0"/>
-                  <a:t>ou seja, em classes.</a:t>
+                  <a:t>, ou seja, em classes.</a:t>
                 </a:r>
                 <a:endParaRPr lang="en-US" dirty="0"/>
               </a:p>
             </p:txBody>
           </p:sp>
         </mc:Choice>
-        <mc:Fallback>
+        <mc:Fallback xmlns="">
           <p:sp>
             <p:nvSpPr>
               <p:cNvPr id="3" name="Espaço Reservado para Conteúdo 2"/>
@@ -38270,8 +38154,8 @@
           </a:extLst>
         </p:spPr>
       </p:pic>
-      <mc:AlternateContent xmlns:mc="http://schemas.openxmlformats.org/markup-compatibility/2006">
-        <mc:Choice xmlns:a14="http://schemas.microsoft.com/office/drawing/2010/main" Requires="a14">
+      <mc:AlternateContent xmlns:mc="http://schemas.openxmlformats.org/markup-compatibility/2006" xmlns:a14="http://schemas.microsoft.com/office/drawing/2010/main">
+        <mc:Choice Requires="a14">
           <p:sp>
             <p:nvSpPr>
               <p:cNvPr id="4" name="CaixaDeTexto 3"/>
@@ -38348,7 +38232,7 @@
             </p:txBody>
           </p:sp>
         </mc:Choice>
-        <mc:Fallback>
+        <mc:Fallback xmlns="">
           <p:sp>
             <p:nvSpPr>
               <p:cNvPr id="4" name="CaixaDeTexto 3"/>
@@ -38387,8 +38271,8 @@
           </p:sp>
         </mc:Fallback>
       </mc:AlternateContent>
-      <mc:AlternateContent xmlns:mc="http://schemas.openxmlformats.org/markup-compatibility/2006">
-        <mc:Choice xmlns:a14="http://schemas.microsoft.com/office/drawing/2010/main" Requires="a14">
+      <mc:AlternateContent xmlns:mc="http://schemas.openxmlformats.org/markup-compatibility/2006" xmlns:a14="http://schemas.microsoft.com/office/drawing/2010/main">
+        <mc:Choice Requires="a14">
           <p:sp>
             <p:nvSpPr>
               <p:cNvPr id="7" name="CaixaDeTexto 6"/>
@@ -38465,7 +38349,7 @@
             </p:txBody>
           </p:sp>
         </mc:Choice>
-        <mc:Fallback>
+        <mc:Fallback xmlns="">
           <p:sp>
             <p:nvSpPr>
               <p:cNvPr id="7" name="CaixaDeTexto 6"/>
@@ -38624,7 +38508,7 @@
           <p:cNvPr id="4" name="Picture 5" descr="Image result for supervised learning">
             <a:extLst>
               <a:ext uri="{FF2B5EF4-FFF2-40B4-BE49-F238E27FC236}">
-                <a16:creationId xmlns="" xmlns:a16="http://schemas.microsoft.com/office/drawing/2014/main" id="{2520F4EA-1E3E-4F3B-97C0-DF47861DCD42}"/>
+                <a16:creationId xmlns:a16="http://schemas.microsoft.com/office/drawing/2014/main" xmlns="" id="{2520F4EA-1E3E-4F3B-97C0-DF47861DCD42}"/>
               </a:ext>
             </a:extLst>
           </p:cNvPr>

--- a/slides/T320_Classificação (Parte I).pptx
+++ b/slides/T320_Classificação (Parte I).pptx
@@ -299,7 +299,7 @@
           <a:p>
             <a:fld id="{144F1436-6906-4D93-B7A2-786C327BFA14}" type="datetimeFigureOut">
               <a:rPr lang="nl-BE" smtClean="0"/>
-              <a:t>6/08/2022</a:t>
+              <a:t>26/08/2022</a:t>
             </a:fld>
             <a:endParaRPr lang="nl-BE"/>
           </a:p>
@@ -464,7 +464,7 @@
           <a:p>
             <a:fld id="{AA8CD09E-2914-4F47-B6C1-51B2C31814C9}" type="datetimeFigureOut">
               <a:rPr lang="pt-BR" smtClean="0"/>
-              <a:t>06/08/2022</a:t>
+              <a:t>26/08/2022</a:t>
             </a:fld>
             <a:endParaRPr lang="pt-BR"/>
           </a:p>
@@ -2268,7 +2268,7 @@
           <p:cNvPr id="2" name="Título 1">
             <a:extLst>
               <a:ext uri="{FF2B5EF4-FFF2-40B4-BE49-F238E27FC236}">
-                <a16:creationId xmlns:a16="http://schemas.microsoft.com/office/drawing/2014/main" xmlns="" id="{1DB9B4FF-B06E-403C-A326-BDC64D8FF94E}"/>
+                <a16:creationId xmlns="" xmlns:a16="http://schemas.microsoft.com/office/drawing/2014/main" id="{1DB9B4FF-B06E-403C-A326-BDC64D8FF94E}"/>
               </a:ext>
             </a:extLst>
           </p:cNvPr>
@@ -2305,7 +2305,7 @@
           <p:cNvPr id="3" name="Subtítulo 2">
             <a:extLst>
               <a:ext uri="{FF2B5EF4-FFF2-40B4-BE49-F238E27FC236}">
-                <a16:creationId xmlns:a16="http://schemas.microsoft.com/office/drawing/2014/main" xmlns="" id="{247BDFCE-746E-45BF-A319-4733D58D1632}"/>
+                <a16:creationId xmlns="" xmlns:a16="http://schemas.microsoft.com/office/drawing/2014/main" id="{247BDFCE-746E-45BF-A319-4733D58D1632}"/>
               </a:ext>
             </a:extLst>
           </p:cNvPr>
@@ -2375,7 +2375,7 @@
           <p:cNvPr id="4" name="Espaço Reservado para Data 3">
             <a:extLst>
               <a:ext uri="{FF2B5EF4-FFF2-40B4-BE49-F238E27FC236}">
-                <a16:creationId xmlns:a16="http://schemas.microsoft.com/office/drawing/2014/main" xmlns="" id="{9EDE2778-5372-4104-B96D-968184DA8288}"/>
+                <a16:creationId xmlns="" xmlns:a16="http://schemas.microsoft.com/office/drawing/2014/main" id="{9EDE2778-5372-4104-B96D-968184DA8288}"/>
               </a:ext>
             </a:extLst>
           </p:cNvPr>
@@ -2393,7 +2393,7 @@
           <a:p>
             <a:fld id="{63289F7E-B80B-496E-81B4-D396C37C9454}" type="datetimeFigureOut">
               <a:rPr lang="pt-BR" smtClean="0"/>
-              <a:t>06/08/2022</a:t>
+              <a:t>26/08/2022</a:t>
             </a:fld>
             <a:endParaRPr lang="pt-BR"/>
           </a:p>
@@ -2404,7 +2404,7 @@
           <p:cNvPr id="5" name="Espaço Reservado para Rodapé 4">
             <a:extLst>
               <a:ext uri="{FF2B5EF4-FFF2-40B4-BE49-F238E27FC236}">
-                <a16:creationId xmlns:a16="http://schemas.microsoft.com/office/drawing/2014/main" xmlns="" id="{C1DD0F41-C861-4051-988D-3024A37A4B93}"/>
+                <a16:creationId xmlns="" xmlns:a16="http://schemas.microsoft.com/office/drawing/2014/main" id="{C1DD0F41-C861-4051-988D-3024A37A4B93}"/>
               </a:ext>
             </a:extLst>
           </p:cNvPr>
@@ -2429,7 +2429,7 @@
           <p:cNvPr id="6" name="Espaço Reservado para Número de Slide 5">
             <a:extLst>
               <a:ext uri="{FF2B5EF4-FFF2-40B4-BE49-F238E27FC236}">
-                <a16:creationId xmlns:a16="http://schemas.microsoft.com/office/drawing/2014/main" xmlns="" id="{07E5967E-D980-431A-A5DB-3F0C5030A81E}"/>
+                <a16:creationId xmlns="" xmlns:a16="http://schemas.microsoft.com/office/drawing/2014/main" id="{07E5967E-D980-431A-A5DB-3F0C5030A81E}"/>
               </a:ext>
             </a:extLst>
           </p:cNvPr>
@@ -2488,7 +2488,7 @@
           <p:cNvPr id="2" name="Título 1">
             <a:extLst>
               <a:ext uri="{FF2B5EF4-FFF2-40B4-BE49-F238E27FC236}">
-                <a16:creationId xmlns:a16="http://schemas.microsoft.com/office/drawing/2014/main" xmlns="" id="{9036C49F-3E68-4175-81BA-3C3FEE44308A}"/>
+                <a16:creationId xmlns="" xmlns:a16="http://schemas.microsoft.com/office/drawing/2014/main" id="{9036C49F-3E68-4175-81BA-3C3FEE44308A}"/>
               </a:ext>
             </a:extLst>
           </p:cNvPr>
@@ -2516,7 +2516,7 @@
           <p:cNvPr id="3" name="Espaço Reservado para Texto Vertical 2">
             <a:extLst>
               <a:ext uri="{FF2B5EF4-FFF2-40B4-BE49-F238E27FC236}">
-                <a16:creationId xmlns:a16="http://schemas.microsoft.com/office/drawing/2014/main" xmlns="" id="{426FA736-3DD3-4D4E-B57B-BBE1D8F7D424}"/>
+                <a16:creationId xmlns="" xmlns:a16="http://schemas.microsoft.com/office/drawing/2014/main" id="{426FA736-3DD3-4D4E-B57B-BBE1D8F7D424}"/>
               </a:ext>
             </a:extLst>
           </p:cNvPr>
@@ -2573,7 +2573,7 @@
           <p:cNvPr id="4" name="Espaço Reservado para Data 3">
             <a:extLst>
               <a:ext uri="{FF2B5EF4-FFF2-40B4-BE49-F238E27FC236}">
-                <a16:creationId xmlns:a16="http://schemas.microsoft.com/office/drawing/2014/main" xmlns="" id="{99E8855C-D8FD-48F6-B14E-861E0DE4D915}"/>
+                <a16:creationId xmlns="" xmlns:a16="http://schemas.microsoft.com/office/drawing/2014/main" id="{99E8855C-D8FD-48F6-B14E-861E0DE4D915}"/>
               </a:ext>
             </a:extLst>
           </p:cNvPr>
@@ -2591,7 +2591,7 @@
           <a:p>
             <a:fld id="{63289F7E-B80B-496E-81B4-D396C37C9454}" type="datetimeFigureOut">
               <a:rPr lang="pt-BR" smtClean="0"/>
-              <a:t>06/08/2022</a:t>
+              <a:t>26/08/2022</a:t>
             </a:fld>
             <a:endParaRPr lang="pt-BR"/>
           </a:p>
@@ -2602,7 +2602,7 @@
           <p:cNvPr id="5" name="Espaço Reservado para Rodapé 4">
             <a:extLst>
               <a:ext uri="{FF2B5EF4-FFF2-40B4-BE49-F238E27FC236}">
-                <a16:creationId xmlns:a16="http://schemas.microsoft.com/office/drawing/2014/main" xmlns="" id="{97C0BB88-2F21-42A5-ACFF-83DA47F2D340}"/>
+                <a16:creationId xmlns="" xmlns:a16="http://schemas.microsoft.com/office/drawing/2014/main" id="{97C0BB88-2F21-42A5-ACFF-83DA47F2D340}"/>
               </a:ext>
             </a:extLst>
           </p:cNvPr>
@@ -2627,7 +2627,7 @@
           <p:cNvPr id="6" name="Espaço Reservado para Número de Slide 5">
             <a:extLst>
               <a:ext uri="{FF2B5EF4-FFF2-40B4-BE49-F238E27FC236}">
-                <a16:creationId xmlns:a16="http://schemas.microsoft.com/office/drawing/2014/main" xmlns="" id="{6CB462B3-1F22-4C05-B4B8-7A279FB7D5E9}"/>
+                <a16:creationId xmlns="" xmlns:a16="http://schemas.microsoft.com/office/drawing/2014/main" id="{6CB462B3-1F22-4C05-B4B8-7A279FB7D5E9}"/>
               </a:ext>
             </a:extLst>
           </p:cNvPr>
@@ -2686,7 +2686,7 @@
           <p:cNvPr id="2" name="Título Vertical 1">
             <a:extLst>
               <a:ext uri="{FF2B5EF4-FFF2-40B4-BE49-F238E27FC236}">
-                <a16:creationId xmlns:a16="http://schemas.microsoft.com/office/drawing/2014/main" xmlns="" id="{EAEAB728-701C-4207-A9D5-23FF45C60502}"/>
+                <a16:creationId xmlns="" xmlns:a16="http://schemas.microsoft.com/office/drawing/2014/main" id="{EAEAB728-701C-4207-A9D5-23FF45C60502}"/>
               </a:ext>
             </a:extLst>
           </p:cNvPr>
@@ -2719,7 +2719,7 @@
           <p:cNvPr id="3" name="Espaço Reservado para Texto Vertical 2">
             <a:extLst>
               <a:ext uri="{FF2B5EF4-FFF2-40B4-BE49-F238E27FC236}">
-                <a16:creationId xmlns:a16="http://schemas.microsoft.com/office/drawing/2014/main" xmlns="" id="{BA8C8CCF-7823-480A-9A19-0F664DD17E3B}"/>
+                <a16:creationId xmlns="" xmlns:a16="http://schemas.microsoft.com/office/drawing/2014/main" id="{BA8C8CCF-7823-480A-9A19-0F664DD17E3B}"/>
               </a:ext>
             </a:extLst>
           </p:cNvPr>
@@ -2781,7 +2781,7 @@
           <p:cNvPr id="4" name="Espaço Reservado para Data 3">
             <a:extLst>
               <a:ext uri="{FF2B5EF4-FFF2-40B4-BE49-F238E27FC236}">
-                <a16:creationId xmlns:a16="http://schemas.microsoft.com/office/drawing/2014/main" xmlns="" id="{721D5734-7B1F-425D-942F-6EB73344027C}"/>
+                <a16:creationId xmlns="" xmlns:a16="http://schemas.microsoft.com/office/drawing/2014/main" id="{721D5734-7B1F-425D-942F-6EB73344027C}"/>
               </a:ext>
             </a:extLst>
           </p:cNvPr>
@@ -2799,7 +2799,7 @@
           <a:p>
             <a:fld id="{63289F7E-B80B-496E-81B4-D396C37C9454}" type="datetimeFigureOut">
               <a:rPr lang="pt-BR" smtClean="0"/>
-              <a:t>06/08/2022</a:t>
+              <a:t>26/08/2022</a:t>
             </a:fld>
             <a:endParaRPr lang="pt-BR"/>
           </a:p>
@@ -2810,7 +2810,7 @@
           <p:cNvPr id="5" name="Espaço Reservado para Rodapé 4">
             <a:extLst>
               <a:ext uri="{FF2B5EF4-FFF2-40B4-BE49-F238E27FC236}">
-                <a16:creationId xmlns:a16="http://schemas.microsoft.com/office/drawing/2014/main" xmlns="" id="{1E1AAEAC-F08D-45FE-89EC-B1B349A868C9}"/>
+                <a16:creationId xmlns="" xmlns:a16="http://schemas.microsoft.com/office/drawing/2014/main" id="{1E1AAEAC-F08D-45FE-89EC-B1B349A868C9}"/>
               </a:ext>
             </a:extLst>
           </p:cNvPr>
@@ -2835,7 +2835,7 @@
           <p:cNvPr id="6" name="Espaço Reservado para Número de Slide 5">
             <a:extLst>
               <a:ext uri="{FF2B5EF4-FFF2-40B4-BE49-F238E27FC236}">
-                <a16:creationId xmlns:a16="http://schemas.microsoft.com/office/drawing/2014/main" xmlns="" id="{BAA44493-9911-47B2-87A6-C2141A972BC8}"/>
+                <a16:creationId xmlns="" xmlns:a16="http://schemas.microsoft.com/office/drawing/2014/main" id="{BAA44493-9911-47B2-87A6-C2141A972BC8}"/>
               </a:ext>
             </a:extLst>
           </p:cNvPr>
@@ -2894,7 +2894,7 @@
           <p:cNvPr id="2" name="Título 1">
             <a:extLst>
               <a:ext uri="{FF2B5EF4-FFF2-40B4-BE49-F238E27FC236}">
-                <a16:creationId xmlns:a16="http://schemas.microsoft.com/office/drawing/2014/main" xmlns="" id="{71BD44A5-8F21-4626-A01D-48A1C874B1D5}"/>
+                <a16:creationId xmlns="" xmlns:a16="http://schemas.microsoft.com/office/drawing/2014/main" id="{71BD44A5-8F21-4626-A01D-48A1C874B1D5}"/>
               </a:ext>
             </a:extLst>
           </p:cNvPr>
@@ -2922,7 +2922,7 @@
           <p:cNvPr id="3" name="Espaço Reservado para Conteúdo 2">
             <a:extLst>
               <a:ext uri="{FF2B5EF4-FFF2-40B4-BE49-F238E27FC236}">
-                <a16:creationId xmlns:a16="http://schemas.microsoft.com/office/drawing/2014/main" xmlns="" id="{B79E8085-65A9-48AA-951D-71D978BFF4ED}"/>
+                <a16:creationId xmlns="" xmlns:a16="http://schemas.microsoft.com/office/drawing/2014/main" id="{B79E8085-65A9-48AA-951D-71D978BFF4ED}"/>
               </a:ext>
             </a:extLst>
           </p:cNvPr>
@@ -2979,7 +2979,7 @@
           <p:cNvPr id="4" name="Espaço Reservado para Data 3">
             <a:extLst>
               <a:ext uri="{FF2B5EF4-FFF2-40B4-BE49-F238E27FC236}">
-                <a16:creationId xmlns:a16="http://schemas.microsoft.com/office/drawing/2014/main" xmlns="" id="{F05BE1AF-51EA-425D-B188-DE7BD675009F}"/>
+                <a16:creationId xmlns="" xmlns:a16="http://schemas.microsoft.com/office/drawing/2014/main" id="{F05BE1AF-51EA-425D-B188-DE7BD675009F}"/>
               </a:ext>
             </a:extLst>
           </p:cNvPr>
@@ -2997,7 +2997,7 @@
           <a:p>
             <a:fld id="{63289F7E-B80B-496E-81B4-D396C37C9454}" type="datetimeFigureOut">
               <a:rPr lang="pt-BR" smtClean="0"/>
-              <a:t>06/08/2022</a:t>
+              <a:t>26/08/2022</a:t>
             </a:fld>
             <a:endParaRPr lang="pt-BR"/>
           </a:p>
@@ -3008,7 +3008,7 @@
           <p:cNvPr id="5" name="Espaço Reservado para Rodapé 4">
             <a:extLst>
               <a:ext uri="{FF2B5EF4-FFF2-40B4-BE49-F238E27FC236}">
-                <a16:creationId xmlns:a16="http://schemas.microsoft.com/office/drawing/2014/main" xmlns="" id="{121BE632-29CF-4CB9-B365-C9EF38F89BE6}"/>
+                <a16:creationId xmlns="" xmlns:a16="http://schemas.microsoft.com/office/drawing/2014/main" id="{121BE632-29CF-4CB9-B365-C9EF38F89BE6}"/>
               </a:ext>
             </a:extLst>
           </p:cNvPr>
@@ -3033,7 +3033,7 @@
           <p:cNvPr id="6" name="Espaço Reservado para Número de Slide 5">
             <a:extLst>
               <a:ext uri="{FF2B5EF4-FFF2-40B4-BE49-F238E27FC236}">
-                <a16:creationId xmlns:a16="http://schemas.microsoft.com/office/drawing/2014/main" xmlns="" id="{60CF3DD1-9AEC-4A57-B461-4E4DD86FAC18}"/>
+                <a16:creationId xmlns="" xmlns:a16="http://schemas.microsoft.com/office/drawing/2014/main" id="{60CF3DD1-9AEC-4A57-B461-4E4DD86FAC18}"/>
               </a:ext>
             </a:extLst>
           </p:cNvPr>
@@ -3092,7 +3092,7 @@
           <p:cNvPr id="2" name="Título 1">
             <a:extLst>
               <a:ext uri="{FF2B5EF4-FFF2-40B4-BE49-F238E27FC236}">
-                <a16:creationId xmlns:a16="http://schemas.microsoft.com/office/drawing/2014/main" xmlns="" id="{34AB2FF0-A4D7-4E28-991D-FF26140D5988}"/>
+                <a16:creationId xmlns="" xmlns:a16="http://schemas.microsoft.com/office/drawing/2014/main" id="{34AB2FF0-A4D7-4E28-991D-FF26140D5988}"/>
               </a:ext>
             </a:extLst>
           </p:cNvPr>
@@ -3129,7 +3129,7 @@
           <p:cNvPr id="3" name="Espaço Reservado para Texto 2">
             <a:extLst>
               <a:ext uri="{FF2B5EF4-FFF2-40B4-BE49-F238E27FC236}">
-                <a16:creationId xmlns:a16="http://schemas.microsoft.com/office/drawing/2014/main" xmlns="" id="{E2AC45B0-4145-40DB-8E61-105461170604}"/>
+                <a16:creationId xmlns="" xmlns:a16="http://schemas.microsoft.com/office/drawing/2014/main" id="{E2AC45B0-4145-40DB-8E61-105461170604}"/>
               </a:ext>
             </a:extLst>
           </p:cNvPr>
@@ -3254,7 +3254,7 @@
           <p:cNvPr id="4" name="Espaço Reservado para Data 3">
             <a:extLst>
               <a:ext uri="{FF2B5EF4-FFF2-40B4-BE49-F238E27FC236}">
-                <a16:creationId xmlns:a16="http://schemas.microsoft.com/office/drawing/2014/main" xmlns="" id="{50F1D3FB-740A-4EBA-A309-2CE71D12ECFB}"/>
+                <a16:creationId xmlns="" xmlns:a16="http://schemas.microsoft.com/office/drawing/2014/main" id="{50F1D3FB-740A-4EBA-A309-2CE71D12ECFB}"/>
               </a:ext>
             </a:extLst>
           </p:cNvPr>
@@ -3272,7 +3272,7 @@
           <a:p>
             <a:fld id="{63289F7E-B80B-496E-81B4-D396C37C9454}" type="datetimeFigureOut">
               <a:rPr lang="pt-BR" smtClean="0"/>
-              <a:t>06/08/2022</a:t>
+              <a:t>26/08/2022</a:t>
             </a:fld>
             <a:endParaRPr lang="pt-BR"/>
           </a:p>
@@ -3283,7 +3283,7 @@
           <p:cNvPr id="5" name="Espaço Reservado para Rodapé 4">
             <a:extLst>
               <a:ext uri="{FF2B5EF4-FFF2-40B4-BE49-F238E27FC236}">
-                <a16:creationId xmlns:a16="http://schemas.microsoft.com/office/drawing/2014/main" xmlns="" id="{BDCAB18F-8715-4465-A940-F9C193A2ACE9}"/>
+                <a16:creationId xmlns="" xmlns:a16="http://schemas.microsoft.com/office/drawing/2014/main" id="{BDCAB18F-8715-4465-A940-F9C193A2ACE9}"/>
               </a:ext>
             </a:extLst>
           </p:cNvPr>
@@ -3308,7 +3308,7 @@
           <p:cNvPr id="6" name="Espaço Reservado para Número de Slide 5">
             <a:extLst>
               <a:ext uri="{FF2B5EF4-FFF2-40B4-BE49-F238E27FC236}">
-                <a16:creationId xmlns:a16="http://schemas.microsoft.com/office/drawing/2014/main" xmlns="" id="{353466C6-8248-429F-8056-FF040BF509EB}"/>
+                <a16:creationId xmlns="" xmlns:a16="http://schemas.microsoft.com/office/drawing/2014/main" id="{353466C6-8248-429F-8056-FF040BF509EB}"/>
               </a:ext>
             </a:extLst>
           </p:cNvPr>
@@ -3367,7 +3367,7 @@
           <p:cNvPr id="2" name="Título 1">
             <a:extLst>
               <a:ext uri="{FF2B5EF4-FFF2-40B4-BE49-F238E27FC236}">
-                <a16:creationId xmlns:a16="http://schemas.microsoft.com/office/drawing/2014/main" xmlns="" id="{BC7BB9F0-F14B-4A91-B2B7-35BC47FE4DE7}"/>
+                <a16:creationId xmlns="" xmlns:a16="http://schemas.microsoft.com/office/drawing/2014/main" id="{BC7BB9F0-F14B-4A91-B2B7-35BC47FE4DE7}"/>
               </a:ext>
             </a:extLst>
           </p:cNvPr>
@@ -3395,7 +3395,7 @@
           <p:cNvPr id="3" name="Espaço Reservado para Conteúdo 2">
             <a:extLst>
               <a:ext uri="{FF2B5EF4-FFF2-40B4-BE49-F238E27FC236}">
-                <a16:creationId xmlns:a16="http://schemas.microsoft.com/office/drawing/2014/main" xmlns="" id="{EC1FC1C4-73DA-47A6-8496-B0B457F7D39A}"/>
+                <a16:creationId xmlns="" xmlns:a16="http://schemas.microsoft.com/office/drawing/2014/main" id="{EC1FC1C4-73DA-47A6-8496-B0B457F7D39A}"/>
               </a:ext>
             </a:extLst>
           </p:cNvPr>
@@ -3457,7 +3457,7 @@
           <p:cNvPr id="4" name="Espaço Reservado para Conteúdo 3">
             <a:extLst>
               <a:ext uri="{FF2B5EF4-FFF2-40B4-BE49-F238E27FC236}">
-                <a16:creationId xmlns:a16="http://schemas.microsoft.com/office/drawing/2014/main" xmlns="" id="{E92F06A8-A449-4D92-9912-76873E529B38}"/>
+                <a16:creationId xmlns="" xmlns:a16="http://schemas.microsoft.com/office/drawing/2014/main" id="{E92F06A8-A449-4D92-9912-76873E529B38}"/>
               </a:ext>
             </a:extLst>
           </p:cNvPr>
@@ -3519,7 +3519,7 @@
           <p:cNvPr id="5" name="Espaço Reservado para Data 4">
             <a:extLst>
               <a:ext uri="{FF2B5EF4-FFF2-40B4-BE49-F238E27FC236}">
-                <a16:creationId xmlns:a16="http://schemas.microsoft.com/office/drawing/2014/main" xmlns="" id="{938070A4-BC2F-4D55-BD8D-DEAF11BB9EE9}"/>
+                <a16:creationId xmlns="" xmlns:a16="http://schemas.microsoft.com/office/drawing/2014/main" id="{938070A4-BC2F-4D55-BD8D-DEAF11BB9EE9}"/>
               </a:ext>
             </a:extLst>
           </p:cNvPr>
@@ -3537,7 +3537,7 @@
           <a:p>
             <a:fld id="{63289F7E-B80B-496E-81B4-D396C37C9454}" type="datetimeFigureOut">
               <a:rPr lang="pt-BR" smtClean="0"/>
-              <a:t>06/08/2022</a:t>
+              <a:t>26/08/2022</a:t>
             </a:fld>
             <a:endParaRPr lang="pt-BR"/>
           </a:p>
@@ -3548,7 +3548,7 @@
           <p:cNvPr id="6" name="Espaço Reservado para Rodapé 5">
             <a:extLst>
               <a:ext uri="{FF2B5EF4-FFF2-40B4-BE49-F238E27FC236}">
-                <a16:creationId xmlns:a16="http://schemas.microsoft.com/office/drawing/2014/main" xmlns="" id="{45CC2DB8-844A-465F-BA9A-7734C80C7F43}"/>
+                <a16:creationId xmlns="" xmlns:a16="http://schemas.microsoft.com/office/drawing/2014/main" id="{45CC2DB8-844A-465F-BA9A-7734C80C7F43}"/>
               </a:ext>
             </a:extLst>
           </p:cNvPr>
@@ -3573,7 +3573,7 @@
           <p:cNvPr id="7" name="Espaço Reservado para Número de Slide 6">
             <a:extLst>
               <a:ext uri="{FF2B5EF4-FFF2-40B4-BE49-F238E27FC236}">
-                <a16:creationId xmlns:a16="http://schemas.microsoft.com/office/drawing/2014/main" xmlns="" id="{4CC606A8-097B-4040-94E0-CD8C88280D8F}"/>
+                <a16:creationId xmlns="" xmlns:a16="http://schemas.microsoft.com/office/drawing/2014/main" id="{4CC606A8-097B-4040-94E0-CD8C88280D8F}"/>
               </a:ext>
             </a:extLst>
           </p:cNvPr>
@@ -3632,7 +3632,7 @@
           <p:cNvPr id="2" name="Título 1">
             <a:extLst>
               <a:ext uri="{FF2B5EF4-FFF2-40B4-BE49-F238E27FC236}">
-                <a16:creationId xmlns:a16="http://schemas.microsoft.com/office/drawing/2014/main" xmlns="" id="{76D66686-0143-4CB6-8C09-BA326F1E7ACA}"/>
+                <a16:creationId xmlns="" xmlns:a16="http://schemas.microsoft.com/office/drawing/2014/main" id="{76D66686-0143-4CB6-8C09-BA326F1E7ACA}"/>
               </a:ext>
             </a:extLst>
           </p:cNvPr>
@@ -3665,7 +3665,7 @@
           <p:cNvPr id="3" name="Espaço Reservado para Texto 2">
             <a:extLst>
               <a:ext uri="{FF2B5EF4-FFF2-40B4-BE49-F238E27FC236}">
-                <a16:creationId xmlns:a16="http://schemas.microsoft.com/office/drawing/2014/main" xmlns="" id="{0227AB85-F59E-4BCE-B846-4FA0992C2F23}"/>
+                <a16:creationId xmlns="" xmlns:a16="http://schemas.microsoft.com/office/drawing/2014/main" id="{0227AB85-F59E-4BCE-B846-4FA0992C2F23}"/>
               </a:ext>
             </a:extLst>
           </p:cNvPr>
@@ -3736,7 +3736,7 @@
           <p:cNvPr id="4" name="Espaço Reservado para Conteúdo 3">
             <a:extLst>
               <a:ext uri="{FF2B5EF4-FFF2-40B4-BE49-F238E27FC236}">
-                <a16:creationId xmlns:a16="http://schemas.microsoft.com/office/drawing/2014/main" xmlns="" id="{3373456C-7319-4D0A-827D-D29F6B083F5D}"/>
+                <a16:creationId xmlns="" xmlns:a16="http://schemas.microsoft.com/office/drawing/2014/main" id="{3373456C-7319-4D0A-827D-D29F6B083F5D}"/>
               </a:ext>
             </a:extLst>
           </p:cNvPr>
@@ -3798,7 +3798,7 @@
           <p:cNvPr id="5" name="Espaço Reservado para Texto 4">
             <a:extLst>
               <a:ext uri="{FF2B5EF4-FFF2-40B4-BE49-F238E27FC236}">
-                <a16:creationId xmlns:a16="http://schemas.microsoft.com/office/drawing/2014/main" xmlns="" id="{4CD109D0-2E83-4262-8029-A871CEC47406}"/>
+                <a16:creationId xmlns="" xmlns:a16="http://schemas.microsoft.com/office/drawing/2014/main" id="{4CD109D0-2E83-4262-8029-A871CEC47406}"/>
               </a:ext>
             </a:extLst>
           </p:cNvPr>
@@ -3869,7 +3869,7 @@
           <p:cNvPr id="6" name="Espaço Reservado para Conteúdo 5">
             <a:extLst>
               <a:ext uri="{FF2B5EF4-FFF2-40B4-BE49-F238E27FC236}">
-                <a16:creationId xmlns:a16="http://schemas.microsoft.com/office/drawing/2014/main" xmlns="" id="{AD706E3A-CFBB-4A6C-A65F-D0360A9E74FE}"/>
+                <a16:creationId xmlns="" xmlns:a16="http://schemas.microsoft.com/office/drawing/2014/main" id="{AD706E3A-CFBB-4A6C-A65F-D0360A9E74FE}"/>
               </a:ext>
             </a:extLst>
           </p:cNvPr>
@@ -3931,7 +3931,7 @@
           <p:cNvPr id="7" name="Espaço Reservado para Data 6">
             <a:extLst>
               <a:ext uri="{FF2B5EF4-FFF2-40B4-BE49-F238E27FC236}">
-                <a16:creationId xmlns:a16="http://schemas.microsoft.com/office/drawing/2014/main" xmlns="" id="{4172C0E5-5AF0-4805-BB51-443733CD2BD5}"/>
+                <a16:creationId xmlns="" xmlns:a16="http://schemas.microsoft.com/office/drawing/2014/main" id="{4172C0E5-5AF0-4805-BB51-443733CD2BD5}"/>
               </a:ext>
             </a:extLst>
           </p:cNvPr>
@@ -3949,7 +3949,7 @@
           <a:p>
             <a:fld id="{63289F7E-B80B-496E-81B4-D396C37C9454}" type="datetimeFigureOut">
               <a:rPr lang="pt-BR" smtClean="0"/>
-              <a:t>06/08/2022</a:t>
+              <a:t>26/08/2022</a:t>
             </a:fld>
             <a:endParaRPr lang="pt-BR"/>
           </a:p>
@@ -3960,7 +3960,7 @@
           <p:cNvPr id="8" name="Espaço Reservado para Rodapé 7">
             <a:extLst>
               <a:ext uri="{FF2B5EF4-FFF2-40B4-BE49-F238E27FC236}">
-                <a16:creationId xmlns:a16="http://schemas.microsoft.com/office/drawing/2014/main" xmlns="" id="{0E801648-156F-497E-99CF-797DF48051E1}"/>
+                <a16:creationId xmlns="" xmlns:a16="http://schemas.microsoft.com/office/drawing/2014/main" id="{0E801648-156F-497E-99CF-797DF48051E1}"/>
               </a:ext>
             </a:extLst>
           </p:cNvPr>
@@ -3985,7 +3985,7 @@
           <p:cNvPr id="9" name="Espaço Reservado para Número de Slide 8">
             <a:extLst>
               <a:ext uri="{FF2B5EF4-FFF2-40B4-BE49-F238E27FC236}">
-                <a16:creationId xmlns:a16="http://schemas.microsoft.com/office/drawing/2014/main" xmlns="" id="{EEE23D32-80E7-4796-A137-66BF842E4B53}"/>
+                <a16:creationId xmlns="" xmlns:a16="http://schemas.microsoft.com/office/drawing/2014/main" id="{EEE23D32-80E7-4796-A137-66BF842E4B53}"/>
               </a:ext>
             </a:extLst>
           </p:cNvPr>
@@ -4044,7 +4044,7 @@
           <p:cNvPr id="2" name="Título 1">
             <a:extLst>
               <a:ext uri="{FF2B5EF4-FFF2-40B4-BE49-F238E27FC236}">
-                <a16:creationId xmlns:a16="http://schemas.microsoft.com/office/drawing/2014/main" xmlns="" id="{2BCE2379-C78F-47E1-8CFC-B846E7AF148D}"/>
+                <a16:creationId xmlns="" xmlns:a16="http://schemas.microsoft.com/office/drawing/2014/main" id="{2BCE2379-C78F-47E1-8CFC-B846E7AF148D}"/>
               </a:ext>
             </a:extLst>
           </p:cNvPr>
@@ -4072,7 +4072,7 @@
           <p:cNvPr id="3" name="Espaço Reservado para Data 2">
             <a:extLst>
               <a:ext uri="{FF2B5EF4-FFF2-40B4-BE49-F238E27FC236}">
-                <a16:creationId xmlns:a16="http://schemas.microsoft.com/office/drawing/2014/main" xmlns="" id="{342600A9-7F92-4E22-9D94-E4717252A817}"/>
+                <a16:creationId xmlns="" xmlns:a16="http://schemas.microsoft.com/office/drawing/2014/main" id="{342600A9-7F92-4E22-9D94-E4717252A817}"/>
               </a:ext>
             </a:extLst>
           </p:cNvPr>
@@ -4090,7 +4090,7 @@
           <a:p>
             <a:fld id="{63289F7E-B80B-496E-81B4-D396C37C9454}" type="datetimeFigureOut">
               <a:rPr lang="pt-BR" smtClean="0"/>
-              <a:t>06/08/2022</a:t>
+              <a:t>26/08/2022</a:t>
             </a:fld>
             <a:endParaRPr lang="pt-BR"/>
           </a:p>
@@ -4101,7 +4101,7 @@
           <p:cNvPr id="4" name="Espaço Reservado para Rodapé 3">
             <a:extLst>
               <a:ext uri="{FF2B5EF4-FFF2-40B4-BE49-F238E27FC236}">
-                <a16:creationId xmlns:a16="http://schemas.microsoft.com/office/drawing/2014/main" xmlns="" id="{192E6BED-F546-40CC-A2DF-99CBA853654E}"/>
+                <a16:creationId xmlns="" xmlns:a16="http://schemas.microsoft.com/office/drawing/2014/main" id="{192E6BED-F546-40CC-A2DF-99CBA853654E}"/>
               </a:ext>
             </a:extLst>
           </p:cNvPr>
@@ -4126,7 +4126,7 @@
           <p:cNvPr id="5" name="Espaço Reservado para Número de Slide 4">
             <a:extLst>
               <a:ext uri="{FF2B5EF4-FFF2-40B4-BE49-F238E27FC236}">
-                <a16:creationId xmlns:a16="http://schemas.microsoft.com/office/drawing/2014/main" xmlns="" id="{6091CC40-A8C4-4063-80EB-CC5099621678}"/>
+                <a16:creationId xmlns="" xmlns:a16="http://schemas.microsoft.com/office/drawing/2014/main" id="{6091CC40-A8C4-4063-80EB-CC5099621678}"/>
               </a:ext>
             </a:extLst>
           </p:cNvPr>
@@ -4185,7 +4185,7 @@
           <p:cNvPr id="2" name="Espaço Reservado para Data 1">
             <a:extLst>
               <a:ext uri="{FF2B5EF4-FFF2-40B4-BE49-F238E27FC236}">
-                <a16:creationId xmlns:a16="http://schemas.microsoft.com/office/drawing/2014/main" xmlns="" id="{DD19515C-212C-4EAE-84A3-8FF4BC844F1B}"/>
+                <a16:creationId xmlns="" xmlns:a16="http://schemas.microsoft.com/office/drawing/2014/main" id="{DD19515C-212C-4EAE-84A3-8FF4BC844F1B}"/>
               </a:ext>
             </a:extLst>
           </p:cNvPr>
@@ -4203,7 +4203,7 @@
           <a:p>
             <a:fld id="{63289F7E-B80B-496E-81B4-D396C37C9454}" type="datetimeFigureOut">
               <a:rPr lang="pt-BR" smtClean="0"/>
-              <a:t>06/08/2022</a:t>
+              <a:t>26/08/2022</a:t>
             </a:fld>
             <a:endParaRPr lang="pt-BR"/>
           </a:p>
@@ -4214,7 +4214,7 @@
           <p:cNvPr id="3" name="Espaço Reservado para Rodapé 2">
             <a:extLst>
               <a:ext uri="{FF2B5EF4-FFF2-40B4-BE49-F238E27FC236}">
-                <a16:creationId xmlns:a16="http://schemas.microsoft.com/office/drawing/2014/main" xmlns="" id="{94D3D120-B3E8-4C96-861D-7A4F12F49B3A}"/>
+                <a16:creationId xmlns="" xmlns:a16="http://schemas.microsoft.com/office/drawing/2014/main" id="{94D3D120-B3E8-4C96-861D-7A4F12F49B3A}"/>
               </a:ext>
             </a:extLst>
           </p:cNvPr>
@@ -4239,7 +4239,7 @@
           <p:cNvPr id="4" name="Espaço Reservado para Número de Slide 3">
             <a:extLst>
               <a:ext uri="{FF2B5EF4-FFF2-40B4-BE49-F238E27FC236}">
-                <a16:creationId xmlns:a16="http://schemas.microsoft.com/office/drawing/2014/main" xmlns="" id="{42E49B68-FA1B-468B-9F17-D5C09243D454}"/>
+                <a16:creationId xmlns="" xmlns:a16="http://schemas.microsoft.com/office/drawing/2014/main" id="{42E49B68-FA1B-468B-9F17-D5C09243D454}"/>
               </a:ext>
             </a:extLst>
           </p:cNvPr>
@@ -4298,7 +4298,7 @@
           <p:cNvPr id="2" name="Título 1">
             <a:extLst>
               <a:ext uri="{FF2B5EF4-FFF2-40B4-BE49-F238E27FC236}">
-                <a16:creationId xmlns:a16="http://schemas.microsoft.com/office/drawing/2014/main" xmlns="" id="{1C17BCBE-A897-4319-85EC-D87909C24980}"/>
+                <a16:creationId xmlns="" xmlns:a16="http://schemas.microsoft.com/office/drawing/2014/main" id="{1C17BCBE-A897-4319-85EC-D87909C24980}"/>
               </a:ext>
             </a:extLst>
           </p:cNvPr>
@@ -4335,7 +4335,7 @@
           <p:cNvPr id="3" name="Espaço Reservado para Conteúdo 2">
             <a:extLst>
               <a:ext uri="{FF2B5EF4-FFF2-40B4-BE49-F238E27FC236}">
-                <a16:creationId xmlns:a16="http://schemas.microsoft.com/office/drawing/2014/main" xmlns="" id="{4226F885-0204-4913-868B-4B8B82576F17}"/>
+                <a16:creationId xmlns="" xmlns:a16="http://schemas.microsoft.com/office/drawing/2014/main" id="{4226F885-0204-4913-868B-4B8B82576F17}"/>
               </a:ext>
             </a:extLst>
           </p:cNvPr>
@@ -4425,7 +4425,7 @@
           <p:cNvPr id="4" name="Espaço Reservado para Texto 3">
             <a:extLst>
               <a:ext uri="{FF2B5EF4-FFF2-40B4-BE49-F238E27FC236}">
-                <a16:creationId xmlns:a16="http://schemas.microsoft.com/office/drawing/2014/main" xmlns="" id="{00F9F784-A858-441B-8AB5-697098141751}"/>
+                <a16:creationId xmlns="" xmlns:a16="http://schemas.microsoft.com/office/drawing/2014/main" id="{00F9F784-A858-441B-8AB5-697098141751}"/>
               </a:ext>
             </a:extLst>
           </p:cNvPr>
@@ -4496,7 +4496,7 @@
           <p:cNvPr id="5" name="Espaço Reservado para Data 4">
             <a:extLst>
               <a:ext uri="{FF2B5EF4-FFF2-40B4-BE49-F238E27FC236}">
-                <a16:creationId xmlns:a16="http://schemas.microsoft.com/office/drawing/2014/main" xmlns="" id="{A4DC363A-5000-472E-8B17-02E7DCB8840A}"/>
+                <a16:creationId xmlns="" xmlns:a16="http://schemas.microsoft.com/office/drawing/2014/main" id="{A4DC363A-5000-472E-8B17-02E7DCB8840A}"/>
               </a:ext>
             </a:extLst>
           </p:cNvPr>
@@ -4514,7 +4514,7 @@
           <a:p>
             <a:fld id="{63289F7E-B80B-496E-81B4-D396C37C9454}" type="datetimeFigureOut">
               <a:rPr lang="pt-BR" smtClean="0"/>
-              <a:t>06/08/2022</a:t>
+              <a:t>26/08/2022</a:t>
             </a:fld>
             <a:endParaRPr lang="pt-BR"/>
           </a:p>
@@ -4525,7 +4525,7 @@
           <p:cNvPr id="6" name="Espaço Reservado para Rodapé 5">
             <a:extLst>
               <a:ext uri="{FF2B5EF4-FFF2-40B4-BE49-F238E27FC236}">
-                <a16:creationId xmlns:a16="http://schemas.microsoft.com/office/drawing/2014/main" xmlns="" id="{5548425D-2C21-4C56-BAD4-662978775C28}"/>
+                <a16:creationId xmlns="" xmlns:a16="http://schemas.microsoft.com/office/drawing/2014/main" id="{5548425D-2C21-4C56-BAD4-662978775C28}"/>
               </a:ext>
             </a:extLst>
           </p:cNvPr>
@@ -4550,7 +4550,7 @@
           <p:cNvPr id="7" name="Espaço Reservado para Número de Slide 6">
             <a:extLst>
               <a:ext uri="{FF2B5EF4-FFF2-40B4-BE49-F238E27FC236}">
-                <a16:creationId xmlns:a16="http://schemas.microsoft.com/office/drawing/2014/main" xmlns="" id="{C63E9726-E64C-42B2-AE8A-8C235A956B48}"/>
+                <a16:creationId xmlns="" xmlns:a16="http://schemas.microsoft.com/office/drawing/2014/main" id="{C63E9726-E64C-42B2-AE8A-8C235A956B48}"/>
               </a:ext>
             </a:extLst>
           </p:cNvPr>
@@ -4609,7 +4609,7 @@
           <p:cNvPr id="2" name="Título 1">
             <a:extLst>
               <a:ext uri="{FF2B5EF4-FFF2-40B4-BE49-F238E27FC236}">
-                <a16:creationId xmlns:a16="http://schemas.microsoft.com/office/drawing/2014/main" xmlns="" id="{11086A78-3E74-450C-96A6-CA8AC37AF772}"/>
+                <a16:creationId xmlns="" xmlns:a16="http://schemas.microsoft.com/office/drawing/2014/main" id="{11086A78-3E74-450C-96A6-CA8AC37AF772}"/>
               </a:ext>
             </a:extLst>
           </p:cNvPr>
@@ -4646,7 +4646,7 @@
           <p:cNvPr id="3" name="Espaço Reservado para Imagem 2">
             <a:extLst>
               <a:ext uri="{FF2B5EF4-FFF2-40B4-BE49-F238E27FC236}">
-                <a16:creationId xmlns:a16="http://schemas.microsoft.com/office/drawing/2014/main" xmlns="" id="{5F5B7312-975A-4DBC-9B2F-3652ADA006FD}"/>
+                <a16:creationId xmlns="" xmlns:a16="http://schemas.microsoft.com/office/drawing/2014/main" id="{5F5B7312-975A-4DBC-9B2F-3652ADA006FD}"/>
               </a:ext>
             </a:extLst>
           </p:cNvPr>
@@ -4713,7 +4713,7 @@
           <p:cNvPr id="4" name="Espaço Reservado para Texto 3">
             <a:extLst>
               <a:ext uri="{FF2B5EF4-FFF2-40B4-BE49-F238E27FC236}">
-                <a16:creationId xmlns:a16="http://schemas.microsoft.com/office/drawing/2014/main" xmlns="" id="{AAF805F5-1DFF-41C6-944C-7D79FE0D0963}"/>
+                <a16:creationId xmlns="" xmlns:a16="http://schemas.microsoft.com/office/drawing/2014/main" id="{AAF805F5-1DFF-41C6-944C-7D79FE0D0963}"/>
               </a:ext>
             </a:extLst>
           </p:cNvPr>
@@ -4784,7 +4784,7 @@
           <p:cNvPr id="5" name="Espaço Reservado para Data 4">
             <a:extLst>
               <a:ext uri="{FF2B5EF4-FFF2-40B4-BE49-F238E27FC236}">
-                <a16:creationId xmlns:a16="http://schemas.microsoft.com/office/drawing/2014/main" xmlns="" id="{02113D81-8665-4516-BD81-C6A1F254EECD}"/>
+                <a16:creationId xmlns="" xmlns:a16="http://schemas.microsoft.com/office/drawing/2014/main" id="{02113D81-8665-4516-BD81-C6A1F254EECD}"/>
               </a:ext>
             </a:extLst>
           </p:cNvPr>
@@ -4802,7 +4802,7 @@
           <a:p>
             <a:fld id="{63289F7E-B80B-496E-81B4-D396C37C9454}" type="datetimeFigureOut">
               <a:rPr lang="pt-BR" smtClean="0"/>
-              <a:t>06/08/2022</a:t>
+              <a:t>26/08/2022</a:t>
             </a:fld>
             <a:endParaRPr lang="pt-BR"/>
           </a:p>
@@ -4813,7 +4813,7 @@
           <p:cNvPr id="6" name="Espaço Reservado para Rodapé 5">
             <a:extLst>
               <a:ext uri="{FF2B5EF4-FFF2-40B4-BE49-F238E27FC236}">
-                <a16:creationId xmlns:a16="http://schemas.microsoft.com/office/drawing/2014/main" xmlns="" id="{2B00C88B-FF32-40AA-A187-727D96FD7862}"/>
+                <a16:creationId xmlns="" xmlns:a16="http://schemas.microsoft.com/office/drawing/2014/main" id="{2B00C88B-FF32-40AA-A187-727D96FD7862}"/>
               </a:ext>
             </a:extLst>
           </p:cNvPr>
@@ -4838,7 +4838,7 @@
           <p:cNvPr id="7" name="Espaço Reservado para Número de Slide 6">
             <a:extLst>
               <a:ext uri="{FF2B5EF4-FFF2-40B4-BE49-F238E27FC236}">
-                <a16:creationId xmlns:a16="http://schemas.microsoft.com/office/drawing/2014/main" xmlns="" id="{A04D1A2D-69F7-4B8F-A730-BC26DC340BA6}"/>
+                <a16:creationId xmlns="" xmlns:a16="http://schemas.microsoft.com/office/drawing/2014/main" id="{A04D1A2D-69F7-4B8F-A730-BC26DC340BA6}"/>
               </a:ext>
             </a:extLst>
           </p:cNvPr>
@@ -4902,7 +4902,7 @@
           <p:cNvPr id="2" name="Espaço Reservado para Título 1">
             <a:extLst>
               <a:ext uri="{FF2B5EF4-FFF2-40B4-BE49-F238E27FC236}">
-                <a16:creationId xmlns:a16="http://schemas.microsoft.com/office/drawing/2014/main" xmlns="" id="{E69A0273-1966-4A1B-9370-4C1CE5036371}"/>
+                <a16:creationId xmlns="" xmlns:a16="http://schemas.microsoft.com/office/drawing/2014/main" id="{E69A0273-1966-4A1B-9370-4C1CE5036371}"/>
               </a:ext>
             </a:extLst>
           </p:cNvPr>
@@ -4940,7 +4940,7 @@
           <p:cNvPr id="3" name="Espaço Reservado para Texto 2">
             <a:extLst>
               <a:ext uri="{FF2B5EF4-FFF2-40B4-BE49-F238E27FC236}">
-                <a16:creationId xmlns:a16="http://schemas.microsoft.com/office/drawing/2014/main" xmlns="" id="{3B9CF87A-0448-49A7-AB25-EBC1D56A40EF}"/>
+                <a16:creationId xmlns="" xmlns:a16="http://schemas.microsoft.com/office/drawing/2014/main" id="{3B9CF87A-0448-49A7-AB25-EBC1D56A40EF}"/>
               </a:ext>
             </a:extLst>
           </p:cNvPr>
@@ -5007,7 +5007,7 @@
           <p:cNvPr id="4" name="Espaço Reservado para Data 3">
             <a:extLst>
               <a:ext uri="{FF2B5EF4-FFF2-40B4-BE49-F238E27FC236}">
-                <a16:creationId xmlns:a16="http://schemas.microsoft.com/office/drawing/2014/main" xmlns="" id="{2EF7B1F2-BB5A-44D0-816D-16AD2C71430E}"/>
+                <a16:creationId xmlns="" xmlns:a16="http://schemas.microsoft.com/office/drawing/2014/main" id="{2EF7B1F2-BB5A-44D0-816D-16AD2C71430E}"/>
               </a:ext>
             </a:extLst>
           </p:cNvPr>
@@ -5043,7 +5043,7 @@
           <a:p>
             <a:fld id="{63289F7E-B80B-496E-81B4-D396C37C9454}" type="datetimeFigureOut">
               <a:rPr lang="pt-BR" smtClean="0"/>
-              <a:t>06/08/2022</a:t>
+              <a:t>26/08/2022</a:t>
             </a:fld>
             <a:endParaRPr lang="pt-BR"/>
           </a:p>
@@ -5054,7 +5054,7 @@
           <p:cNvPr id="5" name="Espaço Reservado para Rodapé 4">
             <a:extLst>
               <a:ext uri="{FF2B5EF4-FFF2-40B4-BE49-F238E27FC236}">
-                <a16:creationId xmlns:a16="http://schemas.microsoft.com/office/drawing/2014/main" xmlns="" id="{C703F94C-2CC8-4DAA-BC35-14FC3E841DCD}"/>
+                <a16:creationId xmlns="" xmlns:a16="http://schemas.microsoft.com/office/drawing/2014/main" id="{C703F94C-2CC8-4DAA-BC35-14FC3E841DCD}"/>
               </a:ext>
             </a:extLst>
           </p:cNvPr>
@@ -5097,7 +5097,7 @@
           <p:cNvPr id="6" name="Espaço Reservado para Número de Slide 5">
             <a:extLst>
               <a:ext uri="{FF2B5EF4-FFF2-40B4-BE49-F238E27FC236}">
-                <a16:creationId xmlns:a16="http://schemas.microsoft.com/office/drawing/2014/main" xmlns="" id="{64051336-7048-457A-8B61-D94291D71648}"/>
+                <a16:creationId xmlns="" xmlns:a16="http://schemas.microsoft.com/office/drawing/2014/main" id="{64051336-7048-457A-8B61-D94291D71648}"/>
               </a:ext>
             </a:extLst>
           </p:cNvPr>
@@ -5465,7 +5465,7 @@
           <p:cNvPr id="2" name="Título 1">
             <a:extLst>
               <a:ext uri="{FF2B5EF4-FFF2-40B4-BE49-F238E27FC236}">
-                <a16:creationId xmlns:a16="http://schemas.microsoft.com/office/drawing/2014/main" xmlns="" id="{32666AC8-2E17-4DB4-B0F5-60C640CCFD2E}"/>
+                <a16:creationId xmlns="" xmlns:a16="http://schemas.microsoft.com/office/drawing/2014/main" id="{32666AC8-2E17-4DB4-B0F5-60C640CCFD2E}"/>
               </a:ext>
             </a:extLst>
           </p:cNvPr>
@@ -5512,7 +5512,7 @@
           <p:cNvPr id="4" name="CaixaDeTexto 3">
             <a:extLst>
               <a:ext uri="{FF2B5EF4-FFF2-40B4-BE49-F238E27FC236}">
-                <a16:creationId xmlns:a16="http://schemas.microsoft.com/office/drawing/2014/main" xmlns="" id="{430EB894-B7D4-434C-9D1A-A14094D9BEEC}"/>
+                <a16:creationId xmlns="" xmlns:a16="http://schemas.microsoft.com/office/drawing/2014/main" id="{430EB894-B7D4-434C-9D1A-A14094D9BEEC}"/>
               </a:ext>
             </a:extLst>
           </p:cNvPr>
@@ -5553,7 +5553,7 @@
           <p:cNvPr id="1026" name="Picture 2" descr="Logo">
             <a:extLst>
               <a:ext uri="{FF2B5EF4-FFF2-40B4-BE49-F238E27FC236}">
-                <a16:creationId xmlns:a16="http://schemas.microsoft.com/office/drawing/2014/main" xmlns="" id="{3F2642E0-4F6A-4196-8F58-E77D36E9A33F}"/>
+                <a16:creationId xmlns="" xmlns:a16="http://schemas.microsoft.com/office/drawing/2014/main" id="{3F2642E0-4F6A-4196-8F58-E77D36E9A33F}"/>
               </a:ext>
             </a:extLst>
           </p:cNvPr>
@@ -5598,7 +5598,7 @@
           <p:cNvPr id="5122" name="Picture 2" descr="Image result for machine learning">
             <a:extLst>
               <a:ext uri="{FF2B5EF4-FFF2-40B4-BE49-F238E27FC236}">
-                <a16:creationId xmlns:a16="http://schemas.microsoft.com/office/drawing/2014/main" xmlns="" id="{810CE0A2-4102-44A6-A370-175E7896CDCB}"/>
+                <a16:creationId xmlns="" xmlns:a16="http://schemas.microsoft.com/office/drawing/2014/main" id="{810CE0A2-4102-44A6-A370-175E7896CDCB}"/>
               </a:ext>
             </a:extLst>
           </p:cNvPr>
@@ -22565,7 +22565,10 @@
             </a:r>
           </a:p>
           <a:p>
-            <a:pPr lvl="1"/>
+            <a:pPr lvl="1">
+              <a:buFont typeface="Wingdings" panose="05000000000000000000" pitchFamily="2" charset="2"/>
+              <a:buChar char="§"/>
+            </a:pPr>
             <a:r>
               <a:rPr lang="pt-BR" dirty="0"/>
               <a:t>Pode ser acessado através do link acima (Google </a:t>
@@ -22580,9 +22583,12 @@
             </a:r>
           </a:p>
           <a:p>
-            <a:pPr lvl="1"/>
+            <a:pPr lvl="1">
+              <a:buFont typeface="Wingdings" panose="05000000000000000000" pitchFamily="2" charset="2"/>
+              <a:buChar char="§"/>
+            </a:pPr>
             <a:r>
-              <a:rPr lang="pt-BR" smtClean="0"/>
+              <a:rPr lang="pt-BR" dirty="0" smtClean="0"/>
               <a:t>Se </a:t>
             </a:r>
             <a:r>
@@ -22591,7 +22597,10 @@
             </a:r>
           </a:p>
           <a:p>
-            <a:pPr lvl="1"/>
+            <a:pPr lvl="1">
+              <a:buFont typeface="Wingdings" panose="05000000000000000000" pitchFamily="2" charset="2"/>
+              <a:buChar char="§"/>
+            </a:pPr>
             <a:r>
               <a:rPr lang="pt-BR" dirty="0">
                 <a:hlinkClick r:id="rId4"/>
@@ -22604,7 +22613,10 @@
             </a:r>
           </a:p>
           <a:p>
-            <a:pPr lvl="1"/>
+            <a:pPr lvl="1">
+              <a:buFont typeface="Wingdings" panose="05000000000000000000" pitchFamily="2" charset="2"/>
+              <a:buChar char="§"/>
+            </a:pPr>
             <a:r>
               <a:rPr lang="pt-BR" b="1" dirty="0">
                 <a:solidFill>
@@ -22613,11 +22625,6 @@
               </a:rPr>
               <a:t>Laboratórios podem ser resolvidos em grupo, mas as entregas devem ser individuais.</a:t>
             </a:r>
-            <a:endParaRPr lang="pt-BR" b="1" dirty="0">
-              <a:solidFill>
-                <a:srgbClr val="FF0000"/>
-              </a:solidFill>
-            </a:endParaRPr>
           </a:p>
         </p:txBody>
       </p:sp>
@@ -22663,7 +22670,7 @@
           <p:cNvPr id="4" name="Título 1">
             <a:extLst>
               <a:ext uri="{FF2B5EF4-FFF2-40B4-BE49-F238E27FC236}">
-                <a16:creationId xmlns:a16="http://schemas.microsoft.com/office/drawing/2014/main" xmlns="" id="{32666AC8-2E17-4DB4-B0F5-60C640CCFD2E}"/>
+                <a16:creationId xmlns="" xmlns:a16="http://schemas.microsoft.com/office/drawing/2014/main" id="{32666AC8-2E17-4DB4-B0F5-60C640CCFD2E}"/>
               </a:ext>
             </a:extLst>
           </p:cNvPr>
@@ -31644,7 +31651,7 @@
           <p:cNvPr id="2" name="Título 1">
             <a:extLst>
               <a:ext uri="{FF2B5EF4-FFF2-40B4-BE49-F238E27FC236}">
-                <a16:creationId xmlns:a16="http://schemas.microsoft.com/office/drawing/2014/main" xmlns="" id="{C4F48192-B348-4C3E-8621-D3755D2230F8}"/>
+                <a16:creationId xmlns="" xmlns:a16="http://schemas.microsoft.com/office/drawing/2014/main" id="{C4F48192-B348-4C3E-8621-D3755D2230F8}"/>
               </a:ext>
             </a:extLst>
           </p:cNvPr>
@@ -31681,7 +31688,7 @@
           <p:cNvPr id="3" name="Espaço Reservado para Conteúdo 2">
             <a:extLst>
               <a:ext uri="{FF2B5EF4-FFF2-40B4-BE49-F238E27FC236}">
-                <a16:creationId xmlns:a16="http://schemas.microsoft.com/office/drawing/2014/main" xmlns="" id="{E3DECB90-AFD9-4AC6-A356-C93A7442A6E6}"/>
+                <a16:creationId xmlns="" xmlns:a16="http://schemas.microsoft.com/office/drawing/2014/main" id="{E3DECB90-AFD9-4AC6-A356-C93A7442A6E6}"/>
               </a:ext>
             </a:extLst>
           </p:cNvPr>
@@ -31835,7 +31842,7 @@
           <p:cNvPr id="3074" name="Picture 2" descr="Image result for machine learning">
             <a:extLst>
               <a:ext uri="{FF2B5EF4-FFF2-40B4-BE49-F238E27FC236}">
-                <a16:creationId xmlns:a16="http://schemas.microsoft.com/office/drawing/2014/main" xmlns="" id="{78A93243-9634-4B0E-B1B2-37A218EAEADD}"/>
+                <a16:creationId xmlns="" xmlns:a16="http://schemas.microsoft.com/office/drawing/2014/main" id="{78A93243-9634-4B0E-B1B2-37A218EAEADD}"/>
               </a:ext>
             </a:extLst>
           </p:cNvPr>
@@ -37341,7 +37348,7 @@
           <p:cNvPr id="2" name="Título 1">
             <a:extLst>
               <a:ext uri="{FF2B5EF4-FFF2-40B4-BE49-F238E27FC236}">
-                <a16:creationId xmlns:a16="http://schemas.microsoft.com/office/drawing/2014/main" xmlns="" id="{A2A4684C-1159-4F88-A2B1-6BABEDE38C4D}"/>
+                <a16:creationId xmlns="" xmlns:a16="http://schemas.microsoft.com/office/drawing/2014/main" id="{A2A4684C-1159-4F88-A2B1-6BABEDE38C4D}"/>
               </a:ext>
             </a:extLst>
           </p:cNvPr>
@@ -37369,7 +37376,7 @@
           <p:cNvPr id="3" name="Espaço Reservado para Conteúdo 2">
             <a:extLst>
               <a:ext uri="{FF2B5EF4-FFF2-40B4-BE49-F238E27FC236}">
-                <a16:creationId xmlns:a16="http://schemas.microsoft.com/office/drawing/2014/main" xmlns="" id="{EC432B31-D382-41FF-BB6B-2ABDD322424B}"/>
+                <a16:creationId xmlns="" xmlns:a16="http://schemas.microsoft.com/office/drawing/2014/main" id="{EC432B31-D382-41FF-BB6B-2ABDD322424B}"/>
               </a:ext>
             </a:extLst>
           </p:cNvPr>
@@ -38508,7 +38515,7 @@
           <p:cNvPr id="4" name="Picture 5" descr="Image result for supervised learning">
             <a:extLst>
               <a:ext uri="{FF2B5EF4-FFF2-40B4-BE49-F238E27FC236}">
-                <a16:creationId xmlns:a16="http://schemas.microsoft.com/office/drawing/2014/main" xmlns="" id="{2520F4EA-1E3E-4F3B-97C0-DF47861DCD42}"/>
+                <a16:creationId xmlns="" xmlns:a16="http://schemas.microsoft.com/office/drawing/2014/main" id="{2520F4EA-1E3E-4F3B-97C0-DF47861DCD42}"/>
               </a:ext>
             </a:extLst>
           </p:cNvPr>

--- a/slides/T320_Classificação (Parte I).pptx
+++ b/slides/T320_Classificação (Parte I).pptx
@@ -299,7 +299,7 @@
           <a:p>
             <a:fld id="{144F1436-6906-4D93-B7A2-786C327BFA14}" type="datetimeFigureOut">
               <a:rPr lang="nl-BE" smtClean="0"/>
-              <a:t>26/08/2022</a:t>
+              <a:t>2/02/2023</a:t>
             </a:fld>
             <a:endParaRPr lang="nl-BE"/>
           </a:p>
@@ -464,7 +464,7 @@
           <a:p>
             <a:fld id="{AA8CD09E-2914-4F47-B6C1-51B2C31814C9}" type="datetimeFigureOut">
               <a:rPr lang="pt-BR" smtClean="0"/>
-              <a:t>26/08/2022</a:t>
+              <a:t>02/02/2023</a:t>
             </a:fld>
             <a:endParaRPr lang="pt-BR"/>
           </a:p>
@@ -2393,7 +2393,7 @@
           <a:p>
             <a:fld id="{63289F7E-B80B-496E-81B4-D396C37C9454}" type="datetimeFigureOut">
               <a:rPr lang="pt-BR" smtClean="0"/>
-              <a:t>26/08/2022</a:t>
+              <a:t>02/02/2023</a:t>
             </a:fld>
             <a:endParaRPr lang="pt-BR"/>
           </a:p>
@@ -2591,7 +2591,7 @@
           <a:p>
             <a:fld id="{63289F7E-B80B-496E-81B4-D396C37C9454}" type="datetimeFigureOut">
               <a:rPr lang="pt-BR" smtClean="0"/>
-              <a:t>26/08/2022</a:t>
+              <a:t>02/02/2023</a:t>
             </a:fld>
             <a:endParaRPr lang="pt-BR"/>
           </a:p>
@@ -2799,7 +2799,7 @@
           <a:p>
             <a:fld id="{63289F7E-B80B-496E-81B4-D396C37C9454}" type="datetimeFigureOut">
               <a:rPr lang="pt-BR" smtClean="0"/>
-              <a:t>26/08/2022</a:t>
+              <a:t>02/02/2023</a:t>
             </a:fld>
             <a:endParaRPr lang="pt-BR"/>
           </a:p>
@@ -2997,7 +2997,7 @@
           <a:p>
             <a:fld id="{63289F7E-B80B-496E-81B4-D396C37C9454}" type="datetimeFigureOut">
               <a:rPr lang="pt-BR" smtClean="0"/>
-              <a:t>26/08/2022</a:t>
+              <a:t>02/02/2023</a:t>
             </a:fld>
             <a:endParaRPr lang="pt-BR"/>
           </a:p>
@@ -3272,7 +3272,7 @@
           <a:p>
             <a:fld id="{63289F7E-B80B-496E-81B4-D396C37C9454}" type="datetimeFigureOut">
               <a:rPr lang="pt-BR" smtClean="0"/>
-              <a:t>26/08/2022</a:t>
+              <a:t>02/02/2023</a:t>
             </a:fld>
             <a:endParaRPr lang="pt-BR"/>
           </a:p>
@@ -3537,7 +3537,7 @@
           <a:p>
             <a:fld id="{63289F7E-B80B-496E-81B4-D396C37C9454}" type="datetimeFigureOut">
               <a:rPr lang="pt-BR" smtClean="0"/>
-              <a:t>26/08/2022</a:t>
+              <a:t>02/02/2023</a:t>
             </a:fld>
             <a:endParaRPr lang="pt-BR"/>
           </a:p>
@@ -3949,7 +3949,7 @@
           <a:p>
             <a:fld id="{63289F7E-B80B-496E-81B4-D396C37C9454}" type="datetimeFigureOut">
               <a:rPr lang="pt-BR" smtClean="0"/>
-              <a:t>26/08/2022</a:t>
+              <a:t>02/02/2023</a:t>
             </a:fld>
             <a:endParaRPr lang="pt-BR"/>
           </a:p>
@@ -4090,7 +4090,7 @@
           <a:p>
             <a:fld id="{63289F7E-B80B-496E-81B4-D396C37C9454}" type="datetimeFigureOut">
               <a:rPr lang="pt-BR" smtClean="0"/>
-              <a:t>26/08/2022</a:t>
+              <a:t>02/02/2023</a:t>
             </a:fld>
             <a:endParaRPr lang="pt-BR"/>
           </a:p>
@@ -4203,7 +4203,7 @@
           <a:p>
             <a:fld id="{63289F7E-B80B-496E-81B4-D396C37C9454}" type="datetimeFigureOut">
               <a:rPr lang="pt-BR" smtClean="0"/>
-              <a:t>26/08/2022</a:t>
+              <a:t>02/02/2023</a:t>
             </a:fld>
             <a:endParaRPr lang="pt-BR"/>
           </a:p>
@@ -4514,7 +4514,7 @@
           <a:p>
             <a:fld id="{63289F7E-B80B-496E-81B4-D396C37C9454}" type="datetimeFigureOut">
               <a:rPr lang="pt-BR" smtClean="0"/>
-              <a:t>26/08/2022</a:t>
+              <a:t>02/02/2023</a:t>
             </a:fld>
             <a:endParaRPr lang="pt-BR"/>
           </a:p>
@@ -4802,7 +4802,7 @@
           <a:p>
             <a:fld id="{63289F7E-B80B-496E-81B4-D396C37C9454}" type="datetimeFigureOut">
               <a:rPr lang="pt-BR" smtClean="0"/>
-              <a:t>26/08/2022</a:t>
+              <a:t>02/02/2023</a:t>
             </a:fld>
             <a:endParaRPr lang="pt-BR"/>
           </a:p>
@@ -5043,7 +5043,7 @@
           <a:p>
             <a:fld id="{63289F7E-B80B-496E-81B4-D396C37C9454}" type="datetimeFigureOut">
               <a:rPr lang="pt-BR" smtClean="0"/>
-              <a:t>26/08/2022</a:t>
+              <a:t>02/02/2023</a:t>
             </a:fld>
             <a:endParaRPr lang="pt-BR"/>
           </a:p>
@@ -32009,7 +32009,7 @@
           <a:p>
             <a:r>
               <a:rPr lang="pt-BR" dirty="0" smtClean="0"/>
-              <a:t>2 trabalhos com peso de 85% cada.</a:t>
+              <a:t>2 trabalhos em grupo com peso de 85% cada.</a:t>
             </a:r>
           </a:p>
           <a:p>
@@ -32228,8 +32228,8 @@
         </p:blipFill>
         <p:spPr>
           <a:xfrm>
-            <a:off x="6721975" y="76200"/>
-            <a:ext cx="2619375" cy="1743075"/>
+            <a:off x="7077456" y="76200"/>
+            <a:ext cx="2263894" cy="1506519"/>
           </a:xfrm>
           <a:prstGeom prst="rect">
             <a:avLst/>
@@ -32305,14 +32305,14 @@
           <p:nvPr>
             <p:extLst>
               <p:ext uri="{D42A27DB-BD31-4B8C-83A1-F6EECF244321}">
-                <p14:modId xmlns:p14="http://schemas.microsoft.com/office/powerpoint/2010/main" val="117742175"/>
+                <p14:modId xmlns:p14="http://schemas.microsoft.com/office/powerpoint/2010/main" val="2405250053"/>
               </p:ext>
             </p:extLst>
           </p:nvPr>
         </p:nvGraphicFramePr>
         <p:xfrm>
-          <a:off x="838200" y="1558925"/>
-          <a:ext cx="11049001" cy="4874395"/>
+          <a:off x="838200" y="1430909"/>
+          <a:ext cx="11049001" cy="5256278"/>
         </p:xfrm>
         <a:graphic>
           <a:graphicData uri="http://schemas.openxmlformats.org/drawingml/2006/table">
@@ -32612,14 +32612,14 @@
                     <a:p>
                       <a:pPr algn="ctr" rtl="0" fontAlgn="b"/>
                       <a:r>
-                        <a:rPr lang="en-US" sz="1400" dirty="0">
+                        <a:rPr lang="pt-BR" sz="1400" dirty="0">
                           <a:effectLst/>
                         </a:rPr>
                         <a:t>1</a:t>
                       </a:r>
                     </a:p>
                   </a:txBody>
-                  <a:tcPr marL="10288" marR="10288" marT="6859" marB="6859" anchor="b">
+                  <a:tcPr marL="28575" marR="28575" marT="19050" marB="19050" anchor="b">
                     <a:lnL w="9525" cap="flat" cmpd="sng" algn="ctr">
                       <a:solidFill>
                         <a:srgbClr val="000000"/>
@@ -32665,14 +32665,14 @@
                     <a:p>
                       <a:pPr algn="ctr" rtl="0" fontAlgn="b"/>
                       <a:r>
-                        <a:rPr lang="en-US" sz="1400" dirty="0">
+                        <a:rPr lang="pt-BR" sz="1400">
                           <a:effectLst/>
                         </a:rPr>
-                        <a:t>30/7/2022</a:t>
+                        <a:t>11/2/2023</a:t>
                       </a:r>
                     </a:p>
                   </a:txBody>
-                  <a:tcPr marL="10288" marR="10288" marT="6859" marB="6859" anchor="b">
+                  <a:tcPr marL="28575" marR="28575" marT="19050" marB="19050" anchor="b">
                     <a:lnL w="9525" cap="flat" cmpd="sng" algn="ctr">
                       <a:solidFill>
                         <a:srgbClr val="CCCCCC"/>
@@ -32885,14 +32885,14 @@
                     <a:p>
                       <a:pPr algn="ctr" rtl="0" fontAlgn="b"/>
                       <a:r>
-                        <a:rPr lang="en-US" sz="1400">
+                        <a:rPr lang="pt-BR" sz="1400">
                           <a:effectLst/>
                         </a:rPr>
                         <a:t>2</a:t>
                       </a:r>
                     </a:p>
                   </a:txBody>
-                  <a:tcPr marL="10288" marR="10288" marT="6859" marB="6859" anchor="b">
+                  <a:tcPr marL="28575" marR="28575" marT="19050" marB="19050" anchor="b">
                     <a:lnL w="9525" cap="flat" cmpd="sng" algn="ctr">
                       <a:solidFill>
                         <a:srgbClr val="000000"/>
@@ -32938,14 +32938,14 @@
                     <a:p>
                       <a:pPr algn="ctr" rtl="0" fontAlgn="b"/>
                       <a:r>
-                        <a:rPr lang="en-US" sz="1400" dirty="0">
+                        <a:rPr lang="pt-BR" sz="1400">
                           <a:effectLst/>
                         </a:rPr>
-                        <a:t>6/8/2022</a:t>
+                        <a:t>18/2/2023</a:t>
                       </a:r>
                     </a:p>
                   </a:txBody>
-                  <a:tcPr marL="10288" marR="10288" marT="6859" marB="6859" anchor="b">
+                  <a:tcPr marL="28575" marR="28575" marT="19050" marB="19050" anchor="b">
                     <a:lnL w="9525" cap="flat" cmpd="sng" algn="ctr">
                       <a:solidFill>
                         <a:srgbClr val="CCCCCC"/>
@@ -33125,14 +33125,14 @@
                     <a:p>
                       <a:pPr algn="ctr" rtl="0" fontAlgn="b"/>
                       <a:r>
-                        <a:rPr lang="en-US" sz="1400" dirty="0">
+                        <a:rPr lang="pt-BR" sz="1400">
                           <a:effectLst/>
                         </a:rPr>
                         <a:t>3</a:t>
                       </a:r>
                     </a:p>
                   </a:txBody>
-                  <a:tcPr marL="10288" marR="10288" marT="6859" marB="6859" anchor="b">
+                  <a:tcPr marL="28575" marR="28575" marT="19050" marB="19050" anchor="b">
                     <a:lnL w="9525" cap="flat" cmpd="sng" algn="ctr">
                       <a:solidFill>
                         <a:srgbClr val="000000"/>
@@ -33178,14 +33178,14 @@
                     <a:p>
                       <a:pPr algn="ctr" rtl="0" fontAlgn="b"/>
                       <a:r>
-                        <a:rPr lang="en-US" sz="1400">
+                        <a:rPr lang="pt-BR" sz="1400">
                           <a:effectLst/>
                         </a:rPr>
-                        <a:t>13/8/2022</a:t>
+                        <a:t>25/2/2023</a:t>
                       </a:r>
                     </a:p>
                   </a:txBody>
-                  <a:tcPr marL="10288" marR="10288" marT="6859" marB="6859" anchor="b">
+                  <a:tcPr marL="28575" marR="28575" marT="19050" marB="19050" anchor="b">
                     <a:lnL w="9525" cap="flat" cmpd="sng" algn="ctr">
                       <a:solidFill>
                         <a:srgbClr val="CCCCCC"/>
@@ -33349,14 +33349,14 @@
                     <a:p>
                       <a:pPr algn="ctr" rtl="0" fontAlgn="b"/>
                       <a:r>
-                        <a:rPr lang="en-US" sz="1400" dirty="0">
+                        <a:rPr lang="pt-BR" sz="1400">
                           <a:effectLst/>
                         </a:rPr>
                         <a:t>4</a:t>
                       </a:r>
                     </a:p>
                   </a:txBody>
-                  <a:tcPr marL="10288" marR="10288" marT="6859" marB="6859" anchor="b">
+                  <a:tcPr marL="28575" marR="28575" marT="19050" marB="19050" anchor="b">
                     <a:lnL w="9525" cap="flat" cmpd="sng" algn="ctr">
                       <a:solidFill>
                         <a:srgbClr val="000000"/>
@@ -33402,14 +33402,14 @@
                     <a:p>
                       <a:pPr algn="ctr" rtl="0" fontAlgn="b"/>
                       <a:r>
-                        <a:rPr lang="en-US" sz="1400" dirty="0">
+                        <a:rPr lang="pt-BR" sz="1400">
                           <a:effectLst/>
                         </a:rPr>
-                        <a:t>20/8/2022</a:t>
+                        <a:t>4/3/2023</a:t>
                       </a:r>
                     </a:p>
                   </a:txBody>
-                  <a:tcPr marL="10288" marR="10288" marT="6859" marB="6859" anchor="b">
+                  <a:tcPr marL="28575" marR="28575" marT="19050" marB="19050" anchor="b">
                     <a:lnL w="9525" cap="flat" cmpd="sng" algn="ctr">
                       <a:solidFill>
                         <a:srgbClr val="CCCCCC"/>
@@ -33573,14 +33573,14 @@
                     <a:p>
                       <a:pPr algn="ctr" rtl="0" fontAlgn="b"/>
                       <a:r>
-                        <a:rPr lang="en-US" sz="1400" dirty="0">
+                        <a:rPr lang="pt-BR" sz="1400">
                           <a:effectLst/>
                         </a:rPr>
                         <a:t>5</a:t>
                       </a:r>
                     </a:p>
                   </a:txBody>
-                  <a:tcPr marL="10288" marR="10288" marT="6859" marB="6859" anchor="b">
+                  <a:tcPr marL="28575" marR="28575" marT="19050" marB="19050" anchor="b">
                     <a:lnL w="9525" cap="flat" cmpd="sng" algn="ctr">
                       <a:solidFill>
                         <a:srgbClr val="000000"/>
@@ -33626,14 +33626,14 @@
                     <a:p>
                       <a:pPr algn="ctr" rtl="0" fontAlgn="b"/>
                       <a:r>
-                        <a:rPr lang="en-US" sz="1400" dirty="0">
+                        <a:rPr lang="pt-BR" sz="1400">
                           <a:effectLst/>
                         </a:rPr>
-                        <a:t>27/8/2022</a:t>
+                        <a:t>11/3/2023</a:t>
                       </a:r>
                     </a:p>
                   </a:txBody>
-                  <a:tcPr marL="10288" marR="10288" marT="6859" marB="6859" anchor="b">
+                  <a:tcPr marL="28575" marR="28575" marT="19050" marB="19050" anchor="b">
                     <a:lnL w="9525" cap="flat" cmpd="sng" algn="ctr">
                       <a:solidFill>
                         <a:srgbClr val="CCCCCC"/>
@@ -33797,14 +33797,14 @@
                     <a:p>
                       <a:pPr algn="ctr" rtl="0" fontAlgn="b"/>
                       <a:r>
-                        <a:rPr lang="en-US" sz="1400" dirty="0">
+                        <a:rPr lang="pt-BR" sz="1400">
                           <a:effectLst/>
                         </a:rPr>
                         <a:t>6</a:t>
                       </a:r>
                     </a:p>
                   </a:txBody>
-                  <a:tcPr marL="10288" marR="10288" marT="6859" marB="6859" anchor="b">
+                  <a:tcPr marL="28575" marR="28575" marT="19050" marB="19050" anchor="b">
                     <a:lnL w="9525" cap="flat" cmpd="sng" algn="ctr">
                       <a:solidFill>
                         <a:srgbClr val="000000"/>
@@ -33850,14 +33850,14 @@
                     <a:p>
                       <a:pPr algn="ctr" rtl="0" fontAlgn="b"/>
                       <a:r>
-                        <a:rPr lang="en-US" sz="1400">
+                        <a:rPr lang="pt-BR" sz="1400">
                           <a:effectLst/>
                         </a:rPr>
-                        <a:t>3/9/2022</a:t>
+                        <a:t>18/3/2023</a:t>
                       </a:r>
                     </a:p>
                   </a:txBody>
-                  <a:tcPr marL="10288" marR="10288" marT="6859" marB="6859" anchor="b">
+                  <a:tcPr marL="28575" marR="28575" marT="19050" marB="19050" anchor="b">
                     <a:lnL w="9525" cap="flat" cmpd="sng" algn="ctr">
                       <a:solidFill>
                         <a:srgbClr val="CCCCCC"/>
@@ -34021,14 +34021,14 @@
                     <a:p>
                       <a:pPr algn="ctr" rtl="0" fontAlgn="b"/>
                       <a:r>
-                        <a:rPr lang="en-US" sz="1400" dirty="0">
+                        <a:rPr lang="pt-BR" sz="1400">
                           <a:effectLst/>
                         </a:rPr>
                         <a:t>7</a:t>
                       </a:r>
                     </a:p>
                   </a:txBody>
-                  <a:tcPr marL="10288" marR="10288" marT="6859" marB="6859" anchor="b">
+                  <a:tcPr marL="28575" marR="28575" marT="19050" marB="19050" anchor="b">
                     <a:lnL w="9525" cap="flat" cmpd="sng" algn="ctr">
                       <a:solidFill>
                         <a:srgbClr val="000000"/>
@@ -34074,14 +34074,14 @@
                     <a:p>
                       <a:pPr algn="ctr" rtl="0" fontAlgn="b"/>
                       <a:r>
-                        <a:rPr lang="en-US" sz="1400">
+                        <a:rPr lang="pt-BR" sz="1400">
                           <a:effectLst/>
                         </a:rPr>
-                        <a:t>10/9/2022</a:t>
+                        <a:t>25/3/2023</a:t>
                       </a:r>
                     </a:p>
                   </a:txBody>
-                  <a:tcPr marL="10288" marR="10288" marT="6859" marB="6859" anchor="b">
+                  <a:tcPr marL="28575" marR="28575" marT="19050" marB="19050" anchor="b">
                     <a:lnL w="9525" cap="flat" cmpd="sng" algn="ctr">
                       <a:solidFill>
                         <a:srgbClr val="CCCCCC"/>
@@ -34245,7 +34245,7 @@
                     <a:p>
                       <a:pPr algn="ctr" rtl="0" fontAlgn="b"/>
                       <a:r>
-                        <a:rPr lang="en-US" sz="1400" b="1" dirty="0">
+                        <a:rPr lang="pt-BR" sz="1400" b="1" dirty="0">
                           <a:solidFill>
                             <a:srgbClr val="00B050"/>
                           </a:solidFill>
@@ -34255,7 +34255,7 @@
                       </a:r>
                     </a:p>
                   </a:txBody>
-                  <a:tcPr marL="10288" marR="10288" marT="6859" marB="6859" anchor="b">
+                  <a:tcPr marL="28575" marR="28575" marT="19050" marB="19050" anchor="b">
                     <a:lnL w="9525" cap="flat" cmpd="sng" algn="ctr">
                       <a:solidFill>
                         <a:srgbClr val="000000"/>
@@ -34301,17 +34301,17 @@
                     <a:p>
                       <a:pPr algn="ctr" rtl="0" fontAlgn="b"/>
                       <a:r>
-                        <a:rPr lang="en-US" sz="1400" b="1" dirty="0">
+                        <a:rPr lang="pt-BR" sz="1400" b="1" dirty="0">
                           <a:solidFill>
                             <a:srgbClr val="00B050"/>
                           </a:solidFill>
                           <a:effectLst/>
                         </a:rPr>
-                        <a:t>17/9/2022</a:t>
+                        <a:t>1/4/2023</a:t>
                       </a:r>
                     </a:p>
                   </a:txBody>
-                  <a:tcPr marL="10288" marR="10288" marT="6859" marB="6859" anchor="b">
+                  <a:tcPr marL="28575" marR="28575" marT="19050" marB="19050" anchor="b">
                     <a:lnL w="9525" cap="flat" cmpd="sng" algn="ctr">
                       <a:solidFill>
                         <a:srgbClr val="CCCCCC"/>
@@ -34538,14 +34538,14 @@
                     <a:p>
                       <a:pPr algn="ctr" rtl="0" fontAlgn="b"/>
                       <a:r>
-                        <a:rPr lang="en-US" sz="1400" dirty="0">
+                        <a:rPr lang="pt-BR" sz="1400">
                           <a:effectLst/>
                         </a:rPr>
                         <a:t>9</a:t>
                       </a:r>
                     </a:p>
                   </a:txBody>
-                  <a:tcPr marL="10288" marR="10288" marT="6859" marB="6859" anchor="b">
+                  <a:tcPr marL="28575" marR="28575" marT="19050" marB="19050" anchor="b">
                     <a:lnL w="9525" cap="flat" cmpd="sng" algn="ctr">
                       <a:solidFill>
                         <a:srgbClr val="000000"/>
@@ -34591,14 +34591,14 @@
                     <a:p>
                       <a:pPr algn="ctr" rtl="0" fontAlgn="b"/>
                       <a:r>
-                        <a:rPr lang="en-US" sz="1400" dirty="0">
+                        <a:rPr lang="pt-BR" sz="1400">
                           <a:effectLst/>
                         </a:rPr>
-                        <a:t>24/9/2022</a:t>
+                        <a:t>8/4/2023</a:t>
                       </a:r>
                     </a:p>
                   </a:txBody>
-                  <a:tcPr marL="10288" marR="10288" marT="6859" marB="6859" anchor="b">
+                  <a:tcPr marL="28575" marR="28575" marT="19050" marB="19050" anchor="b">
                     <a:lnL w="9525" cap="flat" cmpd="sng" algn="ctr">
                       <a:solidFill>
                         <a:srgbClr val="CCCCCC"/>
@@ -34764,14 +34764,14 @@
                     <a:p>
                       <a:pPr algn="ctr" rtl="0" fontAlgn="b"/>
                       <a:r>
-                        <a:rPr lang="en-US" sz="1400">
+                        <a:rPr lang="pt-BR" sz="1400">
                           <a:effectLst/>
                         </a:rPr>
                         <a:t>10</a:t>
                       </a:r>
                     </a:p>
                   </a:txBody>
-                  <a:tcPr marL="10288" marR="10288" marT="6859" marB="6859" anchor="b">
+                  <a:tcPr marL="28575" marR="28575" marT="19050" marB="19050" anchor="b">
                     <a:lnL w="9525" cap="flat" cmpd="sng" algn="ctr">
                       <a:solidFill>
                         <a:srgbClr val="000000"/>
@@ -34817,14 +34817,14 @@
                     <a:p>
                       <a:pPr algn="ctr" rtl="0" fontAlgn="b"/>
                       <a:r>
-                        <a:rPr lang="en-US" sz="1400" dirty="0">
+                        <a:rPr lang="pt-BR" sz="1400">
                           <a:effectLst/>
                         </a:rPr>
-                        <a:t>1/10/2022</a:t>
+                        <a:t>15/4/2023</a:t>
                       </a:r>
                     </a:p>
                   </a:txBody>
-                  <a:tcPr marL="10288" marR="10288" marT="6859" marB="6859" anchor="b">
+                  <a:tcPr marL="28575" marR="28575" marT="19050" marB="19050" anchor="b">
                     <a:lnL w="9525" cap="flat" cmpd="sng" algn="ctr">
                       <a:solidFill>
                         <a:srgbClr val="CCCCCC"/>
@@ -34990,14 +34990,14 @@
                     <a:p>
                       <a:pPr algn="ctr" rtl="0" fontAlgn="b"/>
                       <a:r>
-                        <a:rPr lang="en-US" sz="1400">
+                        <a:rPr lang="pt-BR" sz="1400">
                           <a:effectLst/>
                         </a:rPr>
                         <a:t>11</a:t>
                       </a:r>
                     </a:p>
                   </a:txBody>
-                  <a:tcPr marL="10288" marR="10288" marT="6859" marB="6859" anchor="b">
+                  <a:tcPr marL="28575" marR="28575" marT="19050" marB="19050" anchor="b">
                     <a:lnL w="9525" cap="flat" cmpd="sng" algn="ctr">
                       <a:solidFill>
                         <a:srgbClr val="000000"/>
@@ -35043,14 +35043,14 @@
                     <a:p>
                       <a:pPr algn="ctr" rtl="0" fontAlgn="b"/>
                       <a:r>
-                        <a:rPr lang="en-US" sz="1400" dirty="0">
+                        <a:rPr lang="pt-BR" sz="1400">
                           <a:effectLst/>
                         </a:rPr>
-                        <a:t>8/10/2022</a:t>
+                        <a:t>22/4/2023</a:t>
                       </a:r>
                     </a:p>
                   </a:txBody>
-                  <a:tcPr marL="10288" marR="10288" marT="6859" marB="6859" anchor="b">
+                  <a:tcPr marL="28575" marR="28575" marT="19050" marB="19050" anchor="b">
                     <a:lnL w="9525" cap="flat" cmpd="sng" algn="ctr">
                       <a:solidFill>
                         <a:srgbClr val="CCCCCC"/>
@@ -35216,14 +35216,14 @@
                     <a:p>
                       <a:pPr algn="ctr" rtl="0" fontAlgn="b"/>
                       <a:r>
-                        <a:rPr lang="en-US" sz="1400">
+                        <a:rPr lang="pt-BR" sz="1400">
                           <a:effectLst/>
                         </a:rPr>
                         <a:t>12</a:t>
                       </a:r>
                     </a:p>
                   </a:txBody>
-                  <a:tcPr marL="10288" marR="10288" marT="6859" marB="6859" anchor="b">
+                  <a:tcPr marL="28575" marR="28575" marT="19050" marB="19050" anchor="b">
                     <a:lnL w="9525" cap="flat" cmpd="sng" algn="ctr">
                       <a:solidFill>
                         <a:srgbClr val="000000"/>
@@ -35269,14 +35269,14 @@
                     <a:p>
                       <a:pPr algn="ctr" rtl="0" fontAlgn="b"/>
                       <a:r>
-                        <a:rPr lang="en-US" sz="1400" dirty="0">
+                        <a:rPr lang="pt-BR" sz="1400">
                           <a:effectLst/>
                         </a:rPr>
-                        <a:t>15/10/2022</a:t>
+                        <a:t>29/4/2023</a:t>
                       </a:r>
                     </a:p>
                   </a:txBody>
-                  <a:tcPr marL="10288" marR="10288" marT="6859" marB="6859" anchor="b">
+                  <a:tcPr marL="28575" marR="28575" marT="19050" marB="19050" anchor="b">
                     <a:lnL w="9525" cap="flat" cmpd="sng" algn="ctr">
                       <a:solidFill>
                         <a:srgbClr val="CCCCCC"/>
@@ -35442,14 +35442,14 @@
                     <a:p>
                       <a:pPr algn="ctr" rtl="0" fontAlgn="b"/>
                       <a:r>
-                        <a:rPr lang="en-US" sz="1400">
+                        <a:rPr lang="pt-BR" sz="1400">
                           <a:effectLst/>
                         </a:rPr>
                         <a:t>13</a:t>
                       </a:r>
                     </a:p>
                   </a:txBody>
-                  <a:tcPr marL="10288" marR="10288" marT="6859" marB="6859" anchor="b">
+                  <a:tcPr marL="28575" marR="28575" marT="19050" marB="19050" anchor="b">
                     <a:lnL w="9525" cap="flat" cmpd="sng" algn="ctr">
                       <a:solidFill>
                         <a:srgbClr val="000000"/>
@@ -35495,14 +35495,14 @@
                     <a:p>
                       <a:pPr algn="ctr" rtl="0" fontAlgn="b"/>
                       <a:r>
-                        <a:rPr lang="en-US" sz="1400" dirty="0">
+                        <a:rPr lang="pt-BR" sz="1400">
                           <a:effectLst/>
                         </a:rPr>
-                        <a:t>22/10/2022</a:t>
+                        <a:t>6/5/2023</a:t>
                       </a:r>
                     </a:p>
                   </a:txBody>
-                  <a:tcPr marL="10288" marR="10288" marT="6859" marB="6859" anchor="b">
+                  <a:tcPr marL="28575" marR="28575" marT="19050" marB="19050" anchor="b">
                     <a:lnL w="9525" cap="flat" cmpd="sng" algn="ctr">
                       <a:solidFill>
                         <a:srgbClr val="CCCCCC"/>
@@ -35668,14 +35668,14 @@
                     <a:p>
                       <a:pPr algn="ctr" rtl="0" fontAlgn="b"/>
                       <a:r>
-                        <a:rPr lang="en-US" sz="1400">
+                        <a:rPr lang="pt-BR" sz="1400">
                           <a:effectLst/>
                         </a:rPr>
                         <a:t>14</a:t>
                       </a:r>
                     </a:p>
                   </a:txBody>
-                  <a:tcPr marL="10288" marR="10288" marT="6859" marB="6859" anchor="b">
+                  <a:tcPr marL="28575" marR="28575" marT="19050" marB="19050" anchor="b">
                     <a:lnL w="9525" cap="flat" cmpd="sng" algn="ctr">
                       <a:solidFill>
                         <a:srgbClr val="000000"/>
@@ -35721,14 +35721,14 @@
                     <a:p>
                       <a:pPr algn="ctr" rtl="0" fontAlgn="b"/>
                       <a:r>
-                        <a:rPr lang="en-US" sz="1400" dirty="0">
+                        <a:rPr lang="pt-BR" sz="1400">
                           <a:effectLst/>
                         </a:rPr>
-                        <a:t>29/10/2022</a:t>
+                        <a:t>13/5/2023</a:t>
                       </a:r>
                     </a:p>
                   </a:txBody>
-                  <a:tcPr marL="10288" marR="10288" marT="6859" marB="6859" anchor="b">
+                  <a:tcPr marL="28575" marR="28575" marT="19050" marB="19050" anchor="b">
                     <a:lnL w="9525" cap="flat" cmpd="sng" algn="ctr">
                       <a:solidFill>
                         <a:srgbClr val="CCCCCC"/>
@@ -35894,14 +35894,14 @@
                     <a:p>
                       <a:pPr algn="ctr" rtl="0" fontAlgn="b"/>
                       <a:r>
-                        <a:rPr lang="en-US" sz="1400">
+                        <a:rPr lang="pt-BR" sz="1400">
                           <a:effectLst/>
                         </a:rPr>
                         <a:t>15</a:t>
                       </a:r>
                     </a:p>
                   </a:txBody>
-                  <a:tcPr marL="10288" marR="10288" marT="6859" marB="6859" anchor="b">
+                  <a:tcPr marL="28575" marR="28575" marT="19050" marB="19050" anchor="b">
                     <a:lnL w="9525" cap="flat" cmpd="sng" algn="ctr">
                       <a:solidFill>
                         <a:srgbClr val="000000"/>
@@ -35947,14 +35947,14 @@
                     <a:p>
                       <a:pPr algn="ctr" rtl="0" fontAlgn="b"/>
                       <a:r>
-                        <a:rPr lang="en-US" sz="1400" dirty="0">
+                        <a:rPr lang="pt-BR" sz="1400">
                           <a:effectLst/>
                         </a:rPr>
-                        <a:t>5/11/2022</a:t>
+                        <a:t>20/5/2023</a:t>
                       </a:r>
                     </a:p>
                   </a:txBody>
-                  <a:tcPr marL="10288" marR="10288" marT="6859" marB="6859" anchor="b">
+                  <a:tcPr marL="28575" marR="28575" marT="19050" marB="19050" anchor="b">
                     <a:lnL w="9525" cap="flat" cmpd="sng" algn="ctr">
                       <a:solidFill>
                         <a:srgbClr val="CCCCCC"/>
@@ -36120,7 +36120,7 @@
                     <a:p>
                       <a:pPr algn="ctr" rtl="0" fontAlgn="b"/>
                       <a:r>
-                        <a:rPr lang="en-US" sz="1400" b="1" dirty="0">
+                        <a:rPr lang="pt-BR" sz="1400" b="1" dirty="0">
                           <a:solidFill>
                             <a:srgbClr val="00B050"/>
                           </a:solidFill>
@@ -36130,7 +36130,7 @@
                       </a:r>
                     </a:p>
                   </a:txBody>
-                  <a:tcPr marL="10288" marR="10288" marT="6859" marB="6859" anchor="b">
+                  <a:tcPr marL="28575" marR="28575" marT="19050" marB="19050" anchor="b">
                     <a:lnL w="9525" cap="flat" cmpd="sng" algn="ctr">
                       <a:solidFill>
                         <a:srgbClr val="000000"/>
@@ -36176,17 +36176,17 @@
                     <a:p>
                       <a:pPr algn="ctr" rtl="0" fontAlgn="b"/>
                       <a:r>
-                        <a:rPr lang="en-US" sz="1400" b="1" dirty="0">
+                        <a:rPr lang="pt-BR" sz="1400" b="1" dirty="0">
                           <a:solidFill>
                             <a:srgbClr val="00B050"/>
                           </a:solidFill>
                           <a:effectLst/>
                         </a:rPr>
-                        <a:t>12/11/2022</a:t>
+                        <a:t>27/5/2023</a:t>
                       </a:r>
                     </a:p>
                   </a:txBody>
-                  <a:tcPr marL="10288" marR="10288" marT="6859" marB="6859" anchor="b">
+                  <a:tcPr marL="28575" marR="28575" marT="19050" marB="19050" anchor="b">
                     <a:lnL w="9525" cap="flat" cmpd="sng" algn="ctr">
                       <a:solidFill>
                         <a:srgbClr val="CCCCCC"/>
@@ -36413,14 +36413,14 @@
                     <a:p>
                       <a:pPr algn="ctr" rtl="0" fontAlgn="b"/>
                       <a:r>
-                        <a:rPr lang="en-US" sz="1400">
+                        <a:rPr lang="pt-BR" sz="1400">
                           <a:effectLst/>
                         </a:rPr>
                         <a:t>17</a:t>
                       </a:r>
                     </a:p>
                   </a:txBody>
-                  <a:tcPr marL="10288" marR="10288" marT="6859" marB="6859" anchor="b">
+                  <a:tcPr marL="28575" marR="28575" marT="19050" marB="19050" anchor="b">
                     <a:lnL w="9525" cap="flat" cmpd="sng" algn="ctr">
                       <a:solidFill>
                         <a:srgbClr val="000000"/>
@@ -36466,14 +36466,14 @@
                     <a:p>
                       <a:pPr algn="ctr" rtl="0" fontAlgn="b"/>
                       <a:r>
-                        <a:rPr lang="en-US" sz="1400" dirty="0">
+                        <a:rPr lang="pt-BR" sz="1400">
                           <a:effectLst/>
                         </a:rPr>
-                        <a:t>19/11/2022</a:t>
+                        <a:t>3/6/2023</a:t>
                       </a:r>
                     </a:p>
                   </a:txBody>
-                  <a:tcPr marL="10288" marR="10288" marT="6859" marB="6859" anchor="b">
+                  <a:tcPr marL="28575" marR="28575" marT="19050" marB="19050" anchor="b">
                     <a:lnL w="9525" cap="flat" cmpd="sng" algn="ctr">
                       <a:solidFill>
                         <a:srgbClr val="CCCCCC"/>
@@ -36639,14 +36639,14 @@
                     <a:p>
                       <a:pPr algn="ctr" rtl="0" fontAlgn="b"/>
                       <a:r>
-                        <a:rPr lang="en-US" sz="1400">
+                        <a:rPr lang="pt-BR" sz="1400">
                           <a:effectLst/>
                         </a:rPr>
                         <a:t>18</a:t>
                       </a:r>
                     </a:p>
                   </a:txBody>
-                  <a:tcPr marL="10288" marR="10288" marT="6859" marB="6859" anchor="b">
+                  <a:tcPr marL="28575" marR="28575" marT="19050" marB="19050" anchor="b">
                     <a:lnL w="9525" cap="flat" cmpd="sng" algn="ctr">
                       <a:solidFill>
                         <a:srgbClr val="000000"/>
@@ -36692,14 +36692,14 @@
                     <a:p>
                       <a:pPr algn="ctr" rtl="0" fontAlgn="b"/>
                       <a:r>
-                        <a:rPr lang="en-US" sz="1400" dirty="0">
+                        <a:rPr lang="pt-BR" sz="1400">
                           <a:effectLst/>
                         </a:rPr>
-                        <a:t>26/11/2022</a:t>
+                        <a:t>10/6/2023</a:t>
                       </a:r>
                     </a:p>
                   </a:txBody>
-                  <a:tcPr marL="10288" marR="10288" marT="6859" marB="6859" anchor="b">
+                  <a:tcPr marL="28575" marR="28575" marT="19050" marB="19050" anchor="b">
                     <a:lnL w="9525" cap="flat" cmpd="sng" algn="ctr">
                       <a:solidFill>
                         <a:srgbClr val="CCCCCC"/>
@@ -36865,14 +36865,14 @@
                     <a:p>
                       <a:pPr algn="ctr" rtl="0" fontAlgn="b"/>
                       <a:r>
-                        <a:rPr lang="en-US" sz="1400">
+                        <a:rPr lang="pt-BR" sz="1400">
                           <a:effectLst/>
                         </a:rPr>
                         <a:t>19</a:t>
                       </a:r>
                     </a:p>
                   </a:txBody>
-                  <a:tcPr marL="10288" marR="10288" marT="6859" marB="6859" anchor="b">
+                  <a:tcPr marL="28575" marR="28575" marT="19050" marB="19050" anchor="b">
                     <a:lnL w="9525" cap="flat" cmpd="sng" algn="ctr">
                       <a:solidFill>
                         <a:srgbClr val="000000"/>
@@ -36918,14 +36918,14 @@
                     <a:p>
                       <a:pPr algn="ctr" rtl="0" fontAlgn="b"/>
                       <a:r>
-                        <a:rPr lang="en-US" sz="1400" dirty="0">
+                        <a:rPr lang="pt-BR" sz="1400">
                           <a:effectLst/>
                         </a:rPr>
-                        <a:t>3/12/2022</a:t>
+                        <a:t>17/6/2023</a:t>
                       </a:r>
                     </a:p>
                   </a:txBody>
-                  <a:tcPr marL="10288" marR="10288" marT="6859" marB="6859" anchor="b">
+                  <a:tcPr marL="28575" marR="28575" marT="19050" marB="19050" anchor="b">
                     <a:lnL w="9525" cap="flat" cmpd="sng" algn="ctr">
                       <a:solidFill>
                         <a:srgbClr val="CCCCCC"/>
@@ -37091,14 +37091,14 @@
                     <a:p>
                       <a:pPr algn="ctr" rtl="0" fontAlgn="b"/>
                       <a:r>
-                        <a:rPr lang="en-US" sz="1400" dirty="0">
+                        <a:rPr lang="pt-BR" sz="1400">
                           <a:effectLst/>
                         </a:rPr>
                         <a:t>20</a:t>
                       </a:r>
                     </a:p>
                   </a:txBody>
-                  <a:tcPr marL="10288" marR="10288" marT="6859" marB="6859" anchor="b">
+                  <a:tcPr marL="28575" marR="28575" marT="19050" marB="19050" anchor="b">
                     <a:lnL w="9525" cap="flat" cmpd="sng" algn="ctr">
                       <a:solidFill>
                         <a:srgbClr val="000000"/>
@@ -37144,14 +37144,14 @@
                     <a:p>
                       <a:pPr algn="ctr" rtl="0" fontAlgn="b"/>
                       <a:r>
-                        <a:rPr lang="en-US" sz="1400" dirty="0">
+                        <a:rPr lang="pt-BR" sz="1400" dirty="0">
                           <a:effectLst/>
                         </a:rPr>
-                        <a:t>10/12/2022</a:t>
+                        <a:t>24/6/2023</a:t>
                       </a:r>
                     </a:p>
                   </a:txBody>
-                  <a:tcPr marL="10288" marR="10288" marT="6859" marB="6859" anchor="b">
+                  <a:tcPr marL="28575" marR="28575" marT="19050" marB="19050" anchor="b">
                     <a:lnL w="9525" cap="flat" cmpd="sng" algn="ctr">
                       <a:solidFill>
                         <a:srgbClr val="CCCCCC"/>
@@ -37846,7 +37846,7 @@
             </a:pPr>
             <a:r>
               <a:rPr lang="pt-BR" dirty="0" smtClean="0"/>
-              <a:t>Professor: quintas-feiras das 18:00 às 19:00 e sextas-feiras das 16:00 às 17:00.</a:t>
+              <a:t>Professor: quintas-feiras das 17:30 às 19:30 (provisório).</a:t>
             </a:r>
           </a:p>
           <a:p>
@@ -37871,16 +37871,14 @@
               <a:t>: </a:t>
             </a:r>
             <a:r>
-              <a:rPr lang="pt-BR" b="1" dirty="0"/>
+              <a:rPr lang="pt-BR" b="1" dirty="0">
+                <a:hlinkClick r:id="rId3"/>
+              </a:rPr>
               <a:t>maycol.teles@ges.inatel.br</a:t>
             </a:r>
             <a:r>
-              <a:rPr lang="pt-BR" dirty="0"/>
-              <a:t>): </a:t>
-            </a:r>
-            <a:r>
               <a:rPr lang="pt-BR" dirty="0" smtClean="0"/>
-              <a:t>quartas-feiras das 18:30 às 19:30.</a:t>
+              <a:t>): será divulgado em breve.</a:t>
             </a:r>
           </a:p>
           <a:p>

--- a/slides/T320_Classificação (Parte I).pptx
+++ b/slides/T320_Classificação (Parte I).pptx
@@ -299,7 +299,7 @@
           <a:p>
             <a:fld id="{144F1436-6906-4D93-B7A2-786C327BFA14}" type="datetimeFigureOut">
               <a:rPr lang="nl-BE" smtClean="0"/>
-              <a:t>2/02/2023</a:t>
+              <a:t>6/02/2023</a:t>
             </a:fld>
             <a:endParaRPr lang="nl-BE"/>
           </a:p>
@@ -464,7 +464,7 @@
           <a:p>
             <a:fld id="{AA8CD09E-2914-4F47-B6C1-51B2C31814C9}" type="datetimeFigureOut">
               <a:rPr lang="pt-BR" smtClean="0"/>
-              <a:t>02/02/2023</a:t>
+              <a:t>06/02/2023</a:t>
             </a:fld>
             <a:endParaRPr lang="pt-BR"/>
           </a:p>
@@ -2268,7 +2268,7 @@
           <p:cNvPr id="2" name="Título 1">
             <a:extLst>
               <a:ext uri="{FF2B5EF4-FFF2-40B4-BE49-F238E27FC236}">
-                <a16:creationId xmlns="" xmlns:a16="http://schemas.microsoft.com/office/drawing/2014/main" id="{1DB9B4FF-B06E-403C-A326-BDC64D8FF94E}"/>
+                <a16:creationId xmlns:a16="http://schemas.microsoft.com/office/drawing/2014/main" xmlns="" id="{1DB9B4FF-B06E-403C-A326-BDC64D8FF94E}"/>
               </a:ext>
             </a:extLst>
           </p:cNvPr>
@@ -2305,7 +2305,7 @@
           <p:cNvPr id="3" name="Subtítulo 2">
             <a:extLst>
               <a:ext uri="{FF2B5EF4-FFF2-40B4-BE49-F238E27FC236}">
-                <a16:creationId xmlns="" xmlns:a16="http://schemas.microsoft.com/office/drawing/2014/main" id="{247BDFCE-746E-45BF-A319-4733D58D1632}"/>
+                <a16:creationId xmlns:a16="http://schemas.microsoft.com/office/drawing/2014/main" xmlns="" id="{247BDFCE-746E-45BF-A319-4733D58D1632}"/>
               </a:ext>
             </a:extLst>
           </p:cNvPr>
@@ -2375,7 +2375,7 @@
           <p:cNvPr id="4" name="Espaço Reservado para Data 3">
             <a:extLst>
               <a:ext uri="{FF2B5EF4-FFF2-40B4-BE49-F238E27FC236}">
-                <a16:creationId xmlns="" xmlns:a16="http://schemas.microsoft.com/office/drawing/2014/main" id="{9EDE2778-5372-4104-B96D-968184DA8288}"/>
+                <a16:creationId xmlns:a16="http://schemas.microsoft.com/office/drawing/2014/main" xmlns="" id="{9EDE2778-5372-4104-B96D-968184DA8288}"/>
               </a:ext>
             </a:extLst>
           </p:cNvPr>
@@ -2393,7 +2393,7 @@
           <a:p>
             <a:fld id="{63289F7E-B80B-496E-81B4-D396C37C9454}" type="datetimeFigureOut">
               <a:rPr lang="pt-BR" smtClean="0"/>
-              <a:t>02/02/2023</a:t>
+              <a:t>06/02/2023</a:t>
             </a:fld>
             <a:endParaRPr lang="pt-BR"/>
           </a:p>
@@ -2404,7 +2404,7 @@
           <p:cNvPr id="5" name="Espaço Reservado para Rodapé 4">
             <a:extLst>
               <a:ext uri="{FF2B5EF4-FFF2-40B4-BE49-F238E27FC236}">
-                <a16:creationId xmlns="" xmlns:a16="http://schemas.microsoft.com/office/drawing/2014/main" id="{C1DD0F41-C861-4051-988D-3024A37A4B93}"/>
+                <a16:creationId xmlns:a16="http://schemas.microsoft.com/office/drawing/2014/main" xmlns="" id="{C1DD0F41-C861-4051-988D-3024A37A4B93}"/>
               </a:ext>
             </a:extLst>
           </p:cNvPr>
@@ -2429,7 +2429,7 @@
           <p:cNvPr id="6" name="Espaço Reservado para Número de Slide 5">
             <a:extLst>
               <a:ext uri="{FF2B5EF4-FFF2-40B4-BE49-F238E27FC236}">
-                <a16:creationId xmlns="" xmlns:a16="http://schemas.microsoft.com/office/drawing/2014/main" id="{07E5967E-D980-431A-A5DB-3F0C5030A81E}"/>
+                <a16:creationId xmlns:a16="http://schemas.microsoft.com/office/drawing/2014/main" xmlns="" id="{07E5967E-D980-431A-A5DB-3F0C5030A81E}"/>
               </a:ext>
             </a:extLst>
           </p:cNvPr>
@@ -2488,7 +2488,7 @@
           <p:cNvPr id="2" name="Título 1">
             <a:extLst>
               <a:ext uri="{FF2B5EF4-FFF2-40B4-BE49-F238E27FC236}">
-                <a16:creationId xmlns="" xmlns:a16="http://schemas.microsoft.com/office/drawing/2014/main" id="{9036C49F-3E68-4175-81BA-3C3FEE44308A}"/>
+                <a16:creationId xmlns:a16="http://schemas.microsoft.com/office/drawing/2014/main" xmlns="" id="{9036C49F-3E68-4175-81BA-3C3FEE44308A}"/>
               </a:ext>
             </a:extLst>
           </p:cNvPr>
@@ -2516,7 +2516,7 @@
           <p:cNvPr id="3" name="Espaço Reservado para Texto Vertical 2">
             <a:extLst>
               <a:ext uri="{FF2B5EF4-FFF2-40B4-BE49-F238E27FC236}">
-                <a16:creationId xmlns="" xmlns:a16="http://schemas.microsoft.com/office/drawing/2014/main" id="{426FA736-3DD3-4D4E-B57B-BBE1D8F7D424}"/>
+                <a16:creationId xmlns:a16="http://schemas.microsoft.com/office/drawing/2014/main" xmlns="" id="{426FA736-3DD3-4D4E-B57B-BBE1D8F7D424}"/>
               </a:ext>
             </a:extLst>
           </p:cNvPr>
@@ -2573,7 +2573,7 @@
           <p:cNvPr id="4" name="Espaço Reservado para Data 3">
             <a:extLst>
               <a:ext uri="{FF2B5EF4-FFF2-40B4-BE49-F238E27FC236}">
-                <a16:creationId xmlns="" xmlns:a16="http://schemas.microsoft.com/office/drawing/2014/main" id="{99E8855C-D8FD-48F6-B14E-861E0DE4D915}"/>
+                <a16:creationId xmlns:a16="http://schemas.microsoft.com/office/drawing/2014/main" xmlns="" id="{99E8855C-D8FD-48F6-B14E-861E0DE4D915}"/>
               </a:ext>
             </a:extLst>
           </p:cNvPr>
@@ -2591,7 +2591,7 @@
           <a:p>
             <a:fld id="{63289F7E-B80B-496E-81B4-D396C37C9454}" type="datetimeFigureOut">
               <a:rPr lang="pt-BR" smtClean="0"/>
-              <a:t>02/02/2023</a:t>
+              <a:t>06/02/2023</a:t>
             </a:fld>
             <a:endParaRPr lang="pt-BR"/>
           </a:p>
@@ -2602,7 +2602,7 @@
           <p:cNvPr id="5" name="Espaço Reservado para Rodapé 4">
             <a:extLst>
               <a:ext uri="{FF2B5EF4-FFF2-40B4-BE49-F238E27FC236}">
-                <a16:creationId xmlns="" xmlns:a16="http://schemas.microsoft.com/office/drawing/2014/main" id="{97C0BB88-2F21-42A5-ACFF-83DA47F2D340}"/>
+                <a16:creationId xmlns:a16="http://schemas.microsoft.com/office/drawing/2014/main" xmlns="" id="{97C0BB88-2F21-42A5-ACFF-83DA47F2D340}"/>
               </a:ext>
             </a:extLst>
           </p:cNvPr>
@@ -2627,7 +2627,7 @@
           <p:cNvPr id="6" name="Espaço Reservado para Número de Slide 5">
             <a:extLst>
               <a:ext uri="{FF2B5EF4-FFF2-40B4-BE49-F238E27FC236}">
-                <a16:creationId xmlns="" xmlns:a16="http://schemas.microsoft.com/office/drawing/2014/main" id="{6CB462B3-1F22-4C05-B4B8-7A279FB7D5E9}"/>
+                <a16:creationId xmlns:a16="http://schemas.microsoft.com/office/drawing/2014/main" xmlns="" id="{6CB462B3-1F22-4C05-B4B8-7A279FB7D5E9}"/>
               </a:ext>
             </a:extLst>
           </p:cNvPr>
@@ -2686,7 +2686,7 @@
           <p:cNvPr id="2" name="Título Vertical 1">
             <a:extLst>
               <a:ext uri="{FF2B5EF4-FFF2-40B4-BE49-F238E27FC236}">
-                <a16:creationId xmlns="" xmlns:a16="http://schemas.microsoft.com/office/drawing/2014/main" id="{EAEAB728-701C-4207-A9D5-23FF45C60502}"/>
+                <a16:creationId xmlns:a16="http://schemas.microsoft.com/office/drawing/2014/main" xmlns="" id="{EAEAB728-701C-4207-A9D5-23FF45C60502}"/>
               </a:ext>
             </a:extLst>
           </p:cNvPr>
@@ -2719,7 +2719,7 @@
           <p:cNvPr id="3" name="Espaço Reservado para Texto Vertical 2">
             <a:extLst>
               <a:ext uri="{FF2B5EF4-FFF2-40B4-BE49-F238E27FC236}">
-                <a16:creationId xmlns="" xmlns:a16="http://schemas.microsoft.com/office/drawing/2014/main" id="{BA8C8CCF-7823-480A-9A19-0F664DD17E3B}"/>
+                <a16:creationId xmlns:a16="http://schemas.microsoft.com/office/drawing/2014/main" xmlns="" id="{BA8C8CCF-7823-480A-9A19-0F664DD17E3B}"/>
               </a:ext>
             </a:extLst>
           </p:cNvPr>
@@ -2781,7 +2781,7 @@
           <p:cNvPr id="4" name="Espaço Reservado para Data 3">
             <a:extLst>
               <a:ext uri="{FF2B5EF4-FFF2-40B4-BE49-F238E27FC236}">
-                <a16:creationId xmlns="" xmlns:a16="http://schemas.microsoft.com/office/drawing/2014/main" id="{721D5734-7B1F-425D-942F-6EB73344027C}"/>
+                <a16:creationId xmlns:a16="http://schemas.microsoft.com/office/drawing/2014/main" xmlns="" id="{721D5734-7B1F-425D-942F-6EB73344027C}"/>
               </a:ext>
             </a:extLst>
           </p:cNvPr>
@@ -2799,7 +2799,7 @@
           <a:p>
             <a:fld id="{63289F7E-B80B-496E-81B4-D396C37C9454}" type="datetimeFigureOut">
               <a:rPr lang="pt-BR" smtClean="0"/>
-              <a:t>02/02/2023</a:t>
+              <a:t>06/02/2023</a:t>
             </a:fld>
             <a:endParaRPr lang="pt-BR"/>
           </a:p>
@@ -2810,7 +2810,7 @@
           <p:cNvPr id="5" name="Espaço Reservado para Rodapé 4">
             <a:extLst>
               <a:ext uri="{FF2B5EF4-FFF2-40B4-BE49-F238E27FC236}">
-                <a16:creationId xmlns="" xmlns:a16="http://schemas.microsoft.com/office/drawing/2014/main" id="{1E1AAEAC-F08D-45FE-89EC-B1B349A868C9}"/>
+                <a16:creationId xmlns:a16="http://schemas.microsoft.com/office/drawing/2014/main" xmlns="" id="{1E1AAEAC-F08D-45FE-89EC-B1B349A868C9}"/>
               </a:ext>
             </a:extLst>
           </p:cNvPr>
@@ -2835,7 +2835,7 @@
           <p:cNvPr id="6" name="Espaço Reservado para Número de Slide 5">
             <a:extLst>
               <a:ext uri="{FF2B5EF4-FFF2-40B4-BE49-F238E27FC236}">
-                <a16:creationId xmlns="" xmlns:a16="http://schemas.microsoft.com/office/drawing/2014/main" id="{BAA44493-9911-47B2-87A6-C2141A972BC8}"/>
+                <a16:creationId xmlns:a16="http://schemas.microsoft.com/office/drawing/2014/main" xmlns="" id="{BAA44493-9911-47B2-87A6-C2141A972BC8}"/>
               </a:ext>
             </a:extLst>
           </p:cNvPr>
@@ -2894,7 +2894,7 @@
           <p:cNvPr id="2" name="Título 1">
             <a:extLst>
               <a:ext uri="{FF2B5EF4-FFF2-40B4-BE49-F238E27FC236}">
-                <a16:creationId xmlns="" xmlns:a16="http://schemas.microsoft.com/office/drawing/2014/main" id="{71BD44A5-8F21-4626-A01D-48A1C874B1D5}"/>
+                <a16:creationId xmlns:a16="http://schemas.microsoft.com/office/drawing/2014/main" xmlns="" id="{71BD44A5-8F21-4626-A01D-48A1C874B1D5}"/>
               </a:ext>
             </a:extLst>
           </p:cNvPr>
@@ -2922,7 +2922,7 @@
           <p:cNvPr id="3" name="Espaço Reservado para Conteúdo 2">
             <a:extLst>
               <a:ext uri="{FF2B5EF4-FFF2-40B4-BE49-F238E27FC236}">
-                <a16:creationId xmlns="" xmlns:a16="http://schemas.microsoft.com/office/drawing/2014/main" id="{B79E8085-65A9-48AA-951D-71D978BFF4ED}"/>
+                <a16:creationId xmlns:a16="http://schemas.microsoft.com/office/drawing/2014/main" xmlns="" id="{B79E8085-65A9-48AA-951D-71D978BFF4ED}"/>
               </a:ext>
             </a:extLst>
           </p:cNvPr>
@@ -2979,7 +2979,7 @@
           <p:cNvPr id="4" name="Espaço Reservado para Data 3">
             <a:extLst>
               <a:ext uri="{FF2B5EF4-FFF2-40B4-BE49-F238E27FC236}">
-                <a16:creationId xmlns="" xmlns:a16="http://schemas.microsoft.com/office/drawing/2014/main" id="{F05BE1AF-51EA-425D-B188-DE7BD675009F}"/>
+                <a16:creationId xmlns:a16="http://schemas.microsoft.com/office/drawing/2014/main" xmlns="" id="{F05BE1AF-51EA-425D-B188-DE7BD675009F}"/>
               </a:ext>
             </a:extLst>
           </p:cNvPr>
@@ -2997,7 +2997,7 @@
           <a:p>
             <a:fld id="{63289F7E-B80B-496E-81B4-D396C37C9454}" type="datetimeFigureOut">
               <a:rPr lang="pt-BR" smtClean="0"/>
-              <a:t>02/02/2023</a:t>
+              <a:t>06/02/2023</a:t>
             </a:fld>
             <a:endParaRPr lang="pt-BR"/>
           </a:p>
@@ -3008,7 +3008,7 @@
           <p:cNvPr id="5" name="Espaço Reservado para Rodapé 4">
             <a:extLst>
               <a:ext uri="{FF2B5EF4-FFF2-40B4-BE49-F238E27FC236}">
-                <a16:creationId xmlns="" xmlns:a16="http://schemas.microsoft.com/office/drawing/2014/main" id="{121BE632-29CF-4CB9-B365-C9EF38F89BE6}"/>
+                <a16:creationId xmlns:a16="http://schemas.microsoft.com/office/drawing/2014/main" xmlns="" id="{121BE632-29CF-4CB9-B365-C9EF38F89BE6}"/>
               </a:ext>
             </a:extLst>
           </p:cNvPr>
@@ -3033,7 +3033,7 @@
           <p:cNvPr id="6" name="Espaço Reservado para Número de Slide 5">
             <a:extLst>
               <a:ext uri="{FF2B5EF4-FFF2-40B4-BE49-F238E27FC236}">
-                <a16:creationId xmlns="" xmlns:a16="http://schemas.microsoft.com/office/drawing/2014/main" id="{60CF3DD1-9AEC-4A57-B461-4E4DD86FAC18}"/>
+                <a16:creationId xmlns:a16="http://schemas.microsoft.com/office/drawing/2014/main" xmlns="" id="{60CF3DD1-9AEC-4A57-B461-4E4DD86FAC18}"/>
               </a:ext>
             </a:extLst>
           </p:cNvPr>
@@ -3092,7 +3092,7 @@
           <p:cNvPr id="2" name="Título 1">
             <a:extLst>
               <a:ext uri="{FF2B5EF4-FFF2-40B4-BE49-F238E27FC236}">
-                <a16:creationId xmlns="" xmlns:a16="http://schemas.microsoft.com/office/drawing/2014/main" id="{34AB2FF0-A4D7-4E28-991D-FF26140D5988}"/>
+                <a16:creationId xmlns:a16="http://schemas.microsoft.com/office/drawing/2014/main" xmlns="" id="{34AB2FF0-A4D7-4E28-991D-FF26140D5988}"/>
               </a:ext>
             </a:extLst>
           </p:cNvPr>
@@ -3129,7 +3129,7 @@
           <p:cNvPr id="3" name="Espaço Reservado para Texto 2">
             <a:extLst>
               <a:ext uri="{FF2B5EF4-FFF2-40B4-BE49-F238E27FC236}">
-                <a16:creationId xmlns="" xmlns:a16="http://schemas.microsoft.com/office/drawing/2014/main" id="{E2AC45B0-4145-40DB-8E61-105461170604}"/>
+                <a16:creationId xmlns:a16="http://schemas.microsoft.com/office/drawing/2014/main" xmlns="" id="{E2AC45B0-4145-40DB-8E61-105461170604}"/>
               </a:ext>
             </a:extLst>
           </p:cNvPr>
@@ -3254,7 +3254,7 @@
           <p:cNvPr id="4" name="Espaço Reservado para Data 3">
             <a:extLst>
               <a:ext uri="{FF2B5EF4-FFF2-40B4-BE49-F238E27FC236}">
-                <a16:creationId xmlns="" xmlns:a16="http://schemas.microsoft.com/office/drawing/2014/main" id="{50F1D3FB-740A-4EBA-A309-2CE71D12ECFB}"/>
+                <a16:creationId xmlns:a16="http://schemas.microsoft.com/office/drawing/2014/main" xmlns="" id="{50F1D3FB-740A-4EBA-A309-2CE71D12ECFB}"/>
               </a:ext>
             </a:extLst>
           </p:cNvPr>
@@ -3272,7 +3272,7 @@
           <a:p>
             <a:fld id="{63289F7E-B80B-496E-81B4-D396C37C9454}" type="datetimeFigureOut">
               <a:rPr lang="pt-BR" smtClean="0"/>
-              <a:t>02/02/2023</a:t>
+              <a:t>06/02/2023</a:t>
             </a:fld>
             <a:endParaRPr lang="pt-BR"/>
           </a:p>
@@ -3283,7 +3283,7 @@
           <p:cNvPr id="5" name="Espaço Reservado para Rodapé 4">
             <a:extLst>
               <a:ext uri="{FF2B5EF4-FFF2-40B4-BE49-F238E27FC236}">
-                <a16:creationId xmlns="" xmlns:a16="http://schemas.microsoft.com/office/drawing/2014/main" id="{BDCAB18F-8715-4465-A940-F9C193A2ACE9}"/>
+                <a16:creationId xmlns:a16="http://schemas.microsoft.com/office/drawing/2014/main" xmlns="" id="{BDCAB18F-8715-4465-A940-F9C193A2ACE9}"/>
               </a:ext>
             </a:extLst>
           </p:cNvPr>
@@ -3308,7 +3308,7 @@
           <p:cNvPr id="6" name="Espaço Reservado para Número de Slide 5">
             <a:extLst>
               <a:ext uri="{FF2B5EF4-FFF2-40B4-BE49-F238E27FC236}">
-                <a16:creationId xmlns="" xmlns:a16="http://schemas.microsoft.com/office/drawing/2014/main" id="{353466C6-8248-429F-8056-FF040BF509EB}"/>
+                <a16:creationId xmlns:a16="http://schemas.microsoft.com/office/drawing/2014/main" xmlns="" id="{353466C6-8248-429F-8056-FF040BF509EB}"/>
               </a:ext>
             </a:extLst>
           </p:cNvPr>
@@ -3367,7 +3367,7 @@
           <p:cNvPr id="2" name="Título 1">
             <a:extLst>
               <a:ext uri="{FF2B5EF4-FFF2-40B4-BE49-F238E27FC236}">
-                <a16:creationId xmlns="" xmlns:a16="http://schemas.microsoft.com/office/drawing/2014/main" id="{BC7BB9F0-F14B-4A91-B2B7-35BC47FE4DE7}"/>
+                <a16:creationId xmlns:a16="http://schemas.microsoft.com/office/drawing/2014/main" xmlns="" id="{BC7BB9F0-F14B-4A91-B2B7-35BC47FE4DE7}"/>
               </a:ext>
             </a:extLst>
           </p:cNvPr>
@@ -3395,7 +3395,7 @@
           <p:cNvPr id="3" name="Espaço Reservado para Conteúdo 2">
             <a:extLst>
               <a:ext uri="{FF2B5EF4-FFF2-40B4-BE49-F238E27FC236}">
-                <a16:creationId xmlns="" xmlns:a16="http://schemas.microsoft.com/office/drawing/2014/main" id="{EC1FC1C4-73DA-47A6-8496-B0B457F7D39A}"/>
+                <a16:creationId xmlns:a16="http://schemas.microsoft.com/office/drawing/2014/main" xmlns="" id="{EC1FC1C4-73DA-47A6-8496-B0B457F7D39A}"/>
               </a:ext>
             </a:extLst>
           </p:cNvPr>
@@ -3457,7 +3457,7 @@
           <p:cNvPr id="4" name="Espaço Reservado para Conteúdo 3">
             <a:extLst>
               <a:ext uri="{FF2B5EF4-FFF2-40B4-BE49-F238E27FC236}">
-                <a16:creationId xmlns="" xmlns:a16="http://schemas.microsoft.com/office/drawing/2014/main" id="{E92F06A8-A449-4D92-9912-76873E529B38}"/>
+                <a16:creationId xmlns:a16="http://schemas.microsoft.com/office/drawing/2014/main" xmlns="" id="{E92F06A8-A449-4D92-9912-76873E529B38}"/>
               </a:ext>
             </a:extLst>
           </p:cNvPr>
@@ -3519,7 +3519,7 @@
           <p:cNvPr id="5" name="Espaço Reservado para Data 4">
             <a:extLst>
               <a:ext uri="{FF2B5EF4-FFF2-40B4-BE49-F238E27FC236}">
-                <a16:creationId xmlns="" xmlns:a16="http://schemas.microsoft.com/office/drawing/2014/main" id="{938070A4-BC2F-4D55-BD8D-DEAF11BB9EE9}"/>
+                <a16:creationId xmlns:a16="http://schemas.microsoft.com/office/drawing/2014/main" xmlns="" id="{938070A4-BC2F-4D55-BD8D-DEAF11BB9EE9}"/>
               </a:ext>
             </a:extLst>
           </p:cNvPr>
@@ -3537,7 +3537,7 @@
           <a:p>
             <a:fld id="{63289F7E-B80B-496E-81B4-D396C37C9454}" type="datetimeFigureOut">
               <a:rPr lang="pt-BR" smtClean="0"/>
-              <a:t>02/02/2023</a:t>
+              <a:t>06/02/2023</a:t>
             </a:fld>
             <a:endParaRPr lang="pt-BR"/>
           </a:p>
@@ -3548,7 +3548,7 @@
           <p:cNvPr id="6" name="Espaço Reservado para Rodapé 5">
             <a:extLst>
               <a:ext uri="{FF2B5EF4-FFF2-40B4-BE49-F238E27FC236}">
-                <a16:creationId xmlns="" xmlns:a16="http://schemas.microsoft.com/office/drawing/2014/main" id="{45CC2DB8-844A-465F-BA9A-7734C80C7F43}"/>
+                <a16:creationId xmlns:a16="http://schemas.microsoft.com/office/drawing/2014/main" xmlns="" id="{45CC2DB8-844A-465F-BA9A-7734C80C7F43}"/>
               </a:ext>
             </a:extLst>
           </p:cNvPr>
@@ -3573,7 +3573,7 @@
           <p:cNvPr id="7" name="Espaço Reservado para Número de Slide 6">
             <a:extLst>
               <a:ext uri="{FF2B5EF4-FFF2-40B4-BE49-F238E27FC236}">
-                <a16:creationId xmlns="" xmlns:a16="http://schemas.microsoft.com/office/drawing/2014/main" id="{4CC606A8-097B-4040-94E0-CD8C88280D8F}"/>
+                <a16:creationId xmlns:a16="http://schemas.microsoft.com/office/drawing/2014/main" xmlns="" id="{4CC606A8-097B-4040-94E0-CD8C88280D8F}"/>
               </a:ext>
             </a:extLst>
           </p:cNvPr>
@@ -3632,7 +3632,7 @@
           <p:cNvPr id="2" name="Título 1">
             <a:extLst>
               <a:ext uri="{FF2B5EF4-FFF2-40B4-BE49-F238E27FC236}">
-                <a16:creationId xmlns="" xmlns:a16="http://schemas.microsoft.com/office/drawing/2014/main" id="{76D66686-0143-4CB6-8C09-BA326F1E7ACA}"/>
+                <a16:creationId xmlns:a16="http://schemas.microsoft.com/office/drawing/2014/main" xmlns="" id="{76D66686-0143-4CB6-8C09-BA326F1E7ACA}"/>
               </a:ext>
             </a:extLst>
           </p:cNvPr>
@@ -3665,7 +3665,7 @@
           <p:cNvPr id="3" name="Espaço Reservado para Texto 2">
             <a:extLst>
               <a:ext uri="{FF2B5EF4-FFF2-40B4-BE49-F238E27FC236}">
-                <a16:creationId xmlns="" xmlns:a16="http://schemas.microsoft.com/office/drawing/2014/main" id="{0227AB85-F59E-4BCE-B846-4FA0992C2F23}"/>
+                <a16:creationId xmlns:a16="http://schemas.microsoft.com/office/drawing/2014/main" xmlns="" id="{0227AB85-F59E-4BCE-B846-4FA0992C2F23}"/>
               </a:ext>
             </a:extLst>
           </p:cNvPr>
@@ -3736,7 +3736,7 @@
           <p:cNvPr id="4" name="Espaço Reservado para Conteúdo 3">
             <a:extLst>
               <a:ext uri="{FF2B5EF4-FFF2-40B4-BE49-F238E27FC236}">
-                <a16:creationId xmlns="" xmlns:a16="http://schemas.microsoft.com/office/drawing/2014/main" id="{3373456C-7319-4D0A-827D-D29F6B083F5D}"/>
+                <a16:creationId xmlns:a16="http://schemas.microsoft.com/office/drawing/2014/main" xmlns="" id="{3373456C-7319-4D0A-827D-D29F6B083F5D}"/>
               </a:ext>
             </a:extLst>
           </p:cNvPr>
@@ -3798,7 +3798,7 @@
           <p:cNvPr id="5" name="Espaço Reservado para Texto 4">
             <a:extLst>
               <a:ext uri="{FF2B5EF4-FFF2-40B4-BE49-F238E27FC236}">
-                <a16:creationId xmlns="" xmlns:a16="http://schemas.microsoft.com/office/drawing/2014/main" id="{4CD109D0-2E83-4262-8029-A871CEC47406}"/>
+                <a16:creationId xmlns:a16="http://schemas.microsoft.com/office/drawing/2014/main" xmlns="" id="{4CD109D0-2E83-4262-8029-A871CEC47406}"/>
               </a:ext>
             </a:extLst>
           </p:cNvPr>
@@ -3869,7 +3869,7 @@
           <p:cNvPr id="6" name="Espaço Reservado para Conteúdo 5">
             <a:extLst>
               <a:ext uri="{FF2B5EF4-FFF2-40B4-BE49-F238E27FC236}">
-                <a16:creationId xmlns="" xmlns:a16="http://schemas.microsoft.com/office/drawing/2014/main" id="{AD706E3A-CFBB-4A6C-A65F-D0360A9E74FE}"/>
+                <a16:creationId xmlns:a16="http://schemas.microsoft.com/office/drawing/2014/main" xmlns="" id="{AD706E3A-CFBB-4A6C-A65F-D0360A9E74FE}"/>
               </a:ext>
             </a:extLst>
           </p:cNvPr>
@@ -3931,7 +3931,7 @@
           <p:cNvPr id="7" name="Espaço Reservado para Data 6">
             <a:extLst>
               <a:ext uri="{FF2B5EF4-FFF2-40B4-BE49-F238E27FC236}">
-                <a16:creationId xmlns="" xmlns:a16="http://schemas.microsoft.com/office/drawing/2014/main" id="{4172C0E5-5AF0-4805-BB51-443733CD2BD5}"/>
+                <a16:creationId xmlns:a16="http://schemas.microsoft.com/office/drawing/2014/main" xmlns="" id="{4172C0E5-5AF0-4805-BB51-443733CD2BD5}"/>
               </a:ext>
             </a:extLst>
           </p:cNvPr>
@@ -3949,7 +3949,7 @@
           <a:p>
             <a:fld id="{63289F7E-B80B-496E-81B4-D396C37C9454}" type="datetimeFigureOut">
               <a:rPr lang="pt-BR" smtClean="0"/>
-              <a:t>02/02/2023</a:t>
+              <a:t>06/02/2023</a:t>
             </a:fld>
             <a:endParaRPr lang="pt-BR"/>
           </a:p>
@@ -3960,7 +3960,7 @@
           <p:cNvPr id="8" name="Espaço Reservado para Rodapé 7">
             <a:extLst>
               <a:ext uri="{FF2B5EF4-FFF2-40B4-BE49-F238E27FC236}">
-                <a16:creationId xmlns="" xmlns:a16="http://schemas.microsoft.com/office/drawing/2014/main" id="{0E801648-156F-497E-99CF-797DF48051E1}"/>
+                <a16:creationId xmlns:a16="http://schemas.microsoft.com/office/drawing/2014/main" xmlns="" id="{0E801648-156F-497E-99CF-797DF48051E1}"/>
               </a:ext>
             </a:extLst>
           </p:cNvPr>
@@ -3985,7 +3985,7 @@
           <p:cNvPr id="9" name="Espaço Reservado para Número de Slide 8">
             <a:extLst>
               <a:ext uri="{FF2B5EF4-FFF2-40B4-BE49-F238E27FC236}">
-                <a16:creationId xmlns="" xmlns:a16="http://schemas.microsoft.com/office/drawing/2014/main" id="{EEE23D32-80E7-4796-A137-66BF842E4B53}"/>
+                <a16:creationId xmlns:a16="http://schemas.microsoft.com/office/drawing/2014/main" xmlns="" id="{EEE23D32-80E7-4796-A137-66BF842E4B53}"/>
               </a:ext>
             </a:extLst>
           </p:cNvPr>
@@ -4044,7 +4044,7 @@
           <p:cNvPr id="2" name="Título 1">
             <a:extLst>
               <a:ext uri="{FF2B5EF4-FFF2-40B4-BE49-F238E27FC236}">
-                <a16:creationId xmlns="" xmlns:a16="http://schemas.microsoft.com/office/drawing/2014/main" id="{2BCE2379-C78F-47E1-8CFC-B846E7AF148D}"/>
+                <a16:creationId xmlns:a16="http://schemas.microsoft.com/office/drawing/2014/main" xmlns="" id="{2BCE2379-C78F-47E1-8CFC-B846E7AF148D}"/>
               </a:ext>
             </a:extLst>
           </p:cNvPr>
@@ -4072,7 +4072,7 @@
           <p:cNvPr id="3" name="Espaço Reservado para Data 2">
             <a:extLst>
               <a:ext uri="{FF2B5EF4-FFF2-40B4-BE49-F238E27FC236}">
-                <a16:creationId xmlns="" xmlns:a16="http://schemas.microsoft.com/office/drawing/2014/main" id="{342600A9-7F92-4E22-9D94-E4717252A817}"/>
+                <a16:creationId xmlns:a16="http://schemas.microsoft.com/office/drawing/2014/main" xmlns="" id="{342600A9-7F92-4E22-9D94-E4717252A817}"/>
               </a:ext>
             </a:extLst>
           </p:cNvPr>
@@ -4090,7 +4090,7 @@
           <a:p>
             <a:fld id="{63289F7E-B80B-496E-81B4-D396C37C9454}" type="datetimeFigureOut">
               <a:rPr lang="pt-BR" smtClean="0"/>
-              <a:t>02/02/2023</a:t>
+              <a:t>06/02/2023</a:t>
             </a:fld>
             <a:endParaRPr lang="pt-BR"/>
           </a:p>
@@ -4101,7 +4101,7 @@
           <p:cNvPr id="4" name="Espaço Reservado para Rodapé 3">
             <a:extLst>
               <a:ext uri="{FF2B5EF4-FFF2-40B4-BE49-F238E27FC236}">
-                <a16:creationId xmlns="" xmlns:a16="http://schemas.microsoft.com/office/drawing/2014/main" id="{192E6BED-F546-40CC-A2DF-99CBA853654E}"/>
+                <a16:creationId xmlns:a16="http://schemas.microsoft.com/office/drawing/2014/main" xmlns="" id="{192E6BED-F546-40CC-A2DF-99CBA853654E}"/>
               </a:ext>
             </a:extLst>
           </p:cNvPr>
@@ -4126,7 +4126,7 @@
           <p:cNvPr id="5" name="Espaço Reservado para Número de Slide 4">
             <a:extLst>
               <a:ext uri="{FF2B5EF4-FFF2-40B4-BE49-F238E27FC236}">
-                <a16:creationId xmlns="" xmlns:a16="http://schemas.microsoft.com/office/drawing/2014/main" id="{6091CC40-A8C4-4063-80EB-CC5099621678}"/>
+                <a16:creationId xmlns:a16="http://schemas.microsoft.com/office/drawing/2014/main" xmlns="" id="{6091CC40-A8C4-4063-80EB-CC5099621678}"/>
               </a:ext>
             </a:extLst>
           </p:cNvPr>
@@ -4185,7 +4185,7 @@
           <p:cNvPr id="2" name="Espaço Reservado para Data 1">
             <a:extLst>
               <a:ext uri="{FF2B5EF4-FFF2-40B4-BE49-F238E27FC236}">
-                <a16:creationId xmlns="" xmlns:a16="http://schemas.microsoft.com/office/drawing/2014/main" id="{DD19515C-212C-4EAE-84A3-8FF4BC844F1B}"/>
+                <a16:creationId xmlns:a16="http://schemas.microsoft.com/office/drawing/2014/main" xmlns="" id="{DD19515C-212C-4EAE-84A3-8FF4BC844F1B}"/>
               </a:ext>
             </a:extLst>
           </p:cNvPr>
@@ -4203,7 +4203,7 @@
           <a:p>
             <a:fld id="{63289F7E-B80B-496E-81B4-D396C37C9454}" type="datetimeFigureOut">
               <a:rPr lang="pt-BR" smtClean="0"/>
-              <a:t>02/02/2023</a:t>
+              <a:t>06/02/2023</a:t>
             </a:fld>
             <a:endParaRPr lang="pt-BR"/>
           </a:p>
@@ -4214,7 +4214,7 @@
           <p:cNvPr id="3" name="Espaço Reservado para Rodapé 2">
             <a:extLst>
               <a:ext uri="{FF2B5EF4-FFF2-40B4-BE49-F238E27FC236}">
-                <a16:creationId xmlns="" xmlns:a16="http://schemas.microsoft.com/office/drawing/2014/main" id="{94D3D120-B3E8-4C96-861D-7A4F12F49B3A}"/>
+                <a16:creationId xmlns:a16="http://schemas.microsoft.com/office/drawing/2014/main" xmlns="" id="{94D3D120-B3E8-4C96-861D-7A4F12F49B3A}"/>
               </a:ext>
             </a:extLst>
           </p:cNvPr>
@@ -4239,7 +4239,7 @@
           <p:cNvPr id="4" name="Espaço Reservado para Número de Slide 3">
             <a:extLst>
               <a:ext uri="{FF2B5EF4-FFF2-40B4-BE49-F238E27FC236}">
-                <a16:creationId xmlns="" xmlns:a16="http://schemas.microsoft.com/office/drawing/2014/main" id="{42E49B68-FA1B-468B-9F17-D5C09243D454}"/>
+                <a16:creationId xmlns:a16="http://schemas.microsoft.com/office/drawing/2014/main" xmlns="" id="{42E49B68-FA1B-468B-9F17-D5C09243D454}"/>
               </a:ext>
             </a:extLst>
           </p:cNvPr>
@@ -4298,7 +4298,7 @@
           <p:cNvPr id="2" name="Título 1">
             <a:extLst>
               <a:ext uri="{FF2B5EF4-FFF2-40B4-BE49-F238E27FC236}">
-                <a16:creationId xmlns="" xmlns:a16="http://schemas.microsoft.com/office/drawing/2014/main" id="{1C17BCBE-A897-4319-85EC-D87909C24980}"/>
+                <a16:creationId xmlns:a16="http://schemas.microsoft.com/office/drawing/2014/main" xmlns="" id="{1C17BCBE-A897-4319-85EC-D87909C24980}"/>
               </a:ext>
             </a:extLst>
           </p:cNvPr>
@@ -4335,7 +4335,7 @@
           <p:cNvPr id="3" name="Espaço Reservado para Conteúdo 2">
             <a:extLst>
               <a:ext uri="{FF2B5EF4-FFF2-40B4-BE49-F238E27FC236}">
-                <a16:creationId xmlns="" xmlns:a16="http://schemas.microsoft.com/office/drawing/2014/main" id="{4226F885-0204-4913-868B-4B8B82576F17}"/>
+                <a16:creationId xmlns:a16="http://schemas.microsoft.com/office/drawing/2014/main" xmlns="" id="{4226F885-0204-4913-868B-4B8B82576F17}"/>
               </a:ext>
             </a:extLst>
           </p:cNvPr>
@@ -4425,7 +4425,7 @@
           <p:cNvPr id="4" name="Espaço Reservado para Texto 3">
             <a:extLst>
               <a:ext uri="{FF2B5EF4-FFF2-40B4-BE49-F238E27FC236}">
-                <a16:creationId xmlns="" xmlns:a16="http://schemas.microsoft.com/office/drawing/2014/main" id="{00F9F784-A858-441B-8AB5-697098141751}"/>
+                <a16:creationId xmlns:a16="http://schemas.microsoft.com/office/drawing/2014/main" xmlns="" id="{00F9F784-A858-441B-8AB5-697098141751}"/>
               </a:ext>
             </a:extLst>
           </p:cNvPr>
@@ -4496,7 +4496,7 @@
           <p:cNvPr id="5" name="Espaço Reservado para Data 4">
             <a:extLst>
               <a:ext uri="{FF2B5EF4-FFF2-40B4-BE49-F238E27FC236}">
-                <a16:creationId xmlns="" xmlns:a16="http://schemas.microsoft.com/office/drawing/2014/main" id="{A4DC363A-5000-472E-8B17-02E7DCB8840A}"/>
+                <a16:creationId xmlns:a16="http://schemas.microsoft.com/office/drawing/2014/main" xmlns="" id="{A4DC363A-5000-472E-8B17-02E7DCB8840A}"/>
               </a:ext>
             </a:extLst>
           </p:cNvPr>
@@ -4514,7 +4514,7 @@
           <a:p>
             <a:fld id="{63289F7E-B80B-496E-81B4-D396C37C9454}" type="datetimeFigureOut">
               <a:rPr lang="pt-BR" smtClean="0"/>
-              <a:t>02/02/2023</a:t>
+              <a:t>06/02/2023</a:t>
             </a:fld>
             <a:endParaRPr lang="pt-BR"/>
           </a:p>
@@ -4525,7 +4525,7 @@
           <p:cNvPr id="6" name="Espaço Reservado para Rodapé 5">
             <a:extLst>
               <a:ext uri="{FF2B5EF4-FFF2-40B4-BE49-F238E27FC236}">
-                <a16:creationId xmlns="" xmlns:a16="http://schemas.microsoft.com/office/drawing/2014/main" id="{5548425D-2C21-4C56-BAD4-662978775C28}"/>
+                <a16:creationId xmlns:a16="http://schemas.microsoft.com/office/drawing/2014/main" xmlns="" id="{5548425D-2C21-4C56-BAD4-662978775C28}"/>
               </a:ext>
             </a:extLst>
           </p:cNvPr>
@@ -4550,7 +4550,7 @@
           <p:cNvPr id="7" name="Espaço Reservado para Número de Slide 6">
             <a:extLst>
               <a:ext uri="{FF2B5EF4-FFF2-40B4-BE49-F238E27FC236}">
-                <a16:creationId xmlns="" xmlns:a16="http://schemas.microsoft.com/office/drawing/2014/main" id="{C63E9726-E64C-42B2-AE8A-8C235A956B48}"/>
+                <a16:creationId xmlns:a16="http://schemas.microsoft.com/office/drawing/2014/main" xmlns="" id="{C63E9726-E64C-42B2-AE8A-8C235A956B48}"/>
               </a:ext>
             </a:extLst>
           </p:cNvPr>
@@ -4609,7 +4609,7 @@
           <p:cNvPr id="2" name="Título 1">
             <a:extLst>
               <a:ext uri="{FF2B5EF4-FFF2-40B4-BE49-F238E27FC236}">
-                <a16:creationId xmlns="" xmlns:a16="http://schemas.microsoft.com/office/drawing/2014/main" id="{11086A78-3E74-450C-96A6-CA8AC37AF772}"/>
+                <a16:creationId xmlns:a16="http://schemas.microsoft.com/office/drawing/2014/main" xmlns="" id="{11086A78-3E74-450C-96A6-CA8AC37AF772}"/>
               </a:ext>
             </a:extLst>
           </p:cNvPr>
@@ -4646,7 +4646,7 @@
           <p:cNvPr id="3" name="Espaço Reservado para Imagem 2">
             <a:extLst>
               <a:ext uri="{FF2B5EF4-FFF2-40B4-BE49-F238E27FC236}">
-                <a16:creationId xmlns="" xmlns:a16="http://schemas.microsoft.com/office/drawing/2014/main" id="{5F5B7312-975A-4DBC-9B2F-3652ADA006FD}"/>
+                <a16:creationId xmlns:a16="http://schemas.microsoft.com/office/drawing/2014/main" xmlns="" id="{5F5B7312-975A-4DBC-9B2F-3652ADA006FD}"/>
               </a:ext>
             </a:extLst>
           </p:cNvPr>
@@ -4713,7 +4713,7 @@
           <p:cNvPr id="4" name="Espaço Reservado para Texto 3">
             <a:extLst>
               <a:ext uri="{FF2B5EF4-FFF2-40B4-BE49-F238E27FC236}">
-                <a16:creationId xmlns="" xmlns:a16="http://schemas.microsoft.com/office/drawing/2014/main" id="{AAF805F5-1DFF-41C6-944C-7D79FE0D0963}"/>
+                <a16:creationId xmlns:a16="http://schemas.microsoft.com/office/drawing/2014/main" xmlns="" id="{AAF805F5-1DFF-41C6-944C-7D79FE0D0963}"/>
               </a:ext>
             </a:extLst>
           </p:cNvPr>
@@ -4784,7 +4784,7 @@
           <p:cNvPr id="5" name="Espaço Reservado para Data 4">
             <a:extLst>
               <a:ext uri="{FF2B5EF4-FFF2-40B4-BE49-F238E27FC236}">
-                <a16:creationId xmlns="" xmlns:a16="http://schemas.microsoft.com/office/drawing/2014/main" id="{02113D81-8665-4516-BD81-C6A1F254EECD}"/>
+                <a16:creationId xmlns:a16="http://schemas.microsoft.com/office/drawing/2014/main" xmlns="" id="{02113D81-8665-4516-BD81-C6A1F254EECD}"/>
               </a:ext>
             </a:extLst>
           </p:cNvPr>
@@ -4802,7 +4802,7 @@
           <a:p>
             <a:fld id="{63289F7E-B80B-496E-81B4-D396C37C9454}" type="datetimeFigureOut">
               <a:rPr lang="pt-BR" smtClean="0"/>
-              <a:t>02/02/2023</a:t>
+              <a:t>06/02/2023</a:t>
             </a:fld>
             <a:endParaRPr lang="pt-BR"/>
           </a:p>
@@ -4813,7 +4813,7 @@
           <p:cNvPr id="6" name="Espaço Reservado para Rodapé 5">
             <a:extLst>
               <a:ext uri="{FF2B5EF4-FFF2-40B4-BE49-F238E27FC236}">
-                <a16:creationId xmlns="" xmlns:a16="http://schemas.microsoft.com/office/drawing/2014/main" id="{2B00C88B-FF32-40AA-A187-727D96FD7862}"/>
+                <a16:creationId xmlns:a16="http://schemas.microsoft.com/office/drawing/2014/main" xmlns="" id="{2B00C88B-FF32-40AA-A187-727D96FD7862}"/>
               </a:ext>
             </a:extLst>
           </p:cNvPr>
@@ -4838,7 +4838,7 @@
           <p:cNvPr id="7" name="Espaço Reservado para Número de Slide 6">
             <a:extLst>
               <a:ext uri="{FF2B5EF4-FFF2-40B4-BE49-F238E27FC236}">
-                <a16:creationId xmlns="" xmlns:a16="http://schemas.microsoft.com/office/drawing/2014/main" id="{A04D1A2D-69F7-4B8F-A730-BC26DC340BA6}"/>
+                <a16:creationId xmlns:a16="http://schemas.microsoft.com/office/drawing/2014/main" xmlns="" id="{A04D1A2D-69F7-4B8F-A730-BC26DC340BA6}"/>
               </a:ext>
             </a:extLst>
           </p:cNvPr>
@@ -4902,7 +4902,7 @@
           <p:cNvPr id="2" name="Espaço Reservado para Título 1">
             <a:extLst>
               <a:ext uri="{FF2B5EF4-FFF2-40B4-BE49-F238E27FC236}">
-                <a16:creationId xmlns="" xmlns:a16="http://schemas.microsoft.com/office/drawing/2014/main" id="{E69A0273-1966-4A1B-9370-4C1CE5036371}"/>
+                <a16:creationId xmlns:a16="http://schemas.microsoft.com/office/drawing/2014/main" xmlns="" id="{E69A0273-1966-4A1B-9370-4C1CE5036371}"/>
               </a:ext>
             </a:extLst>
           </p:cNvPr>
@@ -4940,7 +4940,7 @@
           <p:cNvPr id="3" name="Espaço Reservado para Texto 2">
             <a:extLst>
               <a:ext uri="{FF2B5EF4-FFF2-40B4-BE49-F238E27FC236}">
-                <a16:creationId xmlns="" xmlns:a16="http://schemas.microsoft.com/office/drawing/2014/main" id="{3B9CF87A-0448-49A7-AB25-EBC1D56A40EF}"/>
+                <a16:creationId xmlns:a16="http://schemas.microsoft.com/office/drawing/2014/main" xmlns="" id="{3B9CF87A-0448-49A7-AB25-EBC1D56A40EF}"/>
               </a:ext>
             </a:extLst>
           </p:cNvPr>
@@ -5007,7 +5007,7 @@
           <p:cNvPr id="4" name="Espaço Reservado para Data 3">
             <a:extLst>
               <a:ext uri="{FF2B5EF4-FFF2-40B4-BE49-F238E27FC236}">
-                <a16:creationId xmlns="" xmlns:a16="http://schemas.microsoft.com/office/drawing/2014/main" id="{2EF7B1F2-BB5A-44D0-816D-16AD2C71430E}"/>
+                <a16:creationId xmlns:a16="http://schemas.microsoft.com/office/drawing/2014/main" xmlns="" id="{2EF7B1F2-BB5A-44D0-816D-16AD2C71430E}"/>
               </a:ext>
             </a:extLst>
           </p:cNvPr>
@@ -5043,7 +5043,7 @@
           <a:p>
             <a:fld id="{63289F7E-B80B-496E-81B4-D396C37C9454}" type="datetimeFigureOut">
               <a:rPr lang="pt-BR" smtClean="0"/>
-              <a:t>02/02/2023</a:t>
+              <a:t>06/02/2023</a:t>
             </a:fld>
             <a:endParaRPr lang="pt-BR"/>
           </a:p>
@@ -5054,7 +5054,7 @@
           <p:cNvPr id="5" name="Espaço Reservado para Rodapé 4">
             <a:extLst>
               <a:ext uri="{FF2B5EF4-FFF2-40B4-BE49-F238E27FC236}">
-                <a16:creationId xmlns="" xmlns:a16="http://schemas.microsoft.com/office/drawing/2014/main" id="{C703F94C-2CC8-4DAA-BC35-14FC3E841DCD}"/>
+                <a16:creationId xmlns:a16="http://schemas.microsoft.com/office/drawing/2014/main" xmlns="" id="{C703F94C-2CC8-4DAA-BC35-14FC3E841DCD}"/>
               </a:ext>
             </a:extLst>
           </p:cNvPr>
@@ -5097,7 +5097,7 @@
           <p:cNvPr id="6" name="Espaço Reservado para Número de Slide 5">
             <a:extLst>
               <a:ext uri="{FF2B5EF4-FFF2-40B4-BE49-F238E27FC236}">
-                <a16:creationId xmlns="" xmlns:a16="http://schemas.microsoft.com/office/drawing/2014/main" id="{64051336-7048-457A-8B61-D94291D71648}"/>
+                <a16:creationId xmlns:a16="http://schemas.microsoft.com/office/drawing/2014/main" xmlns="" id="{64051336-7048-457A-8B61-D94291D71648}"/>
               </a:ext>
             </a:extLst>
           </p:cNvPr>
@@ -5465,7 +5465,7 @@
           <p:cNvPr id="2" name="Título 1">
             <a:extLst>
               <a:ext uri="{FF2B5EF4-FFF2-40B4-BE49-F238E27FC236}">
-                <a16:creationId xmlns="" xmlns:a16="http://schemas.microsoft.com/office/drawing/2014/main" id="{32666AC8-2E17-4DB4-B0F5-60C640CCFD2E}"/>
+                <a16:creationId xmlns:a16="http://schemas.microsoft.com/office/drawing/2014/main" xmlns="" id="{32666AC8-2E17-4DB4-B0F5-60C640CCFD2E}"/>
               </a:ext>
             </a:extLst>
           </p:cNvPr>
@@ -5512,7 +5512,7 @@
           <p:cNvPr id="4" name="CaixaDeTexto 3">
             <a:extLst>
               <a:ext uri="{FF2B5EF4-FFF2-40B4-BE49-F238E27FC236}">
-                <a16:creationId xmlns="" xmlns:a16="http://schemas.microsoft.com/office/drawing/2014/main" id="{430EB894-B7D4-434C-9D1A-A14094D9BEEC}"/>
+                <a16:creationId xmlns:a16="http://schemas.microsoft.com/office/drawing/2014/main" xmlns="" id="{430EB894-B7D4-434C-9D1A-A14094D9BEEC}"/>
               </a:ext>
             </a:extLst>
           </p:cNvPr>
@@ -5553,7 +5553,7 @@
           <p:cNvPr id="1026" name="Picture 2" descr="Logo">
             <a:extLst>
               <a:ext uri="{FF2B5EF4-FFF2-40B4-BE49-F238E27FC236}">
-                <a16:creationId xmlns="" xmlns:a16="http://schemas.microsoft.com/office/drawing/2014/main" id="{3F2642E0-4F6A-4196-8F58-E77D36E9A33F}"/>
+                <a16:creationId xmlns:a16="http://schemas.microsoft.com/office/drawing/2014/main" xmlns="" id="{3F2642E0-4F6A-4196-8F58-E77D36E9A33F}"/>
               </a:ext>
             </a:extLst>
           </p:cNvPr>
@@ -5598,7 +5598,7 @@
           <p:cNvPr id="5122" name="Picture 2" descr="Image result for machine learning">
             <a:extLst>
               <a:ext uri="{FF2B5EF4-FFF2-40B4-BE49-F238E27FC236}">
-                <a16:creationId xmlns="" xmlns:a16="http://schemas.microsoft.com/office/drawing/2014/main" id="{810CE0A2-4102-44A6-A370-175E7896CDCB}"/>
+                <a16:creationId xmlns:a16="http://schemas.microsoft.com/office/drawing/2014/main" xmlns="" id="{810CE0A2-4102-44A6-A370-175E7896CDCB}"/>
               </a:ext>
             </a:extLst>
           </p:cNvPr>
@@ -22670,7 +22670,7 @@
           <p:cNvPr id="4" name="Título 1">
             <a:extLst>
               <a:ext uri="{FF2B5EF4-FFF2-40B4-BE49-F238E27FC236}">
-                <a16:creationId xmlns="" xmlns:a16="http://schemas.microsoft.com/office/drawing/2014/main" id="{32666AC8-2E17-4DB4-B0F5-60C640CCFD2E}"/>
+                <a16:creationId xmlns:a16="http://schemas.microsoft.com/office/drawing/2014/main" xmlns="" id="{32666AC8-2E17-4DB4-B0F5-60C640CCFD2E}"/>
               </a:ext>
             </a:extLst>
           </p:cNvPr>
@@ -31651,7 +31651,7 @@
           <p:cNvPr id="2" name="Título 1">
             <a:extLst>
               <a:ext uri="{FF2B5EF4-FFF2-40B4-BE49-F238E27FC236}">
-                <a16:creationId xmlns="" xmlns:a16="http://schemas.microsoft.com/office/drawing/2014/main" id="{C4F48192-B348-4C3E-8621-D3755D2230F8}"/>
+                <a16:creationId xmlns:a16="http://schemas.microsoft.com/office/drawing/2014/main" xmlns="" id="{C4F48192-B348-4C3E-8621-D3755D2230F8}"/>
               </a:ext>
             </a:extLst>
           </p:cNvPr>
@@ -31688,7 +31688,7 @@
           <p:cNvPr id="3" name="Espaço Reservado para Conteúdo 2">
             <a:extLst>
               <a:ext uri="{FF2B5EF4-FFF2-40B4-BE49-F238E27FC236}">
-                <a16:creationId xmlns="" xmlns:a16="http://schemas.microsoft.com/office/drawing/2014/main" id="{E3DECB90-AFD9-4AC6-A356-C93A7442A6E6}"/>
+                <a16:creationId xmlns:a16="http://schemas.microsoft.com/office/drawing/2014/main" xmlns="" id="{E3DECB90-AFD9-4AC6-A356-C93A7442A6E6}"/>
               </a:ext>
             </a:extLst>
           </p:cNvPr>
@@ -31842,7 +31842,7 @@
           <p:cNvPr id="3074" name="Picture 2" descr="Image result for machine learning">
             <a:extLst>
               <a:ext uri="{FF2B5EF4-FFF2-40B4-BE49-F238E27FC236}">
-                <a16:creationId xmlns="" xmlns:a16="http://schemas.microsoft.com/office/drawing/2014/main" id="{78A93243-9634-4B0E-B1B2-37A218EAEADD}"/>
+                <a16:creationId xmlns:a16="http://schemas.microsoft.com/office/drawing/2014/main" xmlns="" id="{78A93243-9634-4B0E-B1B2-37A218EAEADD}"/>
               </a:ext>
             </a:extLst>
           </p:cNvPr>
@@ -37348,7 +37348,7 @@
           <p:cNvPr id="2" name="Título 1">
             <a:extLst>
               <a:ext uri="{FF2B5EF4-FFF2-40B4-BE49-F238E27FC236}">
-                <a16:creationId xmlns="" xmlns:a16="http://schemas.microsoft.com/office/drawing/2014/main" id="{A2A4684C-1159-4F88-A2B1-6BABEDE38C4D}"/>
+                <a16:creationId xmlns:a16="http://schemas.microsoft.com/office/drawing/2014/main" xmlns="" id="{A2A4684C-1159-4F88-A2B1-6BABEDE38C4D}"/>
               </a:ext>
             </a:extLst>
           </p:cNvPr>
@@ -37376,7 +37376,7 @@
           <p:cNvPr id="3" name="Espaço Reservado para Conteúdo 2">
             <a:extLst>
               <a:ext uri="{FF2B5EF4-FFF2-40B4-BE49-F238E27FC236}">
-                <a16:creationId xmlns="" xmlns:a16="http://schemas.microsoft.com/office/drawing/2014/main" id="{EC432B31-D382-41FF-BB6B-2ABDD322424B}"/>
+                <a16:creationId xmlns:a16="http://schemas.microsoft.com/office/drawing/2014/main" xmlns="" id="{EC432B31-D382-41FF-BB6B-2ABDD322424B}"/>
               </a:ext>
             </a:extLst>
           </p:cNvPr>
@@ -37877,9 +37877,10 @@
               <a:t>maycol.teles@ges.inatel.br</a:t>
             </a:r>
             <a:r>
-              <a:rPr lang="pt-BR" dirty="0" smtClean="0"/>
-              <a:t>): será divulgado em breve.</a:t>
+              <a:rPr lang="pt-BR" smtClean="0"/>
+              <a:t>): quartas-feiras das 18:30 às 19:30.</a:t>
             </a:r>
+            <a:endParaRPr lang="pt-BR" dirty="0" smtClean="0"/>
           </a:p>
           <a:p>
             <a:pPr lvl="1">
@@ -38513,7 +38514,7 @@
           <p:cNvPr id="4" name="Picture 5" descr="Image result for supervised learning">
             <a:extLst>
               <a:ext uri="{FF2B5EF4-FFF2-40B4-BE49-F238E27FC236}">
-                <a16:creationId xmlns="" xmlns:a16="http://schemas.microsoft.com/office/drawing/2014/main" id="{2520F4EA-1E3E-4F3B-97C0-DF47861DCD42}"/>
+                <a16:creationId xmlns:a16="http://schemas.microsoft.com/office/drawing/2014/main" xmlns="" id="{2520F4EA-1E3E-4F3B-97C0-DF47861DCD42}"/>
               </a:ext>
             </a:extLst>
           </p:cNvPr>

--- a/slides/T320_Classificação (Parte I).pptx
+++ b/slides/T320_Classificação (Parte I).pptx
@@ -17,7 +17,7 @@
     <p:sldId id="282" r:id="rId5"/>
     <p:sldId id="346" r:id="rId6"/>
     <p:sldId id="263" r:id="rId7"/>
-    <p:sldId id="298" r:id="rId8"/>
+    <p:sldId id="349" r:id="rId8"/>
     <p:sldId id="347" r:id="rId9"/>
     <p:sldId id="348" r:id="rId10"/>
     <p:sldId id="329" r:id="rId11"/>
@@ -299,7 +299,7 @@
           <a:p>
             <a:fld id="{144F1436-6906-4D93-B7A2-786C327BFA14}" type="datetimeFigureOut">
               <a:rPr lang="nl-BE" smtClean="0"/>
-              <a:t>6/02/2023</a:t>
+              <a:t>10/02/2023</a:t>
             </a:fld>
             <a:endParaRPr lang="nl-BE"/>
           </a:p>
@@ -464,7 +464,7 @@
           <a:p>
             <a:fld id="{AA8CD09E-2914-4F47-B6C1-51B2C31814C9}" type="datetimeFigureOut">
               <a:rPr lang="pt-BR" smtClean="0"/>
-              <a:t>06/02/2023</a:t>
+              <a:t>10/02/2023</a:t>
             </a:fld>
             <a:endParaRPr lang="pt-BR"/>
           </a:p>
@@ -2268,7 +2268,7 @@
           <p:cNvPr id="2" name="Título 1">
             <a:extLst>
               <a:ext uri="{FF2B5EF4-FFF2-40B4-BE49-F238E27FC236}">
-                <a16:creationId xmlns:a16="http://schemas.microsoft.com/office/drawing/2014/main" xmlns="" id="{1DB9B4FF-B06E-403C-A326-BDC64D8FF94E}"/>
+                <a16:creationId xmlns="" xmlns:a16="http://schemas.microsoft.com/office/drawing/2014/main" id="{1DB9B4FF-B06E-403C-A326-BDC64D8FF94E}"/>
               </a:ext>
             </a:extLst>
           </p:cNvPr>
@@ -2305,7 +2305,7 @@
           <p:cNvPr id="3" name="Subtítulo 2">
             <a:extLst>
               <a:ext uri="{FF2B5EF4-FFF2-40B4-BE49-F238E27FC236}">
-                <a16:creationId xmlns:a16="http://schemas.microsoft.com/office/drawing/2014/main" xmlns="" id="{247BDFCE-746E-45BF-A319-4733D58D1632}"/>
+                <a16:creationId xmlns="" xmlns:a16="http://schemas.microsoft.com/office/drawing/2014/main" id="{247BDFCE-746E-45BF-A319-4733D58D1632}"/>
               </a:ext>
             </a:extLst>
           </p:cNvPr>
@@ -2375,7 +2375,7 @@
           <p:cNvPr id="4" name="Espaço Reservado para Data 3">
             <a:extLst>
               <a:ext uri="{FF2B5EF4-FFF2-40B4-BE49-F238E27FC236}">
-                <a16:creationId xmlns:a16="http://schemas.microsoft.com/office/drawing/2014/main" xmlns="" id="{9EDE2778-5372-4104-B96D-968184DA8288}"/>
+                <a16:creationId xmlns="" xmlns:a16="http://schemas.microsoft.com/office/drawing/2014/main" id="{9EDE2778-5372-4104-B96D-968184DA8288}"/>
               </a:ext>
             </a:extLst>
           </p:cNvPr>
@@ -2393,7 +2393,7 @@
           <a:p>
             <a:fld id="{63289F7E-B80B-496E-81B4-D396C37C9454}" type="datetimeFigureOut">
               <a:rPr lang="pt-BR" smtClean="0"/>
-              <a:t>06/02/2023</a:t>
+              <a:t>10/02/2023</a:t>
             </a:fld>
             <a:endParaRPr lang="pt-BR"/>
           </a:p>
@@ -2404,7 +2404,7 @@
           <p:cNvPr id="5" name="Espaço Reservado para Rodapé 4">
             <a:extLst>
               <a:ext uri="{FF2B5EF4-FFF2-40B4-BE49-F238E27FC236}">
-                <a16:creationId xmlns:a16="http://schemas.microsoft.com/office/drawing/2014/main" xmlns="" id="{C1DD0F41-C861-4051-988D-3024A37A4B93}"/>
+                <a16:creationId xmlns="" xmlns:a16="http://schemas.microsoft.com/office/drawing/2014/main" id="{C1DD0F41-C861-4051-988D-3024A37A4B93}"/>
               </a:ext>
             </a:extLst>
           </p:cNvPr>
@@ -2429,7 +2429,7 @@
           <p:cNvPr id="6" name="Espaço Reservado para Número de Slide 5">
             <a:extLst>
               <a:ext uri="{FF2B5EF4-FFF2-40B4-BE49-F238E27FC236}">
-                <a16:creationId xmlns:a16="http://schemas.microsoft.com/office/drawing/2014/main" xmlns="" id="{07E5967E-D980-431A-A5DB-3F0C5030A81E}"/>
+                <a16:creationId xmlns="" xmlns:a16="http://schemas.microsoft.com/office/drawing/2014/main" id="{07E5967E-D980-431A-A5DB-3F0C5030A81E}"/>
               </a:ext>
             </a:extLst>
           </p:cNvPr>
@@ -2488,7 +2488,7 @@
           <p:cNvPr id="2" name="Título 1">
             <a:extLst>
               <a:ext uri="{FF2B5EF4-FFF2-40B4-BE49-F238E27FC236}">
-                <a16:creationId xmlns:a16="http://schemas.microsoft.com/office/drawing/2014/main" xmlns="" id="{9036C49F-3E68-4175-81BA-3C3FEE44308A}"/>
+                <a16:creationId xmlns="" xmlns:a16="http://schemas.microsoft.com/office/drawing/2014/main" id="{9036C49F-3E68-4175-81BA-3C3FEE44308A}"/>
               </a:ext>
             </a:extLst>
           </p:cNvPr>
@@ -2516,7 +2516,7 @@
           <p:cNvPr id="3" name="Espaço Reservado para Texto Vertical 2">
             <a:extLst>
               <a:ext uri="{FF2B5EF4-FFF2-40B4-BE49-F238E27FC236}">
-                <a16:creationId xmlns:a16="http://schemas.microsoft.com/office/drawing/2014/main" xmlns="" id="{426FA736-3DD3-4D4E-B57B-BBE1D8F7D424}"/>
+                <a16:creationId xmlns="" xmlns:a16="http://schemas.microsoft.com/office/drawing/2014/main" id="{426FA736-3DD3-4D4E-B57B-BBE1D8F7D424}"/>
               </a:ext>
             </a:extLst>
           </p:cNvPr>
@@ -2573,7 +2573,7 @@
           <p:cNvPr id="4" name="Espaço Reservado para Data 3">
             <a:extLst>
               <a:ext uri="{FF2B5EF4-FFF2-40B4-BE49-F238E27FC236}">
-                <a16:creationId xmlns:a16="http://schemas.microsoft.com/office/drawing/2014/main" xmlns="" id="{99E8855C-D8FD-48F6-B14E-861E0DE4D915}"/>
+                <a16:creationId xmlns="" xmlns:a16="http://schemas.microsoft.com/office/drawing/2014/main" id="{99E8855C-D8FD-48F6-B14E-861E0DE4D915}"/>
               </a:ext>
             </a:extLst>
           </p:cNvPr>
@@ -2591,7 +2591,7 @@
           <a:p>
             <a:fld id="{63289F7E-B80B-496E-81B4-D396C37C9454}" type="datetimeFigureOut">
               <a:rPr lang="pt-BR" smtClean="0"/>
-              <a:t>06/02/2023</a:t>
+              <a:t>10/02/2023</a:t>
             </a:fld>
             <a:endParaRPr lang="pt-BR"/>
           </a:p>
@@ -2602,7 +2602,7 @@
           <p:cNvPr id="5" name="Espaço Reservado para Rodapé 4">
             <a:extLst>
               <a:ext uri="{FF2B5EF4-FFF2-40B4-BE49-F238E27FC236}">
-                <a16:creationId xmlns:a16="http://schemas.microsoft.com/office/drawing/2014/main" xmlns="" id="{97C0BB88-2F21-42A5-ACFF-83DA47F2D340}"/>
+                <a16:creationId xmlns="" xmlns:a16="http://schemas.microsoft.com/office/drawing/2014/main" id="{97C0BB88-2F21-42A5-ACFF-83DA47F2D340}"/>
               </a:ext>
             </a:extLst>
           </p:cNvPr>
@@ -2627,7 +2627,7 @@
           <p:cNvPr id="6" name="Espaço Reservado para Número de Slide 5">
             <a:extLst>
               <a:ext uri="{FF2B5EF4-FFF2-40B4-BE49-F238E27FC236}">
-                <a16:creationId xmlns:a16="http://schemas.microsoft.com/office/drawing/2014/main" xmlns="" id="{6CB462B3-1F22-4C05-B4B8-7A279FB7D5E9}"/>
+                <a16:creationId xmlns="" xmlns:a16="http://schemas.microsoft.com/office/drawing/2014/main" id="{6CB462B3-1F22-4C05-B4B8-7A279FB7D5E9}"/>
               </a:ext>
             </a:extLst>
           </p:cNvPr>
@@ -2686,7 +2686,7 @@
           <p:cNvPr id="2" name="Título Vertical 1">
             <a:extLst>
               <a:ext uri="{FF2B5EF4-FFF2-40B4-BE49-F238E27FC236}">
-                <a16:creationId xmlns:a16="http://schemas.microsoft.com/office/drawing/2014/main" xmlns="" id="{EAEAB728-701C-4207-A9D5-23FF45C60502}"/>
+                <a16:creationId xmlns="" xmlns:a16="http://schemas.microsoft.com/office/drawing/2014/main" id="{EAEAB728-701C-4207-A9D5-23FF45C60502}"/>
               </a:ext>
             </a:extLst>
           </p:cNvPr>
@@ -2719,7 +2719,7 @@
           <p:cNvPr id="3" name="Espaço Reservado para Texto Vertical 2">
             <a:extLst>
               <a:ext uri="{FF2B5EF4-FFF2-40B4-BE49-F238E27FC236}">
-                <a16:creationId xmlns:a16="http://schemas.microsoft.com/office/drawing/2014/main" xmlns="" id="{BA8C8CCF-7823-480A-9A19-0F664DD17E3B}"/>
+                <a16:creationId xmlns="" xmlns:a16="http://schemas.microsoft.com/office/drawing/2014/main" id="{BA8C8CCF-7823-480A-9A19-0F664DD17E3B}"/>
               </a:ext>
             </a:extLst>
           </p:cNvPr>
@@ -2781,7 +2781,7 @@
           <p:cNvPr id="4" name="Espaço Reservado para Data 3">
             <a:extLst>
               <a:ext uri="{FF2B5EF4-FFF2-40B4-BE49-F238E27FC236}">
-                <a16:creationId xmlns:a16="http://schemas.microsoft.com/office/drawing/2014/main" xmlns="" id="{721D5734-7B1F-425D-942F-6EB73344027C}"/>
+                <a16:creationId xmlns="" xmlns:a16="http://schemas.microsoft.com/office/drawing/2014/main" id="{721D5734-7B1F-425D-942F-6EB73344027C}"/>
               </a:ext>
             </a:extLst>
           </p:cNvPr>
@@ -2799,7 +2799,7 @@
           <a:p>
             <a:fld id="{63289F7E-B80B-496E-81B4-D396C37C9454}" type="datetimeFigureOut">
               <a:rPr lang="pt-BR" smtClean="0"/>
-              <a:t>06/02/2023</a:t>
+              <a:t>10/02/2023</a:t>
             </a:fld>
             <a:endParaRPr lang="pt-BR"/>
           </a:p>
@@ -2810,7 +2810,7 @@
           <p:cNvPr id="5" name="Espaço Reservado para Rodapé 4">
             <a:extLst>
               <a:ext uri="{FF2B5EF4-FFF2-40B4-BE49-F238E27FC236}">
-                <a16:creationId xmlns:a16="http://schemas.microsoft.com/office/drawing/2014/main" xmlns="" id="{1E1AAEAC-F08D-45FE-89EC-B1B349A868C9}"/>
+                <a16:creationId xmlns="" xmlns:a16="http://schemas.microsoft.com/office/drawing/2014/main" id="{1E1AAEAC-F08D-45FE-89EC-B1B349A868C9}"/>
               </a:ext>
             </a:extLst>
           </p:cNvPr>
@@ -2835,7 +2835,7 @@
           <p:cNvPr id="6" name="Espaço Reservado para Número de Slide 5">
             <a:extLst>
               <a:ext uri="{FF2B5EF4-FFF2-40B4-BE49-F238E27FC236}">
-                <a16:creationId xmlns:a16="http://schemas.microsoft.com/office/drawing/2014/main" xmlns="" id="{BAA44493-9911-47B2-87A6-C2141A972BC8}"/>
+                <a16:creationId xmlns="" xmlns:a16="http://schemas.microsoft.com/office/drawing/2014/main" id="{BAA44493-9911-47B2-87A6-C2141A972BC8}"/>
               </a:ext>
             </a:extLst>
           </p:cNvPr>
@@ -2894,7 +2894,7 @@
           <p:cNvPr id="2" name="Título 1">
             <a:extLst>
               <a:ext uri="{FF2B5EF4-FFF2-40B4-BE49-F238E27FC236}">
-                <a16:creationId xmlns:a16="http://schemas.microsoft.com/office/drawing/2014/main" xmlns="" id="{71BD44A5-8F21-4626-A01D-48A1C874B1D5}"/>
+                <a16:creationId xmlns="" xmlns:a16="http://schemas.microsoft.com/office/drawing/2014/main" id="{71BD44A5-8F21-4626-A01D-48A1C874B1D5}"/>
               </a:ext>
             </a:extLst>
           </p:cNvPr>
@@ -2922,7 +2922,7 @@
           <p:cNvPr id="3" name="Espaço Reservado para Conteúdo 2">
             <a:extLst>
               <a:ext uri="{FF2B5EF4-FFF2-40B4-BE49-F238E27FC236}">
-                <a16:creationId xmlns:a16="http://schemas.microsoft.com/office/drawing/2014/main" xmlns="" id="{B79E8085-65A9-48AA-951D-71D978BFF4ED}"/>
+                <a16:creationId xmlns="" xmlns:a16="http://schemas.microsoft.com/office/drawing/2014/main" id="{B79E8085-65A9-48AA-951D-71D978BFF4ED}"/>
               </a:ext>
             </a:extLst>
           </p:cNvPr>
@@ -2979,7 +2979,7 @@
           <p:cNvPr id="4" name="Espaço Reservado para Data 3">
             <a:extLst>
               <a:ext uri="{FF2B5EF4-FFF2-40B4-BE49-F238E27FC236}">
-                <a16:creationId xmlns:a16="http://schemas.microsoft.com/office/drawing/2014/main" xmlns="" id="{F05BE1AF-51EA-425D-B188-DE7BD675009F}"/>
+                <a16:creationId xmlns="" xmlns:a16="http://schemas.microsoft.com/office/drawing/2014/main" id="{F05BE1AF-51EA-425D-B188-DE7BD675009F}"/>
               </a:ext>
             </a:extLst>
           </p:cNvPr>
@@ -2997,7 +2997,7 @@
           <a:p>
             <a:fld id="{63289F7E-B80B-496E-81B4-D396C37C9454}" type="datetimeFigureOut">
               <a:rPr lang="pt-BR" smtClean="0"/>
-              <a:t>06/02/2023</a:t>
+              <a:t>10/02/2023</a:t>
             </a:fld>
             <a:endParaRPr lang="pt-BR"/>
           </a:p>
@@ -3008,7 +3008,7 @@
           <p:cNvPr id="5" name="Espaço Reservado para Rodapé 4">
             <a:extLst>
               <a:ext uri="{FF2B5EF4-FFF2-40B4-BE49-F238E27FC236}">
-                <a16:creationId xmlns:a16="http://schemas.microsoft.com/office/drawing/2014/main" xmlns="" id="{121BE632-29CF-4CB9-B365-C9EF38F89BE6}"/>
+                <a16:creationId xmlns="" xmlns:a16="http://schemas.microsoft.com/office/drawing/2014/main" id="{121BE632-29CF-4CB9-B365-C9EF38F89BE6}"/>
               </a:ext>
             </a:extLst>
           </p:cNvPr>
@@ -3033,7 +3033,7 @@
           <p:cNvPr id="6" name="Espaço Reservado para Número de Slide 5">
             <a:extLst>
               <a:ext uri="{FF2B5EF4-FFF2-40B4-BE49-F238E27FC236}">
-                <a16:creationId xmlns:a16="http://schemas.microsoft.com/office/drawing/2014/main" xmlns="" id="{60CF3DD1-9AEC-4A57-B461-4E4DD86FAC18}"/>
+                <a16:creationId xmlns="" xmlns:a16="http://schemas.microsoft.com/office/drawing/2014/main" id="{60CF3DD1-9AEC-4A57-B461-4E4DD86FAC18}"/>
               </a:ext>
             </a:extLst>
           </p:cNvPr>
@@ -3092,7 +3092,7 @@
           <p:cNvPr id="2" name="Título 1">
             <a:extLst>
               <a:ext uri="{FF2B5EF4-FFF2-40B4-BE49-F238E27FC236}">
-                <a16:creationId xmlns:a16="http://schemas.microsoft.com/office/drawing/2014/main" xmlns="" id="{34AB2FF0-A4D7-4E28-991D-FF26140D5988}"/>
+                <a16:creationId xmlns="" xmlns:a16="http://schemas.microsoft.com/office/drawing/2014/main" id="{34AB2FF0-A4D7-4E28-991D-FF26140D5988}"/>
               </a:ext>
             </a:extLst>
           </p:cNvPr>
@@ -3129,7 +3129,7 @@
           <p:cNvPr id="3" name="Espaço Reservado para Texto 2">
             <a:extLst>
               <a:ext uri="{FF2B5EF4-FFF2-40B4-BE49-F238E27FC236}">
-                <a16:creationId xmlns:a16="http://schemas.microsoft.com/office/drawing/2014/main" xmlns="" id="{E2AC45B0-4145-40DB-8E61-105461170604}"/>
+                <a16:creationId xmlns="" xmlns:a16="http://schemas.microsoft.com/office/drawing/2014/main" id="{E2AC45B0-4145-40DB-8E61-105461170604}"/>
               </a:ext>
             </a:extLst>
           </p:cNvPr>
@@ -3254,7 +3254,7 @@
           <p:cNvPr id="4" name="Espaço Reservado para Data 3">
             <a:extLst>
               <a:ext uri="{FF2B5EF4-FFF2-40B4-BE49-F238E27FC236}">
-                <a16:creationId xmlns:a16="http://schemas.microsoft.com/office/drawing/2014/main" xmlns="" id="{50F1D3FB-740A-4EBA-A309-2CE71D12ECFB}"/>
+                <a16:creationId xmlns="" xmlns:a16="http://schemas.microsoft.com/office/drawing/2014/main" id="{50F1D3FB-740A-4EBA-A309-2CE71D12ECFB}"/>
               </a:ext>
             </a:extLst>
           </p:cNvPr>
@@ -3272,7 +3272,7 @@
           <a:p>
             <a:fld id="{63289F7E-B80B-496E-81B4-D396C37C9454}" type="datetimeFigureOut">
               <a:rPr lang="pt-BR" smtClean="0"/>
-              <a:t>06/02/2023</a:t>
+              <a:t>10/02/2023</a:t>
             </a:fld>
             <a:endParaRPr lang="pt-BR"/>
           </a:p>
@@ -3283,7 +3283,7 @@
           <p:cNvPr id="5" name="Espaço Reservado para Rodapé 4">
             <a:extLst>
               <a:ext uri="{FF2B5EF4-FFF2-40B4-BE49-F238E27FC236}">
-                <a16:creationId xmlns:a16="http://schemas.microsoft.com/office/drawing/2014/main" xmlns="" id="{BDCAB18F-8715-4465-A940-F9C193A2ACE9}"/>
+                <a16:creationId xmlns="" xmlns:a16="http://schemas.microsoft.com/office/drawing/2014/main" id="{BDCAB18F-8715-4465-A940-F9C193A2ACE9}"/>
               </a:ext>
             </a:extLst>
           </p:cNvPr>
@@ -3308,7 +3308,7 @@
           <p:cNvPr id="6" name="Espaço Reservado para Número de Slide 5">
             <a:extLst>
               <a:ext uri="{FF2B5EF4-FFF2-40B4-BE49-F238E27FC236}">
-                <a16:creationId xmlns:a16="http://schemas.microsoft.com/office/drawing/2014/main" xmlns="" id="{353466C6-8248-429F-8056-FF040BF509EB}"/>
+                <a16:creationId xmlns="" xmlns:a16="http://schemas.microsoft.com/office/drawing/2014/main" id="{353466C6-8248-429F-8056-FF040BF509EB}"/>
               </a:ext>
             </a:extLst>
           </p:cNvPr>
@@ -3367,7 +3367,7 @@
           <p:cNvPr id="2" name="Título 1">
             <a:extLst>
               <a:ext uri="{FF2B5EF4-FFF2-40B4-BE49-F238E27FC236}">
-                <a16:creationId xmlns:a16="http://schemas.microsoft.com/office/drawing/2014/main" xmlns="" id="{BC7BB9F0-F14B-4A91-B2B7-35BC47FE4DE7}"/>
+                <a16:creationId xmlns="" xmlns:a16="http://schemas.microsoft.com/office/drawing/2014/main" id="{BC7BB9F0-F14B-4A91-B2B7-35BC47FE4DE7}"/>
               </a:ext>
             </a:extLst>
           </p:cNvPr>
@@ -3395,7 +3395,7 @@
           <p:cNvPr id="3" name="Espaço Reservado para Conteúdo 2">
             <a:extLst>
               <a:ext uri="{FF2B5EF4-FFF2-40B4-BE49-F238E27FC236}">
-                <a16:creationId xmlns:a16="http://schemas.microsoft.com/office/drawing/2014/main" xmlns="" id="{EC1FC1C4-73DA-47A6-8496-B0B457F7D39A}"/>
+                <a16:creationId xmlns="" xmlns:a16="http://schemas.microsoft.com/office/drawing/2014/main" id="{EC1FC1C4-73DA-47A6-8496-B0B457F7D39A}"/>
               </a:ext>
             </a:extLst>
           </p:cNvPr>
@@ -3457,7 +3457,7 @@
           <p:cNvPr id="4" name="Espaço Reservado para Conteúdo 3">
             <a:extLst>
               <a:ext uri="{FF2B5EF4-FFF2-40B4-BE49-F238E27FC236}">
-                <a16:creationId xmlns:a16="http://schemas.microsoft.com/office/drawing/2014/main" xmlns="" id="{E92F06A8-A449-4D92-9912-76873E529B38}"/>
+                <a16:creationId xmlns="" xmlns:a16="http://schemas.microsoft.com/office/drawing/2014/main" id="{E92F06A8-A449-4D92-9912-76873E529B38}"/>
               </a:ext>
             </a:extLst>
           </p:cNvPr>
@@ -3519,7 +3519,7 @@
           <p:cNvPr id="5" name="Espaço Reservado para Data 4">
             <a:extLst>
               <a:ext uri="{FF2B5EF4-FFF2-40B4-BE49-F238E27FC236}">
-                <a16:creationId xmlns:a16="http://schemas.microsoft.com/office/drawing/2014/main" xmlns="" id="{938070A4-BC2F-4D55-BD8D-DEAF11BB9EE9}"/>
+                <a16:creationId xmlns="" xmlns:a16="http://schemas.microsoft.com/office/drawing/2014/main" id="{938070A4-BC2F-4D55-BD8D-DEAF11BB9EE9}"/>
               </a:ext>
             </a:extLst>
           </p:cNvPr>
@@ -3537,7 +3537,7 @@
           <a:p>
             <a:fld id="{63289F7E-B80B-496E-81B4-D396C37C9454}" type="datetimeFigureOut">
               <a:rPr lang="pt-BR" smtClean="0"/>
-              <a:t>06/02/2023</a:t>
+              <a:t>10/02/2023</a:t>
             </a:fld>
             <a:endParaRPr lang="pt-BR"/>
           </a:p>
@@ -3548,7 +3548,7 @@
           <p:cNvPr id="6" name="Espaço Reservado para Rodapé 5">
             <a:extLst>
               <a:ext uri="{FF2B5EF4-FFF2-40B4-BE49-F238E27FC236}">
-                <a16:creationId xmlns:a16="http://schemas.microsoft.com/office/drawing/2014/main" xmlns="" id="{45CC2DB8-844A-465F-BA9A-7734C80C7F43}"/>
+                <a16:creationId xmlns="" xmlns:a16="http://schemas.microsoft.com/office/drawing/2014/main" id="{45CC2DB8-844A-465F-BA9A-7734C80C7F43}"/>
               </a:ext>
             </a:extLst>
           </p:cNvPr>
@@ -3573,7 +3573,7 @@
           <p:cNvPr id="7" name="Espaço Reservado para Número de Slide 6">
             <a:extLst>
               <a:ext uri="{FF2B5EF4-FFF2-40B4-BE49-F238E27FC236}">
-                <a16:creationId xmlns:a16="http://schemas.microsoft.com/office/drawing/2014/main" xmlns="" id="{4CC606A8-097B-4040-94E0-CD8C88280D8F}"/>
+                <a16:creationId xmlns="" xmlns:a16="http://schemas.microsoft.com/office/drawing/2014/main" id="{4CC606A8-097B-4040-94E0-CD8C88280D8F}"/>
               </a:ext>
             </a:extLst>
           </p:cNvPr>
@@ -3632,7 +3632,7 @@
           <p:cNvPr id="2" name="Título 1">
             <a:extLst>
               <a:ext uri="{FF2B5EF4-FFF2-40B4-BE49-F238E27FC236}">
-                <a16:creationId xmlns:a16="http://schemas.microsoft.com/office/drawing/2014/main" xmlns="" id="{76D66686-0143-4CB6-8C09-BA326F1E7ACA}"/>
+                <a16:creationId xmlns="" xmlns:a16="http://schemas.microsoft.com/office/drawing/2014/main" id="{76D66686-0143-4CB6-8C09-BA326F1E7ACA}"/>
               </a:ext>
             </a:extLst>
           </p:cNvPr>
@@ -3665,7 +3665,7 @@
           <p:cNvPr id="3" name="Espaço Reservado para Texto 2">
             <a:extLst>
               <a:ext uri="{FF2B5EF4-FFF2-40B4-BE49-F238E27FC236}">
-                <a16:creationId xmlns:a16="http://schemas.microsoft.com/office/drawing/2014/main" xmlns="" id="{0227AB85-F59E-4BCE-B846-4FA0992C2F23}"/>
+                <a16:creationId xmlns="" xmlns:a16="http://schemas.microsoft.com/office/drawing/2014/main" id="{0227AB85-F59E-4BCE-B846-4FA0992C2F23}"/>
               </a:ext>
             </a:extLst>
           </p:cNvPr>
@@ -3736,7 +3736,7 @@
           <p:cNvPr id="4" name="Espaço Reservado para Conteúdo 3">
             <a:extLst>
               <a:ext uri="{FF2B5EF4-FFF2-40B4-BE49-F238E27FC236}">
-                <a16:creationId xmlns:a16="http://schemas.microsoft.com/office/drawing/2014/main" xmlns="" id="{3373456C-7319-4D0A-827D-D29F6B083F5D}"/>
+                <a16:creationId xmlns="" xmlns:a16="http://schemas.microsoft.com/office/drawing/2014/main" id="{3373456C-7319-4D0A-827D-D29F6B083F5D}"/>
               </a:ext>
             </a:extLst>
           </p:cNvPr>
@@ -3798,7 +3798,7 @@
           <p:cNvPr id="5" name="Espaço Reservado para Texto 4">
             <a:extLst>
               <a:ext uri="{FF2B5EF4-FFF2-40B4-BE49-F238E27FC236}">
-                <a16:creationId xmlns:a16="http://schemas.microsoft.com/office/drawing/2014/main" xmlns="" id="{4CD109D0-2E83-4262-8029-A871CEC47406}"/>
+                <a16:creationId xmlns="" xmlns:a16="http://schemas.microsoft.com/office/drawing/2014/main" id="{4CD109D0-2E83-4262-8029-A871CEC47406}"/>
               </a:ext>
             </a:extLst>
           </p:cNvPr>
@@ -3869,7 +3869,7 @@
           <p:cNvPr id="6" name="Espaço Reservado para Conteúdo 5">
             <a:extLst>
               <a:ext uri="{FF2B5EF4-FFF2-40B4-BE49-F238E27FC236}">
-                <a16:creationId xmlns:a16="http://schemas.microsoft.com/office/drawing/2014/main" xmlns="" id="{AD706E3A-CFBB-4A6C-A65F-D0360A9E74FE}"/>
+                <a16:creationId xmlns="" xmlns:a16="http://schemas.microsoft.com/office/drawing/2014/main" id="{AD706E3A-CFBB-4A6C-A65F-D0360A9E74FE}"/>
               </a:ext>
             </a:extLst>
           </p:cNvPr>
@@ -3931,7 +3931,7 @@
           <p:cNvPr id="7" name="Espaço Reservado para Data 6">
             <a:extLst>
               <a:ext uri="{FF2B5EF4-FFF2-40B4-BE49-F238E27FC236}">
-                <a16:creationId xmlns:a16="http://schemas.microsoft.com/office/drawing/2014/main" xmlns="" id="{4172C0E5-5AF0-4805-BB51-443733CD2BD5}"/>
+                <a16:creationId xmlns="" xmlns:a16="http://schemas.microsoft.com/office/drawing/2014/main" id="{4172C0E5-5AF0-4805-BB51-443733CD2BD5}"/>
               </a:ext>
             </a:extLst>
           </p:cNvPr>
@@ -3949,7 +3949,7 @@
           <a:p>
             <a:fld id="{63289F7E-B80B-496E-81B4-D396C37C9454}" type="datetimeFigureOut">
               <a:rPr lang="pt-BR" smtClean="0"/>
-              <a:t>06/02/2023</a:t>
+              <a:t>10/02/2023</a:t>
             </a:fld>
             <a:endParaRPr lang="pt-BR"/>
           </a:p>
@@ -3960,7 +3960,7 @@
           <p:cNvPr id="8" name="Espaço Reservado para Rodapé 7">
             <a:extLst>
               <a:ext uri="{FF2B5EF4-FFF2-40B4-BE49-F238E27FC236}">
-                <a16:creationId xmlns:a16="http://schemas.microsoft.com/office/drawing/2014/main" xmlns="" id="{0E801648-156F-497E-99CF-797DF48051E1}"/>
+                <a16:creationId xmlns="" xmlns:a16="http://schemas.microsoft.com/office/drawing/2014/main" id="{0E801648-156F-497E-99CF-797DF48051E1}"/>
               </a:ext>
             </a:extLst>
           </p:cNvPr>
@@ -3985,7 +3985,7 @@
           <p:cNvPr id="9" name="Espaço Reservado para Número de Slide 8">
             <a:extLst>
               <a:ext uri="{FF2B5EF4-FFF2-40B4-BE49-F238E27FC236}">
-                <a16:creationId xmlns:a16="http://schemas.microsoft.com/office/drawing/2014/main" xmlns="" id="{EEE23D32-80E7-4796-A137-66BF842E4B53}"/>
+                <a16:creationId xmlns="" xmlns:a16="http://schemas.microsoft.com/office/drawing/2014/main" id="{EEE23D32-80E7-4796-A137-66BF842E4B53}"/>
               </a:ext>
             </a:extLst>
           </p:cNvPr>
@@ -4044,7 +4044,7 @@
           <p:cNvPr id="2" name="Título 1">
             <a:extLst>
               <a:ext uri="{FF2B5EF4-FFF2-40B4-BE49-F238E27FC236}">
-                <a16:creationId xmlns:a16="http://schemas.microsoft.com/office/drawing/2014/main" xmlns="" id="{2BCE2379-C78F-47E1-8CFC-B846E7AF148D}"/>
+                <a16:creationId xmlns="" xmlns:a16="http://schemas.microsoft.com/office/drawing/2014/main" id="{2BCE2379-C78F-47E1-8CFC-B846E7AF148D}"/>
               </a:ext>
             </a:extLst>
           </p:cNvPr>
@@ -4072,7 +4072,7 @@
           <p:cNvPr id="3" name="Espaço Reservado para Data 2">
             <a:extLst>
               <a:ext uri="{FF2B5EF4-FFF2-40B4-BE49-F238E27FC236}">
-                <a16:creationId xmlns:a16="http://schemas.microsoft.com/office/drawing/2014/main" xmlns="" id="{342600A9-7F92-4E22-9D94-E4717252A817}"/>
+                <a16:creationId xmlns="" xmlns:a16="http://schemas.microsoft.com/office/drawing/2014/main" id="{342600A9-7F92-4E22-9D94-E4717252A817}"/>
               </a:ext>
             </a:extLst>
           </p:cNvPr>
@@ -4090,7 +4090,7 @@
           <a:p>
             <a:fld id="{63289F7E-B80B-496E-81B4-D396C37C9454}" type="datetimeFigureOut">
               <a:rPr lang="pt-BR" smtClean="0"/>
-              <a:t>06/02/2023</a:t>
+              <a:t>10/02/2023</a:t>
             </a:fld>
             <a:endParaRPr lang="pt-BR"/>
           </a:p>
@@ -4101,7 +4101,7 @@
           <p:cNvPr id="4" name="Espaço Reservado para Rodapé 3">
             <a:extLst>
               <a:ext uri="{FF2B5EF4-FFF2-40B4-BE49-F238E27FC236}">
-                <a16:creationId xmlns:a16="http://schemas.microsoft.com/office/drawing/2014/main" xmlns="" id="{192E6BED-F546-40CC-A2DF-99CBA853654E}"/>
+                <a16:creationId xmlns="" xmlns:a16="http://schemas.microsoft.com/office/drawing/2014/main" id="{192E6BED-F546-40CC-A2DF-99CBA853654E}"/>
               </a:ext>
             </a:extLst>
           </p:cNvPr>
@@ -4126,7 +4126,7 @@
           <p:cNvPr id="5" name="Espaço Reservado para Número de Slide 4">
             <a:extLst>
               <a:ext uri="{FF2B5EF4-FFF2-40B4-BE49-F238E27FC236}">
-                <a16:creationId xmlns:a16="http://schemas.microsoft.com/office/drawing/2014/main" xmlns="" id="{6091CC40-A8C4-4063-80EB-CC5099621678}"/>
+                <a16:creationId xmlns="" xmlns:a16="http://schemas.microsoft.com/office/drawing/2014/main" id="{6091CC40-A8C4-4063-80EB-CC5099621678}"/>
               </a:ext>
             </a:extLst>
           </p:cNvPr>
@@ -4185,7 +4185,7 @@
           <p:cNvPr id="2" name="Espaço Reservado para Data 1">
             <a:extLst>
               <a:ext uri="{FF2B5EF4-FFF2-40B4-BE49-F238E27FC236}">
-                <a16:creationId xmlns:a16="http://schemas.microsoft.com/office/drawing/2014/main" xmlns="" id="{DD19515C-212C-4EAE-84A3-8FF4BC844F1B}"/>
+                <a16:creationId xmlns="" xmlns:a16="http://schemas.microsoft.com/office/drawing/2014/main" id="{DD19515C-212C-4EAE-84A3-8FF4BC844F1B}"/>
               </a:ext>
             </a:extLst>
           </p:cNvPr>
@@ -4203,7 +4203,7 @@
           <a:p>
             <a:fld id="{63289F7E-B80B-496E-81B4-D396C37C9454}" type="datetimeFigureOut">
               <a:rPr lang="pt-BR" smtClean="0"/>
-              <a:t>06/02/2023</a:t>
+              <a:t>10/02/2023</a:t>
             </a:fld>
             <a:endParaRPr lang="pt-BR"/>
           </a:p>
@@ -4214,7 +4214,7 @@
           <p:cNvPr id="3" name="Espaço Reservado para Rodapé 2">
             <a:extLst>
               <a:ext uri="{FF2B5EF4-FFF2-40B4-BE49-F238E27FC236}">
-                <a16:creationId xmlns:a16="http://schemas.microsoft.com/office/drawing/2014/main" xmlns="" id="{94D3D120-B3E8-4C96-861D-7A4F12F49B3A}"/>
+                <a16:creationId xmlns="" xmlns:a16="http://schemas.microsoft.com/office/drawing/2014/main" id="{94D3D120-B3E8-4C96-861D-7A4F12F49B3A}"/>
               </a:ext>
             </a:extLst>
           </p:cNvPr>
@@ -4239,7 +4239,7 @@
           <p:cNvPr id="4" name="Espaço Reservado para Número de Slide 3">
             <a:extLst>
               <a:ext uri="{FF2B5EF4-FFF2-40B4-BE49-F238E27FC236}">
-                <a16:creationId xmlns:a16="http://schemas.microsoft.com/office/drawing/2014/main" xmlns="" id="{42E49B68-FA1B-468B-9F17-D5C09243D454}"/>
+                <a16:creationId xmlns="" xmlns:a16="http://schemas.microsoft.com/office/drawing/2014/main" id="{42E49B68-FA1B-468B-9F17-D5C09243D454}"/>
               </a:ext>
             </a:extLst>
           </p:cNvPr>
@@ -4298,7 +4298,7 @@
           <p:cNvPr id="2" name="Título 1">
             <a:extLst>
               <a:ext uri="{FF2B5EF4-FFF2-40B4-BE49-F238E27FC236}">
-                <a16:creationId xmlns:a16="http://schemas.microsoft.com/office/drawing/2014/main" xmlns="" id="{1C17BCBE-A897-4319-85EC-D87909C24980}"/>
+                <a16:creationId xmlns="" xmlns:a16="http://schemas.microsoft.com/office/drawing/2014/main" id="{1C17BCBE-A897-4319-85EC-D87909C24980}"/>
               </a:ext>
             </a:extLst>
           </p:cNvPr>
@@ -4335,7 +4335,7 @@
           <p:cNvPr id="3" name="Espaço Reservado para Conteúdo 2">
             <a:extLst>
               <a:ext uri="{FF2B5EF4-FFF2-40B4-BE49-F238E27FC236}">
-                <a16:creationId xmlns:a16="http://schemas.microsoft.com/office/drawing/2014/main" xmlns="" id="{4226F885-0204-4913-868B-4B8B82576F17}"/>
+                <a16:creationId xmlns="" xmlns:a16="http://schemas.microsoft.com/office/drawing/2014/main" id="{4226F885-0204-4913-868B-4B8B82576F17}"/>
               </a:ext>
             </a:extLst>
           </p:cNvPr>
@@ -4425,7 +4425,7 @@
           <p:cNvPr id="4" name="Espaço Reservado para Texto 3">
             <a:extLst>
               <a:ext uri="{FF2B5EF4-FFF2-40B4-BE49-F238E27FC236}">
-                <a16:creationId xmlns:a16="http://schemas.microsoft.com/office/drawing/2014/main" xmlns="" id="{00F9F784-A858-441B-8AB5-697098141751}"/>
+                <a16:creationId xmlns="" xmlns:a16="http://schemas.microsoft.com/office/drawing/2014/main" id="{00F9F784-A858-441B-8AB5-697098141751}"/>
               </a:ext>
             </a:extLst>
           </p:cNvPr>
@@ -4496,7 +4496,7 @@
           <p:cNvPr id="5" name="Espaço Reservado para Data 4">
             <a:extLst>
               <a:ext uri="{FF2B5EF4-FFF2-40B4-BE49-F238E27FC236}">
-                <a16:creationId xmlns:a16="http://schemas.microsoft.com/office/drawing/2014/main" xmlns="" id="{A4DC363A-5000-472E-8B17-02E7DCB8840A}"/>
+                <a16:creationId xmlns="" xmlns:a16="http://schemas.microsoft.com/office/drawing/2014/main" id="{A4DC363A-5000-472E-8B17-02E7DCB8840A}"/>
               </a:ext>
             </a:extLst>
           </p:cNvPr>
@@ -4514,7 +4514,7 @@
           <a:p>
             <a:fld id="{63289F7E-B80B-496E-81B4-D396C37C9454}" type="datetimeFigureOut">
               <a:rPr lang="pt-BR" smtClean="0"/>
-              <a:t>06/02/2023</a:t>
+              <a:t>10/02/2023</a:t>
             </a:fld>
             <a:endParaRPr lang="pt-BR"/>
           </a:p>
@@ -4525,7 +4525,7 @@
           <p:cNvPr id="6" name="Espaço Reservado para Rodapé 5">
             <a:extLst>
               <a:ext uri="{FF2B5EF4-FFF2-40B4-BE49-F238E27FC236}">
-                <a16:creationId xmlns:a16="http://schemas.microsoft.com/office/drawing/2014/main" xmlns="" id="{5548425D-2C21-4C56-BAD4-662978775C28}"/>
+                <a16:creationId xmlns="" xmlns:a16="http://schemas.microsoft.com/office/drawing/2014/main" id="{5548425D-2C21-4C56-BAD4-662978775C28}"/>
               </a:ext>
             </a:extLst>
           </p:cNvPr>
@@ -4550,7 +4550,7 @@
           <p:cNvPr id="7" name="Espaço Reservado para Número de Slide 6">
             <a:extLst>
               <a:ext uri="{FF2B5EF4-FFF2-40B4-BE49-F238E27FC236}">
-                <a16:creationId xmlns:a16="http://schemas.microsoft.com/office/drawing/2014/main" xmlns="" id="{C63E9726-E64C-42B2-AE8A-8C235A956B48}"/>
+                <a16:creationId xmlns="" xmlns:a16="http://schemas.microsoft.com/office/drawing/2014/main" id="{C63E9726-E64C-42B2-AE8A-8C235A956B48}"/>
               </a:ext>
             </a:extLst>
           </p:cNvPr>
@@ -4609,7 +4609,7 @@
           <p:cNvPr id="2" name="Título 1">
             <a:extLst>
               <a:ext uri="{FF2B5EF4-FFF2-40B4-BE49-F238E27FC236}">
-                <a16:creationId xmlns:a16="http://schemas.microsoft.com/office/drawing/2014/main" xmlns="" id="{11086A78-3E74-450C-96A6-CA8AC37AF772}"/>
+                <a16:creationId xmlns="" xmlns:a16="http://schemas.microsoft.com/office/drawing/2014/main" id="{11086A78-3E74-450C-96A6-CA8AC37AF772}"/>
               </a:ext>
             </a:extLst>
           </p:cNvPr>
@@ -4646,7 +4646,7 @@
           <p:cNvPr id="3" name="Espaço Reservado para Imagem 2">
             <a:extLst>
               <a:ext uri="{FF2B5EF4-FFF2-40B4-BE49-F238E27FC236}">
-                <a16:creationId xmlns:a16="http://schemas.microsoft.com/office/drawing/2014/main" xmlns="" id="{5F5B7312-975A-4DBC-9B2F-3652ADA006FD}"/>
+                <a16:creationId xmlns="" xmlns:a16="http://schemas.microsoft.com/office/drawing/2014/main" id="{5F5B7312-975A-4DBC-9B2F-3652ADA006FD}"/>
               </a:ext>
             </a:extLst>
           </p:cNvPr>
@@ -4713,7 +4713,7 @@
           <p:cNvPr id="4" name="Espaço Reservado para Texto 3">
             <a:extLst>
               <a:ext uri="{FF2B5EF4-FFF2-40B4-BE49-F238E27FC236}">
-                <a16:creationId xmlns:a16="http://schemas.microsoft.com/office/drawing/2014/main" xmlns="" id="{AAF805F5-1DFF-41C6-944C-7D79FE0D0963}"/>
+                <a16:creationId xmlns="" xmlns:a16="http://schemas.microsoft.com/office/drawing/2014/main" id="{AAF805F5-1DFF-41C6-944C-7D79FE0D0963}"/>
               </a:ext>
             </a:extLst>
           </p:cNvPr>
@@ -4784,7 +4784,7 @@
           <p:cNvPr id="5" name="Espaço Reservado para Data 4">
             <a:extLst>
               <a:ext uri="{FF2B5EF4-FFF2-40B4-BE49-F238E27FC236}">
-                <a16:creationId xmlns:a16="http://schemas.microsoft.com/office/drawing/2014/main" xmlns="" id="{02113D81-8665-4516-BD81-C6A1F254EECD}"/>
+                <a16:creationId xmlns="" xmlns:a16="http://schemas.microsoft.com/office/drawing/2014/main" id="{02113D81-8665-4516-BD81-C6A1F254EECD}"/>
               </a:ext>
             </a:extLst>
           </p:cNvPr>
@@ -4802,7 +4802,7 @@
           <a:p>
             <a:fld id="{63289F7E-B80B-496E-81B4-D396C37C9454}" type="datetimeFigureOut">
               <a:rPr lang="pt-BR" smtClean="0"/>
-              <a:t>06/02/2023</a:t>
+              <a:t>10/02/2023</a:t>
             </a:fld>
             <a:endParaRPr lang="pt-BR"/>
           </a:p>
@@ -4813,7 +4813,7 @@
           <p:cNvPr id="6" name="Espaço Reservado para Rodapé 5">
             <a:extLst>
               <a:ext uri="{FF2B5EF4-FFF2-40B4-BE49-F238E27FC236}">
-                <a16:creationId xmlns:a16="http://schemas.microsoft.com/office/drawing/2014/main" xmlns="" id="{2B00C88B-FF32-40AA-A187-727D96FD7862}"/>
+                <a16:creationId xmlns="" xmlns:a16="http://schemas.microsoft.com/office/drawing/2014/main" id="{2B00C88B-FF32-40AA-A187-727D96FD7862}"/>
               </a:ext>
             </a:extLst>
           </p:cNvPr>
@@ -4838,7 +4838,7 @@
           <p:cNvPr id="7" name="Espaço Reservado para Número de Slide 6">
             <a:extLst>
               <a:ext uri="{FF2B5EF4-FFF2-40B4-BE49-F238E27FC236}">
-                <a16:creationId xmlns:a16="http://schemas.microsoft.com/office/drawing/2014/main" xmlns="" id="{A04D1A2D-69F7-4B8F-A730-BC26DC340BA6}"/>
+                <a16:creationId xmlns="" xmlns:a16="http://schemas.microsoft.com/office/drawing/2014/main" id="{A04D1A2D-69F7-4B8F-A730-BC26DC340BA6}"/>
               </a:ext>
             </a:extLst>
           </p:cNvPr>
@@ -4902,7 +4902,7 @@
           <p:cNvPr id="2" name="Espaço Reservado para Título 1">
             <a:extLst>
               <a:ext uri="{FF2B5EF4-FFF2-40B4-BE49-F238E27FC236}">
-                <a16:creationId xmlns:a16="http://schemas.microsoft.com/office/drawing/2014/main" xmlns="" id="{E69A0273-1966-4A1B-9370-4C1CE5036371}"/>
+                <a16:creationId xmlns="" xmlns:a16="http://schemas.microsoft.com/office/drawing/2014/main" id="{E69A0273-1966-4A1B-9370-4C1CE5036371}"/>
               </a:ext>
             </a:extLst>
           </p:cNvPr>
@@ -4940,7 +4940,7 @@
           <p:cNvPr id="3" name="Espaço Reservado para Texto 2">
             <a:extLst>
               <a:ext uri="{FF2B5EF4-FFF2-40B4-BE49-F238E27FC236}">
-                <a16:creationId xmlns:a16="http://schemas.microsoft.com/office/drawing/2014/main" xmlns="" id="{3B9CF87A-0448-49A7-AB25-EBC1D56A40EF}"/>
+                <a16:creationId xmlns="" xmlns:a16="http://schemas.microsoft.com/office/drawing/2014/main" id="{3B9CF87A-0448-49A7-AB25-EBC1D56A40EF}"/>
               </a:ext>
             </a:extLst>
           </p:cNvPr>
@@ -5007,7 +5007,7 @@
           <p:cNvPr id="4" name="Espaço Reservado para Data 3">
             <a:extLst>
               <a:ext uri="{FF2B5EF4-FFF2-40B4-BE49-F238E27FC236}">
-                <a16:creationId xmlns:a16="http://schemas.microsoft.com/office/drawing/2014/main" xmlns="" id="{2EF7B1F2-BB5A-44D0-816D-16AD2C71430E}"/>
+                <a16:creationId xmlns="" xmlns:a16="http://schemas.microsoft.com/office/drawing/2014/main" id="{2EF7B1F2-BB5A-44D0-816D-16AD2C71430E}"/>
               </a:ext>
             </a:extLst>
           </p:cNvPr>
@@ -5043,7 +5043,7 @@
           <a:p>
             <a:fld id="{63289F7E-B80B-496E-81B4-D396C37C9454}" type="datetimeFigureOut">
               <a:rPr lang="pt-BR" smtClean="0"/>
-              <a:t>06/02/2023</a:t>
+              <a:t>10/02/2023</a:t>
             </a:fld>
             <a:endParaRPr lang="pt-BR"/>
           </a:p>
@@ -5054,7 +5054,7 @@
           <p:cNvPr id="5" name="Espaço Reservado para Rodapé 4">
             <a:extLst>
               <a:ext uri="{FF2B5EF4-FFF2-40B4-BE49-F238E27FC236}">
-                <a16:creationId xmlns:a16="http://schemas.microsoft.com/office/drawing/2014/main" xmlns="" id="{C703F94C-2CC8-4DAA-BC35-14FC3E841DCD}"/>
+                <a16:creationId xmlns="" xmlns:a16="http://schemas.microsoft.com/office/drawing/2014/main" id="{C703F94C-2CC8-4DAA-BC35-14FC3E841DCD}"/>
               </a:ext>
             </a:extLst>
           </p:cNvPr>
@@ -5097,7 +5097,7 @@
           <p:cNvPr id="6" name="Espaço Reservado para Número de Slide 5">
             <a:extLst>
               <a:ext uri="{FF2B5EF4-FFF2-40B4-BE49-F238E27FC236}">
-                <a16:creationId xmlns:a16="http://schemas.microsoft.com/office/drawing/2014/main" xmlns="" id="{64051336-7048-457A-8B61-D94291D71648}"/>
+                <a16:creationId xmlns="" xmlns:a16="http://schemas.microsoft.com/office/drawing/2014/main" id="{64051336-7048-457A-8B61-D94291D71648}"/>
               </a:ext>
             </a:extLst>
           </p:cNvPr>
@@ -5465,7 +5465,7 @@
           <p:cNvPr id="2" name="Título 1">
             <a:extLst>
               <a:ext uri="{FF2B5EF4-FFF2-40B4-BE49-F238E27FC236}">
-                <a16:creationId xmlns:a16="http://schemas.microsoft.com/office/drawing/2014/main" xmlns="" id="{32666AC8-2E17-4DB4-B0F5-60C640CCFD2E}"/>
+                <a16:creationId xmlns="" xmlns:a16="http://schemas.microsoft.com/office/drawing/2014/main" id="{32666AC8-2E17-4DB4-B0F5-60C640CCFD2E}"/>
               </a:ext>
             </a:extLst>
           </p:cNvPr>
@@ -5512,7 +5512,7 @@
           <p:cNvPr id="4" name="CaixaDeTexto 3">
             <a:extLst>
               <a:ext uri="{FF2B5EF4-FFF2-40B4-BE49-F238E27FC236}">
-                <a16:creationId xmlns:a16="http://schemas.microsoft.com/office/drawing/2014/main" xmlns="" id="{430EB894-B7D4-434C-9D1A-A14094D9BEEC}"/>
+                <a16:creationId xmlns="" xmlns:a16="http://schemas.microsoft.com/office/drawing/2014/main" id="{430EB894-B7D4-434C-9D1A-A14094D9BEEC}"/>
               </a:ext>
             </a:extLst>
           </p:cNvPr>
@@ -5553,7 +5553,7 @@
           <p:cNvPr id="1026" name="Picture 2" descr="Logo">
             <a:extLst>
               <a:ext uri="{FF2B5EF4-FFF2-40B4-BE49-F238E27FC236}">
-                <a16:creationId xmlns:a16="http://schemas.microsoft.com/office/drawing/2014/main" xmlns="" id="{3F2642E0-4F6A-4196-8F58-E77D36E9A33F}"/>
+                <a16:creationId xmlns="" xmlns:a16="http://schemas.microsoft.com/office/drawing/2014/main" id="{3F2642E0-4F6A-4196-8F58-E77D36E9A33F}"/>
               </a:ext>
             </a:extLst>
           </p:cNvPr>
@@ -5598,7 +5598,7 @@
           <p:cNvPr id="5122" name="Picture 2" descr="Image result for machine learning">
             <a:extLst>
               <a:ext uri="{FF2B5EF4-FFF2-40B4-BE49-F238E27FC236}">
-                <a16:creationId xmlns:a16="http://schemas.microsoft.com/office/drawing/2014/main" xmlns="" id="{810CE0A2-4102-44A6-A370-175E7896CDCB}"/>
+                <a16:creationId xmlns="" xmlns:a16="http://schemas.microsoft.com/office/drawing/2014/main" id="{810CE0A2-4102-44A6-A370-175E7896CDCB}"/>
               </a:ext>
             </a:extLst>
           </p:cNvPr>
@@ -5889,7 +5889,7 @@
           </a:lstStyle>
           <a:p>
             <a:r>
-              <a:rPr lang="pt-BR" smtClean="0"/>
+              <a:rPr lang="pt-BR" dirty="0" smtClean="0"/>
               <a:t>Motivação para tarefas de classificação</a:t>
             </a:r>
             <a:endParaRPr lang="pt-BR" dirty="0"/>
@@ -6176,7 +6176,27 @@
                 </a:r>
                 <a:r>
                   <a:rPr lang="pt-BR" dirty="0" smtClean="0"/>
-                  <a:t>(legítimo).</a:t>
+                  <a:t>(legítimo): </a:t>
+                </a:r>
+                <a14:m>
+                  <m:oMath xmlns:m="http://schemas.openxmlformats.org/officeDocument/2006/math">
+                    <m:r>
+                      <a:rPr lang="pt-BR" i="1">
+                        <a:latin typeface="Cambria Math" panose="02040503050406030204" pitchFamily="18" charset="0"/>
+                      </a:rPr>
+                      <m:t>𝑄</m:t>
+                    </m:r>
+                    <m:r>
+                      <a:rPr lang="pt-BR" b="0" i="1" smtClean="0">
+                        <a:latin typeface="Cambria Math" panose="02040503050406030204" pitchFamily="18" charset="0"/>
+                      </a:rPr>
+                      <m:t>=2</m:t>
+                    </m:r>
+                  </m:oMath>
+                </a14:m>
+                <a:r>
+                  <a:rPr lang="pt-BR" dirty="0" smtClean="0"/>
+                  <a:t>.</a:t>
                 </a:r>
                 <a:endParaRPr lang="pt-BR" dirty="0"/>
               </a:p>
@@ -6187,8 +6207,33 @@
                 </a:pPr>
                 <a:r>
                   <a:rPr lang="pt-BR" dirty="0"/>
-                  <a:t>Dígitos de 0 a 9.</a:t>
+                  <a:t>Dígitos de 0 a </a:t>
                 </a:r>
+                <a:r>
+                  <a:rPr lang="pt-BR" dirty="0" smtClean="0"/>
+                  <a:t>9: </a:t>
+                </a:r>
+                <a14:m>
+                  <m:oMath xmlns:m="http://schemas.openxmlformats.org/officeDocument/2006/math">
+                    <m:r>
+                      <a:rPr lang="pt-BR" i="1">
+                        <a:latin typeface="Cambria Math" panose="02040503050406030204" pitchFamily="18" charset="0"/>
+                      </a:rPr>
+                      <m:t>𝑄</m:t>
+                    </m:r>
+                    <m:r>
+                      <a:rPr lang="pt-BR" b="0" i="1" smtClean="0">
+                        <a:latin typeface="Cambria Math" panose="02040503050406030204" pitchFamily="18" charset="0"/>
+                      </a:rPr>
+                      <m:t>=10</m:t>
+                    </m:r>
+                  </m:oMath>
+                </a14:m>
+                <a:r>
+                  <a:rPr lang="pt-BR" dirty="0" smtClean="0"/>
+                  <a:t>.</a:t>
+                </a:r>
+                <a:endParaRPr lang="pt-BR" dirty="0"/>
               </a:p>
               <a:p>
                 <a:pPr lvl="2">
@@ -6762,6 +6807,10 @@
                     </m:r>
                   </m:oMath>
                 </a14:m>
+                <a:r>
+                  <a:rPr lang="pt-BR" dirty="0" smtClean="0"/>
+                  <a:t>;</a:t>
+                </a:r>
                 <a:endParaRPr lang="pt-BR" dirty="0"/>
               </a:p>
               <a:p>
@@ -6896,7 +6945,7 @@
               <a:lstStyle/>
               <a:p>
                 <a:r>
-                  <a:rPr lang="en-US">
+                  <a:rPr lang="pt-BR">
                     <a:noFill/>
                   </a:rPr>
                   <a:t> </a:t>
@@ -7794,11 +7843,31 @@
               <a:p>
                 <a:r>
                   <a:rPr lang="pt-BR" b="1" dirty="0" smtClean="0"/>
-                  <a:t>Classificação binária</a:t>
+                  <a:t>Classificação binária </a:t>
                 </a:r>
                 <a:r>
                   <a:rPr lang="pt-BR" dirty="0" smtClean="0"/>
-                  <a:t>: existem apenas duas </a:t>
+                  <a:t>(</a:t>
+                </a:r>
+                <a14:m>
+                  <m:oMath xmlns:m="http://schemas.openxmlformats.org/officeDocument/2006/math">
+                    <m:r>
+                      <a:rPr lang="pt-BR" b="0" i="1">
+                        <a:latin typeface="Cambria Math" panose="02040503050406030204" pitchFamily="18" charset="0"/>
+                      </a:rPr>
+                      <m:t>𝑄</m:t>
+                    </m:r>
+                    <m:r>
+                      <a:rPr lang="pt-BR" b="0" i="1">
+                        <a:latin typeface="Cambria Math" panose="02040503050406030204" pitchFamily="18" charset="0"/>
+                      </a:rPr>
+                      <m:t>=2</m:t>
+                    </m:r>
+                  </m:oMath>
+                </a14:m>
+                <a:r>
+                  <a:rPr lang="pt-BR" dirty="0" smtClean="0"/>
+                  <a:t>): existem apenas duas </a:t>
                 </a:r>
                 <a:r>
                   <a:rPr lang="pt-BR" dirty="0"/>
@@ -7964,11 +8033,27 @@
                 </a:r>
                 <a:r>
                   <a:rPr lang="pt-BR" b="1" i="1" dirty="0"/>
-                  <a:t>uma única </a:t>
+                  <a:t>uma </a:t>
+                </a:r>
+                <a:r>
+                  <a:rPr lang="pt-BR" b="1" i="1" dirty="0">
+                    <a:solidFill>
+                      <a:srgbClr val="FF0000"/>
+                    </a:solidFill>
+                  </a:rPr>
+                  <a:t>única </a:t>
+                </a:r>
+                <a:r>
+                  <a:rPr lang="pt-BR" b="1" i="1" dirty="0" smtClean="0">
+                    <a:solidFill>
+                      <a:srgbClr val="FF0000"/>
+                    </a:solidFill>
+                  </a:rPr>
+                  <a:t>saída escalar </a:t>
                 </a:r>
                 <a:r>
                   <a:rPr lang="pt-BR" b="1" i="1" dirty="0" smtClean="0"/>
-                  <a:t>saída escalar binária </a:t>
+                  <a:t>binária </a:t>
                 </a:r>
                 <a:r>
                   <a:rPr lang="pt-BR" dirty="0" smtClean="0"/>
@@ -8947,7 +9032,7 @@
               <a:lstStyle/>
               <a:p>
                 <a:r>
-                  <a:rPr lang="en-US">
+                  <a:rPr lang="pt-BR">
                     <a:noFill/>
                   </a:rPr>
                   <a:t> </a:t>
@@ -10264,8 +10349,8 @@
           </a:p>
         </p:txBody>
       </p:sp>
-      <mc:AlternateContent xmlns:mc="http://schemas.openxmlformats.org/markup-compatibility/2006" xmlns:a14="http://schemas.microsoft.com/office/drawing/2010/main">
-        <mc:Choice Requires="a14">
+      <mc:AlternateContent xmlns:mc="http://schemas.openxmlformats.org/markup-compatibility/2006">
+        <mc:Choice xmlns:a14="http://schemas.microsoft.com/office/drawing/2010/main" Requires="a14">
           <p:sp>
             <p:nvSpPr>
               <p:cNvPr id="3" name="Content Placeholder 2"/>
@@ -10278,8 +10363,8 @@
             </p:nvSpPr>
             <p:spPr>
               <a:xfrm>
-                <a:off x="838201" y="1825624"/>
-                <a:ext cx="8206634" cy="5032375"/>
+                <a:off x="838200" y="1825624"/>
+                <a:ext cx="8719258" cy="5032375"/>
               </a:xfrm>
             </p:spPr>
             <p:txBody>
@@ -10447,8 +10532,50 @@
               </a:p>
               <a:p>
                 <a:r>
+                  <a:rPr lang="pt-BR" dirty="0" smtClean="0"/>
+                  <a:t>Os pares de atributos pertencem a duas classes (</a:t>
+                </a:r>
+                <a14:m>
+                  <m:oMath xmlns:m="http://schemas.openxmlformats.org/officeDocument/2006/math">
+                    <m:r>
+                      <a:rPr lang="pt-BR" b="0" i="1" smtClean="0">
+                        <a:latin typeface="Cambria Math" panose="02040503050406030204" pitchFamily="18" charset="0"/>
+                      </a:rPr>
+                      <m:t>𝑄</m:t>
+                    </m:r>
+                    <m:r>
+                      <a:rPr lang="pt-BR" b="0" i="1" smtClean="0">
+                        <a:latin typeface="Cambria Math" panose="02040503050406030204" pitchFamily="18" charset="0"/>
+                      </a:rPr>
+                      <m:t>=2</m:t>
+                    </m:r>
+                  </m:oMath>
+                </a14:m>
+                <a:r>
+                  <a:rPr lang="pt-BR" dirty="0" smtClean="0"/>
+                  <a:t>).</a:t>
+                </a:r>
+              </a:p>
+              <a:p>
+                <a:r>
+                  <a:rPr lang="pt-BR" dirty="0" smtClean="0"/>
+                  <a:t>Esse </a:t>
+                </a:r>
+                <a:r>
                   <a:rPr lang="pt-BR" dirty="0"/>
-                  <a:t>Esse espaço pode ser dividido em </a:t>
+                  <a:t>espaço pode ser dividido </a:t>
+                </a:r>
+                <a:r>
+                  <a:rPr lang="pt-BR" dirty="0" smtClean="0"/>
+                  <a:t>em </a:t>
+                </a:r>
+                <a:r>
+                  <a:rPr lang="pt-BR" b="1" i="1" dirty="0" smtClean="0"/>
+                  <a:t>duas</a:t>
+                </a:r>
+                <a:r>
+                  <a:rPr lang="pt-BR" dirty="0" smtClean="0"/>
+                  <a:t> </a:t>
                 </a:r>
                 <a:r>
                   <a:rPr lang="pt-BR" b="1" i="1" dirty="0"/>
@@ -10482,45 +10609,55 @@
                       </m:e>
                       <m:sub>
                         <m:r>
+                          <a:rPr lang="pt-BR" b="0" i="1" smtClean="0">
+                            <a:latin typeface="Cambria Math" panose="02040503050406030204" pitchFamily="18" charset="0"/>
+                          </a:rPr>
+                          <m:t>1</m:t>
+                        </m:r>
+                      </m:sub>
+                    </m:sSub>
+                  </m:oMath>
+                </a14:m>
+                <a:r>
+                  <a:rPr lang="pt-BR" dirty="0" smtClean="0"/>
+                  <a:t> e </a:t>
+                </a:r>
+                <a14:m>
+                  <m:oMath xmlns:m="http://schemas.openxmlformats.org/officeDocument/2006/math">
+                    <m:sSub>
+                      <m:sSubPr>
+                        <m:ctrlPr>
                           <a:rPr lang="pt-BR" i="1">
                             <a:latin typeface="Cambria Math" panose="02040503050406030204" pitchFamily="18" charset="0"/>
                           </a:rPr>
-                          <m:t>𝑖</m:t>
+                        </m:ctrlPr>
+                      </m:sSubPr>
+                      <m:e>
+                        <m:r>
+                          <a:rPr lang="pt-BR" i="1">
+                            <a:latin typeface="Cambria Math" panose="02040503050406030204" pitchFamily="18" charset="0"/>
+                          </a:rPr>
+                          <m:t>𝑅</m:t>
+                        </m:r>
+                      </m:e>
+                      <m:sub>
+                        <m:r>
+                          <a:rPr lang="pt-BR" b="0" i="1" smtClean="0">
+                            <a:latin typeface="Cambria Math" panose="02040503050406030204" pitchFamily="18" charset="0"/>
+                          </a:rPr>
+                          <m:t>2</m:t>
                         </m:r>
                       </m:sub>
                     </m:sSub>
-                    <m:r>
-                      <a:rPr lang="pt-BR" i="1">
-                        <a:latin typeface="Cambria Math" panose="02040503050406030204" pitchFamily="18" charset="0"/>
-                      </a:rPr>
-                      <m:t>, </m:t>
-                    </m:r>
-                    <m:r>
-                      <a:rPr lang="pt-BR" i="1">
-                        <a:latin typeface="Cambria Math" panose="02040503050406030204" pitchFamily="18" charset="0"/>
-                      </a:rPr>
-                      <m:t>𝑖</m:t>
-                    </m:r>
-                    <m:r>
-                      <a:rPr lang="pt-BR">
-                        <a:latin typeface="Cambria Math" panose="02040503050406030204" pitchFamily="18" charset="0"/>
-                      </a:rPr>
-                      <m:t>=1,…,</m:t>
-                    </m:r>
-                    <m:r>
-                      <m:rPr>
-                        <m:sty m:val="p"/>
-                      </m:rPr>
-                      <a:rPr lang="pt-BR">
-                        <a:latin typeface="Cambria Math" panose="02040503050406030204" pitchFamily="18" charset="0"/>
-                      </a:rPr>
-                      <m:t>Q</m:t>
-                    </m:r>
                   </m:oMath>
                 </a14:m>
                 <a:r>
+                  <a:rPr lang="pt-BR" dirty="0" smtClean="0"/>
+                  <a:t>, </a:t>
+                </a:r>
+                <a:r>
                   <a:rPr lang="pt-BR" dirty="0"/>
-                  <a:t>, onde cada </a:t>
+                  <a:t>onde cada </a:t>
                 </a:r>
                 <a:r>
                   <a:rPr lang="pt-BR" b="1" i="1" dirty="0"/>
@@ -10528,8 +10665,19 @@
                 </a:r>
                 <a:r>
                   <a:rPr lang="pt-BR" dirty="0"/>
-                  <a:t> corresponde a uma classe.</a:t>
+                  <a:t> corresponde a uma classe</a:t>
                 </a:r>
+                <a14:m>
+                  <m:oMath xmlns:m="http://schemas.openxmlformats.org/officeDocument/2006/math">
+                    <m:r>
+                      <a:rPr lang="pt-BR" b="0" i="0" smtClean="0">
+                        <a:latin typeface="Cambria Math" panose="02040503050406030204" pitchFamily="18" charset="0"/>
+                      </a:rPr>
+                      <m:t>.</m:t>
+                    </m:r>
+                  </m:oMath>
+                </a14:m>
+                <a:endParaRPr lang="pt-BR" dirty="0"/>
               </a:p>
               <a:p>
                 <a:r>
@@ -10542,8 +10690,29 @@
                 </a:r>
                 <a:r>
                   <a:rPr lang="pt-BR" dirty="0" smtClean="0"/>
-                  <a:t>.</a:t>
+                  <a:t>. Na figura, como </a:t>
                 </a:r>
+                <a14:m>
+                  <m:oMath xmlns:m="http://schemas.openxmlformats.org/officeDocument/2006/math">
+                    <m:r>
+                      <a:rPr lang="pt-BR" i="1">
+                        <a:latin typeface="Cambria Math" panose="02040503050406030204" pitchFamily="18" charset="0"/>
+                      </a:rPr>
+                      <m:t>𝑄</m:t>
+                    </m:r>
+                    <m:r>
+                      <a:rPr lang="pt-BR" i="1">
+                        <a:latin typeface="Cambria Math" panose="02040503050406030204" pitchFamily="18" charset="0"/>
+                      </a:rPr>
+                      <m:t>=2</m:t>
+                    </m:r>
+                  </m:oMath>
+                </a14:m>
+                <a:r>
+                  <a:rPr lang="pt-BR" dirty="0" smtClean="0"/>
+                  <a:t>, temos apenas uma fronteira.</a:t>
+                </a:r>
+                <a:endParaRPr lang="pt-BR" dirty="0" smtClean="0"/>
               </a:p>
               <a:p>
                 <a:r>
@@ -10596,13 +10765,13 @@
                 </a:r>
                 <a:r>
                   <a:rPr lang="pt-BR" dirty="0" smtClean="0"/>
-                  <a:t>que separe as classes de forma ótima.</a:t>
+                  <a:t>que separa as classes de forma ótima.</a:t>
                 </a:r>
               </a:p>
             </p:txBody>
           </p:sp>
         </mc:Choice>
-        <mc:Fallback xmlns="">
+        <mc:Fallback>
           <p:sp>
             <p:nvSpPr>
               <p:cNvPr id="3" name="Content Placeholder 2"/>
@@ -10615,13 +10784,13 @@
             </p:nvSpPr>
             <p:spPr>
               <a:xfrm>
-                <a:off x="838201" y="1825624"/>
-                <a:ext cx="8206634" cy="5032375"/>
+                <a:off x="838200" y="1825624"/>
+                <a:ext cx="8719258" cy="5032375"/>
               </a:xfrm>
               <a:blipFill rotWithShape="0">
                 <a:blip r:embed="rId3"/>
                 <a:stretch>
-                  <a:fillRect l="-1189" t="-1816" r="-2080" b="-121"/>
+                  <a:fillRect l="-1119" t="-1816" r="-839" b="-2663"/>
                 </a:stretch>
               </a:blipFill>
             </p:spPr>
@@ -10630,7 +10799,7 @@
               <a:lstStyle/>
               <a:p>
                 <a:r>
-                  <a:rPr lang="en-US">
+                  <a:rPr lang="pt-BR">
                     <a:noFill/>
                   </a:rPr>
                   <a:t> </a:t>
@@ -10661,8 +10830,8 @@
         </p:blipFill>
         <p:spPr>
           <a:xfrm>
-            <a:off x="8763754" y="2808639"/>
-            <a:ext cx="3322622" cy="2559511"/>
+            <a:off x="9125712" y="2808640"/>
+            <a:ext cx="2960664" cy="2280684"/>
           </a:xfrm>
           <a:prstGeom prst="rect">
             <a:avLst/>
@@ -10677,8 +10846,8 @@
         </p:nvSpPr>
         <p:spPr>
           <a:xfrm>
-            <a:off x="9836590" y="5585071"/>
-            <a:ext cx="1874067" cy="307777"/>
+            <a:off x="9909743" y="5327263"/>
+            <a:ext cx="1874067" cy="738664"/>
           </a:xfrm>
           <a:prstGeom prst="rect">
             <a:avLst/>
@@ -10691,9 +10860,14 @@
           </a:bodyPr>
           <a:lstStyle/>
           <a:p>
+            <a:pPr algn="ctr"/>
+            <a:r>
+              <a:rPr lang="pt-BR" sz="1400" b="1" dirty="0" smtClean="0"/>
+              <a:t>Fronteira de decisão</a:t>
+            </a:r>
             <a:r>
               <a:rPr lang="pt-BR" sz="1400" dirty="0" smtClean="0"/>
-              <a:t>Fronteira de decisão</a:t>
+              <a:t>: no caso deste exemplo, ela é uma reta.</a:t>
             </a:r>
             <a:endParaRPr lang="pt-BR" sz="1400" dirty="0"/>
           </a:p>
@@ -10702,15 +10876,13 @@
       <p:cxnSp>
         <p:nvCxnSpPr>
           <p:cNvPr id="9" name="Curved Connector 8"/>
-          <p:cNvCxnSpPr>
-            <a:endCxn id="7" idx="0"/>
-          </p:cNvCxnSpPr>
+          <p:cNvCxnSpPr/>
           <p:nvPr/>
         </p:nvCxnSpPr>
         <p:spPr>
           <a:xfrm rot="5400000">
-            <a:off x="10757110" y="4943863"/>
-            <a:ext cx="657723" cy="624693"/>
+            <a:off x="10830268" y="4695983"/>
+            <a:ext cx="657723" cy="624705"/>
           </a:xfrm>
           <a:prstGeom prst="curvedConnector3">
             <a:avLst/>
@@ -10742,8 +10914,8 @@
         </p:nvCxnSpPr>
         <p:spPr>
           <a:xfrm>
-            <a:off x="8028432" y="3191256"/>
-            <a:ext cx="822960" cy="347472"/>
+            <a:off x="8389432" y="3059023"/>
+            <a:ext cx="822960" cy="542572"/>
           </a:xfrm>
           <a:prstGeom prst="straightConnector1">
             <a:avLst/>
@@ -10770,6 +10942,98 @@
           </a:fontRef>
         </p:style>
       </p:cxnSp>
+      <mc:AlternateContent xmlns:mc="http://schemas.openxmlformats.org/markup-compatibility/2006" xmlns:a14="http://schemas.microsoft.com/office/drawing/2010/main">
+        <mc:Choice Requires="a14">
+          <p:sp>
+            <p:nvSpPr>
+              <p:cNvPr id="5" name="Retângulo 4"/>
+              <p:cNvSpPr/>
+              <p:nvPr/>
+            </p:nvSpPr>
+            <p:spPr>
+              <a:xfrm>
+                <a:off x="10989392" y="3095599"/>
+                <a:ext cx="817852" cy="369332"/>
+              </a:xfrm>
+              <a:prstGeom prst="rect">
+                <a:avLst/>
+              </a:prstGeom>
+            </p:spPr>
+            <p:txBody>
+              <a:bodyPr wrap="none">
+                <a:spAutoFit/>
+              </a:bodyPr>
+              <a:lstStyle/>
+              <a:p>
+                <a:pPr/>
+                <a14:m>
+                  <m:oMathPara xmlns:m="http://schemas.openxmlformats.org/officeDocument/2006/math">
+                    <m:oMathParaPr>
+                      <m:jc m:val="centerGroup"/>
+                    </m:oMathParaPr>
+                    <m:oMath xmlns:m="http://schemas.openxmlformats.org/officeDocument/2006/math">
+                      <m:r>
+                        <m:rPr>
+                          <m:sty m:val="p"/>
+                        </m:rPr>
+                        <a:rPr lang="pt-BR">
+                          <a:latin typeface="Cambria Math" panose="02040503050406030204" pitchFamily="18" charset="0"/>
+                        </a:rPr>
+                        <m:t>Q</m:t>
+                      </m:r>
+                      <m:r>
+                        <a:rPr lang="pt-BR">
+                          <a:latin typeface="Cambria Math" panose="02040503050406030204" pitchFamily="18" charset="0"/>
+                        </a:rPr>
+                        <m:t>=2</m:t>
+                      </m:r>
+                    </m:oMath>
+                  </m:oMathPara>
+                </a14:m>
+                <a:endParaRPr lang="pt-BR" dirty="0"/>
+              </a:p>
+            </p:txBody>
+          </p:sp>
+        </mc:Choice>
+        <mc:Fallback xmlns="">
+          <p:sp>
+            <p:nvSpPr>
+              <p:cNvPr id="5" name="Retângulo 4"/>
+              <p:cNvSpPr>
+                <a:spLocks noRot="1" noChangeAspect="1" noMove="1" noResize="1" noEditPoints="1" noAdjustHandles="1" noChangeArrowheads="1" noChangeShapeType="1" noTextEdit="1"/>
+              </p:cNvSpPr>
+              <p:nvPr/>
+            </p:nvSpPr>
+            <p:spPr>
+              <a:xfrm>
+                <a:off x="10989392" y="3095599"/>
+                <a:ext cx="817852" cy="369332"/>
+              </a:xfrm>
+              <a:prstGeom prst="rect">
+                <a:avLst/>
+              </a:prstGeom>
+              <a:blipFill rotWithShape="0">
+                <a:blip r:embed="rId5"/>
+                <a:stretch>
+                  <a:fillRect b="-10000"/>
+                </a:stretch>
+              </a:blipFill>
+            </p:spPr>
+            <p:txBody>
+              <a:bodyPr/>
+              <a:lstStyle/>
+              <a:p>
+                <a:r>
+                  <a:rPr lang="pt-BR">
+                    <a:noFill/>
+                  </a:rPr>
+                  <a:t> </a:t>
+                </a:r>
+              </a:p>
+            </p:txBody>
+          </p:sp>
+        </mc:Fallback>
+      </mc:AlternateContent>
     </p:spTree>
     <p:extLst>
       <p:ext uri="{BB962C8B-B14F-4D97-AF65-F5344CB8AC3E}">
@@ -10870,8 +11134,13 @@
             </a:r>
             <a:r>
               <a:rPr lang="pt-BR" dirty="0"/>
-              <a:t> (e.g., círculos).</a:t>
+              <a:t> (e.g., </a:t>
             </a:r>
+            <a:r>
+              <a:rPr lang="pt-BR" dirty="0" smtClean="0"/>
+              <a:t>círculos e elipses).</a:t>
+            </a:r>
+            <a:endParaRPr lang="pt-BR" dirty="0"/>
           </a:p>
           <a:p>
             <a:r>
@@ -11087,8 +11356,8 @@
           </a:p>
         </p:txBody>
       </p:sp>
-      <mc:AlternateContent xmlns:mc="http://schemas.openxmlformats.org/markup-compatibility/2006" xmlns:a14="http://schemas.microsoft.com/office/drawing/2010/main">
-        <mc:Choice Requires="a14">
+      <mc:AlternateContent xmlns:mc="http://schemas.openxmlformats.org/markup-compatibility/2006">
+        <mc:Choice xmlns:a14="http://schemas.microsoft.com/office/drawing/2010/main" Requires="a14">
           <p:sp>
             <p:nvSpPr>
               <p:cNvPr id="3" name="Content Placeholder 2"/>
@@ -11422,7 +11691,19 @@
                 </a:r>
                 <a:r>
                   <a:rPr lang="pt-BR" b="1" i="1" dirty="0" smtClean="0"/>
-                  <a:t>combinação linear dos pesos</a:t>
+                  <a:t>combinação linear </a:t>
+                </a:r>
+                <a:r>
+                  <a:rPr lang="pt-BR" b="1" i="1" dirty="0" smtClean="0"/>
+                  <a:t>dos atributos em relação aos</a:t>
+                </a:r>
+                <a:r>
+                  <a:rPr lang="pt-BR" b="1" i="1" dirty="0" smtClean="0"/>
+                  <a:t> </a:t>
+                </a:r>
+                <a:r>
+                  <a:rPr lang="pt-BR" b="1" i="1" dirty="0" smtClean="0"/>
+                  <a:t>pesos</a:t>
                 </a:r>
                 <a:r>
                   <a:rPr lang="pt-BR" dirty="0" smtClean="0"/>
@@ -11550,7 +11831,11 @@
               <a:p>
                 <a:r>
                   <a:rPr lang="pt-BR" dirty="0" smtClean="0"/>
-                  <a:t>A ideia aqui é encontrar os pesos da </a:t>
+                  <a:t>O objetivo é </a:t>
+                </a:r>
+                <a:r>
+                  <a:rPr lang="pt-BR" dirty="0" smtClean="0"/>
+                  <a:t>encontrar os pesos da </a:t>
                 </a:r>
                 <a:r>
                   <a:rPr lang="pt-BR" b="1" i="1" dirty="0" smtClean="0"/>
@@ -11558,8 +11843,13 @@
                 </a:r>
                 <a:r>
                   <a:rPr lang="pt-BR" dirty="0" smtClean="0"/>
-                  <a:t>de tal forma que</a:t>
+                  <a:t>de tal forma </a:t>
                 </a:r>
+                <a:r>
+                  <a:rPr lang="pt-BR" dirty="0" smtClean="0"/>
+                  <a:t>que que a classe escolhida seja:</a:t>
+                </a:r>
+                <a:endParaRPr lang="pt-BR" dirty="0" smtClean="0"/>
               </a:p>
               <a:p>
                 <a:pPr marL="0" indent="0">
@@ -12043,7 +12333,7 @@
             </p:txBody>
           </p:sp>
         </mc:Choice>
-        <mc:Fallback xmlns="">
+        <mc:Fallback>
           <p:sp>
             <p:nvSpPr>
               <p:cNvPr id="3" name="Content Placeholder 2"/>
@@ -12071,7 +12361,7 @@
               <a:lstStyle/>
               <a:p>
                 <a:r>
-                  <a:rPr lang="en-US">
+                  <a:rPr lang="pt-BR">
                     <a:noFill/>
                   </a:rPr>
                   <a:t> </a:t>
@@ -22670,7 +22960,7 @@
           <p:cNvPr id="4" name="Título 1">
             <a:extLst>
               <a:ext uri="{FF2B5EF4-FFF2-40B4-BE49-F238E27FC236}">
-                <a16:creationId xmlns:a16="http://schemas.microsoft.com/office/drawing/2014/main" xmlns="" id="{32666AC8-2E17-4DB4-B0F5-60C640CCFD2E}"/>
+                <a16:creationId xmlns="" xmlns:a16="http://schemas.microsoft.com/office/drawing/2014/main" id="{32666AC8-2E17-4DB4-B0F5-60C640CCFD2E}"/>
               </a:ext>
             </a:extLst>
           </p:cNvPr>
@@ -31651,7 +31941,7 @@
           <p:cNvPr id="2" name="Título 1">
             <a:extLst>
               <a:ext uri="{FF2B5EF4-FFF2-40B4-BE49-F238E27FC236}">
-                <a16:creationId xmlns:a16="http://schemas.microsoft.com/office/drawing/2014/main" xmlns="" id="{C4F48192-B348-4C3E-8621-D3755D2230F8}"/>
+                <a16:creationId xmlns="" xmlns:a16="http://schemas.microsoft.com/office/drawing/2014/main" id="{C4F48192-B348-4C3E-8621-D3755D2230F8}"/>
               </a:ext>
             </a:extLst>
           </p:cNvPr>
@@ -31688,7 +31978,7 @@
           <p:cNvPr id="3" name="Espaço Reservado para Conteúdo 2">
             <a:extLst>
               <a:ext uri="{FF2B5EF4-FFF2-40B4-BE49-F238E27FC236}">
-                <a16:creationId xmlns:a16="http://schemas.microsoft.com/office/drawing/2014/main" xmlns="" id="{E3DECB90-AFD9-4AC6-A356-C93A7442A6E6}"/>
+                <a16:creationId xmlns="" xmlns:a16="http://schemas.microsoft.com/office/drawing/2014/main" id="{E3DECB90-AFD9-4AC6-A356-C93A7442A6E6}"/>
               </a:ext>
             </a:extLst>
           </p:cNvPr>
@@ -31723,7 +32013,15 @@
             </a:pPr>
             <a:r>
               <a:rPr lang="pt-BR" dirty="0" smtClean="0"/>
-              <a:t>os conceitos fundamentais da teoria do aprendizado de máquina.</a:t>
+              <a:t>os </a:t>
+            </a:r>
+            <a:r>
+              <a:rPr lang="pt-BR" b="1" i="1" dirty="0" smtClean="0"/>
+              <a:t>conceitos fundamentais </a:t>
+            </a:r>
+            <a:r>
+              <a:rPr lang="pt-BR" dirty="0" smtClean="0"/>
+              <a:t>da teoria do aprendizado de máquina.</a:t>
             </a:r>
           </a:p>
           <a:p>
@@ -31733,11 +32031,19 @@
             </a:pPr>
             <a:r>
               <a:rPr lang="pt-BR" dirty="0"/>
-              <a:t>um conjunto de </a:t>
+              <a:t>um </a:t>
+            </a:r>
+            <a:r>
+              <a:rPr lang="pt-BR" b="1" i="1" dirty="0"/>
+              <a:t>conjunto de </a:t>
+            </a:r>
+            <a:r>
+              <a:rPr lang="pt-BR" b="1" i="1" dirty="0" smtClean="0"/>
+              <a:t>ferramentas</a:t>
             </a:r>
             <a:r>
               <a:rPr lang="pt-BR" dirty="0" smtClean="0"/>
-              <a:t>ferramentas (ou seja, algoritmos) de </a:t>
+              <a:t> (ou seja, algoritmos) de </a:t>
             </a:r>
             <a:r>
               <a:rPr lang="pt-BR" dirty="0"/>
@@ -31808,8 +32114,12 @@
               <a:buChar char="§"/>
             </a:pPr>
             <a:r>
+              <a:rPr lang="pt-BR" dirty="0" smtClean="0"/>
+              <a:t>Entender o funcionamento de novos </a:t>
+            </a:r>
+            <a:r>
               <a:rPr lang="pt-BR" dirty="0"/>
-              <a:t>Analisar e entender novos algoritmos </a:t>
+              <a:t>algoritmos </a:t>
             </a:r>
             <a:r>
               <a:rPr lang="pt-BR" dirty="0" smtClean="0"/>
@@ -31842,7 +32152,7 @@
           <p:cNvPr id="3074" name="Picture 2" descr="Image result for machine learning">
             <a:extLst>
               <a:ext uri="{FF2B5EF4-FFF2-40B4-BE49-F238E27FC236}">
-                <a16:creationId xmlns:a16="http://schemas.microsoft.com/office/drawing/2014/main" xmlns="" id="{78A93243-9634-4B0E-B1B2-37A218EAEADD}"/>
+                <a16:creationId xmlns="" xmlns:a16="http://schemas.microsoft.com/office/drawing/2014/main" id="{78A93243-9634-4B0E-B1B2-37A218EAEADD}"/>
               </a:ext>
             </a:extLst>
           </p:cNvPr>
@@ -31998,12 +32308,12 @@
         <p:spPr>
           <a:xfrm>
             <a:off x="838200" y="1514006"/>
-            <a:ext cx="8001000" cy="5343994"/>
+            <a:ext cx="8667750" cy="5343994"/>
           </a:xfrm>
         </p:spPr>
         <p:txBody>
           <a:bodyPr>
-            <a:normAutofit/>
+            <a:normAutofit lnSpcReduction="10000"/>
           </a:bodyPr>
           <a:lstStyle/>
           <a:p>
@@ -32085,11 +32395,32 @@
             </a:r>
             <a:r>
               <a:rPr lang="pt-BR" dirty="0"/>
-              <a:t>de tarefas do MS Teams</a:t>
+              <a:t>de tarefas </a:t>
+            </a:r>
+            <a:r>
+              <a:rPr lang="pt-BR" dirty="0" smtClean="0"/>
+              <a:t>do </a:t>
+            </a:r>
+            <a:r>
+              <a:rPr lang="pt-BR" dirty="0" err="1" smtClean="0"/>
+              <a:t>Teams</a:t>
             </a:r>
             <a:r>
               <a:rPr lang="pt-BR" dirty="0" smtClean="0"/>
               <a:t>.</a:t>
+            </a:r>
+          </a:p>
+          <a:p>
+            <a:r>
+              <a:rPr lang="pt-BR" dirty="0" smtClean="0"/>
+              <a:t>Extra: 10% da nota da FETIN na segunda nota.</a:t>
+            </a:r>
+          </a:p>
+          <a:p>
+            <a:pPr lvl="1"/>
+            <a:r>
+              <a:rPr lang="pt-BR" dirty="0" smtClean="0"/>
+              <a:t>O trabalho precisa usar ML.</a:t>
             </a:r>
           </a:p>
           <a:p>
@@ -32180,7 +32511,7 @@
         </p:blipFill>
         <p:spPr>
           <a:xfrm>
-            <a:off x="9008822" y="3016815"/>
+            <a:off x="9044178" y="3020486"/>
             <a:ext cx="2533650" cy="1809750"/>
           </a:xfrm>
           <a:prstGeom prst="rect">
@@ -32204,7 +32535,7 @@
         </p:blipFill>
         <p:spPr>
           <a:xfrm>
-            <a:off x="8077200" y="5075330"/>
+            <a:off x="8496300" y="5134702"/>
             <a:ext cx="2857500" cy="1600200"/>
           </a:xfrm>
           <a:prstGeom prst="rect">
@@ -32305,7 +32636,7 @@
           <p:nvPr>
             <p:extLst>
               <p:ext uri="{D42A27DB-BD31-4B8C-83A1-F6EECF244321}">
-                <p14:modId xmlns:p14="http://schemas.microsoft.com/office/powerpoint/2010/main" val="2405250053"/>
+                <p14:modId xmlns:p14="http://schemas.microsoft.com/office/powerpoint/2010/main" val="3908880931"/>
               </p:ext>
             </p:extLst>
           </p:nvPr>
@@ -34480,11 +34811,20 @@
                           </a:solidFill>
                           <a:effectLst/>
                         </a:rPr>
-                        <a:t> I – Parte I)</a:t>
+                        <a:t> I – Parte I) </a:t>
+                      </a:r>
+                      <a:r>
+                        <a:rPr lang="en-US" sz="1400" b="1" baseline="0" dirty="0" smtClean="0">
+                          <a:solidFill>
+                            <a:srgbClr val="FF0000"/>
+                          </a:solidFill>
+                          <a:effectLst/>
+                        </a:rPr>
+                        <a:t>(Sala I-18)</a:t>
                       </a:r>
                       <a:endParaRPr lang="en-US" sz="1400" b="1" dirty="0">
                         <a:solidFill>
-                          <a:srgbClr val="00B050"/>
+                          <a:srgbClr val="FF0000"/>
                         </a:solidFill>
                         <a:effectLst/>
                       </a:endParaRPr>
@@ -36355,11 +36695,20 @@
                           </a:solidFill>
                           <a:effectLst/>
                         </a:rPr>
-                        <a:t> II – Parte I)</a:t>
+                        <a:t> II – Parte I) </a:t>
+                      </a:r>
+                      <a:r>
+                        <a:rPr lang="en-US" sz="1400" b="1" baseline="0" dirty="0" smtClean="0">
+                          <a:solidFill>
+                            <a:srgbClr val="FF0000"/>
+                          </a:solidFill>
+                          <a:effectLst/>
+                        </a:rPr>
+                        <a:t>(Sala I-18)</a:t>
                       </a:r>
                       <a:endParaRPr lang="en-US" sz="1400" b="1" dirty="0">
                         <a:solidFill>
-                          <a:srgbClr val="00B050"/>
+                          <a:srgbClr val="FF0000"/>
                         </a:solidFill>
                         <a:effectLst/>
                       </a:endParaRPr>
@@ -37348,7 +37697,7 @@
           <p:cNvPr id="2" name="Título 1">
             <a:extLst>
               <a:ext uri="{FF2B5EF4-FFF2-40B4-BE49-F238E27FC236}">
-                <a16:creationId xmlns:a16="http://schemas.microsoft.com/office/drawing/2014/main" xmlns="" id="{A2A4684C-1159-4F88-A2B1-6BABEDE38C4D}"/>
+                <a16:creationId xmlns="" xmlns:a16="http://schemas.microsoft.com/office/drawing/2014/main" id="{A2A4684C-1159-4F88-A2B1-6BABEDE38C4D}"/>
               </a:ext>
             </a:extLst>
           </p:cNvPr>
@@ -37376,7 +37725,7 @@
           <p:cNvPr id="3" name="Espaço Reservado para Conteúdo 2">
             <a:extLst>
               <a:ext uri="{FF2B5EF4-FFF2-40B4-BE49-F238E27FC236}">
-                <a16:creationId xmlns:a16="http://schemas.microsoft.com/office/drawing/2014/main" xmlns="" id="{EC432B31-D382-41FF-BB6B-2ABDD322424B}"/>
+                <a16:creationId xmlns="" xmlns:a16="http://schemas.microsoft.com/office/drawing/2014/main" id="{EC432B31-D382-41FF-BB6B-2ABDD322424B}"/>
               </a:ext>
             </a:extLst>
           </p:cNvPr>
@@ -37690,12 +38039,77 @@
         <p:spPr>
           <a:xfrm>
             <a:off x="838199" y="1825624"/>
-            <a:ext cx="11095496" cy="5032376"/>
+            <a:ext cx="11237537" cy="5032376"/>
           </a:xfrm>
         </p:spPr>
         <p:txBody>
-          <a:bodyPr/>
+          <a:bodyPr>
+            <a:normAutofit fontScale="92500" lnSpcReduction="20000"/>
+          </a:bodyPr>
           <a:lstStyle/>
+          <a:p>
+            <a:r>
+              <a:rPr lang="pt-BR" dirty="0" smtClean="0"/>
+              <a:t>Toda nossa comunicação (avisos, atendimentos e tarefas) será feita via </a:t>
+            </a:r>
+            <a:r>
+              <a:rPr lang="pt-BR" dirty="0" err="1" smtClean="0"/>
+              <a:t>Teams</a:t>
+            </a:r>
+            <a:r>
+              <a:rPr lang="pt-BR" dirty="0" smtClean="0"/>
+              <a:t>.</a:t>
+            </a:r>
+          </a:p>
+          <a:p>
+            <a:r>
+              <a:rPr lang="pt-BR" dirty="0"/>
+              <a:t>Todas as aulas serão gravadas e os vídeos ficarão disponíveis na pasta "</a:t>
+            </a:r>
+            <a:r>
+              <a:rPr lang="pt-BR" dirty="0" err="1"/>
+              <a:t>Recordings</a:t>
+            </a:r>
+            <a:r>
+              <a:rPr lang="pt-BR" dirty="0"/>
+              <a:t>" dentro de “Arquivos</a:t>
+            </a:r>
+            <a:r>
+              <a:rPr lang="pt-BR" dirty="0" smtClean="0"/>
+              <a:t>”.</a:t>
+            </a:r>
+          </a:p>
+          <a:p>
+            <a:r>
+              <a:rPr lang="pt-BR" dirty="0" smtClean="0"/>
+              <a:t>Todo </a:t>
+            </a:r>
+            <a:r>
+              <a:rPr lang="pt-BR" dirty="0"/>
+              <a:t>material do curso </a:t>
+            </a:r>
+            <a:r>
+              <a:rPr lang="pt-BR" dirty="0" smtClean="0"/>
+              <a:t>está disponível no </a:t>
+            </a:r>
+            <a:r>
+              <a:rPr lang="pt-BR" dirty="0"/>
+              <a:t>GitHub: </a:t>
+            </a:r>
+          </a:p>
+          <a:p>
+            <a:pPr lvl="1">
+              <a:buFont typeface="Wingdings" panose="05000000000000000000" pitchFamily="2" charset="2"/>
+              <a:buChar char="§"/>
+            </a:pPr>
+            <a:r>
+              <a:rPr lang="pt-BR" dirty="0">
+                <a:hlinkClick r:id="rId2"/>
+              </a:rPr>
+              <a:t>https://github.com/zz4fap/t320_aprendizado_de_maquina</a:t>
+            </a:r>
+            <a:endParaRPr lang="en-US" dirty="0" smtClean="0"/>
+          </a:p>
           <a:p>
             <a:r>
               <a:rPr lang="en-US" dirty="0" err="1" smtClean="0"/>
@@ -37711,15 +38125,11 @@
             </a:r>
             <a:r>
               <a:rPr lang="en-US" dirty="0" smtClean="0"/>
-              <a:t> (</a:t>
+              <a:t> </a:t>
             </a:r>
             <a:r>
-              <a:rPr lang="en-US" dirty="0" err="1" smtClean="0"/>
-              <a:t>laboratórios</a:t>
-            </a:r>
-            <a:r>
-              <a:rPr lang="en-US" dirty="0" smtClean="0"/>
-              <a:t> e quizzes) </a:t>
+              <a:rPr lang="pt-BR" dirty="0"/>
+              <a:t>(laboratórios e quizzes) </a:t>
             </a:r>
             <a:r>
               <a:rPr lang="en-US" dirty="0" err="1" smtClean="0"/>
@@ -37743,7 +38153,15 @@
             </a:r>
             <a:r>
               <a:rPr lang="en-US" dirty="0" smtClean="0"/>
-              <a:t> no MS Teams.</a:t>
+              <a:t> </a:t>
+            </a:r>
+            <a:r>
+              <a:rPr lang="en-US" dirty="0" err="1" smtClean="0"/>
+              <a:t>através</a:t>
+            </a:r>
+            <a:r>
+              <a:rPr lang="en-US" dirty="0" smtClean="0"/>
+              <a:t> do Teams.</a:t>
             </a:r>
           </a:p>
           <a:p>
@@ -37776,12 +38194,8 @@
               <a:t>datas</a:t>
             </a:r>
             <a:r>
-              <a:rPr lang="en-US" dirty="0"/>
-              <a:t> </a:t>
-            </a:r>
-            <a:r>
               <a:rPr lang="en-US" dirty="0" smtClean="0"/>
-              <a:t>e </a:t>
+              <a:t>/</a:t>
             </a:r>
             <a:r>
               <a:rPr lang="en-US" dirty="0" err="1" smtClean="0"/>
@@ -37796,40 +38210,82 @@
               <a:t>de </a:t>
             </a:r>
             <a:r>
-              <a:rPr lang="en-US" dirty="0" err="1" smtClean="0"/>
+              <a:rPr lang="en-US" dirty="0" err="1"/>
               <a:t>entrega</a:t>
             </a:r>
             <a:r>
+              <a:rPr lang="en-US" dirty="0"/>
+              <a:t> no </a:t>
+            </a:r>
+            <a:r>
               <a:rPr lang="en-US" dirty="0" smtClean="0"/>
-              <a:t>.</a:t>
+              <a:t>Teams.</a:t>
             </a:r>
           </a:p>
           <a:p>
             <a:r>
-              <a:rPr lang="pt-BR" dirty="0" smtClean="0"/>
-              <a:t>Todo material do curso será disponibilizado no MS Teams e no GitHub: </a:t>
-            </a:r>
-            <a:endParaRPr lang="pt-BR" dirty="0"/>
-          </a:p>
-          <a:p>
-            <a:pPr lvl="1"/>
-            <a:r>
-              <a:rPr lang="pt-BR" dirty="0" smtClean="0">
-                <a:hlinkClick r:id="rId2"/>
-              </a:rPr>
-              <a:t>https</a:t>
+              <a:rPr lang="en-US" dirty="0" err="1" smtClean="0"/>
+              <a:t>Vídeos</a:t>
             </a:r>
             <a:r>
-              <a:rPr lang="pt-BR" dirty="0">
-                <a:hlinkClick r:id="rId2"/>
-              </a:rPr>
-              <a:t>://</a:t>
+              <a:rPr lang="en-US" dirty="0" smtClean="0"/>
+              <a:t> do </a:t>
             </a:r>
             <a:r>
-              <a:rPr lang="pt-BR" dirty="0" smtClean="0">
-                <a:hlinkClick r:id="rId2"/>
-              </a:rPr>
-              <a:t>github.com/zz4fap/t320_aprendizado_de_maquina</a:t>
+              <a:rPr lang="en-US" dirty="0" err="1" smtClean="0"/>
+              <a:t>minicurso</a:t>
+            </a:r>
+            <a:r>
+              <a:rPr lang="en-US" dirty="0" smtClean="0"/>
+              <a:t> de Python e de </a:t>
+            </a:r>
+            <a:r>
+              <a:rPr lang="en-US" dirty="0" err="1" smtClean="0"/>
+              <a:t>como</a:t>
+            </a:r>
+            <a:r>
+              <a:rPr lang="en-US" dirty="0" smtClean="0"/>
+              <a:t> </a:t>
+            </a:r>
+            <a:r>
+              <a:rPr lang="en-US" dirty="0" err="1" smtClean="0"/>
+              <a:t>usar</a:t>
+            </a:r>
+            <a:r>
+              <a:rPr lang="en-US" dirty="0" smtClean="0"/>
+              <a:t> o </a:t>
+            </a:r>
+            <a:r>
+              <a:rPr lang="en-US" dirty="0" err="1" smtClean="0"/>
+              <a:t>Colab</a:t>
+            </a:r>
+            <a:r>
+              <a:rPr lang="en-US" dirty="0" smtClean="0"/>
+              <a:t> </a:t>
+            </a:r>
+            <a:r>
+              <a:rPr lang="en-US" dirty="0" err="1" smtClean="0"/>
+              <a:t>estão</a:t>
+            </a:r>
+            <a:r>
+              <a:rPr lang="en-US" dirty="0" smtClean="0"/>
+              <a:t> </a:t>
+            </a:r>
+            <a:r>
+              <a:rPr lang="pt-BR" dirty="0" smtClean="0"/>
+              <a:t>na </a:t>
+            </a:r>
+            <a:r>
+              <a:rPr lang="pt-BR" dirty="0"/>
+              <a:t>pasta "</a:t>
+            </a:r>
+            <a:r>
+              <a:rPr lang="pt-BR" dirty="0" err="1"/>
+              <a:t>Recordings</a:t>
+            </a:r>
+            <a:r>
+              <a:rPr lang="pt-BR" dirty="0"/>
+              <a:t>" dentro de “Arquivos”.</a:t>
             </a:r>
             <a:endParaRPr lang="pt-BR" dirty="0" smtClean="0"/>
           </a:p>
@@ -37845,9 +38301,30 @@
               <a:buChar char="§"/>
             </a:pPr>
             <a:r>
+              <a:rPr lang="pt-BR" dirty="0"/>
+              <a:t>Professor: </a:t>
+            </a:r>
+            <a:r>
               <a:rPr lang="pt-BR" dirty="0" smtClean="0"/>
-              <a:t>Professor: quintas-feiras das 17:30 às 19:30 (provisório).</a:t>
+              <a:t>quintas-feiras </a:t>
             </a:r>
+            <a:r>
+              <a:rPr lang="pt-BR" dirty="0"/>
+              <a:t>das </a:t>
+            </a:r>
+            <a:r>
+              <a:rPr lang="pt-BR" dirty="0" smtClean="0"/>
+              <a:t>17:30 </a:t>
+            </a:r>
+            <a:r>
+              <a:rPr lang="pt-BR" dirty="0"/>
+              <a:t>às </a:t>
+            </a:r>
+            <a:r>
+              <a:rPr lang="pt-BR" dirty="0" smtClean="0"/>
+              <a:t>19:30 (provisório).</a:t>
+            </a:r>
+            <a:endParaRPr lang="pt-BR" dirty="0"/>
           </a:p>
           <a:p>
             <a:pPr lvl="1">
@@ -37864,11 +38341,11 @@
             </a:r>
             <a:r>
               <a:rPr lang="pt-BR" dirty="0" smtClean="0"/>
-              <a:t> teles</a:t>
+              <a:t> </a:t>
             </a:r>
             <a:r>
               <a:rPr lang="pt-BR" dirty="0"/>
-              <a:t>: </a:t>
+              <a:t>Teles: </a:t>
             </a:r>
             <a:r>
               <a:rPr lang="pt-BR" b="1" dirty="0">
@@ -37877,10 +38354,10 @@
               <a:t>maycol.teles@ges.inatel.br</a:t>
             </a:r>
             <a:r>
-              <a:rPr lang="pt-BR" smtClean="0"/>
+              <a:rPr lang="pt-BR" dirty="0" smtClean="0"/>
               <a:t>): quartas-feiras das 18:30 às 19:30.</a:t>
             </a:r>
-            <a:endParaRPr lang="pt-BR" dirty="0" smtClean="0"/>
+            <a:endParaRPr lang="pt-BR" dirty="0"/>
           </a:p>
           <a:p>
             <a:pPr lvl="1">
@@ -37889,15 +38366,27 @@
             </a:pPr>
             <a:r>
               <a:rPr lang="pt-BR" dirty="0" smtClean="0"/>
-              <a:t>Atendimento remoto via MS Teams.</a:t>
+              <a:t>Atendimento remoto via </a:t>
             </a:r>
+            <a:r>
+              <a:rPr lang="pt-BR" dirty="0" err="1" smtClean="0"/>
+              <a:t>Teams</a:t>
+            </a:r>
+            <a:r>
+              <a:rPr lang="pt-BR" dirty="0"/>
+              <a:t>. </a:t>
+            </a:r>
+            <a:br>
+              <a:rPr lang="pt-BR" dirty="0"/>
+            </a:br>
+            <a:endParaRPr lang="pt-BR" dirty="0" smtClean="0"/>
           </a:p>
         </p:txBody>
       </p:sp>
     </p:spTree>
     <p:extLst>
       <p:ext uri="{BB962C8B-B14F-4D97-AF65-F5344CB8AC3E}">
-        <p14:creationId xmlns:p14="http://schemas.microsoft.com/office/powerpoint/2010/main" val="849015298"/>
+        <p14:creationId xmlns:p14="http://schemas.microsoft.com/office/powerpoint/2010/main" val="1274447460"/>
       </p:ext>
     </p:extLst>
   </p:cSld>
@@ -37983,7 +38472,7 @@
                 </a:pPr>
                 <a:r>
                   <a:rPr lang="pt-BR" dirty="0" smtClean="0"/>
-                  <a:t>As saídas esperadas são conhecidas.</a:t>
+                  <a:t>As saídas esperadas (rótulos) são conhecidas.</a:t>
                 </a:r>
               </a:p>
               <a:p>
@@ -38072,7 +38561,7 @@
               <a:lstStyle/>
               <a:p>
                 <a:r>
-                  <a:rPr lang="en-US">
+                  <a:rPr lang="pt-BR">
                     <a:noFill/>
                   </a:rPr>
                   <a:t> </a:t>
@@ -38170,8 +38659,8 @@
             </p:nvSpPr>
             <p:spPr>
               <a:xfrm>
-                <a:off x="1671781" y="6229747"/>
-                <a:ext cx="2538080" cy="369332"/>
+                <a:off x="1088136" y="6229747"/>
+                <a:ext cx="3840479" cy="646331"/>
               </a:xfrm>
               <a:prstGeom prst="rect">
                 <a:avLst/>
@@ -38218,20 +38707,24 @@
                   <a:t> </a:t>
                 </a:r>
                 <a:r>
-                  <a:rPr lang="en-US" b="1" i="1" dirty="0" err="1" smtClean="0"/>
+                  <a:rPr lang="en-US" b="1" i="1" dirty="0" err="1" smtClean="0">
+                    <a:solidFill>
+                      <a:srgbClr val="00B050"/>
+                    </a:solidFill>
+                  </a:rPr>
                   <a:t>aproxima</a:t>
                 </a:r>
                 <a:r>
                   <a:rPr lang="en-US" dirty="0" smtClean="0"/>
-                  <a:t> </a:t>
+                  <a:t> o </a:t>
                 </a:r>
                 <a:r>
                   <a:rPr lang="en-US" dirty="0" err="1" smtClean="0"/>
-                  <a:t>os</a:t>
+                  <a:t>comportamento</a:t>
                 </a:r>
                 <a:r>
                   <a:rPr lang="en-US" dirty="0" smtClean="0"/>
-                  <a:t> dados.</a:t>
+                  <a:t> dos dados.</a:t>
                 </a:r>
                 <a:endParaRPr lang="en-US" dirty="0"/>
               </a:p>
@@ -38249,8 +38742,8 @@
             </p:nvSpPr>
             <p:spPr>
               <a:xfrm>
-                <a:off x="1671781" y="6229747"/>
-                <a:ext cx="2538080" cy="369332"/>
+                <a:off x="1088136" y="6229747"/>
+                <a:ext cx="3840479" cy="646331"/>
               </a:xfrm>
               <a:prstGeom prst="rect">
                 <a:avLst/>
@@ -38258,7 +38751,7 @@
               <a:blipFill rotWithShape="0">
                 <a:blip r:embed="rId4"/>
                 <a:stretch>
-                  <a:fillRect l="-719" t="-9836" r="-1918" b="-24590"/>
+                  <a:fillRect t="-5660" r="-1113" b="-14151"/>
                 </a:stretch>
               </a:blipFill>
             </p:spPr>
@@ -38267,7 +38760,7 @@
               <a:lstStyle/>
               <a:p>
                 <a:r>
-                  <a:rPr lang="en-US">
+                  <a:rPr lang="pt-BR">
                     <a:noFill/>
                   </a:rPr>
                   <a:t> </a:t>
@@ -38287,8 +38780,8 @@
             </p:nvSpPr>
             <p:spPr>
               <a:xfrm>
-                <a:off x="7031891" y="6311900"/>
-                <a:ext cx="2549237" cy="369332"/>
+                <a:off x="6509713" y="6311900"/>
+                <a:ext cx="3593592" cy="369332"/>
               </a:xfrm>
               <a:prstGeom prst="rect">
                 <a:avLst/>
@@ -38335,11 +38828,19 @@
                   <a:t> </a:t>
                 </a:r>
                 <a:r>
-                  <a:rPr lang="en-US" b="1" i="1" dirty="0" smtClean="0"/>
+                  <a:rPr lang="en-US" b="1" i="1" dirty="0" smtClean="0">
+                    <a:solidFill>
+                      <a:srgbClr val="0070C0"/>
+                    </a:solidFill>
+                  </a:rPr>
                   <a:t>separa</a:t>
                 </a:r>
                 <a:r>
-                  <a:rPr lang="en-US" dirty="0" smtClean="0"/>
+                  <a:rPr lang="en-US" dirty="0" smtClean="0">
+                    <a:solidFill>
+                      <a:srgbClr val="0070C0"/>
+                    </a:solidFill>
+                  </a:rPr>
                   <a:t> </a:t>
                 </a:r>
                 <a:r>
@@ -38348,7 +38849,15 @@
                 </a:r>
                 <a:r>
                   <a:rPr lang="en-US" dirty="0" smtClean="0"/>
-                  <a:t> dados.</a:t>
+                  <a:t> dados </a:t>
+                </a:r>
+                <a:r>
+                  <a:rPr lang="en-US" dirty="0" err="1" smtClean="0"/>
+                  <a:t>em</a:t>
+                </a:r>
+                <a:r>
+                  <a:rPr lang="en-US" dirty="0" smtClean="0"/>
+                  <a:t> classes.</a:t>
                 </a:r>
                 <a:endParaRPr lang="en-US" dirty="0"/>
               </a:p>
@@ -38366,8 +38875,8 @@
             </p:nvSpPr>
             <p:spPr>
               <a:xfrm>
-                <a:off x="7031891" y="6311900"/>
-                <a:ext cx="2549237" cy="369332"/>
+                <a:off x="6509713" y="6311900"/>
+                <a:ext cx="3593592" cy="369332"/>
               </a:xfrm>
               <a:prstGeom prst="rect">
                 <a:avLst/>
@@ -38384,7 +38893,7 @@
               <a:lstStyle/>
               <a:p>
                 <a:r>
-                  <a:rPr lang="en-US">
+                  <a:rPr lang="pt-BR">
                     <a:noFill/>
                   </a:rPr>
                   <a:t> </a:t>
@@ -38460,16 +38969,41 @@
         <p:spPr>
           <a:xfrm>
             <a:off x="838200" y="4734961"/>
-            <a:ext cx="10515600" cy="2009871"/>
+            <a:ext cx="10515600" cy="2123039"/>
           </a:xfrm>
         </p:spPr>
         <p:txBody>
-          <a:bodyPr/>
+          <a:bodyPr>
+            <a:normAutofit/>
+          </a:bodyPr>
           <a:lstStyle/>
           <a:p>
             <a:r>
+              <a:rPr lang="pt-BR" dirty="0" smtClean="0"/>
+              <a:t>Resolução de tarefas </a:t>
+            </a:r>
+            <a:r>
               <a:rPr lang="pt-BR" dirty="0"/>
-              <a:t>Classificação de </a:t>
+              <a:t>de </a:t>
+            </a:r>
+            <a:r>
+              <a:rPr lang="pt-BR" dirty="0" smtClean="0"/>
+              <a:t>classificação:</a:t>
+            </a:r>
+            <a:endParaRPr lang="pt-BR" dirty="0"/>
+          </a:p>
+          <a:p>
+            <a:pPr lvl="1">
+              <a:buFont typeface="Wingdings" panose="05000000000000000000" pitchFamily="2" charset="2"/>
+              <a:buChar char="§"/>
+            </a:pPr>
+            <a:r>
+              <a:rPr lang="pt-BR" dirty="0" smtClean="0"/>
+              <a:t>Classificação </a:t>
+            </a:r>
+            <a:r>
+              <a:rPr lang="pt-BR" dirty="0"/>
+              <a:t>de </a:t>
             </a:r>
             <a:r>
               <a:rPr lang="pt-BR" dirty="0" err="1"/>
@@ -38477,22 +39011,60 @@
             </a:r>
             <a:r>
               <a:rPr lang="pt-BR" dirty="0"/>
-              <a:t> entre SPAM e HAM (legítimo).</a:t>
+              <a:t> entre </a:t>
+            </a:r>
+            <a:r>
+              <a:rPr lang="pt-BR" dirty="0" smtClean="0"/>
+              <a:t>spam e </a:t>
+            </a:r>
+            <a:r>
+              <a:rPr lang="pt-BR" dirty="0" err="1" smtClean="0"/>
+              <a:t>ham</a:t>
+            </a:r>
+            <a:r>
+              <a:rPr lang="pt-BR" dirty="0" smtClean="0"/>
+              <a:t> (legítimo</a:t>
+            </a:r>
+            <a:r>
+              <a:rPr lang="pt-BR" dirty="0"/>
+              <a:t>).</a:t>
             </a:r>
           </a:p>
           <a:p>
+            <a:pPr lvl="1">
+              <a:buFont typeface="Wingdings" panose="05000000000000000000" pitchFamily="2" charset="2"/>
+              <a:buChar char="§"/>
+            </a:pPr>
             <a:r>
               <a:rPr lang="pt-BR" dirty="0"/>
-              <a:t>Classificação de objetos.</a:t>
+              <a:t>Classificação de </a:t>
             </a:r>
+            <a:r>
+              <a:rPr lang="pt-BR" dirty="0" smtClean="0"/>
+              <a:t>objetos em imagens ou vídeos.</a:t>
+            </a:r>
+            <a:endParaRPr lang="pt-BR" dirty="0"/>
           </a:p>
           <a:p>
+            <a:pPr lvl="1">
+              <a:buFont typeface="Wingdings" panose="05000000000000000000" pitchFamily="2" charset="2"/>
+              <a:buChar char="§"/>
+            </a:pPr>
             <a:r>
               <a:rPr lang="pt-BR" dirty="0"/>
-              <a:t>Detecção ou classificação de símbolos.</a:t>
+              <a:t>Detecção ou classificação de </a:t>
             </a:r>
+            <a:r>
+              <a:rPr lang="pt-BR" dirty="0" smtClean="0"/>
+              <a:t>símbolos de modulações digitais.</a:t>
+            </a:r>
+            <a:endParaRPr lang="pt-BR" dirty="0"/>
           </a:p>
           <a:p>
+            <a:pPr lvl="1">
+              <a:buFont typeface="Wingdings" panose="05000000000000000000" pitchFamily="2" charset="2"/>
+              <a:buChar char="§"/>
+            </a:pPr>
             <a:r>
               <a:rPr lang="pt-BR" dirty="0"/>
               <a:t>Classificação de modulações (QPSK, AM, FM, etc</a:t>
@@ -38514,7 +39086,7 @@
           <p:cNvPr id="4" name="Picture 5" descr="Image result for supervised learning">
             <a:extLst>
               <a:ext uri="{FF2B5EF4-FFF2-40B4-BE49-F238E27FC236}">
-                <a16:creationId xmlns:a16="http://schemas.microsoft.com/office/drawing/2014/main" xmlns="" id="{2520F4EA-1E3E-4F3B-97C0-DF47861DCD42}"/>
+                <a16:creationId xmlns="" xmlns:a16="http://schemas.microsoft.com/office/drawing/2014/main" id="{2520F4EA-1E3E-4F3B-97C0-DF47861DCD42}"/>
               </a:ext>
             </a:extLst>
           </p:cNvPr>

--- a/slides/T320_Classificação (Parte I).pptx
+++ b/slides/T320_Classificação (Parte I).pptx
@@ -299,7 +299,7 @@
           <a:p>
             <a:fld id="{144F1436-6906-4D93-B7A2-786C327BFA14}" type="datetimeFigureOut">
               <a:rPr lang="nl-BE" smtClean="0"/>
-              <a:t>10/02/2023</a:t>
+              <a:t>26/07/2023</a:t>
             </a:fld>
             <a:endParaRPr lang="nl-BE"/>
           </a:p>
@@ -464,7 +464,7 @@
           <a:p>
             <a:fld id="{AA8CD09E-2914-4F47-B6C1-51B2C31814C9}" type="datetimeFigureOut">
               <a:rPr lang="pt-BR" smtClean="0"/>
-              <a:t>10/02/2023</a:t>
+              <a:t>26/07/2023</a:t>
             </a:fld>
             <a:endParaRPr lang="pt-BR"/>
           </a:p>
@@ -775,7 +775,7 @@
           <a:bodyPr/>
           <a:lstStyle/>
           <a:p>
-            <a:endParaRPr lang="pt-BR" baseline="0" dirty="0" smtClean="0"/>
+            <a:endParaRPr lang="pt-BR" baseline="0" dirty="0"/>
           </a:p>
         </p:txBody>
       </p:sp>
@@ -877,7 +877,7 @@
               <a:defRPr/>
             </a:pPr>
             <a:r>
-              <a:rPr lang="pt-BR" dirty="0" smtClean="0"/>
+              <a:rPr lang="pt-BR" dirty="0"/>
               <a:t>Para um problema de classificação de duas classes, pode-se visualizar a operação de um classificador linear como a divisão de um espaço de entrada de alta dimensão com um hiperplano: todos os pontos de um lado do hiperplano são classificados como "sim", enquanto os outros são classificados como "não".</a:t>
             </a:r>
           </a:p>
@@ -984,11 +984,11 @@
               <a:defRPr/>
             </a:pPr>
             <a:r>
-              <a:rPr lang="pt-BR" sz="1200" b="1" dirty="0" smtClean="0"/>
+              <a:rPr lang="pt-BR" sz="1200" b="1" dirty="0"/>
               <a:t>Exemplo</a:t>
             </a:r>
             <a:r>
-              <a:rPr lang="pt-BR" sz="1200" dirty="0" smtClean="0"/>
+              <a:rPr lang="pt-BR" sz="1200" dirty="0"/>
               <a:t>: </a:t>
             </a:r>
           </a:p>
@@ -1010,7 +1010,7 @@
               <a:tabLst/>
               <a:defRPr/>
             </a:pPr>
-            <a:endParaRPr lang="pt-BR" sz="1200" dirty="0" smtClean="0"/>
+            <a:endParaRPr lang="pt-BR" sz="1200" dirty="0"/>
           </a:p>
           <a:p>
             <a:pPr marL="0" marR="0" lvl="0" indent="0" algn="l" defTabSz="914400" rtl="0" eaLnBrk="1" fontAlgn="auto" latinLnBrk="0" hangingPunct="1">
@@ -1031,15 +1031,15 @@
               <a:defRPr/>
             </a:pPr>
             <a:r>
-              <a:rPr lang="pt-BR" sz="1200" dirty="0" smtClean="0"/>
+              <a:rPr lang="pt-BR" sz="1200" dirty="0"/>
               <a:t>Binder: https://</a:t>
             </a:r>
             <a:r>
-              <a:rPr lang="pt-BR" sz="1200" b="0" i="0" dirty="0" smtClean="0"/>
+              <a:rPr lang="pt-BR" sz="1200" b="0" i="0" dirty="0"/>
               <a:t>mybinder.org/v2/gh/zz4fap/t320_aprendizado_de_maquina/main?filepath=notebooks%2Fclassificação%2F</a:t>
             </a:r>
             <a:r>
-              <a:rPr lang="pt-BR" sz="1200" b="0" i="0" kern="1200" dirty="0" smtClean="0">
+              <a:rPr lang="pt-BR" sz="1200" b="0" i="0" kern="1200" dirty="0">
                 <a:solidFill>
                   <a:schemeClr val="tx1"/>
                 </a:solidFill>
@@ -1050,7 +1050,7 @@
               </a:rPr>
               <a:t>encontrando_pesos_da_função_discriminante.ipynb</a:t>
             </a:r>
-            <a:endParaRPr lang="pt-BR" sz="1200" b="0" i="0" dirty="0" smtClean="0"/>
+            <a:endParaRPr lang="pt-BR" sz="1200" b="0" i="0" dirty="0"/>
           </a:p>
           <a:p>
             <a:pPr marL="0" lvl="0" indent="0" algn="l" rtl="0">
@@ -1062,7 +1062,7 @@
               </a:spcAft>
               <a:buNone/>
             </a:pPr>
-            <a:endParaRPr lang="pt-BR" sz="1200" dirty="0" smtClean="0">
+            <a:endParaRPr lang="pt-BR" sz="1200" dirty="0">
               <a:solidFill>
                 <a:srgbClr val="222222"/>
               </a:solidFill>
@@ -1086,7 +1086,7 @@
               <a:buNone/>
             </a:pPr>
             <a:r>
-              <a:rPr lang="pt-BR" sz="1200" dirty="0" smtClean="0">
+              <a:rPr lang="pt-BR" sz="1200" dirty="0">
                 <a:solidFill>
                   <a:srgbClr val="222222"/>
                 </a:solidFill>
@@ -1101,19 +1101,19 @@
               <a:t>Colab: </a:t>
             </a:r>
             <a:r>
-              <a:rPr lang="pt-BR" sz="1200" dirty="0" smtClean="0"/>
+              <a:rPr lang="pt-BR" sz="1200" dirty="0"/>
               <a:t>https://colab.research.google.com/github/zz4fap/t320_aprendizado_de_maquina/blob/main/notebooks/</a:t>
             </a:r>
             <a:r>
-              <a:rPr lang="pt-BR" sz="1200" b="0" i="0" dirty="0" smtClean="0"/>
+              <a:rPr lang="pt-BR" sz="1200" b="0" i="0" dirty="0"/>
               <a:t>classificação</a:t>
             </a:r>
             <a:r>
-              <a:rPr lang="pt-BR" sz="1200" dirty="0" smtClean="0"/>
+              <a:rPr lang="pt-BR" sz="1200" dirty="0"/>
               <a:t>/</a:t>
             </a:r>
             <a:r>
-              <a:rPr lang="pt-BR" sz="1200" b="0" i="0" kern="1200" dirty="0" smtClean="0">
+              <a:rPr lang="pt-BR" sz="1200" b="0" i="0" kern="1200" dirty="0">
                 <a:solidFill>
                   <a:schemeClr val="tx1"/>
                 </a:solidFill>
@@ -1124,7 +1124,7 @@
               </a:rPr>
               <a:t>encontrando_pesos_da_função_discriminante.ipynb</a:t>
             </a:r>
-            <a:endParaRPr lang="pt-BR" sz="1200" dirty="0" smtClean="0">
+            <a:endParaRPr lang="pt-BR" sz="1200" dirty="0">
               <a:solidFill>
                 <a:srgbClr val="222222"/>
               </a:solidFill>
@@ -1223,11 +1223,11 @@
           <a:lstStyle/>
           <a:p>
             <a:r>
-              <a:rPr lang="pt-BR" sz="1200" b="1" dirty="0" smtClean="0"/>
+              <a:rPr lang="pt-BR" sz="1200" b="1" dirty="0"/>
               <a:t>Laboratório #1</a:t>
             </a:r>
             <a:r>
-              <a:rPr lang="pt-BR" sz="1200" dirty="0" smtClean="0"/>
+              <a:rPr lang="pt-BR" sz="1200" dirty="0"/>
               <a:t>: https://mybinder.org/v2/gh/zz4fap/t320_aprendizado_de_maquina/main?filepath=labs%2FLaboratorio1.ipynb</a:t>
             </a:r>
           </a:p>
@@ -1586,26 +1586,26 @@
               <a:defRPr/>
             </a:pPr>
             <a:r>
-              <a:rPr lang="pt-BR" dirty="0" err="1" smtClean="0"/>
+              <a:rPr lang="pt-BR" dirty="0" err="1"/>
               <a:t>Motivacão</a:t>
             </a:r>
             <a:r>
-              <a:rPr lang="pt-BR" dirty="0" smtClean="0"/>
+              <a:rPr lang="pt-BR" dirty="0"/>
               <a:t>:</a:t>
             </a:r>
             <a:r>
-              <a:rPr lang="pt-BR" baseline="0" dirty="0" smtClean="0"/>
+              <a:rPr lang="pt-BR" baseline="0" dirty="0"/>
               <a:t> </a:t>
             </a:r>
             <a:r>
-              <a:rPr lang="pt-BR" baseline="0" dirty="0" err="1" smtClean="0"/>
+              <a:rPr lang="pt-BR" baseline="0" dirty="0" err="1"/>
               <a:t>classificacão</a:t>
             </a:r>
             <a:r>
-              <a:rPr lang="pt-BR" baseline="0" dirty="0" smtClean="0"/>
+              <a:rPr lang="pt-BR" baseline="0" dirty="0"/>
               <a:t> de e-mails, detecção de símbolos, classificação de modulações, etc.</a:t>
             </a:r>
-            <a:endParaRPr lang="pt-BR" dirty="0" smtClean="0"/>
+            <a:endParaRPr lang="pt-BR" dirty="0"/>
           </a:p>
           <a:p>
             <a:endParaRPr lang="en-US" dirty="0"/>
@@ -1783,12 +1783,8 @@
                   <a:buNone/>
                 </a:pPr>
                 <a:r>
-                  <a:rPr lang="pt-BR" dirty="0" smtClean="0"/>
-                  <a:t>Como </a:t>
-                </a:r>
-                <a:r>
                   <a:rPr lang="pt-BR" dirty="0"/>
-                  <a:t>veremos a seguir, </a:t>
+                  <a:t>Como veremos a seguir, </a:t>
                 </a:r>
                 <a14:m>
                   <m:oMath xmlns:m="http://schemas.openxmlformats.org/officeDocument/2006/math">
@@ -1880,7 +1876,7 @@
                   </m:oMath>
                 </a14:m>
                 <a:r>
-                  <a:rPr lang="pt-BR" dirty="0" smtClean="0"/>
+                  <a:rPr lang="pt-BR" dirty="0"/>
                   <a:t>.</a:t>
                 </a:r>
               </a:p>
@@ -2050,17 +2046,17 @@
               <a:defRPr/>
             </a:pPr>
             <a:r>
-              <a:rPr lang="pt-BR" dirty="0" smtClean="0"/>
+              <a:rPr lang="pt-BR" dirty="0"/>
               <a:t>As fronteiras de decisão são definidas por funções (lineares ou não) que separam</a:t>
             </a:r>
             <a:r>
-              <a:rPr lang="pt-BR" baseline="0" dirty="0" smtClean="0"/>
+              <a:rPr lang="pt-BR" baseline="0" dirty="0"/>
               <a:t> ou discriminam as classes. Essas funções são normalmente chamadas de funções discriminantes, pois vão discriminar (ou separar) as classes.</a:t>
             </a:r>
-            <a:endParaRPr lang="pt-BR" dirty="0" smtClean="0"/>
+            <a:endParaRPr lang="pt-BR" dirty="0"/>
           </a:p>
           <a:p>
-            <a:endParaRPr lang="pt-BR" dirty="0" smtClean="0"/>
+            <a:endParaRPr lang="pt-BR" dirty="0"/>
           </a:p>
           <a:p>
             <a:pPr marL="0" marR="0" lvl="0" indent="0" algn="l" defTabSz="914400" rtl="0" eaLnBrk="1" fontAlgn="auto" latinLnBrk="0" hangingPunct="1">
@@ -2081,15 +2077,15 @@
               <a:defRPr/>
             </a:pPr>
             <a:r>
-              <a:rPr lang="pt-BR" b="1" i="1" dirty="0" smtClean="0"/>
+              <a:rPr lang="pt-BR" b="1" i="1" dirty="0"/>
               <a:t>fronteira de decisão</a:t>
             </a:r>
             <a:r>
-              <a:rPr lang="pt-BR" b="0" i="0" dirty="0" smtClean="0"/>
+              <a:rPr lang="pt-BR" b="0" i="0" dirty="0"/>
               <a:t>  é onde </a:t>
             </a:r>
             <a:r>
-              <a:rPr lang="pt-BR" dirty="0" smtClean="0"/>
+              <a:rPr lang="pt-BR" dirty="0"/>
               <a:t>onde ocorre uma indeterminação, ou seja, um empate entre diferentes classes possíveis.</a:t>
             </a:r>
           </a:p>
@@ -2196,14 +2192,14 @@
               <a:defRPr/>
             </a:pPr>
             <a:r>
-              <a:rPr lang="pt-BR" dirty="0" smtClean="0"/>
+              <a:rPr lang="pt-BR" dirty="0"/>
               <a:t>As fronteiras de decisão são definidas por funções (lineares ou não) que separam</a:t>
             </a:r>
             <a:r>
-              <a:rPr lang="pt-BR" baseline="0" dirty="0" smtClean="0"/>
+              <a:rPr lang="pt-BR" baseline="0" dirty="0"/>
               <a:t> ou discriminam as classes. Essas funções são normalmente chamadas de funções discriminantes, pois vão discriminar (ou seja, separar) as classes.</a:t>
             </a:r>
-            <a:endParaRPr lang="pt-BR" dirty="0" smtClean="0"/>
+            <a:endParaRPr lang="pt-BR" dirty="0"/>
           </a:p>
           <a:p>
             <a:endParaRPr lang="pt-BR" dirty="0"/>
@@ -2268,7 +2264,7 @@
           <p:cNvPr id="2" name="Título 1">
             <a:extLst>
               <a:ext uri="{FF2B5EF4-FFF2-40B4-BE49-F238E27FC236}">
-                <a16:creationId xmlns="" xmlns:a16="http://schemas.microsoft.com/office/drawing/2014/main" id="{1DB9B4FF-B06E-403C-A326-BDC64D8FF94E}"/>
+                <a16:creationId xmlns:a16="http://schemas.microsoft.com/office/drawing/2014/main" id="{1DB9B4FF-B06E-403C-A326-BDC64D8FF94E}"/>
               </a:ext>
             </a:extLst>
           </p:cNvPr>
@@ -2305,7 +2301,7 @@
           <p:cNvPr id="3" name="Subtítulo 2">
             <a:extLst>
               <a:ext uri="{FF2B5EF4-FFF2-40B4-BE49-F238E27FC236}">
-                <a16:creationId xmlns="" xmlns:a16="http://schemas.microsoft.com/office/drawing/2014/main" id="{247BDFCE-746E-45BF-A319-4733D58D1632}"/>
+                <a16:creationId xmlns:a16="http://schemas.microsoft.com/office/drawing/2014/main" id="{247BDFCE-746E-45BF-A319-4733D58D1632}"/>
               </a:ext>
             </a:extLst>
           </p:cNvPr>
@@ -2375,7 +2371,7 @@
           <p:cNvPr id="4" name="Espaço Reservado para Data 3">
             <a:extLst>
               <a:ext uri="{FF2B5EF4-FFF2-40B4-BE49-F238E27FC236}">
-                <a16:creationId xmlns="" xmlns:a16="http://schemas.microsoft.com/office/drawing/2014/main" id="{9EDE2778-5372-4104-B96D-968184DA8288}"/>
+                <a16:creationId xmlns:a16="http://schemas.microsoft.com/office/drawing/2014/main" id="{9EDE2778-5372-4104-B96D-968184DA8288}"/>
               </a:ext>
             </a:extLst>
           </p:cNvPr>
@@ -2393,7 +2389,7 @@
           <a:p>
             <a:fld id="{63289F7E-B80B-496E-81B4-D396C37C9454}" type="datetimeFigureOut">
               <a:rPr lang="pt-BR" smtClean="0"/>
-              <a:t>10/02/2023</a:t>
+              <a:t>26/07/2023</a:t>
             </a:fld>
             <a:endParaRPr lang="pt-BR"/>
           </a:p>
@@ -2404,7 +2400,7 @@
           <p:cNvPr id="5" name="Espaço Reservado para Rodapé 4">
             <a:extLst>
               <a:ext uri="{FF2B5EF4-FFF2-40B4-BE49-F238E27FC236}">
-                <a16:creationId xmlns="" xmlns:a16="http://schemas.microsoft.com/office/drawing/2014/main" id="{C1DD0F41-C861-4051-988D-3024A37A4B93}"/>
+                <a16:creationId xmlns:a16="http://schemas.microsoft.com/office/drawing/2014/main" id="{C1DD0F41-C861-4051-988D-3024A37A4B93}"/>
               </a:ext>
             </a:extLst>
           </p:cNvPr>
@@ -2429,7 +2425,7 @@
           <p:cNvPr id="6" name="Espaço Reservado para Número de Slide 5">
             <a:extLst>
               <a:ext uri="{FF2B5EF4-FFF2-40B4-BE49-F238E27FC236}">
-                <a16:creationId xmlns="" xmlns:a16="http://schemas.microsoft.com/office/drawing/2014/main" id="{07E5967E-D980-431A-A5DB-3F0C5030A81E}"/>
+                <a16:creationId xmlns:a16="http://schemas.microsoft.com/office/drawing/2014/main" id="{07E5967E-D980-431A-A5DB-3F0C5030A81E}"/>
               </a:ext>
             </a:extLst>
           </p:cNvPr>
@@ -2488,7 +2484,7 @@
           <p:cNvPr id="2" name="Título 1">
             <a:extLst>
               <a:ext uri="{FF2B5EF4-FFF2-40B4-BE49-F238E27FC236}">
-                <a16:creationId xmlns="" xmlns:a16="http://schemas.microsoft.com/office/drawing/2014/main" id="{9036C49F-3E68-4175-81BA-3C3FEE44308A}"/>
+                <a16:creationId xmlns:a16="http://schemas.microsoft.com/office/drawing/2014/main" id="{9036C49F-3E68-4175-81BA-3C3FEE44308A}"/>
               </a:ext>
             </a:extLst>
           </p:cNvPr>
@@ -2516,7 +2512,7 @@
           <p:cNvPr id="3" name="Espaço Reservado para Texto Vertical 2">
             <a:extLst>
               <a:ext uri="{FF2B5EF4-FFF2-40B4-BE49-F238E27FC236}">
-                <a16:creationId xmlns="" xmlns:a16="http://schemas.microsoft.com/office/drawing/2014/main" id="{426FA736-3DD3-4D4E-B57B-BBE1D8F7D424}"/>
+                <a16:creationId xmlns:a16="http://schemas.microsoft.com/office/drawing/2014/main" id="{426FA736-3DD3-4D4E-B57B-BBE1D8F7D424}"/>
               </a:ext>
             </a:extLst>
           </p:cNvPr>
@@ -2573,7 +2569,7 @@
           <p:cNvPr id="4" name="Espaço Reservado para Data 3">
             <a:extLst>
               <a:ext uri="{FF2B5EF4-FFF2-40B4-BE49-F238E27FC236}">
-                <a16:creationId xmlns="" xmlns:a16="http://schemas.microsoft.com/office/drawing/2014/main" id="{99E8855C-D8FD-48F6-B14E-861E0DE4D915}"/>
+                <a16:creationId xmlns:a16="http://schemas.microsoft.com/office/drawing/2014/main" id="{99E8855C-D8FD-48F6-B14E-861E0DE4D915}"/>
               </a:ext>
             </a:extLst>
           </p:cNvPr>
@@ -2591,7 +2587,7 @@
           <a:p>
             <a:fld id="{63289F7E-B80B-496E-81B4-D396C37C9454}" type="datetimeFigureOut">
               <a:rPr lang="pt-BR" smtClean="0"/>
-              <a:t>10/02/2023</a:t>
+              <a:t>26/07/2023</a:t>
             </a:fld>
             <a:endParaRPr lang="pt-BR"/>
           </a:p>
@@ -2602,7 +2598,7 @@
           <p:cNvPr id="5" name="Espaço Reservado para Rodapé 4">
             <a:extLst>
               <a:ext uri="{FF2B5EF4-FFF2-40B4-BE49-F238E27FC236}">
-                <a16:creationId xmlns="" xmlns:a16="http://schemas.microsoft.com/office/drawing/2014/main" id="{97C0BB88-2F21-42A5-ACFF-83DA47F2D340}"/>
+                <a16:creationId xmlns:a16="http://schemas.microsoft.com/office/drawing/2014/main" id="{97C0BB88-2F21-42A5-ACFF-83DA47F2D340}"/>
               </a:ext>
             </a:extLst>
           </p:cNvPr>
@@ -2627,7 +2623,7 @@
           <p:cNvPr id="6" name="Espaço Reservado para Número de Slide 5">
             <a:extLst>
               <a:ext uri="{FF2B5EF4-FFF2-40B4-BE49-F238E27FC236}">
-                <a16:creationId xmlns="" xmlns:a16="http://schemas.microsoft.com/office/drawing/2014/main" id="{6CB462B3-1F22-4C05-B4B8-7A279FB7D5E9}"/>
+                <a16:creationId xmlns:a16="http://schemas.microsoft.com/office/drawing/2014/main" id="{6CB462B3-1F22-4C05-B4B8-7A279FB7D5E9}"/>
               </a:ext>
             </a:extLst>
           </p:cNvPr>
@@ -2686,7 +2682,7 @@
           <p:cNvPr id="2" name="Título Vertical 1">
             <a:extLst>
               <a:ext uri="{FF2B5EF4-FFF2-40B4-BE49-F238E27FC236}">
-                <a16:creationId xmlns="" xmlns:a16="http://schemas.microsoft.com/office/drawing/2014/main" id="{EAEAB728-701C-4207-A9D5-23FF45C60502}"/>
+                <a16:creationId xmlns:a16="http://schemas.microsoft.com/office/drawing/2014/main" id="{EAEAB728-701C-4207-A9D5-23FF45C60502}"/>
               </a:ext>
             </a:extLst>
           </p:cNvPr>
@@ -2719,7 +2715,7 @@
           <p:cNvPr id="3" name="Espaço Reservado para Texto Vertical 2">
             <a:extLst>
               <a:ext uri="{FF2B5EF4-FFF2-40B4-BE49-F238E27FC236}">
-                <a16:creationId xmlns="" xmlns:a16="http://schemas.microsoft.com/office/drawing/2014/main" id="{BA8C8CCF-7823-480A-9A19-0F664DD17E3B}"/>
+                <a16:creationId xmlns:a16="http://schemas.microsoft.com/office/drawing/2014/main" id="{BA8C8CCF-7823-480A-9A19-0F664DD17E3B}"/>
               </a:ext>
             </a:extLst>
           </p:cNvPr>
@@ -2781,7 +2777,7 @@
           <p:cNvPr id="4" name="Espaço Reservado para Data 3">
             <a:extLst>
               <a:ext uri="{FF2B5EF4-FFF2-40B4-BE49-F238E27FC236}">
-                <a16:creationId xmlns="" xmlns:a16="http://schemas.microsoft.com/office/drawing/2014/main" id="{721D5734-7B1F-425D-942F-6EB73344027C}"/>
+                <a16:creationId xmlns:a16="http://schemas.microsoft.com/office/drawing/2014/main" id="{721D5734-7B1F-425D-942F-6EB73344027C}"/>
               </a:ext>
             </a:extLst>
           </p:cNvPr>
@@ -2799,7 +2795,7 @@
           <a:p>
             <a:fld id="{63289F7E-B80B-496E-81B4-D396C37C9454}" type="datetimeFigureOut">
               <a:rPr lang="pt-BR" smtClean="0"/>
-              <a:t>10/02/2023</a:t>
+              <a:t>26/07/2023</a:t>
             </a:fld>
             <a:endParaRPr lang="pt-BR"/>
           </a:p>
@@ -2810,7 +2806,7 @@
           <p:cNvPr id="5" name="Espaço Reservado para Rodapé 4">
             <a:extLst>
               <a:ext uri="{FF2B5EF4-FFF2-40B4-BE49-F238E27FC236}">
-                <a16:creationId xmlns="" xmlns:a16="http://schemas.microsoft.com/office/drawing/2014/main" id="{1E1AAEAC-F08D-45FE-89EC-B1B349A868C9}"/>
+                <a16:creationId xmlns:a16="http://schemas.microsoft.com/office/drawing/2014/main" id="{1E1AAEAC-F08D-45FE-89EC-B1B349A868C9}"/>
               </a:ext>
             </a:extLst>
           </p:cNvPr>
@@ -2835,7 +2831,7 @@
           <p:cNvPr id="6" name="Espaço Reservado para Número de Slide 5">
             <a:extLst>
               <a:ext uri="{FF2B5EF4-FFF2-40B4-BE49-F238E27FC236}">
-                <a16:creationId xmlns="" xmlns:a16="http://schemas.microsoft.com/office/drawing/2014/main" id="{BAA44493-9911-47B2-87A6-C2141A972BC8}"/>
+                <a16:creationId xmlns:a16="http://schemas.microsoft.com/office/drawing/2014/main" id="{BAA44493-9911-47B2-87A6-C2141A972BC8}"/>
               </a:ext>
             </a:extLst>
           </p:cNvPr>
@@ -2894,7 +2890,7 @@
           <p:cNvPr id="2" name="Título 1">
             <a:extLst>
               <a:ext uri="{FF2B5EF4-FFF2-40B4-BE49-F238E27FC236}">
-                <a16:creationId xmlns="" xmlns:a16="http://schemas.microsoft.com/office/drawing/2014/main" id="{71BD44A5-8F21-4626-A01D-48A1C874B1D5}"/>
+                <a16:creationId xmlns:a16="http://schemas.microsoft.com/office/drawing/2014/main" id="{71BD44A5-8F21-4626-A01D-48A1C874B1D5}"/>
               </a:ext>
             </a:extLst>
           </p:cNvPr>
@@ -2922,7 +2918,7 @@
           <p:cNvPr id="3" name="Espaço Reservado para Conteúdo 2">
             <a:extLst>
               <a:ext uri="{FF2B5EF4-FFF2-40B4-BE49-F238E27FC236}">
-                <a16:creationId xmlns="" xmlns:a16="http://schemas.microsoft.com/office/drawing/2014/main" id="{B79E8085-65A9-48AA-951D-71D978BFF4ED}"/>
+                <a16:creationId xmlns:a16="http://schemas.microsoft.com/office/drawing/2014/main" id="{B79E8085-65A9-48AA-951D-71D978BFF4ED}"/>
               </a:ext>
             </a:extLst>
           </p:cNvPr>
@@ -2979,7 +2975,7 @@
           <p:cNvPr id="4" name="Espaço Reservado para Data 3">
             <a:extLst>
               <a:ext uri="{FF2B5EF4-FFF2-40B4-BE49-F238E27FC236}">
-                <a16:creationId xmlns="" xmlns:a16="http://schemas.microsoft.com/office/drawing/2014/main" id="{F05BE1AF-51EA-425D-B188-DE7BD675009F}"/>
+                <a16:creationId xmlns:a16="http://schemas.microsoft.com/office/drawing/2014/main" id="{F05BE1AF-51EA-425D-B188-DE7BD675009F}"/>
               </a:ext>
             </a:extLst>
           </p:cNvPr>
@@ -2997,7 +2993,7 @@
           <a:p>
             <a:fld id="{63289F7E-B80B-496E-81B4-D396C37C9454}" type="datetimeFigureOut">
               <a:rPr lang="pt-BR" smtClean="0"/>
-              <a:t>10/02/2023</a:t>
+              <a:t>26/07/2023</a:t>
             </a:fld>
             <a:endParaRPr lang="pt-BR"/>
           </a:p>
@@ -3008,7 +3004,7 @@
           <p:cNvPr id="5" name="Espaço Reservado para Rodapé 4">
             <a:extLst>
               <a:ext uri="{FF2B5EF4-FFF2-40B4-BE49-F238E27FC236}">
-                <a16:creationId xmlns="" xmlns:a16="http://schemas.microsoft.com/office/drawing/2014/main" id="{121BE632-29CF-4CB9-B365-C9EF38F89BE6}"/>
+                <a16:creationId xmlns:a16="http://schemas.microsoft.com/office/drawing/2014/main" id="{121BE632-29CF-4CB9-B365-C9EF38F89BE6}"/>
               </a:ext>
             </a:extLst>
           </p:cNvPr>
@@ -3033,7 +3029,7 @@
           <p:cNvPr id="6" name="Espaço Reservado para Número de Slide 5">
             <a:extLst>
               <a:ext uri="{FF2B5EF4-FFF2-40B4-BE49-F238E27FC236}">
-                <a16:creationId xmlns="" xmlns:a16="http://schemas.microsoft.com/office/drawing/2014/main" id="{60CF3DD1-9AEC-4A57-B461-4E4DD86FAC18}"/>
+                <a16:creationId xmlns:a16="http://schemas.microsoft.com/office/drawing/2014/main" id="{60CF3DD1-9AEC-4A57-B461-4E4DD86FAC18}"/>
               </a:ext>
             </a:extLst>
           </p:cNvPr>
@@ -3092,7 +3088,7 @@
           <p:cNvPr id="2" name="Título 1">
             <a:extLst>
               <a:ext uri="{FF2B5EF4-FFF2-40B4-BE49-F238E27FC236}">
-                <a16:creationId xmlns="" xmlns:a16="http://schemas.microsoft.com/office/drawing/2014/main" id="{34AB2FF0-A4D7-4E28-991D-FF26140D5988}"/>
+                <a16:creationId xmlns:a16="http://schemas.microsoft.com/office/drawing/2014/main" id="{34AB2FF0-A4D7-4E28-991D-FF26140D5988}"/>
               </a:ext>
             </a:extLst>
           </p:cNvPr>
@@ -3129,7 +3125,7 @@
           <p:cNvPr id="3" name="Espaço Reservado para Texto 2">
             <a:extLst>
               <a:ext uri="{FF2B5EF4-FFF2-40B4-BE49-F238E27FC236}">
-                <a16:creationId xmlns="" xmlns:a16="http://schemas.microsoft.com/office/drawing/2014/main" id="{E2AC45B0-4145-40DB-8E61-105461170604}"/>
+                <a16:creationId xmlns:a16="http://schemas.microsoft.com/office/drawing/2014/main" id="{E2AC45B0-4145-40DB-8E61-105461170604}"/>
               </a:ext>
             </a:extLst>
           </p:cNvPr>
@@ -3254,7 +3250,7 @@
           <p:cNvPr id="4" name="Espaço Reservado para Data 3">
             <a:extLst>
               <a:ext uri="{FF2B5EF4-FFF2-40B4-BE49-F238E27FC236}">
-                <a16:creationId xmlns="" xmlns:a16="http://schemas.microsoft.com/office/drawing/2014/main" id="{50F1D3FB-740A-4EBA-A309-2CE71D12ECFB}"/>
+                <a16:creationId xmlns:a16="http://schemas.microsoft.com/office/drawing/2014/main" id="{50F1D3FB-740A-4EBA-A309-2CE71D12ECFB}"/>
               </a:ext>
             </a:extLst>
           </p:cNvPr>
@@ -3272,7 +3268,7 @@
           <a:p>
             <a:fld id="{63289F7E-B80B-496E-81B4-D396C37C9454}" type="datetimeFigureOut">
               <a:rPr lang="pt-BR" smtClean="0"/>
-              <a:t>10/02/2023</a:t>
+              <a:t>26/07/2023</a:t>
             </a:fld>
             <a:endParaRPr lang="pt-BR"/>
           </a:p>
@@ -3283,7 +3279,7 @@
           <p:cNvPr id="5" name="Espaço Reservado para Rodapé 4">
             <a:extLst>
               <a:ext uri="{FF2B5EF4-FFF2-40B4-BE49-F238E27FC236}">
-                <a16:creationId xmlns="" xmlns:a16="http://schemas.microsoft.com/office/drawing/2014/main" id="{BDCAB18F-8715-4465-A940-F9C193A2ACE9}"/>
+                <a16:creationId xmlns:a16="http://schemas.microsoft.com/office/drawing/2014/main" id="{BDCAB18F-8715-4465-A940-F9C193A2ACE9}"/>
               </a:ext>
             </a:extLst>
           </p:cNvPr>
@@ -3308,7 +3304,7 @@
           <p:cNvPr id="6" name="Espaço Reservado para Número de Slide 5">
             <a:extLst>
               <a:ext uri="{FF2B5EF4-FFF2-40B4-BE49-F238E27FC236}">
-                <a16:creationId xmlns="" xmlns:a16="http://schemas.microsoft.com/office/drawing/2014/main" id="{353466C6-8248-429F-8056-FF040BF509EB}"/>
+                <a16:creationId xmlns:a16="http://schemas.microsoft.com/office/drawing/2014/main" id="{353466C6-8248-429F-8056-FF040BF509EB}"/>
               </a:ext>
             </a:extLst>
           </p:cNvPr>
@@ -3367,7 +3363,7 @@
           <p:cNvPr id="2" name="Título 1">
             <a:extLst>
               <a:ext uri="{FF2B5EF4-FFF2-40B4-BE49-F238E27FC236}">
-                <a16:creationId xmlns="" xmlns:a16="http://schemas.microsoft.com/office/drawing/2014/main" id="{BC7BB9F0-F14B-4A91-B2B7-35BC47FE4DE7}"/>
+                <a16:creationId xmlns:a16="http://schemas.microsoft.com/office/drawing/2014/main" id="{BC7BB9F0-F14B-4A91-B2B7-35BC47FE4DE7}"/>
               </a:ext>
             </a:extLst>
           </p:cNvPr>
@@ -3395,7 +3391,7 @@
           <p:cNvPr id="3" name="Espaço Reservado para Conteúdo 2">
             <a:extLst>
               <a:ext uri="{FF2B5EF4-FFF2-40B4-BE49-F238E27FC236}">
-                <a16:creationId xmlns="" xmlns:a16="http://schemas.microsoft.com/office/drawing/2014/main" id="{EC1FC1C4-73DA-47A6-8496-B0B457F7D39A}"/>
+                <a16:creationId xmlns:a16="http://schemas.microsoft.com/office/drawing/2014/main" id="{EC1FC1C4-73DA-47A6-8496-B0B457F7D39A}"/>
               </a:ext>
             </a:extLst>
           </p:cNvPr>
@@ -3457,7 +3453,7 @@
           <p:cNvPr id="4" name="Espaço Reservado para Conteúdo 3">
             <a:extLst>
               <a:ext uri="{FF2B5EF4-FFF2-40B4-BE49-F238E27FC236}">
-                <a16:creationId xmlns="" xmlns:a16="http://schemas.microsoft.com/office/drawing/2014/main" id="{E92F06A8-A449-4D92-9912-76873E529B38}"/>
+                <a16:creationId xmlns:a16="http://schemas.microsoft.com/office/drawing/2014/main" id="{E92F06A8-A449-4D92-9912-76873E529B38}"/>
               </a:ext>
             </a:extLst>
           </p:cNvPr>
@@ -3519,7 +3515,7 @@
           <p:cNvPr id="5" name="Espaço Reservado para Data 4">
             <a:extLst>
               <a:ext uri="{FF2B5EF4-FFF2-40B4-BE49-F238E27FC236}">
-                <a16:creationId xmlns="" xmlns:a16="http://schemas.microsoft.com/office/drawing/2014/main" id="{938070A4-BC2F-4D55-BD8D-DEAF11BB9EE9}"/>
+                <a16:creationId xmlns:a16="http://schemas.microsoft.com/office/drawing/2014/main" id="{938070A4-BC2F-4D55-BD8D-DEAF11BB9EE9}"/>
               </a:ext>
             </a:extLst>
           </p:cNvPr>
@@ -3537,7 +3533,7 @@
           <a:p>
             <a:fld id="{63289F7E-B80B-496E-81B4-D396C37C9454}" type="datetimeFigureOut">
               <a:rPr lang="pt-BR" smtClean="0"/>
-              <a:t>10/02/2023</a:t>
+              <a:t>26/07/2023</a:t>
             </a:fld>
             <a:endParaRPr lang="pt-BR"/>
           </a:p>
@@ -3548,7 +3544,7 @@
           <p:cNvPr id="6" name="Espaço Reservado para Rodapé 5">
             <a:extLst>
               <a:ext uri="{FF2B5EF4-FFF2-40B4-BE49-F238E27FC236}">
-                <a16:creationId xmlns="" xmlns:a16="http://schemas.microsoft.com/office/drawing/2014/main" id="{45CC2DB8-844A-465F-BA9A-7734C80C7F43}"/>
+                <a16:creationId xmlns:a16="http://schemas.microsoft.com/office/drawing/2014/main" id="{45CC2DB8-844A-465F-BA9A-7734C80C7F43}"/>
               </a:ext>
             </a:extLst>
           </p:cNvPr>
@@ -3573,7 +3569,7 @@
           <p:cNvPr id="7" name="Espaço Reservado para Número de Slide 6">
             <a:extLst>
               <a:ext uri="{FF2B5EF4-FFF2-40B4-BE49-F238E27FC236}">
-                <a16:creationId xmlns="" xmlns:a16="http://schemas.microsoft.com/office/drawing/2014/main" id="{4CC606A8-097B-4040-94E0-CD8C88280D8F}"/>
+                <a16:creationId xmlns:a16="http://schemas.microsoft.com/office/drawing/2014/main" id="{4CC606A8-097B-4040-94E0-CD8C88280D8F}"/>
               </a:ext>
             </a:extLst>
           </p:cNvPr>
@@ -3632,7 +3628,7 @@
           <p:cNvPr id="2" name="Título 1">
             <a:extLst>
               <a:ext uri="{FF2B5EF4-FFF2-40B4-BE49-F238E27FC236}">
-                <a16:creationId xmlns="" xmlns:a16="http://schemas.microsoft.com/office/drawing/2014/main" id="{76D66686-0143-4CB6-8C09-BA326F1E7ACA}"/>
+                <a16:creationId xmlns:a16="http://schemas.microsoft.com/office/drawing/2014/main" id="{76D66686-0143-4CB6-8C09-BA326F1E7ACA}"/>
               </a:ext>
             </a:extLst>
           </p:cNvPr>
@@ -3665,7 +3661,7 @@
           <p:cNvPr id="3" name="Espaço Reservado para Texto 2">
             <a:extLst>
               <a:ext uri="{FF2B5EF4-FFF2-40B4-BE49-F238E27FC236}">
-                <a16:creationId xmlns="" xmlns:a16="http://schemas.microsoft.com/office/drawing/2014/main" id="{0227AB85-F59E-4BCE-B846-4FA0992C2F23}"/>
+                <a16:creationId xmlns:a16="http://schemas.microsoft.com/office/drawing/2014/main" id="{0227AB85-F59E-4BCE-B846-4FA0992C2F23}"/>
               </a:ext>
             </a:extLst>
           </p:cNvPr>
@@ -3736,7 +3732,7 @@
           <p:cNvPr id="4" name="Espaço Reservado para Conteúdo 3">
             <a:extLst>
               <a:ext uri="{FF2B5EF4-FFF2-40B4-BE49-F238E27FC236}">
-                <a16:creationId xmlns="" xmlns:a16="http://schemas.microsoft.com/office/drawing/2014/main" id="{3373456C-7319-4D0A-827D-D29F6B083F5D}"/>
+                <a16:creationId xmlns:a16="http://schemas.microsoft.com/office/drawing/2014/main" id="{3373456C-7319-4D0A-827D-D29F6B083F5D}"/>
               </a:ext>
             </a:extLst>
           </p:cNvPr>
@@ -3798,7 +3794,7 @@
           <p:cNvPr id="5" name="Espaço Reservado para Texto 4">
             <a:extLst>
               <a:ext uri="{FF2B5EF4-FFF2-40B4-BE49-F238E27FC236}">
-                <a16:creationId xmlns="" xmlns:a16="http://schemas.microsoft.com/office/drawing/2014/main" id="{4CD109D0-2E83-4262-8029-A871CEC47406}"/>
+                <a16:creationId xmlns:a16="http://schemas.microsoft.com/office/drawing/2014/main" id="{4CD109D0-2E83-4262-8029-A871CEC47406}"/>
               </a:ext>
             </a:extLst>
           </p:cNvPr>
@@ -3869,7 +3865,7 @@
           <p:cNvPr id="6" name="Espaço Reservado para Conteúdo 5">
             <a:extLst>
               <a:ext uri="{FF2B5EF4-FFF2-40B4-BE49-F238E27FC236}">
-                <a16:creationId xmlns="" xmlns:a16="http://schemas.microsoft.com/office/drawing/2014/main" id="{AD706E3A-CFBB-4A6C-A65F-D0360A9E74FE}"/>
+                <a16:creationId xmlns:a16="http://schemas.microsoft.com/office/drawing/2014/main" id="{AD706E3A-CFBB-4A6C-A65F-D0360A9E74FE}"/>
               </a:ext>
             </a:extLst>
           </p:cNvPr>
@@ -3931,7 +3927,7 @@
           <p:cNvPr id="7" name="Espaço Reservado para Data 6">
             <a:extLst>
               <a:ext uri="{FF2B5EF4-FFF2-40B4-BE49-F238E27FC236}">
-                <a16:creationId xmlns="" xmlns:a16="http://schemas.microsoft.com/office/drawing/2014/main" id="{4172C0E5-5AF0-4805-BB51-443733CD2BD5}"/>
+                <a16:creationId xmlns:a16="http://schemas.microsoft.com/office/drawing/2014/main" id="{4172C0E5-5AF0-4805-BB51-443733CD2BD5}"/>
               </a:ext>
             </a:extLst>
           </p:cNvPr>
@@ -3949,7 +3945,7 @@
           <a:p>
             <a:fld id="{63289F7E-B80B-496E-81B4-D396C37C9454}" type="datetimeFigureOut">
               <a:rPr lang="pt-BR" smtClean="0"/>
-              <a:t>10/02/2023</a:t>
+              <a:t>26/07/2023</a:t>
             </a:fld>
             <a:endParaRPr lang="pt-BR"/>
           </a:p>
@@ -3960,7 +3956,7 @@
           <p:cNvPr id="8" name="Espaço Reservado para Rodapé 7">
             <a:extLst>
               <a:ext uri="{FF2B5EF4-FFF2-40B4-BE49-F238E27FC236}">
-                <a16:creationId xmlns="" xmlns:a16="http://schemas.microsoft.com/office/drawing/2014/main" id="{0E801648-156F-497E-99CF-797DF48051E1}"/>
+                <a16:creationId xmlns:a16="http://schemas.microsoft.com/office/drawing/2014/main" id="{0E801648-156F-497E-99CF-797DF48051E1}"/>
               </a:ext>
             </a:extLst>
           </p:cNvPr>
@@ -3985,7 +3981,7 @@
           <p:cNvPr id="9" name="Espaço Reservado para Número de Slide 8">
             <a:extLst>
               <a:ext uri="{FF2B5EF4-FFF2-40B4-BE49-F238E27FC236}">
-                <a16:creationId xmlns="" xmlns:a16="http://schemas.microsoft.com/office/drawing/2014/main" id="{EEE23D32-80E7-4796-A137-66BF842E4B53}"/>
+                <a16:creationId xmlns:a16="http://schemas.microsoft.com/office/drawing/2014/main" id="{EEE23D32-80E7-4796-A137-66BF842E4B53}"/>
               </a:ext>
             </a:extLst>
           </p:cNvPr>
@@ -4044,7 +4040,7 @@
           <p:cNvPr id="2" name="Título 1">
             <a:extLst>
               <a:ext uri="{FF2B5EF4-FFF2-40B4-BE49-F238E27FC236}">
-                <a16:creationId xmlns="" xmlns:a16="http://schemas.microsoft.com/office/drawing/2014/main" id="{2BCE2379-C78F-47E1-8CFC-B846E7AF148D}"/>
+                <a16:creationId xmlns:a16="http://schemas.microsoft.com/office/drawing/2014/main" id="{2BCE2379-C78F-47E1-8CFC-B846E7AF148D}"/>
               </a:ext>
             </a:extLst>
           </p:cNvPr>
@@ -4072,7 +4068,7 @@
           <p:cNvPr id="3" name="Espaço Reservado para Data 2">
             <a:extLst>
               <a:ext uri="{FF2B5EF4-FFF2-40B4-BE49-F238E27FC236}">
-                <a16:creationId xmlns="" xmlns:a16="http://schemas.microsoft.com/office/drawing/2014/main" id="{342600A9-7F92-4E22-9D94-E4717252A817}"/>
+                <a16:creationId xmlns:a16="http://schemas.microsoft.com/office/drawing/2014/main" id="{342600A9-7F92-4E22-9D94-E4717252A817}"/>
               </a:ext>
             </a:extLst>
           </p:cNvPr>
@@ -4090,7 +4086,7 @@
           <a:p>
             <a:fld id="{63289F7E-B80B-496E-81B4-D396C37C9454}" type="datetimeFigureOut">
               <a:rPr lang="pt-BR" smtClean="0"/>
-              <a:t>10/02/2023</a:t>
+              <a:t>26/07/2023</a:t>
             </a:fld>
             <a:endParaRPr lang="pt-BR"/>
           </a:p>
@@ -4101,7 +4097,7 @@
           <p:cNvPr id="4" name="Espaço Reservado para Rodapé 3">
             <a:extLst>
               <a:ext uri="{FF2B5EF4-FFF2-40B4-BE49-F238E27FC236}">
-                <a16:creationId xmlns="" xmlns:a16="http://schemas.microsoft.com/office/drawing/2014/main" id="{192E6BED-F546-40CC-A2DF-99CBA853654E}"/>
+                <a16:creationId xmlns:a16="http://schemas.microsoft.com/office/drawing/2014/main" id="{192E6BED-F546-40CC-A2DF-99CBA853654E}"/>
               </a:ext>
             </a:extLst>
           </p:cNvPr>
@@ -4126,7 +4122,7 @@
           <p:cNvPr id="5" name="Espaço Reservado para Número de Slide 4">
             <a:extLst>
               <a:ext uri="{FF2B5EF4-FFF2-40B4-BE49-F238E27FC236}">
-                <a16:creationId xmlns="" xmlns:a16="http://schemas.microsoft.com/office/drawing/2014/main" id="{6091CC40-A8C4-4063-80EB-CC5099621678}"/>
+                <a16:creationId xmlns:a16="http://schemas.microsoft.com/office/drawing/2014/main" id="{6091CC40-A8C4-4063-80EB-CC5099621678}"/>
               </a:ext>
             </a:extLst>
           </p:cNvPr>
@@ -4185,7 +4181,7 @@
           <p:cNvPr id="2" name="Espaço Reservado para Data 1">
             <a:extLst>
               <a:ext uri="{FF2B5EF4-FFF2-40B4-BE49-F238E27FC236}">
-                <a16:creationId xmlns="" xmlns:a16="http://schemas.microsoft.com/office/drawing/2014/main" id="{DD19515C-212C-4EAE-84A3-8FF4BC844F1B}"/>
+                <a16:creationId xmlns:a16="http://schemas.microsoft.com/office/drawing/2014/main" id="{DD19515C-212C-4EAE-84A3-8FF4BC844F1B}"/>
               </a:ext>
             </a:extLst>
           </p:cNvPr>
@@ -4203,7 +4199,7 @@
           <a:p>
             <a:fld id="{63289F7E-B80B-496E-81B4-D396C37C9454}" type="datetimeFigureOut">
               <a:rPr lang="pt-BR" smtClean="0"/>
-              <a:t>10/02/2023</a:t>
+              <a:t>26/07/2023</a:t>
             </a:fld>
             <a:endParaRPr lang="pt-BR"/>
           </a:p>
@@ -4214,7 +4210,7 @@
           <p:cNvPr id="3" name="Espaço Reservado para Rodapé 2">
             <a:extLst>
               <a:ext uri="{FF2B5EF4-FFF2-40B4-BE49-F238E27FC236}">
-                <a16:creationId xmlns="" xmlns:a16="http://schemas.microsoft.com/office/drawing/2014/main" id="{94D3D120-B3E8-4C96-861D-7A4F12F49B3A}"/>
+                <a16:creationId xmlns:a16="http://schemas.microsoft.com/office/drawing/2014/main" id="{94D3D120-B3E8-4C96-861D-7A4F12F49B3A}"/>
               </a:ext>
             </a:extLst>
           </p:cNvPr>
@@ -4239,7 +4235,7 @@
           <p:cNvPr id="4" name="Espaço Reservado para Número de Slide 3">
             <a:extLst>
               <a:ext uri="{FF2B5EF4-FFF2-40B4-BE49-F238E27FC236}">
-                <a16:creationId xmlns="" xmlns:a16="http://schemas.microsoft.com/office/drawing/2014/main" id="{42E49B68-FA1B-468B-9F17-D5C09243D454}"/>
+                <a16:creationId xmlns:a16="http://schemas.microsoft.com/office/drawing/2014/main" id="{42E49B68-FA1B-468B-9F17-D5C09243D454}"/>
               </a:ext>
             </a:extLst>
           </p:cNvPr>
@@ -4298,7 +4294,7 @@
           <p:cNvPr id="2" name="Título 1">
             <a:extLst>
               <a:ext uri="{FF2B5EF4-FFF2-40B4-BE49-F238E27FC236}">
-                <a16:creationId xmlns="" xmlns:a16="http://schemas.microsoft.com/office/drawing/2014/main" id="{1C17BCBE-A897-4319-85EC-D87909C24980}"/>
+                <a16:creationId xmlns:a16="http://schemas.microsoft.com/office/drawing/2014/main" id="{1C17BCBE-A897-4319-85EC-D87909C24980}"/>
               </a:ext>
             </a:extLst>
           </p:cNvPr>
@@ -4335,7 +4331,7 @@
           <p:cNvPr id="3" name="Espaço Reservado para Conteúdo 2">
             <a:extLst>
               <a:ext uri="{FF2B5EF4-FFF2-40B4-BE49-F238E27FC236}">
-                <a16:creationId xmlns="" xmlns:a16="http://schemas.microsoft.com/office/drawing/2014/main" id="{4226F885-0204-4913-868B-4B8B82576F17}"/>
+                <a16:creationId xmlns:a16="http://schemas.microsoft.com/office/drawing/2014/main" id="{4226F885-0204-4913-868B-4B8B82576F17}"/>
               </a:ext>
             </a:extLst>
           </p:cNvPr>
@@ -4425,7 +4421,7 @@
           <p:cNvPr id="4" name="Espaço Reservado para Texto 3">
             <a:extLst>
               <a:ext uri="{FF2B5EF4-FFF2-40B4-BE49-F238E27FC236}">
-                <a16:creationId xmlns="" xmlns:a16="http://schemas.microsoft.com/office/drawing/2014/main" id="{00F9F784-A858-441B-8AB5-697098141751}"/>
+                <a16:creationId xmlns:a16="http://schemas.microsoft.com/office/drawing/2014/main" id="{00F9F784-A858-441B-8AB5-697098141751}"/>
               </a:ext>
             </a:extLst>
           </p:cNvPr>
@@ -4496,7 +4492,7 @@
           <p:cNvPr id="5" name="Espaço Reservado para Data 4">
             <a:extLst>
               <a:ext uri="{FF2B5EF4-FFF2-40B4-BE49-F238E27FC236}">
-                <a16:creationId xmlns="" xmlns:a16="http://schemas.microsoft.com/office/drawing/2014/main" id="{A4DC363A-5000-472E-8B17-02E7DCB8840A}"/>
+                <a16:creationId xmlns:a16="http://schemas.microsoft.com/office/drawing/2014/main" id="{A4DC363A-5000-472E-8B17-02E7DCB8840A}"/>
               </a:ext>
             </a:extLst>
           </p:cNvPr>
@@ -4514,7 +4510,7 @@
           <a:p>
             <a:fld id="{63289F7E-B80B-496E-81B4-D396C37C9454}" type="datetimeFigureOut">
               <a:rPr lang="pt-BR" smtClean="0"/>
-              <a:t>10/02/2023</a:t>
+              <a:t>26/07/2023</a:t>
             </a:fld>
             <a:endParaRPr lang="pt-BR"/>
           </a:p>
@@ -4525,7 +4521,7 @@
           <p:cNvPr id="6" name="Espaço Reservado para Rodapé 5">
             <a:extLst>
               <a:ext uri="{FF2B5EF4-FFF2-40B4-BE49-F238E27FC236}">
-                <a16:creationId xmlns="" xmlns:a16="http://schemas.microsoft.com/office/drawing/2014/main" id="{5548425D-2C21-4C56-BAD4-662978775C28}"/>
+                <a16:creationId xmlns:a16="http://schemas.microsoft.com/office/drawing/2014/main" id="{5548425D-2C21-4C56-BAD4-662978775C28}"/>
               </a:ext>
             </a:extLst>
           </p:cNvPr>
@@ -4550,7 +4546,7 @@
           <p:cNvPr id="7" name="Espaço Reservado para Número de Slide 6">
             <a:extLst>
               <a:ext uri="{FF2B5EF4-FFF2-40B4-BE49-F238E27FC236}">
-                <a16:creationId xmlns="" xmlns:a16="http://schemas.microsoft.com/office/drawing/2014/main" id="{C63E9726-E64C-42B2-AE8A-8C235A956B48}"/>
+                <a16:creationId xmlns:a16="http://schemas.microsoft.com/office/drawing/2014/main" id="{C63E9726-E64C-42B2-AE8A-8C235A956B48}"/>
               </a:ext>
             </a:extLst>
           </p:cNvPr>
@@ -4609,7 +4605,7 @@
           <p:cNvPr id="2" name="Título 1">
             <a:extLst>
               <a:ext uri="{FF2B5EF4-FFF2-40B4-BE49-F238E27FC236}">
-                <a16:creationId xmlns="" xmlns:a16="http://schemas.microsoft.com/office/drawing/2014/main" id="{11086A78-3E74-450C-96A6-CA8AC37AF772}"/>
+                <a16:creationId xmlns:a16="http://schemas.microsoft.com/office/drawing/2014/main" id="{11086A78-3E74-450C-96A6-CA8AC37AF772}"/>
               </a:ext>
             </a:extLst>
           </p:cNvPr>
@@ -4646,7 +4642,7 @@
           <p:cNvPr id="3" name="Espaço Reservado para Imagem 2">
             <a:extLst>
               <a:ext uri="{FF2B5EF4-FFF2-40B4-BE49-F238E27FC236}">
-                <a16:creationId xmlns="" xmlns:a16="http://schemas.microsoft.com/office/drawing/2014/main" id="{5F5B7312-975A-4DBC-9B2F-3652ADA006FD}"/>
+                <a16:creationId xmlns:a16="http://schemas.microsoft.com/office/drawing/2014/main" id="{5F5B7312-975A-4DBC-9B2F-3652ADA006FD}"/>
               </a:ext>
             </a:extLst>
           </p:cNvPr>
@@ -4713,7 +4709,7 @@
           <p:cNvPr id="4" name="Espaço Reservado para Texto 3">
             <a:extLst>
               <a:ext uri="{FF2B5EF4-FFF2-40B4-BE49-F238E27FC236}">
-                <a16:creationId xmlns="" xmlns:a16="http://schemas.microsoft.com/office/drawing/2014/main" id="{AAF805F5-1DFF-41C6-944C-7D79FE0D0963}"/>
+                <a16:creationId xmlns:a16="http://schemas.microsoft.com/office/drawing/2014/main" id="{AAF805F5-1DFF-41C6-944C-7D79FE0D0963}"/>
               </a:ext>
             </a:extLst>
           </p:cNvPr>
@@ -4784,7 +4780,7 @@
           <p:cNvPr id="5" name="Espaço Reservado para Data 4">
             <a:extLst>
               <a:ext uri="{FF2B5EF4-FFF2-40B4-BE49-F238E27FC236}">
-                <a16:creationId xmlns="" xmlns:a16="http://schemas.microsoft.com/office/drawing/2014/main" id="{02113D81-8665-4516-BD81-C6A1F254EECD}"/>
+                <a16:creationId xmlns:a16="http://schemas.microsoft.com/office/drawing/2014/main" id="{02113D81-8665-4516-BD81-C6A1F254EECD}"/>
               </a:ext>
             </a:extLst>
           </p:cNvPr>
@@ -4802,7 +4798,7 @@
           <a:p>
             <a:fld id="{63289F7E-B80B-496E-81B4-D396C37C9454}" type="datetimeFigureOut">
               <a:rPr lang="pt-BR" smtClean="0"/>
-              <a:t>10/02/2023</a:t>
+              <a:t>26/07/2023</a:t>
             </a:fld>
             <a:endParaRPr lang="pt-BR"/>
           </a:p>
@@ -4813,7 +4809,7 @@
           <p:cNvPr id="6" name="Espaço Reservado para Rodapé 5">
             <a:extLst>
               <a:ext uri="{FF2B5EF4-FFF2-40B4-BE49-F238E27FC236}">
-                <a16:creationId xmlns="" xmlns:a16="http://schemas.microsoft.com/office/drawing/2014/main" id="{2B00C88B-FF32-40AA-A187-727D96FD7862}"/>
+                <a16:creationId xmlns:a16="http://schemas.microsoft.com/office/drawing/2014/main" id="{2B00C88B-FF32-40AA-A187-727D96FD7862}"/>
               </a:ext>
             </a:extLst>
           </p:cNvPr>
@@ -4838,7 +4834,7 @@
           <p:cNvPr id="7" name="Espaço Reservado para Número de Slide 6">
             <a:extLst>
               <a:ext uri="{FF2B5EF4-FFF2-40B4-BE49-F238E27FC236}">
-                <a16:creationId xmlns="" xmlns:a16="http://schemas.microsoft.com/office/drawing/2014/main" id="{A04D1A2D-69F7-4B8F-A730-BC26DC340BA6}"/>
+                <a16:creationId xmlns:a16="http://schemas.microsoft.com/office/drawing/2014/main" id="{A04D1A2D-69F7-4B8F-A730-BC26DC340BA6}"/>
               </a:ext>
             </a:extLst>
           </p:cNvPr>
@@ -4902,7 +4898,7 @@
           <p:cNvPr id="2" name="Espaço Reservado para Título 1">
             <a:extLst>
               <a:ext uri="{FF2B5EF4-FFF2-40B4-BE49-F238E27FC236}">
-                <a16:creationId xmlns="" xmlns:a16="http://schemas.microsoft.com/office/drawing/2014/main" id="{E69A0273-1966-4A1B-9370-4C1CE5036371}"/>
+                <a16:creationId xmlns:a16="http://schemas.microsoft.com/office/drawing/2014/main" id="{E69A0273-1966-4A1B-9370-4C1CE5036371}"/>
               </a:ext>
             </a:extLst>
           </p:cNvPr>
@@ -4940,7 +4936,7 @@
           <p:cNvPr id="3" name="Espaço Reservado para Texto 2">
             <a:extLst>
               <a:ext uri="{FF2B5EF4-FFF2-40B4-BE49-F238E27FC236}">
-                <a16:creationId xmlns="" xmlns:a16="http://schemas.microsoft.com/office/drawing/2014/main" id="{3B9CF87A-0448-49A7-AB25-EBC1D56A40EF}"/>
+                <a16:creationId xmlns:a16="http://schemas.microsoft.com/office/drawing/2014/main" id="{3B9CF87A-0448-49A7-AB25-EBC1D56A40EF}"/>
               </a:ext>
             </a:extLst>
           </p:cNvPr>
@@ -5007,7 +5003,7 @@
           <p:cNvPr id="4" name="Espaço Reservado para Data 3">
             <a:extLst>
               <a:ext uri="{FF2B5EF4-FFF2-40B4-BE49-F238E27FC236}">
-                <a16:creationId xmlns="" xmlns:a16="http://schemas.microsoft.com/office/drawing/2014/main" id="{2EF7B1F2-BB5A-44D0-816D-16AD2C71430E}"/>
+                <a16:creationId xmlns:a16="http://schemas.microsoft.com/office/drawing/2014/main" id="{2EF7B1F2-BB5A-44D0-816D-16AD2C71430E}"/>
               </a:ext>
             </a:extLst>
           </p:cNvPr>
@@ -5043,7 +5039,7 @@
           <a:p>
             <a:fld id="{63289F7E-B80B-496E-81B4-D396C37C9454}" type="datetimeFigureOut">
               <a:rPr lang="pt-BR" smtClean="0"/>
-              <a:t>10/02/2023</a:t>
+              <a:t>26/07/2023</a:t>
             </a:fld>
             <a:endParaRPr lang="pt-BR"/>
           </a:p>
@@ -5054,7 +5050,7 @@
           <p:cNvPr id="5" name="Espaço Reservado para Rodapé 4">
             <a:extLst>
               <a:ext uri="{FF2B5EF4-FFF2-40B4-BE49-F238E27FC236}">
-                <a16:creationId xmlns="" xmlns:a16="http://schemas.microsoft.com/office/drawing/2014/main" id="{C703F94C-2CC8-4DAA-BC35-14FC3E841DCD}"/>
+                <a16:creationId xmlns:a16="http://schemas.microsoft.com/office/drawing/2014/main" id="{C703F94C-2CC8-4DAA-BC35-14FC3E841DCD}"/>
               </a:ext>
             </a:extLst>
           </p:cNvPr>
@@ -5097,7 +5093,7 @@
           <p:cNvPr id="6" name="Espaço Reservado para Número de Slide 5">
             <a:extLst>
               <a:ext uri="{FF2B5EF4-FFF2-40B4-BE49-F238E27FC236}">
-                <a16:creationId xmlns="" xmlns:a16="http://schemas.microsoft.com/office/drawing/2014/main" id="{64051336-7048-457A-8B61-D94291D71648}"/>
+                <a16:creationId xmlns:a16="http://schemas.microsoft.com/office/drawing/2014/main" id="{64051336-7048-457A-8B61-D94291D71648}"/>
               </a:ext>
             </a:extLst>
           </p:cNvPr>
@@ -5465,7 +5461,7 @@
           <p:cNvPr id="2" name="Título 1">
             <a:extLst>
               <a:ext uri="{FF2B5EF4-FFF2-40B4-BE49-F238E27FC236}">
-                <a16:creationId xmlns="" xmlns:a16="http://schemas.microsoft.com/office/drawing/2014/main" id="{32666AC8-2E17-4DB4-B0F5-60C640CCFD2E}"/>
+                <a16:creationId xmlns:a16="http://schemas.microsoft.com/office/drawing/2014/main" id="{32666AC8-2E17-4DB4-B0F5-60C640CCFD2E}"/>
               </a:ext>
             </a:extLst>
           </p:cNvPr>
@@ -5489,21 +5485,16 @@
           <a:lstStyle/>
           <a:p>
             <a:r>
-              <a:rPr lang="pt-BR" sz="5400" dirty="0" smtClean="0"/>
+              <a:rPr lang="pt-BR" sz="5400" dirty="0"/>
               <a:t>T320 - Introdução ao Aprendizado de Máquina II:</a:t>
             </a:r>
-            <a:r>
-              <a:rPr lang="pt-BR" dirty="0" smtClean="0"/>
-              <a:t/>
-            </a:r>
             <a:br>
-              <a:rPr lang="pt-BR" dirty="0" smtClean="0"/>
+              <a:rPr lang="pt-BR" dirty="0"/>
             </a:br>
             <a:r>
-              <a:rPr lang="pt-BR" b="1" i="1" dirty="0" smtClean="0"/>
+              <a:rPr lang="pt-BR" b="1" i="1" dirty="0"/>
               <a:t>Classificação (Parte I)</a:t>
             </a:r>
-            <a:endParaRPr lang="pt-BR" b="1" i="1" dirty="0"/>
           </a:p>
         </p:txBody>
       </p:sp>
@@ -5512,7 +5503,7 @@
           <p:cNvPr id="4" name="CaixaDeTexto 3">
             <a:extLst>
               <a:ext uri="{FF2B5EF4-FFF2-40B4-BE49-F238E27FC236}">
-                <a16:creationId xmlns="" xmlns:a16="http://schemas.microsoft.com/office/drawing/2014/main" id="{430EB894-B7D4-434C-9D1A-A14094D9BEEC}"/>
+                <a16:creationId xmlns:a16="http://schemas.microsoft.com/office/drawing/2014/main" id="{430EB894-B7D4-434C-9D1A-A14094D9BEEC}"/>
               </a:ext>
             </a:extLst>
           </p:cNvPr>
@@ -5553,7 +5544,7 @@
           <p:cNvPr id="1026" name="Picture 2" descr="Logo">
             <a:extLst>
               <a:ext uri="{FF2B5EF4-FFF2-40B4-BE49-F238E27FC236}">
-                <a16:creationId xmlns="" xmlns:a16="http://schemas.microsoft.com/office/drawing/2014/main" id="{3F2642E0-4F6A-4196-8F58-E77D36E9A33F}"/>
+                <a16:creationId xmlns:a16="http://schemas.microsoft.com/office/drawing/2014/main" id="{3F2642E0-4F6A-4196-8F58-E77D36E9A33F}"/>
               </a:ext>
             </a:extLst>
           </p:cNvPr>
@@ -5598,7 +5589,7 @@
           <p:cNvPr id="5122" name="Picture 2" descr="Image result for machine learning">
             <a:extLst>
               <a:ext uri="{FF2B5EF4-FFF2-40B4-BE49-F238E27FC236}">
-                <a16:creationId xmlns="" xmlns:a16="http://schemas.microsoft.com/office/drawing/2014/main" id="{810CE0A2-4102-44A6-A370-175E7896CDCB}"/>
+                <a16:creationId xmlns:a16="http://schemas.microsoft.com/office/drawing/2014/main" id="{810CE0A2-4102-44A6-A370-175E7896CDCB}"/>
               </a:ext>
             </a:extLst>
           </p:cNvPr>
@@ -5691,38 +5682,29 @@
           <a:lstStyle/>
           <a:p>
             <a:r>
-              <a:rPr lang="pt-BR" dirty="0" smtClean="0"/>
+              <a:rPr lang="pt-BR" dirty="0"/>
               <a:t>Reconhecimento de texto escrito </a:t>
             </a:r>
             <a:r>
-              <a:rPr lang="nl-BE" dirty="0" smtClean="0"/>
+              <a:rPr lang="nl-BE" dirty="0"/>
               <a:t>à</a:t>
             </a:r>
             <a:r>
-              <a:rPr lang="pt-BR" dirty="0" smtClean="0"/>
+              <a:rPr lang="pt-BR" dirty="0"/>
               <a:t> mão.</a:t>
             </a:r>
           </a:p>
           <a:p>
             <a:r>
-              <a:rPr lang="pt-BR" dirty="0" smtClean="0"/>
-              <a:t>Classifica</a:t>
-            </a:r>
-            <a:r>
               <a:rPr lang="pt-BR" dirty="0"/>
-              <a:t>ç</a:t>
-            </a:r>
-            <a:r>
-              <a:rPr lang="pt-BR" dirty="0" smtClean="0"/>
-              <a:t>ão de texto.</a:t>
+              <a:t>Classificação de texto.</a:t>
             </a:r>
           </a:p>
           <a:p>
             <a:r>
-              <a:rPr lang="pt-BR" dirty="0" smtClean="0"/>
+              <a:rPr lang="pt-BR" dirty="0"/>
               <a:t>Classificação de sentimentos.</a:t>
             </a:r>
-            <a:endParaRPr lang="pt-BR" dirty="0"/>
           </a:p>
         </p:txBody>
       </p:sp>
@@ -5889,10 +5871,9 @@
           </a:lstStyle>
           <a:p>
             <a:r>
-              <a:rPr lang="pt-BR" dirty="0" smtClean="0"/>
+              <a:rPr lang="pt-BR" dirty="0"/>
               <a:t>Motivação para tarefas de classificação</a:t>
             </a:r>
-            <a:endParaRPr lang="pt-BR" dirty="0"/>
           </a:p>
         </p:txBody>
       </p:sp>
@@ -5906,13 +5887,6 @@
   <p:clrMapOvr>
     <a:masterClrMapping/>
   </p:clrMapOvr>
-  <p:timing>
-    <p:tnLst>
-      <p:par>
-        <p:cTn id="1" dur="indefinite" restart="never" nodeType="tmRoot"/>
-      </p:par>
-    </p:tnLst>
-  </p:timing>
 </p:sld>
 </file>
 
@@ -5980,16 +5954,12 @@
               <a:lstStyle/>
               <a:p>
                 <a:r>
-                  <a:rPr lang="pt-BR" b="1" dirty="0" smtClean="0"/>
+                  <a:rPr lang="pt-BR" b="1" dirty="0"/>
                   <a:t>Problema</a:t>
                 </a:r>
                 <a:r>
                   <a:rPr lang="pt-BR" dirty="0"/>
-                  <a:t>: </a:t>
-                </a:r>
-                <a:r>
-                  <a:rPr lang="pt-BR" dirty="0" smtClean="0"/>
-                  <a:t>encontrar uma função </a:t>
+                  <a:t>: encontrar uma função </a:t>
                 </a:r>
                 <a14:m>
                   <m:oMath xmlns:m="http://schemas.openxmlformats.org/officeDocument/2006/math">
@@ -6020,23 +5990,15 @@
                   </m:oMath>
                 </a14:m>
                 <a:r>
-                  <a:rPr lang="pt-BR" dirty="0" smtClean="0"/>
-                  <a:t> que atribua </a:t>
+                  <a:rPr lang="pt-BR" dirty="0"/>
+                  <a:t> que atribua a cada </a:t>
+                </a:r>
+                <a:r>
+                  <a:rPr lang="pt-BR" b="1" i="1" dirty="0"/>
+                  <a:t>exemplo de entrada</a:t>
                 </a:r>
                 <a:r>
                   <a:rPr lang="pt-BR" dirty="0"/>
-                  <a:t>a cada </a:t>
-                </a:r>
-                <a:r>
-                  <a:rPr lang="pt-BR" b="1" i="1" dirty="0"/>
-                  <a:t>exemplo de </a:t>
-                </a:r>
-                <a:r>
-                  <a:rPr lang="pt-BR" b="1" i="1" dirty="0" smtClean="0"/>
-                  <a:t>entrada</a:t>
-                </a:r>
-                <a:r>
-                  <a:rPr lang="pt-BR" dirty="0" smtClean="0"/>
                   <a:t>, </a:t>
                 </a:r>
                 <a14:m>
@@ -6050,15 +6012,15 @@
                   </m:oMath>
                 </a14:m>
                 <a:r>
-                  <a:rPr lang="pt-BR" dirty="0" smtClean="0"/>
+                  <a:rPr lang="pt-BR" dirty="0"/>
                   <a:t>,</a:t>
                 </a:r>
                 <a:r>
-                  <a:rPr lang="pt-BR" b="1" i="1" dirty="0" smtClean="0"/>
+                  <a:rPr lang="pt-BR" b="1" i="1" dirty="0"/>
                   <a:t> </a:t>
                 </a:r>
                 <a:r>
-                  <a:rPr lang="pt-BR" dirty="0" smtClean="0"/>
+                  <a:rPr lang="pt-BR" dirty="0"/>
                   <a:t>uma das </a:t>
                 </a:r>
                 <a14:m>
@@ -6073,11 +6035,7 @@
                 </a14:m>
                 <a:r>
                   <a:rPr lang="pt-BR" dirty="0"/>
-                  <a:t> classes </a:t>
-                </a:r>
-                <a:r>
-                  <a:rPr lang="pt-BR" dirty="0" smtClean="0"/>
-                  <a:t>possíveis, </a:t>
+                  <a:t> classes possíveis, </a:t>
                 </a:r>
                 <a14:m>
                   <m:oMath xmlns:m="http://schemas.openxmlformats.org/officeDocument/2006/math">
@@ -6133,10 +6091,9 @@
                   </m:oMath>
                 </a14:m>
                 <a:r>
-                  <a:rPr lang="pt-BR" dirty="0" smtClean="0"/>
+                  <a:rPr lang="pt-BR" dirty="0"/>
                   <a:t> e a qual o exemplo pertence.</a:t>
                 </a:r>
-                <a:endParaRPr lang="pt-BR" dirty="0"/>
               </a:p>
               <a:p>
                 <a:pPr lvl="1">
@@ -6144,18 +6101,9 @@
                   <a:buChar char="§"/>
                 </a:pPr>
                 <a:r>
-                  <a:rPr lang="pt-BR" dirty="0" smtClean="0"/>
-                  <a:t>Por exemplo, as </a:t>
+                  <a:rPr lang="pt-BR" dirty="0"/>
+                  <a:t>Por exemplo, as classes podem ser</a:t>
                 </a:r>
-                <a:r>
-                  <a:rPr lang="pt-BR" dirty="0"/>
-                  <a:t>classes podem </a:t>
-                </a:r>
-                <a:r>
-                  <a:rPr lang="pt-BR" dirty="0" smtClean="0"/>
-                  <a:t>ser</a:t>
-                </a:r>
-                <a:endParaRPr lang="pt-BR" dirty="0"/>
               </a:p>
               <a:p>
                 <a:pPr lvl="2">
@@ -6167,16 +6115,12 @@
                   <a:t>Spam e </a:t>
                 </a:r>
                 <a:r>
-                  <a:rPr lang="pt-BR" dirty="0" err="1" smtClean="0"/>
+                  <a:rPr lang="pt-BR" dirty="0" err="1"/>
                   <a:t>ham</a:t>
                 </a:r>
                 <a:r>
                   <a:rPr lang="pt-BR" dirty="0"/>
-                  <a:t> </a:t>
-                </a:r>
-                <a:r>
-                  <a:rPr lang="pt-BR" dirty="0" smtClean="0"/>
-                  <a:t>(legítimo): </a:t>
+                  <a:t> (legítimo): </a:t>
                 </a:r>
                 <a14:m>
                   <m:oMath xmlns:m="http://schemas.openxmlformats.org/officeDocument/2006/math">
@@ -6195,10 +6139,9 @@
                   </m:oMath>
                 </a14:m>
                 <a:r>
-                  <a:rPr lang="pt-BR" dirty="0" smtClean="0"/>
+                  <a:rPr lang="pt-BR" dirty="0"/>
                   <a:t>.</a:t>
                 </a:r>
-                <a:endParaRPr lang="pt-BR" dirty="0"/>
               </a:p>
               <a:p>
                 <a:pPr lvl="2">
@@ -6207,11 +6150,7 @@
                 </a:pPr>
                 <a:r>
                   <a:rPr lang="pt-BR" dirty="0"/>
-                  <a:t>Dígitos de 0 a </a:t>
-                </a:r>
-                <a:r>
-                  <a:rPr lang="pt-BR" dirty="0" smtClean="0"/>
-                  <a:t>9: </a:t>
+                  <a:t>Dígitos de 0 a 9: </a:t>
                 </a:r>
                 <a14:m>
                   <m:oMath xmlns:m="http://schemas.openxmlformats.org/officeDocument/2006/math">
@@ -6230,27 +6169,8 @@
                   </m:oMath>
                 </a14:m>
                 <a:r>
-                  <a:rPr lang="pt-BR" dirty="0" smtClean="0"/>
+                  <a:rPr lang="pt-BR" dirty="0"/>
                   <a:t>.</a:t>
-                </a:r>
-                <a:endParaRPr lang="pt-BR" dirty="0"/>
-              </a:p>
-              <a:p>
-                <a:pPr lvl="2">
-                  <a:buFont typeface="Courier New" panose="02070309020205020404" pitchFamily="49" charset="0"/>
-                  <a:buChar char="o"/>
-                </a:pPr>
-                <a:r>
-                  <a:rPr lang="pt-BR" dirty="0"/>
-                  <a:t>Símbolos de uma </a:t>
-                </a:r>
-                <a:r>
-                  <a:rPr lang="pt-BR" dirty="0" smtClean="0"/>
-                  <a:t>modulação </a:t>
-                </a:r>
-                <a:r>
-                  <a:rPr lang="pt-BR" dirty="0"/>
-                  <a:t>específica.</a:t>
                 </a:r>
               </a:p>
               <a:p>
@@ -6260,15 +6180,17 @@
                 </a:pPr>
                 <a:r>
                   <a:rPr lang="pt-BR" dirty="0"/>
-                  <a:t>Objetos (carros, </a:t>
+                  <a:t>Símbolos de uma modulação específica.</a:t>
                 </a:r>
-                <a:r>
-                  <a:rPr lang="pt-BR" dirty="0" smtClean="0"/>
-                  <a:t>barcos, cães, gatos, </a:t>
-                </a:r>
+              </a:p>
+              <a:p>
+                <a:pPr lvl="2">
+                  <a:buFont typeface="Courier New" panose="02070309020205020404" pitchFamily="49" charset="0"/>
+                  <a:buChar char="o"/>
+                </a:pPr>
                 <a:r>
                   <a:rPr lang="pt-BR" dirty="0"/>
-                  <a:t>etc.)</a:t>
+                  <a:t>Objetos (carros, barcos, cães, gatos, etc.)</a:t>
                 </a:r>
               </a:p>
               <a:p>
@@ -6282,11 +6204,7 @@
                 </a:r>
                 <a:r>
                   <a:rPr lang="pt-BR" dirty="0"/>
-                  <a:t>, existe um conjunto de treinamento </a:t>
-                </a:r>
-                <a:r>
-                  <a:rPr lang="pt-BR" dirty="0" smtClean="0"/>
-                  <a:t>com </a:t>
+                  <a:t>, existe um conjunto de treinamento com </a:t>
                 </a:r>
                 <a14:m>
                   <m:oMath xmlns:m="http://schemas.openxmlformats.org/officeDocument/2006/math">
@@ -6299,15 +6217,15 @@
                   </m:oMath>
                 </a14:m>
                 <a:r>
-                  <a:rPr lang="pt-BR" dirty="0" smtClean="0"/>
+                  <a:rPr lang="pt-BR" dirty="0"/>
                   <a:t> pares de </a:t>
                 </a:r>
                 <a:r>
-                  <a:rPr lang="pt-BR" b="1" i="1" dirty="0" smtClean="0"/>
+                  <a:rPr lang="pt-BR" b="1" i="1" dirty="0"/>
                   <a:t>vetores de atributos </a:t>
                 </a:r>
                 <a:r>
-                  <a:rPr lang="pt-BR" dirty="0" smtClean="0"/>
+                  <a:rPr lang="pt-BR" dirty="0"/>
                   <a:t>e </a:t>
                 </a:r>
                 <a:r>
@@ -6437,11 +6355,7 @@
                 </a:r>
                 <a:r>
                   <a:rPr lang="pt-BR" dirty="0"/>
-                  <a:t>, </a:t>
-                </a:r>
-                <a:r>
-                  <a:rPr lang="pt-BR" dirty="0" smtClean="0"/>
-                  <a:t>onde</a:t>
+                  <a:t>, onde</a:t>
                 </a:r>
               </a:p>
               <a:p>
@@ -6689,19 +6603,7 @@
                 </a:r>
                 <a:r>
                   <a:rPr lang="pt-BR" dirty="0"/>
-                  <a:t>-ésimo vetor </a:t>
-                </a:r>
-                <a:r>
-                  <a:rPr lang="pt-BR" dirty="0" smtClean="0"/>
-                  <a:t>de atributos, </a:t>
-                </a:r>
-                <a:r>
-                  <a:rPr lang="pt-BR" dirty="0"/>
-                  <a:t>o qual é </a:t>
-                </a:r>
-                <a:r>
-                  <a:rPr lang="pt-BR" dirty="0" smtClean="0"/>
-                  <a:t>composto por </a:t>
+                  <a:t>-ésimo vetor de atributos, o qual é composto por </a:t>
                 </a:r>
                 <a14:m>
                   <m:oMath xmlns:m="http://schemas.openxmlformats.org/officeDocument/2006/math">
@@ -6808,10 +6710,9 @@
                   </m:oMath>
                 </a14:m>
                 <a:r>
-                  <a:rPr lang="pt-BR" dirty="0" smtClean="0"/>
+                  <a:rPr lang="pt-BR" dirty="0"/>
                   <a:t>;</a:t>
                 </a:r>
-                <a:endParaRPr lang="pt-BR" dirty="0"/>
               </a:p>
               <a:p>
                 <a:pPr lvl="1">
@@ -6850,12 +6751,8 @@
                   </m:oMath>
                 </a14:m>
                 <a:r>
-                  <a:rPr lang="pt-BR" dirty="0" smtClean="0"/>
-                  <a:t> representa </a:t>
-                </a:r>
-                <a:r>
                   <a:rPr lang="pt-BR" dirty="0"/>
-                  <a:t>o </a:t>
+                  <a:t> representa o </a:t>
                 </a:r>
                 <a:r>
                   <a:rPr lang="pt-BR" i="1" dirty="0"/>
@@ -6873,7 +6770,6 @@
                   <a:rPr lang="pt-BR" dirty="0"/>
                   <a:t>. </a:t>
                 </a:r>
-                <a:endParaRPr lang="pt-BR" dirty="0" smtClean="0"/>
               </a:p>
               <a:p>
                 <a:pPr>
@@ -6881,20 +6777,8 @@
                   <a:buChar char="§"/>
                 </a:pPr>
                 <a:r>
-                  <a:rPr lang="pt-BR" dirty="0" smtClean="0"/>
-                  <a:t>Portanto, como </a:t>
-                </a:r>
-                <a:r>
                   <a:rPr lang="pt-BR" dirty="0"/>
-                  <a:t>vocês </a:t>
-                </a:r>
-                <a:r>
-                  <a:rPr lang="pt-BR" dirty="0" smtClean="0"/>
-                  <a:t>já devem </a:t>
-                </a:r>
-                <a:r>
-                  <a:rPr lang="pt-BR" dirty="0"/>
-                  <a:t>ter percebido, </a:t>
+                  <a:t>Portanto, como vocês já devem ter percebido, </a:t>
                 </a:r>
                 <a:r>
                   <a:rPr lang="pt-BR" b="1" i="1" dirty="0"/>
@@ -6909,10 +6793,9 @@
                   <a:t>treinamento supervisionado</a:t>
                 </a:r>
                 <a:r>
-                  <a:rPr lang="pt-BR" dirty="0" smtClean="0"/>
+                  <a:rPr lang="pt-BR" dirty="0"/>
                   <a:t>.</a:t>
                 </a:r>
-                <a:endParaRPr lang="pt-BR" dirty="0"/>
               </a:p>
             </p:txBody>
           </p:sp>
@@ -7032,7 +6915,7 @@
               <a:lstStyle/>
               <a:p>
                 <a:r>
-                  <a:rPr lang="pt-BR" dirty="0" smtClean="0"/>
+                  <a:rPr lang="pt-BR" dirty="0"/>
                   <a:t>A </a:t>
                 </a:r>
                 <a:r>
@@ -7041,22 +6924,18 @@
                 </a:r>
                 <a:r>
                   <a:rPr lang="pt-BR" dirty="0"/>
-                  <a:t> </a:t>
+                  <a:t> de um classificador para um </a:t>
                 </a:r>
                 <a:r>
-                  <a:rPr lang="pt-BR" dirty="0" smtClean="0"/>
-                  <a:t>de um classificador para um </a:t>
-                </a:r>
-                <a:r>
-                  <a:rPr lang="pt-BR" b="1" i="1" dirty="0" smtClean="0"/>
+                  <a:rPr lang="pt-BR" b="1" i="1" dirty="0"/>
                   <a:t>vetor de atributos</a:t>
                 </a:r>
                 <a:r>
-                  <a:rPr lang="pt-BR" dirty="0" smtClean="0"/>
+                  <a:rPr lang="pt-BR" dirty="0"/>
                   <a:t>,</a:t>
                 </a:r>
                 <a:r>
-                  <a:rPr lang="pt-BR" b="1" i="1" dirty="0" smtClean="0"/>
+                  <a:rPr lang="pt-BR" b="1" i="1" dirty="0"/>
                   <a:t> </a:t>
                 </a:r>
                 <a14:m>
@@ -7088,24 +6967,20 @@
                   </m:oMath>
                 </a14:m>
                 <a:r>
-                  <a:rPr lang="pt-BR" b="1" i="1" dirty="0" smtClean="0"/>
-                  <a:t> </a:t>
-                </a:r>
-                <a:r>
-                  <a:rPr lang="pt-BR" dirty="0" smtClean="0"/>
-                  <a:t>deve ser um valor que identifique a </a:t>
-                </a:r>
-                <a:r>
-                  <a:rPr lang="pt-BR" b="1" i="1" dirty="0" smtClean="0"/>
-                  <a:t>classe</a:t>
-                </a:r>
-                <a:r>
-                  <a:rPr lang="pt-BR" dirty="0" smtClean="0"/>
+                  <a:rPr lang="pt-BR" b="1" i="1" dirty="0"/>
                   <a:t> </a:t>
                 </a:r>
                 <a:r>
                   <a:rPr lang="pt-BR" dirty="0"/>
-                  <a:t>à qual </a:t>
+                  <a:t>deve ser um valor que identifique a </a:t>
+                </a:r>
+                <a:r>
+                  <a:rPr lang="pt-BR" b="1" i="1" dirty="0"/>
+                  <a:t>classe</a:t>
+                </a:r>
+                <a:r>
+                  <a:rPr lang="pt-BR" dirty="0"/>
+                  <a:t> à qual </a:t>
                 </a:r>
                 <a14:m>
                   <m:oMath xmlns:m="http://schemas.openxmlformats.org/officeDocument/2006/math">
@@ -7135,23 +7010,14 @@
                   </m:oMath>
                 </a14:m>
                 <a:r>
-                  <a:rPr lang="pt-BR" dirty="0" smtClean="0"/>
-                  <a:t> pertence</a:t>
+                  <a:rPr lang="pt-BR" dirty="0"/>
+                  <a:t> pertence. </a:t>
                 </a:r>
-                <a:r>
-                  <a:rPr lang="pt-BR" dirty="0"/>
-                  <a:t>. </a:t>
-                </a:r>
-                <a:endParaRPr lang="pt-BR" dirty="0" smtClean="0"/>
               </a:p>
               <a:p>
                 <a:r>
-                  <a:rPr lang="pt-BR" dirty="0" smtClean="0"/>
-                  <a:t>Sendo </a:t>
-                </a:r>
-                <a:r>
                   <a:rPr lang="pt-BR" dirty="0"/>
-                  <a:t>assim, a saída </a:t>
+                  <a:t>Sendo assim, a saída </a:t>
                 </a:r>
                 <a14:m>
                   <m:oMath xmlns:m="http://schemas.openxmlformats.org/officeDocument/2006/math">
@@ -7194,12 +7060,8 @@
                   </m:oMath>
                 </a14:m>
                 <a:r>
-                  <a:rPr lang="pt-BR" dirty="0" smtClean="0"/>
-                  <a:t> </a:t>
-                </a:r>
-                <a:r>
                   <a:rPr lang="pt-BR" dirty="0"/>
-                  <a:t>de um </a:t>
+                  <a:t> de um </a:t>
                 </a:r>
                 <a:r>
                   <a:rPr lang="pt-BR" b="1" i="1" dirty="0"/>
@@ -7207,15 +7069,7 @@
                 </a:r>
                 <a:r>
                   <a:rPr lang="pt-BR" dirty="0"/>
-                  <a:t>, </a:t>
-                </a:r>
-                <a:r>
-                  <a:rPr lang="pt-BR" dirty="0" smtClean="0"/>
-                  <a:t>é </a:t>
-                </a:r>
-                <a:r>
-                  <a:rPr lang="pt-BR" dirty="0"/>
-                  <a:t>uma variável </a:t>
+                  <a:t>, é uma variável </a:t>
                 </a:r>
                 <a:r>
                   <a:rPr lang="pt-BR" b="1" i="1" dirty="0"/>
@@ -7236,32 +7090,16 @@
               </a:p>
               <a:p>
                 <a:r>
-                  <a:rPr lang="pt-BR" dirty="0" smtClean="0"/>
-                  <a:t>Portanto, </a:t>
+                  <a:rPr lang="pt-BR" dirty="0"/>
+                  <a:t>Portanto, para realizarmos o treinamento do </a:t>
+                </a:r>
+                <a:r>
+                  <a:rPr lang="pt-BR" b="1" i="1" dirty="0"/>
+                  <a:t>modelo de classificação</a:t>
                 </a:r>
                 <a:r>
                   <a:rPr lang="pt-BR" dirty="0"/>
-                  <a:t>para </a:t>
-                </a:r>
-                <a:r>
-                  <a:rPr lang="pt-BR" dirty="0" smtClean="0"/>
-                  <a:t>realizarmos </a:t>
-                </a:r>
-                <a:r>
-                  <a:rPr lang="pt-BR" dirty="0"/>
-                  <a:t>o treinamento do </a:t>
-                </a:r>
-                <a:r>
-                  <a:rPr lang="pt-BR" b="1" i="1" dirty="0" smtClean="0"/>
-                  <a:t>modelo de classificação</a:t>
-                </a:r>
-                <a:r>
-                  <a:rPr lang="pt-BR" dirty="0" smtClean="0"/>
-                  <a:t>, devemos escolher </a:t>
-                </a:r>
-                <a:r>
-                  <a:rPr lang="pt-BR" dirty="0"/>
-                  <a:t>uma </a:t>
+                  <a:t>, devemos escolher uma </a:t>
                 </a:r>
                 <a:r>
                   <a:rPr lang="pt-BR" b="1" i="1" dirty="0"/>
@@ -7272,11 +7110,11 @@
                   <a:t>para a </a:t>
                 </a:r>
                 <a:r>
-                  <a:rPr lang="pt-BR" b="1" i="1" dirty="0" smtClean="0"/>
+                  <a:rPr lang="pt-BR" b="1" i="1" dirty="0"/>
                   <a:t>saída</a:t>
                 </a:r>
                 <a:r>
-                  <a:rPr lang="pt-BR" dirty="0" smtClean="0"/>
+                  <a:rPr lang="pt-BR" dirty="0"/>
                   <a:t>, </a:t>
                 </a:r>
                 <a14:m>
@@ -7290,48 +7128,31 @@
                   </m:oMath>
                 </a14:m>
                 <a:r>
-                  <a:rPr lang="pt-BR" dirty="0" smtClean="0"/>
+                  <a:rPr lang="pt-BR" dirty="0"/>
                   <a:t>. </a:t>
                 </a:r>
               </a:p>
               <a:p>
                 <a:r>
-                  <a:rPr lang="pt-BR" dirty="0" smtClean="0"/>
-                  <a:t>Assim, como veremos a seguir, duas </a:t>
+                  <a:rPr lang="pt-BR" dirty="0"/>
+                  <a:t>Assim, como veremos a seguir, duas opções podem ser adotadas, dependendo se a classificação é </a:t>
+                </a:r>
+                <a:r>
+                  <a:rPr lang="pt-BR" b="1" i="1" dirty="0"/>
+                  <a:t>binária</a:t>
                 </a:r>
                 <a:r>
                   <a:rPr lang="pt-BR" dirty="0"/>
-                  <a:t>opções podem ser </a:t>
+                  <a:t> ou </a:t>
                 </a:r>
                 <a:r>
-                  <a:rPr lang="pt-BR" dirty="0" smtClean="0"/>
-                  <a:t>adotadas, dependendo se a </a:t>
+                  <a:rPr lang="pt-BR" b="1" i="1" dirty="0"/>
+                  <a:t>multi-classes</a:t>
                 </a:r>
                 <a:r>
                   <a:rPr lang="pt-BR" dirty="0"/>
-                  <a:t>classificação </a:t>
-                </a:r>
-                <a:r>
-                  <a:rPr lang="pt-BR" dirty="0" smtClean="0"/>
-                  <a:t>é </a:t>
-                </a:r>
-                <a:r>
-                  <a:rPr lang="pt-BR" b="1" i="1" dirty="0" smtClean="0"/>
-                  <a:t>binária</a:t>
-                </a:r>
-                <a:r>
-                  <a:rPr lang="pt-BR" dirty="0" smtClean="0"/>
-                  <a:t> ou </a:t>
-                </a:r>
-                <a:r>
-                  <a:rPr lang="pt-BR" b="1" i="1" dirty="0" smtClean="0"/>
-                  <a:t>multi-classes</a:t>
-                </a:r>
-                <a:r>
-                  <a:rPr lang="pt-BR" dirty="0" smtClean="0"/>
                   <a:t>.</a:t>
                 </a:r>
-                <a:endParaRPr lang="pt-BR" dirty="0"/>
               </a:p>
             </p:txBody>
           </p:sp>
@@ -7431,18 +7252,13 @@
             <a:p>
               <a:pPr algn="ctr"/>
               <a:r>
-                <a:rPr lang="pt-BR" b="1" dirty="0" smtClean="0">
+                <a:rPr lang="pt-BR" b="1" dirty="0">
                   <a:solidFill>
                     <a:schemeClr val="tx1"/>
                   </a:solidFill>
                 </a:rPr>
                 <a:t>Classificador</a:t>
               </a:r>
-              <a:endParaRPr lang="pt-BR" b="1" dirty="0">
-                <a:solidFill>
-                  <a:schemeClr val="tx1"/>
-                </a:solidFill>
-              </a:endParaRPr>
             </a:p>
           </p:txBody>
         </p:sp>
@@ -7768,13 +7584,6 @@
   <p:clrMapOvr>
     <a:masterClrMapping/>
   </p:clrMapOvr>
-  <p:timing>
-    <p:tnLst>
-      <p:par>
-        <p:cTn id="1" dur="indefinite" restart="never" nodeType="tmRoot"/>
-      </p:par>
-    </p:tnLst>
-  </p:timing>
 </p:sld>
 </file>
 
@@ -7842,11 +7651,11 @@
               <a:lstStyle/>
               <a:p>
                 <a:r>
-                  <a:rPr lang="pt-BR" b="1" dirty="0" smtClean="0"/>
+                  <a:rPr lang="pt-BR" b="1" dirty="0"/>
                   <a:t>Classificação binária </a:t>
                 </a:r>
                 <a:r>
-                  <a:rPr lang="pt-BR" dirty="0" smtClean="0"/>
+                  <a:rPr lang="pt-BR" dirty="0"/>
                   <a:t>(</a:t>
                 </a:r>
                 <a14:m>
@@ -7866,16 +7675,8 @@
                   </m:oMath>
                 </a14:m>
                 <a:r>
-                  <a:rPr lang="pt-BR" dirty="0" smtClean="0"/>
-                  <a:t>): existem apenas duas </a:t>
-                </a:r>
-                <a:r>
                   <a:rPr lang="pt-BR" dirty="0"/>
-                  <a:t>classes possíveis</a:t>
-                </a:r>
-                <a:r>
-                  <a:rPr lang="pt-BR" dirty="0" smtClean="0"/>
-                  <a:t>, </a:t>
+                  <a:t>): existem apenas duas classes possíveis, </a:t>
                 </a:r>
                 <a14:m>
                   <m:oMath xmlns:m="http://schemas.openxmlformats.org/officeDocument/2006/math">
@@ -7907,7 +7708,7 @@
                   </m:oMath>
                 </a14:m>
                 <a:r>
-                  <a:rPr lang="pt-BR" dirty="0" smtClean="0"/>
+                  <a:rPr lang="pt-BR" dirty="0"/>
                   <a:t> e </a:t>
                 </a:r>
                 <a14:m>
@@ -7940,7 +7741,7 @@
                   </m:oMath>
                 </a14:m>
                 <a:r>
-                  <a:rPr lang="pt-BR" dirty="0" smtClean="0"/>
+                  <a:rPr lang="pt-BR" dirty="0"/>
                   <a:t>, onde </a:t>
                 </a:r>
                 <a14:m>
@@ -7973,15 +7774,15 @@
                   </m:oMath>
                 </a14:m>
                 <a:r>
-                  <a:rPr lang="pt-BR" dirty="0" smtClean="0"/>
+                  <a:rPr lang="pt-BR" dirty="0"/>
                   <a:t> é chamada de </a:t>
                 </a:r>
                 <a:r>
-                  <a:rPr lang="pt-BR" b="1" i="1" dirty="0" smtClean="0"/>
+                  <a:rPr lang="pt-BR" b="1" i="1" dirty="0"/>
                   <a:t>classe negativa </a:t>
                 </a:r>
                 <a:r>
-                  <a:rPr lang="pt-BR" dirty="0" smtClean="0"/>
+                  <a:rPr lang="pt-BR" dirty="0"/>
                   <a:t>e </a:t>
                 </a:r>
                 <a14:m>
@@ -8014,21 +7815,21 @@
                   </m:oMath>
                 </a14:m>
                 <a:r>
-                  <a:rPr lang="pt-BR" dirty="0" smtClean="0"/>
+                  <a:rPr lang="pt-BR" dirty="0"/>
                   <a:t> a </a:t>
                 </a:r>
                 <a:r>
-                  <a:rPr lang="pt-BR" b="1" i="1" dirty="0" smtClean="0"/>
+                  <a:rPr lang="pt-BR" b="1" i="1" dirty="0"/>
                   <a:t>classe positiva</a:t>
                 </a:r>
                 <a:r>
-                  <a:rPr lang="pt-BR" dirty="0" smtClean="0"/>
+                  <a:rPr lang="pt-BR" dirty="0"/>
                   <a:t>. </a:t>
                 </a:r>
               </a:p>
               <a:p>
                 <a:r>
-                  <a:rPr lang="pt-BR" dirty="0" smtClean="0"/>
+                  <a:rPr lang="pt-BR" dirty="0"/>
                   <a:t>Portanto, nesse caso, podemos utilizar </a:t>
                 </a:r>
                 <a:r>
@@ -8041,27 +7842,15 @@
                       <a:srgbClr val="FF0000"/>
                     </a:solidFill>
                   </a:rPr>
-                  <a:t>única </a:t>
+                  <a:t>única saída escalar </a:t>
                 </a:r>
                 <a:r>
-                  <a:rPr lang="pt-BR" b="1" i="1" dirty="0" smtClean="0">
-                    <a:solidFill>
-                      <a:srgbClr val="FF0000"/>
-                    </a:solidFill>
-                  </a:rPr>
-                  <a:t>saída escalar </a:t>
-                </a:r>
-                <a:r>
-                  <a:rPr lang="pt-BR" b="1" i="1" dirty="0" smtClean="0"/>
+                  <a:rPr lang="pt-BR" b="1" i="1" dirty="0"/>
                   <a:t>binária </a:t>
                 </a:r>
                 <a:r>
-                  <a:rPr lang="pt-BR" dirty="0" smtClean="0"/>
-                  <a:t>para </a:t>
-                </a:r>
-                <a:r>
                   <a:rPr lang="pt-BR" dirty="0"/>
-                  <a:t>indicar a </a:t>
+                  <a:t>para indicar a </a:t>
                 </a:r>
                 <a:r>
                   <a:rPr lang="pt-BR" b="1" i="1" dirty="0"/>
@@ -8072,11 +7861,11 @@
                   <a:t> correspondente ao </a:t>
                 </a:r>
                 <a:r>
-                  <a:rPr lang="pt-BR" b="1" i="1" dirty="0" smtClean="0"/>
+                  <a:rPr lang="pt-BR" b="1" i="1" dirty="0"/>
                   <a:t>vetor de atributos de entrada</a:t>
                 </a:r>
                 <a:r>
-                  <a:rPr lang="pt-BR" dirty="0" smtClean="0"/>
+                  <a:rPr lang="pt-BR" dirty="0"/>
                   <a:t>:</a:t>
                 </a:r>
               </a:p>
@@ -8318,11 +8107,11 @@
                     </m:oMath>
                   </m:oMathPara>
                 </a14:m>
-                <a:endParaRPr lang="pt-BR" b="1" dirty="0" smtClean="0"/>
+                <a:endParaRPr lang="pt-BR" b="1" dirty="0"/>
               </a:p>
               <a:p>
                 <a:r>
-                  <a:rPr lang="pt-BR" dirty="0" smtClean="0"/>
+                  <a:rPr lang="pt-BR" dirty="0"/>
                   <a:t>Assim, </a:t>
                 </a:r>
                 <a14:m>
@@ -8473,7 +8262,7 @@
                   </m:oMath>
                 </a14:m>
                 <a:r>
-                  <a:rPr lang="pt-BR" dirty="0" smtClean="0"/>
+                  <a:rPr lang="pt-BR" dirty="0"/>
                   <a:t>, ou seja, </a:t>
                 </a:r>
                 <a14:m>
@@ -8517,7 +8306,7 @@
                   </m:oMath>
                 </a14:m>
                 <a:r>
-                  <a:rPr lang="pt-BR" dirty="0" smtClean="0"/>
+                  <a:rPr lang="pt-BR" dirty="0"/>
                   <a:t>, onde </a:t>
                 </a:r>
                 <a14:m>
@@ -8581,7 +8370,7 @@
                   </m:oMath>
                 </a14:m>
                 <a:r>
-                  <a:rPr lang="pt-BR" dirty="0" smtClean="0"/>
+                  <a:rPr lang="pt-BR" dirty="0"/>
                   <a:t> e </a:t>
                 </a:r>
                 <a14:m>
@@ -8631,22 +8420,14 @@
                   </m:oMath>
                 </a14:m>
                 <a:r>
-                  <a:rPr lang="pt-BR" dirty="0" smtClean="0"/>
+                  <a:rPr lang="pt-BR" dirty="0"/>
                   <a:t>.</a:t>
                 </a:r>
               </a:p>
               <a:p>
                 <a:r>
-                  <a:rPr lang="pt-BR" dirty="0" smtClean="0"/>
-                  <a:t>Também </a:t>
-                </a:r>
-                <a:r>
                   <a:rPr lang="pt-BR" dirty="0"/>
-                  <a:t>é possível </a:t>
-                </a:r>
-                <a:r>
-                  <a:rPr lang="pt-BR" dirty="0" smtClean="0"/>
-                  <a:t>utilizar </a:t>
+                  <a:t>Também é possível utilizar </a:t>
                 </a:r>
                 <a14:m>
                   <m:oMath xmlns:m="http://schemas.openxmlformats.org/officeDocument/2006/math">
@@ -8682,7 +8463,7 @@
                   </m:oMath>
                 </a14:m>
                 <a:r>
-                  <a:rPr lang="pt-BR" dirty="0" smtClean="0"/>
+                  <a:rPr lang="pt-BR" dirty="0"/>
                   <a:t> para </a:t>
                 </a:r>
                 <a14:m>
@@ -8751,7 +8532,7 @@
                   </m:oMath>
                 </a14:m>
                 <a:r>
-                  <a:rPr lang="pt-BR" dirty="0" smtClean="0"/>
+                  <a:rPr lang="pt-BR" dirty="0"/>
                   <a:t>, ou seja</a:t>
                 </a:r>
               </a:p>
@@ -9052,13 +8833,6 @@
   <p:clrMapOvr>
     <a:masterClrMapping/>
   </p:clrMapOvr>
-  <p:timing>
-    <p:tnLst>
-      <p:par>
-        <p:cTn id="1" dur="indefinite" restart="never" nodeType="tmRoot"/>
-      </p:par>
-    </p:tnLst>
-  </p:timing>
 </p:sld>
 </file>
 
@@ -9131,11 +8905,11 @@
               <a:lstStyle/>
               <a:p>
                 <a:r>
-                  <a:rPr lang="pt-BR" b="1" dirty="0" smtClean="0"/>
+                  <a:rPr lang="pt-BR" b="1" dirty="0"/>
                   <a:t>Classificação multi-classes</a:t>
                 </a:r>
                 <a:r>
-                  <a:rPr lang="pt-BR" dirty="0" smtClean="0"/>
+                  <a:rPr lang="pt-BR" dirty="0"/>
                   <a:t>: existem mais de 2 classes possíveis </a:t>
                 </a:r>
                 <a14:m>
@@ -9161,7 +8935,7 @@
                   </m:oMath>
                 </a14:m>
                 <a:r>
-                  <a:rPr lang="pt-BR" dirty="0" smtClean="0"/>
+                  <a:rPr lang="pt-BR" dirty="0"/>
                   <a:t>.</a:t>
                 </a:r>
               </a:p>
@@ -9171,7 +8945,7 @@
                   <a:buChar char="§"/>
                 </a:pPr>
                 <a:r>
-                  <a:rPr lang="pt-BR" dirty="0" smtClean="0"/>
+                  <a:rPr lang="pt-BR" dirty="0"/>
                   <a:t>Geralmente, nesse caso, o classificador terá </a:t>
                 </a:r>
                 <a14:m>
@@ -9185,7 +8959,7 @@
                   </m:oMath>
                 </a14:m>
                 <a:r>
-                  <a:rPr lang="pt-BR" dirty="0" smtClean="0"/>
+                  <a:rPr lang="pt-BR" dirty="0"/>
                   <a:t> saídas.</a:t>
                 </a:r>
               </a:p>
@@ -9195,57 +8969,41 @@
                   <a:buChar char="§"/>
                 </a:pPr>
                 <a:r>
-                  <a:rPr lang="pt-BR" dirty="0" smtClean="0"/>
-                  <a:t>Uma </a:t>
+                  <a:rPr lang="pt-BR" dirty="0"/>
+                  <a:t>Uma estratégia bastante utilizada para representar estas classes é conhecida como codificação </a:t>
+                </a:r>
+                <a:r>
+                  <a:rPr lang="pt-BR" b="1" i="1" dirty="0"/>
+                  <a:t>one-hot</a:t>
                 </a:r>
                 <a:r>
                   <a:rPr lang="pt-BR" dirty="0"/>
-                  <a:t>estratégia bastante </a:t>
-                </a:r>
-                <a:r>
-                  <a:rPr lang="pt-BR" dirty="0" smtClean="0"/>
-                  <a:t>utilizada para representar estas classes </a:t>
-                </a:r>
-                <a:r>
-                  <a:rPr lang="pt-BR" dirty="0"/>
-                  <a:t>é conhecida como </a:t>
-                </a:r>
-                <a:r>
-                  <a:rPr lang="pt-BR" dirty="0" smtClean="0"/>
-                  <a:t>codificação </a:t>
-                </a:r>
-                <a:r>
-                  <a:rPr lang="pt-BR" b="1" i="1" dirty="0" smtClean="0"/>
-                  <a:t>one-hot</a:t>
-                </a:r>
-                <a:r>
-                  <a:rPr lang="pt-BR" dirty="0" smtClean="0"/>
                   <a:t>. </a:t>
                 </a:r>
               </a:p>
               <a:p>
                 <a:r>
-                  <a:rPr lang="pt-BR" b="1" i="1" dirty="0" smtClean="0"/>
+                  <a:rPr lang="pt-BR" b="1" i="1" dirty="0"/>
                   <a:t>Codificação one-hot</a:t>
                 </a:r>
                 <a:r>
-                  <a:rPr lang="pt-BR" dirty="0" smtClean="0"/>
+                  <a:rPr lang="pt-BR" dirty="0"/>
                   <a:t>:</a:t>
                 </a:r>
                 <a:r>
-                  <a:rPr lang="pt-BR" b="1" i="1" dirty="0" smtClean="0"/>
+                  <a:rPr lang="pt-BR" b="1" i="1" dirty="0"/>
                   <a:t> </a:t>
                 </a:r>
                 <a:r>
-                  <a:rPr lang="pt-BR" dirty="0" smtClean="0"/>
+                  <a:rPr lang="pt-BR" dirty="0"/>
                   <a:t>utiliza uma representação </a:t>
                 </a:r>
                 <a:r>
-                  <a:rPr lang="pt-BR" b="1" i="1" dirty="0" smtClean="0"/>
+                  <a:rPr lang="pt-BR" b="1" i="1" dirty="0"/>
                   <a:t>vetorial</a:t>
                 </a:r>
                 <a:r>
-                  <a:rPr lang="pt-BR" dirty="0" smtClean="0"/>
+                  <a:rPr lang="pt-BR" dirty="0"/>
                   <a:t> </a:t>
                 </a:r>
                 <a:r>
@@ -9254,17 +9012,13 @@
                 </a:r>
                 <a:r>
                   <a:rPr lang="pt-BR" dirty="0"/>
-                  <a:t> </a:t>
-                </a:r>
-                <a:r>
-                  <a:rPr lang="pt-BR" dirty="0" smtClean="0"/>
-                  <a:t>para as saídas.</a:t>
+                  <a:t> para as saídas.</a:t>
                 </a:r>
               </a:p>
               <a:p>
                 <a:pPr lvl="1"/>
                 <a:r>
-                  <a:rPr lang="pt-BR" dirty="0" smtClean="0"/>
+                  <a:rPr lang="pt-BR" dirty="0"/>
                   <a:t>Ou seja, as saídas são vetores com o valor 1 no elemento representando a classe do exemplo de entrada e 0 nos demais elementos. </a:t>
                 </a:r>
               </a:p>
@@ -9274,12 +9028,8 @@
                   <a:buChar char="§"/>
                 </a:pPr>
                 <a:r>
-                  <a:rPr lang="pt-BR" dirty="0" smtClean="0"/>
-                  <a:t>Nesse </a:t>
-                </a:r>
-                <a:r>
                   <a:rPr lang="pt-BR" dirty="0"/>
-                  <a:t>caso, o </a:t>
+                  <a:t>Nesse caso, o </a:t>
                 </a:r>
                 <a:r>
                   <a:rPr lang="pt-BR" b="1" i="1" dirty="0"/>
@@ -9287,33 +9037,16 @@
                 </a:r>
                 <a:r>
                   <a:rPr lang="pt-BR" dirty="0"/>
-                  <a:t> </a:t>
-                </a:r>
-                <a:r>
-                  <a:rPr lang="pt-BR" dirty="0" smtClean="0"/>
-                  <a:t>possui </a:t>
-                </a:r>
-                <a:r>
-                  <a:rPr lang="pt-BR" b="1" i="1" dirty="0" smtClean="0"/>
-                  <a:t>múltiplas </a:t>
+                  <a:t> possui </a:t>
                 </a:r>
                 <a:r>
                   <a:rPr lang="pt-BR" b="1" i="1" dirty="0"/>
-                  <a:t>saídas</a:t>
+                  <a:t>múltiplas saídas</a:t>
                 </a:r>
                 <a:r>
                   <a:rPr lang="pt-BR" dirty="0"/>
-                  <a:t>, cada </a:t>
+                  <a:t>, cada uma representando uma classe específica. </a:t>
                 </a:r>
-                <a:r>
-                  <a:rPr lang="pt-BR" dirty="0" smtClean="0"/>
-                  <a:t>uma representando </a:t>
-                </a:r>
-                <a:r>
-                  <a:rPr lang="pt-BR" dirty="0"/>
-                  <a:t>uma classe específica. </a:t>
-                </a:r>
-                <a:endParaRPr lang="pt-BR" dirty="0" smtClean="0"/>
               </a:p>
               <a:p>
                 <a:pPr lvl="1">
@@ -9326,26 +9059,14 @@
                 </a:r>
                 <a:r>
                   <a:rPr lang="pt-BR" dirty="0"/>
-                  <a:t>: </a:t>
+                  <a:t>: imaginemos um classificador de notícias com quatro classes possíveis: </a:t>
                 </a:r>
                 <a:r>
-                  <a:rPr lang="pt-BR" dirty="0" smtClean="0"/>
-                  <a:t>imaginemos um classificador de notícias com quatro </a:t>
+                  <a:rPr lang="pt-BR" i="1" dirty="0"/>
+                  <a:t>esportes</a:t>
                 </a:r>
                 <a:r>
                   <a:rPr lang="pt-BR" dirty="0"/>
-                  <a:t>classes </a:t>
-                </a:r>
-                <a:r>
-                  <a:rPr lang="pt-BR" dirty="0" smtClean="0"/>
-                  <a:t>possíveis: </a:t>
-                </a:r>
-                <a:r>
-                  <a:rPr lang="pt-BR" i="1" dirty="0" smtClean="0"/>
-                  <a:t>esportes</a:t>
-                </a:r>
-                <a:r>
-                  <a:rPr lang="pt-BR" dirty="0" smtClean="0"/>
                   <a:t>, </a:t>
                 </a:r>
                 <a:r>
@@ -9369,15 +9090,15 @@
                   <a:t>variedades</a:t>
                 </a:r>
                 <a:r>
-                  <a:rPr lang="pt-BR" dirty="0" smtClean="0"/>
+                  <a:rPr lang="pt-BR" dirty="0"/>
                   <a:t>. Como seria a representação com codificação </a:t>
                 </a:r>
                 <a:r>
-                  <a:rPr lang="pt-BR" b="1" i="1" dirty="0" smtClean="0"/>
+                  <a:rPr lang="pt-BR" b="1" i="1" dirty="0"/>
                   <a:t>one-hot</a:t>
                 </a:r>
                 <a:r>
-                  <a:rPr lang="pt-BR" dirty="0" smtClean="0"/>
+                  <a:rPr lang="pt-BR" dirty="0"/>
                   <a:t>?</a:t>
                 </a:r>
               </a:p>
@@ -9385,7 +9106,7 @@
                 <a:pPr marL="457200" lvl="1" indent="0">
                   <a:buNone/>
                 </a:pPr>
-                <a:endParaRPr lang="pt-BR" sz="1700" dirty="0" smtClean="0"/>
+                <a:endParaRPr lang="pt-BR" sz="1700" dirty="0"/>
               </a:p>
               <a:p>
                 <a:pPr marL="0" indent="0">
@@ -10071,7 +9792,7 @@
               <a:lstStyle/>
               <a:p>
                 <a:r>
-                  <a:rPr lang="pt-BR" sz="2000" dirty="0" smtClean="0"/>
+                  <a:rPr lang="pt-BR" sz="2000" dirty="0"/>
                   <a:t>Assim, </a:t>
                 </a:r>
                 <a14:m>
@@ -10144,7 +9865,7 @@
                   </m:oMath>
                 </a14:m>
                 <a:r>
-                  <a:rPr lang="pt-BR" sz="2000" dirty="0" smtClean="0"/>
+                  <a:rPr lang="pt-BR" sz="2000" dirty="0"/>
                   <a:t>, de maneira que o classificador realiza um mapeamento </a:t>
                 </a:r>
                 <a14:m>
@@ -10243,10 +9964,9 @@
                   </m:oMath>
                 </a14:m>
                 <a:r>
-                  <a:rPr lang="pt-BR" sz="2000" dirty="0" smtClean="0"/>
+                  <a:rPr lang="pt-BR" sz="2000" dirty="0"/>
                   <a:t>.</a:t>
                 </a:r>
-                <a:endParaRPr lang="pt-BR" sz="2000" dirty="0"/>
               </a:p>
             </p:txBody>
           </p:sp>
@@ -10300,13 +10020,6 @@
   <p:clrMapOvr>
     <a:masterClrMapping/>
   </p:clrMapOvr>
-  <p:timing>
-    <p:tnLst>
-      <p:par>
-        <p:cTn id="1" dur="indefinite" restart="never" nodeType="tmRoot"/>
-      </p:par>
-    </p:tnLst>
-  </p:timing>
 </p:sld>
 </file>
 
@@ -10349,8 +10062,8 @@
           </a:p>
         </p:txBody>
       </p:sp>
-      <mc:AlternateContent xmlns:mc="http://schemas.openxmlformats.org/markup-compatibility/2006">
-        <mc:Choice xmlns:a14="http://schemas.microsoft.com/office/drawing/2010/main" Requires="a14">
+      <mc:AlternateContent xmlns:mc="http://schemas.openxmlformats.org/markup-compatibility/2006" xmlns:a14="http://schemas.microsoft.com/office/drawing/2010/main">
+        <mc:Choice Requires="a14">
           <p:sp>
             <p:nvSpPr>
               <p:cNvPr id="3" name="Content Placeholder 2"/>
@@ -10374,7 +10087,7 @@
               <a:lstStyle/>
               <a:p>
                 <a:r>
-                  <a:rPr lang="pt-BR" dirty="0" smtClean="0"/>
+                  <a:rPr lang="pt-BR" dirty="0"/>
                   <a:t>Antes, usávamos </a:t>
                 </a:r>
                 <a:r>
@@ -10401,14 +10114,10 @@
                 </a:r>
                 <a:r>
                   <a:rPr lang="pt-BR" b="1" i="1" dirty="0"/>
-                  <a:t>espaço </a:t>
+                  <a:t>espaço bi-dimensional</a:t>
                 </a:r>
                 <a:r>
-                  <a:rPr lang="pt-BR" b="1" i="1" dirty="0" smtClean="0"/>
-                  <a:t>bi-dimensional</a:t>
-                </a:r>
-                <a:r>
-                  <a:rPr lang="pt-BR" dirty="0" smtClean="0"/>
+                  <a:rPr lang="pt-BR" dirty="0"/>
                   <a:t>,</a:t>
                 </a:r>
                 <a14:m>
@@ -10451,11 +10160,11 @@
                   </m:oMath>
                 </a14:m>
                 <a:r>
-                  <a:rPr lang="pt-BR" dirty="0" smtClean="0"/>
+                  <a:rPr lang="pt-BR" dirty="0"/>
                   <a:t>, criado pelos </a:t>
                 </a:r>
                 <a:r>
-                  <a:rPr lang="pt-BR" b="1" i="1" dirty="0" smtClean="0"/>
+                  <a:rPr lang="pt-BR" b="1" i="1" dirty="0"/>
                   <a:t>atributos </a:t>
                 </a:r>
                 <a14:m>
@@ -10488,11 +10197,11 @@
                   </m:oMath>
                 </a14:m>
                 <a:r>
-                  <a:rPr lang="pt-BR" dirty="0" smtClean="0"/>
+                  <a:rPr lang="pt-BR" dirty="0"/>
                   <a:t>e</a:t>
                 </a:r>
                 <a:r>
-                  <a:rPr lang="pt-BR" b="1" i="1" dirty="0" smtClean="0"/>
+                  <a:rPr lang="pt-BR" b="1" i="1" dirty="0"/>
                   <a:t> </a:t>
                 </a:r>
                 <a14:m>
@@ -10525,14 +10234,13 @@
                   </m:oMath>
                 </a14:m>
                 <a:r>
-                  <a:rPr lang="pt-BR" dirty="0" smtClean="0"/>
+                  <a:rPr lang="pt-BR" dirty="0"/>
                   <a:t>.</a:t>
                 </a:r>
-                <a:endParaRPr lang="pt-BR" dirty="0"/>
               </a:p>
               <a:p>
                 <a:r>
-                  <a:rPr lang="pt-BR" dirty="0" smtClean="0"/>
+                  <a:rPr lang="pt-BR" dirty="0"/>
                   <a:t>Os pares de atributos pertencem a duas classes (</a:t>
                 </a:r>
                 <a14:m>
@@ -10552,29 +10260,21 @@
                   </m:oMath>
                 </a14:m>
                 <a:r>
-                  <a:rPr lang="pt-BR" dirty="0" smtClean="0"/>
+                  <a:rPr lang="pt-BR" dirty="0"/>
                   <a:t>).</a:t>
                 </a:r>
               </a:p>
               <a:p>
                 <a:r>
-                  <a:rPr lang="pt-BR" dirty="0" smtClean="0"/>
-                  <a:t>Esse </a:t>
+                  <a:rPr lang="pt-BR" dirty="0"/>
+                  <a:t>Esse espaço pode ser dividido em </a:t>
+                </a:r>
+                <a:r>
+                  <a:rPr lang="pt-BR" b="1" i="1" dirty="0"/>
+                  <a:t>duas</a:t>
                 </a:r>
                 <a:r>
                   <a:rPr lang="pt-BR" dirty="0"/>
-                  <a:t>espaço pode ser dividido </a:t>
-                </a:r>
-                <a:r>
-                  <a:rPr lang="pt-BR" dirty="0" smtClean="0"/>
-                  <a:t>em </a:t>
-                </a:r>
-                <a:r>
-                  <a:rPr lang="pt-BR" b="1" i="1" dirty="0" smtClean="0"/>
-                  <a:t>duas</a:t>
-                </a:r>
-                <a:r>
-                  <a:rPr lang="pt-BR" dirty="0" smtClean="0"/>
                   <a:t> </a:t>
                 </a:r>
                 <a:r>
@@ -10619,7 +10319,7 @@
                   </m:oMath>
                 </a14:m>
                 <a:r>
-                  <a:rPr lang="pt-BR" dirty="0" smtClean="0"/>
+                  <a:rPr lang="pt-BR" dirty="0"/>
                   <a:t> e </a:t>
                 </a:r>
                 <a14:m>
@@ -10652,12 +10352,8 @@
                   </m:oMath>
                 </a14:m>
                 <a:r>
-                  <a:rPr lang="pt-BR" dirty="0" smtClean="0"/>
-                  <a:t>, </a:t>
-                </a:r>
-                <a:r>
                   <a:rPr lang="pt-BR" dirty="0"/>
-                  <a:t>onde cada </a:t>
+                  <a:t>, onde cada </a:t>
                 </a:r>
                 <a:r>
                   <a:rPr lang="pt-BR" b="1" i="1" dirty="0"/>
@@ -10689,7 +10385,7 @@
                   <a:t>fronteiras de decisão</a:t>
                 </a:r>
                 <a:r>
-                  <a:rPr lang="pt-BR" dirty="0" smtClean="0"/>
+                  <a:rPr lang="pt-BR" dirty="0"/>
                   <a:t>. Na figura, como </a:t>
                 </a:r>
                 <a14:m>
@@ -10709,10 +10405,9 @@
                   </m:oMath>
                 </a14:m>
                 <a:r>
-                  <a:rPr lang="pt-BR" dirty="0" smtClean="0"/>
+                  <a:rPr lang="pt-BR" dirty="0"/>
                   <a:t>, temos apenas uma fronteira.</a:t>
                 </a:r>
-                <a:endParaRPr lang="pt-BR" dirty="0" smtClean="0"/>
               </a:p>
               <a:p>
                 <a:r>
@@ -10732,20 +10427,12 @@
                   <a:t>superfície </a:t>
                 </a:r>
                 <a:r>
-                  <a:rPr lang="pt-BR" dirty="0" smtClean="0"/>
-                  <a:t>(também chamada </a:t>
-                </a:r>
-                <a:r>
                   <a:rPr lang="pt-BR" dirty="0"/>
-                  <a:t>de </a:t>
-                </a:r>
-                <a:r>
-                  <a:rPr lang="pt-BR" b="1" i="1" dirty="0" smtClean="0"/>
-                  <a:t>superfície </a:t>
+                  <a:t>(também chamada de </a:t>
                 </a:r>
                 <a:r>
                   <a:rPr lang="pt-BR" b="1" i="1" dirty="0"/>
-                  <a:t>de separação</a:t>
+                  <a:t>superfície de separação</a:t>
                 </a:r>
                 <a:r>
                   <a:rPr lang="pt-BR" dirty="0"/>
@@ -10764,14 +10451,14 @@
                   <a:t>espaço de atributos </a:t>
                 </a:r>
                 <a:r>
-                  <a:rPr lang="pt-BR" dirty="0" smtClean="0"/>
+                  <a:rPr lang="pt-BR" dirty="0"/>
                   <a:t>que separa as classes de forma ótima.</a:t>
                 </a:r>
               </a:p>
             </p:txBody>
           </p:sp>
         </mc:Choice>
-        <mc:Fallback>
+        <mc:Fallback xmlns="">
           <p:sp>
             <p:nvSpPr>
               <p:cNvPr id="3" name="Content Placeholder 2"/>
@@ -10862,14 +10549,13 @@
           <a:p>
             <a:pPr algn="ctr"/>
             <a:r>
-              <a:rPr lang="pt-BR" sz="1400" b="1" dirty="0" smtClean="0"/>
+              <a:rPr lang="pt-BR" sz="1400" b="1" dirty="0"/>
               <a:t>Fronteira de decisão</a:t>
             </a:r>
             <a:r>
-              <a:rPr lang="pt-BR" sz="1400" dirty="0" smtClean="0"/>
+              <a:rPr lang="pt-BR" sz="1400" dirty="0"/>
               <a:t>: no caso deste exemplo, ela é uma reta.</a:t>
             </a:r>
-            <a:endParaRPr lang="pt-BR" sz="1400" dirty="0"/>
           </a:p>
         </p:txBody>
       </p:sp>
@@ -11109,7 +10795,7 @@
           <a:lstStyle/>
           <a:p>
             <a:r>
-              <a:rPr lang="pt-BR" dirty="0" smtClean="0"/>
+              <a:rPr lang="pt-BR" dirty="0"/>
               <a:t>As </a:t>
             </a:r>
             <a:r>
@@ -11134,13 +10820,8 @@
             </a:r>
             <a:r>
               <a:rPr lang="pt-BR" dirty="0"/>
-              <a:t> (e.g., </a:t>
+              <a:t> (e.g., círculos e elipses).</a:t>
             </a:r>
-            <a:r>
-              <a:rPr lang="pt-BR" dirty="0" smtClean="0"/>
-              <a:t>círculos e elipses).</a:t>
-            </a:r>
-            <a:endParaRPr lang="pt-BR" dirty="0"/>
           </a:p>
           <a:p>
             <a:r>
@@ -11204,10 +10885,9 @@
               <a:t>multi-classes</a:t>
             </a:r>
             <a:r>
-              <a:rPr lang="pt-BR" dirty="0" smtClean="0"/>
+              <a:rPr lang="pt-BR" dirty="0"/>
               <a:t>.</a:t>
             </a:r>
-            <a:endParaRPr lang="pt-BR" dirty="0"/>
           </a:p>
         </p:txBody>
       </p:sp>
@@ -11349,15 +11029,14 @@
           <a:lstStyle/>
           <a:p>
             <a:r>
-              <a:rPr lang="pt-BR" dirty="0" smtClean="0"/>
+              <a:rPr lang="pt-BR" dirty="0"/>
               <a:t>Funções discriminantes lineares</a:t>
             </a:r>
-            <a:endParaRPr lang="pt-BR" dirty="0"/>
           </a:p>
         </p:txBody>
       </p:sp>
-      <mc:AlternateContent xmlns:mc="http://schemas.openxmlformats.org/markup-compatibility/2006">
-        <mc:Choice xmlns:a14="http://schemas.microsoft.com/office/drawing/2010/main" Requires="a14">
+      <mc:AlternateContent xmlns:mc="http://schemas.openxmlformats.org/markup-compatibility/2006" xmlns:a14="http://schemas.microsoft.com/office/drawing/2010/main">
+        <mc:Choice Requires="a14">
           <p:sp>
             <p:nvSpPr>
               <p:cNvPr id="3" name="Content Placeholder 2"/>
@@ -11381,7 +11060,7 @@
               <a:lstStyle/>
               <a:p>
                 <a:r>
-                  <a:rPr lang="pt-BR" dirty="0" smtClean="0"/>
+                  <a:rPr lang="pt-BR" dirty="0"/>
                   <a:t>Em geral, uma </a:t>
                 </a:r>
                 <a:r>
@@ -11390,11 +11069,7 @@
                 </a:r>
                 <a:r>
                   <a:rPr lang="pt-BR" dirty="0"/>
-                  <a:t>pode ser escrita </a:t>
-                </a:r>
-                <a:r>
-                  <a:rPr lang="pt-BR" dirty="0" smtClean="0"/>
-                  <a:t>da seguinte forma</a:t>
+                  <a:t>pode ser escrita da seguinte forma</a:t>
                 </a:r>
               </a:p>
               <a:p>
@@ -11675,7 +11350,7 @@
                     </m:oMath>
                   </m:oMathPara>
                 </a14:m>
-                <a:endParaRPr lang="pt-BR" dirty="0" smtClean="0"/>
+                <a:endParaRPr lang="pt-BR" dirty="0"/>
               </a:p>
               <a:p>
                 <a:pPr marL="0" indent="0">
@@ -11683,30 +11358,14 @@
                 </a:pPr>
                 <a:r>
                   <a:rPr lang="pt-BR" dirty="0"/>
-                  <a:t>q</a:t>
+                  <a:t>que nada mais é do que uma </a:t>
                 </a:r>
                 <a:r>
-                  <a:rPr lang="pt-BR" dirty="0" smtClean="0"/>
-                  <a:t>ue nada mais é do que uma </a:t>
+                  <a:rPr lang="pt-BR" b="1" i="1" dirty="0"/>
+                  <a:t>combinação linear dos atributos em relação aos pesos</a:t>
                 </a:r>
                 <a:r>
-                  <a:rPr lang="pt-BR" b="1" i="1" dirty="0" smtClean="0"/>
-                  <a:t>combinação linear </a:t>
-                </a:r>
-                <a:r>
-                  <a:rPr lang="pt-BR" b="1" i="1" dirty="0" smtClean="0"/>
-                  <a:t>dos atributos em relação aos</a:t>
-                </a:r>
-                <a:r>
-                  <a:rPr lang="pt-BR" b="1" i="1" dirty="0" smtClean="0"/>
-                  <a:t> </a:t>
-                </a:r>
-                <a:r>
-                  <a:rPr lang="pt-BR" b="1" i="1" dirty="0" smtClean="0"/>
-                  <a:t>pesos</a:t>
-                </a:r>
-                <a:r>
-                  <a:rPr lang="pt-BR" dirty="0" smtClean="0"/>
+                  <a:rPr lang="pt-BR" dirty="0"/>
                   <a:t>, assim como nós vimos em regressão linear.</a:t>
                 </a:r>
               </a:p>
@@ -11739,23 +11398,23 @@
                   </m:oMath>
                 </a14:m>
                 <a:r>
-                  <a:rPr lang="pt-BR" dirty="0" smtClean="0"/>
+                  <a:rPr lang="pt-BR" dirty="0"/>
                   <a:t> também pode ser vista como um </a:t>
                 </a:r>
                 <a:r>
-                  <a:rPr lang="pt-BR" b="1" i="1" dirty="0" smtClean="0"/>
+                  <a:rPr lang="pt-BR" b="1" i="1" dirty="0"/>
                   <a:t>hiperplano</a:t>
                 </a:r>
                 <a:r>
-                  <a:rPr lang="pt-BR" dirty="0" smtClean="0"/>
+                  <a:rPr lang="pt-BR" dirty="0"/>
                   <a:t> que separa as classes. Um </a:t>
                 </a:r>
                 <a:r>
-                  <a:rPr lang="pt-BR" b="1" i="1" dirty="0" smtClean="0"/>
+                  <a:rPr lang="pt-BR" b="1" i="1" dirty="0"/>
                   <a:t>hiperplano</a:t>
                 </a:r>
                 <a:r>
-                  <a:rPr lang="pt-BR" dirty="0" smtClean="0"/>
+                  <a:rPr lang="pt-BR" dirty="0"/>
                   <a:t> pode ser 1 ponto em 1D, uma reta em 2D, um plano em 3D, etc.</a:t>
                 </a:r>
               </a:p>
@@ -11765,7 +11424,7 @@
                   <a:buChar char="§"/>
                 </a:pPr>
                 <a:r>
-                  <a:rPr lang="pt-BR" dirty="0" smtClean="0"/>
+                  <a:rPr lang="pt-BR" dirty="0"/>
                   <a:t>O coeficiente </a:t>
                 </a:r>
                 <a14:m>
@@ -11798,15 +11457,15 @@
                   </m:oMath>
                 </a14:m>
                 <a:r>
-                  <a:rPr lang="pt-BR" dirty="0" smtClean="0"/>
+                  <a:rPr lang="pt-BR" dirty="0"/>
                   <a:t> (</a:t>
                 </a:r>
                 <a:r>
-                  <a:rPr lang="pt-BR" b="1" i="1" dirty="0" smtClean="0"/>
+                  <a:rPr lang="pt-BR" b="1" i="1" dirty="0"/>
                   <a:t>bias</a:t>
                 </a:r>
                 <a:r>
-                  <a:rPr lang="pt-BR" dirty="0" smtClean="0"/>
+                  <a:rPr lang="pt-BR" dirty="0"/>
                   <a:t>) dá o deslocamento com relação à origem.</a:t>
                 </a:r>
               </a:p>
@@ -11816,40 +11475,31 @@
                   <a:buChar char="§"/>
                 </a:pPr>
                 <a:r>
-                  <a:rPr lang="pt-BR" dirty="0" smtClean="0"/>
+                  <a:rPr lang="pt-BR" dirty="0"/>
                   <a:t>E o restante dos pesos determina a orientação do </a:t>
                 </a:r>
                 <a:r>
-                  <a:rPr lang="pt-BR" b="1" i="1" dirty="0" smtClean="0"/>
+                  <a:rPr lang="pt-BR" b="1" i="1" dirty="0"/>
                   <a:t>hiperplano</a:t>
                 </a:r>
                 <a:r>
-                  <a:rPr lang="pt-BR" dirty="0" smtClean="0"/>
+                  <a:rPr lang="pt-BR" dirty="0"/>
                   <a:t>.</a:t>
                 </a:r>
               </a:p>
               <a:p>
                 <a:r>
-                  <a:rPr lang="pt-BR" dirty="0" smtClean="0"/>
-                  <a:t>O objetivo é </a:t>
+                  <a:rPr lang="pt-BR" dirty="0"/>
+                  <a:t>O objetivo é encontrar os pesos da </a:t>
                 </a:r>
                 <a:r>
-                  <a:rPr lang="pt-BR" dirty="0" smtClean="0"/>
-                  <a:t>encontrar os pesos da </a:t>
-                </a:r>
-                <a:r>
-                  <a:rPr lang="pt-BR" b="1" i="1" dirty="0" smtClean="0"/>
+                  <a:rPr lang="pt-BR" b="1" i="1" dirty="0"/>
                   <a:t>função discriminante </a:t>
                 </a:r>
                 <a:r>
-                  <a:rPr lang="pt-BR" dirty="0" smtClean="0"/>
-                  <a:t>de tal forma </a:t>
+                  <a:rPr lang="pt-BR" dirty="0"/>
+                  <a:t>de tal forma que que a classe escolhida seja:</a:t>
                 </a:r>
-                <a:r>
-                  <a:rPr lang="pt-BR" dirty="0" smtClean="0"/>
-                  <a:t>que que a classe escolhida seja:</a:t>
-                </a:r>
-                <a:endParaRPr lang="pt-BR" dirty="0" smtClean="0"/>
               </a:p>
               <a:p>
                 <a:pPr marL="0" indent="0">
@@ -12109,19 +11759,19 @@
                     </m:oMath>
                   </m:oMathPara>
                 </a14:m>
-                <a:endParaRPr lang="pt-BR" dirty="0" smtClean="0"/>
+                <a:endParaRPr lang="pt-BR" dirty="0"/>
               </a:p>
               <a:p>
                 <a:r>
-                  <a:rPr lang="pt-BR" dirty="0" smtClean="0"/>
+                  <a:rPr lang="pt-BR" dirty="0"/>
                   <a:t>OBS.: Como vimos anteriormente, podemos ter também </a:t>
                 </a:r>
                 <a:r>
-                  <a:rPr lang="pt-BR" b="1" i="1" dirty="0" smtClean="0"/>
+                  <a:rPr lang="pt-BR" b="1" i="1" dirty="0"/>
                   <a:t>funções discriminates não-lineares em relação aos atributos</a:t>
                 </a:r>
                 <a:r>
-                  <a:rPr lang="pt-BR" dirty="0" smtClean="0"/>
+                  <a:rPr lang="pt-BR" dirty="0"/>
                   <a:t>, e.g., </a:t>
                 </a:r>
                 <a14:m>
@@ -12261,7 +11911,7 @@
                   </m:oMath>
                 </a14:m>
                 <a:r>
-                  <a:rPr lang="pt-BR" dirty="0" smtClean="0"/>
+                  <a:rPr lang="pt-BR" dirty="0"/>
                   <a:t> (eq. de um círculo centrado na origem, onde   </a:t>
                 </a:r>
                 <a14:m>
@@ -12325,15 +11975,14 @@
                   </m:oMath>
                 </a14:m>
                 <a:r>
-                  <a:rPr lang="pt-BR" dirty="0" smtClean="0"/>
+                  <a:rPr lang="pt-BR" dirty="0"/>
                   <a:t>).</a:t>
                 </a:r>
-                <a:endParaRPr lang="pt-BR" dirty="0"/>
               </a:p>
             </p:txBody>
           </p:sp>
         </mc:Choice>
-        <mc:Fallback>
+        <mc:Fallback xmlns="">
           <p:sp>
             <p:nvSpPr>
               <p:cNvPr id="3" name="Content Placeholder 2"/>
@@ -12425,18 +12074,9 @@
               <a:defRPr/>
             </a:pPr>
             <a:r>
-              <a:rPr lang="pt-BR" sz="1400" dirty="0" smtClean="0"/>
-              <a:t>Indeterminação: empate </a:t>
+              <a:rPr lang="pt-BR" sz="1400" dirty="0"/>
+              <a:t>Indeterminação: empate entre as classes.</a:t>
             </a:r>
-            <a:r>
-              <a:rPr lang="pt-BR" sz="1400" dirty="0"/>
-              <a:t>entre </a:t>
-            </a:r>
-            <a:r>
-              <a:rPr lang="pt-BR" sz="1400" dirty="0" smtClean="0"/>
-              <a:t>as classes.</a:t>
-            </a:r>
-            <a:endParaRPr lang="pt-BR" sz="1400" dirty="0"/>
           </a:p>
         </p:txBody>
       </p:sp>
@@ -12486,13 +12126,6 @@
   <p:clrMapOvr>
     <a:masterClrMapping/>
   </p:clrMapOvr>
-  <p:timing>
-    <p:tnLst>
-      <p:par>
-        <p:cTn id="1" dur="indefinite" restart="never" nodeType="tmRoot"/>
-      </p:par>
-    </p:tnLst>
-  </p:timing>
 </p:sld>
 </file>
 
@@ -12536,7 +12169,7 @@
               <a:lstStyle/>
               <a:p>
                 <a:r>
-                  <a:rPr lang="pt-BR" dirty="0" smtClean="0"/>
+                  <a:rPr lang="pt-BR" dirty="0"/>
                   <a:t>Exemplo: Encontrando os pesos da função discriminante, </a:t>
                 </a:r>
                 <a14:m>
@@ -12635,13 +12268,13 @@
               <a:lstStyle/>
               <a:p>
                 <a:r>
-                  <a:rPr lang="pt-BR" dirty="0" smtClean="0"/>
+                  <a:rPr lang="pt-BR" dirty="0"/>
                   <a:t>Analisem a figura.</a:t>
                 </a:r>
               </a:p>
               <a:p>
                 <a:r>
-                  <a:rPr lang="pt-BR" dirty="0" smtClean="0"/>
+                  <a:rPr lang="pt-BR" dirty="0"/>
                   <a:t>Temos 2 classes, 2 atributos, </a:t>
                 </a:r>
                 <a14:m>
@@ -12674,7 +12307,7 @@
                   </m:oMath>
                 </a14:m>
                 <a:r>
-                  <a:rPr lang="pt-BR" dirty="0" smtClean="0"/>
+                  <a:rPr lang="pt-BR" dirty="0"/>
                   <a:t> e </a:t>
                 </a:r>
                 <a14:m>
@@ -12707,15 +12340,15 @@
                   </m:oMath>
                 </a14:m>
                 <a:r>
-                  <a:rPr lang="pt-BR" dirty="0" smtClean="0"/>
+                  <a:rPr lang="pt-BR" dirty="0"/>
                   <a:t>, e queremos encontrar uma </a:t>
                 </a:r>
                 <a:r>
-                  <a:rPr lang="pt-BR" b="1" i="1" dirty="0" smtClean="0"/>
+                  <a:rPr lang="pt-BR" b="1" i="1" dirty="0"/>
                   <a:t>função discriminate</a:t>
                 </a:r>
                 <a:r>
-                  <a:rPr lang="pt-BR" dirty="0" smtClean="0"/>
+                  <a:rPr lang="pt-BR" dirty="0"/>
                   <a:t>, </a:t>
                 </a:r>
                 <a14:m>
@@ -12746,28 +12379,28 @@
                   </m:oMath>
                 </a14:m>
                 <a:r>
-                  <a:rPr lang="pt-BR" dirty="0" smtClean="0"/>
+                  <a:rPr lang="pt-BR" dirty="0"/>
                   <a:t>, que as separe.</a:t>
                 </a:r>
               </a:p>
               <a:p>
                 <a:r>
-                  <a:rPr lang="pt-BR" dirty="0" smtClean="0"/>
+                  <a:rPr lang="pt-BR" dirty="0"/>
                   <a:t>Qual formato deve ter esta </a:t>
                 </a:r>
                 <a:r>
-                  <a:rPr lang="pt-BR" b="1" i="1" dirty="0" smtClean="0"/>
+                  <a:rPr lang="pt-BR" b="1" i="1" dirty="0"/>
                   <a:t>função discriminante</a:t>
                 </a:r>
                 <a:r>
-                  <a:rPr lang="pt-BR" dirty="0" smtClean="0"/>
+                  <a:rPr lang="pt-BR" dirty="0"/>
                   <a:t>?</a:t>
                 </a:r>
               </a:p>
               <a:p>
                 <a:pPr lvl="1"/>
                 <a:r>
-                  <a:rPr lang="pt-BR" dirty="0" smtClean="0"/>
+                  <a:rPr lang="pt-BR" dirty="0"/>
                   <a:t>O formato mais simples (navalha de Occam) é o de uma reta.</a:t>
                 </a:r>
               </a:p>
@@ -13845,10 +13478,9 @@
             <a:lstStyle/>
             <a:p>
               <a:r>
-                <a:rPr lang="pt-BR" sz="1200" dirty="0" smtClean="0"/>
+                <a:rPr lang="pt-BR" sz="1200" dirty="0"/>
                 <a:t>0</a:t>
               </a:r>
-              <a:endParaRPr lang="pt-BR" sz="1200" dirty="0"/>
             </a:p>
           </p:txBody>
         </p:sp>
@@ -13875,10 +13507,9 @@
             <a:lstStyle/>
             <a:p>
               <a:r>
-                <a:rPr lang="pt-BR" sz="1200" dirty="0" smtClean="0"/>
+                <a:rPr lang="pt-BR" sz="1200" dirty="0"/>
                 <a:t>1</a:t>
               </a:r>
-              <a:endParaRPr lang="pt-BR" sz="1200" dirty="0"/>
             </a:p>
           </p:txBody>
         </p:sp>
@@ -13963,10 +13594,9 @@
             <a:lstStyle/>
             <a:p>
               <a:r>
-                <a:rPr lang="pt-BR" sz="1200" dirty="0" smtClean="0"/>
+                <a:rPr lang="pt-BR" sz="1200" dirty="0"/>
                 <a:t>4</a:t>
               </a:r>
-              <a:endParaRPr lang="pt-BR" sz="1200" dirty="0"/>
             </a:p>
           </p:txBody>
         </p:sp>
@@ -13993,10 +13623,9 @@
             <a:lstStyle/>
             <a:p>
               <a:r>
-                <a:rPr lang="pt-BR" sz="1200" dirty="0" smtClean="0"/>
+                <a:rPr lang="pt-BR" sz="1200" dirty="0"/>
                 <a:t>1</a:t>
               </a:r>
-              <a:endParaRPr lang="pt-BR" sz="1200" dirty="0"/>
             </a:p>
           </p:txBody>
         </p:sp>
@@ -14023,10 +13652,9 @@
             <a:lstStyle/>
             <a:p>
               <a:r>
-                <a:rPr lang="pt-BR" sz="1200" dirty="0" smtClean="0"/>
+                <a:rPr lang="pt-BR" sz="1200" dirty="0"/>
                 <a:t>2</a:t>
               </a:r>
-              <a:endParaRPr lang="pt-BR" sz="1200" dirty="0"/>
             </a:p>
           </p:txBody>
         </p:sp>
@@ -14082,10 +13710,9 @@
             <a:lstStyle/>
             <a:p>
               <a:r>
-                <a:rPr lang="pt-BR" sz="1200" dirty="0" smtClean="0"/>
+                <a:rPr lang="pt-BR" sz="1200" dirty="0"/>
                 <a:t>4</a:t>
               </a:r>
-              <a:endParaRPr lang="pt-BR" sz="1200" dirty="0"/>
             </a:p>
           </p:txBody>
         </p:sp>
@@ -15078,13 +14705,6 @@
   <p:clrMapOvr>
     <a:masterClrMapping/>
   </p:clrMapOvr>
-  <p:timing>
-    <p:tnLst>
-      <p:par>
-        <p:cTn id="1" dur="indefinite" restart="never" nodeType="tmRoot"/>
-      </p:par>
-    </p:tnLst>
-  </p:timing>
 </p:sld>
 </file>
 
@@ -15128,7 +14748,7 @@
               <a:lstStyle/>
               <a:p>
                 <a:r>
-                  <a:rPr lang="pt-BR" dirty="0" smtClean="0"/>
+                  <a:rPr lang="pt-BR" dirty="0"/>
                   <a:t>Exemplo: Encontrando os pesos da função discriminante, </a:t>
                 </a:r>
                 <a14:m>
@@ -15227,21 +14847,21 @@
               <a:lstStyle/>
               <a:p>
                 <a:r>
-                  <a:rPr lang="pt-BR" dirty="0" smtClean="0"/>
+                  <a:rPr lang="pt-BR" dirty="0"/>
                   <a:t>Visualmente, traçamos uma reta em uma posição que separe as classes da melhor forma possível.</a:t>
                 </a:r>
               </a:p>
               <a:p>
                 <a:r>
-                  <a:rPr lang="pt-BR" dirty="0" smtClean="0"/>
+                  <a:rPr lang="pt-BR" dirty="0"/>
                   <a:t>A </a:t>
                 </a:r>
                 <a:r>
-                  <a:rPr lang="pt-BR" b="1" i="1" dirty="0" smtClean="0"/>
+                  <a:rPr lang="pt-BR" b="1" i="1" dirty="0"/>
                   <a:t>função discriminante </a:t>
                 </a:r>
                 <a:r>
-                  <a:rPr lang="pt-BR" dirty="0" smtClean="0"/>
+                  <a:rPr lang="pt-BR" dirty="0"/>
                   <a:t>que representa esta reta é definida como</a:t>
                 </a:r>
               </a:p>
@@ -15424,30 +15044,29 @@
                     </m:oMath>
                   </m:oMathPara>
                 </a14:m>
-                <a:endParaRPr lang="pt-BR" dirty="0" smtClean="0"/>
+                <a:endParaRPr lang="pt-BR" dirty="0"/>
               </a:p>
               <a:p>
                 <a:r>
-                  <a:rPr lang="pt-BR" dirty="0" smtClean="0"/>
+                  <a:rPr lang="pt-BR" dirty="0"/>
                   <a:t>Agora que definimos uma função e sua posição no gráfico, precisamos encontrar os </a:t>
                 </a:r>
                 <a:r>
-                  <a:rPr lang="pt-BR" b="1" i="1" dirty="0" smtClean="0"/>
+                  <a:rPr lang="pt-BR" b="1" i="1" dirty="0"/>
                   <a:t>pesos</a:t>
                 </a:r>
                 <a:r>
-                  <a:rPr lang="pt-BR" dirty="0" smtClean="0"/>
+                  <a:rPr lang="pt-BR" dirty="0"/>
                   <a:t> e as </a:t>
                 </a:r>
                 <a:r>
-                  <a:rPr lang="pt-BR" b="1" i="1" dirty="0" smtClean="0"/>
+                  <a:rPr lang="pt-BR" b="1" i="1" dirty="0"/>
                   <a:t>regiões de decisão</a:t>
                 </a:r>
                 <a:r>
-                  <a:rPr lang="pt-BR" dirty="0" smtClean="0"/>
+                  <a:rPr lang="pt-BR" dirty="0"/>
                   <a:t>.</a:t>
                 </a:r>
-                <a:endParaRPr lang="pt-BR" dirty="0"/>
               </a:p>
             </p:txBody>
           </p:sp>
@@ -16988,10 +16607,9 @@
             <a:lstStyle/>
             <a:p>
               <a:r>
-                <a:rPr lang="pt-BR" sz="1200" dirty="0" smtClean="0"/>
+                <a:rPr lang="pt-BR" sz="1200" dirty="0"/>
                 <a:t>0</a:t>
               </a:r>
-              <a:endParaRPr lang="pt-BR" sz="1200" dirty="0"/>
             </a:p>
           </p:txBody>
         </p:sp>
@@ -17018,10 +16636,9 @@
             <a:lstStyle/>
             <a:p>
               <a:r>
-                <a:rPr lang="pt-BR" sz="1200" dirty="0" smtClean="0"/>
+                <a:rPr lang="pt-BR" sz="1200" dirty="0"/>
                 <a:t>1</a:t>
               </a:r>
-              <a:endParaRPr lang="pt-BR" sz="1200" dirty="0"/>
             </a:p>
           </p:txBody>
         </p:sp>
@@ -17106,10 +16723,9 @@
             <a:lstStyle/>
             <a:p>
               <a:r>
-                <a:rPr lang="pt-BR" sz="1200" dirty="0" smtClean="0"/>
+                <a:rPr lang="pt-BR" sz="1200" dirty="0"/>
                 <a:t>4</a:t>
               </a:r>
-              <a:endParaRPr lang="pt-BR" sz="1200" dirty="0"/>
             </a:p>
           </p:txBody>
         </p:sp>
@@ -17136,10 +16752,9 @@
             <a:lstStyle/>
             <a:p>
               <a:r>
-                <a:rPr lang="pt-BR" sz="1200" dirty="0" smtClean="0"/>
+                <a:rPr lang="pt-BR" sz="1200" dirty="0"/>
                 <a:t>1</a:t>
               </a:r>
-              <a:endParaRPr lang="pt-BR" sz="1200" dirty="0"/>
             </a:p>
           </p:txBody>
         </p:sp>
@@ -17166,10 +16781,9 @@
             <a:lstStyle/>
             <a:p>
               <a:r>
-                <a:rPr lang="pt-BR" sz="1200" dirty="0" smtClean="0"/>
+                <a:rPr lang="pt-BR" sz="1200" dirty="0"/>
                 <a:t>2</a:t>
               </a:r>
-              <a:endParaRPr lang="pt-BR" sz="1200" dirty="0"/>
             </a:p>
           </p:txBody>
         </p:sp>
@@ -17225,10 +16839,9 @@
             <a:lstStyle/>
             <a:p>
               <a:r>
-                <a:rPr lang="pt-BR" sz="1200" dirty="0" smtClean="0"/>
+                <a:rPr lang="pt-BR" sz="1200" dirty="0"/>
                 <a:t>4</a:t>
               </a:r>
-              <a:endParaRPr lang="pt-BR" sz="1200" dirty="0"/>
             </a:p>
           </p:txBody>
         </p:sp>
@@ -18390,13 +18003,6 @@
   <p:clrMapOvr>
     <a:masterClrMapping/>
   </p:clrMapOvr>
-  <p:timing>
-    <p:tnLst>
-      <p:par>
-        <p:cTn id="1" dur="indefinite" restart="never" nodeType="tmRoot"/>
-      </p:par>
-    </p:tnLst>
-  </p:timing>
 </p:sld>
 </file>
 
@@ -18433,10 +18039,9 @@
           <a:lstStyle/>
           <a:p>
             <a:r>
-              <a:rPr lang="pt-BR" dirty="0" smtClean="0"/>
+              <a:rPr lang="pt-BR" dirty="0"/>
               <a:t>A disciplina</a:t>
             </a:r>
-            <a:endParaRPr lang="pt-BR" dirty="0"/>
           </a:p>
         </p:txBody>
       </p:sp>
@@ -18463,50 +18068,34 @@
           <a:lstStyle/>
           <a:p>
             <a:r>
-              <a:rPr lang="pt-BR" dirty="0" smtClean="0"/>
+              <a:rPr lang="pt-BR" dirty="0"/>
               <a:t>Continuação de </a:t>
             </a:r>
             <a:r>
-              <a:rPr lang="pt-BR" b="1" i="1" dirty="0" smtClean="0"/>
-              <a:t>T319 </a:t>
+              <a:rPr lang="pt-BR" b="1" i="1" dirty="0"/>
+              <a:t>T319 - Introdução ao Aprendizado de Máquina I</a:t>
             </a:r>
             <a:r>
-              <a:rPr lang="pt-BR" b="1" i="1" dirty="0"/>
-              <a:t>- Introdução ao Aprendizado de Máquina </a:t>
-            </a:r>
-            <a:r>
-              <a:rPr lang="pt-BR" b="1" i="1" dirty="0" smtClean="0"/>
-              <a:t>I</a:t>
-            </a:r>
-            <a:r>
-              <a:rPr lang="pt-BR" dirty="0" smtClean="0"/>
+              <a:rPr lang="pt-BR" dirty="0"/>
               <a:t>.</a:t>
             </a:r>
           </a:p>
           <a:p>
             <a:r>
-              <a:rPr lang="pt-BR" b="1" i="1" dirty="0" smtClean="0"/>
+              <a:rPr lang="pt-BR" b="1" i="1" dirty="0"/>
               <a:t>Curso introdutório</a:t>
             </a:r>
             <a:r>
-              <a:rPr lang="pt-BR" dirty="0" smtClean="0"/>
+              <a:rPr lang="pt-BR" dirty="0"/>
               <a:t> onde veremos os conceitos básicos de funcionamento dos seguintes algoritmos de </a:t>
             </a:r>
             <a:r>
-              <a:rPr lang="pt-BR" b="1" i="1" dirty="0" smtClean="0"/>
-              <a:t>machine </a:t>
-            </a:r>
-            <a:r>
               <a:rPr lang="pt-BR" b="1" i="1" dirty="0"/>
-              <a:t>learning</a:t>
+              <a:t>machine learning</a:t>
             </a:r>
             <a:r>
               <a:rPr lang="pt-BR" dirty="0"/>
-              <a:t> </a:t>
-            </a:r>
-            <a:r>
-              <a:rPr lang="pt-BR" dirty="0" smtClean="0"/>
-              <a:t>(ML):</a:t>
+              <a:t> (ML):</a:t>
             </a:r>
           </a:p>
           <a:p>
@@ -18515,7 +18104,7 @@
               <a:buChar char="§"/>
             </a:pPr>
             <a:r>
-              <a:rPr lang="pt-BR" dirty="0" smtClean="0"/>
+              <a:rPr lang="pt-BR" dirty="0"/>
               <a:t>Classificadores</a:t>
             </a:r>
           </a:p>
@@ -18525,7 +18114,7 @@
               <a:buChar char="o"/>
             </a:pPr>
             <a:r>
-              <a:rPr lang="pt-BR" dirty="0" smtClean="0"/>
+              <a:rPr lang="pt-BR" dirty="0"/>
               <a:t>Regressão Logística</a:t>
             </a:r>
           </a:p>
@@ -18535,7 +18124,7 @@
               <a:buChar char="o"/>
             </a:pPr>
             <a:r>
-              <a:rPr lang="pt-BR" dirty="0" smtClean="0"/>
+              <a:rPr lang="pt-BR" dirty="0"/>
               <a:t>Regressão Softmax</a:t>
             </a:r>
           </a:p>
@@ -18545,7 +18134,7 @@
               <a:buChar char="§"/>
             </a:pPr>
             <a:r>
-              <a:rPr lang="pt-BR" dirty="0" smtClean="0"/>
+              <a:rPr lang="pt-BR" dirty="0"/>
               <a:t>Redes Neurais</a:t>
             </a:r>
           </a:p>
@@ -18555,7 +18144,7 @@
               <a:buChar char="§"/>
             </a:pPr>
             <a:r>
-              <a:rPr lang="pt-BR" dirty="0" smtClean="0"/>
+              <a:rPr lang="pt-BR" dirty="0"/>
               <a:t>Clustering</a:t>
             </a:r>
           </a:p>
@@ -18566,32 +18155,28 @@
             </a:pPr>
             <a:r>
               <a:rPr lang="pt-BR" dirty="0"/>
-              <a:t>k</a:t>
-            </a:r>
-            <a:r>
-              <a:rPr lang="pt-BR" dirty="0" smtClean="0"/>
-              <a:t>-Means</a:t>
+              <a:t>k-Means</a:t>
             </a:r>
           </a:p>
           <a:p>
             <a:r>
-              <a:rPr lang="pt-BR" dirty="0" smtClean="0"/>
+              <a:rPr lang="pt-BR" dirty="0"/>
               <a:t>O curso terá sempre uma parte </a:t>
             </a:r>
             <a:r>
-              <a:rPr lang="pt-BR" b="1" i="1" dirty="0" smtClean="0"/>
+              <a:rPr lang="pt-BR" b="1" i="1" dirty="0"/>
               <a:t>expositiva</a:t>
             </a:r>
             <a:r>
-              <a:rPr lang="pt-BR" dirty="0" smtClean="0"/>
+              <a:rPr lang="pt-BR" dirty="0"/>
               <a:t> e outra </a:t>
             </a:r>
             <a:r>
-              <a:rPr lang="pt-BR" b="1" i="1" dirty="0" smtClean="0"/>
+              <a:rPr lang="pt-BR" b="1" i="1" dirty="0"/>
               <a:t>prática</a:t>
             </a:r>
             <a:r>
-              <a:rPr lang="pt-BR" dirty="0" smtClean="0"/>
+              <a:rPr lang="pt-BR" dirty="0"/>
               <a:t> para fixação dos conceitos introduzidos.</a:t>
             </a:r>
           </a:p>
@@ -18601,7 +18186,7 @@
               <a:buChar char="§"/>
             </a:pPr>
             <a:r>
-              <a:rPr lang="pt-BR" dirty="0" smtClean="0"/>
+              <a:rPr lang="pt-BR" dirty="0"/>
               <a:t> Quizzes e exercícios envolvendo o uso dos algoritmos discutidos.</a:t>
             </a:r>
           </a:p>
@@ -18662,7 +18247,7 @@
               <a:lstStyle/>
               <a:p>
                 <a:r>
-                  <a:rPr lang="pt-BR" dirty="0" smtClean="0"/>
+                  <a:rPr lang="pt-BR" dirty="0"/>
                   <a:t>Exemplo: Encontrando os pesos da função discriminante, </a:t>
                 </a:r>
                 <a14:m>
@@ -18761,7 +18346,7 @@
               <a:lstStyle/>
               <a:p>
                 <a:r>
-                  <a:rPr lang="pt-BR" dirty="0" smtClean="0"/>
+                  <a:rPr lang="pt-BR" dirty="0"/>
                   <a:t>Temos 3 incógnitas e 3 equações:</a:t>
                 </a:r>
               </a:p>
@@ -18979,7 +18564,7 @@
                     </m:sSub>
                   </m:oMath>
                 </a14:m>
-                <a:endParaRPr lang="pt-BR" dirty="0" smtClean="0"/>
+                <a:endParaRPr lang="pt-BR" dirty="0"/>
               </a:p>
               <a:p>
                 <a:pPr lvl="1">
@@ -19298,7 +18883,7 @@
                     </m:d>
                   </m:oMath>
                 </a14:m>
-                <a:endParaRPr lang="pt-BR" dirty="0" smtClean="0"/>
+                <a:endParaRPr lang="pt-BR" dirty="0"/>
               </a:p>
               <a:p>
                 <a:pPr lvl="1">
@@ -19624,13 +19209,13 @@
                   </m:oMath>
                 </a14:m>
                 <a:r>
-                  <a:rPr lang="pt-BR" dirty="0" smtClean="0"/>
+                  <a:rPr lang="pt-BR" dirty="0"/>
                   <a:t>/2</a:t>
                 </a:r>
               </a:p>
               <a:p>
                 <a:r>
-                  <a:rPr lang="pt-BR" dirty="0" smtClean="0"/>
+                  <a:rPr lang="pt-BR" dirty="0"/>
                   <a:t>Resolvendo o sistema, encontramos </a:t>
                 </a:r>
                 <a14:m>
@@ -19669,7 +19254,7 @@
                   </m:oMath>
                 </a14:m>
                 <a:r>
-                  <a:rPr lang="pt-BR" dirty="0" smtClean="0"/>
+                  <a:rPr lang="pt-BR" dirty="0"/>
                   <a:t>, </a:t>
                 </a:r>
                 <a14:m>
@@ -19714,7 +19299,7 @@
                   </m:oMath>
                 </a14:m>
                 <a:r>
-                  <a:rPr lang="pt-BR" dirty="0" smtClean="0"/>
+                  <a:rPr lang="pt-BR" dirty="0"/>
                   <a:t>, </a:t>
                 </a:r>
                 <a14:m>
@@ -19759,7 +19344,7 @@
                   </m:oMath>
                 </a14:m>
                 <a:r>
-                  <a:rPr lang="pt-BR" dirty="0" smtClean="0"/>
+                  <a:rPr lang="pt-BR" dirty="0"/>
                   <a:t>, então</a:t>
                 </a:r>
               </a:p>
@@ -19869,7 +19454,7 @@
                     </m:sSub>
                   </m:oMath>
                 </a14:m>
-                <a:endParaRPr lang="pt-BR" dirty="0" smtClean="0"/>
+                <a:endParaRPr lang="pt-BR" dirty="0"/>
               </a:p>
             </p:txBody>
           </p:sp>
@@ -19935,7 +19520,7 @@
           <a:p>
             <a:pPr lvl="0"/>
             <a:r>
-              <a:rPr lang="pt-BR" sz="1400" dirty="0" smtClean="0">
+              <a:rPr lang="pt-BR" sz="1400" dirty="0">
                 <a:hlinkClick r:id="rId5"/>
               </a:rPr>
               <a:t>Exemplo: encontrando_pesos_da_função_discriminante.ipynb</a:t>
@@ -21336,10 +20921,9 @@
             <a:lstStyle/>
             <a:p>
               <a:r>
-                <a:rPr lang="pt-BR" sz="1200" dirty="0" smtClean="0"/>
+                <a:rPr lang="pt-BR" sz="1200" dirty="0"/>
                 <a:t>0</a:t>
               </a:r>
-              <a:endParaRPr lang="pt-BR" sz="1200" dirty="0"/>
             </a:p>
           </p:txBody>
         </p:sp>
@@ -21366,10 +20950,9 @@
             <a:lstStyle/>
             <a:p>
               <a:r>
-                <a:rPr lang="pt-BR" sz="1200" dirty="0" smtClean="0"/>
+                <a:rPr lang="pt-BR" sz="1200" dirty="0"/>
                 <a:t>1</a:t>
               </a:r>
-              <a:endParaRPr lang="pt-BR" sz="1200" dirty="0"/>
             </a:p>
           </p:txBody>
         </p:sp>
@@ -21454,10 +21037,9 @@
             <a:lstStyle/>
             <a:p>
               <a:r>
-                <a:rPr lang="pt-BR" sz="1200" dirty="0" smtClean="0"/>
+                <a:rPr lang="pt-BR" sz="1200" dirty="0"/>
                 <a:t>4</a:t>
               </a:r>
-              <a:endParaRPr lang="pt-BR" sz="1200" dirty="0"/>
             </a:p>
           </p:txBody>
         </p:sp>
@@ -21484,10 +21066,9 @@
             <a:lstStyle/>
             <a:p>
               <a:r>
-                <a:rPr lang="pt-BR" sz="1200" dirty="0" smtClean="0"/>
+                <a:rPr lang="pt-BR" sz="1200" dirty="0"/>
                 <a:t>1</a:t>
               </a:r>
-              <a:endParaRPr lang="pt-BR" sz="1200" dirty="0"/>
             </a:p>
           </p:txBody>
         </p:sp>
@@ -21514,10 +21095,9 @@
             <a:lstStyle/>
             <a:p>
               <a:r>
-                <a:rPr lang="pt-BR" sz="1200" dirty="0" smtClean="0"/>
+                <a:rPr lang="pt-BR" sz="1200" dirty="0"/>
                 <a:t>2</a:t>
               </a:r>
-              <a:endParaRPr lang="pt-BR" sz="1200" dirty="0"/>
             </a:p>
           </p:txBody>
         </p:sp>
@@ -21573,10 +21153,9 @@
             <a:lstStyle/>
             <a:p>
               <a:r>
-                <a:rPr lang="pt-BR" sz="1200" dirty="0" smtClean="0"/>
+                <a:rPr lang="pt-BR" sz="1200" dirty="0"/>
                 <a:t>4</a:t>
               </a:r>
-              <a:endParaRPr lang="pt-BR" sz="1200" dirty="0"/>
             </a:p>
           </p:txBody>
         </p:sp>
@@ -22744,13 +22323,6 @@
   <p:clrMapOvr>
     <a:masterClrMapping/>
   </p:clrMapOvr>
-  <p:timing>
-    <p:tnLst>
-      <p:par>
-        <p:cTn id="1" dur="indefinite" restart="never" nodeType="tmRoot"/>
-      </p:par>
-    </p:tnLst>
-  </p:timing>
 </p:sld>
 </file>
 
@@ -22787,10 +22359,9 @@
           <a:lstStyle/>
           <a:p>
             <a:r>
-              <a:rPr lang="pt-BR" dirty="0" smtClean="0"/>
+              <a:rPr lang="pt-BR" dirty="0"/>
               <a:t>Tarefas</a:t>
             </a:r>
-            <a:endParaRPr lang="pt-BR" dirty="0"/>
           </a:p>
         </p:txBody>
       </p:sp>
@@ -22810,47 +22381,39 @@
           <a:lstStyle/>
           <a:p>
             <a:r>
-              <a:rPr lang="pt-BR" b="1" dirty="0" smtClean="0"/>
+              <a:rPr lang="pt-BR" b="1" dirty="0"/>
               <a:t>Quiz</a:t>
             </a:r>
             <a:r>
-              <a:rPr lang="pt-BR" dirty="0" smtClean="0"/>
+              <a:rPr lang="pt-BR" dirty="0"/>
               <a:t>: “</a:t>
             </a:r>
             <a:r>
-              <a:rPr lang="pt-BR" i="1" dirty="0" smtClean="0"/>
-              <a:t>T320 </a:t>
+              <a:rPr lang="pt-BR" i="1" dirty="0"/>
+              <a:t>T320 - Quiz - Classificação (Parte I)</a:t>
             </a:r>
             <a:r>
-              <a:rPr lang="pt-BR" i="1" dirty="0"/>
-              <a:t>- Quiz -</a:t>
-            </a:r>
-            <a:r>
-              <a:rPr lang="pt-BR" i="1" dirty="0" smtClean="0"/>
-              <a:t> Classificação (Parte I)</a:t>
-            </a:r>
-            <a:r>
-              <a:rPr lang="pt-BR" dirty="0" smtClean="0"/>
+              <a:rPr lang="pt-BR" dirty="0"/>
               <a:t>” que se encontra no MS Teams.</a:t>
             </a:r>
           </a:p>
           <a:p>
             <a:r>
-              <a:rPr lang="pt-BR" b="1" dirty="0" smtClean="0"/>
+              <a:rPr lang="pt-BR" b="1" dirty="0"/>
               <a:t>Exercício Prático</a:t>
             </a:r>
             <a:r>
-              <a:rPr lang="pt-BR" dirty="0" smtClean="0"/>
+              <a:rPr lang="pt-BR" dirty="0"/>
               <a:t>: </a:t>
             </a:r>
             <a:r>
-              <a:rPr lang="pt-BR" b="1" dirty="0" smtClean="0">
+              <a:rPr lang="pt-BR" b="1" dirty="0">
                 <a:hlinkClick r:id="rId3"/>
               </a:rPr>
               <a:t>Laboratório #1</a:t>
             </a:r>
             <a:r>
-              <a:rPr lang="pt-BR" dirty="0" smtClean="0"/>
+              <a:rPr lang="pt-BR" dirty="0"/>
               <a:t>.</a:t>
             </a:r>
           </a:p>
@@ -22878,12 +22441,8 @@
               <a:buChar char="§"/>
             </a:pPr>
             <a:r>
-              <a:rPr lang="pt-BR" dirty="0" smtClean="0"/>
-              <a:t>Se </a:t>
-            </a:r>
-            <a:r>
               <a:rPr lang="pt-BR" dirty="0"/>
-              <a:t>atentem aos prazos de entrega.</a:t>
+              <a:t>Se atentem aos prazos de entrega.</a:t>
             </a:r>
           </a:p>
           <a:p>
@@ -22928,13 +22487,6 @@
   <p:clrMapOvr>
     <a:masterClrMapping/>
   </p:clrMapOvr>
-  <p:timing>
-    <p:tnLst>
-      <p:par>
-        <p:cTn id="1" dur="indefinite" restart="never" nodeType="tmRoot"/>
-      </p:par>
-    </p:tnLst>
-  </p:timing>
 </p:sld>
 </file>
 
@@ -22960,7 +22512,7 @@
           <p:cNvPr id="4" name="Título 1">
             <a:extLst>
               <a:ext uri="{FF2B5EF4-FFF2-40B4-BE49-F238E27FC236}">
-                <a16:creationId xmlns="" xmlns:a16="http://schemas.microsoft.com/office/drawing/2014/main" id="{32666AC8-2E17-4DB4-B0F5-60C640CCFD2E}"/>
+                <a16:creationId xmlns:a16="http://schemas.microsoft.com/office/drawing/2014/main" id="{32666AC8-2E17-4DB4-B0F5-60C640CCFD2E}"/>
               </a:ext>
             </a:extLst>
           </p:cNvPr>
@@ -23004,7 +22556,7 @@
           <a:p>
             <a:pPr algn="ctr"/>
             <a:r>
-              <a:rPr lang="pt-BR" sz="6600" dirty="0" smtClean="0"/>
+              <a:rPr lang="pt-BR" sz="6600" dirty="0"/>
               <a:t>Obrigado!</a:t>
             </a:r>
             <a:endParaRPr lang="pt-BR" sz="6600" b="1" i="1" dirty="0"/>
@@ -23021,13 +22573,6 @@
   <p:clrMapOvr>
     <a:masterClrMapping/>
   </p:clrMapOvr>
-  <p:timing>
-    <p:tnLst>
-      <p:par>
-        <p:cTn id="1" dur="indefinite" restart="never" nodeType="tmRoot"/>
-      </p:par>
-    </p:tnLst>
-  </p:timing>
 </p:sld>
 </file>
 
@@ -24349,20 +23894,15 @@
               <a:pPr algn="ctr"/>
               <a:r>
                 <a:rPr lang="pt-BR" sz="1400" dirty="0"/>
-                <a:t>c</a:t>
-              </a:r>
-              <a:r>
-                <a:rPr lang="pt-BR" sz="1400" dirty="0" smtClean="0"/>
-                <a:t>lassificação não-linear</a:t>
+                <a:t>classificação não-linear</a:t>
               </a:r>
             </a:p>
             <a:p>
               <a:pPr algn="ctr"/>
               <a:r>
-                <a:rPr lang="pt-BR" sz="1400" dirty="0" smtClean="0"/>
+                <a:rPr lang="pt-BR" sz="1400" dirty="0"/>
                 <a:t>(com relação aos atributos)</a:t>
               </a:r>
-              <a:endParaRPr lang="pt-BR" sz="1400" dirty="0"/>
             </a:p>
           </p:txBody>
         </p:sp>
@@ -25641,13 +25181,8 @@
             <a:p>
               <a:r>
                 <a:rPr lang="pt-BR" sz="1400" dirty="0"/>
-                <a:t>c</a:t>
+                <a:t>classificação linear</a:t>
               </a:r>
-              <a:r>
-                <a:rPr lang="pt-BR" sz="1400" dirty="0" smtClean="0"/>
-                <a:t>lassificação linear</a:t>
-              </a:r>
-              <a:endParaRPr lang="pt-BR" sz="1400" dirty="0"/>
             </a:p>
           </p:txBody>
         </p:sp>
@@ -27311,13 +26846,8 @@
             <a:p>
               <a:r>
                 <a:rPr lang="pt-BR" sz="1400" dirty="0"/>
-                <a:t>c</a:t>
+                <a:t>classificação linear</a:t>
               </a:r>
-              <a:r>
-                <a:rPr lang="pt-BR" sz="1400" dirty="0" smtClean="0"/>
-                <a:t>lassificação linear</a:t>
-              </a:r>
-              <a:endParaRPr lang="pt-BR" sz="1400" dirty="0"/>
             </a:p>
           </p:txBody>
         </p:sp>
@@ -28957,11 +28487,11 @@
                 <a:p>
                   <a:pPr algn="ctr"/>
                   <a:r>
-                    <a:rPr lang="pt-BR" dirty="0" smtClean="0"/>
+                    <a:rPr lang="pt-BR" dirty="0"/>
                     <a:t>Superfície </a:t>
                   </a:r>
                   <a:r>
-                    <a:rPr lang="pt-BR" b="0" dirty="0" smtClean="0"/>
+                    <a:rPr lang="pt-BR" b="0" dirty="0"/>
                     <a:t>de decisão, </a:t>
                   </a:r>
                 </a:p>
@@ -30508,10 +30038,9 @@
             <a:lstStyle/>
             <a:p>
               <a:r>
-                <a:rPr lang="pt-BR" sz="1200" dirty="0" smtClean="0"/>
+                <a:rPr lang="pt-BR" sz="1200" dirty="0"/>
                 <a:t>0</a:t>
               </a:r>
-              <a:endParaRPr lang="pt-BR" sz="1200" dirty="0"/>
             </a:p>
           </p:txBody>
         </p:sp>
@@ -30538,10 +30067,9 @@
             <a:lstStyle/>
             <a:p>
               <a:r>
-                <a:rPr lang="pt-BR" sz="1200" dirty="0" smtClean="0"/>
+                <a:rPr lang="pt-BR" sz="1200" dirty="0"/>
                 <a:t>1</a:t>
               </a:r>
-              <a:endParaRPr lang="pt-BR" sz="1200" dirty="0"/>
             </a:p>
           </p:txBody>
         </p:sp>
@@ -30626,10 +30154,9 @@
             <a:lstStyle/>
             <a:p>
               <a:r>
-                <a:rPr lang="pt-BR" sz="1200" dirty="0" smtClean="0"/>
+                <a:rPr lang="pt-BR" sz="1200" dirty="0"/>
                 <a:t>4</a:t>
               </a:r>
-              <a:endParaRPr lang="pt-BR" sz="1200" dirty="0"/>
             </a:p>
           </p:txBody>
         </p:sp>
@@ -30656,10 +30183,9 @@
             <a:lstStyle/>
             <a:p>
               <a:r>
-                <a:rPr lang="pt-BR" sz="1200" dirty="0" smtClean="0"/>
+                <a:rPr lang="pt-BR" sz="1200" dirty="0"/>
                 <a:t>1</a:t>
               </a:r>
-              <a:endParaRPr lang="pt-BR" sz="1200" dirty="0"/>
             </a:p>
           </p:txBody>
         </p:sp>
@@ -30686,10 +30212,9 @@
             <a:lstStyle/>
             <a:p>
               <a:r>
-                <a:rPr lang="pt-BR" sz="1200" dirty="0" smtClean="0"/>
+                <a:rPr lang="pt-BR" sz="1200" dirty="0"/>
                 <a:t>2</a:t>
               </a:r>
-              <a:endParaRPr lang="pt-BR" sz="1200" dirty="0"/>
             </a:p>
           </p:txBody>
         </p:sp>
@@ -30745,10 +30270,9 @@
             <a:lstStyle/>
             <a:p>
               <a:r>
-                <a:rPr lang="pt-BR" sz="1200" dirty="0" smtClean="0"/>
+                <a:rPr lang="pt-BR" sz="1200" dirty="0"/>
                 <a:t>4</a:t>
               </a:r>
-              <a:endParaRPr lang="pt-BR" sz="1200" dirty="0"/>
             </a:p>
           </p:txBody>
         </p:sp>
@@ -31941,7 +31465,7 @@
           <p:cNvPr id="2" name="Título 1">
             <a:extLst>
               <a:ext uri="{FF2B5EF4-FFF2-40B4-BE49-F238E27FC236}">
-                <a16:creationId xmlns="" xmlns:a16="http://schemas.microsoft.com/office/drawing/2014/main" id="{C4F48192-B348-4C3E-8621-D3755D2230F8}"/>
+                <a16:creationId xmlns:a16="http://schemas.microsoft.com/office/drawing/2014/main" id="{C4F48192-B348-4C3E-8621-D3755D2230F8}"/>
               </a:ext>
             </a:extLst>
           </p:cNvPr>
@@ -31958,18 +31482,9 @@
           <a:lstStyle/>
           <a:p>
             <a:r>
-              <a:rPr lang="pt-BR" dirty="0" smtClean="0"/>
-              <a:t>Objetivo </a:t>
+              <a:rPr lang="pt-BR" dirty="0"/>
+              <a:t>Objetivo do curso</a:t>
             </a:r>
-            <a:r>
-              <a:rPr lang="pt-BR" dirty="0"/>
-              <a:t>do </a:t>
-            </a:r>
-            <a:r>
-              <a:rPr lang="pt-BR" dirty="0" smtClean="0"/>
-              <a:t>curso</a:t>
-            </a:r>
-            <a:endParaRPr lang="pt-BR" dirty="0"/>
           </a:p>
         </p:txBody>
       </p:sp>
@@ -31978,7 +31493,7 @@
           <p:cNvPr id="3" name="Espaço Reservado para Conteúdo 2">
             <a:extLst>
               <a:ext uri="{FF2B5EF4-FFF2-40B4-BE49-F238E27FC236}">
-                <a16:creationId xmlns="" xmlns:a16="http://schemas.microsoft.com/office/drawing/2014/main" id="{E3DECB90-AFD9-4AC6-A356-C93A7442A6E6}"/>
+                <a16:creationId xmlns:a16="http://schemas.microsoft.com/office/drawing/2014/main" id="{E3DECB90-AFD9-4AC6-A356-C93A7442A6E6}"/>
               </a:ext>
             </a:extLst>
           </p:cNvPr>
@@ -32002,7 +31517,7 @@
           <a:lstStyle/>
           <a:p>
             <a:r>
-              <a:rPr lang="pt-BR" dirty="0" smtClean="0"/>
+              <a:rPr lang="pt-BR" dirty="0"/>
               <a:t>O objetivo principal do curso é apresentar</a:t>
             </a:r>
           </a:p>
@@ -32012,15 +31527,15 @@
               <a:buChar char="§"/>
             </a:pPr>
             <a:r>
-              <a:rPr lang="pt-BR" dirty="0" smtClean="0"/>
+              <a:rPr lang="pt-BR" dirty="0"/>
               <a:t>os </a:t>
             </a:r>
             <a:r>
-              <a:rPr lang="pt-BR" b="1" i="1" dirty="0" smtClean="0"/>
+              <a:rPr lang="pt-BR" b="1" i="1" dirty="0"/>
               <a:t>conceitos fundamentais </a:t>
             </a:r>
             <a:r>
-              <a:rPr lang="pt-BR" dirty="0" smtClean="0"/>
+              <a:rPr lang="pt-BR" dirty="0"/>
               <a:t>da teoria do aprendizado de máquina.</a:t>
             </a:r>
           </a:p>
@@ -32035,34 +31550,17 @@
             </a:r>
             <a:r>
               <a:rPr lang="pt-BR" b="1" i="1" dirty="0"/>
-              <a:t>conjunto de </a:t>
-            </a:r>
-            <a:r>
-              <a:rPr lang="pt-BR" b="1" i="1" dirty="0" smtClean="0"/>
-              <a:t>ferramentas</a:t>
-            </a:r>
-            <a:r>
-              <a:rPr lang="pt-BR" dirty="0" smtClean="0"/>
-              <a:t> (ou seja, algoritmos) de </a:t>
+              <a:t>conjunto de ferramentas</a:t>
             </a:r>
             <a:r>
               <a:rPr lang="pt-BR" dirty="0"/>
-              <a:t>aprendizado de </a:t>
+              <a:t> (ou seja, algoritmos) de aprendizado de máquina para solução de problemas.</a:t>
             </a:r>
-            <a:r>
-              <a:rPr lang="pt-BR" dirty="0" smtClean="0"/>
-              <a:t>máquina para solução de problemas.</a:t>
-            </a:r>
-            <a:endParaRPr lang="pt-BR" dirty="0"/>
           </a:p>
           <a:p>
             <a:r>
-              <a:rPr lang="pt-BR" dirty="0" smtClean="0"/>
-              <a:t>Ao </a:t>
-            </a:r>
-            <a:r>
               <a:rPr lang="pt-BR" dirty="0"/>
-              <a:t>final do curso vocês devem ser capazes de</a:t>
+              <a:t>Ao final do curso vocês devem ser capazes de</a:t>
             </a:r>
           </a:p>
           <a:p>
@@ -32092,46 +31590,7 @@
             </a:pPr>
             <a:r>
               <a:rPr lang="pt-BR" dirty="0"/>
-              <a:t>Aplicar algoritmos </a:t>
-            </a:r>
-            <a:r>
-              <a:rPr lang="pt-BR" dirty="0" smtClean="0"/>
-              <a:t>de </a:t>
-            </a:r>
-            <a:r>
-              <a:rPr lang="pt-BR" dirty="0"/>
-              <a:t>ML para a resolução de </a:t>
-            </a:r>
-            <a:r>
-              <a:rPr lang="pt-BR" dirty="0" smtClean="0"/>
-              <a:t>problemas.</a:t>
-            </a:r>
-            <a:endParaRPr lang="pt-BR" dirty="0"/>
-          </a:p>
-          <a:p>
-            <a:pPr lvl="1">
-              <a:buFont typeface="Wingdings" panose="05000000000000000000" pitchFamily="2" charset="2"/>
-              <a:buChar char="§"/>
-            </a:pPr>
-            <a:r>
-              <a:rPr lang="pt-BR" dirty="0" smtClean="0"/>
-              <a:t>Entender o funcionamento de novos </a:t>
-            </a:r>
-            <a:r>
-              <a:rPr lang="pt-BR" dirty="0"/>
-              <a:t>algoritmos </a:t>
-            </a:r>
-            <a:r>
-              <a:rPr lang="pt-BR" dirty="0" smtClean="0"/>
-              <a:t>de </a:t>
-            </a:r>
-            <a:r>
-              <a:rPr lang="pt-BR" dirty="0"/>
-              <a:t>ML</a:t>
-            </a:r>
-            <a:r>
-              <a:rPr lang="pt-BR" dirty="0" smtClean="0"/>
-              <a:t>.</a:t>
+              <a:t>Aplicar algoritmos de ML para a resolução de problemas.</a:t>
             </a:r>
           </a:p>
           <a:p>
@@ -32140,10 +31599,19 @@
               <a:buChar char="§"/>
             </a:pPr>
             <a:r>
-              <a:rPr lang="pt-BR" dirty="0" smtClean="0"/>
+              <a:rPr lang="pt-BR" dirty="0"/>
+              <a:t>Entender o funcionamento de novos algoritmos de ML.</a:t>
+            </a:r>
+          </a:p>
+          <a:p>
+            <a:pPr lvl="1">
+              <a:buFont typeface="Wingdings" panose="05000000000000000000" pitchFamily="2" charset="2"/>
+              <a:buChar char="§"/>
+            </a:pPr>
+            <a:r>
+              <a:rPr lang="pt-BR" dirty="0"/>
               <a:t>Criar projetos que envolvam ML.</a:t>
             </a:r>
-            <a:endParaRPr lang="pt-BR" dirty="0"/>
           </a:p>
         </p:txBody>
       </p:sp>
@@ -32152,7 +31620,7 @@
           <p:cNvPr id="3074" name="Picture 2" descr="Image result for machine learning">
             <a:extLst>
               <a:ext uri="{FF2B5EF4-FFF2-40B4-BE49-F238E27FC236}">
-                <a16:creationId xmlns="" xmlns:a16="http://schemas.microsoft.com/office/drawing/2014/main" id="{78A93243-9634-4B0E-B1B2-37A218EAEADD}"/>
+                <a16:creationId xmlns:a16="http://schemas.microsoft.com/office/drawing/2014/main" id="{78A93243-9634-4B0E-B1B2-37A218EAEADD}"/>
               </a:ext>
             </a:extLst>
           </p:cNvPr>
@@ -32245,13 +31713,6 @@
   <p:clrMapOvr>
     <a:masterClrMapping/>
   </p:clrMapOvr>
-  <p:timing>
-    <p:tnLst>
-      <p:par>
-        <p:cTn id="1" dur="indefinite" restart="never" nodeType="tmRoot"/>
-      </p:par>
-    </p:tnLst>
-  </p:timing>
 </p:sld>
 </file>
 
@@ -32288,7 +31749,7 @@
           <a:lstStyle/>
           <a:p>
             <a:r>
-              <a:rPr lang="pt-BR" dirty="0" smtClean="0"/>
+              <a:rPr lang="pt-BR" dirty="0"/>
               <a:t>Critérios de Avaliação</a:t>
             </a:r>
             <a:endParaRPr lang="nl-BE" dirty="0"/>
@@ -32318,7 +31779,7 @@
           <a:lstStyle/>
           <a:p>
             <a:r>
-              <a:rPr lang="pt-BR" dirty="0" smtClean="0"/>
+              <a:rPr lang="pt-BR" dirty="0"/>
               <a:t>2 trabalhos em grupo com peso de 85% cada.</a:t>
             </a:r>
           </a:p>
@@ -32328,7 +31789,7 @@
               <a:buChar char="§"/>
             </a:pPr>
             <a:r>
-              <a:rPr lang="pt-BR" dirty="0" smtClean="0"/>
+              <a:rPr lang="pt-BR" dirty="0"/>
               <a:t>Envolvendo questões teóricas e/ou práticas.</a:t>
             </a:r>
           </a:p>
@@ -32338,7 +31799,7 @@
               <a:buChar char="§"/>
             </a:pPr>
             <a:r>
-              <a:rPr lang="pt-BR" b="1" dirty="0" smtClean="0">
+              <a:rPr lang="pt-BR" b="1" dirty="0">
                 <a:solidFill>
                   <a:srgbClr val="00B050"/>
                 </a:solidFill>
@@ -32346,13 +31807,13 @@
               <a:t>Uma parte de cada trabalho será feita presencialmente</a:t>
             </a:r>
             <a:r>
-              <a:rPr lang="pt-BR" dirty="0" smtClean="0"/>
+              <a:rPr lang="pt-BR" dirty="0"/>
               <a:t>.</a:t>
             </a:r>
           </a:p>
           <a:p>
             <a:r>
-              <a:rPr lang="pt-BR" dirty="0" smtClean="0"/>
+              <a:rPr lang="pt-BR" dirty="0"/>
               <a:t>2 conjuntos de exercícios (quizzes e laboratórios) com peso de 15% cada.</a:t>
             </a:r>
           </a:p>
@@ -32363,11 +31824,7 @@
             </a:pPr>
             <a:r>
               <a:rPr lang="pt-BR" dirty="0"/>
-              <a:t>Podem sempre ser entregues até a próxima aula</a:t>
-            </a:r>
-            <a:r>
-              <a:rPr lang="pt-BR" dirty="0" smtClean="0"/>
-              <a:t>.</a:t>
+              <a:t>Podem sempre ser entregues até a próxima aula.</a:t>
             </a:r>
           </a:p>
           <a:p>
@@ -32376,7 +31833,7 @@
               <a:buChar char="§"/>
             </a:pPr>
             <a:r>
-              <a:rPr lang="pt-BR" dirty="0" smtClean="0"/>
+              <a:rPr lang="pt-BR" dirty="0"/>
               <a:t>Podem ser resolvidos em grupo, mas entregas devem ser individuais.</a:t>
             </a:r>
           </a:p>
@@ -32387,45 +31844,33 @@
             </a:pPr>
             <a:r>
               <a:rPr lang="pt-BR" dirty="0"/>
-              <a:t>Exercícios serão atribuídos </a:t>
+              <a:t>Exercícios serão atribuídos através de tarefas do </a:t>
             </a:r>
             <a:r>
-              <a:rPr lang="pt-BR" dirty="0" smtClean="0"/>
-              <a:t>através </a:t>
+              <a:rPr lang="pt-BR" dirty="0" err="1"/>
+              <a:t>Teams</a:t>
             </a:r>
             <a:r>
               <a:rPr lang="pt-BR" dirty="0"/>
-              <a:t>de tarefas </a:t>
-            </a:r>
-            <a:r>
-              <a:rPr lang="pt-BR" dirty="0" smtClean="0"/>
-              <a:t>do </a:t>
-            </a:r>
-            <a:r>
-              <a:rPr lang="pt-BR" dirty="0" err="1" smtClean="0"/>
-              <a:t>Teams</a:t>
-            </a:r>
-            <a:r>
-              <a:rPr lang="pt-BR" dirty="0" smtClean="0"/>
               <a:t>.</a:t>
             </a:r>
           </a:p>
           <a:p>
             <a:r>
-              <a:rPr lang="pt-BR" dirty="0" smtClean="0"/>
+              <a:rPr lang="pt-BR" dirty="0"/>
               <a:t>Extra: 10% da nota da FETIN na segunda nota.</a:t>
             </a:r>
           </a:p>
           <a:p>
             <a:pPr lvl="1"/>
             <a:r>
-              <a:rPr lang="pt-BR" dirty="0" smtClean="0"/>
+              <a:rPr lang="pt-BR" dirty="0"/>
               <a:t>O trabalho precisa usar ML.</a:t>
             </a:r>
           </a:p>
           <a:p>
             <a:r>
-              <a:rPr lang="pt-BR" b="1" dirty="0" smtClean="0"/>
+              <a:rPr lang="pt-BR" b="1" dirty="0"/>
               <a:t>Frequência</a:t>
             </a:r>
           </a:p>
@@ -32435,10 +31880,9 @@
               <a:buChar char="§"/>
             </a:pPr>
             <a:r>
-              <a:rPr lang="pt-BR" dirty="0" smtClean="0"/>
+              <a:rPr lang="pt-BR" dirty="0"/>
               <a:t>Gerada automaticamente pelo Teams.</a:t>
             </a:r>
-            <a:endParaRPr lang="pt-BR" dirty="0"/>
           </a:p>
           <a:p>
             <a:pPr lvl="1">
@@ -32446,20 +31890,8 @@
               <a:buChar char="§"/>
             </a:pPr>
             <a:r>
-              <a:rPr lang="pt-BR" dirty="0" smtClean="0"/>
-              <a:t>Por </a:t>
-            </a:r>
-            <a:r>
               <a:rPr lang="pt-BR" dirty="0"/>
-              <a:t>favor, acompanhem </a:t>
-            </a:r>
-            <a:r>
-              <a:rPr lang="pt-BR" dirty="0" smtClean="0"/>
-              <a:t>a frequência no </a:t>
-            </a:r>
-            <a:r>
-              <a:rPr lang="pt-BR" dirty="0"/>
-              <a:t>portal.</a:t>
+              <a:t>Por favor, acompanhem a frequência no portal.</a:t>
             </a:r>
           </a:p>
           <a:p>
@@ -32577,13 +32009,6 @@
   <p:clrMapOvr>
     <a:masterClrMapping/>
   </p:clrMapOvr>
-  <p:timing>
-    <p:tnLst>
-      <p:par>
-        <p:cTn id="1" dur="indefinite" restart="never" nodeType="tmRoot"/>
-      </p:par>
-    </p:tnLst>
-  </p:timing>
 </p:sld>
 </file>
 
@@ -32620,7 +32045,7 @@
           <a:lstStyle/>
           <a:p>
             <a:r>
-              <a:rPr lang="pt-BR" dirty="0" smtClean="0"/>
+              <a:rPr lang="pt-BR" dirty="0"/>
               <a:t>Cronograma</a:t>
             </a:r>
             <a:endParaRPr lang="en-US" dirty="0"/>
@@ -32636,7 +32061,7 @@
           <p:nvPr>
             <p:extLst>
               <p:ext uri="{D42A27DB-BD31-4B8C-83A1-F6EECF244321}">
-                <p14:modId xmlns:p14="http://schemas.microsoft.com/office/powerpoint/2010/main" val="3908880931"/>
+                <p14:modId xmlns:p14="http://schemas.microsoft.com/office/powerpoint/2010/main" val="1012916327"/>
               </p:ext>
             </p:extLst>
           </p:nvPr>
@@ -32650,11 +32075,41 @@
             <a:tbl>
               <a:tblPr/>
               <a:tblGrid>
-                <a:gridCol w="967543"/>
-                <a:gridCol w="1252623"/>
-                <a:gridCol w="1028015"/>
-                <a:gridCol w="1485744"/>
-                <a:gridCol w="6315076"/>
+                <a:gridCol w="967543">
+                  <a:extLst>
+                    <a:ext uri="{9D8B030D-6E8A-4147-A177-3AD203B41FA5}">
+                      <a16:colId xmlns:a16="http://schemas.microsoft.com/office/drawing/2014/main" val="20000"/>
+                    </a:ext>
+                  </a:extLst>
+                </a:gridCol>
+                <a:gridCol w="1252623">
+                  <a:extLst>
+                    <a:ext uri="{9D8B030D-6E8A-4147-A177-3AD203B41FA5}">
+                      <a16:colId xmlns:a16="http://schemas.microsoft.com/office/drawing/2014/main" val="20001"/>
+                    </a:ext>
+                  </a:extLst>
+                </a:gridCol>
+                <a:gridCol w="1028015">
+                  <a:extLst>
+                    <a:ext uri="{9D8B030D-6E8A-4147-A177-3AD203B41FA5}">
+                      <a16:colId xmlns:a16="http://schemas.microsoft.com/office/drawing/2014/main" val="20002"/>
+                    </a:ext>
+                  </a:extLst>
+                </a:gridCol>
+                <a:gridCol w="1485744">
+                  <a:extLst>
+                    <a:ext uri="{9D8B030D-6E8A-4147-A177-3AD203B41FA5}">
+                      <a16:colId xmlns:a16="http://schemas.microsoft.com/office/drawing/2014/main" val="20003"/>
+                    </a:ext>
+                  </a:extLst>
+                </a:gridCol>
+                <a:gridCol w="6315076">
+                  <a:extLst>
+                    <a:ext uri="{9D8B030D-6E8A-4147-A177-3AD203B41FA5}">
+                      <a16:colId xmlns:a16="http://schemas.microsoft.com/office/drawing/2014/main" val="20004"/>
+                    </a:ext>
+                  </a:extLst>
+                </a:gridCol>
               </a:tblGrid>
               <a:tr h="123890">
                 <a:tc>
@@ -32717,14 +32172,11 @@
                     <a:p>
                       <a:pPr algn="ctr" rtl="0" fontAlgn="b"/>
                       <a:r>
-                        <a:rPr lang="en-US" sz="1400" b="1" dirty="0" smtClean="0">
+                        <a:rPr lang="en-US" sz="1400" b="1" dirty="0">
                           <a:effectLst/>
                         </a:rPr>
                         <a:t>Data</a:t>
                       </a:r>
-                      <a:endParaRPr lang="en-US" sz="1400" b="1" dirty="0">
-                        <a:effectLst/>
-                      </a:endParaRPr>
                     </a:p>
                   </a:txBody>
                   <a:tcPr marL="10288" marR="10288" marT="6859" marB="6859" anchor="b">
@@ -32773,7 +32225,7 @@
                     <a:p>
                       <a:pPr algn="ctr" rtl="0" fontAlgn="b"/>
                       <a:r>
-                        <a:rPr lang="pt-BR" sz="1400" b="1" dirty="0" smtClean="0">
+                        <a:rPr lang="pt-BR" sz="1400" b="1" dirty="0">
                           <a:effectLst/>
                         </a:rPr>
                         <a:t>Dia</a:t>
@@ -32829,7 +32281,7 @@
                     <a:p>
                       <a:pPr algn="ctr" rtl="0" fontAlgn="b"/>
                       <a:r>
-                        <a:rPr lang="pt-BR" sz="1400" b="1" dirty="0" smtClean="0">
+                        <a:rPr lang="pt-BR" sz="1400" b="1" dirty="0">
                           <a:effectLst/>
                         </a:rPr>
                         <a:t>Horário</a:t>
@@ -32885,7 +32337,7 @@
                     <a:p>
                       <a:pPr algn="ctr" rtl="0" fontAlgn="b"/>
                       <a:r>
-                        <a:rPr lang="en-US" sz="1400" b="1" dirty="0" err="1" smtClean="0">
+                        <a:rPr lang="en-US" sz="1400" b="1" dirty="0" err="1">
                           <a:effectLst/>
                         </a:rPr>
                         <a:t>Atividade</a:t>
@@ -32934,6 +32386,11 @@
                     </a:lnB>
                   </a:tcPr>
                 </a:tc>
+                <a:extLst>
+                  <a:ext uri="{0D108BD9-81ED-4DB2-BD59-A6C34878D82A}">
+                    <a16:rowId xmlns:a16="http://schemas.microsoft.com/office/drawing/2014/main" val="10000"/>
+                  </a:ext>
+                </a:extLst>
               </a:tr>
               <a:tr h="232673">
                 <a:tc>
@@ -32996,10 +32453,10 @@
                     <a:p>
                       <a:pPr algn="ctr" rtl="0" fontAlgn="b"/>
                       <a:r>
-                        <a:rPr lang="pt-BR" sz="1400">
+                        <a:rPr lang="pt-BR" sz="1400" dirty="0">
                           <a:effectLst/>
                         </a:rPr>
-                        <a:t>11/2/2023</a:t>
+                        <a:t>5/8/2023</a:t>
                       </a:r>
                     </a:p>
                   </a:txBody>
@@ -33049,7 +32506,7 @@
                     <a:p>
                       <a:pPr algn="ctr" rtl="0" fontAlgn="b"/>
                       <a:r>
-                        <a:rPr lang="pt-BR" sz="1400" dirty="0" smtClean="0">
+                        <a:rPr lang="pt-BR" sz="1400">
                           <a:effectLst/>
                         </a:rPr>
                         <a:t>Sábado</a:t>
@@ -33105,10 +32562,10 @@
                     <a:p>
                       <a:pPr algn="ctr" rtl="0" fontAlgn="b"/>
                       <a:r>
-                        <a:rPr lang="pt-BR" sz="1400" dirty="0" smtClean="0">
+                        <a:rPr lang="pt-BR" sz="1400" dirty="0">
                           <a:effectLst/>
                         </a:rPr>
-                        <a:t>08:00 às 09:40</a:t>
+                        <a:t>10:00 às 11:40</a:t>
                       </a:r>
                     </a:p>
                   </a:txBody>
@@ -33158,11 +32615,11 @@
                     <a:p>
                       <a:pPr algn="ctr"/>
                       <a:r>
-                        <a:rPr lang="pt-BR" sz="1400" dirty="0" smtClean="0"/>
+                        <a:rPr lang="pt-BR" sz="1400"/>
                         <a:t>Introdução</a:t>
                       </a:r>
                       <a:r>
-                        <a:rPr lang="pt-BR" sz="1400" baseline="0" dirty="0" smtClean="0"/>
+                        <a:rPr lang="pt-BR" sz="1400" baseline="0"/>
                         <a:t> ao Aprendizado de Máquina</a:t>
                       </a:r>
                       <a:endParaRPr lang="en-US" sz="1400" dirty="0"/>
@@ -33207,6 +32664,11 @@
                     </a:lnB>
                   </a:tcPr>
                 </a:tc>
+                <a:extLst>
+                  <a:ext uri="{0D108BD9-81ED-4DB2-BD59-A6C34878D82A}">
+                    <a16:rowId xmlns:a16="http://schemas.microsoft.com/office/drawing/2014/main" val="10001"/>
+                  </a:ext>
+                </a:extLst>
               </a:tr>
               <a:tr h="123890">
                 <a:tc>
@@ -33272,7 +32734,7 @@
                         <a:rPr lang="pt-BR" sz="1400">
                           <a:effectLst/>
                         </a:rPr>
-                        <a:t>18/2/2023</a:t>
+                        <a:t>12/8/2023</a:t>
                       </a:r>
                     </a:p>
                   </a:txBody>
@@ -33398,14 +32860,14 @@
                         <a:defRPr/>
                       </a:pPr>
                       <a:r>
-                        <a:rPr lang="pt-BR" sz="1400" dirty="0" smtClean="0"/>
+                        <a:rPr lang="pt-BR" sz="1400"/>
                         <a:t>Introdução</a:t>
                       </a:r>
                       <a:r>
-                        <a:rPr lang="pt-BR" sz="1400" baseline="0" dirty="0" smtClean="0"/>
+                        <a:rPr lang="pt-BR" sz="1400" baseline="0"/>
                         <a:t> ao Aprendizado de Máquina</a:t>
                       </a:r>
-                      <a:endParaRPr lang="en-US" sz="1400" dirty="0" smtClean="0"/>
+                      <a:endParaRPr lang="en-US" sz="1400" dirty="0"/>
                     </a:p>
                   </a:txBody>
                   <a:tcPr marL="10288" marR="10288" marT="6859" marB="6859" anchor="b">
@@ -33447,6 +32909,11 @@
                     </a:lnB>
                   </a:tcPr>
                 </a:tc>
+                <a:extLst>
+                  <a:ext uri="{0D108BD9-81ED-4DB2-BD59-A6C34878D82A}">
+                    <a16:rowId xmlns:a16="http://schemas.microsoft.com/office/drawing/2014/main" val="10002"/>
+                  </a:ext>
+                </a:extLst>
               </a:tr>
               <a:tr h="232673">
                 <a:tc>
@@ -33512,7 +32979,7 @@
                         <a:rPr lang="pt-BR" sz="1400">
                           <a:effectLst/>
                         </a:rPr>
-                        <a:t>25/2/2023</a:t>
+                        <a:t>19/8/2023</a:t>
                       </a:r>
                     </a:p>
                   </a:txBody>
@@ -33622,11 +33089,11 @@
                     <a:p>
                       <a:pPr algn="ctr"/>
                       <a:r>
-                        <a:rPr lang="pt-BR" sz="1400" dirty="0" smtClean="0"/>
+                        <a:rPr lang="pt-BR" sz="1400"/>
                         <a:t>Introdução</a:t>
                       </a:r>
                       <a:r>
-                        <a:rPr lang="pt-BR" sz="1400" baseline="0" dirty="0" smtClean="0"/>
+                        <a:rPr lang="pt-BR" sz="1400" baseline="0"/>
                         <a:t> ao Aprendizado de Máquina</a:t>
                       </a:r>
                       <a:endParaRPr lang="en-US" sz="1400" dirty="0"/>
@@ -33671,6 +33138,11 @@
                     </a:lnB>
                   </a:tcPr>
                 </a:tc>
+                <a:extLst>
+                  <a:ext uri="{0D108BD9-81ED-4DB2-BD59-A6C34878D82A}">
+                    <a16:rowId xmlns:a16="http://schemas.microsoft.com/office/drawing/2014/main" val="10003"/>
+                  </a:ext>
+                </a:extLst>
               </a:tr>
               <a:tr h="232673">
                 <a:tc>
@@ -33736,7 +33208,7 @@
                         <a:rPr lang="pt-BR" sz="1400">
                           <a:effectLst/>
                         </a:rPr>
-                        <a:t>4/3/2023</a:t>
+                        <a:t>26/8/2023</a:t>
                       </a:r>
                     </a:p>
                   </a:txBody>
@@ -33846,11 +33318,11 @@
                     <a:p>
                       <a:pPr algn="ctr"/>
                       <a:r>
-                        <a:rPr lang="pt-BR" sz="1400" dirty="0" smtClean="0"/>
+                        <a:rPr lang="pt-BR" sz="1400"/>
                         <a:t>Introdução</a:t>
                       </a:r>
                       <a:r>
-                        <a:rPr lang="pt-BR" sz="1400" baseline="0" dirty="0" smtClean="0"/>
+                        <a:rPr lang="pt-BR" sz="1400" baseline="0"/>
                         <a:t> ao Aprendizado de Máquina</a:t>
                       </a:r>
                       <a:endParaRPr lang="en-US" sz="1400" dirty="0"/>
@@ -33895,6 +33367,11 @@
                     </a:lnB>
                   </a:tcPr>
                 </a:tc>
+                <a:extLst>
+                  <a:ext uri="{0D108BD9-81ED-4DB2-BD59-A6C34878D82A}">
+                    <a16:rowId xmlns:a16="http://schemas.microsoft.com/office/drawing/2014/main" val="10004"/>
+                  </a:ext>
+                </a:extLst>
               </a:tr>
               <a:tr h="232125">
                 <a:tc>
@@ -33960,7 +33437,7 @@
                         <a:rPr lang="pt-BR" sz="1400">
                           <a:effectLst/>
                         </a:rPr>
-                        <a:t>11/3/2023</a:t>
+                        <a:t>2/9/2023</a:t>
                       </a:r>
                     </a:p>
                   </a:txBody>
@@ -34070,11 +33547,11 @@
                     <a:p>
                       <a:pPr algn="ctr"/>
                       <a:r>
-                        <a:rPr lang="pt-BR" sz="1400" dirty="0" smtClean="0"/>
+                        <a:rPr lang="pt-BR" sz="1400"/>
                         <a:t>Introdução</a:t>
                       </a:r>
                       <a:r>
-                        <a:rPr lang="pt-BR" sz="1400" baseline="0" dirty="0" smtClean="0"/>
+                        <a:rPr lang="pt-BR" sz="1400" baseline="0"/>
                         <a:t> ao Aprendizado de Máquina</a:t>
                       </a:r>
                       <a:endParaRPr lang="en-US" sz="1400" dirty="0"/>
@@ -34119,6 +33596,11 @@
                     </a:lnB>
                   </a:tcPr>
                 </a:tc>
+                <a:extLst>
+                  <a:ext uri="{0D108BD9-81ED-4DB2-BD59-A6C34878D82A}">
+                    <a16:rowId xmlns:a16="http://schemas.microsoft.com/office/drawing/2014/main" val="10005"/>
+                  </a:ext>
+                </a:extLst>
               </a:tr>
               <a:tr h="232673">
                 <a:tc>
@@ -34184,7 +33666,7 @@
                         <a:rPr lang="pt-BR" sz="1400">
                           <a:effectLst/>
                         </a:rPr>
-                        <a:t>18/3/2023</a:t>
+                        <a:t>9/9/2023</a:t>
                       </a:r>
                     </a:p>
                   </a:txBody>
@@ -34294,11 +33776,11 @@
                     <a:p>
                       <a:pPr algn="ctr"/>
                       <a:r>
-                        <a:rPr lang="pt-BR" sz="1400" dirty="0" smtClean="0"/>
+                        <a:rPr lang="pt-BR" sz="1400"/>
                         <a:t>Introdução</a:t>
                       </a:r>
                       <a:r>
-                        <a:rPr lang="pt-BR" sz="1400" baseline="0" dirty="0" smtClean="0"/>
+                        <a:rPr lang="pt-BR" sz="1400" baseline="0"/>
                         <a:t> ao Aprendizado de Máquina</a:t>
                       </a:r>
                       <a:endParaRPr lang="en-US" sz="1400" dirty="0"/>
@@ -34343,6 +33825,11 @@
                     </a:lnB>
                   </a:tcPr>
                 </a:tc>
+                <a:extLst>
+                  <a:ext uri="{0D108BD9-81ED-4DB2-BD59-A6C34878D82A}">
+                    <a16:rowId xmlns:a16="http://schemas.microsoft.com/office/drawing/2014/main" val="10006"/>
+                  </a:ext>
+                </a:extLst>
               </a:tr>
               <a:tr h="232673">
                 <a:tc>
@@ -34408,7 +33895,7 @@
                         <a:rPr lang="pt-BR" sz="1400">
                           <a:effectLst/>
                         </a:rPr>
-                        <a:t>25/3/2023</a:t>
+                        <a:t>16/9/2023</a:t>
                       </a:r>
                     </a:p>
                   </a:txBody>
@@ -34518,11 +34005,11 @@
                     <a:p>
                       <a:pPr algn="ctr"/>
                       <a:r>
-                        <a:rPr lang="pt-BR" sz="1400" dirty="0" smtClean="0"/>
+                        <a:rPr lang="pt-BR" sz="1400"/>
                         <a:t>Introdução</a:t>
                       </a:r>
                       <a:r>
-                        <a:rPr lang="pt-BR" sz="1400" baseline="0" dirty="0" smtClean="0"/>
+                        <a:rPr lang="pt-BR" sz="1400" baseline="0"/>
                         <a:t> ao Aprendizado de Máquina</a:t>
                       </a:r>
                       <a:endParaRPr lang="en-US" sz="1400" dirty="0"/>
@@ -34567,6 +34054,11 @@
                     </a:lnB>
                   </a:tcPr>
                 </a:tc>
+                <a:extLst>
+                  <a:ext uri="{0D108BD9-81ED-4DB2-BD59-A6C34878D82A}">
+                    <a16:rowId xmlns:a16="http://schemas.microsoft.com/office/drawing/2014/main" val="10007"/>
+                  </a:ext>
+                </a:extLst>
               </a:tr>
               <a:tr h="232673">
                 <a:tc>
@@ -34638,7 +34130,7 @@
                           </a:solidFill>
                           <a:effectLst/>
                         </a:rPr>
-                        <a:t>1/4/2023</a:t>
+                        <a:t>23/9/2023</a:t>
                       </a:r>
                     </a:p>
                   </a:txBody>
@@ -34784,19 +34276,10 @@
                           </a:solidFill>
                           <a:effectLst/>
                         </a:rPr>
-                        <a:t> </a:t>
+                        <a:t> I (</a:t>
                       </a:r>
                       <a:r>
-                        <a:rPr lang="en-US" sz="1400" b="1" dirty="0" smtClean="0">
-                          <a:solidFill>
-                            <a:srgbClr val="00B050"/>
-                          </a:solidFill>
-                          <a:effectLst/>
-                        </a:rPr>
-                        <a:t>I (</a:t>
-                      </a:r>
-                      <a:r>
-                        <a:rPr lang="en-US" sz="1400" b="1" dirty="0" err="1" smtClean="0">
+                        <a:rPr lang="en-US" sz="1400" b="1" dirty="0" err="1">
                           <a:solidFill>
                             <a:srgbClr val="00B050"/>
                           </a:solidFill>
@@ -34805,22 +34288,22 @@
                         <a:t>Projeto</a:t>
                       </a:r>
                       <a:r>
-                        <a:rPr lang="en-US" sz="1400" b="1" baseline="0" dirty="0" smtClean="0">
+                        <a:rPr lang="en-US" sz="1400" b="1" baseline="0" dirty="0">
                           <a:solidFill>
                             <a:srgbClr val="00B050"/>
                           </a:solidFill>
                           <a:effectLst/>
                         </a:rPr>
-                        <a:t> I – Parte I) </a:t>
+                        <a:t> I) </a:t>
                       </a:r>
                       <a:r>
-                        <a:rPr lang="en-US" sz="1400" b="1" baseline="0" dirty="0" smtClean="0">
+                        <a:rPr lang="en-US" sz="1400" b="1" baseline="0" dirty="0">
                           <a:solidFill>
                             <a:srgbClr val="FF0000"/>
                           </a:solidFill>
                           <a:effectLst/>
                         </a:rPr>
-                        <a:t>(Sala I-18)</a:t>
+                        <a:t>(Sala ???)</a:t>
                       </a:r>
                       <a:endParaRPr lang="en-US" sz="1400" b="1" dirty="0">
                         <a:solidFill>
@@ -34869,6 +34352,11 @@
                     </a:lnB>
                   </a:tcPr>
                 </a:tc>
+                <a:extLst>
+                  <a:ext uri="{0D108BD9-81ED-4DB2-BD59-A6C34878D82A}">
+                    <a16:rowId xmlns:a16="http://schemas.microsoft.com/office/drawing/2014/main" val="10008"/>
+                  </a:ext>
+                </a:extLst>
               </a:tr>
               <a:tr h="232673">
                 <a:tc>
@@ -34934,7 +34422,7 @@
                         <a:rPr lang="pt-BR" sz="1400">
                           <a:effectLst/>
                         </a:rPr>
-                        <a:t>8/4/2023</a:t>
+                        <a:t>30/9/2023</a:t>
                       </a:r>
                     </a:p>
                   </a:txBody>
@@ -35044,11 +34532,11 @@
                     <a:p>
                       <a:pPr algn="ctr" rtl="0" fontAlgn="b"/>
                       <a:r>
-                        <a:rPr lang="pt-BR" sz="1400" dirty="0" smtClean="0"/>
+                        <a:rPr lang="pt-BR" sz="1400"/>
                         <a:t>Introdução</a:t>
                       </a:r>
                       <a:r>
-                        <a:rPr lang="pt-BR" sz="1400" baseline="0" dirty="0" smtClean="0"/>
+                        <a:rPr lang="pt-BR" sz="1400" baseline="0"/>
                         <a:t> ao Aprendizado de Máquina</a:t>
                       </a:r>
                       <a:endParaRPr lang="en-US" sz="1400" dirty="0">
@@ -35095,6 +34583,11 @@
                     </a:lnB>
                   </a:tcPr>
                 </a:tc>
+                <a:extLst>
+                  <a:ext uri="{0D108BD9-81ED-4DB2-BD59-A6C34878D82A}">
+                    <a16:rowId xmlns:a16="http://schemas.microsoft.com/office/drawing/2014/main" val="10009"/>
+                  </a:ext>
+                </a:extLst>
               </a:tr>
               <a:tr h="232673">
                 <a:tc>
@@ -35160,7 +34653,7 @@
                         <a:rPr lang="pt-BR" sz="1400">
                           <a:effectLst/>
                         </a:rPr>
-                        <a:t>15/4/2023</a:t>
+                        <a:t>7/10/2023</a:t>
                       </a:r>
                     </a:p>
                   </a:txBody>
@@ -35270,11 +34763,11 @@
                     <a:p>
                       <a:pPr algn="ctr" rtl="0" fontAlgn="b"/>
                       <a:r>
-                        <a:rPr lang="pt-BR" sz="1400" dirty="0" smtClean="0"/>
+                        <a:rPr lang="pt-BR" sz="1400"/>
                         <a:t>Introdução</a:t>
                       </a:r>
                       <a:r>
-                        <a:rPr lang="pt-BR" sz="1400" baseline="0" dirty="0" smtClean="0"/>
+                        <a:rPr lang="pt-BR" sz="1400" baseline="0"/>
                         <a:t> ao Aprendizado de Máquina</a:t>
                       </a:r>
                       <a:endParaRPr lang="en-US" sz="1400" dirty="0">
@@ -35321,6 +34814,11 @@
                     </a:lnB>
                   </a:tcPr>
                 </a:tc>
+                <a:extLst>
+                  <a:ext uri="{0D108BD9-81ED-4DB2-BD59-A6C34878D82A}">
+                    <a16:rowId xmlns:a16="http://schemas.microsoft.com/office/drawing/2014/main" val="10010"/>
+                  </a:ext>
+                </a:extLst>
               </a:tr>
               <a:tr h="232673">
                 <a:tc>
@@ -35386,7 +34884,7 @@
                         <a:rPr lang="pt-BR" sz="1400">
                           <a:effectLst/>
                         </a:rPr>
-                        <a:t>22/4/2023</a:t>
+                        <a:t>14/10/2023</a:t>
                       </a:r>
                     </a:p>
                   </a:txBody>
@@ -35496,11 +34994,11 @@
                     <a:p>
                       <a:pPr algn="ctr" rtl="0" fontAlgn="b"/>
                       <a:r>
-                        <a:rPr lang="pt-BR" sz="1400" dirty="0" smtClean="0"/>
+                        <a:rPr lang="pt-BR" sz="1400"/>
                         <a:t>Introdução</a:t>
                       </a:r>
                       <a:r>
-                        <a:rPr lang="pt-BR" sz="1400" baseline="0" dirty="0" smtClean="0"/>
+                        <a:rPr lang="pt-BR" sz="1400" baseline="0"/>
                         <a:t> ao Aprendizado de Máquina</a:t>
                       </a:r>
                       <a:endParaRPr lang="en-US" sz="1400" dirty="0">
@@ -35547,6 +35045,11 @@
                     </a:lnB>
                   </a:tcPr>
                 </a:tc>
+                <a:extLst>
+                  <a:ext uri="{0D108BD9-81ED-4DB2-BD59-A6C34878D82A}">
+                    <a16:rowId xmlns:a16="http://schemas.microsoft.com/office/drawing/2014/main" val="10011"/>
+                  </a:ext>
+                </a:extLst>
               </a:tr>
               <a:tr h="232673">
                 <a:tc>
@@ -35612,7 +35115,7 @@
                         <a:rPr lang="pt-BR" sz="1400">
                           <a:effectLst/>
                         </a:rPr>
-                        <a:t>29/4/2023</a:t>
+                        <a:t>21/10/2023</a:t>
                       </a:r>
                     </a:p>
                   </a:txBody>
@@ -35722,11 +35225,11 @@
                     <a:p>
                       <a:pPr algn="ctr" rtl="0" fontAlgn="b"/>
                       <a:r>
-                        <a:rPr lang="pt-BR" sz="1400" dirty="0" smtClean="0"/>
+                        <a:rPr lang="pt-BR" sz="1400"/>
                         <a:t>Introdução</a:t>
                       </a:r>
                       <a:r>
-                        <a:rPr lang="pt-BR" sz="1400" baseline="0" dirty="0" smtClean="0"/>
+                        <a:rPr lang="pt-BR" sz="1400" baseline="0"/>
                         <a:t> ao Aprendizado de Máquina</a:t>
                       </a:r>
                       <a:endParaRPr lang="en-US" sz="1400" dirty="0">
@@ -35773,6 +35276,11 @@
                     </a:lnB>
                   </a:tcPr>
                 </a:tc>
+                <a:extLst>
+                  <a:ext uri="{0D108BD9-81ED-4DB2-BD59-A6C34878D82A}">
+                    <a16:rowId xmlns:a16="http://schemas.microsoft.com/office/drawing/2014/main" val="10012"/>
+                  </a:ext>
+                </a:extLst>
               </a:tr>
               <a:tr h="232673">
                 <a:tc>
@@ -35838,7 +35346,7 @@
                         <a:rPr lang="pt-BR" sz="1400">
                           <a:effectLst/>
                         </a:rPr>
-                        <a:t>6/5/2023</a:t>
+                        <a:t>28/10/2023</a:t>
                       </a:r>
                     </a:p>
                   </a:txBody>
@@ -35948,11 +35456,11 @@
                     <a:p>
                       <a:pPr algn="ctr" rtl="0" fontAlgn="b"/>
                       <a:r>
-                        <a:rPr lang="pt-BR" sz="1400" dirty="0" smtClean="0"/>
+                        <a:rPr lang="pt-BR" sz="1400"/>
                         <a:t>Introdução</a:t>
                       </a:r>
                       <a:r>
-                        <a:rPr lang="pt-BR" sz="1400" baseline="0" dirty="0" smtClean="0"/>
+                        <a:rPr lang="pt-BR" sz="1400" baseline="0"/>
                         <a:t> ao Aprendizado de Máquina</a:t>
                       </a:r>
                       <a:endParaRPr lang="en-US" sz="1400" dirty="0">
@@ -35999,6 +35507,11 @@
                     </a:lnB>
                   </a:tcPr>
                 </a:tc>
+                <a:extLst>
+                  <a:ext uri="{0D108BD9-81ED-4DB2-BD59-A6C34878D82A}">
+                    <a16:rowId xmlns:a16="http://schemas.microsoft.com/office/drawing/2014/main" val="10013"/>
+                  </a:ext>
+                </a:extLst>
               </a:tr>
               <a:tr h="232673">
                 <a:tc>
@@ -36064,7 +35577,7 @@
                         <a:rPr lang="pt-BR" sz="1400">
                           <a:effectLst/>
                         </a:rPr>
-                        <a:t>13/5/2023</a:t>
+                        <a:t>4/11/2023</a:t>
                       </a:r>
                     </a:p>
                   </a:txBody>
@@ -36174,11 +35687,11 @@
                     <a:p>
                       <a:pPr algn="ctr" rtl="0" fontAlgn="b"/>
                       <a:r>
-                        <a:rPr lang="pt-BR" sz="1400" dirty="0" smtClean="0"/>
+                        <a:rPr lang="pt-BR" sz="1400"/>
                         <a:t>Introdução</a:t>
                       </a:r>
                       <a:r>
-                        <a:rPr lang="pt-BR" sz="1400" baseline="0" dirty="0" smtClean="0"/>
+                        <a:rPr lang="pt-BR" sz="1400" baseline="0"/>
                         <a:t> ao Aprendizado de Máquina</a:t>
                       </a:r>
                       <a:endParaRPr lang="en-US" sz="1400" dirty="0">
@@ -36225,6 +35738,11 @@
                     </a:lnB>
                   </a:tcPr>
                 </a:tc>
+                <a:extLst>
+                  <a:ext uri="{0D108BD9-81ED-4DB2-BD59-A6C34878D82A}">
+                    <a16:rowId xmlns:a16="http://schemas.microsoft.com/office/drawing/2014/main" val="10014"/>
+                  </a:ext>
+                </a:extLst>
               </a:tr>
               <a:tr h="232673">
                 <a:tc>
@@ -36290,7 +35808,7 @@
                         <a:rPr lang="pt-BR" sz="1400">
                           <a:effectLst/>
                         </a:rPr>
-                        <a:t>20/5/2023</a:t>
+                        <a:t>11/11/2023</a:t>
                       </a:r>
                     </a:p>
                   </a:txBody>
@@ -36400,11 +35918,11 @@
                     <a:p>
                       <a:pPr algn="ctr" rtl="0" fontAlgn="b"/>
                       <a:r>
-                        <a:rPr lang="pt-BR" sz="1400" dirty="0" smtClean="0"/>
+                        <a:rPr lang="pt-BR" sz="1400"/>
                         <a:t>Introdução</a:t>
                       </a:r>
                       <a:r>
-                        <a:rPr lang="pt-BR" sz="1400" baseline="0" dirty="0" smtClean="0"/>
+                        <a:rPr lang="pt-BR" sz="1400" baseline="0"/>
                         <a:t> ao Aprendizado de Máquina</a:t>
                       </a:r>
                       <a:endParaRPr lang="en-US" sz="1400" dirty="0">
@@ -36451,6 +35969,11 @@
                     </a:lnB>
                   </a:tcPr>
                 </a:tc>
+                <a:extLst>
+                  <a:ext uri="{0D108BD9-81ED-4DB2-BD59-A6C34878D82A}">
+                    <a16:rowId xmlns:a16="http://schemas.microsoft.com/office/drawing/2014/main" val="10015"/>
+                  </a:ext>
+                </a:extLst>
               </a:tr>
               <a:tr h="232673">
                 <a:tc>
@@ -36522,7 +36045,7 @@
                           </a:solidFill>
                           <a:effectLst/>
                         </a:rPr>
-                        <a:t>27/5/2023</a:t>
+                        <a:t>18/11/2023</a:t>
                       </a:r>
                     </a:p>
                   </a:txBody>
@@ -36668,19 +36191,10 @@
                           </a:solidFill>
                           <a:effectLst/>
                         </a:rPr>
-                        <a:t> </a:t>
+                        <a:t> II (</a:t>
                       </a:r>
                       <a:r>
-                        <a:rPr lang="en-US" sz="1400" b="1" dirty="0" smtClean="0">
-                          <a:solidFill>
-                            <a:srgbClr val="00B050"/>
-                          </a:solidFill>
-                          <a:effectLst/>
-                        </a:rPr>
-                        <a:t>II (</a:t>
-                      </a:r>
-                      <a:r>
-                        <a:rPr lang="en-US" sz="1400" b="1" dirty="0" err="1" smtClean="0">
+                        <a:rPr lang="en-US" sz="1400" b="1" dirty="0" err="1">
                           <a:solidFill>
                             <a:srgbClr val="00B050"/>
                           </a:solidFill>
@@ -36689,22 +36203,22 @@
                         <a:t>Projeto</a:t>
                       </a:r>
                       <a:r>
-                        <a:rPr lang="en-US" sz="1400" b="1" baseline="0" dirty="0" smtClean="0">
+                        <a:rPr lang="en-US" sz="1400" b="1" baseline="0" dirty="0">
                           <a:solidFill>
                             <a:srgbClr val="00B050"/>
                           </a:solidFill>
                           <a:effectLst/>
                         </a:rPr>
-                        <a:t> II – Parte I) </a:t>
+                        <a:t> II) </a:t>
                       </a:r>
                       <a:r>
-                        <a:rPr lang="en-US" sz="1400" b="1" baseline="0" dirty="0" smtClean="0">
+                        <a:rPr lang="en-US" sz="1400" b="1" baseline="0" dirty="0">
                           <a:solidFill>
                             <a:srgbClr val="FF0000"/>
                           </a:solidFill>
                           <a:effectLst/>
                         </a:rPr>
-                        <a:t>(Sala I-18)</a:t>
+                        <a:t>(Sala???)</a:t>
                       </a:r>
                       <a:endParaRPr lang="en-US" sz="1400" b="1" dirty="0">
                         <a:solidFill>
@@ -36753,6 +36267,11 @@
                     </a:lnB>
                   </a:tcPr>
                 </a:tc>
+                <a:extLst>
+                  <a:ext uri="{0D108BD9-81ED-4DB2-BD59-A6C34878D82A}">
+                    <a16:rowId xmlns:a16="http://schemas.microsoft.com/office/drawing/2014/main" val="10016"/>
+                  </a:ext>
+                </a:extLst>
               </a:tr>
               <a:tr h="232673">
                 <a:tc>
@@ -36815,10 +36334,10 @@
                     <a:p>
                       <a:pPr algn="ctr" rtl="0" fontAlgn="b"/>
                       <a:r>
-                        <a:rPr lang="pt-BR" sz="1400">
+                        <a:rPr lang="pt-BR" sz="1400" dirty="0">
                           <a:effectLst/>
                         </a:rPr>
-                        <a:t>3/6/2023</a:t>
+                        <a:t>25/11/2023</a:t>
                       </a:r>
                     </a:p>
                   </a:txBody>
@@ -36928,11 +36447,11 @@
                     <a:p>
                       <a:pPr algn="ctr" rtl="0" fontAlgn="b"/>
                       <a:r>
-                        <a:rPr lang="pt-BR" sz="1400" dirty="0" smtClean="0"/>
+                        <a:rPr lang="pt-BR" sz="1400"/>
                         <a:t>Introdução</a:t>
                       </a:r>
                       <a:r>
-                        <a:rPr lang="pt-BR" sz="1400" baseline="0" dirty="0" smtClean="0"/>
+                        <a:rPr lang="pt-BR" sz="1400" baseline="0"/>
                         <a:t> ao Aprendizado de Máquina</a:t>
                       </a:r>
                       <a:endParaRPr lang="pt-BR" sz="1400" dirty="0">
@@ -36979,6 +36498,11 @@
                     </a:lnB>
                   </a:tcPr>
                 </a:tc>
+                <a:extLst>
+                  <a:ext uri="{0D108BD9-81ED-4DB2-BD59-A6C34878D82A}">
+                    <a16:rowId xmlns:a16="http://schemas.microsoft.com/office/drawing/2014/main" val="10017"/>
+                  </a:ext>
+                </a:extLst>
               </a:tr>
               <a:tr h="232673">
                 <a:tc>
@@ -37041,10 +36565,10 @@
                     <a:p>
                       <a:pPr algn="ctr" rtl="0" fontAlgn="b"/>
                       <a:r>
-                        <a:rPr lang="pt-BR" sz="1400">
+                        <a:rPr lang="pt-BR" sz="1400" dirty="0">
                           <a:effectLst/>
                         </a:rPr>
-                        <a:t>10/6/2023</a:t>
+                        <a:t>2/12/2023</a:t>
                       </a:r>
                     </a:p>
                   </a:txBody>
@@ -37154,11 +36678,11 @@
                     <a:p>
                       <a:pPr algn="ctr" rtl="0" fontAlgn="b"/>
                       <a:r>
-                        <a:rPr lang="pt-BR" sz="1400" dirty="0" smtClean="0"/>
+                        <a:rPr lang="pt-BR" sz="1400"/>
                         <a:t>Introdução</a:t>
                       </a:r>
                       <a:r>
-                        <a:rPr lang="pt-BR" sz="1400" baseline="0" dirty="0" smtClean="0"/>
+                        <a:rPr lang="pt-BR" sz="1400" baseline="0"/>
                         <a:t> ao Aprendizado de Máquina</a:t>
                       </a:r>
                       <a:endParaRPr lang="en-US" sz="1400" dirty="0">
@@ -37205,6 +36729,11 @@
                     </a:lnB>
                   </a:tcPr>
                 </a:tc>
+                <a:extLst>
+                  <a:ext uri="{0D108BD9-81ED-4DB2-BD59-A6C34878D82A}">
+                    <a16:rowId xmlns:a16="http://schemas.microsoft.com/office/drawing/2014/main" val="10018"/>
+                  </a:ext>
+                </a:extLst>
               </a:tr>
               <a:tr h="232673">
                 <a:tc>
@@ -37267,10 +36796,10 @@
                     <a:p>
                       <a:pPr algn="ctr" rtl="0" fontAlgn="b"/>
                       <a:r>
-                        <a:rPr lang="pt-BR" sz="1400">
+                        <a:rPr lang="pt-BR" sz="1400" dirty="0">
                           <a:effectLst/>
                         </a:rPr>
-                        <a:t>17/6/2023</a:t>
+                        <a:t>9/12/2023</a:t>
                       </a:r>
                     </a:p>
                   </a:txBody>
@@ -37380,11 +36909,11 @@
                     <a:p>
                       <a:pPr algn="ctr" rtl="0" fontAlgn="b"/>
                       <a:r>
-                        <a:rPr lang="pt-BR" sz="1400" dirty="0" smtClean="0"/>
+                        <a:rPr lang="pt-BR" sz="1400"/>
                         <a:t>Introdução</a:t>
                       </a:r>
                       <a:r>
-                        <a:rPr lang="pt-BR" sz="1400" baseline="0" dirty="0" smtClean="0"/>
+                        <a:rPr lang="pt-BR" sz="1400" baseline="0"/>
                         <a:t> ao Aprendizado de Máquina</a:t>
                       </a:r>
                       <a:endParaRPr lang="en-US" sz="1400" dirty="0">
@@ -37431,6 +36960,11 @@
                     </a:lnB>
                   </a:tcPr>
                 </a:tc>
+                <a:extLst>
+                  <a:ext uri="{0D108BD9-81ED-4DB2-BD59-A6C34878D82A}">
+                    <a16:rowId xmlns:a16="http://schemas.microsoft.com/office/drawing/2014/main" val="10019"/>
+                  </a:ext>
+                </a:extLst>
               </a:tr>
               <a:tr h="232673">
                 <a:tc>
@@ -37496,7 +37030,7 @@
                         <a:rPr lang="pt-BR" sz="1400" dirty="0">
                           <a:effectLst/>
                         </a:rPr>
-                        <a:t>24/6/2023</a:t>
+                        <a:t>16/12/2023</a:t>
                       </a:r>
                     </a:p>
                   </a:txBody>
@@ -37606,11 +37140,11 @@
                     <a:p>
                       <a:pPr algn="ctr" rtl="0" fontAlgn="b"/>
                       <a:r>
-                        <a:rPr lang="pt-BR" sz="1400" dirty="0" smtClean="0"/>
+                        <a:rPr lang="pt-BR" sz="1400" dirty="0"/>
                         <a:t>Introdução</a:t>
                       </a:r>
                       <a:r>
-                        <a:rPr lang="pt-BR" sz="1400" baseline="0" dirty="0" smtClean="0"/>
+                        <a:rPr lang="pt-BR" sz="1400" baseline="0" dirty="0"/>
                         <a:t> ao Aprendizado de Máquina</a:t>
                       </a:r>
                       <a:endParaRPr lang="en-US" sz="1400" dirty="0">
@@ -37657,6 +37191,11 @@
                     </a:lnB>
                   </a:tcPr>
                 </a:tc>
+                <a:extLst>
+                  <a:ext uri="{0D108BD9-81ED-4DB2-BD59-A6C34878D82A}">
+                    <a16:rowId xmlns:a16="http://schemas.microsoft.com/office/drawing/2014/main" val="10020"/>
+                  </a:ext>
+                </a:extLst>
               </a:tr>
             </a:tbl>
           </a:graphicData>
@@ -37697,7 +37236,7 @@
           <p:cNvPr id="2" name="Título 1">
             <a:extLst>
               <a:ext uri="{FF2B5EF4-FFF2-40B4-BE49-F238E27FC236}">
-                <a16:creationId xmlns="" xmlns:a16="http://schemas.microsoft.com/office/drawing/2014/main" id="{A2A4684C-1159-4F88-A2B1-6BABEDE38C4D}"/>
+                <a16:creationId xmlns:a16="http://schemas.microsoft.com/office/drawing/2014/main" id="{A2A4684C-1159-4F88-A2B1-6BABEDE38C4D}"/>
               </a:ext>
             </a:extLst>
           </p:cNvPr>
@@ -37725,7 +37264,7 @@
           <p:cNvPr id="3" name="Espaço Reservado para Conteúdo 2">
             <a:extLst>
               <a:ext uri="{FF2B5EF4-FFF2-40B4-BE49-F238E27FC236}">
-                <a16:creationId xmlns="" xmlns:a16="http://schemas.microsoft.com/office/drawing/2014/main" id="{EC432B31-D382-41FF-BB6B-2ABDD322424B}"/>
+                <a16:creationId xmlns:a16="http://schemas.microsoft.com/office/drawing/2014/main" id="{EC432B31-D382-41FF-BB6B-2ABDD322424B}"/>
               </a:ext>
             </a:extLst>
           </p:cNvPr>
@@ -37752,20 +37291,8 @@
               <a:buNone/>
             </a:pPr>
             <a:r>
-              <a:rPr lang="pt-BR" dirty="0" smtClean="0"/>
-              <a:t>[</a:t>
-            </a:r>
-            <a:r>
               <a:rPr lang="pt-BR" dirty="0"/>
-              <a:t>1</a:t>
-            </a:r>
-            <a:r>
-              <a:rPr lang="pt-BR" dirty="0" smtClean="0"/>
-              <a:t>] </a:t>
-            </a:r>
-            <a:r>
-              <a:rPr lang="pt-BR" dirty="0"/>
-              <a:t>Stuart Russell and Peter Norvig, “</a:t>
+              <a:t>[1] Stuart Russell and Peter Norvig, “</a:t>
             </a:r>
             <a:r>
               <a:rPr lang="pt-BR" i="1" dirty="0"/>
@@ -37781,12 +37308,8 @@
               <a:buNone/>
             </a:pPr>
             <a:r>
-              <a:rPr lang="pt-BR" dirty="0" smtClean="0"/>
-              <a:t>[2] </a:t>
-            </a:r>
-            <a:r>
               <a:rPr lang="pt-BR" dirty="0"/>
-              <a:t>Aurélien Géron, “</a:t>
+              <a:t>[2] Aurélien Géron, “</a:t>
             </a:r>
             <a:r>
               <a:rPr lang="pt-BR" i="1" dirty="0"/>
@@ -37794,11 +37317,7 @@
             </a:r>
             <a:r>
               <a:rPr lang="pt-BR" dirty="0"/>
-              <a:t>”, 1st ed., O'Reilly Media, 2017</a:t>
-            </a:r>
-            <a:r>
-              <a:rPr lang="pt-BR" dirty="0" smtClean="0"/>
-              <a:t>.</a:t>
+              <a:t>”, 1st ed., O'Reilly Media, 2017.</a:t>
             </a:r>
           </a:p>
           <a:p>
@@ -37806,12 +37325,8 @@
               <a:buNone/>
             </a:pPr>
             <a:r>
-              <a:rPr lang="pt-BR" dirty="0" smtClean="0"/>
-              <a:t>[3] </a:t>
-            </a:r>
-            <a:r>
               <a:rPr lang="pt-BR" dirty="0"/>
-              <a:t>Joseph Misiti, “</a:t>
+              <a:t>[3] Joseph Misiti, “</a:t>
             </a:r>
             <a:r>
               <a:rPr lang="pt-BR" i="1" dirty="0"/>
@@ -37828,22 +37343,17 @@
               <a:t>https://github.com/josephmisiti/awesome-machine-learning</a:t>
             </a:r>
             <a:r>
-              <a:rPr lang="pt-BR" dirty="0" smtClean="0"/>
+              <a:rPr lang="pt-BR" dirty="0"/>
               <a:t>).</a:t>
             </a:r>
-            <a:endParaRPr lang="pt-BR" dirty="0"/>
           </a:p>
           <a:p>
             <a:pPr marL="0" indent="0">
               <a:buNone/>
             </a:pPr>
             <a:r>
-              <a:rPr lang="pt-BR" dirty="0" smtClean="0"/>
-              <a:t>[4] </a:t>
-            </a:r>
-            <a:r>
               <a:rPr lang="pt-BR" dirty="0"/>
-              <a:t>Andriy Burkov, “</a:t>
+              <a:t>[4] Andriy Burkov, “</a:t>
             </a:r>
             <a:r>
               <a:rPr lang="pt-BR" i="1" dirty="0"/>
@@ -37859,12 +37369,8 @@
               <a:buNone/>
             </a:pPr>
             <a:r>
-              <a:rPr lang="pt-BR" dirty="0" smtClean="0"/>
-              <a:t>[5] </a:t>
-            </a:r>
-            <a:r>
               <a:rPr lang="pt-BR" dirty="0"/>
-              <a:t>C. M. Bishop, “</a:t>
+              <a:t>[5] C. M. Bishop, “</a:t>
             </a:r>
             <a:r>
               <a:rPr lang="pt-BR" i="1" dirty="0" err="1"/>
@@ -37908,12 +37414,8 @@
               <a:buNone/>
             </a:pPr>
             <a:r>
-              <a:rPr lang="pt-BR" dirty="0" smtClean="0"/>
-              <a:t>[6] </a:t>
-            </a:r>
-            <a:r>
               <a:rPr lang="pt-BR" dirty="0"/>
-              <a:t>S. Haykin, “</a:t>
+              <a:t>[6] S. Haykin, “</a:t>
             </a:r>
             <a:r>
               <a:rPr lang="pt-BR" i="1" dirty="0"/>
@@ -37921,11 +37423,7 @@
             </a:r>
             <a:r>
               <a:rPr lang="pt-BR" dirty="0"/>
-              <a:t>,” Prentice Hall, 3ª ed., 2008</a:t>
-            </a:r>
-            <a:r>
-              <a:rPr lang="pt-BR" dirty="0" smtClean="0"/>
-              <a:t>.</a:t>
+              <a:t>,” Prentice Hall, 3ª ed., 2008.</a:t>
             </a:r>
           </a:p>
           <a:p>
@@ -37933,36 +37431,16 @@
               <a:buNone/>
             </a:pPr>
             <a:r>
-              <a:rPr lang="pt-BR" dirty="0" smtClean="0"/>
-              <a:t>[</a:t>
-            </a:r>
-            <a:r>
               <a:rPr lang="pt-BR" dirty="0"/>
-              <a:t>7</a:t>
-            </a:r>
-            <a:r>
-              <a:rPr lang="pt-BR" dirty="0" smtClean="0"/>
-              <a:t>] Coleção de livros: </a:t>
-            </a:r>
-            <a:r>
-              <a:rPr lang="pt-BR" dirty="0" smtClean="0">
-                <a:hlinkClick r:id="rId4"/>
-              </a:rPr>
-              <a:t>https</a:t>
+              <a:t>[7] Coleção de livros: </a:t>
             </a:r>
             <a:r>
               <a:rPr lang="pt-BR" dirty="0">
                 <a:hlinkClick r:id="rId4"/>
               </a:rPr>
-              <a:t>://</a:t>
+              <a:t>https://drive.google.com/drive/folders/1IyIIMu1w6POBhrVnw11yqXXy6BjC439j?usp=sharing</a:t>
             </a:r>
-            <a:r>
-              <a:rPr lang="pt-BR" dirty="0" smtClean="0">
-                <a:hlinkClick r:id="rId4"/>
-              </a:rPr>
-              <a:t>drive.google.com/drive/folders/1IyIIMu1w6POBhrVnw11yqXXy6BjC439j?usp=sharing</a:t>
-            </a:r>
-            <a:endParaRPr lang="pt-BR" dirty="0" smtClean="0"/>
+            <a:endParaRPr lang="pt-BR" dirty="0"/>
           </a:p>
         </p:txBody>
       </p:sp>
@@ -37976,13 +37454,6 @@
   <p:clrMapOvr>
     <a:masterClrMapping/>
   </p:clrMapOvr>
-  <p:timing>
-    <p:tnLst>
-      <p:par>
-        <p:cTn id="1" dur="indefinite" restart="never" nodeType="tmRoot"/>
-      </p:par>
-    </p:tnLst>
-  </p:timing>
 </p:sld>
 </file>
 
@@ -38019,7 +37490,7 @@
           <a:lstStyle/>
           <a:p>
             <a:r>
-              <a:rPr lang="en-US" dirty="0" err="1" smtClean="0"/>
+              <a:rPr lang="en-US" dirty="0" err="1"/>
               <a:t>Avisos</a:t>
             </a:r>
             <a:endParaRPr lang="nl-BE" dirty="0"/>
@@ -38049,22 +37520,22 @@
           <a:lstStyle/>
           <a:p>
             <a:r>
-              <a:rPr lang="pt-BR" dirty="0" smtClean="0"/>
+              <a:rPr lang="pt-BR" dirty="0"/>
               <a:t>Toda nossa comunicação (avisos, atendimentos e tarefas) será feita via </a:t>
             </a:r>
             <a:r>
-              <a:rPr lang="pt-BR" dirty="0" err="1" smtClean="0"/>
+              <a:rPr lang="pt-BR" dirty="0" err="1"/>
               <a:t>Teams</a:t>
             </a:r>
             <a:r>
-              <a:rPr lang="pt-BR" dirty="0" smtClean="0"/>
+              <a:rPr lang="pt-BR" dirty="0"/>
               <a:t>.</a:t>
             </a:r>
           </a:p>
           <a:p>
             <a:r>
               <a:rPr lang="pt-BR" dirty="0"/>
-              <a:t>Todas as aulas serão gravadas e os vídeos ficarão disponíveis na pasta "</a:t>
+              <a:t>Todas as aulas serão gravadas e os vídeos ficarão disponíveis na pasta “</a:t>
             </a:r>
             <a:r>
               <a:rPr lang="pt-BR" dirty="0" err="1"/>
@@ -38072,29 +37543,13 @@
             </a:r>
             <a:r>
               <a:rPr lang="pt-BR" dirty="0"/>
-              <a:t>" dentro de “Arquivos</a:t>
-            </a:r>
-            <a:r>
-              <a:rPr lang="pt-BR" dirty="0" smtClean="0"/>
-              <a:t>”.</a:t>
+              <a:t>” dentro de “Arquivos”.</a:t>
             </a:r>
           </a:p>
           <a:p>
             <a:r>
-              <a:rPr lang="pt-BR" dirty="0" smtClean="0"/>
-              <a:t>Todo </a:t>
-            </a:r>
-            <a:r>
               <a:rPr lang="pt-BR" dirty="0"/>
-              <a:t>material do curso </a:t>
-            </a:r>
-            <a:r>
-              <a:rPr lang="pt-BR" dirty="0" smtClean="0"/>
-              <a:t>está disponível no </a:t>
-            </a:r>
-            <a:r>
-              <a:rPr lang="pt-BR" dirty="0"/>
-              <a:t>GitHub: </a:t>
+              <a:t>Todo material do curso está disponível no GitHub: </a:t>
             </a:r>
           </a:p>
           <a:p>
@@ -38108,23 +37563,23 @@
               </a:rPr>
               <a:t>https://github.com/zz4fap/t320_aprendizado_de_maquina</a:t>
             </a:r>
-            <a:endParaRPr lang="en-US" dirty="0" smtClean="0"/>
+            <a:endParaRPr lang="en-US" dirty="0"/>
           </a:p>
           <a:p>
             <a:r>
-              <a:rPr lang="en-US" dirty="0" err="1" smtClean="0"/>
+              <a:rPr lang="en-US" dirty="0" err="1"/>
               <a:t>Entregas</a:t>
             </a:r>
             <a:r>
-              <a:rPr lang="en-US" dirty="0" smtClean="0"/>
+              <a:rPr lang="en-US" dirty="0"/>
               <a:t> de </a:t>
             </a:r>
             <a:r>
-              <a:rPr lang="en-US" dirty="0" err="1" smtClean="0"/>
+              <a:rPr lang="en-US" dirty="0" err="1"/>
               <a:t>exercícios</a:t>
             </a:r>
             <a:r>
-              <a:rPr lang="en-US" dirty="0" smtClean="0"/>
+              <a:rPr lang="en-US" dirty="0"/>
               <a:t> </a:t>
             </a:r>
             <a:r>
@@ -38132,35 +37587,35 @@
               <a:t>(laboratórios e quizzes) </a:t>
             </a:r>
             <a:r>
-              <a:rPr lang="en-US" dirty="0" err="1" smtClean="0"/>
+              <a:rPr lang="en-US" dirty="0" err="1"/>
               <a:t>devem</a:t>
             </a:r>
             <a:r>
-              <a:rPr lang="en-US" dirty="0" smtClean="0"/>
+              <a:rPr lang="en-US" dirty="0"/>
               <a:t> </a:t>
             </a:r>
             <a:r>
-              <a:rPr lang="en-US" dirty="0" err="1" smtClean="0"/>
+              <a:rPr lang="en-US" dirty="0" err="1"/>
               <a:t>ser</a:t>
             </a:r>
             <a:r>
-              <a:rPr lang="en-US" dirty="0" smtClean="0"/>
+              <a:rPr lang="en-US" dirty="0"/>
               <a:t> </a:t>
             </a:r>
             <a:r>
-              <a:rPr lang="en-US" dirty="0" err="1" smtClean="0"/>
+              <a:rPr lang="en-US" dirty="0" err="1"/>
               <a:t>feitas</a:t>
             </a:r>
             <a:r>
-              <a:rPr lang="en-US" dirty="0" smtClean="0"/>
+              <a:rPr lang="en-US" dirty="0"/>
               <a:t> </a:t>
             </a:r>
             <a:r>
-              <a:rPr lang="en-US" dirty="0" err="1" smtClean="0"/>
+              <a:rPr lang="en-US" dirty="0" err="1"/>
               <a:t>através</a:t>
             </a:r>
             <a:r>
-              <a:rPr lang="en-US" dirty="0" smtClean="0"/>
+              <a:rPr lang="en-US" dirty="0"/>
               <a:t> do Teams.</a:t>
             </a:r>
           </a:p>
@@ -38170,7 +37625,7 @@
               <a:buChar char="§"/>
             </a:pPr>
             <a:r>
-              <a:rPr lang="en-US" dirty="0" smtClean="0"/>
+              <a:rPr lang="en-US" dirty="0"/>
               <a:t>Se </a:t>
             </a:r>
             <a:r>
@@ -38190,24 +37645,20 @@
               <a:t> </a:t>
             </a:r>
             <a:r>
-              <a:rPr lang="en-US" dirty="0" err="1" smtClean="0"/>
+              <a:rPr lang="en-US" dirty="0" err="1"/>
               <a:t>datas</a:t>
             </a:r>
             <a:r>
-              <a:rPr lang="en-US" dirty="0" smtClean="0"/>
+              <a:rPr lang="en-US" dirty="0"/>
               <a:t>/</a:t>
             </a:r>
             <a:r>
-              <a:rPr lang="en-US" dirty="0" err="1" smtClean="0"/>
+              <a:rPr lang="en-US" dirty="0" err="1"/>
               <a:t>horários</a:t>
             </a:r>
             <a:r>
-              <a:rPr lang="en-US" dirty="0" smtClean="0"/>
-              <a:t> </a:t>
-            </a:r>
-            <a:r>
               <a:rPr lang="en-US" dirty="0"/>
-              <a:t>de </a:t>
+              <a:t> de </a:t>
             </a:r>
             <a:r>
               <a:rPr lang="en-US" dirty="0" err="1"/>
@@ -38215,69 +37666,61 @@
             </a:r>
             <a:r>
               <a:rPr lang="en-US" dirty="0"/>
-              <a:t> no </a:t>
-            </a:r>
-            <a:r>
-              <a:rPr lang="en-US" dirty="0" smtClean="0"/>
-              <a:t>Teams.</a:t>
+              <a:t> no Teams.</a:t>
             </a:r>
           </a:p>
           <a:p>
             <a:r>
-              <a:rPr lang="en-US" dirty="0" err="1" smtClean="0"/>
+              <a:rPr lang="en-US" dirty="0" err="1"/>
               <a:t>Vídeos</a:t>
             </a:r>
             <a:r>
-              <a:rPr lang="en-US" dirty="0" smtClean="0"/>
+              <a:rPr lang="en-US" dirty="0"/>
               <a:t> do </a:t>
             </a:r>
             <a:r>
-              <a:rPr lang="en-US" dirty="0" err="1" smtClean="0"/>
+              <a:rPr lang="en-US" dirty="0" err="1"/>
               <a:t>minicurso</a:t>
             </a:r>
             <a:r>
-              <a:rPr lang="en-US" dirty="0" smtClean="0"/>
+              <a:rPr lang="en-US" dirty="0"/>
               <a:t> de Python e de </a:t>
             </a:r>
             <a:r>
-              <a:rPr lang="en-US" dirty="0" err="1" smtClean="0"/>
+              <a:rPr lang="en-US" dirty="0" err="1"/>
               <a:t>como</a:t>
             </a:r>
             <a:r>
-              <a:rPr lang="en-US" dirty="0" smtClean="0"/>
+              <a:rPr lang="en-US" dirty="0"/>
               <a:t> </a:t>
             </a:r>
             <a:r>
-              <a:rPr lang="en-US" dirty="0" err="1" smtClean="0"/>
+              <a:rPr lang="en-US" dirty="0" err="1"/>
               <a:t>usar</a:t>
             </a:r>
             <a:r>
-              <a:rPr lang="en-US" dirty="0" smtClean="0"/>
+              <a:rPr lang="en-US" dirty="0"/>
               <a:t> o </a:t>
             </a:r>
             <a:r>
-              <a:rPr lang="en-US" dirty="0" err="1" smtClean="0"/>
+              <a:rPr lang="en-US" dirty="0" err="1"/>
               <a:t>Colab</a:t>
             </a:r>
             <a:r>
-              <a:rPr lang="en-US" dirty="0" smtClean="0"/>
+              <a:rPr lang="en-US" dirty="0"/>
               <a:t> </a:t>
             </a:r>
             <a:r>
-              <a:rPr lang="en-US" dirty="0" err="1" smtClean="0"/>
+              <a:rPr lang="en-US" dirty="0" err="1"/>
               <a:t>estão</a:t>
             </a:r>
             <a:r>
-              <a:rPr lang="en-US" dirty="0" smtClean="0"/>
+              <a:rPr lang="en-US" dirty="0"/>
               <a:t> </a:t>
             </a:r>
             <a:r>
-              <a:rPr lang="pt-BR" dirty="0" smtClean="0"/>
-              <a:t>na </a:t>
-            </a:r>
-            <a:r>
               <a:rPr lang="pt-BR" dirty="0"/>
-              <a:t>pasta "</a:t>
+              <a:t>na pasta "</a:t>
             </a:r>
             <a:r>
               <a:rPr lang="pt-BR" dirty="0" err="1"/>
@@ -38287,11 +37730,10 @@
               <a:rPr lang="pt-BR" dirty="0"/>
               <a:t>" dentro de “Arquivos”.</a:t>
             </a:r>
-            <a:endParaRPr lang="pt-BR" dirty="0" smtClean="0"/>
           </a:p>
           <a:p>
             <a:r>
-              <a:rPr lang="pt-BR" dirty="0" smtClean="0"/>
+              <a:rPr lang="pt-BR" dirty="0"/>
               <a:t>Horários de Atendimento</a:t>
             </a:r>
           </a:p>
@@ -38302,29 +37744,8 @@
             </a:pPr>
             <a:r>
               <a:rPr lang="pt-BR" dirty="0"/>
-              <a:t>Professor: </a:t>
+              <a:t>Professor: quartas-feiras das 17:30 às 18:30 e quintas-feiras das 16:00 às 17:00.</a:t>
             </a:r>
-            <a:r>
-              <a:rPr lang="pt-BR" dirty="0" smtClean="0"/>
-              <a:t>quintas-feiras </a:t>
-            </a:r>
-            <a:r>
-              <a:rPr lang="pt-BR" dirty="0"/>
-              <a:t>das </a:t>
-            </a:r>
-            <a:r>
-              <a:rPr lang="pt-BR" dirty="0" smtClean="0"/>
-              <a:t>17:30 </a:t>
-            </a:r>
-            <a:r>
-              <a:rPr lang="pt-BR" dirty="0"/>
-              <a:t>às </a:t>
-            </a:r>
-            <a:r>
-              <a:rPr lang="pt-BR" dirty="0" smtClean="0"/>
-              <a:t>19:30 (provisório).</a:t>
-            </a:r>
-            <a:endParaRPr lang="pt-BR" dirty="0"/>
           </a:p>
           <a:p>
             <a:pPr lvl="1">
@@ -38332,32 +37753,33 @@
               <a:buChar char="§"/>
             </a:pPr>
             <a:r>
-              <a:rPr lang="pt-BR" dirty="0" smtClean="0"/>
-              <a:t>Monitor (</a:t>
+              <a:rPr lang="pt-BR"/>
+              <a:t>Monitora </a:t>
             </a:r>
             <a:r>
-              <a:rPr lang="pt-BR" dirty="0" err="1" smtClean="0"/>
-              <a:t>Maycol</a:t>
+              <a:rPr lang="pt-BR" dirty="0"/>
+              <a:t>(</a:t>
             </a:r>
             <a:r>
-              <a:rPr lang="pt-BR" dirty="0" smtClean="0"/>
+              <a:rPr lang="pt-BR" b="1" i="1" dirty="0" err="1"/>
+              <a:t>Arielli</a:t>
+            </a:r>
+            <a:r>
+              <a:rPr lang="pt-BR" b="1" i="1" dirty="0"/>
               <a:t> </a:t>
             </a:r>
             <a:r>
-              <a:rPr lang="pt-BR" dirty="0"/>
-              <a:t>Teles: </a:t>
+              <a:rPr lang="pt-BR" b="1" i="1" dirty="0" err="1"/>
+              <a:t>Ajudarte</a:t>
             </a:r>
             <a:r>
-              <a:rPr lang="pt-BR" b="1" dirty="0">
-                <a:hlinkClick r:id="rId3"/>
-              </a:rPr>
-              <a:t>maycol.teles@ges.inatel.br</a:t>
+              <a:rPr lang="pt-BR" b="1" i="1" dirty="0"/>
+              <a:t>: arielli.a@get.inatel.br</a:t>
             </a:r>
             <a:r>
-              <a:rPr lang="pt-BR" dirty="0" smtClean="0"/>
-              <a:t>): quartas-feiras das 18:30 às 19:30.</a:t>
+              <a:rPr lang="pt-BR" dirty="0"/>
+              <a:t>): terças-feiras das 18:00 às 19:00.</a:t>
             </a:r>
-            <a:endParaRPr lang="pt-BR" dirty="0"/>
           </a:p>
           <a:p>
             <a:pPr lvl="1">
@@ -38365,11 +37787,11 @@
               <a:buChar char="§"/>
             </a:pPr>
             <a:r>
-              <a:rPr lang="pt-BR" dirty="0" smtClean="0"/>
+              <a:rPr lang="pt-BR" dirty="0"/>
               <a:t>Atendimento remoto via </a:t>
             </a:r>
             <a:r>
-              <a:rPr lang="pt-BR" dirty="0" err="1" smtClean="0"/>
+              <a:rPr lang="pt-BR" dirty="0" err="1"/>
               <a:t>Teams</a:t>
             </a:r>
             <a:r>
@@ -38379,7 +37801,7 @@
             <a:br>
               <a:rPr lang="pt-BR" dirty="0"/>
             </a:br>
-            <a:endParaRPr lang="pt-BR" dirty="0" smtClean="0"/>
+            <a:endParaRPr lang="pt-BR" dirty="0"/>
           </a:p>
         </p:txBody>
       </p:sp>
@@ -38393,13 +37815,6 @@
   <p:clrMapOvr>
     <a:masterClrMapping/>
   </p:clrMapOvr>
-  <p:timing>
-    <p:tnLst>
-      <p:par>
-        <p:cTn id="1" dur="indefinite" restart="never" nodeType="tmRoot"/>
-      </p:par>
-    </p:tnLst>
-  </p:timing>
 </p:sld>
 </file>
 
@@ -38436,7 +37851,7 @@
           <a:lstStyle/>
           <a:p>
             <a:r>
-              <a:rPr lang="pt-BR" dirty="0" smtClean="0"/>
+              <a:rPr lang="pt-BR" dirty="0"/>
               <a:t>Classificação</a:t>
             </a:r>
             <a:endParaRPr lang="en-US" dirty="0"/>
@@ -38461,7 +37876,7 @@
               <a:lstStyle/>
               <a:p>
                 <a:r>
-                  <a:rPr lang="pt-BR" dirty="0" smtClean="0"/>
+                  <a:rPr lang="pt-BR" dirty="0"/>
                   <a:t>Tarefa (ou problema) de aprendizado supervisionado.</a:t>
                 </a:r>
               </a:p>
@@ -38471,13 +37886,13 @@
                   <a:buChar char="§"/>
                 </a:pPr>
                 <a:r>
-                  <a:rPr lang="pt-BR" dirty="0" smtClean="0"/>
+                  <a:rPr lang="pt-BR" dirty="0"/>
                   <a:t>As saídas esperadas (rótulos) são conhecidas.</a:t>
                 </a:r>
               </a:p>
               <a:p>
                 <a:r>
-                  <a:rPr lang="pt-BR" dirty="0" smtClean="0"/>
+                  <a:rPr lang="pt-BR" dirty="0"/>
                   <a:t>Envolve encontrar uma função, </a:t>
                 </a:r>
                 <a14:m>
@@ -38510,23 +37925,11 @@
                 </a14:m>
                 <a:r>
                   <a:rPr lang="pt-BR" dirty="0"/>
-                  <a:t>, que </a:t>
-                </a:r>
-                <a:r>
-                  <a:rPr lang="pt-BR" dirty="0" smtClean="0"/>
-                  <a:t>mapeie </a:t>
-                </a:r>
-                <a:r>
-                  <a:rPr lang="pt-BR" dirty="0"/>
-                  <a:t>os atributos de entrada em </a:t>
-                </a:r>
-                <a:r>
-                  <a:rPr lang="pt-BR" b="1" i="1" dirty="0" smtClean="0"/>
-                  <a:t>valores </a:t>
+                  <a:t>, que mapeie os atributos de entrada em </a:t>
                 </a:r>
                 <a:r>
                   <a:rPr lang="pt-BR" b="1" i="1" dirty="0"/>
-                  <a:t>discretos</a:t>
+                  <a:t>valores discretos</a:t>
                 </a:r>
                 <a:r>
                   <a:rPr lang="pt-BR" dirty="0"/>
@@ -38703,11 +38106,11 @@
                   </m:oMath>
                 </a14:m>
                 <a:r>
-                  <a:rPr lang="en-US" dirty="0" smtClean="0"/>
+                  <a:rPr lang="en-US" dirty="0"/>
                   <a:t> </a:t>
                 </a:r>
                 <a:r>
-                  <a:rPr lang="en-US" b="1" i="1" dirty="0" err="1" smtClean="0">
+                  <a:rPr lang="en-US" b="1" i="1" dirty="0" err="1">
                     <a:solidFill>
                       <a:srgbClr val="00B050"/>
                     </a:solidFill>
@@ -38715,18 +38118,17 @@
                   <a:t>aproxima</a:t>
                 </a:r>
                 <a:r>
-                  <a:rPr lang="en-US" dirty="0" smtClean="0"/>
+                  <a:rPr lang="en-US" dirty="0"/>
                   <a:t> o </a:t>
                 </a:r>
                 <a:r>
-                  <a:rPr lang="en-US" dirty="0" err="1" smtClean="0"/>
+                  <a:rPr lang="en-US" dirty="0" err="1"/>
                   <a:t>comportamento</a:t>
                 </a:r>
                 <a:r>
-                  <a:rPr lang="en-US" dirty="0" smtClean="0"/>
+                  <a:rPr lang="en-US" dirty="0"/>
                   <a:t> dos dados.</a:t>
                 </a:r>
-                <a:endParaRPr lang="en-US" dirty="0"/>
               </a:p>
             </p:txBody>
           </p:sp>
@@ -38824,11 +38226,11 @@
                   </m:oMath>
                 </a14:m>
                 <a:r>
-                  <a:rPr lang="en-US" dirty="0" smtClean="0"/>
+                  <a:rPr lang="en-US" dirty="0"/>
                   <a:t> </a:t>
                 </a:r>
                 <a:r>
-                  <a:rPr lang="en-US" b="1" i="1" dirty="0" smtClean="0">
+                  <a:rPr lang="en-US" b="1" i="1" dirty="0">
                     <a:solidFill>
                       <a:srgbClr val="0070C0"/>
                     </a:solidFill>
@@ -38836,7 +38238,7 @@
                   <a:t>separa</a:t>
                 </a:r>
                 <a:r>
-                  <a:rPr lang="en-US" dirty="0" smtClean="0">
+                  <a:rPr lang="en-US" dirty="0">
                     <a:solidFill>
                       <a:srgbClr val="0070C0"/>
                     </a:solidFill>
@@ -38844,22 +38246,21 @@
                   <a:t> </a:t>
                 </a:r>
                 <a:r>
-                  <a:rPr lang="en-US" dirty="0" err="1" smtClean="0"/>
+                  <a:rPr lang="en-US" dirty="0" err="1"/>
                   <a:t>os</a:t>
                 </a:r>
                 <a:r>
-                  <a:rPr lang="en-US" dirty="0" smtClean="0"/>
+                  <a:rPr lang="en-US" dirty="0"/>
                   <a:t> dados </a:t>
                 </a:r>
                 <a:r>
-                  <a:rPr lang="en-US" dirty="0" err="1" smtClean="0"/>
+                  <a:rPr lang="en-US" dirty="0" err="1"/>
                   <a:t>em</a:t>
                 </a:r>
                 <a:r>
-                  <a:rPr lang="en-US" dirty="0" smtClean="0"/>
+                  <a:rPr lang="en-US" dirty="0"/>
                   <a:t> classes.</a:t>
                 </a:r>
-                <a:endParaRPr lang="en-US" dirty="0"/>
               </a:p>
             </p:txBody>
           </p:sp>
@@ -38979,55 +38380,8 @@
           <a:lstStyle/>
           <a:p>
             <a:r>
-              <a:rPr lang="pt-BR" dirty="0" smtClean="0"/>
-              <a:t>Resolução de tarefas </a:t>
-            </a:r>
-            <a:r>
               <a:rPr lang="pt-BR" dirty="0"/>
-              <a:t>de </a:t>
-            </a:r>
-            <a:r>
-              <a:rPr lang="pt-BR" dirty="0" smtClean="0"/>
-              <a:t>classificação:</a:t>
-            </a:r>
-            <a:endParaRPr lang="pt-BR" dirty="0"/>
-          </a:p>
-          <a:p>
-            <a:pPr lvl="1">
-              <a:buFont typeface="Wingdings" panose="05000000000000000000" pitchFamily="2" charset="2"/>
-              <a:buChar char="§"/>
-            </a:pPr>
-            <a:r>
-              <a:rPr lang="pt-BR" dirty="0" smtClean="0"/>
-              <a:t>Classificação </a:t>
-            </a:r>
-            <a:r>
-              <a:rPr lang="pt-BR" dirty="0"/>
-              <a:t>de </a:t>
-            </a:r>
-            <a:r>
-              <a:rPr lang="pt-BR" dirty="0" err="1"/>
-              <a:t>emails</a:t>
-            </a:r>
-            <a:r>
-              <a:rPr lang="pt-BR" dirty="0"/>
-              <a:t> entre </a:t>
-            </a:r>
-            <a:r>
-              <a:rPr lang="pt-BR" dirty="0" smtClean="0"/>
-              <a:t>spam e </a:t>
-            </a:r>
-            <a:r>
-              <a:rPr lang="pt-BR" dirty="0" err="1" smtClean="0"/>
-              <a:t>ham</a:t>
-            </a:r>
-            <a:r>
-              <a:rPr lang="pt-BR" dirty="0" smtClean="0"/>
-              <a:t> (legítimo</a:t>
-            </a:r>
-            <a:r>
-              <a:rPr lang="pt-BR" dirty="0"/>
-              <a:t>).</a:t>
+              <a:t>Resolução de tarefas de classificação:</a:t>
             </a:r>
           </a:p>
           <a:p>
@@ -39040,10 +38394,21 @@
               <a:t>Classificação de </a:t>
             </a:r>
             <a:r>
-              <a:rPr lang="pt-BR" dirty="0" smtClean="0"/>
-              <a:t>objetos em imagens ou vídeos.</a:t>
+              <a:rPr lang="pt-BR" dirty="0" err="1"/>
+              <a:t>emails</a:t>
             </a:r>
-            <a:endParaRPr lang="pt-BR" dirty="0"/>
+            <a:r>
+              <a:rPr lang="pt-BR" dirty="0"/>
+              <a:t> entre spam e </a:t>
+            </a:r>
+            <a:r>
+              <a:rPr lang="pt-BR" dirty="0" err="1"/>
+              <a:t>ham</a:t>
+            </a:r>
+            <a:r>
+              <a:rPr lang="pt-BR" dirty="0"/>
+              <a:t> (legítimo).</a:t>
+            </a:r>
           </a:p>
           <a:p>
             <a:pPr lvl="1">
@@ -39052,13 +38417,8 @@
             </a:pPr>
             <a:r>
               <a:rPr lang="pt-BR" dirty="0"/>
-              <a:t>Detecção ou classificação de </a:t>
+              <a:t>Classificação de objetos em imagens ou vídeos.</a:t>
             </a:r>
-            <a:r>
-              <a:rPr lang="pt-BR" dirty="0" smtClean="0"/>
-              <a:t>símbolos de modulações digitais.</a:t>
-            </a:r>
-            <a:endParaRPr lang="pt-BR" dirty="0"/>
           </a:p>
           <a:p>
             <a:pPr lvl="1">
@@ -39067,14 +38427,20 @@
             </a:pPr>
             <a:r>
               <a:rPr lang="pt-BR" dirty="0"/>
-              <a:t>Classificação de modulações (QPSK, AM, FM, etc</a:t>
+              <a:t>Detecção ou classificação de símbolos de modulações digitais.</a:t>
+            </a:r>
+          </a:p>
+          <a:p>
+            <a:pPr lvl="1">
+              <a:buFont typeface="Wingdings" panose="05000000000000000000" pitchFamily="2" charset="2"/>
+              <a:buChar char="§"/>
+            </a:pPr>
+            <a:r>
+              <a:rPr lang="pt-BR" dirty="0"/>
+              <a:t>Classificação de modulações (QPSK, AM, FM, etc.)</a:t>
             </a:r>
             <a:r>
-              <a:rPr lang="pt-BR" dirty="0" smtClean="0"/>
-              <a:t>.)</a:t>
-            </a:r>
-            <a:r>
-              <a:rPr lang="en-US" dirty="0" smtClean="0"/>
+              <a:rPr lang="en-US" dirty="0"/>
               <a:t>.</a:t>
             </a:r>
             <a:endParaRPr lang="pt-BR" dirty="0"/>
@@ -39086,7 +38452,7 @@
           <p:cNvPr id="4" name="Picture 5" descr="Image result for supervised learning">
             <a:extLst>
               <a:ext uri="{FF2B5EF4-FFF2-40B4-BE49-F238E27FC236}">
-                <a16:creationId xmlns="" xmlns:a16="http://schemas.microsoft.com/office/drawing/2014/main" id="{2520F4EA-1E3E-4F3B-97C0-DF47861DCD42}"/>
+                <a16:creationId xmlns:a16="http://schemas.microsoft.com/office/drawing/2014/main" id="{2520F4EA-1E3E-4F3B-97C0-DF47861DCD42}"/>
               </a:ext>
             </a:extLst>
           </p:cNvPr>
@@ -39202,13 +38568,6 @@
   <p:clrMapOvr>
     <a:masterClrMapping/>
   </p:clrMapOvr>
-  <p:timing>
-    <p:tnLst>
-      <p:par>
-        <p:cTn id="1" dur="indefinite" restart="never" nodeType="tmRoot"/>
-      </p:par>
-    </p:tnLst>
-  </p:timing>
 </p:sld>
 </file>
 

--- a/slides/T320_Classificação (Parte I).pptx
+++ b/slides/T320_Classificação (Parte I).pptx
@@ -299,7 +299,7 @@
           <a:p>
             <a:fld id="{144F1436-6906-4D93-B7A2-786C327BFA14}" type="datetimeFigureOut">
               <a:rPr lang="nl-BE" smtClean="0"/>
-              <a:t>26/07/2023</a:t>
+              <a:t>29/07/2023</a:t>
             </a:fld>
             <a:endParaRPr lang="nl-BE"/>
           </a:p>
@@ -464,7 +464,7 @@
           <a:p>
             <a:fld id="{AA8CD09E-2914-4F47-B6C1-51B2C31814C9}" type="datetimeFigureOut">
               <a:rPr lang="pt-BR" smtClean="0"/>
-              <a:t>26/07/2023</a:t>
+              <a:t>29/07/2023</a:t>
             </a:fld>
             <a:endParaRPr lang="pt-BR"/>
           </a:p>
@@ -2389,7 +2389,7 @@
           <a:p>
             <a:fld id="{63289F7E-B80B-496E-81B4-D396C37C9454}" type="datetimeFigureOut">
               <a:rPr lang="pt-BR" smtClean="0"/>
-              <a:t>26/07/2023</a:t>
+              <a:t>29/07/2023</a:t>
             </a:fld>
             <a:endParaRPr lang="pt-BR"/>
           </a:p>
@@ -2587,7 +2587,7 @@
           <a:p>
             <a:fld id="{63289F7E-B80B-496E-81B4-D396C37C9454}" type="datetimeFigureOut">
               <a:rPr lang="pt-BR" smtClean="0"/>
-              <a:t>26/07/2023</a:t>
+              <a:t>29/07/2023</a:t>
             </a:fld>
             <a:endParaRPr lang="pt-BR"/>
           </a:p>
@@ -2795,7 +2795,7 @@
           <a:p>
             <a:fld id="{63289F7E-B80B-496E-81B4-D396C37C9454}" type="datetimeFigureOut">
               <a:rPr lang="pt-BR" smtClean="0"/>
-              <a:t>26/07/2023</a:t>
+              <a:t>29/07/2023</a:t>
             </a:fld>
             <a:endParaRPr lang="pt-BR"/>
           </a:p>
@@ -2993,7 +2993,7 @@
           <a:p>
             <a:fld id="{63289F7E-B80B-496E-81B4-D396C37C9454}" type="datetimeFigureOut">
               <a:rPr lang="pt-BR" smtClean="0"/>
-              <a:t>26/07/2023</a:t>
+              <a:t>29/07/2023</a:t>
             </a:fld>
             <a:endParaRPr lang="pt-BR"/>
           </a:p>
@@ -3268,7 +3268,7 @@
           <a:p>
             <a:fld id="{63289F7E-B80B-496E-81B4-D396C37C9454}" type="datetimeFigureOut">
               <a:rPr lang="pt-BR" smtClean="0"/>
-              <a:t>26/07/2023</a:t>
+              <a:t>29/07/2023</a:t>
             </a:fld>
             <a:endParaRPr lang="pt-BR"/>
           </a:p>
@@ -3533,7 +3533,7 @@
           <a:p>
             <a:fld id="{63289F7E-B80B-496E-81B4-D396C37C9454}" type="datetimeFigureOut">
               <a:rPr lang="pt-BR" smtClean="0"/>
-              <a:t>26/07/2023</a:t>
+              <a:t>29/07/2023</a:t>
             </a:fld>
             <a:endParaRPr lang="pt-BR"/>
           </a:p>
@@ -3945,7 +3945,7 @@
           <a:p>
             <a:fld id="{63289F7E-B80B-496E-81B4-D396C37C9454}" type="datetimeFigureOut">
               <a:rPr lang="pt-BR" smtClean="0"/>
-              <a:t>26/07/2023</a:t>
+              <a:t>29/07/2023</a:t>
             </a:fld>
             <a:endParaRPr lang="pt-BR"/>
           </a:p>
@@ -4086,7 +4086,7 @@
           <a:p>
             <a:fld id="{63289F7E-B80B-496E-81B4-D396C37C9454}" type="datetimeFigureOut">
               <a:rPr lang="pt-BR" smtClean="0"/>
-              <a:t>26/07/2023</a:t>
+              <a:t>29/07/2023</a:t>
             </a:fld>
             <a:endParaRPr lang="pt-BR"/>
           </a:p>
@@ -4199,7 +4199,7 @@
           <a:p>
             <a:fld id="{63289F7E-B80B-496E-81B4-D396C37C9454}" type="datetimeFigureOut">
               <a:rPr lang="pt-BR" smtClean="0"/>
-              <a:t>26/07/2023</a:t>
+              <a:t>29/07/2023</a:t>
             </a:fld>
             <a:endParaRPr lang="pt-BR"/>
           </a:p>
@@ -4510,7 +4510,7 @@
           <a:p>
             <a:fld id="{63289F7E-B80B-496E-81B4-D396C37C9454}" type="datetimeFigureOut">
               <a:rPr lang="pt-BR" smtClean="0"/>
-              <a:t>26/07/2023</a:t>
+              <a:t>29/07/2023</a:t>
             </a:fld>
             <a:endParaRPr lang="pt-BR"/>
           </a:p>
@@ -4798,7 +4798,7 @@
           <a:p>
             <a:fld id="{63289F7E-B80B-496E-81B4-D396C37C9454}" type="datetimeFigureOut">
               <a:rPr lang="pt-BR" smtClean="0"/>
-              <a:t>26/07/2023</a:t>
+              <a:t>29/07/2023</a:t>
             </a:fld>
             <a:endParaRPr lang="pt-BR"/>
           </a:p>
@@ -5039,7 +5039,7 @@
           <a:p>
             <a:fld id="{63289F7E-B80B-496E-81B4-D396C37C9454}" type="datetimeFigureOut">
               <a:rPr lang="pt-BR" smtClean="0"/>
-              <a:t>26/07/2023</a:t>
+              <a:t>29/07/2023</a:t>
             </a:fld>
             <a:endParaRPr lang="pt-BR"/>
           </a:p>

--- a/slides/T320_Classificação (Parte I).pptx
+++ b/slides/T320_Classificação (Parte I).pptx
@@ -299,7 +299,7 @@
           <a:p>
             <a:fld id="{144F1436-6906-4D93-B7A2-786C327BFA14}" type="datetimeFigureOut">
               <a:rPr lang="nl-BE" smtClean="0"/>
-              <a:t>29/07/2023</a:t>
+              <a:t>4/08/2023</a:t>
             </a:fld>
             <a:endParaRPr lang="nl-BE"/>
           </a:p>
@@ -464,7 +464,7 @@
           <a:p>
             <a:fld id="{AA8CD09E-2914-4F47-B6C1-51B2C31814C9}" type="datetimeFigureOut">
               <a:rPr lang="pt-BR" smtClean="0"/>
-              <a:t>29/07/2023</a:t>
+              <a:t>04/08/2023</a:t>
             </a:fld>
             <a:endParaRPr lang="pt-BR"/>
           </a:p>
@@ -2389,7 +2389,7 @@
           <a:p>
             <a:fld id="{63289F7E-B80B-496E-81B4-D396C37C9454}" type="datetimeFigureOut">
               <a:rPr lang="pt-BR" smtClean="0"/>
-              <a:t>29/07/2023</a:t>
+              <a:t>04/08/2023</a:t>
             </a:fld>
             <a:endParaRPr lang="pt-BR"/>
           </a:p>
@@ -2587,7 +2587,7 @@
           <a:p>
             <a:fld id="{63289F7E-B80B-496E-81B4-D396C37C9454}" type="datetimeFigureOut">
               <a:rPr lang="pt-BR" smtClean="0"/>
-              <a:t>29/07/2023</a:t>
+              <a:t>04/08/2023</a:t>
             </a:fld>
             <a:endParaRPr lang="pt-BR"/>
           </a:p>
@@ -2795,7 +2795,7 @@
           <a:p>
             <a:fld id="{63289F7E-B80B-496E-81B4-D396C37C9454}" type="datetimeFigureOut">
               <a:rPr lang="pt-BR" smtClean="0"/>
-              <a:t>29/07/2023</a:t>
+              <a:t>04/08/2023</a:t>
             </a:fld>
             <a:endParaRPr lang="pt-BR"/>
           </a:p>
@@ -2993,7 +2993,7 @@
           <a:p>
             <a:fld id="{63289F7E-B80B-496E-81B4-D396C37C9454}" type="datetimeFigureOut">
               <a:rPr lang="pt-BR" smtClean="0"/>
-              <a:t>29/07/2023</a:t>
+              <a:t>04/08/2023</a:t>
             </a:fld>
             <a:endParaRPr lang="pt-BR"/>
           </a:p>
@@ -3268,7 +3268,7 @@
           <a:p>
             <a:fld id="{63289F7E-B80B-496E-81B4-D396C37C9454}" type="datetimeFigureOut">
               <a:rPr lang="pt-BR" smtClean="0"/>
-              <a:t>29/07/2023</a:t>
+              <a:t>04/08/2023</a:t>
             </a:fld>
             <a:endParaRPr lang="pt-BR"/>
           </a:p>
@@ -3533,7 +3533,7 @@
           <a:p>
             <a:fld id="{63289F7E-B80B-496E-81B4-D396C37C9454}" type="datetimeFigureOut">
               <a:rPr lang="pt-BR" smtClean="0"/>
-              <a:t>29/07/2023</a:t>
+              <a:t>04/08/2023</a:t>
             </a:fld>
             <a:endParaRPr lang="pt-BR"/>
           </a:p>
@@ -3945,7 +3945,7 @@
           <a:p>
             <a:fld id="{63289F7E-B80B-496E-81B4-D396C37C9454}" type="datetimeFigureOut">
               <a:rPr lang="pt-BR" smtClean="0"/>
-              <a:t>29/07/2023</a:t>
+              <a:t>04/08/2023</a:t>
             </a:fld>
             <a:endParaRPr lang="pt-BR"/>
           </a:p>
@@ -4086,7 +4086,7 @@
           <a:p>
             <a:fld id="{63289F7E-B80B-496E-81B4-D396C37C9454}" type="datetimeFigureOut">
               <a:rPr lang="pt-BR" smtClean="0"/>
-              <a:t>29/07/2023</a:t>
+              <a:t>04/08/2023</a:t>
             </a:fld>
             <a:endParaRPr lang="pt-BR"/>
           </a:p>
@@ -4199,7 +4199,7 @@
           <a:p>
             <a:fld id="{63289F7E-B80B-496E-81B4-D396C37C9454}" type="datetimeFigureOut">
               <a:rPr lang="pt-BR" smtClean="0"/>
-              <a:t>29/07/2023</a:t>
+              <a:t>04/08/2023</a:t>
             </a:fld>
             <a:endParaRPr lang="pt-BR"/>
           </a:p>
@@ -4510,7 +4510,7 @@
           <a:p>
             <a:fld id="{63289F7E-B80B-496E-81B4-D396C37C9454}" type="datetimeFigureOut">
               <a:rPr lang="pt-BR" smtClean="0"/>
-              <a:t>29/07/2023</a:t>
+              <a:t>04/08/2023</a:t>
             </a:fld>
             <a:endParaRPr lang="pt-BR"/>
           </a:p>
@@ -4798,7 +4798,7 @@
           <a:p>
             <a:fld id="{63289F7E-B80B-496E-81B4-D396C37C9454}" type="datetimeFigureOut">
               <a:rPr lang="pt-BR" smtClean="0"/>
-              <a:t>29/07/2023</a:t>
+              <a:t>04/08/2023</a:t>
             </a:fld>
             <a:endParaRPr lang="pt-BR"/>
           </a:p>
@@ -5039,7 +5039,7 @@
           <a:p>
             <a:fld id="{63289F7E-B80B-496E-81B4-D396C37C9454}" type="datetimeFigureOut">
               <a:rPr lang="pt-BR" smtClean="0"/>
-              <a:t>29/07/2023</a:t>
+              <a:t>04/08/2023</a:t>
             </a:fld>
             <a:endParaRPr lang="pt-BR"/>
           </a:p>
@@ -5672,26 +5672,18 @@
         <p:spPr>
           <a:xfrm>
             <a:off x="838200" y="4922156"/>
-            <a:ext cx="10515600" cy="1707243"/>
+            <a:ext cx="10858500" cy="1834185"/>
           </a:xfrm>
         </p:spPr>
         <p:txBody>
           <a:bodyPr>
-            <a:normAutofit/>
+            <a:normAutofit fontScale="92500" lnSpcReduction="10000"/>
           </a:bodyPr>
           <a:lstStyle/>
           <a:p>
             <a:r>
               <a:rPr lang="pt-BR" dirty="0"/>
-              <a:t>Reconhecimento de texto escrito </a:t>
-            </a:r>
-            <a:r>
-              <a:rPr lang="nl-BE" dirty="0"/>
-              <a:t>à</a:t>
-            </a:r>
-            <a:r>
-              <a:rPr lang="pt-BR" dirty="0"/>
-              <a:t> mão.</a:t>
+              <a:t>Reconhecimento de texto e dígitos.</a:t>
             </a:r>
           </a:p>
           <a:p>
@@ -5704,6 +5696,12 @@
             <a:r>
               <a:rPr lang="pt-BR" dirty="0"/>
               <a:t>Classificação de sentimentos.</a:t>
+            </a:r>
+          </a:p>
+          <a:p>
+            <a:r>
+              <a:rPr lang="pt-BR" dirty="0"/>
+              <a:t>Classificação do doenças pulmonares</a:t>
             </a:r>
           </a:p>
         </p:txBody>
@@ -5731,8 +5729,8 @@
         </p:blipFill>
         <p:spPr bwMode="auto">
           <a:xfrm>
-            <a:off x="370030" y="1992086"/>
-            <a:ext cx="3577893" cy="2370967"/>
+            <a:off x="168311" y="1817483"/>
+            <a:ext cx="3635331" cy="2409029"/>
           </a:xfrm>
           <a:prstGeom prst="rect">
             <a:avLst/>
@@ -5770,8 +5768,8 @@
         </p:blipFill>
         <p:spPr bwMode="auto">
           <a:xfrm>
-            <a:off x="4211992" y="1992086"/>
-            <a:ext cx="4139112" cy="2365206"/>
+            <a:off x="3988099" y="1757087"/>
+            <a:ext cx="4215802" cy="2409029"/>
           </a:xfrm>
           <a:prstGeom prst="rect">
             <a:avLst/>
@@ -5811,8 +5809,8 @@
         </p:blipFill>
         <p:spPr bwMode="auto">
           <a:xfrm>
-            <a:off x="8615173" y="1992086"/>
-            <a:ext cx="3337341" cy="2365206"/>
+            <a:off x="8388358" y="809625"/>
+            <a:ext cx="3177806" cy="2252142"/>
           </a:xfrm>
           <a:prstGeom prst="rect">
             <a:avLst/>
@@ -5872,11 +5870,56 @@
           <a:p>
             <a:r>
               <a:rPr lang="pt-BR" dirty="0"/>
-              <a:t>Motivação para tarefas de classificação</a:t>
+              <a:t>Tarefas de classificação</a:t>
             </a:r>
           </a:p>
         </p:txBody>
       </p:sp>
+      <p:pic>
+        <p:nvPicPr>
+          <p:cNvPr id="2" name="Picture 2">
+            <a:extLst>
+              <a:ext uri="{FF2B5EF4-FFF2-40B4-BE49-F238E27FC236}">
+                <a16:creationId xmlns:a16="http://schemas.microsoft.com/office/drawing/2014/main" id="{A9D184C6-ECA9-05BF-F6B4-C0965441E4E9}"/>
+              </a:ext>
+            </a:extLst>
+          </p:cNvPr>
+          <p:cNvPicPr>
+            <a:picLocks noChangeAspect="1" noChangeArrowheads="1"/>
+          </p:cNvPicPr>
+          <p:nvPr/>
+        </p:nvPicPr>
+        <p:blipFill rotWithShape="1">
+          <a:blip r:embed="rId5">
+            <a:extLst>
+              <a:ext uri="{28A0092B-C50C-407E-A947-70E740481C1C}">
+                <a14:useLocalDpi xmlns:a14="http://schemas.microsoft.com/office/drawing/2010/main" val="0"/>
+              </a:ext>
+            </a:extLst>
+          </a:blip>
+          <a:srcRect t="17700" r="73203" b="10234"/>
+          <a:stretch/>
+        </p:blipFill>
+        <p:spPr bwMode="auto">
+          <a:xfrm>
+            <a:off x="8402081" y="3424860"/>
+            <a:ext cx="3267075" cy="3331481"/>
+          </a:xfrm>
+          <a:prstGeom prst="rect">
+            <a:avLst/>
+          </a:prstGeom>
+          <a:noFill/>
+          <a:extLst>
+            <a:ext uri="{909E8E84-426E-40DD-AFC4-6F175D3DCCD1}">
+              <a14:hiddenFill xmlns:a14="http://schemas.microsoft.com/office/drawing/2010/main">
+                <a:solidFill>
+                  <a:srgbClr val="FFFFFF"/>
+                </a:solidFill>
+              </a14:hiddenFill>
+            </a:ext>
+          </a:extLst>
+        </p:spPr>
+      </p:pic>
     </p:spTree>
     <p:extLst>
       <p:ext uri="{BB962C8B-B14F-4D97-AF65-F5344CB8AC3E}">
@@ -5929,8 +5972,8 @@
           </a:p>
         </p:txBody>
       </p:sp>
-      <mc:AlternateContent xmlns:mc="http://schemas.openxmlformats.org/markup-compatibility/2006" xmlns:a14="http://schemas.microsoft.com/office/drawing/2010/main">
-        <mc:Choice Requires="a14">
+      <mc:AlternateContent xmlns:mc="http://schemas.openxmlformats.org/markup-compatibility/2006">
+        <mc:Choice xmlns:a14="http://schemas.microsoft.com/office/drawing/2010/main" Requires="a14">
           <p:sp>
             <p:nvSpPr>
               <p:cNvPr id="3" name="Content Placeholder 2"/>
@@ -5944,12 +5987,12 @@
             <p:spPr>
               <a:xfrm>
                 <a:off x="838199" y="1825624"/>
-                <a:ext cx="11085215" cy="5032375"/>
+                <a:ext cx="11125201" cy="5032375"/>
               </a:xfrm>
             </p:spPr>
             <p:txBody>
               <a:bodyPr>
-                <a:normAutofit fontScale="92500" lnSpcReduction="20000"/>
+                <a:normAutofit lnSpcReduction="10000"/>
               </a:bodyPr>
               <a:lstStyle/>
               <a:p>
@@ -5959,7 +6002,7 @@
                 </a:r>
                 <a:r>
                   <a:rPr lang="pt-BR" dirty="0"/>
-                  <a:t>: encontrar uma função </a:t>
+                  <a:t>: encontrar uma função, </a:t>
                 </a:r>
                 <a14:m>
                   <m:oMath xmlns:m="http://schemas.openxmlformats.org/officeDocument/2006/math">
@@ -5991,7 +6034,7 @@
                 </a14:m>
                 <a:r>
                   <a:rPr lang="pt-BR" dirty="0"/>
-                  <a:t> que atribua a cada </a:t>
+                  <a:t>, que atribua a um </a:t>
                 </a:r>
                 <a:r>
                   <a:rPr lang="pt-BR" b="1" i="1" dirty="0"/>
@@ -6021,7 +6064,7 @@
                 </a:r>
                 <a:r>
                   <a:rPr lang="pt-BR" dirty="0"/>
-                  <a:t>uma das </a:t>
+                  <a:t>uma de </a:t>
                 </a:r>
                 <a14:m>
                   <m:oMath xmlns:m="http://schemas.openxmlformats.org/officeDocument/2006/math">
@@ -6035,7 +6078,7 @@
                 </a14:m>
                 <a:r>
                   <a:rPr lang="pt-BR" dirty="0"/>
-                  <a:t> classes possíveis, </a:t>
+                  <a:t> classes possíveis, as quais denotaremos como </a:t>
                 </a:r>
                 <a14:m>
                   <m:oMath xmlns:m="http://schemas.openxmlformats.org/officeDocument/2006/math">
@@ -6092,7 +6135,7 @@
                 </a14:m>
                 <a:r>
                   <a:rPr lang="pt-BR" dirty="0"/>
-                  <a:t> e a qual o exemplo pertence.</a:t>
+                  <a:t>.</a:t>
                 </a:r>
               </a:p>
               <a:p>
@@ -6111,11 +6154,15 @@
                   <a:buChar char="o"/>
                 </a:pPr>
                 <a:r>
-                  <a:rPr lang="pt-BR" dirty="0"/>
-                  <a:t>Spam e </a:t>
+                  <a:rPr lang="pt-BR" i="1" dirty="0"/>
+                  <a:t>Spam</a:t>
                 </a:r>
                 <a:r>
-                  <a:rPr lang="pt-BR" dirty="0" err="1"/>
+                  <a:rPr lang="pt-BR" dirty="0"/>
+                  <a:t> e </a:t>
+                </a:r>
+                <a:r>
+                  <a:rPr lang="pt-BR" i="1" dirty="0" err="1"/>
                   <a:t>ham</a:t>
                 </a:r>
                 <a:r>
@@ -6180,7 +6227,33 @@
                 </a:pPr>
                 <a:r>
                   <a:rPr lang="pt-BR" dirty="0"/>
-                  <a:t>Símbolos de uma modulação específica.</a:t>
+                  <a:t>Símbolos de uma modulação específica (e.g., QPSK: </a:t>
+                </a:r>
+                <a14:m>
+                  <m:oMath xmlns:m="http://schemas.openxmlformats.org/officeDocument/2006/math">
+                    <m:r>
+                      <a:rPr lang="pt-BR" i="1" smtClean="0">
+                        <a:latin typeface="Cambria Math" panose="02040503050406030204" pitchFamily="18" charset="0"/>
+                      </a:rPr>
+                      <m:t>𝑄</m:t>
+                    </m:r>
+                    <m:r>
+                      <a:rPr lang="pt-BR" b="0" i="1" smtClean="0">
+                        <a:latin typeface="Cambria Math" panose="02040503050406030204" pitchFamily="18" charset="0"/>
+                      </a:rPr>
+                      <m:t>=</m:t>
+                    </m:r>
+                    <m:r>
+                      <a:rPr lang="pt-BR" b="0" i="1" smtClean="0">
+                        <a:latin typeface="Cambria Math" panose="02040503050406030204" pitchFamily="18" charset="0"/>
+                      </a:rPr>
+                      <m:t>4</m:t>
+                    </m:r>
+                  </m:oMath>
+                </a14:m>
+                <a:r>
+                  <a:rPr lang="pt-BR" dirty="0"/>
+                  <a:t>).</a:t>
                 </a:r>
               </a:p>
               <a:p>
@@ -6768,39 +6841,13 @@
                 </a:r>
                 <a:r>
                   <a:rPr lang="pt-BR" dirty="0"/>
-                  <a:t>. </a:t>
-                </a:r>
-              </a:p>
-              <a:p>
-                <a:pPr>
-                  <a:buFont typeface="Wingdings" panose="05000000000000000000" pitchFamily="2" charset="2"/>
-                  <a:buChar char="§"/>
-                </a:pPr>
-                <a:r>
-                  <a:rPr lang="pt-BR" dirty="0"/>
-                  <a:t>Portanto, como vocês já devem ter percebido, </a:t>
-                </a:r>
-                <a:r>
-                  <a:rPr lang="pt-BR" b="1" i="1" dirty="0"/>
-                  <a:t>classificadores</a:t>
-                </a:r>
-                <a:r>
-                  <a:rPr lang="pt-BR" dirty="0"/>
-                  <a:t> são algoritmos de </a:t>
-                </a:r>
-                <a:r>
-                  <a:rPr lang="pt-BR" b="1" i="1" dirty="0"/>
-                  <a:t>treinamento supervisionado</a:t>
-                </a:r>
-                <a:r>
-                  <a:rPr lang="pt-BR" dirty="0"/>
                   <a:t>.</a:t>
                 </a:r>
               </a:p>
             </p:txBody>
           </p:sp>
         </mc:Choice>
-        <mc:Fallback xmlns="">
+        <mc:Fallback>
           <p:sp>
             <p:nvSpPr>
               <p:cNvPr id="3" name="Content Placeholder 2"/>
@@ -6814,12 +6861,12 @@
             <p:spPr>
               <a:xfrm>
                 <a:off x="838199" y="1825624"/>
-                <a:ext cx="11085215" cy="5032375"/>
+                <a:ext cx="11125201" cy="5032375"/>
               </a:xfrm>
-              <a:blipFill rotWithShape="0">
+              <a:blipFill>
                 <a:blip r:embed="rId3"/>
                 <a:stretch>
-                  <a:fillRect l="-825" t="-3027" r="-1649"/>
+                  <a:fillRect l="-931" t="-2663" b="-242"/>
                 </a:stretch>
               </a:blipFill>
             </p:spPr>
@@ -6890,8 +6937,8 @@
           </a:p>
         </p:txBody>
       </p:sp>
-      <mc:AlternateContent xmlns:mc="http://schemas.openxmlformats.org/markup-compatibility/2006" xmlns:a14="http://schemas.microsoft.com/office/drawing/2010/main">
-        <mc:Choice Requires="a14">
+      <mc:AlternateContent xmlns:mc="http://schemas.openxmlformats.org/markup-compatibility/2006">
+        <mc:Choice xmlns:a14="http://schemas.microsoft.com/office/drawing/2010/main" Requires="a14">
           <p:sp>
             <p:nvSpPr>
               <p:cNvPr id="3" name="Content Placeholder 2"/>
@@ -6904,8 +6951,8 @@
             </p:nvSpPr>
             <p:spPr>
               <a:xfrm>
-                <a:off x="838199" y="1825624"/>
-                <a:ext cx="11139536" cy="5032376"/>
+                <a:off x="838198" y="1825624"/>
+                <a:ext cx="11220451" cy="5032376"/>
               </a:xfrm>
             </p:spPr>
             <p:txBody>
@@ -6916,11 +6963,11 @@
               <a:p>
                 <a:r>
                   <a:rPr lang="pt-BR" dirty="0"/>
-                  <a:t>A </a:t>
+                  <a:t>O </a:t>
                 </a:r>
                 <a:r>
                   <a:rPr lang="pt-BR" b="1" i="1" dirty="0"/>
-                  <a:t>saída desejada</a:t>
+                  <a:t>saída</a:t>
                 </a:r>
                 <a:r>
                   <a:rPr lang="pt-BR" dirty="0"/>
@@ -6967,20 +7014,28 @@
                   </m:oMath>
                 </a14:m>
                 <a:r>
+                  <a:rPr lang="pt-BR" dirty="0"/>
+                  <a:t>,</a:t>
+                </a:r>
+                <a:r>
                   <a:rPr lang="pt-BR" b="1" i="1" dirty="0"/>
                   <a:t> </a:t>
                 </a:r>
                 <a:r>
                   <a:rPr lang="pt-BR" dirty="0"/>
-                  <a:t>deve ser um valor que identifique a </a:t>
+                  <a:t>deve ser um valor que identifique a qual </a:t>
                 </a:r>
                 <a:r>
                   <a:rPr lang="pt-BR" b="1" i="1" dirty="0"/>
-                  <a:t>classe</a:t>
+                  <a:t>classe </a:t>
                 </a:r>
                 <a:r>
                   <a:rPr lang="pt-BR" dirty="0"/>
-                  <a:t> à qual </a:t>
+                  <a:t>o vetor</a:t>
+                </a:r>
+                <a:r>
+                  <a:rPr lang="pt-BR" b="1" dirty="0"/>
+                  <a:t> </a:t>
                 </a:r>
                 <a14:m>
                   <m:oMath xmlns:m="http://schemas.openxmlformats.org/officeDocument/2006/math">
@@ -6990,23 +7045,24 @@
                       </a:rPr>
                       <m:t>𝒙</m:t>
                     </m:r>
-                    <m:d>
-                      <m:dPr>
-                        <m:ctrlPr>
-                          <a:rPr lang="pt-BR" b="1" i="1">
-                            <a:latin typeface="Cambria Math" panose="02040503050406030204" pitchFamily="18" charset="0"/>
-                          </a:rPr>
-                        </m:ctrlPr>
-                      </m:dPr>
-                      <m:e>
-                        <m:r>
-                          <a:rPr lang="pt-BR" i="1">
-                            <a:latin typeface="Cambria Math" panose="02040503050406030204" pitchFamily="18" charset="0"/>
-                          </a:rPr>
-                          <m:t>𝑖</m:t>
-                        </m:r>
-                      </m:e>
-                    </m:d>
+                    <m:r>
+                      <a:rPr lang="pt-BR" i="1">
+                        <a:latin typeface="Cambria Math" panose="02040503050406030204" pitchFamily="18" charset="0"/>
+                      </a:rPr>
+                      <m:t>(</m:t>
+                    </m:r>
+                    <m:r>
+                      <a:rPr lang="pt-BR" i="1">
+                        <a:latin typeface="Cambria Math" panose="02040503050406030204" pitchFamily="18" charset="0"/>
+                      </a:rPr>
+                      <m:t>𝑖</m:t>
+                    </m:r>
+                    <m:r>
+                      <a:rPr lang="pt-BR" i="1">
+                        <a:latin typeface="Cambria Math" panose="02040503050406030204" pitchFamily="18" charset="0"/>
+                      </a:rPr>
+                      <m:t>)</m:t>
+                    </m:r>
                   </m:oMath>
                 </a14:m>
                 <a:r>
@@ -7017,7 +7073,7 @@
               <a:p>
                 <a:r>
                   <a:rPr lang="pt-BR" dirty="0"/>
-                  <a:t>Sendo assim, a saída </a:t>
+                  <a:t>Sendo assim, a saída, </a:t>
                 </a:r>
                 <a14:m>
                   <m:oMath xmlns:m="http://schemas.openxmlformats.org/officeDocument/2006/math">
@@ -7061,7 +7117,7 @@
                 </a14:m>
                 <a:r>
                   <a:rPr lang="pt-BR" dirty="0"/>
-                  <a:t> de um </a:t>
+                  <a:t>, de um </a:t>
                 </a:r>
                 <a:r>
                   <a:rPr lang="pt-BR" b="1" i="1" dirty="0"/>
@@ -7107,11 +7163,11 @@
                 </a:r>
                 <a:r>
                   <a:rPr lang="pt-BR" dirty="0"/>
-                  <a:t>para a </a:t>
+                  <a:t>para os </a:t>
                 </a:r>
                 <a:r>
                   <a:rPr lang="pt-BR" b="1" i="1" dirty="0"/>
-                  <a:t>saída</a:t>
+                  <a:t>rótulos</a:t>
                 </a:r>
                 <a:r>
                   <a:rPr lang="pt-BR" dirty="0"/>
@@ -7157,7 +7213,7 @@
             </p:txBody>
           </p:sp>
         </mc:Choice>
-        <mc:Fallback xmlns="">
+        <mc:Fallback>
           <p:sp>
             <p:nvSpPr>
               <p:cNvPr id="3" name="Content Placeholder 2"/>
@@ -7170,13 +7226,13 @@
             </p:nvSpPr>
             <p:spPr>
               <a:xfrm>
-                <a:off x="838199" y="1825624"/>
-                <a:ext cx="11139536" cy="5032376"/>
+                <a:off x="838198" y="1825624"/>
+                <a:ext cx="11220451" cy="5032376"/>
               </a:xfrm>
-              <a:blipFill rotWithShape="0">
+              <a:blipFill>
                 <a:blip r:embed="rId3"/>
                 <a:stretch>
-                  <a:fillRect l="-930" t="-1937"/>
+                  <a:fillRect l="-923" t="-1937" r="-706"/>
                 </a:stretch>
               </a:blipFill>
             </p:spPr>
@@ -7185,7 +7241,7 @@
               <a:lstStyle/>
               <a:p>
                 <a:r>
-                  <a:rPr lang="en-US">
+                  <a:rPr lang="pt-BR">
                     <a:noFill/>
                   </a:rPr>
                   <a:t> </a:t>
@@ -7203,7 +7259,7 @@
         </p:nvGrpSpPr>
         <p:grpSpPr>
           <a:xfrm>
-            <a:off x="4463439" y="5613149"/>
+            <a:off x="4344567" y="5850893"/>
             <a:ext cx="3889055" cy="805758"/>
             <a:chOff x="4415426" y="5866646"/>
             <a:chExt cx="3889055" cy="805758"/>
@@ -7626,8 +7682,8 @@
           </a:p>
         </p:txBody>
       </p:sp>
-      <mc:AlternateContent xmlns:mc="http://schemas.openxmlformats.org/markup-compatibility/2006" xmlns:a14="http://schemas.microsoft.com/office/drawing/2010/main">
-        <mc:Choice Requires="a14">
+      <mc:AlternateContent xmlns:mc="http://schemas.openxmlformats.org/markup-compatibility/2006">
+        <mc:Choice xmlns:a14="http://schemas.microsoft.com/office/drawing/2010/main" Requires="a14">
           <p:sp>
             <p:nvSpPr>
               <p:cNvPr id="3" name="Content Placeholder 2"/>
@@ -7839,7 +7895,7 @@
                 <a:r>
                   <a:rPr lang="pt-BR" b="1" i="1" dirty="0">
                     <a:solidFill>
-                      <a:srgbClr val="FF0000"/>
+                      <a:srgbClr val="00B050"/>
                     </a:solidFill>
                   </a:rPr>
                   <a:t>única saída escalar </a:t>
@@ -7862,7 +7918,7 @@
                 </a:r>
                 <a:r>
                   <a:rPr lang="pt-BR" b="1" i="1" dirty="0"/>
-                  <a:t>vetor de atributos de entrada</a:t>
+                  <a:t>vetor de atributos</a:t>
                 </a:r>
                 <a:r>
                   <a:rPr lang="pt-BR" dirty="0"/>
@@ -8785,7 +8841,7 @@
             </p:txBody>
           </p:sp>
         </mc:Choice>
-        <mc:Fallback xmlns="">
+        <mc:Fallback>
           <p:sp>
             <p:nvSpPr>
               <p:cNvPr id="3" name="Content Placeholder 2"/>
@@ -8801,7 +8857,7 @@
                 <a:off x="838200" y="1825624"/>
                 <a:ext cx="11085576" cy="5032376"/>
               </a:xfrm>
-              <a:blipFill rotWithShape="0">
+              <a:blipFill>
                 <a:blip r:embed="rId2"/>
                 <a:stretch>
                   <a:fillRect l="-990" t="-1937" r="-1375"/>
@@ -8880,8 +8936,8 @@
           </a:p>
         </p:txBody>
       </p:sp>
-      <mc:AlternateContent xmlns:mc="http://schemas.openxmlformats.org/markup-compatibility/2006" xmlns:a14="http://schemas.microsoft.com/office/drawing/2010/main">
-        <mc:Choice Requires="a14">
+      <mc:AlternateContent xmlns:mc="http://schemas.openxmlformats.org/markup-compatibility/2006">
+        <mc:Choice xmlns:a14="http://schemas.microsoft.com/office/drawing/2010/main" Requires="a14">
           <p:sp>
             <p:nvSpPr>
               <p:cNvPr id="3" name="Content Placeholder 2"/>
@@ -8946,7 +9002,7 @@
                 </a:pPr>
                 <a:r>
                   <a:rPr lang="pt-BR" dirty="0"/>
-                  <a:t>Geralmente, nesse caso, o classificador terá </a:t>
+                  <a:t>Geralmente, nesses casos, o classificador terá </a:t>
                 </a:r>
                 <a14:m>
                   <m:oMath xmlns:m="http://schemas.openxmlformats.org/officeDocument/2006/math">
@@ -9016,7 +9072,10 @@
                 </a:r>
               </a:p>
               <a:p>
-                <a:pPr lvl="1"/>
+                <a:pPr lvl="1">
+                  <a:buFont typeface="Wingdings" panose="05000000000000000000" pitchFamily="2" charset="2"/>
+                  <a:buChar char="§"/>
+                </a:pPr>
                 <a:r>
                   <a:rPr lang="pt-BR" dirty="0"/>
                   <a:t>Ou seja, as saídas são vetores com o valor 1 no elemento representando a classe do exemplo de entrada e 0 nos demais elementos. </a:t>
@@ -9091,7 +9150,7 @@
                 </a:r>
                 <a:r>
                   <a:rPr lang="pt-BR" dirty="0"/>
-                  <a:t>. Como seria a representação com codificação </a:t>
+                  <a:t>. Como seria a representação com a codificação </a:t>
                 </a:r>
                 <a:r>
                   <a:rPr lang="pt-BR" b="1" i="1" dirty="0"/>
@@ -9730,7 +9789,7 @@
             </p:txBody>
           </p:sp>
         </mc:Choice>
-        <mc:Fallback xmlns="">
+        <mc:Fallback>
           <p:sp>
             <p:nvSpPr>
               <p:cNvPr id="3" name="Content Placeholder 2"/>
@@ -9746,7 +9805,7 @@
                 <a:off x="838200" y="1191404"/>
                 <a:ext cx="11192435" cy="5638460"/>
               </a:xfrm>
-              <a:blipFill rotWithShape="0">
+              <a:blipFill>
                 <a:blip r:embed="rId2"/>
                 <a:stretch>
                   <a:fillRect l="-871" t="-1622"/>
@@ -18187,7 +18246,7 @@
             </a:pPr>
             <a:r>
               <a:rPr lang="pt-BR" dirty="0"/>
-              <a:t> Quizzes e exercícios envolvendo o uso dos algoritmos discutidos.</a:t>
+              <a:t> Quizzes e exercícios envolvendo os conceitos discutidos.</a:t>
             </a:r>
           </a:p>
         </p:txBody>
@@ -31590,16 +31649,6 @@
             </a:pPr>
             <a:r>
               <a:rPr lang="pt-BR" dirty="0"/>
-              <a:t>Aplicar algoritmos de ML para a resolução de problemas.</a:t>
-            </a:r>
-          </a:p>
-          <a:p>
-            <a:pPr lvl="1">
-              <a:buFont typeface="Wingdings" panose="05000000000000000000" pitchFamily="2" charset="2"/>
-              <a:buChar char="§"/>
-            </a:pPr>
-            <a:r>
-              <a:rPr lang="pt-BR" dirty="0"/>
               <a:t>Entender o funcionamento de novos algoritmos de ML.</a:t>
             </a:r>
           </a:p>
@@ -31610,7 +31659,7 @@
             </a:pPr>
             <a:r>
               <a:rPr lang="pt-BR" dirty="0"/>
-              <a:t>Criar projetos que envolvam ML.</a:t>
+              <a:t>Aplicar algoritmos de ML para a resolução de problemas.</a:t>
             </a:r>
           </a:p>
         </p:txBody>
@@ -31779,8 +31828,16 @@
           <a:lstStyle/>
           <a:p>
             <a:r>
+              <a:rPr lang="pt-BR" b="1" i="1" dirty="0">
+                <a:solidFill>
+                  <a:srgbClr val="00B050"/>
+                </a:solidFill>
+              </a:rPr>
+              <a:t>Dois (2) trabalhos </a:t>
+            </a:r>
+            <a:r>
               <a:rPr lang="pt-BR" dirty="0"/>
-              <a:t>2 trabalhos em grupo com peso de 85% cada.</a:t>
+              <a:t>em grupo com peso de 85% cada.</a:t>
             </a:r>
           </a:p>
           <a:p>
@@ -31790,7 +31847,7 @@
             </a:pPr>
             <a:r>
               <a:rPr lang="pt-BR" dirty="0"/>
-              <a:t>Envolvendo questões teóricas e/ou práticas.</a:t>
+              <a:t>Envolvendo questões práticas e/ou teóricas.</a:t>
             </a:r>
           </a:p>
           <a:p>
@@ -31814,7 +31871,19 @@
           <a:p>
             <a:r>
               <a:rPr lang="pt-BR" dirty="0"/>
-              <a:t>2 conjuntos de exercícios (quizzes e laboratórios) com peso de 15% cada.</a:t>
+              <a:t>Dois (2) conjuntos de exercícios (</a:t>
+            </a:r>
+            <a:r>
+              <a:rPr lang="pt-BR" b="1" i="1" dirty="0">
+                <a:solidFill>
+                  <a:srgbClr val="00B050"/>
+                </a:solidFill>
+              </a:rPr>
+              <a:t>quizzes e laboratórios</a:t>
+            </a:r>
+            <a:r>
+              <a:rPr lang="pt-BR" dirty="0"/>
+              <a:t>) com peso de 15% cada.</a:t>
             </a:r>
           </a:p>
           <a:p>
@@ -31834,7 +31903,19 @@
             </a:pPr>
             <a:r>
               <a:rPr lang="pt-BR" dirty="0"/>
-              <a:t>Podem ser resolvidos em grupo, mas entregas devem ser individuais.</a:t>
+              <a:t>Podem ser resolvidos em grupo, </a:t>
+            </a:r>
+            <a:r>
+              <a:rPr lang="pt-BR" b="1" i="1" dirty="0">
+                <a:solidFill>
+                  <a:srgbClr val="FF0000"/>
+                </a:solidFill>
+              </a:rPr>
+              <a:t>mas entregas devem ser individuais</a:t>
+            </a:r>
+            <a:r>
+              <a:rPr lang="pt-BR" dirty="0"/>
+              <a:t>.</a:t>
             </a:r>
           </a:p>
           <a:p>
@@ -31862,7 +31943,10 @@
             </a:r>
           </a:p>
           <a:p>
-            <a:pPr lvl="1"/>
+            <a:pPr lvl="1">
+              <a:buFont typeface="Wingdings" panose="05000000000000000000" pitchFamily="2" charset="2"/>
+              <a:buChar char="§"/>
+            </a:pPr>
             <a:r>
               <a:rPr lang="pt-BR" dirty="0"/>
               <a:t>O trabalho precisa usar ML.</a:t>
@@ -31891,7 +31975,7 @@
             </a:pPr>
             <a:r>
               <a:rPr lang="pt-BR" dirty="0"/>
-              <a:t>Por favor, acompanhem a frequência no portal.</a:t>
+              <a:t>Por favor, acompanhem suas frequências no portal.</a:t>
             </a:r>
           </a:p>
           <a:p>
@@ -31919,7 +32003,7 @@
         </p:blipFill>
         <p:spPr>
           <a:xfrm>
-            <a:off x="9505950" y="889403"/>
+            <a:off x="9448800" y="889403"/>
             <a:ext cx="2514600" cy="1819275"/>
           </a:xfrm>
           <a:prstGeom prst="rect">
@@ -31943,7 +32027,7 @@
         </p:blipFill>
         <p:spPr>
           <a:xfrm>
-            <a:off x="9044178" y="3020486"/>
+            <a:off x="9315450" y="2978715"/>
             <a:ext cx="2533650" cy="1809750"/>
           </a:xfrm>
           <a:prstGeom prst="rect">
@@ -31991,8 +32075,8 @@
         </p:blipFill>
         <p:spPr>
           <a:xfrm>
-            <a:off x="7077456" y="76200"/>
-            <a:ext cx="2263894" cy="1506519"/>
+            <a:off x="7077456" y="76201"/>
+            <a:ext cx="2037969" cy="1356176"/>
           </a:xfrm>
           <a:prstGeom prst="rect">
             <a:avLst/>
@@ -37650,7 +37734,7 @@
             </a:r>
             <a:r>
               <a:rPr lang="en-US" dirty="0"/>
-              <a:t>/</a:t>
+              <a:t> e </a:t>
             </a:r>
             <a:r>
               <a:rPr lang="en-US" dirty="0" err="1"/>
@@ -37666,7 +37750,15 @@
             </a:r>
             <a:r>
               <a:rPr lang="en-US" dirty="0"/>
-              <a:t> no Teams.</a:t>
+              <a:t> das </a:t>
+            </a:r>
+            <a:r>
+              <a:rPr lang="en-US" dirty="0" err="1"/>
+              <a:t>atividades</a:t>
+            </a:r>
+            <a:r>
+              <a:rPr lang="en-US" dirty="0"/>
+              <a:t>.</a:t>
             </a:r>
           </a:p>
           <a:p>
@@ -37753,12 +37845,8 @@
               <a:buChar char="§"/>
             </a:pPr>
             <a:r>
-              <a:rPr lang="pt-BR"/>
-              <a:t>Monitora </a:t>
-            </a:r>
-            <a:r>
               <a:rPr lang="pt-BR" dirty="0"/>
-              <a:t>(</a:t>
+              <a:t>Monitora (</a:t>
             </a:r>
             <a:r>
               <a:rPr lang="pt-BR" b="1" i="1" dirty="0" err="1"/>
@@ -37788,20 +37876,8 @@
             </a:pPr>
             <a:r>
               <a:rPr lang="pt-BR" dirty="0"/>
-              <a:t>Atendimento remoto via </a:t>
+              <a:t>Atendimento remoto via Teams.</a:t>
             </a:r>
-            <a:r>
-              <a:rPr lang="pt-BR" dirty="0" err="1"/>
-              <a:t>Teams</a:t>
-            </a:r>
-            <a:r>
-              <a:rPr lang="pt-BR" dirty="0"/>
-              <a:t>. </a:t>
-            </a:r>
-            <a:br>
-              <a:rPr lang="pt-BR" dirty="0"/>
-            </a:br>
-            <a:endParaRPr lang="pt-BR" dirty="0"/>
           </a:p>
         </p:txBody>
       </p:sp>
@@ -38351,7 +38427,7 @@
           <a:p>
             <a:r>
               <a:rPr lang="pt-BR" dirty="0"/>
-              <a:t>Motivação para tarefas de classificação</a:t>
+              <a:t>Tarefas de classificação</a:t>
             </a:r>
             <a:endParaRPr lang="en-US" dirty="0"/>
           </a:p>
@@ -38381,16 +38457,6 @@
           <a:p>
             <a:r>
               <a:rPr lang="pt-BR" dirty="0"/>
-              <a:t>Resolução de tarefas de classificação:</a:t>
-            </a:r>
-          </a:p>
-          <a:p>
-            <a:pPr lvl="1">
-              <a:buFont typeface="Wingdings" panose="05000000000000000000" pitchFamily="2" charset="2"/>
-              <a:buChar char="§"/>
-            </a:pPr>
-            <a:r>
-              <a:rPr lang="pt-BR" dirty="0"/>
               <a:t>Classificação de </a:t>
             </a:r>
             <a:r>
@@ -38399,10 +38465,18 @@
             </a:r>
             <a:r>
               <a:rPr lang="pt-BR" dirty="0"/>
-              <a:t> entre spam e </a:t>
+              <a:t> entre </a:t>
             </a:r>
             <a:r>
-              <a:rPr lang="pt-BR" dirty="0" err="1"/>
+              <a:rPr lang="pt-BR" i="1" dirty="0"/>
+              <a:t>spam</a:t>
+            </a:r>
+            <a:r>
+              <a:rPr lang="pt-BR" dirty="0"/>
+              <a:t> e </a:t>
+            </a:r>
+            <a:r>
+              <a:rPr lang="pt-BR" i="1" dirty="0" err="1"/>
               <a:t>ham</a:t>
             </a:r>
             <a:r>
@@ -38411,30 +38485,18 @@
             </a:r>
           </a:p>
           <a:p>
-            <a:pPr lvl="1">
-              <a:buFont typeface="Wingdings" panose="05000000000000000000" pitchFamily="2" charset="2"/>
-              <a:buChar char="§"/>
-            </a:pPr>
             <a:r>
               <a:rPr lang="pt-BR" dirty="0"/>
               <a:t>Classificação de objetos em imagens ou vídeos.</a:t>
             </a:r>
           </a:p>
           <a:p>
-            <a:pPr lvl="1">
-              <a:buFont typeface="Wingdings" panose="05000000000000000000" pitchFamily="2" charset="2"/>
-              <a:buChar char="§"/>
-            </a:pPr>
             <a:r>
               <a:rPr lang="pt-BR" dirty="0"/>
               <a:t>Detecção ou classificação de símbolos de modulações digitais.</a:t>
             </a:r>
           </a:p>
           <a:p>
-            <a:pPr lvl="1">
-              <a:buFont typeface="Wingdings" panose="05000000000000000000" pitchFamily="2" charset="2"/>
-              <a:buChar char="§"/>
-            </a:pPr>
             <a:r>
               <a:rPr lang="pt-BR" dirty="0"/>
               <a:t>Classificação de modulações (QPSK, AM, FM, etc.)</a:t>

--- a/slides/T320_Classificação (Parte I).pptx
+++ b/slides/T320_Classificação (Parte I).pptx
@@ -303,7 +303,7 @@
           <a:p>
             <a:fld id="{144F1436-6906-4D93-B7A2-786C327BFA14}" type="datetimeFigureOut">
               <a:rPr lang="nl-BE" smtClean="0"/>
-              <a:t>5/08/2023</a:t>
+              <a:t>7/08/2023</a:t>
             </a:fld>
             <a:endParaRPr lang="nl-BE"/>
           </a:p>
@@ -468,7 +468,7 @@
           <a:p>
             <a:fld id="{AA8CD09E-2914-4F47-B6C1-51B2C31814C9}" type="datetimeFigureOut">
               <a:rPr lang="pt-BR" smtClean="0"/>
-              <a:t>05/08/2023</a:t>
+              <a:t>07/08/2023</a:t>
             </a:fld>
             <a:endParaRPr lang="pt-BR"/>
           </a:p>
@@ -2652,7 +2652,7 @@
           <a:p>
             <a:fld id="{63289F7E-B80B-496E-81B4-D396C37C9454}" type="datetimeFigureOut">
               <a:rPr lang="pt-BR" smtClean="0"/>
-              <a:t>05/08/2023</a:t>
+              <a:t>07/08/2023</a:t>
             </a:fld>
             <a:endParaRPr lang="pt-BR"/>
           </a:p>
@@ -2850,7 +2850,7 @@
           <a:p>
             <a:fld id="{63289F7E-B80B-496E-81B4-D396C37C9454}" type="datetimeFigureOut">
               <a:rPr lang="pt-BR" smtClean="0"/>
-              <a:t>05/08/2023</a:t>
+              <a:t>07/08/2023</a:t>
             </a:fld>
             <a:endParaRPr lang="pt-BR"/>
           </a:p>
@@ -3058,7 +3058,7 @@
           <a:p>
             <a:fld id="{63289F7E-B80B-496E-81B4-D396C37C9454}" type="datetimeFigureOut">
               <a:rPr lang="pt-BR" smtClean="0"/>
-              <a:t>05/08/2023</a:t>
+              <a:t>07/08/2023</a:t>
             </a:fld>
             <a:endParaRPr lang="pt-BR"/>
           </a:p>
@@ -3256,7 +3256,7 @@
           <a:p>
             <a:fld id="{63289F7E-B80B-496E-81B4-D396C37C9454}" type="datetimeFigureOut">
               <a:rPr lang="pt-BR" smtClean="0"/>
-              <a:t>05/08/2023</a:t>
+              <a:t>07/08/2023</a:t>
             </a:fld>
             <a:endParaRPr lang="pt-BR"/>
           </a:p>
@@ -3531,7 +3531,7 @@
           <a:p>
             <a:fld id="{63289F7E-B80B-496E-81B4-D396C37C9454}" type="datetimeFigureOut">
               <a:rPr lang="pt-BR" smtClean="0"/>
-              <a:t>05/08/2023</a:t>
+              <a:t>07/08/2023</a:t>
             </a:fld>
             <a:endParaRPr lang="pt-BR"/>
           </a:p>
@@ -3796,7 +3796,7 @@
           <a:p>
             <a:fld id="{63289F7E-B80B-496E-81B4-D396C37C9454}" type="datetimeFigureOut">
               <a:rPr lang="pt-BR" smtClean="0"/>
-              <a:t>05/08/2023</a:t>
+              <a:t>07/08/2023</a:t>
             </a:fld>
             <a:endParaRPr lang="pt-BR"/>
           </a:p>
@@ -4208,7 +4208,7 @@
           <a:p>
             <a:fld id="{63289F7E-B80B-496E-81B4-D396C37C9454}" type="datetimeFigureOut">
               <a:rPr lang="pt-BR" smtClean="0"/>
-              <a:t>05/08/2023</a:t>
+              <a:t>07/08/2023</a:t>
             </a:fld>
             <a:endParaRPr lang="pt-BR"/>
           </a:p>
@@ -4349,7 +4349,7 @@
           <a:p>
             <a:fld id="{63289F7E-B80B-496E-81B4-D396C37C9454}" type="datetimeFigureOut">
               <a:rPr lang="pt-BR" smtClean="0"/>
-              <a:t>05/08/2023</a:t>
+              <a:t>07/08/2023</a:t>
             </a:fld>
             <a:endParaRPr lang="pt-BR"/>
           </a:p>
@@ -4462,7 +4462,7 @@
           <a:p>
             <a:fld id="{63289F7E-B80B-496E-81B4-D396C37C9454}" type="datetimeFigureOut">
               <a:rPr lang="pt-BR" smtClean="0"/>
-              <a:t>05/08/2023</a:t>
+              <a:t>07/08/2023</a:t>
             </a:fld>
             <a:endParaRPr lang="pt-BR"/>
           </a:p>
@@ -4773,7 +4773,7 @@
           <a:p>
             <a:fld id="{63289F7E-B80B-496E-81B4-D396C37C9454}" type="datetimeFigureOut">
               <a:rPr lang="pt-BR" smtClean="0"/>
-              <a:t>05/08/2023</a:t>
+              <a:t>07/08/2023</a:t>
             </a:fld>
             <a:endParaRPr lang="pt-BR"/>
           </a:p>
@@ -5061,7 +5061,7 @@
           <a:p>
             <a:fld id="{63289F7E-B80B-496E-81B4-D396C37C9454}" type="datetimeFigureOut">
               <a:rPr lang="pt-BR" smtClean="0"/>
-              <a:t>05/08/2023</a:t>
+              <a:t>07/08/2023</a:t>
             </a:fld>
             <a:endParaRPr lang="pt-BR"/>
           </a:p>
@@ -5302,7 +5302,7 @@
           <a:p>
             <a:fld id="{63289F7E-B80B-496E-81B4-D396C37C9454}" type="datetimeFigureOut">
               <a:rPr lang="pt-BR" smtClean="0"/>
-              <a:t>05/08/2023</a:t>
+              <a:t>07/08/2023</a:t>
             </a:fld>
             <a:endParaRPr lang="pt-BR"/>
           </a:p>
@@ -7194,8 +7194,8 @@
           </a:p>
         </p:txBody>
       </p:sp>
-      <mc:AlternateContent xmlns:mc="http://schemas.openxmlformats.org/markup-compatibility/2006">
-        <mc:Choice xmlns:a14="http://schemas.microsoft.com/office/drawing/2010/main" Requires="a14">
+      <mc:AlternateContent xmlns:mc="http://schemas.openxmlformats.org/markup-compatibility/2006" xmlns:a14="http://schemas.microsoft.com/office/drawing/2010/main">
+        <mc:Choice Requires="a14">
           <p:sp>
             <p:nvSpPr>
               <p:cNvPr id="3" name="Content Placeholder 2"/>
@@ -7428,7 +7428,7 @@
             </p:txBody>
           </p:sp>
         </mc:Choice>
-        <mc:Fallback>
+        <mc:Fallback xmlns="">
           <p:sp>
             <p:nvSpPr>
               <p:cNvPr id="3" name="Content Placeholder 2"/>
@@ -7605,8 +7605,8 @@
             </a:fontRef>
           </p:style>
         </p:cxnSp>
-        <mc:AlternateContent xmlns:mc="http://schemas.openxmlformats.org/markup-compatibility/2006">
-          <mc:Choice xmlns:a14="http://schemas.microsoft.com/office/drawing/2010/main" Requires="a14">
+        <mc:AlternateContent xmlns:mc="http://schemas.openxmlformats.org/markup-compatibility/2006" xmlns:a14="http://schemas.microsoft.com/office/drawing/2010/main">
+          <mc:Choice Requires="a14">
             <p:sp>
               <p:nvSpPr>
                 <p:cNvPr id="10" name="Rectangle 9"/>
@@ -7666,7 +7666,7 @@
               </p:txBody>
             </p:sp>
           </mc:Choice>
-          <mc:Fallback>
+          <mc:Fallback xmlns="">
             <p:sp>
               <p:nvSpPr>
                 <p:cNvPr id="10" name="Rectangle 9"/>
@@ -7705,8 +7705,8 @@
             </p:sp>
           </mc:Fallback>
         </mc:AlternateContent>
-        <mc:AlternateContent xmlns:mc="http://schemas.openxmlformats.org/markup-compatibility/2006">
-          <mc:Choice xmlns:a14="http://schemas.microsoft.com/office/drawing/2010/main" Requires="a14">
+        <mc:AlternateContent xmlns:mc="http://schemas.openxmlformats.org/markup-compatibility/2006" xmlns:a14="http://schemas.microsoft.com/office/drawing/2010/main">
+          <mc:Choice Requires="a14">
             <p:sp>
               <p:nvSpPr>
                 <p:cNvPr id="11" name="Rectangle 10"/>
@@ -7801,7 +7801,7 @@
               </p:txBody>
             </p:sp>
           </mc:Choice>
-          <mc:Fallback>
+          <mc:Fallback xmlns="">
             <p:sp>
               <p:nvSpPr>
                 <p:cNvPr id="11" name="Rectangle 10"/>
@@ -8020,8 +8020,8 @@
           </a:p>
         </p:txBody>
       </p:sp>
-      <mc:AlternateContent xmlns:mc="http://schemas.openxmlformats.org/markup-compatibility/2006">
-        <mc:Choice xmlns:a14="http://schemas.microsoft.com/office/drawing/2010/main" Requires="a14">
+      <mc:AlternateContent xmlns:mc="http://schemas.openxmlformats.org/markup-compatibility/2006" xmlns:a14="http://schemas.microsoft.com/office/drawing/2010/main">
+        <mc:Choice Requires="a14">
           <p:sp>
             <p:nvSpPr>
               <p:cNvPr id="3" name="Content Placeholder 2"/>
@@ -9187,7 +9187,7 @@
             </p:txBody>
           </p:sp>
         </mc:Choice>
-        <mc:Fallback>
+        <mc:Fallback xmlns="">
           <p:sp>
             <p:nvSpPr>
               <p:cNvPr id="3" name="Content Placeholder 2"/>
@@ -9283,8 +9283,8 @@
           </a:p>
         </p:txBody>
       </p:sp>
-      <mc:AlternateContent xmlns:mc="http://schemas.openxmlformats.org/markup-compatibility/2006">
-        <mc:Choice xmlns:a14="http://schemas.microsoft.com/office/drawing/2010/main" Requires="a14">
+      <mc:AlternateContent xmlns:mc="http://schemas.openxmlformats.org/markup-compatibility/2006" xmlns:a14="http://schemas.microsoft.com/office/drawing/2010/main">
+        <mc:Choice Requires="a14">
           <p:sp>
             <p:nvSpPr>
               <p:cNvPr id="3" name="Espaço Reservado para Conteúdo 2">
@@ -10144,7 +10144,7 @@
             </p:txBody>
           </p:sp>
         </mc:Choice>
-        <mc:Fallback>
+        <mc:Fallback xmlns="">
           <p:sp>
             <p:nvSpPr>
               <p:cNvPr id="3" name="Espaço Reservado para Conteúdo 2">
@@ -10188,8 +10188,8 @@
           </p:sp>
         </mc:Fallback>
       </mc:AlternateContent>
-      <mc:AlternateContent xmlns:mc="http://schemas.openxmlformats.org/markup-compatibility/2006">
-        <mc:Choice xmlns:a14="http://schemas.microsoft.com/office/drawing/2010/main" Requires="a14">
+      <mc:AlternateContent xmlns:mc="http://schemas.openxmlformats.org/markup-compatibility/2006" xmlns:a14="http://schemas.microsoft.com/office/drawing/2010/main">
+        <mc:Choice Requires="a14">
           <p:sp>
             <p:nvSpPr>
               <p:cNvPr id="4" name="Rectangle 3">
@@ -10398,7 +10398,7 @@
             </p:txBody>
           </p:sp>
         </mc:Choice>
-        <mc:Fallback>
+        <mc:Fallback xmlns="">
           <p:sp>
             <p:nvSpPr>
               <p:cNvPr id="4" name="Rectangle 3">
@@ -10495,8 +10495,8 @@
           </a:p>
         </p:txBody>
       </p:sp>
-      <mc:AlternateContent xmlns:mc="http://schemas.openxmlformats.org/markup-compatibility/2006">
-        <mc:Choice xmlns:a14="http://schemas.microsoft.com/office/drawing/2010/main" Requires="a14">
+      <mc:AlternateContent xmlns:mc="http://schemas.openxmlformats.org/markup-compatibility/2006" xmlns:a14="http://schemas.microsoft.com/office/drawing/2010/main">
+        <mc:Choice Requires="a14">
           <p:sp>
             <p:nvSpPr>
               <p:cNvPr id="3" name="Content Placeholder 2"/>
@@ -10810,7 +10810,7 @@
             </p:txBody>
           </p:sp>
         </mc:Choice>
-        <mc:Fallback>
+        <mc:Fallback xmlns="">
           <p:sp>
             <p:nvSpPr>
               <p:cNvPr id="3" name="Content Placeholder 2"/>
@@ -10982,8 +10982,8 @@
             </a:fontRef>
           </p:style>
         </p:cxnSp>
-        <mc:AlternateContent xmlns:mc="http://schemas.openxmlformats.org/markup-compatibility/2006">
-          <mc:Choice xmlns:a14="http://schemas.microsoft.com/office/drawing/2010/main" Requires="a14">
+        <mc:AlternateContent xmlns:mc="http://schemas.openxmlformats.org/markup-compatibility/2006" xmlns:a14="http://schemas.microsoft.com/office/drawing/2010/main">
+          <mc:Choice Requires="a14">
             <p:sp>
               <p:nvSpPr>
                 <p:cNvPr id="16" name="Retângulo 15">
@@ -11044,7 +11044,7 @@
               </p:txBody>
             </p:sp>
           </mc:Choice>
-          <mc:Fallback>
+          <mc:Fallback xmlns="">
             <p:sp>
               <p:nvSpPr>
                 <p:cNvPr id="16" name="Retângulo 15">
@@ -11142,8 +11142,8 @@
           </a:p>
         </p:txBody>
       </p:sp>
-      <mc:AlternateContent xmlns:mc="http://schemas.openxmlformats.org/markup-compatibility/2006">
-        <mc:Choice xmlns:a14="http://schemas.microsoft.com/office/drawing/2010/main" Requires="a14">
+      <mc:AlternateContent xmlns:mc="http://schemas.openxmlformats.org/markup-compatibility/2006" xmlns:a14="http://schemas.microsoft.com/office/drawing/2010/main">
+        <mc:Choice Requires="a14">
           <p:sp>
             <p:nvSpPr>
               <p:cNvPr id="3" name="Content Placeholder 2"/>
@@ -11377,7 +11377,7 @@
             </p:txBody>
           </p:sp>
         </mc:Choice>
-        <mc:Fallback>
+        <mc:Fallback xmlns="">
           <p:sp>
             <p:nvSpPr>
               <p:cNvPr id="3" name="Content Placeholder 2"/>
@@ -11549,8 +11549,8 @@
             </a:fontRef>
           </p:style>
         </p:cxnSp>
-        <mc:AlternateContent xmlns:mc="http://schemas.openxmlformats.org/markup-compatibility/2006">
-          <mc:Choice xmlns:a14="http://schemas.microsoft.com/office/drawing/2010/main" Requires="a14">
+        <mc:AlternateContent xmlns:mc="http://schemas.openxmlformats.org/markup-compatibility/2006" xmlns:a14="http://schemas.microsoft.com/office/drawing/2010/main">
+          <mc:Choice Requires="a14">
             <p:sp>
               <p:nvSpPr>
                 <p:cNvPr id="18" name="Retângulo 17">
@@ -11611,7 +11611,7 @@
               </p:txBody>
             </p:sp>
           </mc:Choice>
-          <mc:Fallback>
+          <mc:Fallback xmlns="">
             <p:sp>
               <p:nvSpPr>
                 <p:cNvPr id="18" name="Retângulo 17">
@@ -11973,8 +11973,8 @@
           </a:p>
         </p:txBody>
       </p:sp>
-      <mc:AlternateContent xmlns:mc="http://schemas.openxmlformats.org/markup-compatibility/2006">
-        <mc:Choice xmlns:a14="http://schemas.microsoft.com/office/drawing/2010/main" Requires="a14">
+      <mc:AlternateContent xmlns:mc="http://schemas.openxmlformats.org/markup-compatibility/2006" xmlns:a14="http://schemas.microsoft.com/office/drawing/2010/main">
+        <mc:Choice Requires="a14">
           <p:sp>
             <p:nvSpPr>
               <p:cNvPr id="3" name="Espaço Reservado para Conteúdo 2">
@@ -12440,7 +12440,7 @@
             </p:txBody>
           </p:sp>
         </mc:Choice>
-        <mc:Fallback>
+        <mc:Fallback xmlns="">
           <p:sp>
             <p:nvSpPr>
               <p:cNvPr id="3" name="Espaço Reservado para Conteúdo 2">
@@ -12577,8 +12577,8 @@
           </a:p>
         </p:txBody>
       </p:sp>
-      <mc:AlternateContent xmlns:mc="http://schemas.openxmlformats.org/markup-compatibility/2006">
-        <mc:Choice xmlns:a14="http://schemas.microsoft.com/office/drawing/2010/main" Requires="a14">
+      <mc:AlternateContent xmlns:mc="http://schemas.openxmlformats.org/markup-compatibility/2006" xmlns:a14="http://schemas.microsoft.com/office/drawing/2010/main">
+        <mc:Choice Requires="a14">
           <p:sp>
             <p:nvSpPr>
               <p:cNvPr id="3" name="Espaço Reservado para Conteúdo 2">
@@ -13105,7 +13105,7 @@
             </p:txBody>
           </p:sp>
         </mc:Choice>
-        <mc:Fallback>
+        <mc:Fallback xmlns="">
           <p:sp>
             <p:nvSpPr>
               <p:cNvPr id="3" name="Espaço Reservado para Conteúdo 2">
@@ -13494,8 +13494,8 @@
           <a:chExt cx="0" cy="0"/>
         </a:xfrm>
       </p:grpSpPr>
-      <mc:AlternateContent xmlns:mc="http://schemas.openxmlformats.org/markup-compatibility/2006">
-        <mc:Choice xmlns:a14="http://schemas.microsoft.com/office/drawing/2010/main" Requires="a14">
+      <mc:AlternateContent xmlns:mc="http://schemas.openxmlformats.org/markup-compatibility/2006" xmlns:a14="http://schemas.microsoft.com/office/drawing/2010/main">
+        <mc:Choice Requires="a14">
           <p:sp>
             <p:nvSpPr>
               <p:cNvPr id="2" name="Título 1">
@@ -13554,7 +13554,7 @@
             </p:txBody>
           </p:sp>
         </mc:Choice>
-        <mc:Fallback>
+        <mc:Fallback xmlns="">
           <p:sp>
             <p:nvSpPr>
               <p:cNvPr id="2" name="Título 1">
@@ -13594,8 +13594,8 @@
           </p:sp>
         </mc:Fallback>
       </mc:AlternateContent>
-      <mc:AlternateContent xmlns:mc="http://schemas.openxmlformats.org/markup-compatibility/2006">
-        <mc:Choice xmlns:a14="http://schemas.microsoft.com/office/drawing/2010/main" Requires="a14">
+      <mc:AlternateContent xmlns:mc="http://schemas.openxmlformats.org/markup-compatibility/2006" xmlns:a14="http://schemas.microsoft.com/office/drawing/2010/main">
+        <mc:Choice Requires="a14">
           <p:sp>
             <p:nvSpPr>
               <p:cNvPr id="3" name="Espaço Reservado para Conteúdo 2">
@@ -13637,18 +13637,24 @@
                     <m:sSub>
                       <m:sSubPr>
                         <m:ctrlPr>
-                          <a:rPr lang="pt-BR" i="1" smtClean="0"/>
+                          <a:rPr lang="pt-BR" i="1" smtClean="0">
+                            <a:latin typeface="Cambria Math" panose="02040503050406030204" pitchFamily="18" charset="0"/>
+                          </a:rPr>
                         </m:ctrlPr>
                       </m:sSubPr>
                       <m:e>
                         <m:r>
-                          <a:rPr lang="pt-BR" b="0" i="1" smtClean="0"/>
+                          <a:rPr lang="pt-BR" b="0" i="1" smtClean="0">
+                            <a:latin typeface="Cambria Math" panose="02040503050406030204" pitchFamily="18" charset="0"/>
+                          </a:rPr>
                           <m:t>𝑥</m:t>
                         </m:r>
                       </m:e>
                       <m:sub>
                         <m:r>
-                          <a:rPr lang="pt-BR" b="0" i="1" smtClean="0"/>
+                          <a:rPr lang="pt-BR" b="0" i="1" smtClean="0">
+                            <a:latin typeface="Cambria Math" panose="02040503050406030204" pitchFamily="18" charset="0"/>
+                          </a:rPr>
                           <m:t>1</m:t>
                         </m:r>
                       </m:sub>
@@ -13664,18 +13670,24 @@
                     <m:sSub>
                       <m:sSubPr>
                         <m:ctrlPr>
-                          <a:rPr lang="pt-BR" i="1"/>
+                          <a:rPr lang="pt-BR" i="1">
+                            <a:latin typeface="Cambria Math" panose="02040503050406030204" pitchFamily="18" charset="0"/>
+                          </a:rPr>
                         </m:ctrlPr>
                       </m:sSubPr>
                       <m:e>
                         <m:r>
-                          <a:rPr lang="pt-BR" i="1"/>
+                          <a:rPr lang="pt-BR" i="1">
+                            <a:latin typeface="Cambria Math" panose="02040503050406030204" pitchFamily="18" charset="0"/>
+                          </a:rPr>
                           <m:t>𝑥</m:t>
                         </m:r>
                       </m:e>
                       <m:sub>
                         <m:r>
-                          <a:rPr lang="pt-BR" b="0" i="1" smtClean="0"/>
+                          <a:rPr lang="pt-BR" b="0" i="1" smtClean="0">
+                            <a:latin typeface="Cambria Math" panose="02040503050406030204" pitchFamily="18" charset="0"/>
+                          </a:rPr>
                           <m:t>2</m:t>
                         </m:r>
                       </m:sub>
@@ -13697,18 +13709,24 @@
                 <a14:m>
                   <m:oMath xmlns:m="http://schemas.openxmlformats.org/officeDocument/2006/math">
                     <m:r>
-                      <a:rPr lang="pt-BR" i="1"/>
+                      <a:rPr lang="pt-BR" i="1">
+                        <a:latin typeface="Cambria Math" panose="02040503050406030204" pitchFamily="18" charset="0"/>
+                      </a:rPr>
                       <m:t>𝑔</m:t>
                     </m:r>
                     <m:d>
                       <m:dPr>
                         <m:ctrlPr>
-                          <a:rPr lang="pt-BR" i="1"/>
+                          <a:rPr lang="pt-BR" i="1">
+                            <a:latin typeface="Cambria Math" panose="02040503050406030204" pitchFamily="18" charset="0"/>
+                          </a:rPr>
                         </m:ctrlPr>
                       </m:dPr>
                       <m:e>
                         <m:r>
-                          <a:rPr lang="pt-BR" b="1" i="1"/>
+                          <a:rPr lang="pt-BR" b="1" i="1">
+                            <a:latin typeface="Cambria Math" panose="02040503050406030204" pitchFamily="18" charset="0"/>
+                          </a:rPr>
                           <m:t>𝒙</m:t>
                         </m:r>
                       </m:e>
@@ -13755,7 +13773,7 @@
             </p:txBody>
           </p:sp>
         </mc:Choice>
-        <mc:Fallback>
+        <mc:Fallback xmlns="">
           <p:sp>
             <p:nvSpPr>
               <p:cNvPr id="3" name="Espaço Reservado para Conteúdo 2">
@@ -16379,8 +16397,8 @@
           <a:chExt cx="0" cy="0"/>
         </a:xfrm>
       </p:grpSpPr>
-      <mc:AlternateContent xmlns:mc="http://schemas.openxmlformats.org/markup-compatibility/2006">
-        <mc:Choice xmlns:a14="http://schemas.microsoft.com/office/drawing/2010/main" Requires="a14">
+      <mc:AlternateContent xmlns:mc="http://schemas.openxmlformats.org/markup-compatibility/2006" xmlns:a14="http://schemas.microsoft.com/office/drawing/2010/main">
+        <mc:Choice Requires="a14">
           <p:sp>
             <p:nvSpPr>
               <p:cNvPr id="2" name="Título 1">
@@ -16439,7 +16457,7 @@
             </p:txBody>
           </p:sp>
         </mc:Choice>
-        <mc:Fallback>
+        <mc:Fallback xmlns="">
           <p:sp>
             <p:nvSpPr>
               <p:cNvPr id="2" name="Título 1">
@@ -19348,8 +19366,8 @@
           <a:chExt cx="0" cy="0"/>
         </a:xfrm>
       </p:grpSpPr>
-      <mc:AlternateContent xmlns:mc="http://schemas.openxmlformats.org/markup-compatibility/2006">
-        <mc:Choice xmlns:a14="http://schemas.microsoft.com/office/drawing/2010/main" Requires="a14">
+      <mc:AlternateContent xmlns:mc="http://schemas.openxmlformats.org/markup-compatibility/2006" xmlns:a14="http://schemas.microsoft.com/office/drawing/2010/main">
+        <mc:Choice Requires="a14">
           <p:sp>
             <p:nvSpPr>
               <p:cNvPr id="2" name="Título 1">
@@ -19408,7 +19426,7 @@
             </p:txBody>
           </p:sp>
         </mc:Choice>
-        <mc:Fallback>
+        <mc:Fallback xmlns="">
           <p:sp>
             <p:nvSpPr>
               <p:cNvPr id="2" name="Título 1">
@@ -19448,8 +19466,8 @@
           </p:sp>
         </mc:Fallback>
       </mc:AlternateContent>
-      <mc:AlternateContent xmlns:mc="http://schemas.openxmlformats.org/markup-compatibility/2006">
-        <mc:Choice xmlns:a14="http://schemas.microsoft.com/office/drawing/2010/main" Requires="a14">
+      <mc:AlternateContent xmlns:mc="http://schemas.openxmlformats.org/markup-compatibility/2006" xmlns:a14="http://schemas.microsoft.com/office/drawing/2010/main">
+        <mc:Choice Requires="a14">
           <p:sp>
             <p:nvSpPr>
               <p:cNvPr id="3" name="Espaço Reservado para Conteúdo 2">
@@ -19709,7 +19727,7 @@
             </p:txBody>
           </p:sp>
         </mc:Choice>
-        <mc:Fallback>
+        <mc:Fallback xmlns="">
           <p:sp>
             <p:nvSpPr>
               <p:cNvPr id="3" name="Espaço Reservado para Conteúdo 2">
@@ -23112,8 +23130,8 @@
           </p:sp>
         </mc:Fallback>
       </mc:AlternateContent>
-      <mc:AlternateContent xmlns:mc="http://schemas.openxmlformats.org/markup-compatibility/2006">
-        <mc:Choice xmlns:a14="http://schemas.microsoft.com/office/drawing/2010/main" Requires="a14">
+      <mc:AlternateContent xmlns:mc="http://schemas.openxmlformats.org/markup-compatibility/2006" xmlns:a14="http://schemas.microsoft.com/office/drawing/2010/main">
+        <mc:Choice Requires="a14">
           <p:sp>
             <p:nvSpPr>
               <p:cNvPr id="3" name="Content Placeholder 2"/>
@@ -24250,7 +24268,7 @@
             </p:txBody>
           </p:sp>
         </mc:Choice>
-        <mc:Fallback>
+        <mc:Fallback xmlns="">
           <p:sp>
             <p:nvSpPr>
               <p:cNvPr id="3" name="Content Placeholder 2"/>
@@ -24974,8 +24992,8 @@
             </a:p>
           </p:txBody>
         </p:sp>
-        <mc:AlternateContent xmlns:mc="http://schemas.openxmlformats.org/markup-compatibility/2006">
-          <mc:Choice xmlns:a14="http://schemas.microsoft.com/office/drawing/2010/main" Requires="a14">
+        <mc:AlternateContent xmlns:mc="http://schemas.openxmlformats.org/markup-compatibility/2006" xmlns:a14="http://schemas.microsoft.com/office/drawing/2010/main">
+          <mc:Choice Requires="a14">
             <p:sp>
               <p:nvSpPr>
                 <p:cNvPr id="207" name="Rectangle 206"/>
@@ -25079,7 +25097,7 @@
               </p:txBody>
             </p:sp>
           </mc:Choice>
-          <mc:Fallback>
+          <mc:Fallback xmlns="">
             <p:sp>
               <p:nvSpPr>
                 <p:cNvPr id="207" name="Rectangle 206"/>
@@ -25118,8 +25136,8 @@
             </p:sp>
           </mc:Fallback>
         </mc:AlternateContent>
-        <mc:AlternateContent xmlns:mc="http://schemas.openxmlformats.org/markup-compatibility/2006">
-          <mc:Choice xmlns:a14="http://schemas.microsoft.com/office/drawing/2010/main" Requires="a14">
+        <mc:AlternateContent xmlns:mc="http://schemas.openxmlformats.org/markup-compatibility/2006" xmlns:a14="http://schemas.microsoft.com/office/drawing/2010/main">
+          <mc:Choice Requires="a14">
             <p:sp>
               <p:nvSpPr>
                 <p:cNvPr id="208" name="Rectangle 207"/>
@@ -25216,7 +25234,7 @@
               </p:txBody>
             </p:sp>
           </mc:Choice>
-          <mc:Fallback>
+          <mc:Fallback xmlns="">
             <p:sp>
               <p:nvSpPr>
                 <p:cNvPr id="208" name="Rectangle 207"/>
@@ -27088,8 +27106,8 @@
           <a:chExt cx="0" cy="0"/>
         </a:xfrm>
       </p:grpSpPr>
-      <mc:AlternateContent xmlns:mc="http://schemas.openxmlformats.org/markup-compatibility/2006">
-        <mc:Choice xmlns:a14="http://schemas.microsoft.com/office/drawing/2010/main" Requires="a14">
+      <mc:AlternateContent xmlns:mc="http://schemas.openxmlformats.org/markup-compatibility/2006" xmlns:a14="http://schemas.microsoft.com/office/drawing/2010/main">
+        <mc:Choice Requires="a14">
           <p:sp>
             <p:nvSpPr>
               <p:cNvPr id="2" name="Título 1">
@@ -27148,7 +27166,7 @@
             </p:txBody>
           </p:sp>
         </mc:Choice>
-        <mc:Fallback>
+        <mc:Fallback xmlns="">
           <p:sp>
             <p:nvSpPr>
               <p:cNvPr id="2" name="Título 1">
@@ -27188,8 +27206,8 @@
           </p:sp>
         </mc:Fallback>
       </mc:AlternateContent>
-      <mc:AlternateContent xmlns:mc="http://schemas.openxmlformats.org/markup-compatibility/2006">
-        <mc:Choice xmlns:a14="http://schemas.microsoft.com/office/drawing/2010/main" Requires="a14">
+      <mc:AlternateContent xmlns:mc="http://schemas.openxmlformats.org/markup-compatibility/2006" xmlns:a14="http://schemas.microsoft.com/office/drawing/2010/main">
+        <mc:Choice Requires="a14">
           <p:sp>
             <p:nvSpPr>
               <p:cNvPr id="3" name="Espaço Reservado para Conteúdo 2">
@@ -27257,19 +27275,7 @@
                       <a:rPr lang="pt-BR" i="1">
                         <a:latin typeface="Cambria Math" panose="02040503050406030204" pitchFamily="18" charset="0"/>
                       </a:rPr>
-                      <m:t>=</m:t>
-                    </m:r>
-                    <m:r>
-                      <a:rPr lang="pt-BR" i="1">
-                        <a:latin typeface="Cambria Math" panose="02040503050406030204" pitchFamily="18" charset="0"/>
-                      </a:rPr>
-                      <m:t>1</m:t>
-                    </m:r>
-                    <m:r>
-                      <a:rPr lang="pt-BR" i="1">
-                        <a:latin typeface="Cambria Math" panose="02040503050406030204" pitchFamily="18" charset="0"/>
-                      </a:rPr>
-                      <m:t>+</m:t>
+                      <m:t>=1+</m:t>
                     </m:r>
                     <m:sSub>
                       <m:sSubPr>
@@ -27592,13 +27598,7 @@
                       <a:rPr lang="pt-BR" b="0" i="1" smtClean="0">
                         <a:latin typeface="Cambria Math" panose="02040503050406030204" pitchFamily="18" charset="0"/>
                       </a:rPr>
-                      <m:t>=</m:t>
-                    </m:r>
-                    <m:r>
-                      <a:rPr lang="pt-BR" b="0" i="1" smtClean="0">
-                        <a:latin typeface="Cambria Math" panose="02040503050406030204" pitchFamily="18" charset="0"/>
-                      </a:rPr>
-                      <m:t>3</m:t>
+                      <m:t>=3</m:t>
                     </m:r>
                   </m:oMath>
                 </a14:m>
@@ -27781,13 +27781,7 @@
                       <a:rPr lang="pt-BR" b="0" i="1" smtClean="0">
                         <a:latin typeface="Cambria Math" panose="02040503050406030204" pitchFamily="18" charset="0"/>
                       </a:rPr>
-                      <m:t>=</m:t>
-                    </m:r>
-                    <m:r>
-                      <a:rPr lang="pt-BR" b="0" i="1" smtClean="0">
-                        <a:latin typeface="Cambria Math" panose="02040503050406030204" pitchFamily="18" charset="0"/>
-                      </a:rPr>
-                      <m:t>2</m:t>
+                      <m:t>=2</m:t>
                     </m:r>
                   </m:oMath>
                 </a14:m>
@@ -27867,7 +27861,7 @@
             </p:txBody>
           </p:sp>
         </mc:Choice>
-        <mc:Fallback>
+        <mc:Fallback xmlns="">
           <p:sp>
             <p:nvSpPr>
               <p:cNvPr id="3" name="Espaço Reservado para Conteúdo 2">
@@ -46949,8 +46943,8 @@
           </p:sp>
         </mc:Fallback>
       </mc:AlternateContent>
-      <mc:AlternateContent xmlns:mc="http://schemas.openxmlformats.org/markup-compatibility/2006" xmlns:a14="http://schemas.microsoft.com/office/drawing/2010/main">
-        <mc:Choice Requires="a14">
+      <mc:AlternateContent xmlns:mc="http://schemas.openxmlformats.org/markup-compatibility/2006">
+        <mc:Choice xmlns:a14="http://schemas.microsoft.com/office/drawing/2010/main" Requires="a14">
           <p:sp>
             <p:nvSpPr>
               <p:cNvPr id="7" name="CaixaDeTexto 6"/>
@@ -47012,7 +47006,7 @@
                       <a:srgbClr val="0070C0"/>
                     </a:solidFill>
                   </a:rPr>
-                  <a:t>separa</a:t>
+                  <a:t>classifica</a:t>
                 </a:r>
                 <a:r>
                   <a:rPr lang="en-US" dirty="0">
@@ -47028,21 +47022,13 @@
                 </a:r>
                 <a:r>
                   <a:rPr lang="en-US" dirty="0"/>
-                  <a:t> dados </a:t>
-                </a:r>
-                <a:r>
-                  <a:rPr lang="en-US" dirty="0" err="1"/>
-                  <a:t>em</a:t>
-                </a:r>
-                <a:r>
-                  <a:rPr lang="en-US" dirty="0"/>
-                  <a:t> classes.</a:t>
+                  <a:t> dados.</a:t>
                 </a:r>
               </a:p>
             </p:txBody>
           </p:sp>
         </mc:Choice>
-        <mc:Fallback xmlns="">
+        <mc:Fallback>
           <p:sp>
             <p:nvSpPr>
               <p:cNvPr id="7" name="CaixaDeTexto 6"/>
@@ -47059,7 +47045,7 @@
               <a:prstGeom prst="rect">
                 <a:avLst/>
               </a:prstGeom>
-              <a:blipFill rotWithShape="0">
+              <a:blipFill>
                 <a:blip r:embed="rId5"/>
                 <a:stretch>
                   <a:fillRect t="-8197" b="-24590"/>

--- a/slides/T320_Classificação (Parte I).pptx
+++ b/slides/T320_Classificação (Parte I).pptx
@@ -303,7 +303,7 @@
           <a:p>
             <a:fld id="{144F1436-6906-4D93-B7A2-786C327BFA14}" type="datetimeFigureOut">
               <a:rPr lang="nl-BE" smtClean="0"/>
-              <a:t>7/08/2023</a:t>
+              <a:t>22/08/2023</a:t>
             </a:fld>
             <a:endParaRPr lang="nl-BE"/>
           </a:p>
@@ -468,7 +468,7 @@
           <a:p>
             <a:fld id="{AA8CD09E-2914-4F47-B6C1-51B2C31814C9}" type="datetimeFigureOut">
               <a:rPr lang="pt-BR" smtClean="0"/>
-              <a:t>07/08/2023</a:t>
+              <a:t>22/08/2023</a:t>
             </a:fld>
             <a:endParaRPr lang="pt-BR"/>
           </a:p>
@@ -2652,7 +2652,7 @@
           <a:p>
             <a:fld id="{63289F7E-B80B-496E-81B4-D396C37C9454}" type="datetimeFigureOut">
               <a:rPr lang="pt-BR" smtClean="0"/>
-              <a:t>07/08/2023</a:t>
+              <a:t>22/08/2023</a:t>
             </a:fld>
             <a:endParaRPr lang="pt-BR"/>
           </a:p>
@@ -2850,7 +2850,7 @@
           <a:p>
             <a:fld id="{63289F7E-B80B-496E-81B4-D396C37C9454}" type="datetimeFigureOut">
               <a:rPr lang="pt-BR" smtClean="0"/>
-              <a:t>07/08/2023</a:t>
+              <a:t>22/08/2023</a:t>
             </a:fld>
             <a:endParaRPr lang="pt-BR"/>
           </a:p>
@@ -3058,7 +3058,7 @@
           <a:p>
             <a:fld id="{63289F7E-B80B-496E-81B4-D396C37C9454}" type="datetimeFigureOut">
               <a:rPr lang="pt-BR" smtClean="0"/>
-              <a:t>07/08/2023</a:t>
+              <a:t>22/08/2023</a:t>
             </a:fld>
             <a:endParaRPr lang="pt-BR"/>
           </a:p>
@@ -3256,7 +3256,7 @@
           <a:p>
             <a:fld id="{63289F7E-B80B-496E-81B4-D396C37C9454}" type="datetimeFigureOut">
               <a:rPr lang="pt-BR" smtClean="0"/>
-              <a:t>07/08/2023</a:t>
+              <a:t>22/08/2023</a:t>
             </a:fld>
             <a:endParaRPr lang="pt-BR"/>
           </a:p>
@@ -3531,7 +3531,7 @@
           <a:p>
             <a:fld id="{63289F7E-B80B-496E-81B4-D396C37C9454}" type="datetimeFigureOut">
               <a:rPr lang="pt-BR" smtClean="0"/>
-              <a:t>07/08/2023</a:t>
+              <a:t>22/08/2023</a:t>
             </a:fld>
             <a:endParaRPr lang="pt-BR"/>
           </a:p>
@@ -3796,7 +3796,7 @@
           <a:p>
             <a:fld id="{63289F7E-B80B-496E-81B4-D396C37C9454}" type="datetimeFigureOut">
               <a:rPr lang="pt-BR" smtClean="0"/>
-              <a:t>07/08/2023</a:t>
+              <a:t>22/08/2023</a:t>
             </a:fld>
             <a:endParaRPr lang="pt-BR"/>
           </a:p>
@@ -4208,7 +4208,7 @@
           <a:p>
             <a:fld id="{63289F7E-B80B-496E-81B4-D396C37C9454}" type="datetimeFigureOut">
               <a:rPr lang="pt-BR" smtClean="0"/>
-              <a:t>07/08/2023</a:t>
+              <a:t>22/08/2023</a:t>
             </a:fld>
             <a:endParaRPr lang="pt-BR"/>
           </a:p>
@@ -4349,7 +4349,7 @@
           <a:p>
             <a:fld id="{63289F7E-B80B-496E-81B4-D396C37C9454}" type="datetimeFigureOut">
               <a:rPr lang="pt-BR" smtClean="0"/>
-              <a:t>07/08/2023</a:t>
+              <a:t>22/08/2023</a:t>
             </a:fld>
             <a:endParaRPr lang="pt-BR"/>
           </a:p>
@@ -4462,7 +4462,7 @@
           <a:p>
             <a:fld id="{63289F7E-B80B-496E-81B4-D396C37C9454}" type="datetimeFigureOut">
               <a:rPr lang="pt-BR" smtClean="0"/>
-              <a:t>07/08/2023</a:t>
+              <a:t>22/08/2023</a:t>
             </a:fld>
             <a:endParaRPr lang="pt-BR"/>
           </a:p>
@@ -4773,7 +4773,7 @@
           <a:p>
             <a:fld id="{63289F7E-B80B-496E-81B4-D396C37C9454}" type="datetimeFigureOut">
               <a:rPr lang="pt-BR" smtClean="0"/>
-              <a:t>07/08/2023</a:t>
+              <a:t>22/08/2023</a:t>
             </a:fld>
             <a:endParaRPr lang="pt-BR"/>
           </a:p>
@@ -5061,7 +5061,7 @@
           <a:p>
             <a:fld id="{63289F7E-B80B-496E-81B4-D396C37C9454}" type="datetimeFigureOut">
               <a:rPr lang="pt-BR" smtClean="0"/>
-              <a:t>07/08/2023</a:t>
+              <a:t>22/08/2023</a:t>
             </a:fld>
             <a:endParaRPr lang="pt-BR"/>
           </a:p>
@@ -5302,7 +5302,7 @@
           <a:p>
             <a:fld id="{63289F7E-B80B-496E-81B4-D396C37C9454}" type="datetimeFigureOut">
               <a:rPr lang="pt-BR" smtClean="0"/>
-              <a:t>07/08/2023</a:t>
+              <a:t>22/08/2023</a:t>
             </a:fld>
             <a:endParaRPr lang="pt-BR"/>
           </a:p>
@@ -40840,7 +40840,7 @@
           <p:nvPr>
             <p:extLst>
               <p:ext uri="{D42A27DB-BD31-4B8C-83A1-F6EECF244321}">
-                <p14:modId xmlns:p14="http://schemas.microsoft.com/office/powerpoint/2010/main" val="1012916327"/>
+                <p14:modId xmlns:p14="http://schemas.microsoft.com/office/powerpoint/2010/main" val="1328906935"/>
               </p:ext>
             </p:extLst>
           </p:nvPr>
@@ -43082,7 +43082,7 @@
                           </a:solidFill>
                           <a:effectLst/>
                         </a:rPr>
-                        <a:t>(Sala ???)</a:t>
+                        <a:t>(Sala I-17)</a:t>
                       </a:r>
                       <a:endParaRPr lang="en-US" sz="1400" b="1" dirty="0">
                         <a:solidFill>
@@ -44997,7 +44997,7 @@
                           </a:solidFill>
                           <a:effectLst/>
                         </a:rPr>
-                        <a:t>(Sala???)</a:t>
+                        <a:t>(Sala I-17)</a:t>
                       </a:r>
                       <a:endParaRPr lang="en-US" sz="1400" b="1" dirty="0">
                         <a:solidFill>
@@ -46943,8 +46943,8 @@
           </p:sp>
         </mc:Fallback>
       </mc:AlternateContent>
-      <mc:AlternateContent xmlns:mc="http://schemas.openxmlformats.org/markup-compatibility/2006">
-        <mc:Choice xmlns:a14="http://schemas.microsoft.com/office/drawing/2010/main" Requires="a14">
+      <mc:AlternateContent xmlns:mc="http://schemas.openxmlformats.org/markup-compatibility/2006" xmlns:a14="http://schemas.microsoft.com/office/drawing/2010/main">
+        <mc:Choice Requires="a14">
           <p:sp>
             <p:nvSpPr>
               <p:cNvPr id="7" name="CaixaDeTexto 6"/>
@@ -47028,7 +47028,7 @@
             </p:txBody>
           </p:sp>
         </mc:Choice>
-        <mc:Fallback>
+        <mc:Fallback xmlns="">
           <p:sp>
             <p:nvSpPr>
               <p:cNvPr id="7" name="CaixaDeTexto 6"/>

--- a/slides/T320_Classificação (Parte I).pptx
+++ b/slides/T320_Classificação (Parte I).pptx
@@ -303,7 +303,7 @@
           <a:p>
             <a:fld id="{144F1436-6906-4D93-B7A2-786C327BFA14}" type="datetimeFigureOut">
               <a:rPr lang="nl-BE" smtClean="0"/>
-              <a:t>22/08/2023</a:t>
+              <a:t>22/10/2023</a:t>
             </a:fld>
             <a:endParaRPr lang="nl-BE"/>
           </a:p>
@@ -468,7 +468,7 @@
           <a:p>
             <a:fld id="{AA8CD09E-2914-4F47-B6C1-51B2C31814C9}" type="datetimeFigureOut">
               <a:rPr lang="pt-BR" smtClean="0"/>
-              <a:t>22/08/2023</a:t>
+              <a:t>22/10/2023</a:t>
             </a:fld>
             <a:endParaRPr lang="pt-BR"/>
           </a:p>
@@ -2652,7 +2652,7 @@
           <a:p>
             <a:fld id="{63289F7E-B80B-496E-81B4-D396C37C9454}" type="datetimeFigureOut">
               <a:rPr lang="pt-BR" smtClean="0"/>
-              <a:t>22/08/2023</a:t>
+              <a:t>22/10/2023</a:t>
             </a:fld>
             <a:endParaRPr lang="pt-BR"/>
           </a:p>
@@ -2850,7 +2850,7 @@
           <a:p>
             <a:fld id="{63289F7E-B80B-496E-81B4-D396C37C9454}" type="datetimeFigureOut">
               <a:rPr lang="pt-BR" smtClean="0"/>
-              <a:t>22/08/2023</a:t>
+              <a:t>22/10/2023</a:t>
             </a:fld>
             <a:endParaRPr lang="pt-BR"/>
           </a:p>
@@ -3058,7 +3058,7 @@
           <a:p>
             <a:fld id="{63289F7E-B80B-496E-81B4-D396C37C9454}" type="datetimeFigureOut">
               <a:rPr lang="pt-BR" smtClean="0"/>
-              <a:t>22/08/2023</a:t>
+              <a:t>22/10/2023</a:t>
             </a:fld>
             <a:endParaRPr lang="pt-BR"/>
           </a:p>
@@ -3256,7 +3256,7 @@
           <a:p>
             <a:fld id="{63289F7E-B80B-496E-81B4-D396C37C9454}" type="datetimeFigureOut">
               <a:rPr lang="pt-BR" smtClean="0"/>
-              <a:t>22/08/2023</a:t>
+              <a:t>22/10/2023</a:t>
             </a:fld>
             <a:endParaRPr lang="pt-BR"/>
           </a:p>
@@ -3531,7 +3531,7 @@
           <a:p>
             <a:fld id="{63289F7E-B80B-496E-81B4-D396C37C9454}" type="datetimeFigureOut">
               <a:rPr lang="pt-BR" smtClean="0"/>
-              <a:t>22/08/2023</a:t>
+              <a:t>22/10/2023</a:t>
             </a:fld>
             <a:endParaRPr lang="pt-BR"/>
           </a:p>
@@ -3796,7 +3796,7 @@
           <a:p>
             <a:fld id="{63289F7E-B80B-496E-81B4-D396C37C9454}" type="datetimeFigureOut">
               <a:rPr lang="pt-BR" smtClean="0"/>
-              <a:t>22/08/2023</a:t>
+              <a:t>22/10/2023</a:t>
             </a:fld>
             <a:endParaRPr lang="pt-BR"/>
           </a:p>
@@ -4208,7 +4208,7 @@
           <a:p>
             <a:fld id="{63289F7E-B80B-496E-81B4-D396C37C9454}" type="datetimeFigureOut">
               <a:rPr lang="pt-BR" smtClean="0"/>
-              <a:t>22/08/2023</a:t>
+              <a:t>22/10/2023</a:t>
             </a:fld>
             <a:endParaRPr lang="pt-BR"/>
           </a:p>
@@ -4349,7 +4349,7 @@
           <a:p>
             <a:fld id="{63289F7E-B80B-496E-81B4-D396C37C9454}" type="datetimeFigureOut">
               <a:rPr lang="pt-BR" smtClean="0"/>
-              <a:t>22/08/2023</a:t>
+              <a:t>22/10/2023</a:t>
             </a:fld>
             <a:endParaRPr lang="pt-BR"/>
           </a:p>
@@ -4462,7 +4462,7 @@
           <a:p>
             <a:fld id="{63289F7E-B80B-496E-81B4-D396C37C9454}" type="datetimeFigureOut">
               <a:rPr lang="pt-BR" smtClean="0"/>
-              <a:t>22/08/2023</a:t>
+              <a:t>22/10/2023</a:t>
             </a:fld>
             <a:endParaRPr lang="pt-BR"/>
           </a:p>
@@ -4773,7 +4773,7 @@
           <a:p>
             <a:fld id="{63289F7E-B80B-496E-81B4-D396C37C9454}" type="datetimeFigureOut">
               <a:rPr lang="pt-BR" smtClean="0"/>
-              <a:t>22/08/2023</a:t>
+              <a:t>22/10/2023</a:t>
             </a:fld>
             <a:endParaRPr lang="pt-BR"/>
           </a:p>
@@ -5061,7 +5061,7 @@
           <a:p>
             <a:fld id="{63289F7E-B80B-496E-81B4-D396C37C9454}" type="datetimeFigureOut">
               <a:rPr lang="pt-BR" smtClean="0"/>
-              <a:t>22/08/2023</a:t>
+              <a:t>22/10/2023</a:t>
             </a:fld>
             <a:endParaRPr lang="pt-BR"/>
           </a:p>
@@ -5302,7 +5302,7 @@
           <a:p>
             <a:fld id="{63289F7E-B80B-496E-81B4-D396C37C9454}" type="datetimeFigureOut">
               <a:rPr lang="pt-BR" smtClean="0"/>
-              <a:t>22/08/2023</a:t>
+              <a:t>22/10/2023</a:t>
             </a:fld>
             <a:endParaRPr lang="pt-BR"/>
           </a:p>
@@ -31208,26 +31208,19 @@
               <a:rPr lang="pt-BR" dirty="0">
                 <a:hlinkClick r:id="rId4"/>
               </a:rPr>
-              <a:t>Instruções para resolução e entrega dos laboratórios</a:t>
+              <a:t>Instruções para resolução e entrega dos </a:t>
             </a:r>
             <a:r>
-              <a:rPr lang="pt-BR" dirty="0"/>
+              <a:rPr lang="pt-BR">
+                <a:hlinkClick r:id="rId4"/>
+              </a:rPr>
+              <a:t>laboratórios</a:t>
+            </a:r>
+            <a:r>
+              <a:rPr lang="pt-BR"/>
               <a:t>.</a:t>
             </a:r>
-          </a:p>
-          <a:p>
-            <a:pPr lvl="1">
-              <a:buFont typeface="Wingdings" panose="05000000000000000000" pitchFamily="2" charset="2"/>
-              <a:buChar char="§"/>
-            </a:pPr>
-            <a:r>
-              <a:rPr lang="pt-BR" b="1" dirty="0">
-                <a:solidFill>
-                  <a:srgbClr val="FF0000"/>
-                </a:solidFill>
-              </a:rPr>
-              <a:t>Laboratórios podem ser resolvidos em grupo, mas as entregas devem ser individuais.</a:t>
-            </a:r>
+            <a:endParaRPr lang="pt-BR" dirty="0"/>
           </a:p>
         </p:txBody>
       </p:sp>

--- a/slides/T320_Classificação (Parte I).pptx
+++ b/slides/T320_Classificação (Parte I).pptx
@@ -303,7 +303,7 @@
           <a:p>
             <a:fld id="{144F1436-6906-4D93-B7A2-786C327BFA14}" type="datetimeFigureOut">
               <a:rPr lang="nl-BE" smtClean="0"/>
-              <a:t>22/10/2023</a:t>
+              <a:t>4/12/2023</a:t>
             </a:fld>
             <a:endParaRPr lang="nl-BE"/>
           </a:p>
@@ -468,7 +468,7 @@
           <a:p>
             <a:fld id="{AA8CD09E-2914-4F47-B6C1-51B2C31814C9}" type="datetimeFigureOut">
               <a:rPr lang="pt-BR" smtClean="0"/>
-              <a:t>22/10/2023</a:t>
+              <a:t>04/12/2023</a:t>
             </a:fld>
             <a:endParaRPr lang="pt-BR"/>
           </a:p>
@@ -2652,7 +2652,7 @@
           <a:p>
             <a:fld id="{63289F7E-B80B-496E-81B4-D396C37C9454}" type="datetimeFigureOut">
               <a:rPr lang="pt-BR" smtClean="0"/>
-              <a:t>22/10/2023</a:t>
+              <a:t>04/12/2023</a:t>
             </a:fld>
             <a:endParaRPr lang="pt-BR"/>
           </a:p>
@@ -2850,7 +2850,7 @@
           <a:p>
             <a:fld id="{63289F7E-B80B-496E-81B4-D396C37C9454}" type="datetimeFigureOut">
               <a:rPr lang="pt-BR" smtClean="0"/>
-              <a:t>22/10/2023</a:t>
+              <a:t>04/12/2023</a:t>
             </a:fld>
             <a:endParaRPr lang="pt-BR"/>
           </a:p>
@@ -3058,7 +3058,7 @@
           <a:p>
             <a:fld id="{63289F7E-B80B-496E-81B4-D396C37C9454}" type="datetimeFigureOut">
               <a:rPr lang="pt-BR" smtClean="0"/>
-              <a:t>22/10/2023</a:t>
+              <a:t>04/12/2023</a:t>
             </a:fld>
             <a:endParaRPr lang="pt-BR"/>
           </a:p>
@@ -3256,7 +3256,7 @@
           <a:p>
             <a:fld id="{63289F7E-B80B-496E-81B4-D396C37C9454}" type="datetimeFigureOut">
               <a:rPr lang="pt-BR" smtClean="0"/>
-              <a:t>22/10/2023</a:t>
+              <a:t>04/12/2023</a:t>
             </a:fld>
             <a:endParaRPr lang="pt-BR"/>
           </a:p>
@@ -3531,7 +3531,7 @@
           <a:p>
             <a:fld id="{63289F7E-B80B-496E-81B4-D396C37C9454}" type="datetimeFigureOut">
               <a:rPr lang="pt-BR" smtClean="0"/>
-              <a:t>22/10/2023</a:t>
+              <a:t>04/12/2023</a:t>
             </a:fld>
             <a:endParaRPr lang="pt-BR"/>
           </a:p>
@@ -3796,7 +3796,7 @@
           <a:p>
             <a:fld id="{63289F7E-B80B-496E-81B4-D396C37C9454}" type="datetimeFigureOut">
               <a:rPr lang="pt-BR" smtClean="0"/>
-              <a:t>22/10/2023</a:t>
+              <a:t>04/12/2023</a:t>
             </a:fld>
             <a:endParaRPr lang="pt-BR"/>
           </a:p>
@@ -4208,7 +4208,7 @@
           <a:p>
             <a:fld id="{63289F7E-B80B-496E-81B4-D396C37C9454}" type="datetimeFigureOut">
               <a:rPr lang="pt-BR" smtClean="0"/>
-              <a:t>22/10/2023</a:t>
+              <a:t>04/12/2023</a:t>
             </a:fld>
             <a:endParaRPr lang="pt-BR"/>
           </a:p>
@@ -4349,7 +4349,7 @@
           <a:p>
             <a:fld id="{63289F7E-B80B-496E-81B4-D396C37C9454}" type="datetimeFigureOut">
               <a:rPr lang="pt-BR" smtClean="0"/>
-              <a:t>22/10/2023</a:t>
+              <a:t>04/12/2023</a:t>
             </a:fld>
             <a:endParaRPr lang="pt-BR"/>
           </a:p>
@@ -4462,7 +4462,7 @@
           <a:p>
             <a:fld id="{63289F7E-B80B-496E-81B4-D396C37C9454}" type="datetimeFigureOut">
               <a:rPr lang="pt-BR" smtClean="0"/>
-              <a:t>22/10/2023</a:t>
+              <a:t>04/12/2023</a:t>
             </a:fld>
             <a:endParaRPr lang="pt-BR"/>
           </a:p>
@@ -4773,7 +4773,7 @@
           <a:p>
             <a:fld id="{63289F7E-B80B-496E-81B4-D396C37C9454}" type="datetimeFigureOut">
               <a:rPr lang="pt-BR" smtClean="0"/>
-              <a:t>22/10/2023</a:t>
+              <a:t>04/12/2023</a:t>
             </a:fld>
             <a:endParaRPr lang="pt-BR"/>
           </a:p>
@@ -5061,7 +5061,7 @@
           <a:p>
             <a:fld id="{63289F7E-B80B-496E-81B4-D396C37C9454}" type="datetimeFigureOut">
               <a:rPr lang="pt-BR" smtClean="0"/>
-              <a:t>22/10/2023</a:t>
+              <a:t>04/12/2023</a:t>
             </a:fld>
             <a:endParaRPr lang="pt-BR"/>
           </a:p>
@@ -5302,7 +5302,7 @@
           <a:p>
             <a:fld id="{63289F7E-B80B-496E-81B4-D396C37C9454}" type="datetimeFigureOut">
               <a:rPr lang="pt-BR" smtClean="0"/>
-              <a:t>22/10/2023</a:t>
+              <a:t>04/12/2023</a:t>
             </a:fld>
             <a:endParaRPr lang="pt-BR"/>
           </a:p>
@@ -46055,7 +46055,7 @@
         </p:spPr>
         <p:txBody>
           <a:bodyPr>
-            <a:normAutofit fontScale="85000" lnSpcReduction="10000"/>
+            <a:normAutofit fontScale="92500" lnSpcReduction="10000"/>
           </a:bodyPr>
           <a:lstStyle/>
           <a:p>
@@ -46064,15 +46064,47 @@
             </a:pPr>
             <a:r>
               <a:rPr lang="pt-BR" dirty="0"/>
-              <a:t>[1] Stuart Russell and Peter Norvig, “</a:t>
+              <a:t>[1] Stuart Russell e Peter </a:t>
+            </a:r>
+            <a:r>
+              <a:rPr lang="pt-BR" dirty="0" err="1"/>
+              <a:t>Norvig</a:t>
+            </a:r>
+            <a:r>
+              <a:rPr lang="pt-BR" dirty="0"/>
+              <a:t>, “</a:t>
             </a:r>
             <a:r>
               <a:rPr lang="pt-BR" i="1" dirty="0"/>
-              <a:t>Artificial Intelligence: A Modern Approach</a:t>
+              <a:t>Artificial </a:t>
+            </a:r>
+            <a:r>
+              <a:rPr lang="pt-BR" i="1" dirty="0" err="1"/>
+              <a:t>Intelligence</a:t>
+            </a:r>
+            <a:r>
+              <a:rPr lang="pt-BR" i="1" dirty="0"/>
+              <a:t>: A </a:t>
+            </a:r>
+            <a:r>
+              <a:rPr lang="pt-BR" i="1" dirty="0" err="1"/>
+              <a:t>Modern</a:t>
+            </a:r>
+            <a:r>
+              <a:rPr lang="pt-BR" i="1" dirty="0"/>
+              <a:t> Approach</a:t>
             </a:r>
             <a:r>
               <a:rPr lang="pt-BR" dirty="0"/>
-              <a:t>,” Prentice Hall Series in Artificial Intelligence, 3rd ed., 2015.</a:t>
+              <a:t>,” Prentice Hall Series in Artificial </a:t>
+            </a:r>
+            <a:r>
+              <a:rPr lang="pt-BR" dirty="0" err="1"/>
+              <a:t>Intelligence</a:t>
+            </a:r>
+            <a:r>
+              <a:rPr lang="pt-BR" dirty="0"/>
+              <a:t>, 3rd ed., 2015.</a:t>
             </a:r>
           </a:p>
           <a:p>
@@ -46081,11 +46113,99 @@
             </a:pPr>
             <a:r>
               <a:rPr lang="pt-BR" dirty="0"/>
-              <a:t>[2] Aurélien Géron, “</a:t>
+              <a:t>[2] </a:t>
+            </a:r>
+            <a:r>
+              <a:rPr lang="pt-BR" dirty="0" err="1"/>
+              <a:t>Aurélien</a:t>
+            </a:r>
+            <a:r>
+              <a:rPr lang="pt-BR" dirty="0"/>
+              <a:t> </a:t>
+            </a:r>
+            <a:r>
+              <a:rPr lang="pt-BR" dirty="0" err="1"/>
+              <a:t>Géron</a:t>
+            </a:r>
+            <a:r>
+              <a:rPr lang="pt-BR" dirty="0"/>
+              <a:t>, “</a:t>
             </a:r>
             <a:r>
               <a:rPr lang="pt-BR" i="1" dirty="0"/>
-              <a:t>Hands-On Machine Learning with Scikit-Learn and TensorFlow: Concepts, Tools, and Techniques to Build Intelligent Systems</a:t>
+              <a:t>Hands-On </a:t>
+            </a:r>
+            <a:r>
+              <a:rPr lang="pt-BR" i="1" dirty="0" err="1"/>
+              <a:t>Machine</a:t>
+            </a:r>
+            <a:r>
+              <a:rPr lang="pt-BR" i="1" dirty="0"/>
+              <a:t> Learning </a:t>
+            </a:r>
+            <a:r>
+              <a:rPr lang="pt-BR" i="1" dirty="0" err="1"/>
+              <a:t>with</a:t>
+            </a:r>
+            <a:r>
+              <a:rPr lang="pt-BR" i="1" dirty="0"/>
+              <a:t> </a:t>
+            </a:r>
+            <a:r>
+              <a:rPr lang="pt-BR" i="1" dirty="0" err="1"/>
+              <a:t>Scikit-Learn</a:t>
+            </a:r>
+            <a:r>
+              <a:rPr lang="pt-BR" i="1" dirty="0"/>
+              <a:t> </a:t>
+            </a:r>
+            <a:r>
+              <a:rPr lang="pt-BR" i="1" dirty="0" err="1"/>
+              <a:t>and</a:t>
+            </a:r>
+            <a:r>
+              <a:rPr lang="pt-BR" i="1" dirty="0"/>
+              <a:t> TensorFlow: </a:t>
+            </a:r>
+            <a:r>
+              <a:rPr lang="pt-BR" i="1" dirty="0" err="1"/>
+              <a:t>Concepts</a:t>
+            </a:r>
+            <a:r>
+              <a:rPr lang="pt-BR" i="1" dirty="0"/>
+              <a:t>, Tools, </a:t>
+            </a:r>
+            <a:r>
+              <a:rPr lang="pt-BR" i="1" dirty="0" err="1"/>
+              <a:t>and</a:t>
+            </a:r>
+            <a:r>
+              <a:rPr lang="pt-BR" i="1" dirty="0"/>
+              <a:t> </a:t>
+            </a:r>
+            <a:r>
+              <a:rPr lang="pt-BR" i="1" dirty="0" err="1"/>
+              <a:t>Techniques</a:t>
+            </a:r>
+            <a:r>
+              <a:rPr lang="pt-BR" i="1" dirty="0"/>
+              <a:t> </a:t>
+            </a:r>
+            <a:r>
+              <a:rPr lang="pt-BR" i="1" dirty="0" err="1"/>
+              <a:t>to</a:t>
+            </a:r>
+            <a:r>
+              <a:rPr lang="pt-BR" i="1" dirty="0"/>
+              <a:t> Build </a:t>
+            </a:r>
+            <a:r>
+              <a:rPr lang="pt-BR" i="1" dirty="0" err="1"/>
+              <a:t>Intelligent</a:t>
+            </a:r>
+            <a:r>
+              <a:rPr lang="pt-BR" i="1" dirty="0"/>
+              <a:t> Systems</a:t>
             </a:r>
             <a:r>
               <a:rPr lang="pt-BR" dirty="0"/>
@@ -46098,25 +46218,17 @@
             </a:pPr>
             <a:r>
               <a:rPr lang="pt-BR" dirty="0"/>
-              <a:t>[3] Joseph Misiti, “</a:t>
-            </a:r>
-            <a:r>
-              <a:rPr lang="pt-BR" i="1" dirty="0"/>
-              <a:t>Awesome Machine-Learning</a:t>
-            </a:r>
-            <a:r>
-              <a:rPr lang="pt-BR" dirty="0"/>
-              <a:t>,” on-line data base with several free and/or open-source books (</a:t>
+              <a:t>[3] Levy Boccato, “Notas de aula do curso Tópicos em Sistemas Inteligentes II - Aprendizado de Máquina” (IA006), disponíveis em </a:t>
             </a:r>
             <a:r>
               <a:rPr lang="pt-BR" dirty="0">
                 <a:hlinkClick r:id="rId3"/>
               </a:rPr>
-              <a:t>https://github.com/josephmisiti/awesome-machine-learning</a:t>
+              <a:t>https://www.dca.fee.unicamp.br/~lboccato/ia006_2s2019.html</a:t>
             </a:r>
             <a:r>
               <a:rPr lang="pt-BR" dirty="0"/>
-              <a:t>).</a:t>
+              <a:t> (2019).</a:t>
             </a:r>
           </a:p>
           <a:p>
@@ -46125,15 +46237,99 @@
             </a:pPr>
             <a:r>
               <a:rPr lang="pt-BR" dirty="0"/>
-              <a:t>[4] Andriy Burkov, “</a:t>
+              <a:t>[4] Joseph </a:t>
+            </a:r>
+            <a:r>
+              <a:rPr lang="pt-BR" dirty="0" err="1"/>
+              <a:t>Misiti</a:t>
+            </a:r>
+            <a:r>
+              <a:rPr lang="pt-BR" dirty="0"/>
+              <a:t>, “</a:t>
+            </a:r>
+            <a:r>
+              <a:rPr lang="pt-BR" i="1" dirty="0" err="1"/>
+              <a:t>Awesome</a:t>
             </a:r>
             <a:r>
               <a:rPr lang="pt-BR" i="1" dirty="0"/>
-              <a:t>The Hundred-Page Machine-Learning Book</a:t>
+              <a:t> </a:t>
+            </a:r>
+            <a:r>
+              <a:rPr lang="pt-BR" i="1" dirty="0" err="1"/>
+              <a:t>Machine</a:t>
+            </a:r>
+            <a:r>
+              <a:rPr lang="pt-BR" i="1" dirty="0"/>
+              <a:t>-Learning</a:t>
             </a:r>
             <a:r>
               <a:rPr lang="pt-BR" dirty="0"/>
-              <a:t>,” Andriy Burkov 2019.  </a:t>
+              <a:t>,” on-line data base </a:t>
+            </a:r>
+            <a:r>
+              <a:rPr lang="pt-BR" dirty="0" err="1"/>
+              <a:t>with</a:t>
+            </a:r>
+            <a:r>
+              <a:rPr lang="pt-BR" dirty="0"/>
+              <a:t> </a:t>
+            </a:r>
+            <a:r>
+              <a:rPr lang="pt-BR" dirty="0" err="1"/>
+              <a:t>several</a:t>
+            </a:r>
+            <a:r>
+              <a:rPr lang="pt-BR" dirty="0"/>
+              <a:t> </a:t>
+            </a:r>
+            <a:r>
+              <a:rPr lang="pt-BR" dirty="0" err="1"/>
+              <a:t>free</a:t>
+            </a:r>
+            <a:r>
+              <a:rPr lang="pt-BR" dirty="0"/>
+              <a:t> </a:t>
+            </a:r>
+            <a:r>
+              <a:rPr lang="pt-BR" dirty="0" err="1"/>
+              <a:t>and</a:t>
+            </a:r>
+            <a:r>
+              <a:rPr lang="pt-BR" dirty="0"/>
+              <a:t>/</a:t>
+            </a:r>
+            <a:r>
+              <a:rPr lang="pt-BR" dirty="0" err="1"/>
+              <a:t>or</a:t>
+            </a:r>
+            <a:r>
+              <a:rPr lang="pt-BR" dirty="0"/>
+              <a:t> open-</a:t>
+            </a:r>
+            <a:r>
+              <a:rPr lang="pt-BR" dirty="0" err="1"/>
+              <a:t>source</a:t>
+            </a:r>
+            <a:r>
+              <a:rPr lang="pt-BR" dirty="0"/>
+              <a:t> books (https://github.com/</a:t>
+            </a:r>
+            <a:r>
+              <a:rPr lang="pt-BR" dirty="0" err="1"/>
+              <a:t>josephmisiti</a:t>
+            </a:r>
+            <a:r>
+              <a:rPr lang="pt-BR" dirty="0"/>
+              <a:t>/</a:t>
+            </a:r>
+            <a:r>
+              <a:rPr lang="pt-BR" dirty="0" err="1"/>
+              <a:t>awesome-machine-learning</a:t>
+            </a:r>
+            <a:r>
+              <a:rPr lang="pt-BR" dirty="0"/>
+              <a:t>). </a:t>
             </a:r>
           </a:p>
           <a:p>
@@ -46186,31 +46382,14 @@
               <a:buNone/>
             </a:pPr>
             <a:r>
-              <a:rPr lang="pt-BR" dirty="0"/>
-              <a:t>[6] S. Haykin, “</a:t>
+              <a:rPr lang="pt-BR"/>
+              <a:t>[6] Coleção de livros, </a:t>
             </a:r>
             <a:r>
-              <a:rPr lang="pt-BR" i="1" dirty="0"/>
-              <a:t>Neural Networks and Learning Machines</a:t>
-            </a:r>
-            <a:r>
-              <a:rPr lang="pt-BR" dirty="0"/>
-              <a:t>,” Prentice Hall, 3ª ed., 2008.</a:t>
-            </a:r>
-          </a:p>
-          <a:p>
-            <a:pPr marL="0" indent="0">
-              <a:buNone/>
-            </a:pPr>
-            <a:r>
-              <a:rPr lang="pt-BR" dirty="0"/>
-              <a:t>[7] Coleção de livros: </a:t>
-            </a:r>
-            <a:r>
-              <a:rPr lang="pt-BR" dirty="0">
+              <a:rPr lang="pt-BR">
                 <a:hlinkClick r:id="rId4"/>
               </a:rPr>
-              <a:t>https://drive.google.com/drive/folders/1IyIIMu1w6POBhrVnw11yqXXy6BjC439j?usp=sharing</a:t>
+              <a:t>https://tinyurl.com/mp64ksye</a:t>
             </a:r>
             <a:endParaRPr lang="pt-BR" dirty="0"/>
           </a:p>

--- a/slides/T320_Classificação (Parte I).pptx
+++ b/slides/T320_Classificação (Parte I).pptx
@@ -303,7 +303,7 @@
           <a:p>
             <a:fld id="{144F1436-6906-4D93-B7A2-786C327BFA14}" type="datetimeFigureOut">
               <a:rPr lang="nl-BE" smtClean="0"/>
-              <a:t>4/12/2023</a:t>
+              <a:t>5/02/2024</a:t>
             </a:fld>
             <a:endParaRPr lang="nl-BE"/>
           </a:p>
@@ -468,7 +468,7 @@
           <a:p>
             <a:fld id="{AA8CD09E-2914-4F47-B6C1-51B2C31814C9}" type="datetimeFigureOut">
               <a:rPr lang="pt-BR" smtClean="0"/>
-              <a:t>04/12/2023</a:t>
+              <a:t>05/02/2024</a:t>
             </a:fld>
             <a:endParaRPr lang="pt-BR"/>
           </a:p>
@@ -2652,7 +2652,7 @@
           <a:p>
             <a:fld id="{63289F7E-B80B-496E-81B4-D396C37C9454}" type="datetimeFigureOut">
               <a:rPr lang="pt-BR" smtClean="0"/>
-              <a:t>04/12/2023</a:t>
+              <a:t>05/02/2024</a:t>
             </a:fld>
             <a:endParaRPr lang="pt-BR"/>
           </a:p>
@@ -2850,7 +2850,7 @@
           <a:p>
             <a:fld id="{63289F7E-B80B-496E-81B4-D396C37C9454}" type="datetimeFigureOut">
               <a:rPr lang="pt-BR" smtClean="0"/>
-              <a:t>04/12/2023</a:t>
+              <a:t>05/02/2024</a:t>
             </a:fld>
             <a:endParaRPr lang="pt-BR"/>
           </a:p>
@@ -3058,7 +3058,7 @@
           <a:p>
             <a:fld id="{63289F7E-B80B-496E-81B4-D396C37C9454}" type="datetimeFigureOut">
               <a:rPr lang="pt-BR" smtClean="0"/>
-              <a:t>04/12/2023</a:t>
+              <a:t>05/02/2024</a:t>
             </a:fld>
             <a:endParaRPr lang="pt-BR"/>
           </a:p>
@@ -3256,7 +3256,7 @@
           <a:p>
             <a:fld id="{63289F7E-B80B-496E-81B4-D396C37C9454}" type="datetimeFigureOut">
               <a:rPr lang="pt-BR" smtClean="0"/>
-              <a:t>04/12/2023</a:t>
+              <a:t>05/02/2024</a:t>
             </a:fld>
             <a:endParaRPr lang="pt-BR"/>
           </a:p>
@@ -3531,7 +3531,7 @@
           <a:p>
             <a:fld id="{63289F7E-B80B-496E-81B4-D396C37C9454}" type="datetimeFigureOut">
               <a:rPr lang="pt-BR" smtClean="0"/>
-              <a:t>04/12/2023</a:t>
+              <a:t>05/02/2024</a:t>
             </a:fld>
             <a:endParaRPr lang="pt-BR"/>
           </a:p>
@@ -3796,7 +3796,7 @@
           <a:p>
             <a:fld id="{63289F7E-B80B-496E-81B4-D396C37C9454}" type="datetimeFigureOut">
               <a:rPr lang="pt-BR" smtClean="0"/>
-              <a:t>04/12/2023</a:t>
+              <a:t>05/02/2024</a:t>
             </a:fld>
             <a:endParaRPr lang="pt-BR"/>
           </a:p>
@@ -4208,7 +4208,7 @@
           <a:p>
             <a:fld id="{63289F7E-B80B-496E-81B4-D396C37C9454}" type="datetimeFigureOut">
               <a:rPr lang="pt-BR" smtClean="0"/>
-              <a:t>04/12/2023</a:t>
+              <a:t>05/02/2024</a:t>
             </a:fld>
             <a:endParaRPr lang="pt-BR"/>
           </a:p>
@@ -4349,7 +4349,7 @@
           <a:p>
             <a:fld id="{63289F7E-B80B-496E-81B4-D396C37C9454}" type="datetimeFigureOut">
               <a:rPr lang="pt-BR" smtClean="0"/>
-              <a:t>04/12/2023</a:t>
+              <a:t>05/02/2024</a:t>
             </a:fld>
             <a:endParaRPr lang="pt-BR"/>
           </a:p>
@@ -4462,7 +4462,7 @@
           <a:p>
             <a:fld id="{63289F7E-B80B-496E-81B4-D396C37C9454}" type="datetimeFigureOut">
               <a:rPr lang="pt-BR" smtClean="0"/>
-              <a:t>04/12/2023</a:t>
+              <a:t>05/02/2024</a:t>
             </a:fld>
             <a:endParaRPr lang="pt-BR"/>
           </a:p>
@@ -4773,7 +4773,7 @@
           <a:p>
             <a:fld id="{63289F7E-B80B-496E-81B4-D396C37C9454}" type="datetimeFigureOut">
               <a:rPr lang="pt-BR" smtClean="0"/>
-              <a:t>04/12/2023</a:t>
+              <a:t>05/02/2024</a:t>
             </a:fld>
             <a:endParaRPr lang="pt-BR"/>
           </a:p>
@@ -5061,7 +5061,7 @@
           <a:p>
             <a:fld id="{63289F7E-B80B-496E-81B4-D396C37C9454}" type="datetimeFigureOut">
               <a:rPr lang="pt-BR" smtClean="0"/>
-              <a:t>04/12/2023</a:t>
+              <a:t>05/02/2024</a:t>
             </a:fld>
             <a:endParaRPr lang="pt-BR"/>
           </a:p>
@@ -5302,7 +5302,7 @@
           <a:p>
             <a:fld id="{63289F7E-B80B-496E-81B4-D396C37C9454}" type="datetimeFigureOut">
               <a:rPr lang="pt-BR" smtClean="0"/>
-              <a:t>04/12/2023</a:t>
+              <a:t>05/02/2024</a:t>
             </a:fld>
             <a:endParaRPr lang="pt-BR"/>
           </a:p>
@@ -40637,7 +40637,7 @@
             </a:pPr>
             <a:r>
               <a:rPr lang="pt-BR" dirty="0"/>
-              <a:t>O trabalho precisa usar ML.</a:t>
+              <a:t>O trabalho precisa usar IA.</a:t>
             </a:r>
           </a:p>
           <a:p>
@@ -40833,7 +40833,7 @@
           <p:nvPr>
             <p:extLst>
               <p:ext uri="{D42A27DB-BD31-4B8C-83A1-F6EECF244321}">
-                <p14:modId xmlns:p14="http://schemas.microsoft.com/office/powerpoint/2010/main" val="1328906935"/>
+                <p14:modId xmlns:p14="http://schemas.microsoft.com/office/powerpoint/2010/main" val="4148131781"/>
               </p:ext>
             </p:extLst>
           </p:nvPr>
@@ -41228,7 +41228,7 @@
                         <a:rPr lang="pt-BR" sz="1400" dirty="0">
                           <a:effectLst/>
                         </a:rPr>
-                        <a:t>5/8/2023</a:t>
+                        <a:t>10/2/2024</a:t>
                       </a:r>
                     </a:p>
                   </a:txBody>
@@ -41506,7 +41506,7 @@
                         <a:rPr lang="pt-BR" sz="1400">
                           <a:effectLst/>
                         </a:rPr>
-                        <a:t>12/8/2023</a:t>
+                        <a:t>17/2/2024</a:t>
                       </a:r>
                     </a:p>
                   </a:txBody>
@@ -41751,7 +41751,7 @@
                         <a:rPr lang="pt-BR" sz="1400">
                           <a:effectLst/>
                         </a:rPr>
-                        <a:t>19/8/2023</a:t>
+                        <a:t>24/2/2024</a:t>
                       </a:r>
                     </a:p>
                   </a:txBody>
@@ -41980,7 +41980,7 @@
                         <a:rPr lang="pt-BR" sz="1400">
                           <a:effectLst/>
                         </a:rPr>
-                        <a:t>26/8/2023</a:t>
+                        <a:t>2/3/2024</a:t>
                       </a:r>
                     </a:p>
                   </a:txBody>
@@ -42209,7 +42209,7 @@
                         <a:rPr lang="pt-BR" sz="1400">
                           <a:effectLst/>
                         </a:rPr>
-                        <a:t>2/9/2023</a:t>
+                        <a:t>9/3/2024</a:t>
                       </a:r>
                     </a:p>
                   </a:txBody>
@@ -42438,7 +42438,7 @@
                         <a:rPr lang="pt-BR" sz="1400">
                           <a:effectLst/>
                         </a:rPr>
-                        <a:t>9/9/2023</a:t>
+                        <a:t>16/3/2024</a:t>
                       </a:r>
                     </a:p>
                   </a:txBody>
@@ -42611,7 +42611,7 @@
                     <a:p>
                       <a:pPr algn="ctr" rtl="0" fontAlgn="b"/>
                       <a:r>
-                        <a:rPr lang="pt-BR" sz="1400">
+                        <a:rPr lang="pt-BR" sz="1400" dirty="0">
                           <a:effectLst/>
                         </a:rPr>
                         <a:t>7</a:t>
@@ -42667,7 +42667,7 @@
                         <a:rPr lang="pt-BR" sz="1400">
                           <a:effectLst/>
                         </a:rPr>
-                        <a:t>16/9/2023</a:t>
+                        <a:t>23/3/2024</a:t>
                       </a:r>
                     </a:p>
                   </a:txBody>
@@ -42838,13 +42838,16 @@
                     <a:bodyPr/>
                     <a:lstStyle/>
                     <a:p>
-                      <a:pPr algn="ctr" rtl="0" fontAlgn="b"/>
+                      <a:pPr marL="0" algn="ctr" defTabSz="914400" rtl="0" eaLnBrk="1" fontAlgn="b" latinLnBrk="0" hangingPunct="1"/>
                       <a:r>
-                        <a:rPr lang="pt-BR" sz="1400" b="1" dirty="0">
+                        <a:rPr lang="pt-BR" sz="1400" kern="1200" dirty="0">
                           <a:solidFill>
-                            <a:srgbClr val="00B050"/>
+                            <a:schemeClr val="tx1"/>
                           </a:solidFill>
                           <a:effectLst/>
+                          <a:latin typeface="+mn-lt"/>
+                          <a:ea typeface="+mn-ea"/>
+                          <a:cs typeface="+mn-cs"/>
                         </a:rPr>
                         <a:t>8</a:t>
                       </a:r>
@@ -42896,13 +42899,10 @@
                     <a:p>
                       <a:pPr algn="ctr" rtl="0" fontAlgn="b"/>
                       <a:r>
-                        <a:rPr lang="pt-BR" sz="1400" b="1" dirty="0">
-                          <a:solidFill>
-                            <a:srgbClr val="00B050"/>
-                          </a:solidFill>
+                        <a:rPr lang="pt-BR" sz="1400">
                           <a:effectLst/>
                         </a:rPr>
-                        <a:t>23/9/2023</a:t>
+                        <a:t>30/3/2024</a:t>
                       </a:r>
                     </a:p>
                   </a:txBody>
@@ -43013,74 +43013,32 @@
                     <a:bodyPr/>
                     <a:lstStyle/>
                     <a:p>
-                      <a:pPr algn="ctr" rtl="0" fontAlgn="b"/>
+                      <a:pPr marL="0" marR="0" lvl="0" indent="0" algn="ctr" defTabSz="914400" rtl="0" eaLnBrk="1" fontAlgn="b" latinLnBrk="0" hangingPunct="1">
+                        <a:lnSpc>
+                          <a:spcPct val="100000"/>
+                        </a:lnSpc>
+                        <a:spcBef>
+                          <a:spcPts val="0"/>
+                        </a:spcBef>
+                        <a:spcAft>
+                          <a:spcPts val="0"/>
+                        </a:spcAft>
+                        <a:buClrTx/>
+                        <a:buSzTx/>
+                        <a:buFontTx/>
+                        <a:buNone/>
+                        <a:tabLst/>
+                        <a:defRPr/>
+                      </a:pPr>
                       <a:r>
-                        <a:rPr lang="en-US" sz="1400" b="1" dirty="0" err="1">
-                          <a:solidFill>
-                            <a:srgbClr val="00B050"/>
-                          </a:solidFill>
-                          <a:effectLst/>
-                        </a:rPr>
-                        <a:t>Avaliação</a:t>
+                        <a:rPr lang="pt-BR" sz="1400" dirty="0"/>
+                        <a:t>Introdução</a:t>
                       </a:r>
                       <a:r>
-                        <a:rPr lang="en-US" sz="1400" b="1" dirty="0">
-                          <a:solidFill>
-                            <a:srgbClr val="00B050"/>
-                          </a:solidFill>
-                          <a:effectLst/>
-                        </a:rPr>
-                        <a:t> </a:t>
+                        <a:rPr lang="pt-BR" sz="1400" baseline="0" dirty="0"/>
+                        <a:t> ao Aprendizado de Máquina</a:t>
                       </a:r>
-                      <a:r>
-                        <a:rPr lang="en-US" sz="1400" b="1" dirty="0" err="1">
-                          <a:solidFill>
-                            <a:srgbClr val="00B050"/>
-                          </a:solidFill>
-                          <a:effectLst/>
-                        </a:rPr>
-                        <a:t>Presencial</a:t>
-                      </a:r>
-                      <a:r>
-                        <a:rPr lang="en-US" sz="1400" b="1" dirty="0">
-                          <a:solidFill>
-                            <a:srgbClr val="00B050"/>
-                          </a:solidFill>
-                          <a:effectLst/>
-                        </a:rPr>
-                        <a:t> I (</a:t>
-                      </a:r>
-                      <a:r>
-                        <a:rPr lang="en-US" sz="1400" b="1" dirty="0" err="1">
-                          <a:solidFill>
-                            <a:srgbClr val="00B050"/>
-                          </a:solidFill>
-                          <a:effectLst/>
-                        </a:rPr>
-                        <a:t>Projeto</a:t>
-                      </a:r>
-                      <a:r>
-                        <a:rPr lang="en-US" sz="1400" b="1" baseline="0" dirty="0">
-                          <a:solidFill>
-                            <a:srgbClr val="00B050"/>
-                          </a:solidFill>
-                          <a:effectLst/>
-                        </a:rPr>
-                        <a:t> I) </a:t>
-                      </a:r>
-                      <a:r>
-                        <a:rPr lang="en-US" sz="1400" b="1" baseline="0" dirty="0">
-                          <a:solidFill>
-                            <a:srgbClr val="FF0000"/>
-                          </a:solidFill>
-                          <a:effectLst/>
-                        </a:rPr>
-                        <a:t>(Sala I-17)</a:t>
-                      </a:r>
-                      <a:endParaRPr lang="en-US" sz="1400" b="1" dirty="0">
-                        <a:solidFill>
-                          <a:srgbClr val="FF0000"/>
-                        </a:solidFill>
+                      <a:endParaRPr lang="en-US" sz="1400" dirty="0">
                         <a:effectLst/>
                       </a:endParaRPr>
                     </a:p>
@@ -43194,7 +43152,7 @@
                         <a:rPr lang="pt-BR" sz="1400">
                           <a:effectLst/>
                         </a:rPr>
-                        <a:t>30/9/2023</a:t>
+                        <a:t>6/4/2024</a:t>
                       </a:r>
                     </a:p>
                   </a:txBody>
@@ -43304,11 +43262,11 @@
                     <a:p>
                       <a:pPr algn="ctr" rtl="0" fontAlgn="b"/>
                       <a:r>
-                        <a:rPr lang="pt-BR" sz="1400"/>
+                        <a:rPr lang="pt-BR" sz="1400" dirty="0"/>
                         <a:t>Introdução</a:t>
                       </a:r>
                       <a:r>
-                        <a:rPr lang="pt-BR" sz="1400" baseline="0"/>
+                        <a:rPr lang="pt-BR" sz="1400" baseline="0" dirty="0"/>
                         <a:t> ao Aprendizado de Máquina</a:t>
                       </a:r>
                       <a:endParaRPr lang="en-US" sz="1400" dirty="0">
@@ -43425,7 +43383,7 @@
                         <a:rPr lang="pt-BR" sz="1400">
                           <a:effectLst/>
                         </a:rPr>
-                        <a:t>7/10/2023</a:t>
+                        <a:t>13/4/2024</a:t>
                       </a:r>
                     </a:p>
                   </a:txBody>
@@ -43600,7 +43558,10 @@
                     <a:p>
                       <a:pPr algn="ctr" rtl="0" fontAlgn="b"/>
                       <a:r>
-                        <a:rPr lang="pt-BR" sz="1400">
+                        <a:rPr lang="pt-BR" sz="1400" b="1" dirty="0">
+                          <a:solidFill>
+                            <a:srgbClr val="00B050"/>
+                          </a:solidFill>
                           <a:effectLst/>
                         </a:rPr>
                         <a:t>11</a:t>
@@ -43653,10 +43614,13 @@
                     <a:p>
                       <a:pPr algn="ctr" rtl="0" fontAlgn="b"/>
                       <a:r>
-                        <a:rPr lang="pt-BR" sz="1400">
+                        <a:rPr lang="pt-BR" sz="1400" b="1" dirty="0">
+                          <a:solidFill>
+                            <a:srgbClr val="00B050"/>
+                          </a:solidFill>
                           <a:effectLst/>
                         </a:rPr>
-                        <a:t>14/10/2023</a:t>
+                        <a:t>20/4/2024</a:t>
                       </a:r>
                     </a:p>
                   </a:txBody>
@@ -43766,14 +43730,72 @@
                     <a:p>
                       <a:pPr algn="ctr" rtl="0" fontAlgn="b"/>
                       <a:r>
-                        <a:rPr lang="pt-BR" sz="1400"/>
-                        <a:t>Introdução</a:t>
+                        <a:rPr lang="en-US" sz="1400" b="1" dirty="0" err="1">
+                          <a:solidFill>
+                            <a:srgbClr val="00B050"/>
+                          </a:solidFill>
+                          <a:effectLst/>
+                        </a:rPr>
+                        <a:t>Avaliação</a:t>
                       </a:r>
                       <a:r>
-                        <a:rPr lang="pt-BR" sz="1400" baseline="0"/>
-                        <a:t> ao Aprendizado de Máquina</a:t>
+                        <a:rPr lang="en-US" sz="1400" b="1" dirty="0">
+                          <a:solidFill>
+                            <a:srgbClr val="00B050"/>
+                          </a:solidFill>
+                          <a:effectLst/>
+                        </a:rPr>
+                        <a:t> </a:t>
                       </a:r>
-                      <a:endParaRPr lang="en-US" sz="1400" dirty="0">
+                      <a:r>
+                        <a:rPr lang="en-US" sz="1400" b="1" dirty="0" err="1">
+                          <a:solidFill>
+                            <a:srgbClr val="00B050"/>
+                          </a:solidFill>
+                          <a:effectLst/>
+                        </a:rPr>
+                        <a:t>Presencial</a:t>
+                      </a:r>
+                      <a:r>
+                        <a:rPr lang="en-US" sz="1400" b="1" dirty="0">
+                          <a:solidFill>
+                            <a:srgbClr val="00B050"/>
+                          </a:solidFill>
+                          <a:effectLst/>
+                        </a:rPr>
+                        <a:t> I (</a:t>
+                      </a:r>
+                      <a:r>
+                        <a:rPr lang="en-US" sz="1400" b="1" dirty="0" err="1">
+                          <a:solidFill>
+                            <a:srgbClr val="00B050"/>
+                          </a:solidFill>
+                          <a:effectLst/>
+                        </a:rPr>
+                        <a:t>Projeto</a:t>
+                      </a:r>
+                      <a:r>
+                        <a:rPr lang="en-US" sz="1400" b="1" baseline="0" dirty="0">
+                          <a:solidFill>
+                            <a:srgbClr val="00B050"/>
+                          </a:solidFill>
+                          <a:effectLst/>
+                        </a:rPr>
+                        <a:t> I) </a:t>
+                      </a:r>
+                      <a:r>
+                        <a:rPr lang="en-US" sz="1400" b="1" baseline="0" dirty="0">
+                          <a:solidFill>
+                            <a:srgbClr val="FF0000"/>
+                          </a:solidFill>
+                          <a:effectLst/>
+                        </a:rPr>
+                        <a:t>(Sala I-XX)</a:t>
+                      </a:r>
+                      <a:endParaRPr lang="en-US" sz="1400" b="1" dirty="0">
+                        <a:solidFill>
+                          <a:srgbClr val="FF0000"/>
+                        </a:solidFill>
                         <a:effectLst/>
                       </a:endParaRPr>
                     </a:p>
@@ -43887,7 +43909,7 @@
                         <a:rPr lang="pt-BR" sz="1400">
                           <a:effectLst/>
                         </a:rPr>
-                        <a:t>21/10/2023</a:t>
+                        <a:t>27/4/2024</a:t>
                       </a:r>
                     </a:p>
                   </a:txBody>
@@ -44118,7 +44140,7 @@
                         <a:rPr lang="pt-BR" sz="1400">
                           <a:effectLst/>
                         </a:rPr>
-                        <a:t>28/10/2023</a:t>
+                        <a:t>4/5/2024</a:t>
                       </a:r>
                     </a:p>
                   </a:txBody>
@@ -44349,7 +44371,7 @@
                         <a:rPr lang="pt-BR" sz="1400">
                           <a:effectLst/>
                         </a:rPr>
-                        <a:t>4/11/2023</a:t>
+                        <a:t>11/5/2024</a:t>
                       </a:r>
                     </a:p>
                   </a:txBody>
@@ -44580,7 +44602,7 @@
                         <a:rPr lang="pt-BR" sz="1400">
                           <a:effectLst/>
                         </a:rPr>
-                        <a:t>11/11/2023</a:t>
+                        <a:t>18/5/2024</a:t>
                       </a:r>
                     </a:p>
                   </a:txBody>
@@ -44753,6 +44775,262 @@
                     <a:bodyPr/>
                     <a:lstStyle/>
                     <a:p>
+                      <a:pPr marL="0" algn="ctr" defTabSz="914400" rtl="0" eaLnBrk="1" fontAlgn="b" latinLnBrk="0" hangingPunct="1"/>
+                      <a:r>
+                        <a:rPr lang="pt-BR" sz="1400" kern="1200" dirty="0">
+                          <a:solidFill>
+                            <a:schemeClr val="tx1"/>
+                          </a:solidFill>
+                          <a:effectLst/>
+                          <a:latin typeface="+mn-lt"/>
+                          <a:ea typeface="+mn-ea"/>
+                          <a:cs typeface="+mn-cs"/>
+                        </a:rPr>
+                        <a:t>16</a:t>
+                      </a:r>
+                    </a:p>
+                  </a:txBody>
+                  <a:tcPr marL="28575" marR="28575" marT="19050" marB="19050" anchor="b">
+                    <a:lnL w="9525" cap="flat" cmpd="sng" algn="ctr">
+                      <a:solidFill>
+                        <a:srgbClr val="000000"/>
+                      </a:solidFill>
+                      <a:prstDash val="solid"/>
+                      <a:round/>
+                      <a:headEnd type="none" w="med" len="med"/>
+                      <a:tailEnd type="none" w="med" len="med"/>
+                    </a:lnL>
+                    <a:lnR w="9525" cap="flat" cmpd="sng" algn="ctr">
+                      <a:solidFill>
+                        <a:srgbClr val="CCCCCC"/>
+                      </a:solidFill>
+                      <a:prstDash val="solid"/>
+                      <a:round/>
+                      <a:headEnd type="none" w="med" len="med"/>
+                      <a:tailEnd type="none" w="med" len="med"/>
+                    </a:lnR>
+                    <a:lnT w="9525" cap="flat" cmpd="sng" algn="ctr">
+                      <a:solidFill>
+                        <a:srgbClr val="CCCCCC"/>
+                      </a:solidFill>
+                      <a:prstDash val="solid"/>
+                      <a:round/>
+                      <a:headEnd type="none" w="med" len="med"/>
+                      <a:tailEnd type="none" w="med" len="med"/>
+                    </a:lnT>
+                    <a:lnB w="9525" cap="flat" cmpd="sng" algn="ctr">
+                      <a:solidFill>
+                        <a:srgbClr val="CCCCCC"/>
+                      </a:solidFill>
+                      <a:prstDash val="solid"/>
+                      <a:round/>
+                      <a:headEnd type="none" w="med" len="med"/>
+                      <a:tailEnd type="none" w="med" len="med"/>
+                    </a:lnB>
+                  </a:tcPr>
+                </a:tc>
+                <a:tc>
+                  <a:txBody>
+                    <a:bodyPr/>
+                    <a:lstStyle/>
+                    <a:p>
+                      <a:pPr algn="ctr" rtl="0" fontAlgn="b"/>
+                      <a:r>
+                        <a:rPr lang="pt-BR" sz="1400">
+                          <a:effectLst/>
+                        </a:rPr>
+                        <a:t>25/5/2024</a:t>
+                      </a:r>
+                    </a:p>
+                  </a:txBody>
+                  <a:tcPr marL="28575" marR="28575" marT="19050" marB="19050" anchor="b">
+                    <a:lnL w="9525" cap="flat" cmpd="sng" algn="ctr">
+                      <a:solidFill>
+                        <a:srgbClr val="CCCCCC"/>
+                      </a:solidFill>
+                      <a:prstDash val="solid"/>
+                      <a:round/>
+                      <a:headEnd type="none" w="med" len="med"/>
+                      <a:tailEnd type="none" w="med" len="med"/>
+                    </a:lnL>
+                    <a:lnR w="9525" cap="flat" cmpd="sng" algn="ctr">
+                      <a:solidFill>
+                        <a:srgbClr val="CCCCCC"/>
+                      </a:solidFill>
+                      <a:prstDash val="solid"/>
+                      <a:round/>
+                      <a:headEnd type="none" w="med" len="med"/>
+                      <a:tailEnd type="none" w="med" len="med"/>
+                    </a:lnR>
+                    <a:lnT w="9525" cap="flat" cmpd="sng" algn="ctr">
+                      <a:solidFill>
+                        <a:srgbClr val="CCCCCC"/>
+                      </a:solidFill>
+                      <a:prstDash val="solid"/>
+                      <a:round/>
+                      <a:headEnd type="none" w="med" len="med"/>
+                      <a:tailEnd type="none" w="med" len="med"/>
+                    </a:lnT>
+                    <a:lnB w="9525" cap="flat" cmpd="sng" algn="ctr">
+                      <a:solidFill>
+                        <a:srgbClr val="CCCCCC"/>
+                      </a:solidFill>
+                      <a:prstDash val="solid"/>
+                      <a:round/>
+                      <a:headEnd type="none" w="med" len="med"/>
+                      <a:tailEnd type="none" w="med" len="med"/>
+                    </a:lnB>
+                  </a:tcPr>
+                </a:tc>
+                <a:tc vMerge="1">
+                  <a:txBody>
+                    <a:bodyPr/>
+                    <a:lstStyle/>
+                    <a:p>
+                      <a:pPr algn="ctr" rtl="0" fontAlgn="b"/>
+                      <a:endParaRPr lang="en-US" sz="1400" b="1" dirty="0">
+                        <a:solidFill>
+                          <a:srgbClr val="00B050"/>
+                        </a:solidFill>
+                        <a:effectLst/>
+                      </a:endParaRPr>
+                    </a:p>
+                  </a:txBody>
+                  <a:tcPr marL="10288" marR="10288" marT="6859" marB="6859" anchor="b">
+                    <a:lnL w="9525" cap="flat" cmpd="sng" algn="ctr">
+                      <a:solidFill>
+                        <a:srgbClr val="CCCCCC"/>
+                      </a:solidFill>
+                      <a:prstDash val="solid"/>
+                      <a:round/>
+                      <a:headEnd type="none" w="med" len="med"/>
+                      <a:tailEnd type="none" w="med" len="med"/>
+                    </a:lnL>
+                    <a:lnR w="9525" cap="flat" cmpd="sng" algn="ctr">
+                      <a:solidFill>
+                        <a:srgbClr val="CCCCCC"/>
+                      </a:solidFill>
+                      <a:prstDash val="solid"/>
+                      <a:round/>
+                      <a:headEnd type="none" w="med" len="med"/>
+                      <a:tailEnd type="none" w="med" len="med"/>
+                    </a:lnR>
+                    <a:lnT w="9525" cap="flat" cmpd="sng" algn="ctr">
+                      <a:solidFill>
+                        <a:srgbClr val="CCCCCC"/>
+                      </a:solidFill>
+                      <a:prstDash val="solid"/>
+                      <a:round/>
+                      <a:headEnd type="none" w="med" len="med"/>
+                      <a:tailEnd type="none" w="med" len="med"/>
+                    </a:lnT>
+                    <a:lnB w="9525" cap="flat" cmpd="sng" algn="ctr">
+                      <a:solidFill>
+                        <a:srgbClr val="CCCCCC"/>
+                      </a:solidFill>
+                      <a:prstDash val="solid"/>
+                      <a:round/>
+                      <a:headEnd type="none" w="med" len="med"/>
+                      <a:tailEnd type="none" w="med" len="med"/>
+                    </a:lnB>
+                  </a:tcPr>
+                </a:tc>
+                <a:tc vMerge="1">
+                  <a:txBody>
+                    <a:bodyPr/>
+                    <a:lstStyle/>
+                    <a:p>
+                      <a:endParaRPr lang="en-US"/>
+                    </a:p>
+                  </a:txBody>
+                  <a:tcPr/>
+                </a:tc>
+                <a:tc>
+                  <a:txBody>
+                    <a:bodyPr/>
+                    <a:lstStyle/>
+                    <a:p>
+                      <a:pPr marL="0" marR="0" lvl="0" indent="0" algn="ctr" defTabSz="914400" rtl="0" eaLnBrk="1" fontAlgn="b" latinLnBrk="0" hangingPunct="1">
+                        <a:lnSpc>
+                          <a:spcPct val="100000"/>
+                        </a:lnSpc>
+                        <a:spcBef>
+                          <a:spcPts val="0"/>
+                        </a:spcBef>
+                        <a:spcAft>
+                          <a:spcPts val="0"/>
+                        </a:spcAft>
+                        <a:buClrTx/>
+                        <a:buSzTx/>
+                        <a:buFontTx/>
+                        <a:buNone/>
+                        <a:tabLst/>
+                        <a:defRPr/>
+                      </a:pPr>
+                      <a:r>
+                        <a:rPr lang="pt-BR" sz="1400" dirty="0"/>
+                        <a:t>Introdução</a:t>
+                      </a:r>
+                      <a:r>
+                        <a:rPr lang="pt-BR" sz="1400" baseline="0" dirty="0"/>
+                        <a:t> ao Aprendizado de Máquina</a:t>
+                      </a:r>
+                      <a:endParaRPr lang="en-US" sz="1400" dirty="0">
+                        <a:effectLst/>
+                      </a:endParaRPr>
+                    </a:p>
+                  </a:txBody>
+                  <a:tcPr marL="10288" marR="10288" marT="6859" marB="6859" anchor="b">
+                    <a:lnL w="9525" cap="flat" cmpd="sng" algn="ctr">
+                      <a:solidFill>
+                        <a:srgbClr val="CCCCCC"/>
+                      </a:solidFill>
+                      <a:prstDash val="solid"/>
+                      <a:round/>
+                      <a:headEnd type="none" w="med" len="med"/>
+                      <a:tailEnd type="none" w="med" len="med"/>
+                    </a:lnL>
+                    <a:lnR w="9525" cap="flat" cmpd="sng" algn="ctr">
+                      <a:solidFill>
+                        <a:srgbClr val="000000"/>
+                      </a:solidFill>
+                      <a:prstDash val="solid"/>
+                      <a:round/>
+                      <a:headEnd type="none" w="med" len="med"/>
+                      <a:tailEnd type="none" w="med" len="med"/>
+                    </a:lnR>
+                    <a:lnT w="9525" cap="flat" cmpd="sng" algn="ctr">
+                      <a:solidFill>
+                        <a:srgbClr val="CCCCCC"/>
+                      </a:solidFill>
+                      <a:prstDash val="solid"/>
+                      <a:round/>
+                      <a:headEnd type="none" w="med" len="med"/>
+                      <a:tailEnd type="none" w="med" len="med"/>
+                    </a:lnT>
+                    <a:lnB w="9525" cap="flat" cmpd="sng" algn="ctr">
+                      <a:solidFill>
+                        <a:srgbClr val="CCCCCC"/>
+                      </a:solidFill>
+                      <a:prstDash val="solid"/>
+                      <a:round/>
+                      <a:headEnd type="none" w="med" len="med"/>
+                      <a:tailEnd type="none" w="med" len="med"/>
+                    </a:lnB>
+                  </a:tcPr>
+                </a:tc>
+                <a:extLst>
+                  <a:ext uri="{0D108BD9-81ED-4DB2-BD59-A6C34878D82A}">
+                    <a16:rowId xmlns:a16="http://schemas.microsoft.com/office/drawing/2014/main" val="10016"/>
+                  </a:ext>
+                </a:extLst>
+              </a:tr>
+              <a:tr h="232673">
+                <a:tc>
+                  <a:txBody>
+                    <a:bodyPr/>
+                    <a:lstStyle/>
+                    <a:p>
                       <a:pPr algn="ctr" rtl="0" fontAlgn="b"/>
                       <a:r>
                         <a:rPr lang="pt-BR" sz="1400" b="1" dirty="0">
@@ -44761,7 +45039,7 @@
                           </a:solidFill>
                           <a:effectLst/>
                         </a:rPr>
-                        <a:t>16</a:t>
+                        <a:t>17</a:t>
                       </a:r>
                     </a:p>
                   </a:txBody>
@@ -44817,7 +45095,7 @@
                           </a:solidFill>
                           <a:effectLst/>
                         </a:rPr>
-                        <a:t>18/11/2023</a:t>
+                        <a:t>1/6/2024</a:t>
                       </a:r>
                     </a:p>
                   </a:txBody>
@@ -44866,10 +45144,7 @@
                     <a:lstStyle/>
                     <a:p>
                       <a:pPr algn="ctr" rtl="0" fontAlgn="b"/>
-                      <a:endParaRPr lang="en-US" sz="1400" b="1" dirty="0">
-                        <a:solidFill>
-                          <a:srgbClr val="00B050"/>
-                        </a:solidFill>
+                      <a:endParaRPr lang="en-US" sz="1400" dirty="0">
                         <a:effectLst/>
                       </a:endParaRPr>
                     </a:p>
@@ -44990,243 +45265,12 @@
                           </a:solidFill>
                           <a:effectLst/>
                         </a:rPr>
-                        <a:t>(Sala I-17)</a:t>
+                        <a:t>(Sala I-XX)</a:t>
                       </a:r>
                       <a:endParaRPr lang="en-US" sz="1400" b="1" dirty="0">
                         <a:solidFill>
                           <a:srgbClr val="FF0000"/>
                         </a:solidFill>
-                        <a:effectLst/>
-                      </a:endParaRPr>
-                    </a:p>
-                  </a:txBody>
-                  <a:tcPr marL="10288" marR="10288" marT="6859" marB="6859" anchor="b">
-                    <a:lnL w="9525" cap="flat" cmpd="sng" algn="ctr">
-                      <a:solidFill>
-                        <a:srgbClr val="CCCCCC"/>
-                      </a:solidFill>
-                      <a:prstDash val="solid"/>
-                      <a:round/>
-                      <a:headEnd type="none" w="med" len="med"/>
-                      <a:tailEnd type="none" w="med" len="med"/>
-                    </a:lnL>
-                    <a:lnR w="9525" cap="flat" cmpd="sng" algn="ctr">
-                      <a:solidFill>
-                        <a:srgbClr val="000000"/>
-                      </a:solidFill>
-                      <a:prstDash val="solid"/>
-                      <a:round/>
-                      <a:headEnd type="none" w="med" len="med"/>
-                      <a:tailEnd type="none" w="med" len="med"/>
-                    </a:lnR>
-                    <a:lnT w="9525" cap="flat" cmpd="sng" algn="ctr">
-                      <a:solidFill>
-                        <a:srgbClr val="CCCCCC"/>
-                      </a:solidFill>
-                      <a:prstDash val="solid"/>
-                      <a:round/>
-                      <a:headEnd type="none" w="med" len="med"/>
-                      <a:tailEnd type="none" w="med" len="med"/>
-                    </a:lnT>
-                    <a:lnB w="9525" cap="flat" cmpd="sng" algn="ctr">
-                      <a:solidFill>
-                        <a:srgbClr val="CCCCCC"/>
-                      </a:solidFill>
-                      <a:prstDash val="solid"/>
-                      <a:round/>
-                      <a:headEnd type="none" w="med" len="med"/>
-                      <a:tailEnd type="none" w="med" len="med"/>
-                    </a:lnB>
-                  </a:tcPr>
-                </a:tc>
-                <a:extLst>
-                  <a:ext uri="{0D108BD9-81ED-4DB2-BD59-A6C34878D82A}">
-                    <a16:rowId xmlns:a16="http://schemas.microsoft.com/office/drawing/2014/main" val="10016"/>
-                  </a:ext>
-                </a:extLst>
-              </a:tr>
-              <a:tr h="232673">
-                <a:tc>
-                  <a:txBody>
-                    <a:bodyPr/>
-                    <a:lstStyle/>
-                    <a:p>
-                      <a:pPr algn="ctr" rtl="0" fontAlgn="b"/>
-                      <a:r>
-                        <a:rPr lang="pt-BR" sz="1400">
-                          <a:effectLst/>
-                        </a:rPr>
-                        <a:t>17</a:t>
-                      </a:r>
-                    </a:p>
-                  </a:txBody>
-                  <a:tcPr marL="28575" marR="28575" marT="19050" marB="19050" anchor="b">
-                    <a:lnL w="9525" cap="flat" cmpd="sng" algn="ctr">
-                      <a:solidFill>
-                        <a:srgbClr val="000000"/>
-                      </a:solidFill>
-                      <a:prstDash val="solid"/>
-                      <a:round/>
-                      <a:headEnd type="none" w="med" len="med"/>
-                      <a:tailEnd type="none" w="med" len="med"/>
-                    </a:lnL>
-                    <a:lnR w="9525" cap="flat" cmpd="sng" algn="ctr">
-                      <a:solidFill>
-                        <a:srgbClr val="CCCCCC"/>
-                      </a:solidFill>
-                      <a:prstDash val="solid"/>
-                      <a:round/>
-                      <a:headEnd type="none" w="med" len="med"/>
-                      <a:tailEnd type="none" w="med" len="med"/>
-                    </a:lnR>
-                    <a:lnT w="9525" cap="flat" cmpd="sng" algn="ctr">
-                      <a:solidFill>
-                        <a:srgbClr val="CCCCCC"/>
-                      </a:solidFill>
-                      <a:prstDash val="solid"/>
-                      <a:round/>
-                      <a:headEnd type="none" w="med" len="med"/>
-                      <a:tailEnd type="none" w="med" len="med"/>
-                    </a:lnT>
-                    <a:lnB w="9525" cap="flat" cmpd="sng" algn="ctr">
-                      <a:solidFill>
-                        <a:srgbClr val="CCCCCC"/>
-                      </a:solidFill>
-                      <a:prstDash val="solid"/>
-                      <a:round/>
-                      <a:headEnd type="none" w="med" len="med"/>
-                      <a:tailEnd type="none" w="med" len="med"/>
-                    </a:lnB>
-                  </a:tcPr>
-                </a:tc>
-                <a:tc>
-                  <a:txBody>
-                    <a:bodyPr/>
-                    <a:lstStyle/>
-                    <a:p>
-                      <a:pPr algn="ctr" rtl="0" fontAlgn="b"/>
-                      <a:r>
-                        <a:rPr lang="pt-BR" sz="1400" dirty="0">
-                          <a:effectLst/>
-                        </a:rPr>
-                        <a:t>25/11/2023</a:t>
-                      </a:r>
-                    </a:p>
-                  </a:txBody>
-                  <a:tcPr marL="28575" marR="28575" marT="19050" marB="19050" anchor="b">
-                    <a:lnL w="9525" cap="flat" cmpd="sng" algn="ctr">
-                      <a:solidFill>
-                        <a:srgbClr val="CCCCCC"/>
-                      </a:solidFill>
-                      <a:prstDash val="solid"/>
-                      <a:round/>
-                      <a:headEnd type="none" w="med" len="med"/>
-                      <a:tailEnd type="none" w="med" len="med"/>
-                    </a:lnL>
-                    <a:lnR w="9525" cap="flat" cmpd="sng" algn="ctr">
-                      <a:solidFill>
-                        <a:srgbClr val="CCCCCC"/>
-                      </a:solidFill>
-                      <a:prstDash val="solid"/>
-                      <a:round/>
-                      <a:headEnd type="none" w="med" len="med"/>
-                      <a:tailEnd type="none" w="med" len="med"/>
-                    </a:lnR>
-                    <a:lnT w="9525" cap="flat" cmpd="sng" algn="ctr">
-                      <a:solidFill>
-                        <a:srgbClr val="CCCCCC"/>
-                      </a:solidFill>
-                      <a:prstDash val="solid"/>
-                      <a:round/>
-                      <a:headEnd type="none" w="med" len="med"/>
-                      <a:tailEnd type="none" w="med" len="med"/>
-                    </a:lnT>
-                    <a:lnB w="9525" cap="flat" cmpd="sng" algn="ctr">
-                      <a:solidFill>
-                        <a:srgbClr val="CCCCCC"/>
-                      </a:solidFill>
-                      <a:prstDash val="solid"/>
-                      <a:round/>
-                      <a:headEnd type="none" w="med" len="med"/>
-                      <a:tailEnd type="none" w="med" len="med"/>
-                    </a:lnB>
-                  </a:tcPr>
-                </a:tc>
-                <a:tc vMerge="1">
-                  <a:txBody>
-                    <a:bodyPr/>
-                    <a:lstStyle/>
-                    <a:p>
-                      <a:pPr algn="ctr" rtl="0" fontAlgn="b"/>
-                      <a:endParaRPr lang="en-US" sz="1400" dirty="0">
-                        <a:effectLst/>
-                      </a:endParaRPr>
-                    </a:p>
-                  </a:txBody>
-                  <a:tcPr marL="10288" marR="10288" marT="6859" marB="6859" anchor="b">
-                    <a:lnL w="9525" cap="flat" cmpd="sng" algn="ctr">
-                      <a:solidFill>
-                        <a:srgbClr val="CCCCCC"/>
-                      </a:solidFill>
-                      <a:prstDash val="solid"/>
-                      <a:round/>
-                      <a:headEnd type="none" w="med" len="med"/>
-                      <a:tailEnd type="none" w="med" len="med"/>
-                    </a:lnL>
-                    <a:lnR w="9525" cap="flat" cmpd="sng" algn="ctr">
-                      <a:solidFill>
-                        <a:srgbClr val="CCCCCC"/>
-                      </a:solidFill>
-                      <a:prstDash val="solid"/>
-                      <a:round/>
-                      <a:headEnd type="none" w="med" len="med"/>
-                      <a:tailEnd type="none" w="med" len="med"/>
-                    </a:lnR>
-                    <a:lnT w="9525" cap="flat" cmpd="sng" algn="ctr">
-                      <a:solidFill>
-                        <a:srgbClr val="CCCCCC"/>
-                      </a:solidFill>
-                      <a:prstDash val="solid"/>
-                      <a:round/>
-                      <a:headEnd type="none" w="med" len="med"/>
-                      <a:tailEnd type="none" w="med" len="med"/>
-                    </a:lnT>
-                    <a:lnB w="9525" cap="flat" cmpd="sng" algn="ctr">
-                      <a:solidFill>
-                        <a:srgbClr val="CCCCCC"/>
-                      </a:solidFill>
-                      <a:prstDash val="solid"/>
-                      <a:round/>
-                      <a:headEnd type="none" w="med" len="med"/>
-                      <a:tailEnd type="none" w="med" len="med"/>
-                    </a:lnB>
-                  </a:tcPr>
-                </a:tc>
-                <a:tc vMerge="1">
-                  <a:txBody>
-                    <a:bodyPr/>
-                    <a:lstStyle/>
-                    <a:p>
-                      <a:endParaRPr lang="en-US"/>
-                    </a:p>
-                  </a:txBody>
-                  <a:tcPr/>
-                </a:tc>
-                <a:tc>
-                  <a:txBody>
-                    <a:bodyPr/>
-                    <a:lstStyle/>
-                    <a:p>
-                      <a:pPr algn="ctr" rtl="0" fontAlgn="b"/>
-                      <a:r>
-                        <a:rPr lang="pt-BR" sz="1400"/>
-                        <a:t>Introdução</a:t>
-                      </a:r>
-                      <a:r>
-                        <a:rPr lang="pt-BR" sz="1400" baseline="0"/>
-                        <a:t> ao Aprendizado de Máquina</a:t>
-                      </a:r>
-                      <a:endParaRPr lang="pt-BR" sz="1400" dirty="0">
                         <a:effectLst/>
                       </a:endParaRPr>
                     </a:p>
@@ -45340,7 +45384,7 @@
                         <a:rPr lang="pt-BR" sz="1400" dirty="0">
                           <a:effectLst/>
                         </a:rPr>
-                        <a:t>2/12/2023</a:t>
+                        <a:t>8/6/2024</a:t>
                       </a:r>
                     </a:p>
                   </a:txBody>
@@ -45568,10 +45612,10 @@
                     <a:p>
                       <a:pPr algn="ctr" rtl="0" fontAlgn="b"/>
                       <a:r>
-                        <a:rPr lang="pt-BR" sz="1400" dirty="0">
+                        <a:rPr lang="pt-BR" sz="1400">
                           <a:effectLst/>
                         </a:rPr>
-                        <a:t>9/12/2023</a:t>
+                        <a:t>15/6/2024</a:t>
                       </a:r>
                     </a:p>
                   </a:txBody>
@@ -45802,7 +45846,7 @@
                         <a:rPr lang="pt-BR" sz="1400" dirty="0">
                           <a:effectLst/>
                         </a:rPr>
-                        <a:t>16/12/2023</a:t>
+                        <a:t>22/6/2024</a:t>
                       </a:r>
                     </a:p>
                   </a:txBody>
@@ -46713,27 +46757,15 @@
             </a:pPr>
             <a:r>
               <a:rPr lang="pt-BR" dirty="0"/>
-              <a:t>Monitora (</a:t>
-            </a:r>
-            <a:r>
-              <a:rPr lang="pt-BR" b="1" i="1" dirty="0" err="1"/>
-              <a:t>Arielli</a:t>
+              <a:t>Monitor (</a:t>
             </a:r>
             <a:r>
               <a:rPr lang="pt-BR" b="1" i="1" dirty="0"/>
-              <a:t> </a:t>
-            </a:r>
-            <a:r>
-              <a:rPr lang="pt-BR" b="1" i="1" dirty="0" err="1"/>
-              <a:t>Ajudarte</a:t>
-            </a:r>
-            <a:r>
-              <a:rPr lang="pt-BR" b="1" i="1" dirty="0"/>
-              <a:t>: arielli.a@get.inatel.br</a:t>
+              <a:t>Vítor Oliveira: vitor.oliveira@ges.inatel.br</a:t>
             </a:r>
             <a:r>
               <a:rPr lang="pt-BR" dirty="0"/>
-              <a:t>): terças-feiras das 18:00 às 19:00.</a:t>
+              <a:t>): terças-feiras das 17:30 às 19:30.</a:t>
             </a:r>
           </a:p>
           <a:p>

--- a/slides/T320_Classificação (Parte I).pptx
+++ b/slides/T320_Classificação (Parte I).pptx
@@ -303,7 +303,7 @@
           <a:p>
             <a:fld id="{144F1436-6906-4D93-B7A2-786C327BFA14}" type="datetimeFigureOut">
               <a:rPr lang="nl-BE" smtClean="0"/>
-              <a:t>5/02/2024</a:t>
+              <a:t>10/02/2024</a:t>
             </a:fld>
             <a:endParaRPr lang="nl-BE"/>
           </a:p>
@@ -468,7 +468,7 @@
           <a:p>
             <a:fld id="{AA8CD09E-2914-4F47-B6C1-51B2C31814C9}" type="datetimeFigureOut">
               <a:rPr lang="pt-BR" smtClean="0"/>
-              <a:t>05/02/2024</a:t>
+              <a:t>10/02/2024</a:t>
             </a:fld>
             <a:endParaRPr lang="pt-BR"/>
           </a:p>
@@ -2652,7 +2652,7 @@
           <a:p>
             <a:fld id="{63289F7E-B80B-496E-81B4-D396C37C9454}" type="datetimeFigureOut">
               <a:rPr lang="pt-BR" smtClean="0"/>
-              <a:t>05/02/2024</a:t>
+              <a:t>10/02/2024</a:t>
             </a:fld>
             <a:endParaRPr lang="pt-BR"/>
           </a:p>
@@ -2850,7 +2850,7 @@
           <a:p>
             <a:fld id="{63289F7E-B80B-496E-81B4-D396C37C9454}" type="datetimeFigureOut">
               <a:rPr lang="pt-BR" smtClean="0"/>
-              <a:t>05/02/2024</a:t>
+              <a:t>10/02/2024</a:t>
             </a:fld>
             <a:endParaRPr lang="pt-BR"/>
           </a:p>
@@ -3058,7 +3058,7 @@
           <a:p>
             <a:fld id="{63289F7E-B80B-496E-81B4-D396C37C9454}" type="datetimeFigureOut">
               <a:rPr lang="pt-BR" smtClean="0"/>
-              <a:t>05/02/2024</a:t>
+              <a:t>10/02/2024</a:t>
             </a:fld>
             <a:endParaRPr lang="pt-BR"/>
           </a:p>
@@ -3256,7 +3256,7 @@
           <a:p>
             <a:fld id="{63289F7E-B80B-496E-81B4-D396C37C9454}" type="datetimeFigureOut">
               <a:rPr lang="pt-BR" smtClean="0"/>
-              <a:t>05/02/2024</a:t>
+              <a:t>10/02/2024</a:t>
             </a:fld>
             <a:endParaRPr lang="pt-BR"/>
           </a:p>
@@ -3531,7 +3531,7 @@
           <a:p>
             <a:fld id="{63289F7E-B80B-496E-81B4-D396C37C9454}" type="datetimeFigureOut">
               <a:rPr lang="pt-BR" smtClean="0"/>
-              <a:t>05/02/2024</a:t>
+              <a:t>10/02/2024</a:t>
             </a:fld>
             <a:endParaRPr lang="pt-BR"/>
           </a:p>
@@ -3796,7 +3796,7 @@
           <a:p>
             <a:fld id="{63289F7E-B80B-496E-81B4-D396C37C9454}" type="datetimeFigureOut">
               <a:rPr lang="pt-BR" smtClean="0"/>
-              <a:t>05/02/2024</a:t>
+              <a:t>10/02/2024</a:t>
             </a:fld>
             <a:endParaRPr lang="pt-BR"/>
           </a:p>
@@ -4208,7 +4208,7 @@
           <a:p>
             <a:fld id="{63289F7E-B80B-496E-81B4-D396C37C9454}" type="datetimeFigureOut">
               <a:rPr lang="pt-BR" smtClean="0"/>
-              <a:t>05/02/2024</a:t>
+              <a:t>10/02/2024</a:t>
             </a:fld>
             <a:endParaRPr lang="pt-BR"/>
           </a:p>
@@ -4349,7 +4349,7 @@
           <a:p>
             <a:fld id="{63289F7E-B80B-496E-81B4-D396C37C9454}" type="datetimeFigureOut">
               <a:rPr lang="pt-BR" smtClean="0"/>
-              <a:t>05/02/2024</a:t>
+              <a:t>10/02/2024</a:t>
             </a:fld>
             <a:endParaRPr lang="pt-BR"/>
           </a:p>
@@ -4462,7 +4462,7 @@
           <a:p>
             <a:fld id="{63289F7E-B80B-496E-81B4-D396C37C9454}" type="datetimeFigureOut">
               <a:rPr lang="pt-BR" smtClean="0"/>
-              <a:t>05/02/2024</a:t>
+              <a:t>10/02/2024</a:t>
             </a:fld>
             <a:endParaRPr lang="pt-BR"/>
           </a:p>
@@ -4773,7 +4773,7 @@
           <a:p>
             <a:fld id="{63289F7E-B80B-496E-81B4-D396C37C9454}" type="datetimeFigureOut">
               <a:rPr lang="pt-BR" smtClean="0"/>
-              <a:t>05/02/2024</a:t>
+              <a:t>10/02/2024</a:t>
             </a:fld>
             <a:endParaRPr lang="pt-BR"/>
           </a:p>
@@ -5061,7 +5061,7 @@
           <a:p>
             <a:fld id="{63289F7E-B80B-496E-81B4-D396C37C9454}" type="datetimeFigureOut">
               <a:rPr lang="pt-BR" smtClean="0"/>
-              <a:t>05/02/2024</a:t>
+              <a:t>10/02/2024</a:t>
             </a:fld>
             <a:endParaRPr lang="pt-BR"/>
           </a:p>
@@ -5302,7 +5302,7 @@
           <a:p>
             <a:fld id="{63289F7E-B80B-496E-81B4-D396C37C9454}" type="datetimeFigureOut">
               <a:rPr lang="pt-BR" smtClean="0"/>
-              <a:t>05/02/2024</a:t>
+              <a:t>10/02/2024</a:t>
             </a:fld>
             <a:endParaRPr lang="pt-BR"/>
           </a:p>
@@ -7189,13 +7189,13 @@
           <a:p>
             <a:r>
               <a:rPr lang="pt-BR" dirty="0"/>
-              <a:t>Representação da saída desejada</a:t>
+              <a:t>Como representar a saída desejada?</a:t>
             </a:r>
           </a:p>
         </p:txBody>
       </p:sp>
-      <mc:AlternateContent xmlns:mc="http://schemas.openxmlformats.org/markup-compatibility/2006" xmlns:a14="http://schemas.microsoft.com/office/drawing/2010/main">
-        <mc:Choice Requires="a14">
+      <mc:AlternateContent xmlns:mc="http://schemas.openxmlformats.org/markup-compatibility/2006">
+        <mc:Choice xmlns:a14="http://schemas.microsoft.com/office/drawing/2010/main" Requires="a14">
           <p:sp>
             <p:nvSpPr>
               <p:cNvPr id="3" name="Content Placeholder 2"/>
@@ -7208,8 +7208,8 @@
             </p:nvSpPr>
             <p:spPr>
               <a:xfrm>
-                <a:off x="5084064" y="1825624"/>
-                <a:ext cx="6974585" cy="5032376"/>
+                <a:off x="4818888" y="1825624"/>
+                <a:ext cx="7239762" cy="5032376"/>
               </a:xfrm>
             </p:spPr>
             <p:txBody>
@@ -7366,7 +7366,7 @@
                 </a:r>
                 <a:r>
                   <a:rPr lang="pt-BR" b="1" i="1" dirty="0"/>
-                  <a:t>discreta</a:t>
+                  <a:t>finita e discreta</a:t>
                 </a:r>
                 <a:r>
                   <a:rPr lang="pt-BR" dirty="0"/>
@@ -7384,7 +7384,7 @@
                 </a:r>
                 <a:r>
                   <a:rPr lang="pt-BR" dirty="0"/>
-                  <a:t>, devemos escolher uma </a:t>
+                  <a:t>, nós devemos escolher uma </a:t>
                 </a:r>
                 <a:r>
                   <a:rPr lang="pt-BR" b="1" i="1" dirty="0"/>
@@ -7428,7 +7428,7 @@
             </p:txBody>
           </p:sp>
         </mc:Choice>
-        <mc:Fallback xmlns="">
+        <mc:Fallback>
           <p:sp>
             <p:nvSpPr>
               <p:cNvPr id="3" name="Content Placeholder 2"/>
@@ -7441,13 +7441,13 @@
             </p:nvSpPr>
             <p:spPr>
               <a:xfrm>
-                <a:off x="5084064" y="1825624"/>
-                <a:ext cx="6974585" cy="5032376"/>
+                <a:off x="4818888" y="1825624"/>
+                <a:ext cx="7239762" cy="5032376"/>
               </a:xfrm>
               <a:blipFill>
                 <a:blip r:embed="rId3"/>
                 <a:stretch>
-                  <a:fillRect l="-1573" t="-2663" r="-874" b="-1211"/>
+                  <a:fillRect l="-1516" t="-2663" r="-1938" b="-1211"/>
                 </a:stretch>
               </a:blipFill>
             </p:spPr>
@@ -7480,7 +7480,7 @@
         </p:nvGrpSpPr>
         <p:grpSpPr>
           <a:xfrm>
-            <a:off x="233880" y="3429000"/>
+            <a:off x="94734" y="3389244"/>
             <a:ext cx="4585008" cy="805758"/>
             <a:chOff x="3784324" y="5704589"/>
             <a:chExt cx="4585008" cy="805758"/>
@@ -7930,7 +7930,7 @@
         </p:nvSpPr>
         <p:spPr>
           <a:xfrm>
-            <a:off x="320040" y="3839173"/>
+            <a:off x="180894" y="3799417"/>
             <a:ext cx="1022096" cy="375552"/>
           </a:xfrm>
           <a:prstGeom prst="rect">
@@ -8020,8 +8020,8 @@
           </a:p>
         </p:txBody>
       </p:sp>
-      <mc:AlternateContent xmlns:mc="http://schemas.openxmlformats.org/markup-compatibility/2006" xmlns:a14="http://schemas.microsoft.com/office/drawing/2010/main">
-        <mc:Choice Requires="a14">
+      <mc:AlternateContent xmlns:mc="http://schemas.openxmlformats.org/markup-compatibility/2006">
+        <mc:Choice xmlns:a14="http://schemas.microsoft.com/office/drawing/2010/main" Requires="a14">
           <p:sp>
             <p:nvSpPr>
               <p:cNvPr id="3" name="Content Placeholder 2"/>
@@ -8210,7 +8210,7 @@
                 </a14:m>
                 <a:r>
                   <a:rPr lang="pt-BR" dirty="0"/>
-                  <a:t> a </a:t>
+                  <a:t> de </a:t>
                 </a:r>
                 <a:r>
                   <a:rPr lang="pt-BR" b="1" i="1" dirty="0"/>
@@ -9187,7 +9187,7 @@
             </p:txBody>
           </p:sp>
         </mc:Choice>
-        <mc:Fallback xmlns="">
+        <mc:Fallback>
           <p:sp>
             <p:nvSpPr>
               <p:cNvPr id="3" name="Content Placeholder 2"/>
@@ -9283,8 +9283,8 @@
           </a:p>
         </p:txBody>
       </p:sp>
-      <mc:AlternateContent xmlns:mc="http://schemas.openxmlformats.org/markup-compatibility/2006" xmlns:a14="http://schemas.microsoft.com/office/drawing/2010/main">
-        <mc:Choice Requires="a14">
+      <mc:AlternateContent xmlns:mc="http://schemas.openxmlformats.org/markup-compatibility/2006">
+        <mc:Choice xmlns:a14="http://schemas.microsoft.com/office/drawing/2010/main" Requires="a14">
           <p:sp>
             <p:nvSpPr>
               <p:cNvPr id="3" name="Espaço Reservado para Conteúdo 2">
@@ -9355,11 +9355,15 @@
                 </a:pPr>
                 <a:r>
                   <a:rPr lang="pt-BR" dirty="0"/>
-                  <a:t>Uma estratégia bastante utilizada para representar estas classes é conhecida como codificação </a:t>
+                  <a:t>Uma estratégia bastante utilizada para representar estas classes é conhecida como </a:t>
                 </a:r>
                 <a:r>
-                  <a:rPr lang="pt-BR" b="1" i="1" dirty="0"/>
-                  <a:t>one-hot</a:t>
+                  <a:rPr lang="pt-BR" b="1" i="1" dirty="0">
+                    <a:solidFill>
+                      <a:srgbClr val="7030A0"/>
+                    </a:solidFill>
+                  </a:rPr>
+                  <a:t>codificação one-hot</a:t>
                 </a:r>
                 <a:r>
                   <a:rPr lang="pt-BR" dirty="0"/>
@@ -10144,7 +10148,7 @@
             </p:txBody>
           </p:sp>
         </mc:Choice>
-        <mc:Fallback xmlns="">
+        <mc:Fallback>
           <p:sp>
             <p:nvSpPr>
               <p:cNvPr id="3" name="Espaço Reservado para Conteúdo 2">
@@ -10495,8 +10499,8 @@
           </a:p>
         </p:txBody>
       </p:sp>
-      <mc:AlternateContent xmlns:mc="http://schemas.openxmlformats.org/markup-compatibility/2006" xmlns:a14="http://schemas.microsoft.com/office/drawing/2010/main">
-        <mc:Choice Requires="a14">
+      <mc:AlternateContent xmlns:mc="http://schemas.openxmlformats.org/markup-compatibility/2006">
+        <mc:Choice xmlns:a14="http://schemas.microsoft.com/office/drawing/2010/main" Requires="a14">
           <p:sp>
             <p:nvSpPr>
               <p:cNvPr id="3" name="Content Placeholder 2"/>
@@ -10724,7 +10728,7 @@
                 </a:pPr>
                 <a:r>
                   <a:rPr lang="pt-BR" dirty="0"/>
-                  <a:t>Círculos azuis, pertencentes à classe </a:t>
+                  <a:t>Círculos azuis pertencem à classe </a:t>
                 </a:r>
                 <a14:m>
                   <m:oMath xmlns:m="http://schemas.openxmlformats.org/officeDocument/2006/math">
@@ -10767,7 +10771,7 @@
                 </a:pPr>
                 <a:r>
                   <a:rPr lang="pt-BR" dirty="0"/>
-                  <a:t>Triângulos vermelhos, ertencentes à classe </a:t>
+                  <a:t>Triângulos vermelhos pertencem à classe </a:t>
                 </a:r>
                 <a14:m>
                   <m:oMath xmlns:m="http://schemas.openxmlformats.org/officeDocument/2006/math">
@@ -10810,7 +10814,7 @@
             </p:txBody>
           </p:sp>
         </mc:Choice>
-        <mc:Fallback xmlns="">
+        <mc:Fallback>
           <p:sp>
             <p:nvSpPr>
               <p:cNvPr id="3" name="Content Placeholder 2"/>
@@ -11142,8 +11146,8 @@
           </a:p>
         </p:txBody>
       </p:sp>
-      <mc:AlternateContent xmlns:mc="http://schemas.openxmlformats.org/markup-compatibility/2006" xmlns:a14="http://schemas.microsoft.com/office/drawing/2010/main">
-        <mc:Choice Requires="a14">
+      <mc:AlternateContent xmlns:mc="http://schemas.openxmlformats.org/markup-compatibility/2006">
+        <mc:Choice xmlns:a14="http://schemas.microsoft.com/office/drawing/2010/main" Requires="a14">
           <p:sp>
             <p:nvSpPr>
               <p:cNvPr id="3" name="Content Placeholder 2"/>
@@ -11371,13 +11375,13 @@
                 </a:r>
                 <a:r>
                   <a:rPr lang="pt-BR" dirty="0"/>
-                  <a:t>que separa as classes de forma ótima.</a:t>
+                  <a:t>que separa as classes.</a:t>
                 </a:r>
               </a:p>
             </p:txBody>
           </p:sp>
         </mc:Choice>
-        <mc:Fallback xmlns="">
+        <mc:Fallback>
           <p:sp>
             <p:nvSpPr>
               <p:cNvPr id="3" name="Content Placeholder 2"/>
@@ -11396,7 +11400,7 @@
               <a:blipFill>
                 <a:blip r:embed="rId3"/>
                 <a:stretch>
-                  <a:fillRect l="-1665" t="-2663" b="-1211"/>
+                  <a:fillRect l="-1665" t="-2663"/>
                 </a:stretch>
               </a:blipFill>
             </p:spPr>
@@ -11737,7 +11741,7 @@
             </a:r>
             <a:r>
               <a:rPr lang="pt-BR" b="1" i="1" dirty="0"/>
-              <a:t>superfícies de decisão</a:t>
+              <a:t>superfícies de separação</a:t>
             </a:r>
             <a:r>
               <a:rPr lang="pt-BR" dirty="0"/>
@@ -11767,7 +11771,7 @@
             </a:r>
             <a:r>
               <a:rPr lang="pt-BR" b="1" i="1" dirty="0"/>
-              <a:t>superfícies de decisão </a:t>
+              <a:t>superfícies de separação </a:t>
             </a:r>
             <a:r>
               <a:rPr lang="pt-BR" dirty="0"/>
@@ -11803,7 +11807,7 @@
             </a:r>
             <a:r>
               <a:rPr lang="pt-BR" b="1" i="1" dirty="0"/>
-              <a:t>regiões de decisão </a:t>
+              <a:t>regiões de separação </a:t>
             </a:r>
             <a:r>
               <a:rPr lang="pt-BR" dirty="0"/>
@@ -11973,8 +11977,8 @@
           </a:p>
         </p:txBody>
       </p:sp>
-      <mc:AlternateContent xmlns:mc="http://schemas.openxmlformats.org/markup-compatibility/2006" xmlns:a14="http://schemas.microsoft.com/office/drawing/2010/main">
-        <mc:Choice Requires="a14">
+      <mc:AlternateContent xmlns:mc="http://schemas.openxmlformats.org/markup-compatibility/2006">
+        <mc:Choice xmlns:a14="http://schemas.microsoft.com/office/drawing/2010/main" Requires="a14">
           <p:sp>
             <p:nvSpPr>
               <p:cNvPr id="3" name="Espaço Reservado para Conteúdo 2">
@@ -12005,11 +12009,11 @@
               <a:p>
                 <a:r>
                   <a:rPr lang="pt-BR" dirty="0"/>
-                  <a:t>Em geral, uma </a:t>
+                  <a:t>Uma </a:t>
                 </a:r>
                 <a:r>
                   <a:rPr lang="pt-BR" b="1" i="1" dirty="0"/>
-                  <a:t>função discriminante </a:t>
+                  <a:t>função discriminante linear </a:t>
                 </a:r>
                 <a:r>
                   <a:rPr lang="pt-BR" dirty="0"/>
@@ -12196,7 +12200,19 @@
                         <a:rPr lang="pt-BR" b="0" i="1" smtClean="0">
                           <a:latin typeface="Cambria Math" panose="02040503050406030204" pitchFamily="18" charset="0"/>
                         </a:rPr>
-                        <m:t>+ …+</m:t>
+                        <m:t>+</m:t>
+                      </m:r>
+                      <m:r>
+                        <a:rPr lang="pt-BR" b="1" i="1">
+                          <a:latin typeface="Cambria Math" panose="02040503050406030204" pitchFamily="18" charset="0"/>
+                        </a:rPr>
+                        <m:t>…</m:t>
+                      </m:r>
+                      <m:r>
+                        <a:rPr lang="pt-BR" b="0" i="1" smtClean="0">
+                          <a:latin typeface="Cambria Math" panose="02040503050406030204" pitchFamily="18" charset="0"/>
+                        </a:rPr>
+                        <m:t>+</m:t>
                       </m:r>
                       <m:sSub>
                         <m:sSubPr>
@@ -12440,7 +12456,7 @@
             </p:txBody>
           </p:sp>
         </mc:Choice>
-        <mc:Fallback xmlns="">
+        <mc:Fallback>
           <p:sp>
             <p:nvSpPr>
               <p:cNvPr id="3" name="Espaço Reservado para Conteúdo 2">
@@ -12577,8 +12593,8 @@
           </a:p>
         </p:txBody>
       </p:sp>
-      <mc:AlternateContent xmlns:mc="http://schemas.openxmlformats.org/markup-compatibility/2006" xmlns:a14="http://schemas.microsoft.com/office/drawing/2010/main">
-        <mc:Choice Requires="a14">
+      <mc:AlternateContent xmlns:mc="http://schemas.openxmlformats.org/markup-compatibility/2006">
+        <mc:Choice xmlns:a14="http://schemas.microsoft.com/office/drawing/2010/main" Requires="a14">
           <p:sp>
             <p:nvSpPr>
               <p:cNvPr id="3" name="Espaço Reservado para Conteúdo 2">
@@ -12609,7 +12625,7 @@
               <a:p>
                 <a:r>
                   <a:rPr lang="pt-BR" dirty="0"/>
-                  <a:t>O </a:t>
+                  <a:t>Nosso </a:t>
                 </a:r>
                 <a:r>
                   <a:rPr lang="pt-BR" b="1" i="1" dirty="0">
@@ -12621,7 +12637,7 @@
                 </a:r>
                 <a:r>
                   <a:rPr lang="pt-BR" dirty="0"/>
-                  <a:t>de tal forma que que a classe escolhida seja:</a:t>
+                  <a:t>de tal forma que que a classe atribuída a um exemplo de entrada seja:</a:t>
                 </a:r>
               </a:p>
               <a:p>
@@ -12887,7 +12903,7 @@
               <a:p>
                 <a:r>
                   <a:rPr lang="pt-BR" dirty="0"/>
-                  <a:t>OBS.: Podemos ter também </a:t>
+                  <a:t>OBS.: Podemos usar também </a:t>
                 </a:r>
                 <a:r>
                   <a:rPr lang="pt-BR" b="1" i="1" dirty="0"/>
@@ -13105,7 +13121,7 @@
             </p:txBody>
           </p:sp>
         </mc:Choice>
-        <mc:Fallback xmlns="">
+        <mc:Fallback>
           <p:sp>
             <p:nvSpPr>
               <p:cNvPr id="3" name="Espaço Reservado para Conteúdo 2">
@@ -16497,69 +16513,182 @@
           </p:sp>
         </mc:Fallback>
       </mc:AlternateContent>
-      <p:sp>
-        <p:nvSpPr>
-          <p:cNvPr id="3" name="Espaço Reservado para Conteúdo 2">
-            <a:extLst>
-              <a:ext uri="{FF2B5EF4-FFF2-40B4-BE49-F238E27FC236}">
-                <a16:creationId xmlns:a16="http://schemas.microsoft.com/office/drawing/2014/main" id="{780068F1-0EF1-0C76-49EC-DEA1A6CCBE83}"/>
-              </a:ext>
-            </a:extLst>
-          </p:cNvPr>
-          <p:cNvSpPr>
-            <a:spLocks noGrp="1"/>
-          </p:cNvSpPr>
-          <p:nvPr>
-            <p:ph idx="1"/>
-          </p:nvPr>
-        </p:nvSpPr>
-        <p:spPr>
-          <a:xfrm>
-            <a:off x="5238750" y="1825624"/>
-            <a:ext cx="6810375" cy="5032375"/>
-          </a:xfrm>
-        </p:spPr>
-        <p:txBody>
-          <a:bodyPr/>
-          <a:lstStyle/>
-          <a:p>
-            <a:r>
-              <a:rPr lang="pt-BR" dirty="0"/>
-              <a:t>Qual formato deve ter esta </a:t>
-            </a:r>
-            <a:r>
-              <a:rPr lang="pt-BR" b="1" i="1" dirty="0"/>
-              <a:t>função discriminante</a:t>
-            </a:r>
-            <a:r>
-              <a:rPr lang="pt-BR" dirty="0"/>
-              <a:t> para que ela tenha boa capacidade de generalização?</a:t>
-            </a:r>
-          </a:p>
-          <a:p>
-            <a:pPr lvl="1">
-              <a:buFont typeface="Wingdings" panose="05000000000000000000" pitchFamily="2" charset="2"/>
-              <a:buChar char="§"/>
-            </a:pPr>
-            <a:r>
-              <a:rPr lang="pt-BR" dirty="0"/>
-              <a:t>O formato mais simples, seguindo o princípio da navalha de Occam, é o de uma </a:t>
-            </a:r>
-            <a:r>
-              <a:rPr lang="pt-BR" b="1" i="1" dirty="0">
-                <a:solidFill>
-                  <a:srgbClr val="00B050"/>
-                </a:solidFill>
-              </a:rPr>
-              <a:t>reta</a:t>
-            </a:r>
-            <a:r>
-              <a:rPr lang="pt-BR" dirty="0"/>
-              <a:t>.</a:t>
-            </a:r>
-          </a:p>
-        </p:txBody>
-      </p:sp>
+      <mc:AlternateContent xmlns:mc="http://schemas.openxmlformats.org/markup-compatibility/2006">
+        <mc:Choice xmlns:a14="http://schemas.microsoft.com/office/drawing/2010/main" Requires="a14">
+          <p:sp>
+            <p:nvSpPr>
+              <p:cNvPr id="3" name="Espaço Reservado para Conteúdo 2">
+                <a:extLst>
+                  <a:ext uri="{FF2B5EF4-FFF2-40B4-BE49-F238E27FC236}">
+                    <a16:creationId xmlns:a16="http://schemas.microsoft.com/office/drawing/2014/main" id="{780068F1-0EF1-0C76-49EC-DEA1A6CCBE83}"/>
+                  </a:ext>
+                </a:extLst>
+              </p:cNvPr>
+              <p:cNvSpPr>
+                <a:spLocks noGrp="1"/>
+              </p:cNvSpPr>
+              <p:nvPr>
+                <p:ph idx="1"/>
+              </p:nvPr>
+            </p:nvSpPr>
+            <p:spPr>
+              <a:xfrm>
+                <a:off x="5238750" y="1825624"/>
+                <a:ext cx="6810375" cy="5032375"/>
+              </a:xfrm>
+            </p:spPr>
+            <p:txBody>
+              <a:bodyPr/>
+              <a:lstStyle/>
+              <a:p>
+                <a:r>
+                  <a:rPr lang="pt-BR" dirty="0"/>
+                  <a:t>Qual formato deve ter esta </a:t>
+                </a:r>
+                <a:r>
+                  <a:rPr lang="pt-BR" b="1" i="1" dirty="0"/>
+                  <a:t>função discriminante</a:t>
+                </a:r>
+                <a:r>
+                  <a:rPr lang="pt-BR" dirty="0"/>
+                  <a:t> para que ela tenha boa capacidade de generalização?</a:t>
+                </a:r>
+              </a:p>
+              <a:p>
+                <a:pPr lvl="1">
+                  <a:buFont typeface="Wingdings" panose="05000000000000000000" pitchFamily="2" charset="2"/>
+                  <a:buChar char="§"/>
+                </a:pPr>
+                <a:r>
+                  <a:rPr lang="pt-BR" dirty="0"/>
+                  <a:t>O formato mais simples, seguindo o princípio da navalha de Occam, é o de uma </a:t>
+                </a:r>
+                <a:r>
+                  <a:rPr lang="pt-BR" b="1" i="1" dirty="0">
+                    <a:solidFill>
+                      <a:srgbClr val="00B050"/>
+                    </a:solidFill>
+                  </a:rPr>
+                  <a:t>reta</a:t>
+                </a:r>
+                <a:r>
+                  <a:rPr lang="pt-BR" dirty="0"/>
+                  <a:t> traçada no plano formado por </a:t>
+                </a:r>
+                <a14:m>
+                  <m:oMath xmlns:m="http://schemas.openxmlformats.org/officeDocument/2006/math">
+                    <m:sSub>
+                      <m:sSubPr>
+                        <m:ctrlPr>
+                          <a:rPr lang="pt-BR" i="1" smtClean="0">
+                            <a:latin typeface="Cambria Math" panose="02040503050406030204" pitchFamily="18" charset="0"/>
+                          </a:rPr>
+                        </m:ctrlPr>
+                      </m:sSubPr>
+                      <m:e>
+                        <m:r>
+                          <a:rPr lang="pt-BR" b="0" i="1" smtClean="0">
+                            <a:latin typeface="Cambria Math" panose="02040503050406030204" pitchFamily="18" charset="0"/>
+                          </a:rPr>
+                          <m:t>𝑥</m:t>
+                        </m:r>
+                      </m:e>
+                      <m:sub>
+                        <m:r>
+                          <a:rPr lang="pt-BR" b="0" i="1" smtClean="0">
+                            <a:latin typeface="Cambria Math" panose="02040503050406030204" pitchFamily="18" charset="0"/>
+                          </a:rPr>
+                          <m:t>1</m:t>
+                        </m:r>
+                      </m:sub>
+                    </m:sSub>
+                  </m:oMath>
+                </a14:m>
+                <a:r>
+                  <a:rPr lang="pt-BR" dirty="0"/>
+                  <a:t> e </a:t>
+                </a:r>
+                <a14:m>
+                  <m:oMath xmlns:m="http://schemas.openxmlformats.org/officeDocument/2006/math">
+                    <m:sSub>
+                      <m:sSubPr>
+                        <m:ctrlPr>
+                          <a:rPr lang="pt-BR" i="1">
+                            <a:latin typeface="Cambria Math" panose="02040503050406030204" pitchFamily="18" charset="0"/>
+                          </a:rPr>
+                        </m:ctrlPr>
+                      </m:sSubPr>
+                      <m:e>
+                        <m:r>
+                          <a:rPr lang="pt-BR" i="1">
+                            <a:latin typeface="Cambria Math" panose="02040503050406030204" pitchFamily="18" charset="0"/>
+                          </a:rPr>
+                          <m:t>𝑥</m:t>
+                        </m:r>
+                      </m:e>
+                      <m:sub>
+                        <m:r>
+                          <a:rPr lang="pt-BR" b="0" i="1" smtClean="0">
+                            <a:latin typeface="Cambria Math" panose="02040503050406030204" pitchFamily="18" charset="0"/>
+                          </a:rPr>
+                          <m:t>2</m:t>
+                        </m:r>
+                      </m:sub>
+                    </m:sSub>
+                  </m:oMath>
+                </a14:m>
+                <a:r>
+                  <a:rPr lang="pt-BR" dirty="0"/>
+                  <a:t>.</a:t>
+                </a:r>
+              </a:p>
+            </p:txBody>
+          </p:sp>
+        </mc:Choice>
+        <mc:Fallback>
+          <p:sp>
+            <p:nvSpPr>
+              <p:cNvPr id="3" name="Espaço Reservado para Conteúdo 2">
+                <a:extLst>
+                  <a:ext uri="{FF2B5EF4-FFF2-40B4-BE49-F238E27FC236}">
+                    <a16:creationId xmlns:a16="http://schemas.microsoft.com/office/drawing/2014/main" id="{780068F1-0EF1-0C76-49EC-DEA1A6CCBE83}"/>
+                  </a:ext>
+                </a:extLst>
+              </p:cNvPr>
+              <p:cNvSpPr>
+                <a:spLocks noGrp="1" noRot="1" noChangeAspect="1" noMove="1" noResize="1" noEditPoints="1" noAdjustHandles="1" noChangeArrowheads="1" noChangeShapeType="1" noTextEdit="1"/>
+              </p:cNvSpPr>
+              <p:nvPr>
+                <p:ph idx="1"/>
+              </p:nvPr>
+            </p:nvSpPr>
+            <p:spPr>
+              <a:xfrm>
+                <a:off x="5238750" y="1825624"/>
+                <a:ext cx="6810375" cy="5032375"/>
+              </a:xfrm>
+              <a:blipFill>
+                <a:blip r:embed="rId3"/>
+                <a:stretch>
+                  <a:fillRect l="-1610" t="-1937"/>
+                </a:stretch>
+              </a:blipFill>
+            </p:spPr>
+            <p:txBody>
+              <a:bodyPr/>
+              <a:lstStyle/>
+              <a:p>
+                <a:r>
+                  <a:rPr lang="pt-BR">
+                    <a:noFill/>
+                  </a:rPr>
+                  <a:t> </a:t>
+                </a:r>
+              </a:p>
+            </p:txBody>
+          </p:sp>
+        </mc:Fallback>
+      </mc:AlternateContent>
       <p:grpSp>
         <p:nvGrpSpPr>
           <p:cNvPr id="54" name="Group 3">
@@ -19466,8 +19595,8 @@
           </p:sp>
         </mc:Fallback>
       </mc:AlternateContent>
-      <mc:AlternateContent xmlns:mc="http://schemas.openxmlformats.org/markup-compatibility/2006" xmlns:a14="http://schemas.microsoft.com/office/drawing/2010/main">
-        <mc:Choice Requires="a14">
+      <mc:AlternateContent xmlns:mc="http://schemas.openxmlformats.org/markup-compatibility/2006">
+        <mc:Choice xmlns:a14="http://schemas.microsoft.com/office/drawing/2010/main" Requires="a14">
           <p:sp>
             <p:nvSpPr>
               <p:cNvPr id="3" name="Espaço Reservado para Conteúdo 2">
@@ -19498,7 +19627,7 @@
               <a:p>
                 <a:r>
                   <a:rPr lang="pt-BR" dirty="0"/>
-                  <a:t>Visualmente, nós traçamos uma reta em uma posição que separe as classes da melhor forma possível.</a:t>
+                  <a:t>Visualmente, nós traçamos a reta em uma posição que separe as classes da melhor forma possível.</a:t>
                 </a:r>
               </a:p>
               <a:p>
@@ -19699,7 +19828,7 @@
               <a:p>
                 <a:r>
                   <a:rPr lang="pt-BR" dirty="0"/>
-                  <a:t>Agora que definimos uma função e sua posição no gráfico, precisamos encontrar os </a:t>
+                  <a:t>Agora que definimos o formato da função e sua posição no gráfico, precisamos encontrar os </a:t>
                 </a:r>
                 <a:r>
                   <a:rPr lang="pt-BR" b="1" i="1" dirty="0"/>
@@ -19707,7 +19836,7 @@
                 </a:r>
                 <a:r>
                   <a:rPr lang="pt-BR" dirty="0"/>
-                  <a:t> e as </a:t>
+                  <a:t> e, com isso, definir as </a:t>
                 </a:r>
                 <a:r>
                   <a:rPr lang="pt-BR" b="1" i="1" dirty="0"/>
@@ -19727,7 +19856,7 @@
             </p:txBody>
           </p:sp>
         </mc:Choice>
-        <mc:Fallback xmlns="">
+        <mc:Fallback>
           <p:sp>
             <p:nvSpPr>
               <p:cNvPr id="3" name="Espaço Reservado para Conteúdo 2">
@@ -27206,8 +27335,8 @@
           </p:sp>
         </mc:Fallback>
       </mc:AlternateContent>
-      <mc:AlternateContent xmlns:mc="http://schemas.openxmlformats.org/markup-compatibility/2006" xmlns:a14="http://schemas.microsoft.com/office/drawing/2010/main">
-        <mc:Choice Requires="a14">
+      <mc:AlternateContent xmlns:mc="http://schemas.openxmlformats.org/markup-compatibility/2006">
+        <mc:Choice xmlns:a14="http://schemas.microsoft.com/office/drawing/2010/main" Requires="a14">
           <p:sp>
             <p:nvSpPr>
               <p:cNvPr id="3" name="Espaço Reservado para Conteúdo 2">
@@ -27236,7 +27365,7 @@
               <a:p>
                 <a:r>
                   <a:rPr lang="pt-BR" dirty="0"/>
-                  <a:t>Agora, vamos encontrar as </a:t>
+                  <a:t>Agora, vamos definir as </a:t>
                 </a:r>
                 <a:r>
                   <a:rPr lang="pt-BR" b="1" i="1" dirty="0"/>
@@ -27244,7 +27373,7 @@
                 </a:r>
                 <a:r>
                   <a:rPr lang="pt-BR" dirty="0"/>
-                  <a:t>substituindo alguns valores em</a:t>
+                  <a:t>substituindo alguns valores em </a:t>
                 </a:r>
                 <a14:m>
                   <m:oMath xmlns:m="http://schemas.openxmlformats.org/officeDocument/2006/math">
@@ -27861,7 +27990,7 @@
             </p:txBody>
           </p:sp>
         </mc:Choice>
-        <mc:Fallback xmlns="">
+        <mc:Fallback>
           <p:sp>
             <p:nvSpPr>
               <p:cNvPr id="3" name="Espaço Reservado para Conteúdo 2">
@@ -27886,7 +28015,7 @@
               <a:blipFill>
                 <a:blip r:embed="rId3"/>
                 <a:stretch>
-                  <a:fillRect l="-1813" t="-1937" r="-705"/>
+                  <a:fillRect l="-1813" t="-1937" r="-1611"/>
                 </a:stretch>
               </a:blipFill>
             </p:spPr>
@@ -31208,19 +31337,12 @@
               <a:rPr lang="pt-BR" dirty="0">
                 <a:hlinkClick r:id="rId4"/>
               </a:rPr>
-              <a:t>Instruções para resolução e entrega dos </a:t>
+              <a:t>Instruções para resolução e entrega dos laboratórios</a:t>
             </a:r>
             <a:r>
-              <a:rPr lang="pt-BR">
-                <a:hlinkClick r:id="rId4"/>
-              </a:rPr>
-              <a:t>laboratórios</a:t>
-            </a:r>
-            <a:r>
-              <a:rPr lang="pt-BR"/>
+              <a:rPr lang="pt-BR" dirty="0"/>
               <a:t>.</a:t>
             </a:r>
-            <a:endParaRPr lang="pt-BR" dirty="0"/>
           </a:p>
         </p:txBody>
       </p:sp>
@@ -46833,8 +46955,8 @@
           </a:p>
         </p:txBody>
       </p:sp>
-      <mc:AlternateContent xmlns:mc="http://schemas.openxmlformats.org/markup-compatibility/2006" xmlns:a14="http://schemas.microsoft.com/office/drawing/2010/main">
-        <mc:Choice Requires="a14">
+      <mc:AlternateContent xmlns:mc="http://schemas.openxmlformats.org/markup-compatibility/2006">
+        <mc:Choice xmlns:a14="http://schemas.microsoft.com/office/drawing/2010/main" Requires="a14">
           <p:sp>
             <p:nvSpPr>
               <p:cNvPr id="3" name="Espaço Reservado para Conteúdo 2"/>
@@ -46904,7 +47026,7 @@
                 </a:r>
                 <a:r>
                   <a:rPr lang="pt-BR" b="1" i="1" dirty="0"/>
-                  <a:t>valores discretos</a:t>
+                  <a:t>valores finitos e discretos</a:t>
                 </a:r>
                 <a:r>
                   <a:rPr lang="pt-BR" dirty="0"/>
@@ -46915,7 +47037,7 @@
             </p:txBody>
           </p:sp>
         </mc:Choice>
-        <mc:Fallback xmlns="">
+        <mc:Fallback>
           <p:sp>
             <p:nvSpPr>
               <p:cNvPr id="3" name="Espaço Reservado para Conteúdo 2"/>
@@ -46927,7 +47049,7 @@
               </p:nvPr>
             </p:nvSpPr>
             <p:spPr>
-              <a:blipFill rotWithShape="0">
+              <a:blipFill>
                 <a:blip r:embed="rId2"/>
                 <a:stretch>
                   <a:fillRect l="-1043" t="-2241"/>

--- a/slides/T320_Classificação (Parte I).pptx
+++ b/slides/T320_Classificação (Parte I).pptx
@@ -7194,8 +7194,8 @@
           </a:p>
         </p:txBody>
       </p:sp>
-      <mc:AlternateContent xmlns:mc="http://schemas.openxmlformats.org/markup-compatibility/2006">
-        <mc:Choice xmlns:a14="http://schemas.microsoft.com/office/drawing/2010/main" Requires="a14">
+      <mc:AlternateContent xmlns:mc="http://schemas.openxmlformats.org/markup-compatibility/2006" xmlns:a14="http://schemas.microsoft.com/office/drawing/2010/main">
+        <mc:Choice Requires="a14">
           <p:sp>
             <p:nvSpPr>
               <p:cNvPr id="3" name="Content Placeholder 2"/>
@@ -7428,7 +7428,7 @@
             </p:txBody>
           </p:sp>
         </mc:Choice>
-        <mc:Fallback>
+        <mc:Fallback xmlns="">
           <p:sp>
             <p:nvSpPr>
               <p:cNvPr id="3" name="Content Placeholder 2"/>
@@ -8020,8 +8020,8 @@
           </a:p>
         </p:txBody>
       </p:sp>
-      <mc:AlternateContent xmlns:mc="http://schemas.openxmlformats.org/markup-compatibility/2006">
-        <mc:Choice xmlns:a14="http://schemas.microsoft.com/office/drawing/2010/main" Requires="a14">
+      <mc:AlternateContent xmlns:mc="http://schemas.openxmlformats.org/markup-compatibility/2006" xmlns:a14="http://schemas.microsoft.com/office/drawing/2010/main">
+        <mc:Choice Requires="a14">
           <p:sp>
             <p:nvSpPr>
               <p:cNvPr id="3" name="Content Placeholder 2"/>
@@ -9187,7 +9187,7 @@
             </p:txBody>
           </p:sp>
         </mc:Choice>
-        <mc:Fallback>
+        <mc:Fallback xmlns="">
           <p:sp>
             <p:nvSpPr>
               <p:cNvPr id="3" name="Content Placeholder 2"/>
@@ -9283,8 +9283,8 @@
           </a:p>
         </p:txBody>
       </p:sp>
-      <mc:AlternateContent xmlns:mc="http://schemas.openxmlformats.org/markup-compatibility/2006">
-        <mc:Choice xmlns:a14="http://schemas.microsoft.com/office/drawing/2010/main" Requires="a14">
+      <mc:AlternateContent xmlns:mc="http://schemas.openxmlformats.org/markup-compatibility/2006" xmlns:a14="http://schemas.microsoft.com/office/drawing/2010/main">
+        <mc:Choice Requires="a14">
           <p:sp>
             <p:nvSpPr>
               <p:cNvPr id="3" name="Espaço Reservado para Conteúdo 2">
@@ -10148,7 +10148,7 @@
             </p:txBody>
           </p:sp>
         </mc:Choice>
-        <mc:Fallback>
+        <mc:Fallback xmlns="">
           <p:sp>
             <p:nvSpPr>
               <p:cNvPr id="3" name="Espaço Reservado para Conteúdo 2">
@@ -10499,8 +10499,8 @@
           </a:p>
         </p:txBody>
       </p:sp>
-      <mc:AlternateContent xmlns:mc="http://schemas.openxmlformats.org/markup-compatibility/2006">
-        <mc:Choice xmlns:a14="http://schemas.microsoft.com/office/drawing/2010/main" Requires="a14">
+      <mc:AlternateContent xmlns:mc="http://schemas.openxmlformats.org/markup-compatibility/2006" xmlns:a14="http://schemas.microsoft.com/office/drawing/2010/main">
+        <mc:Choice Requires="a14">
           <p:sp>
             <p:nvSpPr>
               <p:cNvPr id="3" name="Content Placeholder 2"/>
@@ -10814,7 +10814,7 @@
             </p:txBody>
           </p:sp>
         </mc:Choice>
-        <mc:Fallback>
+        <mc:Fallback xmlns="">
           <p:sp>
             <p:nvSpPr>
               <p:cNvPr id="3" name="Content Placeholder 2"/>
@@ -11146,8 +11146,8 @@
           </a:p>
         </p:txBody>
       </p:sp>
-      <mc:AlternateContent xmlns:mc="http://schemas.openxmlformats.org/markup-compatibility/2006">
-        <mc:Choice xmlns:a14="http://schemas.microsoft.com/office/drawing/2010/main" Requires="a14">
+      <mc:AlternateContent xmlns:mc="http://schemas.openxmlformats.org/markup-compatibility/2006" xmlns:a14="http://schemas.microsoft.com/office/drawing/2010/main">
+        <mc:Choice Requires="a14">
           <p:sp>
             <p:nvSpPr>
               <p:cNvPr id="3" name="Content Placeholder 2"/>
@@ -11381,7 +11381,7 @@
             </p:txBody>
           </p:sp>
         </mc:Choice>
-        <mc:Fallback>
+        <mc:Fallback xmlns="">
           <p:sp>
             <p:nvSpPr>
               <p:cNvPr id="3" name="Content Placeholder 2"/>
@@ -11977,8 +11977,8 @@
           </a:p>
         </p:txBody>
       </p:sp>
-      <mc:AlternateContent xmlns:mc="http://schemas.openxmlformats.org/markup-compatibility/2006">
-        <mc:Choice xmlns:a14="http://schemas.microsoft.com/office/drawing/2010/main" Requires="a14">
+      <mc:AlternateContent xmlns:mc="http://schemas.openxmlformats.org/markup-compatibility/2006" xmlns:a14="http://schemas.microsoft.com/office/drawing/2010/main">
+        <mc:Choice Requires="a14">
           <p:sp>
             <p:nvSpPr>
               <p:cNvPr id="3" name="Espaço Reservado para Conteúdo 2">
@@ -12456,7 +12456,7 @@
             </p:txBody>
           </p:sp>
         </mc:Choice>
-        <mc:Fallback>
+        <mc:Fallback xmlns="">
           <p:sp>
             <p:nvSpPr>
               <p:cNvPr id="3" name="Espaço Reservado para Conteúdo 2">
@@ -12593,8 +12593,8 @@
           </a:p>
         </p:txBody>
       </p:sp>
-      <mc:AlternateContent xmlns:mc="http://schemas.openxmlformats.org/markup-compatibility/2006">
-        <mc:Choice xmlns:a14="http://schemas.microsoft.com/office/drawing/2010/main" Requires="a14">
+      <mc:AlternateContent xmlns:mc="http://schemas.openxmlformats.org/markup-compatibility/2006" xmlns:a14="http://schemas.microsoft.com/office/drawing/2010/main">
+        <mc:Choice Requires="a14">
           <p:sp>
             <p:nvSpPr>
               <p:cNvPr id="3" name="Espaço Reservado para Conteúdo 2">
@@ -13121,7 +13121,7 @@
             </p:txBody>
           </p:sp>
         </mc:Choice>
-        <mc:Fallback>
+        <mc:Fallback xmlns="">
           <p:sp>
             <p:nvSpPr>
               <p:cNvPr id="3" name="Espaço Reservado para Conteúdo 2">
@@ -16513,8 +16513,8 @@
           </p:sp>
         </mc:Fallback>
       </mc:AlternateContent>
-      <mc:AlternateContent xmlns:mc="http://schemas.openxmlformats.org/markup-compatibility/2006">
-        <mc:Choice xmlns:a14="http://schemas.microsoft.com/office/drawing/2010/main" Requires="a14">
+      <mc:AlternateContent xmlns:mc="http://schemas.openxmlformats.org/markup-compatibility/2006" xmlns:a14="http://schemas.microsoft.com/office/drawing/2010/main">
+        <mc:Choice Requires="a14">
           <p:sp>
             <p:nvSpPr>
               <p:cNvPr id="3" name="Espaço Reservado para Conteúdo 2">
@@ -16645,7 +16645,7 @@
             </p:txBody>
           </p:sp>
         </mc:Choice>
-        <mc:Fallback>
+        <mc:Fallback xmlns="">
           <p:sp>
             <p:nvSpPr>
               <p:cNvPr id="3" name="Espaço Reservado para Conteúdo 2">
@@ -19595,8 +19595,8 @@
           </p:sp>
         </mc:Fallback>
       </mc:AlternateContent>
-      <mc:AlternateContent xmlns:mc="http://schemas.openxmlformats.org/markup-compatibility/2006">
-        <mc:Choice xmlns:a14="http://schemas.microsoft.com/office/drawing/2010/main" Requires="a14">
+      <mc:AlternateContent xmlns:mc="http://schemas.openxmlformats.org/markup-compatibility/2006" xmlns:a14="http://schemas.microsoft.com/office/drawing/2010/main">
+        <mc:Choice Requires="a14">
           <p:sp>
             <p:nvSpPr>
               <p:cNvPr id="3" name="Espaço Reservado para Conteúdo 2">
@@ -19856,7 +19856,7 @@
             </p:txBody>
           </p:sp>
         </mc:Choice>
-        <mc:Fallback>
+        <mc:Fallback xmlns="">
           <p:sp>
             <p:nvSpPr>
               <p:cNvPr id="3" name="Espaço Reservado para Conteúdo 2">
@@ -27335,8 +27335,8 @@
           </p:sp>
         </mc:Fallback>
       </mc:AlternateContent>
-      <mc:AlternateContent xmlns:mc="http://schemas.openxmlformats.org/markup-compatibility/2006">
-        <mc:Choice xmlns:a14="http://schemas.microsoft.com/office/drawing/2010/main" Requires="a14">
+      <mc:AlternateContent xmlns:mc="http://schemas.openxmlformats.org/markup-compatibility/2006" xmlns:a14="http://schemas.microsoft.com/office/drawing/2010/main">
+        <mc:Choice Requires="a14">
           <p:sp>
             <p:nvSpPr>
               <p:cNvPr id="3" name="Espaço Reservado para Conteúdo 2">
@@ -27990,7 +27990,7 @@
             </p:txBody>
           </p:sp>
         </mc:Choice>
-        <mc:Fallback>
+        <mc:Fallback xmlns="">
           <p:sp>
             <p:nvSpPr>
               <p:cNvPr id="3" name="Espaço Reservado para Conteúdo 2">
@@ -46955,8 +46955,8 @@
           </a:p>
         </p:txBody>
       </p:sp>
-      <mc:AlternateContent xmlns:mc="http://schemas.openxmlformats.org/markup-compatibility/2006">
-        <mc:Choice xmlns:a14="http://schemas.microsoft.com/office/drawing/2010/main" Requires="a14">
+      <mc:AlternateContent xmlns:mc="http://schemas.openxmlformats.org/markup-compatibility/2006" xmlns:a14="http://schemas.microsoft.com/office/drawing/2010/main">
+        <mc:Choice Requires="a14">
           <p:sp>
             <p:nvSpPr>
               <p:cNvPr id="3" name="Espaço Reservado para Conteúdo 2"/>
@@ -47037,7 +47037,7 @@
             </p:txBody>
           </p:sp>
         </mc:Choice>
-        <mc:Fallback>
+        <mc:Fallback xmlns="">
           <p:sp>
             <p:nvSpPr>
               <p:cNvPr id="3" name="Espaço Reservado para Conteúdo 2"/>

--- a/slides/T320_Classificação (Parte I).pptx
+++ b/slides/T320_Classificação (Parte I).pptx
@@ -303,7 +303,7 @@
           <a:p>
             <a:fld id="{144F1436-6906-4D93-B7A2-786C327BFA14}" type="datetimeFigureOut">
               <a:rPr lang="nl-BE" smtClean="0"/>
-              <a:t>10/02/2024</a:t>
+              <a:t>21/02/2024</a:t>
             </a:fld>
             <a:endParaRPr lang="nl-BE"/>
           </a:p>
@@ -468,7 +468,7 @@
           <a:p>
             <a:fld id="{AA8CD09E-2914-4F47-B6C1-51B2C31814C9}" type="datetimeFigureOut">
               <a:rPr lang="pt-BR" smtClean="0"/>
-              <a:t>10/02/2024</a:t>
+              <a:t>21/02/2024</a:t>
             </a:fld>
             <a:endParaRPr lang="pt-BR"/>
           </a:p>
@@ -2652,7 +2652,7 @@
           <a:p>
             <a:fld id="{63289F7E-B80B-496E-81B4-D396C37C9454}" type="datetimeFigureOut">
               <a:rPr lang="pt-BR" smtClean="0"/>
-              <a:t>10/02/2024</a:t>
+              <a:t>21/02/2024</a:t>
             </a:fld>
             <a:endParaRPr lang="pt-BR"/>
           </a:p>
@@ -2850,7 +2850,7 @@
           <a:p>
             <a:fld id="{63289F7E-B80B-496E-81B4-D396C37C9454}" type="datetimeFigureOut">
               <a:rPr lang="pt-BR" smtClean="0"/>
-              <a:t>10/02/2024</a:t>
+              <a:t>21/02/2024</a:t>
             </a:fld>
             <a:endParaRPr lang="pt-BR"/>
           </a:p>
@@ -3058,7 +3058,7 @@
           <a:p>
             <a:fld id="{63289F7E-B80B-496E-81B4-D396C37C9454}" type="datetimeFigureOut">
               <a:rPr lang="pt-BR" smtClean="0"/>
-              <a:t>10/02/2024</a:t>
+              <a:t>21/02/2024</a:t>
             </a:fld>
             <a:endParaRPr lang="pt-BR"/>
           </a:p>
@@ -3256,7 +3256,7 @@
           <a:p>
             <a:fld id="{63289F7E-B80B-496E-81B4-D396C37C9454}" type="datetimeFigureOut">
               <a:rPr lang="pt-BR" smtClean="0"/>
-              <a:t>10/02/2024</a:t>
+              <a:t>21/02/2024</a:t>
             </a:fld>
             <a:endParaRPr lang="pt-BR"/>
           </a:p>
@@ -3531,7 +3531,7 @@
           <a:p>
             <a:fld id="{63289F7E-B80B-496E-81B4-D396C37C9454}" type="datetimeFigureOut">
               <a:rPr lang="pt-BR" smtClean="0"/>
-              <a:t>10/02/2024</a:t>
+              <a:t>21/02/2024</a:t>
             </a:fld>
             <a:endParaRPr lang="pt-BR"/>
           </a:p>
@@ -3796,7 +3796,7 @@
           <a:p>
             <a:fld id="{63289F7E-B80B-496E-81B4-D396C37C9454}" type="datetimeFigureOut">
               <a:rPr lang="pt-BR" smtClean="0"/>
-              <a:t>10/02/2024</a:t>
+              <a:t>21/02/2024</a:t>
             </a:fld>
             <a:endParaRPr lang="pt-BR"/>
           </a:p>
@@ -4208,7 +4208,7 @@
           <a:p>
             <a:fld id="{63289F7E-B80B-496E-81B4-D396C37C9454}" type="datetimeFigureOut">
               <a:rPr lang="pt-BR" smtClean="0"/>
-              <a:t>10/02/2024</a:t>
+              <a:t>21/02/2024</a:t>
             </a:fld>
             <a:endParaRPr lang="pt-BR"/>
           </a:p>
@@ -4349,7 +4349,7 @@
           <a:p>
             <a:fld id="{63289F7E-B80B-496E-81B4-D396C37C9454}" type="datetimeFigureOut">
               <a:rPr lang="pt-BR" smtClean="0"/>
-              <a:t>10/02/2024</a:t>
+              <a:t>21/02/2024</a:t>
             </a:fld>
             <a:endParaRPr lang="pt-BR"/>
           </a:p>
@@ -4462,7 +4462,7 @@
           <a:p>
             <a:fld id="{63289F7E-B80B-496E-81B4-D396C37C9454}" type="datetimeFigureOut">
               <a:rPr lang="pt-BR" smtClean="0"/>
-              <a:t>10/02/2024</a:t>
+              <a:t>21/02/2024</a:t>
             </a:fld>
             <a:endParaRPr lang="pt-BR"/>
           </a:p>
@@ -4773,7 +4773,7 @@
           <a:p>
             <a:fld id="{63289F7E-B80B-496E-81B4-D396C37C9454}" type="datetimeFigureOut">
               <a:rPr lang="pt-BR" smtClean="0"/>
-              <a:t>10/02/2024</a:t>
+              <a:t>21/02/2024</a:t>
             </a:fld>
             <a:endParaRPr lang="pt-BR"/>
           </a:p>
@@ -5061,7 +5061,7 @@
           <a:p>
             <a:fld id="{63289F7E-B80B-496E-81B4-D396C37C9454}" type="datetimeFigureOut">
               <a:rPr lang="pt-BR" smtClean="0"/>
-              <a:t>10/02/2024</a:t>
+              <a:t>21/02/2024</a:t>
             </a:fld>
             <a:endParaRPr lang="pt-BR"/>
           </a:p>
@@ -5302,7 +5302,7 @@
           <a:p>
             <a:fld id="{63289F7E-B80B-496E-81B4-D396C37C9454}" type="datetimeFigureOut">
               <a:rPr lang="pt-BR" smtClean="0"/>
-              <a:t>10/02/2024</a:t>
+              <a:t>21/02/2024</a:t>
             </a:fld>
             <a:endParaRPr lang="pt-BR"/>
           </a:p>
@@ -40955,7 +40955,7 @@
           <p:nvPr>
             <p:extLst>
               <p:ext uri="{D42A27DB-BD31-4B8C-83A1-F6EECF244321}">
-                <p14:modId xmlns:p14="http://schemas.microsoft.com/office/powerpoint/2010/main" val="4148131781"/>
+                <p14:modId xmlns:p14="http://schemas.microsoft.com/office/powerpoint/2010/main" val="1936342212"/>
               </p:ext>
             </p:extLst>
           </p:nvPr>
@@ -43912,7 +43912,7 @@
                           </a:solidFill>
                           <a:effectLst/>
                         </a:rPr>
-                        <a:t>(Sala I-XX)</a:t>
+                        <a:t>(Sala I-18)</a:t>
                       </a:r>
                       <a:endParaRPr lang="en-US" sz="1400" b="1" dirty="0">
                         <a:solidFill>
@@ -45387,7 +45387,16 @@
                           </a:solidFill>
                           <a:effectLst/>
                         </a:rPr>
-                        <a:t>(Sala I-XX)</a:t>
+                        <a:t>(</a:t>
+                      </a:r>
+                      <a:r>
+                        <a:rPr lang="en-US" sz="1400" b="1" baseline="0">
+                          <a:solidFill>
+                            <a:srgbClr val="FF0000"/>
+                          </a:solidFill>
+                          <a:effectLst/>
+                        </a:rPr>
+                        <a:t>Sala I-18)</a:t>
                       </a:r>
                       <a:endParaRPr lang="en-US" sz="1400" b="1" dirty="0">
                         <a:solidFill>

--- a/slides/T320_Classificação (Parte I).pptx
+++ b/slides/T320_Classificação (Parte I).pptx
@@ -303,7 +303,7 @@
           <a:p>
             <a:fld id="{144F1436-6906-4D93-B7A2-786C327BFA14}" type="datetimeFigureOut">
               <a:rPr lang="nl-BE" smtClean="0"/>
-              <a:t>21/02/2024</a:t>
+              <a:t>21/04/2024</a:t>
             </a:fld>
             <a:endParaRPr lang="nl-BE"/>
           </a:p>
@@ -468,7 +468,7 @@
           <a:p>
             <a:fld id="{AA8CD09E-2914-4F47-B6C1-51B2C31814C9}" type="datetimeFigureOut">
               <a:rPr lang="pt-BR" smtClean="0"/>
-              <a:t>21/02/2024</a:t>
+              <a:t>21/04/2024</a:t>
             </a:fld>
             <a:endParaRPr lang="pt-BR"/>
           </a:p>
@@ -2652,7 +2652,7 @@
           <a:p>
             <a:fld id="{63289F7E-B80B-496E-81B4-D396C37C9454}" type="datetimeFigureOut">
               <a:rPr lang="pt-BR" smtClean="0"/>
-              <a:t>21/02/2024</a:t>
+              <a:t>21/04/2024</a:t>
             </a:fld>
             <a:endParaRPr lang="pt-BR"/>
           </a:p>
@@ -2850,7 +2850,7 @@
           <a:p>
             <a:fld id="{63289F7E-B80B-496E-81B4-D396C37C9454}" type="datetimeFigureOut">
               <a:rPr lang="pt-BR" smtClean="0"/>
-              <a:t>21/02/2024</a:t>
+              <a:t>21/04/2024</a:t>
             </a:fld>
             <a:endParaRPr lang="pt-BR"/>
           </a:p>
@@ -3058,7 +3058,7 @@
           <a:p>
             <a:fld id="{63289F7E-B80B-496E-81B4-D396C37C9454}" type="datetimeFigureOut">
               <a:rPr lang="pt-BR" smtClean="0"/>
-              <a:t>21/02/2024</a:t>
+              <a:t>21/04/2024</a:t>
             </a:fld>
             <a:endParaRPr lang="pt-BR"/>
           </a:p>
@@ -3256,7 +3256,7 @@
           <a:p>
             <a:fld id="{63289F7E-B80B-496E-81B4-D396C37C9454}" type="datetimeFigureOut">
               <a:rPr lang="pt-BR" smtClean="0"/>
-              <a:t>21/02/2024</a:t>
+              <a:t>21/04/2024</a:t>
             </a:fld>
             <a:endParaRPr lang="pt-BR"/>
           </a:p>
@@ -3531,7 +3531,7 @@
           <a:p>
             <a:fld id="{63289F7E-B80B-496E-81B4-D396C37C9454}" type="datetimeFigureOut">
               <a:rPr lang="pt-BR" smtClean="0"/>
-              <a:t>21/02/2024</a:t>
+              <a:t>21/04/2024</a:t>
             </a:fld>
             <a:endParaRPr lang="pt-BR"/>
           </a:p>
@@ -3796,7 +3796,7 @@
           <a:p>
             <a:fld id="{63289F7E-B80B-496E-81B4-D396C37C9454}" type="datetimeFigureOut">
               <a:rPr lang="pt-BR" smtClean="0"/>
-              <a:t>21/02/2024</a:t>
+              <a:t>21/04/2024</a:t>
             </a:fld>
             <a:endParaRPr lang="pt-BR"/>
           </a:p>
@@ -4208,7 +4208,7 @@
           <a:p>
             <a:fld id="{63289F7E-B80B-496E-81B4-D396C37C9454}" type="datetimeFigureOut">
               <a:rPr lang="pt-BR" smtClean="0"/>
-              <a:t>21/02/2024</a:t>
+              <a:t>21/04/2024</a:t>
             </a:fld>
             <a:endParaRPr lang="pt-BR"/>
           </a:p>
@@ -4349,7 +4349,7 @@
           <a:p>
             <a:fld id="{63289F7E-B80B-496E-81B4-D396C37C9454}" type="datetimeFigureOut">
               <a:rPr lang="pt-BR" smtClean="0"/>
-              <a:t>21/02/2024</a:t>
+              <a:t>21/04/2024</a:t>
             </a:fld>
             <a:endParaRPr lang="pt-BR"/>
           </a:p>
@@ -4462,7 +4462,7 @@
           <a:p>
             <a:fld id="{63289F7E-B80B-496E-81B4-D396C37C9454}" type="datetimeFigureOut">
               <a:rPr lang="pt-BR" smtClean="0"/>
-              <a:t>21/02/2024</a:t>
+              <a:t>21/04/2024</a:t>
             </a:fld>
             <a:endParaRPr lang="pt-BR"/>
           </a:p>
@@ -4773,7 +4773,7 @@
           <a:p>
             <a:fld id="{63289F7E-B80B-496E-81B4-D396C37C9454}" type="datetimeFigureOut">
               <a:rPr lang="pt-BR" smtClean="0"/>
-              <a:t>21/02/2024</a:t>
+              <a:t>21/04/2024</a:t>
             </a:fld>
             <a:endParaRPr lang="pt-BR"/>
           </a:p>
@@ -5061,7 +5061,7 @@
           <a:p>
             <a:fld id="{63289F7E-B80B-496E-81B4-D396C37C9454}" type="datetimeFigureOut">
               <a:rPr lang="pt-BR" smtClean="0"/>
-              <a:t>21/02/2024</a:t>
+              <a:t>21/04/2024</a:t>
             </a:fld>
             <a:endParaRPr lang="pt-BR"/>
           </a:p>
@@ -5302,7 +5302,7 @@
           <a:p>
             <a:fld id="{63289F7E-B80B-496E-81B4-D396C37C9454}" type="datetimeFigureOut">
               <a:rPr lang="pt-BR" smtClean="0"/>
-              <a:t>21/02/2024</a:t>
+              <a:t>21/04/2024</a:t>
             </a:fld>
             <a:endParaRPr lang="pt-BR"/>
           </a:p>
@@ -40713,7 +40713,7 @@
             </a:pPr>
             <a:r>
               <a:rPr lang="pt-BR" dirty="0"/>
-              <a:t>Podem ser resolvidos em grupo, </a:t>
+              <a:t>Devem ser resolvidos de forma </a:t>
             </a:r>
             <a:r>
               <a:rPr lang="pt-BR" b="1" i="1" dirty="0">
@@ -40721,12 +40721,9 @@
                   <a:srgbClr val="FF0000"/>
                 </a:solidFill>
               </a:rPr>
-              <a:t>mas entregas devem ser individuais</a:t>
+              <a:t>individual.</a:t>
             </a:r>
-            <a:r>
-              <a:rPr lang="pt-BR" dirty="0"/>
-              <a:t>.</a:t>
-            </a:r>
+            <a:endParaRPr lang="pt-BR" dirty="0"/>
           </a:p>
           <a:p>
             <a:pPr lvl="1">
@@ -40735,15 +40732,7 @@
             </a:pPr>
             <a:r>
               <a:rPr lang="pt-BR" dirty="0"/>
-              <a:t>Exercícios serão atribuídos através de tarefas do </a:t>
-            </a:r>
-            <a:r>
-              <a:rPr lang="pt-BR" dirty="0" err="1"/>
-              <a:t>Teams</a:t>
-            </a:r>
-            <a:r>
-              <a:rPr lang="pt-BR" dirty="0"/>
-              <a:t>.</a:t>
+              <a:t>Exercícios serão atribuídos e entregues através de tarefas do MS Teams.</a:t>
             </a:r>
           </a:p>
           <a:p>

--- a/slides/T320_Classificação (Parte I).pptx
+++ b/slides/T320_Classificação (Parte I).pptx
@@ -303,7 +303,7 @@
           <a:p>
             <a:fld id="{144F1436-6906-4D93-B7A2-786C327BFA14}" type="datetimeFigureOut">
               <a:rPr lang="nl-BE" smtClean="0"/>
-              <a:t>21/04/2024</a:t>
+              <a:t>26/07/2024</a:t>
             </a:fld>
             <a:endParaRPr lang="nl-BE"/>
           </a:p>
@@ -468,7 +468,7 @@
           <a:p>
             <a:fld id="{AA8CD09E-2914-4F47-B6C1-51B2C31814C9}" type="datetimeFigureOut">
               <a:rPr lang="pt-BR" smtClean="0"/>
-              <a:t>21/04/2024</a:t>
+              <a:t>26/07/2024</a:t>
             </a:fld>
             <a:endParaRPr lang="pt-BR"/>
           </a:p>
@@ -2652,7 +2652,7 @@
           <a:p>
             <a:fld id="{63289F7E-B80B-496E-81B4-D396C37C9454}" type="datetimeFigureOut">
               <a:rPr lang="pt-BR" smtClean="0"/>
-              <a:t>21/04/2024</a:t>
+              <a:t>26/07/2024</a:t>
             </a:fld>
             <a:endParaRPr lang="pt-BR"/>
           </a:p>
@@ -2850,7 +2850,7 @@
           <a:p>
             <a:fld id="{63289F7E-B80B-496E-81B4-D396C37C9454}" type="datetimeFigureOut">
               <a:rPr lang="pt-BR" smtClean="0"/>
-              <a:t>21/04/2024</a:t>
+              <a:t>26/07/2024</a:t>
             </a:fld>
             <a:endParaRPr lang="pt-BR"/>
           </a:p>
@@ -3058,7 +3058,7 @@
           <a:p>
             <a:fld id="{63289F7E-B80B-496E-81B4-D396C37C9454}" type="datetimeFigureOut">
               <a:rPr lang="pt-BR" smtClean="0"/>
-              <a:t>21/04/2024</a:t>
+              <a:t>26/07/2024</a:t>
             </a:fld>
             <a:endParaRPr lang="pt-BR"/>
           </a:p>
@@ -3256,7 +3256,7 @@
           <a:p>
             <a:fld id="{63289F7E-B80B-496E-81B4-D396C37C9454}" type="datetimeFigureOut">
               <a:rPr lang="pt-BR" smtClean="0"/>
-              <a:t>21/04/2024</a:t>
+              <a:t>26/07/2024</a:t>
             </a:fld>
             <a:endParaRPr lang="pt-BR"/>
           </a:p>
@@ -3531,7 +3531,7 @@
           <a:p>
             <a:fld id="{63289F7E-B80B-496E-81B4-D396C37C9454}" type="datetimeFigureOut">
               <a:rPr lang="pt-BR" smtClean="0"/>
-              <a:t>21/04/2024</a:t>
+              <a:t>26/07/2024</a:t>
             </a:fld>
             <a:endParaRPr lang="pt-BR"/>
           </a:p>
@@ -3796,7 +3796,7 @@
           <a:p>
             <a:fld id="{63289F7E-B80B-496E-81B4-D396C37C9454}" type="datetimeFigureOut">
               <a:rPr lang="pt-BR" smtClean="0"/>
-              <a:t>21/04/2024</a:t>
+              <a:t>26/07/2024</a:t>
             </a:fld>
             <a:endParaRPr lang="pt-BR"/>
           </a:p>
@@ -4208,7 +4208,7 @@
           <a:p>
             <a:fld id="{63289F7E-B80B-496E-81B4-D396C37C9454}" type="datetimeFigureOut">
               <a:rPr lang="pt-BR" smtClean="0"/>
-              <a:t>21/04/2024</a:t>
+              <a:t>26/07/2024</a:t>
             </a:fld>
             <a:endParaRPr lang="pt-BR"/>
           </a:p>
@@ -4349,7 +4349,7 @@
           <a:p>
             <a:fld id="{63289F7E-B80B-496E-81B4-D396C37C9454}" type="datetimeFigureOut">
               <a:rPr lang="pt-BR" smtClean="0"/>
-              <a:t>21/04/2024</a:t>
+              <a:t>26/07/2024</a:t>
             </a:fld>
             <a:endParaRPr lang="pt-BR"/>
           </a:p>
@@ -4462,7 +4462,7 @@
           <a:p>
             <a:fld id="{63289F7E-B80B-496E-81B4-D396C37C9454}" type="datetimeFigureOut">
               <a:rPr lang="pt-BR" smtClean="0"/>
-              <a:t>21/04/2024</a:t>
+              <a:t>26/07/2024</a:t>
             </a:fld>
             <a:endParaRPr lang="pt-BR"/>
           </a:p>
@@ -4773,7 +4773,7 @@
           <a:p>
             <a:fld id="{63289F7E-B80B-496E-81B4-D396C37C9454}" type="datetimeFigureOut">
               <a:rPr lang="pt-BR" smtClean="0"/>
-              <a:t>21/04/2024</a:t>
+              <a:t>26/07/2024</a:t>
             </a:fld>
             <a:endParaRPr lang="pt-BR"/>
           </a:p>
@@ -5061,7 +5061,7 @@
           <a:p>
             <a:fld id="{63289F7E-B80B-496E-81B4-D396C37C9454}" type="datetimeFigureOut">
               <a:rPr lang="pt-BR" smtClean="0"/>
-              <a:t>21/04/2024</a:t>
+              <a:t>26/07/2024</a:t>
             </a:fld>
             <a:endParaRPr lang="pt-BR"/>
           </a:p>
@@ -5302,7 +5302,7 @@
           <a:p>
             <a:fld id="{63289F7E-B80B-496E-81B4-D396C37C9454}" type="datetimeFigureOut">
               <a:rPr lang="pt-BR" smtClean="0"/>
-              <a:t>21/04/2024</a:t>
+              <a:t>26/07/2024</a:t>
             </a:fld>
             <a:endParaRPr lang="pt-BR"/>
           </a:p>
@@ -40657,7 +40657,7 @@
             </a:pPr>
             <a:r>
               <a:rPr lang="pt-BR" dirty="0"/>
-              <a:t>Envolvendo questões práticas e/ou teóricas.</a:t>
+              <a:t>Envolve questões práticas e/ou teóricas.</a:t>
             </a:r>
           </a:p>
           <a:p>
@@ -40671,7 +40671,15 @@
                   <a:srgbClr val="00B050"/>
                 </a:solidFill>
               </a:rPr>
-              <a:t>Uma parte de cada trabalho será feita presencialmente</a:t>
+              <a:t>Uma parte de cada trabalho será feita </a:t>
+            </a:r>
+            <a:r>
+              <a:rPr lang="pt-BR" b="1" dirty="0">
+                <a:solidFill>
+                  <a:srgbClr val="7030A0"/>
+                </a:solidFill>
+              </a:rPr>
+              <a:t>presencialmente</a:t>
             </a:r>
             <a:r>
               <a:rPr lang="pt-BR" dirty="0"/>
@@ -40732,7 +40740,7 @@
             </a:pPr>
             <a:r>
               <a:rPr lang="pt-BR" dirty="0"/>
-              <a:t>Exercícios serão atribuídos e entregues através de tarefas do MS Teams.</a:t>
+              <a:t>Exercícios serão atribuídos e entregues através do MS Teams.</a:t>
             </a:r>
           </a:p>
           <a:p>
@@ -40944,13 +40952,13 @@
           <p:nvPr>
             <p:extLst>
               <p:ext uri="{D42A27DB-BD31-4B8C-83A1-F6EECF244321}">
-                <p14:modId xmlns:p14="http://schemas.microsoft.com/office/powerpoint/2010/main" val="1936342212"/>
+                <p14:modId xmlns:p14="http://schemas.microsoft.com/office/powerpoint/2010/main" val="1484974922"/>
               </p:ext>
             </p:extLst>
           </p:nvPr>
         </p:nvGraphicFramePr>
         <p:xfrm>
-          <a:off x="838200" y="1430909"/>
+          <a:off x="838200" y="1375493"/>
           <a:ext cx="11049001" cy="5256278"/>
         </p:xfrm>
         <a:graphic>
@@ -41339,7 +41347,7 @@
                         <a:rPr lang="pt-BR" sz="1400" dirty="0">
                           <a:effectLst/>
                         </a:rPr>
-                        <a:t>10/2/2024</a:t>
+                        <a:t>27/7/2024</a:t>
                       </a:r>
                     </a:p>
                   </a:txBody>
@@ -41561,7 +41569,7 @@
                     <a:p>
                       <a:pPr algn="ctr" rtl="0" fontAlgn="b"/>
                       <a:r>
-                        <a:rPr lang="pt-BR" sz="1400">
+                        <a:rPr lang="pt-BR" sz="1400" dirty="0">
                           <a:effectLst/>
                         </a:rPr>
                         <a:t>2</a:t>
@@ -41614,10 +41622,10 @@
                     <a:p>
                       <a:pPr algn="ctr" rtl="0" fontAlgn="b"/>
                       <a:r>
-                        <a:rPr lang="pt-BR" sz="1400">
+                        <a:rPr lang="pt-BR" sz="1400" dirty="0">
                           <a:effectLst/>
                         </a:rPr>
-                        <a:t>17/2/2024</a:t>
+                        <a:t>3/8/2024</a:t>
                       </a:r>
                     </a:p>
                   </a:txBody>
@@ -41862,7 +41870,7 @@
                         <a:rPr lang="pt-BR" sz="1400">
                           <a:effectLst/>
                         </a:rPr>
-                        <a:t>24/2/2024</a:t>
+                        <a:t>10/8/2024</a:t>
                       </a:r>
                     </a:p>
                   </a:txBody>
@@ -42091,7 +42099,7 @@
                         <a:rPr lang="pt-BR" sz="1400">
                           <a:effectLst/>
                         </a:rPr>
-                        <a:t>2/3/2024</a:t>
+                        <a:t>17/8/2024</a:t>
                       </a:r>
                     </a:p>
                   </a:txBody>
@@ -42320,7 +42328,7 @@
                         <a:rPr lang="pt-BR" sz="1400">
                           <a:effectLst/>
                         </a:rPr>
-                        <a:t>9/3/2024</a:t>
+                        <a:t>24/8/2024</a:t>
                       </a:r>
                     </a:p>
                   </a:txBody>
@@ -42549,7 +42557,7 @@
                         <a:rPr lang="pt-BR" sz="1400">
                           <a:effectLst/>
                         </a:rPr>
-                        <a:t>16/3/2024</a:t>
+                        <a:t>31/8/2024</a:t>
                       </a:r>
                     </a:p>
                   </a:txBody>
@@ -42723,6 +42731,9 @@
                       <a:pPr algn="ctr" rtl="0" fontAlgn="b"/>
                       <a:r>
                         <a:rPr lang="pt-BR" sz="1400" dirty="0">
+                          <a:solidFill>
+                            <a:srgbClr val="00B0F0"/>
+                          </a:solidFill>
                           <a:effectLst/>
                         </a:rPr>
                         <a:t>7</a:t>
@@ -42775,10 +42786,13 @@
                     <a:p>
                       <a:pPr algn="ctr" rtl="0" fontAlgn="b"/>
                       <a:r>
-                        <a:rPr lang="pt-BR" sz="1400">
+                        <a:rPr lang="pt-BR" sz="1400" dirty="0">
+                          <a:solidFill>
+                            <a:srgbClr val="00B0F0"/>
+                          </a:solidFill>
                           <a:effectLst/>
                         </a:rPr>
-                        <a:t>23/3/2024</a:t>
+                        <a:t>7/9/2024*</a:t>
                       </a:r>
                     </a:p>
                   </a:txBody>
@@ -43013,7 +43027,7 @@
                         <a:rPr lang="pt-BR" sz="1400">
                           <a:effectLst/>
                         </a:rPr>
-                        <a:t>30/3/2024</a:t>
+                        <a:t>14/9/2024</a:t>
                       </a:r>
                     </a:p>
                   </a:txBody>
@@ -43263,7 +43277,7 @@
                         <a:rPr lang="pt-BR" sz="1400">
                           <a:effectLst/>
                         </a:rPr>
-                        <a:t>6/4/2024</a:t>
+                        <a:t>21/9/2024</a:t>
                       </a:r>
                     </a:p>
                   </a:txBody>
@@ -43494,7 +43508,7 @@
                         <a:rPr lang="pt-BR" sz="1400">
                           <a:effectLst/>
                         </a:rPr>
-                        <a:t>13/4/2024</a:t>
+                        <a:t>28/9/2024</a:t>
                       </a:r>
                     </a:p>
                   </a:txBody>
@@ -43725,13 +43739,16 @@
                     <a:p>
                       <a:pPr algn="ctr" rtl="0" fontAlgn="b"/>
                       <a:r>
-                        <a:rPr lang="pt-BR" sz="1400" b="1" dirty="0">
+                        <a:rPr lang="pt-BR" sz="1400" b="1" kern="1200" dirty="0">
                           <a:solidFill>
                             <a:srgbClr val="00B050"/>
                           </a:solidFill>
                           <a:effectLst/>
+                          <a:latin typeface="+mn-lt"/>
+                          <a:ea typeface="+mn-ea"/>
+                          <a:cs typeface="+mn-cs"/>
                         </a:rPr>
-                        <a:t>20/4/2024</a:t>
+                        <a:t>5/10/2024</a:t>
                       </a:r>
                     </a:p>
                   </a:txBody>
@@ -43901,7 +43918,7 @@
                           </a:solidFill>
                           <a:effectLst/>
                         </a:rPr>
-                        <a:t>(Sala I-18)</a:t>
+                        <a:t>(Sala ???)</a:t>
                       </a:r>
                       <a:endParaRPr lang="en-US" sz="1400" b="1" dirty="0">
                         <a:solidFill>
@@ -43964,7 +43981,10 @@
                     <a:p>
                       <a:pPr algn="ctr" rtl="0" fontAlgn="b"/>
                       <a:r>
-                        <a:rPr lang="pt-BR" sz="1400">
+                        <a:rPr lang="pt-BR" sz="1400" dirty="0">
+                          <a:solidFill>
+                            <a:srgbClr val="00B0F0"/>
+                          </a:solidFill>
                           <a:effectLst/>
                         </a:rPr>
                         <a:t>12</a:t>
@@ -44017,10 +44037,13 @@
                     <a:p>
                       <a:pPr algn="ctr" rtl="0" fontAlgn="b"/>
                       <a:r>
-                        <a:rPr lang="pt-BR" sz="1400">
+                        <a:rPr lang="pt-BR" sz="1400" dirty="0">
+                          <a:solidFill>
+                            <a:srgbClr val="00B0F0"/>
+                          </a:solidFill>
                           <a:effectLst/>
                         </a:rPr>
-                        <a:t>27/4/2024</a:t>
+                        <a:t>12/10/2024*</a:t>
                       </a:r>
                     </a:p>
                   </a:txBody>
@@ -44251,7 +44274,7 @@
                         <a:rPr lang="pt-BR" sz="1400">
                           <a:effectLst/>
                         </a:rPr>
-                        <a:t>4/5/2024</a:t>
+                        <a:t>19/10/2024</a:t>
                       </a:r>
                     </a:p>
                   </a:txBody>
@@ -44482,7 +44505,7 @@
                         <a:rPr lang="pt-BR" sz="1400">
                           <a:effectLst/>
                         </a:rPr>
-                        <a:t>11/5/2024</a:t>
+                        <a:t>26/10/2024</a:t>
                       </a:r>
                     </a:p>
                   </a:txBody>
@@ -44657,7 +44680,10 @@
                     <a:p>
                       <a:pPr algn="ctr" rtl="0" fontAlgn="b"/>
                       <a:r>
-                        <a:rPr lang="pt-BR" sz="1400">
+                        <a:rPr lang="pt-BR" sz="1400" dirty="0">
+                          <a:solidFill>
+                            <a:srgbClr val="00B0F0"/>
+                          </a:solidFill>
                           <a:effectLst/>
                         </a:rPr>
                         <a:t>15</a:t>
@@ -44710,10 +44736,13 @@
                     <a:p>
                       <a:pPr algn="ctr" rtl="0" fontAlgn="b"/>
                       <a:r>
-                        <a:rPr lang="pt-BR" sz="1400">
+                        <a:rPr lang="pt-BR" sz="1400" dirty="0">
+                          <a:solidFill>
+                            <a:srgbClr val="00B0F0"/>
+                          </a:solidFill>
                           <a:effectLst/>
                         </a:rPr>
-                        <a:t>18/5/2024</a:t>
+                        <a:t>2/11/2024*</a:t>
                       </a:r>
                     </a:p>
                   </a:txBody>
@@ -44823,11 +44852,11 @@
                     <a:p>
                       <a:pPr algn="ctr" rtl="0" fontAlgn="b"/>
                       <a:r>
-                        <a:rPr lang="pt-BR" sz="1400"/>
+                        <a:rPr lang="pt-BR" sz="1400" dirty="0"/>
                         <a:t>Introdução</a:t>
                       </a:r>
                       <a:r>
-                        <a:rPr lang="pt-BR" sz="1400" baseline="0"/>
+                        <a:rPr lang="pt-BR" sz="1400" baseline="0" dirty="0"/>
                         <a:t> ao Aprendizado de Máquina</a:t>
                       </a:r>
                       <a:endParaRPr lang="en-US" sz="1400" dirty="0">
@@ -44950,7 +44979,7 @@
                         <a:rPr lang="pt-BR" sz="1400">
                           <a:effectLst/>
                         </a:rPr>
-                        <a:t>25/5/2024</a:t>
+                        <a:t>9/11/2024</a:t>
                       </a:r>
                     </a:p>
                   </a:txBody>
@@ -45200,13 +45229,16 @@
                     <a:p>
                       <a:pPr algn="ctr" rtl="0" fontAlgn="b"/>
                       <a:r>
-                        <a:rPr lang="pt-BR" sz="1400" b="1" dirty="0">
+                        <a:rPr lang="pt-BR" sz="1400" b="1" kern="1200" dirty="0">
                           <a:solidFill>
                             <a:srgbClr val="00B050"/>
                           </a:solidFill>
                           <a:effectLst/>
+                          <a:latin typeface="+mn-lt"/>
+                          <a:ea typeface="+mn-ea"/>
+                          <a:cs typeface="+mn-cs"/>
                         </a:rPr>
-                        <a:t>1/6/2024</a:t>
+                        <a:t>16/11/2024</a:t>
                       </a:r>
                     </a:p>
                   </a:txBody>
@@ -45376,16 +45408,7 @@
                           </a:solidFill>
                           <a:effectLst/>
                         </a:rPr>
-                        <a:t>(</a:t>
-                      </a:r>
-                      <a:r>
-                        <a:rPr lang="en-US" sz="1400" b="1" baseline="0">
-                          <a:solidFill>
-                            <a:srgbClr val="FF0000"/>
-                          </a:solidFill>
-                          <a:effectLst/>
-                        </a:rPr>
-                        <a:t>Sala I-18)</a:t>
+                        <a:t>(Sala ???)</a:t>
                       </a:r>
                       <a:endParaRPr lang="en-US" sz="1400" b="1" dirty="0">
                         <a:solidFill>
@@ -45501,10 +45524,10 @@
                     <a:p>
                       <a:pPr algn="ctr" rtl="0" fontAlgn="b"/>
                       <a:r>
-                        <a:rPr lang="pt-BR" sz="1400" dirty="0">
+                        <a:rPr lang="pt-BR" sz="1400">
                           <a:effectLst/>
                         </a:rPr>
-                        <a:t>8/6/2024</a:t>
+                        <a:t>23/11/2024</a:t>
                       </a:r>
                     </a:p>
                   </a:txBody>
@@ -45735,7 +45758,7 @@
                         <a:rPr lang="pt-BR" sz="1400">
                           <a:effectLst/>
                         </a:rPr>
-                        <a:t>15/6/2024</a:t>
+                        <a:t>30/11/2024</a:t>
                       </a:r>
                     </a:p>
                   </a:txBody>
@@ -45966,7 +45989,7 @@
                         <a:rPr lang="pt-BR" sz="1400" dirty="0">
                           <a:effectLst/>
                         </a:rPr>
-                        <a:t>22/6/2024</a:t>
+                        <a:t>7/12/2024</a:t>
                       </a:r>
                     </a:p>
                   </a:txBody>
@@ -46137,6 +46160,47 @@
           </a:graphicData>
         </a:graphic>
       </p:graphicFrame>
+      <p:sp>
+        <p:nvSpPr>
+          <p:cNvPr id="5" name="CaixaDeTexto 4">
+            <a:extLst>
+              <a:ext uri="{FF2B5EF4-FFF2-40B4-BE49-F238E27FC236}">
+                <a16:creationId xmlns:a16="http://schemas.microsoft.com/office/drawing/2014/main" id="{F387808C-8D5B-1136-B23E-C9104C846CFC}"/>
+              </a:ext>
+            </a:extLst>
+          </p:cNvPr>
+          <p:cNvSpPr txBox="1"/>
+          <p:nvPr/>
+        </p:nvSpPr>
+        <p:spPr>
+          <a:xfrm>
+            <a:off x="711200" y="6631771"/>
+            <a:ext cx="6096000" cy="276999"/>
+          </a:xfrm>
+          <a:prstGeom prst="rect">
+            <a:avLst/>
+          </a:prstGeom>
+          <a:noFill/>
+        </p:spPr>
+        <p:txBody>
+          <a:bodyPr wrap="square">
+            <a:spAutoFit/>
+          </a:bodyPr>
+          <a:lstStyle/>
+          <a:p>
+            <a:r>
+              <a:rPr lang="pt-BR" sz="1200" dirty="0">
+                <a:solidFill>
+                  <a:srgbClr val="00B0F0"/>
+                </a:solidFill>
+                <a:effectLst/>
+              </a:rPr>
+              <a:t>*Feriados (reposições assíncronas)</a:t>
+            </a:r>
+            <a:endParaRPr lang="pt-BR" sz="1200" dirty="0"/>
+          </a:p>
+        </p:txBody>
+      </p:sp>
     </p:spTree>
     <p:extLst>
       <p:ext uri="{BB962C8B-B14F-4D97-AF65-F5344CB8AC3E}">

--- a/slides/T320_Classificação (Parte I).pptx
+++ b/slides/T320_Classificação (Parte I).pptx
@@ -5,10 +5,10 @@
     <p:sldMasterId id="2147483648" r:id="rId1"/>
   </p:sldMasterIdLst>
   <p:notesMasterIdLst>
-    <p:notesMasterId r:id="rId31"/>
+    <p:notesMasterId r:id="rId33"/>
   </p:notesMasterIdLst>
   <p:handoutMasterIdLst>
-    <p:handoutMasterId r:id="rId32"/>
+    <p:handoutMasterId r:id="rId34"/>
   </p:handoutMasterIdLst>
   <p:sldIdLst>
     <p:sldId id="256" r:id="rId2"/>
@@ -23,23 +23,25 @@
     <p:sldId id="329" r:id="rId11"/>
     <p:sldId id="338" r:id="rId12"/>
     <p:sldId id="331" r:id="rId13"/>
-    <p:sldId id="332" r:id="rId14"/>
-    <p:sldId id="350" r:id="rId15"/>
-    <p:sldId id="344" r:id="rId16"/>
-    <p:sldId id="351" r:id="rId17"/>
-    <p:sldId id="345" r:id="rId18"/>
-    <p:sldId id="352" r:id="rId19"/>
-    <p:sldId id="353" r:id="rId20"/>
-    <p:sldId id="355" r:id="rId21"/>
-    <p:sldId id="356" r:id="rId22"/>
-    <p:sldId id="357" r:id="rId23"/>
-    <p:sldId id="337" r:id="rId24"/>
-    <p:sldId id="359" r:id="rId25"/>
-    <p:sldId id="324" r:id="rId26"/>
-    <p:sldId id="306" r:id="rId27"/>
-    <p:sldId id="339" r:id="rId28"/>
-    <p:sldId id="341" r:id="rId29"/>
-    <p:sldId id="343" r:id="rId30"/>
+    <p:sldId id="360" r:id="rId14"/>
+    <p:sldId id="332" r:id="rId15"/>
+    <p:sldId id="350" r:id="rId16"/>
+    <p:sldId id="361" r:id="rId17"/>
+    <p:sldId id="344" r:id="rId18"/>
+    <p:sldId id="351" r:id="rId19"/>
+    <p:sldId id="345" r:id="rId20"/>
+    <p:sldId id="352" r:id="rId21"/>
+    <p:sldId id="353" r:id="rId22"/>
+    <p:sldId id="355" r:id="rId23"/>
+    <p:sldId id="356" r:id="rId24"/>
+    <p:sldId id="357" r:id="rId25"/>
+    <p:sldId id="337" r:id="rId26"/>
+    <p:sldId id="359" r:id="rId27"/>
+    <p:sldId id="324" r:id="rId28"/>
+    <p:sldId id="306" r:id="rId29"/>
+    <p:sldId id="339" r:id="rId30"/>
+    <p:sldId id="341" r:id="rId31"/>
+    <p:sldId id="343" r:id="rId32"/>
   </p:sldIdLst>
   <p:sldSz cx="12192000" cy="6858000"/>
   <p:notesSz cx="7315200" cy="9601200"/>
@@ -886,9 +888,43 @@
             </a:r>
             <a:r>
               <a:rPr lang="pt-BR" baseline="0" dirty="0"/>
-              <a:t> ou discriminam as classes. Essas funções são normalmente chamadas de funções discriminantes, pois vão discriminar (ou seja, separar) as classes.</a:t>
+              <a:t> ou discriminam as classes. Essas funções são normalmente chamadas de funções discriminantes, pois vão discriminar (ou separar) as classes.</a:t>
             </a:r>
             <a:endParaRPr lang="pt-BR" dirty="0"/>
+          </a:p>
+          <a:p>
+            <a:endParaRPr lang="pt-BR" dirty="0"/>
+          </a:p>
+          <a:p>
+            <a:pPr marL="0" marR="0" lvl="0" indent="0" algn="l" defTabSz="914400" rtl="0" eaLnBrk="1" fontAlgn="auto" latinLnBrk="0" hangingPunct="1">
+              <a:lnSpc>
+                <a:spcPct val="100000"/>
+              </a:lnSpc>
+              <a:spcBef>
+                <a:spcPts val="0"/>
+              </a:spcBef>
+              <a:spcAft>
+                <a:spcPts val="0"/>
+              </a:spcAft>
+              <a:buClrTx/>
+              <a:buSzTx/>
+              <a:buFontTx/>
+              <a:buNone/>
+              <a:tabLst/>
+              <a:defRPr/>
+            </a:pPr>
+            <a:r>
+              <a:rPr lang="pt-BR" b="1" i="1" dirty="0"/>
+              <a:t>fronteira de decisão</a:t>
+            </a:r>
+            <a:r>
+              <a:rPr lang="pt-BR" b="0" i="0" dirty="0"/>
+              <a:t>  é onde </a:t>
+            </a:r>
+            <a:r>
+              <a:rPr lang="pt-BR" dirty="0"/>
+              <a:t>onde ocorre uma indeterminação, ou seja, um empate entre diferentes classes possíveis.</a:t>
+            </a:r>
           </a:p>
           <a:p>
             <a:endParaRPr lang="pt-BR" dirty="0"/>
@@ -912,7 +948,7 @@
           <a:p>
             <a:fld id="{6FC8D850-966F-45A6-8DE7-15B891E7D40D}" type="slidenum">
               <a:rPr lang="pt-BR" smtClean="0"/>
-              <a:t>17</a:t>
+              <a:t>18</a:t>
             </a:fld>
             <a:endParaRPr lang="pt-BR"/>
           </a:p>
@@ -921,7 +957,7 @@
     </p:spTree>
     <p:extLst>
       <p:ext uri="{BB962C8B-B14F-4D97-AF65-F5344CB8AC3E}">
-        <p14:creationId xmlns:p14="http://schemas.microsoft.com/office/powerpoint/2010/main" val="1537098451"/>
+        <p14:creationId xmlns:p14="http://schemas.microsoft.com/office/powerpoint/2010/main" val="3462824056"/>
       </p:ext>
     </p:extLst>
   </p:cSld>
@@ -950,7 +986,7 @@
       </p:grpSpPr>
       <p:sp>
         <p:nvSpPr>
-          <p:cNvPr id="2" name="Espaço Reservado para Imagem de Slide 1"/>
+          <p:cNvPr id="2" name="Slide Image Placeholder 1"/>
           <p:cNvSpPr>
             <a:spLocks noGrp="1" noRot="1" noChangeAspect="1"/>
           </p:cNvSpPr>
@@ -962,7 +998,7 @@
       </p:sp>
       <p:sp>
         <p:nvSpPr>
-          <p:cNvPr id="3" name="Espaço Reservado para Anotações 2"/>
+          <p:cNvPr id="3" name="Notes Placeholder 2"/>
           <p:cNvSpPr>
             <a:spLocks noGrp="1"/>
           </p:cNvSpPr>
@@ -994,10 +1030,12 @@
             </a:pPr>
             <a:r>
               <a:rPr lang="pt-BR" dirty="0"/>
-              <a:t>Para um problema de classificação de duas classes, pode-se visualizar a operação de um classificador linear como a divisão de um espaço de entrada de alta dimensão com um hiperplano: todos os pontos de um lado do hiperplano são classificados como "sim", enquanto os outros são classificados como "não".</a:t>
+              <a:t>As fronteiras de decisão são definidas por funções (lineares ou não) que separam</a:t>
             </a:r>
-          </a:p>
-          <a:p>
+            <a:r>
+              <a:rPr lang="pt-BR" baseline="0" dirty="0"/>
+              <a:t> ou discriminam as classes. Essas funções são normalmente chamadas de funções discriminantes, pois vão discriminar (ou seja, separar) as classes.</a:t>
+            </a:r>
             <a:endParaRPr lang="pt-BR" dirty="0"/>
           </a:p>
           <a:p>
@@ -1007,12 +1045,12 @@
       </p:sp>
       <p:sp>
         <p:nvSpPr>
-          <p:cNvPr id="4" name="Espaço Reservado para Número de Slide 3"/>
+          <p:cNvPr id="4" name="Slide Number Placeholder 3"/>
           <p:cNvSpPr>
             <a:spLocks noGrp="1"/>
           </p:cNvSpPr>
           <p:nvPr>
-            <p:ph type="sldNum" sz="quarter" idx="5"/>
+            <p:ph type="sldNum" sz="quarter" idx="10"/>
           </p:nvPr>
         </p:nvSpPr>
         <p:spPr/>
@@ -1022,7 +1060,7 @@
           <a:p>
             <a:fld id="{6FC8D850-966F-45A6-8DE7-15B891E7D40D}" type="slidenum">
               <a:rPr lang="pt-BR" smtClean="0"/>
-              <a:t>18</a:t>
+              <a:t>19</a:t>
             </a:fld>
             <a:endParaRPr lang="pt-BR"/>
           </a:p>
@@ -1031,7 +1069,7 @@
     </p:spTree>
     <p:extLst>
       <p:ext uri="{BB962C8B-B14F-4D97-AF65-F5344CB8AC3E}">
-        <p14:creationId xmlns:p14="http://schemas.microsoft.com/office/powerpoint/2010/main" val="63527196"/>
+        <p14:creationId xmlns:p14="http://schemas.microsoft.com/office/powerpoint/2010/main" val="1537098451"/>
       </p:ext>
     </p:extLst>
   </p:cSld>
@@ -1132,7 +1170,117 @@
           <a:p>
             <a:fld id="{6FC8D850-966F-45A6-8DE7-15B891E7D40D}" type="slidenum">
               <a:rPr lang="pt-BR" smtClean="0"/>
-              <a:t>19</a:t>
+              <a:t>20</a:t>
+            </a:fld>
+            <a:endParaRPr lang="pt-BR"/>
+          </a:p>
+        </p:txBody>
+      </p:sp>
+    </p:spTree>
+    <p:extLst>
+      <p:ext uri="{BB962C8B-B14F-4D97-AF65-F5344CB8AC3E}">
+        <p14:creationId xmlns:p14="http://schemas.microsoft.com/office/powerpoint/2010/main" val="63527196"/>
+      </p:ext>
+    </p:extLst>
+  </p:cSld>
+  <p:clrMapOvr>
+    <a:masterClrMapping/>
+  </p:clrMapOvr>
+</p:notes>
+</file>
+
+<file path=ppt/notesSlides/notesSlide13.xml><?xml version="1.0" encoding="utf-8"?>
+<p:notes xmlns:a="http://schemas.openxmlformats.org/drawingml/2006/main" xmlns:r="http://schemas.openxmlformats.org/officeDocument/2006/relationships" xmlns:p="http://schemas.openxmlformats.org/presentationml/2006/main">
+  <p:cSld>
+    <p:spTree>
+      <p:nvGrpSpPr>
+        <p:cNvPr id="1" name=""/>
+        <p:cNvGrpSpPr/>
+        <p:nvPr/>
+      </p:nvGrpSpPr>
+      <p:grpSpPr>
+        <a:xfrm>
+          <a:off x="0" y="0"/>
+          <a:ext cx="0" cy="0"/>
+          <a:chOff x="0" y="0"/>
+          <a:chExt cx="0" cy="0"/>
+        </a:xfrm>
+      </p:grpSpPr>
+      <p:sp>
+        <p:nvSpPr>
+          <p:cNvPr id="2" name="Espaço Reservado para Imagem de Slide 1"/>
+          <p:cNvSpPr>
+            <a:spLocks noGrp="1" noRot="1" noChangeAspect="1"/>
+          </p:cNvSpPr>
+          <p:nvPr>
+            <p:ph type="sldImg"/>
+          </p:nvPr>
+        </p:nvSpPr>
+        <p:spPr/>
+      </p:sp>
+      <p:sp>
+        <p:nvSpPr>
+          <p:cNvPr id="3" name="Espaço Reservado para Anotações 2"/>
+          <p:cNvSpPr>
+            <a:spLocks noGrp="1"/>
+          </p:cNvSpPr>
+          <p:nvPr>
+            <p:ph type="body" idx="1"/>
+          </p:nvPr>
+        </p:nvSpPr>
+        <p:spPr/>
+        <p:txBody>
+          <a:bodyPr/>
+          <a:lstStyle/>
+          <a:p>
+            <a:pPr marL="0" marR="0" lvl="0" indent="0" algn="l" defTabSz="914400" rtl="0" eaLnBrk="1" fontAlgn="auto" latinLnBrk="0" hangingPunct="1">
+              <a:lnSpc>
+                <a:spcPct val="100000"/>
+              </a:lnSpc>
+              <a:spcBef>
+                <a:spcPts val="0"/>
+              </a:spcBef>
+              <a:spcAft>
+                <a:spcPts val="0"/>
+              </a:spcAft>
+              <a:buClrTx/>
+              <a:buSzTx/>
+              <a:buFontTx/>
+              <a:buNone/>
+              <a:tabLst/>
+              <a:defRPr/>
+            </a:pPr>
+            <a:r>
+              <a:rPr lang="pt-BR" dirty="0"/>
+              <a:t>Para um problema de classificação de duas classes, pode-se visualizar a operação de um classificador linear como a divisão de um espaço de entrada de alta dimensão com um hiperplano: todos os pontos de um lado do hiperplano são classificados como "sim", enquanto os outros são classificados como "não".</a:t>
+            </a:r>
+          </a:p>
+          <a:p>
+            <a:endParaRPr lang="pt-BR" dirty="0"/>
+          </a:p>
+          <a:p>
+            <a:endParaRPr lang="pt-BR" dirty="0"/>
+          </a:p>
+        </p:txBody>
+      </p:sp>
+      <p:sp>
+        <p:nvSpPr>
+          <p:cNvPr id="4" name="Espaço Reservado para Número de Slide 3"/>
+          <p:cNvSpPr>
+            <a:spLocks noGrp="1"/>
+          </p:cNvSpPr>
+          <p:nvPr>
+            <p:ph type="sldNum" sz="quarter" idx="5"/>
+          </p:nvPr>
+        </p:nvSpPr>
+        <p:spPr/>
+        <p:txBody>
+          <a:bodyPr/>
+          <a:lstStyle/>
+          <a:p>
+            <a:fld id="{6FC8D850-966F-45A6-8DE7-15B891E7D40D}" type="slidenum">
+              <a:rPr lang="pt-BR" smtClean="0"/>
+              <a:t>21</a:t>
             </a:fld>
             <a:endParaRPr lang="pt-BR"/>
           </a:p>
@@ -1151,7 +1299,7 @@
 </p:notes>
 </file>
 
-<file path=ppt/notesSlides/notesSlide13.xml><?xml version="1.0" encoding="utf-8"?>
+<file path=ppt/notesSlides/notesSlide14.xml><?xml version="1.0" encoding="utf-8"?>
 <p:notes xmlns:a="http://schemas.openxmlformats.org/drawingml/2006/main" xmlns:r="http://schemas.openxmlformats.org/officeDocument/2006/relationships" xmlns:p="http://schemas.openxmlformats.org/presentationml/2006/main">
   <p:cSld>
     <p:spTree>
@@ -1388,7 +1536,7 @@
           <a:p>
             <a:fld id="{6FC8D850-966F-45A6-8DE7-15B891E7D40D}" type="slidenum">
               <a:rPr lang="pt-BR" smtClean="0"/>
-              <a:t>23</a:t>
+              <a:t>25</a:t>
             </a:fld>
             <a:endParaRPr lang="pt-BR"/>
           </a:p>
@@ -1407,7 +1555,7 @@
 </p:notes>
 </file>
 
-<file path=ppt/notesSlides/notesSlide14.xml><?xml version="1.0" encoding="utf-8"?>
+<file path=ppt/notesSlides/notesSlide15.xml><?xml version="1.0" encoding="utf-8"?>
 <p:notes xmlns:a="http://schemas.openxmlformats.org/drawingml/2006/main" xmlns:r="http://schemas.openxmlformats.org/officeDocument/2006/relationships" xmlns:p="http://schemas.openxmlformats.org/presentationml/2006/main">
   <p:cSld>
     <p:spTree>
@@ -1482,7 +1630,7 @@
           <a:p>
             <a:fld id="{6FC8D850-966F-45A6-8DE7-15B891E7D40D}" type="slidenum">
               <a:rPr lang="pt-BR" smtClean="0"/>
-              <a:t>25</a:t>
+              <a:t>27</a:t>
             </a:fld>
             <a:endParaRPr lang="pt-BR"/>
           </a:p>
@@ -2242,87 +2390,193 @@
         </p:nvSpPr>
         <p:spPr/>
       </p:sp>
-      <p:sp>
-        <p:nvSpPr>
-          <p:cNvPr id="3" name="Notes Placeholder 2"/>
-          <p:cNvSpPr>
-            <a:spLocks noGrp="1"/>
-          </p:cNvSpPr>
-          <p:nvPr>
-            <p:ph type="body" idx="1"/>
-          </p:nvPr>
-        </p:nvSpPr>
-        <p:spPr/>
-        <p:txBody>
-          <a:bodyPr/>
-          <a:lstStyle/>
-          <a:p>
-            <a:pPr marL="0" marR="0" lvl="0" indent="0" algn="l" defTabSz="914400" rtl="0" eaLnBrk="1" fontAlgn="auto" latinLnBrk="0" hangingPunct="1">
-              <a:lnSpc>
-                <a:spcPct val="100000"/>
-              </a:lnSpc>
-              <a:spcBef>
-                <a:spcPts val="0"/>
-              </a:spcBef>
-              <a:spcAft>
-                <a:spcPts val="0"/>
-              </a:spcAft>
-              <a:buClrTx/>
-              <a:buSzTx/>
-              <a:buFontTx/>
-              <a:buNone/>
-              <a:tabLst/>
-              <a:defRPr/>
-            </a:pPr>
-            <a:r>
-              <a:rPr lang="pt-BR" dirty="0"/>
-              <a:t>As fronteiras de decisão são definidas por funções (lineares ou não) que separam</a:t>
-            </a:r>
-            <a:r>
-              <a:rPr lang="pt-BR" baseline="0" dirty="0"/>
-              <a:t> ou discriminam as classes. Essas funções são normalmente chamadas de funções discriminantes, pois vão discriminar (ou separar) as classes.</a:t>
-            </a:r>
-            <a:endParaRPr lang="pt-BR" dirty="0"/>
-          </a:p>
-          <a:p>
-            <a:endParaRPr lang="pt-BR" dirty="0"/>
-          </a:p>
-          <a:p>
-            <a:pPr marL="0" marR="0" lvl="0" indent="0" algn="l" defTabSz="914400" rtl="0" eaLnBrk="1" fontAlgn="auto" latinLnBrk="0" hangingPunct="1">
-              <a:lnSpc>
-                <a:spcPct val="100000"/>
-              </a:lnSpc>
-              <a:spcBef>
-                <a:spcPts val="0"/>
-              </a:spcBef>
-              <a:spcAft>
-                <a:spcPts val="0"/>
-              </a:spcAft>
-              <a:buClrTx/>
-              <a:buSzTx/>
-              <a:buFontTx/>
-              <a:buNone/>
-              <a:tabLst/>
-              <a:defRPr/>
-            </a:pPr>
-            <a:r>
-              <a:rPr lang="pt-BR" b="1" i="1" dirty="0"/>
-              <a:t>fronteira de decisão</a:t>
-            </a:r>
-            <a:r>
-              <a:rPr lang="pt-BR" b="0" i="0" dirty="0"/>
-              <a:t>  é onde </a:t>
-            </a:r>
-            <a:r>
-              <a:rPr lang="pt-BR" dirty="0"/>
-              <a:t>onde ocorre uma indeterminação, ou seja, um empate entre diferentes classes possíveis.</a:t>
-            </a:r>
-          </a:p>
-          <a:p>
-            <a:endParaRPr lang="pt-BR" dirty="0"/>
-          </a:p>
-        </p:txBody>
-      </p:sp>
+      <mc:AlternateContent xmlns:mc="http://schemas.openxmlformats.org/markup-compatibility/2006" xmlns:a14="http://schemas.microsoft.com/office/drawing/2010/main">
+        <mc:Choice Requires="a14">
+          <p:sp>
+            <p:nvSpPr>
+              <p:cNvPr id="3" name="Notes Placeholder 2"/>
+              <p:cNvSpPr>
+                <a:spLocks noGrp="1"/>
+              </p:cNvSpPr>
+              <p:nvPr>
+                <p:ph type="body" idx="1"/>
+              </p:nvPr>
+            </p:nvSpPr>
+            <p:spPr/>
+            <p:txBody>
+              <a:bodyPr/>
+              <a:lstStyle/>
+              <a:p>
+                <a:pPr marL="0" lvl="0" indent="0">
+                  <a:buFont typeface="Arial" panose="020B0604020202020204" pitchFamily="34" charset="0"/>
+                  <a:buNone/>
+                </a:pPr>
+                <a:r>
+                  <a:rPr lang="pt-BR" dirty="0"/>
+                  <a:t>Como veremos a seguir, </a:t>
+                </a:r>
+                <a14:m>
+                  <m:oMath xmlns:m="http://schemas.openxmlformats.org/officeDocument/2006/math">
+                    <m:r>
+                      <a:rPr lang="pt-BR" i="1">
+                        <a:latin typeface="Cambria Math" panose="02040503050406030204" pitchFamily="18" charset="0"/>
+                      </a:rPr>
+                      <m:t>𝑦</m:t>
+                    </m:r>
+                  </m:oMath>
+                </a14:m>
+                <a:r>
+                  <a:rPr lang="pt-BR" dirty="0"/>
+                  <a:t> pode ser um escalar </a:t>
+                </a:r>
+                <a14:m>
+                  <m:oMath xmlns:m="http://schemas.openxmlformats.org/officeDocument/2006/math">
+                    <m:sSup>
+                      <m:sSupPr>
+                        <m:ctrlPr>
+                          <a:rPr lang="pt-BR" i="1">
+                            <a:latin typeface="Cambria Math" panose="02040503050406030204" pitchFamily="18" charset="0"/>
+                            <a:ea typeface="Cambria Math" panose="02040503050406030204" pitchFamily="18" charset="0"/>
+                          </a:rPr>
+                        </m:ctrlPr>
+                      </m:sSupPr>
+                      <m:e>
+                        <m:r>
+                          <a:rPr lang="pt-BR" i="1">
+                            <a:latin typeface="Cambria Math" panose="02040503050406030204" pitchFamily="18" charset="0"/>
+                            <a:ea typeface="Cambria Math" panose="02040503050406030204" pitchFamily="18" charset="0"/>
+                          </a:rPr>
+                          <m:t>ℝ</m:t>
+                        </m:r>
+                      </m:e>
+                      <m:sup>
+                        <m:r>
+                          <a:rPr lang="pt-BR" i="1">
+                            <a:latin typeface="Cambria Math" panose="02040503050406030204" pitchFamily="18" charset="0"/>
+                            <a:ea typeface="Cambria Math" panose="02040503050406030204" pitchFamily="18" charset="0"/>
+                          </a:rPr>
+                          <m:t>1</m:t>
+                        </m:r>
+                      </m:sup>
+                    </m:sSup>
+                  </m:oMath>
+                </a14:m>
+                <a:r>
+                  <a:rPr lang="pt-BR" dirty="0"/>
+                  <a:t> ou um vetor </a:t>
+                </a:r>
+                <a14:m>
+                  <m:oMath xmlns:m="http://schemas.openxmlformats.org/officeDocument/2006/math">
+                    <m:sSup>
+                      <m:sSupPr>
+                        <m:ctrlPr>
+                          <a:rPr lang="pt-BR" i="1">
+                            <a:latin typeface="Cambria Math" panose="02040503050406030204" pitchFamily="18" charset="0"/>
+                            <a:ea typeface="Cambria Math" panose="02040503050406030204" pitchFamily="18" charset="0"/>
+                          </a:rPr>
+                        </m:ctrlPr>
+                      </m:sSupPr>
+                      <m:e>
+                        <m:r>
+                          <a:rPr lang="pt-BR" i="1">
+                            <a:latin typeface="Cambria Math" panose="02040503050406030204" pitchFamily="18" charset="0"/>
+                            <a:ea typeface="Cambria Math" panose="02040503050406030204" pitchFamily="18" charset="0"/>
+                          </a:rPr>
+                          <m:t>ℝ</m:t>
+                        </m:r>
+                      </m:e>
+                      <m:sup>
+                        <m:r>
+                          <a:rPr lang="pt-BR" i="1">
+                            <a:latin typeface="Cambria Math" panose="02040503050406030204" pitchFamily="18" charset="0"/>
+                            <a:ea typeface="Cambria Math" panose="02040503050406030204" pitchFamily="18" charset="0"/>
+                          </a:rPr>
+                          <m:t>𝑄</m:t>
+                        </m:r>
+                        <m:r>
+                          <a:rPr lang="pt-BR" i="1">
+                            <a:latin typeface="Cambria Math" panose="02040503050406030204" pitchFamily="18" charset="0"/>
+                            <a:ea typeface="Cambria Math" panose="02040503050406030204" pitchFamily="18" charset="0"/>
+                          </a:rPr>
+                          <m:t>×1</m:t>
+                        </m:r>
+                      </m:sup>
+                    </m:sSup>
+                  </m:oMath>
+                </a14:m>
+                <a:r>
+                  <a:rPr lang="pt-BR" dirty="0"/>
+                  <a:t>.</a:t>
+                </a:r>
+              </a:p>
+            </p:txBody>
+          </p:sp>
+        </mc:Choice>
+        <mc:Fallback xmlns="">
+          <p:sp>
+            <p:nvSpPr>
+              <p:cNvPr id="3" name="Notes Placeholder 2"/>
+              <p:cNvSpPr>
+                <a:spLocks noGrp="1"/>
+              </p:cNvSpPr>
+              <p:nvPr>
+                <p:ph type="body" idx="1"/>
+              </p:nvPr>
+            </p:nvSpPr>
+            <p:spPr/>
+            <p:txBody>
+              <a:bodyPr/>
+              <a:lstStyle/>
+              <a:p>
+                <a:pPr marL="0" lvl="0" indent="0">
+                  <a:buFont typeface="Arial" panose="020B0604020202020204" pitchFamily="34" charset="0"/>
+                  <a:buNone/>
+                </a:pPr>
+                <a:r>
+                  <a:rPr lang="pt-BR" dirty="0" smtClean="0"/>
+                  <a:t>Como </a:t>
+                </a:r>
+                <a:r>
+                  <a:rPr lang="pt-BR" dirty="0"/>
+                  <a:t>veremos a seguir, </a:t>
+                </a:r>
+                <a:r>
+                  <a:rPr lang="pt-BR" i="0">
+                    <a:latin typeface="Cambria Math" panose="02040503050406030204" pitchFamily="18" charset="0"/>
+                  </a:rPr>
+                  <a:t>𝑦</a:t>
+                </a:r>
+                <a:r>
+                  <a:rPr lang="pt-BR" dirty="0"/>
+                  <a:t> pode ser um escalar </a:t>
+                </a:r>
+                <a:r>
+                  <a:rPr lang="pt-BR" i="0">
+                    <a:latin typeface="Cambria Math" panose="02040503050406030204" pitchFamily="18" charset="0"/>
+                    <a:ea typeface="Cambria Math" panose="02040503050406030204" pitchFamily="18" charset="0"/>
+                  </a:rPr>
+                  <a:t>ℝ^1</a:t>
+                </a:r>
+                <a:r>
+                  <a:rPr lang="pt-BR" dirty="0"/>
+                  <a:t> ou um vetor </a:t>
+                </a:r>
+                <a:r>
+                  <a:rPr lang="pt-BR" i="0">
+                    <a:latin typeface="Cambria Math" panose="02040503050406030204" pitchFamily="18" charset="0"/>
+                    <a:ea typeface="Cambria Math" panose="02040503050406030204" pitchFamily="18" charset="0"/>
+                  </a:rPr>
+                  <a:t>ℝ^(𝑄×1)</a:t>
+                </a:r>
+                <a:r>
+                  <a:rPr lang="pt-BR" dirty="0" smtClean="0"/>
+                  <a:t>.</a:t>
+                </a:r>
+              </a:p>
+            </p:txBody>
+          </p:sp>
+        </mc:Fallback>
+      </mc:AlternateContent>
       <p:sp>
         <p:nvSpPr>
           <p:cNvPr id="4" name="Slide Number Placeholder 3"/>
@@ -2340,7 +2594,7 @@
           <a:p>
             <a:fld id="{6FC8D850-966F-45A6-8DE7-15B891E7D40D}" type="slidenum">
               <a:rPr lang="pt-BR" smtClean="0"/>
-              <a:t>15</a:t>
+              <a:t>13</a:t>
             </a:fld>
             <a:endParaRPr lang="pt-BR"/>
           </a:p>
@@ -2349,7 +2603,7 @@
     </p:spTree>
     <p:extLst>
       <p:ext uri="{BB962C8B-B14F-4D97-AF65-F5344CB8AC3E}">
-        <p14:creationId xmlns:p14="http://schemas.microsoft.com/office/powerpoint/2010/main" val="2490047734"/>
+        <p14:creationId xmlns:p14="http://schemas.microsoft.com/office/powerpoint/2010/main" val="1542493282"/>
       </p:ext>
     </p:extLst>
   </p:cSld>
@@ -2486,7 +2740,7 @@
           <a:p>
             <a:fld id="{6FC8D850-966F-45A6-8DE7-15B891E7D40D}" type="slidenum">
               <a:rPr lang="pt-BR" smtClean="0"/>
-              <a:t>16</a:t>
+              <a:t>17</a:t>
             </a:fld>
             <a:endParaRPr lang="pt-BR"/>
           </a:p>
@@ -2495,7 +2749,7 @@
     </p:spTree>
     <p:extLst>
       <p:ext uri="{BB962C8B-B14F-4D97-AF65-F5344CB8AC3E}">
-        <p14:creationId xmlns:p14="http://schemas.microsoft.com/office/powerpoint/2010/main" val="3462824056"/>
+        <p14:creationId xmlns:p14="http://schemas.microsoft.com/office/powerpoint/2010/main" val="2490047734"/>
       </p:ext>
     </p:extLst>
   </p:cSld>
@@ -5946,13 +6200,13 @@
           <a:p>
             <a:r>
               <a:rPr lang="pt-BR" dirty="0"/>
-              <a:t>Reconhecimento de texto e dígitos.</a:t>
+              <a:t>Reconhecimento de texto.</a:t>
             </a:r>
           </a:p>
           <a:p>
             <a:r>
               <a:rPr lang="pt-BR" dirty="0"/>
-              <a:t>Classificação de texto.</a:t>
+              <a:t>Classificação de texto (e.g., notícias).</a:t>
             </a:r>
           </a:p>
           <a:p>
@@ -5964,7 +6218,7 @@
           <a:p>
             <a:r>
               <a:rPr lang="pt-BR" dirty="0"/>
-              <a:t>Classificação do doenças pulmonares</a:t>
+              <a:t>Classificação do doenças (e.g., pulmonares).</a:t>
             </a:r>
           </a:p>
         </p:txBody>
@@ -7194,8 +7448,8 @@
           </a:p>
         </p:txBody>
       </p:sp>
-      <mc:AlternateContent xmlns:mc="http://schemas.openxmlformats.org/markup-compatibility/2006" xmlns:a14="http://schemas.microsoft.com/office/drawing/2010/main">
-        <mc:Choice Requires="a14">
+      <mc:AlternateContent xmlns:mc="http://schemas.openxmlformats.org/markup-compatibility/2006">
+        <mc:Choice xmlns:a14="http://schemas.microsoft.com/office/drawing/2010/main" Requires="a14">
           <p:sp>
             <p:nvSpPr>
               <p:cNvPr id="3" name="Content Placeholder 2"/>
@@ -7208,13 +7462,13 @@
             </p:nvSpPr>
             <p:spPr>
               <a:xfrm>
-                <a:off x="4818888" y="1825624"/>
-                <a:ext cx="7239762" cy="5032376"/>
+                <a:off x="6096000" y="1825624"/>
+                <a:ext cx="5962650" cy="5032376"/>
               </a:xfrm>
             </p:spPr>
             <p:txBody>
               <a:bodyPr>
-                <a:normAutofit lnSpcReduction="10000"/>
+                <a:normAutofit/>
               </a:bodyPr>
               <a:lstStyle/>
               <a:p>
@@ -7357,7 +7611,11 @@
                   <a:t> é uma variável </a:t>
                 </a:r>
                 <a:r>
-                  <a:rPr lang="pt-BR" b="1" i="1" dirty="0"/>
+                  <a:rPr lang="pt-BR" b="1" i="1" dirty="0">
+                    <a:solidFill>
+                      <a:srgbClr val="7030A0"/>
+                    </a:solidFill>
+                  </a:rPr>
                   <a:t>categórica</a:t>
                 </a:r>
                 <a:r>
@@ -7366,69 +7624,17 @@
                 </a:r>
                 <a:r>
                   <a:rPr lang="pt-BR" b="1" i="1" dirty="0"/>
-                  <a:t>finita e discreta</a:t>
+                  <a:t>valor discreto pertencente a um conjunto finito</a:t>
                 </a:r>
                 <a:r>
                   <a:rPr lang="pt-BR" dirty="0"/>
                   <a:t>).</a:t>
                 </a:r>
               </a:p>
-              <a:p>
-                <a:r>
-                  <a:rPr lang="pt-BR" dirty="0"/>
-                  <a:t>Portanto, para realizarmos o treinamento do </a:t>
-                </a:r>
-                <a:r>
-                  <a:rPr lang="pt-BR" b="1" i="1" dirty="0"/>
-                  <a:t>modelo de classificação</a:t>
-                </a:r>
-                <a:r>
-                  <a:rPr lang="pt-BR" dirty="0"/>
-                  <a:t>, nós devemos escolher uma </a:t>
-                </a:r>
-                <a:r>
-                  <a:rPr lang="pt-BR" b="1" i="1" dirty="0"/>
-                  <a:t>representação numérica </a:t>
-                </a:r>
-                <a:r>
-                  <a:rPr lang="pt-BR" dirty="0"/>
-                  <a:t>para as </a:t>
-                </a:r>
-                <a:r>
-                  <a:rPr lang="pt-BR" b="1" i="1" dirty="0"/>
-                  <a:t>saídas desejadas</a:t>
-                </a:r>
-                <a:r>
-                  <a:rPr lang="pt-BR" dirty="0"/>
-                  <a:t>. </a:t>
-                </a:r>
-              </a:p>
-              <a:p>
-                <a:r>
-                  <a:rPr lang="pt-BR" dirty="0"/>
-                  <a:t>Assim, como veremos a seguir, duas opções podem ser adotadas, dependendo se a classificação é </a:t>
-                </a:r>
-                <a:r>
-                  <a:rPr lang="pt-BR" b="1" i="1" dirty="0"/>
-                  <a:t>binária</a:t>
-                </a:r>
-                <a:r>
-                  <a:rPr lang="pt-BR" dirty="0"/>
-                  <a:t> ou </a:t>
-                </a:r>
-                <a:r>
-                  <a:rPr lang="pt-BR" b="1" i="1" dirty="0"/>
-                  <a:t>multi-classes</a:t>
-                </a:r>
-                <a:r>
-                  <a:rPr lang="pt-BR" dirty="0"/>
-                  <a:t>.</a:t>
-                </a:r>
-              </a:p>
             </p:txBody>
           </p:sp>
         </mc:Choice>
-        <mc:Fallback xmlns="">
+        <mc:Fallback>
           <p:sp>
             <p:nvSpPr>
               <p:cNvPr id="3" name="Content Placeholder 2"/>
@@ -7441,13 +7647,13 @@
             </p:nvSpPr>
             <p:spPr>
               <a:xfrm>
-                <a:off x="4818888" y="1825624"/>
-                <a:ext cx="7239762" cy="5032376"/>
+                <a:off x="6096000" y="1825624"/>
+                <a:ext cx="5962650" cy="5032376"/>
               </a:xfrm>
               <a:blipFill>
                 <a:blip r:embed="rId3"/>
                 <a:stretch>
-                  <a:fillRect l="-1516" t="-2663" r="-1938" b="-1211"/>
+                  <a:fillRect l="-1840" t="-1937" r="-2658"/>
                 </a:stretch>
               </a:blipFill>
             </p:spPr>
@@ -7480,7 +7686,7 @@
         </p:nvGrpSpPr>
         <p:grpSpPr>
           <a:xfrm>
-            <a:off x="94734" y="3389244"/>
+            <a:off x="838200" y="3121390"/>
             <a:ext cx="4585008" cy="805758"/>
             <a:chOff x="3784324" y="5704589"/>
             <a:chExt cx="4585008" cy="805758"/>
@@ -7930,7 +8136,7 @@
         </p:nvSpPr>
         <p:spPr>
           <a:xfrm>
-            <a:off x="180894" y="3799417"/>
+            <a:off x="924360" y="3531563"/>
             <a:ext cx="1022096" cy="375552"/>
           </a:xfrm>
           <a:prstGeom prst="rect">
@@ -8015,13 +8221,723 @@
           <a:p>
             <a:r>
               <a:rPr lang="pt-BR" dirty="0"/>
+              <a:t>Como representar a saída desejada?</a:t>
+            </a:r>
+          </a:p>
+        </p:txBody>
+      </p:sp>
+      <mc:AlternateContent xmlns:mc="http://schemas.openxmlformats.org/markup-compatibility/2006">
+        <mc:Choice xmlns:a14="http://schemas.microsoft.com/office/drawing/2010/main" Requires="a14">
+          <p:sp>
+            <p:nvSpPr>
+              <p:cNvPr id="3" name="Content Placeholder 2"/>
+              <p:cNvSpPr>
+                <a:spLocks noGrp="1"/>
+              </p:cNvSpPr>
+              <p:nvPr>
+                <p:ph idx="1"/>
+              </p:nvPr>
+            </p:nvSpPr>
+            <p:spPr>
+              <a:xfrm>
+                <a:off x="6289964" y="1825624"/>
+                <a:ext cx="5768686" cy="5032376"/>
+              </a:xfrm>
+            </p:spPr>
+            <p:txBody>
+              <a:bodyPr>
+                <a:normAutofit/>
+              </a:bodyPr>
+              <a:lstStyle/>
+              <a:p>
+                <a:r>
+                  <a:rPr lang="pt-BR" dirty="0"/>
+                  <a:t>Portanto, para realizarmos o treinamento do </a:t>
+                </a:r>
+                <a:r>
+                  <a:rPr lang="pt-BR" b="1" i="1" dirty="0"/>
+                  <a:t>modelo de classificação</a:t>
+                </a:r>
+                <a:r>
+                  <a:rPr lang="pt-BR" dirty="0"/>
+                  <a:t>, nós devemos escolher uma </a:t>
+                </a:r>
+                <a:r>
+                  <a:rPr lang="pt-BR" b="1" i="1" dirty="0"/>
+                  <a:t>representação numérica </a:t>
+                </a:r>
+                <a:r>
+                  <a:rPr lang="pt-BR" dirty="0"/>
+                  <a:t>para as </a:t>
+                </a:r>
+                <a:r>
+                  <a:rPr lang="pt-BR" b="1" i="1" dirty="0"/>
+                  <a:t>saídas desejadas</a:t>
+                </a:r>
+                <a:r>
+                  <a:rPr lang="pt-BR" dirty="0"/>
+                  <a:t>. </a:t>
+                </a:r>
+              </a:p>
+              <a:p>
+                <a:r>
+                  <a:rPr lang="pt-BR" dirty="0"/>
+                  <a:t>Assim, como veremos a seguir, duas opções podem ser adotadas, dependendo se a classificação é </a:t>
+                </a:r>
+                <a:r>
+                  <a:rPr lang="pt-BR" b="1" i="1" dirty="0"/>
+                  <a:t>binária</a:t>
+                </a:r>
+                <a:r>
+                  <a:rPr lang="pt-BR" dirty="0"/>
+                  <a:t> (</a:t>
+                </a:r>
+                <a14:m>
+                  <m:oMath xmlns:m="http://schemas.openxmlformats.org/officeDocument/2006/math">
+                    <m:r>
+                      <a:rPr lang="pt-BR" i="1" smtClean="0">
+                        <a:latin typeface="Cambria Math" panose="02040503050406030204" pitchFamily="18" charset="0"/>
+                      </a:rPr>
+                      <m:t>𝑄</m:t>
+                    </m:r>
+                    <m:r>
+                      <a:rPr lang="pt-BR" b="0" i="1" smtClean="0">
+                        <a:latin typeface="Cambria Math" panose="02040503050406030204" pitchFamily="18" charset="0"/>
+                      </a:rPr>
+                      <m:t>=2)</m:t>
+                    </m:r>
+                  </m:oMath>
+                </a14:m>
+                <a:r>
+                  <a:rPr lang="pt-BR" dirty="0"/>
+                  <a:t> ou </a:t>
+                </a:r>
+                <a:r>
+                  <a:rPr lang="pt-BR" b="1" i="1" dirty="0"/>
+                  <a:t>multi-classes</a:t>
+                </a:r>
+                <a:r>
+                  <a:rPr lang="pt-BR" dirty="0"/>
+                  <a:t> (</a:t>
+                </a:r>
+                <a14:m>
+                  <m:oMath xmlns:m="http://schemas.openxmlformats.org/officeDocument/2006/math">
+                    <m:r>
+                      <a:rPr lang="pt-BR" i="1">
+                        <a:latin typeface="Cambria Math" panose="02040503050406030204" pitchFamily="18" charset="0"/>
+                      </a:rPr>
+                      <m:t>𝑄</m:t>
+                    </m:r>
+                    <m:r>
+                      <a:rPr lang="pt-BR" b="0" i="0" smtClean="0">
+                        <a:latin typeface="Cambria Math" panose="02040503050406030204" pitchFamily="18" charset="0"/>
+                      </a:rPr>
+                      <m:t>&gt;2)</m:t>
+                    </m:r>
+                  </m:oMath>
+                </a14:m>
+                <a:r>
+                  <a:rPr lang="pt-BR" dirty="0"/>
+                  <a:t>.</a:t>
+                </a:r>
+              </a:p>
+            </p:txBody>
+          </p:sp>
+        </mc:Choice>
+        <mc:Fallback>
+          <p:sp>
+            <p:nvSpPr>
+              <p:cNvPr id="3" name="Content Placeholder 2"/>
+              <p:cNvSpPr>
+                <a:spLocks noGrp="1" noRot="1" noChangeAspect="1" noMove="1" noResize="1" noEditPoints="1" noAdjustHandles="1" noChangeArrowheads="1" noChangeShapeType="1" noTextEdit="1"/>
+              </p:cNvSpPr>
+              <p:nvPr>
+                <p:ph idx="1"/>
+              </p:nvPr>
+            </p:nvSpPr>
+            <p:spPr>
+              <a:xfrm>
+                <a:off x="6289964" y="1825624"/>
+                <a:ext cx="5768686" cy="5032376"/>
+              </a:xfrm>
+              <a:blipFill>
+                <a:blip r:embed="rId3"/>
+                <a:stretch>
+                  <a:fillRect l="-1903" t="-1937" r="-1057"/>
+                </a:stretch>
+              </a:blipFill>
+            </p:spPr>
+            <p:txBody>
+              <a:bodyPr/>
+              <a:lstStyle/>
+              <a:p>
+                <a:r>
+                  <a:rPr lang="pt-BR">
+                    <a:noFill/>
+                  </a:rPr>
+                  <a:t> </a:t>
+                </a:r>
+              </a:p>
+            </p:txBody>
+          </p:sp>
+        </mc:Fallback>
+      </mc:AlternateContent>
+      <p:grpSp>
+        <p:nvGrpSpPr>
+          <p:cNvPr id="8" name="Agrupar 7">
+            <a:extLst>
+              <a:ext uri="{FF2B5EF4-FFF2-40B4-BE49-F238E27FC236}">
+                <a16:creationId xmlns:a16="http://schemas.microsoft.com/office/drawing/2014/main" id="{C7F00696-64EA-1DE3-26F4-7ED0C2679228}"/>
+              </a:ext>
+            </a:extLst>
+          </p:cNvPr>
+          <p:cNvGrpSpPr/>
+          <p:nvPr/>
+        </p:nvGrpSpPr>
+        <p:grpSpPr>
+          <a:xfrm>
+            <a:off x="838200" y="3352299"/>
+            <a:ext cx="4585008" cy="805758"/>
+            <a:chOff x="3784324" y="5704589"/>
+            <a:chExt cx="4585008" cy="805758"/>
+          </a:xfrm>
+        </p:grpSpPr>
+        <p:sp>
+          <p:nvSpPr>
+            <p:cNvPr id="4" name="Rectangle 3"/>
+            <p:cNvSpPr/>
+            <p:nvPr/>
+          </p:nvSpPr>
+          <p:spPr>
+            <a:xfrm>
+              <a:off x="5252580" y="5704589"/>
+              <a:ext cx="1548142" cy="805758"/>
+            </a:xfrm>
+            <a:prstGeom prst="rect">
+              <a:avLst/>
+            </a:prstGeom>
+            <a:noFill/>
+            <a:ln>
+              <a:solidFill>
+                <a:schemeClr val="tx1"/>
+              </a:solidFill>
+            </a:ln>
+          </p:spPr>
+          <p:style>
+            <a:lnRef idx="2">
+              <a:schemeClr val="accent1">
+                <a:shade val="50000"/>
+              </a:schemeClr>
+            </a:lnRef>
+            <a:fillRef idx="1">
+              <a:schemeClr val="accent1"/>
+            </a:fillRef>
+            <a:effectRef idx="0">
+              <a:schemeClr val="accent1"/>
+            </a:effectRef>
+            <a:fontRef idx="minor">
+              <a:schemeClr val="lt1"/>
+            </a:fontRef>
+          </p:style>
+          <p:txBody>
+            <a:bodyPr rtlCol="0" anchor="ctr"/>
+            <a:lstStyle/>
+            <a:p>
+              <a:pPr algn="ctr"/>
+              <a:r>
+                <a:rPr lang="pt-BR" b="1" dirty="0">
+                  <a:solidFill>
+                    <a:schemeClr val="tx1"/>
+                  </a:solidFill>
+                </a:rPr>
+                <a:t>Algoritmo de treinamento</a:t>
+              </a:r>
+            </a:p>
+          </p:txBody>
+        </p:sp>
+        <p:cxnSp>
+          <p:nvCxnSpPr>
+            <p:cNvPr id="6" name="Straight Arrow Connector 5"/>
+            <p:cNvCxnSpPr/>
+            <p:nvPr/>
+          </p:nvCxnSpPr>
+          <p:spPr>
+            <a:xfrm>
+              <a:off x="4892580" y="5904696"/>
+              <a:ext cx="360000" cy="0"/>
+            </a:xfrm>
+            <a:prstGeom prst="straightConnector1">
+              <a:avLst/>
+            </a:prstGeom>
+            <a:ln>
+              <a:tailEnd type="triangle"/>
+            </a:ln>
+          </p:spPr>
+          <p:style>
+            <a:lnRef idx="1">
+              <a:schemeClr val="accent1"/>
+            </a:lnRef>
+            <a:fillRef idx="0">
+              <a:schemeClr val="accent1"/>
+            </a:fillRef>
+            <a:effectRef idx="0">
+              <a:schemeClr val="accent1"/>
+            </a:effectRef>
+            <a:fontRef idx="minor">
+              <a:schemeClr val="tx1"/>
+            </a:fontRef>
+          </p:style>
+        </p:cxnSp>
+        <p:cxnSp>
+          <p:nvCxnSpPr>
+            <p:cNvPr id="9" name="Straight Arrow Connector 8"/>
+            <p:cNvCxnSpPr/>
+            <p:nvPr/>
+          </p:nvCxnSpPr>
+          <p:spPr>
+            <a:xfrm>
+              <a:off x="4892580" y="6302538"/>
+              <a:ext cx="360000" cy="0"/>
+            </a:xfrm>
+            <a:prstGeom prst="straightConnector1">
+              <a:avLst/>
+            </a:prstGeom>
+            <a:ln>
+              <a:tailEnd type="triangle"/>
+            </a:ln>
+          </p:spPr>
+          <p:style>
+            <a:lnRef idx="1">
+              <a:schemeClr val="accent1"/>
+            </a:lnRef>
+            <a:fillRef idx="0">
+              <a:schemeClr val="accent1"/>
+            </a:fillRef>
+            <a:effectRef idx="0">
+              <a:schemeClr val="accent1"/>
+            </a:effectRef>
+            <a:fontRef idx="minor">
+              <a:schemeClr val="tx1"/>
+            </a:fontRef>
+          </p:style>
+        </p:cxnSp>
+        <mc:AlternateContent xmlns:mc="http://schemas.openxmlformats.org/markup-compatibility/2006" xmlns:a14="http://schemas.microsoft.com/office/drawing/2010/main">
+          <mc:Choice Requires="a14">
+            <p:sp>
+              <p:nvSpPr>
+                <p:cNvPr id="10" name="Rectangle 9"/>
+                <p:cNvSpPr/>
+                <p:nvPr/>
+              </p:nvSpPr>
+              <p:spPr>
+                <a:xfrm>
+                  <a:off x="4309211" y="5712910"/>
+                  <a:ext cx="643253" cy="369332"/>
+                </a:xfrm>
+                <a:prstGeom prst="rect">
+                  <a:avLst/>
+                </a:prstGeom>
+              </p:spPr>
+              <p:txBody>
+                <a:bodyPr wrap="none">
+                  <a:spAutoFit/>
+                </a:bodyPr>
+                <a:lstStyle/>
+                <a:p>
+                  <a:pPr/>
+                  <a14:m>
+                    <m:oMathPara xmlns:m="http://schemas.openxmlformats.org/officeDocument/2006/math">
+                      <m:oMathParaPr>
+                        <m:jc m:val="right"/>
+                      </m:oMathParaPr>
+                      <m:oMath xmlns:m="http://schemas.openxmlformats.org/officeDocument/2006/math">
+                        <m:r>
+                          <a:rPr lang="pt-BR" b="1" i="1">
+                            <a:latin typeface="Cambria Math" panose="02040503050406030204" pitchFamily="18" charset="0"/>
+                          </a:rPr>
+                          <m:t>𝒙</m:t>
+                        </m:r>
+                        <m:d>
+                          <m:dPr>
+                            <m:ctrlPr>
+                              <a:rPr lang="pt-BR" i="1">
+                                <a:latin typeface="Cambria Math" panose="02040503050406030204" pitchFamily="18" charset="0"/>
+                              </a:rPr>
+                            </m:ctrlPr>
+                          </m:dPr>
+                          <m:e>
+                            <m:r>
+                              <a:rPr lang="pt-BR" i="1">
+                                <a:latin typeface="Cambria Math" panose="02040503050406030204" pitchFamily="18" charset="0"/>
+                              </a:rPr>
+                              <m:t>𝑖</m:t>
+                            </m:r>
+                          </m:e>
+                        </m:d>
+                      </m:oMath>
+                    </m:oMathPara>
+                  </a14:m>
+                  <a:endParaRPr lang="pt-BR" dirty="0"/>
+                </a:p>
+              </p:txBody>
+            </p:sp>
+          </mc:Choice>
+          <mc:Fallback xmlns="">
+            <p:sp>
+              <p:nvSpPr>
+                <p:cNvPr id="10" name="Rectangle 9"/>
+                <p:cNvSpPr>
+                  <a:spLocks noRot="1" noChangeAspect="1" noMove="1" noResize="1" noEditPoints="1" noAdjustHandles="1" noChangeArrowheads="1" noChangeShapeType="1" noTextEdit="1"/>
+                </p:cNvSpPr>
+                <p:nvPr/>
+              </p:nvSpPr>
+              <p:spPr>
+                <a:xfrm>
+                  <a:off x="4309211" y="5712910"/>
+                  <a:ext cx="643253" cy="369332"/>
+                </a:xfrm>
+                <a:prstGeom prst="rect">
+                  <a:avLst/>
+                </a:prstGeom>
+                <a:blipFill>
+                  <a:blip r:embed="rId4"/>
+                  <a:stretch>
+                    <a:fillRect/>
+                  </a:stretch>
+                </a:blipFill>
+              </p:spPr>
+              <p:txBody>
+                <a:bodyPr/>
+                <a:lstStyle/>
+                <a:p>
+                  <a:r>
+                    <a:rPr lang="pt-BR">
+                      <a:noFill/>
+                    </a:rPr>
+                    <a:t> </a:t>
+                  </a:r>
+                </a:p>
+              </p:txBody>
+            </p:sp>
+          </mc:Fallback>
+        </mc:AlternateContent>
+        <mc:AlternateContent xmlns:mc="http://schemas.openxmlformats.org/markup-compatibility/2006" xmlns:a14="http://schemas.microsoft.com/office/drawing/2010/main">
+          <mc:Choice Requires="a14">
+            <p:sp>
+              <p:nvSpPr>
+                <p:cNvPr id="11" name="Rectangle 10"/>
+                <p:cNvSpPr/>
+                <p:nvPr/>
+              </p:nvSpPr>
+              <p:spPr>
+                <a:xfrm>
+                  <a:off x="3784324" y="6114762"/>
+                  <a:ext cx="1168140" cy="375552"/>
+                </a:xfrm>
+                <a:prstGeom prst="rect">
+                  <a:avLst/>
+                </a:prstGeom>
+              </p:spPr>
+              <p:txBody>
+                <a:bodyPr wrap="none">
+                  <a:spAutoFit/>
+                </a:bodyPr>
+                <a:lstStyle/>
+                <a:p>
+                  <a:pPr/>
+                  <a14:m>
+                    <m:oMathPara xmlns:m="http://schemas.openxmlformats.org/officeDocument/2006/math">
+                      <m:oMathParaPr>
+                        <m:jc m:val="right"/>
+                      </m:oMathParaPr>
+                      <m:oMath xmlns:m="http://schemas.openxmlformats.org/officeDocument/2006/math">
+                        <m:r>
+                          <a:rPr lang="pt-BR" b="0" i="1" smtClean="0">
+                            <a:latin typeface="Cambria Math" panose="02040503050406030204" pitchFamily="18" charset="0"/>
+                          </a:rPr>
+                          <m:t>𝑦</m:t>
+                        </m:r>
+                        <m:d>
+                          <m:dPr>
+                            <m:ctrlPr>
+                              <a:rPr lang="pt-BR" i="1">
+                                <a:latin typeface="Cambria Math" panose="02040503050406030204" pitchFamily="18" charset="0"/>
+                              </a:rPr>
+                            </m:ctrlPr>
+                          </m:dPr>
+                          <m:e>
+                            <m:r>
+                              <a:rPr lang="pt-BR" i="1">
+                                <a:latin typeface="Cambria Math" panose="02040503050406030204" pitchFamily="18" charset="0"/>
+                              </a:rPr>
+                              <m:t>𝑖</m:t>
+                            </m:r>
+                          </m:e>
+                        </m:d>
+                        <m:r>
+                          <a:rPr lang="pt-BR" i="1" smtClean="0">
+                            <a:latin typeface="Cambria Math" panose="02040503050406030204" pitchFamily="18" charset="0"/>
+                            <a:ea typeface="Cambria Math" panose="02040503050406030204" pitchFamily="18" charset="0"/>
+                          </a:rPr>
+                          <m:t>∈</m:t>
+                        </m:r>
+                        <m:sSup>
+                          <m:sSupPr>
+                            <m:ctrlPr>
+                              <a:rPr lang="pt-BR" i="1">
+                                <a:latin typeface="Cambria Math" panose="02040503050406030204" pitchFamily="18" charset="0"/>
+                                <a:ea typeface="Cambria Math" panose="02040503050406030204" pitchFamily="18" charset="0"/>
+                              </a:rPr>
+                            </m:ctrlPr>
+                          </m:sSupPr>
+                          <m:e>
+                            <m:r>
+                              <a:rPr lang="pt-BR" i="1">
+                                <a:latin typeface="Cambria Math" panose="02040503050406030204" pitchFamily="18" charset="0"/>
+                                <a:ea typeface="Cambria Math" panose="02040503050406030204" pitchFamily="18" charset="0"/>
+                              </a:rPr>
+                              <m:t>ℝ</m:t>
+                            </m:r>
+                          </m:e>
+                          <m:sup>
+                            <m:r>
+                              <a:rPr lang="pt-BR" b="0" i="1" smtClean="0">
+                                <a:latin typeface="Cambria Math" panose="02040503050406030204" pitchFamily="18" charset="0"/>
+                                <a:ea typeface="Cambria Math" panose="02040503050406030204" pitchFamily="18" charset="0"/>
+                              </a:rPr>
+                              <m:t>?</m:t>
+                            </m:r>
+                          </m:sup>
+                        </m:sSup>
+                      </m:oMath>
+                    </m:oMathPara>
+                  </a14:m>
+                  <a:endParaRPr lang="pt-BR" dirty="0"/>
+                </a:p>
+              </p:txBody>
+            </p:sp>
+          </mc:Choice>
+          <mc:Fallback xmlns="">
+            <p:sp>
+              <p:nvSpPr>
+                <p:cNvPr id="11" name="Rectangle 10"/>
+                <p:cNvSpPr>
+                  <a:spLocks noRot="1" noChangeAspect="1" noMove="1" noResize="1" noEditPoints="1" noAdjustHandles="1" noChangeArrowheads="1" noChangeShapeType="1" noTextEdit="1"/>
+                </p:cNvSpPr>
+                <p:nvPr/>
+              </p:nvSpPr>
+              <p:spPr>
+                <a:xfrm>
+                  <a:off x="3784324" y="6114762"/>
+                  <a:ext cx="1168140" cy="375552"/>
+                </a:xfrm>
+                <a:prstGeom prst="rect">
+                  <a:avLst/>
+                </a:prstGeom>
+                <a:blipFill>
+                  <a:blip r:embed="rId5"/>
+                  <a:stretch>
+                    <a:fillRect b="-6557"/>
+                  </a:stretch>
+                </a:blipFill>
+              </p:spPr>
+              <p:txBody>
+                <a:bodyPr/>
+                <a:lstStyle/>
+                <a:p>
+                  <a:r>
+                    <a:rPr lang="pt-BR">
+                      <a:noFill/>
+                    </a:rPr>
+                    <a:t> </a:t>
+                  </a:r>
+                </a:p>
+              </p:txBody>
+            </p:sp>
+          </mc:Fallback>
+        </mc:AlternateContent>
+        <p:cxnSp>
+          <p:nvCxnSpPr>
+            <p:cNvPr id="5" name="Straight Arrow Connector 8">
+              <a:extLst>
+                <a:ext uri="{FF2B5EF4-FFF2-40B4-BE49-F238E27FC236}">
+                  <a16:creationId xmlns:a16="http://schemas.microsoft.com/office/drawing/2014/main" id="{6C954B5F-25A1-B9C2-C45C-4B987E131C32}"/>
+                </a:ext>
+              </a:extLst>
+            </p:cNvPr>
+            <p:cNvCxnSpPr/>
+            <p:nvPr/>
+          </p:nvCxnSpPr>
+          <p:spPr>
+            <a:xfrm>
+              <a:off x="6800722" y="6098106"/>
+              <a:ext cx="360000" cy="0"/>
+            </a:xfrm>
+            <a:prstGeom prst="straightConnector1">
+              <a:avLst/>
+            </a:prstGeom>
+            <a:ln>
+              <a:tailEnd type="triangle"/>
+            </a:ln>
+          </p:spPr>
+          <p:style>
+            <a:lnRef idx="1">
+              <a:schemeClr val="accent1"/>
+            </a:lnRef>
+            <a:fillRef idx="0">
+              <a:schemeClr val="accent1"/>
+            </a:fillRef>
+            <a:effectRef idx="0">
+              <a:schemeClr val="accent1"/>
+            </a:effectRef>
+            <a:fontRef idx="minor">
+              <a:schemeClr val="tx1"/>
+            </a:fontRef>
+          </p:style>
+        </p:cxnSp>
+        <p:sp>
+          <p:nvSpPr>
+            <p:cNvPr id="7" name="CaixaDeTexto 6">
+              <a:extLst>
+                <a:ext uri="{FF2B5EF4-FFF2-40B4-BE49-F238E27FC236}">
+                  <a16:creationId xmlns:a16="http://schemas.microsoft.com/office/drawing/2014/main" id="{D8ED50EE-63AF-FD00-2B7E-68F6C66B4736}"/>
+                </a:ext>
+              </a:extLst>
+            </p:cNvPr>
+            <p:cNvSpPr txBox="1"/>
+            <p:nvPr/>
+          </p:nvSpPr>
+          <p:spPr>
+            <a:xfrm>
+              <a:off x="7033754" y="5759076"/>
+              <a:ext cx="1335578" cy="646331"/>
+            </a:xfrm>
+            <a:prstGeom prst="rect">
+              <a:avLst/>
+            </a:prstGeom>
+            <a:noFill/>
+          </p:spPr>
+          <p:txBody>
+            <a:bodyPr wrap="square" rtlCol="0">
+              <a:spAutoFit/>
+            </a:bodyPr>
+            <a:lstStyle/>
+            <a:p>
+              <a:pPr algn="ctr"/>
+              <a:r>
+                <a:rPr lang="pt-BR" dirty="0"/>
+                <a:t>Modelo de classificação</a:t>
+              </a:r>
+            </a:p>
+          </p:txBody>
+        </p:sp>
+      </p:grpSp>
+      <p:sp>
+        <p:nvSpPr>
+          <p:cNvPr id="13" name="Retângulo 12">
+            <a:extLst>
+              <a:ext uri="{FF2B5EF4-FFF2-40B4-BE49-F238E27FC236}">
+                <a16:creationId xmlns:a16="http://schemas.microsoft.com/office/drawing/2014/main" id="{E3E7437A-31EF-96FF-1A36-96431F7A6F1B}"/>
+              </a:ext>
+            </a:extLst>
+          </p:cNvPr>
+          <p:cNvSpPr/>
+          <p:nvPr/>
+        </p:nvSpPr>
+        <p:spPr>
+          <a:xfrm>
+            <a:off x="924360" y="3762472"/>
+            <a:ext cx="1022096" cy="375552"/>
+          </a:xfrm>
+          <a:prstGeom prst="rect">
+            <a:avLst/>
+          </a:prstGeom>
+          <a:noFill/>
+          <a:ln w="28575">
+            <a:solidFill>
+              <a:srgbClr val="FF0000"/>
+            </a:solidFill>
+          </a:ln>
+        </p:spPr>
+        <p:style>
+          <a:lnRef idx="2">
+            <a:schemeClr val="accent1">
+              <a:shade val="15000"/>
+            </a:schemeClr>
+          </a:lnRef>
+          <a:fillRef idx="1">
+            <a:schemeClr val="accent1"/>
+          </a:fillRef>
+          <a:effectRef idx="0">
+            <a:schemeClr val="accent1"/>
+          </a:effectRef>
+          <a:fontRef idx="minor">
+            <a:schemeClr val="lt1"/>
+          </a:fontRef>
+        </p:style>
+        <p:txBody>
+          <a:bodyPr rtlCol="0" anchor="ctr"/>
+          <a:lstStyle/>
+          <a:p>
+            <a:pPr algn="ctr"/>
+            <a:endParaRPr lang="pt-BR"/>
+          </a:p>
+        </p:txBody>
+      </p:sp>
+    </p:spTree>
+    <p:extLst>
+      <p:ext uri="{BB962C8B-B14F-4D97-AF65-F5344CB8AC3E}">
+        <p14:creationId xmlns:p14="http://schemas.microsoft.com/office/powerpoint/2010/main" val="3763584629"/>
+      </p:ext>
+    </p:extLst>
+  </p:cSld>
+  <p:clrMapOvr>
+    <a:masterClrMapping/>
+  </p:clrMapOvr>
+</p:sld>
+</file>
+
+<file path=ppt/slides/slide14.xml><?xml version="1.0" encoding="utf-8"?>
+<p:sld xmlns:a="http://schemas.openxmlformats.org/drawingml/2006/main" xmlns:r="http://schemas.openxmlformats.org/officeDocument/2006/relationships" xmlns:p="http://schemas.openxmlformats.org/presentationml/2006/main">
+  <p:cSld>
+    <p:spTree>
+      <p:nvGrpSpPr>
+        <p:cNvPr id="1" name=""/>
+        <p:cNvGrpSpPr/>
+        <p:nvPr/>
+      </p:nvGrpSpPr>
+      <p:grpSpPr>
+        <a:xfrm>
+          <a:off x="0" y="0"/>
+          <a:ext cx="0" cy="0"/>
+          <a:chOff x="0" y="0"/>
+          <a:chExt cx="0" cy="0"/>
+        </a:xfrm>
+      </p:grpSpPr>
+      <p:sp>
+        <p:nvSpPr>
+          <p:cNvPr id="2" name="Title 1"/>
+          <p:cNvSpPr>
+            <a:spLocks noGrp="1"/>
+          </p:cNvSpPr>
+          <p:nvPr>
+            <p:ph type="title"/>
+          </p:nvPr>
+        </p:nvSpPr>
+        <p:spPr/>
+        <p:txBody>
+          <a:bodyPr/>
+          <a:lstStyle/>
+          <a:p>
+            <a:r>
+              <a:rPr lang="pt-BR" dirty="0"/>
               <a:t>Representação da saída desejada</a:t>
             </a:r>
           </a:p>
         </p:txBody>
       </p:sp>
-      <mc:AlternateContent xmlns:mc="http://schemas.openxmlformats.org/markup-compatibility/2006" xmlns:a14="http://schemas.microsoft.com/office/drawing/2010/main">
-        <mc:Choice Requires="a14">
+      <mc:AlternateContent xmlns:mc="http://schemas.openxmlformats.org/markup-compatibility/2006">
+        <mc:Choice xmlns:a14="http://schemas.microsoft.com/office/drawing/2010/main" Requires="a14">
           <p:sp>
             <p:nvSpPr>
               <p:cNvPr id="3" name="Content Placeholder 2"/>
@@ -8224,7 +9140,7 @@
               <a:p>
                 <a:r>
                   <a:rPr lang="pt-BR" dirty="0"/>
-                  <a:t>Portanto, nesse caso, podemos utilizar </a:t>
+                  <a:t>Portanto, nesse caso, o classificador possui </a:t>
                 </a:r>
                 <a:r>
                   <a:rPr lang="pt-BR" b="1" i="1" dirty="0"/>
@@ -8236,11 +9152,11 @@
                       <a:srgbClr val="00B050"/>
                     </a:solidFill>
                   </a:rPr>
-                  <a:t>única saída escalar </a:t>
+                  <a:t>única saída escalar binária</a:t>
                 </a:r>
                 <a:r>
                   <a:rPr lang="pt-BR" b="1" i="1" dirty="0"/>
-                  <a:t>binária </a:t>
+                  <a:t> </a:t>
                 </a:r>
                 <a:r>
                   <a:rPr lang="pt-BR" dirty="0"/>
@@ -9187,7 +10103,7 @@
             </p:txBody>
           </p:sp>
         </mc:Choice>
-        <mc:Fallback xmlns="">
+        <mc:Fallback>
           <p:sp>
             <p:nvSpPr>
               <p:cNvPr id="3" name="Content Placeholder 2"/>
@@ -9238,7 +10154,7 @@
 </p:sld>
 </file>
 
-<file path=ppt/slides/slide14.xml><?xml version="1.0" encoding="utf-8"?>
+<file path=ppt/slides/slide15.xml><?xml version="1.0" encoding="utf-8"?>
 <p:sld xmlns:a="http://schemas.openxmlformats.org/drawingml/2006/main" xmlns:r="http://schemas.openxmlformats.org/officeDocument/2006/relationships" xmlns:p="http://schemas.openxmlformats.org/presentationml/2006/main">
   <p:cSld>
     <p:spTree>
@@ -9283,8 +10199,8 @@
           </a:p>
         </p:txBody>
       </p:sp>
-      <mc:AlternateContent xmlns:mc="http://schemas.openxmlformats.org/markup-compatibility/2006" xmlns:a14="http://schemas.microsoft.com/office/drawing/2010/main">
-        <mc:Choice Requires="a14">
+      <mc:AlternateContent xmlns:mc="http://schemas.openxmlformats.org/markup-compatibility/2006">
+        <mc:Choice xmlns:a14="http://schemas.microsoft.com/office/drawing/2010/main" Requires="a14">
           <p:sp>
             <p:nvSpPr>
               <p:cNvPr id="3" name="Espaço Reservado para Conteúdo 2">
@@ -9303,13 +10219,13 @@
             </p:nvSpPr>
             <p:spPr>
               <a:xfrm>
-                <a:off x="838200" y="1825624"/>
-                <a:ext cx="11167872" cy="5032375"/>
+                <a:off x="3768436" y="1825624"/>
+                <a:ext cx="8237636" cy="5032375"/>
               </a:xfrm>
             </p:spPr>
             <p:txBody>
               <a:bodyPr>
-                <a:normAutofit fontScale="92500" lnSpcReduction="10000"/>
+                <a:normAutofit/>
               </a:bodyPr>
               <a:lstStyle/>
               <a:p>
@@ -9349,10 +10265,6 @@
                 </a:r>
               </a:p>
               <a:p>
-                <a:pPr lvl="1">
-                  <a:buFont typeface="Wingdings" panose="05000000000000000000" pitchFamily="2" charset="2"/>
-                  <a:buChar char="§"/>
-                </a:pPr>
                 <a:r>
                   <a:rPr lang="pt-BR" dirty="0"/>
                   <a:t>Uma estratégia bastante utilizada para representar estas classes é conhecida como </a:t>
@@ -9370,6 +10282,291 @@
                   <a:t>. </a:t>
                 </a:r>
               </a:p>
+              <a:p>
+                <a:pPr marL="457200" lvl="1" indent="0">
+                  <a:buNone/>
+                </a:pPr>
+                <a:endParaRPr lang="pt-BR" sz="1700" dirty="0"/>
+              </a:p>
+              <a:p>
+                <a:pPr marL="0" indent="0">
+                  <a:buNone/>
+                </a:pPr>
+                <a:endParaRPr lang="pt-BR" sz="2200" dirty="0"/>
+              </a:p>
+            </p:txBody>
+          </p:sp>
+        </mc: